--- a/Training-Images.pptx
+++ b/Training-Images.pptx
@@ -7,6 +7,7 @@
   <p:sldIdLst>
     <p:sldId id="256" r:id="rId2"/>
     <p:sldId id="257" r:id="rId3"/>
+    <p:sldId id="258" r:id="rId4"/>
   </p:sldIdLst>
   <p:sldSz cx="12192000" cy="6858000"/>
   <p:notesSz cx="6858000" cy="9144000"/>
@@ -5174,7 +5175,7 @@
               <a:t>Array can store only same-type of data with pre-defined length aka </a:t>
             </a:r>
             <a:r>
-              <a:rPr lang="en-IN" sz="2800" b="1"/>
+              <a:rPr lang="en-IN" sz="2800" b="1" dirty="0" err="1"/>
               <a:t>Ubound</a:t>
             </a:r>
             <a:endParaRPr lang="en-US" sz="2800" b="1" dirty="0"/>
@@ -5185,6 +5186,1185 @@
     <p:extLst>
       <p:ext uri="{BB962C8B-B14F-4D97-AF65-F5344CB8AC3E}">
         <p14:creationId xmlns:p14="http://schemas.microsoft.com/office/powerpoint/2010/main" val="4286685871"/>
+      </p:ext>
+    </p:extLst>
+  </p:cSld>
+  <p:clrMapOvr>
+    <a:masterClrMapping/>
+  </p:clrMapOvr>
+</p:sld>
+</file>
+
+<file path=ppt/slides/slide3.xml><?xml version="1.0" encoding="utf-8"?>
+<p:sld xmlns:a="http://schemas.openxmlformats.org/drawingml/2006/main" xmlns:r="http://schemas.openxmlformats.org/officeDocument/2006/relationships" xmlns:p="http://schemas.openxmlformats.org/presentationml/2006/main">
+  <p:cSld>
+    <p:spTree>
+      <p:nvGrpSpPr>
+        <p:cNvPr id="1" name=""/>
+        <p:cNvGrpSpPr/>
+        <p:nvPr/>
+      </p:nvGrpSpPr>
+      <p:grpSpPr>
+        <a:xfrm>
+          <a:off x="0" y="0"/>
+          <a:ext cx="0" cy="0"/>
+          <a:chOff x="0" y="0"/>
+          <a:chExt cx="0" cy="0"/>
+        </a:xfrm>
+      </p:grpSpPr>
+      <p:sp>
+        <p:nvSpPr>
+          <p:cNvPr id="2" name="Rectangle 1">
+            <a:extLst>
+              <a:ext uri="{FF2B5EF4-FFF2-40B4-BE49-F238E27FC236}">
+                <a16:creationId xmlns:a16="http://schemas.microsoft.com/office/drawing/2014/main" id="{0ADFCFBD-E483-A565-3C62-DAC828611200}"/>
+              </a:ext>
+            </a:extLst>
+          </p:cNvPr>
+          <p:cNvSpPr/>
+          <p:nvPr/>
+        </p:nvSpPr>
+        <p:spPr>
+          <a:xfrm>
+            <a:off x="914400" y="802433"/>
+            <a:ext cx="849086" cy="569167"/>
+          </a:xfrm>
+          <a:prstGeom prst="rect">
+            <a:avLst/>
+          </a:prstGeom>
+        </p:spPr>
+        <p:style>
+          <a:lnRef idx="2">
+            <a:schemeClr val="accent1">
+              <a:shade val="50000"/>
+            </a:schemeClr>
+          </a:lnRef>
+          <a:fillRef idx="1">
+            <a:schemeClr val="accent1"/>
+          </a:fillRef>
+          <a:effectRef idx="0">
+            <a:schemeClr val="accent1"/>
+          </a:effectRef>
+          <a:fontRef idx="minor">
+            <a:schemeClr val="lt1"/>
+          </a:fontRef>
+        </p:style>
+        <p:txBody>
+          <a:bodyPr rtlCol="0" anchor="ctr"/>
+          <a:lstStyle/>
+          <a:p>
+            <a:pPr algn="ctr"/>
+            <a:r>
+              <a:rPr lang="en-IN" dirty="0"/>
+              <a:t>10</a:t>
+            </a:r>
+            <a:endParaRPr lang="en-US" dirty="0"/>
+          </a:p>
+        </p:txBody>
+      </p:sp>
+      <p:sp>
+        <p:nvSpPr>
+          <p:cNvPr id="3" name="Rectangle 2">
+            <a:extLst>
+              <a:ext uri="{FF2B5EF4-FFF2-40B4-BE49-F238E27FC236}">
+                <a16:creationId xmlns:a16="http://schemas.microsoft.com/office/drawing/2014/main" id="{BF0F14EC-66B6-BFED-6363-A24D766FA506}"/>
+              </a:ext>
+            </a:extLst>
+          </p:cNvPr>
+          <p:cNvSpPr/>
+          <p:nvPr/>
+        </p:nvSpPr>
+        <p:spPr>
+          <a:xfrm>
+            <a:off x="1763486" y="802432"/>
+            <a:ext cx="849086" cy="569167"/>
+          </a:xfrm>
+          <a:prstGeom prst="rect">
+            <a:avLst/>
+          </a:prstGeom>
+        </p:spPr>
+        <p:style>
+          <a:lnRef idx="2">
+            <a:schemeClr val="accent1">
+              <a:shade val="50000"/>
+            </a:schemeClr>
+          </a:lnRef>
+          <a:fillRef idx="1">
+            <a:schemeClr val="accent1"/>
+          </a:fillRef>
+          <a:effectRef idx="0">
+            <a:schemeClr val="accent1"/>
+          </a:effectRef>
+          <a:fontRef idx="minor">
+            <a:schemeClr val="lt1"/>
+          </a:fontRef>
+        </p:style>
+        <p:txBody>
+          <a:bodyPr rtlCol="0" anchor="ctr"/>
+          <a:lstStyle/>
+          <a:p>
+            <a:pPr algn="ctr"/>
+            <a:r>
+              <a:rPr lang="en-IN" dirty="0"/>
+              <a:t>20</a:t>
+            </a:r>
+            <a:endParaRPr lang="en-US" dirty="0"/>
+          </a:p>
+        </p:txBody>
+      </p:sp>
+      <p:sp>
+        <p:nvSpPr>
+          <p:cNvPr id="4" name="Rectangle 3">
+            <a:extLst>
+              <a:ext uri="{FF2B5EF4-FFF2-40B4-BE49-F238E27FC236}">
+                <a16:creationId xmlns:a16="http://schemas.microsoft.com/office/drawing/2014/main" id="{44BD8484-E604-AEA3-DD14-80D2B026C598}"/>
+              </a:ext>
+            </a:extLst>
+          </p:cNvPr>
+          <p:cNvSpPr/>
+          <p:nvPr/>
+        </p:nvSpPr>
+        <p:spPr>
+          <a:xfrm>
+            <a:off x="2612572" y="802432"/>
+            <a:ext cx="849086" cy="569167"/>
+          </a:xfrm>
+          <a:prstGeom prst="rect">
+            <a:avLst/>
+          </a:prstGeom>
+        </p:spPr>
+        <p:style>
+          <a:lnRef idx="2">
+            <a:schemeClr val="accent1">
+              <a:shade val="50000"/>
+            </a:schemeClr>
+          </a:lnRef>
+          <a:fillRef idx="1">
+            <a:schemeClr val="accent1"/>
+          </a:fillRef>
+          <a:effectRef idx="0">
+            <a:schemeClr val="accent1"/>
+          </a:effectRef>
+          <a:fontRef idx="minor">
+            <a:schemeClr val="lt1"/>
+          </a:fontRef>
+        </p:style>
+        <p:txBody>
+          <a:bodyPr rtlCol="0" anchor="ctr"/>
+          <a:lstStyle/>
+          <a:p>
+            <a:pPr algn="ctr"/>
+            <a:r>
+              <a:rPr lang="en-IN" dirty="0"/>
+              <a:t>30</a:t>
+            </a:r>
+            <a:endParaRPr lang="en-US" dirty="0"/>
+          </a:p>
+        </p:txBody>
+      </p:sp>
+      <p:sp>
+        <p:nvSpPr>
+          <p:cNvPr id="5" name="Rectangle 4">
+            <a:extLst>
+              <a:ext uri="{FF2B5EF4-FFF2-40B4-BE49-F238E27FC236}">
+                <a16:creationId xmlns:a16="http://schemas.microsoft.com/office/drawing/2014/main" id="{C42A0445-29F8-70F4-FCCB-7960771A4BDB}"/>
+              </a:ext>
+            </a:extLst>
+          </p:cNvPr>
+          <p:cNvSpPr/>
+          <p:nvPr/>
+        </p:nvSpPr>
+        <p:spPr>
+          <a:xfrm>
+            <a:off x="3461658" y="802431"/>
+            <a:ext cx="849086" cy="569167"/>
+          </a:xfrm>
+          <a:prstGeom prst="rect">
+            <a:avLst/>
+          </a:prstGeom>
+        </p:spPr>
+        <p:style>
+          <a:lnRef idx="2">
+            <a:schemeClr val="accent1">
+              <a:shade val="50000"/>
+            </a:schemeClr>
+          </a:lnRef>
+          <a:fillRef idx="1">
+            <a:schemeClr val="accent1"/>
+          </a:fillRef>
+          <a:effectRef idx="0">
+            <a:schemeClr val="accent1"/>
+          </a:effectRef>
+          <a:fontRef idx="minor">
+            <a:schemeClr val="lt1"/>
+          </a:fontRef>
+        </p:style>
+        <p:txBody>
+          <a:bodyPr rtlCol="0" anchor="ctr"/>
+          <a:lstStyle/>
+          <a:p>
+            <a:pPr algn="ctr"/>
+            <a:r>
+              <a:rPr lang="en-IN" dirty="0" err="1"/>
+              <a:t>Mah</a:t>
+            </a:r>
+            <a:endParaRPr lang="en-US" dirty="0"/>
+          </a:p>
+        </p:txBody>
+      </p:sp>
+      <p:sp>
+        <p:nvSpPr>
+          <p:cNvPr id="6" name="Rectangle 5">
+            <a:extLst>
+              <a:ext uri="{FF2B5EF4-FFF2-40B4-BE49-F238E27FC236}">
+                <a16:creationId xmlns:a16="http://schemas.microsoft.com/office/drawing/2014/main" id="{6B78FDD6-97BB-3DE7-E33F-B14048884691}"/>
+              </a:ext>
+            </a:extLst>
+          </p:cNvPr>
+          <p:cNvSpPr/>
+          <p:nvPr/>
+        </p:nvSpPr>
+        <p:spPr>
+          <a:xfrm>
+            <a:off x="4310744" y="802432"/>
+            <a:ext cx="849086" cy="569167"/>
+          </a:xfrm>
+          <a:prstGeom prst="rect">
+            <a:avLst/>
+          </a:prstGeom>
+        </p:spPr>
+        <p:style>
+          <a:lnRef idx="2">
+            <a:schemeClr val="accent1">
+              <a:shade val="50000"/>
+            </a:schemeClr>
+          </a:lnRef>
+          <a:fillRef idx="1">
+            <a:schemeClr val="accent1"/>
+          </a:fillRef>
+          <a:effectRef idx="0">
+            <a:schemeClr val="accent1"/>
+          </a:effectRef>
+          <a:fontRef idx="minor">
+            <a:schemeClr val="lt1"/>
+          </a:fontRef>
+        </p:style>
+        <p:txBody>
+          <a:bodyPr rtlCol="0" anchor="ctr"/>
+          <a:lstStyle/>
+          <a:p>
+            <a:pPr algn="ctr"/>
+            <a:r>
+              <a:rPr lang="en-IN" dirty="0" err="1"/>
+              <a:t>Tej</a:t>
+            </a:r>
+            <a:endParaRPr lang="en-US" dirty="0"/>
+          </a:p>
+        </p:txBody>
+      </p:sp>
+      <p:sp>
+        <p:nvSpPr>
+          <p:cNvPr id="7" name="Rectangle 6">
+            <a:extLst>
+              <a:ext uri="{FF2B5EF4-FFF2-40B4-BE49-F238E27FC236}">
+                <a16:creationId xmlns:a16="http://schemas.microsoft.com/office/drawing/2014/main" id="{F483A732-3241-3C07-FCEB-B4449502067D}"/>
+              </a:ext>
+            </a:extLst>
+          </p:cNvPr>
+          <p:cNvSpPr/>
+          <p:nvPr/>
+        </p:nvSpPr>
+        <p:spPr>
+          <a:xfrm>
+            <a:off x="5159830" y="802431"/>
+            <a:ext cx="849086" cy="569167"/>
+          </a:xfrm>
+          <a:prstGeom prst="rect">
+            <a:avLst/>
+          </a:prstGeom>
+        </p:spPr>
+        <p:style>
+          <a:lnRef idx="2">
+            <a:schemeClr val="accent1">
+              <a:shade val="50000"/>
+            </a:schemeClr>
+          </a:lnRef>
+          <a:fillRef idx="1">
+            <a:schemeClr val="accent1"/>
+          </a:fillRef>
+          <a:effectRef idx="0">
+            <a:schemeClr val="accent1"/>
+          </a:effectRef>
+          <a:fontRef idx="minor">
+            <a:schemeClr val="lt1"/>
+          </a:fontRef>
+        </p:style>
+        <p:txBody>
+          <a:bodyPr rtlCol="0" anchor="ctr"/>
+          <a:lstStyle/>
+          <a:p>
+            <a:pPr algn="ctr"/>
+            <a:r>
+              <a:rPr lang="en-IN" dirty="0"/>
+              <a:t>60.6</a:t>
+            </a:r>
+            <a:endParaRPr lang="en-US" dirty="0"/>
+          </a:p>
+        </p:txBody>
+      </p:sp>
+      <p:sp>
+        <p:nvSpPr>
+          <p:cNvPr id="8" name="Rectangle 7">
+            <a:extLst>
+              <a:ext uri="{FF2B5EF4-FFF2-40B4-BE49-F238E27FC236}">
+                <a16:creationId xmlns:a16="http://schemas.microsoft.com/office/drawing/2014/main" id="{A49BE440-9A57-68AB-5F5F-856FD1AD4E7C}"/>
+              </a:ext>
+            </a:extLst>
+          </p:cNvPr>
+          <p:cNvSpPr/>
+          <p:nvPr/>
+        </p:nvSpPr>
+        <p:spPr>
+          <a:xfrm>
+            <a:off x="6008916" y="802431"/>
+            <a:ext cx="849086" cy="569167"/>
+          </a:xfrm>
+          <a:prstGeom prst="rect">
+            <a:avLst/>
+          </a:prstGeom>
+        </p:spPr>
+        <p:style>
+          <a:lnRef idx="2">
+            <a:schemeClr val="accent1">
+              <a:shade val="50000"/>
+            </a:schemeClr>
+          </a:lnRef>
+          <a:fillRef idx="1">
+            <a:schemeClr val="accent1"/>
+          </a:fillRef>
+          <a:effectRef idx="0">
+            <a:schemeClr val="accent1"/>
+          </a:effectRef>
+          <a:fontRef idx="minor">
+            <a:schemeClr val="lt1"/>
+          </a:fontRef>
+        </p:style>
+        <p:txBody>
+          <a:bodyPr rtlCol="0" anchor="ctr"/>
+          <a:lstStyle/>
+          <a:p>
+            <a:pPr algn="ctr"/>
+            <a:r>
+              <a:rPr lang="en-IN" dirty="0"/>
+              <a:t>7.7</a:t>
+            </a:r>
+            <a:endParaRPr lang="en-US" dirty="0"/>
+          </a:p>
+        </p:txBody>
+      </p:sp>
+      <p:sp>
+        <p:nvSpPr>
+          <p:cNvPr id="9" name="Rectangle 8">
+            <a:extLst>
+              <a:ext uri="{FF2B5EF4-FFF2-40B4-BE49-F238E27FC236}">
+                <a16:creationId xmlns:a16="http://schemas.microsoft.com/office/drawing/2014/main" id="{FCB46C65-8E98-50AD-A0F4-7D2B6AE12211}"/>
+              </a:ext>
+            </a:extLst>
+          </p:cNvPr>
+          <p:cNvSpPr/>
+          <p:nvPr/>
+        </p:nvSpPr>
+        <p:spPr>
+          <a:xfrm>
+            <a:off x="6858002" y="802430"/>
+            <a:ext cx="849086" cy="569167"/>
+          </a:xfrm>
+          <a:prstGeom prst="rect">
+            <a:avLst/>
+          </a:prstGeom>
+        </p:spPr>
+        <p:style>
+          <a:lnRef idx="2">
+            <a:schemeClr val="accent1">
+              <a:shade val="50000"/>
+            </a:schemeClr>
+          </a:lnRef>
+          <a:fillRef idx="1">
+            <a:schemeClr val="accent1"/>
+          </a:fillRef>
+          <a:effectRef idx="0">
+            <a:schemeClr val="accent1"/>
+          </a:effectRef>
+          <a:fontRef idx="minor">
+            <a:schemeClr val="lt1"/>
+          </a:fontRef>
+        </p:style>
+        <p:txBody>
+          <a:bodyPr rtlCol="0" anchor="ctr"/>
+          <a:lstStyle/>
+          <a:p>
+            <a:pPr algn="ctr"/>
+            <a:r>
+              <a:rPr lang="en-IN" dirty="0"/>
+              <a:t>A</a:t>
+            </a:r>
+            <a:endParaRPr lang="en-US" dirty="0"/>
+          </a:p>
+        </p:txBody>
+      </p:sp>
+      <p:sp>
+        <p:nvSpPr>
+          <p:cNvPr id="10" name="Rectangle 9">
+            <a:extLst>
+              <a:ext uri="{FF2B5EF4-FFF2-40B4-BE49-F238E27FC236}">
+                <a16:creationId xmlns:a16="http://schemas.microsoft.com/office/drawing/2014/main" id="{1D3DEAF1-7397-B588-4DDA-1A148D89EDE3}"/>
+              </a:ext>
+            </a:extLst>
+          </p:cNvPr>
+          <p:cNvSpPr/>
+          <p:nvPr/>
+        </p:nvSpPr>
+        <p:spPr>
+          <a:xfrm>
+            <a:off x="7707088" y="802430"/>
+            <a:ext cx="849086" cy="569167"/>
+          </a:xfrm>
+          <a:prstGeom prst="rect">
+            <a:avLst/>
+          </a:prstGeom>
+        </p:spPr>
+        <p:style>
+          <a:lnRef idx="2">
+            <a:schemeClr val="accent1">
+              <a:shade val="50000"/>
+            </a:schemeClr>
+          </a:lnRef>
+          <a:fillRef idx="1">
+            <a:schemeClr val="accent1"/>
+          </a:fillRef>
+          <a:effectRef idx="0">
+            <a:schemeClr val="accent1"/>
+          </a:effectRef>
+          <a:fontRef idx="minor">
+            <a:schemeClr val="lt1"/>
+          </a:fontRef>
+        </p:style>
+        <p:txBody>
+          <a:bodyPr rtlCol="0" anchor="ctr"/>
+          <a:lstStyle/>
+          <a:p>
+            <a:pPr algn="ctr"/>
+            <a:r>
+              <a:rPr lang="en-IN" dirty="0"/>
+              <a:t>B</a:t>
+            </a:r>
+            <a:endParaRPr lang="en-US" dirty="0"/>
+          </a:p>
+        </p:txBody>
+      </p:sp>
+      <p:sp>
+        <p:nvSpPr>
+          <p:cNvPr id="11" name="Rectangle 10">
+            <a:extLst>
+              <a:ext uri="{FF2B5EF4-FFF2-40B4-BE49-F238E27FC236}">
+                <a16:creationId xmlns:a16="http://schemas.microsoft.com/office/drawing/2014/main" id="{441FFB3D-5E50-34D6-7C07-E85243F535B7}"/>
+              </a:ext>
+            </a:extLst>
+          </p:cNvPr>
+          <p:cNvSpPr/>
+          <p:nvPr/>
+        </p:nvSpPr>
+        <p:spPr>
+          <a:xfrm>
+            <a:off x="8556174" y="802429"/>
+            <a:ext cx="849086" cy="569167"/>
+          </a:xfrm>
+          <a:prstGeom prst="rect">
+            <a:avLst/>
+          </a:prstGeom>
+        </p:spPr>
+        <p:style>
+          <a:lnRef idx="2">
+            <a:schemeClr val="accent1">
+              <a:shade val="50000"/>
+            </a:schemeClr>
+          </a:lnRef>
+          <a:fillRef idx="1">
+            <a:schemeClr val="accent1"/>
+          </a:fillRef>
+          <a:effectRef idx="0">
+            <a:schemeClr val="accent1"/>
+          </a:effectRef>
+          <a:fontRef idx="minor">
+            <a:schemeClr val="lt1"/>
+          </a:fontRef>
+        </p:style>
+        <p:txBody>
+          <a:bodyPr rtlCol="0" anchor="ctr"/>
+          <a:lstStyle/>
+          <a:p>
+            <a:pPr algn="ctr"/>
+            <a:r>
+              <a:rPr lang="en-IN" dirty="0"/>
+              <a:t>C</a:t>
+            </a:r>
+            <a:endParaRPr lang="en-US" dirty="0"/>
+          </a:p>
+        </p:txBody>
+      </p:sp>
+      <p:sp>
+        <p:nvSpPr>
+          <p:cNvPr id="14" name="TextBox 13">
+            <a:extLst>
+              <a:ext uri="{FF2B5EF4-FFF2-40B4-BE49-F238E27FC236}">
+                <a16:creationId xmlns:a16="http://schemas.microsoft.com/office/drawing/2014/main" id="{F0DB5C68-3C31-B496-67CF-3BACC2979E5E}"/>
+              </a:ext>
+            </a:extLst>
+          </p:cNvPr>
+          <p:cNvSpPr txBox="1"/>
+          <p:nvPr/>
+        </p:nvSpPr>
+        <p:spPr>
+          <a:xfrm>
+            <a:off x="2967135" y="195943"/>
+            <a:ext cx="3890867" cy="369332"/>
+          </a:xfrm>
+          <a:prstGeom prst="rect">
+            <a:avLst/>
+          </a:prstGeom>
+          <a:noFill/>
+        </p:spPr>
+        <p:txBody>
+          <a:bodyPr wrap="square" rtlCol="0">
+            <a:spAutoFit/>
+          </a:bodyPr>
+          <a:lstStyle/>
+          <a:p>
+            <a:pPr algn="ctr"/>
+            <a:r>
+              <a:rPr lang="en-IN" b="1" dirty="0" err="1"/>
+              <a:t>ArrayList</a:t>
+            </a:r>
+            <a:endParaRPr lang="en-US" b="1" dirty="0"/>
+          </a:p>
+        </p:txBody>
+      </p:sp>
+      <p:sp>
+        <p:nvSpPr>
+          <p:cNvPr id="15" name="Rectangle 14">
+            <a:extLst>
+              <a:ext uri="{FF2B5EF4-FFF2-40B4-BE49-F238E27FC236}">
+                <a16:creationId xmlns:a16="http://schemas.microsoft.com/office/drawing/2014/main" id="{CAD52345-7B92-BA82-3FD2-0F3D31EBC526}"/>
+              </a:ext>
+            </a:extLst>
+          </p:cNvPr>
+          <p:cNvSpPr/>
+          <p:nvPr/>
+        </p:nvSpPr>
+        <p:spPr>
+          <a:xfrm>
+            <a:off x="522514" y="2211355"/>
+            <a:ext cx="1175657" cy="718457"/>
+          </a:xfrm>
+          <a:prstGeom prst="rect">
+            <a:avLst/>
+          </a:prstGeom>
+        </p:spPr>
+        <p:style>
+          <a:lnRef idx="1">
+            <a:schemeClr val="accent2"/>
+          </a:lnRef>
+          <a:fillRef idx="2">
+            <a:schemeClr val="accent2"/>
+          </a:fillRef>
+          <a:effectRef idx="1">
+            <a:schemeClr val="accent2"/>
+          </a:effectRef>
+          <a:fontRef idx="minor">
+            <a:schemeClr val="dk1"/>
+          </a:fontRef>
+        </p:style>
+        <p:txBody>
+          <a:bodyPr rtlCol="0" anchor="ctr"/>
+          <a:lstStyle/>
+          <a:p>
+            <a:pPr algn="ctr"/>
+            <a:endParaRPr lang="en-US"/>
+          </a:p>
+        </p:txBody>
+      </p:sp>
+      <p:sp>
+        <p:nvSpPr>
+          <p:cNvPr id="16" name="Rectangle 15">
+            <a:extLst>
+              <a:ext uri="{FF2B5EF4-FFF2-40B4-BE49-F238E27FC236}">
+                <a16:creationId xmlns:a16="http://schemas.microsoft.com/office/drawing/2014/main" id="{E8F89D12-E45D-BACE-DB1B-39D2FEC6E127}"/>
+              </a:ext>
+            </a:extLst>
+          </p:cNvPr>
+          <p:cNvSpPr/>
+          <p:nvPr/>
+        </p:nvSpPr>
+        <p:spPr>
+          <a:xfrm>
+            <a:off x="522514" y="2556588"/>
+            <a:ext cx="1175657" cy="45719"/>
+          </a:xfrm>
+          <a:prstGeom prst="rect">
+            <a:avLst/>
+          </a:prstGeom>
+        </p:spPr>
+        <p:style>
+          <a:lnRef idx="2">
+            <a:schemeClr val="accent1">
+              <a:shade val="50000"/>
+            </a:schemeClr>
+          </a:lnRef>
+          <a:fillRef idx="1">
+            <a:schemeClr val="accent1"/>
+          </a:fillRef>
+          <a:effectRef idx="0">
+            <a:schemeClr val="accent1"/>
+          </a:effectRef>
+          <a:fontRef idx="minor">
+            <a:schemeClr val="lt1"/>
+          </a:fontRef>
+        </p:style>
+        <p:txBody>
+          <a:bodyPr rtlCol="0" anchor="ctr"/>
+          <a:lstStyle/>
+          <a:p>
+            <a:pPr algn="ctr"/>
+            <a:endParaRPr lang="en-US"/>
+          </a:p>
+        </p:txBody>
+      </p:sp>
+      <p:sp>
+        <p:nvSpPr>
+          <p:cNvPr id="17" name="TextBox 16">
+            <a:extLst>
+              <a:ext uri="{FF2B5EF4-FFF2-40B4-BE49-F238E27FC236}">
+                <a16:creationId xmlns:a16="http://schemas.microsoft.com/office/drawing/2014/main" id="{5556C767-972B-ED5B-0231-CACD87806165}"/>
+              </a:ext>
+            </a:extLst>
+          </p:cNvPr>
+          <p:cNvSpPr txBox="1"/>
+          <p:nvPr/>
+        </p:nvSpPr>
+        <p:spPr>
+          <a:xfrm>
+            <a:off x="584332" y="2211355"/>
+            <a:ext cx="970383" cy="369332"/>
+          </a:xfrm>
+          <a:prstGeom prst="rect">
+            <a:avLst/>
+          </a:prstGeom>
+          <a:noFill/>
+        </p:spPr>
+        <p:txBody>
+          <a:bodyPr wrap="square" rtlCol="0">
+            <a:spAutoFit/>
+          </a:bodyPr>
+          <a:lstStyle/>
+          <a:p>
+            <a:r>
+              <a:rPr lang="en-IN" dirty="0"/>
+              <a:t>Int32</a:t>
+            </a:r>
+            <a:endParaRPr lang="en-US" dirty="0"/>
+          </a:p>
+        </p:txBody>
+      </p:sp>
+      <p:sp>
+        <p:nvSpPr>
+          <p:cNvPr id="18" name="TextBox 17">
+            <a:extLst>
+              <a:ext uri="{FF2B5EF4-FFF2-40B4-BE49-F238E27FC236}">
+                <a16:creationId xmlns:a16="http://schemas.microsoft.com/office/drawing/2014/main" id="{FE6768B7-BB2E-33FA-C72A-5078A5CB7960}"/>
+              </a:ext>
+            </a:extLst>
+          </p:cNvPr>
+          <p:cNvSpPr txBox="1"/>
+          <p:nvPr/>
+        </p:nvSpPr>
+        <p:spPr>
+          <a:xfrm>
+            <a:off x="634482" y="2602307"/>
+            <a:ext cx="970383" cy="369332"/>
+          </a:xfrm>
+          <a:prstGeom prst="rect">
+            <a:avLst/>
+          </a:prstGeom>
+          <a:noFill/>
+        </p:spPr>
+        <p:txBody>
+          <a:bodyPr wrap="square" rtlCol="0">
+            <a:spAutoFit/>
+          </a:bodyPr>
+          <a:lstStyle/>
+          <a:p>
+            <a:r>
+              <a:rPr lang="en-IN" dirty="0"/>
+              <a:t>10------</a:t>
+            </a:r>
+            <a:endParaRPr lang="en-US" dirty="0"/>
+          </a:p>
+        </p:txBody>
+      </p:sp>
+      <p:cxnSp>
+        <p:nvCxnSpPr>
+          <p:cNvPr id="20" name="Straight Arrow Connector 19">
+            <a:extLst>
+              <a:ext uri="{FF2B5EF4-FFF2-40B4-BE49-F238E27FC236}">
+                <a16:creationId xmlns:a16="http://schemas.microsoft.com/office/drawing/2014/main" id="{4AB8D850-F961-EF78-8886-2FE8D23CB4E9}"/>
+              </a:ext>
+            </a:extLst>
+          </p:cNvPr>
+          <p:cNvCxnSpPr>
+            <a:stCxn id="2" idx="2"/>
+            <a:endCxn id="17" idx="0"/>
+          </p:cNvCxnSpPr>
+          <p:nvPr/>
+        </p:nvCxnSpPr>
+        <p:spPr>
+          <a:xfrm flipH="1">
+            <a:off x="1069524" y="1371600"/>
+            <a:ext cx="269419" cy="839755"/>
+          </a:xfrm>
+          <a:prstGeom prst="straightConnector1">
+            <a:avLst/>
+          </a:prstGeom>
+          <a:ln>
+            <a:tailEnd type="triangle"/>
+          </a:ln>
+        </p:spPr>
+        <p:style>
+          <a:lnRef idx="1">
+            <a:schemeClr val="accent1"/>
+          </a:lnRef>
+          <a:fillRef idx="0">
+            <a:schemeClr val="accent1"/>
+          </a:fillRef>
+          <a:effectRef idx="0">
+            <a:schemeClr val="accent1"/>
+          </a:effectRef>
+          <a:fontRef idx="minor">
+            <a:schemeClr val="tx1"/>
+          </a:fontRef>
+        </p:style>
+      </p:cxnSp>
+      <p:sp>
+        <p:nvSpPr>
+          <p:cNvPr id="21" name="Rectangle 20">
+            <a:extLst>
+              <a:ext uri="{FF2B5EF4-FFF2-40B4-BE49-F238E27FC236}">
+                <a16:creationId xmlns:a16="http://schemas.microsoft.com/office/drawing/2014/main" id="{EEEA1E07-A081-21CA-507A-1CF3AC96F745}"/>
+              </a:ext>
+            </a:extLst>
+          </p:cNvPr>
+          <p:cNvSpPr/>
+          <p:nvPr/>
+        </p:nvSpPr>
+        <p:spPr>
+          <a:xfrm>
+            <a:off x="3179406" y="2026689"/>
+            <a:ext cx="1175657" cy="718457"/>
+          </a:xfrm>
+          <a:prstGeom prst="rect">
+            <a:avLst/>
+          </a:prstGeom>
+        </p:spPr>
+        <p:style>
+          <a:lnRef idx="1">
+            <a:schemeClr val="accent2"/>
+          </a:lnRef>
+          <a:fillRef idx="2">
+            <a:schemeClr val="accent2"/>
+          </a:fillRef>
+          <a:effectRef idx="1">
+            <a:schemeClr val="accent2"/>
+          </a:effectRef>
+          <a:fontRef idx="minor">
+            <a:schemeClr val="dk1"/>
+          </a:fontRef>
+        </p:style>
+        <p:txBody>
+          <a:bodyPr rtlCol="0" anchor="ctr"/>
+          <a:lstStyle/>
+          <a:p>
+            <a:pPr algn="ctr"/>
+            <a:endParaRPr lang="en-US"/>
+          </a:p>
+        </p:txBody>
+      </p:sp>
+      <p:sp>
+        <p:nvSpPr>
+          <p:cNvPr id="22" name="Rectangle 21">
+            <a:extLst>
+              <a:ext uri="{FF2B5EF4-FFF2-40B4-BE49-F238E27FC236}">
+                <a16:creationId xmlns:a16="http://schemas.microsoft.com/office/drawing/2014/main" id="{1ABE01F7-04BA-5FC7-6B9E-646B28A2F66A}"/>
+              </a:ext>
+            </a:extLst>
+          </p:cNvPr>
+          <p:cNvSpPr/>
+          <p:nvPr/>
+        </p:nvSpPr>
+        <p:spPr>
+          <a:xfrm>
+            <a:off x="3179406" y="2371922"/>
+            <a:ext cx="1175657" cy="45719"/>
+          </a:xfrm>
+          <a:prstGeom prst="rect">
+            <a:avLst/>
+          </a:prstGeom>
+        </p:spPr>
+        <p:style>
+          <a:lnRef idx="2">
+            <a:schemeClr val="accent1">
+              <a:shade val="50000"/>
+            </a:schemeClr>
+          </a:lnRef>
+          <a:fillRef idx="1">
+            <a:schemeClr val="accent1"/>
+          </a:fillRef>
+          <a:effectRef idx="0">
+            <a:schemeClr val="accent1"/>
+          </a:effectRef>
+          <a:fontRef idx="minor">
+            <a:schemeClr val="lt1"/>
+          </a:fontRef>
+        </p:style>
+        <p:txBody>
+          <a:bodyPr rtlCol="0" anchor="ctr"/>
+          <a:lstStyle/>
+          <a:p>
+            <a:pPr algn="ctr"/>
+            <a:endParaRPr lang="en-US"/>
+          </a:p>
+        </p:txBody>
+      </p:sp>
+      <p:sp>
+        <p:nvSpPr>
+          <p:cNvPr id="23" name="TextBox 22">
+            <a:extLst>
+              <a:ext uri="{FF2B5EF4-FFF2-40B4-BE49-F238E27FC236}">
+                <a16:creationId xmlns:a16="http://schemas.microsoft.com/office/drawing/2014/main" id="{1DC81963-701A-9D45-DD6B-1EAC4DAF62B3}"/>
+              </a:ext>
+            </a:extLst>
+          </p:cNvPr>
+          <p:cNvSpPr txBox="1"/>
+          <p:nvPr/>
+        </p:nvSpPr>
+        <p:spPr>
+          <a:xfrm>
+            <a:off x="3291374" y="2026689"/>
+            <a:ext cx="970383" cy="369332"/>
+          </a:xfrm>
+          <a:prstGeom prst="rect">
+            <a:avLst/>
+          </a:prstGeom>
+          <a:noFill/>
+        </p:spPr>
+        <p:txBody>
+          <a:bodyPr wrap="square" rtlCol="0">
+            <a:spAutoFit/>
+          </a:bodyPr>
+          <a:lstStyle/>
+          <a:p>
+            <a:r>
+              <a:rPr lang="en-IN" dirty="0"/>
+              <a:t>String</a:t>
+            </a:r>
+            <a:endParaRPr lang="en-US" dirty="0"/>
+          </a:p>
+        </p:txBody>
+      </p:sp>
+      <p:sp>
+        <p:nvSpPr>
+          <p:cNvPr id="24" name="TextBox 23">
+            <a:extLst>
+              <a:ext uri="{FF2B5EF4-FFF2-40B4-BE49-F238E27FC236}">
+                <a16:creationId xmlns:a16="http://schemas.microsoft.com/office/drawing/2014/main" id="{9E06E14C-2D44-8F47-05F8-6EA2F25644C9}"/>
+              </a:ext>
+            </a:extLst>
+          </p:cNvPr>
+          <p:cNvSpPr txBox="1"/>
+          <p:nvPr/>
+        </p:nvSpPr>
+        <p:spPr>
+          <a:xfrm>
+            <a:off x="3291374" y="2417641"/>
+            <a:ext cx="970383" cy="369332"/>
+          </a:xfrm>
+          <a:prstGeom prst="rect">
+            <a:avLst/>
+          </a:prstGeom>
+          <a:noFill/>
+        </p:spPr>
+        <p:txBody>
+          <a:bodyPr wrap="square" rtlCol="0">
+            <a:spAutoFit/>
+          </a:bodyPr>
+          <a:lstStyle/>
+          <a:p>
+            <a:r>
+              <a:rPr lang="en-IN" dirty="0" err="1"/>
+              <a:t>Mah</a:t>
+            </a:r>
+            <a:endParaRPr lang="en-US" dirty="0"/>
+          </a:p>
+        </p:txBody>
+      </p:sp>
+      <p:sp>
+        <p:nvSpPr>
+          <p:cNvPr id="25" name="Rectangle 24">
+            <a:extLst>
+              <a:ext uri="{FF2B5EF4-FFF2-40B4-BE49-F238E27FC236}">
+                <a16:creationId xmlns:a16="http://schemas.microsoft.com/office/drawing/2014/main" id="{AC074526-1FFA-CC3B-384B-BEE108CCAC65}"/>
+              </a:ext>
+            </a:extLst>
+          </p:cNvPr>
+          <p:cNvSpPr/>
+          <p:nvPr/>
+        </p:nvSpPr>
+        <p:spPr>
+          <a:xfrm>
+            <a:off x="4926565" y="1984862"/>
+            <a:ext cx="1175657" cy="718457"/>
+          </a:xfrm>
+          <a:prstGeom prst="rect">
+            <a:avLst/>
+          </a:prstGeom>
+        </p:spPr>
+        <p:style>
+          <a:lnRef idx="1">
+            <a:schemeClr val="accent2"/>
+          </a:lnRef>
+          <a:fillRef idx="2">
+            <a:schemeClr val="accent2"/>
+          </a:fillRef>
+          <a:effectRef idx="1">
+            <a:schemeClr val="accent2"/>
+          </a:effectRef>
+          <a:fontRef idx="minor">
+            <a:schemeClr val="dk1"/>
+          </a:fontRef>
+        </p:style>
+        <p:txBody>
+          <a:bodyPr rtlCol="0" anchor="ctr"/>
+          <a:lstStyle/>
+          <a:p>
+            <a:pPr algn="ctr"/>
+            <a:endParaRPr lang="en-US"/>
+          </a:p>
+        </p:txBody>
+      </p:sp>
+      <p:sp>
+        <p:nvSpPr>
+          <p:cNvPr id="26" name="Rectangle 25">
+            <a:extLst>
+              <a:ext uri="{FF2B5EF4-FFF2-40B4-BE49-F238E27FC236}">
+                <a16:creationId xmlns:a16="http://schemas.microsoft.com/office/drawing/2014/main" id="{6541A1D5-3888-92C0-EF1D-4CB6D555E9EE}"/>
+              </a:ext>
+            </a:extLst>
+          </p:cNvPr>
+          <p:cNvSpPr/>
+          <p:nvPr/>
+        </p:nvSpPr>
+        <p:spPr>
+          <a:xfrm>
+            <a:off x="4926565" y="2330095"/>
+            <a:ext cx="1175657" cy="45719"/>
+          </a:xfrm>
+          <a:prstGeom prst="rect">
+            <a:avLst/>
+          </a:prstGeom>
+        </p:spPr>
+        <p:style>
+          <a:lnRef idx="2">
+            <a:schemeClr val="accent1">
+              <a:shade val="50000"/>
+            </a:schemeClr>
+          </a:lnRef>
+          <a:fillRef idx="1">
+            <a:schemeClr val="accent1"/>
+          </a:fillRef>
+          <a:effectRef idx="0">
+            <a:schemeClr val="accent1"/>
+          </a:effectRef>
+          <a:fontRef idx="minor">
+            <a:schemeClr val="lt1"/>
+          </a:fontRef>
+        </p:style>
+        <p:txBody>
+          <a:bodyPr rtlCol="0" anchor="ctr"/>
+          <a:lstStyle/>
+          <a:p>
+            <a:pPr algn="ctr"/>
+            <a:endParaRPr lang="en-US"/>
+          </a:p>
+        </p:txBody>
+      </p:sp>
+      <p:sp>
+        <p:nvSpPr>
+          <p:cNvPr id="27" name="TextBox 26">
+            <a:extLst>
+              <a:ext uri="{FF2B5EF4-FFF2-40B4-BE49-F238E27FC236}">
+                <a16:creationId xmlns:a16="http://schemas.microsoft.com/office/drawing/2014/main" id="{E27D6DAD-F0EF-8E31-9C4A-0557B368D302}"/>
+              </a:ext>
+            </a:extLst>
+          </p:cNvPr>
+          <p:cNvSpPr txBox="1"/>
+          <p:nvPr/>
+        </p:nvSpPr>
+        <p:spPr>
+          <a:xfrm>
+            <a:off x="5038533" y="1984862"/>
+            <a:ext cx="970383" cy="369332"/>
+          </a:xfrm>
+          <a:prstGeom prst="rect">
+            <a:avLst/>
+          </a:prstGeom>
+          <a:noFill/>
+        </p:spPr>
+        <p:txBody>
+          <a:bodyPr wrap="square" rtlCol="0">
+            <a:spAutoFit/>
+          </a:bodyPr>
+          <a:lstStyle/>
+          <a:p>
+            <a:r>
+              <a:rPr lang="en-IN" dirty="0"/>
+              <a:t>double</a:t>
+            </a:r>
+            <a:endParaRPr lang="en-US" dirty="0"/>
+          </a:p>
+        </p:txBody>
+      </p:sp>
+      <p:sp>
+        <p:nvSpPr>
+          <p:cNvPr id="28" name="TextBox 27">
+            <a:extLst>
+              <a:ext uri="{FF2B5EF4-FFF2-40B4-BE49-F238E27FC236}">
+                <a16:creationId xmlns:a16="http://schemas.microsoft.com/office/drawing/2014/main" id="{53C9BAF2-F423-1A8D-5883-2478A6D65960}"/>
+              </a:ext>
+            </a:extLst>
+          </p:cNvPr>
+          <p:cNvSpPr txBox="1"/>
+          <p:nvPr/>
+        </p:nvSpPr>
+        <p:spPr>
+          <a:xfrm>
+            <a:off x="5038533" y="2375814"/>
+            <a:ext cx="970383" cy="369332"/>
+          </a:xfrm>
+          <a:prstGeom prst="rect">
+            <a:avLst/>
+          </a:prstGeom>
+          <a:noFill/>
+        </p:spPr>
+        <p:txBody>
+          <a:bodyPr wrap="square" rtlCol="0">
+            <a:spAutoFit/>
+          </a:bodyPr>
+          <a:lstStyle/>
+          <a:p>
+            <a:r>
+              <a:rPr lang="en-IN" dirty="0"/>
+              <a:t>60.6</a:t>
+            </a:r>
+            <a:endParaRPr lang="en-US" dirty="0"/>
+          </a:p>
+        </p:txBody>
+      </p:sp>
+      <p:cxnSp>
+        <p:nvCxnSpPr>
+          <p:cNvPr id="30" name="Straight Arrow Connector 29">
+            <a:extLst>
+              <a:ext uri="{FF2B5EF4-FFF2-40B4-BE49-F238E27FC236}">
+                <a16:creationId xmlns:a16="http://schemas.microsoft.com/office/drawing/2014/main" id="{5931A648-720A-B202-7E2E-5279D2E6E223}"/>
+              </a:ext>
+            </a:extLst>
+          </p:cNvPr>
+          <p:cNvCxnSpPr>
+            <a:stCxn id="5" idx="2"/>
+            <a:endCxn id="23" idx="0"/>
+          </p:cNvCxnSpPr>
+          <p:nvPr/>
+        </p:nvCxnSpPr>
+        <p:spPr>
+          <a:xfrm flipH="1">
+            <a:off x="3776566" y="1371598"/>
+            <a:ext cx="109635" cy="655091"/>
+          </a:xfrm>
+          <a:prstGeom prst="straightConnector1">
+            <a:avLst/>
+          </a:prstGeom>
+          <a:ln>
+            <a:tailEnd type="triangle"/>
+          </a:ln>
+        </p:spPr>
+        <p:style>
+          <a:lnRef idx="1">
+            <a:schemeClr val="accent1"/>
+          </a:lnRef>
+          <a:fillRef idx="0">
+            <a:schemeClr val="accent1"/>
+          </a:fillRef>
+          <a:effectRef idx="0">
+            <a:schemeClr val="accent1"/>
+          </a:effectRef>
+          <a:fontRef idx="minor">
+            <a:schemeClr val="tx1"/>
+          </a:fontRef>
+        </p:style>
+      </p:cxnSp>
+      <p:cxnSp>
+        <p:nvCxnSpPr>
+          <p:cNvPr id="32" name="Straight Arrow Connector 31">
+            <a:extLst>
+              <a:ext uri="{FF2B5EF4-FFF2-40B4-BE49-F238E27FC236}">
+                <a16:creationId xmlns:a16="http://schemas.microsoft.com/office/drawing/2014/main" id="{149C2B3E-F65E-8D51-6B8B-BC47090DB4F9}"/>
+              </a:ext>
+            </a:extLst>
+          </p:cNvPr>
+          <p:cNvCxnSpPr>
+            <a:stCxn id="7" idx="2"/>
+            <a:endCxn id="27" idx="0"/>
+          </p:cNvCxnSpPr>
+          <p:nvPr/>
+        </p:nvCxnSpPr>
+        <p:spPr>
+          <a:xfrm flipH="1">
+            <a:off x="5523725" y="1371598"/>
+            <a:ext cx="60648" cy="613264"/>
+          </a:xfrm>
+          <a:prstGeom prst="straightConnector1">
+            <a:avLst/>
+          </a:prstGeom>
+          <a:ln>
+            <a:tailEnd type="triangle"/>
+          </a:ln>
+        </p:spPr>
+        <p:style>
+          <a:lnRef idx="1">
+            <a:schemeClr val="accent1"/>
+          </a:lnRef>
+          <a:fillRef idx="0">
+            <a:schemeClr val="accent1"/>
+          </a:fillRef>
+          <a:effectRef idx="0">
+            <a:schemeClr val="accent1"/>
+          </a:effectRef>
+          <a:fontRef idx="minor">
+            <a:schemeClr val="tx1"/>
+          </a:fontRef>
+        </p:style>
+      </p:cxnSp>
+    </p:spTree>
+    <p:extLst>
+      <p:ext uri="{BB962C8B-B14F-4D97-AF65-F5344CB8AC3E}">
+        <p14:creationId xmlns:p14="http://schemas.microsoft.com/office/powerpoint/2010/main" val="1875280187"/>
       </p:ext>
     </p:extLst>
   </p:cSld>

--- a/Training-Images.pptx
+++ b/Training-Images.pptx
@@ -8,6 +8,8 @@
     <p:sldId id="256" r:id="rId2"/>
     <p:sldId id="257" r:id="rId3"/>
     <p:sldId id="258" r:id="rId4"/>
+    <p:sldId id="259" r:id="rId5"/>
+    <p:sldId id="260" r:id="rId6"/>
   </p:sldIdLst>
   <p:sldSz cx="12192000" cy="6858000"/>
   <p:notesSz cx="6858000" cy="9144000"/>
@@ -106,6 +108,11 @@
       </a:defRPr>
     </a:lvl9pPr>
   </p:defaultTextStyle>
+  <p:extLst>
+    <p:ext uri="{EFAFB233-063F-42B5-8137-9DF3F51BA10A}">
+      <p15:sldGuideLst xmlns:p15="http://schemas.microsoft.com/office/powerpoint/2012/main"/>
+    </p:ext>
+  </p:extLst>
 </p:presentation>
 </file>
 
@@ -256,7 +263,7 @@
           <a:p>
             <a:fld id="{95E4630E-4E16-4BC6-8D4C-04E2A0254E22}" type="datetimeFigureOut">
               <a:rPr lang="en-US" smtClean="0"/>
-              <a:t>7/8/2022</a:t>
+              <a:t>7/11/2022</a:t>
             </a:fld>
             <a:endParaRPr lang="en-US"/>
           </a:p>
@@ -454,7 +461,7 @@
           <a:p>
             <a:fld id="{95E4630E-4E16-4BC6-8D4C-04E2A0254E22}" type="datetimeFigureOut">
               <a:rPr lang="en-US" smtClean="0"/>
-              <a:t>7/8/2022</a:t>
+              <a:t>7/11/2022</a:t>
             </a:fld>
             <a:endParaRPr lang="en-US"/>
           </a:p>
@@ -662,7 +669,7 @@
           <a:p>
             <a:fld id="{95E4630E-4E16-4BC6-8D4C-04E2A0254E22}" type="datetimeFigureOut">
               <a:rPr lang="en-US" smtClean="0"/>
-              <a:t>7/8/2022</a:t>
+              <a:t>7/11/2022</a:t>
             </a:fld>
             <a:endParaRPr lang="en-US"/>
           </a:p>
@@ -860,7 +867,7 @@
           <a:p>
             <a:fld id="{95E4630E-4E16-4BC6-8D4C-04E2A0254E22}" type="datetimeFigureOut">
               <a:rPr lang="en-US" smtClean="0"/>
-              <a:t>7/8/2022</a:t>
+              <a:t>7/11/2022</a:t>
             </a:fld>
             <a:endParaRPr lang="en-US"/>
           </a:p>
@@ -1135,7 +1142,7 @@
           <a:p>
             <a:fld id="{95E4630E-4E16-4BC6-8D4C-04E2A0254E22}" type="datetimeFigureOut">
               <a:rPr lang="en-US" smtClean="0"/>
-              <a:t>7/8/2022</a:t>
+              <a:t>7/11/2022</a:t>
             </a:fld>
             <a:endParaRPr lang="en-US"/>
           </a:p>
@@ -1400,7 +1407,7 @@
           <a:p>
             <a:fld id="{95E4630E-4E16-4BC6-8D4C-04E2A0254E22}" type="datetimeFigureOut">
               <a:rPr lang="en-US" smtClean="0"/>
-              <a:t>7/8/2022</a:t>
+              <a:t>7/11/2022</a:t>
             </a:fld>
             <a:endParaRPr lang="en-US"/>
           </a:p>
@@ -1812,7 +1819,7 @@
           <a:p>
             <a:fld id="{95E4630E-4E16-4BC6-8D4C-04E2A0254E22}" type="datetimeFigureOut">
               <a:rPr lang="en-US" smtClean="0"/>
-              <a:t>7/8/2022</a:t>
+              <a:t>7/11/2022</a:t>
             </a:fld>
             <a:endParaRPr lang="en-US"/>
           </a:p>
@@ -1953,7 +1960,7 @@
           <a:p>
             <a:fld id="{95E4630E-4E16-4BC6-8D4C-04E2A0254E22}" type="datetimeFigureOut">
               <a:rPr lang="en-US" smtClean="0"/>
-              <a:t>7/8/2022</a:t>
+              <a:t>7/11/2022</a:t>
             </a:fld>
             <a:endParaRPr lang="en-US"/>
           </a:p>
@@ -2066,7 +2073,7 @@
           <a:p>
             <a:fld id="{95E4630E-4E16-4BC6-8D4C-04E2A0254E22}" type="datetimeFigureOut">
               <a:rPr lang="en-US" smtClean="0"/>
-              <a:t>7/8/2022</a:t>
+              <a:t>7/11/2022</a:t>
             </a:fld>
             <a:endParaRPr lang="en-US"/>
           </a:p>
@@ -2377,7 +2384,7 @@
           <a:p>
             <a:fld id="{95E4630E-4E16-4BC6-8D4C-04E2A0254E22}" type="datetimeFigureOut">
               <a:rPr lang="en-US" smtClean="0"/>
-              <a:t>7/8/2022</a:t>
+              <a:t>7/11/2022</a:t>
             </a:fld>
             <a:endParaRPr lang="en-US"/>
           </a:p>
@@ -2665,7 +2672,7 @@
           <a:p>
             <a:fld id="{95E4630E-4E16-4BC6-8D4C-04E2A0254E22}" type="datetimeFigureOut">
               <a:rPr lang="en-US" smtClean="0"/>
-              <a:t>7/8/2022</a:t>
+              <a:t>7/11/2022</a:t>
             </a:fld>
             <a:endParaRPr lang="en-US"/>
           </a:p>
@@ -2906,7 +2913,7 @@
           <a:p>
             <a:fld id="{95E4630E-4E16-4BC6-8D4C-04E2A0254E22}" type="datetimeFigureOut">
               <a:rPr lang="en-US" smtClean="0"/>
-              <a:t>7/8/2022</a:t>
+              <a:t>7/11/2022</a:t>
             </a:fld>
             <a:endParaRPr lang="en-US"/>
           </a:p>
@@ -6374,6 +6381,1113 @@
 </p:sld>
 </file>
 
+<file path=ppt/slides/slide4.xml><?xml version="1.0" encoding="utf-8"?>
+<p:sld xmlns:a="http://schemas.openxmlformats.org/drawingml/2006/main" xmlns:r="http://schemas.openxmlformats.org/officeDocument/2006/relationships" xmlns:p="http://schemas.openxmlformats.org/presentationml/2006/main">
+  <p:cSld>
+    <p:spTree>
+      <p:nvGrpSpPr>
+        <p:cNvPr id="1" name=""/>
+        <p:cNvGrpSpPr/>
+        <p:nvPr/>
+      </p:nvGrpSpPr>
+      <p:grpSpPr>
+        <a:xfrm>
+          <a:off x="0" y="0"/>
+          <a:ext cx="0" cy="0"/>
+          <a:chOff x="0" y="0"/>
+          <a:chExt cx="0" cy="0"/>
+        </a:xfrm>
+      </p:grpSpPr>
+      <p:sp>
+        <p:nvSpPr>
+          <p:cNvPr id="2" name="Rectangle: Rounded Corners 1">
+            <a:extLst>
+              <a:ext uri="{FF2B5EF4-FFF2-40B4-BE49-F238E27FC236}">
+                <a16:creationId xmlns:a16="http://schemas.microsoft.com/office/drawing/2014/main" id="{1CE05DD5-D1F8-F956-575E-EB64CC970DDE}"/>
+              </a:ext>
+            </a:extLst>
+          </p:cNvPr>
+          <p:cNvSpPr/>
+          <p:nvPr/>
+        </p:nvSpPr>
+        <p:spPr>
+          <a:xfrm>
+            <a:off x="4516015" y="2472612"/>
+            <a:ext cx="2276671" cy="1343609"/>
+          </a:xfrm>
+          <a:prstGeom prst="roundRect">
+            <a:avLst/>
+          </a:prstGeom>
+        </p:spPr>
+        <p:style>
+          <a:lnRef idx="2">
+            <a:schemeClr val="accent1">
+              <a:shade val="50000"/>
+            </a:schemeClr>
+          </a:lnRef>
+          <a:fillRef idx="1">
+            <a:schemeClr val="accent1"/>
+          </a:fillRef>
+          <a:effectRef idx="0">
+            <a:schemeClr val="accent1"/>
+          </a:effectRef>
+          <a:fontRef idx="minor">
+            <a:schemeClr val="lt1"/>
+          </a:fontRef>
+        </p:style>
+        <p:txBody>
+          <a:bodyPr rtlCol="0" anchor="ctr"/>
+          <a:lstStyle/>
+          <a:p>
+            <a:pPr algn="ctr"/>
+            <a:r>
+              <a:rPr lang="en-US" b="1" dirty="0"/>
+              <a:t>Laptop</a:t>
+            </a:r>
+          </a:p>
+        </p:txBody>
+      </p:sp>
+      <p:sp>
+        <p:nvSpPr>
+          <p:cNvPr id="3" name="Rectangle: Rounded Corners 2">
+            <a:extLst>
+              <a:ext uri="{FF2B5EF4-FFF2-40B4-BE49-F238E27FC236}">
+                <a16:creationId xmlns:a16="http://schemas.microsoft.com/office/drawing/2014/main" id="{0C82D311-6657-8D3A-CC82-9AECC44575C8}"/>
+              </a:ext>
+            </a:extLst>
+          </p:cNvPr>
+          <p:cNvSpPr/>
+          <p:nvPr/>
+        </p:nvSpPr>
+        <p:spPr>
+          <a:xfrm>
+            <a:off x="1440023" y="805543"/>
+            <a:ext cx="2276671" cy="1343609"/>
+          </a:xfrm>
+          <a:prstGeom prst="roundRect">
+            <a:avLst/>
+          </a:prstGeom>
+        </p:spPr>
+        <p:style>
+          <a:lnRef idx="2">
+            <a:schemeClr val="accent1">
+              <a:shade val="50000"/>
+            </a:schemeClr>
+          </a:lnRef>
+          <a:fillRef idx="1">
+            <a:schemeClr val="accent1"/>
+          </a:fillRef>
+          <a:effectRef idx="0">
+            <a:schemeClr val="accent1"/>
+          </a:effectRef>
+          <a:fontRef idx="minor">
+            <a:schemeClr val="lt1"/>
+          </a:fontRef>
+        </p:style>
+        <p:txBody>
+          <a:bodyPr rtlCol="0" anchor="ctr"/>
+          <a:lstStyle/>
+          <a:p>
+            <a:pPr algn="ctr"/>
+            <a:r>
+              <a:rPr lang="en-US" b="1" dirty="0"/>
+              <a:t>Manufacturer</a:t>
+            </a:r>
+          </a:p>
+          <a:p>
+            <a:pPr algn="ctr"/>
+            <a:r>
+              <a:rPr lang="en-US" b="1" dirty="0"/>
+              <a:t>Name, Location ,Make, etc.</a:t>
+            </a:r>
+          </a:p>
+        </p:txBody>
+      </p:sp>
+      <p:sp>
+        <p:nvSpPr>
+          <p:cNvPr id="4" name="Rectangle: Rounded Corners 3">
+            <a:extLst>
+              <a:ext uri="{FF2B5EF4-FFF2-40B4-BE49-F238E27FC236}">
+                <a16:creationId xmlns:a16="http://schemas.microsoft.com/office/drawing/2014/main" id="{53EA5CB0-6845-DC2D-DB34-3113AC55EA4C}"/>
+              </a:ext>
+            </a:extLst>
+          </p:cNvPr>
+          <p:cNvSpPr/>
+          <p:nvPr/>
+        </p:nvSpPr>
+        <p:spPr>
+          <a:xfrm>
+            <a:off x="1328055" y="2469501"/>
+            <a:ext cx="2276671" cy="1343609"/>
+          </a:xfrm>
+          <a:prstGeom prst="roundRect">
+            <a:avLst/>
+          </a:prstGeom>
+        </p:spPr>
+        <p:style>
+          <a:lnRef idx="2">
+            <a:schemeClr val="accent1">
+              <a:shade val="50000"/>
+            </a:schemeClr>
+          </a:lnRef>
+          <a:fillRef idx="1">
+            <a:schemeClr val="accent1"/>
+          </a:fillRef>
+          <a:effectRef idx="0">
+            <a:schemeClr val="accent1"/>
+          </a:effectRef>
+          <a:fontRef idx="minor">
+            <a:schemeClr val="lt1"/>
+          </a:fontRef>
+        </p:style>
+        <p:txBody>
+          <a:bodyPr rtlCol="0" anchor="ctr"/>
+          <a:lstStyle/>
+          <a:p>
+            <a:pPr algn="ctr"/>
+            <a:r>
+              <a:rPr lang="en-US" b="1" dirty="0"/>
+              <a:t>Storage</a:t>
+            </a:r>
+          </a:p>
+          <a:p>
+            <a:pPr algn="ctr"/>
+            <a:r>
+              <a:rPr lang="en-US" b="1" dirty="0"/>
+              <a:t>Size, HDD or SSD, Memory Card</a:t>
+            </a:r>
+          </a:p>
+        </p:txBody>
+      </p:sp>
+      <p:sp>
+        <p:nvSpPr>
+          <p:cNvPr id="5" name="Rectangle: Rounded Corners 4">
+            <a:extLst>
+              <a:ext uri="{FF2B5EF4-FFF2-40B4-BE49-F238E27FC236}">
+                <a16:creationId xmlns:a16="http://schemas.microsoft.com/office/drawing/2014/main" id="{3E71B425-FB4E-B021-EE8D-FF9B358D0E68}"/>
+              </a:ext>
+            </a:extLst>
+          </p:cNvPr>
+          <p:cNvSpPr/>
+          <p:nvPr/>
+        </p:nvSpPr>
+        <p:spPr>
+          <a:xfrm>
+            <a:off x="1328055" y="4385387"/>
+            <a:ext cx="2276671" cy="1343609"/>
+          </a:xfrm>
+          <a:prstGeom prst="roundRect">
+            <a:avLst/>
+          </a:prstGeom>
+        </p:spPr>
+        <p:style>
+          <a:lnRef idx="2">
+            <a:schemeClr val="accent1">
+              <a:shade val="50000"/>
+            </a:schemeClr>
+          </a:lnRef>
+          <a:fillRef idx="1">
+            <a:schemeClr val="accent1"/>
+          </a:fillRef>
+          <a:effectRef idx="0">
+            <a:schemeClr val="accent1"/>
+          </a:effectRef>
+          <a:fontRef idx="minor">
+            <a:schemeClr val="lt1"/>
+          </a:fontRef>
+        </p:style>
+        <p:txBody>
+          <a:bodyPr rtlCol="0" anchor="ctr"/>
+          <a:lstStyle/>
+          <a:p>
+            <a:pPr algn="ctr"/>
+            <a:r>
+              <a:rPr lang="en-US" b="1" dirty="0"/>
+              <a:t>Memory</a:t>
+            </a:r>
+          </a:p>
+          <a:p>
+            <a:pPr algn="ctr"/>
+            <a:r>
+              <a:rPr lang="en-US" b="1" dirty="0"/>
+              <a:t>Size, </a:t>
+            </a:r>
+            <a:r>
+              <a:rPr lang="en-US" b="1" dirty="0" err="1"/>
+              <a:t>DDRx</a:t>
+            </a:r>
+            <a:endParaRPr lang="en-US" b="1" dirty="0"/>
+          </a:p>
+        </p:txBody>
+      </p:sp>
+      <p:sp>
+        <p:nvSpPr>
+          <p:cNvPr id="6" name="Rectangle: Rounded Corners 5">
+            <a:extLst>
+              <a:ext uri="{FF2B5EF4-FFF2-40B4-BE49-F238E27FC236}">
+                <a16:creationId xmlns:a16="http://schemas.microsoft.com/office/drawing/2014/main" id="{380F4594-AC61-1602-5CA7-E2D7E89EAF26}"/>
+              </a:ext>
+            </a:extLst>
+          </p:cNvPr>
+          <p:cNvSpPr/>
+          <p:nvPr/>
+        </p:nvSpPr>
+        <p:spPr>
+          <a:xfrm>
+            <a:off x="4516014" y="4385387"/>
+            <a:ext cx="2276671" cy="1343609"/>
+          </a:xfrm>
+          <a:prstGeom prst="roundRect">
+            <a:avLst/>
+          </a:prstGeom>
+        </p:spPr>
+        <p:style>
+          <a:lnRef idx="2">
+            <a:schemeClr val="accent1">
+              <a:shade val="50000"/>
+            </a:schemeClr>
+          </a:lnRef>
+          <a:fillRef idx="1">
+            <a:schemeClr val="accent1"/>
+          </a:fillRef>
+          <a:effectRef idx="0">
+            <a:schemeClr val="accent1"/>
+          </a:effectRef>
+          <a:fontRef idx="minor">
+            <a:schemeClr val="lt1"/>
+          </a:fontRef>
+        </p:style>
+        <p:txBody>
+          <a:bodyPr rtlCol="0" anchor="ctr"/>
+          <a:lstStyle/>
+          <a:p>
+            <a:pPr algn="ctr"/>
+            <a:r>
+              <a:rPr lang="en-US" b="1" dirty="0"/>
+              <a:t>Processor</a:t>
+            </a:r>
+          </a:p>
+          <a:p>
+            <a:pPr algn="ctr"/>
+            <a:r>
+              <a:rPr lang="en-US" b="1" dirty="0"/>
+              <a:t>Inter, AMD, Speed, etc.</a:t>
+            </a:r>
+          </a:p>
+        </p:txBody>
+      </p:sp>
+      <p:sp>
+        <p:nvSpPr>
+          <p:cNvPr id="7" name="Rectangle: Rounded Corners 6">
+            <a:extLst>
+              <a:ext uri="{FF2B5EF4-FFF2-40B4-BE49-F238E27FC236}">
+                <a16:creationId xmlns:a16="http://schemas.microsoft.com/office/drawing/2014/main" id="{4140E769-8DE8-0111-DC54-EEAD7240EE2E}"/>
+              </a:ext>
+            </a:extLst>
+          </p:cNvPr>
+          <p:cNvSpPr/>
+          <p:nvPr/>
+        </p:nvSpPr>
+        <p:spPr>
+          <a:xfrm>
+            <a:off x="7635549" y="4385386"/>
+            <a:ext cx="2276671" cy="1343609"/>
+          </a:xfrm>
+          <a:prstGeom prst="roundRect">
+            <a:avLst/>
+          </a:prstGeom>
+        </p:spPr>
+        <p:style>
+          <a:lnRef idx="2">
+            <a:schemeClr val="accent1">
+              <a:shade val="50000"/>
+            </a:schemeClr>
+          </a:lnRef>
+          <a:fillRef idx="1">
+            <a:schemeClr val="accent1"/>
+          </a:fillRef>
+          <a:effectRef idx="0">
+            <a:schemeClr val="accent1"/>
+          </a:effectRef>
+          <a:fontRef idx="minor">
+            <a:schemeClr val="lt1"/>
+          </a:fontRef>
+        </p:style>
+        <p:txBody>
+          <a:bodyPr rtlCol="0" anchor="ctr"/>
+          <a:lstStyle/>
+          <a:p>
+            <a:pPr algn="ctr"/>
+            <a:r>
+              <a:rPr lang="en-US" b="1" dirty="0"/>
+              <a:t>Network</a:t>
+            </a:r>
+          </a:p>
+          <a:p>
+            <a:pPr algn="ctr"/>
+            <a:r>
+              <a:rPr lang="en-US" b="1" dirty="0"/>
+              <a:t>Cable, </a:t>
+            </a:r>
+            <a:r>
+              <a:rPr lang="en-US" b="1" dirty="0" err="1"/>
+              <a:t>WiFi</a:t>
+            </a:r>
+            <a:r>
+              <a:rPr lang="en-US" b="1" dirty="0"/>
+              <a:t>, Speed</a:t>
+            </a:r>
+          </a:p>
+        </p:txBody>
+      </p:sp>
+      <p:sp>
+        <p:nvSpPr>
+          <p:cNvPr id="8" name="Rectangle: Rounded Corners 7">
+            <a:extLst>
+              <a:ext uri="{FF2B5EF4-FFF2-40B4-BE49-F238E27FC236}">
+                <a16:creationId xmlns:a16="http://schemas.microsoft.com/office/drawing/2014/main" id="{28D617D9-52EE-9D3D-320D-6A6CB9FB4A8B}"/>
+              </a:ext>
+            </a:extLst>
+          </p:cNvPr>
+          <p:cNvSpPr/>
+          <p:nvPr/>
+        </p:nvSpPr>
+        <p:spPr>
+          <a:xfrm>
+            <a:off x="7635548" y="2469500"/>
+            <a:ext cx="2276671" cy="1343609"/>
+          </a:xfrm>
+          <a:prstGeom prst="roundRect">
+            <a:avLst/>
+          </a:prstGeom>
+        </p:spPr>
+        <p:style>
+          <a:lnRef idx="2">
+            <a:schemeClr val="accent1">
+              <a:shade val="50000"/>
+            </a:schemeClr>
+          </a:lnRef>
+          <a:fillRef idx="1">
+            <a:schemeClr val="accent1"/>
+          </a:fillRef>
+          <a:effectRef idx="0">
+            <a:schemeClr val="accent1"/>
+          </a:effectRef>
+          <a:fontRef idx="minor">
+            <a:schemeClr val="lt1"/>
+          </a:fontRef>
+        </p:style>
+        <p:txBody>
+          <a:bodyPr rtlCol="0" anchor="ctr"/>
+          <a:lstStyle/>
+          <a:p>
+            <a:pPr algn="ctr"/>
+            <a:r>
+              <a:rPr lang="en-US" b="1" dirty="0"/>
+              <a:t>Display</a:t>
+            </a:r>
+          </a:p>
+          <a:p>
+            <a:pPr algn="ctr"/>
+            <a:r>
+              <a:rPr lang="en-US" b="1" dirty="0"/>
+              <a:t>Size, HD, UHD, FHD</a:t>
+            </a:r>
+          </a:p>
+        </p:txBody>
+      </p:sp>
+      <p:sp>
+        <p:nvSpPr>
+          <p:cNvPr id="9" name="Rectangle: Rounded Corners 8">
+            <a:extLst>
+              <a:ext uri="{FF2B5EF4-FFF2-40B4-BE49-F238E27FC236}">
+                <a16:creationId xmlns:a16="http://schemas.microsoft.com/office/drawing/2014/main" id="{6BAC7AA1-FCC7-0BB6-B585-089DD609AF08}"/>
+              </a:ext>
+            </a:extLst>
+          </p:cNvPr>
+          <p:cNvSpPr/>
+          <p:nvPr/>
+        </p:nvSpPr>
+        <p:spPr>
+          <a:xfrm>
+            <a:off x="7635547" y="805542"/>
+            <a:ext cx="2276671" cy="1343609"/>
+          </a:xfrm>
+          <a:prstGeom prst="roundRect">
+            <a:avLst/>
+          </a:prstGeom>
+        </p:spPr>
+        <p:style>
+          <a:lnRef idx="2">
+            <a:schemeClr val="accent1">
+              <a:shade val="50000"/>
+            </a:schemeClr>
+          </a:lnRef>
+          <a:fillRef idx="1">
+            <a:schemeClr val="accent1"/>
+          </a:fillRef>
+          <a:effectRef idx="0">
+            <a:schemeClr val="accent1"/>
+          </a:effectRef>
+          <a:fontRef idx="minor">
+            <a:schemeClr val="lt1"/>
+          </a:fontRef>
+        </p:style>
+        <p:txBody>
+          <a:bodyPr rtlCol="0" anchor="ctr"/>
+          <a:lstStyle/>
+          <a:p>
+            <a:pPr algn="ctr"/>
+            <a:r>
+              <a:rPr lang="en-US" b="1" dirty="0"/>
+              <a:t>USBs</a:t>
+            </a:r>
+          </a:p>
+          <a:p>
+            <a:pPr algn="ctr"/>
+            <a:r>
+              <a:rPr lang="en-US" b="1" dirty="0"/>
+              <a:t>No., Speed</a:t>
+            </a:r>
+          </a:p>
+        </p:txBody>
+      </p:sp>
+      <p:sp>
+        <p:nvSpPr>
+          <p:cNvPr id="10" name="Rectangle: Rounded Corners 9">
+            <a:extLst>
+              <a:ext uri="{FF2B5EF4-FFF2-40B4-BE49-F238E27FC236}">
+                <a16:creationId xmlns:a16="http://schemas.microsoft.com/office/drawing/2014/main" id="{67D2C4F6-320E-8763-A2EB-7CE9C2C252EF}"/>
+              </a:ext>
+            </a:extLst>
+          </p:cNvPr>
+          <p:cNvSpPr/>
+          <p:nvPr/>
+        </p:nvSpPr>
+        <p:spPr>
+          <a:xfrm>
+            <a:off x="4516013" y="805542"/>
+            <a:ext cx="2276671" cy="1343609"/>
+          </a:xfrm>
+          <a:prstGeom prst="roundRect">
+            <a:avLst/>
+          </a:prstGeom>
+        </p:spPr>
+        <p:style>
+          <a:lnRef idx="2">
+            <a:schemeClr val="accent1">
+              <a:shade val="50000"/>
+            </a:schemeClr>
+          </a:lnRef>
+          <a:fillRef idx="1">
+            <a:schemeClr val="accent1"/>
+          </a:fillRef>
+          <a:effectRef idx="0">
+            <a:schemeClr val="accent1"/>
+          </a:effectRef>
+          <a:fontRef idx="minor">
+            <a:schemeClr val="lt1"/>
+          </a:fontRef>
+        </p:style>
+        <p:txBody>
+          <a:bodyPr rtlCol="0" anchor="ctr"/>
+          <a:lstStyle/>
+          <a:p>
+            <a:pPr algn="ctr"/>
+            <a:r>
+              <a:rPr lang="en-US" b="1" dirty="0"/>
+              <a:t>Price</a:t>
+            </a:r>
+          </a:p>
+          <a:p>
+            <a:pPr algn="ctr"/>
+            <a:r>
+              <a:rPr lang="en-US" b="1" dirty="0"/>
+              <a:t>Base + Tax + </a:t>
+            </a:r>
+            <a:r>
+              <a:rPr lang="en-US" b="1" dirty="0" err="1"/>
+              <a:t>Warrentee</a:t>
+            </a:r>
+            <a:endParaRPr lang="en-US" b="1" dirty="0"/>
+          </a:p>
+        </p:txBody>
+      </p:sp>
+      <p:cxnSp>
+        <p:nvCxnSpPr>
+          <p:cNvPr id="12" name="Straight Arrow Connector 11">
+            <a:extLst>
+              <a:ext uri="{FF2B5EF4-FFF2-40B4-BE49-F238E27FC236}">
+                <a16:creationId xmlns:a16="http://schemas.microsoft.com/office/drawing/2014/main" id="{F9FC5676-4186-5A95-0D18-F9E02A5D8468}"/>
+              </a:ext>
+            </a:extLst>
+          </p:cNvPr>
+          <p:cNvCxnSpPr>
+            <a:stCxn id="2" idx="3"/>
+            <a:endCxn id="9" idx="1"/>
+          </p:cNvCxnSpPr>
+          <p:nvPr/>
+        </p:nvCxnSpPr>
+        <p:spPr>
+          <a:xfrm flipV="1">
+            <a:off x="6792686" y="1477347"/>
+            <a:ext cx="842861" cy="1667070"/>
+          </a:xfrm>
+          <a:prstGeom prst="straightConnector1">
+            <a:avLst/>
+          </a:prstGeom>
+          <a:ln>
+            <a:tailEnd type="triangle"/>
+          </a:ln>
+        </p:spPr>
+        <p:style>
+          <a:lnRef idx="1">
+            <a:schemeClr val="accent1"/>
+          </a:lnRef>
+          <a:fillRef idx="0">
+            <a:schemeClr val="accent1"/>
+          </a:fillRef>
+          <a:effectRef idx="0">
+            <a:schemeClr val="accent1"/>
+          </a:effectRef>
+          <a:fontRef idx="minor">
+            <a:schemeClr val="tx1"/>
+          </a:fontRef>
+        </p:style>
+      </p:cxnSp>
+      <p:cxnSp>
+        <p:nvCxnSpPr>
+          <p:cNvPr id="14" name="Straight Arrow Connector 13">
+            <a:extLst>
+              <a:ext uri="{FF2B5EF4-FFF2-40B4-BE49-F238E27FC236}">
+                <a16:creationId xmlns:a16="http://schemas.microsoft.com/office/drawing/2014/main" id="{603112AB-D288-268E-CE5F-6DE206F72FEC}"/>
+              </a:ext>
+            </a:extLst>
+          </p:cNvPr>
+          <p:cNvCxnSpPr>
+            <a:stCxn id="2" idx="3"/>
+            <a:endCxn id="8" idx="1"/>
+          </p:cNvCxnSpPr>
+          <p:nvPr/>
+        </p:nvCxnSpPr>
+        <p:spPr>
+          <a:xfrm flipV="1">
+            <a:off x="6792686" y="3141305"/>
+            <a:ext cx="842862" cy="3112"/>
+          </a:xfrm>
+          <a:prstGeom prst="straightConnector1">
+            <a:avLst/>
+          </a:prstGeom>
+          <a:ln>
+            <a:tailEnd type="triangle"/>
+          </a:ln>
+        </p:spPr>
+        <p:style>
+          <a:lnRef idx="1">
+            <a:schemeClr val="accent1"/>
+          </a:lnRef>
+          <a:fillRef idx="0">
+            <a:schemeClr val="accent1"/>
+          </a:fillRef>
+          <a:effectRef idx="0">
+            <a:schemeClr val="accent1"/>
+          </a:effectRef>
+          <a:fontRef idx="minor">
+            <a:schemeClr val="tx1"/>
+          </a:fontRef>
+        </p:style>
+      </p:cxnSp>
+      <p:cxnSp>
+        <p:nvCxnSpPr>
+          <p:cNvPr id="16" name="Straight Arrow Connector 15">
+            <a:extLst>
+              <a:ext uri="{FF2B5EF4-FFF2-40B4-BE49-F238E27FC236}">
+                <a16:creationId xmlns:a16="http://schemas.microsoft.com/office/drawing/2014/main" id="{D1E0B801-F525-B007-4318-0B40C57AACAC}"/>
+              </a:ext>
+            </a:extLst>
+          </p:cNvPr>
+          <p:cNvCxnSpPr>
+            <a:stCxn id="2" idx="3"/>
+            <a:endCxn id="7" idx="1"/>
+          </p:cNvCxnSpPr>
+          <p:nvPr/>
+        </p:nvCxnSpPr>
+        <p:spPr>
+          <a:xfrm>
+            <a:off x="6792686" y="3144417"/>
+            <a:ext cx="842863" cy="1912774"/>
+          </a:xfrm>
+          <a:prstGeom prst="straightConnector1">
+            <a:avLst/>
+          </a:prstGeom>
+          <a:ln>
+            <a:tailEnd type="triangle"/>
+          </a:ln>
+        </p:spPr>
+        <p:style>
+          <a:lnRef idx="1">
+            <a:schemeClr val="accent1"/>
+          </a:lnRef>
+          <a:fillRef idx="0">
+            <a:schemeClr val="accent1"/>
+          </a:fillRef>
+          <a:effectRef idx="0">
+            <a:schemeClr val="accent1"/>
+          </a:effectRef>
+          <a:fontRef idx="minor">
+            <a:schemeClr val="tx1"/>
+          </a:fontRef>
+        </p:style>
+      </p:cxnSp>
+      <p:cxnSp>
+        <p:nvCxnSpPr>
+          <p:cNvPr id="18" name="Straight Arrow Connector 17">
+            <a:extLst>
+              <a:ext uri="{FF2B5EF4-FFF2-40B4-BE49-F238E27FC236}">
+                <a16:creationId xmlns:a16="http://schemas.microsoft.com/office/drawing/2014/main" id="{123659C1-327C-276A-8583-3F7D5FE0D83D}"/>
+              </a:ext>
+            </a:extLst>
+          </p:cNvPr>
+          <p:cNvCxnSpPr>
+            <a:stCxn id="2" idx="0"/>
+            <a:endCxn id="10" idx="2"/>
+          </p:cNvCxnSpPr>
+          <p:nvPr/>
+        </p:nvCxnSpPr>
+        <p:spPr>
+          <a:xfrm flipH="1" flipV="1">
+            <a:off x="5654349" y="2149151"/>
+            <a:ext cx="2" cy="323461"/>
+          </a:xfrm>
+          <a:prstGeom prst="straightConnector1">
+            <a:avLst/>
+          </a:prstGeom>
+          <a:ln>
+            <a:tailEnd type="triangle"/>
+          </a:ln>
+        </p:spPr>
+        <p:style>
+          <a:lnRef idx="1">
+            <a:schemeClr val="accent1"/>
+          </a:lnRef>
+          <a:fillRef idx="0">
+            <a:schemeClr val="accent1"/>
+          </a:fillRef>
+          <a:effectRef idx="0">
+            <a:schemeClr val="accent1"/>
+          </a:effectRef>
+          <a:fontRef idx="minor">
+            <a:schemeClr val="tx1"/>
+          </a:fontRef>
+        </p:style>
+      </p:cxnSp>
+      <p:cxnSp>
+        <p:nvCxnSpPr>
+          <p:cNvPr id="21" name="Straight Arrow Connector 20">
+            <a:extLst>
+              <a:ext uri="{FF2B5EF4-FFF2-40B4-BE49-F238E27FC236}">
+                <a16:creationId xmlns:a16="http://schemas.microsoft.com/office/drawing/2014/main" id="{5D4D4ED7-1B02-34B2-EE93-70EEEA532404}"/>
+              </a:ext>
+            </a:extLst>
+          </p:cNvPr>
+          <p:cNvCxnSpPr>
+            <a:stCxn id="2" idx="2"/>
+            <a:endCxn id="6" idx="0"/>
+          </p:cNvCxnSpPr>
+          <p:nvPr/>
+        </p:nvCxnSpPr>
+        <p:spPr>
+          <a:xfrm flipH="1">
+            <a:off x="5654350" y="3816221"/>
+            <a:ext cx="1" cy="569166"/>
+          </a:xfrm>
+          <a:prstGeom prst="straightConnector1">
+            <a:avLst/>
+          </a:prstGeom>
+          <a:ln>
+            <a:tailEnd type="triangle"/>
+          </a:ln>
+        </p:spPr>
+        <p:style>
+          <a:lnRef idx="1">
+            <a:schemeClr val="accent1"/>
+          </a:lnRef>
+          <a:fillRef idx="0">
+            <a:schemeClr val="accent1"/>
+          </a:fillRef>
+          <a:effectRef idx="0">
+            <a:schemeClr val="accent1"/>
+          </a:effectRef>
+          <a:fontRef idx="minor">
+            <a:schemeClr val="tx1"/>
+          </a:fontRef>
+        </p:style>
+      </p:cxnSp>
+      <p:cxnSp>
+        <p:nvCxnSpPr>
+          <p:cNvPr id="23" name="Straight Arrow Connector 22">
+            <a:extLst>
+              <a:ext uri="{FF2B5EF4-FFF2-40B4-BE49-F238E27FC236}">
+                <a16:creationId xmlns:a16="http://schemas.microsoft.com/office/drawing/2014/main" id="{C8536B3F-5DF8-C50E-39A1-2223C8B23DE7}"/>
+              </a:ext>
+            </a:extLst>
+          </p:cNvPr>
+          <p:cNvCxnSpPr>
+            <a:stCxn id="2" idx="1"/>
+            <a:endCxn id="3" idx="3"/>
+          </p:cNvCxnSpPr>
+          <p:nvPr/>
+        </p:nvCxnSpPr>
+        <p:spPr>
+          <a:xfrm flipH="1" flipV="1">
+            <a:off x="3716694" y="1477348"/>
+            <a:ext cx="799321" cy="1667069"/>
+          </a:xfrm>
+          <a:prstGeom prst="straightConnector1">
+            <a:avLst/>
+          </a:prstGeom>
+          <a:ln>
+            <a:tailEnd type="triangle"/>
+          </a:ln>
+        </p:spPr>
+        <p:style>
+          <a:lnRef idx="1">
+            <a:schemeClr val="accent1"/>
+          </a:lnRef>
+          <a:fillRef idx="0">
+            <a:schemeClr val="accent1"/>
+          </a:fillRef>
+          <a:effectRef idx="0">
+            <a:schemeClr val="accent1"/>
+          </a:effectRef>
+          <a:fontRef idx="minor">
+            <a:schemeClr val="tx1"/>
+          </a:fontRef>
+        </p:style>
+      </p:cxnSp>
+      <p:cxnSp>
+        <p:nvCxnSpPr>
+          <p:cNvPr id="25" name="Straight Arrow Connector 24">
+            <a:extLst>
+              <a:ext uri="{FF2B5EF4-FFF2-40B4-BE49-F238E27FC236}">
+                <a16:creationId xmlns:a16="http://schemas.microsoft.com/office/drawing/2014/main" id="{708EAEFC-DE58-9540-3A8C-55091D6C8B1D}"/>
+              </a:ext>
+            </a:extLst>
+          </p:cNvPr>
+          <p:cNvCxnSpPr>
+            <a:stCxn id="2" idx="1"/>
+            <a:endCxn id="4" idx="3"/>
+          </p:cNvCxnSpPr>
+          <p:nvPr/>
+        </p:nvCxnSpPr>
+        <p:spPr>
+          <a:xfrm flipH="1" flipV="1">
+            <a:off x="3604726" y="3141306"/>
+            <a:ext cx="911289" cy="3111"/>
+          </a:xfrm>
+          <a:prstGeom prst="straightConnector1">
+            <a:avLst/>
+          </a:prstGeom>
+          <a:ln>
+            <a:tailEnd type="triangle"/>
+          </a:ln>
+        </p:spPr>
+        <p:style>
+          <a:lnRef idx="1">
+            <a:schemeClr val="accent1"/>
+          </a:lnRef>
+          <a:fillRef idx="0">
+            <a:schemeClr val="accent1"/>
+          </a:fillRef>
+          <a:effectRef idx="0">
+            <a:schemeClr val="accent1"/>
+          </a:effectRef>
+          <a:fontRef idx="minor">
+            <a:schemeClr val="tx1"/>
+          </a:fontRef>
+        </p:style>
+      </p:cxnSp>
+      <p:cxnSp>
+        <p:nvCxnSpPr>
+          <p:cNvPr id="27" name="Straight Arrow Connector 26">
+            <a:extLst>
+              <a:ext uri="{FF2B5EF4-FFF2-40B4-BE49-F238E27FC236}">
+                <a16:creationId xmlns:a16="http://schemas.microsoft.com/office/drawing/2014/main" id="{C13BD5A3-5C12-C22A-45D6-CD7625203892}"/>
+              </a:ext>
+            </a:extLst>
+          </p:cNvPr>
+          <p:cNvCxnSpPr>
+            <a:stCxn id="2" idx="1"/>
+            <a:endCxn id="5" idx="3"/>
+          </p:cNvCxnSpPr>
+          <p:nvPr/>
+        </p:nvCxnSpPr>
+        <p:spPr>
+          <a:xfrm flipH="1">
+            <a:off x="3604726" y="3144417"/>
+            <a:ext cx="911289" cy="1912775"/>
+          </a:xfrm>
+          <a:prstGeom prst="straightConnector1">
+            <a:avLst/>
+          </a:prstGeom>
+          <a:ln>
+            <a:tailEnd type="triangle"/>
+          </a:ln>
+        </p:spPr>
+        <p:style>
+          <a:lnRef idx="1">
+            <a:schemeClr val="accent1"/>
+          </a:lnRef>
+          <a:fillRef idx="0">
+            <a:schemeClr val="accent1"/>
+          </a:fillRef>
+          <a:effectRef idx="0">
+            <a:schemeClr val="accent1"/>
+          </a:effectRef>
+          <a:fontRef idx="minor">
+            <a:schemeClr val="tx1"/>
+          </a:fontRef>
+        </p:style>
+      </p:cxnSp>
+    </p:spTree>
+    <p:extLst>
+      <p:ext uri="{BB962C8B-B14F-4D97-AF65-F5344CB8AC3E}">
+        <p14:creationId xmlns:p14="http://schemas.microsoft.com/office/powerpoint/2010/main" val="108670787"/>
+      </p:ext>
+    </p:extLst>
+  </p:cSld>
+  <p:clrMapOvr>
+    <a:masterClrMapping/>
+  </p:clrMapOvr>
+</p:sld>
+</file>
+
+<file path=ppt/slides/slide5.xml><?xml version="1.0" encoding="utf-8"?>
+<p:sld xmlns:a="http://schemas.openxmlformats.org/drawingml/2006/main" xmlns:r="http://schemas.openxmlformats.org/officeDocument/2006/relationships" xmlns:p="http://schemas.openxmlformats.org/presentationml/2006/main">
+  <p:cSld>
+    <p:spTree>
+      <p:nvGrpSpPr>
+        <p:cNvPr id="1" name=""/>
+        <p:cNvGrpSpPr/>
+        <p:nvPr/>
+      </p:nvGrpSpPr>
+      <p:grpSpPr>
+        <a:xfrm>
+          <a:off x="0" y="0"/>
+          <a:ext cx="0" cy="0"/>
+          <a:chOff x="0" y="0"/>
+          <a:chExt cx="0" cy="0"/>
+        </a:xfrm>
+      </p:grpSpPr>
+      <p:sp>
+        <p:nvSpPr>
+          <p:cNvPr id="2" name="Rectangle: Rounded Corners 1">
+            <a:extLst>
+              <a:ext uri="{FF2B5EF4-FFF2-40B4-BE49-F238E27FC236}">
+                <a16:creationId xmlns:a16="http://schemas.microsoft.com/office/drawing/2014/main" id="{831EC13F-8ED4-1BE2-FABA-C1D83B6C64A8}"/>
+              </a:ext>
+            </a:extLst>
+          </p:cNvPr>
+          <p:cNvSpPr/>
+          <p:nvPr/>
+        </p:nvSpPr>
+        <p:spPr>
+          <a:xfrm>
+            <a:off x="4711958" y="335902"/>
+            <a:ext cx="2276671" cy="1343609"/>
+          </a:xfrm>
+          <a:prstGeom prst="roundRect">
+            <a:avLst/>
+          </a:prstGeom>
+        </p:spPr>
+        <p:style>
+          <a:lnRef idx="2">
+            <a:schemeClr val="accent1">
+              <a:shade val="50000"/>
+            </a:schemeClr>
+          </a:lnRef>
+          <a:fillRef idx="1">
+            <a:schemeClr val="accent1"/>
+          </a:fillRef>
+          <a:effectRef idx="0">
+            <a:schemeClr val="accent1"/>
+          </a:effectRef>
+          <a:fontRef idx="minor">
+            <a:schemeClr val="lt1"/>
+          </a:fontRef>
+        </p:style>
+        <p:txBody>
+          <a:bodyPr rtlCol="0" anchor="ctr"/>
+          <a:lstStyle/>
+          <a:p>
+            <a:pPr algn="ctr"/>
+            <a:r>
+              <a:rPr lang="en-US" b="1" dirty="0"/>
+              <a:t>Laptop</a:t>
+            </a:r>
+          </a:p>
+        </p:txBody>
+      </p:sp>
+      <p:sp>
+        <p:nvSpPr>
+          <p:cNvPr id="3" name="Rectangle: Rounded Corners 2">
+            <a:extLst>
+              <a:ext uri="{FF2B5EF4-FFF2-40B4-BE49-F238E27FC236}">
+                <a16:creationId xmlns:a16="http://schemas.microsoft.com/office/drawing/2014/main" id="{D665C242-9DC8-11D6-9D21-3D326D110726}"/>
+              </a:ext>
+            </a:extLst>
+          </p:cNvPr>
+          <p:cNvSpPr/>
+          <p:nvPr/>
+        </p:nvSpPr>
+        <p:spPr>
+          <a:xfrm>
+            <a:off x="376334" y="2200469"/>
+            <a:ext cx="2276671" cy="1343609"/>
+          </a:xfrm>
+          <a:prstGeom prst="roundRect">
+            <a:avLst/>
+          </a:prstGeom>
+        </p:spPr>
+        <p:style>
+          <a:lnRef idx="2">
+            <a:schemeClr val="accent1">
+              <a:shade val="50000"/>
+            </a:schemeClr>
+          </a:lnRef>
+          <a:fillRef idx="1">
+            <a:schemeClr val="accent1"/>
+          </a:fillRef>
+          <a:effectRef idx="0">
+            <a:schemeClr val="accent1"/>
+          </a:effectRef>
+          <a:fontRef idx="minor">
+            <a:schemeClr val="lt1"/>
+          </a:fontRef>
+        </p:style>
+        <p:txBody>
+          <a:bodyPr rtlCol="0" anchor="ctr"/>
+          <a:lstStyle/>
+          <a:p>
+            <a:pPr algn="ctr"/>
+            <a:r>
+              <a:rPr lang="en-US" b="1" dirty="0"/>
+              <a:t>Gaming</a:t>
+            </a:r>
+          </a:p>
+        </p:txBody>
+      </p:sp>
+      <p:sp>
+        <p:nvSpPr>
+          <p:cNvPr id="4" name="Rectangle: Rounded Corners 3">
+            <a:extLst>
+              <a:ext uri="{FF2B5EF4-FFF2-40B4-BE49-F238E27FC236}">
+                <a16:creationId xmlns:a16="http://schemas.microsoft.com/office/drawing/2014/main" id="{01DF9CE5-0EF1-F7F5-E915-E50BEDFEC497}"/>
+              </a:ext>
+            </a:extLst>
+          </p:cNvPr>
+          <p:cNvSpPr/>
+          <p:nvPr/>
+        </p:nvSpPr>
+        <p:spPr>
+          <a:xfrm>
+            <a:off x="4637312" y="2200469"/>
+            <a:ext cx="2276671" cy="1343609"/>
+          </a:xfrm>
+          <a:prstGeom prst="roundRect">
+            <a:avLst/>
+          </a:prstGeom>
+        </p:spPr>
+        <p:style>
+          <a:lnRef idx="2">
+            <a:schemeClr val="accent1">
+              <a:shade val="50000"/>
+            </a:schemeClr>
+          </a:lnRef>
+          <a:fillRef idx="1">
+            <a:schemeClr val="accent1"/>
+          </a:fillRef>
+          <a:effectRef idx="0">
+            <a:schemeClr val="accent1"/>
+          </a:effectRef>
+          <a:fontRef idx="minor">
+            <a:schemeClr val="lt1"/>
+          </a:fontRef>
+        </p:style>
+        <p:txBody>
+          <a:bodyPr rtlCol="0" anchor="ctr"/>
+          <a:lstStyle/>
+          <a:p>
+            <a:pPr algn="ctr"/>
+            <a:r>
+              <a:rPr lang="en-US" b="1" dirty="0"/>
+              <a:t>Business</a:t>
+            </a:r>
+          </a:p>
+        </p:txBody>
+      </p:sp>
+      <p:sp>
+        <p:nvSpPr>
+          <p:cNvPr id="5" name="Rectangle: Rounded Corners 4">
+            <a:extLst>
+              <a:ext uri="{FF2B5EF4-FFF2-40B4-BE49-F238E27FC236}">
+                <a16:creationId xmlns:a16="http://schemas.microsoft.com/office/drawing/2014/main" id="{CF2E31D3-83A7-D448-BB88-DF84CBE84593}"/>
+              </a:ext>
+            </a:extLst>
+          </p:cNvPr>
+          <p:cNvSpPr/>
+          <p:nvPr/>
+        </p:nvSpPr>
+        <p:spPr>
+          <a:xfrm>
+            <a:off x="8742783" y="2200469"/>
+            <a:ext cx="2276671" cy="1343609"/>
+          </a:xfrm>
+          <a:prstGeom prst="roundRect">
+            <a:avLst/>
+          </a:prstGeom>
+        </p:spPr>
+        <p:style>
+          <a:lnRef idx="2">
+            <a:schemeClr val="accent1">
+              <a:shade val="50000"/>
+            </a:schemeClr>
+          </a:lnRef>
+          <a:fillRef idx="1">
+            <a:schemeClr val="accent1"/>
+          </a:fillRef>
+          <a:effectRef idx="0">
+            <a:schemeClr val="accent1"/>
+          </a:effectRef>
+          <a:fontRef idx="minor">
+            <a:schemeClr val="lt1"/>
+          </a:fontRef>
+        </p:style>
+        <p:txBody>
+          <a:bodyPr rtlCol="0" anchor="ctr"/>
+          <a:lstStyle/>
+          <a:p>
+            <a:pPr algn="ctr"/>
+            <a:r>
+              <a:rPr lang="en-US" b="1" dirty="0"/>
+              <a:t>Developers</a:t>
+            </a:r>
+          </a:p>
+        </p:txBody>
+      </p:sp>
+    </p:spTree>
+    <p:extLst>
+      <p:ext uri="{BB962C8B-B14F-4D97-AF65-F5344CB8AC3E}">
+        <p14:creationId xmlns:p14="http://schemas.microsoft.com/office/powerpoint/2010/main" val="2586591379"/>
+      </p:ext>
+    </p:extLst>
+  </p:cSld>
+  <p:clrMapOvr>
+    <a:masterClrMapping/>
+  </p:clrMapOvr>
+</p:sld>
+</file>
+
 <file path=ppt/theme/theme1.xml><?xml version="1.0" encoding="utf-8"?>
 <a:theme xmlns:a="http://schemas.openxmlformats.org/drawingml/2006/main" name="Office Theme">
   <a:themeElements>

--- a/Training-Images.pptx
+++ b/Training-Images.pptx
@@ -10,6 +10,8 @@
     <p:sldId id="258" r:id="rId4"/>
     <p:sldId id="259" r:id="rId5"/>
     <p:sldId id="260" r:id="rId6"/>
+    <p:sldId id="261" r:id="rId7"/>
+    <p:sldId id="262" r:id="rId8"/>
   </p:sldIdLst>
   <p:sldSz cx="12192000" cy="6858000"/>
   <p:notesSz cx="6858000" cy="9144000"/>
@@ -263,7 +265,7 @@
           <a:p>
             <a:fld id="{95E4630E-4E16-4BC6-8D4C-04E2A0254E22}" type="datetimeFigureOut">
               <a:rPr lang="en-US" smtClean="0"/>
-              <a:t>7/11/2022</a:t>
+              <a:t>7/12/2022</a:t>
             </a:fld>
             <a:endParaRPr lang="en-US"/>
           </a:p>
@@ -461,7 +463,7 @@
           <a:p>
             <a:fld id="{95E4630E-4E16-4BC6-8D4C-04E2A0254E22}" type="datetimeFigureOut">
               <a:rPr lang="en-US" smtClean="0"/>
-              <a:t>7/11/2022</a:t>
+              <a:t>7/12/2022</a:t>
             </a:fld>
             <a:endParaRPr lang="en-US"/>
           </a:p>
@@ -669,7 +671,7 @@
           <a:p>
             <a:fld id="{95E4630E-4E16-4BC6-8D4C-04E2A0254E22}" type="datetimeFigureOut">
               <a:rPr lang="en-US" smtClean="0"/>
-              <a:t>7/11/2022</a:t>
+              <a:t>7/12/2022</a:t>
             </a:fld>
             <a:endParaRPr lang="en-US"/>
           </a:p>
@@ -867,7 +869,7 @@
           <a:p>
             <a:fld id="{95E4630E-4E16-4BC6-8D4C-04E2A0254E22}" type="datetimeFigureOut">
               <a:rPr lang="en-US" smtClean="0"/>
-              <a:t>7/11/2022</a:t>
+              <a:t>7/12/2022</a:t>
             </a:fld>
             <a:endParaRPr lang="en-US"/>
           </a:p>
@@ -1142,7 +1144,7 @@
           <a:p>
             <a:fld id="{95E4630E-4E16-4BC6-8D4C-04E2A0254E22}" type="datetimeFigureOut">
               <a:rPr lang="en-US" smtClean="0"/>
-              <a:t>7/11/2022</a:t>
+              <a:t>7/12/2022</a:t>
             </a:fld>
             <a:endParaRPr lang="en-US"/>
           </a:p>
@@ -1407,7 +1409,7 @@
           <a:p>
             <a:fld id="{95E4630E-4E16-4BC6-8D4C-04E2A0254E22}" type="datetimeFigureOut">
               <a:rPr lang="en-US" smtClean="0"/>
-              <a:t>7/11/2022</a:t>
+              <a:t>7/12/2022</a:t>
             </a:fld>
             <a:endParaRPr lang="en-US"/>
           </a:p>
@@ -1819,7 +1821,7 @@
           <a:p>
             <a:fld id="{95E4630E-4E16-4BC6-8D4C-04E2A0254E22}" type="datetimeFigureOut">
               <a:rPr lang="en-US" smtClean="0"/>
-              <a:t>7/11/2022</a:t>
+              <a:t>7/12/2022</a:t>
             </a:fld>
             <a:endParaRPr lang="en-US"/>
           </a:p>
@@ -1960,7 +1962,7 @@
           <a:p>
             <a:fld id="{95E4630E-4E16-4BC6-8D4C-04E2A0254E22}" type="datetimeFigureOut">
               <a:rPr lang="en-US" smtClean="0"/>
-              <a:t>7/11/2022</a:t>
+              <a:t>7/12/2022</a:t>
             </a:fld>
             <a:endParaRPr lang="en-US"/>
           </a:p>
@@ -2073,7 +2075,7 @@
           <a:p>
             <a:fld id="{95E4630E-4E16-4BC6-8D4C-04E2A0254E22}" type="datetimeFigureOut">
               <a:rPr lang="en-US" smtClean="0"/>
-              <a:t>7/11/2022</a:t>
+              <a:t>7/12/2022</a:t>
             </a:fld>
             <a:endParaRPr lang="en-US"/>
           </a:p>
@@ -2384,7 +2386,7 @@
           <a:p>
             <a:fld id="{95E4630E-4E16-4BC6-8D4C-04E2A0254E22}" type="datetimeFigureOut">
               <a:rPr lang="en-US" smtClean="0"/>
-              <a:t>7/11/2022</a:t>
+              <a:t>7/12/2022</a:t>
             </a:fld>
             <a:endParaRPr lang="en-US"/>
           </a:p>
@@ -2672,7 +2674,7 @@
           <a:p>
             <a:fld id="{95E4630E-4E16-4BC6-8D4C-04E2A0254E22}" type="datetimeFigureOut">
               <a:rPr lang="en-US" smtClean="0"/>
-              <a:t>7/11/2022</a:t>
+              <a:t>7/12/2022</a:t>
             </a:fld>
             <a:endParaRPr lang="en-US"/>
           </a:p>
@@ -2913,7 +2915,7 @@
           <a:p>
             <a:fld id="{95E4630E-4E16-4BC6-8D4C-04E2A0254E22}" type="datetimeFigureOut">
               <a:rPr lang="en-US" smtClean="0"/>
-              <a:t>7/11/2022</a:t>
+              <a:t>7/12/2022</a:t>
             </a:fld>
             <a:endParaRPr lang="en-US"/>
           </a:p>
@@ -7488,6 +7490,1209 @@
 </p:sld>
 </file>
 
+<file path=ppt/slides/slide6.xml><?xml version="1.0" encoding="utf-8"?>
+<p:sld xmlns:a="http://schemas.openxmlformats.org/drawingml/2006/main" xmlns:r="http://schemas.openxmlformats.org/officeDocument/2006/relationships" xmlns:p="http://schemas.openxmlformats.org/presentationml/2006/main">
+  <p:cSld>
+    <p:spTree>
+      <p:nvGrpSpPr>
+        <p:cNvPr id="1" name=""/>
+        <p:cNvGrpSpPr/>
+        <p:nvPr/>
+      </p:nvGrpSpPr>
+      <p:grpSpPr>
+        <a:xfrm>
+          <a:off x="0" y="0"/>
+          <a:ext cx="0" cy="0"/>
+          <a:chOff x="0" y="0"/>
+          <a:chExt cx="0" cy="0"/>
+        </a:xfrm>
+      </p:grpSpPr>
+      <p:sp>
+        <p:nvSpPr>
+          <p:cNvPr id="3" name="TextBox 2">
+            <a:extLst>
+              <a:ext uri="{FF2B5EF4-FFF2-40B4-BE49-F238E27FC236}">
+                <a16:creationId xmlns:a16="http://schemas.microsoft.com/office/drawing/2014/main" id="{39E9800D-4156-B702-F7ED-D98D4CE34F60}"/>
+              </a:ext>
+            </a:extLst>
+          </p:cNvPr>
+          <p:cNvSpPr txBox="1"/>
+          <p:nvPr/>
+        </p:nvSpPr>
+        <p:spPr>
+          <a:xfrm>
+            <a:off x="212272" y="855697"/>
+            <a:ext cx="6097554" cy="369332"/>
+          </a:xfrm>
+          <a:prstGeom prst="rect">
+            <a:avLst/>
+          </a:prstGeom>
+          <a:noFill/>
+        </p:spPr>
+        <p:txBody>
+          <a:bodyPr wrap="square">
+            <a:spAutoFit/>
+          </a:bodyPr>
+          <a:lstStyle/>
+          <a:p>
+            <a:r>
+              <a:rPr lang="en-US" sz="1800" dirty="0">
+                <a:solidFill>
+                  <a:srgbClr val="000000"/>
+                </a:solidFill>
+                <a:latin typeface="Cascadia Mono" panose="020B0609020000020004" pitchFamily="49" charset="0"/>
+              </a:rPr>
+              <a:t> </a:t>
+            </a:r>
+            <a:r>
+              <a:rPr lang="en-US" sz="1800" dirty="0" err="1">
+                <a:solidFill>
+                  <a:srgbClr val="000000"/>
+                </a:solidFill>
+                <a:latin typeface="Cascadia Mono" panose="020B0609020000020004" pitchFamily="49" charset="0"/>
+              </a:rPr>
+              <a:t>ClsEmployee</a:t>
+            </a:r>
+            <a:r>
+              <a:rPr lang="en-US" sz="1800" dirty="0">
+                <a:solidFill>
+                  <a:srgbClr val="000000"/>
+                </a:solidFill>
+                <a:latin typeface="Cascadia Mono" panose="020B0609020000020004" pitchFamily="49" charset="0"/>
+              </a:rPr>
+              <a:t> emp = </a:t>
+            </a:r>
+            <a:r>
+              <a:rPr lang="en-US" sz="1800" dirty="0">
+                <a:solidFill>
+                  <a:srgbClr val="0000FF"/>
+                </a:solidFill>
+                <a:latin typeface="Cascadia Mono" panose="020B0609020000020004" pitchFamily="49" charset="0"/>
+              </a:rPr>
+              <a:t>new</a:t>
+            </a:r>
+            <a:r>
+              <a:rPr lang="en-US" sz="1800" dirty="0">
+                <a:solidFill>
+                  <a:srgbClr val="000000"/>
+                </a:solidFill>
+                <a:latin typeface="Cascadia Mono" panose="020B0609020000020004" pitchFamily="49" charset="0"/>
+              </a:rPr>
+              <a:t> </a:t>
+            </a:r>
+            <a:r>
+              <a:rPr lang="en-US" sz="1800" dirty="0" err="1">
+                <a:solidFill>
+                  <a:srgbClr val="000000"/>
+                </a:solidFill>
+                <a:latin typeface="Cascadia Mono" panose="020B0609020000020004" pitchFamily="49" charset="0"/>
+              </a:rPr>
+              <a:t>ClsEmployee</a:t>
+            </a:r>
+            <a:r>
+              <a:rPr lang="en-US" sz="1800" dirty="0">
+                <a:solidFill>
+                  <a:srgbClr val="000000"/>
+                </a:solidFill>
+                <a:latin typeface="Cascadia Mono" panose="020B0609020000020004" pitchFamily="49" charset="0"/>
+              </a:rPr>
+              <a:t>();</a:t>
+            </a:r>
+            <a:endParaRPr lang="en-US" dirty="0"/>
+          </a:p>
+        </p:txBody>
+      </p:sp>
+      <p:sp>
+        <p:nvSpPr>
+          <p:cNvPr id="4" name="Rectangle 3">
+            <a:extLst>
+              <a:ext uri="{FF2B5EF4-FFF2-40B4-BE49-F238E27FC236}">
+                <a16:creationId xmlns:a16="http://schemas.microsoft.com/office/drawing/2014/main" id="{810AF07D-4068-CAD8-A394-3B89E9AFE583}"/>
+              </a:ext>
+            </a:extLst>
+          </p:cNvPr>
+          <p:cNvSpPr/>
+          <p:nvPr/>
+        </p:nvSpPr>
+        <p:spPr>
+          <a:xfrm>
+            <a:off x="905069" y="1632857"/>
+            <a:ext cx="1427584" cy="821094"/>
+          </a:xfrm>
+          <a:prstGeom prst="rect">
+            <a:avLst/>
+          </a:prstGeom>
+        </p:spPr>
+        <p:style>
+          <a:lnRef idx="2">
+            <a:schemeClr val="accent1">
+              <a:shade val="50000"/>
+            </a:schemeClr>
+          </a:lnRef>
+          <a:fillRef idx="1">
+            <a:schemeClr val="accent1"/>
+          </a:fillRef>
+          <a:effectRef idx="0">
+            <a:schemeClr val="accent1"/>
+          </a:effectRef>
+          <a:fontRef idx="minor">
+            <a:schemeClr val="lt1"/>
+          </a:fontRef>
+        </p:style>
+        <p:txBody>
+          <a:bodyPr rtlCol="0" anchor="ctr"/>
+          <a:lstStyle/>
+          <a:p>
+            <a:pPr algn="ctr"/>
+            <a:r>
+              <a:rPr lang="en-IN" b="1" dirty="0"/>
+              <a:t>emp</a:t>
+            </a:r>
+            <a:endParaRPr lang="en-US" b="1" dirty="0"/>
+          </a:p>
+        </p:txBody>
+      </p:sp>
+      <p:sp>
+        <p:nvSpPr>
+          <p:cNvPr id="5" name="TextBox 4">
+            <a:extLst>
+              <a:ext uri="{FF2B5EF4-FFF2-40B4-BE49-F238E27FC236}">
+                <a16:creationId xmlns:a16="http://schemas.microsoft.com/office/drawing/2014/main" id="{C50459DC-AE06-6829-4859-36631181F6A0}"/>
+              </a:ext>
+            </a:extLst>
+          </p:cNvPr>
+          <p:cNvSpPr txBox="1"/>
+          <p:nvPr/>
+        </p:nvSpPr>
+        <p:spPr>
+          <a:xfrm>
+            <a:off x="774441" y="2575249"/>
+            <a:ext cx="1651518" cy="369332"/>
+          </a:xfrm>
+          <a:prstGeom prst="rect">
+            <a:avLst/>
+          </a:prstGeom>
+          <a:noFill/>
+        </p:spPr>
+        <p:txBody>
+          <a:bodyPr wrap="square" rtlCol="0">
+            <a:spAutoFit/>
+          </a:bodyPr>
+          <a:lstStyle/>
+          <a:p>
+            <a:pPr algn="ctr"/>
+            <a:r>
+              <a:rPr lang="en-IN" b="1" dirty="0"/>
+              <a:t>Stack</a:t>
+            </a:r>
+            <a:endParaRPr lang="en-US" b="1" dirty="0"/>
+          </a:p>
+        </p:txBody>
+      </p:sp>
+      <p:sp>
+        <p:nvSpPr>
+          <p:cNvPr id="7" name="Rectangle 6">
+            <a:extLst>
+              <a:ext uri="{FF2B5EF4-FFF2-40B4-BE49-F238E27FC236}">
+                <a16:creationId xmlns:a16="http://schemas.microsoft.com/office/drawing/2014/main" id="{68A11E8C-06C9-52B0-CCC4-5557EC31E6A7}"/>
+              </a:ext>
+            </a:extLst>
+          </p:cNvPr>
+          <p:cNvSpPr/>
+          <p:nvPr/>
+        </p:nvSpPr>
+        <p:spPr>
+          <a:xfrm>
+            <a:off x="7109927" y="1582312"/>
+            <a:ext cx="2118049" cy="2724538"/>
+          </a:xfrm>
+          <a:prstGeom prst="rect">
+            <a:avLst/>
+          </a:prstGeom>
+        </p:spPr>
+        <p:style>
+          <a:lnRef idx="2">
+            <a:schemeClr val="accent6"/>
+          </a:lnRef>
+          <a:fillRef idx="1">
+            <a:schemeClr val="lt1"/>
+          </a:fillRef>
+          <a:effectRef idx="0">
+            <a:schemeClr val="accent6"/>
+          </a:effectRef>
+          <a:fontRef idx="minor">
+            <a:schemeClr val="dk1"/>
+          </a:fontRef>
+        </p:style>
+        <p:txBody>
+          <a:bodyPr rtlCol="0" anchor="ctr"/>
+          <a:lstStyle/>
+          <a:p>
+            <a:pPr algn="ctr"/>
+            <a:endParaRPr lang="en-US"/>
+          </a:p>
+        </p:txBody>
+      </p:sp>
+      <p:sp>
+        <p:nvSpPr>
+          <p:cNvPr id="8" name="Arrow: Right 7">
+            <a:extLst>
+              <a:ext uri="{FF2B5EF4-FFF2-40B4-BE49-F238E27FC236}">
+                <a16:creationId xmlns:a16="http://schemas.microsoft.com/office/drawing/2014/main" id="{719B2473-9133-02F5-0FDC-225AF5795376}"/>
+              </a:ext>
+            </a:extLst>
+          </p:cNvPr>
+          <p:cNvSpPr/>
+          <p:nvPr/>
+        </p:nvSpPr>
+        <p:spPr>
+          <a:xfrm>
+            <a:off x="2332653" y="1903445"/>
+            <a:ext cx="4758612" cy="214604"/>
+          </a:xfrm>
+          <a:prstGeom prst="rightArrow">
+            <a:avLst/>
+          </a:prstGeom>
+        </p:spPr>
+        <p:style>
+          <a:lnRef idx="2">
+            <a:schemeClr val="accent1">
+              <a:shade val="50000"/>
+            </a:schemeClr>
+          </a:lnRef>
+          <a:fillRef idx="1">
+            <a:schemeClr val="accent1"/>
+          </a:fillRef>
+          <a:effectRef idx="0">
+            <a:schemeClr val="accent1"/>
+          </a:effectRef>
+          <a:fontRef idx="minor">
+            <a:schemeClr val="lt1"/>
+          </a:fontRef>
+        </p:style>
+        <p:txBody>
+          <a:bodyPr rtlCol="0" anchor="ctr"/>
+          <a:lstStyle/>
+          <a:p>
+            <a:pPr algn="ctr"/>
+            <a:endParaRPr lang="en-US"/>
+          </a:p>
+        </p:txBody>
+      </p:sp>
+      <p:sp>
+        <p:nvSpPr>
+          <p:cNvPr id="9" name="TextBox 8">
+            <a:extLst>
+              <a:ext uri="{FF2B5EF4-FFF2-40B4-BE49-F238E27FC236}">
+                <a16:creationId xmlns:a16="http://schemas.microsoft.com/office/drawing/2014/main" id="{8BA72975-4E2D-6B9B-D02C-BF657680542B}"/>
+              </a:ext>
+            </a:extLst>
+          </p:cNvPr>
+          <p:cNvSpPr txBox="1"/>
+          <p:nvPr/>
+        </p:nvSpPr>
+        <p:spPr>
+          <a:xfrm>
+            <a:off x="7203233" y="1796916"/>
+            <a:ext cx="1875453" cy="1200329"/>
+          </a:xfrm>
+          <a:prstGeom prst="rect">
+            <a:avLst/>
+          </a:prstGeom>
+          <a:noFill/>
+        </p:spPr>
+        <p:txBody>
+          <a:bodyPr wrap="square" rtlCol="0">
+            <a:spAutoFit/>
+          </a:bodyPr>
+          <a:lstStyle/>
+          <a:p>
+            <a:pPr algn="ctr"/>
+            <a:r>
+              <a:rPr lang="en-IN" b="1" dirty="0"/>
+              <a:t>Managed Heap with Default Values for the private members </a:t>
+            </a:r>
+            <a:endParaRPr lang="en-US" b="1" dirty="0"/>
+          </a:p>
+        </p:txBody>
+      </p:sp>
+      <p:sp>
+        <p:nvSpPr>
+          <p:cNvPr id="11" name="TextBox 10">
+            <a:extLst>
+              <a:ext uri="{FF2B5EF4-FFF2-40B4-BE49-F238E27FC236}">
+                <a16:creationId xmlns:a16="http://schemas.microsoft.com/office/drawing/2014/main" id="{F521FF1B-3D11-D364-74F1-246A036D74DC}"/>
+              </a:ext>
+            </a:extLst>
+          </p:cNvPr>
+          <p:cNvSpPr txBox="1"/>
+          <p:nvPr/>
+        </p:nvSpPr>
+        <p:spPr>
+          <a:xfrm>
+            <a:off x="212272" y="3971635"/>
+            <a:ext cx="6097554" cy="646331"/>
+          </a:xfrm>
+          <a:prstGeom prst="rect">
+            <a:avLst/>
+          </a:prstGeom>
+          <a:noFill/>
+        </p:spPr>
+        <p:txBody>
+          <a:bodyPr wrap="square">
+            <a:spAutoFit/>
+          </a:bodyPr>
+          <a:lstStyle/>
+          <a:p>
+            <a:r>
+              <a:rPr lang="en-US" sz="1800" dirty="0" err="1">
+                <a:solidFill>
+                  <a:srgbClr val="000000"/>
+                </a:solidFill>
+                <a:latin typeface="Cascadia Mono" panose="020B0609020000020004" pitchFamily="49" charset="0"/>
+              </a:rPr>
+              <a:t>ClsEmployee</a:t>
+            </a:r>
+            <a:r>
+              <a:rPr lang="en-US" sz="1800" dirty="0">
+                <a:solidFill>
+                  <a:srgbClr val="000000"/>
+                </a:solidFill>
+                <a:latin typeface="Cascadia Mono" panose="020B0609020000020004" pitchFamily="49" charset="0"/>
+              </a:rPr>
+              <a:t> emp1 = </a:t>
+            </a:r>
+            <a:r>
+              <a:rPr lang="en-US" sz="1800" dirty="0">
+                <a:solidFill>
+                  <a:srgbClr val="0000FF"/>
+                </a:solidFill>
+                <a:latin typeface="Cascadia Mono" panose="020B0609020000020004" pitchFamily="49" charset="0"/>
+              </a:rPr>
+              <a:t>new</a:t>
+            </a:r>
+            <a:r>
+              <a:rPr lang="en-US" sz="1800" dirty="0">
+                <a:solidFill>
+                  <a:srgbClr val="000000"/>
+                </a:solidFill>
+                <a:latin typeface="Cascadia Mono" panose="020B0609020000020004" pitchFamily="49" charset="0"/>
+              </a:rPr>
+              <a:t> </a:t>
+            </a:r>
+            <a:r>
+              <a:rPr lang="en-US" sz="1800" dirty="0" err="1">
+                <a:solidFill>
+                  <a:srgbClr val="000000"/>
+                </a:solidFill>
+                <a:latin typeface="Cascadia Mono" panose="020B0609020000020004" pitchFamily="49" charset="0"/>
+              </a:rPr>
+              <a:t>ClsEmployee</a:t>
+            </a:r>
+            <a:r>
+              <a:rPr lang="en-US" sz="1800" dirty="0">
+                <a:solidFill>
+                  <a:srgbClr val="000000"/>
+                </a:solidFill>
+                <a:latin typeface="Cascadia Mono" panose="020B0609020000020004" pitchFamily="49" charset="0"/>
+              </a:rPr>
+              <a:t>(101, </a:t>
+            </a:r>
+            <a:r>
+              <a:rPr lang="en-US" sz="1800" dirty="0">
+                <a:solidFill>
+                  <a:srgbClr val="A31515"/>
+                </a:solidFill>
+                <a:latin typeface="Cascadia Mono" panose="020B0609020000020004" pitchFamily="49" charset="0"/>
+              </a:rPr>
+              <a:t>"Mahesh"</a:t>
+            </a:r>
+            <a:r>
+              <a:rPr lang="en-US" sz="1800" dirty="0">
+                <a:solidFill>
+                  <a:srgbClr val="000000"/>
+                </a:solidFill>
+                <a:latin typeface="Cascadia Mono" panose="020B0609020000020004" pitchFamily="49" charset="0"/>
+              </a:rPr>
+              <a:t>, 123456, </a:t>
+            </a:r>
+            <a:r>
+              <a:rPr lang="en-US" sz="1800" dirty="0">
+                <a:solidFill>
+                  <a:srgbClr val="A31515"/>
+                </a:solidFill>
+                <a:latin typeface="Cascadia Mono" panose="020B0609020000020004" pitchFamily="49" charset="0"/>
+              </a:rPr>
+              <a:t>"IT"</a:t>
+            </a:r>
+            <a:r>
+              <a:rPr lang="en-US" sz="1800" dirty="0">
+                <a:solidFill>
+                  <a:srgbClr val="000000"/>
+                </a:solidFill>
+                <a:latin typeface="Cascadia Mono" panose="020B0609020000020004" pitchFamily="49" charset="0"/>
+              </a:rPr>
+              <a:t>, </a:t>
+            </a:r>
+            <a:r>
+              <a:rPr lang="en-US" sz="1800" dirty="0">
+                <a:solidFill>
+                  <a:srgbClr val="A31515"/>
+                </a:solidFill>
+                <a:latin typeface="Cascadia Mono" panose="020B0609020000020004" pitchFamily="49" charset="0"/>
+              </a:rPr>
+              <a:t>"Manager"</a:t>
+            </a:r>
+            <a:r>
+              <a:rPr lang="en-US" sz="1800" dirty="0">
+                <a:solidFill>
+                  <a:srgbClr val="000000"/>
+                </a:solidFill>
+                <a:latin typeface="Cascadia Mono" panose="020B0609020000020004" pitchFamily="49" charset="0"/>
+              </a:rPr>
+              <a:t>);</a:t>
+            </a:r>
+            <a:endParaRPr lang="en-US" dirty="0"/>
+          </a:p>
+        </p:txBody>
+      </p:sp>
+      <p:sp>
+        <p:nvSpPr>
+          <p:cNvPr id="12" name="Rectangle 11">
+            <a:extLst>
+              <a:ext uri="{FF2B5EF4-FFF2-40B4-BE49-F238E27FC236}">
+                <a16:creationId xmlns:a16="http://schemas.microsoft.com/office/drawing/2014/main" id="{E23CA7AB-F84C-E482-6BC6-F39C3206F908}"/>
+              </a:ext>
+            </a:extLst>
+          </p:cNvPr>
+          <p:cNvSpPr/>
+          <p:nvPr/>
+        </p:nvSpPr>
+        <p:spPr>
+          <a:xfrm>
+            <a:off x="1141445" y="4771005"/>
+            <a:ext cx="1427584" cy="821094"/>
+          </a:xfrm>
+          <a:prstGeom prst="rect">
+            <a:avLst/>
+          </a:prstGeom>
+        </p:spPr>
+        <p:style>
+          <a:lnRef idx="2">
+            <a:schemeClr val="accent1">
+              <a:shade val="50000"/>
+            </a:schemeClr>
+          </a:lnRef>
+          <a:fillRef idx="1">
+            <a:schemeClr val="accent1"/>
+          </a:fillRef>
+          <a:effectRef idx="0">
+            <a:schemeClr val="accent1"/>
+          </a:effectRef>
+          <a:fontRef idx="minor">
+            <a:schemeClr val="lt1"/>
+          </a:fontRef>
+        </p:style>
+        <p:txBody>
+          <a:bodyPr rtlCol="0" anchor="ctr"/>
+          <a:lstStyle/>
+          <a:p>
+            <a:pPr algn="ctr"/>
+            <a:r>
+              <a:rPr lang="en-IN" b="1" dirty="0"/>
+              <a:t>emp1</a:t>
+            </a:r>
+            <a:endParaRPr lang="en-US" b="1" dirty="0"/>
+          </a:p>
+        </p:txBody>
+      </p:sp>
+      <p:sp>
+        <p:nvSpPr>
+          <p:cNvPr id="13" name="TextBox 12">
+            <a:extLst>
+              <a:ext uri="{FF2B5EF4-FFF2-40B4-BE49-F238E27FC236}">
+                <a16:creationId xmlns:a16="http://schemas.microsoft.com/office/drawing/2014/main" id="{031CA57F-26EF-0581-550F-C0F76927D436}"/>
+              </a:ext>
+            </a:extLst>
+          </p:cNvPr>
+          <p:cNvSpPr txBox="1"/>
+          <p:nvPr/>
+        </p:nvSpPr>
+        <p:spPr>
+          <a:xfrm>
+            <a:off x="1010817" y="5713397"/>
+            <a:ext cx="1651518" cy="369332"/>
+          </a:xfrm>
+          <a:prstGeom prst="rect">
+            <a:avLst/>
+          </a:prstGeom>
+          <a:noFill/>
+        </p:spPr>
+        <p:txBody>
+          <a:bodyPr wrap="square" rtlCol="0">
+            <a:spAutoFit/>
+          </a:bodyPr>
+          <a:lstStyle/>
+          <a:p>
+            <a:pPr algn="ctr"/>
+            <a:r>
+              <a:rPr lang="en-IN" b="1" dirty="0"/>
+              <a:t>Stack</a:t>
+            </a:r>
+            <a:endParaRPr lang="en-US" b="1" dirty="0"/>
+          </a:p>
+        </p:txBody>
+      </p:sp>
+      <p:sp>
+        <p:nvSpPr>
+          <p:cNvPr id="14" name="Rectangle 13">
+            <a:extLst>
+              <a:ext uri="{FF2B5EF4-FFF2-40B4-BE49-F238E27FC236}">
+                <a16:creationId xmlns:a16="http://schemas.microsoft.com/office/drawing/2014/main" id="{8DCA7AE6-C950-0463-0B23-9A777027C235}"/>
+              </a:ext>
+            </a:extLst>
+          </p:cNvPr>
+          <p:cNvSpPr/>
+          <p:nvPr/>
+        </p:nvSpPr>
+        <p:spPr>
+          <a:xfrm>
+            <a:off x="7346303" y="4720460"/>
+            <a:ext cx="3925077" cy="1885613"/>
+          </a:xfrm>
+          <a:prstGeom prst="rect">
+            <a:avLst/>
+          </a:prstGeom>
+        </p:spPr>
+        <p:style>
+          <a:lnRef idx="2">
+            <a:schemeClr val="accent6"/>
+          </a:lnRef>
+          <a:fillRef idx="1">
+            <a:schemeClr val="lt1"/>
+          </a:fillRef>
+          <a:effectRef idx="0">
+            <a:schemeClr val="accent6"/>
+          </a:effectRef>
+          <a:fontRef idx="minor">
+            <a:schemeClr val="dk1"/>
+          </a:fontRef>
+        </p:style>
+        <p:txBody>
+          <a:bodyPr rtlCol="0" anchor="ctr"/>
+          <a:lstStyle/>
+          <a:p>
+            <a:pPr algn="ctr"/>
+            <a:endParaRPr lang="en-US"/>
+          </a:p>
+        </p:txBody>
+      </p:sp>
+      <p:sp>
+        <p:nvSpPr>
+          <p:cNvPr id="15" name="Arrow: Right 14">
+            <a:extLst>
+              <a:ext uri="{FF2B5EF4-FFF2-40B4-BE49-F238E27FC236}">
+                <a16:creationId xmlns:a16="http://schemas.microsoft.com/office/drawing/2014/main" id="{B075E715-E8D1-5328-2ECC-E0D88016F9A7}"/>
+              </a:ext>
+            </a:extLst>
+          </p:cNvPr>
+          <p:cNvSpPr/>
+          <p:nvPr/>
+        </p:nvSpPr>
+        <p:spPr>
+          <a:xfrm>
+            <a:off x="2569029" y="5041593"/>
+            <a:ext cx="4758612" cy="214604"/>
+          </a:xfrm>
+          <a:prstGeom prst="rightArrow">
+            <a:avLst/>
+          </a:prstGeom>
+        </p:spPr>
+        <p:style>
+          <a:lnRef idx="2">
+            <a:schemeClr val="accent1">
+              <a:shade val="50000"/>
+            </a:schemeClr>
+          </a:lnRef>
+          <a:fillRef idx="1">
+            <a:schemeClr val="accent1"/>
+          </a:fillRef>
+          <a:effectRef idx="0">
+            <a:schemeClr val="accent1"/>
+          </a:effectRef>
+          <a:fontRef idx="minor">
+            <a:schemeClr val="lt1"/>
+          </a:fontRef>
+        </p:style>
+        <p:txBody>
+          <a:bodyPr rtlCol="0" anchor="ctr"/>
+          <a:lstStyle/>
+          <a:p>
+            <a:pPr algn="ctr"/>
+            <a:endParaRPr lang="en-US"/>
+          </a:p>
+        </p:txBody>
+      </p:sp>
+      <p:sp>
+        <p:nvSpPr>
+          <p:cNvPr id="16" name="TextBox 15">
+            <a:extLst>
+              <a:ext uri="{FF2B5EF4-FFF2-40B4-BE49-F238E27FC236}">
+                <a16:creationId xmlns:a16="http://schemas.microsoft.com/office/drawing/2014/main" id="{3A89E8ED-5170-5CB1-21A0-E17CE5A3D4EC}"/>
+              </a:ext>
+            </a:extLst>
+          </p:cNvPr>
+          <p:cNvSpPr txBox="1"/>
+          <p:nvPr/>
+        </p:nvSpPr>
+        <p:spPr>
+          <a:xfrm>
+            <a:off x="7439609" y="4935064"/>
+            <a:ext cx="3610946" cy="1200329"/>
+          </a:xfrm>
+          <a:prstGeom prst="rect">
+            <a:avLst/>
+          </a:prstGeom>
+          <a:noFill/>
+        </p:spPr>
+        <p:txBody>
+          <a:bodyPr wrap="square" rtlCol="0">
+            <a:spAutoFit/>
+          </a:bodyPr>
+          <a:lstStyle/>
+          <a:p>
+            <a:pPr algn="ctr"/>
+            <a:r>
+              <a:rPr lang="en-IN" b="1" dirty="0"/>
+              <a:t>Managed Heap</a:t>
+            </a:r>
+          </a:p>
+          <a:p>
+            <a:pPr algn="ctr"/>
+            <a:endParaRPr lang="en-IN" b="1" dirty="0"/>
+          </a:p>
+          <a:p>
+            <a:r>
+              <a:rPr lang="en-IN" b="1" dirty="0"/>
+              <a:t>EmpNo = 101, EmpName=“Mahesh”,…..</a:t>
+            </a:r>
+            <a:endParaRPr lang="en-US" b="1" dirty="0"/>
+          </a:p>
+        </p:txBody>
+      </p:sp>
+      <p:sp>
+        <p:nvSpPr>
+          <p:cNvPr id="17" name="TextBox 16">
+            <a:extLst>
+              <a:ext uri="{FF2B5EF4-FFF2-40B4-BE49-F238E27FC236}">
+                <a16:creationId xmlns:a16="http://schemas.microsoft.com/office/drawing/2014/main" id="{B08E28CE-2614-32C1-EDEB-59C79111EEF5}"/>
+              </a:ext>
+            </a:extLst>
+          </p:cNvPr>
+          <p:cNvSpPr txBox="1"/>
+          <p:nvPr/>
+        </p:nvSpPr>
+        <p:spPr>
+          <a:xfrm>
+            <a:off x="3601616" y="65314"/>
+            <a:ext cx="5122506" cy="369332"/>
+          </a:xfrm>
+          <a:prstGeom prst="rect">
+            <a:avLst/>
+          </a:prstGeom>
+          <a:noFill/>
+        </p:spPr>
+        <p:txBody>
+          <a:bodyPr wrap="square" rtlCol="0">
+            <a:spAutoFit/>
+          </a:bodyPr>
+          <a:lstStyle/>
+          <a:p>
+            <a:pPr algn="ctr"/>
+            <a:r>
+              <a:rPr lang="en-IN" b="1" dirty="0"/>
+              <a:t>.NET CLR Memory Arrangement </a:t>
+            </a:r>
+            <a:endParaRPr lang="en-US" b="1" dirty="0"/>
+          </a:p>
+        </p:txBody>
+      </p:sp>
+    </p:spTree>
+    <p:extLst>
+      <p:ext uri="{BB962C8B-B14F-4D97-AF65-F5344CB8AC3E}">
+        <p14:creationId xmlns:p14="http://schemas.microsoft.com/office/powerpoint/2010/main" val="987304532"/>
+      </p:ext>
+    </p:extLst>
+  </p:cSld>
+  <p:clrMapOvr>
+    <a:masterClrMapping/>
+  </p:clrMapOvr>
+</p:sld>
+</file>
+
+<file path=ppt/slides/slide7.xml><?xml version="1.0" encoding="utf-8"?>
+<p:sld xmlns:a="http://schemas.openxmlformats.org/drawingml/2006/main" xmlns:r="http://schemas.openxmlformats.org/officeDocument/2006/relationships" xmlns:p="http://schemas.openxmlformats.org/presentationml/2006/main">
+  <p:cSld>
+    <p:spTree>
+      <p:nvGrpSpPr>
+        <p:cNvPr id="1" name=""/>
+        <p:cNvGrpSpPr/>
+        <p:nvPr/>
+      </p:nvGrpSpPr>
+      <p:grpSpPr>
+        <a:xfrm>
+          <a:off x="0" y="0"/>
+          <a:ext cx="0" cy="0"/>
+          <a:chOff x="0" y="0"/>
+          <a:chExt cx="0" cy="0"/>
+        </a:xfrm>
+      </p:grpSpPr>
+      <p:sp>
+        <p:nvSpPr>
+          <p:cNvPr id="2" name="Rectangle 1">
+            <a:extLst>
+              <a:ext uri="{FF2B5EF4-FFF2-40B4-BE49-F238E27FC236}">
+                <a16:creationId xmlns:a16="http://schemas.microsoft.com/office/drawing/2014/main" id="{AECC159A-1E4F-FF08-239C-20C83A3CB5D8}"/>
+              </a:ext>
+            </a:extLst>
+          </p:cNvPr>
+          <p:cNvSpPr/>
+          <p:nvPr/>
+        </p:nvSpPr>
+        <p:spPr>
+          <a:xfrm>
+            <a:off x="587829" y="93306"/>
+            <a:ext cx="2500604" cy="2491274"/>
+          </a:xfrm>
+          <a:prstGeom prst="rect">
+            <a:avLst/>
+          </a:prstGeom>
+        </p:spPr>
+        <p:style>
+          <a:lnRef idx="2">
+            <a:schemeClr val="accent1">
+              <a:shade val="50000"/>
+            </a:schemeClr>
+          </a:lnRef>
+          <a:fillRef idx="1">
+            <a:schemeClr val="accent1"/>
+          </a:fillRef>
+          <a:effectRef idx="0">
+            <a:schemeClr val="accent1"/>
+          </a:effectRef>
+          <a:fontRef idx="minor">
+            <a:schemeClr val="lt1"/>
+          </a:fontRef>
+        </p:style>
+        <p:txBody>
+          <a:bodyPr rtlCol="0" anchor="ctr"/>
+          <a:lstStyle/>
+          <a:p>
+            <a:pPr algn="ctr"/>
+            <a:r>
+              <a:rPr lang="en-IN" b="1" dirty="0"/>
+              <a:t>Base Class with Parameterized </a:t>
+            </a:r>
+            <a:r>
+              <a:rPr lang="en-IN" b="1" dirty="0" err="1"/>
+              <a:t>ctor</a:t>
+            </a:r>
+            <a:endParaRPr lang="en-IN" b="1" dirty="0"/>
+          </a:p>
+          <a:p>
+            <a:r>
+              <a:rPr lang="en-IN" b="1" dirty="0"/>
+              <a:t>Class </a:t>
+            </a:r>
+            <a:r>
+              <a:rPr lang="en-IN" b="1" dirty="0" err="1"/>
+              <a:t>MyBase</a:t>
+            </a:r>
+            <a:r>
+              <a:rPr lang="en-IN" b="1" dirty="0"/>
+              <a:t> </a:t>
+            </a:r>
+          </a:p>
+          <a:p>
+            <a:r>
+              <a:rPr lang="en-IN" b="1" dirty="0"/>
+              <a:t>{</a:t>
+            </a:r>
+          </a:p>
+          <a:p>
+            <a:r>
+              <a:rPr lang="en-IN" b="1" dirty="0"/>
+              <a:t>    </a:t>
+            </a:r>
+            <a:r>
+              <a:rPr lang="en-IN" b="1" dirty="0" err="1"/>
+              <a:t>MyBase</a:t>
+            </a:r>
+            <a:r>
+              <a:rPr lang="en-IN" b="1" dirty="0"/>
+              <a:t>(</a:t>
+            </a:r>
+            <a:r>
+              <a:rPr lang="en-IN" b="1" dirty="0" err="1"/>
+              <a:t>x,y,z</a:t>
+            </a:r>
+            <a:r>
+              <a:rPr lang="en-IN" b="1" dirty="0"/>
+              <a:t>)</a:t>
+            </a:r>
+          </a:p>
+          <a:p>
+            <a:r>
+              <a:rPr lang="en-IN" b="1" dirty="0"/>
+              <a:t>{</a:t>
+            </a:r>
+          </a:p>
+          <a:p>
+            <a:r>
+              <a:rPr lang="en-IN" b="1" dirty="0"/>
+              <a:t>}</a:t>
+            </a:r>
+          </a:p>
+          <a:p>
+            <a:r>
+              <a:rPr lang="en-IN" b="1" dirty="0"/>
+              <a:t>}</a:t>
+            </a:r>
+            <a:endParaRPr lang="en-US" b="1" dirty="0"/>
+          </a:p>
+        </p:txBody>
+      </p:sp>
+      <p:sp>
+        <p:nvSpPr>
+          <p:cNvPr id="3" name="Rectangle 2">
+            <a:extLst>
+              <a:ext uri="{FF2B5EF4-FFF2-40B4-BE49-F238E27FC236}">
+                <a16:creationId xmlns:a16="http://schemas.microsoft.com/office/drawing/2014/main" id="{BF08CEC3-9175-6667-1A2C-C80D07382074}"/>
+              </a:ext>
+            </a:extLst>
+          </p:cNvPr>
+          <p:cNvSpPr/>
+          <p:nvPr/>
+        </p:nvSpPr>
+        <p:spPr>
+          <a:xfrm>
+            <a:off x="578498" y="3429000"/>
+            <a:ext cx="2500604" cy="2491274"/>
+          </a:xfrm>
+          <a:prstGeom prst="rect">
+            <a:avLst/>
+          </a:prstGeom>
+        </p:spPr>
+        <p:style>
+          <a:lnRef idx="1">
+            <a:schemeClr val="accent2"/>
+          </a:lnRef>
+          <a:fillRef idx="2">
+            <a:schemeClr val="accent2"/>
+          </a:fillRef>
+          <a:effectRef idx="1">
+            <a:schemeClr val="accent2"/>
+          </a:effectRef>
+          <a:fontRef idx="minor">
+            <a:schemeClr val="dk1"/>
+          </a:fontRef>
+        </p:style>
+        <p:txBody>
+          <a:bodyPr rtlCol="0" anchor="ctr"/>
+          <a:lstStyle/>
+          <a:p>
+            <a:pPr algn="ctr"/>
+            <a:r>
+              <a:rPr lang="en-IN" b="1" dirty="0"/>
+              <a:t>Derived Class</a:t>
+            </a:r>
+          </a:p>
+          <a:p>
+            <a:r>
+              <a:rPr lang="en-IN" b="1" dirty="0"/>
+              <a:t>Class </a:t>
+            </a:r>
+            <a:r>
+              <a:rPr lang="en-IN" b="1" dirty="0" err="1"/>
+              <a:t>Derive:MyBase</a:t>
+            </a:r>
+            <a:endParaRPr lang="en-IN" b="1" dirty="0"/>
+          </a:p>
+          <a:p>
+            <a:r>
+              <a:rPr lang="en-IN" b="1" dirty="0"/>
+              <a:t>{</a:t>
+            </a:r>
+          </a:p>
+          <a:p>
+            <a:r>
+              <a:rPr lang="en-IN" b="1" dirty="0"/>
+              <a:t>   Derive(</a:t>
+            </a:r>
+            <a:r>
+              <a:rPr lang="en-IN" b="1" dirty="0" err="1"/>
+              <a:t>x,y,z</a:t>
+            </a:r>
+            <a:r>
+              <a:rPr lang="en-IN" b="1" dirty="0"/>
+              <a:t>):base(</a:t>
+            </a:r>
+            <a:r>
+              <a:rPr lang="en-IN" b="1" dirty="0" err="1"/>
+              <a:t>x,y,z</a:t>
+            </a:r>
+            <a:r>
+              <a:rPr lang="en-IN" b="1" dirty="0"/>
+              <a:t>)</a:t>
+            </a:r>
+          </a:p>
+          <a:p>
+            <a:r>
+              <a:rPr lang="en-IN" b="1" dirty="0"/>
+              <a:t>   {</a:t>
+            </a:r>
+          </a:p>
+          <a:p>
+            <a:r>
+              <a:rPr lang="en-IN" b="1" dirty="0"/>
+              <a:t>   }	</a:t>
+            </a:r>
+          </a:p>
+          <a:p>
+            <a:r>
+              <a:rPr lang="en-IN" b="1" dirty="0"/>
+              <a:t>}  </a:t>
+            </a:r>
+            <a:endParaRPr lang="en-US" b="1" dirty="0"/>
+          </a:p>
+        </p:txBody>
+      </p:sp>
+      <p:sp>
+        <p:nvSpPr>
+          <p:cNvPr id="4" name="Arrow: Right 3">
+            <a:extLst>
+              <a:ext uri="{FF2B5EF4-FFF2-40B4-BE49-F238E27FC236}">
+                <a16:creationId xmlns:a16="http://schemas.microsoft.com/office/drawing/2014/main" id="{26C55289-FE26-24DE-724F-428B49B95451}"/>
+              </a:ext>
+            </a:extLst>
+          </p:cNvPr>
+          <p:cNvSpPr/>
+          <p:nvPr/>
+        </p:nvSpPr>
+        <p:spPr>
+          <a:xfrm>
+            <a:off x="3088433" y="4553339"/>
+            <a:ext cx="2649894" cy="335902"/>
+          </a:xfrm>
+          <a:prstGeom prst="rightArrow">
+            <a:avLst/>
+          </a:prstGeom>
+        </p:spPr>
+        <p:style>
+          <a:lnRef idx="2">
+            <a:schemeClr val="accent1">
+              <a:shade val="50000"/>
+            </a:schemeClr>
+          </a:lnRef>
+          <a:fillRef idx="1">
+            <a:schemeClr val="accent1"/>
+          </a:fillRef>
+          <a:effectRef idx="0">
+            <a:schemeClr val="accent1"/>
+          </a:effectRef>
+          <a:fontRef idx="minor">
+            <a:schemeClr val="lt1"/>
+          </a:fontRef>
+        </p:style>
+        <p:txBody>
+          <a:bodyPr rtlCol="0" anchor="ctr"/>
+          <a:lstStyle/>
+          <a:p>
+            <a:pPr algn="ctr"/>
+            <a:endParaRPr lang="en-US"/>
+          </a:p>
+        </p:txBody>
+      </p:sp>
+      <p:sp>
+        <p:nvSpPr>
+          <p:cNvPr id="5" name="TextBox 4">
+            <a:extLst>
+              <a:ext uri="{FF2B5EF4-FFF2-40B4-BE49-F238E27FC236}">
+                <a16:creationId xmlns:a16="http://schemas.microsoft.com/office/drawing/2014/main" id="{9E8F7DDF-7077-64C9-BF0D-57E556F3A61A}"/>
+              </a:ext>
+            </a:extLst>
+          </p:cNvPr>
+          <p:cNvSpPr txBox="1"/>
+          <p:nvPr/>
+        </p:nvSpPr>
+        <p:spPr>
+          <a:xfrm>
+            <a:off x="5747658" y="4404049"/>
+            <a:ext cx="4646644" cy="369332"/>
+          </a:xfrm>
+          <a:prstGeom prst="rect">
+            <a:avLst/>
+          </a:prstGeom>
+          <a:noFill/>
+        </p:spPr>
+        <p:txBody>
+          <a:bodyPr wrap="square" rtlCol="0">
+            <a:spAutoFit/>
+          </a:bodyPr>
+          <a:lstStyle/>
+          <a:p>
+            <a:r>
+              <a:rPr lang="en-IN" dirty="0"/>
+              <a:t>Derive d = new Derive(10,20,30);</a:t>
+            </a:r>
+            <a:endParaRPr lang="en-US" dirty="0"/>
+          </a:p>
+        </p:txBody>
+      </p:sp>
+      <p:cxnSp>
+        <p:nvCxnSpPr>
+          <p:cNvPr id="7" name="Connector: Elbow 6">
+            <a:extLst>
+              <a:ext uri="{FF2B5EF4-FFF2-40B4-BE49-F238E27FC236}">
+                <a16:creationId xmlns:a16="http://schemas.microsoft.com/office/drawing/2014/main" id="{5A8EB11A-D808-0CD6-E4E9-1856BA469A0F}"/>
+              </a:ext>
+            </a:extLst>
+          </p:cNvPr>
+          <p:cNvCxnSpPr>
+            <a:stCxn id="5" idx="0"/>
+          </p:cNvCxnSpPr>
+          <p:nvPr/>
+        </p:nvCxnSpPr>
+        <p:spPr>
+          <a:xfrm rot="16200000" flipV="1">
+            <a:off x="5299788" y="1632857"/>
+            <a:ext cx="550506" cy="4991878"/>
+          </a:xfrm>
+          <a:prstGeom prst="bentConnector2">
+            <a:avLst/>
+          </a:prstGeom>
+          <a:ln w="76200">
+            <a:tailEnd type="triangle"/>
+          </a:ln>
+        </p:spPr>
+        <p:style>
+          <a:lnRef idx="1">
+            <a:schemeClr val="accent1"/>
+          </a:lnRef>
+          <a:fillRef idx="0">
+            <a:schemeClr val="accent1"/>
+          </a:fillRef>
+          <a:effectRef idx="0">
+            <a:schemeClr val="accent1"/>
+          </a:effectRef>
+          <a:fontRef idx="minor">
+            <a:schemeClr val="tx1"/>
+          </a:fontRef>
+        </p:style>
+      </p:cxnSp>
+      <p:sp>
+        <p:nvSpPr>
+          <p:cNvPr id="11" name="Arrow: Bent 10">
+            <a:extLst>
+              <a:ext uri="{FF2B5EF4-FFF2-40B4-BE49-F238E27FC236}">
+                <a16:creationId xmlns:a16="http://schemas.microsoft.com/office/drawing/2014/main" id="{FAA94861-0166-059B-362A-BD9D8BE36978}"/>
+              </a:ext>
+            </a:extLst>
+          </p:cNvPr>
+          <p:cNvSpPr/>
+          <p:nvPr/>
+        </p:nvSpPr>
+        <p:spPr>
+          <a:xfrm flipH="1">
+            <a:off x="3088433" y="1824132"/>
+            <a:ext cx="718457" cy="2029409"/>
+          </a:xfrm>
+          <a:prstGeom prst="bentArrow">
+            <a:avLst/>
+          </a:prstGeom>
+        </p:spPr>
+        <p:style>
+          <a:lnRef idx="2">
+            <a:schemeClr val="accent1">
+              <a:shade val="50000"/>
+            </a:schemeClr>
+          </a:lnRef>
+          <a:fillRef idx="1">
+            <a:schemeClr val="accent1"/>
+          </a:fillRef>
+          <a:effectRef idx="0">
+            <a:schemeClr val="accent1"/>
+          </a:effectRef>
+          <a:fontRef idx="minor">
+            <a:schemeClr val="lt1"/>
+          </a:fontRef>
+        </p:style>
+        <p:txBody>
+          <a:bodyPr rtlCol="0" anchor="ctr"/>
+          <a:lstStyle/>
+          <a:p>
+            <a:pPr algn="ctr"/>
+            <a:endParaRPr lang="en-US">
+              <a:solidFill>
+                <a:schemeClr val="tx1"/>
+              </a:solidFill>
+            </a:endParaRPr>
+          </a:p>
+        </p:txBody>
+      </p:sp>
+      <p:sp>
+        <p:nvSpPr>
+          <p:cNvPr id="12" name="TextBox 11">
+            <a:extLst>
+              <a:ext uri="{FF2B5EF4-FFF2-40B4-BE49-F238E27FC236}">
+                <a16:creationId xmlns:a16="http://schemas.microsoft.com/office/drawing/2014/main" id="{01328B7F-93A0-F815-7842-A8926EBB381B}"/>
+              </a:ext>
+            </a:extLst>
+          </p:cNvPr>
+          <p:cNvSpPr txBox="1"/>
+          <p:nvPr/>
+        </p:nvSpPr>
+        <p:spPr>
+          <a:xfrm>
+            <a:off x="3965510" y="2211355"/>
+            <a:ext cx="4419602" cy="369332"/>
+          </a:xfrm>
+          <a:prstGeom prst="rect">
+            <a:avLst/>
+          </a:prstGeom>
+          <a:noFill/>
+        </p:spPr>
+        <p:txBody>
+          <a:bodyPr wrap="square" rtlCol="0">
+            <a:spAutoFit/>
+          </a:bodyPr>
+          <a:lstStyle/>
+          <a:p>
+            <a:r>
+              <a:rPr lang="en-IN" dirty="0"/>
+              <a:t>Pointing to the </a:t>
+            </a:r>
+            <a:r>
+              <a:rPr lang="en-IN"/>
+              <a:t>base class</a:t>
+            </a:r>
+            <a:endParaRPr lang="en-US"/>
+          </a:p>
+        </p:txBody>
+      </p:sp>
+    </p:spTree>
+    <p:extLst>
+      <p:ext uri="{BB962C8B-B14F-4D97-AF65-F5344CB8AC3E}">
+        <p14:creationId xmlns:p14="http://schemas.microsoft.com/office/powerpoint/2010/main" val="355517186"/>
+      </p:ext>
+    </p:extLst>
+  </p:cSld>
+  <p:clrMapOvr>
+    <a:masterClrMapping/>
+  </p:clrMapOvr>
+</p:sld>
+</file>
+
 <file path=ppt/theme/theme1.xml><?xml version="1.0" encoding="utf-8"?>
 <a:theme xmlns:a="http://schemas.openxmlformats.org/drawingml/2006/main" name="Office Theme">
   <a:themeElements>

--- a/Training-Images.pptx
+++ b/Training-Images.pptx
@@ -12,6 +12,7 @@
     <p:sldId id="260" r:id="rId6"/>
     <p:sldId id="261" r:id="rId7"/>
     <p:sldId id="262" r:id="rId8"/>
+    <p:sldId id="263" r:id="rId9"/>
   </p:sldIdLst>
   <p:sldSz cx="12192000" cy="6858000"/>
   <p:notesSz cx="6858000" cy="9144000"/>
@@ -8670,13 +8671,9 @@
           <a:p>
             <a:r>
               <a:rPr lang="en-IN" dirty="0"/>
-              <a:t>Pointing to the </a:t>
-            </a:r>
-            <a:r>
-              <a:rPr lang="en-IN"/>
-              <a:t>base class</a:t>
-            </a:r>
-            <a:endParaRPr lang="en-US"/>
+              <a:t>Pointing to the base class</a:t>
+            </a:r>
+            <a:endParaRPr lang="en-US" dirty="0"/>
           </a:p>
         </p:txBody>
       </p:sp>
@@ -8684,6 +8681,362 @@
     <p:extLst>
       <p:ext uri="{BB962C8B-B14F-4D97-AF65-F5344CB8AC3E}">
         <p14:creationId xmlns:p14="http://schemas.microsoft.com/office/powerpoint/2010/main" val="355517186"/>
+      </p:ext>
+    </p:extLst>
+  </p:cSld>
+  <p:clrMapOvr>
+    <a:masterClrMapping/>
+  </p:clrMapOvr>
+</p:sld>
+</file>
+
+<file path=ppt/slides/slide8.xml><?xml version="1.0" encoding="utf-8"?>
+<p:sld xmlns:a="http://schemas.openxmlformats.org/drawingml/2006/main" xmlns:r="http://schemas.openxmlformats.org/officeDocument/2006/relationships" xmlns:p="http://schemas.openxmlformats.org/presentationml/2006/main">
+  <p:cSld>
+    <p:spTree>
+      <p:nvGrpSpPr>
+        <p:cNvPr id="1" name=""/>
+        <p:cNvGrpSpPr/>
+        <p:nvPr/>
+      </p:nvGrpSpPr>
+      <p:grpSpPr>
+        <a:xfrm>
+          <a:off x="0" y="0"/>
+          <a:ext cx="0" cy="0"/>
+          <a:chOff x="0" y="0"/>
+          <a:chExt cx="0" cy="0"/>
+        </a:xfrm>
+      </p:grpSpPr>
+      <p:sp>
+        <p:nvSpPr>
+          <p:cNvPr id="2" name="TextBox 1">
+            <a:extLst>
+              <a:ext uri="{FF2B5EF4-FFF2-40B4-BE49-F238E27FC236}">
+                <a16:creationId xmlns:a16="http://schemas.microsoft.com/office/drawing/2014/main" id="{3606652F-85D9-F44B-EA9E-6BFDEE817826}"/>
+              </a:ext>
+            </a:extLst>
+          </p:cNvPr>
+          <p:cNvSpPr txBox="1"/>
+          <p:nvPr/>
+        </p:nvSpPr>
+        <p:spPr>
+          <a:xfrm>
+            <a:off x="4422710" y="307910"/>
+            <a:ext cx="2211355" cy="923330"/>
+          </a:xfrm>
+          <a:prstGeom prst="rect">
+            <a:avLst/>
+          </a:prstGeom>
+          <a:noFill/>
+        </p:spPr>
+        <p:txBody>
+          <a:bodyPr wrap="square" rtlCol="0">
+            <a:spAutoFit/>
+          </a:bodyPr>
+          <a:lstStyle/>
+          <a:p>
+            <a:pPr algn="ctr"/>
+            <a:r>
+              <a:rPr lang="en-IN" b="1" dirty="0"/>
+              <a:t>Shape</a:t>
+            </a:r>
+            <a:endParaRPr lang="en-US" b="1" dirty="0"/>
+          </a:p>
+          <a:p>
+            <a:r>
+              <a:rPr lang="en-US" b="1" dirty="0"/>
+              <a:t>Dimensions</a:t>
+            </a:r>
+          </a:p>
+          <a:p>
+            <a:r>
+              <a:rPr lang="en-US" b="1"/>
+              <a:t>CalculateArea</a:t>
+            </a:r>
+            <a:endParaRPr lang="en-IN" b="1" dirty="0"/>
+          </a:p>
+        </p:txBody>
+      </p:sp>
+      <p:cxnSp>
+        <p:nvCxnSpPr>
+          <p:cNvPr id="4" name="Straight Arrow Connector 3">
+            <a:extLst>
+              <a:ext uri="{FF2B5EF4-FFF2-40B4-BE49-F238E27FC236}">
+                <a16:creationId xmlns:a16="http://schemas.microsoft.com/office/drawing/2014/main" id="{502D0928-24C6-220F-BF89-3AB05DD9C376}"/>
+              </a:ext>
+            </a:extLst>
+          </p:cNvPr>
+          <p:cNvCxnSpPr>
+            <a:stCxn id="2" idx="2"/>
+          </p:cNvCxnSpPr>
+          <p:nvPr/>
+        </p:nvCxnSpPr>
+        <p:spPr>
+          <a:xfrm flipH="1">
+            <a:off x="1427584" y="1231240"/>
+            <a:ext cx="4100804" cy="1120074"/>
+          </a:xfrm>
+          <a:prstGeom prst="straightConnector1">
+            <a:avLst/>
+          </a:prstGeom>
+          <a:ln>
+            <a:tailEnd type="triangle"/>
+          </a:ln>
+        </p:spPr>
+        <p:style>
+          <a:lnRef idx="1">
+            <a:schemeClr val="accent1"/>
+          </a:lnRef>
+          <a:fillRef idx="0">
+            <a:schemeClr val="accent1"/>
+          </a:fillRef>
+          <a:effectRef idx="0">
+            <a:schemeClr val="accent1"/>
+          </a:effectRef>
+          <a:fontRef idx="minor">
+            <a:schemeClr val="tx1"/>
+          </a:fontRef>
+        </p:style>
+      </p:cxnSp>
+      <p:sp>
+        <p:nvSpPr>
+          <p:cNvPr id="5" name="Rectangle 4">
+            <a:extLst>
+              <a:ext uri="{FF2B5EF4-FFF2-40B4-BE49-F238E27FC236}">
+                <a16:creationId xmlns:a16="http://schemas.microsoft.com/office/drawing/2014/main" id="{8EA36BF9-90D1-8869-393D-46D3837146F8}"/>
+              </a:ext>
+            </a:extLst>
+          </p:cNvPr>
+          <p:cNvSpPr/>
+          <p:nvPr/>
+        </p:nvSpPr>
+        <p:spPr>
+          <a:xfrm>
+            <a:off x="550506" y="2351314"/>
+            <a:ext cx="1679510" cy="975049"/>
+          </a:xfrm>
+          <a:prstGeom prst="rect">
+            <a:avLst/>
+          </a:prstGeom>
+        </p:spPr>
+        <p:style>
+          <a:lnRef idx="2">
+            <a:schemeClr val="accent1">
+              <a:shade val="50000"/>
+            </a:schemeClr>
+          </a:lnRef>
+          <a:fillRef idx="1">
+            <a:schemeClr val="accent1"/>
+          </a:fillRef>
+          <a:effectRef idx="0">
+            <a:schemeClr val="accent1"/>
+          </a:effectRef>
+          <a:fontRef idx="minor">
+            <a:schemeClr val="lt1"/>
+          </a:fontRef>
+        </p:style>
+        <p:txBody>
+          <a:bodyPr rtlCol="0" anchor="ctr"/>
+          <a:lstStyle/>
+          <a:p>
+            <a:pPr algn="ctr"/>
+            <a:r>
+              <a:rPr lang="en-IN" b="1" dirty="0" err="1"/>
+              <a:t>Rectanle</a:t>
+            </a:r>
+            <a:endParaRPr lang="en-US" b="1" dirty="0"/>
+          </a:p>
+        </p:txBody>
+      </p:sp>
+      <p:sp>
+        <p:nvSpPr>
+          <p:cNvPr id="6" name="Oval 5">
+            <a:extLst>
+              <a:ext uri="{FF2B5EF4-FFF2-40B4-BE49-F238E27FC236}">
+                <a16:creationId xmlns:a16="http://schemas.microsoft.com/office/drawing/2014/main" id="{CB4F6BB5-A301-6B48-C158-CE77ABB7AC0D}"/>
+              </a:ext>
+            </a:extLst>
+          </p:cNvPr>
+          <p:cNvSpPr/>
+          <p:nvPr/>
+        </p:nvSpPr>
+        <p:spPr>
+          <a:xfrm>
+            <a:off x="4777274" y="2503123"/>
+            <a:ext cx="1178767" cy="919065"/>
+          </a:xfrm>
+          <a:prstGeom prst="ellipse">
+            <a:avLst/>
+          </a:prstGeom>
+        </p:spPr>
+        <p:style>
+          <a:lnRef idx="2">
+            <a:schemeClr val="accent1">
+              <a:shade val="50000"/>
+            </a:schemeClr>
+          </a:lnRef>
+          <a:fillRef idx="1">
+            <a:schemeClr val="accent1"/>
+          </a:fillRef>
+          <a:effectRef idx="0">
+            <a:schemeClr val="accent1"/>
+          </a:effectRef>
+          <a:fontRef idx="minor">
+            <a:schemeClr val="lt1"/>
+          </a:fontRef>
+        </p:style>
+        <p:txBody>
+          <a:bodyPr rtlCol="0" anchor="ctr"/>
+          <a:lstStyle/>
+          <a:p>
+            <a:pPr algn="ctr"/>
+            <a:r>
+              <a:rPr lang="en-IN" dirty="0"/>
+              <a:t>Circle</a:t>
+            </a:r>
+            <a:endParaRPr lang="en-US" dirty="0"/>
+          </a:p>
+        </p:txBody>
+      </p:sp>
+      <p:cxnSp>
+        <p:nvCxnSpPr>
+          <p:cNvPr id="8" name="Straight Arrow Connector 7">
+            <a:extLst>
+              <a:ext uri="{FF2B5EF4-FFF2-40B4-BE49-F238E27FC236}">
+                <a16:creationId xmlns:a16="http://schemas.microsoft.com/office/drawing/2014/main" id="{088D0469-9375-5F7A-5798-FDB60B63E9DA}"/>
+              </a:ext>
+            </a:extLst>
+          </p:cNvPr>
+          <p:cNvCxnSpPr>
+            <a:stCxn id="2" idx="2"/>
+            <a:endCxn id="6" idx="0"/>
+          </p:cNvCxnSpPr>
+          <p:nvPr/>
+        </p:nvCxnSpPr>
+        <p:spPr>
+          <a:xfrm flipH="1">
+            <a:off x="5366658" y="1231240"/>
+            <a:ext cx="161730" cy="1271883"/>
+          </a:xfrm>
+          <a:prstGeom prst="straightConnector1">
+            <a:avLst/>
+          </a:prstGeom>
+          <a:ln>
+            <a:tailEnd type="triangle"/>
+          </a:ln>
+        </p:spPr>
+        <p:style>
+          <a:lnRef idx="1">
+            <a:schemeClr val="accent1"/>
+          </a:lnRef>
+          <a:fillRef idx="0">
+            <a:schemeClr val="accent1"/>
+          </a:fillRef>
+          <a:effectRef idx="0">
+            <a:schemeClr val="accent1"/>
+          </a:effectRef>
+          <a:fontRef idx="minor">
+            <a:schemeClr val="tx1"/>
+          </a:fontRef>
+        </p:style>
+      </p:cxnSp>
+      <p:sp>
+        <p:nvSpPr>
+          <p:cNvPr id="9" name="Isosceles Triangle 8">
+            <a:extLst>
+              <a:ext uri="{FF2B5EF4-FFF2-40B4-BE49-F238E27FC236}">
+                <a16:creationId xmlns:a16="http://schemas.microsoft.com/office/drawing/2014/main" id="{F3A982A0-0297-A459-852B-8F7502D9DF01}"/>
+              </a:ext>
+            </a:extLst>
+          </p:cNvPr>
+          <p:cNvSpPr/>
+          <p:nvPr/>
+        </p:nvSpPr>
+        <p:spPr>
+          <a:xfrm>
+            <a:off x="8503299" y="2054180"/>
+            <a:ext cx="2136710" cy="1995306"/>
+          </a:xfrm>
+          <a:prstGeom prst="triangle">
+            <a:avLst/>
+          </a:prstGeom>
+        </p:spPr>
+        <p:style>
+          <a:lnRef idx="2">
+            <a:schemeClr val="accent1">
+              <a:shade val="50000"/>
+            </a:schemeClr>
+          </a:lnRef>
+          <a:fillRef idx="1">
+            <a:schemeClr val="accent1"/>
+          </a:fillRef>
+          <a:effectRef idx="0">
+            <a:schemeClr val="accent1"/>
+          </a:effectRef>
+          <a:fontRef idx="minor">
+            <a:schemeClr val="lt1"/>
+          </a:fontRef>
+        </p:style>
+        <p:txBody>
+          <a:bodyPr rtlCol="0" anchor="ctr"/>
+          <a:lstStyle/>
+          <a:p>
+            <a:pPr algn="ctr"/>
+            <a:r>
+              <a:rPr lang="en-IN" dirty="0"/>
+              <a:t>Triangle</a:t>
+            </a:r>
+            <a:endParaRPr lang="en-US" dirty="0"/>
+          </a:p>
+        </p:txBody>
+      </p:sp>
+      <p:cxnSp>
+        <p:nvCxnSpPr>
+          <p:cNvPr id="12" name="Straight Arrow Connector 11">
+            <a:extLst>
+              <a:ext uri="{FF2B5EF4-FFF2-40B4-BE49-F238E27FC236}">
+                <a16:creationId xmlns:a16="http://schemas.microsoft.com/office/drawing/2014/main" id="{25EA3168-B67E-46F8-2A5D-A47529F6D7A9}"/>
+              </a:ext>
+            </a:extLst>
+          </p:cNvPr>
+          <p:cNvCxnSpPr>
+            <a:cxnSpLocks/>
+            <a:stCxn id="2" idx="2"/>
+            <a:endCxn id="9" idx="0"/>
+          </p:cNvCxnSpPr>
+          <p:nvPr/>
+        </p:nvCxnSpPr>
+        <p:spPr>
+          <a:xfrm>
+            <a:off x="5528388" y="1231240"/>
+            <a:ext cx="4043266" cy="822940"/>
+          </a:xfrm>
+          <a:prstGeom prst="straightConnector1">
+            <a:avLst/>
+          </a:prstGeom>
+          <a:ln>
+            <a:tailEnd type="triangle"/>
+          </a:ln>
+        </p:spPr>
+        <p:style>
+          <a:lnRef idx="1">
+            <a:schemeClr val="accent1"/>
+          </a:lnRef>
+          <a:fillRef idx="0">
+            <a:schemeClr val="accent1"/>
+          </a:fillRef>
+          <a:effectRef idx="0">
+            <a:schemeClr val="accent1"/>
+          </a:effectRef>
+          <a:fontRef idx="minor">
+            <a:schemeClr val="tx1"/>
+          </a:fontRef>
+        </p:style>
+      </p:cxnSp>
+    </p:spTree>
+    <p:extLst>
+      <p:ext uri="{BB962C8B-B14F-4D97-AF65-F5344CB8AC3E}">
+        <p14:creationId xmlns:p14="http://schemas.microsoft.com/office/powerpoint/2010/main" val="200505485"/>
       </p:ext>
     </p:extLst>
   </p:cSld>

--- a/Training-Images.pptx
+++ b/Training-Images.pptx
@@ -8750,7 +8750,7 @@
           </a:p>
           <a:p>
             <a:r>
-              <a:rPr lang="en-US" b="1"/>
+              <a:rPr lang="en-US" b="1" dirty="0" err="1"/>
               <a:t>CalculateArea</a:t>
             </a:r>
             <a:endParaRPr lang="en-IN" b="1" dirty="0"/>
@@ -8841,8 +8841,8 @@
           <a:p>
             <a:pPr algn="ctr"/>
             <a:r>
-              <a:rPr lang="en-IN" b="1" dirty="0" err="1"/>
-              <a:t>Rectanle</a:t>
+              <a:rPr lang="en-IN" b="1" dirty="0"/>
+              <a:t>Rectangle</a:t>
             </a:r>
             <a:endParaRPr lang="en-US" b="1" dirty="0"/>
           </a:p>
@@ -9010,6 +9010,219 @@
           <a:xfrm>
             <a:off x="5528388" y="1231240"/>
             <a:ext cx="4043266" cy="822940"/>
+          </a:xfrm>
+          <a:prstGeom prst="straightConnector1">
+            <a:avLst/>
+          </a:prstGeom>
+          <a:ln>
+            <a:tailEnd type="triangle"/>
+          </a:ln>
+        </p:spPr>
+        <p:style>
+          <a:lnRef idx="1">
+            <a:schemeClr val="accent1"/>
+          </a:lnRef>
+          <a:fillRef idx="0">
+            <a:schemeClr val="accent1"/>
+          </a:fillRef>
+          <a:effectRef idx="0">
+            <a:schemeClr val="accent1"/>
+          </a:effectRef>
+          <a:fontRef idx="minor">
+            <a:schemeClr val="tx1"/>
+          </a:fontRef>
+        </p:style>
+      </p:cxnSp>
+      <p:sp>
+        <p:nvSpPr>
+          <p:cNvPr id="14" name="TextBox 13">
+            <a:extLst>
+              <a:ext uri="{FF2B5EF4-FFF2-40B4-BE49-F238E27FC236}">
+                <a16:creationId xmlns:a16="http://schemas.microsoft.com/office/drawing/2014/main" id="{A1D8671B-634A-F036-8761-5E45A9895BCE}"/>
+              </a:ext>
+            </a:extLst>
+          </p:cNvPr>
+          <p:cNvSpPr txBox="1"/>
+          <p:nvPr/>
+        </p:nvSpPr>
+        <p:spPr>
+          <a:xfrm>
+            <a:off x="914400" y="4627984"/>
+            <a:ext cx="2258008" cy="1477328"/>
+          </a:xfrm>
+          <a:prstGeom prst="rect">
+            <a:avLst/>
+          </a:prstGeom>
+          <a:noFill/>
+        </p:spPr>
+        <p:txBody>
+          <a:bodyPr wrap="square" rtlCol="0">
+            <a:spAutoFit/>
+          </a:bodyPr>
+          <a:lstStyle/>
+          <a:p>
+            <a:r>
+              <a:rPr lang="en-IN" dirty="0"/>
+              <a:t>Class Client</a:t>
+            </a:r>
+          </a:p>
+          <a:p>
+            <a:r>
+              <a:rPr lang="en-IN" dirty="0"/>
+              <a:t>{</a:t>
+            </a:r>
+          </a:p>
+          <a:p>
+            <a:r>
+              <a:rPr lang="en-IN" dirty="0"/>
+              <a:t>   Getting Area based on Shape</a:t>
+            </a:r>
+          </a:p>
+          <a:p>
+            <a:r>
+              <a:rPr lang="en-IN" dirty="0"/>
+              <a:t>}</a:t>
+            </a:r>
+            <a:endParaRPr lang="en-US" dirty="0"/>
+          </a:p>
+        </p:txBody>
+      </p:sp>
+      <p:cxnSp>
+        <p:nvCxnSpPr>
+          <p:cNvPr id="16" name="Straight Arrow Connector 15">
+            <a:extLst>
+              <a:ext uri="{FF2B5EF4-FFF2-40B4-BE49-F238E27FC236}">
+                <a16:creationId xmlns:a16="http://schemas.microsoft.com/office/drawing/2014/main" id="{5C417421-1EC8-8529-CB6C-0DD8712DB544}"/>
+              </a:ext>
+            </a:extLst>
+          </p:cNvPr>
+          <p:cNvCxnSpPr/>
+          <p:nvPr/>
+        </p:nvCxnSpPr>
+        <p:spPr>
+          <a:xfrm flipV="1">
+            <a:off x="1819469" y="1231240"/>
+            <a:ext cx="3195735" cy="4371793"/>
+          </a:xfrm>
+          <a:prstGeom prst="straightConnector1">
+            <a:avLst/>
+          </a:prstGeom>
+          <a:ln>
+            <a:tailEnd type="triangle"/>
+          </a:ln>
+        </p:spPr>
+        <p:style>
+          <a:lnRef idx="1">
+            <a:schemeClr val="accent1"/>
+          </a:lnRef>
+          <a:fillRef idx="0">
+            <a:schemeClr val="accent1"/>
+          </a:fillRef>
+          <a:effectRef idx="0">
+            <a:schemeClr val="accent1"/>
+          </a:effectRef>
+          <a:fontRef idx="minor">
+            <a:schemeClr val="tx1"/>
+          </a:fontRef>
+        </p:style>
+      </p:cxnSp>
+      <p:cxnSp>
+        <p:nvCxnSpPr>
+          <p:cNvPr id="18" name="Straight Arrow Connector 17">
+            <a:extLst>
+              <a:ext uri="{FF2B5EF4-FFF2-40B4-BE49-F238E27FC236}">
+                <a16:creationId xmlns:a16="http://schemas.microsoft.com/office/drawing/2014/main" id="{F156D227-E788-F464-2C79-9D361DEB11B1}"/>
+              </a:ext>
+            </a:extLst>
+          </p:cNvPr>
+          <p:cNvCxnSpPr>
+            <a:cxnSpLocks/>
+            <a:stCxn id="5" idx="2"/>
+          </p:cNvCxnSpPr>
+          <p:nvPr/>
+        </p:nvCxnSpPr>
+        <p:spPr>
+          <a:xfrm>
+            <a:off x="1390261" y="3326363"/>
+            <a:ext cx="839755" cy="1898780"/>
+          </a:xfrm>
+          <a:prstGeom prst="straightConnector1">
+            <a:avLst/>
+          </a:prstGeom>
+          <a:ln>
+            <a:tailEnd type="triangle"/>
+          </a:ln>
+        </p:spPr>
+        <p:style>
+          <a:lnRef idx="1">
+            <a:schemeClr val="accent1"/>
+          </a:lnRef>
+          <a:fillRef idx="0">
+            <a:schemeClr val="accent1"/>
+          </a:fillRef>
+          <a:effectRef idx="0">
+            <a:schemeClr val="accent1"/>
+          </a:effectRef>
+          <a:fontRef idx="minor">
+            <a:schemeClr val="tx1"/>
+          </a:fontRef>
+        </p:style>
+      </p:cxnSp>
+      <p:cxnSp>
+        <p:nvCxnSpPr>
+          <p:cNvPr id="20" name="Straight Arrow Connector 19">
+            <a:extLst>
+              <a:ext uri="{FF2B5EF4-FFF2-40B4-BE49-F238E27FC236}">
+                <a16:creationId xmlns:a16="http://schemas.microsoft.com/office/drawing/2014/main" id="{24D6619D-0F2B-7324-15C6-48F5D9BD4172}"/>
+              </a:ext>
+            </a:extLst>
+          </p:cNvPr>
+          <p:cNvCxnSpPr/>
+          <p:nvPr/>
+        </p:nvCxnSpPr>
+        <p:spPr>
+          <a:xfrm flipH="1">
+            <a:off x="2304661" y="3422188"/>
+            <a:ext cx="3223727" cy="1802955"/>
+          </a:xfrm>
+          <a:prstGeom prst="straightConnector1">
+            <a:avLst/>
+          </a:prstGeom>
+          <a:ln>
+            <a:tailEnd type="triangle"/>
+          </a:ln>
+        </p:spPr>
+        <p:style>
+          <a:lnRef idx="1">
+            <a:schemeClr val="accent1"/>
+          </a:lnRef>
+          <a:fillRef idx="0">
+            <a:schemeClr val="accent1"/>
+          </a:fillRef>
+          <a:effectRef idx="0">
+            <a:schemeClr val="accent1"/>
+          </a:effectRef>
+          <a:fontRef idx="minor">
+            <a:schemeClr val="tx1"/>
+          </a:fontRef>
+        </p:style>
+      </p:cxnSp>
+      <p:cxnSp>
+        <p:nvCxnSpPr>
+          <p:cNvPr id="22" name="Straight Arrow Connector 21">
+            <a:extLst>
+              <a:ext uri="{FF2B5EF4-FFF2-40B4-BE49-F238E27FC236}">
+                <a16:creationId xmlns:a16="http://schemas.microsoft.com/office/drawing/2014/main" id="{3281B194-F952-64A9-C3EC-BFD861B2AC79}"/>
+              </a:ext>
+            </a:extLst>
+          </p:cNvPr>
+          <p:cNvCxnSpPr/>
+          <p:nvPr/>
+        </p:nvCxnSpPr>
+        <p:spPr>
+          <a:xfrm flipH="1">
+            <a:off x="2304661" y="4105069"/>
+            <a:ext cx="7266993" cy="1120074"/>
           </a:xfrm>
           <a:prstGeom prst="straightConnector1">
             <a:avLst/>

--- a/Training-Images.pptx
+++ b/Training-Images.pptx
@@ -13,6 +13,9 @@
     <p:sldId id="261" r:id="rId7"/>
     <p:sldId id="262" r:id="rId8"/>
     <p:sldId id="263" r:id="rId9"/>
+    <p:sldId id="264" r:id="rId10"/>
+    <p:sldId id="265" r:id="rId11"/>
+    <p:sldId id="266" r:id="rId12"/>
   </p:sldIdLst>
   <p:sldSz cx="12192000" cy="6858000"/>
   <p:notesSz cx="6858000" cy="9144000"/>
@@ -266,7 +269,7 @@
           <a:p>
             <a:fld id="{95E4630E-4E16-4BC6-8D4C-04E2A0254E22}" type="datetimeFigureOut">
               <a:rPr lang="en-US" smtClean="0"/>
-              <a:t>7/12/2022</a:t>
+              <a:t>7/13/2022</a:t>
             </a:fld>
             <a:endParaRPr lang="en-US"/>
           </a:p>
@@ -464,7 +467,7 @@
           <a:p>
             <a:fld id="{95E4630E-4E16-4BC6-8D4C-04E2A0254E22}" type="datetimeFigureOut">
               <a:rPr lang="en-US" smtClean="0"/>
-              <a:t>7/12/2022</a:t>
+              <a:t>7/13/2022</a:t>
             </a:fld>
             <a:endParaRPr lang="en-US"/>
           </a:p>
@@ -672,7 +675,7 @@
           <a:p>
             <a:fld id="{95E4630E-4E16-4BC6-8D4C-04E2A0254E22}" type="datetimeFigureOut">
               <a:rPr lang="en-US" smtClean="0"/>
-              <a:t>7/12/2022</a:t>
+              <a:t>7/13/2022</a:t>
             </a:fld>
             <a:endParaRPr lang="en-US"/>
           </a:p>
@@ -870,7 +873,7 @@
           <a:p>
             <a:fld id="{95E4630E-4E16-4BC6-8D4C-04E2A0254E22}" type="datetimeFigureOut">
               <a:rPr lang="en-US" smtClean="0"/>
-              <a:t>7/12/2022</a:t>
+              <a:t>7/13/2022</a:t>
             </a:fld>
             <a:endParaRPr lang="en-US"/>
           </a:p>
@@ -1145,7 +1148,7 @@
           <a:p>
             <a:fld id="{95E4630E-4E16-4BC6-8D4C-04E2A0254E22}" type="datetimeFigureOut">
               <a:rPr lang="en-US" smtClean="0"/>
-              <a:t>7/12/2022</a:t>
+              <a:t>7/13/2022</a:t>
             </a:fld>
             <a:endParaRPr lang="en-US"/>
           </a:p>
@@ -1410,7 +1413,7 @@
           <a:p>
             <a:fld id="{95E4630E-4E16-4BC6-8D4C-04E2A0254E22}" type="datetimeFigureOut">
               <a:rPr lang="en-US" smtClean="0"/>
-              <a:t>7/12/2022</a:t>
+              <a:t>7/13/2022</a:t>
             </a:fld>
             <a:endParaRPr lang="en-US"/>
           </a:p>
@@ -1822,7 +1825,7 @@
           <a:p>
             <a:fld id="{95E4630E-4E16-4BC6-8D4C-04E2A0254E22}" type="datetimeFigureOut">
               <a:rPr lang="en-US" smtClean="0"/>
-              <a:t>7/12/2022</a:t>
+              <a:t>7/13/2022</a:t>
             </a:fld>
             <a:endParaRPr lang="en-US"/>
           </a:p>
@@ -1963,7 +1966,7 @@
           <a:p>
             <a:fld id="{95E4630E-4E16-4BC6-8D4C-04E2A0254E22}" type="datetimeFigureOut">
               <a:rPr lang="en-US" smtClean="0"/>
-              <a:t>7/12/2022</a:t>
+              <a:t>7/13/2022</a:t>
             </a:fld>
             <a:endParaRPr lang="en-US"/>
           </a:p>
@@ -2076,7 +2079,7 @@
           <a:p>
             <a:fld id="{95E4630E-4E16-4BC6-8D4C-04E2A0254E22}" type="datetimeFigureOut">
               <a:rPr lang="en-US" smtClean="0"/>
-              <a:t>7/12/2022</a:t>
+              <a:t>7/13/2022</a:t>
             </a:fld>
             <a:endParaRPr lang="en-US"/>
           </a:p>
@@ -2387,7 +2390,7 @@
           <a:p>
             <a:fld id="{95E4630E-4E16-4BC6-8D4C-04E2A0254E22}" type="datetimeFigureOut">
               <a:rPr lang="en-US" smtClean="0"/>
-              <a:t>7/12/2022</a:t>
+              <a:t>7/13/2022</a:t>
             </a:fld>
             <a:endParaRPr lang="en-US"/>
           </a:p>
@@ -2675,7 +2678,7 @@
           <a:p>
             <a:fld id="{95E4630E-4E16-4BC6-8D4C-04E2A0254E22}" type="datetimeFigureOut">
               <a:rPr lang="en-US" smtClean="0"/>
-              <a:t>7/12/2022</a:t>
+              <a:t>7/13/2022</a:t>
             </a:fld>
             <a:endParaRPr lang="en-US"/>
           </a:p>
@@ -2916,7 +2919,7 @@
           <a:p>
             <a:fld id="{95E4630E-4E16-4BC6-8D4C-04E2A0254E22}" type="datetimeFigureOut">
               <a:rPr lang="en-US" smtClean="0"/>
-              <a:t>7/12/2022</a:t>
+              <a:t>7/13/2022</a:t>
             </a:fld>
             <a:endParaRPr lang="en-US"/>
           </a:p>
@@ -4127,6 +4130,658 @@
 </p:sld>
 </file>
 
+<file path=ppt/slides/slide10.xml><?xml version="1.0" encoding="utf-8"?>
+<p:sld xmlns:a="http://schemas.openxmlformats.org/drawingml/2006/main" xmlns:r="http://schemas.openxmlformats.org/officeDocument/2006/relationships" xmlns:p="http://schemas.openxmlformats.org/presentationml/2006/main">
+  <p:cSld>
+    <p:spTree>
+      <p:nvGrpSpPr>
+        <p:cNvPr id="1" name=""/>
+        <p:cNvGrpSpPr/>
+        <p:nvPr/>
+      </p:nvGrpSpPr>
+      <p:grpSpPr>
+        <a:xfrm>
+          <a:off x="0" y="0"/>
+          <a:ext cx="0" cy="0"/>
+          <a:chOff x="0" y="0"/>
+          <a:chExt cx="0" cy="0"/>
+        </a:xfrm>
+      </p:grpSpPr>
+      <p:sp>
+        <p:nvSpPr>
+          <p:cNvPr id="2" name="TextBox 1">
+            <a:extLst>
+              <a:ext uri="{FF2B5EF4-FFF2-40B4-BE49-F238E27FC236}">
+                <a16:creationId xmlns:a16="http://schemas.microsoft.com/office/drawing/2014/main" id="{A7E44FAB-66B2-E0AE-EBDA-7220A8B8E753}"/>
+              </a:ext>
+            </a:extLst>
+          </p:cNvPr>
+          <p:cNvSpPr txBox="1"/>
+          <p:nvPr/>
+        </p:nvSpPr>
+        <p:spPr>
+          <a:xfrm>
+            <a:off x="466531" y="251927"/>
+            <a:ext cx="10450285" cy="1384995"/>
+          </a:xfrm>
+          <a:prstGeom prst="rect">
+            <a:avLst/>
+          </a:prstGeom>
+          <a:noFill/>
+        </p:spPr>
+        <p:txBody>
+          <a:bodyPr wrap="square" rtlCol="0">
+            <a:spAutoFit/>
+          </a:bodyPr>
+          <a:lstStyle/>
+          <a:p>
+            <a:r>
+              <a:rPr lang="en-IN" sz="1200" b="1" dirty="0"/>
+              <a:t>Interface </a:t>
+            </a:r>
+            <a:r>
+              <a:rPr lang="en-IN" sz="1200" b="1" dirty="0" err="1"/>
+              <a:t>IFileOperation</a:t>
+            </a:r>
+            <a:endParaRPr lang="en-IN" sz="1200" b="1" dirty="0"/>
+          </a:p>
+          <a:p>
+            <a:r>
+              <a:rPr lang="en-IN" sz="1200" b="1" dirty="0"/>
+              <a:t>{</a:t>
+            </a:r>
+          </a:p>
+          <a:p>
+            <a:r>
+              <a:rPr lang="en-IN" sz="1200" b="1" dirty="0"/>
+              <a:t>   void </a:t>
+            </a:r>
+            <a:r>
+              <a:rPr lang="en-IN" sz="1200" b="1" dirty="0" err="1"/>
+              <a:t>CreateFile</a:t>
+            </a:r>
+            <a:r>
+              <a:rPr lang="en-IN" sz="1200" b="1" dirty="0"/>
+              <a:t>();</a:t>
+            </a:r>
+          </a:p>
+          <a:p>
+            <a:r>
+              <a:rPr lang="en-IN" sz="1200" b="1" dirty="0"/>
+              <a:t>      void </a:t>
+            </a:r>
+            <a:r>
+              <a:rPr lang="en-IN" sz="1200" b="1" dirty="0" err="1"/>
+              <a:t>ReadFile</a:t>
+            </a:r>
+            <a:r>
+              <a:rPr lang="en-IN" sz="1200" b="1" dirty="0"/>
+              <a:t>() ;  </a:t>
+            </a:r>
+          </a:p>
+          <a:p>
+            <a:r>
+              <a:rPr lang="en-IN" sz="1200" b="1" dirty="0"/>
+              <a:t>      void </a:t>
+            </a:r>
+            <a:r>
+              <a:rPr lang="en-IN" sz="1200" b="1" dirty="0" err="1"/>
+              <a:t>AppendFile</a:t>
+            </a:r>
+            <a:r>
+              <a:rPr lang="en-IN" sz="1200" b="1" dirty="0"/>
+              <a:t>();</a:t>
+            </a:r>
+          </a:p>
+          <a:p>
+            <a:r>
+              <a:rPr lang="en-IN" sz="1200" b="1" dirty="0"/>
+              <a:t>       void </a:t>
+            </a:r>
+            <a:r>
+              <a:rPr lang="en-IN" sz="1200" b="1" dirty="0" err="1"/>
+              <a:t>CopyFile</a:t>
+            </a:r>
+            <a:r>
+              <a:rPr lang="en-IN" sz="1200" b="1" dirty="0"/>
+              <a:t>();	</a:t>
+            </a:r>
+          </a:p>
+          <a:p>
+            <a:r>
+              <a:rPr lang="en-IN" sz="1200" b="1" dirty="0"/>
+              <a:t>}</a:t>
+            </a:r>
+            <a:endParaRPr lang="en-US" sz="1200" b="1" dirty="0"/>
+          </a:p>
+        </p:txBody>
+      </p:sp>
+      <p:sp>
+        <p:nvSpPr>
+          <p:cNvPr id="3" name="TextBox 2">
+            <a:extLst>
+              <a:ext uri="{FF2B5EF4-FFF2-40B4-BE49-F238E27FC236}">
+                <a16:creationId xmlns:a16="http://schemas.microsoft.com/office/drawing/2014/main" id="{2D609A82-95F6-252C-D002-D7002BC4A3B2}"/>
+              </a:ext>
+            </a:extLst>
+          </p:cNvPr>
+          <p:cNvSpPr txBox="1"/>
+          <p:nvPr/>
+        </p:nvSpPr>
+        <p:spPr>
+          <a:xfrm>
+            <a:off x="587829" y="2183363"/>
+            <a:ext cx="3853543" cy="646331"/>
+          </a:xfrm>
+          <a:prstGeom prst="rect">
+            <a:avLst/>
+          </a:prstGeom>
+          <a:noFill/>
+        </p:spPr>
+        <p:txBody>
+          <a:bodyPr wrap="square" rtlCol="0">
+            <a:spAutoFit/>
+          </a:bodyPr>
+          <a:lstStyle/>
+          <a:p>
+            <a:r>
+              <a:rPr lang="en-IN" dirty="0"/>
+              <a:t>class </a:t>
+            </a:r>
+            <a:r>
+              <a:rPr lang="en-IN" dirty="0" err="1"/>
+              <a:t>TextFileOperation</a:t>
+            </a:r>
+            <a:r>
+              <a:rPr lang="en-IN" dirty="0"/>
+              <a:t> : </a:t>
+            </a:r>
+            <a:r>
+              <a:rPr lang="en-IN" dirty="0" err="1"/>
+              <a:t>IFileOperations</a:t>
+            </a:r>
+            <a:r>
+              <a:rPr lang="en-IN" dirty="0"/>
+              <a:t>{}</a:t>
+            </a:r>
+            <a:endParaRPr lang="en-US" dirty="0"/>
+          </a:p>
+        </p:txBody>
+      </p:sp>
+      <p:sp>
+        <p:nvSpPr>
+          <p:cNvPr id="4" name="TextBox 3">
+            <a:extLst>
+              <a:ext uri="{FF2B5EF4-FFF2-40B4-BE49-F238E27FC236}">
+                <a16:creationId xmlns:a16="http://schemas.microsoft.com/office/drawing/2014/main" id="{310C0ED3-9C41-43EF-D04E-262446C15DBE}"/>
+              </a:ext>
+            </a:extLst>
+          </p:cNvPr>
+          <p:cNvSpPr txBox="1"/>
+          <p:nvPr/>
+        </p:nvSpPr>
+        <p:spPr>
+          <a:xfrm>
+            <a:off x="7063273" y="2251787"/>
+            <a:ext cx="3853543" cy="646331"/>
+          </a:xfrm>
+          <a:prstGeom prst="rect">
+            <a:avLst/>
+          </a:prstGeom>
+          <a:noFill/>
+        </p:spPr>
+        <p:txBody>
+          <a:bodyPr wrap="square" rtlCol="0">
+            <a:spAutoFit/>
+          </a:bodyPr>
+          <a:lstStyle/>
+          <a:p>
+            <a:r>
+              <a:rPr lang="en-IN" dirty="0"/>
+              <a:t>class </a:t>
+            </a:r>
+            <a:r>
+              <a:rPr lang="en-IN" dirty="0" err="1"/>
+              <a:t>XmlFileOperation</a:t>
+            </a:r>
+            <a:r>
+              <a:rPr lang="en-IN" dirty="0"/>
+              <a:t> : </a:t>
+            </a:r>
+            <a:r>
+              <a:rPr lang="en-IN" dirty="0" err="1"/>
+              <a:t>IFileOperations</a:t>
+            </a:r>
+            <a:r>
+              <a:rPr lang="en-IN" dirty="0"/>
+              <a:t>{}</a:t>
+            </a:r>
+            <a:endParaRPr lang="en-US" dirty="0"/>
+          </a:p>
+        </p:txBody>
+      </p:sp>
+      <p:cxnSp>
+        <p:nvCxnSpPr>
+          <p:cNvPr id="6" name="Straight Arrow Connector 5">
+            <a:extLst>
+              <a:ext uri="{FF2B5EF4-FFF2-40B4-BE49-F238E27FC236}">
+                <a16:creationId xmlns:a16="http://schemas.microsoft.com/office/drawing/2014/main" id="{2C4E2C2A-8221-ED6E-E56F-C1A857B737A6}"/>
+              </a:ext>
+            </a:extLst>
+          </p:cNvPr>
+          <p:cNvCxnSpPr/>
+          <p:nvPr/>
+        </p:nvCxnSpPr>
+        <p:spPr>
+          <a:xfrm>
+            <a:off x="2164702" y="485192"/>
+            <a:ext cx="0" cy="2021336"/>
+          </a:xfrm>
+          <a:prstGeom prst="straightConnector1">
+            <a:avLst/>
+          </a:prstGeom>
+          <a:ln>
+            <a:tailEnd type="triangle"/>
+          </a:ln>
+        </p:spPr>
+        <p:style>
+          <a:lnRef idx="1">
+            <a:schemeClr val="accent1"/>
+          </a:lnRef>
+          <a:fillRef idx="0">
+            <a:schemeClr val="accent1"/>
+          </a:fillRef>
+          <a:effectRef idx="0">
+            <a:schemeClr val="accent1"/>
+          </a:effectRef>
+          <a:fontRef idx="minor">
+            <a:schemeClr val="tx1"/>
+          </a:fontRef>
+        </p:style>
+      </p:cxnSp>
+      <p:cxnSp>
+        <p:nvCxnSpPr>
+          <p:cNvPr id="8" name="Straight Arrow Connector 7">
+            <a:extLst>
+              <a:ext uri="{FF2B5EF4-FFF2-40B4-BE49-F238E27FC236}">
+                <a16:creationId xmlns:a16="http://schemas.microsoft.com/office/drawing/2014/main" id="{E71BEC0E-8953-1B77-FB4D-215D45541EC7}"/>
+              </a:ext>
+            </a:extLst>
+          </p:cNvPr>
+          <p:cNvCxnSpPr/>
+          <p:nvPr/>
+        </p:nvCxnSpPr>
+        <p:spPr>
+          <a:xfrm>
+            <a:off x="2230016" y="503853"/>
+            <a:ext cx="5225143" cy="2071099"/>
+          </a:xfrm>
+          <a:prstGeom prst="straightConnector1">
+            <a:avLst/>
+          </a:prstGeom>
+          <a:ln>
+            <a:tailEnd type="triangle"/>
+          </a:ln>
+        </p:spPr>
+        <p:style>
+          <a:lnRef idx="1">
+            <a:schemeClr val="accent1"/>
+          </a:lnRef>
+          <a:fillRef idx="0">
+            <a:schemeClr val="accent1"/>
+          </a:fillRef>
+          <a:effectRef idx="0">
+            <a:schemeClr val="accent1"/>
+          </a:effectRef>
+          <a:fontRef idx="minor">
+            <a:schemeClr val="tx1"/>
+          </a:fontRef>
+        </p:style>
+      </p:cxnSp>
+      <p:sp>
+        <p:nvSpPr>
+          <p:cNvPr id="9" name="TextBox 8">
+            <a:extLst>
+              <a:ext uri="{FF2B5EF4-FFF2-40B4-BE49-F238E27FC236}">
+                <a16:creationId xmlns:a16="http://schemas.microsoft.com/office/drawing/2014/main" id="{27F6680D-C8BA-EB41-408F-DBE95EE71E62}"/>
+              </a:ext>
+            </a:extLst>
+          </p:cNvPr>
+          <p:cNvSpPr txBox="1"/>
+          <p:nvPr/>
+        </p:nvSpPr>
+        <p:spPr>
+          <a:xfrm>
+            <a:off x="587829" y="4702628"/>
+            <a:ext cx="9741159" cy="1477328"/>
+          </a:xfrm>
+          <a:prstGeom prst="rect">
+            <a:avLst/>
+          </a:prstGeom>
+          <a:noFill/>
+        </p:spPr>
+        <p:txBody>
+          <a:bodyPr wrap="square" rtlCol="0">
+            <a:spAutoFit/>
+          </a:bodyPr>
+          <a:lstStyle/>
+          <a:p>
+            <a:r>
+              <a:rPr lang="en-IN" b="1" dirty="0"/>
+              <a:t>Client App</a:t>
+            </a:r>
+          </a:p>
+          <a:p>
+            <a:endParaRPr lang="en-IN" b="1" dirty="0"/>
+          </a:p>
+          <a:p>
+            <a:r>
+              <a:rPr lang="en-IN" dirty="0" err="1"/>
+              <a:t>IFileOperation</a:t>
+            </a:r>
+            <a:r>
+              <a:rPr lang="en-IN" dirty="0"/>
+              <a:t> </a:t>
+            </a:r>
+            <a:r>
+              <a:rPr lang="en-IN" dirty="0" err="1"/>
+              <a:t>obj</a:t>
+            </a:r>
+            <a:r>
+              <a:rPr lang="en-IN" dirty="0"/>
+              <a:t> = new Namespace1.TextFileOperation();</a:t>
+            </a:r>
+          </a:p>
+          <a:p>
+            <a:endParaRPr lang="en-IN" dirty="0"/>
+          </a:p>
+          <a:p>
+            <a:r>
+              <a:rPr lang="en-IN" dirty="0" err="1"/>
+              <a:t>obj</a:t>
+            </a:r>
+            <a:r>
+              <a:rPr lang="en-IN" dirty="0"/>
+              <a:t> = new Namespace2.XmlFileOperation</a:t>
+            </a:r>
+            <a:r>
+              <a:rPr lang="en-US" dirty="0"/>
+              <a:t>();</a:t>
+            </a:r>
+          </a:p>
+        </p:txBody>
+      </p:sp>
+    </p:spTree>
+    <p:extLst>
+      <p:ext uri="{BB962C8B-B14F-4D97-AF65-F5344CB8AC3E}">
+        <p14:creationId xmlns:p14="http://schemas.microsoft.com/office/powerpoint/2010/main" val="3551396587"/>
+      </p:ext>
+    </p:extLst>
+  </p:cSld>
+  <p:clrMapOvr>
+    <a:masterClrMapping/>
+  </p:clrMapOvr>
+</p:sld>
+</file>
+
+<file path=ppt/slides/slide11.xml><?xml version="1.0" encoding="utf-8"?>
+<p:sld xmlns:a="http://schemas.openxmlformats.org/drawingml/2006/main" xmlns:r="http://schemas.openxmlformats.org/officeDocument/2006/relationships" xmlns:p="http://schemas.openxmlformats.org/presentationml/2006/main">
+  <p:cSld>
+    <p:spTree>
+      <p:nvGrpSpPr>
+        <p:cNvPr id="1" name=""/>
+        <p:cNvGrpSpPr/>
+        <p:nvPr/>
+      </p:nvGrpSpPr>
+      <p:grpSpPr>
+        <a:xfrm>
+          <a:off x="0" y="0"/>
+          <a:ext cx="0" cy="0"/>
+          <a:chOff x="0" y="0"/>
+          <a:chExt cx="0" cy="0"/>
+        </a:xfrm>
+      </p:grpSpPr>
+      <p:sp>
+        <p:nvSpPr>
+          <p:cNvPr id="3" name="TextBox 2">
+            <a:extLst>
+              <a:ext uri="{FF2B5EF4-FFF2-40B4-BE49-F238E27FC236}">
+                <a16:creationId xmlns:a16="http://schemas.microsoft.com/office/drawing/2014/main" id="{ADBABF84-8D5B-4970-F886-423277D79717}"/>
+              </a:ext>
+            </a:extLst>
+          </p:cNvPr>
+          <p:cNvSpPr txBox="1"/>
+          <p:nvPr/>
+        </p:nvSpPr>
+        <p:spPr>
+          <a:xfrm>
+            <a:off x="391886" y="438539"/>
+            <a:ext cx="2425959" cy="2031325"/>
+          </a:xfrm>
+          <a:prstGeom prst="rect">
+            <a:avLst/>
+          </a:prstGeom>
+          <a:noFill/>
+          <a:ln w="76200">
+            <a:solidFill>
+              <a:srgbClr val="FF0000"/>
+            </a:solidFill>
+          </a:ln>
+        </p:spPr>
+        <p:txBody>
+          <a:bodyPr wrap="square" rtlCol="0">
+            <a:spAutoFit/>
+          </a:bodyPr>
+          <a:lstStyle/>
+          <a:p>
+            <a:r>
+              <a:rPr lang="en-IN" dirty="0"/>
+              <a:t>Class </a:t>
+            </a:r>
+            <a:r>
+              <a:rPr lang="en-IN" dirty="0" err="1"/>
+              <a:t>MyClass</a:t>
+            </a:r>
+            <a:endParaRPr lang="en-IN" dirty="0"/>
+          </a:p>
+          <a:p>
+            <a:r>
+              <a:rPr lang="en-IN" dirty="0"/>
+              <a:t>{</a:t>
+            </a:r>
+          </a:p>
+          <a:p>
+            <a:r>
+              <a:rPr lang="en-IN" dirty="0"/>
+              <a:t>    int </a:t>
+            </a:r>
+            <a:r>
+              <a:rPr lang="en-IN" dirty="0" err="1"/>
+              <a:t>x,y,z</a:t>
+            </a:r>
+            <a:r>
+              <a:rPr lang="en-IN" dirty="0"/>
+              <a:t>;</a:t>
+            </a:r>
+          </a:p>
+          <a:p>
+            <a:r>
+              <a:rPr lang="en-IN" dirty="0"/>
+              <a:t>    int Add(){….}</a:t>
+            </a:r>
+          </a:p>
+          <a:p>
+            <a:r>
+              <a:rPr lang="en-IN" dirty="0"/>
+              <a:t>    int Sub(){…}</a:t>
+            </a:r>
+          </a:p>
+          <a:p>
+            <a:r>
+              <a:rPr lang="en-IN" dirty="0"/>
+              <a:t>}</a:t>
+            </a:r>
+          </a:p>
+          <a:p>
+            <a:endParaRPr lang="en-US" dirty="0"/>
+          </a:p>
+        </p:txBody>
+      </p:sp>
+      <p:sp>
+        <p:nvSpPr>
+          <p:cNvPr id="4" name="Arrow: Down 3">
+            <a:extLst>
+              <a:ext uri="{FF2B5EF4-FFF2-40B4-BE49-F238E27FC236}">
+                <a16:creationId xmlns:a16="http://schemas.microsoft.com/office/drawing/2014/main" id="{9DCAAD27-A978-44C0-F2FB-3060DF21F4C8}"/>
+              </a:ext>
+            </a:extLst>
+          </p:cNvPr>
+          <p:cNvSpPr/>
+          <p:nvPr/>
+        </p:nvSpPr>
+        <p:spPr>
+          <a:xfrm>
+            <a:off x="1231640" y="2339236"/>
+            <a:ext cx="503853" cy="1504977"/>
+          </a:xfrm>
+          <a:prstGeom prst="downArrow">
+            <a:avLst/>
+          </a:prstGeom>
+        </p:spPr>
+        <p:style>
+          <a:lnRef idx="2">
+            <a:schemeClr val="accent1">
+              <a:shade val="50000"/>
+            </a:schemeClr>
+          </a:lnRef>
+          <a:fillRef idx="1">
+            <a:schemeClr val="accent1"/>
+          </a:fillRef>
+          <a:effectRef idx="0">
+            <a:schemeClr val="accent1"/>
+          </a:effectRef>
+          <a:fontRef idx="minor">
+            <a:schemeClr val="lt1"/>
+          </a:fontRef>
+        </p:style>
+        <p:txBody>
+          <a:bodyPr rtlCol="0" anchor="ctr"/>
+          <a:lstStyle/>
+          <a:p>
+            <a:pPr algn="ctr"/>
+            <a:endParaRPr lang="en-US"/>
+          </a:p>
+        </p:txBody>
+      </p:sp>
+      <p:sp>
+        <p:nvSpPr>
+          <p:cNvPr id="5" name="Oval 4">
+            <a:extLst>
+              <a:ext uri="{FF2B5EF4-FFF2-40B4-BE49-F238E27FC236}">
+                <a16:creationId xmlns:a16="http://schemas.microsoft.com/office/drawing/2014/main" id="{13761AF3-B326-79F3-707F-412701EAE791}"/>
+              </a:ext>
+            </a:extLst>
+          </p:cNvPr>
+          <p:cNvSpPr/>
+          <p:nvPr/>
+        </p:nvSpPr>
+        <p:spPr>
+          <a:xfrm>
+            <a:off x="391886" y="3844213"/>
+            <a:ext cx="2118049" cy="1688840"/>
+          </a:xfrm>
+          <a:prstGeom prst="ellipse">
+            <a:avLst/>
+          </a:prstGeom>
+        </p:spPr>
+        <p:style>
+          <a:lnRef idx="3">
+            <a:schemeClr val="lt1"/>
+          </a:lnRef>
+          <a:fillRef idx="1">
+            <a:schemeClr val="accent2"/>
+          </a:fillRef>
+          <a:effectRef idx="1">
+            <a:schemeClr val="accent2"/>
+          </a:effectRef>
+          <a:fontRef idx="minor">
+            <a:schemeClr val="lt1"/>
+          </a:fontRef>
+        </p:style>
+        <p:txBody>
+          <a:bodyPr rtlCol="0" anchor="ctr"/>
+          <a:lstStyle/>
+          <a:p>
+            <a:pPr algn="ctr"/>
+            <a:r>
+              <a:rPr lang="en-IN" b="1" dirty="0" err="1"/>
+              <a:t>MyClass</a:t>
+            </a:r>
+            <a:r>
+              <a:rPr lang="en-IN" b="1" dirty="0"/>
+              <a:t> m = new </a:t>
+            </a:r>
+            <a:r>
+              <a:rPr lang="en-IN" b="1" dirty="0" err="1"/>
+              <a:t>MyClass</a:t>
+            </a:r>
+            <a:r>
+              <a:rPr lang="en-IN" b="1" dirty="0"/>
+              <a:t>();`</a:t>
+            </a:r>
+            <a:endParaRPr lang="en-US" b="1" dirty="0"/>
+          </a:p>
+        </p:txBody>
+      </p:sp>
+      <p:sp>
+        <p:nvSpPr>
+          <p:cNvPr id="6" name="TextBox 5">
+            <a:extLst>
+              <a:ext uri="{FF2B5EF4-FFF2-40B4-BE49-F238E27FC236}">
+                <a16:creationId xmlns:a16="http://schemas.microsoft.com/office/drawing/2014/main" id="{A8964E8B-E112-FCF2-9F17-FECE6BC1EFF2}"/>
+              </a:ext>
+            </a:extLst>
+          </p:cNvPr>
+          <p:cNvSpPr txBox="1"/>
+          <p:nvPr/>
+        </p:nvSpPr>
+        <p:spPr>
+          <a:xfrm>
+            <a:off x="606490" y="5701004"/>
+            <a:ext cx="2425959" cy="369332"/>
+          </a:xfrm>
+          <a:prstGeom prst="rect">
+            <a:avLst/>
+          </a:prstGeom>
+          <a:noFill/>
+        </p:spPr>
+        <p:txBody>
+          <a:bodyPr wrap="square" rtlCol="0">
+            <a:spAutoFit/>
+          </a:bodyPr>
+          <a:lstStyle/>
+          <a:p>
+            <a:r>
+              <a:rPr lang="en-IN"/>
+              <a:t>Allocated Memory</a:t>
+            </a:r>
+            <a:endParaRPr lang="en-US"/>
+          </a:p>
+        </p:txBody>
+      </p:sp>
+    </p:spTree>
+    <p:extLst>
+      <p:ext uri="{BB962C8B-B14F-4D97-AF65-F5344CB8AC3E}">
+        <p14:creationId xmlns:p14="http://schemas.microsoft.com/office/powerpoint/2010/main" val="3566133712"/>
+      </p:ext>
+    </p:extLst>
+  </p:cSld>
+  <p:clrMapOvr>
+    <a:masterClrMapping/>
+  </p:clrMapOvr>
+</p:sld>
+</file>
+
 <file path=ppt/slides/slide2.xml><?xml version="1.0" encoding="utf-8"?>
 <p:sld xmlns:a="http://schemas.openxmlformats.org/drawingml/2006/main" xmlns:r="http://schemas.openxmlformats.org/officeDocument/2006/relationships" xmlns:p="http://schemas.openxmlformats.org/presentationml/2006/main">
   <p:cSld>
@@ -9250,6 +9905,563 @@
     <p:extLst>
       <p:ext uri="{BB962C8B-B14F-4D97-AF65-F5344CB8AC3E}">
         <p14:creationId xmlns:p14="http://schemas.microsoft.com/office/powerpoint/2010/main" val="200505485"/>
+      </p:ext>
+    </p:extLst>
+  </p:cSld>
+  <p:clrMapOvr>
+    <a:masterClrMapping/>
+  </p:clrMapOvr>
+</p:sld>
+</file>
+
+<file path=ppt/slides/slide9.xml><?xml version="1.0" encoding="utf-8"?>
+<p:sld xmlns:a="http://schemas.openxmlformats.org/drawingml/2006/main" xmlns:r="http://schemas.openxmlformats.org/officeDocument/2006/relationships" xmlns:p="http://schemas.openxmlformats.org/presentationml/2006/main">
+  <p:cSld>
+    <p:spTree>
+      <p:nvGrpSpPr>
+        <p:cNvPr id="1" name=""/>
+        <p:cNvGrpSpPr/>
+        <p:nvPr/>
+      </p:nvGrpSpPr>
+      <p:grpSpPr>
+        <a:xfrm>
+          <a:off x="0" y="0"/>
+          <a:ext cx="0" cy="0"/>
+          <a:chOff x="0" y="0"/>
+          <a:chExt cx="0" cy="0"/>
+        </a:xfrm>
+      </p:grpSpPr>
+      <p:sp>
+        <p:nvSpPr>
+          <p:cNvPr id="2" name="Rectangle 1">
+            <a:extLst>
+              <a:ext uri="{FF2B5EF4-FFF2-40B4-BE49-F238E27FC236}">
+                <a16:creationId xmlns:a16="http://schemas.microsoft.com/office/drawing/2014/main" id="{E7B51DA2-6FED-2EA6-894A-58F7803E96DD}"/>
+              </a:ext>
+            </a:extLst>
+          </p:cNvPr>
+          <p:cNvSpPr/>
+          <p:nvPr/>
+        </p:nvSpPr>
+        <p:spPr>
+          <a:xfrm>
+            <a:off x="867747" y="158621"/>
+            <a:ext cx="3433666" cy="4245428"/>
+          </a:xfrm>
+          <a:prstGeom prst="rect">
+            <a:avLst/>
+          </a:prstGeom>
+        </p:spPr>
+        <p:style>
+          <a:lnRef idx="2">
+            <a:schemeClr val="accent6"/>
+          </a:lnRef>
+          <a:fillRef idx="1">
+            <a:schemeClr val="lt1"/>
+          </a:fillRef>
+          <a:effectRef idx="0">
+            <a:schemeClr val="accent6"/>
+          </a:effectRef>
+          <a:fontRef idx="minor">
+            <a:schemeClr val="dk1"/>
+          </a:fontRef>
+        </p:style>
+        <p:txBody>
+          <a:bodyPr rtlCol="0" anchor="ctr"/>
+          <a:lstStyle/>
+          <a:p>
+            <a:pPr algn="ctr"/>
+            <a:endParaRPr lang="en-US"/>
+          </a:p>
+        </p:txBody>
+      </p:sp>
+      <p:sp>
+        <p:nvSpPr>
+          <p:cNvPr id="3" name="TextBox 2">
+            <a:extLst>
+              <a:ext uri="{FF2B5EF4-FFF2-40B4-BE49-F238E27FC236}">
+                <a16:creationId xmlns:a16="http://schemas.microsoft.com/office/drawing/2014/main" id="{B9EFFB3A-2887-87A8-2C38-E06319B13645}"/>
+              </a:ext>
+            </a:extLst>
+          </p:cNvPr>
+          <p:cNvSpPr txBox="1"/>
+          <p:nvPr/>
+        </p:nvSpPr>
+        <p:spPr>
+          <a:xfrm>
+            <a:off x="1035698" y="373225"/>
+            <a:ext cx="2985796" cy="369332"/>
+          </a:xfrm>
+          <a:prstGeom prst="rect">
+            <a:avLst/>
+          </a:prstGeom>
+          <a:noFill/>
+        </p:spPr>
+        <p:txBody>
+          <a:bodyPr wrap="square" rtlCol="0">
+            <a:spAutoFit/>
+          </a:bodyPr>
+          <a:lstStyle/>
+          <a:p>
+            <a:pPr algn="ctr"/>
+            <a:r>
+              <a:rPr lang="en-IN" b="1" dirty="0"/>
+              <a:t>Namespace1</a:t>
+            </a:r>
+            <a:endParaRPr lang="en-US" b="1" dirty="0"/>
+          </a:p>
+        </p:txBody>
+      </p:sp>
+      <p:sp>
+        <p:nvSpPr>
+          <p:cNvPr id="4" name="Rectangle 3">
+            <a:extLst>
+              <a:ext uri="{FF2B5EF4-FFF2-40B4-BE49-F238E27FC236}">
+                <a16:creationId xmlns:a16="http://schemas.microsoft.com/office/drawing/2014/main" id="{AA57982F-D61E-F500-12BD-42441E7B3DE2}"/>
+              </a:ext>
+            </a:extLst>
+          </p:cNvPr>
+          <p:cNvSpPr/>
+          <p:nvPr/>
+        </p:nvSpPr>
+        <p:spPr>
+          <a:xfrm>
+            <a:off x="7374294" y="158621"/>
+            <a:ext cx="3433666" cy="4245428"/>
+          </a:xfrm>
+          <a:prstGeom prst="rect">
+            <a:avLst/>
+          </a:prstGeom>
+        </p:spPr>
+        <p:style>
+          <a:lnRef idx="2">
+            <a:schemeClr val="accent6"/>
+          </a:lnRef>
+          <a:fillRef idx="1">
+            <a:schemeClr val="lt1"/>
+          </a:fillRef>
+          <a:effectRef idx="0">
+            <a:schemeClr val="accent6"/>
+          </a:effectRef>
+          <a:fontRef idx="minor">
+            <a:schemeClr val="dk1"/>
+          </a:fontRef>
+        </p:style>
+        <p:txBody>
+          <a:bodyPr rtlCol="0" anchor="ctr"/>
+          <a:lstStyle/>
+          <a:p>
+            <a:pPr algn="ctr"/>
+            <a:endParaRPr lang="en-US"/>
+          </a:p>
+        </p:txBody>
+      </p:sp>
+      <p:sp>
+        <p:nvSpPr>
+          <p:cNvPr id="5" name="TextBox 4">
+            <a:extLst>
+              <a:ext uri="{FF2B5EF4-FFF2-40B4-BE49-F238E27FC236}">
+                <a16:creationId xmlns:a16="http://schemas.microsoft.com/office/drawing/2014/main" id="{86395FA9-5D2B-9B12-F3D0-739EDD5AE389}"/>
+              </a:ext>
+            </a:extLst>
+          </p:cNvPr>
+          <p:cNvSpPr txBox="1"/>
+          <p:nvPr/>
+        </p:nvSpPr>
+        <p:spPr>
+          <a:xfrm>
+            <a:off x="7542245" y="373225"/>
+            <a:ext cx="2985796" cy="369332"/>
+          </a:xfrm>
+          <a:prstGeom prst="rect">
+            <a:avLst/>
+          </a:prstGeom>
+          <a:noFill/>
+        </p:spPr>
+        <p:txBody>
+          <a:bodyPr wrap="square" rtlCol="0">
+            <a:spAutoFit/>
+          </a:bodyPr>
+          <a:lstStyle/>
+          <a:p>
+            <a:pPr algn="ctr"/>
+            <a:r>
+              <a:rPr lang="en-IN" b="1" dirty="0"/>
+              <a:t>Namespace2</a:t>
+            </a:r>
+            <a:endParaRPr lang="en-US" b="1" dirty="0"/>
+          </a:p>
+        </p:txBody>
+      </p:sp>
+      <p:sp>
+        <p:nvSpPr>
+          <p:cNvPr id="6" name="TextBox 5">
+            <a:extLst>
+              <a:ext uri="{FF2B5EF4-FFF2-40B4-BE49-F238E27FC236}">
+                <a16:creationId xmlns:a16="http://schemas.microsoft.com/office/drawing/2014/main" id="{12F43912-CCC7-BB4C-0A16-42B702397011}"/>
+              </a:ext>
+            </a:extLst>
+          </p:cNvPr>
+          <p:cNvSpPr txBox="1"/>
+          <p:nvPr/>
+        </p:nvSpPr>
+        <p:spPr>
+          <a:xfrm>
+            <a:off x="7707086" y="1166326"/>
+            <a:ext cx="2820955" cy="2308324"/>
+          </a:xfrm>
+          <a:prstGeom prst="rect">
+            <a:avLst/>
+          </a:prstGeom>
+          <a:noFill/>
+        </p:spPr>
+        <p:txBody>
+          <a:bodyPr wrap="square" rtlCol="0">
+            <a:spAutoFit/>
+          </a:bodyPr>
+          <a:lstStyle/>
+          <a:p>
+            <a:r>
+              <a:rPr lang="en-IN" dirty="0"/>
+              <a:t>Class </a:t>
+            </a:r>
+            <a:r>
+              <a:rPr lang="en-IN" dirty="0" err="1"/>
+              <a:t>XmlFileOperation</a:t>
+            </a:r>
+            <a:endParaRPr lang="en-IN" dirty="0"/>
+          </a:p>
+          <a:p>
+            <a:r>
+              <a:rPr lang="en-IN" dirty="0"/>
+              <a:t>{</a:t>
+            </a:r>
+          </a:p>
+          <a:p>
+            <a:r>
+              <a:rPr lang="en-IN" dirty="0"/>
+              <a:t>      void </a:t>
+            </a:r>
+            <a:r>
+              <a:rPr lang="en-IN" dirty="0" err="1"/>
+              <a:t>CreateFile</a:t>
+            </a:r>
+            <a:r>
+              <a:rPr lang="en-IN" dirty="0"/>
+              <a:t>(){}</a:t>
+            </a:r>
+          </a:p>
+          <a:p>
+            <a:r>
+              <a:rPr lang="en-IN" dirty="0"/>
+              <a:t>      void </a:t>
+            </a:r>
+            <a:r>
+              <a:rPr lang="en-IN" dirty="0" err="1"/>
+              <a:t>ReadFile</a:t>
+            </a:r>
+            <a:r>
+              <a:rPr lang="en-IN" dirty="0"/>
+              <a:t>() {}  </a:t>
+            </a:r>
+          </a:p>
+          <a:p>
+            <a:r>
+              <a:rPr lang="en-IN" dirty="0"/>
+              <a:t>      void </a:t>
+            </a:r>
+            <a:r>
+              <a:rPr lang="en-IN" dirty="0" err="1"/>
+              <a:t>AppendFile</a:t>
+            </a:r>
+            <a:r>
+              <a:rPr lang="en-IN" dirty="0"/>
+              <a:t>(){}</a:t>
+            </a:r>
+          </a:p>
+          <a:p>
+            <a:r>
+              <a:rPr lang="en-IN" dirty="0"/>
+              <a:t>       void </a:t>
+            </a:r>
+            <a:r>
+              <a:rPr lang="en-IN" dirty="0" err="1"/>
+              <a:t>CopyFile</a:t>
+            </a:r>
+            <a:r>
+              <a:rPr lang="en-IN" dirty="0"/>
+              <a:t>(){}	</a:t>
+            </a:r>
+          </a:p>
+          <a:p>
+            <a:r>
+              <a:rPr lang="en-IN" dirty="0"/>
+              <a:t>}</a:t>
+            </a:r>
+            <a:endParaRPr lang="en-US" dirty="0"/>
+          </a:p>
+        </p:txBody>
+      </p:sp>
+      <p:sp>
+        <p:nvSpPr>
+          <p:cNvPr id="7" name="TextBox 6">
+            <a:extLst>
+              <a:ext uri="{FF2B5EF4-FFF2-40B4-BE49-F238E27FC236}">
+                <a16:creationId xmlns:a16="http://schemas.microsoft.com/office/drawing/2014/main" id="{894E41B0-D4AF-2A17-07DC-54BDC9197E77}"/>
+              </a:ext>
+            </a:extLst>
+          </p:cNvPr>
+          <p:cNvSpPr txBox="1"/>
+          <p:nvPr/>
+        </p:nvSpPr>
+        <p:spPr>
+          <a:xfrm>
+            <a:off x="979714" y="1265672"/>
+            <a:ext cx="3209731" cy="2031325"/>
+          </a:xfrm>
+          <a:prstGeom prst="rect">
+            <a:avLst/>
+          </a:prstGeom>
+          <a:noFill/>
+        </p:spPr>
+        <p:txBody>
+          <a:bodyPr wrap="square" rtlCol="0">
+            <a:spAutoFit/>
+          </a:bodyPr>
+          <a:lstStyle/>
+          <a:p>
+            <a:r>
+              <a:rPr lang="en-IN" dirty="0"/>
+              <a:t>Class </a:t>
+            </a:r>
+            <a:r>
+              <a:rPr lang="en-IN" dirty="0" err="1"/>
+              <a:t>TextFileOperation</a:t>
+            </a:r>
+            <a:endParaRPr lang="en-IN" dirty="0"/>
+          </a:p>
+          <a:p>
+            <a:r>
+              <a:rPr lang="en-IN" dirty="0"/>
+              <a:t>{</a:t>
+            </a:r>
+          </a:p>
+          <a:p>
+            <a:r>
+              <a:rPr lang="en-IN" dirty="0"/>
+              <a:t>      void </a:t>
+            </a:r>
+            <a:r>
+              <a:rPr lang="en-IN" dirty="0" err="1"/>
+              <a:t>CreateFile</a:t>
+            </a:r>
+            <a:r>
+              <a:rPr lang="en-IN" dirty="0"/>
+              <a:t>(){}</a:t>
+            </a:r>
+          </a:p>
+          <a:p>
+            <a:r>
+              <a:rPr lang="en-IN" dirty="0"/>
+              <a:t>      void </a:t>
+            </a:r>
+            <a:r>
+              <a:rPr lang="en-IN" dirty="0" err="1"/>
+              <a:t>ReadFile</a:t>
+            </a:r>
+            <a:r>
+              <a:rPr lang="en-IN" dirty="0"/>
+              <a:t>() {}  </a:t>
+            </a:r>
+          </a:p>
+          <a:p>
+            <a:r>
+              <a:rPr lang="en-IN" dirty="0"/>
+              <a:t>      void </a:t>
+            </a:r>
+            <a:r>
+              <a:rPr lang="en-IN" dirty="0" err="1"/>
+              <a:t>AppendFile</a:t>
+            </a:r>
+            <a:r>
+              <a:rPr lang="en-IN" dirty="0"/>
+              <a:t>(){}</a:t>
+            </a:r>
+          </a:p>
+          <a:p>
+            <a:r>
+              <a:rPr lang="en-IN" dirty="0"/>
+              <a:t>       void </a:t>
+            </a:r>
+            <a:r>
+              <a:rPr lang="en-IN" dirty="0" err="1"/>
+              <a:t>CopyFile</a:t>
+            </a:r>
+            <a:r>
+              <a:rPr lang="en-IN" dirty="0"/>
+              <a:t>(){}	</a:t>
+            </a:r>
+          </a:p>
+          <a:p>
+            <a:r>
+              <a:rPr lang="en-IN" dirty="0"/>
+              <a:t>}</a:t>
+            </a:r>
+            <a:endParaRPr lang="en-US" dirty="0"/>
+          </a:p>
+        </p:txBody>
+      </p:sp>
+      <p:sp>
+        <p:nvSpPr>
+          <p:cNvPr id="8" name="TextBox 7">
+            <a:extLst>
+              <a:ext uri="{FF2B5EF4-FFF2-40B4-BE49-F238E27FC236}">
+                <a16:creationId xmlns:a16="http://schemas.microsoft.com/office/drawing/2014/main" id="{14A20303-BD12-DC30-4D45-646C06DD8CCA}"/>
+              </a:ext>
+            </a:extLst>
+          </p:cNvPr>
+          <p:cNvSpPr txBox="1"/>
+          <p:nvPr/>
+        </p:nvSpPr>
+        <p:spPr>
+          <a:xfrm>
+            <a:off x="1520890" y="4945224"/>
+            <a:ext cx="9741159" cy="1477328"/>
+          </a:xfrm>
+          <a:prstGeom prst="rect">
+            <a:avLst/>
+          </a:prstGeom>
+          <a:noFill/>
+        </p:spPr>
+        <p:txBody>
+          <a:bodyPr wrap="square" rtlCol="0">
+            <a:spAutoFit/>
+          </a:bodyPr>
+          <a:lstStyle/>
+          <a:p>
+            <a:r>
+              <a:rPr lang="en-IN" b="1" dirty="0"/>
+              <a:t>Client App</a:t>
+            </a:r>
+          </a:p>
+          <a:p>
+            <a:endParaRPr lang="en-IN" b="1" dirty="0"/>
+          </a:p>
+          <a:p>
+            <a:r>
+              <a:rPr lang="en-IN" dirty="0"/>
+              <a:t>Namespace1.TextFileOperation </a:t>
+            </a:r>
+            <a:r>
+              <a:rPr lang="en-IN" dirty="0" err="1"/>
+              <a:t>obj</a:t>
+            </a:r>
+            <a:r>
+              <a:rPr lang="en-IN" dirty="0"/>
+              <a:t> = new Namespace1.TextFileOperation();</a:t>
+            </a:r>
+          </a:p>
+          <a:p>
+            <a:endParaRPr lang="en-IN" dirty="0"/>
+          </a:p>
+          <a:p>
+            <a:r>
+              <a:rPr lang="en-IN" dirty="0"/>
+              <a:t>Namespace2.XmlFileOperation obj1 = new Namespace2.XmlFileOperation</a:t>
+            </a:r>
+            <a:r>
+              <a:rPr lang="en-US" dirty="0"/>
+              <a:t>()</a:t>
+            </a:r>
+          </a:p>
+        </p:txBody>
+      </p:sp>
+      <p:cxnSp>
+        <p:nvCxnSpPr>
+          <p:cNvPr id="10" name="Straight Arrow Connector 9">
+            <a:extLst>
+              <a:ext uri="{FF2B5EF4-FFF2-40B4-BE49-F238E27FC236}">
+                <a16:creationId xmlns:a16="http://schemas.microsoft.com/office/drawing/2014/main" id="{F151124F-50AA-2B1C-FE12-C9DB6144C895}"/>
+              </a:ext>
+            </a:extLst>
+          </p:cNvPr>
+          <p:cNvCxnSpPr>
+            <a:cxnSpLocks/>
+          </p:cNvCxnSpPr>
+          <p:nvPr/>
+        </p:nvCxnSpPr>
+        <p:spPr>
+          <a:xfrm flipH="1" flipV="1">
+            <a:off x="2771192" y="3088433"/>
+            <a:ext cx="2046515" cy="2425959"/>
+          </a:xfrm>
+          <a:prstGeom prst="straightConnector1">
+            <a:avLst/>
+          </a:prstGeom>
+          <a:ln>
+            <a:tailEnd type="triangle"/>
+          </a:ln>
+        </p:spPr>
+        <p:style>
+          <a:lnRef idx="1">
+            <a:schemeClr val="accent1"/>
+          </a:lnRef>
+          <a:fillRef idx="0">
+            <a:schemeClr val="accent1"/>
+          </a:fillRef>
+          <a:effectRef idx="0">
+            <a:schemeClr val="accent1"/>
+          </a:effectRef>
+          <a:fontRef idx="minor">
+            <a:schemeClr val="tx1"/>
+          </a:fontRef>
+        </p:style>
+      </p:cxnSp>
+      <p:cxnSp>
+        <p:nvCxnSpPr>
+          <p:cNvPr id="12" name="Straight Arrow Connector 11">
+            <a:extLst>
+              <a:ext uri="{FF2B5EF4-FFF2-40B4-BE49-F238E27FC236}">
+                <a16:creationId xmlns:a16="http://schemas.microsoft.com/office/drawing/2014/main" id="{24D9953E-236A-53DE-D06B-9B25E4E09D86}"/>
+              </a:ext>
+            </a:extLst>
+          </p:cNvPr>
+          <p:cNvCxnSpPr>
+            <a:cxnSpLocks/>
+          </p:cNvCxnSpPr>
+          <p:nvPr/>
+        </p:nvCxnSpPr>
+        <p:spPr>
+          <a:xfrm flipV="1">
+            <a:off x="4817707" y="3088433"/>
+            <a:ext cx="3719803" cy="2976465"/>
+          </a:xfrm>
+          <a:prstGeom prst="straightConnector1">
+            <a:avLst/>
+          </a:prstGeom>
+          <a:ln>
+            <a:tailEnd type="triangle"/>
+          </a:ln>
+        </p:spPr>
+        <p:style>
+          <a:lnRef idx="1">
+            <a:schemeClr val="accent1"/>
+          </a:lnRef>
+          <a:fillRef idx="0">
+            <a:schemeClr val="accent1"/>
+          </a:fillRef>
+          <a:effectRef idx="0">
+            <a:schemeClr val="accent1"/>
+          </a:effectRef>
+          <a:fontRef idx="minor">
+            <a:schemeClr val="tx1"/>
+          </a:fontRef>
+        </p:style>
+      </p:cxnSp>
+    </p:spTree>
+    <p:extLst>
+      <p:ext uri="{BB962C8B-B14F-4D97-AF65-F5344CB8AC3E}">
+        <p14:creationId xmlns:p14="http://schemas.microsoft.com/office/powerpoint/2010/main" val="2575924630"/>
       </p:ext>
     </p:extLst>
   </p:cSld>

--- a/Training-Images.pptx
+++ b/Training-Images.pptx
@@ -16,6 +16,7 @@
     <p:sldId id="264" r:id="rId10"/>
     <p:sldId id="265" r:id="rId11"/>
     <p:sldId id="266" r:id="rId12"/>
+    <p:sldId id="267" r:id="rId13"/>
   </p:sldIdLst>
   <p:sldSz cx="12192000" cy="6858000"/>
   <p:notesSz cx="6858000" cy="9144000"/>
@@ -4747,7 +4748,7 @@
         </p:nvSpPr>
         <p:spPr>
           <a:xfrm>
-            <a:off x="606490" y="5701004"/>
+            <a:off x="391885" y="5560244"/>
             <a:ext cx="2425959" cy="369332"/>
           </a:xfrm>
           <a:prstGeom prst="rect">
@@ -4762,17 +4763,1491 @@
           <a:lstStyle/>
           <a:p>
             <a:r>
-              <a:rPr lang="en-IN"/>
+              <a:rPr lang="en-IN" dirty="0"/>
               <a:t>Allocated Memory</a:t>
             </a:r>
+            <a:endParaRPr lang="en-US" dirty="0"/>
+          </a:p>
+        </p:txBody>
+      </p:sp>
+      <p:sp>
+        <p:nvSpPr>
+          <p:cNvPr id="7" name="Rectangle 6">
+            <a:extLst>
+              <a:ext uri="{FF2B5EF4-FFF2-40B4-BE49-F238E27FC236}">
+                <a16:creationId xmlns:a16="http://schemas.microsoft.com/office/drawing/2014/main" id="{EBCED981-F666-61D9-F50A-A45C26ABF46F}"/>
+              </a:ext>
+            </a:extLst>
+          </p:cNvPr>
+          <p:cNvSpPr/>
+          <p:nvPr/>
+        </p:nvSpPr>
+        <p:spPr>
+          <a:xfrm>
+            <a:off x="8266922" y="242596"/>
+            <a:ext cx="2425959" cy="2584580"/>
+          </a:xfrm>
+          <a:prstGeom prst="rect">
+            <a:avLst/>
+          </a:prstGeom>
+        </p:spPr>
+        <p:style>
+          <a:lnRef idx="2">
+            <a:schemeClr val="accent6"/>
+          </a:lnRef>
+          <a:fillRef idx="1">
+            <a:schemeClr val="lt1"/>
+          </a:fillRef>
+          <a:effectRef idx="0">
+            <a:schemeClr val="accent6"/>
+          </a:effectRef>
+          <a:fontRef idx="minor">
+            <a:schemeClr val="dk1"/>
+          </a:fontRef>
+        </p:style>
+        <p:txBody>
+          <a:bodyPr rtlCol="0" anchor="ctr"/>
+          <a:lstStyle/>
+          <a:p>
+            <a:pPr algn="ctr"/>
             <a:endParaRPr lang="en-US"/>
           </a:p>
         </p:txBody>
       </p:sp>
+      <p:sp>
+        <p:nvSpPr>
+          <p:cNvPr id="8" name="TextBox 7">
+            <a:extLst>
+              <a:ext uri="{FF2B5EF4-FFF2-40B4-BE49-F238E27FC236}">
+                <a16:creationId xmlns:a16="http://schemas.microsoft.com/office/drawing/2014/main" id="{E4B0FCC6-BB81-07A4-04FF-17FA79952335}"/>
+              </a:ext>
+            </a:extLst>
+          </p:cNvPr>
+          <p:cNvSpPr txBox="1"/>
+          <p:nvPr/>
+        </p:nvSpPr>
+        <p:spPr>
+          <a:xfrm>
+            <a:off x="8425543" y="335902"/>
+            <a:ext cx="2015412" cy="369332"/>
+          </a:xfrm>
+          <a:prstGeom prst="rect">
+            <a:avLst/>
+          </a:prstGeom>
+          <a:noFill/>
+        </p:spPr>
+        <p:txBody>
+          <a:bodyPr wrap="square" rtlCol="0">
+            <a:spAutoFit/>
+          </a:bodyPr>
+          <a:lstStyle/>
+          <a:p>
+            <a:pPr algn="ctr"/>
+            <a:r>
+              <a:rPr lang="en-IN" b="1" dirty="0"/>
+              <a:t>Code-Segment</a:t>
+            </a:r>
+            <a:endParaRPr lang="en-US" b="1" dirty="0"/>
+          </a:p>
+        </p:txBody>
+      </p:sp>
+      <p:sp>
+        <p:nvSpPr>
+          <p:cNvPr id="9" name="Rectangle: Rounded Corners 8">
+            <a:extLst>
+              <a:ext uri="{FF2B5EF4-FFF2-40B4-BE49-F238E27FC236}">
+                <a16:creationId xmlns:a16="http://schemas.microsoft.com/office/drawing/2014/main" id="{96578BBB-35CD-2242-C18A-8799C5D02B44}"/>
+              </a:ext>
+            </a:extLst>
+          </p:cNvPr>
+          <p:cNvSpPr/>
+          <p:nvPr/>
+        </p:nvSpPr>
+        <p:spPr>
+          <a:xfrm>
+            <a:off x="8425543" y="886408"/>
+            <a:ext cx="2192694" cy="625151"/>
+          </a:xfrm>
+          <a:prstGeom prst="roundRect">
+            <a:avLst/>
+          </a:prstGeom>
+        </p:spPr>
+        <p:style>
+          <a:lnRef idx="2">
+            <a:schemeClr val="accent1">
+              <a:shade val="50000"/>
+            </a:schemeClr>
+          </a:lnRef>
+          <a:fillRef idx="1">
+            <a:schemeClr val="accent1"/>
+          </a:fillRef>
+          <a:effectRef idx="0">
+            <a:schemeClr val="accent1"/>
+          </a:effectRef>
+          <a:fontRef idx="minor">
+            <a:schemeClr val="lt1"/>
+          </a:fontRef>
+        </p:style>
+        <p:txBody>
+          <a:bodyPr rtlCol="0" anchor="ctr"/>
+          <a:lstStyle/>
+          <a:p>
+            <a:pPr algn="ctr"/>
+            <a:r>
+              <a:rPr lang="en-IN" b="1" dirty="0"/>
+              <a:t>Instruction to Add</a:t>
+            </a:r>
+            <a:endParaRPr lang="en-US" b="1" dirty="0"/>
+          </a:p>
+        </p:txBody>
+      </p:sp>
+      <p:cxnSp>
+        <p:nvCxnSpPr>
+          <p:cNvPr id="11" name="Straight Arrow Connector 10">
+            <a:extLst>
+              <a:ext uri="{FF2B5EF4-FFF2-40B4-BE49-F238E27FC236}">
+                <a16:creationId xmlns:a16="http://schemas.microsoft.com/office/drawing/2014/main" id="{B8C2F059-6543-ADD1-BF5E-043325F11DCE}"/>
+              </a:ext>
+            </a:extLst>
+          </p:cNvPr>
+          <p:cNvCxnSpPr>
+            <a:cxnSpLocks/>
+            <a:endCxn id="9" idx="1"/>
+          </p:cNvCxnSpPr>
+          <p:nvPr/>
+        </p:nvCxnSpPr>
+        <p:spPr>
+          <a:xfrm flipV="1">
+            <a:off x="1996751" y="1198984"/>
+            <a:ext cx="6428792" cy="312575"/>
+          </a:xfrm>
+          <a:prstGeom prst="straightConnector1">
+            <a:avLst/>
+          </a:prstGeom>
+          <a:ln>
+            <a:tailEnd type="triangle"/>
+          </a:ln>
+        </p:spPr>
+        <p:style>
+          <a:lnRef idx="1">
+            <a:schemeClr val="accent1"/>
+          </a:lnRef>
+          <a:fillRef idx="0">
+            <a:schemeClr val="accent1"/>
+          </a:fillRef>
+          <a:effectRef idx="0">
+            <a:schemeClr val="accent1"/>
+          </a:effectRef>
+          <a:fontRef idx="minor">
+            <a:schemeClr val="tx1"/>
+          </a:fontRef>
+        </p:style>
+      </p:cxnSp>
+      <p:sp>
+        <p:nvSpPr>
+          <p:cNvPr id="13" name="Rectangle: Rounded Corners 12">
+            <a:extLst>
+              <a:ext uri="{FF2B5EF4-FFF2-40B4-BE49-F238E27FC236}">
+                <a16:creationId xmlns:a16="http://schemas.microsoft.com/office/drawing/2014/main" id="{2D3A8654-A4D2-0B4E-2C7B-5BE47BDE3AC5}"/>
+              </a:ext>
+            </a:extLst>
+          </p:cNvPr>
+          <p:cNvSpPr/>
+          <p:nvPr/>
+        </p:nvSpPr>
+        <p:spPr>
+          <a:xfrm>
+            <a:off x="8425543" y="1747935"/>
+            <a:ext cx="2192694" cy="625151"/>
+          </a:xfrm>
+          <a:prstGeom prst="roundRect">
+            <a:avLst/>
+          </a:prstGeom>
+        </p:spPr>
+        <p:style>
+          <a:lnRef idx="2">
+            <a:schemeClr val="accent1">
+              <a:shade val="50000"/>
+            </a:schemeClr>
+          </a:lnRef>
+          <a:fillRef idx="1">
+            <a:schemeClr val="accent1"/>
+          </a:fillRef>
+          <a:effectRef idx="0">
+            <a:schemeClr val="accent1"/>
+          </a:effectRef>
+          <a:fontRef idx="minor">
+            <a:schemeClr val="lt1"/>
+          </a:fontRef>
+        </p:style>
+        <p:txBody>
+          <a:bodyPr rtlCol="0" anchor="ctr"/>
+          <a:lstStyle/>
+          <a:p>
+            <a:pPr algn="ctr"/>
+            <a:r>
+              <a:rPr lang="en-IN" b="1" dirty="0"/>
+              <a:t>Instruction to Sub</a:t>
+            </a:r>
+            <a:endParaRPr lang="en-US" b="1" dirty="0"/>
+          </a:p>
+        </p:txBody>
+      </p:sp>
+      <p:cxnSp>
+        <p:nvCxnSpPr>
+          <p:cNvPr id="15" name="Straight Arrow Connector 14">
+            <a:extLst>
+              <a:ext uri="{FF2B5EF4-FFF2-40B4-BE49-F238E27FC236}">
+                <a16:creationId xmlns:a16="http://schemas.microsoft.com/office/drawing/2014/main" id="{4BAD33B1-D4D4-01A2-C4AB-3611742E418D}"/>
+              </a:ext>
+            </a:extLst>
+          </p:cNvPr>
+          <p:cNvCxnSpPr>
+            <a:endCxn id="13" idx="1"/>
+          </p:cNvCxnSpPr>
+          <p:nvPr/>
+        </p:nvCxnSpPr>
+        <p:spPr>
+          <a:xfrm>
+            <a:off x="1800808" y="1824135"/>
+            <a:ext cx="6624735" cy="236376"/>
+          </a:xfrm>
+          <a:prstGeom prst="straightConnector1">
+            <a:avLst/>
+          </a:prstGeom>
+          <a:ln>
+            <a:tailEnd type="triangle"/>
+          </a:ln>
+        </p:spPr>
+        <p:style>
+          <a:lnRef idx="1">
+            <a:schemeClr val="accent1"/>
+          </a:lnRef>
+          <a:fillRef idx="0">
+            <a:schemeClr val="accent1"/>
+          </a:fillRef>
+          <a:effectRef idx="0">
+            <a:schemeClr val="accent1"/>
+          </a:effectRef>
+          <a:fontRef idx="minor">
+            <a:schemeClr val="tx1"/>
+          </a:fontRef>
+        </p:style>
+      </p:cxnSp>
+      <p:sp>
+        <p:nvSpPr>
+          <p:cNvPr id="16" name="Rectangle 15">
+            <a:extLst>
+              <a:ext uri="{FF2B5EF4-FFF2-40B4-BE49-F238E27FC236}">
+                <a16:creationId xmlns:a16="http://schemas.microsoft.com/office/drawing/2014/main" id="{41581AA7-DE41-C769-C929-2F0FDD7DDD61}"/>
+              </a:ext>
+            </a:extLst>
+          </p:cNvPr>
+          <p:cNvSpPr/>
+          <p:nvPr/>
+        </p:nvSpPr>
+        <p:spPr>
+          <a:xfrm>
+            <a:off x="8229601" y="3485762"/>
+            <a:ext cx="2425959" cy="2584580"/>
+          </a:xfrm>
+          <a:prstGeom prst="rect">
+            <a:avLst/>
+          </a:prstGeom>
+        </p:spPr>
+        <p:style>
+          <a:lnRef idx="2">
+            <a:schemeClr val="accent6"/>
+          </a:lnRef>
+          <a:fillRef idx="1">
+            <a:schemeClr val="lt1"/>
+          </a:fillRef>
+          <a:effectRef idx="0">
+            <a:schemeClr val="accent6"/>
+          </a:effectRef>
+          <a:fontRef idx="minor">
+            <a:schemeClr val="dk1"/>
+          </a:fontRef>
+        </p:style>
+        <p:txBody>
+          <a:bodyPr rtlCol="0" anchor="ctr"/>
+          <a:lstStyle/>
+          <a:p>
+            <a:pPr algn="ctr"/>
+            <a:endParaRPr lang="en-US"/>
+          </a:p>
+        </p:txBody>
+      </p:sp>
+      <p:sp>
+        <p:nvSpPr>
+          <p:cNvPr id="17" name="TextBox 16">
+            <a:extLst>
+              <a:ext uri="{FF2B5EF4-FFF2-40B4-BE49-F238E27FC236}">
+                <a16:creationId xmlns:a16="http://schemas.microsoft.com/office/drawing/2014/main" id="{8E44DDE5-7739-8A8D-60B5-AB98F21AF8A6}"/>
+              </a:ext>
+            </a:extLst>
+          </p:cNvPr>
+          <p:cNvSpPr txBox="1"/>
+          <p:nvPr/>
+        </p:nvSpPr>
+        <p:spPr>
+          <a:xfrm>
+            <a:off x="8388222" y="3579068"/>
+            <a:ext cx="2015412" cy="369332"/>
+          </a:xfrm>
+          <a:prstGeom prst="rect">
+            <a:avLst/>
+          </a:prstGeom>
+          <a:noFill/>
+        </p:spPr>
+        <p:txBody>
+          <a:bodyPr wrap="square" rtlCol="0">
+            <a:spAutoFit/>
+          </a:bodyPr>
+          <a:lstStyle/>
+          <a:p>
+            <a:pPr algn="ctr"/>
+            <a:r>
+              <a:rPr lang="en-IN" b="1" dirty="0"/>
+              <a:t>Data-Segment</a:t>
+            </a:r>
+            <a:endParaRPr lang="en-US" b="1" dirty="0"/>
+          </a:p>
+        </p:txBody>
+      </p:sp>
+      <p:sp>
+        <p:nvSpPr>
+          <p:cNvPr id="18" name="Flowchart: Predefined Process 17">
+            <a:extLst>
+              <a:ext uri="{FF2B5EF4-FFF2-40B4-BE49-F238E27FC236}">
+                <a16:creationId xmlns:a16="http://schemas.microsoft.com/office/drawing/2014/main" id="{9B72A8B6-E68E-49F3-B91C-C075B4278080}"/>
+              </a:ext>
+            </a:extLst>
+          </p:cNvPr>
+          <p:cNvSpPr/>
+          <p:nvPr/>
+        </p:nvSpPr>
+        <p:spPr>
+          <a:xfrm rot="5400000">
+            <a:off x="8512054" y="4273608"/>
+            <a:ext cx="1767748" cy="1174856"/>
+          </a:xfrm>
+          <a:prstGeom prst="flowChartPredefinedProcess">
+            <a:avLst/>
+          </a:prstGeom>
+        </p:spPr>
+        <p:style>
+          <a:lnRef idx="0">
+            <a:schemeClr val="accent5"/>
+          </a:lnRef>
+          <a:fillRef idx="3">
+            <a:schemeClr val="accent5"/>
+          </a:fillRef>
+          <a:effectRef idx="3">
+            <a:schemeClr val="accent5"/>
+          </a:effectRef>
+          <a:fontRef idx="minor">
+            <a:schemeClr val="lt1"/>
+          </a:fontRef>
+        </p:style>
+        <p:txBody>
+          <a:bodyPr rtlCol="0" anchor="ctr"/>
+          <a:lstStyle/>
+          <a:p>
+            <a:pPr algn="ctr"/>
+            <a:endParaRPr lang="en-US"/>
+          </a:p>
+        </p:txBody>
+      </p:sp>
+      <p:sp>
+        <p:nvSpPr>
+          <p:cNvPr id="19" name="Rectangle 18">
+            <a:extLst>
+              <a:ext uri="{FF2B5EF4-FFF2-40B4-BE49-F238E27FC236}">
+                <a16:creationId xmlns:a16="http://schemas.microsoft.com/office/drawing/2014/main" id="{9D4DE853-33A0-F5E2-E402-ADF1F7D0A6BD}"/>
+              </a:ext>
+            </a:extLst>
+          </p:cNvPr>
+          <p:cNvSpPr/>
+          <p:nvPr/>
+        </p:nvSpPr>
+        <p:spPr>
+          <a:xfrm>
+            <a:off x="8808500" y="4394718"/>
+            <a:ext cx="1174856" cy="212268"/>
+          </a:xfrm>
+          <a:prstGeom prst="rect">
+            <a:avLst/>
+          </a:prstGeom>
+        </p:spPr>
+        <p:style>
+          <a:lnRef idx="2">
+            <a:schemeClr val="accent1">
+              <a:shade val="50000"/>
+            </a:schemeClr>
+          </a:lnRef>
+          <a:fillRef idx="1">
+            <a:schemeClr val="accent1"/>
+          </a:fillRef>
+          <a:effectRef idx="0">
+            <a:schemeClr val="accent1"/>
+          </a:effectRef>
+          <a:fontRef idx="minor">
+            <a:schemeClr val="lt1"/>
+          </a:fontRef>
+        </p:style>
+        <p:txBody>
+          <a:bodyPr rtlCol="0" anchor="ctr"/>
+          <a:lstStyle/>
+          <a:p>
+            <a:pPr algn="ctr"/>
+            <a:endParaRPr lang="en-US"/>
+          </a:p>
+        </p:txBody>
+      </p:sp>
+      <p:sp>
+        <p:nvSpPr>
+          <p:cNvPr id="20" name="Rectangle 19">
+            <a:extLst>
+              <a:ext uri="{FF2B5EF4-FFF2-40B4-BE49-F238E27FC236}">
+                <a16:creationId xmlns:a16="http://schemas.microsoft.com/office/drawing/2014/main" id="{A53372F8-EE4D-3B61-2F1B-F886678C387E}"/>
+              </a:ext>
+            </a:extLst>
+          </p:cNvPr>
+          <p:cNvSpPr/>
+          <p:nvPr/>
+        </p:nvSpPr>
+        <p:spPr>
+          <a:xfrm>
+            <a:off x="8808500" y="4993614"/>
+            <a:ext cx="1174856" cy="212268"/>
+          </a:xfrm>
+          <a:prstGeom prst="rect">
+            <a:avLst/>
+          </a:prstGeom>
+        </p:spPr>
+        <p:style>
+          <a:lnRef idx="2">
+            <a:schemeClr val="accent1">
+              <a:shade val="50000"/>
+            </a:schemeClr>
+          </a:lnRef>
+          <a:fillRef idx="1">
+            <a:schemeClr val="accent1"/>
+          </a:fillRef>
+          <a:effectRef idx="0">
+            <a:schemeClr val="accent1"/>
+          </a:effectRef>
+          <a:fontRef idx="minor">
+            <a:schemeClr val="lt1"/>
+          </a:fontRef>
+        </p:style>
+        <p:txBody>
+          <a:bodyPr rtlCol="0" anchor="ctr"/>
+          <a:lstStyle/>
+          <a:p>
+            <a:pPr algn="ctr"/>
+            <a:endParaRPr lang="en-US"/>
+          </a:p>
+        </p:txBody>
+      </p:sp>
+      <p:sp>
+        <p:nvSpPr>
+          <p:cNvPr id="21" name="TextBox 20">
+            <a:extLst>
+              <a:ext uri="{FF2B5EF4-FFF2-40B4-BE49-F238E27FC236}">
+                <a16:creationId xmlns:a16="http://schemas.microsoft.com/office/drawing/2014/main" id="{DE70E7A0-821D-F5FB-E365-98EC4CD11A23}"/>
+              </a:ext>
+            </a:extLst>
+          </p:cNvPr>
+          <p:cNvSpPr txBox="1"/>
+          <p:nvPr/>
+        </p:nvSpPr>
+        <p:spPr>
+          <a:xfrm>
+            <a:off x="8855152" y="4627556"/>
+            <a:ext cx="1174856" cy="369332"/>
+          </a:xfrm>
+          <a:prstGeom prst="rect">
+            <a:avLst/>
+          </a:prstGeom>
+          <a:noFill/>
+        </p:spPr>
+        <p:txBody>
+          <a:bodyPr wrap="square" rtlCol="0">
+            <a:spAutoFit/>
+          </a:bodyPr>
+          <a:lstStyle/>
+          <a:p>
+            <a:pPr algn="ctr"/>
+            <a:r>
+              <a:rPr lang="en-IN" b="1" dirty="0"/>
+              <a:t>y</a:t>
+            </a:r>
+            <a:endParaRPr lang="en-US" b="1" dirty="0"/>
+          </a:p>
+        </p:txBody>
+      </p:sp>
+      <p:sp>
+        <p:nvSpPr>
+          <p:cNvPr id="22" name="TextBox 21">
+            <a:extLst>
+              <a:ext uri="{FF2B5EF4-FFF2-40B4-BE49-F238E27FC236}">
+                <a16:creationId xmlns:a16="http://schemas.microsoft.com/office/drawing/2014/main" id="{3834E779-B0BA-FC52-4181-DA66D3738C3E}"/>
+              </a:ext>
+            </a:extLst>
+          </p:cNvPr>
+          <p:cNvSpPr txBox="1"/>
+          <p:nvPr/>
+        </p:nvSpPr>
+        <p:spPr>
+          <a:xfrm>
+            <a:off x="8799372" y="4006194"/>
+            <a:ext cx="1174856" cy="369332"/>
+          </a:xfrm>
+          <a:prstGeom prst="rect">
+            <a:avLst/>
+          </a:prstGeom>
+          <a:noFill/>
+        </p:spPr>
+        <p:txBody>
+          <a:bodyPr wrap="square" rtlCol="0">
+            <a:spAutoFit/>
+          </a:bodyPr>
+          <a:lstStyle/>
+          <a:p>
+            <a:pPr algn="ctr"/>
+            <a:r>
+              <a:rPr lang="en-IN" b="1" dirty="0"/>
+              <a:t>x</a:t>
+            </a:r>
+            <a:endParaRPr lang="en-US" b="1" dirty="0"/>
+          </a:p>
+        </p:txBody>
+      </p:sp>
+      <p:sp>
+        <p:nvSpPr>
+          <p:cNvPr id="23" name="TextBox 22">
+            <a:extLst>
+              <a:ext uri="{FF2B5EF4-FFF2-40B4-BE49-F238E27FC236}">
+                <a16:creationId xmlns:a16="http://schemas.microsoft.com/office/drawing/2014/main" id="{656373BA-47E2-63D6-3877-D39CD9A68A47}"/>
+              </a:ext>
+            </a:extLst>
+          </p:cNvPr>
+          <p:cNvSpPr txBox="1"/>
+          <p:nvPr/>
+        </p:nvSpPr>
+        <p:spPr>
+          <a:xfrm>
+            <a:off x="8808500" y="5297363"/>
+            <a:ext cx="1174856" cy="369332"/>
+          </a:xfrm>
+          <a:prstGeom prst="rect">
+            <a:avLst/>
+          </a:prstGeom>
+          <a:noFill/>
+        </p:spPr>
+        <p:txBody>
+          <a:bodyPr wrap="square" rtlCol="0">
+            <a:spAutoFit/>
+          </a:bodyPr>
+          <a:lstStyle/>
+          <a:p>
+            <a:pPr algn="ctr"/>
+            <a:r>
+              <a:rPr lang="en-IN" b="1" dirty="0"/>
+              <a:t>z</a:t>
+            </a:r>
+            <a:endParaRPr lang="en-US" b="1" dirty="0"/>
+          </a:p>
+        </p:txBody>
+      </p:sp>
+      <p:cxnSp>
+        <p:nvCxnSpPr>
+          <p:cNvPr id="25" name="Straight Arrow Connector 24">
+            <a:extLst>
+              <a:ext uri="{FF2B5EF4-FFF2-40B4-BE49-F238E27FC236}">
+                <a16:creationId xmlns:a16="http://schemas.microsoft.com/office/drawing/2014/main" id="{BD1631D1-8643-F1D1-940F-CC120EE408B2}"/>
+              </a:ext>
+            </a:extLst>
+          </p:cNvPr>
+          <p:cNvCxnSpPr>
+            <a:endCxn id="18" idx="2"/>
+          </p:cNvCxnSpPr>
+          <p:nvPr/>
+        </p:nvCxnSpPr>
+        <p:spPr>
+          <a:xfrm>
+            <a:off x="1450910" y="1198983"/>
+            <a:ext cx="7348462" cy="3625722"/>
+          </a:xfrm>
+          <a:prstGeom prst="straightConnector1">
+            <a:avLst/>
+          </a:prstGeom>
+          <a:ln>
+            <a:tailEnd type="triangle"/>
+          </a:ln>
+        </p:spPr>
+        <p:style>
+          <a:lnRef idx="1">
+            <a:schemeClr val="accent1"/>
+          </a:lnRef>
+          <a:fillRef idx="0">
+            <a:schemeClr val="accent1"/>
+          </a:fillRef>
+          <a:effectRef idx="0">
+            <a:schemeClr val="accent1"/>
+          </a:effectRef>
+          <a:fontRef idx="minor">
+            <a:schemeClr val="tx1"/>
+          </a:fontRef>
+        </p:style>
+      </p:cxnSp>
+      <p:sp>
+        <p:nvSpPr>
+          <p:cNvPr id="26" name="Left Brace 25">
+            <a:extLst>
+              <a:ext uri="{FF2B5EF4-FFF2-40B4-BE49-F238E27FC236}">
+                <a16:creationId xmlns:a16="http://schemas.microsoft.com/office/drawing/2014/main" id="{2049EC47-40A9-87C1-AA35-06DA6193B9B9}"/>
+              </a:ext>
+            </a:extLst>
+          </p:cNvPr>
+          <p:cNvSpPr/>
+          <p:nvPr/>
+        </p:nvSpPr>
+        <p:spPr>
+          <a:xfrm>
+            <a:off x="7195110" y="218491"/>
+            <a:ext cx="782565" cy="5711085"/>
+          </a:xfrm>
+          <a:prstGeom prst="leftBrace">
+            <a:avLst/>
+          </a:prstGeom>
+          <a:ln w="76200">
+            <a:solidFill>
+              <a:srgbClr val="7030A0"/>
+            </a:solidFill>
+          </a:ln>
+        </p:spPr>
+        <p:style>
+          <a:lnRef idx="1">
+            <a:schemeClr val="accent1"/>
+          </a:lnRef>
+          <a:fillRef idx="0">
+            <a:schemeClr val="accent1"/>
+          </a:fillRef>
+          <a:effectRef idx="0">
+            <a:schemeClr val="accent1"/>
+          </a:effectRef>
+          <a:fontRef idx="minor">
+            <a:schemeClr val="tx1"/>
+          </a:fontRef>
+        </p:style>
+        <p:txBody>
+          <a:bodyPr rtlCol="0" anchor="ctr"/>
+          <a:lstStyle/>
+          <a:p>
+            <a:pPr algn="ctr"/>
+            <a:endParaRPr lang="en-US"/>
+          </a:p>
+        </p:txBody>
+      </p:sp>
+      <p:cxnSp>
+        <p:nvCxnSpPr>
+          <p:cNvPr id="28" name="Straight Arrow Connector 27">
+            <a:extLst>
+              <a:ext uri="{FF2B5EF4-FFF2-40B4-BE49-F238E27FC236}">
+                <a16:creationId xmlns:a16="http://schemas.microsoft.com/office/drawing/2014/main" id="{71343CE4-5326-4483-2594-1F1C4FA7B0E4}"/>
+              </a:ext>
+            </a:extLst>
+          </p:cNvPr>
+          <p:cNvCxnSpPr>
+            <a:stCxn id="5" idx="6"/>
+            <a:endCxn id="26" idx="1"/>
+          </p:cNvCxnSpPr>
+          <p:nvPr/>
+        </p:nvCxnSpPr>
+        <p:spPr>
+          <a:xfrm flipV="1">
+            <a:off x="2509935" y="3074034"/>
+            <a:ext cx="4685175" cy="1614599"/>
+          </a:xfrm>
+          <a:prstGeom prst="straightConnector1">
+            <a:avLst/>
+          </a:prstGeom>
+          <a:ln>
+            <a:tailEnd type="triangle"/>
+          </a:ln>
+        </p:spPr>
+        <p:style>
+          <a:lnRef idx="1">
+            <a:schemeClr val="accent1"/>
+          </a:lnRef>
+          <a:fillRef idx="0">
+            <a:schemeClr val="accent1"/>
+          </a:fillRef>
+          <a:effectRef idx="0">
+            <a:schemeClr val="accent1"/>
+          </a:effectRef>
+          <a:fontRef idx="minor">
+            <a:schemeClr val="tx1"/>
+          </a:fontRef>
+        </p:style>
+      </p:cxnSp>
     </p:spTree>
     <p:extLst>
       <p:ext uri="{BB962C8B-B14F-4D97-AF65-F5344CB8AC3E}">
         <p14:creationId xmlns:p14="http://schemas.microsoft.com/office/powerpoint/2010/main" val="3566133712"/>
+      </p:ext>
+    </p:extLst>
+  </p:cSld>
+  <p:clrMapOvr>
+    <a:masterClrMapping/>
+  </p:clrMapOvr>
+</p:sld>
+</file>
+
+<file path=ppt/slides/slide12.xml><?xml version="1.0" encoding="utf-8"?>
+<p:sld xmlns:a="http://schemas.openxmlformats.org/drawingml/2006/main" xmlns:r="http://schemas.openxmlformats.org/officeDocument/2006/relationships" xmlns:p="http://schemas.openxmlformats.org/presentationml/2006/main">
+  <p:cSld>
+    <p:spTree>
+      <p:nvGrpSpPr>
+        <p:cNvPr id="1" name=""/>
+        <p:cNvGrpSpPr/>
+        <p:nvPr/>
+      </p:nvGrpSpPr>
+      <p:grpSpPr>
+        <a:xfrm>
+          <a:off x="0" y="0"/>
+          <a:ext cx="0" cy="0"/>
+          <a:chOff x="0" y="0"/>
+          <a:chExt cx="0" cy="0"/>
+        </a:xfrm>
+      </p:grpSpPr>
+      <p:sp>
+        <p:nvSpPr>
+          <p:cNvPr id="2" name="Isosceles Triangle 1">
+            <a:extLst>
+              <a:ext uri="{FF2B5EF4-FFF2-40B4-BE49-F238E27FC236}">
+                <a16:creationId xmlns:a16="http://schemas.microsoft.com/office/drawing/2014/main" id="{45DA2796-0D5D-94C3-CF15-36D003C7D2DB}"/>
+              </a:ext>
+            </a:extLst>
+          </p:cNvPr>
+          <p:cNvSpPr/>
+          <p:nvPr/>
+        </p:nvSpPr>
+        <p:spPr>
+          <a:xfrm>
+            <a:off x="8332237" y="326571"/>
+            <a:ext cx="3498979" cy="2761861"/>
+          </a:xfrm>
+          <a:prstGeom prst="triangle">
+            <a:avLst/>
+          </a:prstGeom>
+        </p:spPr>
+        <p:style>
+          <a:lnRef idx="2">
+            <a:schemeClr val="accent1">
+              <a:shade val="50000"/>
+            </a:schemeClr>
+          </a:lnRef>
+          <a:fillRef idx="1">
+            <a:schemeClr val="accent1"/>
+          </a:fillRef>
+          <a:effectRef idx="0">
+            <a:schemeClr val="accent1"/>
+          </a:effectRef>
+          <a:fontRef idx="minor">
+            <a:schemeClr val="lt1"/>
+          </a:fontRef>
+        </p:style>
+        <p:txBody>
+          <a:bodyPr rtlCol="0" anchor="ctr"/>
+          <a:lstStyle/>
+          <a:p>
+            <a:pPr algn="ctr"/>
+            <a:r>
+              <a:rPr lang="en-IN" b="1" dirty="0"/>
+              <a:t>ABC</a:t>
+            </a:r>
+          </a:p>
+          <a:p>
+            <a:pPr algn="ctr"/>
+            <a:r>
+              <a:rPr lang="en-IN" b="1" dirty="0"/>
+              <a:t>Bank</a:t>
+            </a:r>
+          </a:p>
+          <a:p>
+            <a:pPr algn="ctr"/>
+            <a:r>
+              <a:rPr lang="en-IN" b="1" dirty="0"/>
+              <a:t>Customer’s Account</a:t>
+            </a:r>
+          </a:p>
+          <a:p>
+            <a:pPr algn="ctr"/>
+            <a:r>
+              <a:rPr lang="en-IN" b="1" dirty="0"/>
+              <a:t>Deposit() and Withdraw()</a:t>
+            </a:r>
+          </a:p>
+          <a:p>
+            <a:pPr algn="ctr"/>
+            <a:r>
+              <a:rPr lang="en-IN" b="1" dirty="0" err="1"/>
+              <a:t>NetBalance</a:t>
+            </a:r>
+            <a:r>
+              <a:rPr lang="en-IN" b="1" dirty="0"/>
+              <a:t>()</a:t>
+            </a:r>
+          </a:p>
+          <a:p>
+            <a:pPr algn="ctr"/>
+            <a:endParaRPr lang="en-IN" b="1" dirty="0"/>
+          </a:p>
+          <a:p>
+            <a:pPr algn="ctr"/>
+            <a:endParaRPr lang="en-IN" b="1" dirty="0"/>
+          </a:p>
+          <a:p>
+            <a:pPr algn="ctr"/>
+            <a:endParaRPr lang="en-IN" b="1" dirty="0"/>
+          </a:p>
+          <a:p>
+            <a:pPr algn="ctr"/>
+            <a:endParaRPr lang="en-US" b="1" dirty="0"/>
+          </a:p>
+        </p:txBody>
+      </p:sp>
+      <p:sp>
+        <p:nvSpPr>
+          <p:cNvPr id="3" name="Oval 2">
+            <a:extLst>
+              <a:ext uri="{FF2B5EF4-FFF2-40B4-BE49-F238E27FC236}">
+                <a16:creationId xmlns:a16="http://schemas.microsoft.com/office/drawing/2014/main" id="{6F21058F-42B8-E81C-F9A5-5C9A426A7A36}"/>
+              </a:ext>
+            </a:extLst>
+          </p:cNvPr>
+          <p:cNvSpPr/>
+          <p:nvPr/>
+        </p:nvSpPr>
+        <p:spPr>
+          <a:xfrm>
+            <a:off x="541176" y="375741"/>
+            <a:ext cx="1912775" cy="2180847"/>
+          </a:xfrm>
+          <a:prstGeom prst="ellipse">
+            <a:avLst/>
+          </a:prstGeom>
+        </p:spPr>
+        <p:style>
+          <a:lnRef idx="2">
+            <a:schemeClr val="dk1">
+              <a:shade val="50000"/>
+            </a:schemeClr>
+          </a:lnRef>
+          <a:fillRef idx="1">
+            <a:schemeClr val="dk1"/>
+          </a:fillRef>
+          <a:effectRef idx="0">
+            <a:schemeClr val="dk1"/>
+          </a:effectRef>
+          <a:fontRef idx="minor">
+            <a:schemeClr val="lt1"/>
+          </a:fontRef>
+        </p:style>
+        <p:txBody>
+          <a:bodyPr rtlCol="0" anchor="ctr"/>
+          <a:lstStyle/>
+          <a:p>
+            <a:pPr algn="ctr"/>
+            <a:r>
+              <a:rPr lang="en-IN" b="1" dirty="0"/>
+              <a:t>Customer for the ABC</a:t>
+            </a:r>
+          </a:p>
+          <a:p>
+            <a:pPr algn="ctr"/>
+            <a:r>
+              <a:rPr lang="en-IN" b="1" dirty="0"/>
+              <a:t>Bank</a:t>
+            </a:r>
+            <a:endParaRPr lang="en-US" b="1" dirty="0"/>
+          </a:p>
+        </p:txBody>
+      </p:sp>
+      <p:sp>
+        <p:nvSpPr>
+          <p:cNvPr id="4" name="Arrow: Right 3">
+            <a:extLst>
+              <a:ext uri="{FF2B5EF4-FFF2-40B4-BE49-F238E27FC236}">
+                <a16:creationId xmlns:a16="http://schemas.microsoft.com/office/drawing/2014/main" id="{807909C6-AF47-B5D4-7526-51F75CAB2237}"/>
+              </a:ext>
+            </a:extLst>
+          </p:cNvPr>
+          <p:cNvSpPr/>
+          <p:nvPr/>
+        </p:nvSpPr>
+        <p:spPr>
+          <a:xfrm>
+            <a:off x="2323322" y="979714"/>
+            <a:ext cx="7081935" cy="867747"/>
+          </a:xfrm>
+          <a:prstGeom prst="rightArrow">
+            <a:avLst/>
+          </a:prstGeom>
+          <a:solidFill>
+            <a:schemeClr val="accent2"/>
+          </a:solidFill>
+        </p:spPr>
+        <p:style>
+          <a:lnRef idx="2">
+            <a:schemeClr val="accent1">
+              <a:shade val="50000"/>
+            </a:schemeClr>
+          </a:lnRef>
+          <a:fillRef idx="1">
+            <a:schemeClr val="accent1"/>
+          </a:fillRef>
+          <a:effectRef idx="0">
+            <a:schemeClr val="accent1"/>
+          </a:effectRef>
+          <a:fontRef idx="minor">
+            <a:schemeClr val="lt1"/>
+          </a:fontRef>
+        </p:style>
+        <p:txBody>
+          <a:bodyPr rtlCol="0" anchor="ctr"/>
+          <a:lstStyle/>
+          <a:p>
+            <a:pPr algn="ctr"/>
+            <a:r>
+              <a:rPr lang="en-IN" b="1" dirty="0"/>
+              <a:t>2. Request for Transaction (Deposit/Withdraw)</a:t>
+            </a:r>
+            <a:endParaRPr lang="en-US" b="1" dirty="0"/>
+          </a:p>
+        </p:txBody>
+      </p:sp>
+      <p:sp>
+        <p:nvSpPr>
+          <p:cNvPr id="5" name="Arrow: Left 4">
+            <a:extLst>
+              <a:ext uri="{FF2B5EF4-FFF2-40B4-BE49-F238E27FC236}">
+                <a16:creationId xmlns:a16="http://schemas.microsoft.com/office/drawing/2014/main" id="{9DD14479-E2F1-B735-DB28-1AE64AB07472}"/>
+              </a:ext>
+            </a:extLst>
+          </p:cNvPr>
+          <p:cNvSpPr/>
+          <p:nvPr/>
+        </p:nvSpPr>
+        <p:spPr>
+          <a:xfrm>
+            <a:off x="2323321" y="1386992"/>
+            <a:ext cx="6574974" cy="942392"/>
+          </a:xfrm>
+          <a:prstGeom prst="leftArrow">
+            <a:avLst/>
+          </a:prstGeom>
+          <a:solidFill>
+            <a:schemeClr val="accent2"/>
+          </a:solidFill>
+        </p:spPr>
+        <p:style>
+          <a:lnRef idx="2">
+            <a:schemeClr val="accent1">
+              <a:shade val="50000"/>
+            </a:schemeClr>
+          </a:lnRef>
+          <a:fillRef idx="1">
+            <a:schemeClr val="accent1"/>
+          </a:fillRef>
+          <a:effectRef idx="0">
+            <a:schemeClr val="accent1"/>
+          </a:effectRef>
+          <a:fontRef idx="minor">
+            <a:schemeClr val="lt1"/>
+          </a:fontRef>
+        </p:style>
+        <p:txBody>
+          <a:bodyPr rtlCol="0" anchor="ctr"/>
+          <a:lstStyle/>
+          <a:p>
+            <a:pPr algn="ctr"/>
+            <a:r>
+              <a:rPr lang="en-IN" b="1" dirty="0"/>
+              <a:t>The Transaction is Done</a:t>
+            </a:r>
+            <a:endParaRPr lang="en-US" b="1" dirty="0"/>
+          </a:p>
+        </p:txBody>
+      </p:sp>
+      <p:sp>
+        <p:nvSpPr>
+          <p:cNvPr id="6" name="Rectangle: Rounded Corners 5">
+            <a:extLst>
+              <a:ext uri="{FF2B5EF4-FFF2-40B4-BE49-F238E27FC236}">
+                <a16:creationId xmlns:a16="http://schemas.microsoft.com/office/drawing/2014/main" id="{8B04870C-5BE4-81A0-A86C-C442CB5BBD37}"/>
+              </a:ext>
+            </a:extLst>
+          </p:cNvPr>
+          <p:cNvSpPr/>
+          <p:nvPr/>
+        </p:nvSpPr>
+        <p:spPr>
+          <a:xfrm>
+            <a:off x="3293706" y="5080518"/>
+            <a:ext cx="3872204" cy="1595535"/>
+          </a:xfrm>
+          <a:prstGeom prst="roundRect">
+            <a:avLst/>
+          </a:prstGeom>
+        </p:spPr>
+        <p:style>
+          <a:lnRef idx="1">
+            <a:schemeClr val="accent5"/>
+          </a:lnRef>
+          <a:fillRef idx="2">
+            <a:schemeClr val="accent5"/>
+          </a:fillRef>
+          <a:effectRef idx="1">
+            <a:schemeClr val="accent5"/>
+          </a:effectRef>
+          <a:fontRef idx="minor">
+            <a:schemeClr val="dk1"/>
+          </a:fontRef>
+        </p:style>
+        <p:txBody>
+          <a:bodyPr rtlCol="0" anchor="ctr"/>
+          <a:lstStyle/>
+          <a:p>
+            <a:pPr algn="ctr"/>
+            <a:r>
+              <a:rPr lang="en-IN" b="1" dirty="0"/>
+              <a:t>Mobile Operator</a:t>
+            </a:r>
+            <a:endParaRPr lang="en-US" b="1" dirty="0"/>
+          </a:p>
+        </p:txBody>
+      </p:sp>
+      <p:sp>
+        <p:nvSpPr>
+          <p:cNvPr id="8" name="TextBox 7">
+            <a:extLst>
+              <a:ext uri="{FF2B5EF4-FFF2-40B4-BE49-F238E27FC236}">
+                <a16:creationId xmlns:a16="http://schemas.microsoft.com/office/drawing/2014/main" id="{25FC9B03-E834-0A8F-C441-599FB36261A5}"/>
+              </a:ext>
+            </a:extLst>
+          </p:cNvPr>
+          <p:cNvSpPr txBox="1"/>
+          <p:nvPr/>
+        </p:nvSpPr>
+        <p:spPr>
+          <a:xfrm>
+            <a:off x="2127380" y="3088432"/>
+            <a:ext cx="1940767" cy="646331"/>
+          </a:xfrm>
+          <a:prstGeom prst="rect">
+            <a:avLst/>
+          </a:prstGeom>
+          <a:noFill/>
+        </p:spPr>
+        <p:txBody>
+          <a:bodyPr wrap="square" rtlCol="0">
+            <a:spAutoFit/>
+          </a:bodyPr>
+          <a:lstStyle/>
+          <a:p>
+            <a:r>
+              <a:rPr lang="en-IN" dirty="0"/>
+              <a:t>Customer Has Mobile</a:t>
+            </a:r>
+            <a:endParaRPr lang="en-US" dirty="0"/>
+          </a:p>
+        </p:txBody>
+      </p:sp>
+      <p:cxnSp>
+        <p:nvCxnSpPr>
+          <p:cNvPr id="13" name="Straight Arrow Connector 12">
+            <a:extLst>
+              <a:ext uri="{FF2B5EF4-FFF2-40B4-BE49-F238E27FC236}">
+                <a16:creationId xmlns:a16="http://schemas.microsoft.com/office/drawing/2014/main" id="{87183362-584C-BAE1-38B4-D74E7D859801}"/>
+              </a:ext>
+            </a:extLst>
+          </p:cNvPr>
+          <p:cNvCxnSpPr>
+            <a:cxnSpLocks/>
+            <a:stCxn id="3" idx="5"/>
+            <a:endCxn id="6" idx="0"/>
+          </p:cNvCxnSpPr>
+          <p:nvPr/>
+        </p:nvCxnSpPr>
+        <p:spPr>
+          <a:xfrm>
+            <a:off x="2173832" y="2237210"/>
+            <a:ext cx="3055976" cy="2843308"/>
+          </a:xfrm>
+          <a:prstGeom prst="straightConnector1">
+            <a:avLst/>
+          </a:prstGeom>
+          <a:ln w="76200">
+            <a:tailEnd type="triangle"/>
+          </a:ln>
+        </p:spPr>
+        <p:style>
+          <a:lnRef idx="1">
+            <a:schemeClr val="accent1"/>
+          </a:lnRef>
+          <a:fillRef idx="0">
+            <a:schemeClr val="accent1"/>
+          </a:fillRef>
+          <a:effectRef idx="0">
+            <a:schemeClr val="accent1"/>
+          </a:effectRef>
+          <a:fontRef idx="minor">
+            <a:schemeClr val="tx1"/>
+          </a:fontRef>
+        </p:style>
+      </p:cxnSp>
+      <p:cxnSp>
+        <p:nvCxnSpPr>
+          <p:cNvPr id="15" name="Connector: Elbow 14">
+            <a:extLst>
+              <a:ext uri="{FF2B5EF4-FFF2-40B4-BE49-F238E27FC236}">
+                <a16:creationId xmlns:a16="http://schemas.microsoft.com/office/drawing/2014/main" id="{8BEFDE6B-74AB-4E26-6161-E33D880CEB2C}"/>
+              </a:ext>
+            </a:extLst>
+          </p:cNvPr>
+          <p:cNvCxnSpPr>
+            <a:cxnSpLocks/>
+            <a:stCxn id="6" idx="1"/>
+            <a:endCxn id="3" idx="3"/>
+          </p:cNvCxnSpPr>
+          <p:nvPr/>
+        </p:nvCxnSpPr>
+        <p:spPr>
+          <a:xfrm rot="10800000">
+            <a:off x="821296" y="2237210"/>
+            <a:ext cx="2472411" cy="3641076"/>
+          </a:xfrm>
+          <a:prstGeom prst="bentConnector2">
+            <a:avLst/>
+          </a:prstGeom>
+          <a:ln w="76200">
+            <a:tailEnd type="triangle"/>
+          </a:ln>
+        </p:spPr>
+        <p:style>
+          <a:lnRef idx="1">
+            <a:schemeClr val="accent1"/>
+          </a:lnRef>
+          <a:fillRef idx="0">
+            <a:schemeClr val="accent1"/>
+          </a:fillRef>
+          <a:effectRef idx="0">
+            <a:schemeClr val="accent1"/>
+          </a:effectRef>
+          <a:fontRef idx="minor">
+            <a:schemeClr val="tx1"/>
+          </a:fontRef>
+        </p:style>
+      </p:cxnSp>
+      <p:sp>
+        <p:nvSpPr>
+          <p:cNvPr id="16" name="TextBox 15">
+            <a:extLst>
+              <a:ext uri="{FF2B5EF4-FFF2-40B4-BE49-F238E27FC236}">
+                <a16:creationId xmlns:a16="http://schemas.microsoft.com/office/drawing/2014/main" id="{BBC990D5-30EE-9147-3929-68493C32A038}"/>
+              </a:ext>
+            </a:extLst>
+          </p:cNvPr>
+          <p:cNvSpPr txBox="1"/>
+          <p:nvPr/>
+        </p:nvSpPr>
+        <p:spPr>
+          <a:xfrm>
+            <a:off x="1119673" y="4991878"/>
+            <a:ext cx="2024743" cy="1200329"/>
+          </a:xfrm>
+          <a:prstGeom prst="rect">
+            <a:avLst/>
+          </a:prstGeom>
+          <a:noFill/>
+        </p:spPr>
+        <p:txBody>
+          <a:bodyPr wrap="square" rtlCol="0">
+            <a:spAutoFit/>
+          </a:bodyPr>
+          <a:lstStyle/>
+          <a:p>
+            <a:r>
+              <a:rPr lang="en-IN" dirty="0"/>
+              <a:t>5. All SMS, Calls, etc. are notified to the customer by Provider</a:t>
+            </a:r>
+            <a:endParaRPr lang="en-US" dirty="0"/>
+          </a:p>
+        </p:txBody>
+      </p:sp>
+      <p:sp>
+        <p:nvSpPr>
+          <p:cNvPr id="19" name="Arrow: Right 18">
+            <a:extLst>
+              <a:ext uri="{FF2B5EF4-FFF2-40B4-BE49-F238E27FC236}">
+                <a16:creationId xmlns:a16="http://schemas.microsoft.com/office/drawing/2014/main" id="{9E54335E-7C6F-209F-2997-AD0E55F605B7}"/>
+              </a:ext>
+            </a:extLst>
+          </p:cNvPr>
+          <p:cNvSpPr/>
+          <p:nvPr/>
+        </p:nvSpPr>
+        <p:spPr>
+          <a:xfrm>
+            <a:off x="2122916" y="485192"/>
+            <a:ext cx="7651102" cy="646331"/>
+          </a:xfrm>
+          <a:prstGeom prst="rightArrow">
+            <a:avLst/>
+          </a:prstGeom>
+          <a:solidFill>
+            <a:schemeClr val="accent2"/>
+          </a:solidFill>
+        </p:spPr>
+        <p:style>
+          <a:lnRef idx="2">
+            <a:schemeClr val="accent1">
+              <a:shade val="50000"/>
+            </a:schemeClr>
+          </a:lnRef>
+          <a:fillRef idx="1">
+            <a:schemeClr val="accent1"/>
+          </a:fillRef>
+          <a:effectRef idx="0">
+            <a:schemeClr val="accent1"/>
+          </a:effectRef>
+          <a:fontRef idx="minor">
+            <a:schemeClr val="lt1"/>
+          </a:fontRef>
+        </p:style>
+        <p:txBody>
+          <a:bodyPr rtlCol="0" anchor="ctr"/>
+          <a:lstStyle/>
+          <a:p>
+            <a:pPr algn="ctr"/>
+            <a:r>
+              <a:rPr lang="en-IN" b="1" dirty="0"/>
+              <a:t>1. Custom Open Account and Submit Mobile Number for Notification</a:t>
+            </a:r>
+            <a:endParaRPr lang="en-US" b="1" dirty="0"/>
+          </a:p>
+        </p:txBody>
+      </p:sp>
+      <p:sp>
+        <p:nvSpPr>
+          <p:cNvPr id="20" name="Lightning Bolt 19">
+            <a:extLst>
+              <a:ext uri="{FF2B5EF4-FFF2-40B4-BE49-F238E27FC236}">
+                <a16:creationId xmlns:a16="http://schemas.microsoft.com/office/drawing/2014/main" id="{76EE9EE0-DDBA-0CA7-D196-1D6F65B3BC26}"/>
+              </a:ext>
+            </a:extLst>
+          </p:cNvPr>
+          <p:cNvSpPr/>
+          <p:nvPr/>
+        </p:nvSpPr>
+        <p:spPr>
+          <a:xfrm>
+            <a:off x="8537510" y="2495853"/>
+            <a:ext cx="1950098" cy="1663177"/>
+          </a:xfrm>
+          <a:prstGeom prst="lightningBolt">
+            <a:avLst/>
+          </a:prstGeom>
+          <a:solidFill>
+            <a:srgbClr val="FFFF00"/>
+          </a:solidFill>
+        </p:spPr>
+        <p:style>
+          <a:lnRef idx="2">
+            <a:schemeClr val="accent1">
+              <a:shade val="50000"/>
+            </a:schemeClr>
+          </a:lnRef>
+          <a:fillRef idx="1">
+            <a:schemeClr val="accent1"/>
+          </a:fillRef>
+          <a:effectRef idx="0">
+            <a:schemeClr val="accent1"/>
+          </a:effectRef>
+          <a:fontRef idx="minor">
+            <a:schemeClr val="lt1"/>
+          </a:fontRef>
+        </p:style>
+        <p:txBody>
+          <a:bodyPr rtlCol="0" anchor="ctr"/>
+          <a:lstStyle/>
+          <a:p>
+            <a:pPr algn="ctr"/>
+            <a:endParaRPr lang="en-US"/>
+          </a:p>
+        </p:txBody>
+      </p:sp>
+      <p:sp>
+        <p:nvSpPr>
+          <p:cNvPr id="21" name="TextBox 20">
+            <a:extLst>
+              <a:ext uri="{FF2B5EF4-FFF2-40B4-BE49-F238E27FC236}">
+                <a16:creationId xmlns:a16="http://schemas.microsoft.com/office/drawing/2014/main" id="{85C70601-EDF8-3CAF-9786-359A63A9640C}"/>
+              </a:ext>
+            </a:extLst>
+          </p:cNvPr>
+          <p:cNvSpPr txBox="1"/>
+          <p:nvPr/>
+        </p:nvSpPr>
+        <p:spPr>
+          <a:xfrm>
+            <a:off x="10394302" y="3237722"/>
+            <a:ext cx="1651518" cy="1477328"/>
+          </a:xfrm>
+          <a:prstGeom prst="rect">
+            <a:avLst/>
+          </a:prstGeom>
+          <a:noFill/>
+        </p:spPr>
+        <p:txBody>
+          <a:bodyPr wrap="square" rtlCol="0">
+            <a:spAutoFit/>
+          </a:bodyPr>
+          <a:lstStyle/>
+          <a:p>
+            <a:pPr algn="ctr"/>
+            <a:r>
+              <a:rPr lang="en-IN" b="1" dirty="0"/>
+              <a:t>3. Transaction Completed Notification aka Events is Raised</a:t>
+            </a:r>
+            <a:endParaRPr lang="en-US" b="1" dirty="0"/>
+          </a:p>
+        </p:txBody>
+      </p:sp>
+      <p:cxnSp>
+        <p:nvCxnSpPr>
+          <p:cNvPr id="23" name="Connector: Elbow 22">
+            <a:extLst>
+              <a:ext uri="{FF2B5EF4-FFF2-40B4-BE49-F238E27FC236}">
+                <a16:creationId xmlns:a16="http://schemas.microsoft.com/office/drawing/2014/main" id="{DAADEE8B-CB2C-EF2F-811F-B5C583619F2E}"/>
+              </a:ext>
+            </a:extLst>
+          </p:cNvPr>
+          <p:cNvCxnSpPr>
+            <a:stCxn id="20" idx="3"/>
+            <a:endCxn id="6" idx="3"/>
+          </p:cNvCxnSpPr>
+          <p:nvPr/>
+        </p:nvCxnSpPr>
+        <p:spPr>
+          <a:xfrm rot="10800000" flipV="1">
+            <a:off x="7165911" y="3644292"/>
+            <a:ext cx="2275507" cy="2233994"/>
+          </a:xfrm>
+          <a:prstGeom prst="bentConnector3">
+            <a:avLst/>
+          </a:prstGeom>
+          <a:ln w="76200">
+            <a:tailEnd type="triangle"/>
+          </a:ln>
+        </p:spPr>
+        <p:style>
+          <a:lnRef idx="1">
+            <a:schemeClr val="accent1"/>
+          </a:lnRef>
+          <a:fillRef idx="0">
+            <a:schemeClr val="accent1"/>
+          </a:fillRef>
+          <a:effectRef idx="0">
+            <a:schemeClr val="accent1"/>
+          </a:effectRef>
+          <a:fontRef idx="minor">
+            <a:schemeClr val="tx1"/>
+          </a:fontRef>
+        </p:style>
+      </p:cxnSp>
+      <p:sp>
+        <p:nvSpPr>
+          <p:cNvPr id="24" name="TextBox 23">
+            <a:extLst>
+              <a:ext uri="{FF2B5EF4-FFF2-40B4-BE49-F238E27FC236}">
+                <a16:creationId xmlns:a16="http://schemas.microsoft.com/office/drawing/2014/main" id="{EA4C482B-1241-3A31-9067-9BA30DE7F66F}"/>
+              </a:ext>
+            </a:extLst>
+          </p:cNvPr>
+          <p:cNvSpPr txBox="1"/>
+          <p:nvPr/>
+        </p:nvSpPr>
+        <p:spPr>
+          <a:xfrm>
+            <a:off x="8537509" y="4935895"/>
+            <a:ext cx="3200401" cy="646331"/>
+          </a:xfrm>
+          <a:prstGeom prst="rect">
+            <a:avLst/>
+          </a:prstGeom>
+          <a:noFill/>
+        </p:spPr>
+        <p:txBody>
+          <a:bodyPr wrap="square" rtlCol="0">
+            <a:spAutoFit/>
+          </a:bodyPr>
+          <a:lstStyle/>
+          <a:p>
+            <a:r>
+              <a:rPr lang="en-IN" b="1" dirty="0"/>
+              <a:t>4. The Mobile Provider will be notify by the Bank for the SMS</a:t>
+            </a:r>
+            <a:endParaRPr lang="en-US" b="1" dirty="0"/>
+          </a:p>
+        </p:txBody>
+      </p:sp>
+      <p:sp>
+        <p:nvSpPr>
+          <p:cNvPr id="25" name="TextBox 24">
+            <a:extLst>
+              <a:ext uri="{FF2B5EF4-FFF2-40B4-BE49-F238E27FC236}">
+                <a16:creationId xmlns:a16="http://schemas.microsoft.com/office/drawing/2014/main" id="{BF44D78F-9895-82A1-2CA1-EC09EDCA793D}"/>
+              </a:ext>
+            </a:extLst>
+          </p:cNvPr>
+          <p:cNvSpPr txBox="1"/>
+          <p:nvPr/>
+        </p:nvSpPr>
+        <p:spPr>
+          <a:xfrm>
+            <a:off x="4035691" y="3016877"/>
+            <a:ext cx="3792693" cy="646331"/>
+          </a:xfrm>
+          <a:prstGeom prst="rect">
+            <a:avLst/>
+          </a:prstGeom>
+          <a:noFill/>
+        </p:spPr>
+        <p:txBody>
+          <a:bodyPr wrap="square" rtlCol="0">
+            <a:spAutoFit/>
+          </a:bodyPr>
+          <a:lstStyle/>
+          <a:p>
+            <a:pPr algn="ctr"/>
+            <a:r>
+              <a:rPr lang="en-IN" b="1" dirty="0"/>
+              <a:t>The Complete Disconnected Execution</a:t>
+            </a:r>
+            <a:endParaRPr lang="en-US" b="1" dirty="0"/>
+          </a:p>
+        </p:txBody>
+      </p:sp>
+    </p:spTree>
+    <p:extLst>
+      <p:ext uri="{BB962C8B-B14F-4D97-AF65-F5344CB8AC3E}">
+        <p14:creationId xmlns:p14="http://schemas.microsoft.com/office/powerpoint/2010/main" val="1225379322"/>
       </p:ext>
     </p:extLst>
   </p:cSld>

--- a/Training-Images.pptx
+++ b/Training-Images.pptx
@@ -17,6 +17,10 @@
     <p:sldId id="265" r:id="rId11"/>
     <p:sldId id="266" r:id="rId12"/>
     <p:sldId id="267" r:id="rId13"/>
+    <p:sldId id="268" r:id="rId14"/>
+    <p:sldId id="269" r:id="rId15"/>
+    <p:sldId id="270" r:id="rId16"/>
+    <p:sldId id="271" r:id="rId17"/>
   </p:sldIdLst>
   <p:sldSz cx="12192000" cy="6858000"/>
   <p:notesSz cx="6858000" cy="9144000"/>
@@ -270,7 +274,7 @@
           <a:p>
             <a:fld id="{95E4630E-4E16-4BC6-8D4C-04E2A0254E22}" type="datetimeFigureOut">
               <a:rPr lang="en-US" smtClean="0"/>
-              <a:t>7/13/2022</a:t>
+              <a:t>7/14/2022</a:t>
             </a:fld>
             <a:endParaRPr lang="en-US"/>
           </a:p>
@@ -468,7 +472,7 @@
           <a:p>
             <a:fld id="{95E4630E-4E16-4BC6-8D4C-04E2A0254E22}" type="datetimeFigureOut">
               <a:rPr lang="en-US" smtClean="0"/>
-              <a:t>7/13/2022</a:t>
+              <a:t>7/14/2022</a:t>
             </a:fld>
             <a:endParaRPr lang="en-US"/>
           </a:p>
@@ -676,7 +680,7 @@
           <a:p>
             <a:fld id="{95E4630E-4E16-4BC6-8D4C-04E2A0254E22}" type="datetimeFigureOut">
               <a:rPr lang="en-US" smtClean="0"/>
-              <a:t>7/13/2022</a:t>
+              <a:t>7/14/2022</a:t>
             </a:fld>
             <a:endParaRPr lang="en-US"/>
           </a:p>
@@ -874,7 +878,7 @@
           <a:p>
             <a:fld id="{95E4630E-4E16-4BC6-8D4C-04E2A0254E22}" type="datetimeFigureOut">
               <a:rPr lang="en-US" smtClean="0"/>
-              <a:t>7/13/2022</a:t>
+              <a:t>7/14/2022</a:t>
             </a:fld>
             <a:endParaRPr lang="en-US"/>
           </a:p>
@@ -1149,7 +1153,7 @@
           <a:p>
             <a:fld id="{95E4630E-4E16-4BC6-8D4C-04E2A0254E22}" type="datetimeFigureOut">
               <a:rPr lang="en-US" smtClean="0"/>
-              <a:t>7/13/2022</a:t>
+              <a:t>7/14/2022</a:t>
             </a:fld>
             <a:endParaRPr lang="en-US"/>
           </a:p>
@@ -1414,7 +1418,7 @@
           <a:p>
             <a:fld id="{95E4630E-4E16-4BC6-8D4C-04E2A0254E22}" type="datetimeFigureOut">
               <a:rPr lang="en-US" smtClean="0"/>
-              <a:t>7/13/2022</a:t>
+              <a:t>7/14/2022</a:t>
             </a:fld>
             <a:endParaRPr lang="en-US"/>
           </a:p>
@@ -1826,7 +1830,7 @@
           <a:p>
             <a:fld id="{95E4630E-4E16-4BC6-8D4C-04E2A0254E22}" type="datetimeFigureOut">
               <a:rPr lang="en-US" smtClean="0"/>
-              <a:t>7/13/2022</a:t>
+              <a:t>7/14/2022</a:t>
             </a:fld>
             <a:endParaRPr lang="en-US"/>
           </a:p>
@@ -1967,7 +1971,7 @@
           <a:p>
             <a:fld id="{95E4630E-4E16-4BC6-8D4C-04E2A0254E22}" type="datetimeFigureOut">
               <a:rPr lang="en-US" smtClean="0"/>
-              <a:t>7/13/2022</a:t>
+              <a:t>7/14/2022</a:t>
             </a:fld>
             <a:endParaRPr lang="en-US"/>
           </a:p>
@@ -2080,7 +2084,7 @@
           <a:p>
             <a:fld id="{95E4630E-4E16-4BC6-8D4C-04E2A0254E22}" type="datetimeFigureOut">
               <a:rPr lang="en-US" smtClean="0"/>
-              <a:t>7/13/2022</a:t>
+              <a:t>7/14/2022</a:t>
             </a:fld>
             <a:endParaRPr lang="en-US"/>
           </a:p>
@@ -2391,7 +2395,7 @@
           <a:p>
             <a:fld id="{95E4630E-4E16-4BC6-8D4C-04E2A0254E22}" type="datetimeFigureOut">
               <a:rPr lang="en-US" smtClean="0"/>
-              <a:t>7/13/2022</a:t>
+              <a:t>7/14/2022</a:t>
             </a:fld>
             <a:endParaRPr lang="en-US"/>
           </a:p>
@@ -2679,7 +2683,7 @@
           <a:p>
             <a:fld id="{95E4630E-4E16-4BC6-8D4C-04E2A0254E22}" type="datetimeFigureOut">
               <a:rPr lang="en-US" smtClean="0"/>
-              <a:t>7/13/2022</a:t>
+              <a:t>7/14/2022</a:t>
             </a:fld>
             <a:endParaRPr lang="en-US"/>
           </a:p>
@@ -2920,7 +2924,7 @@
           <a:p>
             <a:fld id="{95E4630E-4E16-4BC6-8D4C-04E2A0254E22}" type="datetimeFigureOut">
               <a:rPr lang="en-US" smtClean="0"/>
-              <a:t>7/13/2022</a:t>
+              <a:t>7/14/2022</a:t>
             </a:fld>
             <a:endParaRPr lang="en-US"/>
           </a:p>
@@ -6257,6 +6261,3805 @@
 </p:sld>
 </file>
 
+<file path=ppt/slides/slide13.xml><?xml version="1.0" encoding="utf-8"?>
+<p:sld xmlns:a="http://schemas.openxmlformats.org/drawingml/2006/main" xmlns:r="http://schemas.openxmlformats.org/officeDocument/2006/relationships" xmlns:p="http://schemas.openxmlformats.org/presentationml/2006/main">
+  <p:cSld>
+    <p:spTree>
+      <p:nvGrpSpPr>
+        <p:cNvPr id="1" name=""/>
+        <p:cNvGrpSpPr/>
+        <p:nvPr/>
+      </p:nvGrpSpPr>
+      <p:grpSpPr>
+        <a:xfrm>
+          <a:off x="0" y="0"/>
+          <a:ext cx="0" cy="0"/>
+          <a:chOff x="0" y="0"/>
+          <a:chExt cx="0" cy="0"/>
+        </a:xfrm>
+      </p:grpSpPr>
+      <p:sp>
+        <p:nvSpPr>
+          <p:cNvPr id="2" name="Flowchart: Magnetic Disk 1">
+            <a:extLst>
+              <a:ext uri="{FF2B5EF4-FFF2-40B4-BE49-F238E27FC236}">
+                <a16:creationId xmlns:a16="http://schemas.microsoft.com/office/drawing/2014/main" id="{FB2CAACA-6BBB-1813-7C65-7E04EBBCFC40}"/>
+              </a:ext>
+            </a:extLst>
+          </p:cNvPr>
+          <p:cNvSpPr/>
+          <p:nvPr/>
+        </p:nvSpPr>
+        <p:spPr>
+          <a:xfrm>
+            <a:off x="10011746" y="895738"/>
+            <a:ext cx="1418253" cy="1324947"/>
+          </a:xfrm>
+          <a:prstGeom prst="flowChartMagneticDisk">
+            <a:avLst/>
+          </a:prstGeom>
+        </p:spPr>
+        <p:style>
+          <a:lnRef idx="2">
+            <a:schemeClr val="accent1">
+              <a:shade val="50000"/>
+            </a:schemeClr>
+          </a:lnRef>
+          <a:fillRef idx="1">
+            <a:schemeClr val="accent1"/>
+          </a:fillRef>
+          <a:effectRef idx="0">
+            <a:schemeClr val="accent1"/>
+          </a:effectRef>
+          <a:fontRef idx="minor">
+            <a:schemeClr val="lt1"/>
+          </a:fontRef>
+        </p:style>
+        <p:txBody>
+          <a:bodyPr rtlCol="0" anchor="ctr"/>
+          <a:lstStyle/>
+          <a:p>
+            <a:pPr algn="ctr"/>
+            <a:r>
+              <a:rPr lang="en-IN" b="1" dirty="0"/>
+              <a:t>RDBMS</a:t>
+            </a:r>
+            <a:endParaRPr lang="en-US" b="1" dirty="0"/>
+          </a:p>
+        </p:txBody>
+      </p:sp>
+      <p:sp>
+        <p:nvSpPr>
+          <p:cNvPr id="3" name="Flowchart: Magnetic Disk 2">
+            <a:extLst>
+              <a:ext uri="{FF2B5EF4-FFF2-40B4-BE49-F238E27FC236}">
+                <a16:creationId xmlns:a16="http://schemas.microsoft.com/office/drawing/2014/main" id="{1F514171-38F3-B64B-A028-F63C3466D16B}"/>
+              </a:ext>
+            </a:extLst>
+          </p:cNvPr>
+          <p:cNvSpPr/>
+          <p:nvPr/>
+        </p:nvSpPr>
+        <p:spPr>
+          <a:xfrm>
+            <a:off x="10011747" y="2606351"/>
+            <a:ext cx="1418253" cy="1324947"/>
+          </a:xfrm>
+          <a:prstGeom prst="flowChartMagneticDisk">
+            <a:avLst/>
+          </a:prstGeom>
+        </p:spPr>
+        <p:style>
+          <a:lnRef idx="2">
+            <a:schemeClr val="accent1">
+              <a:shade val="50000"/>
+            </a:schemeClr>
+          </a:lnRef>
+          <a:fillRef idx="1">
+            <a:schemeClr val="accent1"/>
+          </a:fillRef>
+          <a:effectRef idx="0">
+            <a:schemeClr val="accent1"/>
+          </a:effectRef>
+          <a:fontRef idx="minor">
+            <a:schemeClr val="lt1"/>
+          </a:fontRef>
+        </p:style>
+        <p:txBody>
+          <a:bodyPr rtlCol="0" anchor="ctr"/>
+          <a:lstStyle/>
+          <a:p>
+            <a:pPr algn="ctr"/>
+            <a:r>
+              <a:rPr lang="en-IN" b="1" dirty="0"/>
+              <a:t>{  NoSQL }</a:t>
+            </a:r>
+            <a:endParaRPr lang="en-US" b="1" dirty="0"/>
+          </a:p>
+        </p:txBody>
+      </p:sp>
+      <p:sp>
+        <p:nvSpPr>
+          <p:cNvPr id="4" name="Flowchart: Multidocument 3">
+            <a:extLst>
+              <a:ext uri="{FF2B5EF4-FFF2-40B4-BE49-F238E27FC236}">
+                <a16:creationId xmlns:a16="http://schemas.microsoft.com/office/drawing/2014/main" id="{274CC979-9CBF-EF3D-2835-09400CFE7EBF}"/>
+              </a:ext>
+            </a:extLst>
+          </p:cNvPr>
+          <p:cNvSpPr/>
+          <p:nvPr/>
+        </p:nvSpPr>
+        <p:spPr>
+          <a:xfrm>
+            <a:off x="10105053" y="4506686"/>
+            <a:ext cx="1324947" cy="1716832"/>
+          </a:xfrm>
+          <a:prstGeom prst="flowChartMultidocument">
+            <a:avLst/>
+          </a:prstGeom>
+        </p:spPr>
+        <p:style>
+          <a:lnRef idx="2">
+            <a:schemeClr val="accent1">
+              <a:shade val="50000"/>
+            </a:schemeClr>
+          </a:lnRef>
+          <a:fillRef idx="1">
+            <a:schemeClr val="accent1"/>
+          </a:fillRef>
+          <a:effectRef idx="0">
+            <a:schemeClr val="accent1"/>
+          </a:effectRef>
+          <a:fontRef idx="minor">
+            <a:schemeClr val="lt1"/>
+          </a:fontRef>
+        </p:style>
+        <p:txBody>
+          <a:bodyPr rtlCol="0" anchor="ctr"/>
+          <a:lstStyle/>
+          <a:p>
+            <a:pPr algn="ctr"/>
+            <a:r>
+              <a:rPr lang="en-IN" b="1" dirty="0"/>
+              <a:t>Files</a:t>
+            </a:r>
+            <a:endParaRPr lang="en-US" b="1" dirty="0"/>
+          </a:p>
+        </p:txBody>
+      </p:sp>
+    </p:spTree>
+    <p:extLst>
+      <p:ext uri="{BB962C8B-B14F-4D97-AF65-F5344CB8AC3E}">
+        <p14:creationId xmlns:p14="http://schemas.microsoft.com/office/powerpoint/2010/main" val="3691076486"/>
+      </p:ext>
+    </p:extLst>
+  </p:cSld>
+  <p:clrMapOvr>
+    <a:masterClrMapping/>
+  </p:clrMapOvr>
+</p:sld>
+</file>
+
+<file path=ppt/slides/slide14.xml><?xml version="1.0" encoding="utf-8"?>
+<p:sld xmlns:a="http://schemas.openxmlformats.org/drawingml/2006/main" xmlns:r="http://schemas.openxmlformats.org/officeDocument/2006/relationships" xmlns:p="http://schemas.openxmlformats.org/presentationml/2006/main">
+  <p:cSld>
+    <p:spTree>
+      <p:nvGrpSpPr>
+        <p:cNvPr id="1" name=""/>
+        <p:cNvGrpSpPr/>
+        <p:nvPr/>
+      </p:nvGrpSpPr>
+      <p:grpSpPr>
+        <a:xfrm>
+          <a:off x="0" y="0"/>
+          <a:ext cx="0" cy="0"/>
+          <a:chOff x="0" y="0"/>
+          <a:chExt cx="0" cy="0"/>
+        </a:xfrm>
+      </p:grpSpPr>
+      <p:graphicFrame>
+        <p:nvGraphicFramePr>
+          <p:cNvPr id="2" name="Table 2">
+            <a:extLst>
+              <a:ext uri="{FF2B5EF4-FFF2-40B4-BE49-F238E27FC236}">
+                <a16:creationId xmlns:a16="http://schemas.microsoft.com/office/drawing/2014/main" id="{03CC649A-1E5A-6D3B-3F8E-602386E5C170}"/>
+              </a:ext>
+            </a:extLst>
+          </p:cNvPr>
+          <p:cNvGraphicFramePr>
+            <a:graphicFrameLocks noGrp="1"/>
+          </p:cNvGraphicFramePr>
+          <p:nvPr/>
+        </p:nvGraphicFramePr>
+        <p:xfrm>
+          <a:off x="193869" y="365102"/>
+          <a:ext cx="8128000" cy="2743200"/>
+        </p:xfrm>
+        <a:graphic>
+          <a:graphicData uri="http://schemas.openxmlformats.org/drawingml/2006/table">
+            <a:tbl>
+              <a:tblPr firstRow="1" bandRow="1">
+                <a:tableStyleId>{5C22544A-7EE6-4342-B048-85BDC9FD1C3A}</a:tableStyleId>
+              </a:tblPr>
+              <a:tblGrid>
+                <a:gridCol w="1016000">
+                  <a:extLst>
+                    <a:ext uri="{9D8B030D-6E8A-4147-A177-3AD203B41FA5}">
+                      <a16:colId xmlns:a16="http://schemas.microsoft.com/office/drawing/2014/main" val="1145433579"/>
+                    </a:ext>
+                  </a:extLst>
+                </a:gridCol>
+                <a:gridCol w="1016000">
+                  <a:extLst>
+                    <a:ext uri="{9D8B030D-6E8A-4147-A177-3AD203B41FA5}">
+                      <a16:colId xmlns:a16="http://schemas.microsoft.com/office/drawing/2014/main" val="1348935803"/>
+                    </a:ext>
+                  </a:extLst>
+                </a:gridCol>
+                <a:gridCol w="1016000">
+                  <a:extLst>
+                    <a:ext uri="{9D8B030D-6E8A-4147-A177-3AD203B41FA5}">
+                      <a16:colId xmlns:a16="http://schemas.microsoft.com/office/drawing/2014/main" val="1320965794"/>
+                    </a:ext>
+                  </a:extLst>
+                </a:gridCol>
+                <a:gridCol w="1016000">
+                  <a:extLst>
+                    <a:ext uri="{9D8B030D-6E8A-4147-A177-3AD203B41FA5}">
+                      <a16:colId xmlns:a16="http://schemas.microsoft.com/office/drawing/2014/main" val="62063661"/>
+                    </a:ext>
+                  </a:extLst>
+                </a:gridCol>
+                <a:gridCol w="1016000">
+                  <a:extLst>
+                    <a:ext uri="{9D8B030D-6E8A-4147-A177-3AD203B41FA5}">
+                      <a16:colId xmlns:a16="http://schemas.microsoft.com/office/drawing/2014/main" val="2090684438"/>
+                    </a:ext>
+                  </a:extLst>
+                </a:gridCol>
+                <a:gridCol w="1016000">
+                  <a:extLst>
+                    <a:ext uri="{9D8B030D-6E8A-4147-A177-3AD203B41FA5}">
+                      <a16:colId xmlns:a16="http://schemas.microsoft.com/office/drawing/2014/main" val="569067137"/>
+                    </a:ext>
+                  </a:extLst>
+                </a:gridCol>
+                <a:gridCol w="1016000">
+                  <a:extLst>
+                    <a:ext uri="{9D8B030D-6E8A-4147-A177-3AD203B41FA5}">
+                      <a16:colId xmlns:a16="http://schemas.microsoft.com/office/drawing/2014/main" val="2336632392"/>
+                    </a:ext>
+                  </a:extLst>
+                </a:gridCol>
+                <a:gridCol w="1016000">
+                  <a:extLst>
+                    <a:ext uri="{9D8B030D-6E8A-4147-A177-3AD203B41FA5}">
+                      <a16:colId xmlns:a16="http://schemas.microsoft.com/office/drawing/2014/main" val="408196384"/>
+                    </a:ext>
+                  </a:extLst>
+                </a:gridCol>
+              </a:tblGrid>
+              <a:tr h="370840">
+                <a:tc>
+                  <a:txBody>
+                    <a:bodyPr/>
+                    <a:lstStyle/>
+                    <a:p>
+                      <a:r>
+                        <a:rPr lang="en-US" sz="1800" b="1" kern="1200" dirty="0">
+                          <a:solidFill>
+                            <a:schemeClr val="lt1"/>
+                          </a:solidFill>
+                          <a:latin typeface="+mn-lt"/>
+                          <a:ea typeface="+mn-ea"/>
+                          <a:cs typeface="+mn-cs"/>
+                        </a:rPr>
+                        <a:t>ProductName</a:t>
+                      </a:r>
+                      <a:endParaRPr lang="en-US" dirty="0"/>
+                    </a:p>
+                  </a:txBody>
+                  <a:tcPr/>
+                </a:tc>
+                <a:tc>
+                  <a:txBody>
+                    <a:bodyPr/>
+                    <a:lstStyle/>
+                    <a:p>
+                      <a:r>
+                        <a:rPr lang="en-US" sz="1800" b="1" kern="1200" dirty="0" err="1">
+                          <a:solidFill>
+                            <a:schemeClr val="lt1"/>
+                          </a:solidFill>
+                          <a:latin typeface="+mn-lt"/>
+                          <a:ea typeface="+mn-ea"/>
+                          <a:cs typeface="+mn-cs"/>
+                        </a:rPr>
+                        <a:t>ManufacturerName</a:t>
+                      </a:r>
+                      <a:endParaRPr lang="en-US" dirty="0"/>
+                    </a:p>
+                  </a:txBody>
+                  <a:tcPr/>
+                </a:tc>
+                <a:tc>
+                  <a:txBody>
+                    <a:bodyPr/>
+                    <a:lstStyle/>
+                    <a:p>
+                      <a:r>
+                        <a:rPr lang="en-US" sz="1800" b="1" kern="1200" dirty="0">
+                          <a:solidFill>
+                            <a:schemeClr val="lt1"/>
+                          </a:solidFill>
+                          <a:latin typeface="+mn-lt"/>
+                          <a:ea typeface="+mn-ea"/>
+                          <a:cs typeface="+mn-cs"/>
+                        </a:rPr>
+                        <a:t>CustomerName</a:t>
+                      </a:r>
+                      <a:endParaRPr lang="en-US" dirty="0"/>
+                    </a:p>
+                  </a:txBody>
+                  <a:tcPr/>
+                </a:tc>
+                <a:tc>
+                  <a:txBody>
+                    <a:bodyPr/>
+                    <a:lstStyle/>
+                    <a:p>
+                      <a:r>
+                        <a:rPr lang="en-US" sz="1800" b="1" kern="1200" dirty="0" err="1">
+                          <a:solidFill>
+                            <a:schemeClr val="lt1"/>
+                          </a:solidFill>
+                          <a:latin typeface="+mn-lt"/>
+                          <a:ea typeface="+mn-ea"/>
+                          <a:cs typeface="+mn-cs"/>
+                        </a:rPr>
+                        <a:t>CustomerAddress</a:t>
+                      </a:r>
+                      <a:endParaRPr lang="en-US" dirty="0"/>
+                    </a:p>
+                  </a:txBody>
+                  <a:tcPr/>
+                </a:tc>
+                <a:tc>
+                  <a:txBody>
+                    <a:bodyPr/>
+                    <a:lstStyle/>
+                    <a:p>
+                      <a:r>
+                        <a:rPr lang="en-IN" dirty="0"/>
+                        <a:t>City</a:t>
+                      </a:r>
+                      <a:endParaRPr lang="en-US" dirty="0"/>
+                    </a:p>
+                  </a:txBody>
+                  <a:tcPr/>
+                </a:tc>
+                <a:tc>
+                  <a:txBody>
+                    <a:bodyPr/>
+                    <a:lstStyle/>
+                    <a:p>
+                      <a:r>
+                        <a:rPr lang="en-IN" dirty="0"/>
+                        <a:t>State</a:t>
+                      </a:r>
+                      <a:endParaRPr lang="en-US" dirty="0"/>
+                    </a:p>
+                  </a:txBody>
+                  <a:tcPr/>
+                </a:tc>
+                <a:tc>
+                  <a:txBody>
+                    <a:bodyPr/>
+                    <a:lstStyle/>
+                    <a:p>
+                      <a:r>
+                        <a:rPr lang="en-US" sz="1800" b="1" kern="1200" dirty="0" err="1">
+                          <a:solidFill>
+                            <a:schemeClr val="lt1"/>
+                          </a:solidFill>
+                          <a:latin typeface="+mn-lt"/>
+                          <a:ea typeface="+mn-ea"/>
+                          <a:cs typeface="+mn-cs"/>
+                        </a:rPr>
+                        <a:t>ProductCategory</a:t>
+                      </a:r>
+                      <a:endParaRPr lang="en-US" dirty="0"/>
+                    </a:p>
+                  </a:txBody>
+                  <a:tcPr/>
+                </a:tc>
+                <a:tc>
+                  <a:txBody>
+                    <a:bodyPr/>
+                    <a:lstStyle/>
+                    <a:p>
+                      <a:r>
+                        <a:rPr lang="en-US" sz="1800" b="1" kern="1200" dirty="0" err="1">
+                          <a:solidFill>
+                            <a:schemeClr val="lt1"/>
+                          </a:solidFill>
+                          <a:latin typeface="+mn-lt"/>
+                          <a:ea typeface="+mn-ea"/>
+                          <a:cs typeface="+mn-cs"/>
+                        </a:rPr>
+                        <a:t>SubCategory</a:t>
+                      </a:r>
+                      <a:endParaRPr lang="en-US" dirty="0"/>
+                    </a:p>
+                  </a:txBody>
+                  <a:tcPr/>
+                </a:tc>
+                <a:extLst>
+                  <a:ext uri="{0D108BD9-81ED-4DB2-BD59-A6C34878D82A}">
+                    <a16:rowId xmlns:a16="http://schemas.microsoft.com/office/drawing/2014/main" val="246035150"/>
+                  </a:ext>
+                </a:extLst>
+              </a:tr>
+              <a:tr h="370840">
+                <a:tc>
+                  <a:txBody>
+                    <a:bodyPr/>
+                    <a:lstStyle/>
+                    <a:p>
+                      <a:r>
+                        <a:rPr lang="en-US" sz="1800" kern="1200" dirty="0" err="1">
+                          <a:solidFill>
+                            <a:schemeClr val="dk1"/>
+                          </a:solidFill>
+                          <a:latin typeface="+mn-lt"/>
+                          <a:ea typeface="+mn-ea"/>
+                          <a:cs typeface="+mn-cs"/>
+                        </a:rPr>
+                        <a:t>OrdreredQuantity</a:t>
+                      </a:r>
+                      <a:endParaRPr lang="en-US" dirty="0"/>
+                    </a:p>
+                  </a:txBody>
+                  <a:tcPr/>
+                </a:tc>
+                <a:tc>
+                  <a:txBody>
+                    <a:bodyPr/>
+                    <a:lstStyle/>
+                    <a:p>
+                      <a:r>
+                        <a:rPr lang="en-US" sz="1800" kern="1200" dirty="0" err="1">
+                          <a:solidFill>
+                            <a:schemeClr val="dk1"/>
+                          </a:solidFill>
+                          <a:latin typeface="+mn-lt"/>
+                          <a:ea typeface="+mn-ea"/>
+                          <a:cs typeface="+mn-cs"/>
+                        </a:rPr>
+                        <a:t>UnitPrice</a:t>
+                      </a:r>
+                      <a:endParaRPr lang="en-US" dirty="0"/>
+                    </a:p>
+                  </a:txBody>
+                  <a:tcPr/>
+                </a:tc>
+                <a:tc>
+                  <a:txBody>
+                    <a:bodyPr/>
+                    <a:lstStyle/>
+                    <a:p>
+                      <a:r>
+                        <a:rPr lang="en-US" sz="1800" kern="1200" dirty="0" err="1">
+                          <a:solidFill>
+                            <a:schemeClr val="dk1"/>
+                          </a:solidFill>
+                          <a:latin typeface="+mn-lt"/>
+                          <a:ea typeface="+mn-ea"/>
+                          <a:cs typeface="+mn-cs"/>
+                        </a:rPr>
+                        <a:t>TotalPrice</a:t>
+                      </a:r>
+                      <a:endParaRPr lang="en-US" dirty="0"/>
+                    </a:p>
+                  </a:txBody>
+                  <a:tcPr/>
+                </a:tc>
+                <a:tc>
+                  <a:txBody>
+                    <a:bodyPr/>
+                    <a:lstStyle/>
+                    <a:p>
+                      <a:r>
+                        <a:rPr lang="en-US" sz="1800" kern="1200" dirty="0" err="1">
+                          <a:solidFill>
+                            <a:schemeClr val="dk1"/>
+                          </a:solidFill>
+                          <a:latin typeface="+mn-lt"/>
+                          <a:ea typeface="+mn-ea"/>
+                          <a:cs typeface="+mn-cs"/>
+                        </a:rPr>
+                        <a:t>ShippingDate</a:t>
+                      </a:r>
+                      <a:endParaRPr lang="en-US" dirty="0"/>
+                    </a:p>
+                  </a:txBody>
+                  <a:tcPr/>
+                </a:tc>
+                <a:tc>
+                  <a:txBody>
+                    <a:bodyPr/>
+                    <a:lstStyle/>
+                    <a:p>
+                      <a:r>
+                        <a:rPr lang="en-US" sz="1800" kern="1200" dirty="0" err="1">
+                          <a:solidFill>
+                            <a:schemeClr val="dk1"/>
+                          </a:solidFill>
+                          <a:latin typeface="+mn-lt"/>
+                          <a:ea typeface="+mn-ea"/>
+                          <a:cs typeface="+mn-cs"/>
+                        </a:rPr>
+                        <a:t>OrderDate</a:t>
+                      </a:r>
+                      <a:endParaRPr lang="en-US" dirty="0"/>
+                    </a:p>
+                  </a:txBody>
+                  <a:tcPr/>
+                </a:tc>
+                <a:tc>
+                  <a:txBody>
+                    <a:bodyPr/>
+                    <a:lstStyle/>
+                    <a:p>
+                      <a:r>
+                        <a:rPr lang="en-US" sz="1800" kern="1200" dirty="0" err="1">
+                          <a:solidFill>
+                            <a:schemeClr val="dk1"/>
+                          </a:solidFill>
+                          <a:latin typeface="+mn-lt"/>
+                          <a:ea typeface="+mn-ea"/>
+                          <a:cs typeface="+mn-cs"/>
+                        </a:rPr>
+                        <a:t>ExpectedDelivaryDate</a:t>
+                      </a:r>
+                      <a:endParaRPr lang="en-US" dirty="0"/>
+                    </a:p>
+                  </a:txBody>
+                  <a:tcPr/>
+                </a:tc>
+                <a:tc>
+                  <a:txBody>
+                    <a:bodyPr/>
+                    <a:lstStyle/>
+                    <a:p>
+                      <a:r>
+                        <a:rPr lang="en-US" sz="1800" kern="1200" dirty="0" err="1">
+                          <a:solidFill>
+                            <a:schemeClr val="dk1"/>
+                          </a:solidFill>
+                          <a:latin typeface="+mn-lt"/>
+                          <a:ea typeface="+mn-ea"/>
+                          <a:cs typeface="+mn-cs"/>
+                        </a:rPr>
+                        <a:t>ActualDeliveryDate</a:t>
+                      </a:r>
+                      <a:endParaRPr lang="en-US" dirty="0"/>
+                    </a:p>
+                  </a:txBody>
+                  <a:tcPr/>
+                </a:tc>
+                <a:tc>
+                  <a:txBody>
+                    <a:bodyPr/>
+                    <a:lstStyle/>
+                    <a:p>
+                      <a:r>
+                        <a:rPr lang="en-US" sz="1800" kern="1200" dirty="0" err="1">
+                          <a:solidFill>
+                            <a:schemeClr val="dk1"/>
+                          </a:solidFill>
+                          <a:latin typeface="+mn-lt"/>
+                          <a:ea typeface="+mn-ea"/>
+                          <a:cs typeface="+mn-cs"/>
+                        </a:rPr>
+                        <a:t>PaymentType</a:t>
+                      </a:r>
+                      <a:endParaRPr lang="en-US" dirty="0"/>
+                    </a:p>
+                  </a:txBody>
+                  <a:tcPr/>
+                </a:tc>
+                <a:extLst>
+                  <a:ext uri="{0D108BD9-81ED-4DB2-BD59-A6C34878D82A}">
+                    <a16:rowId xmlns:a16="http://schemas.microsoft.com/office/drawing/2014/main" val="1306006343"/>
+                  </a:ext>
+                </a:extLst>
+              </a:tr>
+              <a:tr h="370840">
+                <a:tc>
+                  <a:txBody>
+                    <a:bodyPr/>
+                    <a:lstStyle/>
+                    <a:p>
+                      <a:r>
+                        <a:rPr lang="en-US" sz="1800" kern="1200" dirty="0" err="1">
+                          <a:solidFill>
+                            <a:schemeClr val="dk1"/>
+                          </a:solidFill>
+                          <a:latin typeface="+mn-lt"/>
+                          <a:ea typeface="+mn-ea"/>
+                          <a:cs typeface="+mn-cs"/>
+                        </a:rPr>
+                        <a:t>ProductDescription</a:t>
+                      </a:r>
+                      <a:endParaRPr lang="en-US" dirty="0"/>
+                    </a:p>
+                  </a:txBody>
+                  <a:tcPr/>
+                </a:tc>
+                <a:tc>
+                  <a:txBody>
+                    <a:bodyPr/>
+                    <a:lstStyle/>
+                    <a:p>
+                      <a:endParaRPr lang="en-US" dirty="0"/>
+                    </a:p>
+                  </a:txBody>
+                  <a:tcPr/>
+                </a:tc>
+                <a:tc>
+                  <a:txBody>
+                    <a:bodyPr/>
+                    <a:lstStyle/>
+                    <a:p>
+                      <a:endParaRPr lang="en-US" dirty="0"/>
+                    </a:p>
+                  </a:txBody>
+                  <a:tcPr/>
+                </a:tc>
+                <a:tc>
+                  <a:txBody>
+                    <a:bodyPr/>
+                    <a:lstStyle/>
+                    <a:p>
+                      <a:endParaRPr lang="en-US" dirty="0"/>
+                    </a:p>
+                  </a:txBody>
+                  <a:tcPr/>
+                </a:tc>
+                <a:tc>
+                  <a:txBody>
+                    <a:bodyPr/>
+                    <a:lstStyle/>
+                    <a:p>
+                      <a:endParaRPr lang="en-US" dirty="0"/>
+                    </a:p>
+                  </a:txBody>
+                  <a:tcPr/>
+                </a:tc>
+                <a:tc>
+                  <a:txBody>
+                    <a:bodyPr/>
+                    <a:lstStyle/>
+                    <a:p>
+                      <a:endParaRPr lang="en-US" dirty="0"/>
+                    </a:p>
+                  </a:txBody>
+                  <a:tcPr/>
+                </a:tc>
+                <a:tc>
+                  <a:txBody>
+                    <a:bodyPr/>
+                    <a:lstStyle/>
+                    <a:p>
+                      <a:endParaRPr lang="en-US" dirty="0"/>
+                    </a:p>
+                  </a:txBody>
+                  <a:tcPr/>
+                </a:tc>
+                <a:tc>
+                  <a:txBody>
+                    <a:bodyPr/>
+                    <a:lstStyle/>
+                    <a:p>
+                      <a:endParaRPr lang="en-US" dirty="0"/>
+                    </a:p>
+                  </a:txBody>
+                  <a:tcPr/>
+                </a:tc>
+                <a:extLst>
+                  <a:ext uri="{0D108BD9-81ED-4DB2-BD59-A6C34878D82A}">
+                    <a16:rowId xmlns:a16="http://schemas.microsoft.com/office/drawing/2014/main" val="1855766223"/>
+                  </a:ext>
+                </a:extLst>
+              </a:tr>
+            </a:tbl>
+          </a:graphicData>
+        </a:graphic>
+      </p:graphicFrame>
+      <p:graphicFrame>
+        <p:nvGraphicFramePr>
+          <p:cNvPr id="3" name="Table 3">
+            <a:extLst>
+              <a:ext uri="{FF2B5EF4-FFF2-40B4-BE49-F238E27FC236}">
+                <a16:creationId xmlns:a16="http://schemas.microsoft.com/office/drawing/2014/main" id="{32611102-CA0D-0A31-9AAC-F28FB46BF02C}"/>
+              </a:ext>
+            </a:extLst>
+          </p:cNvPr>
+          <p:cNvGraphicFramePr>
+            <a:graphicFrameLocks noGrp="1"/>
+          </p:cNvGraphicFramePr>
+          <p:nvPr/>
+        </p:nvGraphicFramePr>
+        <p:xfrm>
+          <a:off x="259183" y="3564279"/>
+          <a:ext cx="8127996" cy="2468880"/>
+        </p:xfrm>
+        <a:graphic>
+          <a:graphicData uri="http://schemas.openxmlformats.org/drawingml/2006/table">
+            <a:tbl>
+              <a:tblPr firstRow="1" bandRow="1">
+                <a:tableStyleId>{5C22544A-7EE6-4342-B048-85BDC9FD1C3A}</a:tableStyleId>
+              </a:tblPr>
+              <a:tblGrid>
+                <a:gridCol w="677333">
+                  <a:extLst>
+                    <a:ext uri="{9D8B030D-6E8A-4147-A177-3AD203B41FA5}">
+                      <a16:colId xmlns:a16="http://schemas.microsoft.com/office/drawing/2014/main" val="3851144835"/>
+                    </a:ext>
+                  </a:extLst>
+                </a:gridCol>
+                <a:gridCol w="677333">
+                  <a:extLst>
+                    <a:ext uri="{9D8B030D-6E8A-4147-A177-3AD203B41FA5}">
+                      <a16:colId xmlns:a16="http://schemas.microsoft.com/office/drawing/2014/main" val="2401753429"/>
+                    </a:ext>
+                  </a:extLst>
+                </a:gridCol>
+                <a:gridCol w="677333">
+                  <a:extLst>
+                    <a:ext uri="{9D8B030D-6E8A-4147-A177-3AD203B41FA5}">
+                      <a16:colId xmlns:a16="http://schemas.microsoft.com/office/drawing/2014/main" val="2227331131"/>
+                    </a:ext>
+                  </a:extLst>
+                </a:gridCol>
+                <a:gridCol w="677333">
+                  <a:extLst>
+                    <a:ext uri="{9D8B030D-6E8A-4147-A177-3AD203B41FA5}">
+                      <a16:colId xmlns:a16="http://schemas.microsoft.com/office/drawing/2014/main" val="316815684"/>
+                    </a:ext>
+                  </a:extLst>
+                </a:gridCol>
+                <a:gridCol w="677333">
+                  <a:extLst>
+                    <a:ext uri="{9D8B030D-6E8A-4147-A177-3AD203B41FA5}">
+                      <a16:colId xmlns:a16="http://schemas.microsoft.com/office/drawing/2014/main" val="45502157"/>
+                    </a:ext>
+                  </a:extLst>
+                </a:gridCol>
+                <a:gridCol w="677333">
+                  <a:extLst>
+                    <a:ext uri="{9D8B030D-6E8A-4147-A177-3AD203B41FA5}">
+                      <a16:colId xmlns:a16="http://schemas.microsoft.com/office/drawing/2014/main" val="1688143117"/>
+                    </a:ext>
+                  </a:extLst>
+                </a:gridCol>
+                <a:gridCol w="677333">
+                  <a:extLst>
+                    <a:ext uri="{9D8B030D-6E8A-4147-A177-3AD203B41FA5}">
+                      <a16:colId xmlns:a16="http://schemas.microsoft.com/office/drawing/2014/main" val="3135162645"/>
+                    </a:ext>
+                  </a:extLst>
+                </a:gridCol>
+                <a:gridCol w="677333">
+                  <a:extLst>
+                    <a:ext uri="{9D8B030D-6E8A-4147-A177-3AD203B41FA5}">
+                      <a16:colId xmlns:a16="http://schemas.microsoft.com/office/drawing/2014/main" val="1380540591"/>
+                    </a:ext>
+                  </a:extLst>
+                </a:gridCol>
+                <a:gridCol w="677333">
+                  <a:extLst>
+                    <a:ext uri="{9D8B030D-6E8A-4147-A177-3AD203B41FA5}">
+                      <a16:colId xmlns:a16="http://schemas.microsoft.com/office/drawing/2014/main" val="389049826"/>
+                    </a:ext>
+                  </a:extLst>
+                </a:gridCol>
+                <a:gridCol w="677333">
+                  <a:extLst>
+                    <a:ext uri="{9D8B030D-6E8A-4147-A177-3AD203B41FA5}">
+                      <a16:colId xmlns:a16="http://schemas.microsoft.com/office/drawing/2014/main" val="3333527539"/>
+                    </a:ext>
+                  </a:extLst>
+                </a:gridCol>
+                <a:gridCol w="677333">
+                  <a:extLst>
+                    <a:ext uri="{9D8B030D-6E8A-4147-A177-3AD203B41FA5}">
+                      <a16:colId xmlns:a16="http://schemas.microsoft.com/office/drawing/2014/main" val="3122337581"/>
+                    </a:ext>
+                  </a:extLst>
+                </a:gridCol>
+                <a:gridCol w="677333">
+                  <a:extLst>
+                    <a:ext uri="{9D8B030D-6E8A-4147-A177-3AD203B41FA5}">
+                      <a16:colId xmlns:a16="http://schemas.microsoft.com/office/drawing/2014/main" val="2335215741"/>
+                    </a:ext>
+                  </a:extLst>
+                </a:gridCol>
+              </a:tblGrid>
+              <a:tr h="370840">
+                <a:tc>
+                  <a:txBody>
+                    <a:bodyPr/>
+                    <a:lstStyle/>
+                    <a:p>
+                      <a:r>
+                        <a:rPr lang="en-IN" dirty="0"/>
+                        <a:t>Laptop</a:t>
+                      </a:r>
+                      <a:endParaRPr lang="en-US" dirty="0"/>
+                    </a:p>
+                  </a:txBody>
+                  <a:tcPr/>
+                </a:tc>
+                <a:tc>
+                  <a:txBody>
+                    <a:bodyPr/>
+                    <a:lstStyle/>
+                    <a:p>
+                      <a:r>
+                        <a:rPr lang="en-IN" dirty="0"/>
+                        <a:t>HP</a:t>
+                      </a:r>
+                      <a:endParaRPr lang="en-US" dirty="0"/>
+                    </a:p>
+                  </a:txBody>
+                  <a:tcPr/>
+                </a:tc>
+                <a:tc>
+                  <a:txBody>
+                    <a:bodyPr/>
+                    <a:lstStyle/>
+                    <a:p>
+                      <a:r>
+                        <a:rPr lang="en-IN" dirty="0"/>
+                        <a:t>Mahesh</a:t>
+                      </a:r>
+                      <a:endParaRPr lang="en-US" dirty="0"/>
+                    </a:p>
+                  </a:txBody>
+                  <a:tcPr/>
+                </a:tc>
+                <a:tc>
+                  <a:txBody>
+                    <a:bodyPr/>
+                    <a:lstStyle/>
+                    <a:p>
+                      <a:r>
+                        <a:rPr lang="en-IN" dirty="0"/>
+                        <a:t>Bavdhan</a:t>
+                      </a:r>
+                      <a:endParaRPr lang="en-US" dirty="0"/>
+                    </a:p>
+                  </a:txBody>
+                  <a:tcPr/>
+                </a:tc>
+                <a:tc>
+                  <a:txBody>
+                    <a:bodyPr/>
+                    <a:lstStyle/>
+                    <a:p>
+                      <a:r>
+                        <a:rPr lang="en-IN" dirty="0"/>
+                        <a:t>Pune</a:t>
+                      </a:r>
+                      <a:endParaRPr lang="en-US" dirty="0"/>
+                    </a:p>
+                  </a:txBody>
+                  <a:tcPr/>
+                </a:tc>
+                <a:tc>
+                  <a:txBody>
+                    <a:bodyPr/>
+                    <a:lstStyle/>
+                    <a:p>
+                      <a:r>
+                        <a:rPr lang="en-IN" dirty="0"/>
+                        <a:t>MH</a:t>
+                      </a:r>
+                      <a:endParaRPr lang="en-US" dirty="0"/>
+                    </a:p>
+                  </a:txBody>
+                  <a:tcPr/>
+                </a:tc>
+                <a:tc>
+                  <a:txBody>
+                    <a:bodyPr/>
+                    <a:lstStyle/>
+                    <a:p>
+                      <a:r>
+                        <a:rPr lang="en-IN" dirty="0"/>
+                        <a:t>IT</a:t>
+                      </a:r>
+                      <a:endParaRPr lang="en-US" dirty="0"/>
+                    </a:p>
+                  </a:txBody>
+                  <a:tcPr/>
+                </a:tc>
+                <a:tc>
+                  <a:txBody>
+                    <a:bodyPr/>
+                    <a:lstStyle/>
+                    <a:p>
+                      <a:r>
+                        <a:rPr lang="en-IN" dirty="0"/>
+                        <a:t>Computers</a:t>
+                      </a:r>
+                      <a:endParaRPr lang="en-US" dirty="0"/>
+                    </a:p>
+                  </a:txBody>
+                  <a:tcPr/>
+                </a:tc>
+                <a:tc>
+                  <a:txBody>
+                    <a:bodyPr/>
+                    <a:lstStyle/>
+                    <a:p>
+                      <a:r>
+                        <a:rPr lang="en-IN" dirty="0"/>
+                        <a:t>1</a:t>
+                      </a:r>
+                      <a:endParaRPr lang="en-US" dirty="0"/>
+                    </a:p>
+                  </a:txBody>
+                  <a:tcPr/>
+                </a:tc>
+                <a:tc>
+                  <a:txBody>
+                    <a:bodyPr/>
+                    <a:lstStyle/>
+                    <a:p>
+                      <a:r>
+                        <a:rPr lang="en-IN" dirty="0"/>
+                        <a:t>12345</a:t>
+                      </a:r>
+                      <a:endParaRPr lang="en-US" dirty="0"/>
+                    </a:p>
+                  </a:txBody>
+                  <a:tcPr/>
+                </a:tc>
+                <a:tc>
+                  <a:txBody>
+                    <a:bodyPr/>
+                    <a:lstStyle/>
+                    <a:p>
+                      <a:r>
+                        <a:rPr lang="en-IN" dirty="0"/>
+                        <a:t>123345</a:t>
+                      </a:r>
+                      <a:endParaRPr lang="en-US" dirty="0"/>
+                    </a:p>
+                  </a:txBody>
+                  <a:tcPr/>
+                </a:tc>
+                <a:tc>
+                  <a:txBody>
+                    <a:bodyPr/>
+                    <a:lstStyle/>
+                    <a:p>
+                      <a:r>
+                        <a:rPr lang="en-IN" dirty="0"/>
+                        <a:t>14-July-2022</a:t>
+                      </a:r>
+                      <a:endParaRPr lang="en-US" dirty="0"/>
+                    </a:p>
+                  </a:txBody>
+                  <a:tcPr/>
+                </a:tc>
+                <a:extLst>
+                  <a:ext uri="{0D108BD9-81ED-4DB2-BD59-A6C34878D82A}">
+                    <a16:rowId xmlns:a16="http://schemas.microsoft.com/office/drawing/2014/main" val="2735726986"/>
+                  </a:ext>
+                </a:extLst>
+              </a:tr>
+              <a:tr h="370840">
+                <a:tc>
+                  <a:txBody>
+                    <a:bodyPr/>
+                    <a:lstStyle/>
+                    <a:p>
+                      <a:r>
+                        <a:rPr lang="en-IN" dirty="0"/>
+                        <a:t>Laptop</a:t>
+                      </a:r>
+                      <a:endParaRPr lang="en-US" dirty="0"/>
+                    </a:p>
+                  </a:txBody>
+                  <a:tcPr/>
+                </a:tc>
+                <a:tc>
+                  <a:txBody>
+                    <a:bodyPr/>
+                    <a:lstStyle/>
+                    <a:p>
+                      <a:r>
+                        <a:rPr lang="en-IN" dirty="0"/>
+                        <a:t>IBM</a:t>
+                      </a:r>
+                      <a:endParaRPr lang="en-US" dirty="0"/>
+                    </a:p>
+                  </a:txBody>
+                  <a:tcPr/>
+                </a:tc>
+                <a:tc>
+                  <a:txBody>
+                    <a:bodyPr/>
+                    <a:lstStyle/>
+                    <a:p>
+                      <a:r>
+                        <a:rPr lang="en-IN" dirty="0"/>
+                        <a:t>Tejas</a:t>
+                      </a:r>
+                      <a:endParaRPr lang="en-US" dirty="0"/>
+                    </a:p>
+                  </a:txBody>
+                  <a:tcPr/>
+                </a:tc>
+                <a:tc>
+                  <a:txBody>
+                    <a:bodyPr/>
+                    <a:lstStyle/>
+                    <a:p>
+                      <a:endParaRPr lang="en-US" dirty="0"/>
+                    </a:p>
+                  </a:txBody>
+                  <a:tcPr/>
+                </a:tc>
+                <a:tc>
+                  <a:txBody>
+                    <a:bodyPr/>
+                    <a:lstStyle/>
+                    <a:p>
+                      <a:endParaRPr lang="en-US" dirty="0"/>
+                    </a:p>
+                  </a:txBody>
+                  <a:tcPr/>
+                </a:tc>
+                <a:tc>
+                  <a:txBody>
+                    <a:bodyPr/>
+                    <a:lstStyle/>
+                    <a:p>
+                      <a:endParaRPr lang="en-US" dirty="0"/>
+                    </a:p>
+                  </a:txBody>
+                  <a:tcPr/>
+                </a:tc>
+                <a:tc>
+                  <a:txBody>
+                    <a:bodyPr/>
+                    <a:lstStyle/>
+                    <a:p>
+                      <a:r>
+                        <a:rPr lang="en-IN" dirty="0"/>
+                        <a:t>IT</a:t>
+                      </a:r>
+                      <a:endParaRPr lang="en-US" dirty="0"/>
+                    </a:p>
+                  </a:txBody>
+                  <a:tcPr/>
+                </a:tc>
+                <a:tc>
+                  <a:txBody>
+                    <a:bodyPr/>
+                    <a:lstStyle/>
+                    <a:p>
+                      <a:r>
+                        <a:rPr lang="en-IN" dirty="0"/>
+                        <a:t>Computers</a:t>
+                      </a:r>
+                      <a:endParaRPr lang="en-US" dirty="0"/>
+                    </a:p>
+                  </a:txBody>
+                  <a:tcPr/>
+                </a:tc>
+                <a:tc>
+                  <a:txBody>
+                    <a:bodyPr/>
+                    <a:lstStyle/>
+                    <a:p>
+                      <a:endParaRPr lang="en-US" dirty="0"/>
+                    </a:p>
+                  </a:txBody>
+                  <a:tcPr/>
+                </a:tc>
+                <a:tc>
+                  <a:txBody>
+                    <a:bodyPr/>
+                    <a:lstStyle/>
+                    <a:p>
+                      <a:endParaRPr lang="en-US" dirty="0"/>
+                    </a:p>
+                  </a:txBody>
+                  <a:tcPr/>
+                </a:tc>
+                <a:tc>
+                  <a:txBody>
+                    <a:bodyPr/>
+                    <a:lstStyle/>
+                    <a:p>
+                      <a:endParaRPr lang="en-US" dirty="0"/>
+                    </a:p>
+                  </a:txBody>
+                  <a:tcPr/>
+                </a:tc>
+                <a:tc>
+                  <a:txBody>
+                    <a:bodyPr/>
+                    <a:lstStyle/>
+                    <a:p>
+                      <a:endParaRPr lang="en-US" dirty="0"/>
+                    </a:p>
+                  </a:txBody>
+                  <a:tcPr/>
+                </a:tc>
+                <a:extLst>
+                  <a:ext uri="{0D108BD9-81ED-4DB2-BD59-A6C34878D82A}">
+                    <a16:rowId xmlns:a16="http://schemas.microsoft.com/office/drawing/2014/main" val="34377335"/>
+                  </a:ext>
+                </a:extLst>
+              </a:tr>
+              <a:tr h="370840">
+                <a:tc>
+                  <a:txBody>
+                    <a:bodyPr/>
+                    <a:lstStyle/>
+                    <a:p>
+                      <a:r>
+                        <a:rPr lang="en-IN" dirty="0" err="1"/>
+                        <a:t>Desktio</a:t>
+                      </a:r>
+                      <a:endParaRPr lang="en-US" dirty="0"/>
+                    </a:p>
+                  </a:txBody>
+                  <a:tcPr/>
+                </a:tc>
+                <a:tc>
+                  <a:txBody>
+                    <a:bodyPr/>
+                    <a:lstStyle/>
+                    <a:p>
+                      <a:r>
+                        <a:rPr lang="en-IN" dirty="0"/>
+                        <a:t>HP</a:t>
+                      </a:r>
+                      <a:endParaRPr lang="en-US" dirty="0"/>
+                    </a:p>
+                  </a:txBody>
+                  <a:tcPr/>
+                </a:tc>
+                <a:tc>
+                  <a:txBody>
+                    <a:bodyPr/>
+                    <a:lstStyle/>
+                    <a:p>
+                      <a:r>
+                        <a:rPr lang="en-IN" dirty="0"/>
+                        <a:t>Mahesh</a:t>
+                      </a:r>
+                      <a:endParaRPr lang="en-US" dirty="0"/>
+                    </a:p>
+                  </a:txBody>
+                  <a:tcPr/>
+                </a:tc>
+                <a:tc>
+                  <a:txBody>
+                    <a:bodyPr/>
+                    <a:lstStyle/>
+                    <a:p>
+                      <a:endParaRPr lang="en-US" dirty="0"/>
+                    </a:p>
+                  </a:txBody>
+                  <a:tcPr/>
+                </a:tc>
+                <a:tc>
+                  <a:txBody>
+                    <a:bodyPr/>
+                    <a:lstStyle/>
+                    <a:p>
+                      <a:endParaRPr lang="en-US" dirty="0"/>
+                    </a:p>
+                  </a:txBody>
+                  <a:tcPr/>
+                </a:tc>
+                <a:tc>
+                  <a:txBody>
+                    <a:bodyPr/>
+                    <a:lstStyle/>
+                    <a:p>
+                      <a:endParaRPr lang="en-US" dirty="0"/>
+                    </a:p>
+                  </a:txBody>
+                  <a:tcPr/>
+                </a:tc>
+                <a:tc>
+                  <a:txBody>
+                    <a:bodyPr/>
+                    <a:lstStyle/>
+                    <a:p>
+                      <a:endParaRPr lang="en-US" dirty="0"/>
+                    </a:p>
+                  </a:txBody>
+                  <a:tcPr/>
+                </a:tc>
+                <a:tc>
+                  <a:txBody>
+                    <a:bodyPr/>
+                    <a:lstStyle/>
+                    <a:p>
+                      <a:endParaRPr lang="en-US" dirty="0"/>
+                    </a:p>
+                  </a:txBody>
+                  <a:tcPr/>
+                </a:tc>
+                <a:tc>
+                  <a:txBody>
+                    <a:bodyPr/>
+                    <a:lstStyle/>
+                    <a:p>
+                      <a:endParaRPr lang="en-US" dirty="0"/>
+                    </a:p>
+                  </a:txBody>
+                  <a:tcPr/>
+                </a:tc>
+                <a:tc>
+                  <a:txBody>
+                    <a:bodyPr/>
+                    <a:lstStyle/>
+                    <a:p>
+                      <a:endParaRPr lang="en-US" dirty="0"/>
+                    </a:p>
+                  </a:txBody>
+                  <a:tcPr/>
+                </a:tc>
+                <a:tc>
+                  <a:txBody>
+                    <a:bodyPr/>
+                    <a:lstStyle/>
+                    <a:p>
+                      <a:endParaRPr lang="en-US" dirty="0"/>
+                    </a:p>
+                  </a:txBody>
+                  <a:tcPr/>
+                </a:tc>
+                <a:tc>
+                  <a:txBody>
+                    <a:bodyPr/>
+                    <a:lstStyle/>
+                    <a:p>
+                      <a:endParaRPr lang="en-US" dirty="0"/>
+                    </a:p>
+                  </a:txBody>
+                  <a:tcPr/>
+                </a:tc>
+                <a:extLst>
+                  <a:ext uri="{0D108BD9-81ED-4DB2-BD59-A6C34878D82A}">
+                    <a16:rowId xmlns:a16="http://schemas.microsoft.com/office/drawing/2014/main" val="3296744445"/>
+                  </a:ext>
+                </a:extLst>
+              </a:tr>
+            </a:tbl>
+          </a:graphicData>
+        </a:graphic>
+      </p:graphicFrame>
+      <p:sp>
+        <p:nvSpPr>
+          <p:cNvPr id="4" name="Right Brace 3">
+            <a:extLst>
+              <a:ext uri="{FF2B5EF4-FFF2-40B4-BE49-F238E27FC236}">
+                <a16:creationId xmlns:a16="http://schemas.microsoft.com/office/drawing/2014/main" id="{CBE6E4C9-631F-59A1-C4A0-C2D22897783A}"/>
+              </a:ext>
+            </a:extLst>
+          </p:cNvPr>
+          <p:cNvSpPr/>
+          <p:nvPr/>
+        </p:nvSpPr>
+        <p:spPr>
+          <a:xfrm>
+            <a:off x="8518849" y="365102"/>
+            <a:ext cx="1073020" cy="5587829"/>
+          </a:xfrm>
+          <a:prstGeom prst="rightBrace">
+            <a:avLst/>
+          </a:prstGeom>
+          <a:ln w="76200"/>
+        </p:spPr>
+        <p:style>
+          <a:lnRef idx="1">
+            <a:schemeClr val="accent1"/>
+          </a:lnRef>
+          <a:fillRef idx="0">
+            <a:schemeClr val="accent1"/>
+          </a:fillRef>
+          <a:effectRef idx="0">
+            <a:schemeClr val="accent1"/>
+          </a:effectRef>
+          <a:fontRef idx="minor">
+            <a:schemeClr val="tx1"/>
+          </a:fontRef>
+        </p:style>
+        <p:txBody>
+          <a:bodyPr rtlCol="0" anchor="ctr"/>
+          <a:lstStyle/>
+          <a:p>
+            <a:pPr algn="ctr"/>
+            <a:endParaRPr lang="en-US"/>
+          </a:p>
+        </p:txBody>
+      </p:sp>
+      <p:sp>
+        <p:nvSpPr>
+          <p:cNvPr id="5" name="TextBox 4">
+            <a:extLst>
+              <a:ext uri="{FF2B5EF4-FFF2-40B4-BE49-F238E27FC236}">
+                <a16:creationId xmlns:a16="http://schemas.microsoft.com/office/drawing/2014/main" id="{FB4543A4-6624-C9D7-8F49-1AC92C6C6B7F}"/>
+              </a:ext>
+            </a:extLst>
+          </p:cNvPr>
+          <p:cNvSpPr txBox="1"/>
+          <p:nvPr/>
+        </p:nvSpPr>
+        <p:spPr>
+          <a:xfrm>
+            <a:off x="9591869" y="531845"/>
+            <a:ext cx="2406262" cy="2585323"/>
+          </a:xfrm>
+          <a:prstGeom prst="rect">
+            <a:avLst/>
+          </a:prstGeom>
+          <a:noFill/>
+        </p:spPr>
+        <p:txBody>
+          <a:bodyPr wrap="square" rtlCol="0">
+            <a:spAutoFit/>
+          </a:bodyPr>
+          <a:lstStyle/>
+          <a:p>
+            <a:r>
+              <a:rPr lang="en-IN" dirty="0"/>
+              <a:t>Rows are having data repetation</a:t>
+            </a:r>
+          </a:p>
+          <a:p>
+            <a:r>
+              <a:rPr lang="en-IN" dirty="0"/>
+              <a:t>No Ordering approach for Rows</a:t>
+            </a:r>
+          </a:p>
+          <a:p>
+            <a:r>
+              <a:rPr lang="en-IN" dirty="0"/>
+              <a:t>For Some Rows Some data might be irreverent</a:t>
+            </a:r>
+          </a:p>
+          <a:p>
+            <a:endParaRPr lang="en-IN" dirty="0"/>
+          </a:p>
+          <a:p>
+            <a:r>
+              <a:rPr lang="en-IN" b="1" dirty="0"/>
+              <a:t>First Normal Form</a:t>
+            </a:r>
+            <a:endParaRPr lang="en-US" b="1" dirty="0"/>
+          </a:p>
+        </p:txBody>
+      </p:sp>
+      <p:cxnSp>
+        <p:nvCxnSpPr>
+          <p:cNvPr id="7" name="Straight Arrow Connector 6">
+            <a:extLst>
+              <a:ext uri="{FF2B5EF4-FFF2-40B4-BE49-F238E27FC236}">
+                <a16:creationId xmlns:a16="http://schemas.microsoft.com/office/drawing/2014/main" id="{C4BB833E-364E-B8D8-4762-9D18AD3B0998}"/>
+              </a:ext>
+            </a:extLst>
+          </p:cNvPr>
+          <p:cNvCxnSpPr/>
+          <p:nvPr/>
+        </p:nvCxnSpPr>
+        <p:spPr>
+          <a:xfrm>
+            <a:off x="727788" y="4973216"/>
+            <a:ext cx="2043404" cy="0"/>
+          </a:xfrm>
+          <a:prstGeom prst="straightConnector1">
+            <a:avLst/>
+          </a:prstGeom>
+          <a:ln>
+            <a:tailEnd type="triangle"/>
+          </a:ln>
+        </p:spPr>
+        <p:style>
+          <a:lnRef idx="1">
+            <a:schemeClr val="accent1"/>
+          </a:lnRef>
+          <a:fillRef idx="0">
+            <a:schemeClr val="accent1"/>
+          </a:fillRef>
+          <a:effectRef idx="0">
+            <a:schemeClr val="accent1"/>
+          </a:effectRef>
+          <a:fontRef idx="minor">
+            <a:schemeClr val="tx1"/>
+          </a:fontRef>
+        </p:style>
+      </p:cxnSp>
+      <p:cxnSp>
+        <p:nvCxnSpPr>
+          <p:cNvPr id="9" name="Straight Arrow Connector 8">
+            <a:extLst>
+              <a:ext uri="{FF2B5EF4-FFF2-40B4-BE49-F238E27FC236}">
+                <a16:creationId xmlns:a16="http://schemas.microsoft.com/office/drawing/2014/main" id="{EC36F051-9426-3C96-28DE-48D832B95ECF}"/>
+              </a:ext>
+            </a:extLst>
+          </p:cNvPr>
+          <p:cNvCxnSpPr/>
+          <p:nvPr/>
+        </p:nvCxnSpPr>
+        <p:spPr>
+          <a:xfrm flipV="1">
+            <a:off x="2118049" y="4973216"/>
+            <a:ext cx="5980922" cy="849086"/>
+          </a:xfrm>
+          <a:prstGeom prst="straightConnector1">
+            <a:avLst/>
+          </a:prstGeom>
+          <a:ln>
+            <a:tailEnd type="triangle"/>
+          </a:ln>
+        </p:spPr>
+        <p:style>
+          <a:lnRef idx="1">
+            <a:schemeClr val="accent1"/>
+          </a:lnRef>
+          <a:fillRef idx="0">
+            <a:schemeClr val="accent1"/>
+          </a:fillRef>
+          <a:effectRef idx="0">
+            <a:schemeClr val="accent1"/>
+          </a:effectRef>
+          <a:fontRef idx="minor">
+            <a:schemeClr val="tx1"/>
+          </a:fontRef>
+        </p:style>
+      </p:cxnSp>
+    </p:spTree>
+    <p:extLst>
+      <p:ext uri="{BB962C8B-B14F-4D97-AF65-F5344CB8AC3E}">
+        <p14:creationId xmlns:p14="http://schemas.microsoft.com/office/powerpoint/2010/main" val="2441894016"/>
+      </p:ext>
+    </p:extLst>
+  </p:cSld>
+  <p:clrMapOvr>
+    <a:masterClrMapping/>
+  </p:clrMapOvr>
+</p:sld>
+</file>
+
+<file path=ppt/slides/slide15.xml><?xml version="1.0" encoding="utf-8"?>
+<p:sld xmlns:a="http://schemas.openxmlformats.org/drawingml/2006/main" xmlns:r="http://schemas.openxmlformats.org/officeDocument/2006/relationships" xmlns:p="http://schemas.openxmlformats.org/presentationml/2006/main">
+  <p:cSld>
+    <p:spTree>
+      <p:nvGrpSpPr>
+        <p:cNvPr id="1" name=""/>
+        <p:cNvGrpSpPr/>
+        <p:nvPr/>
+      </p:nvGrpSpPr>
+      <p:grpSpPr>
+        <a:xfrm>
+          <a:off x="0" y="0"/>
+          <a:ext cx="0" cy="0"/>
+          <a:chOff x="0" y="0"/>
+          <a:chExt cx="0" cy="0"/>
+        </a:xfrm>
+      </p:grpSpPr>
+      <p:graphicFrame>
+        <p:nvGraphicFramePr>
+          <p:cNvPr id="2" name="Table 2">
+            <a:extLst>
+              <a:ext uri="{FF2B5EF4-FFF2-40B4-BE49-F238E27FC236}">
+                <a16:creationId xmlns:a16="http://schemas.microsoft.com/office/drawing/2014/main" id="{0C17444A-1A4D-0EE0-597A-688810C03904}"/>
+              </a:ext>
+            </a:extLst>
+          </p:cNvPr>
+          <p:cNvGraphicFramePr>
+            <a:graphicFrameLocks noGrp="1"/>
+          </p:cNvGraphicFramePr>
+          <p:nvPr>
+            <p:extLst>
+              <p:ext uri="{D42A27DB-BD31-4B8C-83A1-F6EECF244321}">
+                <p14:modId xmlns:p14="http://schemas.microsoft.com/office/powerpoint/2010/main" val="319997859"/>
+              </p:ext>
+            </p:extLst>
+          </p:nvPr>
+        </p:nvGraphicFramePr>
+        <p:xfrm>
+          <a:off x="352490" y="710336"/>
+          <a:ext cx="4345162" cy="1112520"/>
+        </p:xfrm>
+        <a:graphic>
+          <a:graphicData uri="http://schemas.openxmlformats.org/drawingml/2006/table">
+            <a:tbl>
+              <a:tblPr firstRow="1" bandRow="1">
+                <a:tableStyleId>{5C22544A-7EE6-4342-B048-85BDC9FD1C3A}</a:tableStyleId>
+              </a:tblPr>
+              <a:tblGrid>
+                <a:gridCol w="2172581">
+                  <a:extLst>
+                    <a:ext uri="{9D8B030D-6E8A-4147-A177-3AD203B41FA5}">
+                      <a16:colId xmlns:a16="http://schemas.microsoft.com/office/drawing/2014/main" val="4047080366"/>
+                    </a:ext>
+                  </a:extLst>
+                </a:gridCol>
+                <a:gridCol w="2172581">
+                  <a:extLst>
+                    <a:ext uri="{9D8B030D-6E8A-4147-A177-3AD203B41FA5}">
+                      <a16:colId xmlns:a16="http://schemas.microsoft.com/office/drawing/2014/main" val="1271685062"/>
+                    </a:ext>
+                  </a:extLst>
+                </a:gridCol>
+              </a:tblGrid>
+              <a:tr h="370840">
+                <a:tc>
+                  <a:txBody>
+                    <a:bodyPr/>
+                    <a:lstStyle/>
+                    <a:p>
+                      <a:r>
+                        <a:rPr lang="en-IN" dirty="0"/>
+                        <a:t>CategoryId</a:t>
+                      </a:r>
+                      <a:endParaRPr lang="en-US" dirty="0"/>
+                    </a:p>
+                  </a:txBody>
+                  <a:tcPr/>
+                </a:tc>
+                <a:tc>
+                  <a:txBody>
+                    <a:bodyPr/>
+                    <a:lstStyle/>
+                    <a:p>
+                      <a:r>
+                        <a:rPr lang="en-IN" dirty="0"/>
+                        <a:t>CategoryName</a:t>
+                      </a:r>
+                      <a:endParaRPr lang="en-US" dirty="0"/>
+                    </a:p>
+                  </a:txBody>
+                  <a:tcPr/>
+                </a:tc>
+                <a:extLst>
+                  <a:ext uri="{0D108BD9-81ED-4DB2-BD59-A6C34878D82A}">
+                    <a16:rowId xmlns:a16="http://schemas.microsoft.com/office/drawing/2014/main" val="1684766502"/>
+                  </a:ext>
+                </a:extLst>
+              </a:tr>
+              <a:tr h="370840">
+                <a:tc>
+                  <a:txBody>
+                    <a:bodyPr/>
+                    <a:lstStyle/>
+                    <a:p>
+                      <a:r>
+                        <a:rPr lang="en-IN" dirty="0"/>
+                        <a:t>Cat-001</a:t>
+                      </a:r>
+                      <a:endParaRPr lang="en-US" dirty="0"/>
+                    </a:p>
+                  </a:txBody>
+                  <a:tcPr/>
+                </a:tc>
+                <a:tc>
+                  <a:txBody>
+                    <a:bodyPr/>
+                    <a:lstStyle/>
+                    <a:p>
+                      <a:r>
+                        <a:rPr lang="en-IN" dirty="0"/>
+                        <a:t>Electronics</a:t>
+                      </a:r>
+                      <a:endParaRPr lang="en-US" dirty="0"/>
+                    </a:p>
+                  </a:txBody>
+                  <a:tcPr/>
+                </a:tc>
+                <a:extLst>
+                  <a:ext uri="{0D108BD9-81ED-4DB2-BD59-A6C34878D82A}">
+                    <a16:rowId xmlns:a16="http://schemas.microsoft.com/office/drawing/2014/main" val="1640779218"/>
+                  </a:ext>
+                </a:extLst>
+              </a:tr>
+              <a:tr h="370840">
+                <a:tc>
+                  <a:txBody>
+                    <a:bodyPr/>
+                    <a:lstStyle/>
+                    <a:p>
+                      <a:r>
+                        <a:rPr lang="en-IN" dirty="0"/>
+                        <a:t>Cat-002</a:t>
+                      </a:r>
+                      <a:endParaRPr lang="en-US" dirty="0"/>
+                    </a:p>
+                  </a:txBody>
+                  <a:tcPr/>
+                </a:tc>
+                <a:tc>
+                  <a:txBody>
+                    <a:bodyPr/>
+                    <a:lstStyle/>
+                    <a:p>
+                      <a:r>
+                        <a:rPr lang="en-IN" dirty="0"/>
+                        <a:t>Electrical</a:t>
+                      </a:r>
+                      <a:endParaRPr lang="en-US" dirty="0"/>
+                    </a:p>
+                  </a:txBody>
+                  <a:tcPr/>
+                </a:tc>
+                <a:extLst>
+                  <a:ext uri="{0D108BD9-81ED-4DB2-BD59-A6C34878D82A}">
+                    <a16:rowId xmlns:a16="http://schemas.microsoft.com/office/drawing/2014/main" val="1748376192"/>
+                  </a:ext>
+                </a:extLst>
+              </a:tr>
+            </a:tbl>
+          </a:graphicData>
+        </a:graphic>
+      </p:graphicFrame>
+      <p:sp>
+        <p:nvSpPr>
+          <p:cNvPr id="3" name="TextBox 2">
+            <a:extLst>
+              <a:ext uri="{FF2B5EF4-FFF2-40B4-BE49-F238E27FC236}">
+                <a16:creationId xmlns:a16="http://schemas.microsoft.com/office/drawing/2014/main" id="{B9F3897D-C6E0-03F1-0340-E1D9B3532D44}"/>
+              </a:ext>
+            </a:extLst>
+          </p:cNvPr>
+          <p:cNvSpPr txBox="1"/>
+          <p:nvPr/>
+        </p:nvSpPr>
+        <p:spPr>
+          <a:xfrm>
+            <a:off x="634482" y="65314"/>
+            <a:ext cx="4469363" cy="369332"/>
+          </a:xfrm>
+          <a:prstGeom prst="rect">
+            <a:avLst/>
+          </a:prstGeom>
+          <a:noFill/>
+        </p:spPr>
+        <p:txBody>
+          <a:bodyPr wrap="square" rtlCol="0">
+            <a:spAutoFit/>
+          </a:bodyPr>
+          <a:lstStyle/>
+          <a:p>
+            <a:r>
+              <a:rPr lang="en-IN" dirty="0"/>
+              <a:t>Category</a:t>
+            </a:r>
+            <a:endParaRPr lang="en-US" dirty="0"/>
+          </a:p>
+        </p:txBody>
+      </p:sp>
+      <p:cxnSp>
+        <p:nvCxnSpPr>
+          <p:cNvPr id="5" name="Straight Arrow Connector 4">
+            <a:extLst>
+              <a:ext uri="{FF2B5EF4-FFF2-40B4-BE49-F238E27FC236}">
+                <a16:creationId xmlns:a16="http://schemas.microsoft.com/office/drawing/2014/main" id="{20CEA62D-B1DA-9BB3-D268-5BDEA003E6B1}"/>
+              </a:ext>
+            </a:extLst>
+          </p:cNvPr>
+          <p:cNvCxnSpPr/>
+          <p:nvPr/>
+        </p:nvCxnSpPr>
+        <p:spPr>
+          <a:xfrm flipH="1">
+            <a:off x="1166327" y="434646"/>
+            <a:ext cx="951722" cy="275690"/>
+          </a:xfrm>
+          <a:prstGeom prst="straightConnector1">
+            <a:avLst/>
+          </a:prstGeom>
+          <a:ln w="76200">
+            <a:solidFill>
+              <a:schemeClr val="accent2"/>
+            </a:solidFill>
+            <a:tailEnd type="triangle"/>
+          </a:ln>
+        </p:spPr>
+        <p:style>
+          <a:lnRef idx="1">
+            <a:schemeClr val="accent1"/>
+          </a:lnRef>
+          <a:fillRef idx="0">
+            <a:schemeClr val="accent1"/>
+          </a:fillRef>
+          <a:effectRef idx="0">
+            <a:schemeClr val="accent1"/>
+          </a:effectRef>
+          <a:fontRef idx="minor">
+            <a:schemeClr val="tx1"/>
+          </a:fontRef>
+        </p:style>
+      </p:cxnSp>
+      <p:sp>
+        <p:nvSpPr>
+          <p:cNvPr id="6" name="TextBox 5">
+            <a:extLst>
+              <a:ext uri="{FF2B5EF4-FFF2-40B4-BE49-F238E27FC236}">
+                <a16:creationId xmlns:a16="http://schemas.microsoft.com/office/drawing/2014/main" id="{B59A51F7-3B82-1BD8-7410-FB0D8508C539}"/>
+              </a:ext>
+            </a:extLst>
+          </p:cNvPr>
+          <p:cNvSpPr txBox="1"/>
+          <p:nvPr/>
+        </p:nvSpPr>
+        <p:spPr>
+          <a:xfrm>
+            <a:off x="2360645" y="167951"/>
+            <a:ext cx="1707502" cy="369332"/>
+          </a:xfrm>
+          <a:prstGeom prst="rect">
+            <a:avLst/>
+          </a:prstGeom>
+          <a:noFill/>
+        </p:spPr>
+        <p:txBody>
+          <a:bodyPr wrap="square" rtlCol="0">
+            <a:spAutoFit/>
+          </a:bodyPr>
+          <a:lstStyle/>
+          <a:p>
+            <a:r>
+              <a:rPr lang="en-IN" dirty="0"/>
+              <a:t>Primary Key</a:t>
+            </a:r>
+            <a:endParaRPr lang="en-US" dirty="0"/>
+          </a:p>
+        </p:txBody>
+      </p:sp>
+      <p:graphicFrame>
+        <p:nvGraphicFramePr>
+          <p:cNvPr id="7" name="Table 7">
+            <a:extLst>
+              <a:ext uri="{FF2B5EF4-FFF2-40B4-BE49-F238E27FC236}">
+                <a16:creationId xmlns:a16="http://schemas.microsoft.com/office/drawing/2014/main" id="{92BC49A2-36B2-7B9D-6D66-F99CE1BE4319}"/>
+              </a:ext>
+            </a:extLst>
+          </p:cNvPr>
+          <p:cNvGraphicFramePr>
+            <a:graphicFrameLocks noGrp="1"/>
+          </p:cNvGraphicFramePr>
+          <p:nvPr>
+            <p:extLst>
+              <p:ext uri="{D42A27DB-BD31-4B8C-83A1-F6EECF244321}">
+                <p14:modId xmlns:p14="http://schemas.microsoft.com/office/powerpoint/2010/main" val="3302544419"/>
+              </p:ext>
+            </p:extLst>
+          </p:nvPr>
+        </p:nvGraphicFramePr>
+        <p:xfrm>
+          <a:off x="4971144" y="728996"/>
+          <a:ext cx="7056015" cy="741680"/>
+        </p:xfrm>
+        <a:graphic>
+          <a:graphicData uri="http://schemas.openxmlformats.org/drawingml/2006/table">
+            <a:tbl>
+              <a:tblPr firstRow="1" bandRow="1">
+                <a:tableStyleId>{5C22544A-7EE6-4342-B048-85BDC9FD1C3A}</a:tableStyleId>
+              </a:tblPr>
+              <a:tblGrid>
+                <a:gridCol w="2352005">
+                  <a:extLst>
+                    <a:ext uri="{9D8B030D-6E8A-4147-A177-3AD203B41FA5}">
+                      <a16:colId xmlns:a16="http://schemas.microsoft.com/office/drawing/2014/main" val="4111614860"/>
+                    </a:ext>
+                  </a:extLst>
+                </a:gridCol>
+                <a:gridCol w="2352005">
+                  <a:extLst>
+                    <a:ext uri="{9D8B030D-6E8A-4147-A177-3AD203B41FA5}">
+                      <a16:colId xmlns:a16="http://schemas.microsoft.com/office/drawing/2014/main" val="1298535754"/>
+                    </a:ext>
+                  </a:extLst>
+                </a:gridCol>
+                <a:gridCol w="2352005">
+                  <a:extLst>
+                    <a:ext uri="{9D8B030D-6E8A-4147-A177-3AD203B41FA5}">
+                      <a16:colId xmlns:a16="http://schemas.microsoft.com/office/drawing/2014/main" val="3025349866"/>
+                    </a:ext>
+                  </a:extLst>
+                </a:gridCol>
+              </a:tblGrid>
+              <a:tr h="370840">
+                <a:tc>
+                  <a:txBody>
+                    <a:bodyPr/>
+                    <a:lstStyle/>
+                    <a:p>
+                      <a:r>
+                        <a:rPr lang="en-IN" dirty="0" err="1"/>
+                        <a:t>SubCategoryId</a:t>
+                      </a:r>
+                      <a:endParaRPr lang="en-US" dirty="0"/>
+                    </a:p>
+                  </a:txBody>
+                  <a:tcPr/>
+                </a:tc>
+                <a:tc>
+                  <a:txBody>
+                    <a:bodyPr/>
+                    <a:lstStyle/>
+                    <a:p>
+                      <a:r>
+                        <a:rPr lang="en-IN" dirty="0" err="1"/>
+                        <a:t>SubCategoryName</a:t>
+                      </a:r>
+                      <a:endParaRPr lang="en-US" dirty="0"/>
+                    </a:p>
+                  </a:txBody>
+                  <a:tcPr/>
+                </a:tc>
+                <a:tc>
+                  <a:txBody>
+                    <a:bodyPr/>
+                    <a:lstStyle/>
+                    <a:p>
+                      <a:endParaRPr lang="en-US"/>
+                    </a:p>
+                  </a:txBody>
+                  <a:tcPr/>
+                </a:tc>
+                <a:extLst>
+                  <a:ext uri="{0D108BD9-81ED-4DB2-BD59-A6C34878D82A}">
+                    <a16:rowId xmlns:a16="http://schemas.microsoft.com/office/drawing/2014/main" val="4194190246"/>
+                  </a:ext>
+                </a:extLst>
+              </a:tr>
+              <a:tr h="370840">
+                <a:tc>
+                  <a:txBody>
+                    <a:bodyPr/>
+                    <a:lstStyle/>
+                    <a:p>
+                      <a:r>
+                        <a:rPr lang="en-IN" dirty="0"/>
+                        <a:t>Sub-Cat-001</a:t>
+                      </a:r>
+                      <a:endParaRPr lang="en-US" dirty="0"/>
+                    </a:p>
+                  </a:txBody>
+                  <a:tcPr/>
+                </a:tc>
+                <a:tc>
+                  <a:txBody>
+                    <a:bodyPr/>
+                    <a:lstStyle/>
+                    <a:p>
+                      <a:r>
+                        <a:rPr lang="en-IN" dirty="0"/>
+                        <a:t>IT</a:t>
+                      </a:r>
+                      <a:endParaRPr lang="en-US" dirty="0"/>
+                    </a:p>
+                  </a:txBody>
+                  <a:tcPr/>
+                </a:tc>
+                <a:tc>
+                  <a:txBody>
+                    <a:bodyPr/>
+                    <a:lstStyle/>
+                    <a:p>
+                      <a:endParaRPr lang="en-US" dirty="0"/>
+                    </a:p>
+                  </a:txBody>
+                  <a:tcPr/>
+                </a:tc>
+                <a:extLst>
+                  <a:ext uri="{0D108BD9-81ED-4DB2-BD59-A6C34878D82A}">
+                    <a16:rowId xmlns:a16="http://schemas.microsoft.com/office/drawing/2014/main" val="1010432743"/>
+                  </a:ext>
+                </a:extLst>
+              </a:tr>
+            </a:tbl>
+          </a:graphicData>
+        </a:graphic>
+      </p:graphicFrame>
+      <p:sp>
+        <p:nvSpPr>
+          <p:cNvPr id="8" name="TextBox 7">
+            <a:extLst>
+              <a:ext uri="{FF2B5EF4-FFF2-40B4-BE49-F238E27FC236}">
+                <a16:creationId xmlns:a16="http://schemas.microsoft.com/office/drawing/2014/main" id="{CD3D3215-C644-A4EB-35EA-C3110517A960}"/>
+              </a:ext>
+            </a:extLst>
+          </p:cNvPr>
+          <p:cNvSpPr txBox="1"/>
+          <p:nvPr/>
+        </p:nvSpPr>
+        <p:spPr>
+          <a:xfrm>
+            <a:off x="4971144" y="149290"/>
+            <a:ext cx="4469363" cy="369332"/>
+          </a:xfrm>
+          <a:prstGeom prst="rect">
+            <a:avLst/>
+          </a:prstGeom>
+          <a:noFill/>
+        </p:spPr>
+        <p:txBody>
+          <a:bodyPr wrap="square" rtlCol="0">
+            <a:spAutoFit/>
+          </a:bodyPr>
+          <a:lstStyle/>
+          <a:p>
+            <a:r>
+              <a:rPr lang="en-IN" dirty="0" err="1"/>
+              <a:t>SubCategory</a:t>
+            </a:r>
+            <a:endParaRPr lang="en-US" dirty="0"/>
+          </a:p>
+        </p:txBody>
+      </p:sp>
+      <p:graphicFrame>
+        <p:nvGraphicFramePr>
+          <p:cNvPr id="9" name="Table 9">
+            <a:extLst>
+              <a:ext uri="{FF2B5EF4-FFF2-40B4-BE49-F238E27FC236}">
+                <a16:creationId xmlns:a16="http://schemas.microsoft.com/office/drawing/2014/main" id="{D68A1980-EE0F-E9EE-3205-DE343361C563}"/>
+              </a:ext>
+            </a:extLst>
+          </p:cNvPr>
+          <p:cNvGraphicFramePr>
+            <a:graphicFrameLocks noGrp="1"/>
+          </p:cNvGraphicFramePr>
+          <p:nvPr>
+            <p:extLst>
+              <p:ext uri="{D42A27DB-BD31-4B8C-83A1-F6EECF244321}">
+                <p14:modId xmlns:p14="http://schemas.microsoft.com/office/powerpoint/2010/main" val="2118022536"/>
+              </p:ext>
+            </p:extLst>
+          </p:nvPr>
+        </p:nvGraphicFramePr>
+        <p:xfrm>
+          <a:off x="268515" y="2492482"/>
+          <a:ext cx="8128001" cy="1010920"/>
+        </p:xfrm>
+        <a:graphic>
+          <a:graphicData uri="http://schemas.openxmlformats.org/drawingml/2006/table">
+            <a:tbl>
+              <a:tblPr firstRow="1" bandRow="1">
+                <a:tableStyleId>{5C22544A-7EE6-4342-B048-85BDC9FD1C3A}</a:tableStyleId>
+              </a:tblPr>
+              <a:tblGrid>
+                <a:gridCol w="1161143">
+                  <a:extLst>
+                    <a:ext uri="{9D8B030D-6E8A-4147-A177-3AD203B41FA5}">
+                      <a16:colId xmlns:a16="http://schemas.microsoft.com/office/drawing/2014/main" val="2575113195"/>
+                    </a:ext>
+                  </a:extLst>
+                </a:gridCol>
+                <a:gridCol w="1161143">
+                  <a:extLst>
+                    <a:ext uri="{9D8B030D-6E8A-4147-A177-3AD203B41FA5}">
+                      <a16:colId xmlns:a16="http://schemas.microsoft.com/office/drawing/2014/main" val="687938237"/>
+                    </a:ext>
+                  </a:extLst>
+                </a:gridCol>
+                <a:gridCol w="1161143">
+                  <a:extLst>
+                    <a:ext uri="{9D8B030D-6E8A-4147-A177-3AD203B41FA5}">
+                      <a16:colId xmlns:a16="http://schemas.microsoft.com/office/drawing/2014/main" val="2021780468"/>
+                    </a:ext>
+                  </a:extLst>
+                </a:gridCol>
+                <a:gridCol w="1161143">
+                  <a:extLst>
+                    <a:ext uri="{9D8B030D-6E8A-4147-A177-3AD203B41FA5}">
+                      <a16:colId xmlns:a16="http://schemas.microsoft.com/office/drawing/2014/main" val="3291760452"/>
+                    </a:ext>
+                  </a:extLst>
+                </a:gridCol>
+                <a:gridCol w="1161143">
+                  <a:extLst>
+                    <a:ext uri="{9D8B030D-6E8A-4147-A177-3AD203B41FA5}">
+                      <a16:colId xmlns:a16="http://schemas.microsoft.com/office/drawing/2014/main" val="3181903576"/>
+                    </a:ext>
+                  </a:extLst>
+                </a:gridCol>
+                <a:gridCol w="1161143">
+                  <a:extLst>
+                    <a:ext uri="{9D8B030D-6E8A-4147-A177-3AD203B41FA5}">
+                      <a16:colId xmlns:a16="http://schemas.microsoft.com/office/drawing/2014/main" val="1522568209"/>
+                    </a:ext>
+                  </a:extLst>
+                </a:gridCol>
+                <a:gridCol w="1161143">
+                  <a:extLst>
+                    <a:ext uri="{9D8B030D-6E8A-4147-A177-3AD203B41FA5}">
+                      <a16:colId xmlns:a16="http://schemas.microsoft.com/office/drawing/2014/main" val="2984386159"/>
+                    </a:ext>
+                  </a:extLst>
+                </a:gridCol>
+              </a:tblGrid>
+              <a:tr h="370840">
+                <a:tc>
+                  <a:txBody>
+                    <a:bodyPr/>
+                    <a:lstStyle/>
+                    <a:p>
+                      <a:r>
+                        <a:rPr lang="en-IN" dirty="0" err="1"/>
+                        <a:t>CustomerId</a:t>
+                      </a:r>
+                      <a:endParaRPr lang="en-US" dirty="0"/>
+                    </a:p>
+                  </a:txBody>
+                  <a:tcPr/>
+                </a:tc>
+                <a:tc>
+                  <a:txBody>
+                    <a:bodyPr/>
+                    <a:lstStyle/>
+                    <a:p>
+                      <a:r>
+                        <a:rPr lang="en-IN" dirty="0"/>
+                        <a:t>CustomerName</a:t>
+                      </a:r>
+                      <a:endParaRPr lang="en-US" dirty="0"/>
+                    </a:p>
+                  </a:txBody>
+                  <a:tcPr/>
+                </a:tc>
+                <a:tc>
+                  <a:txBody>
+                    <a:bodyPr/>
+                    <a:lstStyle/>
+                    <a:p>
+                      <a:r>
+                        <a:rPr lang="en-IN" dirty="0"/>
+                        <a:t>Building/</a:t>
+                      </a:r>
+                      <a:r>
+                        <a:rPr lang="en-IN" dirty="0" err="1"/>
+                        <a:t>FlatNo</a:t>
+                      </a:r>
+                      <a:endParaRPr lang="en-US" dirty="0"/>
+                    </a:p>
+                  </a:txBody>
+                  <a:tcPr/>
+                </a:tc>
+                <a:tc>
+                  <a:txBody>
+                    <a:bodyPr/>
+                    <a:lstStyle/>
+                    <a:p>
+                      <a:r>
+                        <a:rPr lang="en-IN" dirty="0"/>
+                        <a:t>Location</a:t>
+                      </a:r>
+                      <a:endParaRPr lang="en-US" dirty="0"/>
+                    </a:p>
+                  </a:txBody>
+                  <a:tcPr/>
+                </a:tc>
+                <a:tc>
+                  <a:txBody>
+                    <a:bodyPr/>
+                    <a:lstStyle/>
+                    <a:p>
+                      <a:r>
+                        <a:rPr lang="en-IN" dirty="0"/>
+                        <a:t>Street</a:t>
+                      </a:r>
+                      <a:endParaRPr lang="en-US" dirty="0"/>
+                    </a:p>
+                  </a:txBody>
+                  <a:tcPr/>
+                </a:tc>
+                <a:tc>
+                  <a:txBody>
+                    <a:bodyPr/>
+                    <a:lstStyle/>
+                    <a:p>
+                      <a:r>
+                        <a:rPr lang="en-IN" dirty="0"/>
+                        <a:t>City</a:t>
+                      </a:r>
+                      <a:endParaRPr lang="en-US" dirty="0"/>
+                    </a:p>
+                  </a:txBody>
+                  <a:tcPr/>
+                </a:tc>
+                <a:tc>
+                  <a:txBody>
+                    <a:bodyPr/>
+                    <a:lstStyle/>
+                    <a:p>
+                      <a:r>
+                        <a:rPr lang="en-IN" dirty="0"/>
+                        <a:t>State</a:t>
+                      </a:r>
+                      <a:endParaRPr lang="en-US" dirty="0"/>
+                    </a:p>
+                  </a:txBody>
+                  <a:tcPr/>
+                </a:tc>
+                <a:extLst>
+                  <a:ext uri="{0D108BD9-81ED-4DB2-BD59-A6C34878D82A}">
+                    <a16:rowId xmlns:a16="http://schemas.microsoft.com/office/drawing/2014/main" val="766726640"/>
+                  </a:ext>
+                </a:extLst>
+              </a:tr>
+              <a:tr h="370840">
+                <a:tc>
+                  <a:txBody>
+                    <a:bodyPr/>
+                    <a:lstStyle/>
+                    <a:p>
+                      <a:endParaRPr lang="en-US"/>
+                    </a:p>
+                  </a:txBody>
+                  <a:tcPr/>
+                </a:tc>
+                <a:tc>
+                  <a:txBody>
+                    <a:bodyPr/>
+                    <a:lstStyle/>
+                    <a:p>
+                      <a:endParaRPr lang="en-US"/>
+                    </a:p>
+                  </a:txBody>
+                  <a:tcPr/>
+                </a:tc>
+                <a:tc>
+                  <a:txBody>
+                    <a:bodyPr/>
+                    <a:lstStyle/>
+                    <a:p>
+                      <a:endParaRPr lang="en-US"/>
+                    </a:p>
+                  </a:txBody>
+                  <a:tcPr/>
+                </a:tc>
+                <a:tc>
+                  <a:txBody>
+                    <a:bodyPr/>
+                    <a:lstStyle/>
+                    <a:p>
+                      <a:endParaRPr lang="en-US"/>
+                    </a:p>
+                  </a:txBody>
+                  <a:tcPr/>
+                </a:tc>
+                <a:tc>
+                  <a:txBody>
+                    <a:bodyPr/>
+                    <a:lstStyle/>
+                    <a:p>
+                      <a:endParaRPr lang="en-US" dirty="0"/>
+                    </a:p>
+                  </a:txBody>
+                  <a:tcPr/>
+                </a:tc>
+                <a:tc>
+                  <a:txBody>
+                    <a:bodyPr/>
+                    <a:lstStyle/>
+                    <a:p>
+                      <a:endParaRPr lang="en-US" dirty="0"/>
+                    </a:p>
+                  </a:txBody>
+                  <a:tcPr/>
+                </a:tc>
+                <a:tc>
+                  <a:txBody>
+                    <a:bodyPr/>
+                    <a:lstStyle/>
+                    <a:p>
+                      <a:endParaRPr lang="en-US" dirty="0"/>
+                    </a:p>
+                  </a:txBody>
+                  <a:tcPr/>
+                </a:tc>
+                <a:extLst>
+                  <a:ext uri="{0D108BD9-81ED-4DB2-BD59-A6C34878D82A}">
+                    <a16:rowId xmlns:a16="http://schemas.microsoft.com/office/drawing/2014/main" val="1041117725"/>
+                  </a:ext>
+                </a:extLst>
+              </a:tr>
+            </a:tbl>
+          </a:graphicData>
+        </a:graphic>
+      </p:graphicFrame>
+      <p:cxnSp>
+        <p:nvCxnSpPr>
+          <p:cNvPr id="10" name="Straight Arrow Connector 9">
+            <a:extLst>
+              <a:ext uri="{FF2B5EF4-FFF2-40B4-BE49-F238E27FC236}">
+                <a16:creationId xmlns:a16="http://schemas.microsoft.com/office/drawing/2014/main" id="{6B3C24E1-73B7-1747-ED43-A3B0D5425CF5}"/>
+              </a:ext>
+            </a:extLst>
+          </p:cNvPr>
+          <p:cNvCxnSpPr/>
+          <p:nvPr/>
+        </p:nvCxnSpPr>
+        <p:spPr>
+          <a:xfrm flipH="1">
+            <a:off x="6482703" y="434646"/>
+            <a:ext cx="951722" cy="275690"/>
+          </a:xfrm>
+          <a:prstGeom prst="straightConnector1">
+            <a:avLst/>
+          </a:prstGeom>
+          <a:ln w="76200">
+            <a:solidFill>
+              <a:schemeClr val="accent2"/>
+            </a:solidFill>
+            <a:tailEnd type="triangle"/>
+          </a:ln>
+        </p:spPr>
+        <p:style>
+          <a:lnRef idx="1">
+            <a:schemeClr val="accent1"/>
+          </a:lnRef>
+          <a:fillRef idx="0">
+            <a:schemeClr val="accent1"/>
+          </a:fillRef>
+          <a:effectRef idx="0">
+            <a:schemeClr val="accent1"/>
+          </a:effectRef>
+          <a:fontRef idx="minor">
+            <a:schemeClr val="tx1"/>
+          </a:fontRef>
+        </p:style>
+      </p:cxnSp>
+      <p:sp>
+        <p:nvSpPr>
+          <p:cNvPr id="11" name="TextBox 10">
+            <a:extLst>
+              <a:ext uri="{FF2B5EF4-FFF2-40B4-BE49-F238E27FC236}">
+                <a16:creationId xmlns:a16="http://schemas.microsoft.com/office/drawing/2014/main" id="{DC5F2DD0-77C3-E5AD-37B7-0DE8D0700641}"/>
+              </a:ext>
+            </a:extLst>
+          </p:cNvPr>
+          <p:cNvSpPr txBox="1"/>
+          <p:nvPr/>
+        </p:nvSpPr>
+        <p:spPr>
+          <a:xfrm>
+            <a:off x="7677021" y="167951"/>
+            <a:ext cx="1707502" cy="369332"/>
+          </a:xfrm>
+          <a:prstGeom prst="rect">
+            <a:avLst/>
+          </a:prstGeom>
+          <a:noFill/>
+        </p:spPr>
+        <p:txBody>
+          <a:bodyPr wrap="square" rtlCol="0">
+            <a:spAutoFit/>
+          </a:bodyPr>
+          <a:lstStyle/>
+          <a:p>
+            <a:r>
+              <a:rPr lang="en-IN" dirty="0"/>
+              <a:t>Primary Key</a:t>
+            </a:r>
+            <a:endParaRPr lang="en-US" dirty="0"/>
+          </a:p>
+        </p:txBody>
+      </p:sp>
+      <p:cxnSp>
+        <p:nvCxnSpPr>
+          <p:cNvPr id="12" name="Straight Arrow Connector 11">
+            <a:extLst>
+              <a:ext uri="{FF2B5EF4-FFF2-40B4-BE49-F238E27FC236}">
+                <a16:creationId xmlns:a16="http://schemas.microsoft.com/office/drawing/2014/main" id="{3DB74924-2F22-5F1C-2276-4AC1DDF01009}"/>
+              </a:ext>
+            </a:extLst>
+          </p:cNvPr>
+          <p:cNvCxnSpPr/>
+          <p:nvPr/>
+        </p:nvCxnSpPr>
+        <p:spPr>
+          <a:xfrm flipH="1">
+            <a:off x="643813" y="2153171"/>
+            <a:ext cx="951722" cy="275690"/>
+          </a:xfrm>
+          <a:prstGeom prst="straightConnector1">
+            <a:avLst/>
+          </a:prstGeom>
+          <a:ln w="76200">
+            <a:solidFill>
+              <a:schemeClr val="accent2"/>
+            </a:solidFill>
+            <a:tailEnd type="triangle"/>
+          </a:ln>
+        </p:spPr>
+        <p:style>
+          <a:lnRef idx="1">
+            <a:schemeClr val="accent1"/>
+          </a:lnRef>
+          <a:fillRef idx="0">
+            <a:schemeClr val="accent1"/>
+          </a:fillRef>
+          <a:effectRef idx="0">
+            <a:schemeClr val="accent1"/>
+          </a:effectRef>
+          <a:fontRef idx="minor">
+            <a:schemeClr val="tx1"/>
+          </a:fontRef>
+        </p:style>
+      </p:cxnSp>
+      <p:sp>
+        <p:nvSpPr>
+          <p:cNvPr id="13" name="TextBox 12">
+            <a:extLst>
+              <a:ext uri="{FF2B5EF4-FFF2-40B4-BE49-F238E27FC236}">
+                <a16:creationId xmlns:a16="http://schemas.microsoft.com/office/drawing/2014/main" id="{A69615AF-47DB-8265-E5CC-7FC0FC547911}"/>
+              </a:ext>
+            </a:extLst>
+          </p:cNvPr>
+          <p:cNvSpPr txBox="1"/>
+          <p:nvPr/>
+        </p:nvSpPr>
+        <p:spPr>
+          <a:xfrm>
+            <a:off x="1838130" y="1886476"/>
+            <a:ext cx="3133013" cy="646331"/>
+          </a:xfrm>
+          <a:prstGeom prst="rect">
+            <a:avLst/>
+          </a:prstGeom>
+          <a:noFill/>
+        </p:spPr>
+        <p:txBody>
+          <a:bodyPr wrap="square" rtlCol="0">
+            <a:spAutoFit/>
+          </a:bodyPr>
+          <a:lstStyle/>
+          <a:p>
+            <a:r>
+              <a:rPr lang="en-IN" dirty="0"/>
+              <a:t>Primary Key for the Customer Table</a:t>
+            </a:r>
+            <a:endParaRPr lang="en-US" dirty="0"/>
+          </a:p>
+        </p:txBody>
+      </p:sp>
+      <p:sp>
+        <p:nvSpPr>
+          <p:cNvPr id="14" name="TextBox 13">
+            <a:extLst>
+              <a:ext uri="{FF2B5EF4-FFF2-40B4-BE49-F238E27FC236}">
+                <a16:creationId xmlns:a16="http://schemas.microsoft.com/office/drawing/2014/main" id="{8F8DAAA8-5F37-4050-89C2-7CE76FAD0138}"/>
+              </a:ext>
+            </a:extLst>
+          </p:cNvPr>
+          <p:cNvSpPr txBox="1"/>
+          <p:nvPr/>
+        </p:nvSpPr>
+        <p:spPr>
+          <a:xfrm>
+            <a:off x="268515" y="4096139"/>
+            <a:ext cx="6010987" cy="1477328"/>
+          </a:xfrm>
+          <a:prstGeom prst="rect">
+            <a:avLst/>
+          </a:prstGeom>
+          <a:noFill/>
+        </p:spPr>
+        <p:txBody>
+          <a:bodyPr wrap="square" rtlCol="0">
+            <a:spAutoFit/>
+          </a:bodyPr>
+          <a:lstStyle/>
+          <a:p>
+            <a:r>
+              <a:rPr lang="en-IN" dirty="0"/>
+              <a:t>Manufacturers</a:t>
+            </a:r>
+          </a:p>
+          <a:p>
+            <a:r>
+              <a:rPr lang="en-IN" dirty="0"/>
+              <a:t>Products</a:t>
+            </a:r>
+          </a:p>
+          <a:p>
+            <a:r>
+              <a:rPr lang="en-IN" dirty="0"/>
+              <a:t>Orders</a:t>
+            </a:r>
+          </a:p>
+          <a:p>
+            <a:r>
+              <a:rPr lang="en-IN" dirty="0"/>
+              <a:t>Dispatch</a:t>
+            </a:r>
+          </a:p>
+          <a:p>
+            <a:r>
+              <a:rPr lang="en-IN" dirty="0"/>
+              <a:t>Payments</a:t>
+            </a:r>
+            <a:endParaRPr lang="en-US" dirty="0"/>
+          </a:p>
+        </p:txBody>
+      </p:sp>
+      <p:sp>
+        <p:nvSpPr>
+          <p:cNvPr id="15" name="TextBox 14">
+            <a:extLst>
+              <a:ext uri="{FF2B5EF4-FFF2-40B4-BE49-F238E27FC236}">
+                <a16:creationId xmlns:a16="http://schemas.microsoft.com/office/drawing/2014/main" id="{740E07CC-45D6-9621-58E0-9B5052D1668A}"/>
+              </a:ext>
+            </a:extLst>
+          </p:cNvPr>
+          <p:cNvSpPr txBox="1"/>
+          <p:nvPr/>
+        </p:nvSpPr>
+        <p:spPr>
+          <a:xfrm>
+            <a:off x="7315200" y="3965510"/>
+            <a:ext cx="4488024" cy="1754326"/>
+          </a:xfrm>
+          <a:prstGeom prst="rect">
+            <a:avLst/>
+          </a:prstGeom>
+          <a:noFill/>
+        </p:spPr>
+        <p:txBody>
+          <a:bodyPr wrap="square" rtlCol="0">
+            <a:spAutoFit/>
+          </a:bodyPr>
+          <a:lstStyle/>
+          <a:p>
+            <a:pPr marL="342900" indent="-342900">
+              <a:buFont typeface="+mj-lt"/>
+              <a:buAutoNum type="arabicPeriod"/>
+            </a:pPr>
+            <a:r>
+              <a:rPr lang="en-IN" dirty="0"/>
+              <a:t>Information of related properties are segregated in the form of table </a:t>
+            </a:r>
+          </a:p>
+          <a:p>
+            <a:pPr marL="342900" indent="-342900">
+              <a:buFont typeface="+mj-lt"/>
+              <a:buAutoNum type="arabicPeriod"/>
+            </a:pPr>
+            <a:r>
+              <a:rPr lang="en-IN" dirty="0"/>
+              <a:t>Each row will have Unique Value based on the </a:t>
+            </a:r>
+            <a:r>
+              <a:rPr lang="en-IN" b="1" dirty="0"/>
+              <a:t>Primary Key</a:t>
+            </a:r>
+          </a:p>
+          <a:p>
+            <a:endParaRPr lang="en-IN" b="1" dirty="0"/>
+          </a:p>
+          <a:p>
+            <a:r>
+              <a:rPr lang="en-IN" b="1" dirty="0"/>
+              <a:t>Second Normal Form</a:t>
+            </a:r>
+            <a:endParaRPr lang="en-US" b="1" dirty="0"/>
+          </a:p>
+        </p:txBody>
+      </p:sp>
+    </p:spTree>
+    <p:extLst>
+      <p:ext uri="{BB962C8B-B14F-4D97-AF65-F5344CB8AC3E}">
+        <p14:creationId xmlns:p14="http://schemas.microsoft.com/office/powerpoint/2010/main" val="2147120174"/>
+      </p:ext>
+    </p:extLst>
+  </p:cSld>
+  <p:clrMapOvr>
+    <a:masterClrMapping/>
+  </p:clrMapOvr>
+</p:sld>
+</file>
+
+<file path=ppt/slides/slide16.xml><?xml version="1.0" encoding="utf-8"?>
+<p:sld xmlns:a="http://schemas.openxmlformats.org/drawingml/2006/main" xmlns:r="http://schemas.openxmlformats.org/officeDocument/2006/relationships" xmlns:p="http://schemas.openxmlformats.org/presentationml/2006/main">
+  <p:cSld>
+    <p:spTree>
+      <p:nvGrpSpPr>
+        <p:cNvPr id="1" name=""/>
+        <p:cNvGrpSpPr/>
+        <p:nvPr/>
+      </p:nvGrpSpPr>
+      <p:grpSpPr>
+        <a:xfrm>
+          <a:off x="0" y="0"/>
+          <a:ext cx="0" cy="0"/>
+          <a:chOff x="0" y="0"/>
+          <a:chExt cx="0" cy="0"/>
+        </a:xfrm>
+      </p:grpSpPr>
+      <p:graphicFrame>
+        <p:nvGraphicFramePr>
+          <p:cNvPr id="2" name="Table 2">
+            <a:extLst>
+              <a:ext uri="{FF2B5EF4-FFF2-40B4-BE49-F238E27FC236}">
+                <a16:creationId xmlns:a16="http://schemas.microsoft.com/office/drawing/2014/main" id="{0C17444A-1A4D-0EE0-597A-688810C03904}"/>
+              </a:ext>
+            </a:extLst>
+          </p:cNvPr>
+          <p:cNvGraphicFramePr>
+            <a:graphicFrameLocks noGrp="1"/>
+          </p:cNvGraphicFramePr>
+          <p:nvPr/>
+        </p:nvGraphicFramePr>
+        <p:xfrm>
+          <a:off x="352490" y="710336"/>
+          <a:ext cx="4345162" cy="1112520"/>
+        </p:xfrm>
+        <a:graphic>
+          <a:graphicData uri="http://schemas.openxmlformats.org/drawingml/2006/table">
+            <a:tbl>
+              <a:tblPr firstRow="1" bandRow="1">
+                <a:tableStyleId>{5C22544A-7EE6-4342-B048-85BDC9FD1C3A}</a:tableStyleId>
+              </a:tblPr>
+              <a:tblGrid>
+                <a:gridCol w="2172581">
+                  <a:extLst>
+                    <a:ext uri="{9D8B030D-6E8A-4147-A177-3AD203B41FA5}">
+                      <a16:colId xmlns:a16="http://schemas.microsoft.com/office/drawing/2014/main" val="4047080366"/>
+                    </a:ext>
+                  </a:extLst>
+                </a:gridCol>
+                <a:gridCol w="2172581">
+                  <a:extLst>
+                    <a:ext uri="{9D8B030D-6E8A-4147-A177-3AD203B41FA5}">
+                      <a16:colId xmlns:a16="http://schemas.microsoft.com/office/drawing/2014/main" val="1271685062"/>
+                    </a:ext>
+                  </a:extLst>
+                </a:gridCol>
+              </a:tblGrid>
+              <a:tr h="370840">
+                <a:tc>
+                  <a:txBody>
+                    <a:bodyPr/>
+                    <a:lstStyle/>
+                    <a:p>
+                      <a:r>
+                        <a:rPr lang="en-IN" dirty="0"/>
+                        <a:t>CategoryId</a:t>
+                      </a:r>
+                      <a:endParaRPr lang="en-US" dirty="0"/>
+                    </a:p>
+                  </a:txBody>
+                  <a:tcPr/>
+                </a:tc>
+                <a:tc>
+                  <a:txBody>
+                    <a:bodyPr/>
+                    <a:lstStyle/>
+                    <a:p>
+                      <a:r>
+                        <a:rPr lang="en-IN" dirty="0"/>
+                        <a:t>CategoryName</a:t>
+                      </a:r>
+                      <a:endParaRPr lang="en-US" dirty="0"/>
+                    </a:p>
+                  </a:txBody>
+                  <a:tcPr/>
+                </a:tc>
+                <a:extLst>
+                  <a:ext uri="{0D108BD9-81ED-4DB2-BD59-A6C34878D82A}">
+                    <a16:rowId xmlns:a16="http://schemas.microsoft.com/office/drawing/2014/main" val="1684766502"/>
+                  </a:ext>
+                </a:extLst>
+              </a:tr>
+              <a:tr h="370840">
+                <a:tc>
+                  <a:txBody>
+                    <a:bodyPr/>
+                    <a:lstStyle/>
+                    <a:p>
+                      <a:r>
+                        <a:rPr lang="en-IN" dirty="0"/>
+                        <a:t>Cat-001</a:t>
+                      </a:r>
+                      <a:endParaRPr lang="en-US" dirty="0"/>
+                    </a:p>
+                  </a:txBody>
+                  <a:tcPr/>
+                </a:tc>
+                <a:tc>
+                  <a:txBody>
+                    <a:bodyPr/>
+                    <a:lstStyle/>
+                    <a:p>
+                      <a:r>
+                        <a:rPr lang="en-IN" dirty="0"/>
+                        <a:t>Electronics</a:t>
+                      </a:r>
+                      <a:endParaRPr lang="en-US" dirty="0"/>
+                    </a:p>
+                  </a:txBody>
+                  <a:tcPr/>
+                </a:tc>
+                <a:extLst>
+                  <a:ext uri="{0D108BD9-81ED-4DB2-BD59-A6C34878D82A}">
+                    <a16:rowId xmlns:a16="http://schemas.microsoft.com/office/drawing/2014/main" val="1640779218"/>
+                  </a:ext>
+                </a:extLst>
+              </a:tr>
+              <a:tr h="370840">
+                <a:tc>
+                  <a:txBody>
+                    <a:bodyPr/>
+                    <a:lstStyle/>
+                    <a:p>
+                      <a:r>
+                        <a:rPr lang="en-IN" dirty="0"/>
+                        <a:t>Cat-002</a:t>
+                      </a:r>
+                      <a:endParaRPr lang="en-US" dirty="0"/>
+                    </a:p>
+                  </a:txBody>
+                  <a:tcPr/>
+                </a:tc>
+                <a:tc>
+                  <a:txBody>
+                    <a:bodyPr/>
+                    <a:lstStyle/>
+                    <a:p>
+                      <a:r>
+                        <a:rPr lang="en-IN" dirty="0"/>
+                        <a:t>Electrical</a:t>
+                      </a:r>
+                      <a:endParaRPr lang="en-US" dirty="0"/>
+                    </a:p>
+                  </a:txBody>
+                  <a:tcPr/>
+                </a:tc>
+                <a:extLst>
+                  <a:ext uri="{0D108BD9-81ED-4DB2-BD59-A6C34878D82A}">
+                    <a16:rowId xmlns:a16="http://schemas.microsoft.com/office/drawing/2014/main" val="1748376192"/>
+                  </a:ext>
+                </a:extLst>
+              </a:tr>
+            </a:tbl>
+          </a:graphicData>
+        </a:graphic>
+      </p:graphicFrame>
+      <p:sp>
+        <p:nvSpPr>
+          <p:cNvPr id="3" name="TextBox 2">
+            <a:extLst>
+              <a:ext uri="{FF2B5EF4-FFF2-40B4-BE49-F238E27FC236}">
+                <a16:creationId xmlns:a16="http://schemas.microsoft.com/office/drawing/2014/main" id="{B9F3897D-C6E0-03F1-0340-E1D9B3532D44}"/>
+              </a:ext>
+            </a:extLst>
+          </p:cNvPr>
+          <p:cNvSpPr txBox="1"/>
+          <p:nvPr/>
+        </p:nvSpPr>
+        <p:spPr>
+          <a:xfrm>
+            <a:off x="634482" y="65314"/>
+            <a:ext cx="4469363" cy="369332"/>
+          </a:xfrm>
+          <a:prstGeom prst="rect">
+            <a:avLst/>
+          </a:prstGeom>
+          <a:noFill/>
+        </p:spPr>
+        <p:txBody>
+          <a:bodyPr wrap="square" rtlCol="0">
+            <a:spAutoFit/>
+          </a:bodyPr>
+          <a:lstStyle/>
+          <a:p>
+            <a:r>
+              <a:rPr lang="en-IN" dirty="0"/>
+              <a:t>Category</a:t>
+            </a:r>
+            <a:endParaRPr lang="en-US" dirty="0"/>
+          </a:p>
+        </p:txBody>
+      </p:sp>
+      <p:cxnSp>
+        <p:nvCxnSpPr>
+          <p:cNvPr id="5" name="Straight Arrow Connector 4">
+            <a:extLst>
+              <a:ext uri="{FF2B5EF4-FFF2-40B4-BE49-F238E27FC236}">
+                <a16:creationId xmlns:a16="http://schemas.microsoft.com/office/drawing/2014/main" id="{20CEA62D-B1DA-9BB3-D268-5BDEA003E6B1}"/>
+              </a:ext>
+            </a:extLst>
+          </p:cNvPr>
+          <p:cNvCxnSpPr/>
+          <p:nvPr/>
+        </p:nvCxnSpPr>
+        <p:spPr>
+          <a:xfrm flipH="1">
+            <a:off x="1166327" y="434646"/>
+            <a:ext cx="951722" cy="275690"/>
+          </a:xfrm>
+          <a:prstGeom prst="straightConnector1">
+            <a:avLst/>
+          </a:prstGeom>
+          <a:ln w="76200">
+            <a:solidFill>
+              <a:schemeClr val="accent2"/>
+            </a:solidFill>
+            <a:tailEnd type="triangle"/>
+          </a:ln>
+        </p:spPr>
+        <p:style>
+          <a:lnRef idx="1">
+            <a:schemeClr val="accent1"/>
+          </a:lnRef>
+          <a:fillRef idx="0">
+            <a:schemeClr val="accent1"/>
+          </a:fillRef>
+          <a:effectRef idx="0">
+            <a:schemeClr val="accent1"/>
+          </a:effectRef>
+          <a:fontRef idx="minor">
+            <a:schemeClr val="tx1"/>
+          </a:fontRef>
+        </p:style>
+      </p:cxnSp>
+      <p:sp>
+        <p:nvSpPr>
+          <p:cNvPr id="6" name="TextBox 5">
+            <a:extLst>
+              <a:ext uri="{FF2B5EF4-FFF2-40B4-BE49-F238E27FC236}">
+                <a16:creationId xmlns:a16="http://schemas.microsoft.com/office/drawing/2014/main" id="{B59A51F7-3B82-1BD8-7410-FB0D8508C539}"/>
+              </a:ext>
+            </a:extLst>
+          </p:cNvPr>
+          <p:cNvSpPr txBox="1"/>
+          <p:nvPr/>
+        </p:nvSpPr>
+        <p:spPr>
+          <a:xfrm>
+            <a:off x="2360645" y="167951"/>
+            <a:ext cx="1707502" cy="369332"/>
+          </a:xfrm>
+          <a:prstGeom prst="rect">
+            <a:avLst/>
+          </a:prstGeom>
+          <a:noFill/>
+        </p:spPr>
+        <p:txBody>
+          <a:bodyPr wrap="square" rtlCol="0">
+            <a:spAutoFit/>
+          </a:bodyPr>
+          <a:lstStyle/>
+          <a:p>
+            <a:r>
+              <a:rPr lang="en-IN" dirty="0"/>
+              <a:t>Primary Key</a:t>
+            </a:r>
+            <a:endParaRPr lang="en-US" dirty="0"/>
+          </a:p>
+        </p:txBody>
+      </p:sp>
+      <p:graphicFrame>
+        <p:nvGraphicFramePr>
+          <p:cNvPr id="7" name="Table 7">
+            <a:extLst>
+              <a:ext uri="{FF2B5EF4-FFF2-40B4-BE49-F238E27FC236}">
+                <a16:creationId xmlns:a16="http://schemas.microsoft.com/office/drawing/2014/main" id="{92BC49A2-36B2-7B9D-6D66-F99CE1BE4319}"/>
+              </a:ext>
+            </a:extLst>
+          </p:cNvPr>
+          <p:cNvGraphicFramePr>
+            <a:graphicFrameLocks noGrp="1"/>
+          </p:cNvGraphicFramePr>
+          <p:nvPr>
+            <p:extLst>
+              <p:ext uri="{D42A27DB-BD31-4B8C-83A1-F6EECF244321}">
+                <p14:modId xmlns:p14="http://schemas.microsoft.com/office/powerpoint/2010/main" val="745735594"/>
+              </p:ext>
+            </p:extLst>
+          </p:nvPr>
+        </p:nvGraphicFramePr>
+        <p:xfrm>
+          <a:off x="4971144" y="728996"/>
+          <a:ext cx="7056015" cy="1010920"/>
+        </p:xfrm>
+        <a:graphic>
+          <a:graphicData uri="http://schemas.openxmlformats.org/drawingml/2006/table">
+            <a:tbl>
+              <a:tblPr firstRow="1" bandRow="1">
+                <a:tableStyleId>{5C22544A-7EE6-4342-B048-85BDC9FD1C3A}</a:tableStyleId>
+              </a:tblPr>
+              <a:tblGrid>
+                <a:gridCol w="2352005">
+                  <a:extLst>
+                    <a:ext uri="{9D8B030D-6E8A-4147-A177-3AD203B41FA5}">
+                      <a16:colId xmlns:a16="http://schemas.microsoft.com/office/drawing/2014/main" val="4111614860"/>
+                    </a:ext>
+                  </a:extLst>
+                </a:gridCol>
+                <a:gridCol w="2352005">
+                  <a:extLst>
+                    <a:ext uri="{9D8B030D-6E8A-4147-A177-3AD203B41FA5}">
+                      <a16:colId xmlns:a16="http://schemas.microsoft.com/office/drawing/2014/main" val="1298535754"/>
+                    </a:ext>
+                  </a:extLst>
+                </a:gridCol>
+                <a:gridCol w="2352005">
+                  <a:extLst>
+                    <a:ext uri="{9D8B030D-6E8A-4147-A177-3AD203B41FA5}">
+                      <a16:colId xmlns:a16="http://schemas.microsoft.com/office/drawing/2014/main" val="3025349866"/>
+                    </a:ext>
+                  </a:extLst>
+                </a:gridCol>
+              </a:tblGrid>
+              <a:tr h="370840">
+                <a:tc>
+                  <a:txBody>
+                    <a:bodyPr/>
+                    <a:lstStyle/>
+                    <a:p>
+                      <a:r>
+                        <a:rPr lang="en-IN" dirty="0" err="1"/>
+                        <a:t>SubCategoryId</a:t>
+                      </a:r>
+                      <a:endParaRPr lang="en-US" dirty="0"/>
+                    </a:p>
+                  </a:txBody>
+                  <a:tcPr/>
+                </a:tc>
+                <a:tc>
+                  <a:txBody>
+                    <a:bodyPr/>
+                    <a:lstStyle/>
+                    <a:p>
+                      <a:r>
+                        <a:rPr lang="en-IN" dirty="0" err="1"/>
+                        <a:t>SubCategoryName</a:t>
+                      </a:r>
+                      <a:endParaRPr lang="en-US" dirty="0"/>
+                    </a:p>
+                  </a:txBody>
+                  <a:tcPr/>
+                </a:tc>
+                <a:tc>
+                  <a:txBody>
+                    <a:bodyPr/>
+                    <a:lstStyle/>
+                    <a:p>
+                      <a:r>
+                        <a:rPr lang="en-IN" dirty="0"/>
+                        <a:t>CategoryId (Foreign Key)</a:t>
+                      </a:r>
+                      <a:endParaRPr lang="en-US" dirty="0"/>
+                    </a:p>
+                  </a:txBody>
+                  <a:tcPr/>
+                </a:tc>
+                <a:extLst>
+                  <a:ext uri="{0D108BD9-81ED-4DB2-BD59-A6C34878D82A}">
+                    <a16:rowId xmlns:a16="http://schemas.microsoft.com/office/drawing/2014/main" val="4194190246"/>
+                  </a:ext>
+                </a:extLst>
+              </a:tr>
+              <a:tr h="370840">
+                <a:tc>
+                  <a:txBody>
+                    <a:bodyPr/>
+                    <a:lstStyle/>
+                    <a:p>
+                      <a:r>
+                        <a:rPr lang="en-IN" dirty="0"/>
+                        <a:t>Sub-Cat-001</a:t>
+                      </a:r>
+                      <a:endParaRPr lang="en-US" dirty="0"/>
+                    </a:p>
+                  </a:txBody>
+                  <a:tcPr/>
+                </a:tc>
+                <a:tc>
+                  <a:txBody>
+                    <a:bodyPr/>
+                    <a:lstStyle/>
+                    <a:p>
+                      <a:r>
+                        <a:rPr lang="en-IN" dirty="0"/>
+                        <a:t>IT</a:t>
+                      </a:r>
+                      <a:endParaRPr lang="en-US" dirty="0"/>
+                    </a:p>
+                  </a:txBody>
+                  <a:tcPr/>
+                </a:tc>
+                <a:tc>
+                  <a:txBody>
+                    <a:bodyPr/>
+                    <a:lstStyle/>
+                    <a:p>
+                      <a:r>
+                        <a:rPr lang="en-IN" dirty="0"/>
+                        <a:t>Cat-001</a:t>
+                      </a:r>
+                      <a:endParaRPr lang="en-US" dirty="0"/>
+                    </a:p>
+                  </a:txBody>
+                  <a:tcPr/>
+                </a:tc>
+                <a:extLst>
+                  <a:ext uri="{0D108BD9-81ED-4DB2-BD59-A6C34878D82A}">
+                    <a16:rowId xmlns:a16="http://schemas.microsoft.com/office/drawing/2014/main" val="1010432743"/>
+                  </a:ext>
+                </a:extLst>
+              </a:tr>
+            </a:tbl>
+          </a:graphicData>
+        </a:graphic>
+      </p:graphicFrame>
+      <p:sp>
+        <p:nvSpPr>
+          <p:cNvPr id="8" name="TextBox 7">
+            <a:extLst>
+              <a:ext uri="{FF2B5EF4-FFF2-40B4-BE49-F238E27FC236}">
+                <a16:creationId xmlns:a16="http://schemas.microsoft.com/office/drawing/2014/main" id="{CD3D3215-C644-A4EB-35EA-C3110517A960}"/>
+              </a:ext>
+            </a:extLst>
+          </p:cNvPr>
+          <p:cNvSpPr txBox="1"/>
+          <p:nvPr/>
+        </p:nvSpPr>
+        <p:spPr>
+          <a:xfrm>
+            <a:off x="4971144" y="149290"/>
+            <a:ext cx="4469363" cy="369332"/>
+          </a:xfrm>
+          <a:prstGeom prst="rect">
+            <a:avLst/>
+          </a:prstGeom>
+          <a:noFill/>
+        </p:spPr>
+        <p:txBody>
+          <a:bodyPr wrap="square" rtlCol="0">
+            <a:spAutoFit/>
+          </a:bodyPr>
+          <a:lstStyle/>
+          <a:p>
+            <a:r>
+              <a:rPr lang="en-IN" dirty="0" err="1"/>
+              <a:t>SubCategory</a:t>
+            </a:r>
+            <a:endParaRPr lang="en-US" dirty="0"/>
+          </a:p>
+        </p:txBody>
+      </p:sp>
+      <p:graphicFrame>
+        <p:nvGraphicFramePr>
+          <p:cNvPr id="9" name="Table 9">
+            <a:extLst>
+              <a:ext uri="{FF2B5EF4-FFF2-40B4-BE49-F238E27FC236}">
+                <a16:creationId xmlns:a16="http://schemas.microsoft.com/office/drawing/2014/main" id="{D68A1980-EE0F-E9EE-3205-DE343361C563}"/>
+              </a:ext>
+            </a:extLst>
+          </p:cNvPr>
+          <p:cNvGraphicFramePr>
+            <a:graphicFrameLocks noGrp="1"/>
+          </p:cNvGraphicFramePr>
+          <p:nvPr/>
+        </p:nvGraphicFramePr>
+        <p:xfrm>
+          <a:off x="268515" y="2492482"/>
+          <a:ext cx="8128001" cy="1010920"/>
+        </p:xfrm>
+        <a:graphic>
+          <a:graphicData uri="http://schemas.openxmlformats.org/drawingml/2006/table">
+            <a:tbl>
+              <a:tblPr firstRow="1" bandRow="1">
+                <a:tableStyleId>{5C22544A-7EE6-4342-B048-85BDC9FD1C3A}</a:tableStyleId>
+              </a:tblPr>
+              <a:tblGrid>
+                <a:gridCol w="1161143">
+                  <a:extLst>
+                    <a:ext uri="{9D8B030D-6E8A-4147-A177-3AD203B41FA5}">
+                      <a16:colId xmlns:a16="http://schemas.microsoft.com/office/drawing/2014/main" val="2575113195"/>
+                    </a:ext>
+                  </a:extLst>
+                </a:gridCol>
+                <a:gridCol w="1161143">
+                  <a:extLst>
+                    <a:ext uri="{9D8B030D-6E8A-4147-A177-3AD203B41FA5}">
+                      <a16:colId xmlns:a16="http://schemas.microsoft.com/office/drawing/2014/main" val="687938237"/>
+                    </a:ext>
+                  </a:extLst>
+                </a:gridCol>
+                <a:gridCol w="1161143">
+                  <a:extLst>
+                    <a:ext uri="{9D8B030D-6E8A-4147-A177-3AD203B41FA5}">
+                      <a16:colId xmlns:a16="http://schemas.microsoft.com/office/drawing/2014/main" val="2021780468"/>
+                    </a:ext>
+                  </a:extLst>
+                </a:gridCol>
+                <a:gridCol w="1161143">
+                  <a:extLst>
+                    <a:ext uri="{9D8B030D-6E8A-4147-A177-3AD203B41FA5}">
+                      <a16:colId xmlns:a16="http://schemas.microsoft.com/office/drawing/2014/main" val="3291760452"/>
+                    </a:ext>
+                  </a:extLst>
+                </a:gridCol>
+                <a:gridCol w="1161143">
+                  <a:extLst>
+                    <a:ext uri="{9D8B030D-6E8A-4147-A177-3AD203B41FA5}">
+                      <a16:colId xmlns:a16="http://schemas.microsoft.com/office/drawing/2014/main" val="3181903576"/>
+                    </a:ext>
+                  </a:extLst>
+                </a:gridCol>
+                <a:gridCol w="1161143">
+                  <a:extLst>
+                    <a:ext uri="{9D8B030D-6E8A-4147-A177-3AD203B41FA5}">
+                      <a16:colId xmlns:a16="http://schemas.microsoft.com/office/drawing/2014/main" val="1522568209"/>
+                    </a:ext>
+                  </a:extLst>
+                </a:gridCol>
+                <a:gridCol w="1161143">
+                  <a:extLst>
+                    <a:ext uri="{9D8B030D-6E8A-4147-A177-3AD203B41FA5}">
+                      <a16:colId xmlns:a16="http://schemas.microsoft.com/office/drawing/2014/main" val="2984386159"/>
+                    </a:ext>
+                  </a:extLst>
+                </a:gridCol>
+              </a:tblGrid>
+              <a:tr h="370840">
+                <a:tc>
+                  <a:txBody>
+                    <a:bodyPr/>
+                    <a:lstStyle/>
+                    <a:p>
+                      <a:r>
+                        <a:rPr lang="en-IN" dirty="0" err="1"/>
+                        <a:t>CustomerId</a:t>
+                      </a:r>
+                      <a:endParaRPr lang="en-US" dirty="0"/>
+                    </a:p>
+                  </a:txBody>
+                  <a:tcPr/>
+                </a:tc>
+                <a:tc>
+                  <a:txBody>
+                    <a:bodyPr/>
+                    <a:lstStyle/>
+                    <a:p>
+                      <a:r>
+                        <a:rPr lang="en-IN" dirty="0"/>
+                        <a:t>CustomerName</a:t>
+                      </a:r>
+                      <a:endParaRPr lang="en-US" dirty="0"/>
+                    </a:p>
+                  </a:txBody>
+                  <a:tcPr/>
+                </a:tc>
+                <a:tc>
+                  <a:txBody>
+                    <a:bodyPr/>
+                    <a:lstStyle/>
+                    <a:p>
+                      <a:r>
+                        <a:rPr lang="en-IN" dirty="0"/>
+                        <a:t>Building/</a:t>
+                      </a:r>
+                      <a:r>
+                        <a:rPr lang="en-IN" dirty="0" err="1"/>
+                        <a:t>FlatNo</a:t>
+                      </a:r>
+                      <a:endParaRPr lang="en-US" dirty="0"/>
+                    </a:p>
+                  </a:txBody>
+                  <a:tcPr/>
+                </a:tc>
+                <a:tc>
+                  <a:txBody>
+                    <a:bodyPr/>
+                    <a:lstStyle/>
+                    <a:p>
+                      <a:r>
+                        <a:rPr lang="en-IN" dirty="0"/>
+                        <a:t>Location</a:t>
+                      </a:r>
+                      <a:endParaRPr lang="en-US" dirty="0"/>
+                    </a:p>
+                  </a:txBody>
+                  <a:tcPr/>
+                </a:tc>
+                <a:tc>
+                  <a:txBody>
+                    <a:bodyPr/>
+                    <a:lstStyle/>
+                    <a:p>
+                      <a:r>
+                        <a:rPr lang="en-IN" dirty="0"/>
+                        <a:t>Street</a:t>
+                      </a:r>
+                      <a:endParaRPr lang="en-US" dirty="0"/>
+                    </a:p>
+                  </a:txBody>
+                  <a:tcPr/>
+                </a:tc>
+                <a:tc>
+                  <a:txBody>
+                    <a:bodyPr/>
+                    <a:lstStyle/>
+                    <a:p>
+                      <a:r>
+                        <a:rPr lang="en-IN" dirty="0"/>
+                        <a:t>City</a:t>
+                      </a:r>
+                      <a:endParaRPr lang="en-US" dirty="0"/>
+                    </a:p>
+                  </a:txBody>
+                  <a:tcPr/>
+                </a:tc>
+                <a:tc>
+                  <a:txBody>
+                    <a:bodyPr/>
+                    <a:lstStyle/>
+                    <a:p>
+                      <a:r>
+                        <a:rPr lang="en-IN" dirty="0"/>
+                        <a:t>State</a:t>
+                      </a:r>
+                      <a:endParaRPr lang="en-US" dirty="0"/>
+                    </a:p>
+                  </a:txBody>
+                  <a:tcPr/>
+                </a:tc>
+                <a:extLst>
+                  <a:ext uri="{0D108BD9-81ED-4DB2-BD59-A6C34878D82A}">
+                    <a16:rowId xmlns:a16="http://schemas.microsoft.com/office/drawing/2014/main" val="766726640"/>
+                  </a:ext>
+                </a:extLst>
+              </a:tr>
+              <a:tr h="370840">
+                <a:tc>
+                  <a:txBody>
+                    <a:bodyPr/>
+                    <a:lstStyle/>
+                    <a:p>
+                      <a:endParaRPr lang="en-US"/>
+                    </a:p>
+                  </a:txBody>
+                  <a:tcPr/>
+                </a:tc>
+                <a:tc>
+                  <a:txBody>
+                    <a:bodyPr/>
+                    <a:lstStyle/>
+                    <a:p>
+                      <a:endParaRPr lang="en-US"/>
+                    </a:p>
+                  </a:txBody>
+                  <a:tcPr/>
+                </a:tc>
+                <a:tc>
+                  <a:txBody>
+                    <a:bodyPr/>
+                    <a:lstStyle/>
+                    <a:p>
+                      <a:endParaRPr lang="en-US"/>
+                    </a:p>
+                  </a:txBody>
+                  <a:tcPr/>
+                </a:tc>
+                <a:tc>
+                  <a:txBody>
+                    <a:bodyPr/>
+                    <a:lstStyle/>
+                    <a:p>
+                      <a:endParaRPr lang="en-US"/>
+                    </a:p>
+                  </a:txBody>
+                  <a:tcPr/>
+                </a:tc>
+                <a:tc>
+                  <a:txBody>
+                    <a:bodyPr/>
+                    <a:lstStyle/>
+                    <a:p>
+                      <a:endParaRPr lang="en-US" dirty="0"/>
+                    </a:p>
+                  </a:txBody>
+                  <a:tcPr/>
+                </a:tc>
+                <a:tc>
+                  <a:txBody>
+                    <a:bodyPr/>
+                    <a:lstStyle/>
+                    <a:p>
+                      <a:endParaRPr lang="en-US" dirty="0"/>
+                    </a:p>
+                  </a:txBody>
+                  <a:tcPr/>
+                </a:tc>
+                <a:tc>
+                  <a:txBody>
+                    <a:bodyPr/>
+                    <a:lstStyle/>
+                    <a:p>
+                      <a:endParaRPr lang="en-US" dirty="0"/>
+                    </a:p>
+                  </a:txBody>
+                  <a:tcPr/>
+                </a:tc>
+                <a:extLst>
+                  <a:ext uri="{0D108BD9-81ED-4DB2-BD59-A6C34878D82A}">
+                    <a16:rowId xmlns:a16="http://schemas.microsoft.com/office/drawing/2014/main" val="1041117725"/>
+                  </a:ext>
+                </a:extLst>
+              </a:tr>
+            </a:tbl>
+          </a:graphicData>
+        </a:graphic>
+      </p:graphicFrame>
+      <p:cxnSp>
+        <p:nvCxnSpPr>
+          <p:cNvPr id="10" name="Straight Arrow Connector 9">
+            <a:extLst>
+              <a:ext uri="{FF2B5EF4-FFF2-40B4-BE49-F238E27FC236}">
+                <a16:creationId xmlns:a16="http://schemas.microsoft.com/office/drawing/2014/main" id="{6B3C24E1-73B7-1747-ED43-A3B0D5425CF5}"/>
+              </a:ext>
+            </a:extLst>
+          </p:cNvPr>
+          <p:cNvCxnSpPr/>
+          <p:nvPr/>
+        </p:nvCxnSpPr>
+        <p:spPr>
+          <a:xfrm flipH="1">
+            <a:off x="6482703" y="434646"/>
+            <a:ext cx="951722" cy="275690"/>
+          </a:xfrm>
+          <a:prstGeom prst="straightConnector1">
+            <a:avLst/>
+          </a:prstGeom>
+          <a:ln w="76200">
+            <a:solidFill>
+              <a:schemeClr val="accent2"/>
+            </a:solidFill>
+            <a:tailEnd type="triangle"/>
+          </a:ln>
+        </p:spPr>
+        <p:style>
+          <a:lnRef idx="1">
+            <a:schemeClr val="accent1"/>
+          </a:lnRef>
+          <a:fillRef idx="0">
+            <a:schemeClr val="accent1"/>
+          </a:fillRef>
+          <a:effectRef idx="0">
+            <a:schemeClr val="accent1"/>
+          </a:effectRef>
+          <a:fontRef idx="minor">
+            <a:schemeClr val="tx1"/>
+          </a:fontRef>
+        </p:style>
+      </p:cxnSp>
+      <p:sp>
+        <p:nvSpPr>
+          <p:cNvPr id="11" name="TextBox 10">
+            <a:extLst>
+              <a:ext uri="{FF2B5EF4-FFF2-40B4-BE49-F238E27FC236}">
+                <a16:creationId xmlns:a16="http://schemas.microsoft.com/office/drawing/2014/main" id="{DC5F2DD0-77C3-E5AD-37B7-0DE8D0700641}"/>
+              </a:ext>
+            </a:extLst>
+          </p:cNvPr>
+          <p:cNvSpPr txBox="1"/>
+          <p:nvPr/>
+        </p:nvSpPr>
+        <p:spPr>
+          <a:xfrm>
+            <a:off x="7677021" y="167951"/>
+            <a:ext cx="1707502" cy="369332"/>
+          </a:xfrm>
+          <a:prstGeom prst="rect">
+            <a:avLst/>
+          </a:prstGeom>
+          <a:noFill/>
+        </p:spPr>
+        <p:txBody>
+          <a:bodyPr wrap="square" rtlCol="0">
+            <a:spAutoFit/>
+          </a:bodyPr>
+          <a:lstStyle/>
+          <a:p>
+            <a:r>
+              <a:rPr lang="en-IN" dirty="0"/>
+              <a:t>Primary Key</a:t>
+            </a:r>
+            <a:endParaRPr lang="en-US" dirty="0"/>
+          </a:p>
+        </p:txBody>
+      </p:sp>
+      <p:cxnSp>
+        <p:nvCxnSpPr>
+          <p:cNvPr id="12" name="Straight Arrow Connector 11">
+            <a:extLst>
+              <a:ext uri="{FF2B5EF4-FFF2-40B4-BE49-F238E27FC236}">
+                <a16:creationId xmlns:a16="http://schemas.microsoft.com/office/drawing/2014/main" id="{3DB74924-2F22-5F1C-2276-4AC1DDF01009}"/>
+              </a:ext>
+            </a:extLst>
+          </p:cNvPr>
+          <p:cNvCxnSpPr/>
+          <p:nvPr/>
+        </p:nvCxnSpPr>
+        <p:spPr>
+          <a:xfrm flipH="1">
+            <a:off x="643813" y="2153171"/>
+            <a:ext cx="951722" cy="275690"/>
+          </a:xfrm>
+          <a:prstGeom prst="straightConnector1">
+            <a:avLst/>
+          </a:prstGeom>
+          <a:ln w="76200">
+            <a:solidFill>
+              <a:schemeClr val="accent2"/>
+            </a:solidFill>
+            <a:tailEnd type="triangle"/>
+          </a:ln>
+        </p:spPr>
+        <p:style>
+          <a:lnRef idx="1">
+            <a:schemeClr val="accent1"/>
+          </a:lnRef>
+          <a:fillRef idx="0">
+            <a:schemeClr val="accent1"/>
+          </a:fillRef>
+          <a:effectRef idx="0">
+            <a:schemeClr val="accent1"/>
+          </a:effectRef>
+          <a:fontRef idx="minor">
+            <a:schemeClr val="tx1"/>
+          </a:fontRef>
+        </p:style>
+      </p:cxnSp>
+      <p:sp>
+        <p:nvSpPr>
+          <p:cNvPr id="13" name="TextBox 12">
+            <a:extLst>
+              <a:ext uri="{FF2B5EF4-FFF2-40B4-BE49-F238E27FC236}">
+                <a16:creationId xmlns:a16="http://schemas.microsoft.com/office/drawing/2014/main" id="{A69615AF-47DB-8265-E5CC-7FC0FC547911}"/>
+              </a:ext>
+            </a:extLst>
+          </p:cNvPr>
+          <p:cNvSpPr txBox="1"/>
+          <p:nvPr/>
+        </p:nvSpPr>
+        <p:spPr>
+          <a:xfrm>
+            <a:off x="1838130" y="1886476"/>
+            <a:ext cx="3133013" cy="646331"/>
+          </a:xfrm>
+          <a:prstGeom prst="rect">
+            <a:avLst/>
+          </a:prstGeom>
+          <a:noFill/>
+        </p:spPr>
+        <p:txBody>
+          <a:bodyPr wrap="square" rtlCol="0">
+            <a:spAutoFit/>
+          </a:bodyPr>
+          <a:lstStyle/>
+          <a:p>
+            <a:r>
+              <a:rPr lang="en-IN" dirty="0"/>
+              <a:t>Primary Key for the Customer Table</a:t>
+            </a:r>
+            <a:endParaRPr lang="en-US" dirty="0"/>
+          </a:p>
+        </p:txBody>
+      </p:sp>
+      <p:sp>
+        <p:nvSpPr>
+          <p:cNvPr id="14" name="TextBox 13">
+            <a:extLst>
+              <a:ext uri="{FF2B5EF4-FFF2-40B4-BE49-F238E27FC236}">
+                <a16:creationId xmlns:a16="http://schemas.microsoft.com/office/drawing/2014/main" id="{8F8DAAA8-5F37-4050-89C2-7CE76FAD0138}"/>
+              </a:ext>
+            </a:extLst>
+          </p:cNvPr>
+          <p:cNvSpPr txBox="1"/>
+          <p:nvPr/>
+        </p:nvSpPr>
+        <p:spPr>
+          <a:xfrm>
+            <a:off x="352490" y="4067936"/>
+            <a:ext cx="6010987" cy="1477328"/>
+          </a:xfrm>
+          <a:prstGeom prst="rect">
+            <a:avLst/>
+          </a:prstGeom>
+          <a:noFill/>
+        </p:spPr>
+        <p:txBody>
+          <a:bodyPr wrap="square" rtlCol="0">
+            <a:spAutoFit/>
+          </a:bodyPr>
+          <a:lstStyle/>
+          <a:p>
+            <a:r>
+              <a:rPr lang="en-IN" dirty="0"/>
+              <a:t>Manufacturers</a:t>
+            </a:r>
+          </a:p>
+          <a:p>
+            <a:r>
+              <a:rPr lang="en-IN" dirty="0"/>
+              <a:t>Products</a:t>
+            </a:r>
+          </a:p>
+          <a:p>
+            <a:r>
+              <a:rPr lang="en-IN" dirty="0"/>
+              <a:t>Orders</a:t>
+            </a:r>
+          </a:p>
+          <a:p>
+            <a:r>
+              <a:rPr lang="en-IN" dirty="0"/>
+              <a:t>Dispatch</a:t>
+            </a:r>
+          </a:p>
+          <a:p>
+            <a:r>
+              <a:rPr lang="en-IN" dirty="0"/>
+              <a:t>Payments</a:t>
+            </a:r>
+            <a:endParaRPr lang="en-US" dirty="0"/>
+          </a:p>
+        </p:txBody>
+      </p:sp>
+      <p:sp>
+        <p:nvSpPr>
+          <p:cNvPr id="15" name="TextBox 14">
+            <a:extLst>
+              <a:ext uri="{FF2B5EF4-FFF2-40B4-BE49-F238E27FC236}">
+                <a16:creationId xmlns:a16="http://schemas.microsoft.com/office/drawing/2014/main" id="{740E07CC-45D6-9621-58E0-9B5052D1668A}"/>
+              </a:ext>
+            </a:extLst>
+          </p:cNvPr>
+          <p:cNvSpPr txBox="1"/>
+          <p:nvPr/>
+        </p:nvSpPr>
+        <p:spPr>
+          <a:xfrm>
+            <a:off x="7315200" y="3965510"/>
+            <a:ext cx="4488024" cy="2031325"/>
+          </a:xfrm>
+          <a:prstGeom prst="rect">
+            <a:avLst/>
+          </a:prstGeom>
+          <a:noFill/>
+        </p:spPr>
+        <p:txBody>
+          <a:bodyPr wrap="square" rtlCol="0">
+            <a:spAutoFit/>
+          </a:bodyPr>
+          <a:lstStyle/>
+          <a:p>
+            <a:pPr marL="342900" indent="-342900">
+              <a:buFont typeface="+mj-lt"/>
+              <a:buAutoNum type="arabicPeriod"/>
+            </a:pPr>
+            <a:r>
+              <a:rPr lang="en-IN" dirty="0"/>
+              <a:t>Each Table will not have the non-dependent Columns for the Primary key</a:t>
+            </a:r>
+          </a:p>
+          <a:p>
+            <a:pPr marL="342900" indent="-342900">
+              <a:buFont typeface="+mj-lt"/>
+              <a:buAutoNum type="arabicPeriod"/>
+            </a:pPr>
+            <a:r>
+              <a:rPr lang="en-IN" dirty="0"/>
+              <a:t> There exists the Foreign Key for implementing Relation or dependency across table</a:t>
+            </a:r>
+          </a:p>
+          <a:p>
+            <a:pPr marL="342900" indent="-342900">
+              <a:buFont typeface="+mj-lt"/>
+              <a:buAutoNum type="arabicPeriod"/>
+            </a:pPr>
+            <a:endParaRPr lang="en-IN" dirty="0"/>
+          </a:p>
+          <a:p>
+            <a:r>
+              <a:rPr lang="en-IN" b="1"/>
+              <a:t>Third NF</a:t>
+            </a:r>
+            <a:r>
+              <a:rPr lang="en-IN"/>
+              <a:t> </a:t>
+            </a:r>
+            <a:endParaRPr lang="en-US" dirty="0"/>
+          </a:p>
+        </p:txBody>
+      </p:sp>
+      <p:sp>
+        <p:nvSpPr>
+          <p:cNvPr id="4" name="Arrow: Curved Down 3">
+            <a:extLst>
+              <a:ext uri="{FF2B5EF4-FFF2-40B4-BE49-F238E27FC236}">
+                <a16:creationId xmlns:a16="http://schemas.microsoft.com/office/drawing/2014/main" id="{E086F384-53C2-6B1D-5C47-B15F9793A117}"/>
+              </a:ext>
+            </a:extLst>
+          </p:cNvPr>
+          <p:cNvSpPr/>
+          <p:nvPr/>
+        </p:nvSpPr>
+        <p:spPr>
+          <a:xfrm>
+            <a:off x="1838130" y="82665"/>
+            <a:ext cx="8640148" cy="646331"/>
+          </a:xfrm>
+          <a:prstGeom prst="curvedDownArrow">
+            <a:avLst/>
+          </a:prstGeom>
+          <a:solidFill>
+            <a:srgbClr val="FF0000"/>
+          </a:solidFill>
+        </p:spPr>
+        <p:style>
+          <a:lnRef idx="2">
+            <a:schemeClr val="accent1">
+              <a:shade val="50000"/>
+            </a:schemeClr>
+          </a:lnRef>
+          <a:fillRef idx="1">
+            <a:schemeClr val="accent1"/>
+          </a:fillRef>
+          <a:effectRef idx="0">
+            <a:schemeClr val="accent1"/>
+          </a:effectRef>
+          <a:fontRef idx="minor">
+            <a:schemeClr val="lt1"/>
+          </a:fontRef>
+        </p:style>
+        <p:txBody>
+          <a:bodyPr rtlCol="0" anchor="ctr"/>
+          <a:lstStyle/>
+          <a:p>
+            <a:pPr algn="ctr"/>
+            <a:endParaRPr lang="en-US">
+              <a:solidFill>
+                <a:schemeClr val="tx1"/>
+              </a:solidFill>
+            </a:endParaRPr>
+          </a:p>
+        </p:txBody>
+      </p:sp>
+      <p:cxnSp>
+        <p:nvCxnSpPr>
+          <p:cNvPr id="17" name="Straight Arrow Connector 16">
+            <a:extLst>
+              <a:ext uri="{FF2B5EF4-FFF2-40B4-BE49-F238E27FC236}">
+                <a16:creationId xmlns:a16="http://schemas.microsoft.com/office/drawing/2014/main" id="{F9E7D01A-E552-6DD1-425F-5A53A875FA2D}"/>
+              </a:ext>
+            </a:extLst>
+          </p:cNvPr>
+          <p:cNvCxnSpPr/>
+          <p:nvPr/>
+        </p:nvCxnSpPr>
+        <p:spPr>
+          <a:xfrm>
+            <a:off x="634482" y="3125544"/>
+            <a:ext cx="335902" cy="1763697"/>
+          </a:xfrm>
+          <a:prstGeom prst="straightConnector1">
+            <a:avLst/>
+          </a:prstGeom>
+          <a:ln>
+            <a:tailEnd type="triangle"/>
+          </a:ln>
+        </p:spPr>
+        <p:style>
+          <a:lnRef idx="1">
+            <a:schemeClr val="accent1"/>
+          </a:lnRef>
+          <a:fillRef idx="0">
+            <a:schemeClr val="accent1"/>
+          </a:fillRef>
+          <a:effectRef idx="0">
+            <a:schemeClr val="accent1"/>
+          </a:effectRef>
+          <a:fontRef idx="minor">
+            <a:schemeClr val="tx1"/>
+          </a:fontRef>
+        </p:style>
+      </p:cxnSp>
+      <p:cxnSp>
+        <p:nvCxnSpPr>
+          <p:cNvPr id="20" name="Straight Arrow Connector 19">
+            <a:extLst>
+              <a:ext uri="{FF2B5EF4-FFF2-40B4-BE49-F238E27FC236}">
+                <a16:creationId xmlns:a16="http://schemas.microsoft.com/office/drawing/2014/main" id="{545FAD31-19DB-A5F7-A707-79B12D1BE690}"/>
+              </a:ext>
+            </a:extLst>
+          </p:cNvPr>
+          <p:cNvCxnSpPr/>
+          <p:nvPr/>
+        </p:nvCxnSpPr>
+        <p:spPr>
+          <a:xfrm flipH="1">
+            <a:off x="1166327" y="4310743"/>
+            <a:ext cx="289249" cy="279918"/>
+          </a:xfrm>
+          <a:prstGeom prst="straightConnector1">
+            <a:avLst/>
+          </a:prstGeom>
+          <a:ln>
+            <a:tailEnd type="triangle"/>
+          </a:ln>
+        </p:spPr>
+        <p:style>
+          <a:lnRef idx="1">
+            <a:schemeClr val="accent1"/>
+          </a:lnRef>
+          <a:fillRef idx="0">
+            <a:schemeClr val="accent1"/>
+          </a:fillRef>
+          <a:effectRef idx="0">
+            <a:schemeClr val="accent1"/>
+          </a:effectRef>
+          <a:fontRef idx="minor">
+            <a:schemeClr val="tx1"/>
+          </a:fontRef>
+        </p:style>
+      </p:cxnSp>
+      <p:cxnSp>
+        <p:nvCxnSpPr>
+          <p:cNvPr id="22" name="Straight Arrow Connector 21">
+            <a:extLst>
+              <a:ext uri="{FF2B5EF4-FFF2-40B4-BE49-F238E27FC236}">
+                <a16:creationId xmlns:a16="http://schemas.microsoft.com/office/drawing/2014/main" id="{2397541E-729C-5827-2847-555E3F5FB959}"/>
+              </a:ext>
+            </a:extLst>
+          </p:cNvPr>
+          <p:cNvCxnSpPr/>
+          <p:nvPr/>
+        </p:nvCxnSpPr>
+        <p:spPr>
+          <a:xfrm flipH="1">
+            <a:off x="634482" y="2920482"/>
+            <a:ext cx="335902" cy="2136710"/>
+          </a:xfrm>
+          <a:prstGeom prst="straightConnector1">
+            <a:avLst/>
+          </a:prstGeom>
+          <a:ln>
+            <a:tailEnd type="triangle"/>
+          </a:ln>
+        </p:spPr>
+        <p:style>
+          <a:lnRef idx="1">
+            <a:schemeClr val="accent1"/>
+          </a:lnRef>
+          <a:fillRef idx="0">
+            <a:schemeClr val="accent1"/>
+          </a:fillRef>
+          <a:effectRef idx="0">
+            <a:schemeClr val="accent1"/>
+          </a:effectRef>
+          <a:fontRef idx="minor">
+            <a:schemeClr val="tx1"/>
+          </a:fontRef>
+        </p:style>
+      </p:cxnSp>
+      <p:cxnSp>
+        <p:nvCxnSpPr>
+          <p:cNvPr id="24" name="Straight Arrow Connector 23">
+            <a:extLst>
+              <a:ext uri="{FF2B5EF4-FFF2-40B4-BE49-F238E27FC236}">
+                <a16:creationId xmlns:a16="http://schemas.microsoft.com/office/drawing/2014/main" id="{51C888B5-7E0D-8E38-EDCD-E30E93F4B256}"/>
+              </a:ext>
+            </a:extLst>
+          </p:cNvPr>
+          <p:cNvCxnSpPr/>
+          <p:nvPr/>
+        </p:nvCxnSpPr>
+        <p:spPr>
+          <a:xfrm>
+            <a:off x="1063690" y="4590661"/>
+            <a:ext cx="0" cy="466531"/>
+          </a:xfrm>
+          <a:prstGeom prst="straightConnector1">
+            <a:avLst/>
+          </a:prstGeom>
+          <a:ln>
+            <a:tailEnd type="triangle"/>
+          </a:ln>
+        </p:spPr>
+        <p:style>
+          <a:lnRef idx="1">
+            <a:schemeClr val="accent1"/>
+          </a:lnRef>
+          <a:fillRef idx="0">
+            <a:schemeClr val="accent1"/>
+          </a:fillRef>
+          <a:effectRef idx="0">
+            <a:schemeClr val="accent1"/>
+          </a:effectRef>
+          <a:fontRef idx="minor">
+            <a:schemeClr val="tx1"/>
+          </a:fontRef>
+        </p:style>
+      </p:cxnSp>
+      <p:cxnSp>
+        <p:nvCxnSpPr>
+          <p:cNvPr id="26" name="Straight Arrow Connector 25">
+            <a:extLst>
+              <a:ext uri="{FF2B5EF4-FFF2-40B4-BE49-F238E27FC236}">
+                <a16:creationId xmlns:a16="http://schemas.microsoft.com/office/drawing/2014/main" id="{A075D96A-1940-A60C-2521-6C1A0395EAAB}"/>
+              </a:ext>
+            </a:extLst>
+          </p:cNvPr>
+          <p:cNvCxnSpPr>
+            <a:stCxn id="14" idx="1"/>
+          </p:cNvCxnSpPr>
+          <p:nvPr/>
+        </p:nvCxnSpPr>
+        <p:spPr>
+          <a:xfrm>
+            <a:off x="352490" y="4806600"/>
+            <a:ext cx="375298" cy="222389"/>
+          </a:xfrm>
+          <a:prstGeom prst="straightConnector1">
+            <a:avLst/>
+          </a:prstGeom>
+          <a:ln>
+            <a:tailEnd type="triangle"/>
+          </a:ln>
+        </p:spPr>
+        <p:style>
+          <a:lnRef idx="1">
+            <a:schemeClr val="accent1"/>
+          </a:lnRef>
+          <a:fillRef idx="0">
+            <a:schemeClr val="accent1"/>
+          </a:fillRef>
+          <a:effectRef idx="0">
+            <a:schemeClr val="accent1"/>
+          </a:effectRef>
+          <a:fontRef idx="minor">
+            <a:schemeClr val="tx1"/>
+          </a:fontRef>
+        </p:style>
+      </p:cxnSp>
+    </p:spTree>
+    <p:extLst>
+      <p:ext uri="{BB962C8B-B14F-4D97-AF65-F5344CB8AC3E}">
+        <p14:creationId xmlns:p14="http://schemas.microsoft.com/office/powerpoint/2010/main" val="3835527468"/>
+      </p:ext>
+    </p:extLst>
+  </p:cSld>
+  <p:clrMapOvr>
+    <a:masterClrMapping/>
+  </p:clrMapOvr>
+</p:sld>
+</file>
+
 <file path=ppt/slides/slide2.xml><?xml version="1.0" encoding="utf-8"?>
 <p:sld xmlns:a="http://schemas.openxmlformats.org/drawingml/2006/main" xmlns:r="http://schemas.openxmlformats.org/officeDocument/2006/relationships" xmlns:p="http://schemas.openxmlformats.org/presentationml/2006/main">
   <p:cSld>

--- a/Training-Images.pptx
+++ b/Training-Images.pptx
@@ -18,9 +18,10 @@
     <p:sldId id="266" r:id="rId12"/>
     <p:sldId id="267" r:id="rId13"/>
     <p:sldId id="268" r:id="rId14"/>
-    <p:sldId id="269" r:id="rId15"/>
-    <p:sldId id="270" r:id="rId16"/>
-    <p:sldId id="271" r:id="rId17"/>
+    <p:sldId id="272" r:id="rId15"/>
+    <p:sldId id="269" r:id="rId16"/>
+    <p:sldId id="270" r:id="rId17"/>
+    <p:sldId id="271" r:id="rId18"/>
   </p:sldIdLst>
   <p:sldSz cx="12192000" cy="6858000"/>
   <p:notesSz cx="6858000" cy="9144000"/>
@@ -274,7 +275,7 @@
           <a:p>
             <a:fld id="{95E4630E-4E16-4BC6-8D4C-04E2A0254E22}" type="datetimeFigureOut">
               <a:rPr lang="en-US" smtClean="0"/>
-              <a:t>7/14/2022</a:t>
+              <a:t>7/15/2022</a:t>
             </a:fld>
             <a:endParaRPr lang="en-US"/>
           </a:p>
@@ -472,7 +473,7 @@
           <a:p>
             <a:fld id="{95E4630E-4E16-4BC6-8D4C-04E2A0254E22}" type="datetimeFigureOut">
               <a:rPr lang="en-US" smtClean="0"/>
-              <a:t>7/14/2022</a:t>
+              <a:t>7/15/2022</a:t>
             </a:fld>
             <a:endParaRPr lang="en-US"/>
           </a:p>
@@ -680,7 +681,7 @@
           <a:p>
             <a:fld id="{95E4630E-4E16-4BC6-8D4C-04E2A0254E22}" type="datetimeFigureOut">
               <a:rPr lang="en-US" smtClean="0"/>
-              <a:t>7/14/2022</a:t>
+              <a:t>7/15/2022</a:t>
             </a:fld>
             <a:endParaRPr lang="en-US"/>
           </a:p>
@@ -878,7 +879,7 @@
           <a:p>
             <a:fld id="{95E4630E-4E16-4BC6-8D4C-04E2A0254E22}" type="datetimeFigureOut">
               <a:rPr lang="en-US" smtClean="0"/>
-              <a:t>7/14/2022</a:t>
+              <a:t>7/15/2022</a:t>
             </a:fld>
             <a:endParaRPr lang="en-US"/>
           </a:p>
@@ -1153,7 +1154,7 @@
           <a:p>
             <a:fld id="{95E4630E-4E16-4BC6-8D4C-04E2A0254E22}" type="datetimeFigureOut">
               <a:rPr lang="en-US" smtClean="0"/>
-              <a:t>7/14/2022</a:t>
+              <a:t>7/15/2022</a:t>
             </a:fld>
             <a:endParaRPr lang="en-US"/>
           </a:p>
@@ -1418,7 +1419,7 @@
           <a:p>
             <a:fld id="{95E4630E-4E16-4BC6-8D4C-04E2A0254E22}" type="datetimeFigureOut">
               <a:rPr lang="en-US" smtClean="0"/>
-              <a:t>7/14/2022</a:t>
+              <a:t>7/15/2022</a:t>
             </a:fld>
             <a:endParaRPr lang="en-US"/>
           </a:p>
@@ -1830,7 +1831,7 @@
           <a:p>
             <a:fld id="{95E4630E-4E16-4BC6-8D4C-04E2A0254E22}" type="datetimeFigureOut">
               <a:rPr lang="en-US" smtClean="0"/>
-              <a:t>7/14/2022</a:t>
+              <a:t>7/15/2022</a:t>
             </a:fld>
             <a:endParaRPr lang="en-US"/>
           </a:p>
@@ -1971,7 +1972,7 @@
           <a:p>
             <a:fld id="{95E4630E-4E16-4BC6-8D4C-04E2A0254E22}" type="datetimeFigureOut">
               <a:rPr lang="en-US" smtClean="0"/>
-              <a:t>7/14/2022</a:t>
+              <a:t>7/15/2022</a:t>
             </a:fld>
             <a:endParaRPr lang="en-US"/>
           </a:p>
@@ -2084,7 +2085,7 @@
           <a:p>
             <a:fld id="{95E4630E-4E16-4BC6-8D4C-04E2A0254E22}" type="datetimeFigureOut">
               <a:rPr lang="en-US" smtClean="0"/>
-              <a:t>7/14/2022</a:t>
+              <a:t>7/15/2022</a:t>
             </a:fld>
             <a:endParaRPr lang="en-US"/>
           </a:p>
@@ -2395,7 +2396,7 @@
           <a:p>
             <a:fld id="{95E4630E-4E16-4BC6-8D4C-04E2A0254E22}" type="datetimeFigureOut">
               <a:rPr lang="en-US" smtClean="0"/>
-              <a:t>7/14/2022</a:t>
+              <a:t>7/15/2022</a:t>
             </a:fld>
             <a:endParaRPr lang="en-US"/>
           </a:p>
@@ -2683,7 +2684,7 @@
           <a:p>
             <a:fld id="{95E4630E-4E16-4BC6-8D4C-04E2A0254E22}" type="datetimeFigureOut">
               <a:rPr lang="en-US" smtClean="0"/>
-              <a:t>7/14/2022</a:t>
+              <a:t>7/15/2022</a:t>
             </a:fld>
             <a:endParaRPr lang="en-US"/>
           </a:p>
@@ -2924,7 +2925,7 @@
           <a:p>
             <a:fld id="{95E4630E-4E16-4BC6-8D4C-04E2A0254E22}" type="datetimeFigureOut">
               <a:rPr lang="en-US" smtClean="0"/>
-              <a:t>7/14/2022</a:t>
+              <a:t>7/15/2022</a:t>
             </a:fld>
             <a:endParaRPr lang="en-US"/>
           </a:p>
@@ -6428,6 +6429,313 @@
           </a:p>
         </p:txBody>
       </p:sp>
+      <p:sp>
+        <p:nvSpPr>
+          <p:cNvPr id="5" name="Rectangle 4">
+            <a:extLst>
+              <a:ext uri="{FF2B5EF4-FFF2-40B4-BE49-F238E27FC236}">
+                <a16:creationId xmlns:a16="http://schemas.microsoft.com/office/drawing/2014/main" id="{1D04EF19-7F08-1F40-69AA-80940989E322}"/>
+              </a:ext>
+            </a:extLst>
+          </p:cNvPr>
+          <p:cNvSpPr/>
+          <p:nvPr/>
+        </p:nvSpPr>
+        <p:spPr>
+          <a:xfrm>
+            <a:off x="4730620" y="466531"/>
+            <a:ext cx="3032449" cy="6083559"/>
+          </a:xfrm>
+          <a:prstGeom prst="rect">
+            <a:avLst/>
+          </a:prstGeom>
+        </p:spPr>
+        <p:style>
+          <a:lnRef idx="2">
+            <a:schemeClr val="accent6"/>
+          </a:lnRef>
+          <a:fillRef idx="1">
+            <a:schemeClr val="lt1"/>
+          </a:fillRef>
+          <a:effectRef idx="0">
+            <a:schemeClr val="accent6"/>
+          </a:effectRef>
+          <a:fontRef idx="minor">
+            <a:schemeClr val="dk1"/>
+          </a:fontRef>
+        </p:style>
+        <p:txBody>
+          <a:bodyPr rtlCol="0" anchor="ctr"/>
+          <a:lstStyle/>
+          <a:p>
+            <a:pPr algn="ctr"/>
+            <a:endParaRPr lang="en-US"/>
+          </a:p>
+        </p:txBody>
+      </p:sp>
+      <p:sp>
+        <p:nvSpPr>
+          <p:cNvPr id="6" name="Rectangle: Rounded Corners 5">
+            <a:extLst>
+              <a:ext uri="{FF2B5EF4-FFF2-40B4-BE49-F238E27FC236}">
+                <a16:creationId xmlns:a16="http://schemas.microsoft.com/office/drawing/2014/main" id="{5EC77F3F-9D53-1501-809C-E7CEB441FD17}"/>
+              </a:ext>
+            </a:extLst>
+          </p:cNvPr>
+          <p:cNvSpPr/>
+          <p:nvPr/>
+        </p:nvSpPr>
+        <p:spPr>
+          <a:xfrm>
+            <a:off x="4982547" y="1045029"/>
+            <a:ext cx="2379306" cy="1175656"/>
+          </a:xfrm>
+          <a:prstGeom prst="roundRect">
+            <a:avLst/>
+          </a:prstGeom>
+        </p:spPr>
+        <p:style>
+          <a:lnRef idx="2">
+            <a:schemeClr val="accent1">
+              <a:shade val="50000"/>
+            </a:schemeClr>
+          </a:lnRef>
+          <a:fillRef idx="1">
+            <a:schemeClr val="accent1"/>
+          </a:fillRef>
+          <a:effectRef idx="0">
+            <a:schemeClr val="accent1"/>
+          </a:effectRef>
+          <a:fontRef idx="minor">
+            <a:schemeClr val="lt1"/>
+          </a:fontRef>
+        </p:style>
+        <p:txBody>
+          <a:bodyPr rtlCol="0" anchor="ctr"/>
+          <a:lstStyle/>
+          <a:p>
+            <a:pPr algn="ctr"/>
+            <a:endParaRPr lang="en-US"/>
+          </a:p>
+        </p:txBody>
+      </p:sp>
+      <p:sp>
+        <p:nvSpPr>
+          <p:cNvPr id="7" name="Rectangle: Rounded Corners 6">
+            <a:extLst>
+              <a:ext uri="{FF2B5EF4-FFF2-40B4-BE49-F238E27FC236}">
+                <a16:creationId xmlns:a16="http://schemas.microsoft.com/office/drawing/2014/main" id="{7E8214FB-4AA1-E2F4-0BB1-B8ECF9B27D17}"/>
+              </a:ext>
+            </a:extLst>
+          </p:cNvPr>
+          <p:cNvSpPr/>
+          <p:nvPr/>
+        </p:nvSpPr>
+        <p:spPr>
+          <a:xfrm>
+            <a:off x="4982547" y="2680996"/>
+            <a:ext cx="2379306" cy="1175656"/>
+          </a:xfrm>
+          <a:prstGeom prst="roundRect">
+            <a:avLst/>
+          </a:prstGeom>
+        </p:spPr>
+        <p:style>
+          <a:lnRef idx="2">
+            <a:schemeClr val="accent1">
+              <a:shade val="50000"/>
+            </a:schemeClr>
+          </a:lnRef>
+          <a:fillRef idx="1">
+            <a:schemeClr val="accent1"/>
+          </a:fillRef>
+          <a:effectRef idx="0">
+            <a:schemeClr val="accent1"/>
+          </a:effectRef>
+          <a:fontRef idx="minor">
+            <a:schemeClr val="lt1"/>
+          </a:fontRef>
+        </p:style>
+        <p:txBody>
+          <a:bodyPr rtlCol="0" anchor="ctr"/>
+          <a:lstStyle/>
+          <a:p>
+            <a:pPr algn="ctr"/>
+            <a:endParaRPr lang="en-US"/>
+          </a:p>
+        </p:txBody>
+      </p:sp>
+      <p:sp>
+        <p:nvSpPr>
+          <p:cNvPr id="8" name="Rectangle: Rounded Corners 7">
+            <a:extLst>
+              <a:ext uri="{FF2B5EF4-FFF2-40B4-BE49-F238E27FC236}">
+                <a16:creationId xmlns:a16="http://schemas.microsoft.com/office/drawing/2014/main" id="{65780929-954A-5673-30B0-D96AF816E748}"/>
+              </a:ext>
+            </a:extLst>
+          </p:cNvPr>
+          <p:cNvSpPr/>
+          <p:nvPr/>
+        </p:nvSpPr>
+        <p:spPr>
+          <a:xfrm>
+            <a:off x="4982547" y="4316963"/>
+            <a:ext cx="2379306" cy="1175656"/>
+          </a:xfrm>
+          <a:prstGeom prst="roundRect">
+            <a:avLst/>
+          </a:prstGeom>
+        </p:spPr>
+        <p:style>
+          <a:lnRef idx="2">
+            <a:schemeClr val="accent1">
+              <a:shade val="50000"/>
+            </a:schemeClr>
+          </a:lnRef>
+          <a:fillRef idx="1">
+            <a:schemeClr val="accent1"/>
+          </a:fillRef>
+          <a:effectRef idx="0">
+            <a:schemeClr val="accent1"/>
+          </a:effectRef>
+          <a:fontRef idx="minor">
+            <a:schemeClr val="lt1"/>
+          </a:fontRef>
+        </p:style>
+        <p:txBody>
+          <a:bodyPr rtlCol="0" anchor="ctr"/>
+          <a:lstStyle/>
+          <a:p>
+            <a:pPr algn="ctr"/>
+            <a:endParaRPr lang="en-US"/>
+          </a:p>
+        </p:txBody>
+      </p:sp>
+      <p:cxnSp>
+        <p:nvCxnSpPr>
+          <p:cNvPr id="10" name="Connector: Elbow 9">
+            <a:extLst>
+              <a:ext uri="{FF2B5EF4-FFF2-40B4-BE49-F238E27FC236}">
+                <a16:creationId xmlns:a16="http://schemas.microsoft.com/office/drawing/2014/main" id="{CBE6FCBE-29BD-6C42-C041-1C09412B2C60}"/>
+              </a:ext>
+            </a:extLst>
+          </p:cNvPr>
+          <p:cNvCxnSpPr>
+            <a:stCxn id="6" idx="3"/>
+            <a:endCxn id="2" idx="2"/>
+          </p:cNvCxnSpPr>
+          <p:nvPr/>
+        </p:nvCxnSpPr>
+        <p:spPr>
+          <a:xfrm flipV="1">
+            <a:off x="7361853" y="1558212"/>
+            <a:ext cx="2649893" cy="74645"/>
+          </a:xfrm>
+          <a:prstGeom prst="bentConnector3">
+            <a:avLst/>
+          </a:prstGeom>
+          <a:ln>
+            <a:tailEnd type="triangle"/>
+          </a:ln>
+        </p:spPr>
+        <p:style>
+          <a:lnRef idx="1">
+            <a:schemeClr val="accent1"/>
+          </a:lnRef>
+          <a:fillRef idx="0">
+            <a:schemeClr val="accent1"/>
+          </a:fillRef>
+          <a:effectRef idx="0">
+            <a:schemeClr val="accent1"/>
+          </a:effectRef>
+          <a:fontRef idx="minor">
+            <a:schemeClr val="tx1"/>
+          </a:fontRef>
+        </p:style>
+      </p:cxnSp>
+      <p:cxnSp>
+        <p:nvCxnSpPr>
+          <p:cNvPr id="14" name="Connector: Elbow 13">
+            <a:extLst>
+              <a:ext uri="{FF2B5EF4-FFF2-40B4-BE49-F238E27FC236}">
+                <a16:creationId xmlns:a16="http://schemas.microsoft.com/office/drawing/2014/main" id="{C6C1C95A-ABBF-993E-BF7A-534502FEF323}"/>
+              </a:ext>
+            </a:extLst>
+          </p:cNvPr>
+          <p:cNvCxnSpPr>
+            <a:endCxn id="2" idx="2"/>
+          </p:cNvCxnSpPr>
+          <p:nvPr/>
+        </p:nvCxnSpPr>
+        <p:spPr>
+          <a:xfrm flipV="1">
+            <a:off x="7361853" y="1558212"/>
+            <a:ext cx="2649893" cy="1710612"/>
+          </a:xfrm>
+          <a:prstGeom prst="bentConnector3">
+            <a:avLst/>
+          </a:prstGeom>
+          <a:ln>
+            <a:tailEnd type="triangle"/>
+          </a:ln>
+        </p:spPr>
+        <p:style>
+          <a:lnRef idx="1">
+            <a:schemeClr val="accent1"/>
+          </a:lnRef>
+          <a:fillRef idx="0">
+            <a:schemeClr val="accent1"/>
+          </a:fillRef>
+          <a:effectRef idx="0">
+            <a:schemeClr val="accent1"/>
+          </a:effectRef>
+          <a:fontRef idx="minor">
+            <a:schemeClr val="tx1"/>
+          </a:fontRef>
+        </p:style>
+      </p:cxnSp>
+      <p:cxnSp>
+        <p:nvCxnSpPr>
+          <p:cNvPr id="16" name="Connector: Elbow 15">
+            <a:extLst>
+              <a:ext uri="{FF2B5EF4-FFF2-40B4-BE49-F238E27FC236}">
+                <a16:creationId xmlns:a16="http://schemas.microsoft.com/office/drawing/2014/main" id="{00F56C0A-642D-F7B1-8611-9134D998EEC6}"/>
+              </a:ext>
+            </a:extLst>
+          </p:cNvPr>
+          <p:cNvCxnSpPr>
+            <a:stCxn id="8" idx="3"/>
+            <a:endCxn id="2" idx="2"/>
+          </p:cNvCxnSpPr>
+          <p:nvPr/>
+        </p:nvCxnSpPr>
+        <p:spPr>
+          <a:xfrm flipV="1">
+            <a:off x="7361853" y="1558212"/>
+            <a:ext cx="2649893" cy="3346579"/>
+          </a:xfrm>
+          <a:prstGeom prst="bentConnector3">
+            <a:avLst/>
+          </a:prstGeom>
+          <a:ln>
+            <a:tailEnd type="triangle"/>
+          </a:ln>
+        </p:spPr>
+        <p:style>
+          <a:lnRef idx="1">
+            <a:schemeClr val="accent1"/>
+          </a:lnRef>
+          <a:fillRef idx="0">
+            <a:schemeClr val="accent1"/>
+          </a:fillRef>
+          <a:effectRef idx="0">
+            <a:schemeClr val="accent1"/>
+          </a:effectRef>
+          <a:fontRef idx="minor">
+            <a:schemeClr val="tx1"/>
+          </a:fontRef>
+        </p:style>
+      </p:cxnSp>
     </p:spTree>
     <p:extLst>
       <p:ext uri="{BB962C8B-B14F-4D97-AF65-F5344CB8AC3E}">
@@ -6442,6 +6750,1170 @@
 </file>
 
 <file path=ppt/slides/slide14.xml><?xml version="1.0" encoding="utf-8"?>
+<p:sld xmlns:a="http://schemas.openxmlformats.org/drawingml/2006/main" xmlns:r="http://schemas.openxmlformats.org/officeDocument/2006/relationships" xmlns:p="http://schemas.openxmlformats.org/presentationml/2006/main">
+  <p:cSld>
+    <p:spTree>
+      <p:nvGrpSpPr>
+        <p:cNvPr id="1" name=""/>
+        <p:cNvGrpSpPr/>
+        <p:nvPr/>
+      </p:nvGrpSpPr>
+      <p:grpSpPr>
+        <a:xfrm>
+          <a:off x="0" y="0"/>
+          <a:ext cx="0" cy="0"/>
+          <a:chOff x="0" y="0"/>
+          <a:chExt cx="0" cy="0"/>
+        </a:xfrm>
+      </p:grpSpPr>
+      <p:sp>
+        <p:nvSpPr>
+          <p:cNvPr id="2" name="Cylinder 1">
+            <a:extLst>
+              <a:ext uri="{FF2B5EF4-FFF2-40B4-BE49-F238E27FC236}">
+                <a16:creationId xmlns:a16="http://schemas.microsoft.com/office/drawing/2014/main" id="{98B482DD-DDA2-4688-4D9E-3073817D710E}"/>
+              </a:ext>
+            </a:extLst>
+          </p:cNvPr>
+          <p:cNvSpPr/>
+          <p:nvPr/>
+        </p:nvSpPr>
+        <p:spPr>
+          <a:xfrm>
+            <a:off x="7931020" y="1017037"/>
+            <a:ext cx="3918858" cy="5103845"/>
+          </a:xfrm>
+          <a:prstGeom prst="can">
+            <a:avLst/>
+          </a:prstGeom>
+        </p:spPr>
+        <p:style>
+          <a:lnRef idx="2">
+            <a:schemeClr val="accent1">
+              <a:shade val="50000"/>
+            </a:schemeClr>
+          </a:lnRef>
+          <a:fillRef idx="1">
+            <a:schemeClr val="accent1"/>
+          </a:fillRef>
+          <a:effectRef idx="0">
+            <a:schemeClr val="accent1"/>
+          </a:effectRef>
+          <a:fontRef idx="minor">
+            <a:schemeClr val="lt1"/>
+          </a:fontRef>
+        </p:style>
+        <p:txBody>
+          <a:bodyPr rtlCol="0" anchor="ctr"/>
+          <a:lstStyle/>
+          <a:p>
+            <a:pPr algn="ctr"/>
+            <a:endParaRPr lang="en-US"/>
+          </a:p>
+        </p:txBody>
+      </p:sp>
+      <p:graphicFrame>
+        <p:nvGraphicFramePr>
+          <p:cNvPr id="3" name="Table 3">
+            <a:extLst>
+              <a:ext uri="{FF2B5EF4-FFF2-40B4-BE49-F238E27FC236}">
+                <a16:creationId xmlns:a16="http://schemas.microsoft.com/office/drawing/2014/main" id="{5107AEB3-C192-1B22-F1AF-01AD4AB85EE4}"/>
+              </a:ext>
+            </a:extLst>
+          </p:cNvPr>
+          <p:cNvGraphicFramePr>
+            <a:graphicFrameLocks noGrp="1"/>
+          </p:cNvGraphicFramePr>
+          <p:nvPr>
+            <p:extLst>
+              <p:ext uri="{D42A27DB-BD31-4B8C-83A1-F6EECF244321}">
+                <p14:modId xmlns:p14="http://schemas.microsoft.com/office/powerpoint/2010/main" val="314965255"/>
+              </p:ext>
+            </p:extLst>
+          </p:nvPr>
+        </p:nvGraphicFramePr>
+        <p:xfrm>
+          <a:off x="8154955" y="2520475"/>
+          <a:ext cx="3610948" cy="741680"/>
+        </p:xfrm>
+        <a:graphic>
+          <a:graphicData uri="http://schemas.openxmlformats.org/drawingml/2006/table">
+            <a:tbl>
+              <a:tblPr firstRow="1" bandRow="1">
+                <a:tableStyleId>{5C22544A-7EE6-4342-B048-85BDC9FD1C3A}</a:tableStyleId>
+              </a:tblPr>
+              <a:tblGrid>
+                <a:gridCol w="902737">
+                  <a:extLst>
+                    <a:ext uri="{9D8B030D-6E8A-4147-A177-3AD203B41FA5}">
+                      <a16:colId xmlns:a16="http://schemas.microsoft.com/office/drawing/2014/main" val="4128904717"/>
+                    </a:ext>
+                  </a:extLst>
+                </a:gridCol>
+                <a:gridCol w="902737">
+                  <a:extLst>
+                    <a:ext uri="{9D8B030D-6E8A-4147-A177-3AD203B41FA5}">
+                      <a16:colId xmlns:a16="http://schemas.microsoft.com/office/drawing/2014/main" val="257727699"/>
+                    </a:ext>
+                  </a:extLst>
+                </a:gridCol>
+                <a:gridCol w="902737">
+                  <a:extLst>
+                    <a:ext uri="{9D8B030D-6E8A-4147-A177-3AD203B41FA5}">
+                      <a16:colId xmlns:a16="http://schemas.microsoft.com/office/drawing/2014/main" val="2619694435"/>
+                    </a:ext>
+                  </a:extLst>
+                </a:gridCol>
+                <a:gridCol w="902737">
+                  <a:extLst>
+                    <a:ext uri="{9D8B030D-6E8A-4147-A177-3AD203B41FA5}">
+                      <a16:colId xmlns:a16="http://schemas.microsoft.com/office/drawing/2014/main" val="1566146939"/>
+                    </a:ext>
+                  </a:extLst>
+                </a:gridCol>
+              </a:tblGrid>
+              <a:tr h="370840">
+                <a:tc>
+                  <a:txBody>
+                    <a:bodyPr/>
+                    <a:lstStyle/>
+                    <a:p>
+                      <a:r>
+                        <a:rPr lang="en-IN" dirty="0" err="1"/>
+                        <a:t>Dno</a:t>
+                      </a:r>
+                      <a:endParaRPr lang="en-US" dirty="0"/>
+                    </a:p>
+                  </a:txBody>
+                  <a:tcPr/>
+                </a:tc>
+                <a:tc>
+                  <a:txBody>
+                    <a:bodyPr/>
+                    <a:lstStyle/>
+                    <a:p>
+                      <a:r>
+                        <a:rPr lang="en-IN" dirty="0"/>
+                        <a:t>Dname</a:t>
+                      </a:r>
+                      <a:endParaRPr lang="en-US" dirty="0"/>
+                    </a:p>
+                  </a:txBody>
+                  <a:tcPr/>
+                </a:tc>
+                <a:tc>
+                  <a:txBody>
+                    <a:bodyPr/>
+                    <a:lstStyle/>
+                    <a:p>
+                      <a:r>
+                        <a:rPr lang="en-IN" dirty="0" err="1"/>
+                        <a:t>Loc</a:t>
+                      </a:r>
+                      <a:endParaRPr lang="en-US" dirty="0"/>
+                    </a:p>
+                  </a:txBody>
+                  <a:tcPr/>
+                </a:tc>
+                <a:tc>
+                  <a:txBody>
+                    <a:bodyPr/>
+                    <a:lstStyle/>
+                    <a:p>
+                      <a:r>
+                        <a:rPr lang="en-IN" dirty="0"/>
+                        <a:t>Cap</a:t>
+                      </a:r>
+                      <a:endParaRPr lang="en-US" dirty="0"/>
+                    </a:p>
+                  </a:txBody>
+                  <a:tcPr/>
+                </a:tc>
+                <a:extLst>
+                  <a:ext uri="{0D108BD9-81ED-4DB2-BD59-A6C34878D82A}">
+                    <a16:rowId xmlns:a16="http://schemas.microsoft.com/office/drawing/2014/main" val="926229927"/>
+                  </a:ext>
+                </a:extLst>
+              </a:tr>
+              <a:tr h="370840">
+                <a:tc>
+                  <a:txBody>
+                    <a:bodyPr/>
+                    <a:lstStyle/>
+                    <a:p>
+                      <a:r>
+                        <a:rPr lang="en-IN" dirty="0"/>
+                        <a:t>10</a:t>
+                      </a:r>
+                      <a:endParaRPr lang="en-US" dirty="0"/>
+                    </a:p>
+                  </a:txBody>
+                  <a:tcPr/>
+                </a:tc>
+                <a:tc>
+                  <a:txBody>
+                    <a:bodyPr/>
+                    <a:lstStyle/>
+                    <a:p>
+                      <a:r>
+                        <a:rPr lang="en-IN" dirty="0"/>
+                        <a:t>IT</a:t>
+                      </a:r>
+                      <a:endParaRPr lang="en-US" dirty="0"/>
+                    </a:p>
+                  </a:txBody>
+                  <a:tcPr/>
+                </a:tc>
+                <a:tc>
+                  <a:txBody>
+                    <a:bodyPr/>
+                    <a:lstStyle/>
+                    <a:p>
+                      <a:r>
+                        <a:rPr lang="en-IN" dirty="0"/>
+                        <a:t>Pune</a:t>
+                      </a:r>
+                      <a:endParaRPr lang="en-US" dirty="0"/>
+                    </a:p>
+                  </a:txBody>
+                  <a:tcPr/>
+                </a:tc>
+                <a:tc>
+                  <a:txBody>
+                    <a:bodyPr/>
+                    <a:lstStyle/>
+                    <a:p>
+                      <a:r>
+                        <a:rPr lang="en-IN" dirty="0"/>
+                        <a:t>1000</a:t>
+                      </a:r>
+                      <a:endParaRPr lang="en-US" dirty="0"/>
+                    </a:p>
+                  </a:txBody>
+                  <a:tcPr/>
+                </a:tc>
+                <a:extLst>
+                  <a:ext uri="{0D108BD9-81ED-4DB2-BD59-A6C34878D82A}">
+                    <a16:rowId xmlns:a16="http://schemas.microsoft.com/office/drawing/2014/main" val="820485443"/>
+                  </a:ext>
+                </a:extLst>
+              </a:tr>
+            </a:tbl>
+          </a:graphicData>
+        </a:graphic>
+      </p:graphicFrame>
+      <p:sp>
+        <p:nvSpPr>
+          <p:cNvPr id="4" name="Rectangle: Rounded Corners 3">
+            <a:extLst>
+              <a:ext uri="{FF2B5EF4-FFF2-40B4-BE49-F238E27FC236}">
+                <a16:creationId xmlns:a16="http://schemas.microsoft.com/office/drawing/2014/main" id="{F6D5EBCE-CB1A-83ED-8C9B-CAA7304A960C}"/>
+              </a:ext>
+            </a:extLst>
+          </p:cNvPr>
+          <p:cNvSpPr/>
+          <p:nvPr/>
+        </p:nvSpPr>
+        <p:spPr>
+          <a:xfrm>
+            <a:off x="158621" y="228600"/>
+            <a:ext cx="3489649" cy="1576873"/>
+          </a:xfrm>
+          <a:prstGeom prst="roundRect">
+            <a:avLst/>
+          </a:prstGeom>
+        </p:spPr>
+        <p:style>
+          <a:lnRef idx="2">
+            <a:schemeClr val="accent1">
+              <a:shade val="50000"/>
+            </a:schemeClr>
+          </a:lnRef>
+          <a:fillRef idx="1">
+            <a:schemeClr val="accent1"/>
+          </a:fillRef>
+          <a:effectRef idx="0">
+            <a:schemeClr val="accent1"/>
+          </a:effectRef>
+          <a:fontRef idx="minor">
+            <a:schemeClr val="lt1"/>
+          </a:fontRef>
+        </p:style>
+        <p:txBody>
+          <a:bodyPr rtlCol="0" anchor="ctr"/>
+          <a:lstStyle/>
+          <a:p>
+            <a:pPr algn="ctr"/>
+            <a:r>
+              <a:rPr lang="en-IN" b="1" dirty="0"/>
+              <a:t>Client App</a:t>
+            </a:r>
+          </a:p>
+          <a:p>
+            <a:pPr algn="ctr"/>
+            <a:r>
+              <a:rPr lang="en-IN" b="1" dirty="0" err="1"/>
+              <a:t>C#.Net</a:t>
+            </a:r>
+            <a:r>
+              <a:rPr lang="en-IN" b="1" dirty="0"/>
+              <a:t> Console App, ASP.NET Web Forms, MVC</a:t>
+            </a:r>
+            <a:endParaRPr lang="en-US" b="1" dirty="0"/>
+          </a:p>
+        </p:txBody>
+      </p:sp>
+      <p:sp>
+        <p:nvSpPr>
+          <p:cNvPr id="5" name="Rectangle: Rounded Corners 4">
+            <a:extLst>
+              <a:ext uri="{FF2B5EF4-FFF2-40B4-BE49-F238E27FC236}">
+                <a16:creationId xmlns:a16="http://schemas.microsoft.com/office/drawing/2014/main" id="{2B1230E3-15D1-726C-007E-4B518AC5C3DF}"/>
+              </a:ext>
+            </a:extLst>
+          </p:cNvPr>
+          <p:cNvSpPr/>
+          <p:nvPr/>
+        </p:nvSpPr>
+        <p:spPr>
+          <a:xfrm>
+            <a:off x="205275" y="1849812"/>
+            <a:ext cx="3489649" cy="1576873"/>
+          </a:xfrm>
+          <a:prstGeom prst="roundRect">
+            <a:avLst/>
+          </a:prstGeom>
+        </p:spPr>
+        <p:style>
+          <a:lnRef idx="2">
+            <a:schemeClr val="accent1">
+              <a:shade val="50000"/>
+            </a:schemeClr>
+          </a:lnRef>
+          <a:fillRef idx="1">
+            <a:schemeClr val="accent1"/>
+          </a:fillRef>
+          <a:effectRef idx="0">
+            <a:schemeClr val="accent1"/>
+          </a:effectRef>
+          <a:fontRef idx="minor">
+            <a:schemeClr val="lt1"/>
+          </a:fontRef>
+        </p:style>
+        <p:txBody>
+          <a:bodyPr rtlCol="0" anchor="ctr"/>
+          <a:lstStyle/>
+          <a:p>
+            <a:pPr algn="ctr"/>
+            <a:r>
+              <a:rPr lang="en-IN" b="1" dirty="0"/>
+              <a:t>Client App</a:t>
+            </a:r>
+          </a:p>
+          <a:p>
+            <a:pPr algn="ctr"/>
+            <a:r>
+              <a:rPr lang="en-IN" b="1" dirty="0" err="1"/>
+              <a:t>C#.Net</a:t>
+            </a:r>
+            <a:r>
+              <a:rPr lang="en-IN" b="1" dirty="0"/>
+              <a:t> Console App, ASP.NET Web Forms, MVC</a:t>
+            </a:r>
+            <a:endParaRPr lang="en-US" b="1" dirty="0"/>
+          </a:p>
+        </p:txBody>
+      </p:sp>
+      <p:sp>
+        <p:nvSpPr>
+          <p:cNvPr id="6" name="Rectangle: Rounded Corners 5">
+            <a:extLst>
+              <a:ext uri="{FF2B5EF4-FFF2-40B4-BE49-F238E27FC236}">
+                <a16:creationId xmlns:a16="http://schemas.microsoft.com/office/drawing/2014/main" id="{473569F5-2677-7D15-C74D-51AFED4A7F5C}"/>
+              </a:ext>
+            </a:extLst>
+          </p:cNvPr>
+          <p:cNvSpPr/>
+          <p:nvPr/>
+        </p:nvSpPr>
+        <p:spPr>
+          <a:xfrm>
+            <a:off x="205275" y="3471024"/>
+            <a:ext cx="3489649" cy="1576873"/>
+          </a:xfrm>
+          <a:prstGeom prst="roundRect">
+            <a:avLst/>
+          </a:prstGeom>
+        </p:spPr>
+        <p:style>
+          <a:lnRef idx="2">
+            <a:schemeClr val="accent1">
+              <a:shade val="50000"/>
+            </a:schemeClr>
+          </a:lnRef>
+          <a:fillRef idx="1">
+            <a:schemeClr val="accent1"/>
+          </a:fillRef>
+          <a:effectRef idx="0">
+            <a:schemeClr val="accent1"/>
+          </a:effectRef>
+          <a:fontRef idx="minor">
+            <a:schemeClr val="lt1"/>
+          </a:fontRef>
+        </p:style>
+        <p:txBody>
+          <a:bodyPr rtlCol="0" anchor="ctr"/>
+          <a:lstStyle/>
+          <a:p>
+            <a:pPr algn="ctr"/>
+            <a:r>
+              <a:rPr lang="en-IN" b="1" dirty="0"/>
+              <a:t>Client App</a:t>
+            </a:r>
+          </a:p>
+          <a:p>
+            <a:pPr algn="ctr"/>
+            <a:r>
+              <a:rPr lang="en-IN" b="1" dirty="0" err="1"/>
+              <a:t>C#.Net</a:t>
+            </a:r>
+            <a:r>
+              <a:rPr lang="en-IN" b="1" dirty="0"/>
+              <a:t> Console App, ASP.NET Web Forms, MVC</a:t>
+            </a:r>
+            <a:endParaRPr lang="en-US" b="1" dirty="0"/>
+          </a:p>
+        </p:txBody>
+      </p:sp>
+      <p:sp>
+        <p:nvSpPr>
+          <p:cNvPr id="7" name="Rectangle: Rounded Corners 6">
+            <a:extLst>
+              <a:ext uri="{FF2B5EF4-FFF2-40B4-BE49-F238E27FC236}">
+                <a16:creationId xmlns:a16="http://schemas.microsoft.com/office/drawing/2014/main" id="{2EC39948-241F-CEA3-6916-640A06DB26F6}"/>
+              </a:ext>
+            </a:extLst>
+          </p:cNvPr>
+          <p:cNvSpPr/>
+          <p:nvPr/>
+        </p:nvSpPr>
+        <p:spPr>
+          <a:xfrm>
+            <a:off x="205275" y="5092236"/>
+            <a:ext cx="3489649" cy="1576873"/>
+          </a:xfrm>
+          <a:prstGeom prst="roundRect">
+            <a:avLst/>
+          </a:prstGeom>
+        </p:spPr>
+        <p:style>
+          <a:lnRef idx="2">
+            <a:schemeClr val="accent1">
+              <a:shade val="50000"/>
+            </a:schemeClr>
+          </a:lnRef>
+          <a:fillRef idx="1">
+            <a:schemeClr val="accent1"/>
+          </a:fillRef>
+          <a:effectRef idx="0">
+            <a:schemeClr val="accent1"/>
+          </a:effectRef>
+          <a:fontRef idx="minor">
+            <a:schemeClr val="lt1"/>
+          </a:fontRef>
+        </p:style>
+        <p:txBody>
+          <a:bodyPr rtlCol="0" anchor="ctr"/>
+          <a:lstStyle/>
+          <a:p>
+            <a:pPr algn="ctr"/>
+            <a:r>
+              <a:rPr lang="en-IN" b="1" dirty="0"/>
+              <a:t>Client App</a:t>
+            </a:r>
+          </a:p>
+          <a:p>
+            <a:pPr algn="ctr"/>
+            <a:r>
+              <a:rPr lang="en-IN" b="1" dirty="0" err="1"/>
+              <a:t>C#.Net</a:t>
+            </a:r>
+            <a:r>
+              <a:rPr lang="en-IN" b="1" dirty="0"/>
+              <a:t> Console App, ASP.NET Web Forms, MVC</a:t>
+            </a:r>
+            <a:endParaRPr lang="en-US" b="1" dirty="0"/>
+          </a:p>
+        </p:txBody>
+      </p:sp>
+      <p:cxnSp>
+        <p:nvCxnSpPr>
+          <p:cNvPr id="9" name="Connector: Elbow 8">
+            <a:extLst>
+              <a:ext uri="{FF2B5EF4-FFF2-40B4-BE49-F238E27FC236}">
+                <a16:creationId xmlns:a16="http://schemas.microsoft.com/office/drawing/2014/main" id="{493772EB-34DD-6873-32BD-BD4512FDB2EC}"/>
+              </a:ext>
+            </a:extLst>
+          </p:cNvPr>
+          <p:cNvCxnSpPr>
+            <a:stCxn id="4" idx="3"/>
+            <a:endCxn id="2" idx="2"/>
+          </p:cNvCxnSpPr>
+          <p:nvPr/>
+        </p:nvCxnSpPr>
+        <p:spPr>
+          <a:xfrm>
+            <a:off x="3648270" y="1017037"/>
+            <a:ext cx="4282750" cy="2551923"/>
+          </a:xfrm>
+          <a:prstGeom prst="bentConnector3">
+            <a:avLst/>
+          </a:prstGeom>
+          <a:ln w="76200">
+            <a:tailEnd type="triangle"/>
+          </a:ln>
+        </p:spPr>
+        <p:style>
+          <a:lnRef idx="1">
+            <a:schemeClr val="accent1"/>
+          </a:lnRef>
+          <a:fillRef idx="0">
+            <a:schemeClr val="accent1"/>
+          </a:fillRef>
+          <a:effectRef idx="0">
+            <a:schemeClr val="accent1"/>
+          </a:effectRef>
+          <a:fontRef idx="minor">
+            <a:schemeClr val="tx1"/>
+          </a:fontRef>
+        </p:style>
+      </p:cxnSp>
+      <p:cxnSp>
+        <p:nvCxnSpPr>
+          <p:cNvPr id="11" name="Connector: Elbow 10">
+            <a:extLst>
+              <a:ext uri="{FF2B5EF4-FFF2-40B4-BE49-F238E27FC236}">
+                <a16:creationId xmlns:a16="http://schemas.microsoft.com/office/drawing/2014/main" id="{B8846935-762F-82A8-7F99-DF0A74428ADE}"/>
+              </a:ext>
+            </a:extLst>
+          </p:cNvPr>
+          <p:cNvCxnSpPr>
+            <a:cxnSpLocks/>
+          </p:cNvCxnSpPr>
+          <p:nvPr/>
+        </p:nvCxnSpPr>
+        <p:spPr>
+          <a:xfrm>
+            <a:off x="3694925" y="2493695"/>
+            <a:ext cx="4236096" cy="930711"/>
+          </a:xfrm>
+          <a:prstGeom prst="bentConnector3">
+            <a:avLst/>
+          </a:prstGeom>
+          <a:ln w="76200">
+            <a:solidFill>
+              <a:srgbClr val="C00000"/>
+            </a:solidFill>
+            <a:tailEnd type="triangle"/>
+          </a:ln>
+        </p:spPr>
+        <p:style>
+          <a:lnRef idx="1">
+            <a:schemeClr val="accent1"/>
+          </a:lnRef>
+          <a:fillRef idx="0">
+            <a:schemeClr val="accent1"/>
+          </a:fillRef>
+          <a:effectRef idx="0">
+            <a:schemeClr val="accent1"/>
+          </a:effectRef>
+          <a:fontRef idx="minor">
+            <a:schemeClr val="tx1"/>
+          </a:fontRef>
+        </p:style>
+      </p:cxnSp>
+      <p:cxnSp>
+        <p:nvCxnSpPr>
+          <p:cNvPr id="13" name="Connector: Elbow 12">
+            <a:extLst>
+              <a:ext uri="{FF2B5EF4-FFF2-40B4-BE49-F238E27FC236}">
+                <a16:creationId xmlns:a16="http://schemas.microsoft.com/office/drawing/2014/main" id="{6457DA0E-8032-AC4E-1310-60C93416804D}"/>
+              </a:ext>
+            </a:extLst>
+          </p:cNvPr>
+          <p:cNvCxnSpPr>
+            <a:cxnSpLocks/>
+          </p:cNvCxnSpPr>
+          <p:nvPr/>
+        </p:nvCxnSpPr>
+        <p:spPr>
+          <a:xfrm flipV="1">
+            <a:off x="3741578" y="3223708"/>
+            <a:ext cx="4236096" cy="690501"/>
+          </a:xfrm>
+          <a:prstGeom prst="bentConnector3">
+            <a:avLst/>
+          </a:prstGeom>
+          <a:ln w="76200">
+            <a:solidFill>
+              <a:srgbClr val="92D050"/>
+            </a:solidFill>
+            <a:tailEnd type="triangle"/>
+          </a:ln>
+        </p:spPr>
+        <p:style>
+          <a:lnRef idx="1">
+            <a:schemeClr val="accent1"/>
+          </a:lnRef>
+          <a:fillRef idx="0">
+            <a:schemeClr val="accent1"/>
+          </a:fillRef>
+          <a:effectRef idx="0">
+            <a:schemeClr val="accent1"/>
+          </a:effectRef>
+          <a:fontRef idx="minor">
+            <a:schemeClr val="tx1"/>
+          </a:fontRef>
+        </p:style>
+      </p:cxnSp>
+      <p:cxnSp>
+        <p:nvCxnSpPr>
+          <p:cNvPr id="15" name="Connector: Elbow 14">
+            <a:extLst>
+              <a:ext uri="{FF2B5EF4-FFF2-40B4-BE49-F238E27FC236}">
+                <a16:creationId xmlns:a16="http://schemas.microsoft.com/office/drawing/2014/main" id="{89CCEED8-1F1A-9B3A-FB23-21424B25444E}"/>
+              </a:ext>
+            </a:extLst>
+          </p:cNvPr>
+          <p:cNvCxnSpPr>
+            <a:cxnSpLocks/>
+          </p:cNvCxnSpPr>
+          <p:nvPr/>
+        </p:nvCxnSpPr>
+        <p:spPr>
+          <a:xfrm flipV="1">
+            <a:off x="3741578" y="3855787"/>
+            <a:ext cx="4236096" cy="2311713"/>
+          </a:xfrm>
+          <a:prstGeom prst="bentConnector3">
+            <a:avLst/>
+          </a:prstGeom>
+          <a:ln w="76200">
+            <a:solidFill>
+              <a:schemeClr val="tx1"/>
+            </a:solidFill>
+            <a:tailEnd type="triangle"/>
+          </a:ln>
+        </p:spPr>
+        <p:style>
+          <a:lnRef idx="1">
+            <a:schemeClr val="accent1"/>
+          </a:lnRef>
+          <a:fillRef idx="0">
+            <a:schemeClr val="accent1"/>
+          </a:fillRef>
+          <a:effectRef idx="0">
+            <a:schemeClr val="accent1"/>
+          </a:effectRef>
+          <a:fontRef idx="minor">
+            <a:schemeClr val="tx1"/>
+          </a:fontRef>
+        </p:style>
+      </p:cxnSp>
+      <p:sp>
+        <p:nvSpPr>
+          <p:cNvPr id="16" name="TextBox 15">
+            <a:extLst>
+              <a:ext uri="{FF2B5EF4-FFF2-40B4-BE49-F238E27FC236}">
+                <a16:creationId xmlns:a16="http://schemas.microsoft.com/office/drawing/2014/main" id="{3C89ED45-9313-E721-39C2-31C1AA18B1FF}"/>
+              </a:ext>
+            </a:extLst>
+          </p:cNvPr>
+          <p:cNvSpPr txBox="1"/>
+          <p:nvPr/>
+        </p:nvSpPr>
+        <p:spPr>
+          <a:xfrm>
+            <a:off x="6095998" y="4001322"/>
+            <a:ext cx="2401078" cy="2585323"/>
+          </a:xfrm>
+          <a:prstGeom prst="rect">
+            <a:avLst/>
+          </a:prstGeom>
+          <a:noFill/>
+        </p:spPr>
+        <p:txBody>
+          <a:bodyPr wrap="square" rtlCol="0">
+            <a:spAutoFit/>
+          </a:bodyPr>
+          <a:lstStyle/>
+          <a:p>
+            <a:pPr marL="342900" indent="-342900">
+              <a:buAutoNum type="arabicPeriod"/>
+            </a:pPr>
+            <a:r>
+              <a:rPr lang="en-IN" dirty="0"/>
+              <a:t>Connect To Db With Authentication</a:t>
+            </a:r>
+          </a:p>
+          <a:p>
+            <a:pPr marL="342900" indent="-342900">
+              <a:buAutoNum type="arabicPeriod"/>
+            </a:pPr>
+            <a:r>
+              <a:rPr lang="en-IN" dirty="0"/>
+              <a:t>Create a Command to Perform CRUD Operations</a:t>
+            </a:r>
+          </a:p>
+          <a:p>
+            <a:pPr marL="342900" indent="-342900">
+              <a:buAutoNum type="arabicPeriod"/>
+            </a:pPr>
+            <a:r>
+              <a:rPr lang="en-IN" dirty="0"/>
+              <a:t>Send Command to Db</a:t>
+            </a:r>
+          </a:p>
+          <a:p>
+            <a:pPr marL="342900" indent="-342900">
+              <a:buAutoNum type="arabicPeriod"/>
+            </a:pPr>
+            <a:r>
+              <a:rPr lang="en-IN" dirty="0"/>
+              <a:t>Get result From Db</a:t>
+            </a:r>
+          </a:p>
+          <a:p>
+            <a:pPr marL="342900" indent="-342900">
+              <a:buAutoNum type="arabicPeriod"/>
+            </a:pPr>
+            <a:r>
+              <a:rPr lang="en-IN" dirty="0"/>
+              <a:t>Disconnect from Db</a:t>
+            </a:r>
+            <a:endParaRPr lang="en-US" dirty="0"/>
+          </a:p>
+        </p:txBody>
+      </p:sp>
+      <p:sp>
+        <p:nvSpPr>
+          <p:cNvPr id="17" name="Right Brace 16">
+            <a:extLst>
+              <a:ext uri="{FF2B5EF4-FFF2-40B4-BE49-F238E27FC236}">
+                <a16:creationId xmlns:a16="http://schemas.microsoft.com/office/drawing/2014/main" id="{38A9FE7A-50ED-C35A-0486-590199A5AC05}"/>
+              </a:ext>
+            </a:extLst>
+          </p:cNvPr>
+          <p:cNvSpPr/>
+          <p:nvPr/>
+        </p:nvSpPr>
+        <p:spPr>
+          <a:xfrm>
+            <a:off x="8497076" y="4001322"/>
+            <a:ext cx="646924" cy="2585323"/>
+          </a:xfrm>
+          <a:prstGeom prst="rightBrace">
+            <a:avLst/>
+          </a:prstGeom>
+          <a:ln w="76200">
+            <a:solidFill>
+              <a:srgbClr val="FFFF00"/>
+            </a:solidFill>
+          </a:ln>
+        </p:spPr>
+        <p:style>
+          <a:lnRef idx="1">
+            <a:schemeClr val="accent1"/>
+          </a:lnRef>
+          <a:fillRef idx="0">
+            <a:schemeClr val="accent1"/>
+          </a:fillRef>
+          <a:effectRef idx="0">
+            <a:schemeClr val="accent1"/>
+          </a:effectRef>
+          <a:fontRef idx="minor">
+            <a:schemeClr val="tx1"/>
+          </a:fontRef>
+        </p:style>
+        <p:txBody>
+          <a:bodyPr rtlCol="0" anchor="ctr"/>
+          <a:lstStyle/>
+          <a:p>
+            <a:pPr algn="ctr"/>
+            <a:endParaRPr lang="en-US"/>
+          </a:p>
+        </p:txBody>
+      </p:sp>
+      <p:sp>
+        <p:nvSpPr>
+          <p:cNvPr id="18" name="Sun 17">
+            <a:extLst>
+              <a:ext uri="{FF2B5EF4-FFF2-40B4-BE49-F238E27FC236}">
+                <a16:creationId xmlns:a16="http://schemas.microsoft.com/office/drawing/2014/main" id="{CA677C9E-D41D-78E7-B293-DB739B14551E}"/>
+              </a:ext>
+            </a:extLst>
+          </p:cNvPr>
+          <p:cNvSpPr/>
+          <p:nvPr/>
+        </p:nvSpPr>
+        <p:spPr>
+          <a:xfrm>
+            <a:off x="10022631" y="4273421"/>
+            <a:ext cx="1129004" cy="1231641"/>
+          </a:xfrm>
+          <a:prstGeom prst="sun">
+            <a:avLst/>
+          </a:prstGeom>
+          <a:solidFill>
+            <a:srgbClr val="FF0000"/>
+          </a:solidFill>
+        </p:spPr>
+        <p:style>
+          <a:lnRef idx="2">
+            <a:schemeClr val="accent1">
+              <a:shade val="50000"/>
+            </a:schemeClr>
+          </a:lnRef>
+          <a:fillRef idx="1">
+            <a:schemeClr val="accent1"/>
+          </a:fillRef>
+          <a:effectRef idx="0">
+            <a:schemeClr val="accent1"/>
+          </a:effectRef>
+          <a:fontRef idx="minor">
+            <a:schemeClr val="lt1"/>
+          </a:fontRef>
+        </p:style>
+        <p:txBody>
+          <a:bodyPr rtlCol="0" anchor="ctr"/>
+          <a:lstStyle/>
+          <a:p>
+            <a:pPr algn="ctr"/>
+            <a:endParaRPr lang="en-US"/>
+          </a:p>
+        </p:txBody>
+      </p:sp>
+      <p:sp>
+        <p:nvSpPr>
+          <p:cNvPr id="19" name="Sun 18">
+            <a:extLst>
+              <a:ext uri="{FF2B5EF4-FFF2-40B4-BE49-F238E27FC236}">
+                <a16:creationId xmlns:a16="http://schemas.microsoft.com/office/drawing/2014/main" id="{CDD39B48-E827-12D1-EC5F-61866DCDAFAF}"/>
+              </a:ext>
+            </a:extLst>
+          </p:cNvPr>
+          <p:cNvSpPr/>
+          <p:nvPr/>
+        </p:nvSpPr>
+        <p:spPr>
+          <a:xfrm>
+            <a:off x="10378748" y="4432076"/>
+            <a:ext cx="1129004" cy="1231641"/>
+          </a:xfrm>
+          <a:prstGeom prst="sun">
+            <a:avLst/>
+          </a:prstGeom>
+          <a:solidFill>
+            <a:srgbClr val="FF0000"/>
+          </a:solidFill>
+        </p:spPr>
+        <p:style>
+          <a:lnRef idx="2">
+            <a:schemeClr val="accent1">
+              <a:shade val="50000"/>
+            </a:schemeClr>
+          </a:lnRef>
+          <a:fillRef idx="1">
+            <a:schemeClr val="accent1"/>
+          </a:fillRef>
+          <a:effectRef idx="0">
+            <a:schemeClr val="accent1"/>
+          </a:effectRef>
+          <a:fontRef idx="minor">
+            <a:schemeClr val="lt1"/>
+          </a:fontRef>
+        </p:style>
+        <p:txBody>
+          <a:bodyPr rtlCol="0" anchor="ctr"/>
+          <a:lstStyle/>
+          <a:p>
+            <a:pPr algn="ctr"/>
+            <a:endParaRPr lang="en-US"/>
+          </a:p>
+        </p:txBody>
+      </p:sp>
+      <p:cxnSp>
+        <p:nvCxnSpPr>
+          <p:cNvPr id="21" name="Straight Arrow Connector 20">
+            <a:extLst>
+              <a:ext uri="{FF2B5EF4-FFF2-40B4-BE49-F238E27FC236}">
+                <a16:creationId xmlns:a16="http://schemas.microsoft.com/office/drawing/2014/main" id="{26DCF2E3-795F-B491-A0A1-5D41A43A0326}"/>
+              </a:ext>
+            </a:extLst>
+          </p:cNvPr>
+          <p:cNvCxnSpPr/>
+          <p:nvPr/>
+        </p:nvCxnSpPr>
+        <p:spPr>
+          <a:xfrm flipV="1">
+            <a:off x="8332237" y="5047896"/>
+            <a:ext cx="1628192" cy="615821"/>
+          </a:xfrm>
+          <a:prstGeom prst="straightConnector1">
+            <a:avLst/>
+          </a:prstGeom>
+          <a:ln>
+            <a:solidFill>
+              <a:srgbClr val="FFFF00"/>
+            </a:solidFill>
+            <a:tailEnd type="triangle"/>
+          </a:ln>
+        </p:spPr>
+        <p:style>
+          <a:lnRef idx="1">
+            <a:schemeClr val="accent1"/>
+          </a:lnRef>
+          <a:fillRef idx="0">
+            <a:schemeClr val="accent1"/>
+          </a:fillRef>
+          <a:effectRef idx="0">
+            <a:schemeClr val="accent1"/>
+          </a:effectRef>
+          <a:fontRef idx="minor">
+            <a:schemeClr val="tx1"/>
+          </a:fontRef>
+        </p:style>
+      </p:cxnSp>
+      <p:cxnSp>
+        <p:nvCxnSpPr>
+          <p:cNvPr id="23" name="Straight Arrow Connector 22">
+            <a:extLst>
+              <a:ext uri="{FF2B5EF4-FFF2-40B4-BE49-F238E27FC236}">
+                <a16:creationId xmlns:a16="http://schemas.microsoft.com/office/drawing/2014/main" id="{73137469-8584-A3C6-9F8E-DD8382730BA2}"/>
+              </a:ext>
+            </a:extLst>
+          </p:cNvPr>
+          <p:cNvCxnSpPr/>
+          <p:nvPr/>
+        </p:nvCxnSpPr>
+        <p:spPr>
+          <a:xfrm flipH="1">
+            <a:off x="8497076" y="5505062"/>
+            <a:ext cx="2090057" cy="615820"/>
+          </a:xfrm>
+          <a:prstGeom prst="straightConnector1">
+            <a:avLst/>
+          </a:prstGeom>
+          <a:ln>
+            <a:solidFill>
+              <a:srgbClr val="FFFF00"/>
+            </a:solidFill>
+            <a:tailEnd type="triangle"/>
+          </a:ln>
+        </p:spPr>
+        <p:style>
+          <a:lnRef idx="1">
+            <a:schemeClr val="accent1"/>
+          </a:lnRef>
+          <a:fillRef idx="0">
+            <a:schemeClr val="accent1"/>
+          </a:fillRef>
+          <a:effectRef idx="0">
+            <a:schemeClr val="accent1"/>
+          </a:effectRef>
+          <a:fontRef idx="minor">
+            <a:schemeClr val="tx1"/>
+          </a:fontRef>
+        </p:style>
+      </p:cxnSp>
+      <p:sp>
+        <p:nvSpPr>
+          <p:cNvPr id="24" name="Rectangle 23">
+            <a:extLst>
+              <a:ext uri="{FF2B5EF4-FFF2-40B4-BE49-F238E27FC236}">
+                <a16:creationId xmlns:a16="http://schemas.microsoft.com/office/drawing/2014/main" id="{261916C2-5141-9A66-75CE-6A2659637ECB}"/>
+              </a:ext>
+            </a:extLst>
+          </p:cNvPr>
+          <p:cNvSpPr/>
+          <p:nvPr/>
+        </p:nvSpPr>
+        <p:spPr>
+          <a:xfrm>
+            <a:off x="5968481" y="2292998"/>
+            <a:ext cx="1878564" cy="585461"/>
+          </a:xfrm>
+          <a:prstGeom prst="rect">
+            <a:avLst/>
+          </a:prstGeom>
+        </p:spPr>
+        <p:style>
+          <a:lnRef idx="2">
+            <a:schemeClr val="accent6"/>
+          </a:lnRef>
+          <a:fillRef idx="1">
+            <a:schemeClr val="lt1"/>
+          </a:fillRef>
+          <a:effectRef idx="0">
+            <a:schemeClr val="accent6"/>
+          </a:effectRef>
+          <a:fontRef idx="minor">
+            <a:schemeClr val="dk1"/>
+          </a:fontRef>
+        </p:style>
+        <p:txBody>
+          <a:bodyPr rtlCol="0" anchor="ctr"/>
+          <a:lstStyle/>
+          <a:p>
+            <a:pPr algn="ctr"/>
+            <a:r>
+              <a:rPr lang="en-IN" dirty="0"/>
+              <a:t>Connection Q</a:t>
+            </a:r>
+            <a:endParaRPr lang="en-US" dirty="0"/>
+          </a:p>
+        </p:txBody>
+      </p:sp>
+      <p:sp>
+        <p:nvSpPr>
+          <p:cNvPr id="25" name="Multiplication Sign 24">
+            <a:extLst>
+              <a:ext uri="{FF2B5EF4-FFF2-40B4-BE49-F238E27FC236}">
+                <a16:creationId xmlns:a16="http://schemas.microsoft.com/office/drawing/2014/main" id="{13CF51DE-EAE7-C796-92C2-1778CBBF3464}"/>
+              </a:ext>
+            </a:extLst>
+          </p:cNvPr>
+          <p:cNvSpPr/>
+          <p:nvPr/>
+        </p:nvSpPr>
+        <p:spPr>
+          <a:xfrm>
+            <a:off x="6718045" y="4575717"/>
+            <a:ext cx="1194318" cy="748872"/>
+          </a:xfrm>
+          <a:prstGeom prst="mathMultiply">
+            <a:avLst/>
+          </a:prstGeom>
+          <a:solidFill>
+            <a:srgbClr val="FF0000"/>
+          </a:solidFill>
+        </p:spPr>
+        <p:style>
+          <a:lnRef idx="2">
+            <a:schemeClr val="accent1">
+              <a:shade val="50000"/>
+            </a:schemeClr>
+          </a:lnRef>
+          <a:fillRef idx="1">
+            <a:schemeClr val="accent1"/>
+          </a:fillRef>
+          <a:effectRef idx="0">
+            <a:schemeClr val="accent1"/>
+          </a:effectRef>
+          <a:fontRef idx="minor">
+            <a:schemeClr val="lt1"/>
+          </a:fontRef>
+        </p:style>
+        <p:txBody>
+          <a:bodyPr rtlCol="0" anchor="ctr"/>
+          <a:lstStyle/>
+          <a:p>
+            <a:pPr algn="ctr"/>
+            <a:endParaRPr lang="en-US"/>
+          </a:p>
+        </p:txBody>
+      </p:sp>
+      <p:sp>
+        <p:nvSpPr>
+          <p:cNvPr id="26" name="TextBox 25">
+            <a:extLst>
+              <a:ext uri="{FF2B5EF4-FFF2-40B4-BE49-F238E27FC236}">
+                <a16:creationId xmlns:a16="http://schemas.microsoft.com/office/drawing/2014/main" id="{6F5A2E1D-E4FF-F4D2-2D96-A96D78FCA3B3}"/>
+              </a:ext>
+            </a:extLst>
+          </p:cNvPr>
+          <p:cNvSpPr txBox="1"/>
+          <p:nvPr/>
+        </p:nvSpPr>
+        <p:spPr>
+          <a:xfrm>
+            <a:off x="6049344" y="320660"/>
+            <a:ext cx="3489649" cy="646331"/>
+          </a:xfrm>
+          <a:prstGeom prst="rect">
+            <a:avLst/>
+          </a:prstGeom>
+          <a:noFill/>
+        </p:spPr>
+        <p:txBody>
+          <a:bodyPr wrap="square" rtlCol="0">
+            <a:spAutoFit/>
+          </a:bodyPr>
+          <a:lstStyle/>
+          <a:p>
+            <a:r>
+              <a:rPr lang="en-IN" dirty="0"/>
+              <a:t>Replace CRUD Operations Queries by Stored Procs</a:t>
+            </a:r>
+            <a:endParaRPr lang="en-US" dirty="0"/>
+          </a:p>
+        </p:txBody>
+      </p:sp>
+      <p:cxnSp>
+        <p:nvCxnSpPr>
+          <p:cNvPr id="28" name="Straight Arrow Connector 27">
+            <a:extLst>
+              <a:ext uri="{FF2B5EF4-FFF2-40B4-BE49-F238E27FC236}">
+                <a16:creationId xmlns:a16="http://schemas.microsoft.com/office/drawing/2014/main" id="{078FB510-9E49-0B84-8B8D-F0D5BCFA90E6}"/>
+              </a:ext>
+            </a:extLst>
+          </p:cNvPr>
+          <p:cNvCxnSpPr>
+            <a:stCxn id="26" idx="2"/>
+          </p:cNvCxnSpPr>
+          <p:nvPr/>
+        </p:nvCxnSpPr>
+        <p:spPr>
+          <a:xfrm flipH="1">
+            <a:off x="7305869" y="966991"/>
+            <a:ext cx="488300" cy="3833610"/>
+          </a:xfrm>
+          <a:prstGeom prst="straightConnector1">
+            <a:avLst/>
+          </a:prstGeom>
+          <a:ln>
+            <a:tailEnd type="triangle"/>
+          </a:ln>
+        </p:spPr>
+        <p:style>
+          <a:lnRef idx="1">
+            <a:schemeClr val="accent1"/>
+          </a:lnRef>
+          <a:fillRef idx="0">
+            <a:schemeClr val="accent1"/>
+          </a:fillRef>
+          <a:effectRef idx="0">
+            <a:schemeClr val="accent1"/>
+          </a:effectRef>
+          <a:fontRef idx="minor">
+            <a:schemeClr val="tx1"/>
+          </a:fontRef>
+        </p:style>
+      </p:cxnSp>
+    </p:spTree>
+    <p:extLst>
+      <p:ext uri="{BB962C8B-B14F-4D97-AF65-F5344CB8AC3E}">
+        <p14:creationId xmlns:p14="http://schemas.microsoft.com/office/powerpoint/2010/main" val="2629635779"/>
+      </p:ext>
+    </p:extLst>
+  </p:cSld>
+  <p:clrMapOvr>
+    <a:masterClrMapping/>
+  </p:clrMapOvr>
+</p:sld>
+</file>
+
+<file path=ppt/slides/slide15.xml><?xml version="1.0" encoding="utf-8"?>
 <p:sld xmlns:a="http://schemas.openxmlformats.org/drawingml/2006/main" xmlns:r="http://schemas.openxmlformats.org/officeDocument/2006/relationships" xmlns:p="http://schemas.openxmlformats.org/presentationml/2006/main">
   <p:cSld>
     <p:spTree>
@@ -7746,7 +9218,7 @@
 </p:sld>
 </file>
 
-<file path=ppt/slides/slide15.xml><?xml version="1.0" encoding="utf-8"?>
+<file path=ppt/slides/slide16.xml><?xml version="1.0" encoding="utf-8"?>
 <p:sld xmlns:a="http://schemas.openxmlformats.org/drawingml/2006/main" xmlns:r="http://schemas.openxmlformats.org/officeDocument/2006/relationships" xmlns:p="http://schemas.openxmlformats.org/presentationml/2006/main">
   <p:cSld>
     <p:spTree>
@@ -8778,7 +10250,7 @@
 </p:sld>
 </file>
 
-<file path=ppt/slides/slide16.xml><?xml version="1.0" encoding="utf-8"?>
+<file path=ppt/slides/slide17.xml><?xml version="1.0" encoding="utf-8"?>
 <p:sld xmlns:a="http://schemas.openxmlformats.org/drawingml/2006/main" xmlns:r="http://schemas.openxmlformats.org/officeDocument/2006/relationships" xmlns:p="http://schemas.openxmlformats.org/presentationml/2006/main">
   <p:cSld>
     <p:spTree>

--- a/Training-Images.pptx
+++ b/Training-Images.pptx
@@ -18,10 +18,11 @@
     <p:sldId id="266" r:id="rId12"/>
     <p:sldId id="267" r:id="rId13"/>
     <p:sldId id="268" r:id="rId14"/>
-    <p:sldId id="272" r:id="rId15"/>
-    <p:sldId id="269" r:id="rId16"/>
-    <p:sldId id="270" r:id="rId17"/>
-    <p:sldId id="271" r:id="rId18"/>
+    <p:sldId id="273" r:id="rId15"/>
+    <p:sldId id="272" r:id="rId16"/>
+    <p:sldId id="269" r:id="rId17"/>
+    <p:sldId id="270" r:id="rId18"/>
+    <p:sldId id="271" r:id="rId19"/>
   </p:sldIdLst>
   <p:sldSz cx="12192000" cy="6858000"/>
   <p:notesSz cx="6858000" cy="9144000"/>
@@ -6824,6 +6825,1164 @@
           <p:cNvGraphicFramePr>
             <a:graphicFrameLocks noGrp="1"/>
           </p:cNvGraphicFramePr>
+          <p:nvPr/>
+        </p:nvGraphicFramePr>
+        <p:xfrm>
+          <a:off x="8154955" y="2520475"/>
+          <a:ext cx="3610948" cy="741680"/>
+        </p:xfrm>
+        <a:graphic>
+          <a:graphicData uri="http://schemas.openxmlformats.org/drawingml/2006/table">
+            <a:tbl>
+              <a:tblPr firstRow="1" bandRow="1">
+                <a:tableStyleId>{5C22544A-7EE6-4342-B048-85BDC9FD1C3A}</a:tableStyleId>
+              </a:tblPr>
+              <a:tblGrid>
+                <a:gridCol w="902737">
+                  <a:extLst>
+                    <a:ext uri="{9D8B030D-6E8A-4147-A177-3AD203B41FA5}">
+                      <a16:colId xmlns:a16="http://schemas.microsoft.com/office/drawing/2014/main" val="4128904717"/>
+                    </a:ext>
+                  </a:extLst>
+                </a:gridCol>
+                <a:gridCol w="902737">
+                  <a:extLst>
+                    <a:ext uri="{9D8B030D-6E8A-4147-A177-3AD203B41FA5}">
+                      <a16:colId xmlns:a16="http://schemas.microsoft.com/office/drawing/2014/main" val="257727699"/>
+                    </a:ext>
+                  </a:extLst>
+                </a:gridCol>
+                <a:gridCol w="902737">
+                  <a:extLst>
+                    <a:ext uri="{9D8B030D-6E8A-4147-A177-3AD203B41FA5}">
+                      <a16:colId xmlns:a16="http://schemas.microsoft.com/office/drawing/2014/main" val="2619694435"/>
+                    </a:ext>
+                  </a:extLst>
+                </a:gridCol>
+                <a:gridCol w="902737">
+                  <a:extLst>
+                    <a:ext uri="{9D8B030D-6E8A-4147-A177-3AD203B41FA5}">
+                      <a16:colId xmlns:a16="http://schemas.microsoft.com/office/drawing/2014/main" val="1566146939"/>
+                    </a:ext>
+                  </a:extLst>
+                </a:gridCol>
+              </a:tblGrid>
+              <a:tr h="370840">
+                <a:tc>
+                  <a:txBody>
+                    <a:bodyPr/>
+                    <a:lstStyle/>
+                    <a:p>
+                      <a:r>
+                        <a:rPr lang="en-IN" dirty="0" err="1"/>
+                        <a:t>Dno</a:t>
+                      </a:r>
+                      <a:endParaRPr lang="en-US" dirty="0"/>
+                    </a:p>
+                  </a:txBody>
+                  <a:tcPr/>
+                </a:tc>
+                <a:tc>
+                  <a:txBody>
+                    <a:bodyPr/>
+                    <a:lstStyle/>
+                    <a:p>
+                      <a:r>
+                        <a:rPr lang="en-IN" dirty="0"/>
+                        <a:t>Dname</a:t>
+                      </a:r>
+                      <a:endParaRPr lang="en-US" dirty="0"/>
+                    </a:p>
+                  </a:txBody>
+                  <a:tcPr/>
+                </a:tc>
+                <a:tc>
+                  <a:txBody>
+                    <a:bodyPr/>
+                    <a:lstStyle/>
+                    <a:p>
+                      <a:r>
+                        <a:rPr lang="en-IN" dirty="0" err="1"/>
+                        <a:t>Loc</a:t>
+                      </a:r>
+                      <a:endParaRPr lang="en-US" dirty="0"/>
+                    </a:p>
+                  </a:txBody>
+                  <a:tcPr/>
+                </a:tc>
+                <a:tc>
+                  <a:txBody>
+                    <a:bodyPr/>
+                    <a:lstStyle/>
+                    <a:p>
+                      <a:r>
+                        <a:rPr lang="en-IN" dirty="0"/>
+                        <a:t>Cap</a:t>
+                      </a:r>
+                      <a:endParaRPr lang="en-US" dirty="0"/>
+                    </a:p>
+                  </a:txBody>
+                  <a:tcPr/>
+                </a:tc>
+                <a:extLst>
+                  <a:ext uri="{0D108BD9-81ED-4DB2-BD59-A6C34878D82A}">
+                    <a16:rowId xmlns:a16="http://schemas.microsoft.com/office/drawing/2014/main" val="926229927"/>
+                  </a:ext>
+                </a:extLst>
+              </a:tr>
+              <a:tr h="370840">
+                <a:tc>
+                  <a:txBody>
+                    <a:bodyPr/>
+                    <a:lstStyle/>
+                    <a:p>
+                      <a:r>
+                        <a:rPr lang="en-IN" dirty="0"/>
+                        <a:t>10</a:t>
+                      </a:r>
+                      <a:endParaRPr lang="en-US" dirty="0"/>
+                    </a:p>
+                  </a:txBody>
+                  <a:tcPr/>
+                </a:tc>
+                <a:tc>
+                  <a:txBody>
+                    <a:bodyPr/>
+                    <a:lstStyle/>
+                    <a:p>
+                      <a:r>
+                        <a:rPr lang="en-IN" dirty="0"/>
+                        <a:t>IT</a:t>
+                      </a:r>
+                      <a:endParaRPr lang="en-US" dirty="0"/>
+                    </a:p>
+                  </a:txBody>
+                  <a:tcPr/>
+                </a:tc>
+                <a:tc>
+                  <a:txBody>
+                    <a:bodyPr/>
+                    <a:lstStyle/>
+                    <a:p>
+                      <a:r>
+                        <a:rPr lang="en-IN" dirty="0"/>
+                        <a:t>Pune</a:t>
+                      </a:r>
+                      <a:endParaRPr lang="en-US" dirty="0"/>
+                    </a:p>
+                  </a:txBody>
+                  <a:tcPr/>
+                </a:tc>
+                <a:tc>
+                  <a:txBody>
+                    <a:bodyPr/>
+                    <a:lstStyle/>
+                    <a:p>
+                      <a:r>
+                        <a:rPr lang="en-IN" dirty="0"/>
+                        <a:t>1000</a:t>
+                      </a:r>
+                      <a:endParaRPr lang="en-US" dirty="0"/>
+                    </a:p>
+                  </a:txBody>
+                  <a:tcPr/>
+                </a:tc>
+                <a:extLst>
+                  <a:ext uri="{0D108BD9-81ED-4DB2-BD59-A6C34878D82A}">
+                    <a16:rowId xmlns:a16="http://schemas.microsoft.com/office/drawing/2014/main" val="820485443"/>
+                  </a:ext>
+                </a:extLst>
+              </a:tr>
+            </a:tbl>
+          </a:graphicData>
+        </a:graphic>
+      </p:graphicFrame>
+      <p:sp>
+        <p:nvSpPr>
+          <p:cNvPr id="4" name="Rectangle: Rounded Corners 3">
+            <a:extLst>
+              <a:ext uri="{FF2B5EF4-FFF2-40B4-BE49-F238E27FC236}">
+                <a16:creationId xmlns:a16="http://schemas.microsoft.com/office/drawing/2014/main" id="{F6D5EBCE-CB1A-83ED-8C9B-CAA7304A960C}"/>
+              </a:ext>
+            </a:extLst>
+          </p:cNvPr>
+          <p:cNvSpPr/>
+          <p:nvPr/>
+        </p:nvSpPr>
+        <p:spPr>
+          <a:xfrm>
+            <a:off x="158621" y="228600"/>
+            <a:ext cx="3489649" cy="1576873"/>
+          </a:xfrm>
+          <a:prstGeom prst="roundRect">
+            <a:avLst/>
+          </a:prstGeom>
+        </p:spPr>
+        <p:style>
+          <a:lnRef idx="2">
+            <a:schemeClr val="accent1">
+              <a:shade val="50000"/>
+            </a:schemeClr>
+          </a:lnRef>
+          <a:fillRef idx="1">
+            <a:schemeClr val="accent1"/>
+          </a:fillRef>
+          <a:effectRef idx="0">
+            <a:schemeClr val="accent1"/>
+          </a:effectRef>
+          <a:fontRef idx="minor">
+            <a:schemeClr val="lt1"/>
+          </a:fontRef>
+        </p:style>
+        <p:txBody>
+          <a:bodyPr rtlCol="0" anchor="ctr"/>
+          <a:lstStyle/>
+          <a:p>
+            <a:pPr algn="ctr"/>
+            <a:r>
+              <a:rPr lang="en-IN" b="1" dirty="0"/>
+              <a:t>Client App</a:t>
+            </a:r>
+          </a:p>
+          <a:p>
+            <a:pPr algn="ctr"/>
+            <a:r>
+              <a:rPr lang="en-IN" b="1" dirty="0" err="1"/>
+              <a:t>C#.Net</a:t>
+            </a:r>
+            <a:r>
+              <a:rPr lang="en-IN" b="1" dirty="0"/>
+              <a:t> Console App, ASP.NET Web Forms, MVC</a:t>
+            </a:r>
+            <a:endParaRPr lang="en-US" b="1" dirty="0"/>
+          </a:p>
+        </p:txBody>
+      </p:sp>
+      <p:sp>
+        <p:nvSpPr>
+          <p:cNvPr id="5" name="Rectangle: Rounded Corners 4">
+            <a:extLst>
+              <a:ext uri="{FF2B5EF4-FFF2-40B4-BE49-F238E27FC236}">
+                <a16:creationId xmlns:a16="http://schemas.microsoft.com/office/drawing/2014/main" id="{2B1230E3-15D1-726C-007E-4B518AC5C3DF}"/>
+              </a:ext>
+            </a:extLst>
+          </p:cNvPr>
+          <p:cNvSpPr/>
+          <p:nvPr/>
+        </p:nvSpPr>
+        <p:spPr>
+          <a:xfrm>
+            <a:off x="205275" y="1849812"/>
+            <a:ext cx="3489649" cy="1576873"/>
+          </a:xfrm>
+          <a:prstGeom prst="roundRect">
+            <a:avLst/>
+          </a:prstGeom>
+        </p:spPr>
+        <p:style>
+          <a:lnRef idx="2">
+            <a:schemeClr val="accent1">
+              <a:shade val="50000"/>
+            </a:schemeClr>
+          </a:lnRef>
+          <a:fillRef idx="1">
+            <a:schemeClr val="accent1"/>
+          </a:fillRef>
+          <a:effectRef idx="0">
+            <a:schemeClr val="accent1"/>
+          </a:effectRef>
+          <a:fontRef idx="minor">
+            <a:schemeClr val="lt1"/>
+          </a:fontRef>
+        </p:style>
+        <p:txBody>
+          <a:bodyPr rtlCol="0" anchor="ctr"/>
+          <a:lstStyle/>
+          <a:p>
+            <a:pPr algn="ctr"/>
+            <a:r>
+              <a:rPr lang="en-IN" b="1" dirty="0"/>
+              <a:t>Client App</a:t>
+            </a:r>
+          </a:p>
+          <a:p>
+            <a:pPr algn="ctr"/>
+            <a:r>
+              <a:rPr lang="en-IN" b="1" dirty="0" err="1"/>
+              <a:t>C#.Net</a:t>
+            </a:r>
+            <a:r>
+              <a:rPr lang="en-IN" b="1" dirty="0"/>
+              <a:t> Console App, ASP.NET Web Forms, MVC</a:t>
+            </a:r>
+            <a:endParaRPr lang="en-US" b="1" dirty="0"/>
+          </a:p>
+        </p:txBody>
+      </p:sp>
+      <p:sp>
+        <p:nvSpPr>
+          <p:cNvPr id="6" name="Rectangle: Rounded Corners 5">
+            <a:extLst>
+              <a:ext uri="{FF2B5EF4-FFF2-40B4-BE49-F238E27FC236}">
+                <a16:creationId xmlns:a16="http://schemas.microsoft.com/office/drawing/2014/main" id="{473569F5-2677-7D15-C74D-51AFED4A7F5C}"/>
+              </a:ext>
+            </a:extLst>
+          </p:cNvPr>
+          <p:cNvSpPr/>
+          <p:nvPr/>
+        </p:nvSpPr>
+        <p:spPr>
+          <a:xfrm>
+            <a:off x="205275" y="3471024"/>
+            <a:ext cx="3489649" cy="1576873"/>
+          </a:xfrm>
+          <a:prstGeom prst="roundRect">
+            <a:avLst/>
+          </a:prstGeom>
+        </p:spPr>
+        <p:style>
+          <a:lnRef idx="2">
+            <a:schemeClr val="accent1">
+              <a:shade val="50000"/>
+            </a:schemeClr>
+          </a:lnRef>
+          <a:fillRef idx="1">
+            <a:schemeClr val="accent1"/>
+          </a:fillRef>
+          <a:effectRef idx="0">
+            <a:schemeClr val="accent1"/>
+          </a:effectRef>
+          <a:fontRef idx="minor">
+            <a:schemeClr val="lt1"/>
+          </a:fontRef>
+        </p:style>
+        <p:txBody>
+          <a:bodyPr rtlCol="0" anchor="ctr"/>
+          <a:lstStyle/>
+          <a:p>
+            <a:pPr algn="ctr"/>
+            <a:r>
+              <a:rPr lang="en-IN" b="1" dirty="0"/>
+              <a:t>Client App</a:t>
+            </a:r>
+          </a:p>
+          <a:p>
+            <a:pPr algn="ctr"/>
+            <a:r>
+              <a:rPr lang="en-IN" b="1" dirty="0" err="1"/>
+              <a:t>C#.Net</a:t>
+            </a:r>
+            <a:r>
+              <a:rPr lang="en-IN" b="1" dirty="0"/>
+              <a:t> Console App, ASP.NET Web Forms, MVC</a:t>
+            </a:r>
+            <a:endParaRPr lang="en-US" b="1" dirty="0"/>
+          </a:p>
+        </p:txBody>
+      </p:sp>
+      <p:sp>
+        <p:nvSpPr>
+          <p:cNvPr id="7" name="Rectangle: Rounded Corners 6">
+            <a:extLst>
+              <a:ext uri="{FF2B5EF4-FFF2-40B4-BE49-F238E27FC236}">
+                <a16:creationId xmlns:a16="http://schemas.microsoft.com/office/drawing/2014/main" id="{2EC39948-241F-CEA3-6916-640A06DB26F6}"/>
+              </a:ext>
+            </a:extLst>
+          </p:cNvPr>
+          <p:cNvSpPr/>
+          <p:nvPr/>
+        </p:nvSpPr>
+        <p:spPr>
+          <a:xfrm>
+            <a:off x="205275" y="5092236"/>
+            <a:ext cx="3489649" cy="1576873"/>
+          </a:xfrm>
+          <a:prstGeom prst="roundRect">
+            <a:avLst/>
+          </a:prstGeom>
+        </p:spPr>
+        <p:style>
+          <a:lnRef idx="2">
+            <a:schemeClr val="accent1">
+              <a:shade val="50000"/>
+            </a:schemeClr>
+          </a:lnRef>
+          <a:fillRef idx="1">
+            <a:schemeClr val="accent1"/>
+          </a:fillRef>
+          <a:effectRef idx="0">
+            <a:schemeClr val="accent1"/>
+          </a:effectRef>
+          <a:fontRef idx="minor">
+            <a:schemeClr val="lt1"/>
+          </a:fontRef>
+        </p:style>
+        <p:txBody>
+          <a:bodyPr rtlCol="0" anchor="ctr"/>
+          <a:lstStyle/>
+          <a:p>
+            <a:pPr algn="ctr"/>
+            <a:r>
+              <a:rPr lang="en-IN" b="1" dirty="0"/>
+              <a:t>Client App</a:t>
+            </a:r>
+          </a:p>
+          <a:p>
+            <a:pPr algn="ctr"/>
+            <a:r>
+              <a:rPr lang="en-IN" b="1" dirty="0" err="1"/>
+              <a:t>C#.Net</a:t>
+            </a:r>
+            <a:r>
+              <a:rPr lang="en-IN" b="1" dirty="0"/>
+              <a:t> Console App, ASP.NET Web Forms, MVC</a:t>
+            </a:r>
+            <a:endParaRPr lang="en-US" b="1" dirty="0"/>
+          </a:p>
+        </p:txBody>
+      </p:sp>
+      <p:cxnSp>
+        <p:nvCxnSpPr>
+          <p:cNvPr id="9" name="Connector: Elbow 8">
+            <a:extLst>
+              <a:ext uri="{FF2B5EF4-FFF2-40B4-BE49-F238E27FC236}">
+                <a16:creationId xmlns:a16="http://schemas.microsoft.com/office/drawing/2014/main" id="{493772EB-34DD-6873-32BD-BD4512FDB2EC}"/>
+              </a:ext>
+            </a:extLst>
+          </p:cNvPr>
+          <p:cNvCxnSpPr>
+            <a:stCxn id="4" idx="3"/>
+            <a:endCxn id="2" idx="2"/>
+          </p:cNvCxnSpPr>
+          <p:nvPr/>
+        </p:nvCxnSpPr>
+        <p:spPr>
+          <a:xfrm>
+            <a:off x="3648270" y="1017037"/>
+            <a:ext cx="4282750" cy="2551923"/>
+          </a:xfrm>
+          <a:prstGeom prst="bentConnector3">
+            <a:avLst/>
+          </a:prstGeom>
+          <a:ln w="76200">
+            <a:tailEnd type="triangle"/>
+          </a:ln>
+        </p:spPr>
+        <p:style>
+          <a:lnRef idx="1">
+            <a:schemeClr val="accent1"/>
+          </a:lnRef>
+          <a:fillRef idx="0">
+            <a:schemeClr val="accent1"/>
+          </a:fillRef>
+          <a:effectRef idx="0">
+            <a:schemeClr val="accent1"/>
+          </a:effectRef>
+          <a:fontRef idx="minor">
+            <a:schemeClr val="tx1"/>
+          </a:fontRef>
+        </p:style>
+      </p:cxnSp>
+      <p:cxnSp>
+        <p:nvCxnSpPr>
+          <p:cNvPr id="11" name="Connector: Elbow 10">
+            <a:extLst>
+              <a:ext uri="{FF2B5EF4-FFF2-40B4-BE49-F238E27FC236}">
+                <a16:creationId xmlns:a16="http://schemas.microsoft.com/office/drawing/2014/main" id="{B8846935-762F-82A8-7F99-DF0A74428ADE}"/>
+              </a:ext>
+            </a:extLst>
+          </p:cNvPr>
+          <p:cNvCxnSpPr>
+            <a:cxnSpLocks/>
+          </p:cNvCxnSpPr>
+          <p:nvPr/>
+        </p:nvCxnSpPr>
+        <p:spPr>
+          <a:xfrm>
+            <a:off x="3694925" y="2493695"/>
+            <a:ext cx="4236096" cy="930711"/>
+          </a:xfrm>
+          <a:prstGeom prst="bentConnector3">
+            <a:avLst/>
+          </a:prstGeom>
+          <a:ln w="76200">
+            <a:solidFill>
+              <a:srgbClr val="C00000"/>
+            </a:solidFill>
+            <a:tailEnd type="triangle"/>
+          </a:ln>
+        </p:spPr>
+        <p:style>
+          <a:lnRef idx="1">
+            <a:schemeClr val="accent1"/>
+          </a:lnRef>
+          <a:fillRef idx="0">
+            <a:schemeClr val="accent1"/>
+          </a:fillRef>
+          <a:effectRef idx="0">
+            <a:schemeClr val="accent1"/>
+          </a:effectRef>
+          <a:fontRef idx="minor">
+            <a:schemeClr val="tx1"/>
+          </a:fontRef>
+        </p:style>
+      </p:cxnSp>
+      <p:cxnSp>
+        <p:nvCxnSpPr>
+          <p:cNvPr id="13" name="Connector: Elbow 12">
+            <a:extLst>
+              <a:ext uri="{FF2B5EF4-FFF2-40B4-BE49-F238E27FC236}">
+                <a16:creationId xmlns:a16="http://schemas.microsoft.com/office/drawing/2014/main" id="{6457DA0E-8032-AC4E-1310-60C93416804D}"/>
+              </a:ext>
+            </a:extLst>
+          </p:cNvPr>
+          <p:cNvCxnSpPr>
+            <a:cxnSpLocks/>
+          </p:cNvCxnSpPr>
+          <p:nvPr/>
+        </p:nvCxnSpPr>
+        <p:spPr>
+          <a:xfrm flipV="1">
+            <a:off x="3741578" y="3223708"/>
+            <a:ext cx="4236096" cy="690501"/>
+          </a:xfrm>
+          <a:prstGeom prst="bentConnector3">
+            <a:avLst/>
+          </a:prstGeom>
+          <a:ln w="76200">
+            <a:solidFill>
+              <a:srgbClr val="92D050"/>
+            </a:solidFill>
+            <a:tailEnd type="triangle"/>
+          </a:ln>
+        </p:spPr>
+        <p:style>
+          <a:lnRef idx="1">
+            <a:schemeClr val="accent1"/>
+          </a:lnRef>
+          <a:fillRef idx="0">
+            <a:schemeClr val="accent1"/>
+          </a:fillRef>
+          <a:effectRef idx="0">
+            <a:schemeClr val="accent1"/>
+          </a:effectRef>
+          <a:fontRef idx="minor">
+            <a:schemeClr val="tx1"/>
+          </a:fontRef>
+        </p:style>
+      </p:cxnSp>
+      <p:cxnSp>
+        <p:nvCxnSpPr>
+          <p:cNvPr id="15" name="Connector: Elbow 14">
+            <a:extLst>
+              <a:ext uri="{FF2B5EF4-FFF2-40B4-BE49-F238E27FC236}">
+                <a16:creationId xmlns:a16="http://schemas.microsoft.com/office/drawing/2014/main" id="{89CCEED8-1F1A-9B3A-FB23-21424B25444E}"/>
+              </a:ext>
+            </a:extLst>
+          </p:cNvPr>
+          <p:cNvCxnSpPr>
+            <a:cxnSpLocks/>
+          </p:cNvCxnSpPr>
+          <p:nvPr/>
+        </p:nvCxnSpPr>
+        <p:spPr>
+          <a:xfrm flipV="1">
+            <a:off x="3741578" y="3855787"/>
+            <a:ext cx="4236096" cy="2311713"/>
+          </a:xfrm>
+          <a:prstGeom prst="bentConnector3">
+            <a:avLst/>
+          </a:prstGeom>
+          <a:ln w="76200">
+            <a:solidFill>
+              <a:schemeClr val="tx1"/>
+            </a:solidFill>
+            <a:tailEnd type="triangle"/>
+          </a:ln>
+        </p:spPr>
+        <p:style>
+          <a:lnRef idx="1">
+            <a:schemeClr val="accent1"/>
+          </a:lnRef>
+          <a:fillRef idx="0">
+            <a:schemeClr val="accent1"/>
+          </a:fillRef>
+          <a:effectRef idx="0">
+            <a:schemeClr val="accent1"/>
+          </a:effectRef>
+          <a:fontRef idx="minor">
+            <a:schemeClr val="tx1"/>
+          </a:fontRef>
+        </p:style>
+      </p:cxnSp>
+      <p:sp>
+        <p:nvSpPr>
+          <p:cNvPr id="16" name="TextBox 15">
+            <a:extLst>
+              <a:ext uri="{FF2B5EF4-FFF2-40B4-BE49-F238E27FC236}">
+                <a16:creationId xmlns:a16="http://schemas.microsoft.com/office/drawing/2014/main" id="{3C89ED45-9313-E721-39C2-31C1AA18B1FF}"/>
+              </a:ext>
+            </a:extLst>
+          </p:cNvPr>
+          <p:cNvSpPr txBox="1"/>
+          <p:nvPr/>
+        </p:nvSpPr>
+        <p:spPr>
+          <a:xfrm>
+            <a:off x="6095998" y="4001322"/>
+            <a:ext cx="2401078" cy="2585323"/>
+          </a:xfrm>
+          <a:prstGeom prst="rect">
+            <a:avLst/>
+          </a:prstGeom>
+          <a:noFill/>
+        </p:spPr>
+        <p:txBody>
+          <a:bodyPr wrap="square" rtlCol="0">
+            <a:spAutoFit/>
+          </a:bodyPr>
+          <a:lstStyle/>
+          <a:p>
+            <a:pPr marL="342900" indent="-342900">
+              <a:buAutoNum type="arabicPeriod"/>
+            </a:pPr>
+            <a:r>
+              <a:rPr lang="en-IN" dirty="0"/>
+              <a:t>Connect To Db With Authentication</a:t>
+            </a:r>
+          </a:p>
+          <a:p>
+            <a:pPr marL="342900" indent="-342900">
+              <a:buAutoNum type="arabicPeriod"/>
+            </a:pPr>
+            <a:r>
+              <a:rPr lang="en-IN" dirty="0"/>
+              <a:t>Create a Command to Perform CRUD Operations</a:t>
+            </a:r>
+          </a:p>
+          <a:p>
+            <a:pPr marL="342900" indent="-342900">
+              <a:buAutoNum type="arabicPeriod"/>
+            </a:pPr>
+            <a:r>
+              <a:rPr lang="en-IN" dirty="0"/>
+              <a:t>Send Command to Db</a:t>
+            </a:r>
+          </a:p>
+          <a:p>
+            <a:pPr marL="342900" indent="-342900">
+              <a:buAutoNum type="arabicPeriod"/>
+            </a:pPr>
+            <a:r>
+              <a:rPr lang="en-IN" dirty="0"/>
+              <a:t>Get result From Db</a:t>
+            </a:r>
+          </a:p>
+          <a:p>
+            <a:pPr marL="342900" indent="-342900">
+              <a:buAutoNum type="arabicPeriod"/>
+            </a:pPr>
+            <a:r>
+              <a:rPr lang="en-IN" dirty="0"/>
+              <a:t>Disconnect from Db</a:t>
+            </a:r>
+            <a:endParaRPr lang="en-US" dirty="0"/>
+          </a:p>
+        </p:txBody>
+      </p:sp>
+      <p:sp>
+        <p:nvSpPr>
+          <p:cNvPr id="17" name="Right Brace 16">
+            <a:extLst>
+              <a:ext uri="{FF2B5EF4-FFF2-40B4-BE49-F238E27FC236}">
+                <a16:creationId xmlns:a16="http://schemas.microsoft.com/office/drawing/2014/main" id="{38A9FE7A-50ED-C35A-0486-590199A5AC05}"/>
+              </a:ext>
+            </a:extLst>
+          </p:cNvPr>
+          <p:cNvSpPr/>
+          <p:nvPr/>
+        </p:nvSpPr>
+        <p:spPr>
+          <a:xfrm>
+            <a:off x="8497076" y="4001322"/>
+            <a:ext cx="646924" cy="2585323"/>
+          </a:xfrm>
+          <a:prstGeom prst="rightBrace">
+            <a:avLst/>
+          </a:prstGeom>
+          <a:ln w="76200">
+            <a:solidFill>
+              <a:srgbClr val="FFFF00"/>
+            </a:solidFill>
+          </a:ln>
+        </p:spPr>
+        <p:style>
+          <a:lnRef idx="1">
+            <a:schemeClr val="accent1"/>
+          </a:lnRef>
+          <a:fillRef idx="0">
+            <a:schemeClr val="accent1"/>
+          </a:fillRef>
+          <a:effectRef idx="0">
+            <a:schemeClr val="accent1"/>
+          </a:effectRef>
+          <a:fontRef idx="minor">
+            <a:schemeClr val="tx1"/>
+          </a:fontRef>
+        </p:style>
+        <p:txBody>
+          <a:bodyPr rtlCol="0" anchor="ctr"/>
+          <a:lstStyle/>
+          <a:p>
+            <a:pPr algn="ctr"/>
+            <a:endParaRPr lang="en-US"/>
+          </a:p>
+        </p:txBody>
+      </p:sp>
+      <p:sp>
+        <p:nvSpPr>
+          <p:cNvPr id="18" name="Sun 17">
+            <a:extLst>
+              <a:ext uri="{FF2B5EF4-FFF2-40B4-BE49-F238E27FC236}">
+                <a16:creationId xmlns:a16="http://schemas.microsoft.com/office/drawing/2014/main" id="{CA677C9E-D41D-78E7-B293-DB739B14551E}"/>
+              </a:ext>
+            </a:extLst>
+          </p:cNvPr>
+          <p:cNvSpPr/>
+          <p:nvPr/>
+        </p:nvSpPr>
+        <p:spPr>
+          <a:xfrm>
+            <a:off x="10022631" y="4273421"/>
+            <a:ext cx="1129004" cy="1231641"/>
+          </a:xfrm>
+          <a:prstGeom prst="sun">
+            <a:avLst/>
+          </a:prstGeom>
+          <a:solidFill>
+            <a:srgbClr val="FF0000"/>
+          </a:solidFill>
+        </p:spPr>
+        <p:style>
+          <a:lnRef idx="2">
+            <a:schemeClr val="accent1">
+              <a:shade val="50000"/>
+            </a:schemeClr>
+          </a:lnRef>
+          <a:fillRef idx="1">
+            <a:schemeClr val="accent1"/>
+          </a:fillRef>
+          <a:effectRef idx="0">
+            <a:schemeClr val="accent1"/>
+          </a:effectRef>
+          <a:fontRef idx="minor">
+            <a:schemeClr val="lt1"/>
+          </a:fontRef>
+        </p:style>
+        <p:txBody>
+          <a:bodyPr rtlCol="0" anchor="ctr"/>
+          <a:lstStyle/>
+          <a:p>
+            <a:pPr algn="ctr"/>
+            <a:endParaRPr lang="en-US"/>
+          </a:p>
+        </p:txBody>
+      </p:sp>
+      <p:sp>
+        <p:nvSpPr>
+          <p:cNvPr id="19" name="Sun 18">
+            <a:extLst>
+              <a:ext uri="{FF2B5EF4-FFF2-40B4-BE49-F238E27FC236}">
+                <a16:creationId xmlns:a16="http://schemas.microsoft.com/office/drawing/2014/main" id="{CDD39B48-E827-12D1-EC5F-61866DCDAFAF}"/>
+              </a:ext>
+            </a:extLst>
+          </p:cNvPr>
+          <p:cNvSpPr/>
+          <p:nvPr/>
+        </p:nvSpPr>
+        <p:spPr>
+          <a:xfrm>
+            <a:off x="10378748" y="4432076"/>
+            <a:ext cx="1129004" cy="1231641"/>
+          </a:xfrm>
+          <a:prstGeom prst="sun">
+            <a:avLst/>
+          </a:prstGeom>
+          <a:solidFill>
+            <a:srgbClr val="FF0000"/>
+          </a:solidFill>
+        </p:spPr>
+        <p:style>
+          <a:lnRef idx="2">
+            <a:schemeClr val="accent1">
+              <a:shade val="50000"/>
+            </a:schemeClr>
+          </a:lnRef>
+          <a:fillRef idx="1">
+            <a:schemeClr val="accent1"/>
+          </a:fillRef>
+          <a:effectRef idx="0">
+            <a:schemeClr val="accent1"/>
+          </a:effectRef>
+          <a:fontRef idx="minor">
+            <a:schemeClr val="lt1"/>
+          </a:fontRef>
+        </p:style>
+        <p:txBody>
+          <a:bodyPr rtlCol="0" anchor="ctr"/>
+          <a:lstStyle/>
+          <a:p>
+            <a:pPr algn="ctr"/>
+            <a:endParaRPr lang="en-US"/>
+          </a:p>
+        </p:txBody>
+      </p:sp>
+      <p:cxnSp>
+        <p:nvCxnSpPr>
+          <p:cNvPr id="21" name="Straight Arrow Connector 20">
+            <a:extLst>
+              <a:ext uri="{FF2B5EF4-FFF2-40B4-BE49-F238E27FC236}">
+                <a16:creationId xmlns:a16="http://schemas.microsoft.com/office/drawing/2014/main" id="{26DCF2E3-795F-B491-A0A1-5D41A43A0326}"/>
+              </a:ext>
+            </a:extLst>
+          </p:cNvPr>
+          <p:cNvCxnSpPr/>
+          <p:nvPr/>
+        </p:nvCxnSpPr>
+        <p:spPr>
+          <a:xfrm flipV="1">
+            <a:off x="8332237" y="5047896"/>
+            <a:ext cx="1628192" cy="615821"/>
+          </a:xfrm>
+          <a:prstGeom prst="straightConnector1">
+            <a:avLst/>
+          </a:prstGeom>
+          <a:ln>
+            <a:solidFill>
+              <a:srgbClr val="FFFF00"/>
+            </a:solidFill>
+            <a:tailEnd type="triangle"/>
+          </a:ln>
+        </p:spPr>
+        <p:style>
+          <a:lnRef idx="1">
+            <a:schemeClr val="accent1"/>
+          </a:lnRef>
+          <a:fillRef idx="0">
+            <a:schemeClr val="accent1"/>
+          </a:fillRef>
+          <a:effectRef idx="0">
+            <a:schemeClr val="accent1"/>
+          </a:effectRef>
+          <a:fontRef idx="minor">
+            <a:schemeClr val="tx1"/>
+          </a:fontRef>
+        </p:style>
+      </p:cxnSp>
+      <p:cxnSp>
+        <p:nvCxnSpPr>
+          <p:cNvPr id="23" name="Straight Arrow Connector 22">
+            <a:extLst>
+              <a:ext uri="{FF2B5EF4-FFF2-40B4-BE49-F238E27FC236}">
+                <a16:creationId xmlns:a16="http://schemas.microsoft.com/office/drawing/2014/main" id="{73137469-8584-A3C6-9F8E-DD8382730BA2}"/>
+              </a:ext>
+            </a:extLst>
+          </p:cNvPr>
+          <p:cNvCxnSpPr/>
+          <p:nvPr/>
+        </p:nvCxnSpPr>
+        <p:spPr>
+          <a:xfrm flipH="1">
+            <a:off x="8497076" y="5505062"/>
+            <a:ext cx="2090057" cy="615820"/>
+          </a:xfrm>
+          <a:prstGeom prst="straightConnector1">
+            <a:avLst/>
+          </a:prstGeom>
+          <a:ln>
+            <a:solidFill>
+              <a:srgbClr val="FFFF00"/>
+            </a:solidFill>
+            <a:tailEnd type="triangle"/>
+          </a:ln>
+        </p:spPr>
+        <p:style>
+          <a:lnRef idx="1">
+            <a:schemeClr val="accent1"/>
+          </a:lnRef>
+          <a:fillRef idx="0">
+            <a:schemeClr val="accent1"/>
+          </a:fillRef>
+          <a:effectRef idx="0">
+            <a:schemeClr val="accent1"/>
+          </a:effectRef>
+          <a:fontRef idx="minor">
+            <a:schemeClr val="tx1"/>
+          </a:fontRef>
+        </p:style>
+      </p:cxnSp>
+      <p:sp>
+        <p:nvSpPr>
+          <p:cNvPr id="24" name="Rectangle 23">
+            <a:extLst>
+              <a:ext uri="{FF2B5EF4-FFF2-40B4-BE49-F238E27FC236}">
+                <a16:creationId xmlns:a16="http://schemas.microsoft.com/office/drawing/2014/main" id="{261916C2-5141-9A66-75CE-6A2659637ECB}"/>
+              </a:ext>
+            </a:extLst>
+          </p:cNvPr>
+          <p:cNvSpPr/>
+          <p:nvPr/>
+        </p:nvSpPr>
+        <p:spPr>
+          <a:xfrm>
+            <a:off x="5968481" y="2292998"/>
+            <a:ext cx="1878564" cy="585461"/>
+          </a:xfrm>
+          <a:prstGeom prst="rect">
+            <a:avLst/>
+          </a:prstGeom>
+        </p:spPr>
+        <p:style>
+          <a:lnRef idx="2">
+            <a:schemeClr val="accent6"/>
+          </a:lnRef>
+          <a:fillRef idx="1">
+            <a:schemeClr val="lt1"/>
+          </a:fillRef>
+          <a:effectRef idx="0">
+            <a:schemeClr val="accent6"/>
+          </a:effectRef>
+          <a:fontRef idx="minor">
+            <a:schemeClr val="dk1"/>
+          </a:fontRef>
+        </p:style>
+        <p:txBody>
+          <a:bodyPr rtlCol="0" anchor="ctr"/>
+          <a:lstStyle/>
+          <a:p>
+            <a:pPr algn="ctr"/>
+            <a:r>
+              <a:rPr lang="en-IN" dirty="0"/>
+              <a:t>Connection Q</a:t>
+            </a:r>
+            <a:endParaRPr lang="en-US" dirty="0"/>
+          </a:p>
+        </p:txBody>
+      </p:sp>
+      <p:sp>
+        <p:nvSpPr>
+          <p:cNvPr id="25" name="Multiplication Sign 24">
+            <a:extLst>
+              <a:ext uri="{FF2B5EF4-FFF2-40B4-BE49-F238E27FC236}">
+                <a16:creationId xmlns:a16="http://schemas.microsoft.com/office/drawing/2014/main" id="{13CF51DE-EAE7-C796-92C2-1778CBBF3464}"/>
+              </a:ext>
+            </a:extLst>
+          </p:cNvPr>
+          <p:cNvSpPr/>
+          <p:nvPr/>
+        </p:nvSpPr>
+        <p:spPr>
+          <a:xfrm>
+            <a:off x="7352524" y="4851760"/>
+            <a:ext cx="1194318" cy="748872"/>
+          </a:xfrm>
+          <a:prstGeom prst="mathMultiply">
+            <a:avLst/>
+          </a:prstGeom>
+          <a:solidFill>
+            <a:srgbClr val="FF0000"/>
+          </a:solidFill>
+        </p:spPr>
+        <p:style>
+          <a:lnRef idx="2">
+            <a:schemeClr val="accent1">
+              <a:shade val="50000"/>
+            </a:schemeClr>
+          </a:lnRef>
+          <a:fillRef idx="1">
+            <a:schemeClr val="accent1"/>
+          </a:fillRef>
+          <a:effectRef idx="0">
+            <a:schemeClr val="accent1"/>
+          </a:effectRef>
+          <a:fontRef idx="minor">
+            <a:schemeClr val="lt1"/>
+          </a:fontRef>
+        </p:style>
+        <p:txBody>
+          <a:bodyPr rtlCol="0" anchor="ctr"/>
+          <a:lstStyle/>
+          <a:p>
+            <a:pPr algn="ctr"/>
+            <a:endParaRPr lang="en-US"/>
+          </a:p>
+        </p:txBody>
+      </p:sp>
+      <p:sp>
+        <p:nvSpPr>
+          <p:cNvPr id="26" name="TextBox 25">
+            <a:extLst>
+              <a:ext uri="{FF2B5EF4-FFF2-40B4-BE49-F238E27FC236}">
+                <a16:creationId xmlns:a16="http://schemas.microsoft.com/office/drawing/2014/main" id="{6F5A2E1D-E4FF-F4D2-2D96-A96D78FCA3B3}"/>
+              </a:ext>
+            </a:extLst>
+          </p:cNvPr>
+          <p:cNvSpPr txBox="1"/>
+          <p:nvPr/>
+        </p:nvSpPr>
+        <p:spPr>
+          <a:xfrm>
+            <a:off x="6049344" y="320660"/>
+            <a:ext cx="3489649" cy="646331"/>
+          </a:xfrm>
+          <a:prstGeom prst="rect">
+            <a:avLst/>
+          </a:prstGeom>
+          <a:noFill/>
+        </p:spPr>
+        <p:txBody>
+          <a:bodyPr wrap="square" rtlCol="0">
+            <a:spAutoFit/>
+          </a:bodyPr>
+          <a:lstStyle/>
+          <a:p>
+            <a:r>
+              <a:rPr lang="en-IN" dirty="0"/>
+              <a:t>Replace CRUD Operations Queries by Stored Procs</a:t>
+            </a:r>
+            <a:endParaRPr lang="en-US" dirty="0"/>
+          </a:p>
+        </p:txBody>
+      </p:sp>
+      <p:cxnSp>
+        <p:nvCxnSpPr>
+          <p:cNvPr id="28" name="Straight Arrow Connector 27">
+            <a:extLst>
+              <a:ext uri="{FF2B5EF4-FFF2-40B4-BE49-F238E27FC236}">
+                <a16:creationId xmlns:a16="http://schemas.microsoft.com/office/drawing/2014/main" id="{078FB510-9E49-0B84-8B8D-F0D5BCFA90E6}"/>
+              </a:ext>
+            </a:extLst>
+          </p:cNvPr>
+          <p:cNvCxnSpPr>
+            <a:stCxn id="26" idx="2"/>
+          </p:cNvCxnSpPr>
+          <p:nvPr/>
+        </p:nvCxnSpPr>
+        <p:spPr>
+          <a:xfrm flipH="1">
+            <a:off x="7305869" y="966991"/>
+            <a:ext cx="488300" cy="3833610"/>
+          </a:xfrm>
+          <a:prstGeom prst="straightConnector1">
+            <a:avLst/>
+          </a:prstGeom>
+          <a:ln>
+            <a:tailEnd type="triangle"/>
+          </a:ln>
+        </p:spPr>
+        <p:style>
+          <a:lnRef idx="1">
+            <a:schemeClr val="accent1"/>
+          </a:lnRef>
+          <a:fillRef idx="0">
+            <a:schemeClr val="accent1"/>
+          </a:fillRef>
+          <a:effectRef idx="0">
+            <a:schemeClr val="accent1"/>
+          </a:effectRef>
+          <a:fontRef idx="minor">
+            <a:schemeClr val="tx1"/>
+          </a:fontRef>
+        </p:style>
+      </p:cxnSp>
+    </p:spTree>
+    <p:extLst>
+      <p:ext uri="{BB962C8B-B14F-4D97-AF65-F5344CB8AC3E}">
+        <p14:creationId xmlns:p14="http://schemas.microsoft.com/office/powerpoint/2010/main" val="3431952699"/>
+      </p:ext>
+    </p:extLst>
+  </p:cSld>
+  <p:clrMapOvr>
+    <a:masterClrMapping/>
+  </p:clrMapOvr>
+</p:sld>
+</file>
+
+<file path=ppt/slides/slide15.xml><?xml version="1.0" encoding="utf-8"?>
+<p:sld xmlns:a="http://schemas.openxmlformats.org/drawingml/2006/main" xmlns:r="http://schemas.openxmlformats.org/officeDocument/2006/relationships" xmlns:p="http://schemas.openxmlformats.org/presentationml/2006/main">
+  <p:cSld>
+    <p:spTree>
+      <p:nvGrpSpPr>
+        <p:cNvPr id="1" name=""/>
+        <p:cNvGrpSpPr/>
+        <p:nvPr/>
+      </p:nvGrpSpPr>
+      <p:grpSpPr>
+        <a:xfrm>
+          <a:off x="0" y="0"/>
+          <a:ext cx="0" cy="0"/>
+          <a:chOff x="0" y="0"/>
+          <a:chExt cx="0" cy="0"/>
+        </a:xfrm>
+      </p:grpSpPr>
+      <p:sp>
+        <p:nvSpPr>
+          <p:cNvPr id="2" name="Cylinder 1">
+            <a:extLst>
+              <a:ext uri="{FF2B5EF4-FFF2-40B4-BE49-F238E27FC236}">
+                <a16:creationId xmlns:a16="http://schemas.microsoft.com/office/drawing/2014/main" id="{98B482DD-DDA2-4688-4D9E-3073817D710E}"/>
+              </a:ext>
+            </a:extLst>
+          </p:cNvPr>
+          <p:cNvSpPr/>
+          <p:nvPr/>
+        </p:nvSpPr>
+        <p:spPr>
+          <a:xfrm>
+            <a:off x="7931020" y="1017037"/>
+            <a:ext cx="3918858" cy="5103845"/>
+          </a:xfrm>
+          <a:prstGeom prst="can">
+            <a:avLst/>
+          </a:prstGeom>
+        </p:spPr>
+        <p:style>
+          <a:lnRef idx="2">
+            <a:schemeClr val="accent1">
+              <a:shade val="50000"/>
+            </a:schemeClr>
+          </a:lnRef>
+          <a:fillRef idx="1">
+            <a:schemeClr val="accent1"/>
+          </a:fillRef>
+          <a:effectRef idx="0">
+            <a:schemeClr val="accent1"/>
+          </a:effectRef>
+          <a:fontRef idx="minor">
+            <a:schemeClr val="lt1"/>
+          </a:fontRef>
+        </p:style>
+        <p:txBody>
+          <a:bodyPr rtlCol="0" anchor="ctr"/>
+          <a:lstStyle/>
+          <a:p>
+            <a:pPr algn="ctr"/>
+            <a:endParaRPr lang="en-US"/>
+          </a:p>
+        </p:txBody>
+      </p:sp>
+      <p:graphicFrame>
+        <p:nvGraphicFramePr>
+          <p:cNvPr id="3" name="Table 3">
+            <a:extLst>
+              <a:ext uri="{FF2B5EF4-FFF2-40B4-BE49-F238E27FC236}">
+                <a16:creationId xmlns:a16="http://schemas.microsoft.com/office/drawing/2014/main" id="{5107AEB3-C192-1B22-F1AF-01AD4AB85EE4}"/>
+              </a:ext>
+            </a:extLst>
+          </p:cNvPr>
+          <p:cNvGraphicFramePr>
+            <a:graphicFrameLocks noGrp="1"/>
+          </p:cNvGraphicFramePr>
           <p:nvPr>
             <p:extLst>
               <p:ext uri="{D42A27DB-BD31-4B8C-83A1-F6EECF244321}">
@@ -7435,7 +8594,7 @@
         <p:spPr>
           <a:xfrm>
             <a:off x="6095998" y="4001322"/>
-            <a:ext cx="2401078" cy="2585323"/>
+            <a:ext cx="2401078" cy="2031325"/>
           </a:xfrm>
           <a:prstGeom prst="rect">
             <a:avLst/>
@@ -7462,7 +8621,7 @@
             </a:pPr>
             <a:r>
               <a:rPr lang="en-IN" dirty="0"/>
-              <a:t>Create a Command to Perform CRUD Operations</a:t>
+              <a:t>Pass the Stored Procedure name to Db with parameters</a:t>
             </a:r>
           </a:p>
           <a:p>
@@ -7471,7 +8630,7 @@
             </a:pPr>
             <a:r>
               <a:rPr lang="en-IN" dirty="0"/>
-              <a:t>Send Command to Db</a:t>
+              <a:t>Db will execute it</a:t>
             </a:r>
           </a:p>
           <a:p>
@@ -7480,18 +8639,8 @@
             </a:pPr>
             <a:r>
               <a:rPr lang="en-IN" dirty="0"/>
-              <a:t>Get result From Db</a:t>
-            </a:r>
-          </a:p>
-          <a:p>
-            <a:pPr marL="342900" indent="-342900">
-              <a:buAutoNum type="arabicPeriod"/>
-            </a:pPr>
-            <a:r>
-              <a:rPr lang="en-IN" dirty="0"/>
-              <a:t>Disconnect from Db</a:t>
-            </a:r>
-            <a:endParaRPr lang="en-US" dirty="0"/>
+              <a:t>Return result</a:t>
+            </a:r>
           </a:p>
         </p:txBody>
       </p:sp>
@@ -7774,132 +8923,6 @@
           </a:p>
         </p:txBody>
       </p:sp>
-      <p:sp>
-        <p:nvSpPr>
-          <p:cNvPr id="25" name="Multiplication Sign 24">
-            <a:extLst>
-              <a:ext uri="{FF2B5EF4-FFF2-40B4-BE49-F238E27FC236}">
-                <a16:creationId xmlns:a16="http://schemas.microsoft.com/office/drawing/2014/main" id="{13CF51DE-EAE7-C796-92C2-1778CBBF3464}"/>
-              </a:ext>
-            </a:extLst>
-          </p:cNvPr>
-          <p:cNvSpPr/>
-          <p:nvPr/>
-        </p:nvSpPr>
-        <p:spPr>
-          <a:xfrm>
-            <a:off x="6718045" y="4575717"/>
-            <a:ext cx="1194318" cy="748872"/>
-          </a:xfrm>
-          <a:prstGeom prst="mathMultiply">
-            <a:avLst/>
-          </a:prstGeom>
-          <a:solidFill>
-            <a:srgbClr val="FF0000"/>
-          </a:solidFill>
-        </p:spPr>
-        <p:style>
-          <a:lnRef idx="2">
-            <a:schemeClr val="accent1">
-              <a:shade val="50000"/>
-            </a:schemeClr>
-          </a:lnRef>
-          <a:fillRef idx="1">
-            <a:schemeClr val="accent1"/>
-          </a:fillRef>
-          <a:effectRef idx="0">
-            <a:schemeClr val="accent1"/>
-          </a:effectRef>
-          <a:fontRef idx="minor">
-            <a:schemeClr val="lt1"/>
-          </a:fontRef>
-        </p:style>
-        <p:txBody>
-          <a:bodyPr rtlCol="0" anchor="ctr"/>
-          <a:lstStyle/>
-          <a:p>
-            <a:pPr algn="ctr"/>
-            <a:endParaRPr lang="en-US"/>
-          </a:p>
-        </p:txBody>
-      </p:sp>
-      <p:sp>
-        <p:nvSpPr>
-          <p:cNvPr id="26" name="TextBox 25">
-            <a:extLst>
-              <a:ext uri="{FF2B5EF4-FFF2-40B4-BE49-F238E27FC236}">
-                <a16:creationId xmlns:a16="http://schemas.microsoft.com/office/drawing/2014/main" id="{6F5A2E1D-E4FF-F4D2-2D96-A96D78FCA3B3}"/>
-              </a:ext>
-            </a:extLst>
-          </p:cNvPr>
-          <p:cNvSpPr txBox="1"/>
-          <p:nvPr/>
-        </p:nvSpPr>
-        <p:spPr>
-          <a:xfrm>
-            <a:off x="6049344" y="320660"/>
-            <a:ext cx="3489649" cy="646331"/>
-          </a:xfrm>
-          <a:prstGeom prst="rect">
-            <a:avLst/>
-          </a:prstGeom>
-          <a:noFill/>
-        </p:spPr>
-        <p:txBody>
-          <a:bodyPr wrap="square" rtlCol="0">
-            <a:spAutoFit/>
-          </a:bodyPr>
-          <a:lstStyle/>
-          <a:p>
-            <a:r>
-              <a:rPr lang="en-IN" dirty="0"/>
-              <a:t>Replace CRUD Operations Queries by Stored Procs</a:t>
-            </a:r>
-            <a:endParaRPr lang="en-US" dirty="0"/>
-          </a:p>
-        </p:txBody>
-      </p:sp>
-      <p:cxnSp>
-        <p:nvCxnSpPr>
-          <p:cNvPr id="28" name="Straight Arrow Connector 27">
-            <a:extLst>
-              <a:ext uri="{FF2B5EF4-FFF2-40B4-BE49-F238E27FC236}">
-                <a16:creationId xmlns:a16="http://schemas.microsoft.com/office/drawing/2014/main" id="{078FB510-9E49-0B84-8B8D-F0D5BCFA90E6}"/>
-              </a:ext>
-            </a:extLst>
-          </p:cNvPr>
-          <p:cNvCxnSpPr>
-            <a:stCxn id="26" idx="2"/>
-          </p:cNvCxnSpPr>
-          <p:nvPr/>
-        </p:nvCxnSpPr>
-        <p:spPr>
-          <a:xfrm flipH="1">
-            <a:off x="7305869" y="966991"/>
-            <a:ext cx="488300" cy="3833610"/>
-          </a:xfrm>
-          <a:prstGeom prst="straightConnector1">
-            <a:avLst/>
-          </a:prstGeom>
-          <a:ln>
-            <a:tailEnd type="triangle"/>
-          </a:ln>
-        </p:spPr>
-        <p:style>
-          <a:lnRef idx="1">
-            <a:schemeClr val="accent1"/>
-          </a:lnRef>
-          <a:fillRef idx="0">
-            <a:schemeClr val="accent1"/>
-          </a:fillRef>
-          <a:effectRef idx="0">
-            <a:schemeClr val="accent1"/>
-          </a:effectRef>
-          <a:fontRef idx="minor">
-            <a:schemeClr val="tx1"/>
-          </a:fontRef>
-        </p:style>
-      </p:cxnSp>
     </p:spTree>
     <p:extLst>
       <p:ext uri="{BB962C8B-B14F-4D97-AF65-F5344CB8AC3E}">
@@ -7913,7 +8936,7 @@
 </p:sld>
 </file>
 
-<file path=ppt/slides/slide15.xml><?xml version="1.0" encoding="utf-8"?>
+<file path=ppt/slides/slide16.xml><?xml version="1.0" encoding="utf-8"?>
 <p:sld xmlns:a="http://schemas.openxmlformats.org/drawingml/2006/main" xmlns:r="http://schemas.openxmlformats.org/officeDocument/2006/relationships" xmlns:p="http://schemas.openxmlformats.org/presentationml/2006/main">
   <p:cSld>
     <p:spTree>
@@ -9218,7 +10241,7 @@
 </p:sld>
 </file>
 
-<file path=ppt/slides/slide16.xml><?xml version="1.0" encoding="utf-8"?>
+<file path=ppt/slides/slide17.xml><?xml version="1.0" encoding="utf-8"?>
 <p:sld xmlns:a="http://schemas.openxmlformats.org/drawingml/2006/main" xmlns:r="http://schemas.openxmlformats.org/officeDocument/2006/relationships" xmlns:p="http://schemas.openxmlformats.org/presentationml/2006/main">
   <p:cSld>
     <p:spTree>
@@ -10250,7 +11273,7 @@
 </p:sld>
 </file>
 
-<file path=ppt/slides/slide17.xml><?xml version="1.0" encoding="utf-8"?>
+<file path=ppt/slides/slide18.xml><?xml version="1.0" encoding="utf-8"?>
 <p:sld xmlns:a="http://schemas.openxmlformats.org/drawingml/2006/main" xmlns:r="http://schemas.openxmlformats.org/officeDocument/2006/relationships" xmlns:p="http://schemas.openxmlformats.org/presentationml/2006/main">
   <p:cSld>
     <p:spTree>

--- a/Training-Images.pptx
+++ b/Training-Images.pptx
@@ -23,6 +23,9 @@
     <p:sldId id="269" r:id="rId17"/>
     <p:sldId id="270" r:id="rId18"/>
     <p:sldId id="271" r:id="rId19"/>
+    <p:sldId id="274" r:id="rId20"/>
+    <p:sldId id="275" r:id="rId21"/>
+    <p:sldId id="276" r:id="rId22"/>
   </p:sldIdLst>
   <p:sldSz cx="12192000" cy="6858000"/>
   <p:notesSz cx="6858000" cy="9144000"/>
@@ -276,7 +279,7 @@
           <a:p>
             <a:fld id="{95E4630E-4E16-4BC6-8D4C-04E2A0254E22}" type="datetimeFigureOut">
               <a:rPr lang="en-US" smtClean="0"/>
-              <a:t>7/15/2022</a:t>
+              <a:t>7/18/2022</a:t>
             </a:fld>
             <a:endParaRPr lang="en-US"/>
           </a:p>
@@ -474,7 +477,7 @@
           <a:p>
             <a:fld id="{95E4630E-4E16-4BC6-8D4C-04E2A0254E22}" type="datetimeFigureOut">
               <a:rPr lang="en-US" smtClean="0"/>
-              <a:t>7/15/2022</a:t>
+              <a:t>7/18/2022</a:t>
             </a:fld>
             <a:endParaRPr lang="en-US"/>
           </a:p>
@@ -682,7 +685,7 @@
           <a:p>
             <a:fld id="{95E4630E-4E16-4BC6-8D4C-04E2A0254E22}" type="datetimeFigureOut">
               <a:rPr lang="en-US" smtClean="0"/>
-              <a:t>7/15/2022</a:t>
+              <a:t>7/18/2022</a:t>
             </a:fld>
             <a:endParaRPr lang="en-US"/>
           </a:p>
@@ -880,7 +883,7 @@
           <a:p>
             <a:fld id="{95E4630E-4E16-4BC6-8D4C-04E2A0254E22}" type="datetimeFigureOut">
               <a:rPr lang="en-US" smtClean="0"/>
-              <a:t>7/15/2022</a:t>
+              <a:t>7/18/2022</a:t>
             </a:fld>
             <a:endParaRPr lang="en-US"/>
           </a:p>
@@ -1155,7 +1158,7 @@
           <a:p>
             <a:fld id="{95E4630E-4E16-4BC6-8D4C-04E2A0254E22}" type="datetimeFigureOut">
               <a:rPr lang="en-US" smtClean="0"/>
-              <a:t>7/15/2022</a:t>
+              <a:t>7/18/2022</a:t>
             </a:fld>
             <a:endParaRPr lang="en-US"/>
           </a:p>
@@ -1420,7 +1423,7 @@
           <a:p>
             <a:fld id="{95E4630E-4E16-4BC6-8D4C-04E2A0254E22}" type="datetimeFigureOut">
               <a:rPr lang="en-US" smtClean="0"/>
-              <a:t>7/15/2022</a:t>
+              <a:t>7/18/2022</a:t>
             </a:fld>
             <a:endParaRPr lang="en-US"/>
           </a:p>
@@ -1832,7 +1835,7 @@
           <a:p>
             <a:fld id="{95E4630E-4E16-4BC6-8D4C-04E2A0254E22}" type="datetimeFigureOut">
               <a:rPr lang="en-US" smtClean="0"/>
-              <a:t>7/15/2022</a:t>
+              <a:t>7/18/2022</a:t>
             </a:fld>
             <a:endParaRPr lang="en-US"/>
           </a:p>
@@ -1973,7 +1976,7 @@
           <a:p>
             <a:fld id="{95E4630E-4E16-4BC6-8D4C-04E2A0254E22}" type="datetimeFigureOut">
               <a:rPr lang="en-US" smtClean="0"/>
-              <a:t>7/15/2022</a:t>
+              <a:t>7/18/2022</a:t>
             </a:fld>
             <a:endParaRPr lang="en-US"/>
           </a:p>
@@ -2086,7 +2089,7 @@
           <a:p>
             <a:fld id="{95E4630E-4E16-4BC6-8D4C-04E2A0254E22}" type="datetimeFigureOut">
               <a:rPr lang="en-US" smtClean="0"/>
-              <a:t>7/15/2022</a:t>
+              <a:t>7/18/2022</a:t>
             </a:fld>
             <a:endParaRPr lang="en-US"/>
           </a:p>
@@ -2397,7 +2400,7 @@
           <a:p>
             <a:fld id="{95E4630E-4E16-4BC6-8D4C-04E2A0254E22}" type="datetimeFigureOut">
               <a:rPr lang="en-US" smtClean="0"/>
-              <a:t>7/15/2022</a:t>
+              <a:t>7/18/2022</a:t>
             </a:fld>
             <a:endParaRPr lang="en-US"/>
           </a:p>
@@ -2685,7 +2688,7 @@
           <a:p>
             <a:fld id="{95E4630E-4E16-4BC6-8D4C-04E2A0254E22}" type="datetimeFigureOut">
               <a:rPr lang="en-US" smtClean="0"/>
-              <a:t>7/15/2022</a:t>
+              <a:t>7/18/2022</a:t>
             </a:fld>
             <a:endParaRPr lang="en-US"/>
           </a:p>
@@ -2926,7 +2929,7 @@
           <a:p>
             <a:fld id="{95E4630E-4E16-4BC6-8D4C-04E2A0254E22}" type="datetimeFigureOut">
               <a:rPr lang="en-US" smtClean="0"/>
-              <a:t>7/15/2022</a:t>
+              <a:t>7/18/2022</a:t>
             </a:fld>
             <a:endParaRPr lang="en-US"/>
           </a:p>
@@ -12555,6 +12558,533 @@
 </p:sld>
 </file>
 
+<file path=ppt/slides/slide19.xml><?xml version="1.0" encoding="utf-8"?>
+<p:sld xmlns:a="http://schemas.openxmlformats.org/drawingml/2006/main" xmlns:r="http://schemas.openxmlformats.org/officeDocument/2006/relationships" xmlns:p="http://schemas.openxmlformats.org/presentationml/2006/main">
+  <p:cSld>
+    <p:spTree>
+      <p:nvGrpSpPr>
+        <p:cNvPr id="1" name=""/>
+        <p:cNvGrpSpPr/>
+        <p:nvPr/>
+      </p:nvGrpSpPr>
+      <p:grpSpPr>
+        <a:xfrm>
+          <a:off x="0" y="0"/>
+          <a:ext cx="0" cy="0"/>
+          <a:chOff x="0" y="0"/>
+          <a:chExt cx="0" cy="0"/>
+        </a:xfrm>
+      </p:grpSpPr>
+      <p:sp>
+        <p:nvSpPr>
+          <p:cNvPr id="2" name="Cylinder 1">
+            <a:extLst>
+              <a:ext uri="{FF2B5EF4-FFF2-40B4-BE49-F238E27FC236}">
+                <a16:creationId xmlns:a16="http://schemas.microsoft.com/office/drawing/2014/main" id="{F52FD5E2-64A9-9933-545A-FEEDAB4A8B66}"/>
+              </a:ext>
+            </a:extLst>
+          </p:cNvPr>
+          <p:cNvSpPr/>
+          <p:nvPr/>
+        </p:nvSpPr>
+        <p:spPr>
+          <a:xfrm>
+            <a:off x="8425543" y="158620"/>
+            <a:ext cx="3387012" cy="6671388"/>
+          </a:xfrm>
+          <a:prstGeom prst="can">
+            <a:avLst>
+              <a:gd name="adj" fmla="val 18113"/>
+            </a:avLst>
+          </a:prstGeom>
+        </p:spPr>
+        <p:style>
+          <a:lnRef idx="2">
+            <a:schemeClr val="accent1">
+              <a:shade val="50000"/>
+            </a:schemeClr>
+          </a:lnRef>
+          <a:fillRef idx="1">
+            <a:schemeClr val="accent1"/>
+          </a:fillRef>
+          <a:effectRef idx="0">
+            <a:schemeClr val="accent1"/>
+          </a:effectRef>
+          <a:fontRef idx="minor">
+            <a:schemeClr val="lt1"/>
+          </a:fontRef>
+        </p:style>
+        <p:txBody>
+          <a:bodyPr rtlCol="0" anchor="ctr"/>
+          <a:lstStyle/>
+          <a:p>
+            <a:pPr algn="ctr"/>
+            <a:r>
+              <a:rPr lang="en-IN" b="1" dirty="0"/>
+              <a:t>SQL Server Database</a:t>
+            </a:r>
+            <a:endParaRPr lang="en-US" b="1" dirty="0"/>
+          </a:p>
+        </p:txBody>
+      </p:sp>
+      <p:sp>
+        <p:nvSpPr>
+          <p:cNvPr id="3" name="Rectangle 2">
+            <a:extLst>
+              <a:ext uri="{FF2B5EF4-FFF2-40B4-BE49-F238E27FC236}">
+                <a16:creationId xmlns:a16="http://schemas.microsoft.com/office/drawing/2014/main" id="{01AD1647-43BF-D881-48BE-E7B25273758F}"/>
+              </a:ext>
+            </a:extLst>
+          </p:cNvPr>
+          <p:cNvSpPr/>
+          <p:nvPr/>
+        </p:nvSpPr>
+        <p:spPr>
+          <a:xfrm>
+            <a:off x="335902" y="93306"/>
+            <a:ext cx="1968759" cy="6671388"/>
+          </a:xfrm>
+          <a:prstGeom prst="rect">
+            <a:avLst/>
+          </a:prstGeom>
+        </p:spPr>
+        <p:style>
+          <a:lnRef idx="1">
+            <a:schemeClr val="accent3"/>
+          </a:lnRef>
+          <a:fillRef idx="3">
+            <a:schemeClr val="accent3"/>
+          </a:fillRef>
+          <a:effectRef idx="2">
+            <a:schemeClr val="accent3"/>
+          </a:effectRef>
+          <a:fontRef idx="minor">
+            <a:schemeClr val="lt1"/>
+          </a:fontRef>
+        </p:style>
+        <p:txBody>
+          <a:bodyPr rtlCol="0" anchor="ctr"/>
+          <a:lstStyle/>
+          <a:p>
+            <a:pPr algn="ctr"/>
+            <a:r>
+              <a:rPr lang="en-IN" b="1" dirty="0"/>
+              <a:t>Client App</a:t>
+            </a:r>
+            <a:endParaRPr lang="en-US" b="1" dirty="0"/>
+          </a:p>
+        </p:txBody>
+      </p:sp>
+      <p:sp>
+        <p:nvSpPr>
+          <p:cNvPr id="4" name="Arrow: Right 3">
+            <a:extLst>
+              <a:ext uri="{FF2B5EF4-FFF2-40B4-BE49-F238E27FC236}">
+                <a16:creationId xmlns:a16="http://schemas.microsoft.com/office/drawing/2014/main" id="{11E5F74A-9A66-D335-0F86-3ED5C18292DF}"/>
+              </a:ext>
+            </a:extLst>
+          </p:cNvPr>
+          <p:cNvSpPr/>
+          <p:nvPr/>
+        </p:nvSpPr>
+        <p:spPr>
+          <a:xfrm>
+            <a:off x="2304661" y="233266"/>
+            <a:ext cx="6102221" cy="1091681"/>
+          </a:xfrm>
+          <a:prstGeom prst="rightArrow">
+            <a:avLst/>
+          </a:prstGeom>
+        </p:spPr>
+        <p:style>
+          <a:lnRef idx="2">
+            <a:schemeClr val="accent1">
+              <a:shade val="50000"/>
+            </a:schemeClr>
+          </a:lnRef>
+          <a:fillRef idx="1">
+            <a:schemeClr val="accent1"/>
+          </a:fillRef>
+          <a:effectRef idx="0">
+            <a:schemeClr val="accent1"/>
+          </a:effectRef>
+          <a:fontRef idx="minor">
+            <a:schemeClr val="lt1"/>
+          </a:fontRef>
+        </p:style>
+        <p:txBody>
+          <a:bodyPr rtlCol="0" anchor="ctr"/>
+          <a:lstStyle/>
+          <a:p>
+            <a:pPr marL="342900" indent="-342900" algn="ctr">
+              <a:buAutoNum type="arabicPeriod"/>
+            </a:pPr>
+            <a:r>
+              <a:rPr lang="en-IN" b="1" dirty="0"/>
+              <a:t>Connect to Database</a:t>
+            </a:r>
+          </a:p>
+          <a:p>
+            <a:pPr algn="ctr"/>
+            <a:r>
+              <a:rPr lang="en-IN" b="1" dirty="0"/>
+              <a:t>Server Name, Database Name, Credentials</a:t>
+            </a:r>
+            <a:endParaRPr lang="en-US" dirty="0"/>
+          </a:p>
+        </p:txBody>
+      </p:sp>
+      <p:sp>
+        <p:nvSpPr>
+          <p:cNvPr id="5" name="Arrow: Left 4">
+            <a:extLst>
+              <a:ext uri="{FF2B5EF4-FFF2-40B4-BE49-F238E27FC236}">
+                <a16:creationId xmlns:a16="http://schemas.microsoft.com/office/drawing/2014/main" id="{6B7DB9B4-8094-E05E-CF83-8EFEB58CE931}"/>
+              </a:ext>
+            </a:extLst>
+          </p:cNvPr>
+          <p:cNvSpPr/>
+          <p:nvPr/>
+        </p:nvSpPr>
+        <p:spPr>
+          <a:xfrm>
+            <a:off x="2313991" y="1203649"/>
+            <a:ext cx="6111552" cy="1017037"/>
+          </a:xfrm>
+          <a:prstGeom prst="leftArrow">
+            <a:avLst/>
+          </a:prstGeom>
+        </p:spPr>
+        <p:style>
+          <a:lnRef idx="2">
+            <a:schemeClr val="accent1">
+              <a:shade val="50000"/>
+            </a:schemeClr>
+          </a:lnRef>
+          <a:fillRef idx="1">
+            <a:schemeClr val="accent1"/>
+          </a:fillRef>
+          <a:effectRef idx="0">
+            <a:schemeClr val="accent1"/>
+          </a:effectRef>
+          <a:fontRef idx="minor">
+            <a:schemeClr val="lt1"/>
+          </a:fontRef>
+        </p:style>
+        <p:txBody>
+          <a:bodyPr rtlCol="0" anchor="ctr"/>
+          <a:lstStyle/>
+          <a:p>
+            <a:pPr algn="ctr"/>
+            <a:r>
+              <a:rPr lang="en-IN" b="1" dirty="0"/>
+              <a:t>3. Connection State is Connected</a:t>
+            </a:r>
+            <a:endParaRPr lang="en-US" b="1" dirty="0"/>
+          </a:p>
+        </p:txBody>
+      </p:sp>
+      <p:sp>
+        <p:nvSpPr>
+          <p:cNvPr id="6" name="Arrow: Right 5">
+            <a:extLst>
+              <a:ext uri="{FF2B5EF4-FFF2-40B4-BE49-F238E27FC236}">
+                <a16:creationId xmlns:a16="http://schemas.microsoft.com/office/drawing/2014/main" id="{E2FC2344-A81C-D51B-03C7-5342991509CF}"/>
+              </a:ext>
+            </a:extLst>
+          </p:cNvPr>
+          <p:cNvSpPr/>
+          <p:nvPr/>
+        </p:nvSpPr>
+        <p:spPr>
+          <a:xfrm>
+            <a:off x="2286000" y="2295330"/>
+            <a:ext cx="6130213" cy="709127"/>
+          </a:xfrm>
+          <a:prstGeom prst="rightArrow">
+            <a:avLst/>
+          </a:prstGeom>
+        </p:spPr>
+        <p:style>
+          <a:lnRef idx="2">
+            <a:schemeClr val="accent1">
+              <a:shade val="50000"/>
+            </a:schemeClr>
+          </a:lnRef>
+          <a:fillRef idx="1">
+            <a:schemeClr val="accent1"/>
+          </a:fillRef>
+          <a:effectRef idx="0">
+            <a:schemeClr val="accent1"/>
+          </a:effectRef>
+          <a:fontRef idx="minor">
+            <a:schemeClr val="lt1"/>
+          </a:fontRef>
+        </p:style>
+        <p:txBody>
+          <a:bodyPr rtlCol="0" anchor="ctr"/>
+          <a:lstStyle/>
+          <a:p>
+            <a:pPr algn="ctr"/>
+            <a:r>
+              <a:rPr lang="en-IN" b="1" dirty="0"/>
+              <a:t>4. Client Open the Connection with the database</a:t>
+            </a:r>
+            <a:endParaRPr lang="en-US" b="1" dirty="0"/>
+          </a:p>
+        </p:txBody>
+      </p:sp>
+      <p:sp>
+        <p:nvSpPr>
+          <p:cNvPr id="7" name="TextBox 6">
+            <a:extLst>
+              <a:ext uri="{FF2B5EF4-FFF2-40B4-BE49-F238E27FC236}">
+                <a16:creationId xmlns:a16="http://schemas.microsoft.com/office/drawing/2014/main" id="{724E7692-0AF2-673A-D94F-D0C36F168568}"/>
+              </a:ext>
+            </a:extLst>
+          </p:cNvPr>
+          <p:cNvSpPr txBox="1"/>
+          <p:nvPr/>
+        </p:nvSpPr>
+        <p:spPr>
+          <a:xfrm>
+            <a:off x="8929396" y="1129005"/>
+            <a:ext cx="2313992" cy="923330"/>
+          </a:xfrm>
+          <a:prstGeom prst="rect">
+            <a:avLst/>
+          </a:prstGeom>
+          <a:noFill/>
+        </p:spPr>
+        <p:txBody>
+          <a:bodyPr wrap="square" rtlCol="0">
+            <a:spAutoFit/>
+          </a:bodyPr>
+          <a:lstStyle/>
+          <a:p>
+            <a:r>
+              <a:rPr lang="en-IN" b="1" dirty="0">
+                <a:solidFill>
+                  <a:schemeClr val="bg1"/>
+                </a:solidFill>
+              </a:rPr>
+              <a:t>2. The Server will verify the Database and its access</a:t>
+            </a:r>
+            <a:endParaRPr lang="en-US" b="1" dirty="0">
+              <a:solidFill>
+                <a:schemeClr val="bg1"/>
+              </a:solidFill>
+            </a:endParaRPr>
+          </a:p>
+        </p:txBody>
+      </p:sp>
+      <p:sp>
+        <p:nvSpPr>
+          <p:cNvPr id="8" name="Arrow: Right 7">
+            <a:extLst>
+              <a:ext uri="{FF2B5EF4-FFF2-40B4-BE49-F238E27FC236}">
+                <a16:creationId xmlns:a16="http://schemas.microsoft.com/office/drawing/2014/main" id="{A79F9AF7-F783-EF74-58A9-F13FE8C0C6CC}"/>
+              </a:ext>
+            </a:extLst>
+          </p:cNvPr>
+          <p:cNvSpPr/>
+          <p:nvPr/>
+        </p:nvSpPr>
+        <p:spPr>
+          <a:xfrm>
+            <a:off x="2286000" y="3265715"/>
+            <a:ext cx="6139543" cy="1726163"/>
+          </a:xfrm>
+          <a:prstGeom prst="rightArrow">
+            <a:avLst/>
+          </a:prstGeom>
+        </p:spPr>
+        <p:style>
+          <a:lnRef idx="2">
+            <a:schemeClr val="accent1">
+              <a:shade val="50000"/>
+            </a:schemeClr>
+          </a:lnRef>
+          <a:fillRef idx="1">
+            <a:schemeClr val="accent1"/>
+          </a:fillRef>
+          <a:effectRef idx="0">
+            <a:schemeClr val="accent1"/>
+          </a:effectRef>
+          <a:fontRef idx="minor">
+            <a:schemeClr val="lt1"/>
+          </a:fontRef>
+        </p:style>
+        <p:txBody>
+          <a:bodyPr rtlCol="0" anchor="ctr"/>
+          <a:lstStyle/>
+          <a:p>
+            <a:pPr algn="ctr"/>
+            <a:r>
+              <a:rPr lang="en-IN" b="1" dirty="0"/>
+              <a:t>5. Client Send Queries to Perform Read/Write Operations with Database Or Stored Procedure Names with Parameters (if any)	</a:t>
+            </a:r>
+            <a:endParaRPr lang="en-US" b="1" dirty="0"/>
+          </a:p>
+        </p:txBody>
+      </p:sp>
+      <p:sp>
+        <p:nvSpPr>
+          <p:cNvPr id="9" name="TextBox 8">
+            <a:extLst>
+              <a:ext uri="{FF2B5EF4-FFF2-40B4-BE49-F238E27FC236}">
+                <a16:creationId xmlns:a16="http://schemas.microsoft.com/office/drawing/2014/main" id="{9221F193-97C5-5FB9-FDDF-CDECA50EE3B4}"/>
+              </a:ext>
+            </a:extLst>
+          </p:cNvPr>
+          <p:cNvSpPr txBox="1"/>
+          <p:nvPr/>
+        </p:nvSpPr>
+        <p:spPr>
+          <a:xfrm>
+            <a:off x="8839200" y="3879981"/>
+            <a:ext cx="2313992" cy="1477328"/>
+          </a:xfrm>
+          <a:prstGeom prst="rect">
+            <a:avLst/>
+          </a:prstGeom>
+          <a:noFill/>
+        </p:spPr>
+        <p:txBody>
+          <a:bodyPr wrap="square" rtlCol="0">
+            <a:spAutoFit/>
+          </a:bodyPr>
+          <a:lstStyle/>
+          <a:p>
+            <a:r>
+              <a:rPr lang="en-IN" b="1" dirty="0">
+                <a:solidFill>
+                  <a:schemeClr val="bg1"/>
+                </a:solidFill>
+              </a:rPr>
+              <a:t>6. Database will locate Table for Executing Queries or will locate SP to perform Operations</a:t>
+            </a:r>
+            <a:endParaRPr lang="en-US" b="1" dirty="0">
+              <a:solidFill>
+                <a:schemeClr val="bg1"/>
+              </a:solidFill>
+            </a:endParaRPr>
+          </a:p>
+        </p:txBody>
+      </p:sp>
+      <p:sp>
+        <p:nvSpPr>
+          <p:cNvPr id="10" name="Arrow: Left 9">
+            <a:extLst>
+              <a:ext uri="{FF2B5EF4-FFF2-40B4-BE49-F238E27FC236}">
+                <a16:creationId xmlns:a16="http://schemas.microsoft.com/office/drawing/2014/main" id="{FA592A5B-A58F-39F3-1A37-383CB13F887E}"/>
+              </a:ext>
+            </a:extLst>
+          </p:cNvPr>
+          <p:cNvSpPr/>
+          <p:nvPr/>
+        </p:nvSpPr>
+        <p:spPr>
+          <a:xfrm>
+            <a:off x="2286000" y="4991878"/>
+            <a:ext cx="6130213" cy="1184987"/>
+          </a:xfrm>
+          <a:prstGeom prst="leftArrow">
+            <a:avLst/>
+          </a:prstGeom>
+        </p:spPr>
+        <p:style>
+          <a:lnRef idx="2">
+            <a:schemeClr val="accent1">
+              <a:shade val="50000"/>
+            </a:schemeClr>
+          </a:lnRef>
+          <a:fillRef idx="1">
+            <a:schemeClr val="accent1"/>
+          </a:fillRef>
+          <a:effectRef idx="0">
+            <a:schemeClr val="accent1"/>
+          </a:effectRef>
+          <a:fontRef idx="minor">
+            <a:schemeClr val="lt1"/>
+          </a:fontRef>
+        </p:style>
+        <p:txBody>
+          <a:bodyPr rtlCol="0" anchor="ctr"/>
+          <a:lstStyle/>
+          <a:p>
+            <a:pPr algn="ctr"/>
+            <a:r>
+              <a:rPr lang="en-IN" b="1" dirty="0"/>
+              <a:t>7. Database will send response to Client App</a:t>
+            </a:r>
+            <a:endParaRPr lang="en-US" b="1" dirty="0"/>
+          </a:p>
+        </p:txBody>
+      </p:sp>
+      <p:sp>
+        <p:nvSpPr>
+          <p:cNvPr id="11" name="Arrow: Right 10">
+            <a:extLst>
+              <a:ext uri="{FF2B5EF4-FFF2-40B4-BE49-F238E27FC236}">
+                <a16:creationId xmlns:a16="http://schemas.microsoft.com/office/drawing/2014/main" id="{904E1E5C-8297-4BA6-59D2-B336D85BCDB4}"/>
+              </a:ext>
+            </a:extLst>
+          </p:cNvPr>
+          <p:cNvSpPr/>
+          <p:nvPr/>
+        </p:nvSpPr>
+        <p:spPr>
+          <a:xfrm>
+            <a:off x="2286000" y="6036907"/>
+            <a:ext cx="6139543" cy="587827"/>
+          </a:xfrm>
+          <a:prstGeom prst="rightArrow">
+            <a:avLst/>
+          </a:prstGeom>
+        </p:spPr>
+        <p:style>
+          <a:lnRef idx="2">
+            <a:schemeClr val="accent1">
+              <a:shade val="50000"/>
+            </a:schemeClr>
+          </a:lnRef>
+          <a:fillRef idx="1">
+            <a:schemeClr val="accent1"/>
+          </a:fillRef>
+          <a:effectRef idx="0">
+            <a:schemeClr val="accent1"/>
+          </a:effectRef>
+          <a:fontRef idx="minor">
+            <a:schemeClr val="lt1"/>
+          </a:fontRef>
+        </p:style>
+        <p:txBody>
+          <a:bodyPr rtlCol="0" anchor="ctr"/>
+          <a:lstStyle/>
+          <a:p>
+            <a:pPr algn="ctr"/>
+            <a:r>
+              <a:rPr lang="en-IN" b="1" dirty="0"/>
+              <a:t>8. Close The Connection</a:t>
+            </a:r>
+            <a:endParaRPr lang="en-US" b="1" dirty="0"/>
+          </a:p>
+        </p:txBody>
+      </p:sp>
+    </p:spTree>
+    <p:extLst>
+      <p:ext uri="{BB962C8B-B14F-4D97-AF65-F5344CB8AC3E}">
+        <p14:creationId xmlns:p14="http://schemas.microsoft.com/office/powerpoint/2010/main" val="4238854849"/>
+      </p:ext>
+    </p:extLst>
+  </p:cSld>
+  <p:clrMapOvr>
+    <a:masterClrMapping/>
+  </p:clrMapOvr>
+</p:sld>
+</file>
+
 <file path=ppt/slides/slide2.xml><?xml version="1.0" encoding="utf-8"?>
 <p:sld xmlns:a="http://schemas.openxmlformats.org/drawingml/2006/main" xmlns:r="http://schemas.openxmlformats.org/officeDocument/2006/relationships" xmlns:p="http://schemas.openxmlformats.org/presentationml/2006/main">
   <p:cSld>
@@ -13624,6 +14154,1525 @@
     <p:extLst>
       <p:ext uri="{BB962C8B-B14F-4D97-AF65-F5344CB8AC3E}">
         <p14:creationId xmlns:p14="http://schemas.microsoft.com/office/powerpoint/2010/main" val="4286685871"/>
+      </p:ext>
+    </p:extLst>
+  </p:cSld>
+  <p:clrMapOvr>
+    <a:masterClrMapping/>
+  </p:clrMapOvr>
+</p:sld>
+</file>
+
+<file path=ppt/slides/slide20.xml><?xml version="1.0" encoding="utf-8"?>
+<p:sld xmlns:a="http://schemas.openxmlformats.org/drawingml/2006/main" xmlns:r="http://schemas.openxmlformats.org/officeDocument/2006/relationships" xmlns:p="http://schemas.openxmlformats.org/presentationml/2006/main">
+  <p:cSld>
+    <p:spTree>
+      <p:nvGrpSpPr>
+        <p:cNvPr id="1" name=""/>
+        <p:cNvGrpSpPr/>
+        <p:nvPr/>
+      </p:nvGrpSpPr>
+      <p:grpSpPr>
+        <a:xfrm>
+          <a:off x="0" y="0"/>
+          <a:ext cx="0" cy="0"/>
+          <a:chOff x="0" y="0"/>
+          <a:chExt cx="0" cy="0"/>
+        </a:xfrm>
+      </p:grpSpPr>
+      <p:sp>
+        <p:nvSpPr>
+          <p:cNvPr id="2" name="Cylinder 1">
+            <a:extLst>
+              <a:ext uri="{FF2B5EF4-FFF2-40B4-BE49-F238E27FC236}">
+                <a16:creationId xmlns:a16="http://schemas.microsoft.com/office/drawing/2014/main" id="{78F45C30-0C32-7C03-4674-1440F01F33A9}"/>
+              </a:ext>
+            </a:extLst>
+          </p:cNvPr>
+          <p:cNvSpPr/>
+          <p:nvPr/>
+        </p:nvSpPr>
+        <p:spPr>
+          <a:xfrm>
+            <a:off x="9507894" y="2127380"/>
+            <a:ext cx="2407298" cy="1847461"/>
+          </a:xfrm>
+          <a:prstGeom prst="can">
+            <a:avLst/>
+          </a:prstGeom>
+        </p:spPr>
+        <p:style>
+          <a:lnRef idx="2">
+            <a:schemeClr val="accent1">
+              <a:shade val="50000"/>
+            </a:schemeClr>
+          </a:lnRef>
+          <a:fillRef idx="1">
+            <a:schemeClr val="accent1"/>
+          </a:fillRef>
+          <a:effectRef idx="0">
+            <a:schemeClr val="accent1"/>
+          </a:effectRef>
+          <a:fontRef idx="minor">
+            <a:schemeClr val="lt1"/>
+          </a:fontRef>
+        </p:style>
+        <p:txBody>
+          <a:bodyPr rtlCol="0" anchor="ctr"/>
+          <a:lstStyle/>
+          <a:p>
+            <a:pPr algn="ctr"/>
+            <a:r>
+              <a:rPr lang="en-IN" b="1" dirty="0"/>
+              <a:t>Database with tables</a:t>
+            </a:r>
+            <a:endParaRPr lang="en-US" b="1" dirty="0"/>
+          </a:p>
+        </p:txBody>
+      </p:sp>
+      <p:graphicFrame>
+        <p:nvGraphicFramePr>
+          <p:cNvPr id="3" name="Table 3">
+            <a:extLst>
+              <a:ext uri="{FF2B5EF4-FFF2-40B4-BE49-F238E27FC236}">
+                <a16:creationId xmlns:a16="http://schemas.microsoft.com/office/drawing/2014/main" id="{58069434-A77E-F329-52B9-3429A12191FB}"/>
+              </a:ext>
+            </a:extLst>
+          </p:cNvPr>
+          <p:cNvGraphicFramePr>
+            <a:graphicFrameLocks noGrp="1"/>
+          </p:cNvGraphicFramePr>
+          <p:nvPr>
+            <p:extLst>
+              <p:ext uri="{D42A27DB-BD31-4B8C-83A1-F6EECF244321}">
+                <p14:modId xmlns:p14="http://schemas.microsoft.com/office/powerpoint/2010/main" val="3426971178"/>
+              </p:ext>
+            </p:extLst>
+          </p:nvPr>
+        </p:nvGraphicFramePr>
+        <p:xfrm>
+          <a:off x="9673772" y="4088017"/>
+          <a:ext cx="1821543" cy="1010920"/>
+        </p:xfrm>
+        <a:graphic>
+          <a:graphicData uri="http://schemas.openxmlformats.org/drawingml/2006/table">
+            <a:tbl>
+              <a:tblPr firstRow="1" bandRow="1">
+                <a:tableStyleId>{5C22544A-7EE6-4342-B048-85BDC9FD1C3A}</a:tableStyleId>
+              </a:tblPr>
+              <a:tblGrid>
+                <a:gridCol w="607181">
+                  <a:extLst>
+                    <a:ext uri="{9D8B030D-6E8A-4147-A177-3AD203B41FA5}">
+                      <a16:colId xmlns:a16="http://schemas.microsoft.com/office/drawing/2014/main" val="2226567422"/>
+                    </a:ext>
+                  </a:extLst>
+                </a:gridCol>
+                <a:gridCol w="607181">
+                  <a:extLst>
+                    <a:ext uri="{9D8B030D-6E8A-4147-A177-3AD203B41FA5}">
+                      <a16:colId xmlns:a16="http://schemas.microsoft.com/office/drawing/2014/main" val="772926096"/>
+                    </a:ext>
+                  </a:extLst>
+                </a:gridCol>
+                <a:gridCol w="607181">
+                  <a:extLst>
+                    <a:ext uri="{9D8B030D-6E8A-4147-A177-3AD203B41FA5}">
+                      <a16:colId xmlns:a16="http://schemas.microsoft.com/office/drawing/2014/main" val="722838110"/>
+                    </a:ext>
+                  </a:extLst>
+                </a:gridCol>
+              </a:tblGrid>
+              <a:tr h="370840">
+                <a:tc>
+                  <a:txBody>
+                    <a:bodyPr/>
+                    <a:lstStyle/>
+                    <a:p>
+                      <a:r>
+                        <a:rPr lang="en-IN" dirty="0" err="1"/>
+                        <a:t>Dno</a:t>
+                      </a:r>
+                      <a:endParaRPr lang="en-US" dirty="0"/>
+                    </a:p>
+                  </a:txBody>
+                  <a:tcPr/>
+                </a:tc>
+                <a:tc>
+                  <a:txBody>
+                    <a:bodyPr/>
+                    <a:lstStyle/>
+                    <a:p>
+                      <a:r>
+                        <a:rPr lang="en-IN" dirty="0"/>
+                        <a:t>Dname</a:t>
+                      </a:r>
+                      <a:endParaRPr lang="en-US" dirty="0"/>
+                    </a:p>
+                  </a:txBody>
+                  <a:tcPr/>
+                </a:tc>
+                <a:tc>
+                  <a:txBody>
+                    <a:bodyPr/>
+                    <a:lstStyle/>
+                    <a:p>
+                      <a:r>
+                        <a:rPr lang="en-IN" dirty="0" err="1"/>
+                        <a:t>loc</a:t>
+                      </a:r>
+                      <a:endParaRPr lang="en-US" dirty="0"/>
+                    </a:p>
+                  </a:txBody>
+                  <a:tcPr/>
+                </a:tc>
+                <a:extLst>
+                  <a:ext uri="{0D108BD9-81ED-4DB2-BD59-A6C34878D82A}">
+                    <a16:rowId xmlns:a16="http://schemas.microsoft.com/office/drawing/2014/main" val="4212585734"/>
+                  </a:ext>
+                </a:extLst>
+              </a:tr>
+              <a:tr h="370840">
+                <a:tc>
+                  <a:txBody>
+                    <a:bodyPr/>
+                    <a:lstStyle/>
+                    <a:p>
+                      <a:endParaRPr lang="en-US"/>
+                    </a:p>
+                  </a:txBody>
+                  <a:tcPr/>
+                </a:tc>
+                <a:tc>
+                  <a:txBody>
+                    <a:bodyPr/>
+                    <a:lstStyle/>
+                    <a:p>
+                      <a:endParaRPr lang="en-US"/>
+                    </a:p>
+                  </a:txBody>
+                  <a:tcPr/>
+                </a:tc>
+                <a:tc>
+                  <a:txBody>
+                    <a:bodyPr/>
+                    <a:lstStyle/>
+                    <a:p>
+                      <a:endParaRPr lang="en-US" dirty="0"/>
+                    </a:p>
+                  </a:txBody>
+                  <a:tcPr/>
+                </a:tc>
+                <a:extLst>
+                  <a:ext uri="{0D108BD9-81ED-4DB2-BD59-A6C34878D82A}">
+                    <a16:rowId xmlns:a16="http://schemas.microsoft.com/office/drawing/2014/main" val="3058984235"/>
+                  </a:ext>
+                </a:extLst>
+              </a:tr>
+            </a:tbl>
+          </a:graphicData>
+        </a:graphic>
+      </p:graphicFrame>
+      <p:sp>
+        <p:nvSpPr>
+          <p:cNvPr id="4" name="Rectangle 3">
+            <a:extLst>
+              <a:ext uri="{FF2B5EF4-FFF2-40B4-BE49-F238E27FC236}">
+                <a16:creationId xmlns:a16="http://schemas.microsoft.com/office/drawing/2014/main" id="{9B8E54BA-F33A-0323-7F1D-468E90788E2D}"/>
+              </a:ext>
+            </a:extLst>
+          </p:cNvPr>
+          <p:cNvSpPr/>
+          <p:nvPr/>
+        </p:nvSpPr>
+        <p:spPr>
+          <a:xfrm>
+            <a:off x="233264" y="335903"/>
+            <a:ext cx="6680719" cy="6186196"/>
+          </a:xfrm>
+          <a:prstGeom prst="rect">
+            <a:avLst/>
+          </a:prstGeom>
+        </p:spPr>
+        <p:style>
+          <a:lnRef idx="1">
+            <a:schemeClr val="accent2"/>
+          </a:lnRef>
+          <a:fillRef idx="2">
+            <a:schemeClr val="accent2"/>
+          </a:fillRef>
+          <a:effectRef idx="1">
+            <a:schemeClr val="accent2"/>
+          </a:effectRef>
+          <a:fontRef idx="minor">
+            <a:schemeClr val="dk1"/>
+          </a:fontRef>
+        </p:style>
+        <p:txBody>
+          <a:bodyPr rtlCol="0" anchor="ctr"/>
+          <a:lstStyle/>
+          <a:p>
+            <a:pPr algn="ctr"/>
+            <a:endParaRPr lang="en-US"/>
+          </a:p>
+        </p:txBody>
+      </p:sp>
+      <p:sp>
+        <p:nvSpPr>
+          <p:cNvPr id="5" name="TextBox 4">
+            <a:extLst>
+              <a:ext uri="{FF2B5EF4-FFF2-40B4-BE49-F238E27FC236}">
+                <a16:creationId xmlns:a16="http://schemas.microsoft.com/office/drawing/2014/main" id="{7D00A1F0-287F-326D-B80A-E9771782F5B3}"/>
+              </a:ext>
+            </a:extLst>
+          </p:cNvPr>
+          <p:cNvSpPr txBox="1"/>
+          <p:nvPr/>
+        </p:nvSpPr>
+        <p:spPr>
+          <a:xfrm>
+            <a:off x="578498" y="419878"/>
+            <a:ext cx="5952931" cy="646331"/>
+          </a:xfrm>
+          <a:prstGeom prst="rect">
+            <a:avLst/>
+          </a:prstGeom>
+          <a:noFill/>
+        </p:spPr>
+        <p:txBody>
+          <a:bodyPr wrap="square" rtlCol="0">
+            <a:spAutoFit/>
+          </a:bodyPr>
+          <a:lstStyle/>
+          <a:p>
+            <a:pPr algn="ctr"/>
+            <a:r>
+              <a:rPr lang="en-IN" b="1" dirty="0"/>
+              <a:t>.NET Frwk Client App</a:t>
+            </a:r>
+          </a:p>
+          <a:p>
+            <a:pPr algn="ctr"/>
+            <a:r>
+              <a:rPr lang="en-IN" b="1" dirty="0"/>
+              <a:t>Console App, Desktop, Web App, MVC, REST APIs</a:t>
+            </a:r>
+            <a:endParaRPr lang="en-US" b="1" dirty="0"/>
+          </a:p>
+        </p:txBody>
+      </p:sp>
+      <p:sp>
+        <p:nvSpPr>
+          <p:cNvPr id="6" name="Rectangle: Rounded Corners 5">
+            <a:extLst>
+              <a:ext uri="{FF2B5EF4-FFF2-40B4-BE49-F238E27FC236}">
+                <a16:creationId xmlns:a16="http://schemas.microsoft.com/office/drawing/2014/main" id="{7EB348CD-E0D7-D2EF-D3DF-9E292A4A14AF}"/>
+              </a:ext>
+            </a:extLst>
+          </p:cNvPr>
+          <p:cNvSpPr/>
+          <p:nvPr/>
+        </p:nvSpPr>
+        <p:spPr>
+          <a:xfrm>
+            <a:off x="4203440" y="1315616"/>
+            <a:ext cx="2519266" cy="4674637"/>
+          </a:xfrm>
+          <a:prstGeom prst="roundRect">
+            <a:avLst/>
+          </a:prstGeom>
+        </p:spPr>
+        <p:style>
+          <a:lnRef idx="1">
+            <a:schemeClr val="accent4"/>
+          </a:lnRef>
+          <a:fillRef idx="3">
+            <a:schemeClr val="accent4"/>
+          </a:fillRef>
+          <a:effectRef idx="2">
+            <a:schemeClr val="accent4"/>
+          </a:effectRef>
+          <a:fontRef idx="minor">
+            <a:schemeClr val="lt1"/>
+          </a:fontRef>
+        </p:style>
+        <p:txBody>
+          <a:bodyPr rtlCol="0" anchor="ctr"/>
+          <a:lstStyle/>
+          <a:p>
+            <a:pPr algn="ctr"/>
+            <a:endParaRPr lang="en-US"/>
+          </a:p>
+        </p:txBody>
+      </p:sp>
+      <p:sp>
+        <p:nvSpPr>
+          <p:cNvPr id="7" name="TextBox 6">
+            <a:extLst>
+              <a:ext uri="{FF2B5EF4-FFF2-40B4-BE49-F238E27FC236}">
+                <a16:creationId xmlns:a16="http://schemas.microsoft.com/office/drawing/2014/main" id="{CF90BB9D-FF47-6FDF-E81E-BC3AD3FC8697}"/>
+              </a:ext>
+            </a:extLst>
+          </p:cNvPr>
+          <p:cNvSpPr txBox="1"/>
+          <p:nvPr/>
+        </p:nvSpPr>
+        <p:spPr>
+          <a:xfrm>
+            <a:off x="4338735" y="1576873"/>
+            <a:ext cx="2192694" cy="369332"/>
+          </a:xfrm>
+          <a:prstGeom prst="rect">
+            <a:avLst/>
+          </a:prstGeom>
+          <a:noFill/>
+        </p:spPr>
+        <p:txBody>
+          <a:bodyPr wrap="square" rtlCol="0">
+            <a:spAutoFit/>
+          </a:bodyPr>
+          <a:lstStyle/>
+          <a:p>
+            <a:pPr algn="ctr"/>
+            <a:r>
+              <a:rPr lang="en-IN" b="1" dirty="0"/>
+              <a:t>Data Access Layer</a:t>
+            </a:r>
+            <a:endParaRPr lang="en-US" b="1" dirty="0"/>
+          </a:p>
+        </p:txBody>
+      </p:sp>
+      <p:sp>
+        <p:nvSpPr>
+          <p:cNvPr id="8" name="Arrow: Left-Right 7">
+            <a:extLst>
+              <a:ext uri="{FF2B5EF4-FFF2-40B4-BE49-F238E27FC236}">
+                <a16:creationId xmlns:a16="http://schemas.microsoft.com/office/drawing/2014/main" id="{BF58EF7D-0B13-0274-5ACC-EB6CC6F5CF2E}"/>
+              </a:ext>
+            </a:extLst>
+          </p:cNvPr>
+          <p:cNvSpPr/>
+          <p:nvPr/>
+        </p:nvSpPr>
+        <p:spPr>
+          <a:xfrm>
+            <a:off x="6722706" y="2845837"/>
+            <a:ext cx="2785188" cy="690465"/>
+          </a:xfrm>
+          <a:prstGeom prst="leftRightArrow">
+            <a:avLst/>
+          </a:prstGeom>
+        </p:spPr>
+        <p:style>
+          <a:lnRef idx="2">
+            <a:schemeClr val="accent1">
+              <a:shade val="50000"/>
+            </a:schemeClr>
+          </a:lnRef>
+          <a:fillRef idx="1">
+            <a:schemeClr val="accent1"/>
+          </a:fillRef>
+          <a:effectRef idx="0">
+            <a:schemeClr val="accent1"/>
+          </a:effectRef>
+          <a:fontRef idx="minor">
+            <a:schemeClr val="lt1"/>
+          </a:fontRef>
+        </p:style>
+        <p:txBody>
+          <a:bodyPr rtlCol="0" anchor="ctr"/>
+          <a:lstStyle/>
+          <a:p>
+            <a:pPr algn="ctr"/>
+            <a:r>
+              <a:rPr lang="en-IN" b="1" dirty="0"/>
+              <a:t>Read/Write Ops</a:t>
+            </a:r>
+            <a:endParaRPr lang="en-US" b="1" dirty="0"/>
+          </a:p>
+        </p:txBody>
+      </p:sp>
+      <p:sp>
+        <p:nvSpPr>
+          <p:cNvPr id="9" name="Rectangle 8">
+            <a:extLst>
+              <a:ext uri="{FF2B5EF4-FFF2-40B4-BE49-F238E27FC236}">
+                <a16:creationId xmlns:a16="http://schemas.microsoft.com/office/drawing/2014/main" id="{1FCA73D3-54B2-4E90-0FD0-A969FA0B410D}"/>
+              </a:ext>
+            </a:extLst>
+          </p:cNvPr>
+          <p:cNvSpPr/>
+          <p:nvPr/>
+        </p:nvSpPr>
+        <p:spPr>
+          <a:xfrm>
+            <a:off x="4450702" y="2407298"/>
+            <a:ext cx="2015412" cy="671804"/>
+          </a:xfrm>
+          <a:prstGeom prst="rect">
+            <a:avLst/>
+          </a:prstGeom>
+        </p:spPr>
+        <p:style>
+          <a:lnRef idx="2">
+            <a:schemeClr val="accent1">
+              <a:shade val="50000"/>
+            </a:schemeClr>
+          </a:lnRef>
+          <a:fillRef idx="1">
+            <a:schemeClr val="accent1"/>
+          </a:fillRef>
+          <a:effectRef idx="0">
+            <a:schemeClr val="accent1"/>
+          </a:effectRef>
+          <a:fontRef idx="minor">
+            <a:schemeClr val="lt1"/>
+          </a:fontRef>
+        </p:style>
+        <p:txBody>
+          <a:bodyPr rtlCol="0" anchor="ctr"/>
+          <a:lstStyle/>
+          <a:p>
+            <a:pPr algn="ctr"/>
+            <a:r>
+              <a:rPr lang="en-IN" b="1" dirty="0"/>
+              <a:t>Connection Object</a:t>
+            </a:r>
+          </a:p>
+          <a:p>
+            <a:pPr algn="ctr"/>
+            <a:r>
+              <a:rPr lang="en-IN" b="1" dirty="0"/>
+              <a:t>Open and Close</a:t>
+            </a:r>
+            <a:endParaRPr lang="en-US" b="1" dirty="0"/>
+          </a:p>
+        </p:txBody>
+      </p:sp>
+      <p:sp>
+        <p:nvSpPr>
+          <p:cNvPr id="10" name="Rectangle 9">
+            <a:extLst>
+              <a:ext uri="{FF2B5EF4-FFF2-40B4-BE49-F238E27FC236}">
+                <a16:creationId xmlns:a16="http://schemas.microsoft.com/office/drawing/2014/main" id="{8FF4E452-06A6-8CC2-52F1-914C5CDFC019}"/>
+              </a:ext>
+            </a:extLst>
+          </p:cNvPr>
+          <p:cNvSpPr/>
+          <p:nvPr/>
+        </p:nvSpPr>
+        <p:spPr>
+          <a:xfrm>
+            <a:off x="4427376" y="3383902"/>
+            <a:ext cx="2015412" cy="2046514"/>
+          </a:xfrm>
+          <a:prstGeom prst="rect">
+            <a:avLst/>
+          </a:prstGeom>
+        </p:spPr>
+        <p:style>
+          <a:lnRef idx="2">
+            <a:schemeClr val="accent1">
+              <a:shade val="50000"/>
+            </a:schemeClr>
+          </a:lnRef>
+          <a:fillRef idx="1">
+            <a:schemeClr val="accent1"/>
+          </a:fillRef>
+          <a:effectRef idx="0">
+            <a:schemeClr val="accent1"/>
+          </a:effectRef>
+          <a:fontRef idx="minor">
+            <a:schemeClr val="lt1"/>
+          </a:fontRef>
+        </p:style>
+        <p:txBody>
+          <a:bodyPr rtlCol="0" anchor="ctr"/>
+          <a:lstStyle/>
+          <a:p>
+            <a:pPr algn="ctr"/>
+            <a:r>
+              <a:rPr lang="en-IN" b="1" dirty="0"/>
+              <a:t>Command Object</a:t>
+            </a:r>
+          </a:p>
+          <a:p>
+            <a:pPr algn="ctr"/>
+            <a:r>
+              <a:rPr lang="en-IN" b="1" dirty="0"/>
+              <a:t>Read/Write using Queries and SPs</a:t>
+            </a:r>
+            <a:endParaRPr lang="en-US" b="1" dirty="0"/>
+          </a:p>
+        </p:txBody>
+      </p:sp>
+      <p:sp>
+        <p:nvSpPr>
+          <p:cNvPr id="11" name="Rectangle 10">
+            <a:extLst>
+              <a:ext uri="{FF2B5EF4-FFF2-40B4-BE49-F238E27FC236}">
+                <a16:creationId xmlns:a16="http://schemas.microsoft.com/office/drawing/2014/main" id="{741EFC97-B898-1BD6-4D63-C3979E8BBE98}"/>
+              </a:ext>
+            </a:extLst>
+          </p:cNvPr>
+          <p:cNvSpPr/>
+          <p:nvPr/>
+        </p:nvSpPr>
+        <p:spPr>
+          <a:xfrm>
+            <a:off x="503853" y="4581331"/>
+            <a:ext cx="3415004" cy="1719351"/>
+          </a:xfrm>
+          <a:prstGeom prst="rect">
+            <a:avLst/>
+          </a:prstGeom>
+        </p:spPr>
+        <p:style>
+          <a:lnRef idx="2">
+            <a:schemeClr val="accent1">
+              <a:shade val="50000"/>
+            </a:schemeClr>
+          </a:lnRef>
+          <a:fillRef idx="1">
+            <a:schemeClr val="accent1"/>
+          </a:fillRef>
+          <a:effectRef idx="0">
+            <a:schemeClr val="accent1"/>
+          </a:effectRef>
+          <a:fontRef idx="minor">
+            <a:schemeClr val="lt1"/>
+          </a:fontRef>
+        </p:style>
+        <p:txBody>
+          <a:bodyPr rtlCol="0" anchor="ctr"/>
+          <a:lstStyle/>
+          <a:p>
+            <a:pPr algn="ctr"/>
+            <a:r>
+              <a:rPr lang="en-IN" b="1" dirty="0"/>
+              <a:t>Data Transmission Object aka Entity Object aka Value Objects</a:t>
+            </a:r>
+          </a:p>
+          <a:p>
+            <a:pPr algn="ctr"/>
+            <a:endParaRPr lang="en-IN" b="1" dirty="0"/>
+          </a:p>
+          <a:p>
+            <a:pPr algn="ctr"/>
+            <a:r>
+              <a:rPr lang="en-IN" b="1" dirty="0"/>
+              <a:t>They are classes having public properties those mapped with Table Columns</a:t>
+            </a:r>
+            <a:endParaRPr lang="en-US" b="1" dirty="0"/>
+          </a:p>
+        </p:txBody>
+      </p:sp>
+      <p:cxnSp>
+        <p:nvCxnSpPr>
+          <p:cNvPr id="13" name="Connector: Elbow 12">
+            <a:extLst>
+              <a:ext uri="{FF2B5EF4-FFF2-40B4-BE49-F238E27FC236}">
+                <a16:creationId xmlns:a16="http://schemas.microsoft.com/office/drawing/2014/main" id="{8474AC51-7E8C-20E8-1150-C2C2C254DA38}"/>
+              </a:ext>
+            </a:extLst>
+          </p:cNvPr>
+          <p:cNvCxnSpPr>
+            <a:cxnSpLocks/>
+            <a:stCxn id="3" idx="1"/>
+            <a:endCxn id="11" idx="2"/>
+          </p:cNvCxnSpPr>
+          <p:nvPr/>
+        </p:nvCxnSpPr>
+        <p:spPr>
+          <a:xfrm rot="10800000" flipV="1">
+            <a:off x="2211356" y="4593476"/>
+            <a:ext cx="7462417" cy="1707205"/>
+          </a:xfrm>
+          <a:prstGeom prst="bentConnector4">
+            <a:avLst>
+              <a:gd name="adj1" fmla="val 38559"/>
+              <a:gd name="adj2" fmla="val 113390"/>
+            </a:avLst>
+          </a:prstGeom>
+          <a:ln w="76200">
+            <a:solidFill>
+              <a:srgbClr val="FF0000"/>
+            </a:solidFill>
+            <a:tailEnd type="triangle"/>
+          </a:ln>
+        </p:spPr>
+        <p:style>
+          <a:lnRef idx="1">
+            <a:schemeClr val="accent1"/>
+          </a:lnRef>
+          <a:fillRef idx="0">
+            <a:schemeClr val="accent1"/>
+          </a:fillRef>
+          <a:effectRef idx="0">
+            <a:schemeClr val="accent1"/>
+          </a:effectRef>
+          <a:fontRef idx="minor">
+            <a:schemeClr val="tx1"/>
+          </a:fontRef>
+        </p:style>
+      </p:cxnSp>
+      <p:sp>
+        <p:nvSpPr>
+          <p:cNvPr id="14" name="Rectangle 13">
+            <a:extLst>
+              <a:ext uri="{FF2B5EF4-FFF2-40B4-BE49-F238E27FC236}">
+                <a16:creationId xmlns:a16="http://schemas.microsoft.com/office/drawing/2014/main" id="{A497352D-6991-26DB-C24B-2F54AA322539}"/>
+              </a:ext>
+            </a:extLst>
+          </p:cNvPr>
+          <p:cNvSpPr/>
+          <p:nvPr/>
+        </p:nvSpPr>
+        <p:spPr>
+          <a:xfrm>
+            <a:off x="494522" y="5227662"/>
+            <a:ext cx="3429000" cy="83975"/>
+          </a:xfrm>
+          <a:prstGeom prst="rect">
+            <a:avLst/>
+          </a:prstGeom>
+          <a:solidFill>
+            <a:schemeClr val="accent2"/>
+          </a:solidFill>
+        </p:spPr>
+        <p:style>
+          <a:lnRef idx="2">
+            <a:schemeClr val="accent1">
+              <a:shade val="50000"/>
+            </a:schemeClr>
+          </a:lnRef>
+          <a:fillRef idx="1">
+            <a:schemeClr val="accent1"/>
+          </a:fillRef>
+          <a:effectRef idx="0">
+            <a:schemeClr val="accent1"/>
+          </a:effectRef>
+          <a:fontRef idx="minor">
+            <a:schemeClr val="lt1"/>
+          </a:fontRef>
+        </p:style>
+        <p:txBody>
+          <a:bodyPr rtlCol="0" anchor="ctr"/>
+          <a:lstStyle/>
+          <a:p>
+            <a:pPr algn="ctr"/>
+            <a:endParaRPr lang="en-US"/>
+          </a:p>
+        </p:txBody>
+      </p:sp>
+      <p:sp>
+        <p:nvSpPr>
+          <p:cNvPr id="15" name="TextBox 14">
+            <a:extLst>
+              <a:ext uri="{FF2B5EF4-FFF2-40B4-BE49-F238E27FC236}">
+                <a16:creationId xmlns:a16="http://schemas.microsoft.com/office/drawing/2014/main" id="{35B64790-78F0-4547-4C83-B54933626261}"/>
+              </a:ext>
+            </a:extLst>
+          </p:cNvPr>
+          <p:cNvSpPr txBox="1"/>
+          <p:nvPr/>
+        </p:nvSpPr>
+        <p:spPr>
+          <a:xfrm>
+            <a:off x="7604449" y="5542384"/>
+            <a:ext cx="3890866" cy="646331"/>
+          </a:xfrm>
+          <a:prstGeom prst="rect">
+            <a:avLst/>
+          </a:prstGeom>
+          <a:noFill/>
+        </p:spPr>
+        <p:txBody>
+          <a:bodyPr wrap="square" rtlCol="0">
+            <a:spAutoFit/>
+          </a:bodyPr>
+          <a:lstStyle/>
+          <a:p>
+            <a:r>
+              <a:rPr lang="en-IN" dirty="0"/>
+              <a:t>$”Insert into Dept Values({PUBLIC -PROPERTY-OF-ENTITY-CLASS},{},{})”</a:t>
+            </a:r>
+            <a:endParaRPr lang="en-US" dirty="0"/>
+          </a:p>
+        </p:txBody>
+      </p:sp>
+      <p:cxnSp>
+        <p:nvCxnSpPr>
+          <p:cNvPr id="17" name="Connector: Elbow 16">
+            <a:extLst>
+              <a:ext uri="{FF2B5EF4-FFF2-40B4-BE49-F238E27FC236}">
+                <a16:creationId xmlns:a16="http://schemas.microsoft.com/office/drawing/2014/main" id="{11557E29-B3E5-3CFC-3E7D-2CD2DE75527C}"/>
+              </a:ext>
+            </a:extLst>
+          </p:cNvPr>
+          <p:cNvCxnSpPr>
+            <a:stCxn id="11" idx="0"/>
+            <a:endCxn id="10" idx="1"/>
+          </p:cNvCxnSpPr>
+          <p:nvPr/>
+        </p:nvCxnSpPr>
+        <p:spPr>
+          <a:xfrm rot="5400000" flipH="1" flipV="1">
+            <a:off x="3232279" y="3386235"/>
+            <a:ext cx="174172" cy="2216021"/>
+          </a:xfrm>
+          <a:prstGeom prst="bentConnector2">
+            <a:avLst/>
+          </a:prstGeom>
+          <a:ln w="76200">
+            <a:solidFill>
+              <a:srgbClr val="FFFF00"/>
+            </a:solidFill>
+            <a:tailEnd type="triangle"/>
+          </a:ln>
+        </p:spPr>
+        <p:style>
+          <a:lnRef idx="1">
+            <a:schemeClr val="accent1"/>
+          </a:lnRef>
+          <a:fillRef idx="0">
+            <a:schemeClr val="accent1"/>
+          </a:fillRef>
+          <a:effectRef idx="0">
+            <a:schemeClr val="accent1"/>
+          </a:effectRef>
+          <a:fontRef idx="minor">
+            <a:schemeClr val="tx1"/>
+          </a:fontRef>
+        </p:style>
+      </p:cxnSp>
+      <p:sp>
+        <p:nvSpPr>
+          <p:cNvPr id="19" name="Rectangle 18">
+            <a:extLst>
+              <a:ext uri="{FF2B5EF4-FFF2-40B4-BE49-F238E27FC236}">
+                <a16:creationId xmlns:a16="http://schemas.microsoft.com/office/drawing/2014/main" id="{7DBE257D-3072-B4E6-EEA8-F467A30449F9}"/>
+              </a:ext>
+            </a:extLst>
+          </p:cNvPr>
+          <p:cNvSpPr/>
+          <p:nvPr/>
+        </p:nvSpPr>
+        <p:spPr>
+          <a:xfrm>
+            <a:off x="510852" y="1511559"/>
+            <a:ext cx="3018452" cy="2646193"/>
+          </a:xfrm>
+          <a:prstGeom prst="rect">
+            <a:avLst/>
+          </a:prstGeom>
+        </p:spPr>
+        <p:style>
+          <a:lnRef idx="1">
+            <a:schemeClr val="accent6"/>
+          </a:lnRef>
+          <a:fillRef idx="2">
+            <a:schemeClr val="accent6"/>
+          </a:fillRef>
+          <a:effectRef idx="1">
+            <a:schemeClr val="accent6"/>
+          </a:effectRef>
+          <a:fontRef idx="minor">
+            <a:schemeClr val="dk1"/>
+          </a:fontRef>
+        </p:style>
+        <p:txBody>
+          <a:bodyPr rtlCol="0" anchor="ctr"/>
+          <a:lstStyle/>
+          <a:p>
+            <a:pPr algn="ctr"/>
+            <a:r>
+              <a:rPr lang="en-IN" b="1" dirty="0"/>
+              <a:t>The Client Application</a:t>
+            </a:r>
+          </a:p>
+          <a:p>
+            <a:pPr algn="ctr"/>
+            <a:endParaRPr lang="en-IN" b="1" dirty="0"/>
+          </a:p>
+          <a:p>
+            <a:pPr algn="ctr"/>
+            <a:endParaRPr lang="en-IN" b="1" dirty="0"/>
+          </a:p>
+          <a:p>
+            <a:pPr algn="ctr"/>
+            <a:r>
+              <a:rPr lang="en-IN" b="1" dirty="0"/>
+              <a:t>Console App, Desktop, Web App, MVC, REST APIs</a:t>
+            </a:r>
+            <a:endParaRPr lang="en-US" b="1" dirty="0"/>
+          </a:p>
+          <a:p>
+            <a:pPr algn="ctr"/>
+            <a:endParaRPr lang="en-US" b="1" dirty="0"/>
+          </a:p>
+        </p:txBody>
+      </p:sp>
+      <p:sp>
+        <p:nvSpPr>
+          <p:cNvPr id="20" name="Arrow: Left-Right 19">
+            <a:extLst>
+              <a:ext uri="{FF2B5EF4-FFF2-40B4-BE49-F238E27FC236}">
+                <a16:creationId xmlns:a16="http://schemas.microsoft.com/office/drawing/2014/main" id="{4272E8E3-A53F-E23F-F193-846D331087C9}"/>
+              </a:ext>
+            </a:extLst>
+          </p:cNvPr>
+          <p:cNvSpPr/>
+          <p:nvPr/>
+        </p:nvSpPr>
+        <p:spPr>
+          <a:xfrm>
+            <a:off x="3512974" y="2677886"/>
+            <a:ext cx="690466" cy="289249"/>
+          </a:xfrm>
+          <a:prstGeom prst="leftRightArrow">
+            <a:avLst/>
+          </a:prstGeom>
+          <a:solidFill>
+            <a:srgbClr val="FF0000"/>
+          </a:solidFill>
+        </p:spPr>
+        <p:style>
+          <a:lnRef idx="2">
+            <a:schemeClr val="accent1">
+              <a:shade val="50000"/>
+            </a:schemeClr>
+          </a:lnRef>
+          <a:fillRef idx="1">
+            <a:schemeClr val="accent1"/>
+          </a:fillRef>
+          <a:effectRef idx="0">
+            <a:schemeClr val="accent1"/>
+          </a:effectRef>
+          <a:fontRef idx="minor">
+            <a:schemeClr val="lt1"/>
+          </a:fontRef>
+        </p:style>
+        <p:txBody>
+          <a:bodyPr rtlCol="0" anchor="ctr"/>
+          <a:lstStyle/>
+          <a:p>
+            <a:pPr algn="ctr"/>
+            <a:endParaRPr lang="en-US"/>
+          </a:p>
+        </p:txBody>
+      </p:sp>
+      <p:sp>
+        <p:nvSpPr>
+          <p:cNvPr id="21" name="Arrow: Up 20">
+            <a:extLst>
+              <a:ext uri="{FF2B5EF4-FFF2-40B4-BE49-F238E27FC236}">
+                <a16:creationId xmlns:a16="http://schemas.microsoft.com/office/drawing/2014/main" id="{A123F56B-EDE5-9636-25FB-0FACD87BF199}"/>
+              </a:ext>
+            </a:extLst>
+          </p:cNvPr>
+          <p:cNvSpPr/>
+          <p:nvPr/>
+        </p:nvSpPr>
+        <p:spPr>
+          <a:xfrm>
+            <a:off x="1427584" y="4169896"/>
+            <a:ext cx="240002" cy="411434"/>
+          </a:xfrm>
+          <a:prstGeom prst="upArrow">
+            <a:avLst/>
+          </a:prstGeom>
+          <a:solidFill>
+            <a:srgbClr val="FF0000"/>
+          </a:solidFill>
+        </p:spPr>
+        <p:style>
+          <a:lnRef idx="2">
+            <a:schemeClr val="accent1">
+              <a:shade val="50000"/>
+            </a:schemeClr>
+          </a:lnRef>
+          <a:fillRef idx="1">
+            <a:schemeClr val="accent1"/>
+          </a:fillRef>
+          <a:effectRef idx="0">
+            <a:schemeClr val="accent1"/>
+          </a:effectRef>
+          <a:fontRef idx="minor">
+            <a:schemeClr val="lt1"/>
+          </a:fontRef>
+        </p:style>
+        <p:txBody>
+          <a:bodyPr rtlCol="0" anchor="ctr"/>
+          <a:lstStyle/>
+          <a:p>
+            <a:pPr algn="ctr"/>
+            <a:endParaRPr lang="en-US"/>
+          </a:p>
+        </p:txBody>
+      </p:sp>
+      <p:sp>
+        <p:nvSpPr>
+          <p:cNvPr id="22" name="TextBox 21">
+            <a:extLst>
+              <a:ext uri="{FF2B5EF4-FFF2-40B4-BE49-F238E27FC236}">
+                <a16:creationId xmlns:a16="http://schemas.microsoft.com/office/drawing/2014/main" id="{C02F7374-A9BD-2BA4-6BB4-CD9693AF79EE}"/>
+              </a:ext>
+            </a:extLst>
+          </p:cNvPr>
+          <p:cNvSpPr txBox="1"/>
+          <p:nvPr/>
+        </p:nvSpPr>
+        <p:spPr>
+          <a:xfrm>
+            <a:off x="7940351" y="335903"/>
+            <a:ext cx="3844212" cy="646331"/>
+          </a:xfrm>
+          <a:prstGeom prst="rect">
+            <a:avLst/>
+          </a:prstGeom>
+          <a:noFill/>
+        </p:spPr>
+        <p:txBody>
+          <a:bodyPr wrap="square" rtlCol="0">
+            <a:spAutoFit/>
+          </a:bodyPr>
+          <a:lstStyle/>
+          <a:p>
+            <a:pPr algn="ctr"/>
+            <a:r>
+              <a:rPr lang="en-IN" b="1" dirty="0"/>
+              <a:t>General Application Layers for Data Access</a:t>
+            </a:r>
+            <a:endParaRPr lang="en-US" b="1" dirty="0"/>
+          </a:p>
+        </p:txBody>
+      </p:sp>
+    </p:spTree>
+    <p:extLst>
+      <p:ext uri="{BB962C8B-B14F-4D97-AF65-F5344CB8AC3E}">
+        <p14:creationId xmlns:p14="http://schemas.microsoft.com/office/powerpoint/2010/main" val="3963964265"/>
+      </p:ext>
+    </p:extLst>
+  </p:cSld>
+  <p:clrMapOvr>
+    <a:masterClrMapping/>
+  </p:clrMapOvr>
+</p:sld>
+</file>
+
+<file path=ppt/slides/slide21.xml><?xml version="1.0" encoding="utf-8"?>
+<p:sld xmlns:a="http://schemas.openxmlformats.org/drawingml/2006/main" xmlns:r="http://schemas.openxmlformats.org/officeDocument/2006/relationships" xmlns:p="http://schemas.openxmlformats.org/presentationml/2006/main">
+  <p:cSld>
+    <p:spTree>
+      <p:nvGrpSpPr>
+        <p:cNvPr id="1" name=""/>
+        <p:cNvGrpSpPr/>
+        <p:nvPr/>
+      </p:nvGrpSpPr>
+      <p:grpSpPr>
+        <a:xfrm>
+          <a:off x="0" y="0"/>
+          <a:ext cx="0" cy="0"/>
+          <a:chOff x="0" y="0"/>
+          <a:chExt cx="0" cy="0"/>
+        </a:xfrm>
+      </p:grpSpPr>
+      <p:sp>
+        <p:nvSpPr>
+          <p:cNvPr id="2" name="Cylinder 1">
+            <a:extLst>
+              <a:ext uri="{FF2B5EF4-FFF2-40B4-BE49-F238E27FC236}">
+                <a16:creationId xmlns:a16="http://schemas.microsoft.com/office/drawing/2014/main" id="{1CDA33BE-3A8F-2A71-1532-252717DD300C}"/>
+              </a:ext>
+            </a:extLst>
+          </p:cNvPr>
+          <p:cNvSpPr/>
+          <p:nvPr/>
+        </p:nvSpPr>
+        <p:spPr>
+          <a:xfrm>
+            <a:off x="9507894" y="2127380"/>
+            <a:ext cx="2407298" cy="1847461"/>
+          </a:xfrm>
+          <a:prstGeom prst="can">
+            <a:avLst/>
+          </a:prstGeom>
+        </p:spPr>
+        <p:style>
+          <a:lnRef idx="2">
+            <a:schemeClr val="accent1">
+              <a:shade val="50000"/>
+            </a:schemeClr>
+          </a:lnRef>
+          <a:fillRef idx="1">
+            <a:schemeClr val="accent1"/>
+          </a:fillRef>
+          <a:effectRef idx="0">
+            <a:schemeClr val="accent1"/>
+          </a:effectRef>
+          <a:fontRef idx="minor">
+            <a:schemeClr val="lt1"/>
+          </a:fontRef>
+        </p:style>
+        <p:txBody>
+          <a:bodyPr rtlCol="0" anchor="ctr"/>
+          <a:lstStyle/>
+          <a:p>
+            <a:pPr algn="ctr"/>
+            <a:r>
+              <a:rPr lang="en-IN" b="1" dirty="0"/>
+              <a:t>Database with tables</a:t>
+            </a:r>
+            <a:endParaRPr lang="en-US" b="1" dirty="0"/>
+          </a:p>
+        </p:txBody>
+      </p:sp>
+      <p:sp>
+        <p:nvSpPr>
+          <p:cNvPr id="3" name="Flowchart: Process 2">
+            <a:extLst>
+              <a:ext uri="{FF2B5EF4-FFF2-40B4-BE49-F238E27FC236}">
+                <a16:creationId xmlns:a16="http://schemas.microsoft.com/office/drawing/2014/main" id="{A704CD0A-CE1A-E53F-BE00-8645D54C1E4D}"/>
+              </a:ext>
+            </a:extLst>
+          </p:cNvPr>
+          <p:cNvSpPr/>
+          <p:nvPr/>
+        </p:nvSpPr>
+        <p:spPr>
+          <a:xfrm>
+            <a:off x="4917233" y="783771"/>
+            <a:ext cx="3041779" cy="4683968"/>
+          </a:xfrm>
+          <a:prstGeom prst="flowChartProcess">
+            <a:avLst/>
+          </a:prstGeom>
+        </p:spPr>
+        <p:style>
+          <a:lnRef idx="1">
+            <a:schemeClr val="accent2"/>
+          </a:lnRef>
+          <a:fillRef idx="2">
+            <a:schemeClr val="accent2"/>
+          </a:fillRef>
+          <a:effectRef idx="1">
+            <a:schemeClr val="accent2"/>
+          </a:effectRef>
+          <a:fontRef idx="minor">
+            <a:schemeClr val="dk1"/>
+          </a:fontRef>
+        </p:style>
+        <p:txBody>
+          <a:bodyPr rtlCol="0" anchor="ctr"/>
+          <a:lstStyle/>
+          <a:p>
+            <a:pPr algn="ctr"/>
+            <a:r>
+              <a:rPr lang="en-IN" b="1" dirty="0"/>
+              <a:t>Dynamic Link Library Project (a DLL) Project that will have the Connection and Data Access Code</a:t>
+            </a:r>
+            <a:endParaRPr lang="en-US" b="1" dirty="0"/>
+          </a:p>
+        </p:txBody>
+      </p:sp>
+      <p:sp>
+        <p:nvSpPr>
+          <p:cNvPr id="4" name="Arrow: Left-Right 3">
+            <a:extLst>
+              <a:ext uri="{FF2B5EF4-FFF2-40B4-BE49-F238E27FC236}">
+                <a16:creationId xmlns:a16="http://schemas.microsoft.com/office/drawing/2014/main" id="{F78C6DBA-DA1C-2FDB-432F-ABA2CB2951E8}"/>
+              </a:ext>
+            </a:extLst>
+          </p:cNvPr>
+          <p:cNvSpPr/>
+          <p:nvPr/>
+        </p:nvSpPr>
+        <p:spPr>
+          <a:xfrm>
+            <a:off x="7959012" y="2864498"/>
+            <a:ext cx="1548882" cy="475861"/>
+          </a:xfrm>
+          <a:prstGeom prst="leftRightArrow">
+            <a:avLst/>
+          </a:prstGeom>
+          <a:solidFill>
+            <a:schemeClr val="accent3">
+              <a:lumMod val="60000"/>
+              <a:lumOff val="40000"/>
+            </a:schemeClr>
+          </a:solidFill>
+          <a:ln>
+            <a:solidFill>
+              <a:srgbClr val="FFFF00"/>
+            </a:solidFill>
+          </a:ln>
+        </p:spPr>
+        <p:style>
+          <a:lnRef idx="2">
+            <a:schemeClr val="accent1">
+              <a:shade val="50000"/>
+            </a:schemeClr>
+          </a:lnRef>
+          <a:fillRef idx="1">
+            <a:schemeClr val="accent1"/>
+          </a:fillRef>
+          <a:effectRef idx="0">
+            <a:schemeClr val="accent1"/>
+          </a:effectRef>
+          <a:fontRef idx="minor">
+            <a:schemeClr val="lt1"/>
+          </a:fontRef>
+        </p:style>
+        <p:txBody>
+          <a:bodyPr rtlCol="0" anchor="ctr"/>
+          <a:lstStyle/>
+          <a:p>
+            <a:pPr algn="ctr"/>
+            <a:endParaRPr lang="en-US"/>
+          </a:p>
+        </p:txBody>
+      </p:sp>
+      <p:sp>
+        <p:nvSpPr>
+          <p:cNvPr id="5" name="Flowchart: Process 4">
+            <a:extLst>
+              <a:ext uri="{FF2B5EF4-FFF2-40B4-BE49-F238E27FC236}">
+                <a16:creationId xmlns:a16="http://schemas.microsoft.com/office/drawing/2014/main" id="{8DAD41A4-42B5-E555-5871-F2D9F9568717}"/>
+              </a:ext>
+            </a:extLst>
+          </p:cNvPr>
+          <p:cNvSpPr/>
+          <p:nvPr/>
+        </p:nvSpPr>
+        <p:spPr>
+          <a:xfrm>
+            <a:off x="272145" y="783771"/>
+            <a:ext cx="3041779" cy="4683968"/>
+          </a:xfrm>
+          <a:prstGeom prst="flowChartProcess">
+            <a:avLst/>
+          </a:prstGeom>
+          <a:solidFill>
+            <a:schemeClr val="accent2">
+              <a:lumMod val="75000"/>
+            </a:schemeClr>
+          </a:solidFill>
+        </p:spPr>
+        <p:style>
+          <a:lnRef idx="1">
+            <a:schemeClr val="accent2"/>
+          </a:lnRef>
+          <a:fillRef idx="2">
+            <a:schemeClr val="accent2"/>
+          </a:fillRef>
+          <a:effectRef idx="1">
+            <a:schemeClr val="accent2"/>
+          </a:effectRef>
+          <a:fontRef idx="minor">
+            <a:schemeClr val="dk1"/>
+          </a:fontRef>
+        </p:style>
+        <p:txBody>
+          <a:bodyPr rtlCol="0" anchor="ctr"/>
+          <a:lstStyle/>
+          <a:p>
+            <a:pPr algn="ctr"/>
+            <a:r>
+              <a:rPr lang="en-IN" b="1" dirty="0">
+                <a:solidFill>
+                  <a:schemeClr val="bg1"/>
+                </a:solidFill>
+              </a:rPr>
+              <a:t>The Client Application</a:t>
+            </a:r>
+          </a:p>
+          <a:p>
+            <a:pPr algn="ctr"/>
+            <a:r>
+              <a:rPr lang="en-IN" b="1" dirty="0">
+                <a:solidFill>
+                  <a:schemeClr val="bg1"/>
+                </a:solidFill>
+              </a:rPr>
+              <a:t>The Exe App (Console and Desktop App) and DLL for ASP.NET Web Forms, MVC and REST APIs</a:t>
+            </a:r>
+            <a:endParaRPr lang="en-US" b="1" dirty="0">
+              <a:solidFill>
+                <a:schemeClr val="bg1"/>
+              </a:solidFill>
+            </a:endParaRPr>
+          </a:p>
+        </p:txBody>
+      </p:sp>
+      <p:sp>
+        <p:nvSpPr>
+          <p:cNvPr id="6" name="Arrow: Left-Right 5">
+            <a:extLst>
+              <a:ext uri="{FF2B5EF4-FFF2-40B4-BE49-F238E27FC236}">
+                <a16:creationId xmlns:a16="http://schemas.microsoft.com/office/drawing/2014/main" id="{2FAE2B9F-3FE7-A885-BCE3-AB6FA005CCEF}"/>
+              </a:ext>
+            </a:extLst>
+          </p:cNvPr>
+          <p:cNvSpPr/>
+          <p:nvPr/>
+        </p:nvSpPr>
+        <p:spPr>
+          <a:xfrm>
+            <a:off x="3313923" y="2897155"/>
+            <a:ext cx="1603309" cy="475861"/>
+          </a:xfrm>
+          <a:prstGeom prst="leftRightArrow">
+            <a:avLst/>
+          </a:prstGeom>
+          <a:solidFill>
+            <a:schemeClr val="accent3">
+              <a:lumMod val="60000"/>
+              <a:lumOff val="40000"/>
+            </a:schemeClr>
+          </a:solidFill>
+          <a:ln>
+            <a:solidFill>
+              <a:srgbClr val="FFFF00"/>
+            </a:solidFill>
+          </a:ln>
+        </p:spPr>
+        <p:style>
+          <a:lnRef idx="2">
+            <a:schemeClr val="accent1">
+              <a:shade val="50000"/>
+            </a:schemeClr>
+          </a:lnRef>
+          <a:fillRef idx="1">
+            <a:schemeClr val="accent1"/>
+          </a:fillRef>
+          <a:effectRef idx="0">
+            <a:schemeClr val="accent1"/>
+          </a:effectRef>
+          <a:fontRef idx="minor">
+            <a:schemeClr val="lt1"/>
+          </a:fontRef>
+        </p:style>
+        <p:txBody>
+          <a:bodyPr rtlCol="0" anchor="ctr"/>
+          <a:lstStyle/>
+          <a:p>
+            <a:pPr algn="ctr"/>
+            <a:endParaRPr lang="en-US"/>
+          </a:p>
+        </p:txBody>
+      </p:sp>
+      <p:sp>
+        <p:nvSpPr>
+          <p:cNvPr id="7" name="Rectangle 6">
+            <a:extLst>
+              <a:ext uri="{FF2B5EF4-FFF2-40B4-BE49-F238E27FC236}">
+                <a16:creationId xmlns:a16="http://schemas.microsoft.com/office/drawing/2014/main" id="{D6B4E9A8-5C61-076E-5A01-A86C28C472D5}"/>
+              </a:ext>
+            </a:extLst>
+          </p:cNvPr>
+          <p:cNvSpPr/>
+          <p:nvPr/>
+        </p:nvSpPr>
+        <p:spPr>
+          <a:xfrm>
+            <a:off x="272145" y="5747657"/>
+            <a:ext cx="7686867" cy="774441"/>
+          </a:xfrm>
+          <a:prstGeom prst="rect">
+            <a:avLst/>
+          </a:prstGeom>
+          <a:solidFill>
+            <a:schemeClr val="tx2">
+              <a:lumMod val="60000"/>
+              <a:lumOff val="40000"/>
+            </a:schemeClr>
+          </a:solidFill>
+        </p:spPr>
+        <p:style>
+          <a:lnRef idx="2">
+            <a:schemeClr val="accent1">
+              <a:shade val="50000"/>
+            </a:schemeClr>
+          </a:lnRef>
+          <a:fillRef idx="1">
+            <a:schemeClr val="accent1"/>
+          </a:fillRef>
+          <a:effectRef idx="0">
+            <a:schemeClr val="accent1"/>
+          </a:effectRef>
+          <a:fontRef idx="minor">
+            <a:schemeClr val="lt1"/>
+          </a:fontRef>
+        </p:style>
+        <p:txBody>
+          <a:bodyPr rtlCol="0" anchor="ctr"/>
+          <a:lstStyle/>
+          <a:p>
+            <a:pPr algn="ctr"/>
+            <a:r>
+              <a:rPr lang="en-IN" b="1" dirty="0"/>
+              <a:t>A DLL Project that contains Entity Classes those are mapped with Database Tables</a:t>
+            </a:r>
+            <a:endParaRPr lang="en-US" b="1" dirty="0"/>
+          </a:p>
+        </p:txBody>
+      </p:sp>
+      <p:sp>
+        <p:nvSpPr>
+          <p:cNvPr id="8" name="Arrow: Up 7">
+            <a:extLst>
+              <a:ext uri="{FF2B5EF4-FFF2-40B4-BE49-F238E27FC236}">
+                <a16:creationId xmlns:a16="http://schemas.microsoft.com/office/drawing/2014/main" id="{1DA9D301-058B-4B80-1DD3-CFB45E47A6BF}"/>
+              </a:ext>
+            </a:extLst>
+          </p:cNvPr>
+          <p:cNvSpPr/>
+          <p:nvPr/>
+        </p:nvSpPr>
+        <p:spPr>
+          <a:xfrm>
+            <a:off x="6096000" y="5187820"/>
+            <a:ext cx="454090" cy="643813"/>
+          </a:xfrm>
+          <a:prstGeom prst="upArrow">
+            <a:avLst/>
+          </a:prstGeom>
+          <a:solidFill>
+            <a:schemeClr val="accent4">
+              <a:lumMod val="40000"/>
+              <a:lumOff val="60000"/>
+            </a:schemeClr>
+          </a:solidFill>
+          <a:ln w="76200">
+            <a:solidFill>
+              <a:srgbClr val="FF0000"/>
+            </a:solidFill>
+          </a:ln>
+        </p:spPr>
+        <p:style>
+          <a:lnRef idx="2">
+            <a:schemeClr val="accent1">
+              <a:shade val="50000"/>
+            </a:schemeClr>
+          </a:lnRef>
+          <a:fillRef idx="1">
+            <a:schemeClr val="accent1"/>
+          </a:fillRef>
+          <a:effectRef idx="0">
+            <a:schemeClr val="accent1"/>
+          </a:effectRef>
+          <a:fontRef idx="minor">
+            <a:schemeClr val="lt1"/>
+          </a:fontRef>
+        </p:style>
+        <p:txBody>
+          <a:bodyPr rtlCol="0" anchor="ctr"/>
+          <a:lstStyle/>
+          <a:p>
+            <a:pPr algn="ctr"/>
+            <a:endParaRPr lang="en-US"/>
+          </a:p>
+        </p:txBody>
+      </p:sp>
+      <p:sp>
+        <p:nvSpPr>
+          <p:cNvPr id="9" name="Arrow: Up 8">
+            <a:extLst>
+              <a:ext uri="{FF2B5EF4-FFF2-40B4-BE49-F238E27FC236}">
+                <a16:creationId xmlns:a16="http://schemas.microsoft.com/office/drawing/2014/main" id="{CC930F55-47A4-082F-F9F6-5EF40751C5BC}"/>
+              </a:ext>
+            </a:extLst>
+          </p:cNvPr>
+          <p:cNvSpPr/>
+          <p:nvPr/>
+        </p:nvSpPr>
+        <p:spPr>
+          <a:xfrm>
+            <a:off x="1475016" y="5209592"/>
+            <a:ext cx="454090" cy="643813"/>
+          </a:xfrm>
+          <a:prstGeom prst="upArrow">
+            <a:avLst/>
+          </a:prstGeom>
+          <a:solidFill>
+            <a:schemeClr val="accent4">
+              <a:lumMod val="40000"/>
+              <a:lumOff val="60000"/>
+            </a:schemeClr>
+          </a:solidFill>
+          <a:ln w="76200">
+            <a:solidFill>
+              <a:srgbClr val="FF0000"/>
+            </a:solidFill>
+          </a:ln>
+        </p:spPr>
+        <p:style>
+          <a:lnRef idx="2">
+            <a:schemeClr val="accent1">
+              <a:shade val="50000"/>
+            </a:schemeClr>
+          </a:lnRef>
+          <a:fillRef idx="1">
+            <a:schemeClr val="accent1"/>
+          </a:fillRef>
+          <a:effectRef idx="0">
+            <a:schemeClr val="accent1"/>
+          </a:effectRef>
+          <a:fontRef idx="minor">
+            <a:schemeClr val="lt1"/>
+          </a:fontRef>
+        </p:style>
+        <p:txBody>
+          <a:bodyPr rtlCol="0" anchor="ctr"/>
+          <a:lstStyle/>
+          <a:p>
+            <a:pPr algn="ctr"/>
+            <a:endParaRPr lang="en-US"/>
+          </a:p>
+        </p:txBody>
+      </p:sp>
+      <p:sp>
+        <p:nvSpPr>
+          <p:cNvPr id="10" name="TextBox 9">
+            <a:extLst>
+              <a:ext uri="{FF2B5EF4-FFF2-40B4-BE49-F238E27FC236}">
+                <a16:creationId xmlns:a16="http://schemas.microsoft.com/office/drawing/2014/main" id="{9ED25990-105B-CE64-F80D-2429BBCAF6EE}"/>
+              </a:ext>
+            </a:extLst>
+          </p:cNvPr>
+          <p:cNvSpPr txBox="1"/>
+          <p:nvPr/>
+        </p:nvSpPr>
+        <p:spPr>
+          <a:xfrm>
+            <a:off x="7940351" y="335903"/>
+            <a:ext cx="3844212" cy="646331"/>
+          </a:xfrm>
+          <a:prstGeom prst="rect">
+            <a:avLst/>
+          </a:prstGeom>
+          <a:noFill/>
+        </p:spPr>
+        <p:txBody>
+          <a:bodyPr wrap="square" rtlCol="0">
+            <a:spAutoFit/>
+          </a:bodyPr>
+          <a:lstStyle/>
+          <a:p>
+            <a:pPr algn="ctr"/>
+            <a:r>
+              <a:rPr lang="en-IN" b="1" dirty="0"/>
+              <a:t>General Application Layers for Data Access with Project Types</a:t>
+            </a:r>
+            <a:endParaRPr lang="en-US" b="1" dirty="0"/>
+          </a:p>
+        </p:txBody>
+      </p:sp>
+    </p:spTree>
+    <p:extLst>
+      <p:ext uri="{BB962C8B-B14F-4D97-AF65-F5344CB8AC3E}">
+        <p14:creationId xmlns:p14="http://schemas.microsoft.com/office/powerpoint/2010/main" val="1875073898"/>
       </p:ext>
     </p:extLst>
   </p:cSld>

--- a/Training-Images.pptx
+++ b/Training-Images.pptx
@@ -26,6 +26,8 @@
     <p:sldId id="274" r:id="rId20"/>
     <p:sldId id="275" r:id="rId21"/>
     <p:sldId id="276" r:id="rId22"/>
+    <p:sldId id="277" r:id="rId23"/>
+    <p:sldId id="278" r:id="rId24"/>
   </p:sldIdLst>
   <p:sldSz cx="12192000" cy="6858000"/>
   <p:notesSz cx="6858000" cy="9144000"/>
@@ -279,7 +281,7 @@
           <a:p>
             <a:fld id="{95E4630E-4E16-4BC6-8D4C-04E2A0254E22}" type="datetimeFigureOut">
               <a:rPr lang="en-US" smtClean="0"/>
-              <a:t>7/18/2022</a:t>
+              <a:t>7/19/2022</a:t>
             </a:fld>
             <a:endParaRPr lang="en-US"/>
           </a:p>
@@ -477,7 +479,7 @@
           <a:p>
             <a:fld id="{95E4630E-4E16-4BC6-8D4C-04E2A0254E22}" type="datetimeFigureOut">
               <a:rPr lang="en-US" smtClean="0"/>
-              <a:t>7/18/2022</a:t>
+              <a:t>7/19/2022</a:t>
             </a:fld>
             <a:endParaRPr lang="en-US"/>
           </a:p>
@@ -685,7 +687,7 @@
           <a:p>
             <a:fld id="{95E4630E-4E16-4BC6-8D4C-04E2A0254E22}" type="datetimeFigureOut">
               <a:rPr lang="en-US" smtClean="0"/>
-              <a:t>7/18/2022</a:t>
+              <a:t>7/19/2022</a:t>
             </a:fld>
             <a:endParaRPr lang="en-US"/>
           </a:p>
@@ -883,7 +885,7 @@
           <a:p>
             <a:fld id="{95E4630E-4E16-4BC6-8D4C-04E2A0254E22}" type="datetimeFigureOut">
               <a:rPr lang="en-US" smtClean="0"/>
-              <a:t>7/18/2022</a:t>
+              <a:t>7/19/2022</a:t>
             </a:fld>
             <a:endParaRPr lang="en-US"/>
           </a:p>
@@ -1158,7 +1160,7 @@
           <a:p>
             <a:fld id="{95E4630E-4E16-4BC6-8D4C-04E2A0254E22}" type="datetimeFigureOut">
               <a:rPr lang="en-US" smtClean="0"/>
-              <a:t>7/18/2022</a:t>
+              <a:t>7/19/2022</a:t>
             </a:fld>
             <a:endParaRPr lang="en-US"/>
           </a:p>
@@ -1423,7 +1425,7 @@
           <a:p>
             <a:fld id="{95E4630E-4E16-4BC6-8D4C-04E2A0254E22}" type="datetimeFigureOut">
               <a:rPr lang="en-US" smtClean="0"/>
-              <a:t>7/18/2022</a:t>
+              <a:t>7/19/2022</a:t>
             </a:fld>
             <a:endParaRPr lang="en-US"/>
           </a:p>
@@ -1835,7 +1837,7 @@
           <a:p>
             <a:fld id="{95E4630E-4E16-4BC6-8D4C-04E2A0254E22}" type="datetimeFigureOut">
               <a:rPr lang="en-US" smtClean="0"/>
-              <a:t>7/18/2022</a:t>
+              <a:t>7/19/2022</a:t>
             </a:fld>
             <a:endParaRPr lang="en-US"/>
           </a:p>
@@ -1976,7 +1978,7 @@
           <a:p>
             <a:fld id="{95E4630E-4E16-4BC6-8D4C-04E2A0254E22}" type="datetimeFigureOut">
               <a:rPr lang="en-US" smtClean="0"/>
-              <a:t>7/18/2022</a:t>
+              <a:t>7/19/2022</a:t>
             </a:fld>
             <a:endParaRPr lang="en-US"/>
           </a:p>
@@ -2089,7 +2091,7 @@
           <a:p>
             <a:fld id="{95E4630E-4E16-4BC6-8D4C-04E2A0254E22}" type="datetimeFigureOut">
               <a:rPr lang="en-US" smtClean="0"/>
-              <a:t>7/18/2022</a:t>
+              <a:t>7/19/2022</a:t>
             </a:fld>
             <a:endParaRPr lang="en-US"/>
           </a:p>
@@ -2400,7 +2402,7 @@
           <a:p>
             <a:fld id="{95E4630E-4E16-4BC6-8D4C-04E2A0254E22}" type="datetimeFigureOut">
               <a:rPr lang="en-US" smtClean="0"/>
-              <a:t>7/18/2022</a:t>
+              <a:t>7/19/2022</a:t>
             </a:fld>
             <a:endParaRPr lang="en-US"/>
           </a:p>
@@ -2688,7 +2690,7 @@
           <a:p>
             <a:fld id="{95E4630E-4E16-4BC6-8D4C-04E2A0254E22}" type="datetimeFigureOut">
               <a:rPr lang="en-US" smtClean="0"/>
-              <a:t>7/18/2022</a:t>
+              <a:t>7/19/2022</a:t>
             </a:fld>
             <a:endParaRPr lang="en-US"/>
           </a:p>
@@ -2929,7 +2931,7 @@
           <a:p>
             <a:fld id="{95E4630E-4E16-4BC6-8D4C-04E2A0254E22}" type="datetimeFigureOut">
               <a:rPr lang="en-US" smtClean="0"/>
-              <a:t>7/18/2022</a:t>
+              <a:t>7/19/2022</a:t>
             </a:fld>
             <a:endParaRPr lang="en-US"/>
           </a:p>
@@ -15682,6 +15684,2233 @@
 </p:sld>
 </file>
 
+<file path=ppt/slides/slide22.xml><?xml version="1.0" encoding="utf-8"?>
+<p:sld xmlns:a="http://schemas.openxmlformats.org/drawingml/2006/main" xmlns:r="http://schemas.openxmlformats.org/officeDocument/2006/relationships" xmlns:p="http://schemas.openxmlformats.org/presentationml/2006/main">
+  <p:cSld>
+    <p:spTree>
+      <p:nvGrpSpPr>
+        <p:cNvPr id="1" name=""/>
+        <p:cNvGrpSpPr/>
+        <p:nvPr/>
+      </p:nvGrpSpPr>
+      <p:grpSpPr>
+        <a:xfrm>
+          <a:off x="0" y="0"/>
+          <a:ext cx="0" cy="0"/>
+          <a:chOff x="0" y="0"/>
+          <a:chExt cx="0" cy="0"/>
+        </a:xfrm>
+      </p:grpSpPr>
+      <p:sp>
+        <p:nvSpPr>
+          <p:cNvPr id="2" name="Rectangle 1">
+            <a:extLst>
+              <a:ext uri="{FF2B5EF4-FFF2-40B4-BE49-F238E27FC236}">
+                <a16:creationId xmlns:a16="http://schemas.microsoft.com/office/drawing/2014/main" id="{5E54C5CA-FAEB-9FD1-CDF3-B5767A0E209E}"/>
+              </a:ext>
+            </a:extLst>
+          </p:cNvPr>
+          <p:cNvSpPr/>
+          <p:nvPr/>
+        </p:nvSpPr>
+        <p:spPr>
+          <a:xfrm>
+            <a:off x="233265" y="429208"/>
+            <a:ext cx="1296955" cy="6260841"/>
+          </a:xfrm>
+          <a:prstGeom prst="rect">
+            <a:avLst/>
+          </a:prstGeom>
+        </p:spPr>
+        <p:style>
+          <a:lnRef idx="1">
+            <a:schemeClr val="accent3"/>
+          </a:lnRef>
+          <a:fillRef idx="2">
+            <a:schemeClr val="accent3"/>
+          </a:fillRef>
+          <a:effectRef idx="1">
+            <a:schemeClr val="accent3"/>
+          </a:effectRef>
+          <a:fontRef idx="minor">
+            <a:schemeClr val="dk1"/>
+          </a:fontRef>
+        </p:style>
+        <p:txBody>
+          <a:bodyPr rtlCol="0" anchor="ctr"/>
+          <a:lstStyle/>
+          <a:p>
+            <a:pPr algn="ctr"/>
+            <a:endParaRPr lang="en-IN" b="1" dirty="0"/>
+          </a:p>
+          <a:p>
+            <a:pPr algn="ctr"/>
+            <a:endParaRPr lang="en-IN" b="1" dirty="0"/>
+          </a:p>
+          <a:p>
+            <a:pPr algn="ctr"/>
+            <a:r>
+              <a:rPr lang="en-IN" b="1" dirty="0"/>
+              <a:t>Client</a:t>
+            </a:r>
+          </a:p>
+          <a:p>
+            <a:pPr algn="ctr"/>
+            <a:r>
+              <a:rPr lang="en-US" b="1" dirty="0"/>
+              <a:t>Application</a:t>
+            </a:r>
+          </a:p>
+        </p:txBody>
+      </p:sp>
+      <p:sp>
+        <p:nvSpPr>
+          <p:cNvPr id="3" name="Cylinder 2">
+            <a:extLst>
+              <a:ext uri="{FF2B5EF4-FFF2-40B4-BE49-F238E27FC236}">
+                <a16:creationId xmlns:a16="http://schemas.microsoft.com/office/drawing/2014/main" id="{708AA8A9-2509-DF88-E384-13BD66D21D21}"/>
+              </a:ext>
+            </a:extLst>
+          </p:cNvPr>
+          <p:cNvSpPr/>
+          <p:nvPr/>
+        </p:nvSpPr>
+        <p:spPr>
+          <a:xfrm>
+            <a:off x="10279226" y="279919"/>
+            <a:ext cx="1838131" cy="6484775"/>
+          </a:xfrm>
+          <a:prstGeom prst="can">
+            <a:avLst/>
+          </a:prstGeom>
+        </p:spPr>
+        <p:style>
+          <a:lnRef idx="2">
+            <a:schemeClr val="accent1">
+              <a:shade val="50000"/>
+            </a:schemeClr>
+          </a:lnRef>
+          <a:fillRef idx="1">
+            <a:schemeClr val="accent1"/>
+          </a:fillRef>
+          <a:effectRef idx="0">
+            <a:schemeClr val="accent1"/>
+          </a:effectRef>
+          <a:fontRef idx="minor">
+            <a:schemeClr val="lt1"/>
+          </a:fontRef>
+        </p:style>
+        <p:txBody>
+          <a:bodyPr rtlCol="0" anchor="ctr"/>
+          <a:lstStyle/>
+          <a:p>
+            <a:pPr algn="ctr"/>
+            <a:r>
+              <a:rPr lang="en-IN" b="1" dirty="0"/>
+              <a:t>Database</a:t>
+            </a:r>
+            <a:endParaRPr lang="en-US" b="1" dirty="0"/>
+          </a:p>
+        </p:txBody>
+      </p:sp>
+      <p:sp>
+        <p:nvSpPr>
+          <p:cNvPr id="4" name="Rectangle 3">
+            <a:extLst>
+              <a:ext uri="{FF2B5EF4-FFF2-40B4-BE49-F238E27FC236}">
+                <a16:creationId xmlns:a16="http://schemas.microsoft.com/office/drawing/2014/main" id="{3BAC9201-E68E-4BF5-E786-0757AE97E6F2}"/>
+              </a:ext>
+            </a:extLst>
+          </p:cNvPr>
+          <p:cNvSpPr/>
+          <p:nvPr/>
+        </p:nvSpPr>
+        <p:spPr>
+          <a:xfrm>
+            <a:off x="5159829" y="0"/>
+            <a:ext cx="3172408" cy="5775649"/>
+          </a:xfrm>
+          <a:prstGeom prst="rect">
+            <a:avLst/>
+          </a:prstGeom>
+          <a:solidFill>
+            <a:srgbClr val="00B0F0"/>
+          </a:solidFill>
+        </p:spPr>
+        <p:style>
+          <a:lnRef idx="2">
+            <a:schemeClr val="accent1">
+              <a:shade val="50000"/>
+            </a:schemeClr>
+          </a:lnRef>
+          <a:fillRef idx="1">
+            <a:schemeClr val="accent1"/>
+          </a:fillRef>
+          <a:effectRef idx="0">
+            <a:schemeClr val="accent1"/>
+          </a:effectRef>
+          <a:fontRef idx="minor">
+            <a:schemeClr val="lt1"/>
+          </a:fontRef>
+        </p:style>
+        <p:txBody>
+          <a:bodyPr rtlCol="0" anchor="ctr"/>
+          <a:lstStyle/>
+          <a:p>
+            <a:pPr algn="ctr"/>
+            <a:endParaRPr lang="en-US"/>
+          </a:p>
+        </p:txBody>
+      </p:sp>
+      <p:sp>
+        <p:nvSpPr>
+          <p:cNvPr id="5" name="TextBox 4">
+            <a:extLst>
+              <a:ext uri="{FF2B5EF4-FFF2-40B4-BE49-F238E27FC236}">
+                <a16:creationId xmlns:a16="http://schemas.microsoft.com/office/drawing/2014/main" id="{2C3B9563-C884-439D-B58B-604811B8071D}"/>
+              </a:ext>
+            </a:extLst>
+          </p:cNvPr>
+          <p:cNvSpPr txBox="1"/>
+          <p:nvPr/>
+        </p:nvSpPr>
+        <p:spPr>
+          <a:xfrm>
+            <a:off x="5290457" y="139959"/>
+            <a:ext cx="2565919" cy="369332"/>
+          </a:xfrm>
+          <a:prstGeom prst="rect">
+            <a:avLst/>
+          </a:prstGeom>
+          <a:noFill/>
+        </p:spPr>
+        <p:txBody>
+          <a:bodyPr wrap="square" rtlCol="0">
+            <a:spAutoFit/>
+          </a:bodyPr>
+          <a:lstStyle/>
+          <a:p>
+            <a:pPr algn="ctr"/>
+            <a:r>
+              <a:rPr lang="en-IN" b="1" dirty="0"/>
+              <a:t>DataAdapter</a:t>
+            </a:r>
+            <a:endParaRPr lang="en-US" b="1" dirty="0"/>
+          </a:p>
+        </p:txBody>
+      </p:sp>
+      <p:sp>
+        <p:nvSpPr>
+          <p:cNvPr id="6" name="Arrow: Right 5">
+            <a:extLst>
+              <a:ext uri="{FF2B5EF4-FFF2-40B4-BE49-F238E27FC236}">
+                <a16:creationId xmlns:a16="http://schemas.microsoft.com/office/drawing/2014/main" id="{F92A1E8E-3A6C-6A07-C20A-987CD0A62422}"/>
+              </a:ext>
+            </a:extLst>
+          </p:cNvPr>
+          <p:cNvSpPr/>
+          <p:nvPr/>
+        </p:nvSpPr>
+        <p:spPr>
+          <a:xfrm>
+            <a:off x="1530220" y="509291"/>
+            <a:ext cx="3629609" cy="918293"/>
+          </a:xfrm>
+          <a:prstGeom prst="rightArrow">
+            <a:avLst/>
+          </a:prstGeom>
+        </p:spPr>
+        <p:style>
+          <a:lnRef idx="2">
+            <a:schemeClr val="accent1">
+              <a:shade val="50000"/>
+            </a:schemeClr>
+          </a:lnRef>
+          <a:fillRef idx="1">
+            <a:schemeClr val="accent1"/>
+          </a:fillRef>
+          <a:effectRef idx="0">
+            <a:schemeClr val="accent1"/>
+          </a:effectRef>
+          <a:fontRef idx="minor">
+            <a:schemeClr val="lt1"/>
+          </a:fontRef>
+        </p:style>
+        <p:txBody>
+          <a:bodyPr rtlCol="0" anchor="ctr"/>
+          <a:lstStyle/>
+          <a:p>
+            <a:pPr algn="ctr"/>
+            <a:r>
+              <a:rPr lang="en-IN" sz="1600" b="1" dirty="0"/>
+              <a:t>1. Connection Infor and Plain Select Statement to Adapter</a:t>
+            </a:r>
+            <a:endParaRPr lang="en-US" sz="1600" b="1" dirty="0"/>
+          </a:p>
+        </p:txBody>
+      </p:sp>
+      <p:sp>
+        <p:nvSpPr>
+          <p:cNvPr id="7" name="TextBox 6">
+            <a:extLst>
+              <a:ext uri="{FF2B5EF4-FFF2-40B4-BE49-F238E27FC236}">
+                <a16:creationId xmlns:a16="http://schemas.microsoft.com/office/drawing/2014/main" id="{2FD25882-A779-E030-F949-FD7FC112E5C2}"/>
+              </a:ext>
+            </a:extLst>
+          </p:cNvPr>
+          <p:cNvSpPr txBox="1"/>
+          <p:nvPr/>
+        </p:nvSpPr>
+        <p:spPr>
+          <a:xfrm>
+            <a:off x="1841240" y="1242918"/>
+            <a:ext cx="2743200" cy="369332"/>
+          </a:xfrm>
+          <a:prstGeom prst="rect">
+            <a:avLst/>
+          </a:prstGeom>
+          <a:noFill/>
+        </p:spPr>
+        <p:txBody>
+          <a:bodyPr wrap="square" rtlCol="0">
+            <a:spAutoFit/>
+          </a:bodyPr>
+          <a:lstStyle/>
+          <a:p>
+            <a:r>
+              <a:rPr lang="en-IN" dirty="0"/>
+              <a:t>Select * from Table</a:t>
+            </a:r>
+            <a:endParaRPr lang="en-US" dirty="0"/>
+          </a:p>
+        </p:txBody>
+      </p:sp>
+      <p:sp>
+        <p:nvSpPr>
+          <p:cNvPr id="8" name="Rectangle: Rounded Corners 7">
+            <a:extLst>
+              <a:ext uri="{FF2B5EF4-FFF2-40B4-BE49-F238E27FC236}">
+                <a16:creationId xmlns:a16="http://schemas.microsoft.com/office/drawing/2014/main" id="{201C8DAB-A761-A5B2-480F-BEF0CA4CA1FF}"/>
+              </a:ext>
+            </a:extLst>
+          </p:cNvPr>
+          <p:cNvSpPr/>
+          <p:nvPr/>
+        </p:nvSpPr>
+        <p:spPr>
+          <a:xfrm>
+            <a:off x="5290457" y="636428"/>
+            <a:ext cx="2911151" cy="709126"/>
+          </a:xfrm>
+          <a:prstGeom prst="roundRect">
+            <a:avLst/>
+          </a:prstGeom>
+        </p:spPr>
+        <p:style>
+          <a:lnRef idx="1">
+            <a:schemeClr val="accent4"/>
+          </a:lnRef>
+          <a:fillRef idx="2">
+            <a:schemeClr val="accent4"/>
+          </a:fillRef>
+          <a:effectRef idx="1">
+            <a:schemeClr val="accent4"/>
+          </a:effectRef>
+          <a:fontRef idx="minor">
+            <a:schemeClr val="dk1"/>
+          </a:fontRef>
+        </p:style>
+        <p:txBody>
+          <a:bodyPr rtlCol="0" anchor="ctr"/>
+          <a:lstStyle/>
+          <a:p>
+            <a:pPr algn="ctr"/>
+            <a:r>
+              <a:rPr lang="en-IN" b="1" dirty="0"/>
+              <a:t>2. Generate ‘</a:t>
+            </a:r>
+            <a:r>
+              <a:rPr lang="en-IN" b="1" dirty="0" err="1"/>
+              <a:t>SelectCommand</a:t>
+            </a:r>
+            <a:r>
+              <a:rPr lang="en-IN" b="1" dirty="0"/>
+              <a:t>’</a:t>
+            </a:r>
+            <a:endParaRPr lang="en-US" b="1" dirty="0"/>
+          </a:p>
+        </p:txBody>
+      </p:sp>
+      <p:sp>
+        <p:nvSpPr>
+          <p:cNvPr id="9" name="Arrow: Right 8">
+            <a:extLst>
+              <a:ext uri="{FF2B5EF4-FFF2-40B4-BE49-F238E27FC236}">
+                <a16:creationId xmlns:a16="http://schemas.microsoft.com/office/drawing/2014/main" id="{0344E383-1293-55E6-C392-E66D04B11C01}"/>
+              </a:ext>
+            </a:extLst>
+          </p:cNvPr>
+          <p:cNvSpPr/>
+          <p:nvPr/>
+        </p:nvSpPr>
+        <p:spPr>
+          <a:xfrm>
+            <a:off x="8332237" y="849086"/>
+            <a:ext cx="1946989" cy="709126"/>
+          </a:xfrm>
+          <a:prstGeom prst="rightArrow">
+            <a:avLst/>
+          </a:prstGeom>
+        </p:spPr>
+        <p:style>
+          <a:lnRef idx="2">
+            <a:schemeClr val="accent1">
+              <a:shade val="50000"/>
+            </a:schemeClr>
+          </a:lnRef>
+          <a:fillRef idx="1">
+            <a:schemeClr val="accent1"/>
+          </a:fillRef>
+          <a:effectRef idx="0">
+            <a:schemeClr val="accent1"/>
+          </a:effectRef>
+          <a:fontRef idx="minor">
+            <a:schemeClr val="lt1"/>
+          </a:fontRef>
+        </p:style>
+        <p:txBody>
+          <a:bodyPr rtlCol="0" anchor="ctr"/>
+          <a:lstStyle/>
+          <a:p>
+            <a:pPr algn="ctr"/>
+            <a:r>
+              <a:rPr lang="en-IN" b="1" dirty="0"/>
+              <a:t>3. Connect to DB</a:t>
+            </a:r>
+            <a:endParaRPr lang="en-US" b="1" dirty="0"/>
+          </a:p>
+        </p:txBody>
+      </p:sp>
+      <p:sp>
+        <p:nvSpPr>
+          <p:cNvPr id="10" name="Arrow: Left 9">
+            <a:extLst>
+              <a:ext uri="{FF2B5EF4-FFF2-40B4-BE49-F238E27FC236}">
+                <a16:creationId xmlns:a16="http://schemas.microsoft.com/office/drawing/2014/main" id="{466311AA-3FE2-BF83-7F40-642EB28F8BA3}"/>
+              </a:ext>
+            </a:extLst>
+          </p:cNvPr>
+          <p:cNvSpPr/>
+          <p:nvPr/>
+        </p:nvSpPr>
+        <p:spPr>
+          <a:xfrm>
+            <a:off x="8332237" y="1940767"/>
+            <a:ext cx="1946989" cy="709126"/>
+          </a:xfrm>
+          <a:prstGeom prst="leftArrow">
+            <a:avLst/>
+          </a:prstGeom>
+        </p:spPr>
+        <p:style>
+          <a:lnRef idx="2">
+            <a:schemeClr val="accent1">
+              <a:shade val="50000"/>
+            </a:schemeClr>
+          </a:lnRef>
+          <a:fillRef idx="1">
+            <a:schemeClr val="accent1"/>
+          </a:fillRef>
+          <a:effectRef idx="0">
+            <a:schemeClr val="accent1"/>
+          </a:effectRef>
+          <a:fontRef idx="minor">
+            <a:schemeClr val="lt1"/>
+          </a:fontRef>
+        </p:style>
+        <p:txBody>
+          <a:bodyPr rtlCol="0" anchor="ctr"/>
+          <a:lstStyle/>
+          <a:p>
+            <a:pPr algn="ctr"/>
+            <a:r>
+              <a:rPr lang="en-IN" sz="1400" b="1" dirty="0"/>
+              <a:t>4. Return all Records of table</a:t>
+            </a:r>
+            <a:endParaRPr lang="en-US" sz="1400" b="1" dirty="0"/>
+          </a:p>
+        </p:txBody>
+      </p:sp>
+      <p:sp>
+        <p:nvSpPr>
+          <p:cNvPr id="11" name="Rectangle: Rounded Corners 10">
+            <a:extLst>
+              <a:ext uri="{FF2B5EF4-FFF2-40B4-BE49-F238E27FC236}">
+                <a16:creationId xmlns:a16="http://schemas.microsoft.com/office/drawing/2014/main" id="{A380BF1B-29DB-46CD-3EA4-062A794478A6}"/>
+              </a:ext>
+            </a:extLst>
+          </p:cNvPr>
+          <p:cNvSpPr/>
+          <p:nvPr/>
+        </p:nvSpPr>
+        <p:spPr>
+          <a:xfrm>
+            <a:off x="5290456" y="1940767"/>
+            <a:ext cx="2911151" cy="709126"/>
+          </a:xfrm>
+          <a:prstGeom prst="roundRect">
+            <a:avLst/>
+          </a:prstGeom>
+        </p:spPr>
+        <p:style>
+          <a:lnRef idx="1">
+            <a:schemeClr val="accent4"/>
+          </a:lnRef>
+          <a:fillRef idx="2">
+            <a:schemeClr val="accent4"/>
+          </a:fillRef>
+          <a:effectRef idx="1">
+            <a:schemeClr val="accent4"/>
+          </a:effectRef>
+          <a:fontRef idx="minor">
+            <a:schemeClr val="dk1"/>
+          </a:fontRef>
+        </p:style>
+        <p:txBody>
+          <a:bodyPr rtlCol="0" anchor="ctr"/>
+          <a:lstStyle/>
+          <a:p>
+            <a:pPr algn="ctr"/>
+            <a:r>
+              <a:rPr lang="en-IN" b="1" dirty="0"/>
+              <a:t>5. Generate ‘</a:t>
+            </a:r>
+            <a:r>
+              <a:rPr lang="en-IN" b="1" dirty="0" err="1"/>
+              <a:t>InsertCommand</a:t>
+            </a:r>
+            <a:r>
+              <a:rPr lang="en-IN" b="1" dirty="0"/>
+              <a:t>’</a:t>
+            </a:r>
+            <a:endParaRPr lang="en-US" b="1" dirty="0"/>
+          </a:p>
+        </p:txBody>
+      </p:sp>
+      <p:sp>
+        <p:nvSpPr>
+          <p:cNvPr id="12" name="Rectangle: Rounded Corners 11">
+            <a:extLst>
+              <a:ext uri="{FF2B5EF4-FFF2-40B4-BE49-F238E27FC236}">
+                <a16:creationId xmlns:a16="http://schemas.microsoft.com/office/drawing/2014/main" id="{248DC370-E6AD-B7DF-C440-40CDAE76737F}"/>
+              </a:ext>
+            </a:extLst>
+          </p:cNvPr>
+          <p:cNvSpPr/>
+          <p:nvPr/>
+        </p:nvSpPr>
+        <p:spPr>
+          <a:xfrm>
+            <a:off x="5290456" y="2850502"/>
+            <a:ext cx="2911151" cy="709126"/>
+          </a:xfrm>
+          <a:prstGeom prst="roundRect">
+            <a:avLst/>
+          </a:prstGeom>
+        </p:spPr>
+        <p:style>
+          <a:lnRef idx="1">
+            <a:schemeClr val="accent4"/>
+          </a:lnRef>
+          <a:fillRef idx="2">
+            <a:schemeClr val="accent4"/>
+          </a:fillRef>
+          <a:effectRef idx="1">
+            <a:schemeClr val="accent4"/>
+          </a:effectRef>
+          <a:fontRef idx="minor">
+            <a:schemeClr val="dk1"/>
+          </a:fontRef>
+        </p:style>
+        <p:txBody>
+          <a:bodyPr rtlCol="0" anchor="ctr"/>
+          <a:lstStyle/>
+          <a:p>
+            <a:pPr algn="ctr"/>
+            <a:r>
+              <a:rPr lang="en-IN" b="1" dirty="0"/>
+              <a:t>5. Generate ‘</a:t>
+            </a:r>
+            <a:r>
+              <a:rPr lang="en-IN" b="1" dirty="0" err="1"/>
+              <a:t>UpdateCommand</a:t>
+            </a:r>
+            <a:r>
+              <a:rPr lang="en-IN" b="1" dirty="0"/>
+              <a:t>’</a:t>
+            </a:r>
+            <a:endParaRPr lang="en-US" b="1" dirty="0"/>
+          </a:p>
+        </p:txBody>
+      </p:sp>
+      <p:sp>
+        <p:nvSpPr>
+          <p:cNvPr id="13" name="Rectangle: Rounded Corners 12">
+            <a:extLst>
+              <a:ext uri="{FF2B5EF4-FFF2-40B4-BE49-F238E27FC236}">
+                <a16:creationId xmlns:a16="http://schemas.microsoft.com/office/drawing/2014/main" id="{10672BA8-51F3-4FCF-E1ED-C6A1DDC25839}"/>
+              </a:ext>
+            </a:extLst>
+          </p:cNvPr>
+          <p:cNvSpPr/>
+          <p:nvPr/>
+        </p:nvSpPr>
+        <p:spPr>
+          <a:xfrm>
+            <a:off x="5290456" y="3726806"/>
+            <a:ext cx="2911151" cy="709126"/>
+          </a:xfrm>
+          <a:prstGeom prst="roundRect">
+            <a:avLst/>
+          </a:prstGeom>
+        </p:spPr>
+        <p:style>
+          <a:lnRef idx="1">
+            <a:schemeClr val="accent4"/>
+          </a:lnRef>
+          <a:fillRef idx="2">
+            <a:schemeClr val="accent4"/>
+          </a:fillRef>
+          <a:effectRef idx="1">
+            <a:schemeClr val="accent4"/>
+          </a:effectRef>
+          <a:fontRef idx="minor">
+            <a:schemeClr val="dk1"/>
+          </a:fontRef>
+        </p:style>
+        <p:txBody>
+          <a:bodyPr rtlCol="0" anchor="ctr"/>
+          <a:lstStyle/>
+          <a:p>
+            <a:pPr algn="ctr"/>
+            <a:r>
+              <a:rPr lang="en-IN" b="1" dirty="0"/>
+              <a:t>5. Generate ‘</a:t>
+            </a:r>
+            <a:r>
+              <a:rPr lang="en-IN" b="1" dirty="0" err="1"/>
+              <a:t>DeleteCommand</a:t>
+            </a:r>
+            <a:r>
+              <a:rPr lang="en-IN" b="1" dirty="0"/>
+              <a:t>’</a:t>
+            </a:r>
+            <a:endParaRPr lang="en-US" b="1" dirty="0"/>
+          </a:p>
+        </p:txBody>
+      </p:sp>
+      <p:sp>
+        <p:nvSpPr>
+          <p:cNvPr id="14" name="Rectangle: Rounded Corners 13">
+            <a:extLst>
+              <a:ext uri="{FF2B5EF4-FFF2-40B4-BE49-F238E27FC236}">
+                <a16:creationId xmlns:a16="http://schemas.microsoft.com/office/drawing/2014/main" id="{C7583F20-7437-197D-13A6-AC7855BF2E86}"/>
+              </a:ext>
+            </a:extLst>
+          </p:cNvPr>
+          <p:cNvSpPr/>
+          <p:nvPr/>
+        </p:nvSpPr>
+        <p:spPr>
+          <a:xfrm>
+            <a:off x="1412032" y="2345877"/>
+            <a:ext cx="3172408" cy="1632858"/>
+          </a:xfrm>
+          <a:prstGeom prst="roundRect">
+            <a:avLst/>
+          </a:prstGeom>
+          <a:ln>
+            <a:prstDash val="dash"/>
+          </a:ln>
+        </p:spPr>
+        <p:style>
+          <a:lnRef idx="2">
+            <a:schemeClr val="accent6"/>
+          </a:lnRef>
+          <a:fillRef idx="1">
+            <a:schemeClr val="lt1"/>
+          </a:fillRef>
+          <a:effectRef idx="0">
+            <a:schemeClr val="accent6"/>
+          </a:effectRef>
+          <a:fontRef idx="minor">
+            <a:schemeClr val="dk1"/>
+          </a:fontRef>
+        </p:style>
+        <p:txBody>
+          <a:bodyPr rtlCol="0" anchor="ctr"/>
+          <a:lstStyle/>
+          <a:p>
+            <a:pPr algn="ctr"/>
+            <a:endParaRPr lang="en-US"/>
+          </a:p>
+        </p:txBody>
+      </p:sp>
+      <p:sp>
+        <p:nvSpPr>
+          <p:cNvPr id="15" name="TextBox 14">
+            <a:extLst>
+              <a:ext uri="{FF2B5EF4-FFF2-40B4-BE49-F238E27FC236}">
+                <a16:creationId xmlns:a16="http://schemas.microsoft.com/office/drawing/2014/main" id="{268D772A-280E-CA84-8F83-AD9C6019CC8D}"/>
+              </a:ext>
+            </a:extLst>
+          </p:cNvPr>
+          <p:cNvSpPr txBox="1"/>
+          <p:nvPr/>
+        </p:nvSpPr>
+        <p:spPr>
+          <a:xfrm>
+            <a:off x="1922106" y="2453951"/>
+            <a:ext cx="2444621" cy="369332"/>
+          </a:xfrm>
+          <a:prstGeom prst="rect">
+            <a:avLst/>
+          </a:prstGeom>
+          <a:noFill/>
+        </p:spPr>
+        <p:txBody>
+          <a:bodyPr wrap="square" rtlCol="0">
+            <a:spAutoFit/>
+          </a:bodyPr>
+          <a:lstStyle/>
+          <a:p>
+            <a:pPr algn="ctr"/>
+            <a:r>
+              <a:rPr lang="en-IN" b="1" dirty="0"/>
+              <a:t>6. Fill Data Into DataSet</a:t>
+            </a:r>
+            <a:endParaRPr lang="en-US" b="1" dirty="0"/>
+          </a:p>
+        </p:txBody>
+      </p:sp>
+      <p:sp>
+        <p:nvSpPr>
+          <p:cNvPr id="16" name="Arrow: Left 15">
+            <a:extLst>
+              <a:ext uri="{FF2B5EF4-FFF2-40B4-BE49-F238E27FC236}">
+                <a16:creationId xmlns:a16="http://schemas.microsoft.com/office/drawing/2014/main" id="{61B8398C-4105-6615-74A7-9D54514E383A}"/>
+              </a:ext>
+            </a:extLst>
+          </p:cNvPr>
+          <p:cNvSpPr/>
+          <p:nvPr/>
+        </p:nvSpPr>
+        <p:spPr>
+          <a:xfrm>
+            <a:off x="4584440" y="2850502"/>
+            <a:ext cx="575386" cy="369332"/>
+          </a:xfrm>
+          <a:prstGeom prst="leftArrow">
+            <a:avLst/>
+          </a:prstGeom>
+        </p:spPr>
+        <p:style>
+          <a:lnRef idx="2">
+            <a:schemeClr val="accent1">
+              <a:shade val="50000"/>
+            </a:schemeClr>
+          </a:lnRef>
+          <a:fillRef idx="1">
+            <a:schemeClr val="accent1"/>
+          </a:fillRef>
+          <a:effectRef idx="0">
+            <a:schemeClr val="accent1"/>
+          </a:effectRef>
+          <a:fontRef idx="minor">
+            <a:schemeClr val="lt1"/>
+          </a:fontRef>
+        </p:style>
+        <p:txBody>
+          <a:bodyPr rtlCol="0" anchor="ctr"/>
+          <a:lstStyle/>
+          <a:p>
+            <a:pPr algn="ctr"/>
+            <a:endParaRPr lang="en-US"/>
+          </a:p>
+        </p:txBody>
+      </p:sp>
+      <p:sp>
+        <p:nvSpPr>
+          <p:cNvPr id="17" name="Cylinder 16">
+            <a:extLst>
+              <a:ext uri="{FF2B5EF4-FFF2-40B4-BE49-F238E27FC236}">
+                <a16:creationId xmlns:a16="http://schemas.microsoft.com/office/drawing/2014/main" id="{42AC3271-14DD-37F1-2837-AD8E9EECA093}"/>
+              </a:ext>
+            </a:extLst>
+          </p:cNvPr>
+          <p:cNvSpPr/>
+          <p:nvPr/>
+        </p:nvSpPr>
+        <p:spPr>
+          <a:xfrm>
+            <a:off x="1754155" y="3066650"/>
+            <a:ext cx="2612572" cy="758901"/>
+          </a:xfrm>
+          <a:prstGeom prst="can">
+            <a:avLst/>
+          </a:prstGeom>
+        </p:spPr>
+        <p:style>
+          <a:lnRef idx="2">
+            <a:schemeClr val="accent1">
+              <a:shade val="50000"/>
+            </a:schemeClr>
+          </a:lnRef>
+          <a:fillRef idx="1">
+            <a:schemeClr val="accent1"/>
+          </a:fillRef>
+          <a:effectRef idx="0">
+            <a:schemeClr val="accent1"/>
+          </a:effectRef>
+          <a:fontRef idx="minor">
+            <a:schemeClr val="lt1"/>
+          </a:fontRef>
+        </p:style>
+        <p:txBody>
+          <a:bodyPr rtlCol="0" anchor="ctr"/>
+          <a:lstStyle/>
+          <a:p>
+            <a:pPr algn="ctr"/>
+            <a:r>
+              <a:rPr lang="en-IN" sz="1600" b="1" dirty="0"/>
+              <a:t>DataSet, Client-App Memory DB</a:t>
+            </a:r>
+            <a:endParaRPr lang="en-US" sz="1600" b="1" dirty="0"/>
+          </a:p>
+        </p:txBody>
+      </p:sp>
+      <p:sp>
+        <p:nvSpPr>
+          <p:cNvPr id="18" name="Rectangle 17">
+            <a:extLst>
+              <a:ext uri="{FF2B5EF4-FFF2-40B4-BE49-F238E27FC236}">
+                <a16:creationId xmlns:a16="http://schemas.microsoft.com/office/drawing/2014/main" id="{4B312A18-2D70-AFD3-EC7F-C4FD9F40034C}"/>
+              </a:ext>
+            </a:extLst>
+          </p:cNvPr>
+          <p:cNvSpPr/>
+          <p:nvPr/>
+        </p:nvSpPr>
+        <p:spPr>
+          <a:xfrm rot="2890388">
+            <a:off x="9399494" y="839011"/>
+            <a:ext cx="358096" cy="5441234"/>
+          </a:xfrm>
+          <a:custGeom>
+            <a:avLst/>
+            <a:gdLst>
+              <a:gd name="connsiteX0" fmla="*/ 0 w 358096"/>
+              <a:gd name="connsiteY0" fmla="*/ 0 h 5441234"/>
+              <a:gd name="connsiteX1" fmla="*/ 358096 w 358096"/>
+              <a:gd name="connsiteY1" fmla="*/ 0 h 5441234"/>
+              <a:gd name="connsiteX2" fmla="*/ 358096 w 358096"/>
+              <a:gd name="connsiteY2" fmla="*/ 5441234 h 5441234"/>
+              <a:gd name="connsiteX3" fmla="*/ 0 w 358096"/>
+              <a:gd name="connsiteY3" fmla="*/ 5441234 h 5441234"/>
+              <a:gd name="connsiteX4" fmla="*/ 0 w 358096"/>
+              <a:gd name="connsiteY4" fmla="*/ 0 h 5441234"/>
+            </a:gdLst>
+            <a:ahLst/>
+            <a:cxnLst>
+              <a:cxn ang="0">
+                <a:pos x="connsiteX0" y="connsiteY0"/>
+              </a:cxn>
+              <a:cxn ang="0">
+                <a:pos x="connsiteX1" y="connsiteY1"/>
+              </a:cxn>
+              <a:cxn ang="0">
+                <a:pos x="connsiteX2" y="connsiteY2"/>
+              </a:cxn>
+              <a:cxn ang="0">
+                <a:pos x="connsiteX3" y="connsiteY3"/>
+              </a:cxn>
+              <a:cxn ang="0">
+                <a:pos x="connsiteX4" y="connsiteY4"/>
+              </a:cxn>
+            </a:cxnLst>
+            <a:rect l="l" t="t" r="r" b="b"/>
+            <a:pathLst>
+              <a:path w="358096" h="5441234" fill="none" extrusionOk="0">
+                <a:moveTo>
+                  <a:pt x="0" y="0"/>
+                </a:moveTo>
+                <a:cubicBezTo>
+                  <a:pt x="74592" y="5416"/>
+                  <a:pt x="197705" y="-19409"/>
+                  <a:pt x="358096" y="0"/>
+                </a:cubicBezTo>
+                <a:cubicBezTo>
+                  <a:pt x="284325" y="1909760"/>
+                  <a:pt x="202213" y="3562735"/>
+                  <a:pt x="358096" y="5441234"/>
+                </a:cubicBezTo>
+                <a:cubicBezTo>
+                  <a:pt x="244892" y="5461800"/>
+                  <a:pt x="133211" y="5443306"/>
+                  <a:pt x="0" y="5441234"/>
+                </a:cubicBezTo>
+                <a:cubicBezTo>
+                  <a:pt x="152408" y="3617582"/>
+                  <a:pt x="73868" y="1113094"/>
+                  <a:pt x="0" y="0"/>
+                </a:cubicBezTo>
+                <a:close/>
+              </a:path>
+              <a:path w="358096" h="5441234" stroke="0" extrusionOk="0">
+                <a:moveTo>
+                  <a:pt x="0" y="0"/>
+                </a:moveTo>
+                <a:cubicBezTo>
+                  <a:pt x="127060" y="10856"/>
+                  <a:pt x="241845" y="-26470"/>
+                  <a:pt x="358096" y="0"/>
+                </a:cubicBezTo>
+                <a:cubicBezTo>
+                  <a:pt x="418809" y="1899236"/>
+                  <a:pt x="297024" y="3909138"/>
+                  <a:pt x="358096" y="5441234"/>
+                </a:cubicBezTo>
+                <a:cubicBezTo>
+                  <a:pt x="299539" y="5456149"/>
+                  <a:pt x="144435" y="5457551"/>
+                  <a:pt x="0" y="5441234"/>
+                </a:cubicBezTo>
+                <a:cubicBezTo>
+                  <a:pt x="-24452" y="2821334"/>
+                  <a:pt x="-67663" y="1163674"/>
+                  <a:pt x="0" y="0"/>
+                </a:cubicBezTo>
+                <a:close/>
+              </a:path>
+            </a:pathLst>
+          </a:custGeom>
+          <a:ln>
+            <a:extLst>
+              <a:ext uri="{C807C97D-BFC1-408E-A445-0C87EB9F89A2}">
+                <ask:lineSketchStyleProps xmlns:ask="http://schemas.microsoft.com/office/drawing/2018/sketchyshapes" sd="981765707">
+                  <a:prstGeom prst="rect">
+                    <a:avLst/>
+                  </a:prstGeom>
+                  <ask:type>
+                    <ask:lineSketchCurved/>
+                  </ask:type>
+                </ask:lineSketchStyleProps>
+              </a:ext>
+            </a:extLst>
+          </a:ln>
+        </p:spPr>
+        <p:style>
+          <a:lnRef idx="1">
+            <a:schemeClr val="accent3"/>
+          </a:lnRef>
+          <a:fillRef idx="2">
+            <a:schemeClr val="accent3"/>
+          </a:fillRef>
+          <a:effectRef idx="1">
+            <a:schemeClr val="accent3"/>
+          </a:effectRef>
+          <a:fontRef idx="minor">
+            <a:schemeClr val="dk1"/>
+          </a:fontRef>
+        </p:style>
+        <p:txBody>
+          <a:bodyPr rtlCol="0" anchor="ctr"/>
+          <a:lstStyle/>
+          <a:p>
+            <a:pPr algn="ctr"/>
+            <a:r>
+              <a:rPr lang="en-IN" b="1" dirty="0"/>
+              <a:t>7.Di</a:t>
+            </a:r>
+          </a:p>
+          <a:p>
+            <a:pPr algn="ctr"/>
+            <a:r>
+              <a:rPr lang="en-IN" b="1" dirty="0" err="1"/>
+              <a:t>sconnection</a:t>
+            </a:r>
+            <a:endParaRPr lang="en-US" b="1" dirty="0"/>
+          </a:p>
+        </p:txBody>
+      </p:sp>
+      <p:cxnSp>
+        <p:nvCxnSpPr>
+          <p:cNvPr id="20" name="Connector: Elbow 19">
+            <a:extLst>
+              <a:ext uri="{FF2B5EF4-FFF2-40B4-BE49-F238E27FC236}">
+                <a16:creationId xmlns:a16="http://schemas.microsoft.com/office/drawing/2014/main" id="{FD4C98A2-3251-F5EF-495C-62C064B20FC1}"/>
+              </a:ext>
+            </a:extLst>
+          </p:cNvPr>
+          <p:cNvCxnSpPr>
+            <a:endCxn id="14" idx="2"/>
+          </p:cNvCxnSpPr>
+          <p:nvPr/>
+        </p:nvCxnSpPr>
+        <p:spPr>
+          <a:xfrm flipV="1">
+            <a:off x="1412032" y="3978735"/>
+            <a:ext cx="1586204" cy="583934"/>
+          </a:xfrm>
+          <a:prstGeom prst="bentConnector2">
+            <a:avLst/>
+          </a:prstGeom>
+          <a:ln w="76200">
+            <a:solidFill>
+              <a:srgbClr val="FFC000"/>
+            </a:solidFill>
+            <a:tailEnd type="triangle"/>
+          </a:ln>
+        </p:spPr>
+        <p:style>
+          <a:lnRef idx="1">
+            <a:schemeClr val="accent1"/>
+          </a:lnRef>
+          <a:fillRef idx="0">
+            <a:schemeClr val="accent1"/>
+          </a:fillRef>
+          <a:effectRef idx="0">
+            <a:schemeClr val="accent1"/>
+          </a:effectRef>
+          <a:fontRef idx="minor">
+            <a:schemeClr val="tx1"/>
+          </a:fontRef>
+        </p:style>
+      </p:cxnSp>
+      <p:sp>
+        <p:nvSpPr>
+          <p:cNvPr id="21" name="TextBox 20">
+            <a:extLst>
+              <a:ext uri="{FF2B5EF4-FFF2-40B4-BE49-F238E27FC236}">
+                <a16:creationId xmlns:a16="http://schemas.microsoft.com/office/drawing/2014/main" id="{298253E6-4497-4769-4C02-54DE0466BF3B}"/>
+              </a:ext>
+            </a:extLst>
+          </p:cNvPr>
+          <p:cNvSpPr txBox="1"/>
+          <p:nvPr/>
+        </p:nvSpPr>
+        <p:spPr>
+          <a:xfrm>
+            <a:off x="2180252" y="3946159"/>
+            <a:ext cx="1791478" cy="1200329"/>
+          </a:xfrm>
+          <a:prstGeom prst="rect">
+            <a:avLst/>
+          </a:prstGeom>
+          <a:noFill/>
+        </p:spPr>
+        <p:txBody>
+          <a:bodyPr wrap="square" rtlCol="0">
+            <a:spAutoFit/>
+          </a:bodyPr>
+          <a:lstStyle/>
+          <a:p>
+            <a:r>
+              <a:rPr lang="en-IN" dirty="0"/>
+              <a:t>7. Client Perform Insert, Update and Delete on Dataset</a:t>
+            </a:r>
+            <a:endParaRPr lang="en-US" dirty="0"/>
+          </a:p>
+        </p:txBody>
+      </p:sp>
+      <p:sp>
+        <p:nvSpPr>
+          <p:cNvPr id="22" name="Rectangle: Rounded Corners 21">
+            <a:extLst>
+              <a:ext uri="{FF2B5EF4-FFF2-40B4-BE49-F238E27FC236}">
+                <a16:creationId xmlns:a16="http://schemas.microsoft.com/office/drawing/2014/main" id="{A6EBDA35-325D-0491-4278-9F08FB707E6F}"/>
+              </a:ext>
+            </a:extLst>
+          </p:cNvPr>
+          <p:cNvSpPr/>
+          <p:nvPr/>
+        </p:nvSpPr>
+        <p:spPr>
+          <a:xfrm>
+            <a:off x="1922106" y="5486400"/>
+            <a:ext cx="2662334" cy="1292946"/>
+          </a:xfrm>
+          <a:prstGeom prst="roundRect">
+            <a:avLst/>
+          </a:prstGeom>
+        </p:spPr>
+        <p:style>
+          <a:lnRef idx="1">
+            <a:schemeClr val="accent1"/>
+          </a:lnRef>
+          <a:fillRef idx="2">
+            <a:schemeClr val="accent1"/>
+          </a:fillRef>
+          <a:effectRef idx="1">
+            <a:schemeClr val="accent1"/>
+          </a:effectRef>
+          <a:fontRef idx="minor">
+            <a:schemeClr val="dk1"/>
+          </a:fontRef>
+        </p:style>
+        <p:txBody>
+          <a:bodyPr rtlCol="0" anchor="ctr"/>
+          <a:lstStyle/>
+          <a:p>
+            <a:pPr algn="ctr"/>
+            <a:r>
+              <a:rPr lang="en-IN" sz="1400" b="1" dirty="0">
+                <a:solidFill>
+                  <a:schemeClr val="bg1"/>
+                </a:solidFill>
+              </a:rPr>
+              <a:t>8. Client Uses SqlCommandBuilder that uses Adapter for Connection and Executing Command</a:t>
+            </a:r>
+            <a:endParaRPr lang="en-US" sz="1400" b="1" dirty="0">
+              <a:solidFill>
+                <a:schemeClr val="bg1"/>
+              </a:solidFill>
+            </a:endParaRPr>
+          </a:p>
+        </p:txBody>
+      </p:sp>
+      <p:sp>
+        <p:nvSpPr>
+          <p:cNvPr id="25" name="Arrow: Bent 24">
+            <a:extLst>
+              <a:ext uri="{FF2B5EF4-FFF2-40B4-BE49-F238E27FC236}">
+                <a16:creationId xmlns:a16="http://schemas.microsoft.com/office/drawing/2014/main" id="{0ED3EFA0-1040-1DA6-2E26-E738725C428C}"/>
+              </a:ext>
+            </a:extLst>
+          </p:cNvPr>
+          <p:cNvSpPr/>
+          <p:nvPr/>
+        </p:nvSpPr>
+        <p:spPr>
+          <a:xfrm rot="16200000" flipH="1">
+            <a:off x="4196639" y="4524375"/>
+            <a:ext cx="737120" cy="1186934"/>
+          </a:xfrm>
+          <a:prstGeom prst="bentArrow">
+            <a:avLst/>
+          </a:prstGeom>
+        </p:spPr>
+        <p:style>
+          <a:lnRef idx="2">
+            <a:schemeClr val="accent1">
+              <a:shade val="50000"/>
+            </a:schemeClr>
+          </a:lnRef>
+          <a:fillRef idx="1">
+            <a:schemeClr val="accent1"/>
+          </a:fillRef>
+          <a:effectRef idx="0">
+            <a:schemeClr val="accent1"/>
+          </a:effectRef>
+          <a:fontRef idx="minor">
+            <a:schemeClr val="lt1"/>
+          </a:fontRef>
+        </p:style>
+        <p:txBody>
+          <a:bodyPr rtlCol="0" anchor="ctr"/>
+          <a:lstStyle/>
+          <a:p>
+            <a:pPr algn="ctr"/>
+            <a:endParaRPr lang="en-US">
+              <a:solidFill>
+                <a:schemeClr val="tx1"/>
+              </a:solidFill>
+            </a:endParaRPr>
+          </a:p>
+        </p:txBody>
+      </p:sp>
+      <p:sp>
+        <p:nvSpPr>
+          <p:cNvPr id="26" name="Arrow: Right 25">
+            <a:extLst>
+              <a:ext uri="{FF2B5EF4-FFF2-40B4-BE49-F238E27FC236}">
+                <a16:creationId xmlns:a16="http://schemas.microsoft.com/office/drawing/2014/main" id="{A68FA85E-E791-475F-0048-C8B6BA93558A}"/>
+              </a:ext>
+            </a:extLst>
+          </p:cNvPr>
+          <p:cNvSpPr/>
+          <p:nvPr/>
+        </p:nvSpPr>
+        <p:spPr>
+          <a:xfrm>
+            <a:off x="1530220" y="6070334"/>
+            <a:ext cx="391886" cy="278375"/>
+          </a:xfrm>
+          <a:prstGeom prst="rightArrow">
+            <a:avLst/>
+          </a:prstGeom>
+        </p:spPr>
+        <p:style>
+          <a:lnRef idx="2">
+            <a:schemeClr val="accent1">
+              <a:shade val="50000"/>
+            </a:schemeClr>
+          </a:lnRef>
+          <a:fillRef idx="1">
+            <a:schemeClr val="accent1"/>
+          </a:fillRef>
+          <a:effectRef idx="0">
+            <a:schemeClr val="accent1"/>
+          </a:effectRef>
+          <a:fontRef idx="minor">
+            <a:schemeClr val="lt1"/>
+          </a:fontRef>
+        </p:style>
+        <p:txBody>
+          <a:bodyPr rtlCol="0" anchor="ctr"/>
+          <a:lstStyle/>
+          <a:p>
+            <a:pPr algn="ctr"/>
+            <a:endParaRPr lang="en-US"/>
+          </a:p>
+        </p:txBody>
+      </p:sp>
+      <p:sp>
+        <p:nvSpPr>
+          <p:cNvPr id="27" name="Arrow: Right 26">
+            <a:extLst>
+              <a:ext uri="{FF2B5EF4-FFF2-40B4-BE49-F238E27FC236}">
+                <a16:creationId xmlns:a16="http://schemas.microsoft.com/office/drawing/2014/main" id="{69CE3DA5-ED42-753F-E95B-20A7EC971DCD}"/>
+              </a:ext>
+            </a:extLst>
+          </p:cNvPr>
+          <p:cNvSpPr/>
+          <p:nvPr/>
+        </p:nvSpPr>
+        <p:spPr>
+          <a:xfrm>
+            <a:off x="4584440" y="5962261"/>
+            <a:ext cx="5694786" cy="615820"/>
+          </a:xfrm>
+          <a:prstGeom prst="rightArrow">
+            <a:avLst/>
+          </a:prstGeom>
+        </p:spPr>
+        <p:style>
+          <a:lnRef idx="2">
+            <a:schemeClr val="accent1">
+              <a:shade val="50000"/>
+            </a:schemeClr>
+          </a:lnRef>
+          <a:fillRef idx="1">
+            <a:schemeClr val="accent1"/>
+          </a:fillRef>
+          <a:effectRef idx="0">
+            <a:schemeClr val="accent1"/>
+          </a:effectRef>
+          <a:fontRef idx="minor">
+            <a:schemeClr val="lt1"/>
+          </a:fontRef>
+        </p:style>
+        <p:txBody>
+          <a:bodyPr rtlCol="0" anchor="ctr"/>
+          <a:lstStyle/>
+          <a:p>
+            <a:pPr algn="ctr"/>
+            <a:r>
+              <a:rPr lang="en-IN" b="1" dirty="0"/>
+              <a:t>9. Connect Back to Db Server and Perform Update</a:t>
+            </a:r>
+            <a:endParaRPr lang="en-US" b="1" dirty="0"/>
+          </a:p>
+        </p:txBody>
+      </p:sp>
+    </p:spTree>
+    <p:extLst>
+      <p:ext uri="{BB962C8B-B14F-4D97-AF65-F5344CB8AC3E}">
+        <p14:creationId xmlns:p14="http://schemas.microsoft.com/office/powerpoint/2010/main" val="3625520591"/>
+      </p:ext>
+    </p:extLst>
+  </p:cSld>
+  <p:clrMapOvr>
+    <a:masterClrMapping/>
+  </p:clrMapOvr>
+</p:sld>
+</file>
+
+<file path=ppt/slides/slide23.xml><?xml version="1.0" encoding="utf-8"?>
+<p:sld xmlns:a="http://schemas.openxmlformats.org/drawingml/2006/main" xmlns:r="http://schemas.openxmlformats.org/officeDocument/2006/relationships" xmlns:p="http://schemas.openxmlformats.org/presentationml/2006/main">
+  <p:cSld>
+    <p:spTree>
+      <p:nvGrpSpPr>
+        <p:cNvPr id="1" name=""/>
+        <p:cNvGrpSpPr/>
+        <p:nvPr/>
+      </p:nvGrpSpPr>
+      <p:grpSpPr>
+        <a:xfrm>
+          <a:off x="0" y="0"/>
+          <a:ext cx="0" cy="0"/>
+          <a:chOff x="0" y="0"/>
+          <a:chExt cx="0" cy="0"/>
+        </a:xfrm>
+      </p:grpSpPr>
+      <p:sp>
+        <p:nvSpPr>
+          <p:cNvPr id="2" name="Cylinder 1">
+            <a:extLst>
+              <a:ext uri="{FF2B5EF4-FFF2-40B4-BE49-F238E27FC236}">
+                <a16:creationId xmlns:a16="http://schemas.microsoft.com/office/drawing/2014/main" id="{2ABF72A8-6190-ABD9-76D8-32ACA572AE2A}"/>
+              </a:ext>
+            </a:extLst>
+          </p:cNvPr>
+          <p:cNvSpPr/>
+          <p:nvPr/>
+        </p:nvSpPr>
+        <p:spPr>
+          <a:xfrm>
+            <a:off x="783771" y="475861"/>
+            <a:ext cx="10692882" cy="6382139"/>
+          </a:xfrm>
+          <a:prstGeom prst="can">
+            <a:avLst>
+              <a:gd name="adj" fmla="val 6579"/>
+            </a:avLst>
+          </a:prstGeom>
+        </p:spPr>
+        <p:style>
+          <a:lnRef idx="2">
+            <a:schemeClr val="accent6"/>
+          </a:lnRef>
+          <a:fillRef idx="1">
+            <a:schemeClr val="lt1"/>
+          </a:fillRef>
+          <a:effectRef idx="0">
+            <a:schemeClr val="accent6"/>
+          </a:effectRef>
+          <a:fontRef idx="minor">
+            <a:schemeClr val="dk1"/>
+          </a:fontRef>
+        </p:style>
+        <p:txBody>
+          <a:bodyPr rtlCol="0" anchor="ctr"/>
+          <a:lstStyle/>
+          <a:p>
+            <a:pPr algn="ctr"/>
+            <a:endParaRPr lang="en-US"/>
+          </a:p>
+        </p:txBody>
+      </p:sp>
+      <p:sp>
+        <p:nvSpPr>
+          <p:cNvPr id="3" name="Cylinder 2">
+            <a:extLst>
+              <a:ext uri="{FF2B5EF4-FFF2-40B4-BE49-F238E27FC236}">
+                <a16:creationId xmlns:a16="http://schemas.microsoft.com/office/drawing/2014/main" id="{490876F8-03E4-292B-9737-DF5D4335E815}"/>
+              </a:ext>
+            </a:extLst>
+          </p:cNvPr>
+          <p:cNvSpPr/>
+          <p:nvPr/>
+        </p:nvSpPr>
+        <p:spPr>
+          <a:xfrm>
+            <a:off x="783771" y="3620278"/>
+            <a:ext cx="10692882" cy="130628"/>
+          </a:xfrm>
+          <a:prstGeom prst="can">
+            <a:avLst/>
+          </a:prstGeom>
+        </p:spPr>
+        <p:style>
+          <a:lnRef idx="2">
+            <a:schemeClr val="accent1">
+              <a:shade val="50000"/>
+            </a:schemeClr>
+          </a:lnRef>
+          <a:fillRef idx="1">
+            <a:schemeClr val="accent1"/>
+          </a:fillRef>
+          <a:effectRef idx="0">
+            <a:schemeClr val="accent1"/>
+          </a:effectRef>
+          <a:fontRef idx="minor">
+            <a:schemeClr val="lt1"/>
+          </a:fontRef>
+        </p:style>
+        <p:txBody>
+          <a:bodyPr rtlCol="0" anchor="ctr"/>
+          <a:lstStyle/>
+          <a:p>
+            <a:pPr algn="ctr"/>
+            <a:endParaRPr lang="en-US"/>
+          </a:p>
+        </p:txBody>
+      </p:sp>
+      <p:graphicFrame>
+        <p:nvGraphicFramePr>
+          <p:cNvPr id="4" name="Table 4">
+            <a:extLst>
+              <a:ext uri="{FF2B5EF4-FFF2-40B4-BE49-F238E27FC236}">
+                <a16:creationId xmlns:a16="http://schemas.microsoft.com/office/drawing/2014/main" id="{2FD85376-1EF6-523E-45F7-BA79C57B6568}"/>
+              </a:ext>
+            </a:extLst>
+          </p:cNvPr>
+          <p:cNvGraphicFramePr>
+            <a:graphicFrameLocks noGrp="1"/>
+          </p:cNvGraphicFramePr>
+          <p:nvPr>
+            <p:extLst>
+              <p:ext uri="{D42A27DB-BD31-4B8C-83A1-F6EECF244321}">
+                <p14:modId xmlns:p14="http://schemas.microsoft.com/office/powerpoint/2010/main" val="2022462432"/>
+              </p:ext>
+            </p:extLst>
+          </p:nvPr>
+        </p:nvGraphicFramePr>
+        <p:xfrm>
+          <a:off x="1080278" y="1334311"/>
+          <a:ext cx="8128000" cy="1854200"/>
+        </p:xfrm>
+        <a:graphic>
+          <a:graphicData uri="http://schemas.openxmlformats.org/drawingml/2006/table">
+            <a:tbl>
+              <a:tblPr firstRow="1" bandRow="1">
+                <a:tableStyleId>{5C22544A-7EE6-4342-B048-85BDC9FD1C3A}</a:tableStyleId>
+              </a:tblPr>
+              <a:tblGrid>
+                <a:gridCol w="2032000">
+                  <a:extLst>
+                    <a:ext uri="{9D8B030D-6E8A-4147-A177-3AD203B41FA5}">
+                      <a16:colId xmlns:a16="http://schemas.microsoft.com/office/drawing/2014/main" val="1556706344"/>
+                    </a:ext>
+                  </a:extLst>
+                </a:gridCol>
+                <a:gridCol w="2032000">
+                  <a:extLst>
+                    <a:ext uri="{9D8B030D-6E8A-4147-A177-3AD203B41FA5}">
+                      <a16:colId xmlns:a16="http://schemas.microsoft.com/office/drawing/2014/main" val="2651918178"/>
+                    </a:ext>
+                  </a:extLst>
+                </a:gridCol>
+                <a:gridCol w="2032000">
+                  <a:extLst>
+                    <a:ext uri="{9D8B030D-6E8A-4147-A177-3AD203B41FA5}">
+                      <a16:colId xmlns:a16="http://schemas.microsoft.com/office/drawing/2014/main" val="3673179191"/>
+                    </a:ext>
+                  </a:extLst>
+                </a:gridCol>
+                <a:gridCol w="2032000">
+                  <a:extLst>
+                    <a:ext uri="{9D8B030D-6E8A-4147-A177-3AD203B41FA5}">
+                      <a16:colId xmlns:a16="http://schemas.microsoft.com/office/drawing/2014/main" val="3917084043"/>
+                    </a:ext>
+                  </a:extLst>
+                </a:gridCol>
+              </a:tblGrid>
+              <a:tr h="370840">
+                <a:tc>
+                  <a:txBody>
+                    <a:bodyPr/>
+                    <a:lstStyle/>
+                    <a:p>
+                      <a:r>
+                        <a:rPr lang="en-IN" dirty="0" err="1"/>
+                        <a:t>Orig_DeptNo</a:t>
+                      </a:r>
+                      <a:endParaRPr lang="en-US" dirty="0"/>
+                    </a:p>
+                  </a:txBody>
+                  <a:tcPr/>
+                </a:tc>
+                <a:tc>
+                  <a:txBody>
+                    <a:bodyPr/>
+                    <a:lstStyle/>
+                    <a:p>
+                      <a:r>
+                        <a:rPr lang="en-IN" dirty="0" err="1"/>
+                        <a:t>Orig_DeptName</a:t>
+                      </a:r>
+                      <a:endParaRPr lang="en-US" dirty="0"/>
+                    </a:p>
+                  </a:txBody>
+                  <a:tcPr/>
+                </a:tc>
+                <a:tc>
+                  <a:txBody>
+                    <a:bodyPr/>
+                    <a:lstStyle/>
+                    <a:p>
+                      <a:r>
+                        <a:rPr lang="en-IN" dirty="0" err="1"/>
+                        <a:t>Orig_Location</a:t>
+                      </a:r>
+                      <a:endParaRPr lang="en-US" dirty="0"/>
+                    </a:p>
+                  </a:txBody>
+                  <a:tcPr/>
+                </a:tc>
+                <a:tc>
+                  <a:txBody>
+                    <a:bodyPr/>
+                    <a:lstStyle/>
+                    <a:p>
+                      <a:r>
+                        <a:rPr lang="en-IN" dirty="0" err="1"/>
+                        <a:t>Orig_Capacity</a:t>
+                      </a:r>
+                      <a:endParaRPr lang="en-US" dirty="0"/>
+                    </a:p>
+                  </a:txBody>
+                  <a:tcPr/>
+                </a:tc>
+                <a:extLst>
+                  <a:ext uri="{0D108BD9-81ED-4DB2-BD59-A6C34878D82A}">
+                    <a16:rowId xmlns:a16="http://schemas.microsoft.com/office/drawing/2014/main" val="1700645235"/>
+                  </a:ext>
+                </a:extLst>
+              </a:tr>
+              <a:tr h="370840">
+                <a:tc>
+                  <a:txBody>
+                    <a:bodyPr/>
+                    <a:lstStyle/>
+                    <a:p>
+                      <a:r>
+                        <a:rPr lang="en-IN" dirty="0"/>
+                        <a:t>10</a:t>
+                      </a:r>
+                      <a:endParaRPr lang="en-US" dirty="0"/>
+                    </a:p>
+                  </a:txBody>
+                  <a:tcPr/>
+                </a:tc>
+                <a:tc>
+                  <a:txBody>
+                    <a:bodyPr/>
+                    <a:lstStyle/>
+                    <a:p>
+                      <a:r>
+                        <a:rPr lang="en-IN" dirty="0"/>
+                        <a:t>IT</a:t>
+                      </a:r>
+                      <a:endParaRPr lang="en-US" dirty="0"/>
+                    </a:p>
+                  </a:txBody>
+                  <a:tcPr/>
+                </a:tc>
+                <a:tc>
+                  <a:txBody>
+                    <a:bodyPr/>
+                    <a:lstStyle/>
+                    <a:p>
+                      <a:r>
+                        <a:rPr lang="en-IN" dirty="0"/>
+                        <a:t>Pune</a:t>
+                      </a:r>
+                      <a:endParaRPr lang="en-US" dirty="0"/>
+                    </a:p>
+                  </a:txBody>
+                  <a:tcPr/>
+                </a:tc>
+                <a:tc>
+                  <a:txBody>
+                    <a:bodyPr/>
+                    <a:lstStyle/>
+                    <a:p>
+                      <a:r>
+                        <a:rPr lang="en-IN" dirty="0"/>
+                        <a:t>1000</a:t>
+                      </a:r>
+                      <a:endParaRPr lang="en-US" dirty="0"/>
+                    </a:p>
+                  </a:txBody>
+                  <a:tcPr/>
+                </a:tc>
+                <a:extLst>
+                  <a:ext uri="{0D108BD9-81ED-4DB2-BD59-A6C34878D82A}">
+                    <a16:rowId xmlns:a16="http://schemas.microsoft.com/office/drawing/2014/main" val="2822363655"/>
+                  </a:ext>
+                </a:extLst>
+              </a:tr>
+              <a:tr h="370840">
+                <a:tc>
+                  <a:txBody>
+                    <a:bodyPr/>
+                    <a:lstStyle/>
+                    <a:p>
+                      <a:r>
+                        <a:rPr lang="en-IN" dirty="0"/>
+                        <a:t>20</a:t>
+                      </a:r>
+                      <a:endParaRPr lang="en-US" dirty="0"/>
+                    </a:p>
+                  </a:txBody>
+                  <a:tcPr/>
+                </a:tc>
+                <a:tc>
+                  <a:txBody>
+                    <a:bodyPr/>
+                    <a:lstStyle/>
+                    <a:p>
+                      <a:r>
+                        <a:rPr lang="en-IN" dirty="0"/>
+                        <a:t>System</a:t>
+                      </a:r>
+                      <a:endParaRPr lang="en-US" dirty="0"/>
+                    </a:p>
+                  </a:txBody>
+                  <a:tcPr/>
+                </a:tc>
+                <a:tc>
+                  <a:txBody>
+                    <a:bodyPr/>
+                    <a:lstStyle/>
+                    <a:p>
+                      <a:r>
+                        <a:rPr lang="en-IN" dirty="0"/>
+                        <a:t>Pune</a:t>
+                      </a:r>
+                      <a:endParaRPr lang="en-US" dirty="0"/>
+                    </a:p>
+                  </a:txBody>
+                  <a:tcPr/>
+                </a:tc>
+                <a:tc>
+                  <a:txBody>
+                    <a:bodyPr/>
+                    <a:lstStyle/>
+                    <a:p>
+                      <a:r>
+                        <a:rPr lang="en-IN" dirty="0"/>
+                        <a:t>200</a:t>
+                      </a:r>
+                      <a:endParaRPr lang="en-US" dirty="0"/>
+                    </a:p>
+                  </a:txBody>
+                  <a:tcPr/>
+                </a:tc>
+                <a:extLst>
+                  <a:ext uri="{0D108BD9-81ED-4DB2-BD59-A6C34878D82A}">
+                    <a16:rowId xmlns:a16="http://schemas.microsoft.com/office/drawing/2014/main" val="513672155"/>
+                  </a:ext>
+                </a:extLst>
+              </a:tr>
+              <a:tr h="370840">
+                <a:tc>
+                  <a:txBody>
+                    <a:bodyPr/>
+                    <a:lstStyle/>
+                    <a:p>
+                      <a:r>
+                        <a:rPr lang="en-IN" dirty="0"/>
+                        <a:t>30</a:t>
+                      </a:r>
+                      <a:endParaRPr lang="en-US" dirty="0"/>
+                    </a:p>
+                  </a:txBody>
+                  <a:tcPr/>
+                </a:tc>
+                <a:tc>
+                  <a:txBody>
+                    <a:bodyPr/>
+                    <a:lstStyle/>
+                    <a:p>
+                      <a:r>
+                        <a:rPr lang="en-IN" dirty="0"/>
+                        <a:t>HR</a:t>
+                      </a:r>
+                      <a:endParaRPr lang="en-US" dirty="0"/>
+                    </a:p>
+                  </a:txBody>
+                  <a:tcPr/>
+                </a:tc>
+                <a:tc>
+                  <a:txBody>
+                    <a:bodyPr/>
+                    <a:lstStyle/>
+                    <a:p>
+                      <a:r>
+                        <a:rPr lang="en-IN" dirty="0"/>
+                        <a:t>Pune</a:t>
+                      </a:r>
+                      <a:endParaRPr lang="en-US" dirty="0"/>
+                    </a:p>
+                  </a:txBody>
+                  <a:tcPr/>
+                </a:tc>
+                <a:tc>
+                  <a:txBody>
+                    <a:bodyPr/>
+                    <a:lstStyle/>
+                    <a:p>
+                      <a:r>
+                        <a:rPr lang="en-IN" dirty="0"/>
+                        <a:t>50</a:t>
+                      </a:r>
+                      <a:endParaRPr lang="en-US" dirty="0"/>
+                    </a:p>
+                  </a:txBody>
+                  <a:tcPr/>
+                </a:tc>
+                <a:extLst>
+                  <a:ext uri="{0D108BD9-81ED-4DB2-BD59-A6C34878D82A}">
+                    <a16:rowId xmlns:a16="http://schemas.microsoft.com/office/drawing/2014/main" val="3317962113"/>
+                  </a:ext>
+                </a:extLst>
+              </a:tr>
+              <a:tr h="370840">
+                <a:tc>
+                  <a:txBody>
+                    <a:bodyPr/>
+                    <a:lstStyle/>
+                    <a:p>
+                      <a:r>
+                        <a:rPr lang="en-IN" dirty="0"/>
+                        <a:t>100</a:t>
+                      </a:r>
+                      <a:endParaRPr lang="en-US" dirty="0"/>
+                    </a:p>
+                  </a:txBody>
+                  <a:tcPr/>
+                </a:tc>
+                <a:tc>
+                  <a:txBody>
+                    <a:bodyPr/>
+                    <a:lstStyle/>
+                    <a:p>
+                      <a:r>
+                        <a:rPr lang="en-IN" dirty="0" err="1"/>
+                        <a:t>Dcdd</a:t>
+                      </a:r>
+                      <a:endParaRPr lang="en-US" dirty="0"/>
+                    </a:p>
+                  </a:txBody>
+                  <a:tcPr/>
+                </a:tc>
+                <a:tc>
+                  <a:txBody>
+                    <a:bodyPr/>
+                    <a:lstStyle/>
+                    <a:p>
+                      <a:r>
+                        <a:rPr lang="en-IN" dirty="0"/>
+                        <a:t>Pune</a:t>
+                      </a:r>
+                      <a:endParaRPr lang="en-US" dirty="0"/>
+                    </a:p>
+                  </a:txBody>
+                  <a:tcPr/>
+                </a:tc>
+                <a:tc>
+                  <a:txBody>
+                    <a:bodyPr/>
+                    <a:lstStyle/>
+                    <a:p>
+                      <a:r>
+                        <a:rPr lang="en-IN" dirty="0"/>
+                        <a:t>777</a:t>
+                      </a:r>
+                      <a:endParaRPr lang="en-US" dirty="0"/>
+                    </a:p>
+                  </a:txBody>
+                  <a:tcPr/>
+                </a:tc>
+                <a:extLst>
+                  <a:ext uri="{0D108BD9-81ED-4DB2-BD59-A6C34878D82A}">
+                    <a16:rowId xmlns:a16="http://schemas.microsoft.com/office/drawing/2014/main" val="2205501829"/>
+                  </a:ext>
+                </a:extLst>
+              </a:tr>
+            </a:tbl>
+          </a:graphicData>
+        </a:graphic>
+      </p:graphicFrame>
+      <p:sp>
+        <p:nvSpPr>
+          <p:cNvPr id="5" name="TextBox 4">
+            <a:extLst>
+              <a:ext uri="{FF2B5EF4-FFF2-40B4-BE49-F238E27FC236}">
+                <a16:creationId xmlns:a16="http://schemas.microsoft.com/office/drawing/2014/main" id="{6FACE562-A120-0C07-999F-A422A32ACFC1}"/>
+              </a:ext>
+            </a:extLst>
+          </p:cNvPr>
+          <p:cNvSpPr txBox="1"/>
+          <p:nvPr/>
+        </p:nvSpPr>
+        <p:spPr>
+          <a:xfrm>
+            <a:off x="1819468" y="933061"/>
+            <a:ext cx="8481527" cy="369332"/>
+          </a:xfrm>
+          <a:prstGeom prst="rect">
+            <a:avLst/>
+          </a:prstGeom>
+          <a:noFill/>
+        </p:spPr>
+        <p:txBody>
+          <a:bodyPr wrap="square" rtlCol="0">
+            <a:spAutoFit/>
+          </a:bodyPr>
+          <a:lstStyle/>
+          <a:p>
+            <a:r>
+              <a:rPr lang="en-IN" b="1" dirty="0"/>
+              <a:t>Data received from Database Server using Adapter that is filled into DataSet</a:t>
+            </a:r>
+            <a:endParaRPr lang="en-US" b="1" dirty="0"/>
+          </a:p>
+        </p:txBody>
+      </p:sp>
+      <p:graphicFrame>
+        <p:nvGraphicFramePr>
+          <p:cNvPr id="6" name="Table 6">
+            <a:extLst>
+              <a:ext uri="{FF2B5EF4-FFF2-40B4-BE49-F238E27FC236}">
+                <a16:creationId xmlns:a16="http://schemas.microsoft.com/office/drawing/2014/main" id="{F1413F06-3177-03BE-D80E-84CF2DE4FF99}"/>
+              </a:ext>
+            </a:extLst>
+          </p:cNvPr>
+          <p:cNvGraphicFramePr>
+            <a:graphicFrameLocks noGrp="1"/>
+          </p:cNvGraphicFramePr>
+          <p:nvPr>
+            <p:extLst>
+              <p:ext uri="{D42A27DB-BD31-4B8C-83A1-F6EECF244321}">
+                <p14:modId xmlns:p14="http://schemas.microsoft.com/office/powerpoint/2010/main" val="2675046943"/>
+              </p:ext>
+            </p:extLst>
+          </p:nvPr>
+        </p:nvGraphicFramePr>
+        <p:xfrm>
+          <a:off x="986971" y="4261390"/>
+          <a:ext cx="8128000" cy="741680"/>
+        </p:xfrm>
+        <a:graphic>
+          <a:graphicData uri="http://schemas.openxmlformats.org/drawingml/2006/table">
+            <a:tbl>
+              <a:tblPr firstRow="1" bandRow="1">
+                <a:tableStyleId>{5C22544A-7EE6-4342-B048-85BDC9FD1C3A}</a:tableStyleId>
+              </a:tblPr>
+              <a:tblGrid>
+                <a:gridCol w="2032000">
+                  <a:extLst>
+                    <a:ext uri="{9D8B030D-6E8A-4147-A177-3AD203B41FA5}">
+                      <a16:colId xmlns:a16="http://schemas.microsoft.com/office/drawing/2014/main" val="1490723242"/>
+                    </a:ext>
+                  </a:extLst>
+                </a:gridCol>
+                <a:gridCol w="2032000">
+                  <a:extLst>
+                    <a:ext uri="{9D8B030D-6E8A-4147-A177-3AD203B41FA5}">
+                      <a16:colId xmlns:a16="http://schemas.microsoft.com/office/drawing/2014/main" val="743313802"/>
+                    </a:ext>
+                  </a:extLst>
+                </a:gridCol>
+                <a:gridCol w="2032000">
+                  <a:extLst>
+                    <a:ext uri="{9D8B030D-6E8A-4147-A177-3AD203B41FA5}">
+                      <a16:colId xmlns:a16="http://schemas.microsoft.com/office/drawing/2014/main" val="1619251506"/>
+                    </a:ext>
+                  </a:extLst>
+                </a:gridCol>
+                <a:gridCol w="2032000">
+                  <a:extLst>
+                    <a:ext uri="{9D8B030D-6E8A-4147-A177-3AD203B41FA5}">
+                      <a16:colId xmlns:a16="http://schemas.microsoft.com/office/drawing/2014/main" val="1279548700"/>
+                    </a:ext>
+                  </a:extLst>
+                </a:gridCol>
+              </a:tblGrid>
+              <a:tr h="370840">
+                <a:tc>
+                  <a:txBody>
+                    <a:bodyPr/>
+                    <a:lstStyle/>
+                    <a:p>
+                      <a:r>
+                        <a:rPr lang="en-IN" dirty="0" err="1"/>
+                        <a:t>DeptNo</a:t>
+                      </a:r>
+                      <a:endParaRPr lang="en-US" dirty="0"/>
+                    </a:p>
+                  </a:txBody>
+                  <a:tcPr/>
+                </a:tc>
+                <a:tc>
+                  <a:txBody>
+                    <a:bodyPr/>
+                    <a:lstStyle/>
+                    <a:p>
+                      <a:r>
+                        <a:rPr lang="en-IN" dirty="0"/>
+                        <a:t>DeptName</a:t>
+                      </a:r>
+                      <a:endParaRPr lang="en-US" dirty="0"/>
+                    </a:p>
+                  </a:txBody>
+                  <a:tcPr/>
+                </a:tc>
+                <a:tc>
+                  <a:txBody>
+                    <a:bodyPr/>
+                    <a:lstStyle/>
+                    <a:p>
+                      <a:r>
+                        <a:rPr lang="en-IN" dirty="0"/>
+                        <a:t>Location</a:t>
+                      </a:r>
+                      <a:endParaRPr lang="en-US" dirty="0"/>
+                    </a:p>
+                  </a:txBody>
+                  <a:tcPr/>
+                </a:tc>
+                <a:tc>
+                  <a:txBody>
+                    <a:bodyPr/>
+                    <a:lstStyle/>
+                    <a:p>
+                      <a:r>
+                        <a:rPr lang="en-IN" dirty="0"/>
+                        <a:t>Capacity</a:t>
+                      </a:r>
+                      <a:endParaRPr lang="en-US" dirty="0"/>
+                    </a:p>
+                  </a:txBody>
+                  <a:tcPr/>
+                </a:tc>
+                <a:extLst>
+                  <a:ext uri="{0D108BD9-81ED-4DB2-BD59-A6C34878D82A}">
+                    <a16:rowId xmlns:a16="http://schemas.microsoft.com/office/drawing/2014/main" val="229455586"/>
+                  </a:ext>
+                </a:extLst>
+              </a:tr>
+              <a:tr h="370840">
+                <a:tc>
+                  <a:txBody>
+                    <a:bodyPr/>
+                    <a:lstStyle/>
+                    <a:p>
+                      <a:r>
+                        <a:rPr lang="en-IN" dirty="0"/>
+                        <a:t>100</a:t>
+                      </a:r>
+                      <a:endParaRPr lang="en-US" dirty="0"/>
+                    </a:p>
+                  </a:txBody>
+                  <a:tcPr/>
+                </a:tc>
+                <a:tc>
+                  <a:txBody>
+                    <a:bodyPr/>
+                    <a:lstStyle/>
+                    <a:p>
+                      <a:r>
+                        <a:rPr lang="en-IN" dirty="0" err="1"/>
+                        <a:t>Dcdd</a:t>
+                      </a:r>
+                      <a:endParaRPr lang="en-US" dirty="0"/>
+                    </a:p>
+                  </a:txBody>
+                  <a:tcPr/>
+                </a:tc>
+                <a:tc>
+                  <a:txBody>
+                    <a:bodyPr/>
+                    <a:lstStyle/>
+                    <a:p>
+                      <a:r>
+                        <a:rPr lang="en-IN" dirty="0"/>
+                        <a:t>Pune</a:t>
+                      </a:r>
+                      <a:endParaRPr lang="en-US" dirty="0"/>
+                    </a:p>
+                  </a:txBody>
+                  <a:tcPr/>
+                </a:tc>
+                <a:tc>
+                  <a:txBody>
+                    <a:bodyPr/>
+                    <a:lstStyle/>
+                    <a:p>
+                      <a:r>
+                        <a:rPr lang="en-IN" dirty="0"/>
+                        <a:t>777</a:t>
+                      </a:r>
+                      <a:endParaRPr lang="en-US" dirty="0"/>
+                    </a:p>
+                  </a:txBody>
+                  <a:tcPr/>
+                </a:tc>
+                <a:extLst>
+                  <a:ext uri="{0D108BD9-81ED-4DB2-BD59-A6C34878D82A}">
+                    <a16:rowId xmlns:a16="http://schemas.microsoft.com/office/drawing/2014/main" val="2514925265"/>
+                  </a:ext>
+                </a:extLst>
+              </a:tr>
+            </a:tbl>
+          </a:graphicData>
+        </a:graphic>
+      </p:graphicFrame>
+      <p:sp>
+        <p:nvSpPr>
+          <p:cNvPr id="7" name="TextBox 6">
+            <a:extLst>
+              <a:ext uri="{FF2B5EF4-FFF2-40B4-BE49-F238E27FC236}">
+                <a16:creationId xmlns:a16="http://schemas.microsoft.com/office/drawing/2014/main" id="{5E7A275F-8227-0398-6B2C-D555704D3787}"/>
+              </a:ext>
+            </a:extLst>
+          </p:cNvPr>
+          <p:cNvSpPr txBox="1"/>
+          <p:nvPr/>
+        </p:nvSpPr>
+        <p:spPr>
+          <a:xfrm>
+            <a:off x="9535886" y="3881535"/>
+            <a:ext cx="1872343" cy="2031325"/>
+          </a:xfrm>
+          <a:prstGeom prst="rect">
+            <a:avLst/>
+          </a:prstGeom>
+          <a:noFill/>
+        </p:spPr>
+        <p:txBody>
+          <a:bodyPr wrap="square" rtlCol="0">
+            <a:spAutoFit/>
+          </a:bodyPr>
+          <a:lstStyle/>
+          <a:p>
+            <a:r>
+              <a:rPr lang="en-IN" dirty="0"/>
+              <a:t>Diffgram: All Operations performed by Client into DataSet but not yet Updated to Database</a:t>
+            </a:r>
+            <a:endParaRPr lang="en-US" dirty="0"/>
+          </a:p>
+        </p:txBody>
+      </p:sp>
+      <p:cxnSp>
+        <p:nvCxnSpPr>
+          <p:cNvPr id="9" name="Connector: Elbow 8">
+            <a:extLst>
+              <a:ext uri="{FF2B5EF4-FFF2-40B4-BE49-F238E27FC236}">
+                <a16:creationId xmlns:a16="http://schemas.microsoft.com/office/drawing/2014/main" id="{46E04720-F18C-AE99-5028-117A29DFFA48}"/>
+              </a:ext>
+            </a:extLst>
+          </p:cNvPr>
+          <p:cNvCxnSpPr/>
+          <p:nvPr/>
+        </p:nvCxnSpPr>
+        <p:spPr>
+          <a:xfrm rot="5400000">
+            <a:off x="4120729" y="3343587"/>
+            <a:ext cx="1443719" cy="391886"/>
+          </a:xfrm>
+          <a:prstGeom prst="bentConnector3">
+            <a:avLst/>
+          </a:prstGeom>
+          <a:ln w="57150">
+            <a:solidFill>
+              <a:srgbClr val="FFC000"/>
+            </a:solidFill>
+            <a:tailEnd type="triangle"/>
+          </a:ln>
+        </p:spPr>
+        <p:style>
+          <a:lnRef idx="1">
+            <a:schemeClr val="accent1"/>
+          </a:lnRef>
+          <a:fillRef idx="0">
+            <a:schemeClr val="accent1"/>
+          </a:fillRef>
+          <a:effectRef idx="0">
+            <a:schemeClr val="accent1"/>
+          </a:effectRef>
+          <a:fontRef idx="minor">
+            <a:schemeClr val="tx1"/>
+          </a:fontRef>
+        </p:style>
+      </p:cxnSp>
+      <p:sp>
+        <p:nvSpPr>
+          <p:cNvPr id="10" name="TextBox 9">
+            <a:extLst>
+              <a:ext uri="{FF2B5EF4-FFF2-40B4-BE49-F238E27FC236}">
+                <a16:creationId xmlns:a16="http://schemas.microsoft.com/office/drawing/2014/main" id="{524999B0-ECD1-9B88-8A76-11DC8B3261C3}"/>
+              </a:ext>
+            </a:extLst>
+          </p:cNvPr>
+          <p:cNvSpPr txBox="1"/>
+          <p:nvPr/>
+        </p:nvSpPr>
+        <p:spPr>
+          <a:xfrm>
+            <a:off x="4833257" y="3750906"/>
+            <a:ext cx="2183363" cy="369332"/>
+          </a:xfrm>
+          <a:prstGeom prst="rect">
+            <a:avLst/>
+          </a:prstGeom>
+          <a:noFill/>
+        </p:spPr>
+        <p:txBody>
+          <a:bodyPr wrap="square" rtlCol="0">
+            <a:spAutoFit/>
+          </a:bodyPr>
+          <a:lstStyle/>
+          <a:p>
+            <a:r>
+              <a:rPr lang="en-IN" dirty="0" err="1"/>
+              <a:t>NewRow</a:t>
+            </a:r>
+            <a:endParaRPr lang="en-US" dirty="0"/>
+          </a:p>
+        </p:txBody>
+      </p:sp>
+      <p:cxnSp>
+        <p:nvCxnSpPr>
+          <p:cNvPr id="12" name="Connector: Elbow 11">
+            <a:extLst>
+              <a:ext uri="{FF2B5EF4-FFF2-40B4-BE49-F238E27FC236}">
+                <a16:creationId xmlns:a16="http://schemas.microsoft.com/office/drawing/2014/main" id="{37A46052-9207-AD28-C43A-4C358CBF5A6D}"/>
+              </a:ext>
+            </a:extLst>
+          </p:cNvPr>
+          <p:cNvCxnSpPr/>
+          <p:nvPr/>
+        </p:nvCxnSpPr>
+        <p:spPr>
+          <a:xfrm rot="16200000" flipV="1">
+            <a:off x="1769414" y="3362246"/>
+            <a:ext cx="1443720" cy="354566"/>
+          </a:xfrm>
+          <a:prstGeom prst="bentConnector3">
+            <a:avLst/>
+          </a:prstGeom>
+          <a:ln w="57150">
+            <a:solidFill>
+              <a:srgbClr val="FFC000"/>
+            </a:solidFill>
+            <a:tailEnd type="triangle"/>
+          </a:ln>
+        </p:spPr>
+        <p:style>
+          <a:lnRef idx="1">
+            <a:schemeClr val="accent1"/>
+          </a:lnRef>
+          <a:fillRef idx="0">
+            <a:schemeClr val="accent1"/>
+          </a:fillRef>
+          <a:effectRef idx="0">
+            <a:schemeClr val="accent1"/>
+          </a:effectRef>
+          <a:fontRef idx="minor">
+            <a:schemeClr val="tx1"/>
+          </a:fontRef>
+        </p:style>
+      </p:cxnSp>
+      <p:sp>
+        <p:nvSpPr>
+          <p:cNvPr id="13" name="TextBox 12">
+            <a:extLst>
+              <a:ext uri="{FF2B5EF4-FFF2-40B4-BE49-F238E27FC236}">
+                <a16:creationId xmlns:a16="http://schemas.microsoft.com/office/drawing/2014/main" id="{3830199F-4454-78FB-D713-A09300A1DDD9}"/>
+              </a:ext>
+            </a:extLst>
+          </p:cNvPr>
+          <p:cNvSpPr txBox="1"/>
+          <p:nvPr/>
+        </p:nvSpPr>
+        <p:spPr>
+          <a:xfrm>
+            <a:off x="986971" y="3892058"/>
+            <a:ext cx="2651968" cy="369332"/>
+          </a:xfrm>
+          <a:prstGeom prst="rect">
+            <a:avLst/>
+          </a:prstGeom>
+          <a:noFill/>
+        </p:spPr>
+        <p:txBody>
+          <a:bodyPr wrap="square" rtlCol="0">
+            <a:spAutoFit/>
+          </a:bodyPr>
+          <a:lstStyle/>
+          <a:p>
+            <a:r>
+              <a:rPr lang="en-IN" dirty="0"/>
+              <a:t>Set Row as a Part of Rows</a:t>
+            </a:r>
+            <a:endParaRPr lang="en-US" dirty="0"/>
+          </a:p>
+        </p:txBody>
+      </p:sp>
+      <p:sp>
+        <p:nvSpPr>
+          <p:cNvPr id="14" name="Multiplication Sign 13">
+            <a:extLst>
+              <a:ext uri="{FF2B5EF4-FFF2-40B4-BE49-F238E27FC236}">
+                <a16:creationId xmlns:a16="http://schemas.microsoft.com/office/drawing/2014/main" id="{F9B8D346-CEE5-C152-EE24-65D0BF1C3F2F}"/>
+              </a:ext>
+            </a:extLst>
+          </p:cNvPr>
+          <p:cNvSpPr/>
+          <p:nvPr/>
+        </p:nvSpPr>
+        <p:spPr>
+          <a:xfrm>
+            <a:off x="5980403" y="3848878"/>
+            <a:ext cx="1408923" cy="1306285"/>
+          </a:xfrm>
+          <a:prstGeom prst="mathMultiply">
+            <a:avLst/>
+          </a:prstGeom>
+          <a:solidFill>
+            <a:srgbClr val="C00000"/>
+          </a:solidFill>
+          <a:ln>
+            <a:solidFill>
+              <a:srgbClr val="FF0000"/>
+            </a:solidFill>
+          </a:ln>
+        </p:spPr>
+        <p:style>
+          <a:lnRef idx="2">
+            <a:schemeClr val="accent1">
+              <a:shade val="50000"/>
+            </a:schemeClr>
+          </a:lnRef>
+          <a:fillRef idx="1">
+            <a:schemeClr val="accent1"/>
+          </a:fillRef>
+          <a:effectRef idx="0">
+            <a:schemeClr val="accent1"/>
+          </a:effectRef>
+          <a:fontRef idx="minor">
+            <a:schemeClr val="lt1"/>
+          </a:fontRef>
+        </p:style>
+        <p:txBody>
+          <a:bodyPr rtlCol="0" anchor="ctr"/>
+          <a:lstStyle/>
+          <a:p>
+            <a:pPr algn="ctr"/>
+            <a:endParaRPr lang="en-US"/>
+          </a:p>
+        </p:txBody>
+      </p:sp>
+    </p:spTree>
+    <p:extLst>
+      <p:ext uri="{BB962C8B-B14F-4D97-AF65-F5344CB8AC3E}">
+        <p14:creationId xmlns:p14="http://schemas.microsoft.com/office/powerpoint/2010/main" val="3636711366"/>
+      </p:ext>
+    </p:extLst>
+  </p:cSld>
+  <p:clrMapOvr>
+    <a:masterClrMapping/>
+  </p:clrMapOvr>
+</p:sld>
+</file>
+
 <file path=ppt/slides/slide3.xml><?xml version="1.0" encoding="utf-8"?>
 <p:sld xmlns:a="http://schemas.openxmlformats.org/drawingml/2006/main" xmlns:r="http://schemas.openxmlformats.org/officeDocument/2006/relationships" xmlns:p="http://schemas.openxmlformats.org/presentationml/2006/main">
   <p:cSld>

--- a/Training-Images.pptx
+++ b/Training-Images.pptx
@@ -28,6 +28,10 @@
     <p:sldId id="276" r:id="rId22"/>
     <p:sldId id="277" r:id="rId23"/>
     <p:sldId id="278" r:id="rId24"/>
+    <p:sldId id="279" r:id="rId25"/>
+    <p:sldId id="280" r:id="rId26"/>
+    <p:sldId id="281" r:id="rId27"/>
+    <p:sldId id="282" r:id="rId28"/>
   </p:sldIdLst>
   <p:sldSz cx="12192000" cy="6858000"/>
   <p:notesSz cx="6858000" cy="9144000"/>
@@ -281,7 +285,7 @@
           <a:p>
             <a:fld id="{95E4630E-4E16-4BC6-8D4C-04E2A0254E22}" type="datetimeFigureOut">
               <a:rPr lang="en-US" smtClean="0"/>
-              <a:t>7/19/2022</a:t>
+              <a:t>7/20/2022</a:t>
             </a:fld>
             <a:endParaRPr lang="en-US"/>
           </a:p>
@@ -479,7 +483,7 @@
           <a:p>
             <a:fld id="{95E4630E-4E16-4BC6-8D4C-04E2A0254E22}" type="datetimeFigureOut">
               <a:rPr lang="en-US" smtClean="0"/>
-              <a:t>7/19/2022</a:t>
+              <a:t>7/20/2022</a:t>
             </a:fld>
             <a:endParaRPr lang="en-US"/>
           </a:p>
@@ -687,7 +691,7 @@
           <a:p>
             <a:fld id="{95E4630E-4E16-4BC6-8D4C-04E2A0254E22}" type="datetimeFigureOut">
               <a:rPr lang="en-US" smtClean="0"/>
-              <a:t>7/19/2022</a:t>
+              <a:t>7/20/2022</a:t>
             </a:fld>
             <a:endParaRPr lang="en-US"/>
           </a:p>
@@ -885,7 +889,7 @@
           <a:p>
             <a:fld id="{95E4630E-4E16-4BC6-8D4C-04E2A0254E22}" type="datetimeFigureOut">
               <a:rPr lang="en-US" smtClean="0"/>
-              <a:t>7/19/2022</a:t>
+              <a:t>7/20/2022</a:t>
             </a:fld>
             <a:endParaRPr lang="en-US"/>
           </a:p>
@@ -1160,7 +1164,7 @@
           <a:p>
             <a:fld id="{95E4630E-4E16-4BC6-8D4C-04E2A0254E22}" type="datetimeFigureOut">
               <a:rPr lang="en-US" smtClean="0"/>
-              <a:t>7/19/2022</a:t>
+              <a:t>7/20/2022</a:t>
             </a:fld>
             <a:endParaRPr lang="en-US"/>
           </a:p>
@@ -1425,7 +1429,7 @@
           <a:p>
             <a:fld id="{95E4630E-4E16-4BC6-8D4C-04E2A0254E22}" type="datetimeFigureOut">
               <a:rPr lang="en-US" smtClean="0"/>
-              <a:t>7/19/2022</a:t>
+              <a:t>7/20/2022</a:t>
             </a:fld>
             <a:endParaRPr lang="en-US"/>
           </a:p>
@@ -1837,7 +1841,7 @@
           <a:p>
             <a:fld id="{95E4630E-4E16-4BC6-8D4C-04E2A0254E22}" type="datetimeFigureOut">
               <a:rPr lang="en-US" smtClean="0"/>
-              <a:t>7/19/2022</a:t>
+              <a:t>7/20/2022</a:t>
             </a:fld>
             <a:endParaRPr lang="en-US"/>
           </a:p>
@@ -1978,7 +1982,7 @@
           <a:p>
             <a:fld id="{95E4630E-4E16-4BC6-8D4C-04E2A0254E22}" type="datetimeFigureOut">
               <a:rPr lang="en-US" smtClean="0"/>
-              <a:t>7/19/2022</a:t>
+              <a:t>7/20/2022</a:t>
             </a:fld>
             <a:endParaRPr lang="en-US"/>
           </a:p>
@@ -2091,7 +2095,7 @@
           <a:p>
             <a:fld id="{95E4630E-4E16-4BC6-8D4C-04E2A0254E22}" type="datetimeFigureOut">
               <a:rPr lang="en-US" smtClean="0"/>
-              <a:t>7/19/2022</a:t>
+              <a:t>7/20/2022</a:t>
             </a:fld>
             <a:endParaRPr lang="en-US"/>
           </a:p>
@@ -2402,7 +2406,7 @@
           <a:p>
             <a:fld id="{95E4630E-4E16-4BC6-8D4C-04E2A0254E22}" type="datetimeFigureOut">
               <a:rPr lang="en-US" smtClean="0"/>
-              <a:t>7/19/2022</a:t>
+              <a:t>7/20/2022</a:t>
             </a:fld>
             <a:endParaRPr lang="en-US"/>
           </a:p>
@@ -2690,7 +2694,7 @@
           <a:p>
             <a:fld id="{95E4630E-4E16-4BC6-8D4C-04E2A0254E22}" type="datetimeFigureOut">
               <a:rPr lang="en-US" smtClean="0"/>
-              <a:t>7/19/2022</a:t>
+              <a:t>7/20/2022</a:t>
             </a:fld>
             <a:endParaRPr lang="en-US"/>
           </a:p>
@@ -2931,7 +2935,7 @@
           <a:p>
             <a:fld id="{95E4630E-4E16-4BC6-8D4C-04E2A0254E22}" type="datetimeFigureOut">
               <a:rPr lang="en-US" smtClean="0"/>
-              <a:t>7/19/2022</a:t>
+              <a:t>7/20/2022</a:t>
             </a:fld>
             <a:endParaRPr lang="en-US"/>
           </a:p>
@@ -17911,6 +17915,4494 @@
 </p:sld>
 </file>
 
+<file path=ppt/slides/slide24.xml><?xml version="1.0" encoding="utf-8"?>
+<p:sld xmlns:a="http://schemas.openxmlformats.org/drawingml/2006/main" xmlns:r="http://schemas.openxmlformats.org/officeDocument/2006/relationships" xmlns:p="http://schemas.openxmlformats.org/presentationml/2006/main">
+  <p:cSld>
+    <p:spTree>
+      <p:nvGrpSpPr>
+        <p:cNvPr id="1" name=""/>
+        <p:cNvGrpSpPr/>
+        <p:nvPr/>
+      </p:nvGrpSpPr>
+      <p:grpSpPr>
+        <a:xfrm>
+          <a:off x="0" y="0"/>
+          <a:ext cx="0" cy="0"/>
+          <a:chOff x="0" y="0"/>
+          <a:chExt cx="0" cy="0"/>
+        </a:xfrm>
+      </p:grpSpPr>
+      <p:sp>
+        <p:nvSpPr>
+          <p:cNvPr id="2" name="Rectangle 1">
+            <a:extLst>
+              <a:ext uri="{FF2B5EF4-FFF2-40B4-BE49-F238E27FC236}">
+                <a16:creationId xmlns:a16="http://schemas.microsoft.com/office/drawing/2014/main" id="{05B671B2-2757-F1AE-182F-FF975427E136}"/>
+              </a:ext>
+            </a:extLst>
+          </p:cNvPr>
+          <p:cNvSpPr/>
+          <p:nvPr/>
+        </p:nvSpPr>
+        <p:spPr>
+          <a:xfrm>
+            <a:off x="6503437" y="6120881"/>
+            <a:ext cx="4404049" cy="634481"/>
+          </a:xfrm>
+          <a:prstGeom prst="rect">
+            <a:avLst/>
+          </a:prstGeom>
+        </p:spPr>
+        <p:style>
+          <a:lnRef idx="2">
+            <a:schemeClr val="accent1">
+              <a:shade val="50000"/>
+            </a:schemeClr>
+          </a:lnRef>
+          <a:fillRef idx="1">
+            <a:schemeClr val="accent1"/>
+          </a:fillRef>
+          <a:effectRef idx="0">
+            <a:schemeClr val="accent1"/>
+          </a:effectRef>
+          <a:fontRef idx="minor">
+            <a:schemeClr val="lt1"/>
+          </a:fontRef>
+        </p:style>
+        <p:txBody>
+          <a:bodyPr rtlCol="0" anchor="ctr"/>
+          <a:lstStyle/>
+          <a:p>
+            <a:pPr algn="ctr"/>
+            <a:r>
+              <a:rPr lang="en-IN" b="1" dirty="0"/>
+              <a:t>Operating System Windows / Linux / Unix</a:t>
+            </a:r>
+            <a:endParaRPr lang="en-US" b="1" dirty="0"/>
+          </a:p>
+        </p:txBody>
+      </p:sp>
+      <p:sp>
+        <p:nvSpPr>
+          <p:cNvPr id="3" name="Rectangle 2">
+            <a:extLst>
+              <a:ext uri="{FF2B5EF4-FFF2-40B4-BE49-F238E27FC236}">
+                <a16:creationId xmlns:a16="http://schemas.microsoft.com/office/drawing/2014/main" id="{3D497FE4-BCEB-B830-5CCA-B7233E852D73}"/>
+              </a:ext>
+            </a:extLst>
+          </p:cNvPr>
+          <p:cNvSpPr/>
+          <p:nvPr/>
+        </p:nvSpPr>
+        <p:spPr>
+          <a:xfrm>
+            <a:off x="6096000" y="270588"/>
+            <a:ext cx="5119396" cy="5747657"/>
+          </a:xfrm>
+          <a:prstGeom prst="rect">
+            <a:avLst/>
+          </a:prstGeom>
+        </p:spPr>
+        <p:style>
+          <a:lnRef idx="2">
+            <a:schemeClr val="accent3">
+              <a:shade val="50000"/>
+            </a:schemeClr>
+          </a:lnRef>
+          <a:fillRef idx="1">
+            <a:schemeClr val="accent3"/>
+          </a:fillRef>
+          <a:effectRef idx="0">
+            <a:schemeClr val="accent3"/>
+          </a:effectRef>
+          <a:fontRef idx="minor">
+            <a:schemeClr val="lt1"/>
+          </a:fontRef>
+        </p:style>
+        <p:txBody>
+          <a:bodyPr rtlCol="0" anchor="ctr"/>
+          <a:lstStyle/>
+          <a:p>
+            <a:pPr algn="ctr"/>
+            <a:endParaRPr lang="en-US"/>
+          </a:p>
+        </p:txBody>
+      </p:sp>
+      <p:sp>
+        <p:nvSpPr>
+          <p:cNvPr id="4" name="TextBox 3">
+            <a:extLst>
+              <a:ext uri="{FF2B5EF4-FFF2-40B4-BE49-F238E27FC236}">
+                <a16:creationId xmlns:a16="http://schemas.microsoft.com/office/drawing/2014/main" id="{02F714E0-2B59-9BBD-0EBF-C3696AA56321}"/>
+              </a:ext>
+            </a:extLst>
+          </p:cNvPr>
+          <p:cNvSpPr txBox="1"/>
+          <p:nvPr/>
+        </p:nvSpPr>
+        <p:spPr>
+          <a:xfrm>
+            <a:off x="6335486" y="438539"/>
+            <a:ext cx="4572000" cy="369332"/>
+          </a:xfrm>
+          <a:prstGeom prst="rect">
+            <a:avLst/>
+          </a:prstGeom>
+          <a:noFill/>
+        </p:spPr>
+        <p:txBody>
+          <a:bodyPr wrap="square" rtlCol="0">
+            <a:spAutoFit/>
+          </a:bodyPr>
+          <a:lstStyle/>
+          <a:p>
+            <a:pPr algn="ctr"/>
+            <a:r>
+              <a:rPr lang="en-IN" b="1" dirty="0"/>
+              <a:t>Web Server</a:t>
+            </a:r>
+            <a:endParaRPr lang="en-US" b="1" dirty="0"/>
+          </a:p>
+        </p:txBody>
+      </p:sp>
+      <p:sp>
+        <p:nvSpPr>
+          <p:cNvPr id="5" name="Rectangle 4">
+            <a:extLst>
+              <a:ext uri="{FF2B5EF4-FFF2-40B4-BE49-F238E27FC236}">
+                <a16:creationId xmlns:a16="http://schemas.microsoft.com/office/drawing/2014/main" id="{FDCCC47C-87B2-723F-26E1-4EFC4F5766A9}"/>
+              </a:ext>
+            </a:extLst>
+          </p:cNvPr>
+          <p:cNvSpPr/>
+          <p:nvPr/>
+        </p:nvSpPr>
+        <p:spPr>
+          <a:xfrm>
+            <a:off x="6096000" y="989045"/>
+            <a:ext cx="5119396" cy="694358"/>
+          </a:xfrm>
+          <a:prstGeom prst="rect">
+            <a:avLst/>
+          </a:prstGeom>
+        </p:spPr>
+        <p:style>
+          <a:lnRef idx="2">
+            <a:schemeClr val="accent1">
+              <a:shade val="50000"/>
+            </a:schemeClr>
+          </a:lnRef>
+          <a:fillRef idx="1">
+            <a:schemeClr val="accent1"/>
+          </a:fillRef>
+          <a:effectRef idx="0">
+            <a:schemeClr val="accent1"/>
+          </a:effectRef>
+          <a:fontRef idx="minor">
+            <a:schemeClr val="lt1"/>
+          </a:fontRef>
+        </p:style>
+        <p:txBody>
+          <a:bodyPr rtlCol="0" anchor="ctr"/>
+          <a:lstStyle/>
+          <a:p>
+            <a:pPr algn="ctr"/>
+            <a:r>
+              <a:rPr lang="en-IN" b="1" dirty="0"/>
+              <a:t>Interface to Accept HTTP Requests aka Interceptor</a:t>
+            </a:r>
+            <a:endParaRPr lang="en-US" b="1" dirty="0"/>
+          </a:p>
+        </p:txBody>
+      </p:sp>
+      <p:sp>
+        <p:nvSpPr>
+          <p:cNvPr id="6" name="Arrow: Right 5">
+            <a:extLst>
+              <a:ext uri="{FF2B5EF4-FFF2-40B4-BE49-F238E27FC236}">
+                <a16:creationId xmlns:a16="http://schemas.microsoft.com/office/drawing/2014/main" id="{BEC81598-7584-D21F-9357-56F67A78A2B4}"/>
+              </a:ext>
+            </a:extLst>
+          </p:cNvPr>
+          <p:cNvSpPr/>
+          <p:nvPr/>
+        </p:nvSpPr>
+        <p:spPr>
+          <a:xfrm>
+            <a:off x="205273" y="727788"/>
+            <a:ext cx="5890727" cy="755779"/>
+          </a:xfrm>
+          <a:prstGeom prst="rightArrow">
+            <a:avLst/>
+          </a:prstGeom>
+        </p:spPr>
+        <p:style>
+          <a:lnRef idx="2">
+            <a:schemeClr val="accent1">
+              <a:shade val="50000"/>
+            </a:schemeClr>
+          </a:lnRef>
+          <a:fillRef idx="1">
+            <a:schemeClr val="accent1"/>
+          </a:fillRef>
+          <a:effectRef idx="0">
+            <a:schemeClr val="accent1"/>
+          </a:effectRef>
+          <a:fontRef idx="minor">
+            <a:schemeClr val="lt1"/>
+          </a:fontRef>
+        </p:style>
+        <p:txBody>
+          <a:bodyPr rtlCol="0" anchor="ctr"/>
+          <a:lstStyle/>
+          <a:p>
+            <a:pPr algn="ctr"/>
+            <a:r>
+              <a:rPr lang="en-IN" b="1" dirty="0"/>
+              <a:t>HTTP Request</a:t>
+            </a:r>
+            <a:endParaRPr lang="en-US" b="1" dirty="0"/>
+          </a:p>
+        </p:txBody>
+      </p:sp>
+      <p:sp>
+        <p:nvSpPr>
+          <p:cNvPr id="7" name="Rectangle 6">
+            <a:extLst>
+              <a:ext uri="{FF2B5EF4-FFF2-40B4-BE49-F238E27FC236}">
+                <a16:creationId xmlns:a16="http://schemas.microsoft.com/office/drawing/2014/main" id="{730DE612-1F01-FE4C-2A0F-7A686D151377}"/>
+              </a:ext>
+            </a:extLst>
+          </p:cNvPr>
+          <p:cNvSpPr/>
+          <p:nvPr/>
+        </p:nvSpPr>
+        <p:spPr>
+          <a:xfrm>
+            <a:off x="6096000" y="2071396"/>
+            <a:ext cx="5119396" cy="1716833"/>
+          </a:xfrm>
+          <a:prstGeom prst="rect">
+            <a:avLst/>
+          </a:prstGeom>
+          <a:solidFill>
+            <a:srgbClr val="FFFF00"/>
+          </a:solidFill>
+        </p:spPr>
+        <p:style>
+          <a:lnRef idx="2">
+            <a:schemeClr val="accent1">
+              <a:shade val="50000"/>
+            </a:schemeClr>
+          </a:lnRef>
+          <a:fillRef idx="1">
+            <a:schemeClr val="accent1"/>
+          </a:fillRef>
+          <a:effectRef idx="0">
+            <a:schemeClr val="accent1"/>
+          </a:effectRef>
+          <a:fontRef idx="minor">
+            <a:schemeClr val="lt1"/>
+          </a:fontRef>
+        </p:style>
+        <p:txBody>
+          <a:bodyPr rtlCol="0" anchor="ctr"/>
+          <a:lstStyle/>
+          <a:p>
+            <a:pPr algn="ctr"/>
+            <a:r>
+              <a:rPr lang="en-IN" b="1" dirty="0">
+                <a:solidFill>
+                  <a:schemeClr val="tx1">
+                    <a:lumMod val="95000"/>
+                    <a:lumOff val="5000"/>
+                  </a:schemeClr>
+                </a:solidFill>
+              </a:rPr>
+              <a:t>Web Application</a:t>
+            </a:r>
+          </a:p>
+          <a:p>
+            <a:pPr algn="ctr"/>
+            <a:r>
+              <a:rPr lang="en-IN" b="1" dirty="0">
+                <a:solidFill>
+                  <a:schemeClr val="tx1">
+                    <a:lumMod val="95000"/>
+                    <a:lumOff val="5000"/>
+                  </a:schemeClr>
+                </a:solidFill>
+              </a:rPr>
+              <a:t>Static Web Pages e.g. HTML + JAVASCRIPT + CSS </a:t>
+            </a:r>
+          </a:p>
+          <a:p>
+            <a:pPr algn="ctr"/>
+            <a:r>
+              <a:rPr lang="en-IN" b="1" dirty="0">
+                <a:solidFill>
+                  <a:schemeClr val="tx1">
+                    <a:lumMod val="95000"/>
+                    <a:lumOff val="5000"/>
+                  </a:schemeClr>
+                </a:solidFill>
+              </a:rPr>
+              <a:t>and</a:t>
+            </a:r>
+          </a:p>
+          <a:p>
+            <a:pPr algn="ctr"/>
+            <a:r>
+              <a:rPr lang="en-IN" b="1" dirty="0">
+                <a:solidFill>
+                  <a:schemeClr val="tx1">
+                    <a:lumMod val="95000"/>
+                    <a:lumOff val="5000"/>
+                  </a:schemeClr>
+                </a:solidFill>
+              </a:rPr>
+              <a:t>Server-Side Web Application Framework Logic</a:t>
+            </a:r>
+          </a:p>
+          <a:p>
+            <a:pPr algn="ctr"/>
+            <a:r>
+              <a:rPr lang="en-IN" b="1" dirty="0">
+                <a:solidFill>
+                  <a:schemeClr val="tx1">
+                    <a:lumMod val="95000"/>
+                    <a:lumOff val="5000"/>
+                  </a:schemeClr>
+                </a:solidFill>
+              </a:rPr>
+              <a:t>ASP.NET, JAVA + JSP, PHP, Node + Express + HTML</a:t>
+            </a:r>
+            <a:endParaRPr lang="en-US" b="1" dirty="0">
+              <a:solidFill>
+                <a:schemeClr val="tx1">
+                  <a:lumMod val="95000"/>
+                  <a:lumOff val="5000"/>
+                </a:schemeClr>
+              </a:solidFill>
+            </a:endParaRPr>
+          </a:p>
+        </p:txBody>
+      </p:sp>
+      <p:sp>
+        <p:nvSpPr>
+          <p:cNvPr id="8" name="Rectangle 7">
+            <a:extLst>
+              <a:ext uri="{FF2B5EF4-FFF2-40B4-BE49-F238E27FC236}">
+                <a16:creationId xmlns:a16="http://schemas.microsoft.com/office/drawing/2014/main" id="{B6FC10AE-2E54-1CEF-8405-32010DC35794}"/>
+              </a:ext>
+            </a:extLst>
+          </p:cNvPr>
+          <p:cNvSpPr/>
+          <p:nvPr/>
+        </p:nvSpPr>
+        <p:spPr>
+          <a:xfrm>
+            <a:off x="6096000" y="4236098"/>
+            <a:ext cx="5119396" cy="1054359"/>
+          </a:xfrm>
+          <a:prstGeom prst="rect">
+            <a:avLst/>
+          </a:prstGeom>
+          <a:solidFill>
+            <a:srgbClr val="002060"/>
+          </a:solidFill>
+        </p:spPr>
+        <p:style>
+          <a:lnRef idx="2">
+            <a:schemeClr val="accent1">
+              <a:shade val="50000"/>
+            </a:schemeClr>
+          </a:lnRef>
+          <a:fillRef idx="1">
+            <a:schemeClr val="accent1"/>
+          </a:fillRef>
+          <a:effectRef idx="0">
+            <a:schemeClr val="accent1"/>
+          </a:effectRef>
+          <a:fontRef idx="minor">
+            <a:schemeClr val="lt1"/>
+          </a:fontRef>
+        </p:style>
+        <p:txBody>
+          <a:bodyPr rtlCol="0" anchor="ctr"/>
+          <a:lstStyle/>
+          <a:p>
+            <a:pPr algn="ctr"/>
+            <a:r>
+              <a:rPr lang="en-IN" b="1" dirty="0"/>
+              <a:t>Web Application Framework Runtime</a:t>
+            </a:r>
+          </a:p>
+          <a:p>
+            <a:pPr algn="ctr"/>
+            <a:r>
+              <a:rPr lang="en-IN" b="1" dirty="0"/>
+              <a:t>.NET , JVM, Node.js Runtime, etc.</a:t>
+            </a:r>
+            <a:endParaRPr lang="en-US" b="1" dirty="0"/>
+          </a:p>
+        </p:txBody>
+      </p:sp>
+      <p:sp>
+        <p:nvSpPr>
+          <p:cNvPr id="9" name="Arrow: Down 8">
+            <a:extLst>
+              <a:ext uri="{FF2B5EF4-FFF2-40B4-BE49-F238E27FC236}">
+                <a16:creationId xmlns:a16="http://schemas.microsoft.com/office/drawing/2014/main" id="{0C7F97ED-74A1-383C-BB82-28F6EB27D3BF}"/>
+              </a:ext>
+            </a:extLst>
+          </p:cNvPr>
+          <p:cNvSpPr/>
+          <p:nvPr/>
+        </p:nvSpPr>
+        <p:spPr>
+          <a:xfrm>
+            <a:off x="10263673" y="1664741"/>
+            <a:ext cx="391886" cy="406655"/>
+          </a:xfrm>
+          <a:prstGeom prst="downArrow">
+            <a:avLst/>
+          </a:prstGeom>
+          <a:solidFill>
+            <a:schemeClr val="accent2">
+              <a:lumMod val="75000"/>
+            </a:schemeClr>
+          </a:solidFill>
+        </p:spPr>
+        <p:style>
+          <a:lnRef idx="2">
+            <a:schemeClr val="accent1">
+              <a:shade val="50000"/>
+            </a:schemeClr>
+          </a:lnRef>
+          <a:fillRef idx="1">
+            <a:schemeClr val="accent1"/>
+          </a:fillRef>
+          <a:effectRef idx="0">
+            <a:schemeClr val="accent1"/>
+          </a:effectRef>
+          <a:fontRef idx="minor">
+            <a:schemeClr val="lt1"/>
+          </a:fontRef>
+        </p:style>
+        <p:txBody>
+          <a:bodyPr rtlCol="0" anchor="ctr"/>
+          <a:lstStyle/>
+          <a:p>
+            <a:pPr algn="ctr"/>
+            <a:endParaRPr lang="en-US"/>
+          </a:p>
+        </p:txBody>
+      </p:sp>
+      <p:sp>
+        <p:nvSpPr>
+          <p:cNvPr id="10" name="Arrow: Down 9">
+            <a:extLst>
+              <a:ext uri="{FF2B5EF4-FFF2-40B4-BE49-F238E27FC236}">
+                <a16:creationId xmlns:a16="http://schemas.microsoft.com/office/drawing/2014/main" id="{23503285-4743-30A3-0646-6A4A2801DC2A}"/>
+              </a:ext>
+            </a:extLst>
+          </p:cNvPr>
+          <p:cNvSpPr/>
+          <p:nvPr/>
+        </p:nvSpPr>
+        <p:spPr>
+          <a:xfrm>
+            <a:off x="10263673" y="3788229"/>
+            <a:ext cx="391886" cy="406655"/>
+          </a:xfrm>
+          <a:prstGeom prst="downArrow">
+            <a:avLst/>
+          </a:prstGeom>
+          <a:solidFill>
+            <a:schemeClr val="accent2">
+              <a:lumMod val="75000"/>
+            </a:schemeClr>
+          </a:solidFill>
+        </p:spPr>
+        <p:style>
+          <a:lnRef idx="2">
+            <a:schemeClr val="accent1">
+              <a:shade val="50000"/>
+            </a:schemeClr>
+          </a:lnRef>
+          <a:fillRef idx="1">
+            <a:schemeClr val="accent1"/>
+          </a:fillRef>
+          <a:effectRef idx="0">
+            <a:schemeClr val="accent1"/>
+          </a:effectRef>
+          <a:fontRef idx="minor">
+            <a:schemeClr val="lt1"/>
+          </a:fontRef>
+        </p:style>
+        <p:txBody>
+          <a:bodyPr rtlCol="0" anchor="ctr"/>
+          <a:lstStyle/>
+          <a:p>
+            <a:pPr algn="ctr"/>
+            <a:endParaRPr lang="en-US"/>
+          </a:p>
+        </p:txBody>
+      </p:sp>
+      <p:sp>
+        <p:nvSpPr>
+          <p:cNvPr id="11" name="Arrow: Down 10">
+            <a:extLst>
+              <a:ext uri="{FF2B5EF4-FFF2-40B4-BE49-F238E27FC236}">
+                <a16:creationId xmlns:a16="http://schemas.microsoft.com/office/drawing/2014/main" id="{9F573862-DF72-46A9-880A-417AE70AE88E}"/>
+              </a:ext>
+            </a:extLst>
+          </p:cNvPr>
+          <p:cNvSpPr/>
+          <p:nvPr/>
+        </p:nvSpPr>
+        <p:spPr>
+          <a:xfrm rot="10800000">
+            <a:off x="6926424" y="3788228"/>
+            <a:ext cx="391886" cy="406655"/>
+          </a:xfrm>
+          <a:prstGeom prst="downArrow">
+            <a:avLst/>
+          </a:prstGeom>
+          <a:solidFill>
+            <a:schemeClr val="accent2">
+              <a:lumMod val="75000"/>
+            </a:schemeClr>
+          </a:solidFill>
+        </p:spPr>
+        <p:style>
+          <a:lnRef idx="2">
+            <a:schemeClr val="accent1">
+              <a:shade val="50000"/>
+            </a:schemeClr>
+          </a:lnRef>
+          <a:fillRef idx="1">
+            <a:schemeClr val="accent1"/>
+          </a:fillRef>
+          <a:effectRef idx="0">
+            <a:schemeClr val="accent1"/>
+          </a:effectRef>
+          <a:fontRef idx="minor">
+            <a:schemeClr val="lt1"/>
+          </a:fontRef>
+        </p:style>
+        <p:txBody>
+          <a:bodyPr rtlCol="0" anchor="ctr"/>
+          <a:lstStyle/>
+          <a:p>
+            <a:pPr algn="ctr"/>
+            <a:endParaRPr lang="en-US"/>
+          </a:p>
+        </p:txBody>
+      </p:sp>
+      <p:sp>
+        <p:nvSpPr>
+          <p:cNvPr id="12" name="Arrow: Down 11">
+            <a:extLst>
+              <a:ext uri="{FF2B5EF4-FFF2-40B4-BE49-F238E27FC236}">
+                <a16:creationId xmlns:a16="http://schemas.microsoft.com/office/drawing/2014/main" id="{9306951F-970C-3E4B-EE6D-205247E69E65}"/>
+              </a:ext>
+            </a:extLst>
+          </p:cNvPr>
+          <p:cNvSpPr/>
+          <p:nvPr/>
+        </p:nvSpPr>
+        <p:spPr>
+          <a:xfrm rot="10800000">
+            <a:off x="6926424" y="1623527"/>
+            <a:ext cx="391886" cy="406655"/>
+          </a:xfrm>
+          <a:prstGeom prst="downArrow">
+            <a:avLst/>
+          </a:prstGeom>
+          <a:solidFill>
+            <a:schemeClr val="accent2">
+              <a:lumMod val="75000"/>
+            </a:schemeClr>
+          </a:solidFill>
+        </p:spPr>
+        <p:style>
+          <a:lnRef idx="2">
+            <a:schemeClr val="accent1">
+              <a:shade val="50000"/>
+            </a:schemeClr>
+          </a:lnRef>
+          <a:fillRef idx="1">
+            <a:schemeClr val="accent1"/>
+          </a:fillRef>
+          <a:effectRef idx="0">
+            <a:schemeClr val="accent1"/>
+          </a:effectRef>
+          <a:fontRef idx="minor">
+            <a:schemeClr val="lt1"/>
+          </a:fontRef>
+        </p:style>
+        <p:txBody>
+          <a:bodyPr rtlCol="0" anchor="ctr"/>
+          <a:lstStyle/>
+          <a:p>
+            <a:pPr algn="ctr"/>
+            <a:endParaRPr lang="en-US"/>
+          </a:p>
+        </p:txBody>
+      </p:sp>
+      <p:sp>
+        <p:nvSpPr>
+          <p:cNvPr id="13" name="Arrow: Left 12">
+            <a:extLst>
+              <a:ext uri="{FF2B5EF4-FFF2-40B4-BE49-F238E27FC236}">
+                <a16:creationId xmlns:a16="http://schemas.microsoft.com/office/drawing/2014/main" id="{4B217E01-D14D-503E-CB07-B39C1F79ABBF}"/>
+              </a:ext>
+            </a:extLst>
+          </p:cNvPr>
+          <p:cNvSpPr/>
+          <p:nvPr/>
+        </p:nvSpPr>
+        <p:spPr>
+          <a:xfrm>
+            <a:off x="298580" y="1683403"/>
+            <a:ext cx="5797420" cy="755779"/>
+          </a:xfrm>
+          <a:prstGeom prst="leftArrow">
+            <a:avLst/>
+          </a:prstGeom>
+        </p:spPr>
+        <p:style>
+          <a:lnRef idx="2">
+            <a:schemeClr val="accent1">
+              <a:shade val="50000"/>
+            </a:schemeClr>
+          </a:lnRef>
+          <a:fillRef idx="1">
+            <a:schemeClr val="accent1"/>
+          </a:fillRef>
+          <a:effectRef idx="0">
+            <a:schemeClr val="accent1"/>
+          </a:effectRef>
+          <a:fontRef idx="minor">
+            <a:schemeClr val="lt1"/>
+          </a:fontRef>
+        </p:style>
+        <p:txBody>
+          <a:bodyPr rtlCol="0" anchor="ctr"/>
+          <a:lstStyle/>
+          <a:p>
+            <a:pPr algn="ctr"/>
+            <a:r>
+              <a:rPr lang="en-IN" b="1" dirty="0"/>
+              <a:t>HTTP Response with HTML UI</a:t>
+            </a:r>
+            <a:endParaRPr lang="en-US" b="1" dirty="0"/>
+          </a:p>
+        </p:txBody>
+      </p:sp>
+      <p:sp>
+        <p:nvSpPr>
+          <p:cNvPr id="14" name="TextBox 13">
+            <a:extLst>
+              <a:ext uri="{FF2B5EF4-FFF2-40B4-BE49-F238E27FC236}">
+                <a16:creationId xmlns:a16="http://schemas.microsoft.com/office/drawing/2014/main" id="{58988C4A-00C3-DC71-3580-E51A0EC2B644}"/>
+              </a:ext>
+            </a:extLst>
+          </p:cNvPr>
+          <p:cNvSpPr txBox="1"/>
+          <p:nvPr/>
+        </p:nvSpPr>
+        <p:spPr>
+          <a:xfrm>
+            <a:off x="561393" y="2729203"/>
+            <a:ext cx="5119396" cy="2031325"/>
+          </a:xfrm>
+          <a:prstGeom prst="rect">
+            <a:avLst/>
+          </a:prstGeom>
+          <a:noFill/>
+        </p:spPr>
+        <p:txBody>
+          <a:bodyPr wrap="square" rtlCol="0">
+            <a:spAutoFit/>
+          </a:bodyPr>
+          <a:lstStyle/>
+          <a:p>
+            <a:r>
+              <a:rPr lang="en-IN" b="1" dirty="0"/>
+              <a:t>Web Servers</a:t>
+            </a:r>
+          </a:p>
+          <a:p>
+            <a:endParaRPr lang="en-IN" b="1" dirty="0"/>
+          </a:p>
+          <a:p>
+            <a:r>
+              <a:rPr lang="en-IN" b="1" dirty="0">
+                <a:solidFill>
+                  <a:srgbClr val="FF0000"/>
+                </a:solidFill>
+              </a:rPr>
+              <a:t>IIS: By Microsoft</a:t>
+            </a:r>
+          </a:p>
+          <a:p>
+            <a:endParaRPr lang="en-IN" b="1" dirty="0"/>
+          </a:p>
+          <a:p>
+            <a:r>
+              <a:rPr lang="en-IN" b="1" dirty="0"/>
+              <a:t>Apache : Open Source</a:t>
+            </a:r>
+          </a:p>
+          <a:p>
+            <a:endParaRPr lang="en-US" b="1" dirty="0"/>
+          </a:p>
+          <a:p>
+            <a:r>
+              <a:rPr lang="en-US" b="1" dirty="0"/>
+              <a:t>Nginx : Open Source</a:t>
+            </a:r>
+          </a:p>
+        </p:txBody>
+      </p:sp>
+      <p:sp>
+        <p:nvSpPr>
+          <p:cNvPr id="15" name="Right Brace 14">
+            <a:extLst>
+              <a:ext uri="{FF2B5EF4-FFF2-40B4-BE49-F238E27FC236}">
+                <a16:creationId xmlns:a16="http://schemas.microsoft.com/office/drawing/2014/main" id="{E9BC5225-6C45-0277-4023-1F6435BDFDA6}"/>
+              </a:ext>
+            </a:extLst>
+          </p:cNvPr>
+          <p:cNvSpPr/>
+          <p:nvPr/>
+        </p:nvSpPr>
+        <p:spPr>
+          <a:xfrm>
+            <a:off x="3029339" y="2729203"/>
+            <a:ext cx="335902" cy="2031325"/>
+          </a:xfrm>
+          <a:prstGeom prst="rightBrace">
+            <a:avLst/>
+          </a:prstGeom>
+          <a:ln w="76200"/>
+        </p:spPr>
+        <p:style>
+          <a:lnRef idx="1">
+            <a:schemeClr val="accent1"/>
+          </a:lnRef>
+          <a:fillRef idx="0">
+            <a:schemeClr val="accent1"/>
+          </a:fillRef>
+          <a:effectRef idx="0">
+            <a:schemeClr val="accent1"/>
+          </a:effectRef>
+          <a:fontRef idx="minor">
+            <a:schemeClr val="tx1"/>
+          </a:fontRef>
+        </p:style>
+        <p:txBody>
+          <a:bodyPr rtlCol="0" anchor="ctr"/>
+          <a:lstStyle/>
+          <a:p>
+            <a:pPr algn="ctr"/>
+            <a:endParaRPr lang="en-US"/>
+          </a:p>
+        </p:txBody>
+      </p:sp>
+      <p:cxnSp>
+        <p:nvCxnSpPr>
+          <p:cNvPr id="17" name="Connector: Elbow 16">
+            <a:extLst>
+              <a:ext uri="{FF2B5EF4-FFF2-40B4-BE49-F238E27FC236}">
+                <a16:creationId xmlns:a16="http://schemas.microsoft.com/office/drawing/2014/main" id="{1119197E-9F68-9223-7C4A-FD6943A45831}"/>
+              </a:ext>
+            </a:extLst>
+          </p:cNvPr>
+          <p:cNvCxnSpPr>
+            <a:cxnSpLocks/>
+            <a:stCxn id="15" idx="1"/>
+            <a:endCxn id="7" idx="1"/>
+          </p:cNvCxnSpPr>
+          <p:nvPr/>
+        </p:nvCxnSpPr>
+        <p:spPr>
+          <a:xfrm rot="10800000" flipH="1">
+            <a:off x="3365240" y="2929814"/>
+            <a:ext cx="2730759" cy="815053"/>
+          </a:xfrm>
+          <a:prstGeom prst="bentConnector5">
+            <a:avLst>
+              <a:gd name="adj1" fmla="val -8371"/>
+              <a:gd name="adj2" fmla="val 152660"/>
+              <a:gd name="adj3" fmla="val 62301"/>
+            </a:avLst>
+          </a:prstGeom>
+          <a:ln>
+            <a:tailEnd type="triangle"/>
+          </a:ln>
+        </p:spPr>
+        <p:style>
+          <a:lnRef idx="1">
+            <a:schemeClr val="accent1"/>
+          </a:lnRef>
+          <a:fillRef idx="0">
+            <a:schemeClr val="accent1"/>
+          </a:fillRef>
+          <a:effectRef idx="0">
+            <a:schemeClr val="accent1"/>
+          </a:effectRef>
+          <a:fontRef idx="minor">
+            <a:schemeClr val="tx1"/>
+          </a:fontRef>
+        </p:style>
+      </p:cxnSp>
+      <p:sp>
+        <p:nvSpPr>
+          <p:cNvPr id="19" name="TextBox 18">
+            <a:extLst>
+              <a:ext uri="{FF2B5EF4-FFF2-40B4-BE49-F238E27FC236}">
+                <a16:creationId xmlns:a16="http://schemas.microsoft.com/office/drawing/2014/main" id="{370CA1E0-7C48-73B3-1C4F-6EC9C4B36F1A}"/>
+              </a:ext>
+            </a:extLst>
+          </p:cNvPr>
+          <p:cNvSpPr txBox="1"/>
+          <p:nvPr/>
+        </p:nvSpPr>
+        <p:spPr>
+          <a:xfrm>
+            <a:off x="298580" y="5075853"/>
+            <a:ext cx="5382209" cy="1200329"/>
+          </a:xfrm>
+          <a:prstGeom prst="rect">
+            <a:avLst/>
+          </a:prstGeom>
+          <a:noFill/>
+        </p:spPr>
+        <p:txBody>
+          <a:bodyPr wrap="square" rtlCol="0">
+            <a:spAutoFit/>
+          </a:bodyPr>
+          <a:lstStyle/>
+          <a:p>
+            <a:r>
+              <a:rPr lang="en-IN" dirty="0"/>
+              <a:t>Windows Server OS: 2000/2003/2008/2012/2016/2019</a:t>
+            </a:r>
+          </a:p>
+          <a:p>
+            <a:endParaRPr lang="en-IN" dirty="0"/>
+          </a:p>
+          <a:p>
+            <a:r>
+              <a:rPr lang="en-IN" dirty="0"/>
+              <a:t>Desktop OS” Windows XP/ Window Vista / 7 / 8 / 10 / 11</a:t>
+            </a:r>
+            <a:endParaRPr lang="en-US" dirty="0"/>
+          </a:p>
+        </p:txBody>
+      </p:sp>
+      <p:cxnSp>
+        <p:nvCxnSpPr>
+          <p:cNvPr id="21" name="Connector: Elbow 20">
+            <a:extLst>
+              <a:ext uri="{FF2B5EF4-FFF2-40B4-BE49-F238E27FC236}">
+                <a16:creationId xmlns:a16="http://schemas.microsoft.com/office/drawing/2014/main" id="{21EA58B8-99CE-FC7C-6447-36DE569A55C1}"/>
+              </a:ext>
+            </a:extLst>
+          </p:cNvPr>
+          <p:cNvCxnSpPr>
+            <a:endCxn id="19" idx="1"/>
+          </p:cNvCxnSpPr>
+          <p:nvPr/>
+        </p:nvCxnSpPr>
+        <p:spPr>
+          <a:xfrm rot="5400000">
+            <a:off x="-612657" y="4428878"/>
+            <a:ext cx="2158377" cy="335902"/>
+          </a:xfrm>
+          <a:prstGeom prst="bentConnector4">
+            <a:avLst>
+              <a:gd name="adj1" fmla="val 36097"/>
+              <a:gd name="adj2" fmla="val 168056"/>
+            </a:avLst>
+          </a:prstGeom>
+          <a:ln w="57150">
+            <a:tailEnd type="triangle"/>
+          </a:ln>
+        </p:spPr>
+        <p:style>
+          <a:lnRef idx="1">
+            <a:schemeClr val="accent1"/>
+          </a:lnRef>
+          <a:fillRef idx="0">
+            <a:schemeClr val="accent1"/>
+          </a:fillRef>
+          <a:effectRef idx="0">
+            <a:schemeClr val="accent1"/>
+          </a:effectRef>
+          <a:fontRef idx="minor">
+            <a:schemeClr val="tx1"/>
+          </a:fontRef>
+        </p:style>
+      </p:cxnSp>
+    </p:spTree>
+    <p:extLst>
+      <p:ext uri="{BB962C8B-B14F-4D97-AF65-F5344CB8AC3E}">
+        <p14:creationId xmlns:p14="http://schemas.microsoft.com/office/powerpoint/2010/main" val="3718677809"/>
+      </p:ext>
+    </p:extLst>
+  </p:cSld>
+  <p:clrMapOvr>
+    <a:masterClrMapping/>
+  </p:clrMapOvr>
+</p:sld>
+</file>
+
+<file path=ppt/slides/slide25.xml><?xml version="1.0" encoding="utf-8"?>
+<p:sld xmlns:a="http://schemas.openxmlformats.org/drawingml/2006/main" xmlns:r="http://schemas.openxmlformats.org/officeDocument/2006/relationships" xmlns:p="http://schemas.openxmlformats.org/presentationml/2006/main">
+  <p:cSld>
+    <p:spTree>
+      <p:nvGrpSpPr>
+        <p:cNvPr id="1" name=""/>
+        <p:cNvGrpSpPr/>
+        <p:nvPr/>
+      </p:nvGrpSpPr>
+      <p:grpSpPr>
+        <a:xfrm>
+          <a:off x="0" y="0"/>
+          <a:ext cx="0" cy="0"/>
+          <a:chOff x="0" y="0"/>
+          <a:chExt cx="0" cy="0"/>
+        </a:xfrm>
+      </p:grpSpPr>
+      <p:sp>
+        <p:nvSpPr>
+          <p:cNvPr id="2" name="Rectangle 1">
+            <a:extLst>
+              <a:ext uri="{FF2B5EF4-FFF2-40B4-BE49-F238E27FC236}">
+                <a16:creationId xmlns:a16="http://schemas.microsoft.com/office/drawing/2014/main" id="{9E17CCC7-5940-756B-A204-CC0A4D83E545}"/>
+              </a:ext>
+            </a:extLst>
+          </p:cNvPr>
+          <p:cNvSpPr/>
+          <p:nvPr/>
+        </p:nvSpPr>
+        <p:spPr>
+          <a:xfrm>
+            <a:off x="2603242" y="6064898"/>
+            <a:ext cx="9116008" cy="681135"/>
+          </a:xfrm>
+          <a:prstGeom prst="rect">
+            <a:avLst/>
+          </a:prstGeom>
+        </p:spPr>
+        <p:style>
+          <a:lnRef idx="2">
+            <a:schemeClr val="accent1">
+              <a:shade val="50000"/>
+            </a:schemeClr>
+          </a:lnRef>
+          <a:fillRef idx="1">
+            <a:schemeClr val="accent1"/>
+          </a:fillRef>
+          <a:effectRef idx="0">
+            <a:schemeClr val="accent1"/>
+          </a:effectRef>
+          <a:fontRef idx="minor">
+            <a:schemeClr val="lt1"/>
+          </a:fontRef>
+        </p:style>
+        <p:txBody>
+          <a:bodyPr rtlCol="0" anchor="ctr"/>
+          <a:lstStyle/>
+          <a:p>
+            <a:pPr algn="ctr"/>
+            <a:r>
+              <a:rPr lang="en-IN" b="1" dirty="0"/>
+              <a:t>Windows NT Based OS</a:t>
+            </a:r>
+            <a:endParaRPr lang="en-US" b="1" dirty="0"/>
+          </a:p>
+        </p:txBody>
+      </p:sp>
+      <p:sp>
+        <p:nvSpPr>
+          <p:cNvPr id="3" name="Rectangle 2">
+            <a:extLst>
+              <a:ext uri="{FF2B5EF4-FFF2-40B4-BE49-F238E27FC236}">
+                <a16:creationId xmlns:a16="http://schemas.microsoft.com/office/drawing/2014/main" id="{9BAFE3FA-3D6A-46A3-27DF-BB692A8066BB}"/>
+              </a:ext>
+            </a:extLst>
+          </p:cNvPr>
+          <p:cNvSpPr/>
+          <p:nvPr/>
+        </p:nvSpPr>
+        <p:spPr>
+          <a:xfrm>
+            <a:off x="8696131" y="3004458"/>
+            <a:ext cx="2705877" cy="3051110"/>
+          </a:xfrm>
+          <a:prstGeom prst="rect">
+            <a:avLst/>
+          </a:prstGeom>
+        </p:spPr>
+        <p:style>
+          <a:lnRef idx="1">
+            <a:schemeClr val="accent5"/>
+          </a:lnRef>
+          <a:fillRef idx="2">
+            <a:schemeClr val="accent5"/>
+          </a:fillRef>
+          <a:effectRef idx="1">
+            <a:schemeClr val="accent5"/>
+          </a:effectRef>
+          <a:fontRef idx="minor">
+            <a:schemeClr val="dk1"/>
+          </a:fontRef>
+        </p:style>
+        <p:txBody>
+          <a:bodyPr rtlCol="0" anchor="ctr"/>
+          <a:lstStyle/>
+          <a:p>
+            <a:pPr algn="ctr"/>
+            <a:endParaRPr lang="en-US" b="1" dirty="0"/>
+          </a:p>
+        </p:txBody>
+      </p:sp>
+      <p:sp>
+        <p:nvSpPr>
+          <p:cNvPr id="4" name="TextBox 3">
+            <a:extLst>
+              <a:ext uri="{FF2B5EF4-FFF2-40B4-BE49-F238E27FC236}">
+                <a16:creationId xmlns:a16="http://schemas.microsoft.com/office/drawing/2014/main" id="{7861E881-93AA-523B-C72D-E481747E0389}"/>
+              </a:ext>
+            </a:extLst>
+          </p:cNvPr>
+          <p:cNvSpPr txBox="1"/>
+          <p:nvPr/>
+        </p:nvSpPr>
+        <p:spPr>
+          <a:xfrm>
+            <a:off x="8845420" y="3068221"/>
+            <a:ext cx="2407298" cy="369332"/>
+          </a:xfrm>
+          <a:prstGeom prst="rect">
+            <a:avLst/>
+          </a:prstGeom>
+          <a:noFill/>
+        </p:spPr>
+        <p:txBody>
+          <a:bodyPr wrap="square" rtlCol="0">
+            <a:spAutoFit/>
+          </a:bodyPr>
+          <a:lstStyle/>
+          <a:p>
+            <a:pPr algn="ctr"/>
+            <a:r>
+              <a:rPr lang="en-IN" b="1" dirty="0"/>
+              <a:t>.NET Framework</a:t>
+            </a:r>
+            <a:endParaRPr lang="en-US" b="1" dirty="0"/>
+          </a:p>
+        </p:txBody>
+      </p:sp>
+      <p:sp>
+        <p:nvSpPr>
+          <p:cNvPr id="5" name="Rectangle 4">
+            <a:extLst>
+              <a:ext uri="{FF2B5EF4-FFF2-40B4-BE49-F238E27FC236}">
+                <a16:creationId xmlns:a16="http://schemas.microsoft.com/office/drawing/2014/main" id="{F89153DE-042D-98C2-7AED-870F8C41CBAF}"/>
+              </a:ext>
+            </a:extLst>
+          </p:cNvPr>
+          <p:cNvSpPr/>
+          <p:nvPr/>
+        </p:nvSpPr>
+        <p:spPr>
+          <a:xfrm>
+            <a:off x="8845420" y="3501316"/>
+            <a:ext cx="2407298" cy="503853"/>
+          </a:xfrm>
+          <a:prstGeom prst="rect">
+            <a:avLst/>
+          </a:prstGeom>
+        </p:spPr>
+        <p:style>
+          <a:lnRef idx="2">
+            <a:schemeClr val="accent1">
+              <a:shade val="50000"/>
+            </a:schemeClr>
+          </a:lnRef>
+          <a:fillRef idx="1">
+            <a:schemeClr val="accent1"/>
+          </a:fillRef>
+          <a:effectRef idx="0">
+            <a:schemeClr val="accent1"/>
+          </a:effectRef>
+          <a:fontRef idx="minor">
+            <a:schemeClr val="lt1"/>
+          </a:fontRef>
+        </p:style>
+        <p:txBody>
+          <a:bodyPr rtlCol="0" anchor="ctr"/>
+          <a:lstStyle/>
+          <a:p>
+            <a:pPr algn="ctr"/>
+            <a:r>
+              <a:rPr lang="en-IN" b="1" dirty="0"/>
+              <a:t>CLS</a:t>
+            </a:r>
+            <a:endParaRPr lang="en-US" b="1" dirty="0"/>
+          </a:p>
+        </p:txBody>
+      </p:sp>
+      <p:sp>
+        <p:nvSpPr>
+          <p:cNvPr id="6" name="Rectangle 5">
+            <a:extLst>
+              <a:ext uri="{FF2B5EF4-FFF2-40B4-BE49-F238E27FC236}">
+                <a16:creationId xmlns:a16="http://schemas.microsoft.com/office/drawing/2014/main" id="{AE13DFD5-5A3D-15E2-6DAC-A581813AD5DA}"/>
+              </a:ext>
+            </a:extLst>
+          </p:cNvPr>
+          <p:cNvSpPr/>
+          <p:nvPr/>
+        </p:nvSpPr>
+        <p:spPr>
+          <a:xfrm>
+            <a:off x="8845420" y="4055713"/>
+            <a:ext cx="2407298" cy="503853"/>
+          </a:xfrm>
+          <a:prstGeom prst="rect">
+            <a:avLst/>
+          </a:prstGeom>
+        </p:spPr>
+        <p:style>
+          <a:lnRef idx="2">
+            <a:schemeClr val="accent1">
+              <a:shade val="50000"/>
+            </a:schemeClr>
+          </a:lnRef>
+          <a:fillRef idx="1">
+            <a:schemeClr val="accent1"/>
+          </a:fillRef>
+          <a:effectRef idx="0">
+            <a:schemeClr val="accent1"/>
+          </a:effectRef>
+          <a:fontRef idx="minor">
+            <a:schemeClr val="lt1"/>
+          </a:fontRef>
+        </p:style>
+        <p:txBody>
+          <a:bodyPr rtlCol="0" anchor="ctr"/>
+          <a:lstStyle/>
+          <a:p>
+            <a:pPr algn="ctr"/>
+            <a:r>
+              <a:rPr lang="en-IN" b="1" dirty="0"/>
+              <a:t>CTS</a:t>
+            </a:r>
+            <a:endParaRPr lang="en-US" b="1" dirty="0"/>
+          </a:p>
+        </p:txBody>
+      </p:sp>
+      <p:sp>
+        <p:nvSpPr>
+          <p:cNvPr id="7" name="Rectangle 6">
+            <a:extLst>
+              <a:ext uri="{FF2B5EF4-FFF2-40B4-BE49-F238E27FC236}">
+                <a16:creationId xmlns:a16="http://schemas.microsoft.com/office/drawing/2014/main" id="{76483B88-90FB-5CBF-BF4F-21442EC768EE}"/>
+              </a:ext>
+            </a:extLst>
+          </p:cNvPr>
+          <p:cNvSpPr/>
+          <p:nvPr/>
+        </p:nvSpPr>
+        <p:spPr>
+          <a:xfrm>
+            <a:off x="8845420" y="4610110"/>
+            <a:ext cx="2407298" cy="503853"/>
+          </a:xfrm>
+          <a:prstGeom prst="rect">
+            <a:avLst/>
+          </a:prstGeom>
+        </p:spPr>
+        <p:style>
+          <a:lnRef idx="2">
+            <a:schemeClr val="accent1">
+              <a:shade val="50000"/>
+            </a:schemeClr>
+          </a:lnRef>
+          <a:fillRef idx="1">
+            <a:schemeClr val="accent1"/>
+          </a:fillRef>
+          <a:effectRef idx="0">
+            <a:schemeClr val="accent1"/>
+          </a:effectRef>
+          <a:fontRef idx="minor">
+            <a:schemeClr val="lt1"/>
+          </a:fontRef>
+        </p:style>
+        <p:txBody>
+          <a:bodyPr rtlCol="0" anchor="ctr"/>
+          <a:lstStyle/>
+          <a:p>
+            <a:pPr algn="ctr"/>
+            <a:r>
+              <a:rPr lang="en-IN" b="1" dirty="0"/>
+              <a:t>FCL</a:t>
+            </a:r>
+            <a:endParaRPr lang="en-US" b="1" dirty="0"/>
+          </a:p>
+        </p:txBody>
+      </p:sp>
+      <p:sp>
+        <p:nvSpPr>
+          <p:cNvPr id="8" name="Rectangle 7">
+            <a:extLst>
+              <a:ext uri="{FF2B5EF4-FFF2-40B4-BE49-F238E27FC236}">
+                <a16:creationId xmlns:a16="http://schemas.microsoft.com/office/drawing/2014/main" id="{615C580C-6A83-C1EF-C574-84ED36D873ED}"/>
+              </a:ext>
+            </a:extLst>
+          </p:cNvPr>
+          <p:cNvSpPr/>
+          <p:nvPr/>
+        </p:nvSpPr>
+        <p:spPr>
+          <a:xfrm>
+            <a:off x="8845420" y="5164507"/>
+            <a:ext cx="2407298" cy="503853"/>
+          </a:xfrm>
+          <a:prstGeom prst="rect">
+            <a:avLst/>
+          </a:prstGeom>
+        </p:spPr>
+        <p:style>
+          <a:lnRef idx="2">
+            <a:schemeClr val="accent1">
+              <a:shade val="50000"/>
+            </a:schemeClr>
+          </a:lnRef>
+          <a:fillRef idx="1">
+            <a:schemeClr val="accent1"/>
+          </a:fillRef>
+          <a:effectRef idx="0">
+            <a:schemeClr val="accent1"/>
+          </a:effectRef>
+          <a:fontRef idx="minor">
+            <a:schemeClr val="lt1"/>
+          </a:fontRef>
+        </p:style>
+        <p:txBody>
+          <a:bodyPr rtlCol="0" anchor="ctr"/>
+          <a:lstStyle/>
+          <a:p>
+            <a:pPr algn="ctr"/>
+            <a:r>
+              <a:rPr lang="en-IN" b="1" dirty="0"/>
+              <a:t>CLR</a:t>
+            </a:r>
+            <a:endParaRPr lang="en-US" b="1" dirty="0"/>
+          </a:p>
+        </p:txBody>
+      </p:sp>
+      <p:sp>
+        <p:nvSpPr>
+          <p:cNvPr id="9" name="Rectangle 8">
+            <a:extLst>
+              <a:ext uri="{FF2B5EF4-FFF2-40B4-BE49-F238E27FC236}">
+                <a16:creationId xmlns:a16="http://schemas.microsoft.com/office/drawing/2014/main" id="{CB21719B-401F-F6B6-B479-BBB1B83D4F88}"/>
+              </a:ext>
+            </a:extLst>
+          </p:cNvPr>
+          <p:cNvSpPr/>
+          <p:nvPr/>
+        </p:nvSpPr>
+        <p:spPr>
+          <a:xfrm>
+            <a:off x="3125755" y="494522"/>
+            <a:ext cx="5085184" cy="5570376"/>
+          </a:xfrm>
+          <a:prstGeom prst="rect">
+            <a:avLst/>
+          </a:prstGeom>
+          <a:solidFill>
+            <a:srgbClr val="FFFF00"/>
+          </a:solidFill>
+        </p:spPr>
+        <p:style>
+          <a:lnRef idx="2">
+            <a:schemeClr val="accent1">
+              <a:shade val="50000"/>
+            </a:schemeClr>
+          </a:lnRef>
+          <a:fillRef idx="1">
+            <a:schemeClr val="accent1"/>
+          </a:fillRef>
+          <a:effectRef idx="0">
+            <a:schemeClr val="accent1"/>
+          </a:effectRef>
+          <a:fontRef idx="minor">
+            <a:schemeClr val="lt1"/>
+          </a:fontRef>
+        </p:style>
+        <p:txBody>
+          <a:bodyPr rtlCol="0" anchor="ctr"/>
+          <a:lstStyle/>
+          <a:p>
+            <a:pPr algn="ctr"/>
+            <a:endParaRPr lang="en-US"/>
+          </a:p>
+        </p:txBody>
+      </p:sp>
+      <p:sp>
+        <p:nvSpPr>
+          <p:cNvPr id="10" name="TextBox 9">
+            <a:extLst>
+              <a:ext uri="{FF2B5EF4-FFF2-40B4-BE49-F238E27FC236}">
+                <a16:creationId xmlns:a16="http://schemas.microsoft.com/office/drawing/2014/main" id="{1C4507FC-53D6-2C3A-5591-F00C9C47B93D}"/>
+              </a:ext>
+            </a:extLst>
+          </p:cNvPr>
+          <p:cNvSpPr txBox="1"/>
+          <p:nvPr/>
+        </p:nvSpPr>
+        <p:spPr>
+          <a:xfrm>
+            <a:off x="3495870" y="615820"/>
+            <a:ext cx="4425820" cy="369332"/>
+          </a:xfrm>
+          <a:prstGeom prst="rect">
+            <a:avLst/>
+          </a:prstGeom>
+          <a:noFill/>
+        </p:spPr>
+        <p:txBody>
+          <a:bodyPr wrap="square" rtlCol="0">
+            <a:spAutoFit/>
+          </a:bodyPr>
+          <a:lstStyle/>
+          <a:p>
+            <a:pPr algn="ctr"/>
+            <a:r>
+              <a:rPr lang="en-IN" b="1" dirty="0"/>
+              <a:t>IIS</a:t>
+            </a:r>
+            <a:endParaRPr lang="en-US" b="1" dirty="0"/>
+          </a:p>
+        </p:txBody>
+      </p:sp>
+      <p:sp>
+        <p:nvSpPr>
+          <p:cNvPr id="11" name="Rectangle 10">
+            <a:extLst>
+              <a:ext uri="{FF2B5EF4-FFF2-40B4-BE49-F238E27FC236}">
+                <a16:creationId xmlns:a16="http://schemas.microsoft.com/office/drawing/2014/main" id="{FF89CFA8-D374-B19E-3E7E-A8ED2ACB65BA}"/>
+              </a:ext>
+            </a:extLst>
+          </p:cNvPr>
+          <p:cNvSpPr/>
+          <p:nvPr/>
+        </p:nvSpPr>
+        <p:spPr>
+          <a:xfrm>
+            <a:off x="3125755" y="985152"/>
+            <a:ext cx="5085184" cy="535738"/>
+          </a:xfrm>
+          <a:prstGeom prst="rect">
+            <a:avLst/>
+          </a:prstGeom>
+          <a:solidFill>
+            <a:srgbClr val="002060"/>
+          </a:solidFill>
+        </p:spPr>
+        <p:style>
+          <a:lnRef idx="2">
+            <a:schemeClr val="accent1">
+              <a:shade val="50000"/>
+            </a:schemeClr>
+          </a:lnRef>
+          <a:fillRef idx="1">
+            <a:schemeClr val="accent1"/>
+          </a:fillRef>
+          <a:effectRef idx="0">
+            <a:schemeClr val="accent1"/>
+          </a:effectRef>
+          <a:fontRef idx="minor">
+            <a:schemeClr val="lt1"/>
+          </a:fontRef>
+        </p:style>
+        <p:txBody>
+          <a:bodyPr rtlCol="0" anchor="ctr"/>
+          <a:lstStyle/>
+          <a:p>
+            <a:pPr algn="ctr"/>
+            <a:r>
+              <a:rPr lang="en-IN" b="1" dirty="0"/>
+              <a:t>Request Interceptor</a:t>
+            </a:r>
+          </a:p>
+          <a:p>
+            <a:pPr algn="ctr"/>
+            <a:r>
+              <a:rPr lang="en-IN" b="1" dirty="0"/>
+              <a:t>Isapi.dll</a:t>
+            </a:r>
+            <a:endParaRPr lang="en-US" b="1" dirty="0"/>
+          </a:p>
+        </p:txBody>
+      </p:sp>
+      <p:cxnSp>
+        <p:nvCxnSpPr>
+          <p:cNvPr id="13" name="Straight Arrow Connector 12">
+            <a:extLst>
+              <a:ext uri="{FF2B5EF4-FFF2-40B4-BE49-F238E27FC236}">
+                <a16:creationId xmlns:a16="http://schemas.microsoft.com/office/drawing/2014/main" id="{4488F609-308B-552D-F5B7-16330D33C999}"/>
+              </a:ext>
+            </a:extLst>
+          </p:cNvPr>
+          <p:cNvCxnSpPr>
+            <a:cxnSpLocks/>
+            <a:stCxn id="14" idx="1"/>
+            <a:endCxn id="11" idx="3"/>
+          </p:cNvCxnSpPr>
+          <p:nvPr/>
+        </p:nvCxnSpPr>
+        <p:spPr>
+          <a:xfrm flipH="1">
+            <a:off x="8210939" y="1103816"/>
+            <a:ext cx="855306" cy="149205"/>
+          </a:xfrm>
+          <a:prstGeom prst="straightConnector1">
+            <a:avLst/>
+          </a:prstGeom>
+          <a:ln>
+            <a:tailEnd type="triangle"/>
+          </a:ln>
+        </p:spPr>
+        <p:style>
+          <a:lnRef idx="1">
+            <a:schemeClr val="accent1"/>
+          </a:lnRef>
+          <a:fillRef idx="0">
+            <a:schemeClr val="accent1"/>
+          </a:fillRef>
+          <a:effectRef idx="0">
+            <a:schemeClr val="accent1"/>
+          </a:effectRef>
+          <a:fontRef idx="minor">
+            <a:schemeClr val="tx1"/>
+          </a:fontRef>
+        </p:style>
+      </p:cxnSp>
+      <p:sp>
+        <p:nvSpPr>
+          <p:cNvPr id="14" name="TextBox 13">
+            <a:extLst>
+              <a:ext uri="{FF2B5EF4-FFF2-40B4-BE49-F238E27FC236}">
+                <a16:creationId xmlns:a16="http://schemas.microsoft.com/office/drawing/2014/main" id="{42D3449F-6326-0224-4CC5-442BAAC7D224}"/>
+              </a:ext>
+            </a:extLst>
+          </p:cNvPr>
+          <p:cNvSpPr txBox="1"/>
+          <p:nvPr/>
+        </p:nvSpPr>
+        <p:spPr>
+          <a:xfrm>
+            <a:off x="9066245" y="226653"/>
+            <a:ext cx="3007567" cy="1754326"/>
+          </a:xfrm>
+          <a:prstGeom prst="rect">
+            <a:avLst/>
+          </a:prstGeom>
+          <a:noFill/>
+        </p:spPr>
+        <p:txBody>
+          <a:bodyPr wrap="square" rtlCol="0">
+            <a:spAutoFit/>
+          </a:bodyPr>
+          <a:lstStyle/>
+          <a:p>
+            <a:r>
+              <a:rPr lang="en-IN" dirty="0"/>
+              <a:t>Responsible to Locate the WebSite Hosted on IIS based on the HTTP Request using Handler Mapping. They are available by installing Web Application Framework on IIS</a:t>
+            </a:r>
+            <a:endParaRPr lang="en-US" dirty="0"/>
+          </a:p>
+        </p:txBody>
+      </p:sp>
+      <p:sp>
+        <p:nvSpPr>
+          <p:cNvPr id="15" name="Rectangle: Rounded Corners 14">
+            <a:extLst>
+              <a:ext uri="{FF2B5EF4-FFF2-40B4-BE49-F238E27FC236}">
+                <a16:creationId xmlns:a16="http://schemas.microsoft.com/office/drawing/2014/main" id="{CA0CA12A-C5FC-F89C-4F58-921D08358CA9}"/>
+              </a:ext>
+            </a:extLst>
+          </p:cNvPr>
+          <p:cNvSpPr/>
+          <p:nvPr/>
+        </p:nvSpPr>
+        <p:spPr>
+          <a:xfrm>
+            <a:off x="3206621" y="1713311"/>
+            <a:ext cx="1132114" cy="681135"/>
+          </a:xfrm>
+          <a:prstGeom prst="roundRect">
+            <a:avLst/>
+          </a:prstGeom>
+        </p:spPr>
+        <p:style>
+          <a:lnRef idx="2">
+            <a:schemeClr val="accent1">
+              <a:shade val="50000"/>
+            </a:schemeClr>
+          </a:lnRef>
+          <a:fillRef idx="1">
+            <a:schemeClr val="accent1"/>
+          </a:fillRef>
+          <a:effectRef idx="0">
+            <a:schemeClr val="accent1"/>
+          </a:effectRef>
+          <a:fontRef idx="minor">
+            <a:schemeClr val="lt1"/>
+          </a:fontRef>
+        </p:style>
+        <p:txBody>
+          <a:bodyPr rtlCol="0" anchor="ctr"/>
+          <a:lstStyle/>
+          <a:p>
+            <a:pPr algn="ctr"/>
+            <a:r>
+              <a:rPr lang="en-IN" dirty="0"/>
+              <a:t>WebSite 1</a:t>
+            </a:r>
+            <a:endParaRPr lang="en-US" dirty="0"/>
+          </a:p>
+        </p:txBody>
+      </p:sp>
+      <p:sp>
+        <p:nvSpPr>
+          <p:cNvPr id="16" name="Rectangle: Rounded Corners 15">
+            <a:extLst>
+              <a:ext uri="{FF2B5EF4-FFF2-40B4-BE49-F238E27FC236}">
+                <a16:creationId xmlns:a16="http://schemas.microsoft.com/office/drawing/2014/main" id="{7092A923-A127-F1EE-CB12-3E43AAA32CEA}"/>
+              </a:ext>
+            </a:extLst>
+          </p:cNvPr>
+          <p:cNvSpPr/>
+          <p:nvPr/>
+        </p:nvSpPr>
+        <p:spPr>
+          <a:xfrm>
+            <a:off x="4491135" y="1713311"/>
+            <a:ext cx="1132114" cy="681135"/>
+          </a:xfrm>
+          <a:prstGeom prst="roundRect">
+            <a:avLst/>
+          </a:prstGeom>
+        </p:spPr>
+        <p:style>
+          <a:lnRef idx="2">
+            <a:schemeClr val="accent1">
+              <a:shade val="50000"/>
+            </a:schemeClr>
+          </a:lnRef>
+          <a:fillRef idx="1">
+            <a:schemeClr val="accent1"/>
+          </a:fillRef>
+          <a:effectRef idx="0">
+            <a:schemeClr val="accent1"/>
+          </a:effectRef>
+          <a:fontRef idx="minor">
+            <a:schemeClr val="lt1"/>
+          </a:fontRef>
+        </p:style>
+        <p:txBody>
+          <a:bodyPr rtlCol="0" anchor="ctr"/>
+          <a:lstStyle/>
+          <a:p>
+            <a:pPr algn="ctr"/>
+            <a:r>
+              <a:rPr lang="en-IN" dirty="0"/>
+              <a:t>WebSite 2</a:t>
+            </a:r>
+            <a:endParaRPr lang="en-US" dirty="0"/>
+          </a:p>
+        </p:txBody>
+      </p:sp>
+      <p:sp>
+        <p:nvSpPr>
+          <p:cNvPr id="17" name="Rectangle: Rounded Corners 16">
+            <a:extLst>
+              <a:ext uri="{FF2B5EF4-FFF2-40B4-BE49-F238E27FC236}">
+                <a16:creationId xmlns:a16="http://schemas.microsoft.com/office/drawing/2014/main" id="{FC6098E2-D2E3-DAE7-4C57-89D5B9C58B12}"/>
+              </a:ext>
+            </a:extLst>
+          </p:cNvPr>
+          <p:cNvSpPr/>
+          <p:nvPr/>
+        </p:nvSpPr>
+        <p:spPr>
+          <a:xfrm>
+            <a:off x="5784980" y="1713311"/>
+            <a:ext cx="1132114" cy="681135"/>
+          </a:xfrm>
+          <a:prstGeom prst="roundRect">
+            <a:avLst/>
+          </a:prstGeom>
+        </p:spPr>
+        <p:style>
+          <a:lnRef idx="2">
+            <a:schemeClr val="accent1">
+              <a:shade val="50000"/>
+            </a:schemeClr>
+          </a:lnRef>
+          <a:fillRef idx="1">
+            <a:schemeClr val="accent1"/>
+          </a:fillRef>
+          <a:effectRef idx="0">
+            <a:schemeClr val="accent1"/>
+          </a:effectRef>
+          <a:fontRef idx="minor">
+            <a:schemeClr val="lt1"/>
+          </a:fontRef>
+        </p:style>
+        <p:txBody>
+          <a:bodyPr rtlCol="0" anchor="ctr"/>
+          <a:lstStyle/>
+          <a:p>
+            <a:pPr algn="ctr"/>
+            <a:r>
+              <a:rPr lang="en-IN" dirty="0"/>
+              <a:t>WebSite 3</a:t>
+            </a:r>
+            <a:endParaRPr lang="en-US" dirty="0"/>
+          </a:p>
+        </p:txBody>
+      </p:sp>
+      <p:sp>
+        <p:nvSpPr>
+          <p:cNvPr id="18" name="Rectangle: Rounded Corners 17">
+            <a:extLst>
+              <a:ext uri="{FF2B5EF4-FFF2-40B4-BE49-F238E27FC236}">
+                <a16:creationId xmlns:a16="http://schemas.microsoft.com/office/drawing/2014/main" id="{5DB0604D-E563-0DC4-1D17-E5C74A727266}"/>
+              </a:ext>
+            </a:extLst>
+          </p:cNvPr>
+          <p:cNvSpPr/>
+          <p:nvPr/>
+        </p:nvSpPr>
+        <p:spPr>
+          <a:xfrm>
+            <a:off x="6997961" y="1703981"/>
+            <a:ext cx="1132114" cy="681135"/>
+          </a:xfrm>
+          <a:prstGeom prst="roundRect">
+            <a:avLst/>
+          </a:prstGeom>
+        </p:spPr>
+        <p:style>
+          <a:lnRef idx="2">
+            <a:schemeClr val="accent1">
+              <a:shade val="50000"/>
+            </a:schemeClr>
+          </a:lnRef>
+          <a:fillRef idx="1">
+            <a:schemeClr val="accent1"/>
+          </a:fillRef>
+          <a:effectRef idx="0">
+            <a:schemeClr val="accent1"/>
+          </a:effectRef>
+          <a:fontRef idx="minor">
+            <a:schemeClr val="lt1"/>
+          </a:fontRef>
+        </p:style>
+        <p:txBody>
+          <a:bodyPr rtlCol="0" anchor="ctr"/>
+          <a:lstStyle/>
+          <a:p>
+            <a:pPr algn="ctr"/>
+            <a:r>
+              <a:rPr lang="en-IN" dirty="0"/>
+              <a:t>WebSite 4</a:t>
+            </a:r>
+            <a:endParaRPr lang="en-US" dirty="0"/>
+          </a:p>
+        </p:txBody>
+      </p:sp>
+      <p:sp>
+        <p:nvSpPr>
+          <p:cNvPr id="19" name="Arrow: Right 18">
+            <a:extLst>
+              <a:ext uri="{FF2B5EF4-FFF2-40B4-BE49-F238E27FC236}">
+                <a16:creationId xmlns:a16="http://schemas.microsoft.com/office/drawing/2014/main" id="{36CBF0FE-179A-BE22-7268-B7ABC5631A02}"/>
+              </a:ext>
+            </a:extLst>
+          </p:cNvPr>
+          <p:cNvSpPr/>
+          <p:nvPr/>
+        </p:nvSpPr>
+        <p:spPr>
+          <a:xfrm>
+            <a:off x="149290" y="709127"/>
+            <a:ext cx="2976465" cy="811763"/>
+          </a:xfrm>
+          <a:prstGeom prst="rightArrow">
+            <a:avLst/>
+          </a:prstGeom>
+        </p:spPr>
+        <p:style>
+          <a:lnRef idx="2">
+            <a:schemeClr val="accent1">
+              <a:shade val="50000"/>
+            </a:schemeClr>
+          </a:lnRef>
+          <a:fillRef idx="1">
+            <a:schemeClr val="accent1"/>
+          </a:fillRef>
+          <a:effectRef idx="0">
+            <a:schemeClr val="accent1"/>
+          </a:effectRef>
+          <a:fontRef idx="minor">
+            <a:schemeClr val="lt1"/>
+          </a:fontRef>
+        </p:style>
+        <p:txBody>
+          <a:bodyPr rtlCol="0" anchor="ctr"/>
+          <a:lstStyle/>
+          <a:p>
+            <a:pPr algn="ctr"/>
+            <a:r>
+              <a:rPr lang="en-IN" sz="1400" b="1" dirty="0"/>
+              <a:t>http://myserver/website1.com</a:t>
+            </a:r>
+            <a:endParaRPr lang="en-US" sz="1400" b="1" dirty="0"/>
+          </a:p>
+        </p:txBody>
+      </p:sp>
+      <p:sp>
+        <p:nvSpPr>
+          <p:cNvPr id="20" name="Arrow: Down 19">
+            <a:extLst>
+              <a:ext uri="{FF2B5EF4-FFF2-40B4-BE49-F238E27FC236}">
+                <a16:creationId xmlns:a16="http://schemas.microsoft.com/office/drawing/2014/main" id="{8F8A8DCB-A23F-D058-4ECC-975326B9F4FE}"/>
+              </a:ext>
+            </a:extLst>
+          </p:cNvPr>
+          <p:cNvSpPr/>
+          <p:nvPr/>
+        </p:nvSpPr>
+        <p:spPr>
+          <a:xfrm>
+            <a:off x="3741576" y="1520890"/>
+            <a:ext cx="139959" cy="192421"/>
+          </a:xfrm>
+          <a:prstGeom prst="downArrow">
+            <a:avLst/>
+          </a:prstGeom>
+        </p:spPr>
+        <p:style>
+          <a:lnRef idx="2">
+            <a:schemeClr val="accent1">
+              <a:shade val="50000"/>
+            </a:schemeClr>
+          </a:lnRef>
+          <a:fillRef idx="1">
+            <a:schemeClr val="accent1"/>
+          </a:fillRef>
+          <a:effectRef idx="0">
+            <a:schemeClr val="accent1"/>
+          </a:effectRef>
+          <a:fontRef idx="minor">
+            <a:schemeClr val="lt1"/>
+          </a:fontRef>
+        </p:style>
+        <p:txBody>
+          <a:bodyPr rtlCol="0" anchor="ctr"/>
+          <a:lstStyle/>
+          <a:p>
+            <a:pPr algn="ctr"/>
+            <a:endParaRPr lang="en-US"/>
+          </a:p>
+        </p:txBody>
+      </p:sp>
+      <p:sp>
+        <p:nvSpPr>
+          <p:cNvPr id="21" name="Arrow: Down 20">
+            <a:extLst>
+              <a:ext uri="{FF2B5EF4-FFF2-40B4-BE49-F238E27FC236}">
+                <a16:creationId xmlns:a16="http://schemas.microsoft.com/office/drawing/2014/main" id="{FB9ED1E3-DB07-934C-DB6F-7BDEC969A284}"/>
+              </a:ext>
+            </a:extLst>
+          </p:cNvPr>
+          <p:cNvSpPr/>
+          <p:nvPr/>
+        </p:nvSpPr>
+        <p:spPr>
+          <a:xfrm>
+            <a:off x="5026090" y="1530220"/>
+            <a:ext cx="139959" cy="192421"/>
+          </a:xfrm>
+          <a:prstGeom prst="downArrow">
+            <a:avLst/>
+          </a:prstGeom>
+        </p:spPr>
+        <p:style>
+          <a:lnRef idx="2">
+            <a:schemeClr val="accent1">
+              <a:shade val="50000"/>
+            </a:schemeClr>
+          </a:lnRef>
+          <a:fillRef idx="1">
+            <a:schemeClr val="accent1"/>
+          </a:fillRef>
+          <a:effectRef idx="0">
+            <a:schemeClr val="accent1"/>
+          </a:effectRef>
+          <a:fontRef idx="minor">
+            <a:schemeClr val="lt1"/>
+          </a:fontRef>
+        </p:style>
+        <p:txBody>
+          <a:bodyPr rtlCol="0" anchor="ctr"/>
+          <a:lstStyle/>
+          <a:p>
+            <a:pPr algn="ctr"/>
+            <a:endParaRPr lang="en-US"/>
+          </a:p>
+        </p:txBody>
+      </p:sp>
+      <p:sp>
+        <p:nvSpPr>
+          <p:cNvPr id="22" name="Arrow: Down 21">
+            <a:extLst>
+              <a:ext uri="{FF2B5EF4-FFF2-40B4-BE49-F238E27FC236}">
+                <a16:creationId xmlns:a16="http://schemas.microsoft.com/office/drawing/2014/main" id="{E7BB568C-B940-CCE5-B4E2-FDF254CB57EF}"/>
+              </a:ext>
+            </a:extLst>
+          </p:cNvPr>
+          <p:cNvSpPr/>
+          <p:nvPr/>
+        </p:nvSpPr>
+        <p:spPr>
+          <a:xfrm>
+            <a:off x="6316824" y="1531981"/>
+            <a:ext cx="139959" cy="192421"/>
+          </a:xfrm>
+          <a:prstGeom prst="downArrow">
+            <a:avLst/>
+          </a:prstGeom>
+        </p:spPr>
+        <p:style>
+          <a:lnRef idx="2">
+            <a:schemeClr val="accent1">
+              <a:shade val="50000"/>
+            </a:schemeClr>
+          </a:lnRef>
+          <a:fillRef idx="1">
+            <a:schemeClr val="accent1"/>
+          </a:fillRef>
+          <a:effectRef idx="0">
+            <a:schemeClr val="accent1"/>
+          </a:effectRef>
+          <a:fontRef idx="minor">
+            <a:schemeClr val="lt1"/>
+          </a:fontRef>
+        </p:style>
+        <p:txBody>
+          <a:bodyPr rtlCol="0" anchor="ctr"/>
+          <a:lstStyle/>
+          <a:p>
+            <a:pPr algn="ctr"/>
+            <a:endParaRPr lang="en-US"/>
+          </a:p>
+        </p:txBody>
+      </p:sp>
+      <p:sp>
+        <p:nvSpPr>
+          <p:cNvPr id="23" name="Arrow: Down 22">
+            <a:extLst>
+              <a:ext uri="{FF2B5EF4-FFF2-40B4-BE49-F238E27FC236}">
+                <a16:creationId xmlns:a16="http://schemas.microsoft.com/office/drawing/2014/main" id="{17B6F2EB-588E-1463-AC95-EC656716E746}"/>
+              </a:ext>
+            </a:extLst>
+          </p:cNvPr>
+          <p:cNvSpPr/>
+          <p:nvPr/>
+        </p:nvSpPr>
+        <p:spPr>
+          <a:xfrm>
+            <a:off x="7564018" y="1531981"/>
+            <a:ext cx="139959" cy="192421"/>
+          </a:xfrm>
+          <a:prstGeom prst="downArrow">
+            <a:avLst/>
+          </a:prstGeom>
+        </p:spPr>
+        <p:style>
+          <a:lnRef idx="2">
+            <a:schemeClr val="accent1">
+              <a:shade val="50000"/>
+            </a:schemeClr>
+          </a:lnRef>
+          <a:fillRef idx="1">
+            <a:schemeClr val="accent1"/>
+          </a:fillRef>
+          <a:effectRef idx="0">
+            <a:schemeClr val="accent1"/>
+          </a:effectRef>
+          <a:fontRef idx="minor">
+            <a:schemeClr val="lt1"/>
+          </a:fontRef>
+        </p:style>
+        <p:txBody>
+          <a:bodyPr rtlCol="0" anchor="ctr"/>
+          <a:lstStyle/>
+          <a:p>
+            <a:pPr algn="ctr"/>
+            <a:endParaRPr lang="en-US"/>
+          </a:p>
+        </p:txBody>
+      </p:sp>
+      <p:sp>
+        <p:nvSpPr>
+          <p:cNvPr id="26" name="Rectangle 25">
+            <a:extLst>
+              <a:ext uri="{FF2B5EF4-FFF2-40B4-BE49-F238E27FC236}">
+                <a16:creationId xmlns:a16="http://schemas.microsoft.com/office/drawing/2014/main" id="{1F09E6D1-1433-2729-E18E-34F9E544A47D}"/>
+              </a:ext>
+            </a:extLst>
+          </p:cNvPr>
+          <p:cNvSpPr/>
+          <p:nvPr/>
+        </p:nvSpPr>
+        <p:spPr>
+          <a:xfrm>
+            <a:off x="3122645" y="2649893"/>
+            <a:ext cx="5085184" cy="2676126"/>
+          </a:xfrm>
+          <a:prstGeom prst="rect">
+            <a:avLst/>
+          </a:prstGeom>
+          <a:solidFill>
+            <a:schemeClr val="accent6">
+              <a:lumMod val="50000"/>
+            </a:schemeClr>
+          </a:solidFill>
+        </p:spPr>
+        <p:style>
+          <a:lnRef idx="2">
+            <a:schemeClr val="accent1">
+              <a:shade val="50000"/>
+            </a:schemeClr>
+          </a:lnRef>
+          <a:fillRef idx="1">
+            <a:schemeClr val="accent1"/>
+          </a:fillRef>
+          <a:effectRef idx="0">
+            <a:schemeClr val="accent1"/>
+          </a:effectRef>
+          <a:fontRef idx="minor">
+            <a:schemeClr val="lt1"/>
+          </a:fontRef>
+        </p:style>
+        <p:txBody>
+          <a:bodyPr rtlCol="0" anchor="ctr"/>
+          <a:lstStyle/>
+          <a:p>
+            <a:pPr algn="ctr"/>
+            <a:endParaRPr lang="en-US"/>
+          </a:p>
+        </p:txBody>
+      </p:sp>
+      <p:sp>
+        <p:nvSpPr>
+          <p:cNvPr id="27" name="TextBox 26">
+            <a:extLst>
+              <a:ext uri="{FF2B5EF4-FFF2-40B4-BE49-F238E27FC236}">
+                <a16:creationId xmlns:a16="http://schemas.microsoft.com/office/drawing/2014/main" id="{CDAD19A2-4FC9-747E-3DAE-81E7197D65BF}"/>
+              </a:ext>
+            </a:extLst>
+          </p:cNvPr>
+          <p:cNvSpPr txBox="1"/>
+          <p:nvPr/>
+        </p:nvSpPr>
+        <p:spPr>
+          <a:xfrm>
+            <a:off x="3122645" y="2724539"/>
+            <a:ext cx="5007430" cy="369332"/>
+          </a:xfrm>
+          <a:prstGeom prst="rect">
+            <a:avLst/>
+          </a:prstGeom>
+          <a:noFill/>
+        </p:spPr>
+        <p:txBody>
+          <a:bodyPr wrap="square" rtlCol="0">
+            <a:spAutoFit/>
+          </a:bodyPr>
+          <a:lstStyle/>
+          <a:p>
+            <a:pPr algn="ctr"/>
+            <a:r>
+              <a:rPr lang="en-IN" b="1" dirty="0">
+                <a:solidFill>
+                  <a:srgbClr val="FFFF00"/>
+                </a:solidFill>
+              </a:rPr>
+              <a:t>ASP.NET Web Site</a:t>
+            </a:r>
+            <a:endParaRPr lang="en-US" b="1" dirty="0">
+              <a:solidFill>
+                <a:srgbClr val="FFFF00"/>
+              </a:solidFill>
+            </a:endParaRPr>
+          </a:p>
+        </p:txBody>
+      </p:sp>
+      <p:sp>
+        <p:nvSpPr>
+          <p:cNvPr id="28" name="Rectangle: Rounded Corners 27">
+            <a:extLst>
+              <a:ext uri="{FF2B5EF4-FFF2-40B4-BE49-F238E27FC236}">
+                <a16:creationId xmlns:a16="http://schemas.microsoft.com/office/drawing/2014/main" id="{7CEBDD84-3709-7F94-7B77-045AB0F7C739}"/>
+              </a:ext>
+            </a:extLst>
+          </p:cNvPr>
+          <p:cNvSpPr/>
+          <p:nvPr/>
+        </p:nvSpPr>
+        <p:spPr>
+          <a:xfrm>
+            <a:off x="3206621" y="3068221"/>
+            <a:ext cx="2578359" cy="626701"/>
+          </a:xfrm>
+          <a:prstGeom prst="roundRect">
+            <a:avLst/>
+          </a:prstGeom>
+        </p:spPr>
+        <p:style>
+          <a:lnRef idx="2">
+            <a:schemeClr val="accent1">
+              <a:shade val="50000"/>
+            </a:schemeClr>
+          </a:lnRef>
+          <a:fillRef idx="1">
+            <a:schemeClr val="accent1"/>
+          </a:fillRef>
+          <a:effectRef idx="0">
+            <a:schemeClr val="accent1"/>
+          </a:effectRef>
+          <a:fontRef idx="minor">
+            <a:schemeClr val="lt1"/>
+          </a:fontRef>
+        </p:style>
+        <p:txBody>
+          <a:bodyPr rtlCol="0" anchor="ctr"/>
+          <a:lstStyle/>
+          <a:p>
+            <a:pPr algn="ctr"/>
+            <a:r>
+              <a:rPr lang="en-IN" b="1" dirty="0"/>
+              <a:t>.aspx Pages with UI and Logic</a:t>
+            </a:r>
+            <a:endParaRPr lang="en-US" b="1" dirty="0"/>
+          </a:p>
+        </p:txBody>
+      </p:sp>
+      <p:sp>
+        <p:nvSpPr>
+          <p:cNvPr id="29" name="Rectangle: Rounded Corners 28">
+            <a:extLst>
+              <a:ext uri="{FF2B5EF4-FFF2-40B4-BE49-F238E27FC236}">
+                <a16:creationId xmlns:a16="http://schemas.microsoft.com/office/drawing/2014/main" id="{DC559BD0-BCEB-CD3E-54A3-98F822A6DAB5}"/>
+              </a:ext>
+            </a:extLst>
+          </p:cNvPr>
+          <p:cNvSpPr/>
+          <p:nvPr/>
+        </p:nvSpPr>
+        <p:spPr>
+          <a:xfrm>
+            <a:off x="5828523" y="3065500"/>
+            <a:ext cx="2335763" cy="626701"/>
+          </a:xfrm>
+          <a:prstGeom prst="roundRect">
+            <a:avLst/>
+          </a:prstGeom>
+        </p:spPr>
+        <p:style>
+          <a:lnRef idx="2">
+            <a:schemeClr val="accent1">
+              <a:shade val="50000"/>
+            </a:schemeClr>
+          </a:lnRef>
+          <a:fillRef idx="1">
+            <a:schemeClr val="accent1"/>
+          </a:fillRef>
+          <a:effectRef idx="0">
+            <a:schemeClr val="accent1"/>
+          </a:effectRef>
+          <a:fontRef idx="minor">
+            <a:schemeClr val="lt1"/>
+          </a:fontRef>
+        </p:style>
+        <p:txBody>
+          <a:bodyPr rtlCol="0" anchor="ctr"/>
+          <a:lstStyle/>
+          <a:p>
+            <a:pPr algn="ctr"/>
+            <a:r>
+              <a:rPr lang="en-IN" b="1" dirty="0"/>
+              <a:t>Security Configuration</a:t>
+            </a:r>
+            <a:endParaRPr lang="en-US" b="1" dirty="0"/>
+          </a:p>
+        </p:txBody>
+      </p:sp>
+      <p:sp>
+        <p:nvSpPr>
+          <p:cNvPr id="30" name="Rectangle: Rounded Corners 29">
+            <a:extLst>
+              <a:ext uri="{FF2B5EF4-FFF2-40B4-BE49-F238E27FC236}">
+                <a16:creationId xmlns:a16="http://schemas.microsoft.com/office/drawing/2014/main" id="{DAB44ED7-5B4A-7968-CEF2-4707CDBFCBC3}"/>
+              </a:ext>
+            </a:extLst>
+          </p:cNvPr>
+          <p:cNvSpPr/>
+          <p:nvPr/>
+        </p:nvSpPr>
+        <p:spPr>
+          <a:xfrm>
+            <a:off x="3206621" y="3852365"/>
+            <a:ext cx="2578359" cy="626701"/>
+          </a:xfrm>
+          <a:prstGeom prst="roundRect">
+            <a:avLst/>
+          </a:prstGeom>
+        </p:spPr>
+        <p:style>
+          <a:lnRef idx="2">
+            <a:schemeClr val="accent1">
+              <a:shade val="50000"/>
+            </a:schemeClr>
+          </a:lnRef>
+          <a:fillRef idx="1">
+            <a:schemeClr val="accent1"/>
+          </a:fillRef>
+          <a:effectRef idx="0">
+            <a:schemeClr val="accent1"/>
+          </a:effectRef>
+          <a:fontRef idx="minor">
+            <a:schemeClr val="lt1"/>
+          </a:fontRef>
+        </p:style>
+        <p:txBody>
+          <a:bodyPr rtlCol="0" anchor="ctr"/>
+          <a:lstStyle/>
+          <a:p>
+            <a:pPr algn="ctr"/>
+            <a:r>
+              <a:rPr lang="en-IN" sz="1400" b="1" dirty="0"/>
+              <a:t>Session State and Application State for Data Management</a:t>
+            </a:r>
+            <a:endParaRPr lang="en-US" sz="1400" b="1" dirty="0"/>
+          </a:p>
+        </p:txBody>
+      </p:sp>
+      <p:sp>
+        <p:nvSpPr>
+          <p:cNvPr id="31" name="Rectangle: Rounded Corners 30">
+            <a:extLst>
+              <a:ext uri="{FF2B5EF4-FFF2-40B4-BE49-F238E27FC236}">
+                <a16:creationId xmlns:a16="http://schemas.microsoft.com/office/drawing/2014/main" id="{211A269A-5A8A-8886-8213-3F2BE2EE7CD8}"/>
+              </a:ext>
+            </a:extLst>
+          </p:cNvPr>
+          <p:cNvSpPr/>
+          <p:nvPr/>
+        </p:nvSpPr>
+        <p:spPr>
+          <a:xfrm>
+            <a:off x="5812974" y="3852364"/>
+            <a:ext cx="2317102" cy="626701"/>
+          </a:xfrm>
+          <a:prstGeom prst="roundRect">
+            <a:avLst/>
+          </a:prstGeom>
+        </p:spPr>
+        <p:style>
+          <a:lnRef idx="2">
+            <a:schemeClr val="accent1">
+              <a:shade val="50000"/>
+            </a:schemeClr>
+          </a:lnRef>
+          <a:fillRef idx="1">
+            <a:schemeClr val="accent1"/>
+          </a:fillRef>
+          <a:effectRef idx="0">
+            <a:schemeClr val="accent1"/>
+          </a:effectRef>
+          <a:fontRef idx="minor">
+            <a:schemeClr val="lt1"/>
+          </a:fontRef>
+        </p:style>
+        <p:txBody>
+          <a:bodyPr rtlCol="0" anchor="ctr"/>
+          <a:lstStyle/>
+          <a:p>
+            <a:pPr algn="ctr"/>
+            <a:r>
+              <a:rPr lang="en-IN" sz="1400" b="1" dirty="0"/>
+              <a:t>Data Cache Management to Cache frequently required Data</a:t>
+            </a:r>
+            <a:endParaRPr lang="en-US" sz="1400" b="1" dirty="0"/>
+          </a:p>
+        </p:txBody>
+      </p:sp>
+      <p:sp>
+        <p:nvSpPr>
+          <p:cNvPr id="32" name="Rectangle: Rounded Corners 31">
+            <a:extLst>
+              <a:ext uri="{FF2B5EF4-FFF2-40B4-BE49-F238E27FC236}">
+                <a16:creationId xmlns:a16="http://schemas.microsoft.com/office/drawing/2014/main" id="{17CA8EF1-1660-ECD5-A007-B4383BFA4837}"/>
+              </a:ext>
+            </a:extLst>
+          </p:cNvPr>
+          <p:cNvSpPr/>
+          <p:nvPr/>
+        </p:nvSpPr>
+        <p:spPr>
+          <a:xfrm>
+            <a:off x="3201955" y="4559566"/>
+            <a:ext cx="2578359" cy="626701"/>
+          </a:xfrm>
+          <a:prstGeom prst="roundRect">
+            <a:avLst/>
+          </a:prstGeom>
+        </p:spPr>
+        <p:style>
+          <a:lnRef idx="2">
+            <a:schemeClr val="accent1">
+              <a:shade val="50000"/>
+            </a:schemeClr>
+          </a:lnRef>
+          <a:fillRef idx="1">
+            <a:schemeClr val="accent1"/>
+          </a:fillRef>
+          <a:effectRef idx="0">
+            <a:schemeClr val="accent1"/>
+          </a:effectRef>
+          <a:fontRef idx="minor">
+            <a:schemeClr val="lt1"/>
+          </a:fontRef>
+        </p:style>
+        <p:txBody>
+          <a:bodyPr rtlCol="0" anchor="ctr"/>
+          <a:lstStyle/>
+          <a:p>
+            <a:pPr algn="ctr"/>
+            <a:r>
+              <a:rPr lang="en-IN" b="1" dirty="0"/>
+              <a:t>Custom Define UI</a:t>
+            </a:r>
+            <a:endParaRPr lang="en-US" b="1" dirty="0"/>
+          </a:p>
+        </p:txBody>
+      </p:sp>
+      <p:sp>
+        <p:nvSpPr>
+          <p:cNvPr id="33" name="Rectangle: Rounded Corners 32">
+            <a:extLst>
+              <a:ext uri="{FF2B5EF4-FFF2-40B4-BE49-F238E27FC236}">
+                <a16:creationId xmlns:a16="http://schemas.microsoft.com/office/drawing/2014/main" id="{19942E89-0CB7-9C02-97F6-F97F74B2C466}"/>
+              </a:ext>
+            </a:extLst>
+          </p:cNvPr>
+          <p:cNvSpPr/>
+          <p:nvPr/>
+        </p:nvSpPr>
+        <p:spPr>
+          <a:xfrm>
+            <a:off x="5783426" y="4564709"/>
+            <a:ext cx="2346650" cy="626701"/>
+          </a:xfrm>
+          <a:prstGeom prst="roundRect">
+            <a:avLst/>
+          </a:prstGeom>
+        </p:spPr>
+        <p:style>
+          <a:lnRef idx="2">
+            <a:schemeClr val="accent1">
+              <a:shade val="50000"/>
+            </a:schemeClr>
+          </a:lnRef>
+          <a:fillRef idx="1">
+            <a:schemeClr val="accent1"/>
+          </a:fillRef>
+          <a:effectRef idx="0">
+            <a:schemeClr val="accent1"/>
+          </a:effectRef>
+          <a:fontRef idx="minor">
+            <a:schemeClr val="lt1"/>
+          </a:fontRef>
+        </p:style>
+        <p:txBody>
+          <a:bodyPr rtlCol="0" anchor="ctr"/>
+          <a:lstStyle/>
+          <a:p>
+            <a:pPr algn="ctr"/>
+            <a:r>
+              <a:rPr lang="en-IN" sz="1400" b="1" dirty="0"/>
+              <a:t>Additional Dependencies e.g. Data Access Layer, external DLLs</a:t>
+            </a:r>
+            <a:endParaRPr lang="en-US" sz="1400" b="1" dirty="0"/>
+          </a:p>
+        </p:txBody>
+      </p:sp>
+      <p:sp>
+        <p:nvSpPr>
+          <p:cNvPr id="34" name="Arrow: Down 33">
+            <a:extLst>
+              <a:ext uri="{FF2B5EF4-FFF2-40B4-BE49-F238E27FC236}">
+                <a16:creationId xmlns:a16="http://schemas.microsoft.com/office/drawing/2014/main" id="{D6EED178-93AB-5892-B0E6-5B8A2B36E931}"/>
+              </a:ext>
+            </a:extLst>
+          </p:cNvPr>
+          <p:cNvSpPr/>
+          <p:nvPr/>
+        </p:nvSpPr>
+        <p:spPr>
+          <a:xfrm>
+            <a:off x="3702698" y="2403776"/>
+            <a:ext cx="178837" cy="315619"/>
+          </a:xfrm>
+          <a:prstGeom prst="downArrow">
+            <a:avLst/>
+          </a:prstGeom>
+        </p:spPr>
+        <p:style>
+          <a:lnRef idx="2">
+            <a:schemeClr val="accent1">
+              <a:shade val="50000"/>
+            </a:schemeClr>
+          </a:lnRef>
+          <a:fillRef idx="1">
+            <a:schemeClr val="accent1"/>
+          </a:fillRef>
+          <a:effectRef idx="0">
+            <a:schemeClr val="accent1"/>
+          </a:effectRef>
+          <a:fontRef idx="minor">
+            <a:schemeClr val="lt1"/>
+          </a:fontRef>
+        </p:style>
+        <p:txBody>
+          <a:bodyPr rtlCol="0" anchor="ctr"/>
+          <a:lstStyle/>
+          <a:p>
+            <a:pPr algn="ctr"/>
+            <a:endParaRPr lang="en-US"/>
+          </a:p>
+        </p:txBody>
+      </p:sp>
+      <p:sp>
+        <p:nvSpPr>
+          <p:cNvPr id="35" name="Rectangle 34">
+            <a:extLst>
+              <a:ext uri="{FF2B5EF4-FFF2-40B4-BE49-F238E27FC236}">
+                <a16:creationId xmlns:a16="http://schemas.microsoft.com/office/drawing/2014/main" id="{DFE8AA63-E747-9A46-7DB1-9D11BEC67284}"/>
+              </a:ext>
+            </a:extLst>
+          </p:cNvPr>
+          <p:cNvSpPr/>
+          <p:nvPr/>
+        </p:nvSpPr>
+        <p:spPr>
+          <a:xfrm>
+            <a:off x="3122645" y="5416433"/>
+            <a:ext cx="5085184" cy="456415"/>
+          </a:xfrm>
+          <a:prstGeom prst="rect">
+            <a:avLst/>
+          </a:prstGeom>
+          <a:solidFill>
+            <a:srgbClr val="FFC000"/>
+          </a:solidFill>
+        </p:spPr>
+        <p:style>
+          <a:lnRef idx="2">
+            <a:schemeClr val="accent1">
+              <a:shade val="50000"/>
+            </a:schemeClr>
+          </a:lnRef>
+          <a:fillRef idx="1">
+            <a:schemeClr val="accent1"/>
+          </a:fillRef>
+          <a:effectRef idx="0">
+            <a:schemeClr val="accent1"/>
+          </a:effectRef>
+          <a:fontRef idx="minor">
+            <a:schemeClr val="lt1"/>
+          </a:fontRef>
+        </p:style>
+        <p:txBody>
+          <a:bodyPr rtlCol="0" anchor="ctr"/>
+          <a:lstStyle/>
+          <a:p>
+            <a:pPr algn="ctr"/>
+            <a:r>
+              <a:rPr lang="en-IN" sz="1600" b="1" dirty="0">
+                <a:solidFill>
+                  <a:schemeClr val="tx1"/>
+                </a:solidFill>
+              </a:rPr>
+              <a:t>ASP.NET Runtime for Handling HTTP Requests and Generate response</a:t>
+            </a:r>
+            <a:endParaRPr lang="en-US" sz="1600" b="1" dirty="0">
+              <a:solidFill>
+                <a:schemeClr val="tx1"/>
+              </a:solidFill>
+            </a:endParaRPr>
+          </a:p>
+        </p:txBody>
+      </p:sp>
+      <p:sp>
+        <p:nvSpPr>
+          <p:cNvPr id="36" name="Arrow: Down 35">
+            <a:extLst>
+              <a:ext uri="{FF2B5EF4-FFF2-40B4-BE49-F238E27FC236}">
+                <a16:creationId xmlns:a16="http://schemas.microsoft.com/office/drawing/2014/main" id="{53946828-B1C2-E892-F677-1F18D0E396E3}"/>
+              </a:ext>
+            </a:extLst>
+          </p:cNvPr>
+          <p:cNvSpPr/>
+          <p:nvPr/>
+        </p:nvSpPr>
+        <p:spPr>
+          <a:xfrm>
+            <a:off x="3881535" y="5124483"/>
+            <a:ext cx="178837" cy="315619"/>
+          </a:xfrm>
+          <a:prstGeom prst="downArrow">
+            <a:avLst/>
+          </a:prstGeom>
+          <a:solidFill>
+            <a:srgbClr val="FFFF00"/>
+          </a:solidFill>
+        </p:spPr>
+        <p:style>
+          <a:lnRef idx="2">
+            <a:schemeClr val="accent1">
+              <a:shade val="50000"/>
+            </a:schemeClr>
+          </a:lnRef>
+          <a:fillRef idx="1">
+            <a:schemeClr val="accent1"/>
+          </a:fillRef>
+          <a:effectRef idx="0">
+            <a:schemeClr val="accent1"/>
+          </a:effectRef>
+          <a:fontRef idx="minor">
+            <a:schemeClr val="lt1"/>
+          </a:fontRef>
+        </p:style>
+        <p:txBody>
+          <a:bodyPr rtlCol="0" anchor="ctr"/>
+          <a:lstStyle/>
+          <a:p>
+            <a:pPr algn="ctr"/>
+            <a:endParaRPr lang="en-US"/>
+          </a:p>
+        </p:txBody>
+      </p:sp>
+      <p:sp>
+        <p:nvSpPr>
+          <p:cNvPr id="37" name="Arrow: Left-Right 36">
+            <a:extLst>
+              <a:ext uri="{FF2B5EF4-FFF2-40B4-BE49-F238E27FC236}">
+                <a16:creationId xmlns:a16="http://schemas.microsoft.com/office/drawing/2014/main" id="{627DAD87-C440-E3A4-BEC7-E5F7BA2310DD}"/>
+              </a:ext>
+            </a:extLst>
+          </p:cNvPr>
+          <p:cNvSpPr/>
+          <p:nvPr/>
+        </p:nvSpPr>
+        <p:spPr>
+          <a:xfrm>
+            <a:off x="8207829" y="5483462"/>
+            <a:ext cx="485192" cy="313567"/>
+          </a:xfrm>
+          <a:prstGeom prst="leftRightArrow">
+            <a:avLst/>
+          </a:prstGeom>
+        </p:spPr>
+        <p:style>
+          <a:lnRef idx="2">
+            <a:schemeClr val="accent1">
+              <a:shade val="50000"/>
+            </a:schemeClr>
+          </a:lnRef>
+          <a:fillRef idx="1">
+            <a:schemeClr val="accent1"/>
+          </a:fillRef>
+          <a:effectRef idx="0">
+            <a:schemeClr val="accent1"/>
+          </a:effectRef>
+          <a:fontRef idx="minor">
+            <a:schemeClr val="lt1"/>
+          </a:fontRef>
+        </p:style>
+        <p:txBody>
+          <a:bodyPr rtlCol="0" anchor="ctr"/>
+          <a:lstStyle/>
+          <a:p>
+            <a:pPr algn="ctr"/>
+            <a:endParaRPr lang="en-US"/>
+          </a:p>
+        </p:txBody>
+      </p:sp>
+      <p:sp>
+        <p:nvSpPr>
+          <p:cNvPr id="38" name="Arrow: Up 37">
+            <a:extLst>
+              <a:ext uri="{FF2B5EF4-FFF2-40B4-BE49-F238E27FC236}">
+                <a16:creationId xmlns:a16="http://schemas.microsoft.com/office/drawing/2014/main" id="{AC5F4F1B-0510-7C5B-5983-B8F4B3A8BF21}"/>
+              </a:ext>
+            </a:extLst>
+          </p:cNvPr>
+          <p:cNvSpPr/>
+          <p:nvPr/>
+        </p:nvSpPr>
+        <p:spPr>
+          <a:xfrm>
+            <a:off x="3201955" y="2298434"/>
+            <a:ext cx="158622" cy="3117999"/>
+          </a:xfrm>
+          <a:prstGeom prst="upArrow">
+            <a:avLst/>
+          </a:prstGeom>
+          <a:solidFill>
+            <a:srgbClr val="FFFF00"/>
+          </a:solidFill>
+        </p:spPr>
+        <p:style>
+          <a:lnRef idx="2">
+            <a:schemeClr val="accent1">
+              <a:shade val="50000"/>
+            </a:schemeClr>
+          </a:lnRef>
+          <a:fillRef idx="1">
+            <a:schemeClr val="accent1"/>
+          </a:fillRef>
+          <a:effectRef idx="0">
+            <a:schemeClr val="accent1"/>
+          </a:effectRef>
+          <a:fontRef idx="minor">
+            <a:schemeClr val="lt1"/>
+          </a:fontRef>
+        </p:style>
+        <p:txBody>
+          <a:bodyPr rtlCol="0" anchor="ctr"/>
+          <a:lstStyle/>
+          <a:p>
+            <a:pPr algn="ctr"/>
+            <a:endParaRPr lang="en-US"/>
+          </a:p>
+        </p:txBody>
+      </p:sp>
+      <p:sp>
+        <p:nvSpPr>
+          <p:cNvPr id="39" name="Arrow: Left 38">
+            <a:extLst>
+              <a:ext uri="{FF2B5EF4-FFF2-40B4-BE49-F238E27FC236}">
+                <a16:creationId xmlns:a16="http://schemas.microsoft.com/office/drawing/2014/main" id="{96AC2966-0D9C-FDDC-01A3-E08D1E5CAF38}"/>
+              </a:ext>
+            </a:extLst>
+          </p:cNvPr>
+          <p:cNvSpPr/>
+          <p:nvPr/>
+        </p:nvSpPr>
+        <p:spPr>
+          <a:xfrm>
+            <a:off x="149290" y="1595535"/>
+            <a:ext cx="2973355" cy="664234"/>
+          </a:xfrm>
+          <a:prstGeom prst="leftArrow">
+            <a:avLst/>
+          </a:prstGeom>
+        </p:spPr>
+        <p:style>
+          <a:lnRef idx="2">
+            <a:schemeClr val="accent1">
+              <a:shade val="50000"/>
+            </a:schemeClr>
+          </a:lnRef>
+          <a:fillRef idx="1">
+            <a:schemeClr val="accent1"/>
+          </a:fillRef>
+          <a:effectRef idx="0">
+            <a:schemeClr val="accent1"/>
+          </a:effectRef>
+          <a:fontRef idx="minor">
+            <a:schemeClr val="lt1"/>
+          </a:fontRef>
+        </p:style>
+        <p:txBody>
+          <a:bodyPr rtlCol="0" anchor="ctr"/>
+          <a:lstStyle/>
+          <a:p>
+            <a:pPr algn="ctr"/>
+            <a:r>
+              <a:rPr lang="en-IN" sz="1600" b="1" dirty="0"/>
+              <a:t>HTTP Response with HTML UI</a:t>
+            </a:r>
+            <a:endParaRPr lang="en-US" sz="1600" b="1" dirty="0"/>
+          </a:p>
+        </p:txBody>
+      </p:sp>
+    </p:spTree>
+    <p:extLst>
+      <p:ext uri="{BB962C8B-B14F-4D97-AF65-F5344CB8AC3E}">
+        <p14:creationId xmlns:p14="http://schemas.microsoft.com/office/powerpoint/2010/main" val="4234081348"/>
+      </p:ext>
+    </p:extLst>
+  </p:cSld>
+  <p:clrMapOvr>
+    <a:masterClrMapping/>
+  </p:clrMapOvr>
+</p:sld>
+</file>
+
+<file path=ppt/slides/slide26.xml><?xml version="1.0" encoding="utf-8"?>
+<p:sld xmlns:a="http://schemas.openxmlformats.org/drawingml/2006/main" xmlns:r="http://schemas.openxmlformats.org/officeDocument/2006/relationships" xmlns:p="http://schemas.openxmlformats.org/presentationml/2006/main">
+  <p:cSld>
+    <p:spTree>
+      <p:nvGrpSpPr>
+        <p:cNvPr id="1" name=""/>
+        <p:cNvGrpSpPr/>
+        <p:nvPr/>
+      </p:nvGrpSpPr>
+      <p:grpSpPr>
+        <a:xfrm>
+          <a:off x="0" y="0"/>
+          <a:ext cx="0" cy="0"/>
+          <a:chOff x="0" y="0"/>
+          <a:chExt cx="0" cy="0"/>
+        </a:xfrm>
+      </p:grpSpPr>
+      <p:sp>
+        <p:nvSpPr>
+          <p:cNvPr id="2" name="Rectangle 1">
+            <a:extLst>
+              <a:ext uri="{FF2B5EF4-FFF2-40B4-BE49-F238E27FC236}">
+                <a16:creationId xmlns:a16="http://schemas.microsoft.com/office/drawing/2014/main" id="{30DC3029-2A70-BE1A-CF1C-2F4D0FC6263A}"/>
+              </a:ext>
+            </a:extLst>
+          </p:cNvPr>
+          <p:cNvSpPr/>
+          <p:nvPr/>
+        </p:nvSpPr>
+        <p:spPr>
+          <a:xfrm>
+            <a:off x="5458408" y="261257"/>
+            <a:ext cx="6204857" cy="6335486"/>
+          </a:xfrm>
+          <a:prstGeom prst="rect">
+            <a:avLst/>
+          </a:prstGeom>
+          <a:solidFill>
+            <a:srgbClr val="FFC000"/>
+          </a:solidFill>
+        </p:spPr>
+        <p:style>
+          <a:lnRef idx="2">
+            <a:schemeClr val="accent1">
+              <a:shade val="50000"/>
+            </a:schemeClr>
+          </a:lnRef>
+          <a:fillRef idx="1">
+            <a:schemeClr val="accent1"/>
+          </a:fillRef>
+          <a:effectRef idx="0">
+            <a:schemeClr val="accent1"/>
+          </a:effectRef>
+          <a:fontRef idx="minor">
+            <a:schemeClr val="lt1"/>
+          </a:fontRef>
+        </p:style>
+        <p:txBody>
+          <a:bodyPr rtlCol="0" anchor="ctr"/>
+          <a:lstStyle/>
+          <a:p>
+            <a:pPr algn="ctr"/>
+            <a:endParaRPr lang="en-US"/>
+          </a:p>
+        </p:txBody>
+      </p:sp>
+      <p:sp>
+        <p:nvSpPr>
+          <p:cNvPr id="3" name="TextBox 2">
+            <a:extLst>
+              <a:ext uri="{FF2B5EF4-FFF2-40B4-BE49-F238E27FC236}">
+                <a16:creationId xmlns:a16="http://schemas.microsoft.com/office/drawing/2014/main" id="{5E786E88-B233-EFE6-CEBA-5D9D733FB375}"/>
+              </a:ext>
+            </a:extLst>
+          </p:cNvPr>
+          <p:cNvSpPr txBox="1"/>
+          <p:nvPr/>
+        </p:nvSpPr>
+        <p:spPr>
+          <a:xfrm>
+            <a:off x="5635690" y="429208"/>
+            <a:ext cx="5803641" cy="369332"/>
+          </a:xfrm>
+          <a:prstGeom prst="rect">
+            <a:avLst/>
+          </a:prstGeom>
+          <a:noFill/>
+        </p:spPr>
+        <p:txBody>
+          <a:bodyPr wrap="square" rtlCol="0">
+            <a:spAutoFit/>
+          </a:bodyPr>
+          <a:lstStyle/>
+          <a:p>
+            <a:pPr algn="ctr"/>
+            <a:r>
+              <a:rPr lang="en-IN" b="1" dirty="0"/>
+              <a:t>IIS Web Server</a:t>
+            </a:r>
+            <a:endParaRPr lang="en-US" b="1" dirty="0"/>
+          </a:p>
+        </p:txBody>
+      </p:sp>
+      <p:sp>
+        <p:nvSpPr>
+          <p:cNvPr id="4" name="Rectangle 3">
+            <a:extLst>
+              <a:ext uri="{FF2B5EF4-FFF2-40B4-BE49-F238E27FC236}">
+                <a16:creationId xmlns:a16="http://schemas.microsoft.com/office/drawing/2014/main" id="{2D23F969-D96D-589C-F029-AAF303EC0B84}"/>
+              </a:ext>
+            </a:extLst>
+          </p:cNvPr>
+          <p:cNvSpPr/>
+          <p:nvPr/>
+        </p:nvSpPr>
+        <p:spPr>
+          <a:xfrm>
+            <a:off x="5458408" y="961053"/>
+            <a:ext cx="6204857" cy="569167"/>
+          </a:xfrm>
+          <a:prstGeom prst="rect">
+            <a:avLst/>
+          </a:prstGeom>
+        </p:spPr>
+        <p:style>
+          <a:lnRef idx="2">
+            <a:schemeClr val="accent1">
+              <a:shade val="50000"/>
+            </a:schemeClr>
+          </a:lnRef>
+          <a:fillRef idx="1">
+            <a:schemeClr val="accent1"/>
+          </a:fillRef>
+          <a:effectRef idx="0">
+            <a:schemeClr val="accent1"/>
+          </a:effectRef>
+          <a:fontRef idx="minor">
+            <a:schemeClr val="lt1"/>
+          </a:fontRef>
+        </p:style>
+        <p:txBody>
+          <a:bodyPr rtlCol="0" anchor="ctr"/>
+          <a:lstStyle/>
+          <a:p>
+            <a:pPr algn="ctr"/>
+            <a:r>
+              <a:rPr lang="en-IN" b="1" dirty="0"/>
+              <a:t>Request Interceptor aka isapi.dll for .aspx page extension</a:t>
+            </a:r>
+            <a:endParaRPr lang="en-US" b="1" dirty="0"/>
+          </a:p>
+        </p:txBody>
+      </p:sp>
+      <p:sp>
+        <p:nvSpPr>
+          <p:cNvPr id="5" name="Rectangle 4">
+            <a:extLst>
+              <a:ext uri="{FF2B5EF4-FFF2-40B4-BE49-F238E27FC236}">
+                <a16:creationId xmlns:a16="http://schemas.microsoft.com/office/drawing/2014/main" id="{41F0445D-11C7-5E3F-FB0F-F5EEB9093A11}"/>
+              </a:ext>
+            </a:extLst>
+          </p:cNvPr>
+          <p:cNvSpPr/>
+          <p:nvPr/>
+        </p:nvSpPr>
+        <p:spPr>
+          <a:xfrm>
+            <a:off x="5458408" y="2052735"/>
+            <a:ext cx="6204857" cy="3116424"/>
+          </a:xfrm>
+          <a:prstGeom prst="rect">
+            <a:avLst/>
+          </a:prstGeom>
+          <a:solidFill>
+            <a:srgbClr val="7030A0"/>
+          </a:solidFill>
+        </p:spPr>
+        <p:style>
+          <a:lnRef idx="2">
+            <a:schemeClr val="accent1">
+              <a:shade val="50000"/>
+            </a:schemeClr>
+          </a:lnRef>
+          <a:fillRef idx="1">
+            <a:schemeClr val="accent1"/>
+          </a:fillRef>
+          <a:effectRef idx="0">
+            <a:schemeClr val="accent1"/>
+          </a:effectRef>
+          <a:fontRef idx="minor">
+            <a:schemeClr val="lt1"/>
+          </a:fontRef>
+        </p:style>
+        <p:txBody>
+          <a:bodyPr rtlCol="0" anchor="ctr"/>
+          <a:lstStyle/>
+          <a:p>
+            <a:pPr algn="ctr"/>
+            <a:endParaRPr lang="en-US"/>
+          </a:p>
+        </p:txBody>
+      </p:sp>
+      <p:sp>
+        <p:nvSpPr>
+          <p:cNvPr id="6" name="TextBox 5">
+            <a:extLst>
+              <a:ext uri="{FF2B5EF4-FFF2-40B4-BE49-F238E27FC236}">
+                <a16:creationId xmlns:a16="http://schemas.microsoft.com/office/drawing/2014/main" id="{4C8FAF6F-EE99-2E21-F4A1-2FEF2AF6B108}"/>
+              </a:ext>
+            </a:extLst>
+          </p:cNvPr>
+          <p:cNvSpPr txBox="1"/>
+          <p:nvPr/>
+        </p:nvSpPr>
+        <p:spPr>
+          <a:xfrm>
+            <a:off x="5635690" y="2052735"/>
+            <a:ext cx="5803641" cy="369332"/>
+          </a:xfrm>
+          <a:prstGeom prst="rect">
+            <a:avLst/>
+          </a:prstGeom>
+          <a:noFill/>
+        </p:spPr>
+        <p:txBody>
+          <a:bodyPr wrap="square" rtlCol="0">
+            <a:spAutoFit/>
+          </a:bodyPr>
+          <a:lstStyle/>
+          <a:p>
+            <a:pPr algn="ctr"/>
+            <a:r>
+              <a:rPr lang="en-IN" b="1" dirty="0">
+                <a:solidFill>
+                  <a:srgbClr val="FFFF00"/>
+                </a:solidFill>
+              </a:rPr>
+              <a:t>ASP.NET Web Site</a:t>
+            </a:r>
+            <a:endParaRPr lang="en-US" b="1" dirty="0">
+              <a:solidFill>
+                <a:srgbClr val="FFFF00"/>
+              </a:solidFill>
+            </a:endParaRPr>
+          </a:p>
+        </p:txBody>
+      </p:sp>
+      <p:sp>
+        <p:nvSpPr>
+          <p:cNvPr id="7" name="Flowchart: Multidocument 6">
+            <a:extLst>
+              <a:ext uri="{FF2B5EF4-FFF2-40B4-BE49-F238E27FC236}">
+                <a16:creationId xmlns:a16="http://schemas.microsoft.com/office/drawing/2014/main" id="{99C5382C-B86A-E63C-BDAB-37160CD730A3}"/>
+              </a:ext>
+            </a:extLst>
+          </p:cNvPr>
+          <p:cNvSpPr/>
+          <p:nvPr/>
+        </p:nvSpPr>
+        <p:spPr>
+          <a:xfrm>
+            <a:off x="5651241" y="2463282"/>
+            <a:ext cx="1362269" cy="1147665"/>
+          </a:xfrm>
+          <a:prstGeom prst="flowChartMultidocument">
+            <a:avLst/>
+          </a:prstGeom>
+        </p:spPr>
+        <p:style>
+          <a:lnRef idx="2">
+            <a:schemeClr val="accent1">
+              <a:shade val="50000"/>
+            </a:schemeClr>
+          </a:lnRef>
+          <a:fillRef idx="1">
+            <a:schemeClr val="accent1"/>
+          </a:fillRef>
+          <a:effectRef idx="0">
+            <a:schemeClr val="accent1"/>
+          </a:effectRef>
+          <a:fontRef idx="minor">
+            <a:schemeClr val="lt1"/>
+          </a:fontRef>
+        </p:style>
+        <p:txBody>
+          <a:bodyPr rtlCol="0" anchor="ctr"/>
+          <a:lstStyle/>
+          <a:p>
+            <a:pPr algn="ctr"/>
+            <a:r>
+              <a:rPr lang="en-IN" dirty="0"/>
+              <a:t>.aspx</a:t>
+            </a:r>
+            <a:endParaRPr lang="en-US" dirty="0"/>
+          </a:p>
+        </p:txBody>
+      </p:sp>
+      <p:sp>
+        <p:nvSpPr>
+          <p:cNvPr id="8" name="Flowchart: Multidocument 7">
+            <a:extLst>
+              <a:ext uri="{FF2B5EF4-FFF2-40B4-BE49-F238E27FC236}">
+                <a16:creationId xmlns:a16="http://schemas.microsoft.com/office/drawing/2014/main" id="{A402B292-279B-4190-0395-C57767FB2C70}"/>
+              </a:ext>
+            </a:extLst>
+          </p:cNvPr>
+          <p:cNvSpPr/>
+          <p:nvPr/>
+        </p:nvSpPr>
+        <p:spPr>
+          <a:xfrm>
+            <a:off x="7845489" y="2463282"/>
+            <a:ext cx="1362269" cy="1147665"/>
+          </a:xfrm>
+          <a:prstGeom prst="flowChartMultidocument">
+            <a:avLst/>
+          </a:prstGeom>
+        </p:spPr>
+        <p:style>
+          <a:lnRef idx="2">
+            <a:schemeClr val="accent1">
+              <a:shade val="50000"/>
+            </a:schemeClr>
+          </a:lnRef>
+          <a:fillRef idx="1">
+            <a:schemeClr val="accent1"/>
+          </a:fillRef>
+          <a:effectRef idx="0">
+            <a:schemeClr val="accent1"/>
+          </a:effectRef>
+          <a:fontRef idx="minor">
+            <a:schemeClr val="lt1"/>
+          </a:fontRef>
+        </p:style>
+        <p:txBody>
+          <a:bodyPr rtlCol="0" anchor="ctr"/>
+          <a:lstStyle/>
+          <a:p>
+            <a:pPr algn="ctr"/>
+            <a:r>
+              <a:rPr lang="en-IN" dirty="0"/>
+              <a:t>.aspx</a:t>
+            </a:r>
+            <a:endParaRPr lang="en-US" dirty="0"/>
+          </a:p>
+        </p:txBody>
+      </p:sp>
+      <p:sp>
+        <p:nvSpPr>
+          <p:cNvPr id="9" name="Flowchart: Multidocument 8">
+            <a:extLst>
+              <a:ext uri="{FF2B5EF4-FFF2-40B4-BE49-F238E27FC236}">
+                <a16:creationId xmlns:a16="http://schemas.microsoft.com/office/drawing/2014/main" id="{D5C1639D-6842-2213-6D33-FC733D1D16B2}"/>
+              </a:ext>
+            </a:extLst>
+          </p:cNvPr>
+          <p:cNvSpPr/>
+          <p:nvPr/>
+        </p:nvSpPr>
+        <p:spPr>
+          <a:xfrm>
+            <a:off x="9930881" y="2422067"/>
+            <a:ext cx="1362269" cy="1147665"/>
+          </a:xfrm>
+          <a:prstGeom prst="flowChartMultidocument">
+            <a:avLst/>
+          </a:prstGeom>
+        </p:spPr>
+        <p:style>
+          <a:lnRef idx="2">
+            <a:schemeClr val="accent1">
+              <a:shade val="50000"/>
+            </a:schemeClr>
+          </a:lnRef>
+          <a:fillRef idx="1">
+            <a:schemeClr val="accent1"/>
+          </a:fillRef>
+          <a:effectRef idx="0">
+            <a:schemeClr val="accent1"/>
+          </a:effectRef>
+          <a:fontRef idx="minor">
+            <a:schemeClr val="lt1"/>
+          </a:fontRef>
+        </p:style>
+        <p:txBody>
+          <a:bodyPr rtlCol="0" anchor="ctr"/>
+          <a:lstStyle/>
+          <a:p>
+            <a:pPr algn="ctr"/>
+            <a:r>
+              <a:rPr lang="en-IN" dirty="0"/>
+              <a:t>.aspx</a:t>
+            </a:r>
+            <a:endParaRPr lang="en-US" dirty="0"/>
+          </a:p>
+        </p:txBody>
+      </p:sp>
+      <p:sp>
+        <p:nvSpPr>
+          <p:cNvPr id="10" name="Flowchart: Multidocument 9">
+            <a:extLst>
+              <a:ext uri="{FF2B5EF4-FFF2-40B4-BE49-F238E27FC236}">
+                <a16:creationId xmlns:a16="http://schemas.microsoft.com/office/drawing/2014/main" id="{CAA83145-2133-9CC1-5EEB-7ECFBE6987F8}"/>
+              </a:ext>
+            </a:extLst>
+          </p:cNvPr>
+          <p:cNvSpPr/>
+          <p:nvPr/>
+        </p:nvSpPr>
+        <p:spPr>
+          <a:xfrm>
+            <a:off x="5651241" y="3872204"/>
+            <a:ext cx="1505339" cy="1147665"/>
+          </a:xfrm>
+          <a:prstGeom prst="flowChartMultidocument">
+            <a:avLst/>
+          </a:prstGeom>
+        </p:spPr>
+        <p:style>
+          <a:lnRef idx="2">
+            <a:schemeClr val="accent1">
+              <a:shade val="50000"/>
+            </a:schemeClr>
+          </a:lnRef>
+          <a:fillRef idx="1">
+            <a:schemeClr val="accent1"/>
+          </a:fillRef>
+          <a:effectRef idx="0">
+            <a:schemeClr val="accent1"/>
+          </a:effectRef>
+          <a:fontRef idx="minor">
+            <a:schemeClr val="lt1"/>
+          </a:fontRef>
+        </p:style>
+        <p:txBody>
+          <a:bodyPr rtlCol="0" anchor="ctr"/>
+          <a:lstStyle/>
+          <a:p>
+            <a:pPr algn="ctr"/>
+            <a:r>
+              <a:rPr lang="en-IN" dirty="0"/>
+              <a:t>.</a:t>
+            </a:r>
+            <a:r>
+              <a:rPr lang="en-IN" dirty="0" err="1"/>
+              <a:t>dll</a:t>
+            </a:r>
+            <a:r>
+              <a:rPr lang="en-IN" dirty="0"/>
+              <a:t> for each aspx</a:t>
+            </a:r>
+            <a:endParaRPr lang="en-US" dirty="0"/>
+          </a:p>
+        </p:txBody>
+      </p:sp>
+      <p:cxnSp>
+        <p:nvCxnSpPr>
+          <p:cNvPr id="12" name="Straight Arrow Connector 11">
+            <a:extLst>
+              <a:ext uri="{FF2B5EF4-FFF2-40B4-BE49-F238E27FC236}">
+                <a16:creationId xmlns:a16="http://schemas.microsoft.com/office/drawing/2014/main" id="{018ED321-EC58-16FF-A850-C5CA32C92086}"/>
+              </a:ext>
+            </a:extLst>
+          </p:cNvPr>
+          <p:cNvCxnSpPr>
+            <a:stCxn id="7" idx="2"/>
+          </p:cNvCxnSpPr>
+          <p:nvPr/>
+        </p:nvCxnSpPr>
+        <p:spPr>
+          <a:xfrm>
+            <a:off x="6237647" y="3567485"/>
+            <a:ext cx="144492" cy="304719"/>
+          </a:xfrm>
+          <a:prstGeom prst="straightConnector1">
+            <a:avLst/>
+          </a:prstGeom>
+          <a:ln w="38100">
+            <a:solidFill>
+              <a:srgbClr val="FFFF00"/>
+            </a:solidFill>
+            <a:tailEnd type="triangle"/>
+          </a:ln>
+        </p:spPr>
+        <p:style>
+          <a:lnRef idx="1">
+            <a:schemeClr val="accent1"/>
+          </a:lnRef>
+          <a:fillRef idx="0">
+            <a:schemeClr val="accent1"/>
+          </a:fillRef>
+          <a:effectRef idx="0">
+            <a:schemeClr val="accent1"/>
+          </a:effectRef>
+          <a:fontRef idx="minor">
+            <a:schemeClr val="tx1"/>
+          </a:fontRef>
+        </p:style>
+      </p:cxnSp>
+      <p:sp>
+        <p:nvSpPr>
+          <p:cNvPr id="13" name="Flowchart: Multidocument 12">
+            <a:extLst>
+              <a:ext uri="{FF2B5EF4-FFF2-40B4-BE49-F238E27FC236}">
+                <a16:creationId xmlns:a16="http://schemas.microsoft.com/office/drawing/2014/main" id="{D0F4C7A1-266A-B976-FA88-0ED1E615E1DD}"/>
+              </a:ext>
+            </a:extLst>
+          </p:cNvPr>
+          <p:cNvSpPr/>
+          <p:nvPr/>
+        </p:nvSpPr>
+        <p:spPr>
+          <a:xfrm>
+            <a:off x="7654213" y="3890083"/>
+            <a:ext cx="1505339" cy="1147665"/>
+          </a:xfrm>
+          <a:prstGeom prst="flowChartMultidocument">
+            <a:avLst/>
+          </a:prstGeom>
+        </p:spPr>
+        <p:style>
+          <a:lnRef idx="2">
+            <a:schemeClr val="accent1">
+              <a:shade val="50000"/>
+            </a:schemeClr>
+          </a:lnRef>
+          <a:fillRef idx="1">
+            <a:schemeClr val="accent1"/>
+          </a:fillRef>
+          <a:effectRef idx="0">
+            <a:schemeClr val="accent1"/>
+          </a:effectRef>
+          <a:fontRef idx="minor">
+            <a:schemeClr val="lt1"/>
+          </a:fontRef>
+        </p:style>
+        <p:txBody>
+          <a:bodyPr rtlCol="0" anchor="ctr"/>
+          <a:lstStyle/>
+          <a:p>
+            <a:pPr algn="ctr"/>
+            <a:r>
+              <a:rPr lang="en-IN" dirty="0"/>
+              <a:t>.</a:t>
+            </a:r>
+            <a:r>
+              <a:rPr lang="en-IN" dirty="0" err="1"/>
+              <a:t>dll</a:t>
+            </a:r>
+            <a:r>
+              <a:rPr lang="en-IN" dirty="0"/>
+              <a:t> for each aspx</a:t>
+            </a:r>
+            <a:endParaRPr lang="en-US" dirty="0"/>
+          </a:p>
+        </p:txBody>
+      </p:sp>
+      <p:sp>
+        <p:nvSpPr>
+          <p:cNvPr id="14" name="Flowchart: Multidocument 13">
+            <a:extLst>
+              <a:ext uri="{FF2B5EF4-FFF2-40B4-BE49-F238E27FC236}">
+                <a16:creationId xmlns:a16="http://schemas.microsoft.com/office/drawing/2014/main" id="{5A16025C-6C3A-D4E5-1968-E7E2E7AD9646}"/>
+              </a:ext>
+            </a:extLst>
+          </p:cNvPr>
+          <p:cNvSpPr/>
+          <p:nvPr/>
+        </p:nvSpPr>
+        <p:spPr>
+          <a:xfrm>
+            <a:off x="9787811" y="3939064"/>
+            <a:ext cx="1505339" cy="1147665"/>
+          </a:xfrm>
+          <a:prstGeom prst="flowChartMultidocument">
+            <a:avLst/>
+          </a:prstGeom>
+        </p:spPr>
+        <p:style>
+          <a:lnRef idx="2">
+            <a:schemeClr val="accent1">
+              <a:shade val="50000"/>
+            </a:schemeClr>
+          </a:lnRef>
+          <a:fillRef idx="1">
+            <a:schemeClr val="accent1"/>
+          </a:fillRef>
+          <a:effectRef idx="0">
+            <a:schemeClr val="accent1"/>
+          </a:effectRef>
+          <a:fontRef idx="minor">
+            <a:schemeClr val="lt1"/>
+          </a:fontRef>
+        </p:style>
+        <p:txBody>
+          <a:bodyPr rtlCol="0" anchor="ctr"/>
+          <a:lstStyle/>
+          <a:p>
+            <a:pPr algn="ctr"/>
+            <a:r>
+              <a:rPr lang="en-IN" dirty="0"/>
+              <a:t>.</a:t>
+            </a:r>
+            <a:r>
+              <a:rPr lang="en-IN" dirty="0" err="1"/>
+              <a:t>dll</a:t>
+            </a:r>
+            <a:r>
+              <a:rPr lang="en-IN" dirty="0"/>
+              <a:t> for each aspx</a:t>
+            </a:r>
+            <a:endParaRPr lang="en-US" dirty="0"/>
+          </a:p>
+        </p:txBody>
+      </p:sp>
+      <p:cxnSp>
+        <p:nvCxnSpPr>
+          <p:cNvPr id="17" name="Straight Arrow Connector 16">
+            <a:extLst>
+              <a:ext uri="{FF2B5EF4-FFF2-40B4-BE49-F238E27FC236}">
+                <a16:creationId xmlns:a16="http://schemas.microsoft.com/office/drawing/2014/main" id="{63B66C35-D785-1A72-4163-FED6D2C9ADF4}"/>
+              </a:ext>
+            </a:extLst>
+          </p:cNvPr>
+          <p:cNvCxnSpPr>
+            <a:cxnSpLocks/>
+            <a:stCxn id="8" idx="2"/>
+            <a:endCxn id="13" idx="0"/>
+          </p:cNvCxnSpPr>
+          <p:nvPr/>
+        </p:nvCxnSpPr>
+        <p:spPr>
+          <a:xfrm>
+            <a:off x="8431895" y="3567485"/>
+            <a:ext cx="78549" cy="322598"/>
+          </a:xfrm>
+          <a:prstGeom prst="straightConnector1">
+            <a:avLst/>
+          </a:prstGeom>
+          <a:ln w="38100">
+            <a:solidFill>
+              <a:srgbClr val="FFFF00"/>
+            </a:solidFill>
+            <a:tailEnd type="triangle"/>
+          </a:ln>
+        </p:spPr>
+        <p:style>
+          <a:lnRef idx="1">
+            <a:schemeClr val="accent1"/>
+          </a:lnRef>
+          <a:fillRef idx="0">
+            <a:schemeClr val="accent1"/>
+          </a:fillRef>
+          <a:effectRef idx="0">
+            <a:schemeClr val="accent1"/>
+          </a:effectRef>
+          <a:fontRef idx="minor">
+            <a:schemeClr val="tx1"/>
+          </a:fontRef>
+        </p:style>
+      </p:cxnSp>
+      <p:cxnSp>
+        <p:nvCxnSpPr>
+          <p:cNvPr id="20" name="Straight Arrow Connector 19">
+            <a:extLst>
+              <a:ext uri="{FF2B5EF4-FFF2-40B4-BE49-F238E27FC236}">
+                <a16:creationId xmlns:a16="http://schemas.microsoft.com/office/drawing/2014/main" id="{EF4630B2-54BC-1DC6-6538-F686AB2FEC0E}"/>
+              </a:ext>
+            </a:extLst>
+          </p:cNvPr>
+          <p:cNvCxnSpPr>
+            <a:stCxn id="9" idx="2"/>
+            <a:endCxn id="14" idx="0"/>
+          </p:cNvCxnSpPr>
+          <p:nvPr/>
+        </p:nvCxnSpPr>
+        <p:spPr>
+          <a:xfrm>
+            <a:off x="10517287" y="3526270"/>
+            <a:ext cx="126755" cy="412794"/>
+          </a:xfrm>
+          <a:prstGeom prst="straightConnector1">
+            <a:avLst/>
+          </a:prstGeom>
+          <a:ln w="38100">
+            <a:solidFill>
+              <a:srgbClr val="FFFF00"/>
+            </a:solidFill>
+            <a:tailEnd type="triangle"/>
+          </a:ln>
+        </p:spPr>
+        <p:style>
+          <a:lnRef idx="1">
+            <a:schemeClr val="accent1"/>
+          </a:lnRef>
+          <a:fillRef idx="0">
+            <a:schemeClr val="accent1"/>
+          </a:fillRef>
+          <a:effectRef idx="0">
+            <a:schemeClr val="accent1"/>
+          </a:effectRef>
+          <a:fontRef idx="minor">
+            <a:schemeClr val="tx1"/>
+          </a:fontRef>
+        </p:style>
+      </p:cxnSp>
+      <p:sp>
+        <p:nvSpPr>
+          <p:cNvPr id="21" name="Arrow: Right 20">
+            <a:extLst>
+              <a:ext uri="{FF2B5EF4-FFF2-40B4-BE49-F238E27FC236}">
+                <a16:creationId xmlns:a16="http://schemas.microsoft.com/office/drawing/2014/main" id="{B4AAC464-F2EA-6560-B336-DA8748489C5A}"/>
+              </a:ext>
+            </a:extLst>
+          </p:cNvPr>
+          <p:cNvSpPr/>
+          <p:nvPr/>
+        </p:nvSpPr>
+        <p:spPr>
+          <a:xfrm>
+            <a:off x="251927" y="798540"/>
+            <a:ext cx="5206481" cy="731680"/>
+          </a:xfrm>
+          <a:prstGeom prst="rightArrow">
+            <a:avLst/>
+          </a:prstGeom>
+        </p:spPr>
+        <p:style>
+          <a:lnRef idx="2">
+            <a:schemeClr val="accent1">
+              <a:shade val="50000"/>
+            </a:schemeClr>
+          </a:lnRef>
+          <a:fillRef idx="1">
+            <a:schemeClr val="accent1"/>
+          </a:fillRef>
+          <a:effectRef idx="0">
+            <a:schemeClr val="accent1"/>
+          </a:effectRef>
+          <a:fontRef idx="minor">
+            <a:schemeClr val="lt1"/>
+          </a:fontRef>
+        </p:style>
+        <p:txBody>
+          <a:bodyPr rtlCol="0" anchor="ctr"/>
+          <a:lstStyle/>
+          <a:p>
+            <a:pPr algn="ctr"/>
+            <a:r>
+              <a:rPr lang="en-IN" b="1" dirty="0"/>
+              <a:t>Request for a.aspx</a:t>
+            </a:r>
+            <a:endParaRPr lang="en-US" b="1" dirty="0"/>
+          </a:p>
+        </p:txBody>
+      </p:sp>
+      <p:sp>
+        <p:nvSpPr>
+          <p:cNvPr id="23" name="Arrow: Down 22">
+            <a:extLst>
+              <a:ext uri="{FF2B5EF4-FFF2-40B4-BE49-F238E27FC236}">
+                <a16:creationId xmlns:a16="http://schemas.microsoft.com/office/drawing/2014/main" id="{22B20B86-68A9-4DB0-511B-BA68BF5675CB}"/>
+              </a:ext>
+            </a:extLst>
+          </p:cNvPr>
+          <p:cNvSpPr/>
+          <p:nvPr/>
+        </p:nvSpPr>
+        <p:spPr>
+          <a:xfrm>
+            <a:off x="5961550" y="1542621"/>
+            <a:ext cx="884719" cy="1104203"/>
+          </a:xfrm>
+          <a:prstGeom prst="downArrow">
+            <a:avLst/>
+          </a:prstGeom>
+          <a:solidFill>
+            <a:srgbClr val="FF0000"/>
+          </a:solidFill>
+          <a:ln>
+            <a:solidFill>
+              <a:srgbClr val="FFFF00"/>
+            </a:solidFill>
+          </a:ln>
+        </p:spPr>
+        <p:style>
+          <a:lnRef idx="2">
+            <a:schemeClr val="accent1">
+              <a:shade val="50000"/>
+            </a:schemeClr>
+          </a:lnRef>
+          <a:fillRef idx="1">
+            <a:schemeClr val="accent1"/>
+          </a:fillRef>
+          <a:effectRef idx="0">
+            <a:schemeClr val="accent1"/>
+          </a:effectRef>
+          <a:fontRef idx="minor">
+            <a:schemeClr val="lt1"/>
+          </a:fontRef>
+        </p:style>
+        <p:txBody>
+          <a:bodyPr rtlCol="0" anchor="ctr"/>
+          <a:lstStyle/>
+          <a:p>
+            <a:pPr algn="ctr"/>
+            <a:r>
+              <a:rPr lang="en-IN" dirty="0"/>
+              <a:t>1.</a:t>
+            </a:r>
+            <a:endParaRPr lang="en-US" dirty="0"/>
+          </a:p>
+        </p:txBody>
+      </p:sp>
+      <p:sp>
+        <p:nvSpPr>
+          <p:cNvPr id="26" name="Arrow: Curved Down 25">
+            <a:extLst>
+              <a:ext uri="{FF2B5EF4-FFF2-40B4-BE49-F238E27FC236}">
+                <a16:creationId xmlns:a16="http://schemas.microsoft.com/office/drawing/2014/main" id="{687E38D4-3402-FD4E-F20B-375603887216}"/>
+              </a:ext>
+            </a:extLst>
+          </p:cNvPr>
+          <p:cNvSpPr/>
+          <p:nvPr/>
+        </p:nvSpPr>
+        <p:spPr>
+          <a:xfrm>
+            <a:off x="6554044" y="4445265"/>
+            <a:ext cx="817983" cy="328117"/>
+          </a:xfrm>
+          <a:prstGeom prst="curvedDownArrow">
+            <a:avLst/>
+          </a:prstGeom>
+          <a:solidFill>
+            <a:srgbClr val="FF0000"/>
+          </a:solidFill>
+          <a:ln>
+            <a:solidFill>
+              <a:srgbClr val="FFFF00"/>
+            </a:solidFill>
+          </a:ln>
+        </p:spPr>
+        <p:style>
+          <a:lnRef idx="2">
+            <a:schemeClr val="accent1">
+              <a:shade val="50000"/>
+            </a:schemeClr>
+          </a:lnRef>
+          <a:fillRef idx="1">
+            <a:schemeClr val="accent1"/>
+          </a:fillRef>
+          <a:effectRef idx="0">
+            <a:schemeClr val="accent1"/>
+          </a:effectRef>
+          <a:fontRef idx="minor">
+            <a:schemeClr val="lt1"/>
+          </a:fontRef>
+        </p:style>
+        <p:txBody>
+          <a:bodyPr rtlCol="0" anchor="ctr"/>
+          <a:lstStyle/>
+          <a:p>
+            <a:pPr algn="ctr"/>
+            <a:endParaRPr lang="en-US">
+              <a:solidFill>
+                <a:schemeClr val="tx1"/>
+              </a:solidFill>
+            </a:endParaRPr>
+          </a:p>
+        </p:txBody>
+      </p:sp>
+      <p:sp>
+        <p:nvSpPr>
+          <p:cNvPr id="27" name="Arrow: Curved Down 26">
+            <a:extLst>
+              <a:ext uri="{FF2B5EF4-FFF2-40B4-BE49-F238E27FC236}">
+                <a16:creationId xmlns:a16="http://schemas.microsoft.com/office/drawing/2014/main" id="{67C7C7AB-1EEE-DE91-EB12-DA15BD58F98E}"/>
+              </a:ext>
+            </a:extLst>
+          </p:cNvPr>
+          <p:cNvSpPr/>
+          <p:nvPr/>
+        </p:nvSpPr>
+        <p:spPr>
+          <a:xfrm rot="10800000">
+            <a:off x="6527608" y="4773382"/>
+            <a:ext cx="817983" cy="328117"/>
+          </a:xfrm>
+          <a:prstGeom prst="curvedDownArrow">
+            <a:avLst/>
+          </a:prstGeom>
+          <a:solidFill>
+            <a:srgbClr val="FF0000"/>
+          </a:solidFill>
+          <a:ln>
+            <a:solidFill>
+              <a:srgbClr val="FFFF00"/>
+            </a:solidFill>
+          </a:ln>
+        </p:spPr>
+        <p:style>
+          <a:lnRef idx="2">
+            <a:schemeClr val="accent1">
+              <a:shade val="50000"/>
+            </a:schemeClr>
+          </a:lnRef>
+          <a:fillRef idx="1">
+            <a:schemeClr val="accent1"/>
+          </a:fillRef>
+          <a:effectRef idx="0">
+            <a:schemeClr val="accent1"/>
+          </a:effectRef>
+          <a:fontRef idx="minor">
+            <a:schemeClr val="lt1"/>
+          </a:fontRef>
+        </p:style>
+        <p:txBody>
+          <a:bodyPr rtlCol="0" anchor="ctr"/>
+          <a:lstStyle/>
+          <a:p>
+            <a:pPr algn="ctr"/>
+            <a:endParaRPr lang="en-US">
+              <a:solidFill>
+                <a:schemeClr val="tx1"/>
+              </a:solidFill>
+            </a:endParaRPr>
+          </a:p>
+        </p:txBody>
+      </p:sp>
+      <p:sp>
+        <p:nvSpPr>
+          <p:cNvPr id="28" name="TextBox 27">
+            <a:extLst>
+              <a:ext uri="{FF2B5EF4-FFF2-40B4-BE49-F238E27FC236}">
+                <a16:creationId xmlns:a16="http://schemas.microsoft.com/office/drawing/2014/main" id="{E15FCE04-459A-BE04-B046-509F62D2D8A5}"/>
+              </a:ext>
+            </a:extLst>
+          </p:cNvPr>
+          <p:cNvSpPr txBox="1"/>
+          <p:nvPr/>
+        </p:nvSpPr>
+        <p:spPr>
+          <a:xfrm>
+            <a:off x="6699380" y="4646645"/>
+            <a:ext cx="483637" cy="369332"/>
+          </a:xfrm>
+          <a:prstGeom prst="rect">
+            <a:avLst/>
+          </a:prstGeom>
+          <a:noFill/>
+        </p:spPr>
+        <p:txBody>
+          <a:bodyPr wrap="square" rtlCol="0">
+            <a:spAutoFit/>
+          </a:bodyPr>
+          <a:lstStyle/>
+          <a:p>
+            <a:r>
+              <a:rPr lang="en-IN" dirty="0">
+                <a:solidFill>
+                  <a:schemeClr val="bg1"/>
+                </a:solidFill>
+              </a:rPr>
+              <a:t>2.</a:t>
+            </a:r>
+            <a:endParaRPr lang="en-US" dirty="0">
+              <a:solidFill>
+                <a:schemeClr val="bg1"/>
+              </a:solidFill>
+            </a:endParaRPr>
+          </a:p>
+        </p:txBody>
+      </p:sp>
+      <p:sp>
+        <p:nvSpPr>
+          <p:cNvPr id="29" name="TextBox 28">
+            <a:extLst>
+              <a:ext uri="{FF2B5EF4-FFF2-40B4-BE49-F238E27FC236}">
+                <a16:creationId xmlns:a16="http://schemas.microsoft.com/office/drawing/2014/main" id="{FC0DF155-01D7-AD5F-76C3-431A39AA3F3C}"/>
+              </a:ext>
+            </a:extLst>
+          </p:cNvPr>
+          <p:cNvSpPr txBox="1"/>
+          <p:nvPr/>
+        </p:nvSpPr>
+        <p:spPr>
+          <a:xfrm>
+            <a:off x="251927" y="2164702"/>
+            <a:ext cx="4710403" cy="1477328"/>
+          </a:xfrm>
+          <a:prstGeom prst="rect">
+            <a:avLst/>
+          </a:prstGeom>
+          <a:noFill/>
+        </p:spPr>
+        <p:txBody>
+          <a:bodyPr wrap="square" rtlCol="0">
+            <a:spAutoFit/>
+          </a:bodyPr>
+          <a:lstStyle/>
+          <a:p>
+            <a:pPr marL="342900" indent="-342900">
+              <a:buAutoNum type="arabicPeriod"/>
+            </a:pPr>
+            <a:r>
+              <a:rPr lang="en-IN" dirty="0"/>
+              <a:t>When the a.aspx is located, its assembly (a.dll) will be located</a:t>
+            </a:r>
+          </a:p>
+          <a:p>
+            <a:pPr marL="342900" indent="-342900">
+              <a:buAutoNum type="arabicPeriod"/>
+            </a:pPr>
+            <a:r>
+              <a:rPr lang="en-IN" dirty="0"/>
+              <a:t>A.dll will be executed</a:t>
+            </a:r>
+          </a:p>
+          <a:p>
+            <a:pPr marL="800100" lvl="1" indent="-342900">
+              <a:buAutoNum type="arabicPeriod"/>
+            </a:pPr>
+            <a:r>
+              <a:rPr lang="en-IN" dirty="0"/>
+              <a:t>This will be executed by ASP.NET Runtime and .NET CLR</a:t>
+            </a:r>
+            <a:endParaRPr lang="en-US" dirty="0"/>
+          </a:p>
+        </p:txBody>
+      </p:sp>
+      <p:sp>
+        <p:nvSpPr>
+          <p:cNvPr id="30" name="Arrow: Left 29">
+            <a:extLst>
+              <a:ext uri="{FF2B5EF4-FFF2-40B4-BE49-F238E27FC236}">
+                <a16:creationId xmlns:a16="http://schemas.microsoft.com/office/drawing/2014/main" id="{840EDF35-FDCD-24E9-D1F0-C97DCCDD9934}"/>
+              </a:ext>
+            </a:extLst>
+          </p:cNvPr>
+          <p:cNvSpPr/>
+          <p:nvPr/>
+        </p:nvSpPr>
+        <p:spPr>
+          <a:xfrm>
+            <a:off x="335903" y="3939064"/>
+            <a:ext cx="5114730" cy="731680"/>
+          </a:xfrm>
+          <a:prstGeom prst="leftArrow">
+            <a:avLst/>
+          </a:prstGeom>
+        </p:spPr>
+        <p:style>
+          <a:lnRef idx="2">
+            <a:schemeClr val="accent1">
+              <a:shade val="50000"/>
+            </a:schemeClr>
+          </a:lnRef>
+          <a:fillRef idx="1">
+            <a:schemeClr val="accent1"/>
+          </a:fillRef>
+          <a:effectRef idx="0">
+            <a:schemeClr val="accent1"/>
+          </a:effectRef>
+          <a:fontRef idx="minor">
+            <a:schemeClr val="lt1"/>
+          </a:fontRef>
+        </p:style>
+        <p:txBody>
+          <a:bodyPr rtlCol="0" anchor="ctr"/>
+          <a:lstStyle/>
+          <a:p>
+            <a:pPr algn="ctr"/>
+            <a:r>
+              <a:rPr lang="en-IN" sz="1600" b="1" dirty="0"/>
+              <a:t>2. The HTML Response for the page will be responded</a:t>
+            </a:r>
+            <a:endParaRPr lang="en-US" sz="1600" b="1" dirty="0"/>
+          </a:p>
+        </p:txBody>
+      </p:sp>
+      <p:sp>
+        <p:nvSpPr>
+          <p:cNvPr id="31" name="Rectangle 30">
+            <a:extLst>
+              <a:ext uri="{FF2B5EF4-FFF2-40B4-BE49-F238E27FC236}">
+                <a16:creationId xmlns:a16="http://schemas.microsoft.com/office/drawing/2014/main" id="{66EA17BD-12B4-C4EB-7D5C-19FF1A39F818}"/>
+              </a:ext>
+            </a:extLst>
+          </p:cNvPr>
+          <p:cNvSpPr/>
+          <p:nvPr/>
+        </p:nvSpPr>
+        <p:spPr>
+          <a:xfrm>
+            <a:off x="5458408" y="5486400"/>
+            <a:ext cx="6204857" cy="603420"/>
+          </a:xfrm>
+          <a:prstGeom prst="rect">
+            <a:avLst/>
+          </a:prstGeom>
+          <a:solidFill>
+            <a:srgbClr val="FF0000"/>
+          </a:solidFill>
+        </p:spPr>
+        <p:style>
+          <a:lnRef idx="2">
+            <a:schemeClr val="accent1">
+              <a:shade val="50000"/>
+            </a:schemeClr>
+          </a:lnRef>
+          <a:fillRef idx="1">
+            <a:schemeClr val="accent1"/>
+          </a:fillRef>
+          <a:effectRef idx="0">
+            <a:schemeClr val="accent1"/>
+          </a:effectRef>
+          <a:fontRef idx="minor">
+            <a:schemeClr val="lt1"/>
+          </a:fontRef>
+        </p:style>
+        <p:txBody>
+          <a:bodyPr rtlCol="0" anchor="ctr"/>
+          <a:lstStyle/>
+          <a:p>
+            <a:pPr algn="ctr"/>
+            <a:r>
+              <a:rPr lang="en-IN" b="1" dirty="0"/>
+              <a:t>ASP.NET Runtime</a:t>
+            </a:r>
+            <a:endParaRPr lang="en-US" b="1" dirty="0"/>
+          </a:p>
+        </p:txBody>
+      </p:sp>
+      <p:sp>
+        <p:nvSpPr>
+          <p:cNvPr id="32" name="Rectangle 31">
+            <a:extLst>
+              <a:ext uri="{FF2B5EF4-FFF2-40B4-BE49-F238E27FC236}">
+                <a16:creationId xmlns:a16="http://schemas.microsoft.com/office/drawing/2014/main" id="{0D50EE79-4A57-D2CB-ACE2-53878FB20860}"/>
+              </a:ext>
+            </a:extLst>
+          </p:cNvPr>
+          <p:cNvSpPr/>
+          <p:nvPr/>
+        </p:nvSpPr>
+        <p:spPr>
+          <a:xfrm>
+            <a:off x="11749640" y="2230016"/>
+            <a:ext cx="409703" cy="4366727"/>
+          </a:xfrm>
+          <a:prstGeom prst="rect">
+            <a:avLst/>
+          </a:prstGeom>
+        </p:spPr>
+        <p:style>
+          <a:lnRef idx="2">
+            <a:schemeClr val="accent1">
+              <a:shade val="50000"/>
+            </a:schemeClr>
+          </a:lnRef>
+          <a:fillRef idx="1">
+            <a:schemeClr val="accent1"/>
+          </a:fillRef>
+          <a:effectRef idx="0">
+            <a:schemeClr val="accent1"/>
+          </a:effectRef>
+          <a:fontRef idx="minor">
+            <a:schemeClr val="lt1"/>
+          </a:fontRef>
+        </p:style>
+        <p:txBody>
+          <a:bodyPr rtlCol="0" anchor="ctr"/>
+          <a:lstStyle/>
+          <a:p>
+            <a:pPr algn="ctr"/>
+            <a:r>
+              <a:rPr lang="en-IN" b="1" dirty="0"/>
+              <a:t>C</a:t>
+            </a:r>
+          </a:p>
+          <a:p>
+            <a:pPr algn="ctr"/>
+            <a:r>
+              <a:rPr lang="en-IN" b="1" dirty="0"/>
+              <a:t>L</a:t>
+            </a:r>
+          </a:p>
+          <a:p>
+            <a:pPr algn="ctr"/>
+            <a:r>
+              <a:rPr lang="en-IN" b="1" dirty="0"/>
+              <a:t>R</a:t>
+            </a:r>
+            <a:endParaRPr lang="en-US" b="1" dirty="0"/>
+          </a:p>
+        </p:txBody>
+      </p:sp>
+      <p:sp>
+        <p:nvSpPr>
+          <p:cNvPr id="33" name="Arrow: Left-Right 32">
+            <a:extLst>
+              <a:ext uri="{FF2B5EF4-FFF2-40B4-BE49-F238E27FC236}">
+                <a16:creationId xmlns:a16="http://schemas.microsoft.com/office/drawing/2014/main" id="{A50AD462-9A7C-99B2-8135-AB098E160106}"/>
+              </a:ext>
+            </a:extLst>
+          </p:cNvPr>
+          <p:cNvSpPr/>
+          <p:nvPr/>
+        </p:nvSpPr>
+        <p:spPr>
+          <a:xfrm>
+            <a:off x="11513976" y="5775649"/>
+            <a:ext cx="409703" cy="195943"/>
+          </a:xfrm>
+          <a:prstGeom prst="leftRightArrow">
+            <a:avLst/>
+          </a:prstGeom>
+          <a:solidFill>
+            <a:schemeClr val="accent6">
+              <a:lumMod val="50000"/>
+            </a:schemeClr>
+          </a:solidFill>
+          <a:ln>
+            <a:solidFill>
+              <a:srgbClr val="FFFF00"/>
+            </a:solidFill>
+          </a:ln>
+        </p:spPr>
+        <p:style>
+          <a:lnRef idx="2">
+            <a:schemeClr val="accent1">
+              <a:shade val="50000"/>
+            </a:schemeClr>
+          </a:lnRef>
+          <a:fillRef idx="1">
+            <a:schemeClr val="accent1"/>
+          </a:fillRef>
+          <a:effectRef idx="0">
+            <a:schemeClr val="accent1"/>
+          </a:effectRef>
+          <a:fontRef idx="minor">
+            <a:schemeClr val="lt1"/>
+          </a:fontRef>
+        </p:style>
+        <p:txBody>
+          <a:bodyPr rtlCol="0" anchor="ctr"/>
+          <a:lstStyle/>
+          <a:p>
+            <a:pPr algn="ctr"/>
+            <a:endParaRPr lang="en-US"/>
+          </a:p>
+        </p:txBody>
+      </p:sp>
+    </p:spTree>
+    <p:extLst>
+      <p:ext uri="{BB962C8B-B14F-4D97-AF65-F5344CB8AC3E}">
+        <p14:creationId xmlns:p14="http://schemas.microsoft.com/office/powerpoint/2010/main" val="1139504861"/>
+      </p:ext>
+    </p:extLst>
+  </p:cSld>
+  <p:clrMapOvr>
+    <a:masterClrMapping/>
+  </p:clrMapOvr>
+</p:sld>
+</file>
+
+<file path=ppt/slides/slide27.xml><?xml version="1.0" encoding="utf-8"?>
+<p:sld xmlns:a="http://schemas.openxmlformats.org/drawingml/2006/main" xmlns:r="http://schemas.openxmlformats.org/officeDocument/2006/relationships" xmlns:p="http://schemas.openxmlformats.org/presentationml/2006/main">
+  <p:cSld>
+    <p:spTree>
+      <p:nvGrpSpPr>
+        <p:cNvPr id="1" name=""/>
+        <p:cNvGrpSpPr/>
+        <p:nvPr/>
+      </p:nvGrpSpPr>
+      <p:grpSpPr>
+        <a:xfrm>
+          <a:off x="0" y="0"/>
+          <a:ext cx="0" cy="0"/>
+          <a:chOff x="0" y="0"/>
+          <a:chExt cx="0" cy="0"/>
+        </a:xfrm>
+      </p:grpSpPr>
+      <p:pic>
+        <p:nvPicPr>
+          <p:cNvPr id="3" name="Picture 2">
+            <a:extLst>
+              <a:ext uri="{FF2B5EF4-FFF2-40B4-BE49-F238E27FC236}">
+                <a16:creationId xmlns:a16="http://schemas.microsoft.com/office/drawing/2014/main" id="{2ADAC2A5-B466-52F5-D8C6-95C79559E447}"/>
+              </a:ext>
+            </a:extLst>
+          </p:cNvPr>
+          <p:cNvPicPr>
+            <a:picLocks noChangeAspect="1"/>
+          </p:cNvPicPr>
+          <p:nvPr/>
+        </p:nvPicPr>
+        <p:blipFill>
+          <a:blip r:embed="rId2"/>
+          <a:stretch>
+            <a:fillRect/>
+          </a:stretch>
+        </p:blipFill>
+        <p:spPr>
+          <a:xfrm>
+            <a:off x="770849" y="304040"/>
+            <a:ext cx="3932261" cy="3124960"/>
+          </a:xfrm>
+          <a:prstGeom prst="rect">
+            <a:avLst/>
+          </a:prstGeom>
+        </p:spPr>
+      </p:pic>
+      <p:cxnSp>
+        <p:nvCxnSpPr>
+          <p:cNvPr id="5" name="Straight Arrow Connector 4">
+            <a:extLst>
+              <a:ext uri="{FF2B5EF4-FFF2-40B4-BE49-F238E27FC236}">
+                <a16:creationId xmlns:a16="http://schemas.microsoft.com/office/drawing/2014/main" id="{E08BD051-C606-E841-5446-AB0AD2CAB21F}"/>
+              </a:ext>
+            </a:extLst>
+          </p:cNvPr>
+          <p:cNvCxnSpPr/>
+          <p:nvPr/>
+        </p:nvCxnSpPr>
+        <p:spPr>
+          <a:xfrm flipV="1">
+            <a:off x="1903445" y="503853"/>
+            <a:ext cx="4749282" cy="149290"/>
+          </a:xfrm>
+          <a:prstGeom prst="straightConnector1">
+            <a:avLst/>
+          </a:prstGeom>
+          <a:ln>
+            <a:tailEnd type="triangle"/>
+          </a:ln>
+        </p:spPr>
+        <p:style>
+          <a:lnRef idx="1">
+            <a:schemeClr val="accent1"/>
+          </a:lnRef>
+          <a:fillRef idx="0">
+            <a:schemeClr val="accent1"/>
+          </a:fillRef>
+          <a:effectRef idx="0">
+            <a:schemeClr val="accent1"/>
+          </a:effectRef>
+          <a:fontRef idx="minor">
+            <a:schemeClr val="tx1"/>
+          </a:fontRef>
+        </p:style>
+      </p:cxnSp>
+      <p:sp>
+        <p:nvSpPr>
+          <p:cNvPr id="6" name="TextBox 5">
+            <a:extLst>
+              <a:ext uri="{FF2B5EF4-FFF2-40B4-BE49-F238E27FC236}">
+                <a16:creationId xmlns:a16="http://schemas.microsoft.com/office/drawing/2014/main" id="{B87E38DB-03BB-9DCD-B16D-FFB05C4AB9A0}"/>
+              </a:ext>
+            </a:extLst>
+          </p:cNvPr>
+          <p:cNvSpPr txBox="1"/>
+          <p:nvPr/>
+        </p:nvSpPr>
+        <p:spPr>
+          <a:xfrm>
+            <a:off x="6764694" y="223935"/>
+            <a:ext cx="5047861" cy="646331"/>
+          </a:xfrm>
+          <a:prstGeom prst="rect">
+            <a:avLst/>
+          </a:prstGeom>
+          <a:noFill/>
+        </p:spPr>
+        <p:txBody>
+          <a:bodyPr wrap="square" rtlCol="0">
+            <a:spAutoFit/>
+          </a:bodyPr>
+          <a:lstStyle/>
+          <a:p>
+            <a:r>
+              <a:rPr lang="en-IN" dirty="0"/>
+              <a:t>ASP.NET Web Form Library. Manages Execution on Server</a:t>
+            </a:r>
+            <a:endParaRPr lang="en-US" dirty="0"/>
+          </a:p>
+        </p:txBody>
+      </p:sp>
+      <p:sp>
+        <p:nvSpPr>
+          <p:cNvPr id="7" name="Right Brace 6">
+            <a:extLst>
+              <a:ext uri="{FF2B5EF4-FFF2-40B4-BE49-F238E27FC236}">
+                <a16:creationId xmlns:a16="http://schemas.microsoft.com/office/drawing/2014/main" id="{067E82F3-B161-A439-C1D6-A07E2AE0C415}"/>
+              </a:ext>
+            </a:extLst>
+          </p:cNvPr>
+          <p:cNvSpPr/>
+          <p:nvPr/>
+        </p:nvSpPr>
+        <p:spPr>
+          <a:xfrm>
+            <a:off x="2855167" y="1045029"/>
+            <a:ext cx="382555" cy="2239347"/>
+          </a:xfrm>
+          <a:prstGeom prst="rightBrace">
+            <a:avLst/>
+          </a:prstGeom>
+          <a:ln w="57150"/>
+        </p:spPr>
+        <p:style>
+          <a:lnRef idx="1">
+            <a:schemeClr val="accent1"/>
+          </a:lnRef>
+          <a:fillRef idx="0">
+            <a:schemeClr val="accent1"/>
+          </a:fillRef>
+          <a:effectRef idx="0">
+            <a:schemeClr val="accent1"/>
+          </a:effectRef>
+          <a:fontRef idx="minor">
+            <a:schemeClr val="tx1"/>
+          </a:fontRef>
+        </p:style>
+        <p:txBody>
+          <a:bodyPr rtlCol="0" anchor="ctr"/>
+          <a:lstStyle/>
+          <a:p>
+            <a:pPr algn="ctr"/>
+            <a:endParaRPr lang="en-US"/>
+          </a:p>
+        </p:txBody>
+      </p:sp>
+      <p:cxnSp>
+        <p:nvCxnSpPr>
+          <p:cNvPr id="9" name="Straight Arrow Connector 8">
+            <a:extLst>
+              <a:ext uri="{FF2B5EF4-FFF2-40B4-BE49-F238E27FC236}">
+                <a16:creationId xmlns:a16="http://schemas.microsoft.com/office/drawing/2014/main" id="{7DB56396-5BE3-07CA-430B-32110162B35E}"/>
+              </a:ext>
+            </a:extLst>
+          </p:cNvPr>
+          <p:cNvCxnSpPr/>
+          <p:nvPr/>
+        </p:nvCxnSpPr>
+        <p:spPr>
+          <a:xfrm>
+            <a:off x="3331029" y="2174033"/>
+            <a:ext cx="2453951" cy="401216"/>
+          </a:xfrm>
+          <a:prstGeom prst="straightConnector1">
+            <a:avLst/>
+          </a:prstGeom>
+          <a:ln>
+            <a:tailEnd type="triangle"/>
+          </a:ln>
+        </p:spPr>
+        <p:style>
+          <a:lnRef idx="1">
+            <a:schemeClr val="accent1"/>
+          </a:lnRef>
+          <a:fillRef idx="0">
+            <a:schemeClr val="accent1"/>
+          </a:fillRef>
+          <a:effectRef idx="0">
+            <a:schemeClr val="accent1"/>
+          </a:effectRef>
+          <a:fontRef idx="minor">
+            <a:schemeClr val="tx1"/>
+          </a:fontRef>
+        </p:style>
+      </p:cxnSp>
+      <p:sp>
+        <p:nvSpPr>
+          <p:cNvPr id="10" name="TextBox 9">
+            <a:extLst>
+              <a:ext uri="{FF2B5EF4-FFF2-40B4-BE49-F238E27FC236}">
+                <a16:creationId xmlns:a16="http://schemas.microsoft.com/office/drawing/2014/main" id="{014175C7-3286-95EB-12D7-F7B71B18002B}"/>
+              </a:ext>
+            </a:extLst>
+          </p:cNvPr>
+          <p:cNvSpPr txBox="1"/>
+          <p:nvPr/>
+        </p:nvSpPr>
+        <p:spPr>
+          <a:xfrm>
+            <a:off x="5896947" y="2099388"/>
+            <a:ext cx="5318449" cy="923330"/>
+          </a:xfrm>
+          <a:prstGeom prst="rect">
+            <a:avLst/>
+          </a:prstGeom>
+          <a:noFill/>
+        </p:spPr>
+        <p:txBody>
+          <a:bodyPr wrap="square" rtlCol="0">
+            <a:spAutoFit/>
+          </a:bodyPr>
+          <a:lstStyle/>
+          <a:p>
+            <a:r>
+              <a:rPr lang="en-IN" dirty="0"/>
+              <a:t>Dynamic Data Management, Security, Security enhancements and extension, Optimization for performance </a:t>
+            </a:r>
+            <a:endParaRPr lang="en-US" dirty="0"/>
+          </a:p>
+        </p:txBody>
+      </p:sp>
+      <p:pic>
+        <p:nvPicPr>
+          <p:cNvPr id="12" name="Picture 11">
+            <a:extLst>
+              <a:ext uri="{FF2B5EF4-FFF2-40B4-BE49-F238E27FC236}">
+                <a16:creationId xmlns:a16="http://schemas.microsoft.com/office/drawing/2014/main" id="{B585DA1B-7242-80B3-FFAF-26593A2AAA73}"/>
+              </a:ext>
+            </a:extLst>
+          </p:cNvPr>
+          <p:cNvPicPr>
+            <a:picLocks noChangeAspect="1"/>
+          </p:cNvPicPr>
+          <p:nvPr/>
+        </p:nvPicPr>
+        <p:blipFill>
+          <a:blip r:embed="rId3"/>
+          <a:stretch>
+            <a:fillRect/>
+          </a:stretch>
+        </p:blipFill>
+        <p:spPr>
+          <a:xfrm>
+            <a:off x="759485" y="3840567"/>
+            <a:ext cx="5025495" cy="2382951"/>
+          </a:xfrm>
+          <a:prstGeom prst="rect">
+            <a:avLst/>
+          </a:prstGeom>
+        </p:spPr>
+      </p:pic>
+      <p:cxnSp>
+        <p:nvCxnSpPr>
+          <p:cNvPr id="14" name="Straight Arrow Connector 13">
+            <a:extLst>
+              <a:ext uri="{FF2B5EF4-FFF2-40B4-BE49-F238E27FC236}">
+                <a16:creationId xmlns:a16="http://schemas.microsoft.com/office/drawing/2014/main" id="{44F8B3AD-E8FA-3133-1C42-29FCD04B6C6D}"/>
+              </a:ext>
+            </a:extLst>
+          </p:cNvPr>
+          <p:cNvCxnSpPr/>
+          <p:nvPr/>
+        </p:nvCxnSpPr>
+        <p:spPr>
+          <a:xfrm flipV="1">
+            <a:off x="3331029" y="3984171"/>
+            <a:ext cx="3433665" cy="317241"/>
+          </a:xfrm>
+          <a:prstGeom prst="straightConnector1">
+            <a:avLst/>
+          </a:prstGeom>
+          <a:ln>
+            <a:tailEnd type="triangle"/>
+          </a:ln>
+        </p:spPr>
+        <p:style>
+          <a:lnRef idx="1">
+            <a:schemeClr val="accent1"/>
+          </a:lnRef>
+          <a:fillRef idx="0">
+            <a:schemeClr val="accent1"/>
+          </a:fillRef>
+          <a:effectRef idx="0">
+            <a:schemeClr val="accent1"/>
+          </a:effectRef>
+          <a:fontRef idx="minor">
+            <a:schemeClr val="tx1"/>
+          </a:fontRef>
+        </p:style>
+      </p:cxnSp>
+      <p:sp>
+        <p:nvSpPr>
+          <p:cNvPr id="15" name="TextBox 14">
+            <a:extLst>
+              <a:ext uri="{FF2B5EF4-FFF2-40B4-BE49-F238E27FC236}">
+                <a16:creationId xmlns:a16="http://schemas.microsoft.com/office/drawing/2014/main" id="{CE6409E2-E665-E464-E8F3-023C83B8FDF6}"/>
+              </a:ext>
+            </a:extLst>
+          </p:cNvPr>
+          <p:cNvSpPr txBox="1"/>
+          <p:nvPr/>
+        </p:nvSpPr>
+        <p:spPr>
+          <a:xfrm>
+            <a:off x="6885992" y="3638939"/>
+            <a:ext cx="4795935" cy="646331"/>
+          </a:xfrm>
+          <a:prstGeom prst="rect">
+            <a:avLst/>
+          </a:prstGeom>
+          <a:noFill/>
+        </p:spPr>
+        <p:txBody>
+          <a:bodyPr wrap="square" rtlCol="0">
+            <a:spAutoFit/>
+          </a:bodyPr>
+          <a:lstStyle/>
+          <a:p>
+            <a:r>
+              <a:rPr lang="en-IN" dirty="0"/>
+              <a:t>Bundling od Bootstrap CSS in Web App Deployment</a:t>
+            </a:r>
+            <a:endParaRPr lang="en-US" dirty="0"/>
+          </a:p>
+        </p:txBody>
+      </p:sp>
+      <p:cxnSp>
+        <p:nvCxnSpPr>
+          <p:cNvPr id="17" name="Straight Arrow Connector 16">
+            <a:extLst>
+              <a:ext uri="{FF2B5EF4-FFF2-40B4-BE49-F238E27FC236}">
+                <a16:creationId xmlns:a16="http://schemas.microsoft.com/office/drawing/2014/main" id="{3804FAD3-1DDC-66A9-AE30-B5C36F84AE91}"/>
+              </a:ext>
+            </a:extLst>
+          </p:cNvPr>
+          <p:cNvCxnSpPr/>
+          <p:nvPr/>
+        </p:nvCxnSpPr>
+        <p:spPr>
+          <a:xfrm>
+            <a:off x="3209731" y="4777273"/>
+            <a:ext cx="4068147" cy="124218"/>
+          </a:xfrm>
+          <a:prstGeom prst="straightConnector1">
+            <a:avLst/>
+          </a:prstGeom>
+          <a:ln>
+            <a:tailEnd type="triangle"/>
+          </a:ln>
+        </p:spPr>
+        <p:style>
+          <a:lnRef idx="1">
+            <a:schemeClr val="accent1"/>
+          </a:lnRef>
+          <a:fillRef idx="0">
+            <a:schemeClr val="accent1"/>
+          </a:fillRef>
+          <a:effectRef idx="0">
+            <a:schemeClr val="accent1"/>
+          </a:effectRef>
+          <a:fontRef idx="minor">
+            <a:schemeClr val="tx1"/>
+          </a:fontRef>
+        </p:style>
+      </p:cxnSp>
+      <p:sp>
+        <p:nvSpPr>
+          <p:cNvPr id="18" name="TextBox 17">
+            <a:extLst>
+              <a:ext uri="{FF2B5EF4-FFF2-40B4-BE49-F238E27FC236}">
+                <a16:creationId xmlns:a16="http://schemas.microsoft.com/office/drawing/2014/main" id="{FA06080F-99C9-67EB-B1C6-FD4F01AD8C11}"/>
+              </a:ext>
+            </a:extLst>
+          </p:cNvPr>
+          <p:cNvSpPr txBox="1"/>
+          <p:nvPr/>
+        </p:nvSpPr>
+        <p:spPr>
+          <a:xfrm>
+            <a:off x="7277878" y="4712979"/>
+            <a:ext cx="4030824" cy="369332"/>
+          </a:xfrm>
+          <a:prstGeom prst="rect">
+            <a:avLst/>
+          </a:prstGeom>
+          <a:noFill/>
+        </p:spPr>
+        <p:txBody>
+          <a:bodyPr wrap="square" rtlCol="0">
+            <a:spAutoFit/>
+          </a:bodyPr>
+          <a:lstStyle/>
+          <a:p>
+            <a:r>
+              <a:rPr lang="en-IN" dirty="0"/>
+              <a:t>jQuery Bundling</a:t>
+            </a:r>
+            <a:endParaRPr lang="en-US" dirty="0"/>
+          </a:p>
+        </p:txBody>
+      </p:sp>
+      <p:cxnSp>
+        <p:nvCxnSpPr>
+          <p:cNvPr id="20" name="Straight Arrow Connector 19">
+            <a:extLst>
+              <a:ext uri="{FF2B5EF4-FFF2-40B4-BE49-F238E27FC236}">
+                <a16:creationId xmlns:a16="http://schemas.microsoft.com/office/drawing/2014/main" id="{AD9652BF-01AB-576D-6795-24AC047157E1}"/>
+              </a:ext>
+            </a:extLst>
+          </p:cNvPr>
+          <p:cNvCxnSpPr/>
+          <p:nvPr/>
+        </p:nvCxnSpPr>
+        <p:spPr>
+          <a:xfrm>
+            <a:off x="3331029" y="5359310"/>
+            <a:ext cx="3433665" cy="432081"/>
+          </a:xfrm>
+          <a:prstGeom prst="straightConnector1">
+            <a:avLst/>
+          </a:prstGeom>
+          <a:ln>
+            <a:tailEnd type="triangle"/>
+          </a:ln>
+        </p:spPr>
+        <p:style>
+          <a:lnRef idx="1">
+            <a:schemeClr val="accent1"/>
+          </a:lnRef>
+          <a:fillRef idx="0">
+            <a:schemeClr val="accent1"/>
+          </a:fillRef>
+          <a:effectRef idx="0">
+            <a:schemeClr val="accent1"/>
+          </a:effectRef>
+          <a:fontRef idx="minor">
+            <a:schemeClr val="tx1"/>
+          </a:fontRef>
+        </p:style>
+      </p:cxnSp>
+      <p:cxnSp>
+        <p:nvCxnSpPr>
+          <p:cNvPr id="22" name="Straight Arrow Connector 21">
+            <a:extLst>
+              <a:ext uri="{FF2B5EF4-FFF2-40B4-BE49-F238E27FC236}">
+                <a16:creationId xmlns:a16="http://schemas.microsoft.com/office/drawing/2014/main" id="{FC3B1740-85B5-8A33-6205-8A641BE3A3EF}"/>
+              </a:ext>
+            </a:extLst>
+          </p:cNvPr>
+          <p:cNvCxnSpPr/>
+          <p:nvPr/>
+        </p:nvCxnSpPr>
+        <p:spPr>
+          <a:xfrm flipV="1">
+            <a:off x="4422710" y="5791391"/>
+            <a:ext cx="2341984" cy="264576"/>
+          </a:xfrm>
+          <a:prstGeom prst="straightConnector1">
+            <a:avLst/>
+          </a:prstGeom>
+          <a:ln>
+            <a:tailEnd type="triangle"/>
+          </a:ln>
+        </p:spPr>
+        <p:style>
+          <a:lnRef idx="1">
+            <a:schemeClr val="accent1"/>
+          </a:lnRef>
+          <a:fillRef idx="0">
+            <a:schemeClr val="accent1"/>
+          </a:fillRef>
+          <a:effectRef idx="0">
+            <a:schemeClr val="accent1"/>
+          </a:effectRef>
+          <a:fontRef idx="minor">
+            <a:schemeClr val="tx1"/>
+          </a:fontRef>
+        </p:style>
+      </p:cxnSp>
+      <p:sp>
+        <p:nvSpPr>
+          <p:cNvPr id="23" name="TextBox 22">
+            <a:extLst>
+              <a:ext uri="{FF2B5EF4-FFF2-40B4-BE49-F238E27FC236}">
+                <a16:creationId xmlns:a16="http://schemas.microsoft.com/office/drawing/2014/main" id="{47849C26-2F81-E72E-48B6-A388B0652CF7}"/>
+              </a:ext>
+            </a:extLst>
+          </p:cNvPr>
+          <p:cNvSpPr txBox="1"/>
+          <p:nvPr/>
+        </p:nvSpPr>
+        <p:spPr>
+          <a:xfrm>
+            <a:off x="6764694" y="5566730"/>
+            <a:ext cx="3946849" cy="646331"/>
+          </a:xfrm>
+          <a:prstGeom prst="rect">
+            <a:avLst/>
+          </a:prstGeom>
+          <a:noFill/>
+        </p:spPr>
+        <p:txBody>
+          <a:bodyPr wrap="square" rtlCol="0">
+            <a:spAutoFit/>
+          </a:bodyPr>
+          <a:lstStyle/>
+          <a:p>
+            <a:r>
+              <a:rPr lang="en-IN" dirty="0"/>
+              <a:t>Ease of Access of the Web App from the Browser </a:t>
+            </a:r>
+            <a:r>
+              <a:rPr lang="en-IN"/>
+              <a:t>using Friendly </a:t>
+            </a:r>
+            <a:r>
+              <a:rPr lang="en-IN" dirty="0"/>
+              <a:t>Urls e.g. Routing</a:t>
+            </a:r>
+            <a:endParaRPr lang="en-US" dirty="0"/>
+          </a:p>
+        </p:txBody>
+      </p:sp>
+    </p:spTree>
+    <p:extLst>
+      <p:ext uri="{BB962C8B-B14F-4D97-AF65-F5344CB8AC3E}">
+        <p14:creationId xmlns:p14="http://schemas.microsoft.com/office/powerpoint/2010/main" val="3129027136"/>
+      </p:ext>
+    </p:extLst>
+  </p:cSld>
+  <p:clrMapOvr>
+    <a:masterClrMapping/>
+  </p:clrMapOvr>
+</p:sld>
+</file>
+
 <file path=ppt/slides/slide3.xml><?xml version="1.0" encoding="utf-8"?>
 <p:sld xmlns:a="http://schemas.openxmlformats.org/drawingml/2006/main" xmlns:r="http://schemas.openxmlformats.org/officeDocument/2006/relationships" xmlns:p="http://schemas.openxmlformats.org/presentationml/2006/main">
   <p:cSld>

--- a/Training-Images.pptx
+++ b/Training-Images.pptx
@@ -32,6 +32,9 @@
     <p:sldId id="280" r:id="rId26"/>
     <p:sldId id="281" r:id="rId27"/>
     <p:sldId id="282" r:id="rId28"/>
+    <p:sldId id="283" r:id="rId29"/>
+    <p:sldId id="284" r:id="rId30"/>
+    <p:sldId id="285" r:id="rId31"/>
   </p:sldIdLst>
   <p:sldSz cx="12192000" cy="6858000"/>
   <p:notesSz cx="6858000" cy="9144000"/>
@@ -285,7 +288,7 @@
           <a:p>
             <a:fld id="{95E4630E-4E16-4BC6-8D4C-04E2A0254E22}" type="datetimeFigureOut">
               <a:rPr lang="en-US" smtClean="0"/>
-              <a:t>7/20/2022</a:t>
+              <a:t>7/21/2022</a:t>
             </a:fld>
             <a:endParaRPr lang="en-US"/>
           </a:p>
@@ -483,7 +486,7 @@
           <a:p>
             <a:fld id="{95E4630E-4E16-4BC6-8D4C-04E2A0254E22}" type="datetimeFigureOut">
               <a:rPr lang="en-US" smtClean="0"/>
-              <a:t>7/20/2022</a:t>
+              <a:t>7/21/2022</a:t>
             </a:fld>
             <a:endParaRPr lang="en-US"/>
           </a:p>
@@ -691,7 +694,7 @@
           <a:p>
             <a:fld id="{95E4630E-4E16-4BC6-8D4C-04E2A0254E22}" type="datetimeFigureOut">
               <a:rPr lang="en-US" smtClean="0"/>
-              <a:t>7/20/2022</a:t>
+              <a:t>7/21/2022</a:t>
             </a:fld>
             <a:endParaRPr lang="en-US"/>
           </a:p>
@@ -889,7 +892,7 @@
           <a:p>
             <a:fld id="{95E4630E-4E16-4BC6-8D4C-04E2A0254E22}" type="datetimeFigureOut">
               <a:rPr lang="en-US" smtClean="0"/>
-              <a:t>7/20/2022</a:t>
+              <a:t>7/21/2022</a:t>
             </a:fld>
             <a:endParaRPr lang="en-US"/>
           </a:p>
@@ -1164,7 +1167,7 @@
           <a:p>
             <a:fld id="{95E4630E-4E16-4BC6-8D4C-04E2A0254E22}" type="datetimeFigureOut">
               <a:rPr lang="en-US" smtClean="0"/>
-              <a:t>7/20/2022</a:t>
+              <a:t>7/21/2022</a:t>
             </a:fld>
             <a:endParaRPr lang="en-US"/>
           </a:p>
@@ -1429,7 +1432,7 @@
           <a:p>
             <a:fld id="{95E4630E-4E16-4BC6-8D4C-04E2A0254E22}" type="datetimeFigureOut">
               <a:rPr lang="en-US" smtClean="0"/>
-              <a:t>7/20/2022</a:t>
+              <a:t>7/21/2022</a:t>
             </a:fld>
             <a:endParaRPr lang="en-US"/>
           </a:p>
@@ -1841,7 +1844,7 @@
           <a:p>
             <a:fld id="{95E4630E-4E16-4BC6-8D4C-04E2A0254E22}" type="datetimeFigureOut">
               <a:rPr lang="en-US" smtClean="0"/>
-              <a:t>7/20/2022</a:t>
+              <a:t>7/21/2022</a:t>
             </a:fld>
             <a:endParaRPr lang="en-US"/>
           </a:p>
@@ -1982,7 +1985,7 @@
           <a:p>
             <a:fld id="{95E4630E-4E16-4BC6-8D4C-04E2A0254E22}" type="datetimeFigureOut">
               <a:rPr lang="en-US" smtClean="0"/>
-              <a:t>7/20/2022</a:t>
+              <a:t>7/21/2022</a:t>
             </a:fld>
             <a:endParaRPr lang="en-US"/>
           </a:p>
@@ -2095,7 +2098,7 @@
           <a:p>
             <a:fld id="{95E4630E-4E16-4BC6-8D4C-04E2A0254E22}" type="datetimeFigureOut">
               <a:rPr lang="en-US" smtClean="0"/>
-              <a:t>7/20/2022</a:t>
+              <a:t>7/21/2022</a:t>
             </a:fld>
             <a:endParaRPr lang="en-US"/>
           </a:p>
@@ -2406,7 +2409,7 @@
           <a:p>
             <a:fld id="{95E4630E-4E16-4BC6-8D4C-04E2A0254E22}" type="datetimeFigureOut">
               <a:rPr lang="en-US" smtClean="0"/>
-              <a:t>7/20/2022</a:t>
+              <a:t>7/21/2022</a:t>
             </a:fld>
             <a:endParaRPr lang="en-US"/>
           </a:p>
@@ -2694,7 +2697,7 @@
           <a:p>
             <a:fld id="{95E4630E-4E16-4BC6-8D4C-04E2A0254E22}" type="datetimeFigureOut">
               <a:rPr lang="en-US" smtClean="0"/>
-              <a:t>7/20/2022</a:t>
+              <a:t>7/21/2022</a:t>
             </a:fld>
             <a:endParaRPr lang="en-US"/>
           </a:p>
@@ -2935,7 +2938,7 @@
           <a:p>
             <a:fld id="{95E4630E-4E16-4BC6-8D4C-04E2A0254E22}" type="datetimeFigureOut">
               <a:rPr lang="en-US" smtClean="0"/>
-              <a:t>7/20/2022</a:t>
+              <a:t>7/21/2022</a:t>
             </a:fld>
             <a:endParaRPr lang="en-US"/>
           </a:p>
@@ -22403,6 +22406,2469 @@
 </p:sld>
 </file>
 
+<file path=ppt/slides/slide28.xml><?xml version="1.0" encoding="utf-8"?>
+<p:sld xmlns:a="http://schemas.openxmlformats.org/drawingml/2006/main" xmlns:r="http://schemas.openxmlformats.org/officeDocument/2006/relationships" xmlns:p="http://schemas.openxmlformats.org/presentationml/2006/main">
+  <p:cSld>
+    <p:spTree>
+      <p:nvGrpSpPr>
+        <p:cNvPr id="1" name=""/>
+        <p:cNvGrpSpPr/>
+        <p:nvPr/>
+      </p:nvGrpSpPr>
+      <p:grpSpPr>
+        <a:xfrm>
+          <a:off x="0" y="0"/>
+          <a:ext cx="0" cy="0"/>
+          <a:chOff x="0" y="0"/>
+          <a:chExt cx="0" cy="0"/>
+        </a:xfrm>
+      </p:grpSpPr>
+      <p:sp>
+        <p:nvSpPr>
+          <p:cNvPr id="2" name="TextBox 1">
+            <a:extLst>
+              <a:ext uri="{FF2B5EF4-FFF2-40B4-BE49-F238E27FC236}">
+                <a16:creationId xmlns:a16="http://schemas.microsoft.com/office/drawing/2014/main" id="{B891611D-BCEB-2428-3C5F-E2F8BCA36CC5}"/>
+              </a:ext>
+            </a:extLst>
+          </p:cNvPr>
+          <p:cNvSpPr txBox="1"/>
+          <p:nvPr/>
+        </p:nvSpPr>
+        <p:spPr>
+          <a:xfrm>
+            <a:off x="475861" y="158620"/>
+            <a:ext cx="6204857" cy="3970318"/>
+          </a:xfrm>
+          <a:prstGeom prst="rect">
+            <a:avLst/>
+          </a:prstGeom>
+          <a:noFill/>
+        </p:spPr>
+        <p:txBody>
+          <a:bodyPr wrap="square" rtlCol="0">
+            <a:spAutoFit/>
+          </a:bodyPr>
+          <a:lstStyle/>
+          <a:p>
+            <a:r>
+              <a:rPr lang="en-IN" dirty="0"/>
+              <a:t>Home.aspx, about.aspx, contact.aspx, department.aspx, employee.aspx</a:t>
+            </a:r>
+          </a:p>
+          <a:p>
+            <a:endParaRPr lang="en-IN" dirty="0"/>
+          </a:p>
+          <a:p>
+            <a:r>
+              <a:rPr lang="en-IN" dirty="0"/>
+              <a:t>App folder contains create.aspx, update.aspx, delete.aspx, search.aspx </a:t>
+            </a:r>
+          </a:p>
+          <a:p>
+            <a:endParaRPr lang="en-IN" dirty="0"/>
+          </a:p>
+          <a:p>
+            <a:r>
+              <a:rPr lang="en-IN" dirty="0"/>
+              <a:t>Server Address</a:t>
+            </a:r>
+          </a:p>
+          <a:p>
+            <a:r>
+              <a:rPr lang="en-IN" dirty="0">
+                <a:hlinkClick r:id="rId2"/>
+              </a:rPr>
+              <a:t>www.myserver.com</a:t>
+            </a:r>
+            <a:endParaRPr lang="en-IN" dirty="0"/>
+          </a:p>
+          <a:p>
+            <a:endParaRPr lang="en-IN" dirty="0"/>
+          </a:p>
+          <a:p>
+            <a:r>
+              <a:rPr lang="en-IN" dirty="0"/>
+              <a:t>Normal URLs to resources</a:t>
+            </a:r>
+          </a:p>
+          <a:p>
+            <a:r>
+              <a:rPr lang="en-IN" dirty="0">
+                <a:hlinkClick r:id="rId3"/>
+              </a:rPr>
+              <a:t>http://www.myserver.com/home.aspx</a:t>
+            </a:r>
+            <a:endParaRPr lang="en-IN" dirty="0"/>
+          </a:p>
+          <a:p>
+            <a:endParaRPr lang="en-IN" dirty="0"/>
+          </a:p>
+          <a:p>
+            <a:r>
+              <a:rPr lang="en-IN" dirty="0">
+                <a:hlinkClick r:id="rId4"/>
+              </a:rPr>
+              <a:t>http://www.myserver.com/app/search.aspx</a:t>
+            </a:r>
+            <a:endParaRPr lang="en-IN" dirty="0"/>
+          </a:p>
+          <a:p>
+            <a:endParaRPr lang="en-US" dirty="0"/>
+          </a:p>
+        </p:txBody>
+      </p:sp>
+      <p:sp>
+        <p:nvSpPr>
+          <p:cNvPr id="3" name="TextBox 2">
+            <a:extLst>
+              <a:ext uri="{FF2B5EF4-FFF2-40B4-BE49-F238E27FC236}">
+                <a16:creationId xmlns:a16="http://schemas.microsoft.com/office/drawing/2014/main" id="{70169CEA-3B1E-951D-4DDB-CA1F36F2DB83}"/>
+              </a:ext>
+            </a:extLst>
+          </p:cNvPr>
+          <p:cNvSpPr txBox="1"/>
+          <p:nvPr/>
+        </p:nvSpPr>
+        <p:spPr>
+          <a:xfrm>
+            <a:off x="6820678" y="1875453"/>
+            <a:ext cx="4786604" cy="923330"/>
+          </a:xfrm>
+          <a:prstGeom prst="rect">
+            <a:avLst/>
+          </a:prstGeom>
+          <a:noFill/>
+        </p:spPr>
+        <p:txBody>
+          <a:bodyPr wrap="square" rtlCol="0">
+            <a:spAutoFit/>
+          </a:bodyPr>
+          <a:lstStyle/>
+          <a:p>
+            <a:pPr algn="ctr"/>
+            <a:r>
+              <a:rPr lang="en-IN" b="1" dirty="0"/>
+              <a:t>Routing?</a:t>
+            </a:r>
+            <a:endParaRPr lang="en-US" b="1" dirty="0"/>
+          </a:p>
+          <a:p>
+            <a:r>
+              <a:rPr lang="en-US" b="1" dirty="0"/>
+              <a:t>Used to define Friendly URLs for actual http resource paths</a:t>
+            </a:r>
+            <a:endParaRPr lang="en-IN" b="1" dirty="0"/>
+          </a:p>
+        </p:txBody>
+      </p:sp>
+      <p:cxnSp>
+        <p:nvCxnSpPr>
+          <p:cNvPr id="5" name="Straight Arrow Connector 4">
+            <a:extLst>
+              <a:ext uri="{FF2B5EF4-FFF2-40B4-BE49-F238E27FC236}">
+                <a16:creationId xmlns:a16="http://schemas.microsoft.com/office/drawing/2014/main" id="{A5B5FE8B-B132-DA78-F419-51687A57B379}"/>
+              </a:ext>
+            </a:extLst>
+          </p:cNvPr>
+          <p:cNvCxnSpPr/>
+          <p:nvPr/>
+        </p:nvCxnSpPr>
+        <p:spPr>
+          <a:xfrm flipH="1">
+            <a:off x="4282751" y="2798783"/>
+            <a:ext cx="3265714" cy="261658"/>
+          </a:xfrm>
+          <a:prstGeom prst="straightConnector1">
+            <a:avLst/>
+          </a:prstGeom>
+          <a:ln>
+            <a:tailEnd type="triangle"/>
+          </a:ln>
+        </p:spPr>
+        <p:style>
+          <a:lnRef idx="1">
+            <a:schemeClr val="accent1"/>
+          </a:lnRef>
+          <a:fillRef idx="0">
+            <a:schemeClr val="accent1"/>
+          </a:fillRef>
+          <a:effectRef idx="0">
+            <a:schemeClr val="accent1"/>
+          </a:effectRef>
+          <a:fontRef idx="minor">
+            <a:schemeClr val="tx1"/>
+          </a:fontRef>
+        </p:style>
+      </p:cxnSp>
+      <p:graphicFrame>
+        <p:nvGraphicFramePr>
+          <p:cNvPr id="6" name="Table 6">
+            <a:extLst>
+              <a:ext uri="{FF2B5EF4-FFF2-40B4-BE49-F238E27FC236}">
+                <a16:creationId xmlns:a16="http://schemas.microsoft.com/office/drawing/2014/main" id="{DE4F6951-E389-3D06-98B5-4554DDB7A195}"/>
+              </a:ext>
+            </a:extLst>
+          </p:cNvPr>
+          <p:cNvGraphicFramePr>
+            <a:graphicFrameLocks noGrp="1"/>
+          </p:cNvGraphicFramePr>
+          <p:nvPr>
+            <p:extLst>
+              <p:ext uri="{D42A27DB-BD31-4B8C-83A1-F6EECF244321}">
+                <p14:modId xmlns:p14="http://schemas.microsoft.com/office/powerpoint/2010/main" val="584757304"/>
+              </p:ext>
+            </p:extLst>
+          </p:nvPr>
+        </p:nvGraphicFramePr>
+        <p:xfrm>
+          <a:off x="6417388" y="3128987"/>
+          <a:ext cx="4965960" cy="1854200"/>
+        </p:xfrm>
+        <a:graphic>
+          <a:graphicData uri="http://schemas.openxmlformats.org/drawingml/2006/table">
+            <a:tbl>
+              <a:tblPr firstRow="1" bandRow="1">
+                <a:tableStyleId>{5C22544A-7EE6-4342-B048-85BDC9FD1C3A}</a:tableStyleId>
+              </a:tblPr>
+              <a:tblGrid>
+                <a:gridCol w="2482980">
+                  <a:extLst>
+                    <a:ext uri="{9D8B030D-6E8A-4147-A177-3AD203B41FA5}">
+                      <a16:colId xmlns:a16="http://schemas.microsoft.com/office/drawing/2014/main" val="4034263107"/>
+                    </a:ext>
+                  </a:extLst>
+                </a:gridCol>
+                <a:gridCol w="2482980">
+                  <a:extLst>
+                    <a:ext uri="{9D8B030D-6E8A-4147-A177-3AD203B41FA5}">
+                      <a16:colId xmlns:a16="http://schemas.microsoft.com/office/drawing/2014/main" val="3667951834"/>
+                    </a:ext>
+                  </a:extLst>
+                </a:gridCol>
+              </a:tblGrid>
+              <a:tr h="370840">
+                <a:tc>
+                  <a:txBody>
+                    <a:bodyPr/>
+                    <a:lstStyle/>
+                    <a:p>
+                      <a:r>
+                        <a:rPr lang="en-IN" dirty="0"/>
+                        <a:t>Path</a:t>
+                      </a:r>
+                      <a:endParaRPr lang="en-US" dirty="0"/>
+                    </a:p>
+                  </a:txBody>
+                  <a:tcPr/>
+                </a:tc>
+                <a:tc>
+                  <a:txBody>
+                    <a:bodyPr/>
+                    <a:lstStyle/>
+                    <a:p>
+                      <a:r>
+                        <a:rPr lang="en-IN" dirty="0"/>
+                        <a:t>Url</a:t>
+                      </a:r>
+                      <a:endParaRPr lang="en-US" dirty="0"/>
+                    </a:p>
+                  </a:txBody>
+                  <a:tcPr/>
+                </a:tc>
+                <a:extLst>
+                  <a:ext uri="{0D108BD9-81ED-4DB2-BD59-A6C34878D82A}">
+                    <a16:rowId xmlns:a16="http://schemas.microsoft.com/office/drawing/2014/main" val="2135215393"/>
+                  </a:ext>
+                </a:extLst>
+              </a:tr>
+              <a:tr h="370840">
+                <a:tc>
+                  <a:txBody>
+                    <a:bodyPr/>
+                    <a:lstStyle/>
+                    <a:p>
+                      <a:r>
+                        <a:rPr lang="en-IN" dirty="0"/>
+                        <a:t>/</a:t>
+                      </a:r>
+                      <a:endParaRPr lang="en-US" dirty="0"/>
+                    </a:p>
+                  </a:txBody>
+                  <a:tcPr/>
+                </a:tc>
+                <a:tc>
+                  <a:txBody>
+                    <a:bodyPr/>
+                    <a:lstStyle/>
+                    <a:p>
+                      <a:r>
+                        <a:rPr lang="en-IN" dirty="0"/>
+                        <a:t>Index.aspx</a:t>
+                      </a:r>
+                      <a:endParaRPr lang="en-US" dirty="0"/>
+                    </a:p>
+                  </a:txBody>
+                  <a:tcPr/>
+                </a:tc>
+                <a:extLst>
+                  <a:ext uri="{0D108BD9-81ED-4DB2-BD59-A6C34878D82A}">
+                    <a16:rowId xmlns:a16="http://schemas.microsoft.com/office/drawing/2014/main" val="970098387"/>
+                  </a:ext>
+                </a:extLst>
+              </a:tr>
+              <a:tr h="370840">
+                <a:tc>
+                  <a:txBody>
+                    <a:bodyPr/>
+                    <a:lstStyle/>
+                    <a:p>
+                      <a:r>
+                        <a:rPr lang="en-IN" dirty="0"/>
+                        <a:t>/home</a:t>
+                      </a:r>
+                      <a:endParaRPr lang="en-US" dirty="0"/>
+                    </a:p>
+                  </a:txBody>
+                  <a:tcPr/>
+                </a:tc>
+                <a:tc>
+                  <a:txBody>
+                    <a:bodyPr/>
+                    <a:lstStyle/>
+                    <a:p>
+                      <a:r>
+                        <a:rPr lang="en-IN" dirty="0"/>
+                        <a:t>Home.aspx</a:t>
+                      </a:r>
+                      <a:endParaRPr lang="en-US" dirty="0"/>
+                    </a:p>
+                  </a:txBody>
+                  <a:tcPr/>
+                </a:tc>
+                <a:extLst>
+                  <a:ext uri="{0D108BD9-81ED-4DB2-BD59-A6C34878D82A}">
+                    <a16:rowId xmlns:a16="http://schemas.microsoft.com/office/drawing/2014/main" val="1729152636"/>
+                  </a:ext>
+                </a:extLst>
+              </a:tr>
+              <a:tr h="370840">
+                <a:tc>
+                  <a:txBody>
+                    <a:bodyPr/>
+                    <a:lstStyle/>
+                    <a:p>
+                      <a:r>
+                        <a:rPr lang="en-IN" dirty="0"/>
+                        <a:t>/about</a:t>
+                      </a:r>
+                      <a:endParaRPr lang="en-US" dirty="0"/>
+                    </a:p>
+                  </a:txBody>
+                  <a:tcPr/>
+                </a:tc>
+                <a:tc>
+                  <a:txBody>
+                    <a:bodyPr/>
+                    <a:lstStyle/>
+                    <a:p>
+                      <a:r>
+                        <a:rPr lang="en-IN" dirty="0"/>
+                        <a:t>About.aspx</a:t>
+                      </a:r>
+                      <a:endParaRPr lang="en-US" dirty="0"/>
+                    </a:p>
+                  </a:txBody>
+                  <a:tcPr/>
+                </a:tc>
+                <a:extLst>
+                  <a:ext uri="{0D108BD9-81ED-4DB2-BD59-A6C34878D82A}">
+                    <a16:rowId xmlns:a16="http://schemas.microsoft.com/office/drawing/2014/main" val="304008939"/>
+                  </a:ext>
+                </a:extLst>
+              </a:tr>
+              <a:tr h="370840">
+                <a:tc>
+                  <a:txBody>
+                    <a:bodyPr/>
+                    <a:lstStyle/>
+                    <a:p>
+                      <a:r>
+                        <a:rPr lang="en-IN" dirty="0"/>
+                        <a:t>/create</a:t>
+                      </a:r>
+                      <a:endParaRPr lang="en-US" dirty="0"/>
+                    </a:p>
+                  </a:txBody>
+                  <a:tcPr/>
+                </a:tc>
+                <a:tc>
+                  <a:txBody>
+                    <a:bodyPr/>
+                    <a:lstStyle/>
+                    <a:p>
+                      <a:r>
+                        <a:rPr lang="en-IN" dirty="0"/>
+                        <a:t>/App/create.aspx</a:t>
+                      </a:r>
+                      <a:endParaRPr lang="en-US" dirty="0"/>
+                    </a:p>
+                  </a:txBody>
+                  <a:tcPr/>
+                </a:tc>
+                <a:extLst>
+                  <a:ext uri="{0D108BD9-81ED-4DB2-BD59-A6C34878D82A}">
+                    <a16:rowId xmlns:a16="http://schemas.microsoft.com/office/drawing/2014/main" val="2255027081"/>
+                  </a:ext>
+                </a:extLst>
+              </a:tr>
+            </a:tbl>
+          </a:graphicData>
+        </a:graphic>
+      </p:graphicFrame>
+      <p:sp>
+        <p:nvSpPr>
+          <p:cNvPr id="7" name="TextBox 6">
+            <a:extLst>
+              <a:ext uri="{FF2B5EF4-FFF2-40B4-BE49-F238E27FC236}">
+                <a16:creationId xmlns:a16="http://schemas.microsoft.com/office/drawing/2014/main" id="{3CAFD219-C272-4455-9287-848566C9805F}"/>
+              </a:ext>
+            </a:extLst>
+          </p:cNvPr>
+          <p:cNvSpPr txBox="1"/>
+          <p:nvPr/>
+        </p:nvSpPr>
+        <p:spPr>
+          <a:xfrm>
+            <a:off x="7903029" y="2798783"/>
+            <a:ext cx="2099387" cy="369332"/>
+          </a:xfrm>
+          <a:prstGeom prst="rect">
+            <a:avLst/>
+          </a:prstGeom>
+          <a:noFill/>
+        </p:spPr>
+        <p:txBody>
+          <a:bodyPr wrap="square" rtlCol="0">
+            <a:spAutoFit/>
+          </a:bodyPr>
+          <a:lstStyle/>
+          <a:p>
+            <a:pPr algn="ctr"/>
+            <a:r>
+              <a:rPr lang="en-IN" b="1" dirty="0"/>
+              <a:t>Route Table</a:t>
+            </a:r>
+            <a:endParaRPr lang="en-US" b="1" dirty="0"/>
+          </a:p>
+        </p:txBody>
+      </p:sp>
+      <p:sp>
+        <p:nvSpPr>
+          <p:cNvPr id="8" name="TextBox 7">
+            <a:extLst>
+              <a:ext uri="{FF2B5EF4-FFF2-40B4-BE49-F238E27FC236}">
+                <a16:creationId xmlns:a16="http://schemas.microsoft.com/office/drawing/2014/main" id="{2DB83AA7-2F44-3F08-6AE7-69A306B67793}"/>
+              </a:ext>
+            </a:extLst>
+          </p:cNvPr>
+          <p:cNvSpPr txBox="1"/>
+          <p:nvPr/>
+        </p:nvSpPr>
+        <p:spPr>
+          <a:xfrm>
+            <a:off x="233265" y="4917233"/>
+            <a:ext cx="5290457" cy="1754326"/>
+          </a:xfrm>
+          <a:prstGeom prst="rect">
+            <a:avLst/>
+          </a:prstGeom>
+          <a:noFill/>
+        </p:spPr>
+        <p:txBody>
+          <a:bodyPr wrap="square" rtlCol="0">
+            <a:spAutoFit/>
+          </a:bodyPr>
+          <a:lstStyle/>
+          <a:p>
+            <a:r>
+              <a:rPr lang="en-IN" dirty="0">
+                <a:hlinkClick r:id="rId2"/>
+              </a:rPr>
+              <a:t>http://www.myserver.com</a:t>
+            </a:r>
+            <a:endParaRPr lang="en-IN" dirty="0"/>
+          </a:p>
+          <a:p>
+            <a:endParaRPr lang="en-IN" dirty="0"/>
+          </a:p>
+          <a:p>
+            <a:r>
+              <a:rPr lang="en-IN" dirty="0">
+                <a:hlinkClick r:id="rId5"/>
+              </a:rPr>
+              <a:t>http://www.myserver.com/home</a:t>
+            </a:r>
+            <a:r>
+              <a:rPr lang="en-IN" dirty="0"/>
+              <a:t> </a:t>
+            </a:r>
+          </a:p>
+          <a:p>
+            <a:endParaRPr lang="en-IN" dirty="0"/>
+          </a:p>
+          <a:p>
+            <a:endParaRPr lang="en-IN" dirty="0"/>
+          </a:p>
+          <a:p>
+            <a:r>
+              <a:rPr lang="en-IN" dirty="0"/>
+              <a:t> </a:t>
+            </a:r>
+            <a:endParaRPr lang="en-US" dirty="0"/>
+          </a:p>
+        </p:txBody>
+      </p:sp>
+      <p:cxnSp>
+        <p:nvCxnSpPr>
+          <p:cNvPr id="10" name="Straight Arrow Connector 9">
+            <a:extLst>
+              <a:ext uri="{FF2B5EF4-FFF2-40B4-BE49-F238E27FC236}">
+                <a16:creationId xmlns:a16="http://schemas.microsoft.com/office/drawing/2014/main" id="{1D725042-25DE-9DA4-63A5-7416EA34D0A4}"/>
+              </a:ext>
+            </a:extLst>
+          </p:cNvPr>
+          <p:cNvCxnSpPr/>
+          <p:nvPr/>
+        </p:nvCxnSpPr>
+        <p:spPr>
+          <a:xfrm flipV="1">
+            <a:off x="3023118" y="3685592"/>
+            <a:ext cx="3394270" cy="1455575"/>
+          </a:xfrm>
+          <a:prstGeom prst="straightConnector1">
+            <a:avLst/>
+          </a:prstGeom>
+          <a:ln>
+            <a:tailEnd type="triangle"/>
+          </a:ln>
+        </p:spPr>
+        <p:style>
+          <a:lnRef idx="1">
+            <a:schemeClr val="accent1"/>
+          </a:lnRef>
+          <a:fillRef idx="0">
+            <a:schemeClr val="accent1"/>
+          </a:fillRef>
+          <a:effectRef idx="0">
+            <a:schemeClr val="accent1"/>
+          </a:effectRef>
+          <a:fontRef idx="minor">
+            <a:schemeClr val="tx1"/>
+          </a:fontRef>
+        </p:style>
+      </p:cxnSp>
+      <p:cxnSp>
+        <p:nvCxnSpPr>
+          <p:cNvPr id="12" name="Straight Arrow Connector 11">
+            <a:extLst>
+              <a:ext uri="{FF2B5EF4-FFF2-40B4-BE49-F238E27FC236}">
+                <a16:creationId xmlns:a16="http://schemas.microsoft.com/office/drawing/2014/main" id="{5D6B263F-4FD9-0823-5304-A141C9E03ED0}"/>
+              </a:ext>
+            </a:extLst>
+          </p:cNvPr>
+          <p:cNvCxnSpPr>
+            <a:endCxn id="6" idx="1"/>
+          </p:cNvCxnSpPr>
+          <p:nvPr/>
+        </p:nvCxnSpPr>
+        <p:spPr>
+          <a:xfrm flipV="1">
+            <a:off x="3627535" y="4056087"/>
+            <a:ext cx="2789853" cy="1710231"/>
+          </a:xfrm>
+          <a:prstGeom prst="straightConnector1">
+            <a:avLst/>
+          </a:prstGeom>
+          <a:ln>
+            <a:tailEnd type="triangle"/>
+          </a:ln>
+        </p:spPr>
+        <p:style>
+          <a:lnRef idx="1">
+            <a:schemeClr val="accent1"/>
+          </a:lnRef>
+          <a:fillRef idx="0">
+            <a:schemeClr val="accent1"/>
+          </a:fillRef>
+          <a:effectRef idx="0">
+            <a:schemeClr val="accent1"/>
+          </a:effectRef>
+          <a:fontRef idx="minor">
+            <a:schemeClr val="tx1"/>
+          </a:fontRef>
+        </p:style>
+      </p:cxnSp>
+      <p:sp>
+        <p:nvSpPr>
+          <p:cNvPr id="13" name="Right Brace 12">
+            <a:extLst>
+              <a:ext uri="{FF2B5EF4-FFF2-40B4-BE49-F238E27FC236}">
+                <a16:creationId xmlns:a16="http://schemas.microsoft.com/office/drawing/2014/main" id="{356B86A5-D416-0FB8-0F52-2FCB74B0A97A}"/>
+              </a:ext>
+            </a:extLst>
+          </p:cNvPr>
+          <p:cNvSpPr/>
+          <p:nvPr/>
+        </p:nvSpPr>
+        <p:spPr>
+          <a:xfrm rot="5400000">
+            <a:off x="8676796" y="2797709"/>
+            <a:ext cx="381827" cy="4900645"/>
+          </a:xfrm>
+          <a:prstGeom prst="rightBrace">
+            <a:avLst/>
+          </a:prstGeom>
+          <a:ln w="57150"/>
+        </p:spPr>
+        <p:style>
+          <a:lnRef idx="1">
+            <a:schemeClr val="accent1"/>
+          </a:lnRef>
+          <a:fillRef idx="0">
+            <a:schemeClr val="accent1"/>
+          </a:fillRef>
+          <a:effectRef idx="0">
+            <a:schemeClr val="accent1"/>
+          </a:effectRef>
+          <a:fontRef idx="minor">
+            <a:schemeClr val="tx1"/>
+          </a:fontRef>
+        </p:style>
+        <p:txBody>
+          <a:bodyPr rtlCol="0" anchor="ctr"/>
+          <a:lstStyle/>
+          <a:p>
+            <a:pPr algn="ctr"/>
+            <a:endParaRPr lang="en-US"/>
+          </a:p>
+        </p:txBody>
+      </p:sp>
+      <p:sp>
+        <p:nvSpPr>
+          <p:cNvPr id="14" name="TextBox 13">
+            <a:extLst>
+              <a:ext uri="{FF2B5EF4-FFF2-40B4-BE49-F238E27FC236}">
+                <a16:creationId xmlns:a16="http://schemas.microsoft.com/office/drawing/2014/main" id="{476C40BD-3088-7BE3-DE22-A2C0ADFF76ED}"/>
+              </a:ext>
+            </a:extLst>
+          </p:cNvPr>
+          <p:cNvSpPr txBox="1"/>
+          <p:nvPr/>
+        </p:nvSpPr>
+        <p:spPr>
+          <a:xfrm>
+            <a:off x="6417388" y="5608338"/>
+            <a:ext cx="5040604" cy="369332"/>
+          </a:xfrm>
+          <a:prstGeom prst="rect">
+            <a:avLst/>
+          </a:prstGeom>
+          <a:noFill/>
+        </p:spPr>
+        <p:txBody>
+          <a:bodyPr wrap="square" rtlCol="0">
+            <a:spAutoFit/>
+          </a:bodyPr>
+          <a:lstStyle/>
+          <a:p>
+            <a:pPr algn="ctr"/>
+            <a:r>
+              <a:rPr lang="en-IN" b="1" dirty="0"/>
+              <a:t>RouteCollection</a:t>
+            </a:r>
+            <a:endParaRPr lang="en-US" b="1" dirty="0"/>
+          </a:p>
+        </p:txBody>
+      </p:sp>
+    </p:spTree>
+    <p:extLst>
+      <p:ext uri="{BB962C8B-B14F-4D97-AF65-F5344CB8AC3E}">
+        <p14:creationId xmlns:p14="http://schemas.microsoft.com/office/powerpoint/2010/main" val="567009484"/>
+      </p:ext>
+    </p:extLst>
+  </p:cSld>
+  <p:clrMapOvr>
+    <a:masterClrMapping/>
+  </p:clrMapOvr>
+</p:sld>
+</file>
+
+<file path=ppt/slides/slide29.xml><?xml version="1.0" encoding="utf-8"?>
+<p:sld xmlns:a="http://schemas.openxmlformats.org/drawingml/2006/main" xmlns:r="http://schemas.openxmlformats.org/officeDocument/2006/relationships" xmlns:p="http://schemas.openxmlformats.org/presentationml/2006/main">
+  <p:cSld>
+    <p:spTree>
+      <p:nvGrpSpPr>
+        <p:cNvPr id="1" name=""/>
+        <p:cNvGrpSpPr/>
+        <p:nvPr/>
+      </p:nvGrpSpPr>
+      <p:grpSpPr>
+        <a:xfrm>
+          <a:off x="0" y="0"/>
+          <a:ext cx="0" cy="0"/>
+          <a:chOff x="0" y="0"/>
+          <a:chExt cx="0" cy="0"/>
+        </a:xfrm>
+      </p:grpSpPr>
+      <p:sp>
+        <p:nvSpPr>
+          <p:cNvPr id="2" name="TextBox 1">
+            <a:extLst>
+              <a:ext uri="{FF2B5EF4-FFF2-40B4-BE49-F238E27FC236}">
+                <a16:creationId xmlns:a16="http://schemas.microsoft.com/office/drawing/2014/main" id="{AEB5B70C-125A-9962-EC1C-1F97FF8B90E1}"/>
+              </a:ext>
+            </a:extLst>
+          </p:cNvPr>
+          <p:cNvSpPr txBox="1"/>
+          <p:nvPr/>
+        </p:nvSpPr>
+        <p:spPr>
+          <a:xfrm>
+            <a:off x="102637" y="0"/>
+            <a:ext cx="4621762" cy="307777"/>
+          </a:xfrm>
+          <a:prstGeom prst="rect">
+            <a:avLst/>
+          </a:prstGeom>
+          <a:noFill/>
+        </p:spPr>
+        <p:txBody>
+          <a:bodyPr wrap="square" rtlCol="0">
+            <a:spAutoFit/>
+          </a:bodyPr>
+          <a:lstStyle/>
+          <a:p>
+            <a:r>
+              <a:rPr lang="en-IN" sz="1400" b="1" dirty="0"/>
+              <a:t>ASP.NET Page Processing for the first request for the Page</a:t>
+            </a:r>
+            <a:endParaRPr lang="en-US" sz="1400" b="1" dirty="0"/>
+          </a:p>
+        </p:txBody>
+      </p:sp>
+      <p:sp>
+        <p:nvSpPr>
+          <p:cNvPr id="3" name="Arrow: Right 2">
+            <a:extLst>
+              <a:ext uri="{FF2B5EF4-FFF2-40B4-BE49-F238E27FC236}">
+                <a16:creationId xmlns:a16="http://schemas.microsoft.com/office/drawing/2014/main" id="{90D0955D-EBAD-3837-4CCF-1EC8E5917101}"/>
+              </a:ext>
+            </a:extLst>
+          </p:cNvPr>
+          <p:cNvSpPr/>
+          <p:nvPr/>
+        </p:nvSpPr>
+        <p:spPr>
+          <a:xfrm>
+            <a:off x="102638" y="447869"/>
+            <a:ext cx="4861248" cy="369332"/>
+          </a:xfrm>
+          <a:prstGeom prst="rightArrow">
+            <a:avLst/>
+          </a:prstGeom>
+        </p:spPr>
+        <p:style>
+          <a:lnRef idx="2">
+            <a:schemeClr val="accent1">
+              <a:shade val="50000"/>
+            </a:schemeClr>
+          </a:lnRef>
+          <a:fillRef idx="1">
+            <a:schemeClr val="accent1"/>
+          </a:fillRef>
+          <a:effectRef idx="0">
+            <a:schemeClr val="accent1"/>
+          </a:effectRef>
+          <a:fontRef idx="minor">
+            <a:schemeClr val="lt1"/>
+          </a:fontRef>
+        </p:style>
+        <p:txBody>
+          <a:bodyPr rtlCol="0" anchor="ctr"/>
+          <a:lstStyle/>
+          <a:p>
+            <a:pPr algn="ctr"/>
+            <a:r>
+              <a:rPr lang="en-IN" b="1" dirty="0"/>
+              <a:t>The First Request to Load the Page</a:t>
+            </a:r>
+            <a:endParaRPr lang="en-US" b="1" dirty="0"/>
+          </a:p>
+        </p:txBody>
+      </p:sp>
+      <p:sp>
+        <p:nvSpPr>
+          <p:cNvPr id="4" name="Rectangle: Rounded Corners 3">
+            <a:extLst>
+              <a:ext uri="{FF2B5EF4-FFF2-40B4-BE49-F238E27FC236}">
+                <a16:creationId xmlns:a16="http://schemas.microsoft.com/office/drawing/2014/main" id="{B2001CE1-9A19-9D53-59DA-C7263AA73C96}"/>
+              </a:ext>
+            </a:extLst>
+          </p:cNvPr>
+          <p:cNvSpPr/>
+          <p:nvPr/>
+        </p:nvSpPr>
+        <p:spPr>
+          <a:xfrm>
+            <a:off x="4963886" y="300526"/>
+            <a:ext cx="1894114" cy="601052"/>
+          </a:xfrm>
+          <a:prstGeom prst="roundRect">
+            <a:avLst/>
+          </a:prstGeom>
+        </p:spPr>
+        <p:style>
+          <a:lnRef idx="2">
+            <a:schemeClr val="accent1">
+              <a:shade val="50000"/>
+            </a:schemeClr>
+          </a:lnRef>
+          <a:fillRef idx="1">
+            <a:schemeClr val="accent1"/>
+          </a:fillRef>
+          <a:effectRef idx="0">
+            <a:schemeClr val="accent1"/>
+          </a:effectRef>
+          <a:fontRef idx="minor">
+            <a:schemeClr val="lt1"/>
+          </a:fontRef>
+        </p:style>
+        <p:txBody>
+          <a:bodyPr rtlCol="0" anchor="ctr"/>
+          <a:lstStyle/>
+          <a:p>
+            <a:pPr algn="ctr"/>
+            <a:r>
+              <a:rPr lang="en-IN" b="1" dirty="0"/>
+              <a:t>Constructor() Execution</a:t>
+            </a:r>
+            <a:endParaRPr lang="en-US" b="1" dirty="0"/>
+          </a:p>
+        </p:txBody>
+      </p:sp>
+      <p:sp>
+        <p:nvSpPr>
+          <p:cNvPr id="5" name="Rectangle: Rounded Corners 4">
+            <a:extLst>
+              <a:ext uri="{FF2B5EF4-FFF2-40B4-BE49-F238E27FC236}">
+                <a16:creationId xmlns:a16="http://schemas.microsoft.com/office/drawing/2014/main" id="{1E4C0171-17D0-F981-1B9C-D50250FC835B}"/>
+              </a:ext>
+            </a:extLst>
+          </p:cNvPr>
+          <p:cNvSpPr/>
+          <p:nvPr/>
+        </p:nvSpPr>
+        <p:spPr>
+          <a:xfrm>
+            <a:off x="7514252" y="289248"/>
+            <a:ext cx="4575110" cy="1259633"/>
+          </a:xfrm>
+          <a:prstGeom prst="roundRect">
+            <a:avLst/>
+          </a:prstGeom>
+        </p:spPr>
+        <p:style>
+          <a:lnRef idx="2">
+            <a:schemeClr val="dk1"/>
+          </a:lnRef>
+          <a:fillRef idx="1">
+            <a:schemeClr val="lt1"/>
+          </a:fillRef>
+          <a:effectRef idx="0">
+            <a:schemeClr val="dk1"/>
+          </a:effectRef>
+          <a:fontRef idx="minor">
+            <a:schemeClr val="dk1"/>
+          </a:fontRef>
+        </p:style>
+        <p:txBody>
+          <a:bodyPr rtlCol="0" anchor="ctr"/>
+          <a:lstStyle/>
+          <a:p>
+            <a:pPr algn="ctr"/>
+            <a:endParaRPr lang="en-US" b="1" dirty="0"/>
+          </a:p>
+        </p:txBody>
+      </p:sp>
+      <p:sp>
+        <p:nvSpPr>
+          <p:cNvPr id="7" name="TextBox 6">
+            <a:extLst>
+              <a:ext uri="{FF2B5EF4-FFF2-40B4-BE49-F238E27FC236}">
+                <a16:creationId xmlns:a16="http://schemas.microsoft.com/office/drawing/2014/main" id="{312775BF-DBAC-B4D3-0EE6-59496B6A7F88}"/>
+              </a:ext>
+            </a:extLst>
+          </p:cNvPr>
+          <p:cNvSpPr txBox="1"/>
+          <p:nvPr/>
+        </p:nvSpPr>
+        <p:spPr>
+          <a:xfrm>
+            <a:off x="7856376" y="369332"/>
+            <a:ext cx="3862872" cy="369332"/>
+          </a:xfrm>
+          <a:prstGeom prst="rect">
+            <a:avLst/>
+          </a:prstGeom>
+          <a:noFill/>
+        </p:spPr>
+        <p:txBody>
+          <a:bodyPr wrap="square" rtlCol="0">
+            <a:spAutoFit/>
+          </a:bodyPr>
+          <a:lstStyle/>
+          <a:p>
+            <a:pPr algn="ctr"/>
+            <a:r>
+              <a:rPr lang="en-IN" b="1" dirty="0"/>
+              <a:t>Page Initialization</a:t>
+            </a:r>
+            <a:endParaRPr lang="en-US" b="1" dirty="0"/>
+          </a:p>
+        </p:txBody>
+      </p:sp>
+      <p:cxnSp>
+        <p:nvCxnSpPr>
+          <p:cNvPr id="9" name="Straight Arrow Connector 8">
+            <a:extLst>
+              <a:ext uri="{FF2B5EF4-FFF2-40B4-BE49-F238E27FC236}">
+                <a16:creationId xmlns:a16="http://schemas.microsoft.com/office/drawing/2014/main" id="{EF4737E0-7865-0939-1CB9-16E53A5A1DAD}"/>
+              </a:ext>
+            </a:extLst>
+          </p:cNvPr>
+          <p:cNvCxnSpPr>
+            <a:cxnSpLocks/>
+            <a:stCxn id="4" idx="3"/>
+            <a:endCxn id="5" idx="1"/>
+          </p:cNvCxnSpPr>
+          <p:nvPr/>
+        </p:nvCxnSpPr>
+        <p:spPr>
+          <a:xfrm>
+            <a:off x="6858000" y="601052"/>
+            <a:ext cx="656252" cy="318013"/>
+          </a:xfrm>
+          <a:prstGeom prst="straightConnector1">
+            <a:avLst/>
+          </a:prstGeom>
+          <a:ln>
+            <a:tailEnd type="triangle"/>
+          </a:ln>
+        </p:spPr>
+        <p:style>
+          <a:lnRef idx="1">
+            <a:schemeClr val="accent1"/>
+          </a:lnRef>
+          <a:fillRef idx="0">
+            <a:schemeClr val="accent1"/>
+          </a:fillRef>
+          <a:effectRef idx="0">
+            <a:schemeClr val="accent1"/>
+          </a:effectRef>
+          <a:fontRef idx="minor">
+            <a:schemeClr val="tx1"/>
+          </a:fontRef>
+        </p:style>
+      </p:cxnSp>
+      <p:sp>
+        <p:nvSpPr>
+          <p:cNvPr id="10" name="Rectangle: Rounded Corners 9">
+            <a:extLst>
+              <a:ext uri="{FF2B5EF4-FFF2-40B4-BE49-F238E27FC236}">
+                <a16:creationId xmlns:a16="http://schemas.microsoft.com/office/drawing/2014/main" id="{EE37A4E0-8A94-37FF-474C-52A74860D47F}"/>
+              </a:ext>
+            </a:extLst>
+          </p:cNvPr>
+          <p:cNvSpPr/>
+          <p:nvPr/>
+        </p:nvSpPr>
+        <p:spPr>
+          <a:xfrm>
+            <a:off x="7643324" y="738664"/>
+            <a:ext cx="1054359" cy="602597"/>
+          </a:xfrm>
+          <a:prstGeom prst="roundRect">
+            <a:avLst/>
+          </a:prstGeom>
+        </p:spPr>
+        <p:style>
+          <a:lnRef idx="2">
+            <a:schemeClr val="accent1">
+              <a:shade val="50000"/>
+            </a:schemeClr>
+          </a:lnRef>
+          <a:fillRef idx="1">
+            <a:schemeClr val="accent1"/>
+          </a:fillRef>
+          <a:effectRef idx="0">
+            <a:schemeClr val="accent1"/>
+          </a:effectRef>
+          <a:fontRef idx="minor">
+            <a:schemeClr val="lt1"/>
+          </a:fontRef>
+        </p:style>
+        <p:txBody>
+          <a:bodyPr rtlCol="0" anchor="ctr"/>
+          <a:lstStyle/>
+          <a:p>
+            <a:pPr algn="ctr"/>
+            <a:r>
+              <a:rPr lang="en-IN" b="1" dirty="0" err="1"/>
+              <a:t>PreInit</a:t>
+            </a:r>
+            <a:endParaRPr lang="en-US" b="1" dirty="0"/>
+          </a:p>
+        </p:txBody>
+      </p:sp>
+      <p:sp>
+        <p:nvSpPr>
+          <p:cNvPr id="11" name="Rectangle: Rounded Corners 10">
+            <a:extLst>
+              <a:ext uri="{FF2B5EF4-FFF2-40B4-BE49-F238E27FC236}">
+                <a16:creationId xmlns:a16="http://schemas.microsoft.com/office/drawing/2014/main" id="{98BB8E24-DD0C-E557-4A82-9E506E761E31}"/>
+              </a:ext>
+            </a:extLst>
+          </p:cNvPr>
+          <p:cNvSpPr/>
+          <p:nvPr/>
+        </p:nvSpPr>
+        <p:spPr>
+          <a:xfrm>
+            <a:off x="8937170" y="724667"/>
+            <a:ext cx="1054359" cy="602597"/>
+          </a:xfrm>
+          <a:prstGeom prst="roundRect">
+            <a:avLst/>
+          </a:prstGeom>
+        </p:spPr>
+        <p:style>
+          <a:lnRef idx="2">
+            <a:schemeClr val="accent1">
+              <a:shade val="50000"/>
+            </a:schemeClr>
+          </a:lnRef>
+          <a:fillRef idx="1">
+            <a:schemeClr val="accent1"/>
+          </a:fillRef>
+          <a:effectRef idx="0">
+            <a:schemeClr val="accent1"/>
+          </a:effectRef>
+          <a:fontRef idx="minor">
+            <a:schemeClr val="lt1"/>
+          </a:fontRef>
+        </p:style>
+        <p:txBody>
+          <a:bodyPr rtlCol="0" anchor="ctr"/>
+          <a:lstStyle/>
+          <a:p>
+            <a:pPr algn="ctr"/>
+            <a:r>
+              <a:rPr lang="en-IN" b="1" dirty="0"/>
+              <a:t>Init</a:t>
+            </a:r>
+            <a:endParaRPr lang="en-US" b="1" dirty="0"/>
+          </a:p>
+        </p:txBody>
+      </p:sp>
+      <p:cxnSp>
+        <p:nvCxnSpPr>
+          <p:cNvPr id="13" name="Straight Arrow Connector 12">
+            <a:extLst>
+              <a:ext uri="{FF2B5EF4-FFF2-40B4-BE49-F238E27FC236}">
+                <a16:creationId xmlns:a16="http://schemas.microsoft.com/office/drawing/2014/main" id="{C8295DE1-931F-19CD-8974-F4D2E81948D2}"/>
+              </a:ext>
+            </a:extLst>
+          </p:cNvPr>
+          <p:cNvCxnSpPr>
+            <a:stCxn id="10" idx="3"/>
+            <a:endCxn id="11" idx="1"/>
+          </p:cNvCxnSpPr>
+          <p:nvPr/>
+        </p:nvCxnSpPr>
+        <p:spPr>
+          <a:xfrm flipV="1">
+            <a:off x="8697683" y="1025966"/>
+            <a:ext cx="239487" cy="13997"/>
+          </a:xfrm>
+          <a:prstGeom prst="straightConnector1">
+            <a:avLst/>
+          </a:prstGeom>
+          <a:ln>
+            <a:tailEnd type="triangle"/>
+          </a:ln>
+        </p:spPr>
+        <p:style>
+          <a:lnRef idx="1">
+            <a:schemeClr val="accent1"/>
+          </a:lnRef>
+          <a:fillRef idx="0">
+            <a:schemeClr val="accent1"/>
+          </a:fillRef>
+          <a:effectRef idx="0">
+            <a:schemeClr val="accent1"/>
+          </a:effectRef>
+          <a:fontRef idx="minor">
+            <a:schemeClr val="tx1"/>
+          </a:fontRef>
+        </p:style>
+      </p:cxnSp>
+      <p:sp>
+        <p:nvSpPr>
+          <p:cNvPr id="14" name="TextBox 13">
+            <a:extLst>
+              <a:ext uri="{FF2B5EF4-FFF2-40B4-BE49-F238E27FC236}">
+                <a16:creationId xmlns:a16="http://schemas.microsoft.com/office/drawing/2014/main" id="{C29DCB1F-D820-2D3A-868D-E55BB3F8F63A}"/>
+              </a:ext>
+            </a:extLst>
+          </p:cNvPr>
+          <p:cNvSpPr txBox="1"/>
+          <p:nvPr/>
+        </p:nvSpPr>
+        <p:spPr>
+          <a:xfrm>
+            <a:off x="8752114" y="1652691"/>
+            <a:ext cx="1614196" cy="646331"/>
+          </a:xfrm>
+          <a:prstGeom prst="rect">
+            <a:avLst/>
+          </a:prstGeom>
+          <a:noFill/>
+        </p:spPr>
+        <p:txBody>
+          <a:bodyPr wrap="square" rtlCol="0">
+            <a:spAutoFit/>
+          </a:bodyPr>
+          <a:lstStyle/>
+          <a:p>
+            <a:pPr algn="ctr"/>
+            <a:r>
+              <a:rPr lang="en-IN" sz="1200" dirty="0"/>
+              <a:t>All </a:t>
+            </a:r>
+            <a:r>
+              <a:rPr lang="en-IN" sz="1200" dirty="0" err="1"/>
+              <a:t>WebControls</a:t>
+            </a:r>
+            <a:r>
+              <a:rPr lang="en-IN" sz="1200" dirty="0"/>
+              <a:t> Used on Page will be Initialized</a:t>
+            </a:r>
+            <a:endParaRPr lang="en-US" sz="1200" dirty="0"/>
+          </a:p>
+        </p:txBody>
+      </p:sp>
+      <p:sp>
+        <p:nvSpPr>
+          <p:cNvPr id="15" name="Rectangle: Rounded Corners 14">
+            <a:extLst>
+              <a:ext uri="{FF2B5EF4-FFF2-40B4-BE49-F238E27FC236}">
+                <a16:creationId xmlns:a16="http://schemas.microsoft.com/office/drawing/2014/main" id="{46A0463E-F8CC-4169-E749-4170E309C05E}"/>
+              </a:ext>
+            </a:extLst>
+          </p:cNvPr>
+          <p:cNvSpPr/>
+          <p:nvPr/>
+        </p:nvSpPr>
+        <p:spPr>
+          <a:xfrm>
+            <a:off x="10403629" y="713786"/>
+            <a:ext cx="1555106" cy="602597"/>
+          </a:xfrm>
+          <a:prstGeom prst="roundRect">
+            <a:avLst/>
+          </a:prstGeom>
+        </p:spPr>
+        <p:style>
+          <a:lnRef idx="2">
+            <a:schemeClr val="accent1">
+              <a:shade val="50000"/>
+            </a:schemeClr>
+          </a:lnRef>
+          <a:fillRef idx="1">
+            <a:schemeClr val="accent1"/>
+          </a:fillRef>
+          <a:effectRef idx="0">
+            <a:schemeClr val="accent1"/>
+          </a:effectRef>
+          <a:fontRef idx="minor">
+            <a:schemeClr val="lt1"/>
+          </a:fontRef>
+        </p:style>
+        <p:txBody>
+          <a:bodyPr rtlCol="0" anchor="ctr"/>
+          <a:lstStyle/>
+          <a:p>
+            <a:pPr algn="ctr"/>
+            <a:r>
+              <a:rPr lang="en-IN" b="1" dirty="0" err="1"/>
+              <a:t>InitComplete</a:t>
+            </a:r>
+            <a:endParaRPr lang="en-US" b="1" dirty="0"/>
+          </a:p>
+        </p:txBody>
+      </p:sp>
+      <p:cxnSp>
+        <p:nvCxnSpPr>
+          <p:cNvPr id="17" name="Straight Arrow Connector 16">
+            <a:extLst>
+              <a:ext uri="{FF2B5EF4-FFF2-40B4-BE49-F238E27FC236}">
+                <a16:creationId xmlns:a16="http://schemas.microsoft.com/office/drawing/2014/main" id="{3DF73C94-E47F-DEE6-10D6-254721F9C9C4}"/>
+              </a:ext>
+            </a:extLst>
+          </p:cNvPr>
+          <p:cNvCxnSpPr>
+            <a:cxnSpLocks/>
+            <a:stCxn id="11" idx="3"/>
+            <a:endCxn id="15" idx="1"/>
+          </p:cNvCxnSpPr>
+          <p:nvPr/>
+        </p:nvCxnSpPr>
+        <p:spPr>
+          <a:xfrm flipV="1">
+            <a:off x="9991529" y="1015085"/>
+            <a:ext cx="412100" cy="10881"/>
+          </a:xfrm>
+          <a:prstGeom prst="straightConnector1">
+            <a:avLst/>
+          </a:prstGeom>
+          <a:ln>
+            <a:tailEnd type="triangle"/>
+          </a:ln>
+        </p:spPr>
+        <p:style>
+          <a:lnRef idx="1">
+            <a:schemeClr val="accent1"/>
+          </a:lnRef>
+          <a:fillRef idx="0">
+            <a:schemeClr val="accent1"/>
+          </a:fillRef>
+          <a:effectRef idx="0">
+            <a:schemeClr val="accent1"/>
+          </a:effectRef>
+          <a:fontRef idx="minor">
+            <a:schemeClr val="tx1"/>
+          </a:fontRef>
+        </p:style>
+      </p:cxnSp>
+      <p:sp>
+        <p:nvSpPr>
+          <p:cNvPr id="22" name="Rectangle: Rounded Corners 21">
+            <a:extLst>
+              <a:ext uri="{FF2B5EF4-FFF2-40B4-BE49-F238E27FC236}">
+                <a16:creationId xmlns:a16="http://schemas.microsoft.com/office/drawing/2014/main" id="{E46B3D22-6EE9-942A-8521-340FE09ECDC2}"/>
+              </a:ext>
+            </a:extLst>
+          </p:cNvPr>
+          <p:cNvSpPr/>
+          <p:nvPr/>
+        </p:nvSpPr>
+        <p:spPr>
+          <a:xfrm>
+            <a:off x="3013788" y="2278414"/>
+            <a:ext cx="4575110" cy="1259633"/>
+          </a:xfrm>
+          <a:prstGeom prst="roundRect">
+            <a:avLst/>
+          </a:prstGeom>
+        </p:spPr>
+        <p:style>
+          <a:lnRef idx="2">
+            <a:schemeClr val="dk1"/>
+          </a:lnRef>
+          <a:fillRef idx="1">
+            <a:schemeClr val="lt1"/>
+          </a:fillRef>
+          <a:effectRef idx="0">
+            <a:schemeClr val="dk1"/>
+          </a:effectRef>
+          <a:fontRef idx="minor">
+            <a:schemeClr val="dk1"/>
+          </a:fontRef>
+        </p:style>
+        <p:txBody>
+          <a:bodyPr rtlCol="0" anchor="ctr"/>
+          <a:lstStyle/>
+          <a:p>
+            <a:pPr algn="ctr"/>
+            <a:endParaRPr lang="en-US" b="1" dirty="0"/>
+          </a:p>
+        </p:txBody>
+      </p:sp>
+      <p:sp>
+        <p:nvSpPr>
+          <p:cNvPr id="23" name="TextBox 22">
+            <a:extLst>
+              <a:ext uri="{FF2B5EF4-FFF2-40B4-BE49-F238E27FC236}">
+                <a16:creationId xmlns:a16="http://schemas.microsoft.com/office/drawing/2014/main" id="{EF8BA886-18FB-FF96-5DB1-E11FB76F2CB9}"/>
+              </a:ext>
+            </a:extLst>
+          </p:cNvPr>
+          <p:cNvSpPr txBox="1"/>
+          <p:nvPr/>
+        </p:nvSpPr>
+        <p:spPr>
+          <a:xfrm>
+            <a:off x="3323254" y="2296873"/>
+            <a:ext cx="3862872" cy="369332"/>
+          </a:xfrm>
+          <a:prstGeom prst="rect">
+            <a:avLst/>
+          </a:prstGeom>
+          <a:noFill/>
+        </p:spPr>
+        <p:txBody>
+          <a:bodyPr wrap="square" rtlCol="0">
+            <a:spAutoFit/>
+          </a:bodyPr>
+          <a:lstStyle/>
+          <a:p>
+            <a:pPr algn="ctr"/>
+            <a:r>
+              <a:rPr lang="en-IN" b="1" dirty="0"/>
+              <a:t>Page Load</a:t>
+            </a:r>
+            <a:endParaRPr lang="en-US" b="1" dirty="0"/>
+          </a:p>
+        </p:txBody>
+      </p:sp>
+      <p:sp>
+        <p:nvSpPr>
+          <p:cNvPr id="24" name="Rectangle: Rounded Corners 23">
+            <a:extLst>
+              <a:ext uri="{FF2B5EF4-FFF2-40B4-BE49-F238E27FC236}">
+                <a16:creationId xmlns:a16="http://schemas.microsoft.com/office/drawing/2014/main" id="{68B5EBE3-8CDD-ADEA-4355-445FAC5D36B6}"/>
+              </a:ext>
+            </a:extLst>
+          </p:cNvPr>
+          <p:cNvSpPr/>
+          <p:nvPr/>
+        </p:nvSpPr>
+        <p:spPr>
+          <a:xfrm>
+            <a:off x="3186402" y="2710703"/>
+            <a:ext cx="1054359" cy="602597"/>
+          </a:xfrm>
+          <a:prstGeom prst="roundRect">
+            <a:avLst/>
+          </a:prstGeom>
+        </p:spPr>
+        <p:style>
+          <a:lnRef idx="2">
+            <a:schemeClr val="accent1">
+              <a:shade val="50000"/>
+            </a:schemeClr>
+          </a:lnRef>
+          <a:fillRef idx="1">
+            <a:schemeClr val="accent1"/>
+          </a:fillRef>
+          <a:effectRef idx="0">
+            <a:schemeClr val="accent1"/>
+          </a:effectRef>
+          <a:fontRef idx="minor">
+            <a:schemeClr val="lt1"/>
+          </a:fontRef>
+        </p:style>
+        <p:txBody>
+          <a:bodyPr rtlCol="0" anchor="ctr"/>
+          <a:lstStyle/>
+          <a:p>
+            <a:pPr algn="ctr"/>
+            <a:r>
+              <a:rPr lang="en-IN" b="1" dirty="0" err="1"/>
+              <a:t>PreLoad</a:t>
+            </a:r>
+            <a:endParaRPr lang="en-US" b="1" dirty="0"/>
+          </a:p>
+        </p:txBody>
+      </p:sp>
+      <p:sp>
+        <p:nvSpPr>
+          <p:cNvPr id="25" name="Rectangle: Rounded Corners 24">
+            <a:extLst>
+              <a:ext uri="{FF2B5EF4-FFF2-40B4-BE49-F238E27FC236}">
+                <a16:creationId xmlns:a16="http://schemas.microsoft.com/office/drawing/2014/main" id="{4DE2FE89-C2C9-37BF-9F80-61FDB5EE8C3E}"/>
+              </a:ext>
+            </a:extLst>
+          </p:cNvPr>
+          <p:cNvSpPr/>
+          <p:nvPr/>
+        </p:nvSpPr>
+        <p:spPr>
+          <a:xfrm>
+            <a:off x="4626427" y="2746239"/>
+            <a:ext cx="1054359" cy="602597"/>
+          </a:xfrm>
+          <a:prstGeom prst="roundRect">
+            <a:avLst/>
+          </a:prstGeom>
+        </p:spPr>
+        <p:style>
+          <a:lnRef idx="2">
+            <a:schemeClr val="accent1">
+              <a:shade val="50000"/>
+            </a:schemeClr>
+          </a:lnRef>
+          <a:fillRef idx="1">
+            <a:schemeClr val="accent1"/>
+          </a:fillRef>
+          <a:effectRef idx="0">
+            <a:schemeClr val="accent1"/>
+          </a:effectRef>
+          <a:fontRef idx="minor">
+            <a:schemeClr val="lt1"/>
+          </a:fontRef>
+        </p:style>
+        <p:txBody>
+          <a:bodyPr rtlCol="0" anchor="ctr"/>
+          <a:lstStyle/>
+          <a:p>
+            <a:pPr algn="ctr"/>
+            <a:r>
+              <a:rPr lang="en-IN" b="1" dirty="0"/>
+              <a:t>Load</a:t>
+            </a:r>
+            <a:endParaRPr lang="en-US" b="1" dirty="0"/>
+          </a:p>
+        </p:txBody>
+      </p:sp>
+      <p:cxnSp>
+        <p:nvCxnSpPr>
+          <p:cNvPr id="27" name="Straight Arrow Connector 26">
+            <a:extLst>
+              <a:ext uri="{FF2B5EF4-FFF2-40B4-BE49-F238E27FC236}">
+                <a16:creationId xmlns:a16="http://schemas.microsoft.com/office/drawing/2014/main" id="{3DBBBE18-4784-4167-0001-17841D89CF2A}"/>
+              </a:ext>
+            </a:extLst>
+          </p:cNvPr>
+          <p:cNvCxnSpPr>
+            <a:stCxn id="14" idx="0"/>
+            <a:endCxn id="11" idx="2"/>
+          </p:cNvCxnSpPr>
+          <p:nvPr/>
+        </p:nvCxnSpPr>
+        <p:spPr>
+          <a:xfrm flipH="1" flipV="1">
+            <a:off x="9464350" y="1327264"/>
+            <a:ext cx="94862" cy="325427"/>
+          </a:xfrm>
+          <a:prstGeom prst="straightConnector1">
+            <a:avLst/>
+          </a:prstGeom>
+          <a:ln>
+            <a:tailEnd type="triangle"/>
+          </a:ln>
+        </p:spPr>
+        <p:style>
+          <a:lnRef idx="1">
+            <a:schemeClr val="accent1"/>
+          </a:lnRef>
+          <a:fillRef idx="0">
+            <a:schemeClr val="accent1"/>
+          </a:fillRef>
+          <a:effectRef idx="0">
+            <a:schemeClr val="accent1"/>
+          </a:effectRef>
+          <a:fontRef idx="minor">
+            <a:schemeClr val="tx1"/>
+          </a:fontRef>
+        </p:style>
+      </p:cxnSp>
+      <p:sp>
+        <p:nvSpPr>
+          <p:cNvPr id="28" name="TextBox 27">
+            <a:extLst>
+              <a:ext uri="{FF2B5EF4-FFF2-40B4-BE49-F238E27FC236}">
+                <a16:creationId xmlns:a16="http://schemas.microsoft.com/office/drawing/2014/main" id="{94B56330-5F89-E8E7-9D74-C848CEDD735B}"/>
+              </a:ext>
+            </a:extLst>
+          </p:cNvPr>
+          <p:cNvSpPr txBox="1"/>
+          <p:nvPr/>
+        </p:nvSpPr>
+        <p:spPr>
+          <a:xfrm>
+            <a:off x="4346508" y="3618081"/>
+            <a:ext cx="1614196" cy="1569660"/>
+          </a:xfrm>
+          <a:prstGeom prst="rect">
+            <a:avLst/>
+          </a:prstGeom>
+          <a:noFill/>
+        </p:spPr>
+        <p:txBody>
+          <a:bodyPr wrap="square" rtlCol="0">
+            <a:spAutoFit/>
+          </a:bodyPr>
+          <a:lstStyle/>
+          <a:p>
+            <a:pPr algn="ctr"/>
+            <a:r>
+              <a:rPr lang="en-IN" sz="1200" dirty="0"/>
+              <a:t>Dependency Initialization Will Takes Place e.g. Instance of Logic Class, </a:t>
+            </a:r>
+            <a:r>
+              <a:rPr lang="en-IN" sz="1200" dirty="0" err="1"/>
+              <a:t>ConnectionString</a:t>
+            </a:r>
+            <a:r>
+              <a:rPr lang="en-IN" sz="1200" dirty="0"/>
+              <a:t>, Some Initial Values for Controls set using Code </a:t>
+            </a:r>
+            <a:endParaRPr lang="en-US" sz="1200" dirty="0"/>
+          </a:p>
+        </p:txBody>
+      </p:sp>
+      <p:cxnSp>
+        <p:nvCxnSpPr>
+          <p:cNvPr id="30" name="Straight Arrow Connector 29">
+            <a:extLst>
+              <a:ext uri="{FF2B5EF4-FFF2-40B4-BE49-F238E27FC236}">
+                <a16:creationId xmlns:a16="http://schemas.microsoft.com/office/drawing/2014/main" id="{C91CC5C7-680B-8D16-229D-82CF178DEC9A}"/>
+              </a:ext>
+            </a:extLst>
+          </p:cNvPr>
+          <p:cNvCxnSpPr>
+            <a:stCxn id="24" idx="3"/>
+          </p:cNvCxnSpPr>
+          <p:nvPr/>
+        </p:nvCxnSpPr>
+        <p:spPr>
+          <a:xfrm>
+            <a:off x="4240761" y="3012002"/>
+            <a:ext cx="385666" cy="35535"/>
+          </a:xfrm>
+          <a:prstGeom prst="straightConnector1">
+            <a:avLst/>
+          </a:prstGeom>
+          <a:ln>
+            <a:tailEnd type="triangle"/>
+          </a:ln>
+        </p:spPr>
+        <p:style>
+          <a:lnRef idx="1">
+            <a:schemeClr val="accent1"/>
+          </a:lnRef>
+          <a:fillRef idx="0">
+            <a:schemeClr val="accent1"/>
+          </a:fillRef>
+          <a:effectRef idx="0">
+            <a:schemeClr val="accent1"/>
+          </a:effectRef>
+          <a:fontRef idx="minor">
+            <a:schemeClr val="tx1"/>
+          </a:fontRef>
+        </p:style>
+      </p:cxnSp>
+      <p:sp>
+        <p:nvSpPr>
+          <p:cNvPr id="31" name="Rectangle: Rounded Corners 30">
+            <a:extLst>
+              <a:ext uri="{FF2B5EF4-FFF2-40B4-BE49-F238E27FC236}">
+                <a16:creationId xmlns:a16="http://schemas.microsoft.com/office/drawing/2014/main" id="{ECBC4050-DA36-7B58-D8CD-656E46973661}"/>
+              </a:ext>
+            </a:extLst>
+          </p:cNvPr>
+          <p:cNvSpPr/>
+          <p:nvPr/>
+        </p:nvSpPr>
+        <p:spPr>
+          <a:xfrm>
+            <a:off x="5879836" y="2684664"/>
+            <a:ext cx="1671737" cy="602597"/>
+          </a:xfrm>
+          <a:prstGeom prst="roundRect">
+            <a:avLst/>
+          </a:prstGeom>
+        </p:spPr>
+        <p:style>
+          <a:lnRef idx="2">
+            <a:schemeClr val="accent1">
+              <a:shade val="50000"/>
+            </a:schemeClr>
+          </a:lnRef>
+          <a:fillRef idx="1">
+            <a:schemeClr val="accent1"/>
+          </a:fillRef>
+          <a:effectRef idx="0">
+            <a:schemeClr val="accent1"/>
+          </a:effectRef>
+          <a:fontRef idx="minor">
+            <a:schemeClr val="lt1"/>
+          </a:fontRef>
+        </p:style>
+        <p:txBody>
+          <a:bodyPr rtlCol="0" anchor="ctr"/>
+          <a:lstStyle/>
+          <a:p>
+            <a:pPr algn="ctr"/>
+            <a:r>
+              <a:rPr lang="en-IN" b="1" dirty="0" err="1"/>
+              <a:t>LoadComplete</a:t>
+            </a:r>
+            <a:endParaRPr lang="en-US" b="1" dirty="0"/>
+          </a:p>
+        </p:txBody>
+      </p:sp>
+      <p:cxnSp>
+        <p:nvCxnSpPr>
+          <p:cNvPr id="33" name="Straight Arrow Connector 32">
+            <a:extLst>
+              <a:ext uri="{FF2B5EF4-FFF2-40B4-BE49-F238E27FC236}">
+                <a16:creationId xmlns:a16="http://schemas.microsoft.com/office/drawing/2014/main" id="{E4C1F7B4-05C3-1F59-2803-8AD9B9E561A7}"/>
+              </a:ext>
+            </a:extLst>
+          </p:cNvPr>
+          <p:cNvCxnSpPr>
+            <a:stCxn id="25" idx="3"/>
+          </p:cNvCxnSpPr>
+          <p:nvPr/>
+        </p:nvCxnSpPr>
+        <p:spPr>
+          <a:xfrm flipV="1">
+            <a:off x="5680786" y="3012002"/>
+            <a:ext cx="172614" cy="35536"/>
+          </a:xfrm>
+          <a:prstGeom prst="straightConnector1">
+            <a:avLst/>
+          </a:prstGeom>
+          <a:ln>
+            <a:tailEnd type="triangle"/>
+          </a:ln>
+        </p:spPr>
+        <p:style>
+          <a:lnRef idx="1">
+            <a:schemeClr val="accent1"/>
+          </a:lnRef>
+          <a:fillRef idx="0">
+            <a:schemeClr val="accent1"/>
+          </a:fillRef>
+          <a:effectRef idx="0">
+            <a:schemeClr val="accent1"/>
+          </a:effectRef>
+          <a:fontRef idx="minor">
+            <a:schemeClr val="tx1"/>
+          </a:fontRef>
+        </p:style>
+      </p:cxnSp>
+      <p:sp>
+        <p:nvSpPr>
+          <p:cNvPr id="34" name="Rectangle 33">
+            <a:extLst>
+              <a:ext uri="{FF2B5EF4-FFF2-40B4-BE49-F238E27FC236}">
+                <a16:creationId xmlns:a16="http://schemas.microsoft.com/office/drawing/2014/main" id="{2B896C57-9E21-B372-CA84-270ED5CDC25F}"/>
+              </a:ext>
+            </a:extLst>
+          </p:cNvPr>
+          <p:cNvSpPr/>
+          <p:nvPr/>
+        </p:nvSpPr>
+        <p:spPr>
+          <a:xfrm>
+            <a:off x="8308906" y="2481539"/>
+            <a:ext cx="3124203" cy="682631"/>
+          </a:xfrm>
+          <a:prstGeom prst="rect">
+            <a:avLst/>
+          </a:prstGeom>
+        </p:spPr>
+        <p:style>
+          <a:lnRef idx="1">
+            <a:schemeClr val="accent4"/>
+          </a:lnRef>
+          <a:fillRef idx="2">
+            <a:schemeClr val="accent4"/>
+          </a:fillRef>
+          <a:effectRef idx="1">
+            <a:schemeClr val="accent4"/>
+          </a:effectRef>
+          <a:fontRef idx="minor">
+            <a:schemeClr val="dk1"/>
+          </a:fontRef>
+        </p:style>
+        <p:txBody>
+          <a:bodyPr rtlCol="0" anchor="ctr"/>
+          <a:lstStyle/>
+          <a:p>
+            <a:pPr algn="ctr"/>
+            <a:r>
+              <a:rPr lang="en-IN" b="1" dirty="0" err="1"/>
+              <a:t>SaveViewState</a:t>
+            </a:r>
+            <a:r>
+              <a:rPr lang="en-IN" b="1" dirty="0"/>
+              <a:t>()</a:t>
+            </a:r>
+            <a:endParaRPr lang="en-US" b="1" dirty="0"/>
+          </a:p>
+        </p:txBody>
+      </p:sp>
+      <p:cxnSp>
+        <p:nvCxnSpPr>
+          <p:cNvPr id="36" name="Straight Arrow Connector 35">
+            <a:extLst>
+              <a:ext uri="{FF2B5EF4-FFF2-40B4-BE49-F238E27FC236}">
+                <a16:creationId xmlns:a16="http://schemas.microsoft.com/office/drawing/2014/main" id="{A8A9AE38-13C1-C918-0ADC-E83D9CBE8F67}"/>
+              </a:ext>
+            </a:extLst>
+          </p:cNvPr>
+          <p:cNvCxnSpPr>
+            <a:stCxn id="28" idx="0"/>
+            <a:endCxn id="25" idx="2"/>
+          </p:cNvCxnSpPr>
+          <p:nvPr/>
+        </p:nvCxnSpPr>
+        <p:spPr>
+          <a:xfrm flipV="1">
+            <a:off x="5153606" y="3348836"/>
+            <a:ext cx="1" cy="269245"/>
+          </a:xfrm>
+          <a:prstGeom prst="straightConnector1">
+            <a:avLst/>
+          </a:prstGeom>
+          <a:ln>
+            <a:tailEnd type="triangle"/>
+          </a:ln>
+        </p:spPr>
+        <p:style>
+          <a:lnRef idx="1">
+            <a:schemeClr val="accent1"/>
+          </a:lnRef>
+          <a:fillRef idx="0">
+            <a:schemeClr val="accent1"/>
+          </a:fillRef>
+          <a:effectRef idx="0">
+            <a:schemeClr val="accent1"/>
+          </a:effectRef>
+          <a:fontRef idx="minor">
+            <a:schemeClr val="tx1"/>
+          </a:fontRef>
+        </p:style>
+      </p:cxnSp>
+      <p:cxnSp>
+        <p:nvCxnSpPr>
+          <p:cNvPr id="38" name="Straight Arrow Connector 37">
+            <a:extLst>
+              <a:ext uri="{FF2B5EF4-FFF2-40B4-BE49-F238E27FC236}">
+                <a16:creationId xmlns:a16="http://schemas.microsoft.com/office/drawing/2014/main" id="{24DDE0F1-7A96-9DBC-4BFE-B9DC0C125E20}"/>
+              </a:ext>
+            </a:extLst>
+          </p:cNvPr>
+          <p:cNvCxnSpPr>
+            <a:stCxn id="31" idx="3"/>
+            <a:endCxn id="34" idx="1"/>
+          </p:cNvCxnSpPr>
+          <p:nvPr/>
+        </p:nvCxnSpPr>
+        <p:spPr>
+          <a:xfrm flipV="1">
+            <a:off x="7551573" y="2822855"/>
+            <a:ext cx="757333" cy="163108"/>
+          </a:xfrm>
+          <a:prstGeom prst="straightConnector1">
+            <a:avLst/>
+          </a:prstGeom>
+          <a:ln>
+            <a:tailEnd type="triangle"/>
+          </a:ln>
+        </p:spPr>
+        <p:style>
+          <a:lnRef idx="1">
+            <a:schemeClr val="accent1"/>
+          </a:lnRef>
+          <a:fillRef idx="0">
+            <a:schemeClr val="accent1"/>
+          </a:fillRef>
+          <a:effectRef idx="0">
+            <a:schemeClr val="accent1"/>
+          </a:effectRef>
+          <a:fontRef idx="minor">
+            <a:schemeClr val="tx1"/>
+          </a:fontRef>
+        </p:style>
+      </p:cxnSp>
+      <p:sp>
+        <p:nvSpPr>
+          <p:cNvPr id="39" name="TextBox 38">
+            <a:extLst>
+              <a:ext uri="{FF2B5EF4-FFF2-40B4-BE49-F238E27FC236}">
+                <a16:creationId xmlns:a16="http://schemas.microsoft.com/office/drawing/2014/main" id="{CCA2250D-B345-6ED7-AF8F-E3E2ADA7D44F}"/>
+              </a:ext>
+            </a:extLst>
+          </p:cNvPr>
+          <p:cNvSpPr txBox="1"/>
+          <p:nvPr/>
+        </p:nvSpPr>
+        <p:spPr>
+          <a:xfrm>
+            <a:off x="8397551" y="3287261"/>
+            <a:ext cx="2845836" cy="261610"/>
+          </a:xfrm>
+          <a:prstGeom prst="rect">
+            <a:avLst/>
+          </a:prstGeom>
+          <a:noFill/>
+        </p:spPr>
+        <p:txBody>
+          <a:bodyPr wrap="square" rtlCol="0">
+            <a:spAutoFit/>
+          </a:bodyPr>
+          <a:lstStyle/>
+          <a:p>
+            <a:pPr algn="ctr"/>
+            <a:r>
+              <a:rPr lang="en-IN" sz="1100" dirty="0"/>
+              <a:t>Save Initial Values of Controls on the server</a:t>
+            </a:r>
+            <a:endParaRPr lang="en-US" sz="1100" dirty="0"/>
+          </a:p>
+        </p:txBody>
+      </p:sp>
+      <p:sp>
+        <p:nvSpPr>
+          <p:cNvPr id="40" name="Rectangle: Rounded Corners 39">
+            <a:extLst>
+              <a:ext uri="{FF2B5EF4-FFF2-40B4-BE49-F238E27FC236}">
+                <a16:creationId xmlns:a16="http://schemas.microsoft.com/office/drawing/2014/main" id="{2C313A08-A0D8-90D3-5E30-4D82914CCEF0}"/>
+              </a:ext>
+            </a:extLst>
+          </p:cNvPr>
+          <p:cNvSpPr/>
+          <p:nvPr/>
+        </p:nvSpPr>
+        <p:spPr>
+          <a:xfrm>
+            <a:off x="391107" y="5150094"/>
+            <a:ext cx="6270949" cy="1259633"/>
+          </a:xfrm>
+          <a:prstGeom prst="roundRect">
+            <a:avLst/>
+          </a:prstGeom>
+        </p:spPr>
+        <p:style>
+          <a:lnRef idx="2">
+            <a:schemeClr val="dk1"/>
+          </a:lnRef>
+          <a:fillRef idx="1">
+            <a:schemeClr val="lt1"/>
+          </a:fillRef>
+          <a:effectRef idx="0">
+            <a:schemeClr val="dk1"/>
+          </a:effectRef>
+          <a:fontRef idx="minor">
+            <a:schemeClr val="dk1"/>
+          </a:fontRef>
+        </p:style>
+        <p:txBody>
+          <a:bodyPr rtlCol="0" anchor="ctr"/>
+          <a:lstStyle/>
+          <a:p>
+            <a:pPr algn="ctr"/>
+            <a:endParaRPr lang="en-US" b="1" dirty="0"/>
+          </a:p>
+        </p:txBody>
+      </p:sp>
+      <p:sp>
+        <p:nvSpPr>
+          <p:cNvPr id="41" name="TextBox 40">
+            <a:extLst>
+              <a:ext uri="{FF2B5EF4-FFF2-40B4-BE49-F238E27FC236}">
+                <a16:creationId xmlns:a16="http://schemas.microsoft.com/office/drawing/2014/main" id="{148E12F3-C8DF-B753-96B7-5C5F1F72C3C0}"/>
+              </a:ext>
+            </a:extLst>
+          </p:cNvPr>
+          <p:cNvSpPr txBox="1"/>
+          <p:nvPr/>
+        </p:nvSpPr>
+        <p:spPr>
+          <a:xfrm>
+            <a:off x="700574" y="5168553"/>
+            <a:ext cx="3862872" cy="369332"/>
+          </a:xfrm>
+          <a:prstGeom prst="rect">
+            <a:avLst/>
+          </a:prstGeom>
+          <a:noFill/>
+        </p:spPr>
+        <p:txBody>
+          <a:bodyPr wrap="square" rtlCol="0">
+            <a:spAutoFit/>
+          </a:bodyPr>
+          <a:lstStyle/>
+          <a:p>
+            <a:pPr algn="ctr"/>
+            <a:r>
+              <a:rPr lang="en-IN" b="1" dirty="0"/>
+              <a:t>Page Render</a:t>
+            </a:r>
+            <a:endParaRPr lang="en-US" b="1" dirty="0"/>
+          </a:p>
+        </p:txBody>
+      </p:sp>
+      <p:sp>
+        <p:nvSpPr>
+          <p:cNvPr id="42" name="Rectangle: Rounded Corners 41">
+            <a:extLst>
+              <a:ext uri="{FF2B5EF4-FFF2-40B4-BE49-F238E27FC236}">
+                <a16:creationId xmlns:a16="http://schemas.microsoft.com/office/drawing/2014/main" id="{10D67B4C-F748-8F97-3EDF-8BD4C9FF2973}"/>
+              </a:ext>
+            </a:extLst>
+          </p:cNvPr>
+          <p:cNvSpPr/>
+          <p:nvPr/>
+        </p:nvSpPr>
+        <p:spPr>
+          <a:xfrm>
+            <a:off x="563722" y="5582383"/>
+            <a:ext cx="1240975" cy="602597"/>
+          </a:xfrm>
+          <a:prstGeom prst="roundRect">
+            <a:avLst/>
+          </a:prstGeom>
+        </p:spPr>
+        <p:style>
+          <a:lnRef idx="2">
+            <a:schemeClr val="accent1">
+              <a:shade val="50000"/>
+            </a:schemeClr>
+          </a:lnRef>
+          <a:fillRef idx="1">
+            <a:schemeClr val="accent1"/>
+          </a:fillRef>
+          <a:effectRef idx="0">
+            <a:schemeClr val="accent1"/>
+          </a:effectRef>
+          <a:fontRef idx="minor">
+            <a:schemeClr val="lt1"/>
+          </a:fontRef>
+        </p:style>
+        <p:txBody>
+          <a:bodyPr rtlCol="0" anchor="ctr"/>
+          <a:lstStyle/>
+          <a:p>
+            <a:pPr algn="ctr"/>
+            <a:r>
+              <a:rPr lang="en-IN" b="1" dirty="0" err="1"/>
+              <a:t>PreRender</a:t>
+            </a:r>
+            <a:endParaRPr lang="en-US" b="1" dirty="0"/>
+          </a:p>
+        </p:txBody>
+      </p:sp>
+      <p:sp>
+        <p:nvSpPr>
+          <p:cNvPr id="43" name="Rectangle: Rounded Corners 42">
+            <a:extLst>
+              <a:ext uri="{FF2B5EF4-FFF2-40B4-BE49-F238E27FC236}">
+                <a16:creationId xmlns:a16="http://schemas.microsoft.com/office/drawing/2014/main" id="{CF6A2EB3-5A6D-A05F-27F8-621072E1DC4E}"/>
+              </a:ext>
+            </a:extLst>
+          </p:cNvPr>
+          <p:cNvSpPr/>
+          <p:nvPr/>
+        </p:nvSpPr>
+        <p:spPr>
+          <a:xfrm>
+            <a:off x="2003747" y="5617919"/>
+            <a:ext cx="1054359" cy="602597"/>
+          </a:xfrm>
+          <a:prstGeom prst="roundRect">
+            <a:avLst/>
+          </a:prstGeom>
+        </p:spPr>
+        <p:style>
+          <a:lnRef idx="2">
+            <a:schemeClr val="accent1">
+              <a:shade val="50000"/>
+            </a:schemeClr>
+          </a:lnRef>
+          <a:fillRef idx="1">
+            <a:schemeClr val="accent1"/>
+          </a:fillRef>
+          <a:effectRef idx="0">
+            <a:schemeClr val="accent1"/>
+          </a:effectRef>
+          <a:fontRef idx="minor">
+            <a:schemeClr val="lt1"/>
+          </a:fontRef>
+        </p:style>
+        <p:txBody>
+          <a:bodyPr rtlCol="0" anchor="ctr"/>
+          <a:lstStyle/>
+          <a:p>
+            <a:pPr algn="ctr"/>
+            <a:r>
+              <a:rPr lang="en-IN" b="1" dirty="0"/>
+              <a:t>Render</a:t>
+            </a:r>
+            <a:endParaRPr lang="en-US" b="1" dirty="0"/>
+          </a:p>
+        </p:txBody>
+      </p:sp>
+      <p:sp>
+        <p:nvSpPr>
+          <p:cNvPr id="44" name="Rectangle: Rounded Corners 43">
+            <a:extLst>
+              <a:ext uri="{FF2B5EF4-FFF2-40B4-BE49-F238E27FC236}">
+                <a16:creationId xmlns:a16="http://schemas.microsoft.com/office/drawing/2014/main" id="{D5814A5C-280C-DC9D-043E-1F28AE330E6D}"/>
+              </a:ext>
+            </a:extLst>
+          </p:cNvPr>
+          <p:cNvSpPr/>
+          <p:nvPr/>
+        </p:nvSpPr>
+        <p:spPr>
+          <a:xfrm>
+            <a:off x="3257156" y="5556344"/>
+            <a:ext cx="3171636" cy="602597"/>
+          </a:xfrm>
+          <a:prstGeom prst="roundRect">
+            <a:avLst/>
+          </a:prstGeom>
+        </p:spPr>
+        <p:style>
+          <a:lnRef idx="2">
+            <a:schemeClr val="accent1">
+              <a:shade val="50000"/>
+            </a:schemeClr>
+          </a:lnRef>
+          <a:fillRef idx="1">
+            <a:schemeClr val="accent1"/>
+          </a:fillRef>
+          <a:effectRef idx="0">
+            <a:schemeClr val="accent1"/>
+          </a:effectRef>
+          <a:fontRef idx="minor">
+            <a:schemeClr val="lt1"/>
+          </a:fontRef>
+        </p:style>
+        <p:txBody>
+          <a:bodyPr rtlCol="0" anchor="ctr"/>
+          <a:lstStyle/>
+          <a:p>
+            <a:pPr algn="ctr"/>
+            <a:r>
+              <a:rPr lang="en-IN" b="1" dirty="0" err="1"/>
+              <a:t>RenderComplete</a:t>
+            </a:r>
+            <a:endParaRPr lang="en-US" b="1" dirty="0"/>
+          </a:p>
+        </p:txBody>
+      </p:sp>
+      <p:cxnSp>
+        <p:nvCxnSpPr>
+          <p:cNvPr id="46" name="Straight Arrow Connector 45">
+            <a:extLst>
+              <a:ext uri="{FF2B5EF4-FFF2-40B4-BE49-F238E27FC236}">
+                <a16:creationId xmlns:a16="http://schemas.microsoft.com/office/drawing/2014/main" id="{CFE1319B-3D6E-7C7B-6C8A-2BBED6E21556}"/>
+              </a:ext>
+            </a:extLst>
+          </p:cNvPr>
+          <p:cNvCxnSpPr>
+            <a:cxnSpLocks/>
+            <a:stCxn id="47" idx="2"/>
+            <a:endCxn id="42" idx="0"/>
+          </p:cNvCxnSpPr>
+          <p:nvPr/>
+        </p:nvCxnSpPr>
+        <p:spPr>
+          <a:xfrm>
+            <a:off x="800490" y="4218245"/>
+            <a:ext cx="383720" cy="1364138"/>
+          </a:xfrm>
+          <a:prstGeom prst="straightConnector1">
+            <a:avLst/>
+          </a:prstGeom>
+          <a:ln>
+            <a:tailEnd type="triangle"/>
+          </a:ln>
+        </p:spPr>
+        <p:style>
+          <a:lnRef idx="1">
+            <a:schemeClr val="accent1"/>
+          </a:lnRef>
+          <a:fillRef idx="0">
+            <a:schemeClr val="accent1"/>
+          </a:fillRef>
+          <a:effectRef idx="0">
+            <a:schemeClr val="accent1"/>
+          </a:effectRef>
+          <a:fontRef idx="minor">
+            <a:schemeClr val="tx1"/>
+          </a:fontRef>
+        </p:style>
+      </p:cxnSp>
+      <p:sp>
+        <p:nvSpPr>
+          <p:cNvPr id="47" name="TextBox 46">
+            <a:extLst>
+              <a:ext uri="{FF2B5EF4-FFF2-40B4-BE49-F238E27FC236}">
+                <a16:creationId xmlns:a16="http://schemas.microsoft.com/office/drawing/2014/main" id="{20EDC8B5-46EC-5BAC-FB44-9AEFBD07DF24}"/>
+              </a:ext>
+            </a:extLst>
+          </p:cNvPr>
+          <p:cNvSpPr txBox="1"/>
+          <p:nvPr/>
+        </p:nvSpPr>
+        <p:spPr>
+          <a:xfrm>
+            <a:off x="192057" y="3618081"/>
+            <a:ext cx="1216865" cy="600164"/>
+          </a:xfrm>
+          <a:prstGeom prst="rect">
+            <a:avLst/>
+          </a:prstGeom>
+          <a:noFill/>
+        </p:spPr>
+        <p:txBody>
+          <a:bodyPr wrap="square" rtlCol="0">
+            <a:spAutoFit/>
+          </a:bodyPr>
+          <a:lstStyle/>
+          <a:p>
+            <a:r>
+              <a:rPr lang="en-IN" sz="1100" dirty="0"/>
+              <a:t>To call Render() method for Each </a:t>
+            </a:r>
+            <a:r>
+              <a:rPr lang="en-IN" sz="1100" dirty="0" err="1"/>
+              <a:t>WebControl</a:t>
+            </a:r>
+            <a:endParaRPr lang="en-US" sz="1100" dirty="0"/>
+          </a:p>
+        </p:txBody>
+      </p:sp>
+      <p:sp>
+        <p:nvSpPr>
+          <p:cNvPr id="49" name="TextBox 48">
+            <a:extLst>
+              <a:ext uri="{FF2B5EF4-FFF2-40B4-BE49-F238E27FC236}">
+                <a16:creationId xmlns:a16="http://schemas.microsoft.com/office/drawing/2014/main" id="{264FFE6A-391A-FDFB-8AE0-567A09100CFE}"/>
+              </a:ext>
+            </a:extLst>
+          </p:cNvPr>
+          <p:cNvSpPr txBox="1"/>
+          <p:nvPr/>
+        </p:nvSpPr>
+        <p:spPr>
+          <a:xfrm>
+            <a:off x="1804697" y="3618081"/>
+            <a:ext cx="1840459" cy="430887"/>
+          </a:xfrm>
+          <a:prstGeom prst="rect">
+            <a:avLst/>
+          </a:prstGeom>
+          <a:noFill/>
+        </p:spPr>
+        <p:txBody>
+          <a:bodyPr wrap="square" rtlCol="0">
+            <a:spAutoFit/>
+          </a:bodyPr>
+          <a:lstStyle/>
+          <a:p>
+            <a:pPr algn="ctr"/>
+            <a:r>
+              <a:rPr lang="en-IN" sz="1100" dirty="0"/>
+              <a:t>Generate the HTML Stream for each </a:t>
+            </a:r>
+            <a:r>
+              <a:rPr lang="en-IN" sz="1100" dirty="0" err="1"/>
+              <a:t>WebControl</a:t>
+            </a:r>
+            <a:endParaRPr lang="en-US" sz="1100" dirty="0"/>
+          </a:p>
+        </p:txBody>
+      </p:sp>
+      <p:cxnSp>
+        <p:nvCxnSpPr>
+          <p:cNvPr id="51" name="Straight Arrow Connector 50">
+            <a:extLst>
+              <a:ext uri="{FF2B5EF4-FFF2-40B4-BE49-F238E27FC236}">
+                <a16:creationId xmlns:a16="http://schemas.microsoft.com/office/drawing/2014/main" id="{8EF3E508-10CE-6C2E-B14F-4718F97A3A8E}"/>
+              </a:ext>
+            </a:extLst>
+          </p:cNvPr>
+          <p:cNvCxnSpPr>
+            <a:stCxn id="49" idx="2"/>
+            <a:endCxn id="43" idx="0"/>
+          </p:cNvCxnSpPr>
+          <p:nvPr/>
+        </p:nvCxnSpPr>
+        <p:spPr>
+          <a:xfrm flipH="1">
+            <a:off x="2530927" y="4048968"/>
+            <a:ext cx="194000" cy="1568951"/>
+          </a:xfrm>
+          <a:prstGeom prst="straightConnector1">
+            <a:avLst/>
+          </a:prstGeom>
+          <a:ln>
+            <a:tailEnd type="triangle"/>
+          </a:ln>
+        </p:spPr>
+        <p:style>
+          <a:lnRef idx="1">
+            <a:schemeClr val="accent1"/>
+          </a:lnRef>
+          <a:fillRef idx="0">
+            <a:schemeClr val="accent1"/>
+          </a:fillRef>
+          <a:effectRef idx="0">
+            <a:schemeClr val="accent1"/>
+          </a:effectRef>
+          <a:fontRef idx="minor">
+            <a:schemeClr val="tx1"/>
+          </a:fontRef>
+        </p:style>
+      </p:cxnSp>
+      <p:sp>
+        <p:nvSpPr>
+          <p:cNvPr id="52" name="TextBox 51">
+            <a:extLst>
+              <a:ext uri="{FF2B5EF4-FFF2-40B4-BE49-F238E27FC236}">
+                <a16:creationId xmlns:a16="http://schemas.microsoft.com/office/drawing/2014/main" id="{B85007D0-E107-5648-214E-546EDB22F304}"/>
+              </a:ext>
+            </a:extLst>
+          </p:cNvPr>
+          <p:cNvSpPr txBox="1"/>
+          <p:nvPr/>
+        </p:nvSpPr>
+        <p:spPr>
+          <a:xfrm>
+            <a:off x="7100596" y="4310743"/>
+            <a:ext cx="2363754" cy="830997"/>
+          </a:xfrm>
+          <a:prstGeom prst="rect">
+            <a:avLst/>
+          </a:prstGeom>
+          <a:noFill/>
+        </p:spPr>
+        <p:txBody>
+          <a:bodyPr wrap="square" rtlCol="0">
+            <a:spAutoFit/>
+          </a:bodyPr>
+          <a:lstStyle/>
+          <a:p>
+            <a:r>
+              <a:rPr lang="en-IN" sz="1200" dirty="0"/>
+              <a:t>Cache the HTML generated on the server and then The HTML Stream will be written into the HTML Response</a:t>
+            </a:r>
+            <a:endParaRPr lang="en-US" sz="1200" dirty="0"/>
+          </a:p>
+        </p:txBody>
+      </p:sp>
+      <p:cxnSp>
+        <p:nvCxnSpPr>
+          <p:cNvPr id="54" name="Straight Arrow Connector 53">
+            <a:extLst>
+              <a:ext uri="{FF2B5EF4-FFF2-40B4-BE49-F238E27FC236}">
+                <a16:creationId xmlns:a16="http://schemas.microsoft.com/office/drawing/2014/main" id="{BEA1D742-8873-5380-E857-F7387B437E10}"/>
+              </a:ext>
+            </a:extLst>
+          </p:cNvPr>
+          <p:cNvCxnSpPr>
+            <a:stCxn id="52" idx="1"/>
+            <a:endCxn id="44" idx="0"/>
+          </p:cNvCxnSpPr>
+          <p:nvPr/>
+        </p:nvCxnSpPr>
+        <p:spPr>
+          <a:xfrm flipH="1">
+            <a:off x="4842974" y="4726242"/>
+            <a:ext cx="2257622" cy="830102"/>
+          </a:xfrm>
+          <a:prstGeom prst="straightConnector1">
+            <a:avLst/>
+          </a:prstGeom>
+          <a:ln>
+            <a:tailEnd type="triangle"/>
+          </a:ln>
+        </p:spPr>
+        <p:style>
+          <a:lnRef idx="1">
+            <a:schemeClr val="accent1"/>
+          </a:lnRef>
+          <a:fillRef idx="0">
+            <a:schemeClr val="accent1"/>
+          </a:fillRef>
+          <a:effectRef idx="0">
+            <a:schemeClr val="accent1"/>
+          </a:effectRef>
+          <a:fontRef idx="minor">
+            <a:schemeClr val="tx1"/>
+          </a:fontRef>
+        </p:style>
+      </p:cxnSp>
+      <p:cxnSp>
+        <p:nvCxnSpPr>
+          <p:cNvPr id="56" name="Connector: Elbow 55">
+            <a:extLst>
+              <a:ext uri="{FF2B5EF4-FFF2-40B4-BE49-F238E27FC236}">
+                <a16:creationId xmlns:a16="http://schemas.microsoft.com/office/drawing/2014/main" id="{E0A43D5F-CBA3-4A08-5CC9-A80617930D7A}"/>
+              </a:ext>
+            </a:extLst>
+          </p:cNvPr>
+          <p:cNvCxnSpPr>
+            <a:stCxn id="34" idx="3"/>
+            <a:endCxn id="40" idx="1"/>
+          </p:cNvCxnSpPr>
+          <p:nvPr/>
+        </p:nvCxnSpPr>
+        <p:spPr>
+          <a:xfrm flipH="1">
+            <a:off x="391107" y="2822855"/>
+            <a:ext cx="11042002" cy="2957056"/>
+          </a:xfrm>
+          <a:prstGeom prst="bentConnector5">
+            <a:avLst>
+              <a:gd name="adj1" fmla="val -2070"/>
+              <a:gd name="adj2" fmla="val 49855"/>
+              <a:gd name="adj3" fmla="val 102070"/>
+            </a:avLst>
+          </a:prstGeom>
+          <a:ln>
+            <a:tailEnd type="triangle"/>
+          </a:ln>
+        </p:spPr>
+        <p:style>
+          <a:lnRef idx="1">
+            <a:schemeClr val="accent1"/>
+          </a:lnRef>
+          <a:fillRef idx="0">
+            <a:schemeClr val="accent1"/>
+          </a:fillRef>
+          <a:effectRef idx="0">
+            <a:schemeClr val="accent1"/>
+          </a:effectRef>
+          <a:fontRef idx="minor">
+            <a:schemeClr val="tx1"/>
+          </a:fontRef>
+        </p:style>
+      </p:cxnSp>
+      <p:sp>
+        <p:nvSpPr>
+          <p:cNvPr id="58" name="Rectangle: Rounded Corners 57">
+            <a:extLst>
+              <a:ext uri="{FF2B5EF4-FFF2-40B4-BE49-F238E27FC236}">
+                <a16:creationId xmlns:a16="http://schemas.microsoft.com/office/drawing/2014/main" id="{E8D87977-8882-A795-4DE4-3EE5A680597D}"/>
+              </a:ext>
+            </a:extLst>
+          </p:cNvPr>
+          <p:cNvSpPr/>
+          <p:nvPr/>
+        </p:nvSpPr>
+        <p:spPr>
+          <a:xfrm>
+            <a:off x="7371184" y="5205309"/>
+            <a:ext cx="2911151" cy="1119043"/>
+          </a:xfrm>
+          <a:prstGeom prst="roundRect">
+            <a:avLst/>
+          </a:prstGeom>
+        </p:spPr>
+        <p:style>
+          <a:lnRef idx="2">
+            <a:schemeClr val="accent6"/>
+          </a:lnRef>
+          <a:fillRef idx="1">
+            <a:schemeClr val="lt1"/>
+          </a:fillRef>
+          <a:effectRef idx="0">
+            <a:schemeClr val="accent6"/>
+          </a:effectRef>
+          <a:fontRef idx="minor">
+            <a:schemeClr val="dk1"/>
+          </a:fontRef>
+        </p:style>
+        <p:txBody>
+          <a:bodyPr rtlCol="0" anchor="ctr"/>
+          <a:lstStyle/>
+          <a:p>
+            <a:pPr algn="ctr"/>
+            <a:r>
+              <a:rPr lang="en-IN" b="1" dirty="0" err="1"/>
+              <a:t>UnLoad</a:t>
+            </a:r>
+            <a:r>
+              <a:rPr lang="en-IN" b="1" dirty="0"/>
+              <a:t> the Page</a:t>
+            </a:r>
+          </a:p>
+          <a:p>
+            <a:pPr algn="ctr"/>
+            <a:r>
+              <a:rPr lang="en-IN" b="1" dirty="0"/>
+              <a:t>And call Destructor</a:t>
+            </a:r>
+            <a:endParaRPr lang="en-US" b="1" dirty="0"/>
+          </a:p>
+        </p:txBody>
+      </p:sp>
+      <p:cxnSp>
+        <p:nvCxnSpPr>
+          <p:cNvPr id="60" name="Straight Arrow Connector 59">
+            <a:extLst>
+              <a:ext uri="{FF2B5EF4-FFF2-40B4-BE49-F238E27FC236}">
+                <a16:creationId xmlns:a16="http://schemas.microsoft.com/office/drawing/2014/main" id="{585F0AD7-2352-A9EA-8812-4350A12DE63E}"/>
+              </a:ext>
+            </a:extLst>
+          </p:cNvPr>
+          <p:cNvCxnSpPr>
+            <a:stCxn id="40" idx="3"/>
+            <a:endCxn id="58" idx="1"/>
+          </p:cNvCxnSpPr>
+          <p:nvPr/>
+        </p:nvCxnSpPr>
+        <p:spPr>
+          <a:xfrm flipV="1">
+            <a:off x="6662056" y="5764831"/>
+            <a:ext cx="709128" cy="15080"/>
+          </a:xfrm>
+          <a:prstGeom prst="straightConnector1">
+            <a:avLst/>
+          </a:prstGeom>
+          <a:ln>
+            <a:tailEnd type="triangle"/>
+          </a:ln>
+        </p:spPr>
+        <p:style>
+          <a:lnRef idx="1">
+            <a:schemeClr val="accent1"/>
+          </a:lnRef>
+          <a:fillRef idx="0">
+            <a:schemeClr val="accent1"/>
+          </a:fillRef>
+          <a:effectRef idx="0">
+            <a:schemeClr val="accent1"/>
+          </a:effectRef>
+          <a:fontRef idx="minor">
+            <a:schemeClr val="tx1"/>
+          </a:fontRef>
+        </p:style>
+      </p:cxnSp>
+    </p:spTree>
+    <p:extLst>
+      <p:ext uri="{BB962C8B-B14F-4D97-AF65-F5344CB8AC3E}">
+        <p14:creationId xmlns:p14="http://schemas.microsoft.com/office/powerpoint/2010/main" val="2834416187"/>
+      </p:ext>
+    </p:extLst>
+  </p:cSld>
+  <p:clrMapOvr>
+    <a:masterClrMapping/>
+  </p:clrMapOvr>
+</p:sld>
+</file>
+
 <file path=ppt/slides/slide3.xml><?xml version="1.0" encoding="utf-8"?>
 <p:sld xmlns:a="http://schemas.openxmlformats.org/drawingml/2006/main" xmlns:r="http://schemas.openxmlformats.org/officeDocument/2006/relationships" xmlns:p="http://schemas.openxmlformats.org/presentationml/2006/main">
   <p:cSld>
@@ -23573,6 +26039,831 @@
     <p:extLst>
       <p:ext uri="{BB962C8B-B14F-4D97-AF65-F5344CB8AC3E}">
         <p14:creationId xmlns:p14="http://schemas.microsoft.com/office/powerpoint/2010/main" val="1875280187"/>
+      </p:ext>
+    </p:extLst>
+  </p:cSld>
+  <p:clrMapOvr>
+    <a:masterClrMapping/>
+  </p:clrMapOvr>
+</p:sld>
+</file>
+
+<file path=ppt/slides/slide30.xml><?xml version="1.0" encoding="utf-8"?>
+<p:sld xmlns:a="http://schemas.openxmlformats.org/drawingml/2006/main" xmlns:r="http://schemas.openxmlformats.org/officeDocument/2006/relationships" xmlns:p="http://schemas.openxmlformats.org/presentationml/2006/main">
+  <p:cSld>
+    <p:spTree>
+      <p:nvGrpSpPr>
+        <p:cNvPr id="1" name=""/>
+        <p:cNvGrpSpPr/>
+        <p:nvPr/>
+      </p:nvGrpSpPr>
+      <p:grpSpPr>
+        <a:xfrm>
+          <a:off x="0" y="0"/>
+          <a:ext cx="0" cy="0"/>
+          <a:chOff x="0" y="0"/>
+          <a:chExt cx="0" cy="0"/>
+        </a:xfrm>
+      </p:grpSpPr>
+      <p:sp>
+        <p:nvSpPr>
+          <p:cNvPr id="2" name="TextBox 1">
+            <a:extLst>
+              <a:ext uri="{FF2B5EF4-FFF2-40B4-BE49-F238E27FC236}">
+                <a16:creationId xmlns:a16="http://schemas.microsoft.com/office/drawing/2014/main" id="{36945EDA-ABF4-02E5-3DD5-AEA38ED38EA5}"/>
+              </a:ext>
+            </a:extLst>
+          </p:cNvPr>
+          <p:cNvSpPr txBox="1"/>
+          <p:nvPr/>
+        </p:nvSpPr>
+        <p:spPr>
+          <a:xfrm>
+            <a:off x="102637" y="0"/>
+            <a:ext cx="4621762" cy="523220"/>
+          </a:xfrm>
+          <a:prstGeom prst="rect">
+            <a:avLst/>
+          </a:prstGeom>
+          <a:noFill/>
+        </p:spPr>
+        <p:txBody>
+          <a:bodyPr wrap="square" rtlCol="0">
+            <a:spAutoFit/>
+          </a:bodyPr>
+          <a:lstStyle/>
+          <a:p>
+            <a:r>
+              <a:rPr lang="en-IN" sz="1400" b="1" dirty="0"/>
+              <a:t>ASP.NET Page Processing for the consecutive requests for the Page</a:t>
+            </a:r>
+            <a:endParaRPr lang="en-US" sz="1400" b="1" dirty="0"/>
+          </a:p>
+        </p:txBody>
+      </p:sp>
+      <p:sp>
+        <p:nvSpPr>
+          <p:cNvPr id="3" name="Arrow: Right 2">
+            <a:extLst>
+              <a:ext uri="{FF2B5EF4-FFF2-40B4-BE49-F238E27FC236}">
+                <a16:creationId xmlns:a16="http://schemas.microsoft.com/office/drawing/2014/main" id="{A87E15C3-20C2-D7B0-88BA-06F58AD552AE}"/>
+              </a:ext>
+            </a:extLst>
+          </p:cNvPr>
+          <p:cNvSpPr/>
+          <p:nvPr/>
+        </p:nvSpPr>
+        <p:spPr>
+          <a:xfrm>
+            <a:off x="233264" y="755780"/>
+            <a:ext cx="6130213" cy="625151"/>
+          </a:xfrm>
+          <a:prstGeom prst="rightArrow">
+            <a:avLst/>
+          </a:prstGeom>
+        </p:spPr>
+        <p:style>
+          <a:lnRef idx="2">
+            <a:schemeClr val="accent1">
+              <a:shade val="50000"/>
+            </a:schemeClr>
+          </a:lnRef>
+          <a:fillRef idx="1">
+            <a:schemeClr val="accent1"/>
+          </a:fillRef>
+          <a:effectRef idx="0">
+            <a:schemeClr val="accent1"/>
+          </a:effectRef>
+          <a:fontRef idx="minor">
+            <a:schemeClr val="lt1"/>
+          </a:fontRef>
+        </p:style>
+        <p:txBody>
+          <a:bodyPr rtlCol="0" anchor="ctr"/>
+          <a:lstStyle/>
+          <a:p>
+            <a:pPr algn="ctr"/>
+            <a:r>
+              <a:rPr lang="en-IN" dirty="0"/>
+              <a:t>Request with Events Raise on </a:t>
+            </a:r>
+            <a:r>
+              <a:rPr lang="en-IN" dirty="0" err="1"/>
+              <a:t>WebControl</a:t>
+            </a:r>
+            <a:r>
+              <a:rPr lang="en-IN" dirty="0"/>
+              <a:t> e.g. Button Click</a:t>
+            </a:r>
+            <a:endParaRPr lang="en-US" dirty="0"/>
+          </a:p>
+        </p:txBody>
+      </p:sp>
+      <p:sp>
+        <p:nvSpPr>
+          <p:cNvPr id="4" name="Rectangle: Rounded Corners 3">
+            <a:extLst>
+              <a:ext uri="{FF2B5EF4-FFF2-40B4-BE49-F238E27FC236}">
+                <a16:creationId xmlns:a16="http://schemas.microsoft.com/office/drawing/2014/main" id="{E6832DE7-4D18-553C-B348-E66B2CAF0C0D}"/>
+              </a:ext>
+            </a:extLst>
+          </p:cNvPr>
+          <p:cNvSpPr/>
+          <p:nvPr/>
+        </p:nvSpPr>
+        <p:spPr>
+          <a:xfrm>
+            <a:off x="6466113" y="774442"/>
+            <a:ext cx="1623527" cy="606489"/>
+          </a:xfrm>
+          <a:prstGeom prst="roundRect">
+            <a:avLst/>
+          </a:prstGeom>
+        </p:spPr>
+        <p:style>
+          <a:lnRef idx="2">
+            <a:schemeClr val="accent1">
+              <a:shade val="50000"/>
+            </a:schemeClr>
+          </a:lnRef>
+          <a:fillRef idx="1">
+            <a:schemeClr val="accent1"/>
+          </a:fillRef>
+          <a:effectRef idx="0">
+            <a:schemeClr val="accent1"/>
+          </a:effectRef>
+          <a:fontRef idx="minor">
+            <a:schemeClr val="lt1"/>
+          </a:fontRef>
+        </p:style>
+        <p:txBody>
+          <a:bodyPr rtlCol="0" anchor="ctr"/>
+          <a:lstStyle/>
+          <a:p>
+            <a:pPr algn="ctr"/>
+            <a:r>
+              <a:rPr lang="en-IN" b="1" dirty="0"/>
+              <a:t>Constructor</a:t>
+            </a:r>
+            <a:endParaRPr lang="en-US" b="1" dirty="0"/>
+          </a:p>
+        </p:txBody>
+      </p:sp>
+      <p:sp>
+        <p:nvSpPr>
+          <p:cNvPr id="5" name="Rectangle: Rounded Corners 4">
+            <a:extLst>
+              <a:ext uri="{FF2B5EF4-FFF2-40B4-BE49-F238E27FC236}">
+                <a16:creationId xmlns:a16="http://schemas.microsoft.com/office/drawing/2014/main" id="{266AEE26-0664-DA19-F36A-91B12CBA3A1C}"/>
+              </a:ext>
+            </a:extLst>
+          </p:cNvPr>
+          <p:cNvSpPr/>
+          <p:nvPr/>
+        </p:nvSpPr>
+        <p:spPr>
+          <a:xfrm>
+            <a:off x="8820537" y="765110"/>
+            <a:ext cx="1623527" cy="606489"/>
+          </a:xfrm>
+          <a:prstGeom prst="roundRect">
+            <a:avLst/>
+          </a:prstGeom>
+        </p:spPr>
+        <p:style>
+          <a:lnRef idx="2">
+            <a:schemeClr val="accent1">
+              <a:shade val="50000"/>
+            </a:schemeClr>
+          </a:lnRef>
+          <a:fillRef idx="1">
+            <a:schemeClr val="accent1"/>
+          </a:fillRef>
+          <a:effectRef idx="0">
+            <a:schemeClr val="accent1"/>
+          </a:effectRef>
+          <a:fontRef idx="minor">
+            <a:schemeClr val="lt1"/>
+          </a:fontRef>
+        </p:style>
+        <p:txBody>
+          <a:bodyPr rtlCol="0" anchor="ctr"/>
+          <a:lstStyle/>
+          <a:p>
+            <a:pPr algn="ctr"/>
+            <a:r>
+              <a:rPr lang="en-IN" b="1" dirty="0"/>
+              <a:t>Init</a:t>
+            </a:r>
+            <a:endParaRPr lang="en-US" b="1" dirty="0"/>
+          </a:p>
+        </p:txBody>
+      </p:sp>
+      <p:cxnSp>
+        <p:nvCxnSpPr>
+          <p:cNvPr id="7" name="Straight Arrow Connector 6">
+            <a:extLst>
+              <a:ext uri="{FF2B5EF4-FFF2-40B4-BE49-F238E27FC236}">
+                <a16:creationId xmlns:a16="http://schemas.microsoft.com/office/drawing/2014/main" id="{D0D95935-9424-0B8C-F7A2-E65A785BCF05}"/>
+              </a:ext>
+            </a:extLst>
+          </p:cNvPr>
+          <p:cNvCxnSpPr>
+            <a:stCxn id="4" idx="3"/>
+            <a:endCxn id="5" idx="1"/>
+          </p:cNvCxnSpPr>
+          <p:nvPr/>
+        </p:nvCxnSpPr>
+        <p:spPr>
+          <a:xfrm flipV="1">
+            <a:off x="8089640" y="1068355"/>
+            <a:ext cx="730897" cy="9332"/>
+          </a:xfrm>
+          <a:prstGeom prst="straightConnector1">
+            <a:avLst/>
+          </a:prstGeom>
+          <a:ln>
+            <a:tailEnd type="triangle"/>
+          </a:ln>
+        </p:spPr>
+        <p:style>
+          <a:lnRef idx="1">
+            <a:schemeClr val="accent1"/>
+          </a:lnRef>
+          <a:fillRef idx="0">
+            <a:schemeClr val="accent1"/>
+          </a:fillRef>
+          <a:effectRef idx="0">
+            <a:schemeClr val="accent1"/>
+          </a:effectRef>
+          <a:fontRef idx="minor">
+            <a:schemeClr val="tx1"/>
+          </a:fontRef>
+        </p:style>
+      </p:cxnSp>
+      <p:sp>
+        <p:nvSpPr>
+          <p:cNvPr id="8" name="Rectangle: Rounded Corners 7">
+            <a:extLst>
+              <a:ext uri="{FF2B5EF4-FFF2-40B4-BE49-F238E27FC236}">
+                <a16:creationId xmlns:a16="http://schemas.microsoft.com/office/drawing/2014/main" id="{97EDFA0F-B115-340C-23DA-31FA122C047C}"/>
+              </a:ext>
+            </a:extLst>
+          </p:cNvPr>
+          <p:cNvSpPr/>
+          <p:nvPr/>
+        </p:nvSpPr>
+        <p:spPr>
+          <a:xfrm>
+            <a:off x="5868955" y="2015412"/>
+            <a:ext cx="4575109" cy="1129004"/>
+          </a:xfrm>
+          <a:prstGeom prst="roundRect">
+            <a:avLst/>
+          </a:prstGeom>
+        </p:spPr>
+        <p:style>
+          <a:lnRef idx="2">
+            <a:schemeClr val="accent4">
+              <a:shade val="50000"/>
+            </a:schemeClr>
+          </a:lnRef>
+          <a:fillRef idx="1">
+            <a:schemeClr val="accent4"/>
+          </a:fillRef>
+          <a:effectRef idx="0">
+            <a:schemeClr val="accent4"/>
+          </a:effectRef>
+          <a:fontRef idx="minor">
+            <a:schemeClr val="lt1"/>
+          </a:fontRef>
+        </p:style>
+        <p:txBody>
+          <a:bodyPr rtlCol="0" anchor="ctr"/>
+          <a:lstStyle/>
+          <a:p>
+            <a:pPr algn="ctr"/>
+            <a:r>
+              <a:rPr lang="en-IN" b="1" dirty="0"/>
+              <a:t>Load Previous View State for the Controls</a:t>
+            </a:r>
+            <a:endParaRPr lang="en-US" b="1" dirty="0"/>
+          </a:p>
+        </p:txBody>
+      </p:sp>
+      <p:cxnSp>
+        <p:nvCxnSpPr>
+          <p:cNvPr id="10" name="Connector: Elbow 9">
+            <a:extLst>
+              <a:ext uri="{FF2B5EF4-FFF2-40B4-BE49-F238E27FC236}">
+                <a16:creationId xmlns:a16="http://schemas.microsoft.com/office/drawing/2014/main" id="{6140FDF8-D858-E801-5FC5-8071188D9DD2}"/>
+              </a:ext>
+            </a:extLst>
+          </p:cNvPr>
+          <p:cNvCxnSpPr>
+            <a:stCxn id="5" idx="3"/>
+            <a:endCxn id="8" idx="3"/>
+          </p:cNvCxnSpPr>
+          <p:nvPr/>
+        </p:nvCxnSpPr>
+        <p:spPr>
+          <a:xfrm>
+            <a:off x="10444064" y="1068355"/>
+            <a:ext cx="12700" cy="1511559"/>
+          </a:xfrm>
+          <a:prstGeom prst="bentConnector3">
+            <a:avLst>
+              <a:gd name="adj1" fmla="val 1800000"/>
+            </a:avLst>
+          </a:prstGeom>
+          <a:ln>
+            <a:tailEnd type="triangle"/>
+          </a:ln>
+        </p:spPr>
+        <p:style>
+          <a:lnRef idx="1">
+            <a:schemeClr val="accent1"/>
+          </a:lnRef>
+          <a:fillRef idx="0">
+            <a:schemeClr val="accent1"/>
+          </a:fillRef>
+          <a:effectRef idx="0">
+            <a:schemeClr val="accent1"/>
+          </a:effectRef>
+          <a:fontRef idx="minor">
+            <a:schemeClr val="tx1"/>
+          </a:fontRef>
+        </p:style>
+      </p:cxnSp>
+      <p:sp>
+        <p:nvSpPr>
+          <p:cNvPr id="11" name="Rectangle: Rounded Corners 10">
+            <a:extLst>
+              <a:ext uri="{FF2B5EF4-FFF2-40B4-BE49-F238E27FC236}">
+                <a16:creationId xmlns:a16="http://schemas.microsoft.com/office/drawing/2014/main" id="{4BDE50FA-0E1B-BA1C-87A5-0FCF2672A7A1}"/>
+              </a:ext>
+            </a:extLst>
+          </p:cNvPr>
+          <p:cNvSpPr/>
+          <p:nvPr/>
+        </p:nvSpPr>
+        <p:spPr>
+          <a:xfrm>
+            <a:off x="3505198" y="2276669"/>
+            <a:ext cx="1623527" cy="606489"/>
+          </a:xfrm>
+          <a:prstGeom prst="roundRect">
+            <a:avLst/>
+          </a:prstGeom>
+        </p:spPr>
+        <p:style>
+          <a:lnRef idx="2">
+            <a:schemeClr val="accent1">
+              <a:shade val="50000"/>
+            </a:schemeClr>
+          </a:lnRef>
+          <a:fillRef idx="1">
+            <a:schemeClr val="accent1"/>
+          </a:fillRef>
+          <a:effectRef idx="0">
+            <a:schemeClr val="accent1"/>
+          </a:effectRef>
+          <a:fontRef idx="minor">
+            <a:schemeClr val="lt1"/>
+          </a:fontRef>
+        </p:style>
+        <p:txBody>
+          <a:bodyPr rtlCol="0" anchor="ctr"/>
+          <a:lstStyle/>
+          <a:p>
+            <a:pPr algn="ctr"/>
+            <a:r>
+              <a:rPr lang="en-IN" b="1" dirty="0"/>
+              <a:t>Load</a:t>
+            </a:r>
+            <a:endParaRPr lang="en-US" b="1" dirty="0"/>
+          </a:p>
+        </p:txBody>
+      </p:sp>
+      <p:cxnSp>
+        <p:nvCxnSpPr>
+          <p:cNvPr id="13" name="Straight Arrow Connector 12">
+            <a:extLst>
+              <a:ext uri="{FF2B5EF4-FFF2-40B4-BE49-F238E27FC236}">
+                <a16:creationId xmlns:a16="http://schemas.microsoft.com/office/drawing/2014/main" id="{C2CE67E1-C1D9-1F4F-BEB2-AE61965722C3}"/>
+              </a:ext>
+            </a:extLst>
+          </p:cNvPr>
+          <p:cNvCxnSpPr>
+            <a:stCxn id="8" idx="1"/>
+            <a:endCxn id="11" idx="3"/>
+          </p:cNvCxnSpPr>
+          <p:nvPr/>
+        </p:nvCxnSpPr>
+        <p:spPr>
+          <a:xfrm flipH="1">
+            <a:off x="5128725" y="2579914"/>
+            <a:ext cx="740230" cy="0"/>
+          </a:xfrm>
+          <a:prstGeom prst="straightConnector1">
+            <a:avLst/>
+          </a:prstGeom>
+          <a:ln>
+            <a:tailEnd type="triangle"/>
+          </a:ln>
+        </p:spPr>
+        <p:style>
+          <a:lnRef idx="1">
+            <a:schemeClr val="accent1"/>
+          </a:lnRef>
+          <a:fillRef idx="0">
+            <a:schemeClr val="accent1"/>
+          </a:fillRef>
+          <a:effectRef idx="0">
+            <a:schemeClr val="accent1"/>
+          </a:effectRef>
+          <a:fontRef idx="minor">
+            <a:schemeClr val="tx1"/>
+          </a:fontRef>
+        </p:style>
+      </p:cxnSp>
+      <p:sp>
+        <p:nvSpPr>
+          <p:cNvPr id="14" name="Rectangle: Rounded Corners 13">
+            <a:extLst>
+              <a:ext uri="{FF2B5EF4-FFF2-40B4-BE49-F238E27FC236}">
+                <a16:creationId xmlns:a16="http://schemas.microsoft.com/office/drawing/2014/main" id="{F7A7213A-23B9-4160-DAFD-EA7865FB3A79}"/>
+              </a:ext>
+            </a:extLst>
+          </p:cNvPr>
+          <p:cNvSpPr/>
+          <p:nvPr/>
+        </p:nvSpPr>
+        <p:spPr>
+          <a:xfrm>
+            <a:off x="1579979" y="4856584"/>
+            <a:ext cx="2967135" cy="1329612"/>
+          </a:xfrm>
+          <a:prstGeom prst="roundRect">
+            <a:avLst/>
+          </a:prstGeom>
+        </p:spPr>
+        <p:style>
+          <a:lnRef idx="2">
+            <a:schemeClr val="accent1">
+              <a:shade val="50000"/>
+            </a:schemeClr>
+          </a:lnRef>
+          <a:fillRef idx="1">
+            <a:schemeClr val="accent1"/>
+          </a:fillRef>
+          <a:effectRef idx="0">
+            <a:schemeClr val="accent1"/>
+          </a:effectRef>
+          <a:fontRef idx="minor">
+            <a:schemeClr val="lt1"/>
+          </a:fontRef>
+        </p:style>
+        <p:txBody>
+          <a:bodyPr rtlCol="0" anchor="ctr"/>
+          <a:lstStyle/>
+          <a:p>
+            <a:pPr algn="ctr"/>
+            <a:r>
+              <a:rPr lang="en-IN" sz="1600" b="1" dirty="0"/>
+              <a:t>Control Specific Event Will be Executed e.g. Button-Click</a:t>
+            </a:r>
+            <a:endParaRPr lang="en-US" sz="1600" b="1" dirty="0"/>
+          </a:p>
+        </p:txBody>
+      </p:sp>
+      <p:cxnSp>
+        <p:nvCxnSpPr>
+          <p:cNvPr id="16" name="Straight Arrow Connector 15">
+            <a:extLst>
+              <a:ext uri="{FF2B5EF4-FFF2-40B4-BE49-F238E27FC236}">
+                <a16:creationId xmlns:a16="http://schemas.microsoft.com/office/drawing/2014/main" id="{5637C346-5E6B-9FCF-DE01-1E36E06DAD64}"/>
+              </a:ext>
+            </a:extLst>
+          </p:cNvPr>
+          <p:cNvCxnSpPr>
+            <a:cxnSpLocks/>
+            <a:stCxn id="11" idx="2"/>
+            <a:endCxn id="18" idx="1"/>
+          </p:cNvCxnSpPr>
+          <p:nvPr/>
+        </p:nvCxnSpPr>
+        <p:spPr>
+          <a:xfrm>
+            <a:off x="4316962" y="2883158"/>
+            <a:ext cx="1551993" cy="1021705"/>
+          </a:xfrm>
+          <a:prstGeom prst="straightConnector1">
+            <a:avLst/>
+          </a:prstGeom>
+          <a:ln>
+            <a:tailEnd type="triangle"/>
+          </a:ln>
+        </p:spPr>
+        <p:style>
+          <a:lnRef idx="1">
+            <a:schemeClr val="accent1"/>
+          </a:lnRef>
+          <a:fillRef idx="0">
+            <a:schemeClr val="accent1"/>
+          </a:fillRef>
+          <a:effectRef idx="0">
+            <a:schemeClr val="accent1"/>
+          </a:effectRef>
+          <a:fontRef idx="minor">
+            <a:schemeClr val="tx1"/>
+          </a:fontRef>
+        </p:style>
+      </p:cxnSp>
+      <p:sp>
+        <p:nvSpPr>
+          <p:cNvPr id="18" name="Rectangle: Rounded Corners 17">
+            <a:extLst>
+              <a:ext uri="{FF2B5EF4-FFF2-40B4-BE49-F238E27FC236}">
+                <a16:creationId xmlns:a16="http://schemas.microsoft.com/office/drawing/2014/main" id="{789818EE-C4D9-CF84-7279-1FF79293353B}"/>
+              </a:ext>
+            </a:extLst>
+          </p:cNvPr>
+          <p:cNvSpPr/>
+          <p:nvPr/>
+        </p:nvSpPr>
+        <p:spPr>
+          <a:xfrm>
+            <a:off x="5868955" y="3340361"/>
+            <a:ext cx="3536299" cy="1129004"/>
+          </a:xfrm>
+          <a:prstGeom prst="roundRect">
+            <a:avLst/>
+          </a:prstGeom>
+        </p:spPr>
+        <p:style>
+          <a:lnRef idx="2">
+            <a:schemeClr val="accent4">
+              <a:shade val="50000"/>
+            </a:schemeClr>
+          </a:lnRef>
+          <a:fillRef idx="1">
+            <a:schemeClr val="accent4"/>
+          </a:fillRef>
+          <a:effectRef idx="0">
+            <a:schemeClr val="accent4"/>
+          </a:effectRef>
+          <a:fontRef idx="minor">
+            <a:schemeClr val="lt1"/>
+          </a:fontRef>
+        </p:style>
+        <p:txBody>
+          <a:bodyPr rtlCol="0" anchor="ctr"/>
+          <a:lstStyle/>
+          <a:p>
+            <a:pPr algn="ctr"/>
+            <a:r>
+              <a:rPr lang="en-IN" b="1" dirty="0"/>
+              <a:t>Save View State  for the New Data</a:t>
+            </a:r>
+            <a:endParaRPr lang="en-US" b="1" dirty="0"/>
+          </a:p>
+        </p:txBody>
+      </p:sp>
+      <p:cxnSp>
+        <p:nvCxnSpPr>
+          <p:cNvPr id="24" name="Connector: Elbow 23">
+            <a:extLst>
+              <a:ext uri="{FF2B5EF4-FFF2-40B4-BE49-F238E27FC236}">
+                <a16:creationId xmlns:a16="http://schemas.microsoft.com/office/drawing/2014/main" id="{4AED0A02-0B68-E7CF-14E2-BD60D7B38D7A}"/>
+              </a:ext>
+            </a:extLst>
+          </p:cNvPr>
+          <p:cNvCxnSpPr>
+            <a:stCxn id="18" idx="3"/>
+            <a:endCxn id="14" idx="1"/>
+          </p:cNvCxnSpPr>
+          <p:nvPr/>
+        </p:nvCxnSpPr>
+        <p:spPr>
+          <a:xfrm flipH="1">
+            <a:off x="1579979" y="3904863"/>
+            <a:ext cx="7825275" cy="1616527"/>
+          </a:xfrm>
+          <a:prstGeom prst="bentConnector5">
+            <a:avLst>
+              <a:gd name="adj1" fmla="val -2921"/>
+              <a:gd name="adj2" fmla="val 46898"/>
+              <a:gd name="adj3" fmla="val 102921"/>
+            </a:avLst>
+          </a:prstGeom>
+          <a:ln>
+            <a:tailEnd type="triangle"/>
+          </a:ln>
+        </p:spPr>
+        <p:style>
+          <a:lnRef idx="1">
+            <a:schemeClr val="accent1"/>
+          </a:lnRef>
+          <a:fillRef idx="0">
+            <a:schemeClr val="accent1"/>
+          </a:fillRef>
+          <a:effectRef idx="0">
+            <a:schemeClr val="accent1"/>
+          </a:effectRef>
+          <a:fontRef idx="minor">
+            <a:schemeClr val="tx1"/>
+          </a:fontRef>
+        </p:style>
+      </p:cxnSp>
+      <p:sp>
+        <p:nvSpPr>
+          <p:cNvPr id="25" name="Rectangle: Rounded Corners 24">
+            <a:extLst>
+              <a:ext uri="{FF2B5EF4-FFF2-40B4-BE49-F238E27FC236}">
+                <a16:creationId xmlns:a16="http://schemas.microsoft.com/office/drawing/2014/main" id="{C4E45843-4142-291E-59BE-7D57E488AD33}"/>
+              </a:ext>
+            </a:extLst>
+          </p:cNvPr>
+          <p:cNvSpPr/>
+          <p:nvPr/>
+        </p:nvSpPr>
+        <p:spPr>
+          <a:xfrm>
+            <a:off x="5128725" y="5247303"/>
+            <a:ext cx="1623527" cy="606489"/>
+          </a:xfrm>
+          <a:prstGeom prst="roundRect">
+            <a:avLst/>
+          </a:prstGeom>
+        </p:spPr>
+        <p:style>
+          <a:lnRef idx="2">
+            <a:schemeClr val="accent1">
+              <a:shade val="50000"/>
+            </a:schemeClr>
+          </a:lnRef>
+          <a:fillRef idx="1">
+            <a:schemeClr val="accent1"/>
+          </a:fillRef>
+          <a:effectRef idx="0">
+            <a:schemeClr val="accent1"/>
+          </a:effectRef>
+          <a:fontRef idx="minor">
+            <a:schemeClr val="lt1"/>
+          </a:fontRef>
+        </p:style>
+        <p:txBody>
+          <a:bodyPr rtlCol="0" anchor="ctr"/>
+          <a:lstStyle/>
+          <a:p>
+            <a:pPr algn="ctr"/>
+            <a:r>
+              <a:rPr lang="en-IN" b="1" dirty="0"/>
+              <a:t>Render</a:t>
+            </a:r>
+            <a:endParaRPr lang="en-US" b="1" dirty="0"/>
+          </a:p>
+        </p:txBody>
+      </p:sp>
+      <p:cxnSp>
+        <p:nvCxnSpPr>
+          <p:cNvPr id="27" name="Straight Arrow Connector 26">
+            <a:extLst>
+              <a:ext uri="{FF2B5EF4-FFF2-40B4-BE49-F238E27FC236}">
+                <a16:creationId xmlns:a16="http://schemas.microsoft.com/office/drawing/2014/main" id="{3312EEEA-5DA5-5811-0CE0-2105EC8AF253}"/>
+              </a:ext>
+            </a:extLst>
+          </p:cNvPr>
+          <p:cNvCxnSpPr>
+            <a:stCxn id="14" idx="3"/>
+            <a:endCxn id="25" idx="1"/>
+          </p:cNvCxnSpPr>
+          <p:nvPr/>
+        </p:nvCxnSpPr>
+        <p:spPr>
+          <a:xfrm>
+            <a:off x="4547114" y="5521390"/>
+            <a:ext cx="581611" cy="29158"/>
+          </a:xfrm>
+          <a:prstGeom prst="straightConnector1">
+            <a:avLst/>
+          </a:prstGeom>
+          <a:ln>
+            <a:tailEnd type="triangle"/>
+          </a:ln>
+        </p:spPr>
+        <p:style>
+          <a:lnRef idx="1">
+            <a:schemeClr val="accent1"/>
+          </a:lnRef>
+          <a:fillRef idx="0">
+            <a:schemeClr val="accent1"/>
+          </a:fillRef>
+          <a:effectRef idx="0">
+            <a:schemeClr val="accent1"/>
+          </a:effectRef>
+          <a:fontRef idx="minor">
+            <a:schemeClr val="tx1"/>
+          </a:fontRef>
+        </p:style>
+      </p:cxnSp>
+      <p:sp>
+        <p:nvSpPr>
+          <p:cNvPr id="28" name="Rectangle: Rounded Corners 27">
+            <a:extLst>
+              <a:ext uri="{FF2B5EF4-FFF2-40B4-BE49-F238E27FC236}">
+                <a16:creationId xmlns:a16="http://schemas.microsoft.com/office/drawing/2014/main" id="{CAADFB55-0A12-7634-81DB-591F710243B3}"/>
+              </a:ext>
+            </a:extLst>
+          </p:cNvPr>
+          <p:cNvSpPr/>
+          <p:nvPr/>
+        </p:nvSpPr>
+        <p:spPr>
+          <a:xfrm>
+            <a:off x="7903027" y="5232724"/>
+            <a:ext cx="1623527" cy="606489"/>
+          </a:xfrm>
+          <a:prstGeom prst="roundRect">
+            <a:avLst/>
+          </a:prstGeom>
+        </p:spPr>
+        <p:style>
+          <a:lnRef idx="2">
+            <a:schemeClr val="accent1">
+              <a:shade val="50000"/>
+            </a:schemeClr>
+          </a:lnRef>
+          <a:fillRef idx="1">
+            <a:schemeClr val="accent1"/>
+          </a:fillRef>
+          <a:effectRef idx="0">
+            <a:schemeClr val="accent1"/>
+          </a:effectRef>
+          <a:fontRef idx="minor">
+            <a:schemeClr val="lt1"/>
+          </a:fontRef>
+        </p:style>
+        <p:txBody>
+          <a:bodyPr rtlCol="0" anchor="ctr"/>
+          <a:lstStyle/>
+          <a:p>
+            <a:pPr algn="ctr"/>
+            <a:r>
+              <a:rPr lang="en-IN" b="1" dirty="0"/>
+              <a:t>Unload</a:t>
+            </a:r>
+            <a:endParaRPr lang="en-US" b="1" dirty="0"/>
+          </a:p>
+        </p:txBody>
+      </p:sp>
+      <p:cxnSp>
+        <p:nvCxnSpPr>
+          <p:cNvPr id="30" name="Straight Arrow Connector 29">
+            <a:extLst>
+              <a:ext uri="{FF2B5EF4-FFF2-40B4-BE49-F238E27FC236}">
+                <a16:creationId xmlns:a16="http://schemas.microsoft.com/office/drawing/2014/main" id="{D406372C-E6E4-F2F6-91D4-9AD083B499EF}"/>
+              </a:ext>
+            </a:extLst>
+          </p:cNvPr>
+          <p:cNvCxnSpPr>
+            <a:stCxn id="25" idx="3"/>
+            <a:endCxn id="28" idx="1"/>
+          </p:cNvCxnSpPr>
+          <p:nvPr/>
+        </p:nvCxnSpPr>
+        <p:spPr>
+          <a:xfrm flipV="1">
+            <a:off x="6752252" y="5535969"/>
+            <a:ext cx="1150775" cy="14579"/>
+          </a:xfrm>
+          <a:prstGeom prst="straightConnector1">
+            <a:avLst/>
+          </a:prstGeom>
+          <a:ln>
+            <a:tailEnd type="triangle"/>
+          </a:ln>
+        </p:spPr>
+        <p:style>
+          <a:lnRef idx="1">
+            <a:schemeClr val="accent1"/>
+          </a:lnRef>
+          <a:fillRef idx="0">
+            <a:schemeClr val="accent1"/>
+          </a:fillRef>
+          <a:effectRef idx="0">
+            <a:schemeClr val="accent1"/>
+          </a:effectRef>
+          <a:fontRef idx="minor">
+            <a:schemeClr val="tx1"/>
+          </a:fontRef>
+        </p:style>
+      </p:cxnSp>
+    </p:spTree>
+    <p:extLst>
+      <p:ext uri="{BB962C8B-B14F-4D97-AF65-F5344CB8AC3E}">
+        <p14:creationId xmlns:p14="http://schemas.microsoft.com/office/powerpoint/2010/main" val="2796451792"/>
       </p:ext>
     </p:extLst>
   </p:cSld>

--- a/Training-Images.pptx
+++ b/Training-Images.pptx
@@ -35,6 +35,7 @@
     <p:sldId id="283" r:id="rId29"/>
     <p:sldId id="284" r:id="rId30"/>
     <p:sldId id="285" r:id="rId31"/>
+    <p:sldId id="286" r:id="rId32"/>
   </p:sldIdLst>
   <p:sldSz cx="12192000" cy="6858000"/>
   <p:notesSz cx="6858000" cy="9144000"/>
@@ -26873,6 +26874,967 @@
 </p:sld>
 </file>
 
+<file path=ppt/slides/slide31.xml><?xml version="1.0" encoding="utf-8"?>
+<p:sld xmlns:a="http://schemas.openxmlformats.org/drawingml/2006/main" xmlns:r="http://schemas.openxmlformats.org/officeDocument/2006/relationships" xmlns:p="http://schemas.openxmlformats.org/presentationml/2006/main">
+  <p:cSld>
+    <p:spTree>
+      <p:nvGrpSpPr>
+        <p:cNvPr id="1" name=""/>
+        <p:cNvGrpSpPr/>
+        <p:nvPr/>
+      </p:nvGrpSpPr>
+      <p:grpSpPr>
+        <a:xfrm>
+          <a:off x="0" y="0"/>
+          <a:ext cx="0" cy="0"/>
+          <a:chOff x="0" y="0"/>
+          <a:chExt cx="0" cy="0"/>
+        </a:xfrm>
+      </p:grpSpPr>
+      <p:sp>
+        <p:nvSpPr>
+          <p:cNvPr id="2" name="Rectangle 1">
+            <a:extLst>
+              <a:ext uri="{FF2B5EF4-FFF2-40B4-BE49-F238E27FC236}">
+                <a16:creationId xmlns:a16="http://schemas.microsoft.com/office/drawing/2014/main" id="{F894E7F3-1180-63E1-6F81-A46A583A0A66}"/>
+              </a:ext>
+            </a:extLst>
+          </p:cNvPr>
+          <p:cNvSpPr/>
+          <p:nvPr/>
+        </p:nvSpPr>
+        <p:spPr>
+          <a:xfrm>
+            <a:off x="1492898" y="1007706"/>
+            <a:ext cx="10422294" cy="5551714"/>
+          </a:xfrm>
+          <a:prstGeom prst="rect">
+            <a:avLst/>
+          </a:prstGeom>
+        </p:spPr>
+        <p:style>
+          <a:lnRef idx="1">
+            <a:schemeClr val="accent3"/>
+          </a:lnRef>
+          <a:fillRef idx="2">
+            <a:schemeClr val="accent3"/>
+          </a:fillRef>
+          <a:effectRef idx="1">
+            <a:schemeClr val="accent3"/>
+          </a:effectRef>
+          <a:fontRef idx="minor">
+            <a:schemeClr val="dk1"/>
+          </a:fontRef>
+        </p:style>
+        <p:txBody>
+          <a:bodyPr rtlCol="0" anchor="ctr"/>
+          <a:lstStyle/>
+          <a:p>
+            <a:pPr algn="ctr"/>
+            <a:endParaRPr lang="en-US"/>
+          </a:p>
+        </p:txBody>
+      </p:sp>
+      <p:sp>
+        <p:nvSpPr>
+          <p:cNvPr id="3" name="TextBox 2">
+            <a:extLst>
+              <a:ext uri="{FF2B5EF4-FFF2-40B4-BE49-F238E27FC236}">
+                <a16:creationId xmlns:a16="http://schemas.microsoft.com/office/drawing/2014/main" id="{D897F337-43D9-E95E-1441-BCDBE9ABAA81}"/>
+              </a:ext>
+            </a:extLst>
+          </p:cNvPr>
+          <p:cNvSpPr txBox="1"/>
+          <p:nvPr/>
+        </p:nvSpPr>
+        <p:spPr>
+          <a:xfrm>
+            <a:off x="9700726" y="1199757"/>
+            <a:ext cx="1996751" cy="369332"/>
+          </a:xfrm>
+          <a:prstGeom prst="rect">
+            <a:avLst/>
+          </a:prstGeom>
+          <a:noFill/>
+        </p:spPr>
+        <p:txBody>
+          <a:bodyPr wrap="square" rtlCol="0">
+            <a:spAutoFit/>
+          </a:bodyPr>
+          <a:lstStyle/>
+          <a:p>
+            <a:pPr algn="ctr"/>
+            <a:r>
+              <a:rPr lang="en-IN" b="1" dirty="0"/>
+              <a:t>IIS</a:t>
+            </a:r>
+            <a:endParaRPr lang="en-US" b="1" dirty="0"/>
+          </a:p>
+        </p:txBody>
+      </p:sp>
+      <p:sp>
+        <p:nvSpPr>
+          <p:cNvPr id="4" name="Arrow: Down 3">
+            <a:extLst>
+              <a:ext uri="{FF2B5EF4-FFF2-40B4-BE49-F238E27FC236}">
+                <a16:creationId xmlns:a16="http://schemas.microsoft.com/office/drawing/2014/main" id="{837FEE9F-0104-51BE-ECE8-9F6AE1FBBE80}"/>
+              </a:ext>
+            </a:extLst>
+          </p:cNvPr>
+          <p:cNvSpPr/>
+          <p:nvPr/>
+        </p:nvSpPr>
+        <p:spPr>
+          <a:xfrm>
+            <a:off x="3135086" y="223935"/>
+            <a:ext cx="466530" cy="783771"/>
+          </a:xfrm>
+          <a:prstGeom prst="downArrow">
+            <a:avLst/>
+          </a:prstGeom>
+        </p:spPr>
+        <p:style>
+          <a:lnRef idx="2">
+            <a:schemeClr val="accent1">
+              <a:shade val="50000"/>
+            </a:schemeClr>
+          </a:lnRef>
+          <a:fillRef idx="1">
+            <a:schemeClr val="accent1"/>
+          </a:fillRef>
+          <a:effectRef idx="0">
+            <a:schemeClr val="accent1"/>
+          </a:effectRef>
+          <a:fontRef idx="minor">
+            <a:schemeClr val="lt1"/>
+          </a:fontRef>
+        </p:style>
+        <p:txBody>
+          <a:bodyPr rtlCol="0" anchor="ctr"/>
+          <a:lstStyle/>
+          <a:p>
+            <a:pPr algn="ctr"/>
+            <a:endParaRPr lang="en-US"/>
+          </a:p>
+        </p:txBody>
+      </p:sp>
+      <p:sp>
+        <p:nvSpPr>
+          <p:cNvPr id="5" name="TextBox 4">
+            <a:extLst>
+              <a:ext uri="{FF2B5EF4-FFF2-40B4-BE49-F238E27FC236}">
+                <a16:creationId xmlns:a16="http://schemas.microsoft.com/office/drawing/2014/main" id="{4814FE7B-442D-6417-1091-8B372131CCC4}"/>
+              </a:ext>
+            </a:extLst>
+          </p:cNvPr>
+          <p:cNvSpPr txBox="1"/>
+          <p:nvPr/>
+        </p:nvSpPr>
+        <p:spPr>
+          <a:xfrm>
+            <a:off x="3760236" y="223935"/>
+            <a:ext cx="4830149" cy="646331"/>
+          </a:xfrm>
+          <a:prstGeom prst="rect">
+            <a:avLst/>
+          </a:prstGeom>
+          <a:noFill/>
+        </p:spPr>
+        <p:txBody>
+          <a:bodyPr wrap="square" rtlCol="0">
+            <a:spAutoFit/>
+          </a:bodyPr>
+          <a:lstStyle/>
+          <a:p>
+            <a:r>
+              <a:rPr lang="en-IN" dirty="0">
+                <a:hlinkClick r:id="rId2"/>
+              </a:rPr>
+              <a:t>http://www.myserver.com/myapp/mypage.aspx</a:t>
+            </a:r>
+            <a:endParaRPr lang="en-IN" dirty="0"/>
+          </a:p>
+          <a:p>
+            <a:r>
+              <a:rPr lang="en-IN" dirty="0">
+                <a:hlinkClick r:id="rId3"/>
+              </a:rPr>
+              <a:t>http://www.myserver.com/myapp/mypage</a:t>
+            </a:r>
+            <a:r>
+              <a:rPr lang="en-IN" dirty="0"/>
+              <a:t> </a:t>
+            </a:r>
+            <a:endParaRPr lang="en-US" dirty="0"/>
+          </a:p>
+        </p:txBody>
+      </p:sp>
+      <p:sp>
+        <p:nvSpPr>
+          <p:cNvPr id="6" name="Rectangle 5">
+            <a:extLst>
+              <a:ext uri="{FF2B5EF4-FFF2-40B4-BE49-F238E27FC236}">
+                <a16:creationId xmlns:a16="http://schemas.microsoft.com/office/drawing/2014/main" id="{2E1A1016-CCFA-1D29-A92B-1AB04528F8B6}"/>
+              </a:ext>
+            </a:extLst>
+          </p:cNvPr>
+          <p:cNvSpPr/>
+          <p:nvPr/>
+        </p:nvSpPr>
+        <p:spPr>
+          <a:xfrm>
+            <a:off x="1800808" y="1735494"/>
+            <a:ext cx="9862457" cy="4609322"/>
+          </a:xfrm>
+          <a:prstGeom prst="rect">
+            <a:avLst/>
+          </a:prstGeom>
+          <a:solidFill>
+            <a:schemeClr val="accent4">
+              <a:lumMod val="60000"/>
+              <a:lumOff val="40000"/>
+            </a:schemeClr>
+          </a:solidFill>
+        </p:spPr>
+        <p:style>
+          <a:lnRef idx="2">
+            <a:schemeClr val="accent1">
+              <a:shade val="50000"/>
+            </a:schemeClr>
+          </a:lnRef>
+          <a:fillRef idx="1">
+            <a:schemeClr val="accent1"/>
+          </a:fillRef>
+          <a:effectRef idx="0">
+            <a:schemeClr val="accent1"/>
+          </a:effectRef>
+          <a:fontRef idx="minor">
+            <a:schemeClr val="lt1"/>
+          </a:fontRef>
+        </p:style>
+        <p:txBody>
+          <a:bodyPr rtlCol="0" anchor="ctr"/>
+          <a:lstStyle/>
+          <a:p>
+            <a:pPr algn="ctr"/>
+            <a:endParaRPr lang="en-US"/>
+          </a:p>
+        </p:txBody>
+      </p:sp>
+      <p:sp>
+        <p:nvSpPr>
+          <p:cNvPr id="7" name="TextBox 6">
+            <a:extLst>
+              <a:ext uri="{FF2B5EF4-FFF2-40B4-BE49-F238E27FC236}">
+                <a16:creationId xmlns:a16="http://schemas.microsoft.com/office/drawing/2014/main" id="{99291E8A-5E80-D930-0DC9-62ED86F357EA}"/>
+              </a:ext>
+            </a:extLst>
+          </p:cNvPr>
+          <p:cNvSpPr txBox="1"/>
+          <p:nvPr/>
+        </p:nvSpPr>
+        <p:spPr>
+          <a:xfrm>
+            <a:off x="8590385" y="1791477"/>
+            <a:ext cx="2820954" cy="646331"/>
+          </a:xfrm>
+          <a:prstGeom prst="rect">
+            <a:avLst/>
+          </a:prstGeom>
+          <a:noFill/>
+        </p:spPr>
+        <p:txBody>
+          <a:bodyPr wrap="square" rtlCol="0">
+            <a:spAutoFit/>
+          </a:bodyPr>
+          <a:lstStyle/>
+          <a:p>
+            <a:pPr algn="ctr"/>
+            <a:r>
+              <a:rPr lang="en-IN" b="1" dirty="0"/>
+              <a:t>ASP.NET runtime aka w3wp.exe</a:t>
+            </a:r>
+            <a:endParaRPr lang="en-US" b="1" dirty="0"/>
+          </a:p>
+        </p:txBody>
+      </p:sp>
+      <p:sp>
+        <p:nvSpPr>
+          <p:cNvPr id="8" name="TextBox 7">
+            <a:extLst>
+              <a:ext uri="{FF2B5EF4-FFF2-40B4-BE49-F238E27FC236}">
+                <a16:creationId xmlns:a16="http://schemas.microsoft.com/office/drawing/2014/main" id="{C4BA3AB5-7D1F-C093-9524-963C8F48C9D6}"/>
+              </a:ext>
+            </a:extLst>
+          </p:cNvPr>
+          <p:cNvSpPr txBox="1"/>
+          <p:nvPr/>
+        </p:nvSpPr>
+        <p:spPr>
+          <a:xfrm>
+            <a:off x="9153331" y="102637"/>
+            <a:ext cx="2659224" cy="369332"/>
+          </a:xfrm>
+          <a:prstGeom prst="rect">
+            <a:avLst/>
+          </a:prstGeom>
+          <a:noFill/>
+        </p:spPr>
+        <p:txBody>
+          <a:bodyPr wrap="square" rtlCol="0">
+            <a:spAutoFit/>
+          </a:bodyPr>
+          <a:lstStyle/>
+          <a:p>
+            <a:r>
+              <a:rPr lang="en-IN" dirty="0"/>
+              <a:t>www worker process</a:t>
+            </a:r>
+            <a:endParaRPr lang="en-US" dirty="0"/>
+          </a:p>
+        </p:txBody>
+      </p:sp>
+      <p:cxnSp>
+        <p:nvCxnSpPr>
+          <p:cNvPr id="10" name="Straight Arrow Connector 9">
+            <a:extLst>
+              <a:ext uri="{FF2B5EF4-FFF2-40B4-BE49-F238E27FC236}">
+                <a16:creationId xmlns:a16="http://schemas.microsoft.com/office/drawing/2014/main" id="{DA850E6E-1704-AA13-F9AC-D320F15551D1}"/>
+              </a:ext>
+            </a:extLst>
+          </p:cNvPr>
+          <p:cNvCxnSpPr>
+            <a:cxnSpLocks/>
+            <a:stCxn id="8" idx="2"/>
+          </p:cNvCxnSpPr>
+          <p:nvPr/>
+        </p:nvCxnSpPr>
+        <p:spPr>
+          <a:xfrm flipH="1">
+            <a:off x="10391192" y="471969"/>
+            <a:ext cx="91751" cy="1319508"/>
+          </a:xfrm>
+          <a:prstGeom prst="straightConnector1">
+            <a:avLst/>
+          </a:prstGeom>
+          <a:ln>
+            <a:tailEnd type="triangle"/>
+          </a:ln>
+        </p:spPr>
+        <p:style>
+          <a:lnRef idx="1">
+            <a:schemeClr val="accent1"/>
+          </a:lnRef>
+          <a:fillRef idx="0">
+            <a:schemeClr val="accent1"/>
+          </a:fillRef>
+          <a:effectRef idx="0">
+            <a:schemeClr val="accent1"/>
+          </a:effectRef>
+          <a:fontRef idx="minor">
+            <a:schemeClr val="tx1"/>
+          </a:fontRef>
+        </p:style>
+      </p:cxnSp>
+      <p:sp>
+        <p:nvSpPr>
+          <p:cNvPr id="12" name="Rectangle: Rounded Corners 11">
+            <a:extLst>
+              <a:ext uri="{FF2B5EF4-FFF2-40B4-BE49-F238E27FC236}">
+                <a16:creationId xmlns:a16="http://schemas.microsoft.com/office/drawing/2014/main" id="{9683BBC8-B25B-DE38-7C85-6A64F98264D9}"/>
+              </a:ext>
+            </a:extLst>
+          </p:cNvPr>
+          <p:cNvSpPr/>
+          <p:nvPr/>
+        </p:nvSpPr>
+        <p:spPr>
+          <a:xfrm>
+            <a:off x="2192694" y="2114642"/>
+            <a:ext cx="4749282" cy="964460"/>
+          </a:xfrm>
+          <a:prstGeom prst="roundRect">
+            <a:avLst/>
+          </a:prstGeom>
+        </p:spPr>
+        <p:style>
+          <a:lnRef idx="2">
+            <a:schemeClr val="accent1">
+              <a:shade val="50000"/>
+            </a:schemeClr>
+          </a:lnRef>
+          <a:fillRef idx="1">
+            <a:schemeClr val="accent1"/>
+          </a:fillRef>
+          <a:effectRef idx="0">
+            <a:schemeClr val="accent1"/>
+          </a:effectRef>
+          <a:fontRef idx="minor">
+            <a:schemeClr val="lt1"/>
+          </a:fontRef>
+        </p:style>
+        <p:txBody>
+          <a:bodyPr rtlCol="0" anchor="ctr"/>
+          <a:lstStyle/>
+          <a:p>
+            <a:pPr algn="ctr"/>
+            <a:r>
+              <a:rPr lang="en-IN" sz="1600" b="1" dirty="0"/>
+              <a:t>HttpApplication Block</a:t>
+            </a:r>
+          </a:p>
+          <a:p>
+            <a:pPr algn="ctr"/>
+            <a:r>
+              <a:rPr lang="en-IN" sz="1600" b="1" dirty="0"/>
+              <a:t>Validate and  Process the </a:t>
+            </a:r>
+            <a:r>
+              <a:rPr lang="en-IN" sz="1600" b="1" dirty="0" err="1"/>
+              <a:t>Web.Config</a:t>
+            </a:r>
+            <a:r>
+              <a:rPr lang="en-IN" sz="1600" b="1" dirty="0"/>
+              <a:t> file for Current Application Configuration and Execution</a:t>
+            </a:r>
+            <a:endParaRPr lang="en-US" sz="1600" b="1" dirty="0"/>
+          </a:p>
+        </p:txBody>
+      </p:sp>
+      <p:sp>
+        <p:nvSpPr>
+          <p:cNvPr id="13" name="Flowchart: Multidocument 12">
+            <a:extLst>
+              <a:ext uri="{FF2B5EF4-FFF2-40B4-BE49-F238E27FC236}">
+                <a16:creationId xmlns:a16="http://schemas.microsoft.com/office/drawing/2014/main" id="{03E9F6FA-B086-18C2-8BB5-69B49A891089}"/>
+              </a:ext>
+            </a:extLst>
+          </p:cNvPr>
+          <p:cNvSpPr/>
+          <p:nvPr/>
+        </p:nvSpPr>
+        <p:spPr>
+          <a:xfrm>
+            <a:off x="7921690" y="3165596"/>
+            <a:ext cx="3489649" cy="1875453"/>
+          </a:xfrm>
+          <a:prstGeom prst="flowChartMultidocument">
+            <a:avLst/>
+          </a:prstGeom>
+        </p:spPr>
+        <p:style>
+          <a:lnRef idx="2">
+            <a:schemeClr val="accent1">
+              <a:shade val="50000"/>
+            </a:schemeClr>
+          </a:lnRef>
+          <a:fillRef idx="1">
+            <a:schemeClr val="accent1"/>
+          </a:fillRef>
+          <a:effectRef idx="0">
+            <a:schemeClr val="accent1"/>
+          </a:effectRef>
+          <a:fontRef idx="minor">
+            <a:schemeClr val="lt1"/>
+          </a:fontRef>
+        </p:style>
+        <p:txBody>
+          <a:bodyPr rtlCol="0" anchor="ctr"/>
+          <a:lstStyle/>
+          <a:p>
+            <a:pPr algn="ctr"/>
+            <a:r>
+              <a:rPr lang="en-IN" b="1" dirty="0"/>
+              <a:t>HttpModule</a:t>
+            </a:r>
+          </a:p>
+          <a:p>
+            <a:pPr algn="ctr"/>
+            <a:r>
+              <a:rPr lang="en-IN" b="1" dirty="0"/>
+              <a:t>Handle The Process Request and will Initialize the Session</a:t>
+            </a:r>
+          </a:p>
+          <a:p>
+            <a:pPr algn="ctr"/>
+            <a:r>
+              <a:rPr lang="en-IN" b="1" dirty="0"/>
+              <a:t>Using </a:t>
+            </a:r>
+            <a:r>
+              <a:rPr lang="en-IN" b="1" dirty="0" err="1"/>
+              <a:t>Global.asax</a:t>
+            </a:r>
+            <a:endParaRPr lang="en-US" b="1" dirty="0"/>
+          </a:p>
+        </p:txBody>
+      </p:sp>
+      <p:cxnSp>
+        <p:nvCxnSpPr>
+          <p:cNvPr id="18" name="Connector: Elbow 17">
+            <a:extLst>
+              <a:ext uri="{FF2B5EF4-FFF2-40B4-BE49-F238E27FC236}">
+                <a16:creationId xmlns:a16="http://schemas.microsoft.com/office/drawing/2014/main" id="{BBEDC329-4494-3567-6914-0CB4E3184FBF}"/>
+              </a:ext>
+            </a:extLst>
+          </p:cNvPr>
+          <p:cNvCxnSpPr>
+            <a:stCxn id="12" idx="3"/>
+            <a:endCxn id="13" idx="0"/>
+          </p:cNvCxnSpPr>
+          <p:nvPr/>
+        </p:nvCxnSpPr>
+        <p:spPr>
+          <a:xfrm>
+            <a:off x="6941976" y="2596872"/>
+            <a:ext cx="2964613" cy="568724"/>
+          </a:xfrm>
+          <a:prstGeom prst="bentConnector2">
+            <a:avLst/>
+          </a:prstGeom>
+          <a:ln w="76200">
+            <a:solidFill>
+              <a:srgbClr val="FF0000"/>
+            </a:solidFill>
+            <a:tailEnd type="triangle"/>
+          </a:ln>
+        </p:spPr>
+        <p:style>
+          <a:lnRef idx="1">
+            <a:schemeClr val="accent1"/>
+          </a:lnRef>
+          <a:fillRef idx="0">
+            <a:schemeClr val="accent1"/>
+          </a:fillRef>
+          <a:effectRef idx="0">
+            <a:schemeClr val="accent1"/>
+          </a:effectRef>
+          <a:fontRef idx="minor">
+            <a:schemeClr val="tx1"/>
+          </a:fontRef>
+        </p:style>
+      </p:cxnSp>
+      <p:cxnSp>
+        <p:nvCxnSpPr>
+          <p:cNvPr id="20" name="Connector: Elbow 19">
+            <a:extLst>
+              <a:ext uri="{FF2B5EF4-FFF2-40B4-BE49-F238E27FC236}">
+                <a16:creationId xmlns:a16="http://schemas.microsoft.com/office/drawing/2014/main" id="{F7D3EDD7-F951-F281-AA33-EA0AE8AAEA8B}"/>
+              </a:ext>
+            </a:extLst>
+          </p:cNvPr>
+          <p:cNvCxnSpPr>
+            <a:stCxn id="13" idx="1"/>
+            <a:endCxn id="12" idx="2"/>
+          </p:cNvCxnSpPr>
+          <p:nvPr/>
+        </p:nvCxnSpPr>
+        <p:spPr>
+          <a:xfrm rot="10800000">
+            <a:off x="4567336" y="3079103"/>
+            <a:ext cx="3354355" cy="1024221"/>
+          </a:xfrm>
+          <a:prstGeom prst="bentConnector2">
+            <a:avLst/>
+          </a:prstGeom>
+          <a:ln w="76200">
+            <a:solidFill>
+              <a:srgbClr val="FF0000"/>
+            </a:solidFill>
+            <a:tailEnd type="triangle"/>
+          </a:ln>
+        </p:spPr>
+        <p:style>
+          <a:lnRef idx="1">
+            <a:schemeClr val="accent1"/>
+          </a:lnRef>
+          <a:fillRef idx="0">
+            <a:schemeClr val="accent1"/>
+          </a:fillRef>
+          <a:effectRef idx="0">
+            <a:schemeClr val="accent1"/>
+          </a:effectRef>
+          <a:fontRef idx="minor">
+            <a:schemeClr val="tx1"/>
+          </a:fontRef>
+        </p:style>
+      </p:cxnSp>
+      <p:sp>
+        <p:nvSpPr>
+          <p:cNvPr id="21" name="TextBox 20">
+            <a:extLst>
+              <a:ext uri="{FF2B5EF4-FFF2-40B4-BE49-F238E27FC236}">
+                <a16:creationId xmlns:a16="http://schemas.microsoft.com/office/drawing/2014/main" id="{282BFEBA-FA54-B03F-8D92-362ACE9A6D3D}"/>
+              </a:ext>
+            </a:extLst>
+          </p:cNvPr>
+          <p:cNvSpPr txBox="1"/>
+          <p:nvPr/>
+        </p:nvSpPr>
+        <p:spPr>
+          <a:xfrm>
+            <a:off x="7249886" y="2617036"/>
+            <a:ext cx="2450840" cy="369332"/>
+          </a:xfrm>
+          <a:prstGeom prst="rect">
+            <a:avLst/>
+          </a:prstGeom>
+          <a:noFill/>
+        </p:spPr>
+        <p:txBody>
+          <a:bodyPr wrap="square" rtlCol="0">
+            <a:spAutoFit/>
+          </a:bodyPr>
+          <a:lstStyle/>
+          <a:p>
+            <a:r>
+              <a:rPr lang="en-IN" b="1" dirty="0"/>
+              <a:t>Start Session/Security</a:t>
+            </a:r>
+            <a:endParaRPr lang="en-US" b="1" dirty="0"/>
+          </a:p>
+        </p:txBody>
+      </p:sp>
+      <p:sp>
+        <p:nvSpPr>
+          <p:cNvPr id="22" name="TextBox 21">
+            <a:extLst>
+              <a:ext uri="{FF2B5EF4-FFF2-40B4-BE49-F238E27FC236}">
+                <a16:creationId xmlns:a16="http://schemas.microsoft.com/office/drawing/2014/main" id="{5E29BC3C-6559-D546-A96A-95539785E3AD}"/>
+              </a:ext>
+            </a:extLst>
+          </p:cNvPr>
+          <p:cNvSpPr txBox="1"/>
+          <p:nvPr/>
+        </p:nvSpPr>
+        <p:spPr>
+          <a:xfrm>
+            <a:off x="4935518" y="3137316"/>
+            <a:ext cx="2484463" cy="923330"/>
+          </a:xfrm>
+          <a:prstGeom prst="rect">
+            <a:avLst/>
+          </a:prstGeom>
+          <a:noFill/>
+        </p:spPr>
+        <p:txBody>
+          <a:bodyPr wrap="square" rtlCol="0">
+            <a:spAutoFit/>
+          </a:bodyPr>
+          <a:lstStyle/>
+          <a:p>
+            <a:pPr algn="ctr"/>
+            <a:r>
+              <a:rPr lang="en-IN" b="1" dirty="0"/>
+              <a:t>Look for the connection settings for the session storage or for security</a:t>
+            </a:r>
+            <a:endParaRPr lang="en-US" b="1" dirty="0"/>
+          </a:p>
+        </p:txBody>
+      </p:sp>
+      <p:sp>
+        <p:nvSpPr>
+          <p:cNvPr id="23" name="Rectangle 22">
+            <a:extLst>
+              <a:ext uri="{FF2B5EF4-FFF2-40B4-BE49-F238E27FC236}">
+                <a16:creationId xmlns:a16="http://schemas.microsoft.com/office/drawing/2014/main" id="{CB2B70D4-AE6C-C35A-DD84-30D0C33FD61B}"/>
+              </a:ext>
+            </a:extLst>
+          </p:cNvPr>
+          <p:cNvSpPr/>
+          <p:nvPr/>
+        </p:nvSpPr>
+        <p:spPr>
+          <a:xfrm>
+            <a:off x="2295331" y="5178489"/>
+            <a:ext cx="9116007" cy="964459"/>
+          </a:xfrm>
+          <a:prstGeom prst="rect">
+            <a:avLst/>
+          </a:prstGeom>
+        </p:spPr>
+        <p:style>
+          <a:lnRef idx="2">
+            <a:schemeClr val="accent1">
+              <a:shade val="50000"/>
+            </a:schemeClr>
+          </a:lnRef>
+          <a:fillRef idx="1">
+            <a:schemeClr val="accent1"/>
+          </a:fillRef>
+          <a:effectRef idx="0">
+            <a:schemeClr val="accent1"/>
+          </a:effectRef>
+          <a:fontRef idx="minor">
+            <a:schemeClr val="lt1"/>
+          </a:fontRef>
+        </p:style>
+        <p:txBody>
+          <a:bodyPr rtlCol="0" anchor="ctr"/>
+          <a:lstStyle/>
+          <a:p>
+            <a:pPr algn="ctr"/>
+            <a:r>
+              <a:rPr lang="en-IN" sz="1600" b="1" dirty="0"/>
+              <a:t>HttpHandler</a:t>
+            </a:r>
+          </a:p>
+          <a:p>
+            <a:pPr algn="ctr"/>
+            <a:r>
+              <a:rPr lang="en-IN" sz="1600" b="1" dirty="0"/>
+              <a:t>Execute .aspx page and will coordinate with .NET Frwk to execute code behind (.</a:t>
+            </a:r>
+            <a:r>
+              <a:rPr lang="en-IN" sz="1600" b="1" dirty="0" err="1"/>
+              <a:t>aspx.cs</a:t>
+            </a:r>
+            <a:r>
+              <a:rPr lang="en-IN" sz="1600" b="1" dirty="0"/>
+              <a:t>)</a:t>
+            </a:r>
+          </a:p>
+          <a:p>
+            <a:pPr algn="ctr"/>
+            <a:r>
+              <a:rPr lang="en-IN" sz="1600" b="1" dirty="0"/>
+              <a:t>The HttpHandler will Generate the HTML Rendering for UI control on aspx page and send response</a:t>
+            </a:r>
+            <a:endParaRPr lang="en-US" sz="1600" b="1" dirty="0"/>
+          </a:p>
+        </p:txBody>
+      </p:sp>
+      <p:cxnSp>
+        <p:nvCxnSpPr>
+          <p:cNvPr id="25" name="Straight Arrow Connector 24">
+            <a:extLst>
+              <a:ext uri="{FF2B5EF4-FFF2-40B4-BE49-F238E27FC236}">
+                <a16:creationId xmlns:a16="http://schemas.microsoft.com/office/drawing/2014/main" id="{6B6909A4-D323-946C-EF6B-7CE7C9F69C8E}"/>
+              </a:ext>
+            </a:extLst>
+          </p:cNvPr>
+          <p:cNvCxnSpPr>
+            <a:cxnSpLocks/>
+          </p:cNvCxnSpPr>
+          <p:nvPr/>
+        </p:nvCxnSpPr>
+        <p:spPr>
+          <a:xfrm>
+            <a:off x="4086808" y="3094638"/>
+            <a:ext cx="0" cy="1281419"/>
+          </a:xfrm>
+          <a:prstGeom prst="straightConnector1">
+            <a:avLst/>
+          </a:prstGeom>
+          <a:ln w="76200">
+            <a:solidFill>
+              <a:srgbClr val="FF0000"/>
+            </a:solidFill>
+            <a:tailEnd type="triangle"/>
+          </a:ln>
+        </p:spPr>
+        <p:style>
+          <a:lnRef idx="1">
+            <a:schemeClr val="accent1"/>
+          </a:lnRef>
+          <a:fillRef idx="0">
+            <a:schemeClr val="accent1"/>
+          </a:fillRef>
+          <a:effectRef idx="0">
+            <a:schemeClr val="accent1"/>
+          </a:effectRef>
+          <a:fontRef idx="minor">
+            <a:schemeClr val="tx1"/>
+          </a:fontRef>
+        </p:style>
+      </p:cxnSp>
+      <p:cxnSp>
+        <p:nvCxnSpPr>
+          <p:cNvPr id="27" name="Connector: Elbow 26">
+            <a:extLst>
+              <a:ext uri="{FF2B5EF4-FFF2-40B4-BE49-F238E27FC236}">
+                <a16:creationId xmlns:a16="http://schemas.microsoft.com/office/drawing/2014/main" id="{D25AD14D-BC74-2AB6-7838-0D02DA17EDF0}"/>
+              </a:ext>
+            </a:extLst>
+          </p:cNvPr>
+          <p:cNvCxnSpPr>
+            <a:stCxn id="23" idx="1"/>
+          </p:cNvCxnSpPr>
+          <p:nvPr/>
+        </p:nvCxnSpPr>
+        <p:spPr>
+          <a:xfrm rot="10800000">
+            <a:off x="1642189" y="513185"/>
+            <a:ext cx="653143" cy="5147535"/>
+          </a:xfrm>
+          <a:prstGeom prst="bentConnector2">
+            <a:avLst/>
+          </a:prstGeom>
+          <a:ln w="76200">
+            <a:solidFill>
+              <a:srgbClr val="FF0000"/>
+            </a:solidFill>
+            <a:tailEnd type="triangle"/>
+          </a:ln>
+        </p:spPr>
+        <p:style>
+          <a:lnRef idx="1">
+            <a:schemeClr val="accent1"/>
+          </a:lnRef>
+          <a:fillRef idx="0">
+            <a:schemeClr val="accent1"/>
+          </a:fillRef>
+          <a:effectRef idx="0">
+            <a:schemeClr val="accent1"/>
+          </a:effectRef>
+          <a:fontRef idx="minor">
+            <a:schemeClr val="tx1"/>
+          </a:fontRef>
+        </p:style>
+      </p:cxnSp>
+      <p:sp>
+        <p:nvSpPr>
+          <p:cNvPr id="28" name="TextBox 27">
+            <a:extLst>
+              <a:ext uri="{FF2B5EF4-FFF2-40B4-BE49-F238E27FC236}">
+                <a16:creationId xmlns:a16="http://schemas.microsoft.com/office/drawing/2014/main" id="{4B23B551-B3C4-C8B6-D281-C936B676106E}"/>
+              </a:ext>
+            </a:extLst>
+          </p:cNvPr>
+          <p:cNvSpPr txBox="1"/>
+          <p:nvPr/>
+        </p:nvSpPr>
+        <p:spPr>
+          <a:xfrm>
+            <a:off x="139959" y="109006"/>
+            <a:ext cx="1987421" cy="646331"/>
+          </a:xfrm>
+          <a:prstGeom prst="rect">
+            <a:avLst/>
+          </a:prstGeom>
+          <a:noFill/>
+        </p:spPr>
+        <p:txBody>
+          <a:bodyPr wrap="square" rtlCol="0">
+            <a:spAutoFit/>
+          </a:bodyPr>
+          <a:lstStyle/>
+          <a:p>
+            <a:r>
+              <a:rPr lang="en-IN" dirty="0"/>
+              <a:t>HTML Rendered Response</a:t>
+            </a:r>
+            <a:endParaRPr lang="en-US" dirty="0"/>
+          </a:p>
+        </p:txBody>
+      </p:sp>
+      <p:sp>
+        <p:nvSpPr>
+          <p:cNvPr id="30" name="Rectangle: Rounded Corners 29">
+            <a:extLst>
+              <a:ext uri="{FF2B5EF4-FFF2-40B4-BE49-F238E27FC236}">
+                <a16:creationId xmlns:a16="http://schemas.microsoft.com/office/drawing/2014/main" id="{BDFB956C-4C56-836F-F542-C1E42F73AFB0}"/>
+              </a:ext>
+            </a:extLst>
+          </p:cNvPr>
+          <p:cNvSpPr/>
+          <p:nvPr/>
+        </p:nvSpPr>
+        <p:spPr>
+          <a:xfrm>
+            <a:off x="2561253" y="4348508"/>
+            <a:ext cx="3265711" cy="600564"/>
+          </a:xfrm>
+          <a:prstGeom prst="roundRect">
+            <a:avLst/>
+          </a:prstGeom>
+        </p:spPr>
+        <p:style>
+          <a:lnRef idx="2">
+            <a:schemeClr val="accent1">
+              <a:shade val="50000"/>
+            </a:schemeClr>
+          </a:lnRef>
+          <a:fillRef idx="1">
+            <a:schemeClr val="accent1"/>
+          </a:fillRef>
+          <a:effectRef idx="0">
+            <a:schemeClr val="accent1"/>
+          </a:effectRef>
+          <a:fontRef idx="minor">
+            <a:schemeClr val="lt1"/>
+          </a:fontRef>
+        </p:style>
+        <p:txBody>
+          <a:bodyPr rtlCol="0" anchor="ctr"/>
+          <a:lstStyle/>
+          <a:p>
+            <a:pPr algn="ctr"/>
+            <a:r>
+              <a:rPr lang="en-IN" b="1" dirty="0"/>
+              <a:t>The Route Table that provides .aspx page to HttpHandler</a:t>
+            </a:r>
+            <a:endParaRPr lang="en-US" b="1" dirty="0"/>
+          </a:p>
+        </p:txBody>
+      </p:sp>
+      <p:cxnSp>
+        <p:nvCxnSpPr>
+          <p:cNvPr id="33" name="Straight Arrow Connector 32">
+            <a:extLst>
+              <a:ext uri="{FF2B5EF4-FFF2-40B4-BE49-F238E27FC236}">
+                <a16:creationId xmlns:a16="http://schemas.microsoft.com/office/drawing/2014/main" id="{CA6BD377-A09E-5859-2386-7DF20CF94B9E}"/>
+              </a:ext>
+            </a:extLst>
+          </p:cNvPr>
+          <p:cNvCxnSpPr>
+            <a:stCxn id="30" idx="2"/>
+          </p:cNvCxnSpPr>
+          <p:nvPr/>
+        </p:nvCxnSpPr>
+        <p:spPr>
+          <a:xfrm>
+            <a:off x="4194109" y="4949072"/>
+            <a:ext cx="4667" cy="229417"/>
+          </a:xfrm>
+          <a:prstGeom prst="straightConnector1">
+            <a:avLst/>
+          </a:prstGeom>
+          <a:ln w="76200">
+            <a:solidFill>
+              <a:srgbClr val="FF0000"/>
+            </a:solidFill>
+            <a:tailEnd type="triangle"/>
+          </a:ln>
+        </p:spPr>
+        <p:style>
+          <a:lnRef idx="1">
+            <a:schemeClr val="accent1"/>
+          </a:lnRef>
+          <a:fillRef idx="0">
+            <a:schemeClr val="accent1"/>
+          </a:fillRef>
+          <a:effectRef idx="0">
+            <a:schemeClr val="accent1"/>
+          </a:effectRef>
+          <a:fontRef idx="minor">
+            <a:schemeClr val="tx1"/>
+          </a:fontRef>
+        </p:style>
+      </p:cxnSp>
+    </p:spTree>
+    <p:extLst>
+      <p:ext uri="{BB962C8B-B14F-4D97-AF65-F5344CB8AC3E}">
+        <p14:creationId xmlns:p14="http://schemas.microsoft.com/office/powerpoint/2010/main" val="3808278637"/>
+      </p:ext>
+    </p:extLst>
+  </p:cSld>
+  <p:clrMapOvr>
+    <a:masterClrMapping/>
+  </p:clrMapOvr>
+</p:sld>
+</file>
+
 <file path=ppt/slides/slide4.xml><?xml version="1.0" encoding="utf-8"?>
 <p:sld xmlns:a="http://schemas.openxmlformats.org/drawingml/2006/main" xmlns:r="http://schemas.openxmlformats.org/officeDocument/2006/relationships" xmlns:p="http://schemas.openxmlformats.org/presentationml/2006/main">
   <p:cSld>

--- a/Training-Images.pptx
+++ b/Training-Images.pptx
@@ -36,6 +36,11 @@
     <p:sldId id="284" r:id="rId30"/>
     <p:sldId id="285" r:id="rId31"/>
     <p:sldId id="286" r:id="rId32"/>
+    <p:sldId id="287" r:id="rId33"/>
+    <p:sldId id="288" r:id="rId34"/>
+    <p:sldId id="289" r:id="rId35"/>
+    <p:sldId id="290" r:id="rId36"/>
+    <p:sldId id="291" r:id="rId37"/>
   </p:sldIdLst>
   <p:sldSz cx="12192000" cy="6858000"/>
   <p:notesSz cx="6858000" cy="9144000"/>
@@ -289,7 +294,7 @@
           <a:p>
             <a:fld id="{95E4630E-4E16-4BC6-8D4C-04E2A0254E22}" type="datetimeFigureOut">
               <a:rPr lang="en-US" smtClean="0"/>
-              <a:t>7/21/2022</a:t>
+              <a:t>7/25/2022</a:t>
             </a:fld>
             <a:endParaRPr lang="en-US"/>
           </a:p>
@@ -487,7 +492,7 @@
           <a:p>
             <a:fld id="{95E4630E-4E16-4BC6-8D4C-04E2A0254E22}" type="datetimeFigureOut">
               <a:rPr lang="en-US" smtClean="0"/>
-              <a:t>7/21/2022</a:t>
+              <a:t>7/25/2022</a:t>
             </a:fld>
             <a:endParaRPr lang="en-US"/>
           </a:p>
@@ -695,7 +700,7 @@
           <a:p>
             <a:fld id="{95E4630E-4E16-4BC6-8D4C-04E2A0254E22}" type="datetimeFigureOut">
               <a:rPr lang="en-US" smtClean="0"/>
-              <a:t>7/21/2022</a:t>
+              <a:t>7/25/2022</a:t>
             </a:fld>
             <a:endParaRPr lang="en-US"/>
           </a:p>
@@ -893,7 +898,7 @@
           <a:p>
             <a:fld id="{95E4630E-4E16-4BC6-8D4C-04E2A0254E22}" type="datetimeFigureOut">
               <a:rPr lang="en-US" smtClean="0"/>
-              <a:t>7/21/2022</a:t>
+              <a:t>7/25/2022</a:t>
             </a:fld>
             <a:endParaRPr lang="en-US"/>
           </a:p>
@@ -1168,7 +1173,7 @@
           <a:p>
             <a:fld id="{95E4630E-4E16-4BC6-8D4C-04E2A0254E22}" type="datetimeFigureOut">
               <a:rPr lang="en-US" smtClean="0"/>
-              <a:t>7/21/2022</a:t>
+              <a:t>7/25/2022</a:t>
             </a:fld>
             <a:endParaRPr lang="en-US"/>
           </a:p>
@@ -1433,7 +1438,7 @@
           <a:p>
             <a:fld id="{95E4630E-4E16-4BC6-8D4C-04E2A0254E22}" type="datetimeFigureOut">
               <a:rPr lang="en-US" smtClean="0"/>
-              <a:t>7/21/2022</a:t>
+              <a:t>7/25/2022</a:t>
             </a:fld>
             <a:endParaRPr lang="en-US"/>
           </a:p>
@@ -1845,7 +1850,7 @@
           <a:p>
             <a:fld id="{95E4630E-4E16-4BC6-8D4C-04E2A0254E22}" type="datetimeFigureOut">
               <a:rPr lang="en-US" smtClean="0"/>
-              <a:t>7/21/2022</a:t>
+              <a:t>7/25/2022</a:t>
             </a:fld>
             <a:endParaRPr lang="en-US"/>
           </a:p>
@@ -1986,7 +1991,7 @@
           <a:p>
             <a:fld id="{95E4630E-4E16-4BC6-8D4C-04E2A0254E22}" type="datetimeFigureOut">
               <a:rPr lang="en-US" smtClean="0"/>
-              <a:t>7/21/2022</a:t>
+              <a:t>7/25/2022</a:t>
             </a:fld>
             <a:endParaRPr lang="en-US"/>
           </a:p>
@@ -2099,7 +2104,7 @@
           <a:p>
             <a:fld id="{95E4630E-4E16-4BC6-8D4C-04E2A0254E22}" type="datetimeFigureOut">
               <a:rPr lang="en-US" smtClean="0"/>
-              <a:t>7/21/2022</a:t>
+              <a:t>7/25/2022</a:t>
             </a:fld>
             <a:endParaRPr lang="en-US"/>
           </a:p>
@@ -2410,7 +2415,7 @@
           <a:p>
             <a:fld id="{95E4630E-4E16-4BC6-8D4C-04E2A0254E22}" type="datetimeFigureOut">
               <a:rPr lang="en-US" smtClean="0"/>
-              <a:t>7/21/2022</a:t>
+              <a:t>7/25/2022</a:t>
             </a:fld>
             <a:endParaRPr lang="en-US"/>
           </a:p>
@@ -2698,7 +2703,7 @@
           <a:p>
             <a:fld id="{95E4630E-4E16-4BC6-8D4C-04E2A0254E22}" type="datetimeFigureOut">
               <a:rPr lang="en-US" smtClean="0"/>
-              <a:t>7/21/2022</a:t>
+              <a:t>7/25/2022</a:t>
             </a:fld>
             <a:endParaRPr lang="en-US"/>
           </a:p>
@@ -2939,7 +2944,7 @@
           <a:p>
             <a:fld id="{95E4630E-4E16-4BC6-8D4C-04E2A0254E22}" type="datetimeFigureOut">
               <a:rPr lang="en-US" smtClean="0"/>
-              <a:t>7/21/2022</a:t>
+              <a:t>7/25/2022</a:t>
             </a:fld>
             <a:endParaRPr lang="en-US"/>
           </a:p>
@@ -27835,6 +27840,3843 @@
 </p:sld>
 </file>
 
+<file path=ppt/slides/slide32.xml><?xml version="1.0" encoding="utf-8"?>
+<p:sld xmlns:a="http://schemas.openxmlformats.org/drawingml/2006/main" xmlns:r="http://schemas.openxmlformats.org/officeDocument/2006/relationships" xmlns:p="http://schemas.openxmlformats.org/presentationml/2006/main">
+  <p:cSld>
+    <p:spTree>
+      <p:nvGrpSpPr>
+        <p:cNvPr id="1" name=""/>
+        <p:cNvGrpSpPr/>
+        <p:nvPr/>
+      </p:nvGrpSpPr>
+      <p:grpSpPr>
+        <a:xfrm>
+          <a:off x="0" y="0"/>
+          <a:ext cx="0" cy="0"/>
+          <a:chOff x="0" y="0"/>
+          <a:chExt cx="0" cy="0"/>
+        </a:xfrm>
+      </p:grpSpPr>
+      <p:sp>
+        <p:nvSpPr>
+          <p:cNvPr id="2" name="Arrow: Down 1">
+            <a:extLst>
+              <a:ext uri="{FF2B5EF4-FFF2-40B4-BE49-F238E27FC236}">
+                <a16:creationId xmlns:a16="http://schemas.microsoft.com/office/drawing/2014/main" id="{132684C8-3811-9B23-3C6F-C33F1F860F72}"/>
+              </a:ext>
+            </a:extLst>
+          </p:cNvPr>
+          <p:cNvSpPr/>
+          <p:nvPr/>
+        </p:nvSpPr>
+        <p:spPr>
+          <a:xfrm>
+            <a:off x="1502229" y="317241"/>
+            <a:ext cx="681134" cy="6223518"/>
+          </a:xfrm>
+          <a:prstGeom prst="downArrow">
+            <a:avLst/>
+          </a:prstGeom>
+        </p:spPr>
+        <p:style>
+          <a:lnRef idx="2">
+            <a:schemeClr val="accent1">
+              <a:shade val="50000"/>
+            </a:schemeClr>
+          </a:lnRef>
+          <a:fillRef idx="1">
+            <a:schemeClr val="accent1"/>
+          </a:fillRef>
+          <a:effectRef idx="0">
+            <a:schemeClr val="accent1"/>
+          </a:effectRef>
+          <a:fontRef idx="minor">
+            <a:schemeClr val="lt1"/>
+          </a:fontRef>
+        </p:style>
+        <p:txBody>
+          <a:bodyPr rtlCol="0" anchor="ctr"/>
+          <a:lstStyle/>
+          <a:p>
+            <a:pPr algn="ctr"/>
+            <a:endParaRPr lang="en-US"/>
+          </a:p>
+        </p:txBody>
+      </p:sp>
+      <p:sp>
+        <p:nvSpPr>
+          <p:cNvPr id="3" name="TextBox 2">
+            <a:extLst>
+              <a:ext uri="{FF2B5EF4-FFF2-40B4-BE49-F238E27FC236}">
+                <a16:creationId xmlns:a16="http://schemas.microsoft.com/office/drawing/2014/main" id="{931994D0-B1DE-5785-53AF-D2BD4557767B}"/>
+              </a:ext>
+            </a:extLst>
+          </p:cNvPr>
+          <p:cNvSpPr txBox="1"/>
+          <p:nvPr/>
+        </p:nvSpPr>
+        <p:spPr>
+          <a:xfrm>
+            <a:off x="167951" y="2192694"/>
+            <a:ext cx="1380931" cy="646331"/>
+          </a:xfrm>
+          <a:prstGeom prst="rect">
+            <a:avLst/>
+          </a:prstGeom>
+          <a:noFill/>
+        </p:spPr>
+        <p:txBody>
+          <a:bodyPr wrap="square" rtlCol="0">
+            <a:spAutoFit/>
+          </a:bodyPr>
+          <a:lstStyle/>
+          <a:p>
+            <a:pPr algn="ctr"/>
+            <a:r>
+              <a:rPr lang="en-US" b="1" dirty="0"/>
+              <a:t>Main Thread</a:t>
+            </a:r>
+          </a:p>
+        </p:txBody>
+      </p:sp>
+      <p:sp>
+        <p:nvSpPr>
+          <p:cNvPr id="4" name="Rectangle 3">
+            <a:extLst>
+              <a:ext uri="{FF2B5EF4-FFF2-40B4-BE49-F238E27FC236}">
+                <a16:creationId xmlns:a16="http://schemas.microsoft.com/office/drawing/2014/main" id="{4BD2EFCD-F2ED-ACF1-59BE-85C4D0F73F81}"/>
+              </a:ext>
+            </a:extLst>
+          </p:cNvPr>
+          <p:cNvSpPr/>
+          <p:nvPr/>
+        </p:nvSpPr>
+        <p:spPr>
+          <a:xfrm>
+            <a:off x="2183363" y="317241"/>
+            <a:ext cx="2603241" cy="5990253"/>
+          </a:xfrm>
+          <a:prstGeom prst="rect">
+            <a:avLst/>
+          </a:prstGeom>
+        </p:spPr>
+        <p:style>
+          <a:lnRef idx="2">
+            <a:schemeClr val="accent6"/>
+          </a:lnRef>
+          <a:fillRef idx="1">
+            <a:schemeClr val="lt1"/>
+          </a:fillRef>
+          <a:effectRef idx="0">
+            <a:schemeClr val="accent6"/>
+          </a:effectRef>
+          <a:fontRef idx="minor">
+            <a:schemeClr val="dk1"/>
+          </a:fontRef>
+        </p:style>
+        <p:txBody>
+          <a:bodyPr rtlCol="0" anchor="ctr"/>
+          <a:lstStyle/>
+          <a:p>
+            <a:pPr algn="ctr"/>
+            <a:endParaRPr lang="en-US"/>
+          </a:p>
+        </p:txBody>
+      </p:sp>
+      <p:sp>
+        <p:nvSpPr>
+          <p:cNvPr id="5" name="TextBox 4">
+            <a:extLst>
+              <a:ext uri="{FF2B5EF4-FFF2-40B4-BE49-F238E27FC236}">
+                <a16:creationId xmlns:a16="http://schemas.microsoft.com/office/drawing/2014/main" id="{2B754660-3CF1-9DDE-75AD-6ED5A08A0C6E}"/>
+              </a:ext>
+            </a:extLst>
+          </p:cNvPr>
+          <p:cNvSpPr txBox="1"/>
+          <p:nvPr/>
+        </p:nvSpPr>
+        <p:spPr>
+          <a:xfrm>
+            <a:off x="2230016" y="447869"/>
+            <a:ext cx="2407298" cy="923330"/>
+          </a:xfrm>
+          <a:prstGeom prst="rect">
+            <a:avLst/>
+          </a:prstGeom>
+          <a:noFill/>
+        </p:spPr>
+        <p:txBody>
+          <a:bodyPr wrap="square" rtlCol="0">
+            <a:spAutoFit/>
+          </a:bodyPr>
+          <a:lstStyle/>
+          <a:p>
+            <a:pPr algn="ctr"/>
+            <a:r>
+              <a:rPr lang="en-US" b="1" dirty="0"/>
+              <a:t>CLR</a:t>
+            </a:r>
+          </a:p>
+          <a:p>
+            <a:pPr algn="ctr"/>
+            <a:r>
+              <a:rPr lang="en-US" b="1" dirty="0"/>
+              <a:t>Executing Ann Application </a:t>
+            </a:r>
+          </a:p>
+        </p:txBody>
+      </p:sp>
+      <p:sp>
+        <p:nvSpPr>
+          <p:cNvPr id="6" name="TextBox 5">
+            <a:extLst>
+              <a:ext uri="{FF2B5EF4-FFF2-40B4-BE49-F238E27FC236}">
+                <a16:creationId xmlns:a16="http://schemas.microsoft.com/office/drawing/2014/main" id="{7BDFA482-82BA-8032-3F93-30A4F9D8E131}"/>
+              </a:ext>
+            </a:extLst>
+          </p:cNvPr>
+          <p:cNvSpPr txBox="1"/>
+          <p:nvPr/>
+        </p:nvSpPr>
+        <p:spPr>
+          <a:xfrm>
+            <a:off x="6484776" y="317241"/>
+            <a:ext cx="5402424" cy="2585323"/>
+          </a:xfrm>
+          <a:prstGeom prst="rect">
+            <a:avLst/>
+          </a:prstGeom>
+          <a:noFill/>
+        </p:spPr>
+        <p:txBody>
+          <a:bodyPr wrap="square" rtlCol="0">
+            <a:spAutoFit/>
+          </a:bodyPr>
+          <a:lstStyle/>
+          <a:p>
+            <a:r>
+              <a:rPr lang="en-US" dirty="0"/>
+              <a:t>Public class </a:t>
+            </a:r>
+            <a:r>
+              <a:rPr lang="en-US" dirty="0" err="1"/>
+              <a:t>MyClass</a:t>
+            </a:r>
+            <a:endParaRPr lang="en-US" dirty="0"/>
+          </a:p>
+          <a:p>
+            <a:r>
+              <a:rPr lang="en-US" dirty="0"/>
+              <a:t>{</a:t>
+            </a:r>
+          </a:p>
+          <a:p>
+            <a:r>
+              <a:rPr lang="en-US" dirty="0"/>
+              <a:t>   int x = 10; // x is an instance member </a:t>
+            </a:r>
+          </a:p>
+          <a:p>
+            <a:r>
+              <a:rPr lang="en-US" dirty="0"/>
+              <a:t>}</a:t>
+            </a:r>
+          </a:p>
+          <a:p>
+            <a:endParaRPr lang="en-US" dirty="0"/>
+          </a:p>
+          <a:p>
+            <a:endParaRPr lang="en-US" dirty="0"/>
+          </a:p>
+          <a:p>
+            <a:r>
+              <a:rPr lang="en-US" dirty="0" err="1"/>
+              <a:t>MyClass</a:t>
+            </a:r>
+            <a:r>
+              <a:rPr lang="en-US" dirty="0"/>
+              <a:t> obj = new </a:t>
+            </a:r>
+            <a:r>
+              <a:rPr lang="en-US" dirty="0" err="1"/>
+              <a:t>MyClass</a:t>
+            </a:r>
+            <a:r>
+              <a:rPr lang="en-US" dirty="0"/>
+              <a:t>();</a:t>
+            </a:r>
+          </a:p>
+          <a:p>
+            <a:r>
+              <a:rPr lang="en-US" dirty="0" err="1"/>
+              <a:t>MyClass</a:t>
+            </a:r>
+            <a:r>
+              <a:rPr lang="en-US" dirty="0"/>
+              <a:t> Obj1 = new </a:t>
+            </a:r>
+            <a:r>
+              <a:rPr lang="en-US" dirty="0" err="1"/>
+              <a:t>MyClass</a:t>
+            </a:r>
+            <a:r>
+              <a:rPr lang="en-US" dirty="0"/>
+              <a:t>(); </a:t>
+            </a:r>
+          </a:p>
+          <a:p>
+            <a:endParaRPr lang="en-US" dirty="0"/>
+          </a:p>
+        </p:txBody>
+      </p:sp>
+      <p:sp>
+        <p:nvSpPr>
+          <p:cNvPr id="7" name="Rectangle 6">
+            <a:extLst>
+              <a:ext uri="{FF2B5EF4-FFF2-40B4-BE49-F238E27FC236}">
+                <a16:creationId xmlns:a16="http://schemas.microsoft.com/office/drawing/2014/main" id="{3548E5F4-BC54-FFD3-1250-AC6F6451A24A}"/>
+              </a:ext>
+            </a:extLst>
+          </p:cNvPr>
+          <p:cNvSpPr/>
+          <p:nvPr/>
+        </p:nvSpPr>
+        <p:spPr>
+          <a:xfrm>
+            <a:off x="6671388" y="3144416"/>
+            <a:ext cx="1651518" cy="3498980"/>
+          </a:xfrm>
+          <a:prstGeom prst="rect">
+            <a:avLst/>
+          </a:prstGeom>
+        </p:spPr>
+        <p:style>
+          <a:lnRef idx="1">
+            <a:schemeClr val="accent3"/>
+          </a:lnRef>
+          <a:fillRef idx="2">
+            <a:schemeClr val="accent3"/>
+          </a:fillRef>
+          <a:effectRef idx="1">
+            <a:schemeClr val="accent3"/>
+          </a:effectRef>
+          <a:fontRef idx="minor">
+            <a:schemeClr val="dk1"/>
+          </a:fontRef>
+        </p:style>
+        <p:txBody>
+          <a:bodyPr rtlCol="0" anchor="ctr"/>
+          <a:lstStyle/>
+          <a:p>
+            <a:pPr algn="ctr"/>
+            <a:endParaRPr lang="en-US"/>
+          </a:p>
+        </p:txBody>
+      </p:sp>
+      <p:sp>
+        <p:nvSpPr>
+          <p:cNvPr id="8" name="Rectangle 7">
+            <a:extLst>
+              <a:ext uri="{FF2B5EF4-FFF2-40B4-BE49-F238E27FC236}">
+                <a16:creationId xmlns:a16="http://schemas.microsoft.com/office/drawing/2014/main" id="{310026D0-A3C9-C8C7-5A5A-C29236A5A5C1}"/>
+              </a:ext>
+            </a:extLst>
+          </p:cNvPr>
+          <p:cNvSpPr/>
+          <p:nvPr/>
+        </p:nvSpPr>
+        <p:spPr>
+          <a:xfrm>
+            <a:off x="6690049" y="5579706"/>
+            <a:ext cx="1632857" cy="578498"/>
+          </a:xfrm>
+          <a:prstGeom prst="rect">
+            <a:avLst/>
+          </a:prstGeom>
+        </p:spPr>
+        <p:style>
+          <a:lnRef idx="2">
+            <a:schemeClr val="accent1">
+              <a:shade val="50000"/>
+            </a:schemeClr>
+          </a:lnRef>
+          <a:fillRef idx="1">
+            <a:schemeClr val="accent1"/>
+          </a:fillRef>
+          <a:effectRef idx="0">
+            <a:schemeClr val="accent1"/>
+          </a:effectRef>
+          <a:fontRef idx="minor">
+            <a:schemeClr val="lt1"/>
+          </a:fontRef>
+        </p:style>
+        <p:txBody>
+          <a:bodyPr rtlCol="0" anchor="ctr"/>
+          <a:lstStyle/>
+          <a:p>
+            <a:pPr algn="ctr"/>
+            <a:r>
+              <a:rPr lang="en-US" b="1" dirty="0"/>
+              <a:t>obj</a:t>
+            </a:r>
+          </a:p>
+        </p:txBody>
+      </p:sp>
+      <p:sp>
+        <p:nvSpPr>
+          <p:cNvPr id="9" name="Rectangle 8">
+            <a:extLst>
+              <a:ext uri="{FF2B5EF4-FFF2-40B4-BE49-F238E27FC236}">
+                <a16:creationId xmlns:a16="http://schemas.microsoft.com/office/drawing/2014/main" id="{4777AC8D-D464-8074-7DB8-08CFB8D668D5}"/>
+              </a:ext>
+            </a:extLst>
+          </p:cNvPr>
+          <p:cNvSpPr/>
+          <p:nvPr/>
+        </p:nvSpPr>
+        <p:spPr>
+          <a:xfrm>
+            <a:off x="9479902" y="4655976"/>
+            <a:ext cx="1119674" cy="1101012"/>
+          </a:xfrm>
+          <a:prstGeom prst="rect">
+            <a:avLst/>
+          </a:prstGeom>
+        </p:spPr>
+        <p:style>
+          <a:lnRef idx="2">
+            <a:schemeClr val="accent1"/>
+          </a:lnRef>
+          <a:fillRef idx="1">
+            <a:schemeClr val="lt1"/>
+          </a:fillRef>
+          <a:effectRef idx="0">
+            <a:schemeClr val="accent1"/>
+          </a:effectRef>
+          <a:fontRef idx="minor">
+            <a:schemeClr val="dk1"/>
+          </a:fontRef>
+        </p:style>
+        <p:txBody>
+          <a:bodyPr rtlCol="0" anchor="ctr"/>
+          <a:lstStyle/>
+          <a:p>
+            <a:pPr algn="ctr"/>
+            <a:endParaRPr lang="en-US"/>
+          </a:p>
+        </p:txBody>
+      </p:sp>
+      <p:sp>
+        <p:nvSpPr>
+          <p:cNvPr id="10" name="TextBox 9">
+            <a:extLst>
+              <a:ext uri="{FF2B5EF4-FFF2-40B4-BE49-F238E27FC236}">
+                <a16:creationId xmlns:a16="http://schemas.microsoft.com/office/drawing/2014/main" id="{3A0FC5BC-60ED-DE21-5203-29F79FC19E3F}"/>
+              </a:ext>
+            </a:extLst>
+          </p:cNvPr>
+          <p:cNvSpPr txBox="1"/>
+          <p:nvPr/>
+        </p:nvSpPr>
+        <p:spPr>
+          <a:xfrm>
+            <a:off x="9479902" y="4739951"/>
+            <a:ext cx="1119674" cy="369332"/>
+          </a:xfrm>
+          <a:prstGeom prst="rect">
+            <a:avLst/>
+          </a:prstGeom>
+          <a:noFill/>
+        </p:spPr>
+        <p:txBody>
+          <a:bodyPr wrap="square" rtlCol="0">
+            <a:spAutoFit/>
+          </a:bodyPr>
+          <a:lstStyle/>
+          <a:p>
+            <a:pPr algn="ctr"/>
+            <a:r>
+              <a:rPr lang="en-US" b="1" dirty="0"/>
+              <a:t>Stack</a:t>
+            </a:r>
+          </a:p>
+        </p:txBody>
+      </p:sp>
+      <p:sp>
+        <p:nvSpPr>
+          <p:cNvPr id="11" name="TextBox 10">
+            <a:extLst>
+              <a:ext uri="{FF2B5EF4-FFF2-40B4-BE49-F238E27FC236}">
+                <a16:creationId xmlns:a16="http://schemas.microsoft.com/office/drawing/2014/main" id="{2A9B07F9-C86C-F201-E5E2-25F677DF4AB7}"/>
+              </a:ext>
+            </a:extLst>
+          </p:cNvPr>
+          <p:cNvSpPr txBox="1"/>
+          <p:nvPr/>
+        </p:nvSpPr>
+        <p:spPr>
+          <a:xfrm>
+            <a:off x="9545216" y="5109283"/>
+            <a:ext cx="951723" cy="369332"/>
+          </a:xfrm>
+          <a:prstGeom prst="rect">
+            <a:avLst/>
+          </a:prstGeom>
+          <a:noFill/>
+        </p:spPr>
+        <p:txBody>
+          <a:bodyPr wrap="square" rtlCol="0">
+            <a:spAutoFit/>
+          </a:bodyPr>
+          <a:lstStyle/>
+          <a:p>
+            <a:pPr algn="ctr"/>
+            <a:r>
+              <a:rPr lang="en-US" b="1" dirty="0"/>
+              <a:t>10</a:t>
+            </a:r>
+          </a:p>
+        </p:txBody>
+      </p:sp>
+      <p:sp>
+        <p:nvSpPr>
+          <p:cNvPr id="12" name="TextBox 11">
+            <a:extLst>
+              <a:ext uri="{FF2B5EF4-FFF2-40B4-BE49-F238E27FC236}">
+                <a16:creationId xmlns:a16="http://schemas.microsoft.com/office/drawing/2014/main" id="{78F2CA36-B470-180E-D36B-7A325F55CFD4}"/>
+              </a:ext>
+            </a:extLst>
+          </p:cNvPr>
+          <p:cNvSpPr txBox="1"/>
+          <p:nvPr/>
+        </p:nvSpPr>
+        <p:spPr>
+          <a:xfrm>
+            <a:off x="9629192" y="6158204"/>
+            <a:ext cx="793102" cy="382555"/>
+          </a:xfrm>
+          <a:prstGeom prst="rect">
+            <a:avLst/>
+          </a:prstGeom>
+          <a:noFill/>
+        </p:spPr>
+        <p:txBody>
+          <a:bodyPr wrap="square" rtlCol="0">
+            <a:spAutoFit/>
+          </a:bodyPr>
+          <a:lstStyle/>
+          <a:p>
+            <a:pPr algn="ctr"/>
+            <a:r>
+              <a:rPr lang="en-US" b="1" dirty="0"/>
+              <a:t>x</a:t>
+            </a:r>
+          </a:p>
+        </p:txBody>
+      </p:sp>
+      <p:cxnSp>
+        <p:nvCxnSpPr>
+          <p:cNvPr id="14" name="Straight Arrow Connector 13">
+            <a:extLst>
+              <a:ext uri="{FF2B5EF4-FFF2-40B4-BE49-F238E27FC236}">
+                <a16:creationId xmlns:a16="http://schemas.microsoft.com/office/drawing/2014/main" id="{D57C3DA2-672D-8E7A-B964-CAFBC4520FFC}"/>
+              </a:ext>
+            </a:extLst>
+          </p:cNvPr>
+          <p:cNvCxnSpPr>
+            <a:stCxn id="12" idx="0"/>
+            <a:endCxn id="9" idx="2"/>
+          </p:cNvCxnSpPr>
+          <p:nvPr/>
+        </p:nvCxnSpPr>
+        <p:spPr>
+          <a:xfrm flipV="1">
+            <a:off x="10025743" y="5756988"/>
+            <a:ext cx="13996" cy="401216"/>
+          </a:xfrm>
+          <a:prstGeom prst="straightConnector1">
+            <a:avLst/>
+          </a:prstGeom>
+          <a:ln>
+            <a:tailEnd type="triangle"/>
+          </a:ln>
+        </p:spPr>
+        <p:style>
+          <a:lnRef idx="1">
+            <a:schemeClr val="accent1"/>
+          </a:lnRef>
+          <a:fillRef idx="0">
+            <a:schemeClr val="accent1"/>
+          </a:fillRef>
+          <a:effectRef idx="0">
+            <a:schemeClr val="accent1"/>
+          </a:effectRef>
+          <a:fontRef idx="minor">
+            <a:schemeClr val="tx1"/>
+          </a:fontRef>
+        </p:style>
+      </p:cxnSp>
+      <p:cxnSp>
+        <p:nvCxnSpPr>
+          <p:cNvPr id="16" name="Straight Arrow Connector 15">
+            <a:extLst>
+              <a:ext uri="{FF2B5EF4-FFF2-40B4-BE49-F238E27FC236}">
+                <a16:creationId xmlns:a16="http://schemas.microsoft.com/office/drawing/2014/main" id="{80ED4589-E2B5-122B-B118-856E529FBFF8}"/>
+              </a:ext>
+            </a:extLst>
+          </p:cNvPr>
+          <p:cNvCxnSpPr>
+            <a:stCxn id="8" idx="3"/>
+            <a:endCxn id="9" idx="1"/>
+          </p:cNvCxnSpPr>
+          <p:nvPr/>
+        </p:nvCxnSpPr>
+        <p:spPr>
+          <a:xfrm flipV="1">
+            <a:off x="8322906" y="5206482"/>
+            <a:ext cx="1156996" cy="662473"/>
+          </a:xfrm>
+          <a:prstGeom prst="straightConnector1">
+            <a:avLst/>
+          </a:prstGeom>
+          <a:ln>
+            <a:tailEnd type="triangle"/>
+          </a:ln>
+        </p:spPr>
+        <p:style>
+          <a:lnRef idx="1">
+            <a:schemeClr val="accent1"/>
+          </a:lnRef>
+          <a:fillRef idx="0">
+            <a:schemeClr val="accent1"/>
+          </a:fillRef>
+          <a:effectRef idx="0">
+            <a:schemeClr val="accent1"/>
+          </a:effectRef>
+          <a:fontRef idx="minor">
+            <a:schemeClr val="tx1"/>
+          </a:fontRef>
+        </p:style>
+      </p:cxnSp>
+      <p:sp>
+        <p:nvSpPr>
+          <p:cNvPr id="17" name="TextBox 16">
+            <a:extLst>
+              <a:ext uri="{FF2B5EF4-FFF2-40B4-BE49-F238E27FC236}">
+                <a16:creationId xmlns:a16="http://schemas.microsoft.com/office/drawing/2014/main" id="{B02CC7FC-F533-CE4F-E986-BCBBF6AFE8F8}"/>
+              </a:ext>
+            </a:extLst>
+          </p:cNvPr>
+          <p:cNvSpPr txBox="1"/>
+          <p:nvPr/>
+        </p:nvSpPr>
+        <p:spPr>
+          <a:xfrm>
+            <a:off x="6596743" y="2625565"/>
+            <a:ext cx="1810139" cy="369332"/>
+          </a:xfrm>
+          <a:prstGeom prst="rect">
+            <a:avLst/>
+          </a:prstGeom>
+          <a:noFill/>
+        </p:spPr>
+        <p:txBody>
+          <a:bodyPr wrap="square" rtlCol="0">
+            <a:spAutoFit/>
+          </a:bodyPr>
+          <a:lstStyle/>
+          <a:p>
+            <a:pPr algn="ctr"/>
+            <a:r>
+              <a:rPr lang="en-US" b="1" dirty="0"/>
+              <a:t>Managed Heap</a:t>
+            </a:r>
+          </a:p>
+        </p:txBody>
+      </p:sp>
+      <p:sp>
+        <p:nvSpPr>
+          <p:cNvPr id="18" name="Rectangle 17">
+            <a:extLst>
+              <a:ext uri="{FF2B5EF4-FFF2-40B4-BE49-F238E27FC236}">
+                <a16:creationId xmlns:a16="http://schemas.microsoft.com/office/drawing/2014/main" id="{51E09DF7-8F47-3FD0-5D2F-3A3D55CEF21F}"/>
+              </a:ext>
+            </a:extLst>
+          </p:cNvPr>
+          <p:cNvSpPr/>
+          <p:nvPr/>
+        </p:nvSpPr>
+        <p:spPr>
+          <a:xfrm>
+            <a:off x="6680719" y="4709231"/>
+            <a:ext cx="1632857" cy="578498"/>
+          </a:xfrm>
+          <a:prstGeom prst="rect">
+            <a:avLst/>
+          </a:prstGeom>
+        </p:spPr>
+        <p:style>
+          <a:lnRef idx="2">
+            <a:schemeClr val="accent1">
+              <a:shade val="50000"/>
+            </a:schemeClr>
+          </a:lnRef>
+          <a:fillRef idx="1">
+            <a:schemeClr val="accent1"/>
+          </a:fillRef>
+          <a:effectRef idx="0">
+            <a:schemeClr val="accent1"/>
+          </a:effectRef>
+          <a:fontRef idx="minor">
+            <a:schemeClr val="lt1"/>
+          </a:fontRef>
+        </p:style>
+        <p:txBody>
+          <a:bodyPr rtlCol="0" anchor="ctr"/>
+          <a:lstStyle/>
+          <a:p>
+            <a:pPr algn="ctr"/>
+            <a:r>
+              <a:rPr lang="en-US" b="1" dirty="0"/>
+              <a:t>Obj1</a:t>
+            </a:r>
+          </a:p>
+        </p:txBody>
+      </p:sp>
+      <p:sp>
+        <p:nvSpPr>
+          <p:cNvPr id="19" name="Rectangle 18">
+            <a:extLst>
+              <a:ext uri="{FF2B5EF4-FFF2-40B4-BE49-F238E27FC236}">
+                <a16:creationId xmlns:a16="http://schemas.microsoft.com/office/drawing/2014/main" id="{B38817DA-D541-4D88-EEB4-21ED0EDCB8D5}"/>
+              </a:ext>
+            </a:extLst>
+          </p:cNvPr>
+          <p:cNvSpPr/>
+          <p:nvPr/>
+        </p:nvSpPr>
+        <p:spPr>
+          <a:xfrm>
+            <a:off x="9731829" y="2492820"/>
+            <a:ext cx="1119674" cy="1101012"/>
+          </a:xfrm>
+          <a:prstGeom prst="rect">
+            <a:avLst/>
+          </a:prstGeom>
+        </p:spPr>
+        <p:style>
+          <a:lnRef idx="2">
+            <a:schemeClr val="accent1"/>
+          </a:lnRef>
+          <a:fillRef idx="1">
+            <a:schemeClr val="lt1"/>
+          </a:fillRef>
+          <a:effectRef idx="0">
+            <a:schemeClr val="accent1"/>
+          </a:effectRef>
+          <a:fontRef idx="minor">
+            <a:schemeClr val="dk1"/>
+          </a:fontRef>
+        </p:style>
+        <p:txBody>
+          <a:bodyPr rtlCol="0" anchor="ctr"/>
+          <a:lstStyle/>
+          <a:p>
+            <a:pPr algn="ctr"/>
+            <a:endParaRPr lang="en-US"/>
+          </a:p>
+        </p:txBody>
+      </p:sp>
+      <p:sp>
+        <p:nvSpPr>
+          <p:cNvPr id="20" name="TextBox 19">
+            <a:extLst>
+              <a:ext uri="{FF2B5EF4-FFF2-40B4-BE49-F238E27FC236}">
+                <a16:creationId xmlns:a16="http://schemas.microsoft.com/office/drawing/2014/main" id="{FEB89B31-C80C-6CE4-F7EE-3F079893366F}"/>
+              </a:ext>
+            </a:extLst>
+          </p:cNvPr>
+          <p:cNvSpPr txBox="1"/>
+          <p:nvPr/>
+        </p:nvSpPr>
+        <p:spPr>
+          <a:xfrm>
+            <a:off x="9731829" y="2576795"/>
+            <a:ext cx="1119674" cy="369332"/>
+          </a:xfrm>
+          <a:prstGeom prst="rect">
+            <a:avLst/>
+          </a:prstGeom>
+          <a:noFill/>
+        </p:spPr>
+        <p:txBody>
+          <a:bodyPr wrap="square" rtlCol="0">
+            <a:spAutoFit/>
+          </a:bodyPr>
+          <a:lstStyle/>
+          <a:p>
+            <a:pPr algn="ctr"/>
+            <a:r>
+              <a:rPr lang="en-US" b="1" dirty="0"/>
+              <a:t>Stack</a:t>
+            </a:r>
+          </a:p>
+        </p:txBody>
+      </p:sp>
+      <p:sp>
+        <p:nvSpPr>
+          <p:cNvPr id="21" name="TextBox 20">
+            <a:extLst>
+              <a:ext uri="{FF2B5EF4-FFF2-40B4-BE49-F238E27FC236}">
+                <a16:creationId xmlns:a16="http://schemas.microsoft.com/office/drawing/2014/main" id="{2216530E-D33D-AF18-B049-2C043838843F}"/>
+              </a:ext>
+            </a:extLst>
+          </p:cNvPr>
+          <p:cNvSpPr txBox="1"/>
+          <p:nvPr/>
+        </p:nvSpPr>
+        <p:spPr>
+          <a:xfrm>
+            <a:off x="9797143" y="2946127"/>
+            <a:ext cx="951723" cy="369332"/>
+          </a:xfrm>
+          <a:prstGeom prst="rect">
+            <a:avLst/>
+          </a:prstGeom>
+          <a:noFill/>
+        </p:spPr>
+        <p:txBody>
+          <a:bodyPr wrap="square" rtlCol="0">
+            <a:spAutoFit/>
+          </a:bodyPr>
+          <a:lstStyle/>
+          <a:p>
+            <a:pPr algn="ctr"/>
+            <a:r>
+              <a:rPr lang="en-US" b="1" dirty="0"/>
+              <a:t>10</a:t>
+            </a:r>
+          </a:p>
+        </p:txBody>
+      </p:sp>
+      <p:sp>
+        <p:nvSpPr>
+          <p:cNvPr id="22" name="TextBox 21">
+            <a:extLst>
+              <a:ext uri="{FF2B5EF4-FFF2-40B4-BE49-F238E27FC236}">
+                <a16:creationId xmlns:a16="http://schemas.microsoft.com/office/drawing/2014/main" id="{14D11EEA-ACC0-1A4A-4DB1-580704D0A1CD}"/>
+              </a:ext>
+            </a:extLst>
+          </p:cNvPr>
+          <p:cNvSpPr txBox="1"/>
+          <p:nvPr/>
+        </p:nvSpPr>
+        <p:spPr>
+          <a:xfrm>
+            <a:off x="9881119" y="3995048"/>
+            <a:ext cx="793102" cy="382555"/>
+          </a:xfrm>
+          <a:prstGeom prst="rect">
+            <a:avLst/>
+          </a:prstGeom>
+          <a:noFill/>
+        </p:spPr>
+        <p:txBody>
+          <a:bodyPr wrap="square" rtlCol="0">
+            <a:spAutoFit/>
+          </a:bodyPr>
+          <a:lstStyle/>
+          <a:p>
+            <a:pPr algn="ctr"/>
+            <a:r>
+              <a:rPr lang="en-US" b="1" dirty="0"/>
+              <a:t>x</a:t>
+            </a:r>
+          </a:p>
+        </p:txBody>
+      </p:sp>
+      <p:cxnSp>
+        <p:nvCxnSpPr>
+          <p:cNvPr id="23" name="Straight Arrow Connector 22">
+            <a:extLst>
+              <a:ext uri="{FF2B5EF4-FFF2-40B4-BE49-F238E27FC236}">
+                <a16:creationId xmlns:a16="http://schemas.microsoft.com/office/drawing/2014/main" id="{A6830C82-400E-CCDD-75CD-873C00E6CB0E}"/>
+              </a:ext>
+            </a:extLst>
+          </p:cNvPr>
+          <p:cNvCxnSpPr>
+            <a:stCxn id="22" idx="0"/>
+            <a:endCxn id="19" idx="2"/>
+          </p:cNvCxnSpPr>
+          <p:nvPr/>
+        </p:nvCxnSpPr>
+        <p:spPr>
+          <a:xfrm flipV="1">
+            <a:off x="10277670" y="3593832"/>
+            <a:ext cx="13996" cy="401216"/>
+          </a:xfrm>
+          <a:prstGeom prst="straightConnector1">
+            <a:avLst/>
+          </a:prstGeom>
+          <a:ln>
+            <a:tailEnd type="triangle"/>
+          </a:ln>
+        </p:spPr>
+        <p:style>
+          <a:lnRef idx="1">
+            <a:schemeClr val="accent1"/>
+          </a:lnRef>
+          <a:fillRef idx="0">
+            <a:schemeClr val="accent1"/>
+          </a:fillRef>
+          <a:effectRef idx="0">
+            <a:schemeClr val="accent1"/>
+          </a:effectRef>
+          <a:fontRef idx="minor">
+            <a:schemeClr val="tx1"/>
+          </a:fontRef>
+        </p:style>
+      </p:cxnSp>
+      <p:cxnSp>
+        <p:nvCxnSpPr>
+          <p:cNvPr id="25" name="Straight Arrow Connector 24">
+            <a:extLst>
+              <a:ext uri="{FF2B5EF4-FFF2-40B4-BE49-F238E27FC236}">
+                <a16:creationId xmlns:a16="http://schemas.microsoft.com/office/drawing/2014/main" id="{3A7B6A18-1E88-2DFA-74C5-BCB1A417EDDC}"/>
+              </a:ext>
+            </a:extLst>
+          </p:cNvPr>
+          <p:cNvCxnSpPr>
+            <a:stCxn id="18" idx="3"/>
+            <a:endCxn id="19" idx="1"/>
+          </p:cNvCxnSpPr>
+          <p:nvPr/>
+        </p:nvCxnSpPr>
+        <p:spPr>
+          <a:xfrm flipV="1">
+            <a:off x="8313576" y="3043326"/>
+            <a:ext cx="1418253" cy="1955154"/>
+          </a:xfrm>
+          <a:prstGeom prst="straightConnector1">
+            <a:avLst/>
+          </a:prstGeom>
+          <a:ln>
+            <a:tailEnd type="triangle"/>
+          </a:ln>
+        </p:spPr>
+        <p:style>
+          <a:lnRef idx="1">
+            <a:schemeClr val="accent1"/>
+          </a:lnRef>
+          <a:fillRef idx="0">
+            <a:schemeClr val="accent1"/>
+          </a:fillRef>
+          <a:effectRef idx="0">
+            <a:schemeClr val="accent1"/>
+          </a:effectRef>
+          <a:fontRef idx="minor">
+            <a:schemeClr val="tx1"/>
+          </a:fontRef>
+        </p:style>
+      </p:cxnSp>
+      <p:cxnSp>
+        <p:nvCxnSpPr>
+          <p:cNvPr id="27" name="Straight Arrow Connector 26">
+            <a:extLst>
+              <a:ext uri="{FF2B5EF4-FFF2-40B4-BE49-F238E27FC236}">
+                <a16:creationId xmlns:a16="http://schemas.microsoft.com/office/drawing/2014/main" id="{81F9AD1F-21AC-5DF1-94B3-EECF160B9395}"/>
+              </a:ext>
+            </a:extLst>
+          </p:cNvPr>
+          <p:cNvCxnSpPr>
+            <a:cxnSpLocks/>
+            <a:endCxn id="28" idx="0"/>
+          </p:cNvCxnSpPr>
+          <p:nvPr/>
+        </p:nvCxnSpPr>
+        <p:spPr>
+          <a:xfrm flipH="1">
+            <a:off x="3466322" y="1992849"/>
+            <a:ext cx="3130421" cy="540383"/>
+          </a:xfrm>
+          <a:prstGeom prst="straightConnector1">
+            <a:avLst/>
+          </a:prstGeom>
+          <a:ln>
+            <a:tailEnd type="triangle"/>
+          </a:ln>
+        </p:spPr>
+        <p:style>
+          <a:lnRef idx="1">
+            <a:schemeClr val="accent1"/>
+          </a:lnRef>
+          <a:fillRef idx="0">
+            <a:schemeClr val="accent1"/>
+          </a:fillRef>
+          <a:effectRef idx="0">
+            <a:schemeClr val="accent1"/>
+          </a:effectRef>
+          <a:fontRef idx="minor">
+            <a:schemeClr val="tx1"/>
+          </a:fontRef>
+        </p:style>
+      </p:cxnSp>
+      <p:sp>
+        <p:nvSpPr>
+          <p:cNvPr id="28" name="TextBox 27">
+            <a:extLst>
+              <a:ext uri="{FF2B5EF4-FFF2-40B4-BE49-F238E27FC236}">
+                <a16:creationId xmlns:a16="http://schemas.microsoft.com/office/drawing/2014/main" id="{0F935601-4B6D-1E97-CA86-227A55C4EF12}"/>
+              </a:ext>
+            </a:extLst>
+          </p:cNvPr>
+          <p:cNvSpPr txBox="1"/>
+          <p:nvPr/>
+        </p:nvSpPr>
+        <p:spPr>
+          <a:xfrm>
+            <a:off x="2262673" y="2533232"/>
+            <a:ext cx="2407298" cy="923330"/>
+          </a:xfrm>
+          <a:prstGeom prst="rect">
+            <a:avLst/>
+          </a:prstGeom>
+          <a:noFill/>
+        </p:spPr>
+        <p:txBody>
+          <a:bodyPr wrap="square" rtlCol="0">
+            <a:spAutoFit/>
+          </a:bodyPr>
+          <a:lstStyle/>
+          <a:p>
+            <a:pPr algn="ctr"/>
+            <a:r>
+              <a:rPr lang="en-US" b="1" dirty="0"/>
+              <a:t>Code Will be executed with separate copies of x for obj and Obj1</a:t>
+            </a:r>
+          </a:p>
+        </p:txBody>
+      </p:sp>
+    </p:spTree>
+    <p:extLst>
+      <p:ext uri="{BB962C8B-B14F-4D97-AF65-F5344CB8AC3E}">
+        <p14:creationId xmlns:p14="http://schemas.microsoft.com/office/powerpoint/2010/main" val="1817974530"/>
+      </p:ext>
+    </p:extLst>
+  </p:cSld>
+  <p:clrMapOvr>
+    <a:masterClrMapping/>
+  </p:clrMapOvr>
+</p:sld>
+</file>
+
+<file path=ppt/slides/slide33.xml><?xml version="1.0" encoding="utf-8"?>
+<p:sld xmlns:a="http://schemas.openxmlformats.org/drawingml/2006/main" xmlns:r="http://schemas.openxmlformats.org/officeDocument/2006/relationships" xmlns:p="http://schemas.openxmlformats.org/presentationml/2006/main">
+  <p:cSld>
+    <p:spTree>
+      <p:nvGrpSpPr>
+        <p:cNvPr id="1" name=""/>
+        <p:cNvGrpSpPr/>
+        <p:nvPr/>
+      </p:nvGrpSpPr>
+      <p:grpSpPr>
+        <a:xfrm>
+          <a:off x="0" y="0"/>
+          <a:ext cx="0" cy="0"/>
+          <a:chOff x="0" y="0"/>
+          <a:chExt cx="0" cy="0"/>
+        </a:xfrm>
+      </p:grpSpPr>
+      <p:sp>
+        <p:nvSpPr>
+          <p:cNvPr id="2" name="Arrow: Down 1">
+            <a:extLst>
+              <a:ext uri="{FF2B5EF4-FFF2-40B4-BE49-F238E27FC236}">
+                <a16:creationId xmlns:a16="http://schemas.microsoft.com/office/drawing/2014/main" id="{132684C8-3811-9B23-3C6F-C33F1F860F72}"/>
+              </a:ext>
+            </a:extLst>
+          </p:cNvPr>
+          <p:cNvSpPr/>
+          <p:nvPr/>
+        </p:nvSpPr>
+        <p:spPr>
+          <a:xfrm>
+            <a:off x="1502229" y="317241"/>
+            <a:ext cx="681134" cy="6223518"/>
+          </a:xfrm>
+          <a:prstGeom prst="downArrow">
+            <a:avLst/>
+          </a:prstGeom>
+        </p:spPr>
+        <p:style>
+          <a:lnRef idx="2">
+            <a:schemeClr val="accent1">
+              <a:shade val="50000"/>
+            </a:schemeClr>
+          </a:lnRef>
+          <a:fillRef idx="1">
+            <a:schemeClr val="accent1"/>
+          </a:fillRef>
+          <a:effectRef idx="0">
+            <a:schemeClr val="accent1"/>
+          </a:effectRef>
+          <a:fontRef idx="minor">
+            <a:schemeClr val="lt1"/>
+          </a:fontRef>
+        </p:style>
+        <p:txBody>
+          <a:bodyPr rtlCol="0" anchor="ctr"/>
+          <a:lstStyle/>
+          <a:p>
+            <a:pPr algn="ctr"/>
+            <a:endParaRPr lang="en-US"/>
+          </a:p>
+        </p:txBody>
+      </p:sp>
+      <p:sp>
+        <p:nvSpPr>
+          <p:cNvPr id="3" name="TextBox 2">
+            <a:extLst>
+              <a:ext uri="{FF2B5EF4-FFF2-40B4-BE49-F238E27FC236}">
+                <a16:creationId xmlns:a16="http://schemas.microsoft.com/office/drawing/2014/main" id="{931994D0-B1DE-5785-53AF-D2BD4557767B}"/>
+              </a:ext>
+            </a:extLst>
+          </p:cNvPr>
+          <p:cNvSpPr txBox="1"/>
+          <p:nvPr/>
+        </p:nvSpPr>
+        <p:spPr>
+          <a:xfrm>
+            <a:off x="167951" y="2192694"/>
+            <a:ext cx="1380931" cy="646331"/>
+          </a:xfrm>
+          <a:prstGeom prst="rect">
+            <a:avLst/>
+          </a:prstGeom>
+          <a:noFill/>
+        </p:spPr>
+        <p:txBody>
+          <a:bodyPr wrap="square" rtlCol="0">
+            <a:spAutoFit/>
+          </a:bodyPr>
+          <a:lstStyle/>
+          <a:p>
+            <a:pPr algn="ctr"/>
+            <a:r>
+              <a:rPr lang="en-US" b="1" dirty="0"/>
+              <a:t>Main Thread</a:t>
+            </a:r>
+          </a:p>
+        </p:txBody>
+      </p:sp>
+      <p:sp>
+        <p:nvSpPr>
+          <p:cNvPr id="4" name="Rectangle 3">
+            <a:extLst>
+              <a:ext uri="{FF2B5EF4-FFF2-40B4-BE49-F238E27FC236}">
+                <a16:creationId xmlns:a16="http://schemas.microsoft.com/office/drawing/2014/main" id="{4BD2EFCD-F2ED-ACF1-59BE-85C4D0F73F81}"/>
+              </a:ext>
+            </a:extLst>
+          </p:cNvPr>
+          <p:cNvSpPr/>
+          <p:nvPr/>
+        </p:nvSpPr>
+        <p:spPr>
+          <a:xfrm>
+            <a:off x="2183363" y="317241"/>
+            <a:ext cx="2603241" cy="5990253"/>
+          </a:xfrm>
+          <a:prstGeom prst="rect">
+            <a:avLst/>
+          </a:prstGeom>
+        </p:spPr>
+        <p:style>
+          <a:lnRef idx="2">
+            <a:schemeClr val="accent6"/>
+          </a:lnRef>
+          <a:fillRef idx="1">
+            <a:schemeClr val="lt1"/>
+          </a:fillRef>
+          <a:effectRef idx="0">
+            <a:schemeClr val="accent6"/>
+          </a:effectRef>
+          <a:fontRef idx="minor">
+            <a:schemeClr val="dk1"/>
+          </a:fontRef>
+        </p:style>
+        <p:txBody>
+          <a:bodyPr rtlCol="0" anchor="ctr"/>
+          <a:lstStyle/>
+          <a:p>
+            <a:pPr algn="ctr"/>
+            <a:endParaRPr lang="en-US"/>
+          </a:p>
+        </p:txBody>
+      </p:sp>
+      <p:sp>
+        <p:nvSpPr>
+          <p:cNvPr id="5" name="TextBox 4">
+            <a:extLst>
+              <a:ext uri="{FF2B5EF4-FFF2-40B4-BE49-F238E27FC236}">
+                <a16:creationId xmlns:a16="http://schemas.microsoft.com/office/drawing/2014/main" id="{2B754660-3CF1-9DDE-75AD-6ED5A08A0C6E}"/>
+              </a:ext>
+            </a:extLst>
+          </p:cNvPr>
+          <p:cNvSpPr txBox="1"/>
+          <p:nvPr/>
+        </p:nvSpPr>
+        <p:spPr>
+          <a:xfrm>
+            <a:off x="2230016" y="447869"/>
+            <a:ext cx="2407298" cy="923330"/>
+          </a:xfrm>
+          <a:prstGeom prst="rect">
+            <a:avLst/>
+          </a:prstGeom>
+          <a:noFill/>
+        </p:spPr>
+        <p:txBody>
+          <a:bodyPr wrap="square" rtlCol="0">
+            <a:spAutoFit/>
+          </a:bodyPr>
+          <a:lstStyle/>
+          <a:p>
+            <a:pPr algn="ctr"/>
+            <a:r>
+              <a:rPr lang="en-US" b="1" dirty="0"/>
+              <a:t>CLR</a:t>
+            </a:r>
+          </a:p>
+          <a:p>
+            <a:pPr algn="ctr"/>
+            <a:r>
+              <a:rPr lang="en-US" b="1" dirty="0"/>
+              <a:t>Executing Ann Application </a:t>
+            </a:r>
+          </a:p>
+        </p:txBody>
+      </p:sp>
+      <p:sp>
+        <p:nvSpPr>
+          <p:cNvPr id="6" name="TextBox 5">
+            <a:extLst>
+              <a:ext uri="{FF2B5EF4-FFF2-40B4-BE49-F238E27FC236}">
+                <a16:creationId xmlns:a16="http://schemas.microsoft.com/office/drawing/2014/main" id="{7BDFA482-82BA-8032-3F93-30A4F9D8E131}"/>
+              </a:ext>
+            </a:extLst>
+          </p:cNvPr>
+          <p:cNvSpPr txBox="1"/>
+          <p:nvPr/>
+        </p:nvSpPr>
+        <p:spPr>
+          <a:xfrm>
+            <a:off x="6484776" y="317241"/>
+            <a:ext cx="5402424" cy="2585323"/>
+          </a:xfrm>
+          <a:prstGeom prst="rect">
+            <a:avLst/>
+          </a:prstGeom>
+          <a:noFill/>
+        </p:spPr>
+        <p:txBody>
+          <a:bodyPr wrap="square" rtlCol="0">
+            <a:spAutoFit/>
+          </a:bodyPr>
+          <a:lstStyle/>
+          <a:p>
+            <a:r>
+              <a:rPr lang="en-US" dirty="0"/>
+              <a:t>Public class </a:t>
+            </a:r>
+            <a:r>
+              <a:rPr lang="en-US" dirty="0" err="1"/>
+              <a:t>MyClass</a:t>
+            </a:r>
+            <a:endParaRPr lang="en-US" dirty="0"/>
+          </a:p>
+          <a:p>
+            <a:r>
+              <a:rPr lang="en-US" dirty="0"/>
+              <a:t>{</a:t>
+            </a:r>
+          </a:p>
+          <a:p>
+            <a:r>
+              <a:rPr lang="en-US" dirty="0"/>
+              <a:t>   static int x = 10; // x is an instance member </a:t>
+            </a:r>
+          </a:p>
+          <a:p>
+            <a:r>
+              <a:rPr lang="en-US" dirty="0"/>
+              <a:t>}</a:t>
+            </a:r>
+          </a:p>
+          <a:p>
+            <a:endParaRPr lang="en-US" dirty="0"/>
+          </a:p>
+          <a:p>
+            <a:endParaRPr lang="en-US" dirty="0"/>
+          </a:p>
+          <a:p>
+            <a:r>
+              <a:rPr lang="en-US" dirty="0" err="1"/>
+              <a:t>MyClass</a:t>
+            </a:r>
+            <a:r>
+              <a:rPr lang="en-US" dirty="0"/>
+              <a:t> obj = new </a:t>
+            </a:r>
+            <a:r>
+              <a:rPr lang="en-US" dirty="0" err="1"/>
+              <a:t>MyClass</a:t>
+            </a:r>
+            <a:r>
+              <a:rPr lang="en-US" dirty="0"/>
+              <a:t>();</a:t>
+            </a:r>
+          </a:p>
+          <a:p>
+            <a:r>
+              <a:rPr lang="en-US" dirty="0" err="1"/>
+              <a:t>MyClass</a:t>
+            </a:r>
+            <a:r>
+              <a:rPr lang="en-US" dirty="0"/>
+              <a:t> Obj1 = new </a:t>
+            </a:r>
+            <a:r>
+              <a:rPr lang="en-US" dirty="0" err="1"/>
+              <a:t>MyClass</a:t>
+            </a:r>
+            <a:r>
+              <a:rPr lang="en-US" dirty="0"/>
+              <a:t>(); </a:t>
+            </a:r>
+          </a:p>
+          <a:p>
+            <a:endParaRPr lang="en-US" dirty="0"/>
+          </a:p>
+        </p:txBody>
+      </p:sp>
+      <p:sp>
+        <p:nvSpPr>
+          <p:cNvPr id="7" name="Rectangle 6">
+            <a:extLst>
+              <a:ext uri="{FF2B5EF4-FFF2-40B4-BE49-F238E27FC236}">
+                <a16:creationId xmlns:a16="http://schemas.microsoft.com/office/drawing/2014/main" id="{3548E5F4-BC54-FFD3-1250-AC6F6451A24A}"/>
+              </a:ext>
+            </a:extLst>
+          </p:cNvPr>
+          <p:cNvSpPr/>
+          <p:nvPr/>
+        </p:nvSpPr>
+        <p:spPr>
+          <a:xfrm>
+            <a:off x="6671388" y="3144416"/>
+            <a:ext cx="1651518" cy="3498980"/>
+          </a:xfrm>
+          <a:prstGeom prst="rect">
+            <a:avLst/>
+          </a:prstGeom>
+        </p:spPr>
+        <p:style>
+          <a:lnRef idx="1">
+            <a:schemeClr val="accent3"/>
+          </a:lnRef>
+          <a:fillRef idx="2">
+            <a:schemeClr val="accent3"/>
+          </a:fillRef>
+          <a:effectRef idx="1">
+            <a:schemeClr val="accent3"/>
+          </a:effectRef>
+          <a:fontRef idx="minor">
+            <a:schemeClr val="dk1"/>
+          </a:fontRef>
+        </p:style>
+        <p:txBody>
+          <a:bodyPr rtlCol="0" anchor="ctr"/>
+          <a:lstStyle/>
+          <a:p>
+            <a:pPr algn="ctr"/>
+            <a:endParaRPr lang="en-US"/>
+          </a:p>
+        </p:txBody>
+      </p:sp>
+      <p:sp>
+        <p:nvSpPr>
+          <p:cNvPr id="8" name="Rectangle 7">
+            <a:extLst>
+              <a:ext uri="{FF2B5EF4-FFF2-40B4-BE49-F238E27FC236}">
+                <a16:creationId xmlns:a16="http://schemas.microsoft.com/office/drawing/2014/main" id="{310026D0-A3C9-C8C7-5A5A-C29236A5A5C1}"/>
+              </a:ext>
+            </a:extLst>
+          </p:cNvPr>
+          <p:cNvSpPr/>
+          <p:nvPr/>
+        </p:nvSpPr>
+        <p:spPr>
+          <a:xfrm>
+            <a:off x="6690049" y="5579706"/>
+            <a:ext cx="1632857" cy="578498"/>
+          </a:xfrm>
+          <a:prstGeom prst="rect">
+            <a:avLst/>
+          </a:prstGeom>
+        </p:spPr>
+        <p:style>
+          <a:lnRef idx="2">
+            <a:schemeClr val="accent1">
+              <a:shade val="50000"/>
+            </a:schemeClr>
+          </a:lnRef>
+          <a:fillRef idx="1">
+            <a:schemeClr val="accent1"/>
+          </a:fillRef>
+          <a:effectRef idx="0">
+            <a:schemeClr val="accent1"/>
+          </a:effectRef>
+          <a:fontRef idx="minor">
+            <a:schemeClr val="lt1"/>
+          </a:fontRef>
+        </p:style>
+        <p:txBody>
+          <a:bodyPr rtlCol="0" anchor="ctr"/>
+          <a:lstStyle/>
+          <a:p>
+            <a:pPr algn="ctr"/>
+            <a:r>
+              <a:rPr lang="en-US" b="1" dirty="0"/>
+              <a:t>obj</a:t>
+            </a:r>
+          </a:p>
+        </p:txBody>
+      </p:sp>
+      <p:sp>
+        <p:nvSpPr>
+          <p:cNvPr id="9" name="Rectangle 8">
+            <a:extLst>
+              <a:ext uri="{FF2B5EF4-FFF2-40B4-BE49-F238E27FC236}">
+                <a16:creationId xmlns:a16="http://schemas.microsoft.com/office/drawing/2014/main" id="{4777AC8D-D464-8074-7DB8-08CFB8D668D5}"/>
+              </a:ext>
+            </a:extLst>
+          </p:cNvPr>
+          <p:cNvSpPr/>
+          <p:nvPr/>
+        </p:nvSpPr>
+        <p:spPr>
+          <a:xfrm>
+            <a:off x="9479902" y="4655976"/>
+            <a:ext cx="1119674" cy="1101012"/>
+          </a:xfrm>
+          <a:prstGeom prst="rect">
+            <a:avLst/>
+          </a:prstGeom>
+        </p:spPr>
+        <p:style>
+          <a:lnRef idx="2">
+            <a:schemeClr val="accent1"/>
+          </a:lnRef>
+          <a:fillRef idx="1">
+            <a:schemeClr val="lt1"/>
+          </a:fillRef>
+          <a:effectRef idx="0">
+            <a:schemeClr val="accent1"/>
+          </a:effectRef>
+          <a:fontRef idx="minor">
+            <a:schemeClr val="dk1"/>
+          </a:fontRef>
+        </p:style>
+        <p:txBody>
+          <a:bodyPr rtlCol="0" anchor="ctr"/>
+          <a:lstStyle/>
+          <a:p>
+            <a:pPr algn="ctr"/>
+            <a:endParaRPr lang="en-US"/>
+          </a:p>
+        </p:txBody>
+      </p:sp>
+      <p:sp>
+        <p:nvSpPr>
+          <p:cNvPr id="10" name="TextBox 9">
+            <a:extLst>
+              <a:ext uri="{FF2B5EF4-FFF2-40B4-BE49-F238E27FC236}">
+                <a16:creationId xmlns:a16="http://schemas.microsoft.com/office/drawing/2014/main" id="{3A0FC5BC-60ED-DE21-5203-29F79FC19E3F}"/>
+              </a:ext>
+            </a:extLst>
+          </p:cNvPr>
+          <p:cNvSpPr txBox="1"/>
+          <p:nvPr/>
+        </p:nvSpPr>
+        <p:spPr>
+          <a:xfrm>
+            <a:off x="9479902" y="4739951"/>
+            <a:ext cx="1119674" cy="369332"/>
+          </a:xfrm>
+          <a:prstGeom prst="rect">
+            <a:avLst/>
+          </a:prstGeom>
+          <a:noFill/>
+        </p:spPr>
+        <p:txBody>
+          <a:bodyPr wrap="square" rtlCol="0">
+            <a:spAutoFit/>
+          </a:bodyPr>
+          <a:lstStyle/>
+          <a:p>
+            <a:pPr algn="ctr"/>
+            <a:r>
+              <a:rPr lang="en-US" b="1" dirty="0"/>
+              <a:t>Stack</a:t>
+            </a:r>
+          </a:p>
+        </p:txBody>
+      </p:sp>
+      <p:sp>
+        <p:nvSpPr>
+          <p:cNvPr id="11" name="TextBox 10">
+            <a:extLst>
+              <a:ext uri="{FF2B5EF4-FFF2-40B4-BE49-F238E27FC236}">
+                <a16:creationId xmlns:a16="http://schemas.microsoft.com/office/drawing/2014/main" id="{2A9B07F9-C86C-F201-E5E2-25F677DF4AB7}"/>
+              </a:ext>
+            </a:extLst>
+          </p:cNvPr>
+          <p:cNvSpPr txBox="1"/>
+          <p:nvPr/>
+        </p:nvSpPr>
+        <p:spPr>
+          <a:xfrm>
+            <a:off x="9545216" y="5109283"/>
+            <a:ext cx="951723" cy="369332"/>
+          </a:xfrm>
+          <a:prstGeom prst="rect">
+            <a:avLst/>
+          </a:prstGeom>
+          <a:noFill/>
+        </p:spPr>
+        <p:txBody>
+          <a:bodyPr wrap="square" rtlCol="0">
+            <a:spAutoFit/>
+          </a:bodyPr>
+          <a:lstStyle/>
+          <a:p>
+            <a:pPr algn="ctr"/>
+            <a:r>
+              <a:rPr lang="en-US" b="1" dirty="0"/>
+              <a:t>10</a:t>
+            </a:r>
+          </a:p>
+        </p:txBody>
+      </p:sp>
+      <p:sp>
+        <p:nvSpPr>
+          <p:cNvPr id="12" name="TextBox 11">
+            <a:extLst>
+              <a:ext uri="{FF2B5EF4-FFF2-40B4-BE49-F238E27FC236}">
+                <a16:creationId xmlns:a16="http://schemas.microsoft.com/office/drawing/2014/main" id="{78F2CA36-B470-180E-D36B-7A325F55CFD4}"/>
+              </a:ext>
+            </a:extLst>
+          </p:cNvPr>
+          <p:cNvSpPr txBox="1"/>
+          <p:nvPr/>
+        </p:nvSpPr>
+        <p:spPr>
+          <a:xfrm>
+            <a:off x="9629192" y="6158204"/>
+            <a:ext cx="793102" cy="382555"/>
+          </a:xfrm>
+          <a:prstGeom prst="rect">
+            <a:avLst/>
+          </a:prstGeom>
+          <a:noFill/>
+        </p:spPr>
+        <p:txBody>
+          <a:bodyPr wrap="square" rtlCol="0">
+            <a:spAutoFit/>
+          </a:bodyPr>
+          <a:lstStyle/>
+          <a:p>
+            <a:pPr algn="ctr"/>
+            <a:r>
+              <a:rPr lang="en-US" b="1" dirty="0"/>
+              <a:t>x</a:t>
+            </a:r>
+          </a:p>
+        </p:txBody>
+      </p:sp>
+      <p:cxnSp>
+        <p:nvCxnSpPr>
+          <p:cNvPr id="14" name="Straight Arrow Connector 13">
+            <a:extLst>
+              <a:ext uri="{FF2B5EF4-FFF2-40B4-BE49-F238E27FC236}">
+                <a16:creationId xmlns:a16="http://schemas.microsoft.com/office/drawing/2014/main" id="{D57C3DA2-672D-8E7A-B964-CAFBC4520FFC}"/>
+              </a:ext>
+            </a:extLst>
+          </p:cNvPr>
+          <p:cNvCxnSpPr>
+            <a:stCxn id="12" idx="0"/>
+            <a:endCxn id="9" idx="2"/>
+          </p:cNvCxnSpPr>
+          <p:nvPr/>
+        </p:nvCxnSpPr>
+        <p:spPr>
+          <a:xfrm flipV="1">
+            <a:off x="10025743" y="5756988"/>
+            <a:ext cx="13996" cy="401216"/>
+          </a:xfrm>
+          <a:prstGeom prst="straightConnector1">
+            <a:avLst/>
+          </a:prstGeom>
+          <a:ln>
+            <a:tailEnd type="triangle"/>
+          </a:ln>
+        </p:spPr>
+        <p:style>
+          <a:lnRef idx="1">
+            <a:schemeClr val="accent1"/>
+          </a:lnRef>
+          <a:fillRef idx="0">
+            <a:schemeClr val="accent1"/>
+          </a:fillRef>
+          <a:effectRef idx="0">
+            <a:schemeClr val="accent1"/>
+          </a:effectRef>
+          <a:fontRef idx="minor">
+            <a:schemeClr val="tx1"/>
+          </a:fontRef>
+        </p:style>
+      </p:cxnSp>
+      <p:cxnSp>
+        <p:nvCxnSpPr>
+          <p:cNvPr id="16" name="Straight Arrow Connector 15">
+            <a:extLst>
+              <a:ext uri="{FF2B5EF4-FFF2-40B4-BE49-F238E27FC236}">
+                <a16:creationId xmlns:a16="http://schemas.microsoft.com/office/drawing/2014/main" id="{80ED4589-E2B5-122B-B118-856E529FBFF8}"/>
+              </a:ext>
+            </a:extLst>
+          </p:cNvPr>
+          <p:cNvCxnSpPr>
+            <a:stCxn id="8" idx="3"/>
+            <a:endCxn id="9" idx="1"/>
+          </p:cNvCxnSpPr>
+          <p:nvPr/>
+        </p:nvCxnSpPr>
+        <p:spPr>
+          <a:xfrm flipV="1">
+            <a:off x="8322906" y="5206482"/>
+            <a:ext cx="1156996" cy="662473"/>
+          </a:xfrm>
+          <a:prstGeom prst="straightConnector1">
+            <a:avLst/>
+          </a:prstGeom>
+          <a:ln>
+            <a:tailEnd type="triangle"/>
+          </a:ln>
+        </p:spPr>
+        <p:style>
+          <a:lnRef idx="1">
+            <a:schemeClr val="accent1"/>
+          </a:lnRef>
+          <a:fillRef idx="0">
+            <a:schemeClr val="accent1"/>
+          </a:fillRef>
+          <a:effectRef idx="0">
+            <a:schemeClr val="accent1"/>
+          </a:effectRef>
+          <a:fontRef idx="minor">
+            <a:schemeClr val="tx1"/>
+          </a:fontRef>
+        </p:style>
+      </p:cxnSp>
+      <p:sp>
+        <p:nvSpPr>
+          <p:cNvPr id="17" name="TextBox 16">
+            <a:extLst>
+              <a:ext uri="{FF2B5EF4-FFF2-40B4-BE49-F238E27FC236}">
+                <a16:creationId xmlns:a16="http://schemas.microsoft.com/office/drawing/2014/main" id="{B02CC7FC-F533-CE4F-E986-BCBBF6AFE8F8}"/>
+              </a:ext>
+            </a:extLst>
+          </p:cNvPr>
+          <p:cNvSpPr txBox="1"/>
+          <p:nvPr/>
+        </p:nvSpPr>
+        <p:spPr>
+          <a:xfrm>
+            <a:off x="6596743" y="2625565"/>
+            <a:ext cx="1810139" cy="369332"/>
+          </a:xfrm>
+          <a:prstGeom prst="rect">
+            <a:avLst/>
+          </a:prstGeom>
+          <a:noFill/>
+        </p:spPr>
+        <p:txBody>
+          <a:bodyPr wrap="square" rtlCol="0">
+            <a:spAutoFit/>
+          </a:bodyPr>
+          <a:lstStyle/>
+          <a:p>
+            <a:pPr algn="ctr"/>
+            <a:r>
+              <a:rPr lang="en-US" b="1" dirty="0"/>
+              <a:t>Managed Heap</a:t>
+            </a:r>
+          </a:p>
+        </p:txBody>
+      </p:sp>
+      <p:sp>
+        <p:nvSpPr>
+          <p:cNvPr id="18" name="Rectangle 17">
+            <a:extLst>
+              <a:ext uri="{FF2B5EF4-FFF2-40B4-BE49-F238E27FC236}">
+                <a16:creationId xmlns:a16="http://schemas.microsoft.com/office/drawing/2014/main" id="{51E09DF7-8F47-3FD0-5D2F-3A3D55CEF21F}"/>
+              </a:ext>
+            </a:extLst>
+          </p:cNvPr>
+          <p:cNvSpPr/>
+          <p:nvPr/>
+        </p:nvSpPr>
+        <p:spPr>
+          <a:xfrm>
+            <a:off x="6680719" y="4709231"/>
+            <a:ext cx="1632857" cy="578498"/>
+          </a:xfrm>
+          <a:prstGeom prst="rect">
+            <a:avLst/>
+          </a:prstGeom>
+        </p:spPr>
+        <p:style>
+          <a:lnRef idx="2">
+            <a:schemeClr val="accent1">
+              <a:shade val="50000"/>
+            </a:schemeClr>
+          </a:lnRef>
+          <a:fillRef idx="1">
+            <a:schemeClr val="accent1"/>
+          </a:fillRef>
+          <a:effectRef idx="0">
+            <a:schemeClr val="accent1"/>
+          </a:effectRef>
+          <a:fontRef idx="minor">
+            <a:schemeClr val="lt1"/>
+          </a:fontRef>
+        </p:style>
+        <p:txBody>
+          <a:bodyPr rtlCol="0" anchor="ctr"/>
+          <a:lstStyle/>
+          <a:p>
+            <a:pPr algn="ctr"/>
+            <a:r>
+              <a:rPr lang="en-US" b="1" dirty="0"/>
+              <a:t>Obj1</a:t>
+            </a:r>
+          </a:p>
+        </p:txBody>
+      </p:sp>
+      <p:cxnSp>
+        <p:nvCxnSpPr>
+          <p:cNvPr id="25" name="Straight Arrow Connector 24">
+            <a:extLst>
+              <a:ext uri="{FF2B5EF4-FFF2-40B4-BE49-F238E27FC236}">
+                <a16:creationId xmlns:a16="http://schemas.microsoft.com/office/drawing/2014/main" id="{3A7B6A18-1E88-2DFA-74C5-BCB1A417EDDC}"/>
+              </a:ext>
+            </a:extLst>
+          </p:cNvPr>
+          <p:cNvCxnSpPr>
+            <a:cxnSpLocks/>
+            <a:stCxn id="18" idx="3"/>
+            <a:endCxn id="9" idx="1"/>
+          </p:cNvCxnSpPr>
+          <p:nvPr/>
+        </p:nvCxnSpPr>
+        <p:spPr>
+          <a:xfrm>
+            <a:off x="8313576" y="4998480"/>
+            <a:ext cx="1166326" cy="208002"/>
+          </a:xfrm>
+          <a:prstGeom prst="straightConnector1">
+            <a:avLst/>
+          </a:prstGeom>
+          <a:ln>
+            <a:tailEnd type="triangle"/>
+          </a:ln>
+        </p:spPr>
+        <p:style>
+          <a:lnRef idx="1">
+            <a:schemeClr val="accent1"/>
+          </a:lnRef>
+          <a:fillRef idx="0">
+            <a:schemeClr val="accent1"/>
+          </a:fillRef>
+          <a:effectRef idx="0">
+            <a:schemeClr val="accent1"/>
+          </a:effectRef>
+          <a:fontRef idx="minor">
+            <a:schemeClr val="tx1"/>
+          </a:fontRef>
+        </p:style>
+      </p:cxnSp>
+      <p:cxnSp>
+        <p:nvCxnSpPr>
+          <p:cNvPr id="27" name="Straight Arrow Connector 26">
+            <a:extLst>
+              <a:ext uri="{FF2B5EF4-FFF2-40B4-BE49-F238E27FC236}">
+                <a16:creationId xmlns:a16="http://schemas.microsoft.com/office/drawing/2014/main" id="{81F9AD1F-21AC-5DF1-94B3-EECF160B9395}"/>
+              </a:ext>
+            </a:extLst>
+          </p:cNvPr>
+          <p:cNvCxnSpPr>
+            <a:cxnSpLocks/>
+            <a:endCxn id="28" idx="0"/>
+          </p:cNvCxnSpPr>
+          <p:nvPr/>
+        </p:nvCxnSpPr>
+        <p:spPr>
+          <a:xfrm flipH="1">
+            <a:off x="3466322" y="1992849"/>
+            <a:ext cx="3130421" cy="540383"/>
+          </a:xfrm>
+          <a:prstGeom prst="straightConnector1">
+            <a:avLst/>
+          </a:prstGeom>
+          <a:ln>
+            <a:tailEnd type="triangle"/>
+          </a:ln>
+        </p:spPr>
+        <p:style>
+          <a:lnRef idx="1">
+            <a:schemeClr val="accent1"/>
+          </a:lnRef>
+          <a:fillRef idx="0">
+            <a:schemeClr val="accent1"/>
+          </a:fillRef>
+          <a:effectRef idx="0">
+            <a:schemeClr val="accent1"/>
+          </a:effectRef>
+          <a:fontRef idx="minor">
+            <a:schemeClr val="tx1"/>
+          </a:fontRef>
+        </p:style>
+      </p:cxnSp>
+      <p:sp>
+        <p:nvSpPr>
+          <p:cNvPr id="28" name="TextBox 27">
+            <a:extLst>
+              <a:ext uri="{FF2B5EF4-FFF2-40B4-BE49-F238E27FC236}">
+                <a16:creationId xmlns:a16="http://schemas.microsoft.com/office/drawing/2014/main" id="{0F935601-4B6D-1E97-CA86-227A55C4EF12}"/>
+              </a:ext>
+            </a:extLst>
+          </p:cNvPr>
+          <p:cNvSpPr txBox="1"/>
+          <p:nvPr/>
+        </p:nvSpPr>
+        <p:spPr>
+          <a:xfrm>
+            <a:off x="2262673" y="2533232"/>
+            <a:ext cx="2407298" cy="923330"/>
+          </a:xfrm>
+          <a:prstGeom prst="rect">
+            <a:avLst/>
+          </a:prstGeom>
+          <a:noFill/>
+        </p:spPr>
+        <p:txBody>
+          <a:bodyPr wrap="square" rtlCol="0">
+            <a:spAutoFit/>
+          </a:bodyPr>
+          <a:lstStyle/>
+          <a:p>
+            <a:pPr algn="ctr"/>
+            <a:r>
+              <a:rPr lang="en-US" b="1" dirty="0"/>
+              <a:t>Code Will be executed with separate copies of x for obj and Obj1</a:t>
+            </a:r>
+          </a:p>
+        </p:txBody>
+      </p:sp>
+      <p:sp>
+        <p:nvSpPr>
+          <p:cNvPr id="15" name="TextBox 14">
+            <a:extLst>
+              <a:ext uri="{FF2B5EF4-FFF2-40B4-BE49-F238E27FC236}">
+                <a16:creationId xmlns:a16="http://schemas.microsoft.com/office/drawing/2014/main" id="{75331D9B-2942-F39C-9723-054948CA0D1B}"/>
+              </a:ext>
+            </a:extLst>
+          </p:cNvPr>
+          <p:cNvSpPr txBox="1"/>
+          <p:nvPr/>
+        </p:nvSpPr>
+        <p:spPr>
+          <a:xfrm>
+            <a:off x="4268755" y="5205318"/>
+            <a:ext cx="1903445" cy="923330"/>
+          </a:xfrm>
+          <a:prstGeom prst="rect">
+            <a:avLst/>
+          </a:prstGeom>
+          <a:noFill/>
+        </p:spPr>
+        <p:txBody>
+          <a:bodyPr wrap="square" rtlCol="0">
+            <a:spAutoFit/>
+          </a:bodyPr>
+          <a:lstStyle/>
+          <a:p>
+            <a:pPr algn="ctr"/>
+            <a:r>
+              <a:rPr lang="en-US" b="1" dirty="0"/>
+              <a:t>x is at Global Store Managed by Main Thread</a:t>
+            </a:r>
+          </a:p>
+        </p:txBody>
+      </p:sp>
+      <p:cxnSp>
+        <p:nvCxnSpPr>
+          <p:cNvPr id="30" name="Straight Arrow Connector 29">
+            <a:extLst>
+              <a:ext uri="{FF2B5EF4-FFF2-40B4-BE49-F238E27FC236}">
+                <a16:creationId xmlns:a16="http://schemas.microsoft.com/office/drawing/2014/main" id="{DBDAB2C7-A09E-0052-3F02-A32F557A6941}"/>
+              </a:ext>
+            </a:extLst>
+          </p:cNvPr>
+          <p:cNvCxnSpPr/>
+          <p:nvPr/>
+        </p:nvCxnSpPr>
+        <p:spPr>
+          <a:xfrm>
+            <a:off x="1842796" y="5478615"/>
+            <a:ext cx="7637106" cy="194397"/>
+          </a:xfrm>
+          <a:prstGeom prst="straightConnector1">
+            <a:avLst/>
+          </a:prstGeom>
+          <a:ln>
+            <a:tailEnd type="triangle"/>
+          </a:ln>
+        </p:spPr>
+        <p:style>
+          <a:lnRef idx="1">
+            <a:schemeClr val="accent1"/>
+          </a:lnRef>
+          <a:fillRef idx="0">
+            <a:schemeClr val="accent1"/>
+          </a:fillRef>
+          <a:effectRef idx="0">
+            <a:schemeClr val="accent1"/>
+          </a:effectRef>
+          <a:fontRef idx="minor">
+            <a:schemeClr val="tx1"/>
+          </a:fontRef>
+        </p:style>
+      </p:cxnSp>
+    </p:spTree>
+    <p:extLst>
+      <p:ext uri="{BB962C8B-B14F-4D97-AF65-F5344CB8AC3E}">
+        <p14:creationId xmlns:p14="http://schemas.microsoft.com/office/powerpoint/2010/main" val="2436925144"/>
+      </p:ext>
+    </p:extLst>
+  </p:cSld>
+  <p:clrMapOvr>
+    <a:masterClrMapping/>
+  </p:clrMapOvr>
+</p:sld>
+</file>
+
+<file path=ppt/slides/slide34.xml><?xml version="1.0" encoding="utf-8"?>
+<p:sld xmlns:a="http://schemas.openxmlformats.org/drawingml/2006/main" xmlns:r="http://schemas.openxmlformats.org/officeDocument/2006/relationships" xmlns:p="http://schemas.openxmlformats.org/presentationml/2006/main">
+  <p:cSld>
+    <p:spTree>
+      <p:nvGrpSpPr>
+        <p:cNvPr id="1" name=""/>
+        <p:cNvGrpSpPr/>
+        <p:nvPr/>
+      </p:nvGrpSpPr>
+      <p:grpSpPr>
+        <a:xfrm>
+          <a:off x="0" y="0"/>
+          <a:ext cx="0" cy="0"/>
+          <a:chOff x="0" y="0"/>
+          <a:chExt cx="0" cy="0"/>
+        </a:xfrm>
+      </p:grpSpPr>
+      <p:sp>
+        <p:nvSpPr>
+          <p:cNvPr id="2" name="TextBox 1">
+            <a:extLst>
+              <a:ext uri="{FF2B5EF4-FFF2-40B4-BE49-F238E27FC236}">
+                <a16:creationId xmlns:a16="http://schemas.microsoft.com/office/drawing/2014/main" id="{85C64EDD-7BF1-381C-2E69-BA8052F62E3A}"/>
+              </a:ext>
+            </a:extLst>
+          </p:cNvPr>
+          <p:cNvSpPr txBox="1"/>
+          <p:nvPr/>
+        </p:nvSpPr>
+        <p:spPr>
+          <a:xfrm>
+            <a:off x="2379306" y="298580"/>
+            <a:ext cx="7249886" cy="369332"/>
+          </a:xfrm>
+          <a:prstGeom prst="rect">
+            <a:avLst/>
+          </a:prstGeom>
+          <a:noFill/>
+        </p:spPr>
+        <p:txBody>
+          <a:bodyPr wrap="square" rtlCol="0">
+            <a:spAutoFit/>
+          </a:bodyPr>
+          <a:lstStyle/>
+          <a:p>
+            <a:pPr algn="ctr"/>
+            <a:r>
+              <a:rPr lang="en-US" b="1" dirty="0"/>
+              <a:t>Static in Case of ASP.NET Apps</a:t>
+            </a:r>
+          </a:p>
+        </p:txBody>
+      </p:sp>
+      <p:sp>
+        <p:nvSpPr>
+          <p:cNvPr id="3" name="Rectangle 2">
+            <a:extLst>
+              <a:ext uri="{FF2B5EF4-FFF2-40B4-BE49-F238E27FC236}">
+                <a16:creationId xmlns:a16="http://schemas.microsoft.com/office/drawing/2014/main" id="{74FD02AF-16AE-A6B1-22A3-315B50369D25}"/>
+              </a:ext>
+            </a:extLst>
+          </p:cNvPr>
+          <p:cNvSpPr/>
+          <p:nvPr/>
+        </p:nvSpPr>
+        <p:spPr>
+          <a:xfrm>
+            <a:off x="6531429" y="951722"/>
+            <a:ext cx="3097763" cy="5187821"/>
+          </a:xfrm>
+          <a:prstGeom prst="rect">
+            <a:avLst/>
+          </a:prstGeom>
+        </p:spPr>
+        <p:style>
+          <a:lnRef idx="2">
+            <a:schemeClr val="accent3"/>
+          </a:lnRef>
+          <a:fillRef idx="1">
+            <a:schemeClr val="lt1"/>
+          </a:fillRef>
+          <a:effectRef idx="0">
+            <a:schemeClr val="accent3"/>
+          </a:effectRef>
+          <a:fontRef idx="minor">
+            <a:schemeClr val="dk1"/>
+          </a:fontRef>
+        </p:style>
+        <p:txBody>
+          <a:bodyPr rtlCol="0" anchor="ctr"/>
+          <a:lstStyle/>
+          <a:p>
+            <a:pPr algn="ctr"/>
+            <a:endParaRPr lang="en-US"/>
+          </a:p>
+        </p:txBody>
+      </p:sp>
+      <p:sp>
+        <p:nvSpPr>
+          <p:cNvPr id="4" name="TextBox 3">
+            <a:extLst>
+              <a:ext uri="{FF2B5EF4-FFF2-40B4-BE49-F238E27FC236}">
+                <a16:creationId xmlns:a16="http://schemas.microsoft.com/office/drawing/2014/main" id="{1081BF30-F26A-D200-7D11-B2316E5449D6}"/>
+              </a:ext>
+            </a:extLst>
+          </p:cNvPr>
+          <p:cNvSpPr txBox="1"/>
+          <p:nvPr/>
+        </p:nvSpPr>
+        <p:spPr>
+          <a:xfrm>
+            <a:off x="6690049" y="1091682"/>
+            <a:ext cx="2612571" cy="369332"/>
+          </a:xfrm>
+          <a:prstGeom prst="rect">
+            <a:avLst/>
+          </a:prstGeom>
+          <a:noFill/>
+        </p:spPr>
+        <p:txBody>
+          <a:bodyPr wrap="square" rtlCol="0">
+            <a:spAutoFit/>
+          </a:bodyPr>
+          <a:lstStyle/>
+          <a:p>
+            <a:pPr algn="ctr"/>
+            <a:r>
+              <a:rPr lang="en-US" b="1" dirty="0"/>
+              <a:t>IIS</a:t>
+            </a:r>
+          </a:p>
+        </p:txBody>
+      </p:sp>
+      <p:sp>
+        <p:nvSpPr>
+          <p:cNvPr id="5" name="Rectangle 4">
+            <a:extLst>
+              <a:ext uri="{FF2B5EF4-FFF2-40B4-BE49-F238E27FC236}">
+                <a16:creationId xmlns:a16="http://schemas.microsoft.com/office/drawing/2014/main" id="{9E613907-C106-DB36-7CE5-AB9797672114}"/>
+              </a:ext>
+            </a:extLst>
+          </p:cNvPr>
+          <p:cNvSpPr/>
+          <p:nvPr/>
+        </p:nvSpPr>
+        <p:spPr>
+          <a:xfrm>
+            <a:off x="6690049" y="2155371"/>
+            <a:ext cx="2724539" cy="2211356"/>
+          </a:xfrm>
+          <a:prstGeom prst="rect">
+            <a:avLst/>
+          </a:prstGeom>
+        </p:spPr>
+        <p:style>
+          <a:lnRef idx="2">
+            <a:schemeClr val="accent1">
+              <a:shade val="50000"/>
+            </a:schemeClr>
+          </a:lnRef>
+          <a:fillRef idx="1">
+            <a:schemeClr val="accent1"/>
+          </a:fillRef>
+          <a:effectRef idx="0">
+            <a:schemeClr val="accent1"/>
+          </a:effectRef>
+          <a:fontRef idx="minor">
+            <a:schemeClr val="lt1"/>
+          </a:fontRef>
+        </p:style>
+        <p:txBody>
+          <a:bodyPr rtlCol="0" anchor="ctr"/>
+          <a:lstStyle/>
+          <a:p>
+            <a:pPr algn="ctr"/>
+            <a:r>
+              <a:rPr lang="en-US" b="1" dirty="0"/>
+              <a:t>ASP.NET App</a:t>
+            </a:r>
+          </a:p>
+        </p:txBody>
+      </p:sp>
+      <p:sp>
+        <p:nvSpPr>
+          <p:cNvPr id="6" name="Flowchart: Multidocument 5">
+            <a:extLst>
+              <a:ext uri="{FF2B5EF4-FFF2-40B4-BE49-F238E27FC236}">
+                <a16:creationId xmlns:a16="http://schemas.microsoft.com/office/drawing/2014/main" id="{C9F0FD54-8D22-98F5-3174-0634C604CCAE}"/>
+              </a:ext>
+            </a:extLst>
+          </p:cNvPr>
+          <p:cNvSpPr/>
+          <p:nvPr/>
+        </p:nvSpPr>
+        <p:spPr>
+          <a:xfrm>
+            <a:off x="7814388" y="3545632"/>
+            <a:ext cx="1138335" cy="727788"/>
+          </a:xfrm>
+          <a:prstGeom prst="flowChartMultidocument">
+            <a:avLst/>
+          </a:prstGeom>
+          <a:solidFill>
+            <a:schemeClr val="accent2"/>
+          </a:solidFill>
+        </p:spPr>
+        <p:style>
+          <a:lnRef idx="2">
+            <a:schemeClr val="accent1">
+              <a:shade val="50000"/>
+            </a:schemeClr>
+          </a:lnRef>
+          <a:fillRef idx="1">
+            <a:schemeClr val="accent1"/>
+          </a:fillRef>
+          <a:effectRef idx="0">
+            <a:schemeClr val="accent1"/>
+          </a:effectRef>
+          <a:fontRef idx="minor">
+            <a:schemeClr val="lt1"/>
+          </a:fontRef>
+        </p:style>
+        <p:txBody>
+          <a:bodyPr rtlCol="0" anchor="ctr"/>
+          <a:lstStyle/>
+          <a:p>
+            <a:pPr algn="ctr"/>
+            <a:endParaRPr lang="en-US"/>
+          </a:p>
+        </p:txBody>
+      </p:sp>
+      <p:sp>
+        <p:nvSpPr>
+          <p:cNvPr id="7" name="Flowchart: Alternate Process 6">
+            <a:extLst>
+              <a:ext uri="{FF2B5EF4-FFF2-40B4-BE49-F238E27FC236}">
+                <a16:creationId xmlns:a16="http://schemas.microsoft.com/office/drawing/2014/main" id="{BDD6378B-7774-30E1-BDCD-0F4A5C19005C}"/>
+              </a:ext>
+            </a:extLst>
+          </p:cNvPr>
+          <p:cNvSpPr/>
+          <p:nvPr/>
+        </p:nvSpPr>
+        <p:spPr>
+          <a:xfrm>
+            <a:off x="9965094" y="4273420"/>
+            <a:ext cx="1996751" cy="1418253"/>
+          </a:xfrm>
+          <a:prstGeom prst="flowChartAlternateProcess">
+            <a:avLst/>
+          </a:prstGeom>
+        </p:spPr>
+        <p:style>
+          <a:lnRef idx="1">
+            <a:schemeClr val="accent4"/>
+          </a:lnRef>
+          <a:fillRef idx="3">
+            <a:schemeClr val="accent4"/>
+          </a:fillRef>
+          <a:effectRef idx="2">
+            <a:schemeClr val="accent4"/>
+          </a:effectRef>
+          <a:fontRef idx="minor">
+            <a:schemeClr val="lt1"/>
+          </a:fontRef>
+        </p:style>
+        <p:txBody>
+          <a:bodyPr rtlCol="0" anchor="ctr"/>
+          <a:lstStyle/>
+          <a:p>
+            <a:pPr algn="ctr"/>
+            <a:r>
+              <a:rPr lang="en-US" b="1" dirty="0"/>
+              <a:t>.NET CLR</a:t>
+            </a:r>
+          </a:p>
+        </p:txBody>
+      </p:sp>
+      <p:sp>
+        <p:nvSpPr>
+          <p:cNvPr id="8" name="Arrow: Bent 7">
+            <a:extLst>
+              <a:ext uri="{FF2B5EF4-FFF2-40B4-BE49-F238E27FC236}">
+                <a16:creationId xmlns:a16="http://schemas.microsoft.com/office/drawing/2014/main" id="{B7DED1D6-4DAE-2A9E-89A5-860A2DA5B3CA}"/>
+              </a:ext>
+            </a:extLst>
+          </p:cNvPr>
+          <p:cNvSpPr/>
+          <p:nvPr/>
+        </p:nvSpPr>
+        <p:spPr>
+          <a:xfrm rot="5400000">
+            <a:off x="9597700" y="3196902"/>
+            <a:ext cx="844420" cy="1308618"/>
+          </a:xfrm>
+          <a:prstGeom prst="bentArrow">
+            <a:avLst/>
+          </a:prstGeom>
+          <a:solidFill>
+            <a:schemeClr val="accent2"/>
+          </a:solidFill>
+        </p:spPr>
+        <p:style>
+          <a:lnRef idx="2">
+            <a:schemeClr val="accent1">
+              <a:shade val="50000"/>
+            </a:schemeClr>
+          </a:lnRef>
+          <a:fillRef idx="1">
+            <a:schemeClr val="accent1"/>
+          </a:fillRef>
+          <a:effectRef idx="0">
+            <a:schemeClr val="accent1"/>
+          </a:effectRef>
+          <a:fontRef idx="minor">
+            <a:schemeClr val="lt1"/>
+          </a:fontRef>
+        </p:style>
+        <p:txBody>
+          <a:bodyPr rtlCol="0" anchor="ctr"/>
+          <a:lstStyle/>
+          <a:p>
+            <a:pPr algn="ctr"/>
+            <a:endParaRPr lang="en-US">
+              <a:solidFill>
+                <a:schemeClr val="tx1"/>
+              </a:solidFill>
+            </a:endParaRPr>
+          </a:p>
+        </p:txBody>
+      </p:sp>
+      <p:sp>
+        <p:nvSpPr>
+          <p:cNvPr id="9" name="Arrow: Bent 8">
+            <a:extLst>
+              <a:ext uri="{FF2B5EF4-FFF2-40B4-BE49-F238E27FC236}">
+                <a16:creationId xmlns:a16="http://schemas.microsoft.com/office/drawing/2014/main" id="{4803DA90-B21A-7981-717F-7B5AED21CA1E}"/>
+              </a:ext>
+            </a:extLst>
+          </p:cNvPr>
+          <p:cNvSpPr/>
+          <p:nvPr/>
+        </p:nvSpPr>
+        <p:spPr>
+          <a:xfrm rot="16200000">
+            <a:off x="8888575" y="4041321"/>
+            <a:ext cx="844420" cy="1308618"/>
+          </a:xfrm>
+          <a:prstGeom prst="bentArrow">
+            <a:avLst/>
+          </a:prstGeom>
+          <a:solidFill>
+            <a:schemeClr val="accent2"/>
+          </a:solidFill>
+        </p:spPr>
+        <p:style>
+          <a:lnRef idx="2">
+            <a:schemeClr val="accent1">
+              <a:shade val="50000"/>
+            </a:schemeClr>
+          </a:lnRef>
+          <a:fillRef idx="1">
+            <a:schemeClr val="accent1"/>
+          </a:fillRef>
+          <a:effectRef idx="0">
+            <a:schemeClr val="accent1"/>
+          </a:effectRef>
+          <a:fontRef idx="minor">
+            <a:schemeClr val="lt1"/>
+          </a:fontRef>
+        </p:style>
+        <p:txBody>
+          <a:bodyPr rtlCol="0" anchor="ctr"/>
+          <a:lstStyle/>
+          <a:p>
+            <a:pPr algn="ctr"/>
+            <a:endParaRPr lang="en-US">
+              <a:solidFill>
+                <a:schemeClr val="tx1"/>
+              </a:solidFill>
+            </a:endParaRPr>
+          </a:p>
+        </p:txBody>
+      </p:sp>
+      <p:sp>
+        <p:nvSpPr>
+          <p:cNvPr id="10" name="TextBox 9">
+            <a:extLst>
+              <a:ext uri="{FF2B5EF4-FFF2-40B4-BE49-F238E27FC236}">
+                <a16:creationId xmlns:a16="http://schemas.microsoft.com/office/drawing/2014/main" id="{51CCF5B0-147F-C719-5D79-C7526AD2EDCA}"/>
+              </a:ext>
+            </a:extLst>
+          </p:cNvPr>
+          <p:cNvSpPr txBox="1"/>
+          <p:nvPr/>
+        </p:nvSpPr>
+        <p:spPr>
+          <a:xfrm>
+            <a:off x="9913775" y="1357520"/>
+            <a:ext cx="2099388" cy="1754326"/>
+          </a:xfrm>
+          <a:prstGeom prst="rect">
+            <a:avLst/>
+          </a:prstGeom>
+          <a:noFill/>
+        </p:spPr>
+        <p:txBody>
+          <a:bodyPr wrap="square" rtlCol="0">
+            <a:spAutoFit/>
+          </a:bodyPr>
+          <a:lstStyle/>
+          <a:p>
+            <a:r>
+              <a:rPr lang="en-US" b="1" dirty="0"/>
+              <a:t>In between the ASP.NET Runtime on Web Server and .NET CLR the Static has to maintained for all requests</a:t>
+            </a:r>
+          </a:p>
+        </p:txBody>
+      </p:sp>
+      <p:sp>
+        <p:nvSpPr>
+          <p:cNvPr id="11" name="Arrow: Right 10">
+            <a:extLst>
+              <a:ext uri="{FF2B5EF4-FFF2-40B4-BE49-F238E27FC236}">
+                <a16:creationId xmlns:a16="http://schemas.microsoft.com/office/drawing/2014/main" id="{B782A22E-B2DF-86F0-AC3E-6B0EA83E1E9E}"/>
+              </a:ext>
+            </a:extLst>
+          </p:cNvPr>
+          <p:cNvSpPr/>
+          <p:nvPr/>
+        </p:nvSpPr>
+        <p:spPr>
+          <a:xfrm>
+            <a:off x="578498" y="1390261"/>
+            <a:ext cx="5952931" cy="615821"/>
+          </a:xfrm>
+          <a:prstGeom prst="rightArrow">
+            <a:avLst/>
+          </a:prstGeom>
+        </p:spPr>
+        <p:style>
+          <a:lnRef idx="2">
+            <a:schemeClr val="accent1">
+              <a:shade val="50000"/>
+            </a:schemeClr>
+          </a:lnRef>
+          <a:fillRef idx="1">
+            <a:schemeClr val="accent1"/>
+          </a:fillRef>
+          <a:effectRef idx="0">
+            <a:schemeClr val="accent1"/>
+          </a:effectRef>
+          <a:fontRef idx="minor">
+            <a:schemeClr val="lt1"/>
+          </a:fontRef>
+        </p:style>
+        <p:txBody>
+          <a:bodyPr rtlCol="0" anchor="ctr"/>
+          <a:lstStyle/>
+          <a:p>
+            <a:pPr algn="ctr"/>
+            <a:r>
+              <a:rPr lang="en-US" dirty="0"/>
+              <a:t>Request 1</a:t>
+            </a:r>
+          </a:p>
+        </p:txBody>
+      </p:sp>
+      <p:sp>
+        <p:nvSpPr>
+          <p:cNvPr id="12" name="Arrow: Right 11">
+            <a:extLst>
+              <a:ext uri="{FF2B5EF4-FFF2-40B4-BE49-F238E27FC236}">
+                <a16:creationId xmlns:a16="http://schemas.microsoft.com/office/drawing/2014/main" id="{79DC9E12-43DC-BAE4-2BD0-44BF107E4E18}"/>
+              </a:ext>
+            </a:extLst>
+          </p:cNvPr>
+          <p:cNvSpPr/>
+          <p:nvPr/>
+        </p:nvSpPr>
+        <p:spPr>
+          <a:xfrm>
+            <a:off x="575388" y="2234683"/>
+            <a:ext cx="5952931" cy="615821"/>
+          </a:xfrm>
+          <a:prstGeom prst="rightArrow">
+            <a:avLst/>
+          </a:prstGeom>
+        </p:spPr>
+        <p:style>
+          <a:lnRef idx="2">
+            <a:schemeClr val="accent1">
+              <a:shade val="50000"/>
+            </a:schemeClr>
+          </a:lnRef>
+          <a:fillRef idx="1">
+            <a:schemeClr val="accent1"/>
+          </a:fillRef>
+          <a:effectRef idx="0">
+            <a:schemeClr val="accent1"/>
+          </a:effectRef>
+          <a:fontRef idx="minor">
+            <a:schemeClr val="lt1"/>
+          </a:fontRef>
+        </p:style>
+        <p:txBody>
+          <a:bodyPr rtlCol="0" anchor="ctr"/>
+          <a:lstStyle/>
+          <a:p>
+            <a:pPr algn="ctr"/>
+            <a:r>
+              <a:rPr lang="en-US" dirty="0"/>
+              <a:t>Request 2</a:t>
+            </a:r>
+          </a:p>
+        </p:txBody>
+      </p:sp>
+      <p:sp>
+        <p:nvSpPr>
+          <p:cNvPr id="13" name="Arrow: Right 12">
+            <a:extLst>
+              <a:ext uri="{FF2B5EF4-FFF2-40B4-BE49-F238E27FC236}">
+                <a16:creationId xmlns:a16="http://schemas.microsoft.com/office/drawing/2014/main" id="{37FCA72B-81A2-AD4C-D6A4-8E4AEAAACCFE}"/>
+              </a:ext>
+            </a:extLst>
+          </p:cNvPr>
+          <p:cNvSpPr/>
+          <p:nvPr/>
+        </p:nvSpPr>
+        <p:spPr>
+          <a:xfrm>
+            <a:off x="573831" y="3451553"/>
+            <a:ext cx="5952931" cy="615821"/>
+          </a:xfrm>
+          <a:prstGeom prst="rightArrow">
+            <a:avLst/>
+          </a:prstGeom>
+        </p:spPr>
+        <p:style>
+          <a:lnRef idx="2">
+            <a:schemeClr val="accent1">
+              <a:shade val="50000"/>
+            </a:schemeClr>
+          </a:lnRef>
+          <a:fillRef idx="1">
+            <a:schemeClr val="accent1"/>
+          </a:fillRef>
+          <a:effectRef idx="0">
+            <a:schemeClr val="accent1"/>
+          </a:effectRef>
+          <a:fontRef idx="minor">
+            <a:schemeClr val="lt1"/>
+          </a:fontRef>
+        </p:style>
+        <p:txBody>
+          <a:bodyPr rtlCol="0" anchor="ctr"/>
+          <a:lstStyle/>
+          <a:p>
+            <a:pPr algn="ctr"/>
+            <a:r>
+              <a:rPr lang="en-US" dirty="0"/>
+              <a:t>Request 3</a:t>
+            </a:r>
+          </a:p>
+        </p:txBody>
+      </p:sp>
+      <p:sp>
+        <p:nvSpPr>
+          <p:cNvPr id="14" name="Flowchart: Alternate Process 13">
+            <a:extLst>
+              <a:ext uri="{FF2B5EF4-FFF2-40B4-BE49-F238E27FC236}">
+                <a16:creationId xmlns:a16="http://schemas.microsoft.com/office/drawing/2014/main" id="{D2A02BFB-32E5-FDAA-B4FE-89C83C00F2CF}"/>
+              </a:ext>
+            </a:extLst>
+          </p:cNvPr>
+          <p:cNvSpPr/>
+          <p:nvPr/>
+        </p:nvSpPr>
+        <p:spPr>
+          <a:xfrm>
+            <a:off x="3396343" y="4366727"/>
+            <a:ext cx="121298" cy="111967"/>
+          </a:xfrm>
+          <a:prstGeom prst="flowChartAlternateProcess">
+            <a:avLst/>
+          </a:prstGeom>
+        </p:spPr>
+        <p:style>
+          <a:lnRef idx="2">
+            <a:schemeClr val="accent1">
+              <a:shade val="50000"/>
+            </a:schemeClr>
+          </a:lnRef>
+          <a:fillRef idx="1">
+            <a:schemeClr val="accent1"/>
+          </a:fillRef>
+          <a:effectRef idx="0">
+            <a:schemeClr val="accent1"/>
+          </a:effectRef>
+          <a:fontRef idx="minor">
+            <a:schemeClr val="lt1"/>
+          </a:fontRef>
+        </p:style>
+        <p:txBody>
+          <a:bodyPr rtlCol="0" anchor="ctr"/>
+          <a:lstStyle/>
+          <a:p>
+            <a:pPr algn="ctr"/>
+            <a:endParaRPr lang="en-US"/>
+          </a:p>
+        </p:txBody>
+      </p:sp>
+      <p:sp>
+        <p:nvSpPr>
+          <p:cNvPr id="15" name="Flowchart: Alternate Process 14">
+            <a:extLst>
+              <a:ext uri="{FF2B5EF4-FFF2-40B4-BE49-F238E27FC236}">
+                <a16:creationId xmlns:a16="http://schemas.microsoft.com/office/drawing/2014/main" id="{8879508A-3DAC-9083-C1D2-213C8A27F05E}"/>
+              </a:ext>
+            </a:extLst>
+          </p:cNvPr>
+          <p:cNvSpPr/>
+          <p:nvPr/>
+        </p:nvSpPr>
+        <p:spPr>
+          <a:xfrm>
+            <a:off x="3404119" y="4639645"/>
+            <a:ext cx="121298" cy="111967"/>
+          </a:xfrm>
+          <a:prstGeom prst="flowChartAlternateProcess">
+            <a:avLst/>
+          </a:prstGeom>
+        </p:spPr>
+        <p:style>
+          <a:lnRef idx="2">
+            <a:schemeClr val="accent1">
+              <a:shade val="50000"/>
+            </a:schemeClr>
+          </a:lnRef>
+          <a:fillRef idx="1">
+            <a:schemeClr val="accent1"/>
+          </a:fillRef>
+          <a:effectRef idx="0">
+            <a:schemeClr val="accent1"/>
+          </a:effectRef>
+          <a:fontRef idx="minor">
+            <a:schemeClr val="lt1"/>
+          </a:fontRef>
+        </p:style>
+        <p:txBody>
+          <a:bodyPr rtlCol="0" anchor="ctr"/>
+          <a:lstStyle/>
+          <a:p>
+            <a:pPr algn="ctr"/>
+            <a:endParaRPr lang="en-US"/>
+          </a:p>
+        </p:txBody>
+      </p:sp>
+      <p:sp>
+        <p:nvSpPr>
+          <p:cNvPr id="16" name="Flowchart: Alternate Process 15">
+            <a:extLst>
+              <a:ext uri="{FF2B5EF4-FFF2-40B4-BE49-F238E27FC236}">
+                <a16:creationId xmlns:a16="http://schemas.microsoft.com/office/drawing/2014/main" id="{8BEDA99A-8F2D-B898-6AC8-7DC9A992BE57}"/>
+              </a:ext>
+            </a:extLst>
+          </p:cNvPr>
+          <p:cNvSpPr/>
+          <p:nvPr/>
+        </p:nvSpPr>
+        <p:spPr>
+          <a:xfrm>
+            <a:off x="3446105" y="4920344"/>
+            <a:ext cx="121298" cy="111967"/>
+          </a:xfrm>
+          <a:prstGeom prst="flowChartAlternateProcess">
+            <a:avLst/>
+          </a:prstGeom>
+        </p:spPr>
+        <p:style>
+          <a:lnRef idx="2">
+            <a:schemeClr val="accent1">
+              <a:shade val="50000"/>
+            </a:schemeClr>
+          </a:lnRef>
+          <a:fillRef idx="1">
+            <a:schemeClr val="accent1"/>
+          </a:fillRef>
+          <a:effectRef idx="0">
+            <a:schemeClr val="accent1"/>
+          </a:effectRef>
+          <a:fontRef idx="minor">
+            <a:schemeClr val="lt1"/>
+          </a:fontRef>
+        </p:style>
+        <p:txBody>
+          <a:bodyPr rtlCol="0" anchor="ctr"/>
+          <a:lstStyle/>
+          <a:p>
+            <a:pPr algn="ctr"/>
+            <a:endParaRPr lang="en-US"/>
+          </a:p>
+        </p:txBody>
+      </p:sp>
+      <p:sp>
+        <p:nvSpPr>
+          <p:cNvPr id="17" name="Flowchart: Alternate Process 16">
+            <a:extLst>
+              <a:ext uri="{FF2B5EF4-FFF2-40B4-BE49-F238E27FC236}">
+                <a16:creationId xmlns:a16="http://schemas.microsoft.com/office/drawing/2014/main" id="{1F751D8B-4CAF-689F-0A8E-481F608C06BF}"/>
+              </a:ext>
+            </a:extLst>
+          </p:cNvPr>
+          <p:cNvSpPr/>
+          <p:nvPr/>
+        </p:nvSpPr>
+        <p:spPr>
+          <a:xfrm>
+            <a:off x="3453881" y="5193262"/>
+            <a:ext cx="121298" cy="111967"/>
+          </a:xfrm>
+          <a:prstGeom prst="flowChartAlternateProcess">
+            <a:avLst/>
+          </a:prstGeom>
+        </p:spPr>
+        <p:style>
+          <a:lnRef idx="2">
+            <a:schemeClr val="accent1">
+              <a:shade val="50000"/>
+            </a:schemeClr>
+          </a:lnRef>
+          <a:fillRef idx="1">
+            <a:schemeClr val="accent1"/>
+          </a:fillRef>
+          <a:effectRef idx="0">
+            <a:schemeClr val="accent1"/>
+          </a:effectRef>
+          <a:fontRef idx="minor">
+            <a:schemeClr val="lt1"/>
+          </a:fontRef>
+        </p:style>
+        <p:txBody>
+          <a:bodyPr rtlCol="0" anchor="ctr"/>
+          <a:lstStyle/>
+          <a:p>
+            <a:pPr algn="ctr"/>
+            <a:endParaRPr lang="en-US"/>
+          </a:p>
+        </p:txBody>
+      </p:sp>
+      <p:sp>
+        <p:nvSpPr>
+          <p:cNvPr id="18" name="Arrow: Right 17">
+            <a:extLst>
+              <a:ext uri="{FF2B5EF4-FFF2-40B4-BE49-F238E27FC236}">
+                <a16:creationId xmlns:a16="http://schemas.microsoft.com/office/drawing/2014/main" id="{D5339B7E-E8C7-7F62-5EC2-01271C672260}"/>
+              </a:ext>
+            </a:extLst>
+          </p:cNvPr>
+          <p:cNvSpPr/>
+          <p:nvPr/>
+        </p:nvSpPr>
+        <p:spPr>
+          <a:xfrm>
+            <a:off x="598713" y="5389203"/>
+            <a:ext cx="5952931" cy="615821"/>
+          </a:xfrm>
+          <a:prstGeom prst="rightArrow">
+            <a:avLst/>
+          </a:prstGeom>
+        </p:spPr>
+        <p:style>
+          <a:lnRef idx="2">
+            <a:schemeClr val="accent1">
+              <a:shade val="50000"/>
+            </a:schemeClr>
+          </a:lnRef>
+          <a:fillRef idx="1">
+            <a:schemeClr val="accent1"/>
+          </a:fillRef>
+          <a:effectRef idx="0">
+            <a:schemeClr val="accent1"/>
+          </a:effectRef>
+          <a:fontRef idx="minor">
+            <a:schemeClr val="lt1"/>
+          </a:fontRef>
+        </p:style>
+        <p:txBody>
+          <a:bodyPr rtlCol="0" anchor="ctr"/>
+          <a:lstStyle/>
+          <a:p>
+            <a:pPr algn="ctr"/>
+            <a:r>
+              <a:rPr lang="en-US" dirty="0"/>
+              <a:t>Request n</a:t>
+            </a:r>
+          </a:p>
+        </p:txBody>
+      </p:sp>
+    </p:spTree>
+    <p:extLst>
+      <p:ext uri="{BB962C8B-B14F-4D97-AF65-F5344CB8AC3E}">
+        <p14:creationId xmlns:p14="http://schemas.microsoft.com/office/powerpoint/2010/main" val="1196665091"/>
+      </p:ext>
+    </p:extLst>
+  </p:cSld>
+  <p:clrMapOvr>
+    <a:masterClrMapping/>
+  </p:clrMapOvr>
+</p:sld>
+</file>
+
+<file path=ppt/slides/slide35.xml><?xml version="1.0" encoding="utf-8"?>
+<p:sld xmlns:a="http://schemas.openxmlformats.org/drawingml/2006/main" xmlns:r="http://schemas.openxmlformats.org/officeDocument/2006/relationships" xmlns:p="http://schemas.openxmlformats.org/presentationml/2006/main">
+  <p:cSld>
+    <p:spTree>
+      <p:nvGrpSpPr>
+        <p:cNvPr id="1" name=""/>
+        <p:cNvGrpSpPr/>
+        <p:nvPr/>
+      </p:nvGrpSpPr>
+      <p:grpSpPr>
+        <a:xfrm>
+          <a:off x="0" y="0"/>
+          <a:ext cx="0" cy="0"/>
+          <a:chOff x="0" y="0"/>
+          <a:chExt cx="0" cy="0"/>
+        </a:xfrm>
+      </p:grpSpPr>
+      <p:sp>
+        <p:nvSpPr>
+          <p:cNvPr id="2" name="TextBox 1">
+            <a:extLst>
+              <a:ext uri="{FF2B5EF4-FFF2-40B4-BE49-F238E27FC236}">
+                <a16:creationId xmlns:a16="http://schemas.microsoft.com/office/drawing/2014/main" id="{FDF7A0A0-C9F1-C75B-CB0F-727EC3165F39}"/>
+              </a:ext>
+            </a:extLst>
+          </p:cNvPr>
+          <p:cNvSpPr txBox="1"/>
+          <p:nvPr/>
+        </p:nvSpPr>
+        <p:spPr>
+          <a:xfrm>
+            <a:off x="177282" y="186612"/>
+            <a:ext cx="11756571" cy="369332"/>
+          </a:xfrm>
+          <a:prstGeom prst="rect">
+            <a:avLst/>
+          </a:prstGeom>
+          <a:noFill/>
+        </p:spPr>
+        <p:txBody>
+          <a:bodyPr wrap="square" rtlCol="0">
+            <a:spAutoFit/>
+          </a:bodyPr>
+          <a:lstStyle/>
+          <a:p>
+            <a:r>
+              <a:rPr lang="en-US" b="1" dirty="0"/>
+              <a:t>Need of State Management</a:t>
+            </a:r>
+          </a:p>
+        </p:txBody>
+      </p:sp>
+      <p:sp>
+        <p:nvSpPr>
+          <p:cNvPr id="3" name="Rectangle 2">
+            <a:extLst>
+              <a:ext uri="{FF2B5EF4-FFF2-40B4-BE49-F238E27FC236}">
+                <a16:creationId xmlns:a16="http://schemas.microsoft.com/office/drawing/2014/main" id="{42D844A3-13F3-36A6-0FD0-6796F466B83C}"/>
+              </a:ext>
+            </a:extLst>
+          </p:cNvPr>
+          <p:cNvSpPr/>
+          <p:nvPr/>
+        </p:nvSpPr>
+        <p:spPr>
+          <a:xfrm>
+            <a:off x="7623110" y="555944"/>
+            <a:ext cx="3181738" cy="5751550"/>
+          </a:xfrm>
+          <a:prstGeom prst="rect">
+            <a:avLst/>
+          </a:prstGeom>
+        </p:spPr>
+        <p:style>
+          <a:lnRef idx="2">
+            <a:schemeClr val="accent6"/>
+          </a:lnRef>
+          <a:fillRef idx="1">
+            <a:schemeClr val="lt1"/>
+          </a:fillRef>
+          <a:effectRef idx="0">
+            <a:schemeClr val="accent6"/>
+          </a:effectRef>
+          <a:fontRef idx="minor">
+            <a:schemeClr val="dk1"/>
+          </a:fontRef>
+        </p:style>
+        <p:txBody>
+          <a:bodyPr rtlCol="0" anchor="ctr"/>
+          <a:lstStyle/>
+          <a:p>
+            <a:pPr algn="ctr"/>
+            <a:endParaRPr lang="en-US"/>
+          </a:p>
+        </p:txBody>
+      </p:sp>
+      <p:sp>
+        <p:nvSpPr>
+          <p:cNvPr id="4" name="Arrow: Right 3">
+            <a:extLst>
+              <a:ext uri="{FF2B5EF4-FFF2-40B4-BE49-F238E27FC236}">
+                <a16:creationId xmlns:a16="http://schemas.microsoft.com/office/drawing/2014/main" id="{F66C0194-9740-071B-69EF-06966AECFFCB}"/>
+              </a:ext>
+            </a:extLst>
+          </p:cNvPr>
+          <p:cNvSpPr/>
+          <p:nvPr/>
+        </p:nvSpPr>
+        <p:spPr>
+          <a:xfrm>
+            <a:off x="354563" y="925276"/>
+            <a:ext cx="7221894" cy="1080806"/>
+          </a:xfrm>
+          <a:prstGeom prst="rightArrow">
+            <a:avLst/>
+          </a:prstGeom>
+        </p:spPr>
+        <p:style>
+          <a:lnRef idx="2">
+            <a:schemeClr val="accent1">
+              <a:shade val="50000"/>
+            </a:schemeClr>
+          </a:lnRef>
+          <a:fillRef idx="1">
+            <a:schemeClr val="accent1"/>
+          </a:fillRef>
+          <a:effectRef idx="0">
+            <a:schemeClr val="accent1"/>
+          </a:effectRef>
+          <a:fontRef idx="minor">
+            <a:schemeClr val="lt1"/>
+          </a:fontRef>
+        </p:style>
+        <p:txBody>
+          <a:bodyPr rtlCol="0" anchor="ctr"/>
+          <a:lstStyle/>
+          <a:p>
+            <a:pPr algn="ctr"/>
+            <a:r>
+              <a:rPr lang="en-US" b="1" dirty="0"/>
+              <a:t>1. Accept the Request by the server</a:t>
+            </a:r>
+          </a:p>
+        </p:txBody>
+      </p:sp>
+      <p:sp>
+        <p:nvSpPr>
+          <p:cNvPr id="5" name="Arrow: Curved Down 4">
+            <a:extLst>
+              <a:ext uri="{FF2B5EF4-FFF2-40B4-BE49-F238E27FC236}">
+                <a16:creationId xmlns:a16="http://schemas.microsoft.com/office/drawing/2014/main" id="{15E3B55B-4947-6449-5BCC-C56A4FE3F799}"/>
+              </a:ext>
+            </a:extLst>
+          </p:cNvPr>
+          <p:cNvSpPr/>
+          <p:nvPr/>
+        </p:nvSpPr>
+        <p:spPr>
+          <a:xfrm>
+            <a:off x="7819054" y="2453951"/>
+            <a:ext cx="2621902" cy="975049"/>
+          </a:xfrm>
+          <a:prstGeom prst="curvedDownArrow">
+            <a:avLst/>
+          </a:prstGeom>
+          <a:solidFill>
+            <a:schemeClr val="accent2"/>
+          </a:solidFill>
+        </p:spPr>
+        <p:style>
+          <a:lnRef idx="2">
+            <a:schemeClr val="accent1">
+              <a:shade val="50000"/>
+            </a:schemeClr>
+          </a:lnRef>
+          <a:fillRef idx="1">
+            <a:schemeClr val="accent1"/>
+          </a:fillRef>
+          <a:effectRef idx="0">
+            <a:schemeClr val="accent1"/>
+          </a:effectRef>
+          <a:fontRef idx="minor">
+            <a:schemeClr val="lt1"/>
+          </a:fontRef>
+        </p:style>
+        <p:txBody>
+          <a:bodyPr rtlCol="0" anchor="ctr"/>
+          <a:lstStyle/>
+          <a:p>
+            <a:pPr algn="ctr"/>
+            <a:endParaRPr lang="en-US">
+              <a:solidFill>
+                <a:schemeClr val="tx1"/>
+              </a:solidFill>
+            </a:endParaRPr>
+          </a:p>
+        </p:txBody>
+      </p:sp>
+      <p:sp>
+        <p:nvSpPr>
+          <p:cNvPr id="6" name="TextBox 5">
+            <a:extLst>
+              <a:ext uri="{FF2B5EF4-FFF2-40B4-BE49-F238E27FC236}">
+                <a16:creationId xmlns:a16="http://schemas.microsoft.com/office/drawing/2014/main" id="{5E8E24AE-F932-383F-DA44-FE226B890A3A}"/>
+              </a:ext>
+            </a:extLst>
+          </p:cNvPr>
+          <p:cNvSpPr txBox="1"/>
+          <p:nvPr/>
+        </p:nvSpPr>
+        <p:spPr>
+          <a:xfrm>
+            <a:off x="7781731" y="709127"/>
+            <a:ext cx="2836506" cy="369332"/>
+          </a:xfrm>
+          <a:prstGeom prst="rect">
+            <a:avLst/>
+          </a:prstGeom>
+          <a:noFill/>
+        </p:spPr>
+        <p:txBody>
+          <a:bodyPr wrap="square" rtlCol="0">
+            <a:spAutoFit/>
+          </a:bodyPr>
+          <a:lstStyle/>
+          <a:p>
+            <a:pPr algn="ctr"/>
+            <a:r>
+              <a:rPr lang="en-US" b="1" dirty="0"/>
+              <a:t>Web Server</a:t>
+            </a:r>
+          </a:p>
+        </p:txBody>
+      </p:sp>
+      <p:sp>
+        <p:nvSpPr>
+          <p:cNvPr id="7" name="Arrow: Curved Down 6">
+            <a:extLst>
+              <a:ext uri="{FF2B5EF4-FFF2-40B4-BE49-F238E27FC236}">
+                <a16:creationId xmlns:a16="http://schemas.microsoft.com/office/drawing/2014/main" id="{CC1B4633-A4C3-E114-3D4C-5E64BE2A2850}"/>
+              </a:ext>
+            </a:extLst>
+          </p:cNvPr>
+          <p:cNvSpPr/>
+          <p:nvPr/>
+        </p:nvSpPr>
+        <p:spPr>
+          <a:xfrm rot="10800000">
+            <a:off x="7650022" y="3811648"/>
+            <a:ext cx="2621902" cy="975049"/>
+          </a:xfrm>
+          <a:prstGeom prst="curvedDownArrow">
+            <a:avLst/>
+          </a:prstGeom>
+          <a:solidFill>
+            <a:schemeClr val="accent2"/>
+          </a:solidFill>
+        </p:spPr>
+        <p:style>
+          <a:lnRef idx="2">
+            <a:schemeClr val="accent1">
+              <a:shade val="50000"/>
+            </a:schemeClr>
+          </a:lnRef>
+          <a:fillRef idx="1">
+            <a:schemeClr val="accent1"/>
+          </a:fillRef>
+          <a:effectRef idx="0">
+            <a:schemeClr val="accent1"/>
+          </a:effectRef>
+          <a:fontRef idx="minor">
+            <a:schemeClr val="lt1"/>
+          </a:fontRef>
+        </p:style>
+        <p:txBody>
+          <a:bodyPr rtlCol="0" anchor="ctr"/>
+          <a:lstStyle/>
+          <a:p>
+            <a:pPr algn="ctr"/>
+            <a:endParaRPr lang="en-US">
+              <a:solidFill>
+                <a:schemeClr val="tx1"/>
+              </a:solidFill>
+            </a:endParaRPr>
+          </a:p>
+        </p:txBody>
+      </p:sp>
+      <p:sp>
+        <p:nvSpPr>
+          <p:cNvPr id="8" name="TextBox 7">
+            <a:extLst>
+              <a:ext uri="{FF2B5EF4-FFF2-40B4-BE49-F238E27FC236}">
+                <a16:creationId xmlns:a16="http://schemas.microsoft.com/office/drawing/2014/main" id="{49528387-A91C-81DE-0480-7CFD7F5905DD}"/>
+              </a:ext>
+            </a:extLst>
+          </p:cNvPr>
+          <p:cNvSpPr txBox="1"/>
+          <p:nvPr/>
+        </p:nvSpPr>
+        <p:spPr>
+          <a:xfrm>
+            <a:off x="8266922" y="3088433"/>
+            <a:ext cx="1530221" cy="646331"/>
+          </a:xfrm>
+          <a:prstGeom prst="rect">
+            <a:avLst/>
+          </a:prstGeom>
+          <a:noFill/>
+        </p:spPr>
+        <p:txBody>
+          <a:bodyPr wrap="square" rtlCol="0">
+            <a:spAutoFit/>
+          </a:bodyPr>
+          <a:lstStyle/>
+          <a:p>
+            <a:pPr algn="ctr"/>
+            <a:r>
+              <a:rPr lang="en-US" b="1" dirty="0"/>
+              <a:t>2. Execute request</a:t>
+            </a:r>
+          </a:p>
+        </p:txBody>
+      </p:sp>
+      <p:sp>
+        <p:nvSpPr>
+          <p:cNvPr id="9" name="Arrow: Left 8">
+            <a:extLst>
+              <a:ext uri="{FF2B5EF4-FFF2-40B4-BE49-F238E27FC236}">
+                <a16:creationId xmlns:a16="http://schemas.microsoft.com/office/drawing/2014/main" id="{A160AD18-E181-E433-5C7A-6B31D0CA86C5}"/>
+              </a:ext>
+            </a:extLst>
+          </p:cNvPr>
+          <p:cNvSpPr/>
+          <p:nvPr/>
+        </p:nvSpPr>
+        <p:spPr>
+          <a:xfrm>
+            <a:off x="485192" y="4460033"/>
+            <a:ext cx="7091265" cy="1156996"/>
+          </a:xfrm>
+          <a:prstGeom prst="leftArrow">
+            <a:avLst/>
+          </a:prstGeom>
+        </p:spPr>
+        <p:style>
+          <a:lnRef idx="2">
+            <a:schemeClr val="accent1">
+              <a:shade val="50000"/>
+            </a:schemeClr>
+          </a:lnRef>
+          <a:fillRef idx="1">
+            <a:schemeClr val="accent1"/>
+          </a:fillRef>
+          <a:effectRef idx="0">
+            <a:schemeClr val="accent1"/>
+          </a:effectRef>
+          <a:fontRef idx="minor">
+            <a:schemeClr val="lt1"/>
+          </a:fontRef>
+        </p:style>
+        <p:txBody>
+          <a:bodyPr rtlCol="0" anchor="ctr"/>
+          <a:lstStyle/>
+          <a:p>
+            <a:pPr algn="ctr"/>
+            <a:r>
+              <a:rPr lang="en-US" b="1" dirty="0"/>
+              <a:t>3. Generate Response (</a:t>
+            </a:r>
+            <a:r>
+              <a:rPr lang="en-US" b="1" dirty="0" err="1"/>
+              <a:t>HTMlL</a:t>
+            </a:r>
+            <a:r>
+              <a:rPr lang="en-US" b="1" dirty="0"/>
+              <a:t>+ Data)</a:t>
+            </a:r>
+          </a:p>
+        </p:txBody>
+      </p:sp>
+      <p:sp>
+        <p:nvSpPr>
+          <p:cNvPr id="10" name="TextBox 9">
+            <a:extLst>
+              <a:ext uri="{FF2B5EF4-FFF2-40B4-BE49-F238E27FC236}">
+                <a16:creationId xmlns:a16="http://schemas.microsoft.com/office/drawing/2014/main" id="{19F495EC-9DC6-4AA6-D01A-6910B3BE133C}"/>
+              </a:ext>
+            </a:extLst>
+          </p:cNvPr>
+          <p:cNvSpPr txBox="1"/>
+          <p:nvPr/>
+        </p:nvSpPr>
+        <p:spPr>
+          <a:xfrm>
+            <a:off x="8266922" y="5029200"/>
+            <a:ext cx="2248678" cy="1200329"/>
+          </a:xfrm>
+          <a:prstGeom prst="rect">
+            <a:avLst/>
+          </a:prstGeom>
+          <a:noFill/>
+        </p:spPr>
+        <p:txBody>
+          <a:bodyPr wrap="square" rtlCol="0">
+            <a:spAutoFit/>
+          </a:bodyPr>
+          <a:lstStyle/>
+          <a:p>
+            <a:pPr algn="ctr"/>
+            <a:r>
+              <a:rPr lang="en-US" b="1" dirty="0"/>
+              <a:t>4. Server cleans the Page Object of which Response is send back</a:t>
+            </a:r>
+          </a:p>
+        </p:txBody>
+      </p:sp>
+      <p:sp>
+        <p:nvSpPr>
+          <p:cNvPr id="11" name="TextBox 10">
+            <a:extLst>
+              <a:ext uri="{FF2B5EF4-FFF2-40B4-BE49-F238E27FC236}">
+                <a16:creationId xmlns:a16="http://schemas.microsoft.com/office/drawing/2014/main" id="{B5B20B3D-2853-4E0B-9CE1-36F1A0A75796}"/>
+              </a:ext>
+            </a:extLst>
+          </p:cNvPr>
+          <p:cNvSpPr txBox="1"/>
+          <p:nvPr/>
+        </p:nvSpPr>
+        <p:spPr>
+          <a:xfrm>
+            <a:off x="681135" y="2486723"/>
+            <a:ext cx="6438123" cy="1200329"/>
+          </a:xfrm>
+          <a:prstGeom prst="rect">
+            <a:avLst/>
+          </a:prstGeom>
+          <a:noFill/>
+        </p:spPr>
+        <p:txBody>
+          <a:bodyPr wrap="square" rtlCol="0">
+            <a:spAutoFit/>
+          </a:bodyPr>
+          <a:lstStyle/>
+          <a:p>
+            <a:pPr marL="285750" indent="-285750">
+              <a:buFont typeface="Arial" panose="020B0604020202020204" pitchFamily="34" charset="0"/>
+              <a:buChar char="•"/>
+            </a:pPr>
+            <a:r>
+              <a:rPr lang="en-US" dirty="0"/>
+              <a:t>Web Servers are Stateless for relieving them from maintaining data posted by requests in its process.</a:t>
+            </a:r>
+          </a:p>
+          <a:p>
+            <a:pPr marL="285750" indent="-285750">
+              <a:buFont typeface="Arial" panose="020B0604020202020204" pitchFamily="34" charset="0"/>
+              <a:buChar char="•"/>
+            </a:pPr>
+            <a:r>
+              <a:rPr lang="en-US" dirty="0"/>
+              <a:t>Since the Web Server is stateless, the HTTP Protocol using which the Web Server is requested is stateless</a:t>
+            </a:r>
+          </a:p>
+        </p:txBody>
+      </p:sp>
+    </p:spTree>
+    <p:extLst>
+      <p:ext uri="{BB962C8B-B14F-4D97-AF65-F5344CB8AC3E}">
+        <p14:creationId xmlns:p14="http://schemas.microsoft.com/office/powerpoint/2010/main" val="970228996"/>
+      </p:ext>
+    </p:extLst>
+  </p:cSld>
+  <p:clrMapOvr>
+    <a:masterClrMapping/>
+  </p:clrMapOvr>
+</p:sld>
+</file>
+
+<file path=ppt/slides/slide36.xml><?xml version="1.0" encoding="utf-8"?>
+<p:sld xmlns:a="http://schemas.openxmlformats.org/drawingml/2006/main" xmlns:r="http://schemas.openxmlformats.org/officeDocument/2006/relationships" xmlns:p="http://schemas.openxmlformats.org/presentationml/2006/main">
+  <p:cSld>
+    <p:spTree>
+      <p:nvGrpSpPr>
+        <p:cNvPr id="1" name=""/>
+        <p:cNvGrpSpPr/>
+        <p:nvPr/>
+      </p:nvGrpSpPr>
+      <p:grpSpPr>
+        <a:xfrm>
+          <a:off x="0" y="0"/>
+          <a:ext cx="0" cy="0"/>
+          <a:chOff x="0" y="0"/>
+          <a:chExt cx="0" cy="0"/>
+        </a:xfrm>
+      </p:grpSpPr>
+      <p:sp>
+        <p:nvSpPr>
+          <p:cNvPr id="2" name="TextBox 1">
+            <a:extLst>
+              <a:ext uri="{FF2B5EF4-FFF2-40B4-BE49-F238E27FC236}">
+                <a16:creationId xmlns:a16="http://schemas.microsoft.com/office/drawing/2014/main" id="{C73CB2C1-5E87-CE96-E62C-732A95F8A870}"/>
+              </a:ext>
+            </a:extLst>
+          </p:cNvPr>
+          <p:cNvSpPr txBox="1"/>
+          <p:nvPr/>
+        </p:nvSpPr>
+        <p:spPr>
+          <a:xfrm>
+            <a:off x="186612" y="93306"/>
+            <a:ext cx="11700588" cy="369332"/>
+          </a:xfrm>
+          <a:prstGeom prst="rect">
+            <a:avLst/>
+          </a:prstGeom>
+          <a:noFill/>
+        </p:spPr>
+        <p:txBody>
+          <a:bodyPr wrap="square" rtlCol="0">
+            <a:spAutoFit/>
+          </a:bodyPr>
+          <a:lstStyle/>
+          <a:p>
+            <a:pPr algn="ctr"/>
+            <a:r>
+              <a:rPr lang="en-US" b="1" dirty="0"/>
+              <a:t>How Cookies are created by Server on the Client (Browser)</a:t>
+            </a:r>
+          </a:p>
+        </p:txBody>
+      </p:sp>
+      <p:sp>
+        <p:nvSpPr>
+          <p:cNvPr id="3" name="Rectangle 2">
+            <a:extLst>
+              <a:ext uri="{FF2B5EF4-FFF2-40B4-BE49-F238E27FC236}">
+                <a16:creationId xmlns:a16="http://schemas.microsoft.com/office/drawing/2014/main" id="{38D8AC7B-FA8A-EC48-B7EB-CA6A5A0750C3}"/>
+              </a:ext>
+            </a:extLst>
+          </p:cNvPr>
+          <p:cNvSpPr/>
+          <p:nvPr/>
+        </p:nvSpPr>
+        <p:spPr>
+          <a:xfrm>
+            <a:off x="8705461" y="709127"/>
+            <a:ext cx="3181739" cy="5934269"/>
+          </a:xfrm>
+          <a:prstGeom prst="rect">
+            <a:avLst/>
+          </a:prstGeom>
+        </p:spPr>
+        <p:style>
+          <a:lnRef idx="2">
+            <a:schemeClr val="accent2"/>
+          </a:lnRef>
+          <a:fillRef idx="1">
+            <a:schemeClr val="lt1"/>
+          </a:fillRef>
+          <a:effectRef idx="0">
+            <a:schemeClr val="accent2"/>
+          </a:effectRef>
+          <a:fontRef idx="minor">
+            <a:schemeClr val="dk1"/>
+          </a:fontRef>
+        </p:style>
+        <p:txBody>
+          <a:bodyPr rtlCol="0" anchor="ctr"/>
+          <a:lstStyle/>
+          <a:p>
+            <a:pPr algn="ctr"/>
+            <a:endParaRPr lang="en-US"/>
+          </a:p>
+        </p:txBody>
+      </p:sp>
+      <p:sp>
+        <p:nvSpPr>
+          <p:cNvPr id="4" name="TextBox 3">
+            <a:extLst>
+              <a:ext uri="{FF2B5EF4-FFF2-40B4-BE49-F238E27FC236}">
+                <a16:creationId xmlns:a16="http://schemas.microsoft.com/office/drawing/2014/main" id="{BC040BAA-CECA-E096-DF24-59045BAB6C46}"/>
+              </a:ext>
+            </a:extLst>
+          </p:cNvPr>
+          <p:cNvSpPr txBox="1"/>
+          <p:nvPr/>
+        </p:nvSpPr>
+        <p:spPr>
+          <a:xfrm>
+            <a:off x="8808098" y="839755"/>
+            <a:ext cx="2967135" cy="369332"/>
+          </a:xfrm>
+          <a:prstGeom prst="rect">
+            <a:avLst/>
+          </a:prstGeom>
+          <a:noFill/>
+        </p:spPr>
+        <p:txBody>
+          <a:bodyPr wrap="square" rtlCol="0">
+            <a:spAutoFit/>
+          </a:bodyPr>
+          <a:lstStyle/>
+          <a:p>
+            <a:pPr algn="ctr"/>
+            <a:r>
+              <a:rPr lang="en-US" b="1" dirty="0"/>
+              <a:t>WebServer</a:t>
+            </a:r>
+          </a:p>
+        </p:txBody>
+      </p:sp>
+      <p:sp>
+        <p:nvSpPr>
+          <p:cNvPr id="5" name="Arrow: Right 4">
+            <a:extLst>
+              <a:ext uri="{FF2B5EF4-FFF2-40B4-BE49-F238E27FC236}">
+                <a16:creationId xmlns:a16="http://schemas.microsoft.com/office/drawing/2014/main" id="{ADE4F9DE-F8B5-65E5-6CF7-229A1EB2ABDA}"/>
+              </a:ext>
+            </a:extLst>
+          </p:cNvPr>
+          <p:cNvSpPr/>
+          <p:nvPr/>
+        </p:nvSpPr>
+        <p:spPr>
+          <a:xfrm>
+            <a:off x="2855167" y="597159"/>
+            <a:ext cx="5840964" cy="830425"/>
+          </a:xfrm>
+          <a:prstGeom prst="rightArrow">
+            <a:avLst/>
+          </a:prstGeom>
+        </p:spPr>
+        <p:style>
+          <a:lnRef idx="2">
+            <a:schemeClr val="accent1">
+              <a:shade val="50000"/>
+            </a:schemeClr>
+          </a:lnRef>
+          <a:fillRef idx="1">
+            <a:schemeClr val="accent1"/>
+          </a:fillRef>
+          <a:effectRef idx="0">
+            <a:schemeClr val="accent1"/>
+          </a:effectRef>
+          <a:fontRef idx="minor">
+            <a:schemeClr val="lt1"/>
+          </a:fontRef>
+        </p:style>
+        <p:txBody>
+          <a:bodyPr rtlCol="0" anchor="ctr"/>
+          <a:lstStyle/>
+          <a:p>
+            <a:pPr algn="ctr"/>
+            <a:r>
+              <a:rPr lang="en-US" b="1" dirty="0"/>
+              <a:t>1. The First Request</a:t>
+            </a:r>
+          </a:p>
+        </p:txBody>
+      </p:sp>
+      <p:sp>
+        <p:nvSpPr>
+          <p:cNvPr id="6" name="TextBox 5">
+            <a:extLst>
+              <a:ext uri="{FF2B5EF4-FFF2-40B4-BE49-F238E27FC236}">
+                <a16:creationId xmlns:a16="http://schemas.microsoft.com/office/drawing/2014/main" id="{E33C1C97-38C9-F0E0-440E-21C2B7993B49}"/>
+              </a:ext>
+            </a:extLst>
+          </p:cNvPr>
+          <p:cNvSpPr txBox="1"/>
+          <p:nvPr/>
+        </p:nvSpPr>
+        <p:spPr>
+          <a:xfrm>
+            <a:off x="8892073" y="1209087"/>
+            <a:ext cx="2892490" cy="5355312"/>
+          </a:xfrm>
+          <a:prstGeom prst="rect">
+            <a:avLst/>
+          </a:prstGeom>
+          <a:noFill/>
+        </p:spPr>
+        <p:txBody>
+          <a:bodyPr wrap="square" rtlCol="0">
+            <a:spAutoFit/>
+          </a:bodyPr>
+          <a:lstStyle/>
+          <a:p>
+            <a:r>
+              <a:rPr lang="en-US" dirty="0"/>
+              <a:t>2. Web Server will check the request for the following Parameters in the Request</a:t>
+            </a:r>
+          </a:p>
+          <a:p>
+            <a:r>
+              <a:rPr lang="en-US" dirty="0"/>
+              <a:t> - SessionID : If it is not available in request, the this is new Session (Fresh request)</a:t>
+            </a:r>
+          </a:p>
+          <a:p>
+            <a:pPr marL="285750" indent="-285750">
+              <a:buFontTx/>
+              <a:buChar char="-"/>
+            </a:pPr>
+            <a:r>
+              <a:rPr lang="en-US" dirty="0"/>
+              <a:t>If fresh request, the server will generate session info (We will see in next slide)</a:t>
+            </a:r>
+          </a:p>
+          <a:p>
+            <a:pPr marL="285750" indent="-285750">
+              <a:buFontTx/>
+              <a:buChar char="-"/>
+            </a:pPr>
+            <a:r>
+              <a:rPr lang="en-US" dirty="0"/>
+              <a:t>The Server will assign a SessionID and an instruction to create a cookie in browser</a:t>
+            </a:r>
+          </a:p>
+          <a:p>
+            <a:pPr marL="285750" indent="-285750">
+              <a:buFontTx/>
+              <a:buChar char="-"/>
+            </a:pPr>
+            <a:r>
+              <a:rPr lang="en-US" dirty="0"/>
+              <a:t>The Response will be send</a:t>
+            </a:r>
+          </a:p>
+          <a:p>
+            <a:r>
+              <a:rPr lang="en-US" dirty="0"/>
+              <a:t>		</a:t>
+            </a:r>
+          </a:p>
+          <a:p>
+            <a:r>
+              <a:rPr lang="en-US" dirty="0"/>
+              <a:t>		</a:t>
+            </a:r>
+          </a:p>
+        </p:txBody>
+      </p:sp>
+      <p:sp>
+        <p:nvSpPr>
+          <p:cNvPr id="7" name="Flowchart: Data 6">
+            <a:extLst>
+              <a:ext uri="{FF2B5EF4-FFF2-40B4-BE49-F238E27FC236}">
+                <a16:creationId xmlns:a16="http://schemas.microsoft.com/office/drawing/2014/main" id="{CB6DDF1C-154E-D865-0A13-D3DD573462E3}"/>
+              </a:ext>
+            </a:extLst>
+          </p:cNvPr>
+          <p:cNvSpPr/>
+          <p:nvPr/>
+        </p:nvSpPr>
+        <p:spPr>
+          <a:xfrm>
+            <a:off x="186612" y="839755"/>
+            <a:ext cx="2668555" cy="4795935"/>
+          </a:xfrm>
+          <a:prstGeom prst="flowChartInputOutput">
+            <a:avLst/>
+          </a:prstGeom>
+        </p:spPr>
+        <p:style>
+          <a:lnRef idx="1">
+            <a:schemeClr val="accent4"/>
+          </a:lnRef>
+          <a:fillRef idx="2">
+            <a:schemeClr val="accent4"/>
+          </a:fillRef>
+          <a:effectRef idx="1">
+            <a:schemeClr val="accent4"/>
+          </a:effectRef>
+          <a:fontRef idx="minor">
+            <a:schemeClr val="dk1"/>
+          </a:fontRef>
+        </p:style>
+        <p:txBody>
+          <a:bodyPr rtlCol="0" anchor="ctr"/>
+          <a:lstStyle/>
+          <a:p>
+            <a:pPr algn="ctr"/>
+            <a:endParaRPr lang="en-US"/>
+          </a:p>
+        </p:txBody>
+      </p:sp>
+      <p:sp>
+        <p:nvSpPr>
+          <p:cNvPr id="8" name="TextBox 7">
+            <a:extLst>
+              <a:ext uri="{FF2B5EF4-FFF2-40B4-BE49-F238E27FC236}">
+                <a16:creationId xmlns:a16="http://schemas.microsoft.com/office/drawing/2014/main" id="{6A911CFC-9702-DDA1-9C66-8D518D056A94}"/>
+              </a:ext>
+            </a:extLst>
+          </p:cNvPr>
+          <p:cNvSpPr txBox="1"/>
+          <p:nvPr/>
+        </p:nvSpPr>
+        <p:spPr>
+          <a:xfrm>
+            <a:off x="783771" y="1063690"/>
+            <a:ext cx="1800809" cy="369332"/>
+          </a:xfrm>
+          <a:prstGeom prst="rect">
+            <a:avLst/>
+          </a:prstGeom>
+          <a:noFill/>
+        </p:spPr>
+        <p:txBody>
+          <a:bodyPr wrap="square" rtlCol="0">
+            <a:spAutoFit/>
+          </a:bodyPr>
+          <a:lstStyle/>
+          <a:p>
+            <a:pPr algn="ctr"/>
+            <a:r>
+              <a:rPr lang="en-US" b="1" dirty="0"/>
+              <a:t>Browser</a:t>
+            </a:r>
+          </a:p>
+        </p:txBody>
+      </p:sp>
+      <p:sp>
+        <p:nvSpPr>
+          <p:cNvPr id="9" name="Arrow: Left 8">
+            <a:extLst>
+              <a:ext uri="{FF2B5EF4-FFF2-40B4-BE49-F238E27FC236}">
+                <a16:creationId xmlns:a16="http://schemas.microsoft.com/office/drawing/2014/main" id="{FE010713-6E6C-64D0-9E6D-81140926F751}"/>
+              </a:ext>
+            </a:extLst>
+          </p:cNvPr>
+          <p:cNvSpPr/>
+          <p:nvPr/>
+        </p:nvSpPr>
+        <p:spPr>
+          <a:xfrm>
+            <a:off x="2444620" y="4590661"/>
+            <a:ext cx="6251511" cy="830425"/>
+          </a:xfrm>
+          <a:prstGeom prst="leftArrow">
+            <a:avLst/>
+          </a:prstGeom>
+        </p:spPr>
+        <p:style>
+          <a:lnRef idx="2">
+            <a:schemeClr val="accent1">
+              <a:shade val="50000"/>
+            </a:schemeClr>
+          </a:lnRef>
+          <a:fillRef idx="1">
+            <a:schemeClr val="accent1"/>
+          </a:fillRef>
+          <a:effectRef idx="0">
+            <a:schemeClr val="accent1"/>
+          </a:effectRef>
+          <a:fontRef idx="minor">
+            <a:schemeClr val="lt1"/>
+          </a:fontRef>
+        </p:style>
+        <p:txBody>
+          <a:bodyPr rtlCol="0" anchor="ctr"/>
+          <a:lstStyle/>
+          <a:p>
+            <a:pPr algn="ctr"/>
+            <a:r>
+              <a:rPr lang="en-US" b="1" dirty="0"/>
+              <a:t>3. The Response with Cookie File Instruction</a:t>
+            </a:r>
+          </a:p>
+        </p:txBody>
+      </p:sp>
+      <p:sp>
+        <p:nvSpPr>
+          <p:cNvPr id="10" name="Flowchart: Card 9">
+            <a:extLst>
+              <a:ext uri="{FF2B5EF4-FFF2-40B4-BE49-F238E27FC236}">
+                <a16:creationId xmlns:a16="http://schemas.microsoft.com/office/drawing/2014/main" id="{518095A4-7D2F-40E1-52B9-3C922D32BCB4}"/>
+              </a:ext>
+            </a:extLst>
+          </p:cNvPr>
+          <p:cNvSpPr/>
+          <p:nvPr/>
+        </p:nvSpPr>
+        <p:spPr>
+          <a:xfrm>
+            <a:off x="503853" y="3359021"/>
+            <a:ext cx="1660849" cy="2174034"/>
+          </a:xfrm>
+          <a:prstGeom prst="flowChartPunchedCard">
+            <a:avLst/>
+          </a:prstGeom>
+        </p:spPr>
+        <p:style>
+          <a:lnRef idx="2">
+            <a:schemeClr val="accent1">
+              <a:shade val="50000"/>
+            </a:schemeClr>
+          </a:lnRef>
+          <a:fillRef idx="1">
+            <a:schemeClr val="accent1"/>
+          </a:fillRef>
+          <a:effectRef idx="0">
+            <a:schemeClr val="accent1"/>
+          </a:effectRef>
+          <a:fontRef idx="minor">
+            <a:schemeClr val="lt1"/>
+          </a:fontRef>
+        </p:style>
+        <p:txBody>
+          <a:bodyPr rtlCol="0" anchor="ctr"/>
+          <a:lstStyle/>
+          <a:p>
+            <a:pPr algn="ctr"/>
+            <a:r>
+              <a:rPr lang="en-US" b="1" dirty="0"/>
+              <a:t>The Cookie</a:t>
+            </a:r>
+          </a:p>
+          <a:p>
+            <a:pPr algn="ctr"/>
+            <a:r>
+              <a:rPr lang="en-US" b="1" dirty="0"/>
+              <a:t>There will be SessionID and other data</a:t>
+            </a:r>
+          </a:p>
+        </p:txBody>
+      </p:sp>
+      <p:sp>
+        <p:nvSpPr>
+          <p:cNvPr id="11" name="Arrow: Curved Down 10">
+            <a:extLst>
+              <a:ext uri="{FF2B5EF4-FFF2-40B4-BE49-F238E27FC236}">
+                <a16:creationId xmlns:a16="http://schemas.microsoft.com/office/drawing/2014/main" id="{CFF085CF-BCA9-DDB3-AED3-5794743F54B4}"/>
+              </a:ext>
+            </a:extLst>
+          </p:cNvPr>
+          <p:cNvSpPr/>
+          <p:nvPr/>
+        </p:nvSpPr>
+        <p:spPr>
+          <a:xfrm>
+            <a:off x="3004457" y="1633629"/>
+            <a:ext cx="5178490" cy="1413588"/>
+          </a:xfrm>
+          <a:prstGeom prst="curvedDownArrow">
+            <a:avLst/>
+          </a:prstGeom>
+          <a:solidFill>
+            <a:schemeClr val="accent2"/>
+          </a:solidFill>
+        </p:spPr>
+        <p:style>
+          <a:lnRef idx="2">
+            <a:schemeClr val="accent1">
+              <a:shade val="50000"/>
+            </a:schemeClr>
+          </a:lnRef>
+          <a:fillRef idx="1">
+            <a:schemeClr val="accent1"/>
+          </a:fillRef>
+          <a:effectRef idx="0">
+            <a:schemeClr val="accent1"/>
+          </a:effectRef>
+          <a:fontRef idx="minor">
+            <a:schemeClr val="lt1"/>
+          </a:fontRef>
+        </p:style>
+        <p:txBody>
+          <a:bodyPr rtlCol="0" anchor="ctr"/>
+          <a:lstStyle/>
+          <a:p>
+            <a:pPr algn="ctr"/>
+            <a:endParaRPr lang="en-US">
+              <a:solidFill>
+                <a:schemeClr val="tx1"/>
+              </a:solidFill>
+            </a:endParaRPr>
+          </a:p>
+        </p:txBody>
+      </p:sp>
+      <p:sp>
+        <p:nvSpPr>
+          <p:cNvPr id="12" name="Arrow: Curved Down 11">
+            <a:extLst>
+              <a:ext uri="{FF2B5EF4-FFF2-40B4-BE49-F238E27FC236}">
+                <a16:creationId xmlns:a16="http://schemas.microsoft.com/office/drawing/2014/main" id="{9CA34A4B-9E73-924B-453D-68834B58C5C2}"/>
+              </a:ext>
+            </a:extLst>
+          </p:cNvPr>
+          <p:cNvSpPr/>
+          <p:nvPr/>
+        </p:nvSpPr>
+        <p:spPr>
+          <a:xfrm rot="10800000">
+            <a:off x="2883872" y="3193147"/>
+            <a:ext cx="5178490" cy="1413588"/>
+          </a:xfrm>
+          <a:prstGeom prst="curvedDownArrow">
+            <a:avLst/>
+          </a:prstGeom>
+          <a:solidFill>
+            <a:schemeClr val="accent2"/>
+          </a:solidFill>
+        </p:spPr>
+        <p:style>
+          <a:lnRef idx="2">
+            <a:schemeClr val="accent1">
+              <a:shade val="50000"/>
+            </a:schemeClr>
+          </a:lnRef>
+          <a:fillRef idx="1">
+            <a:schemeClr val="accent1"/>
+          </a:fillRef>
+          <a:effectRef idx="0">
+            <a:schemeClr val="accent1"/>
+          </a:effectRef>
+          <a:fontRef idx="minor">
+            <a:schemeClr val="lt1"/>
+          </a:fontRef>
+        </p:style>
+        <p:txBody>
+          <a:bodyPr rtlCol="0" anchor="ctr"/>
+          <a:lstStyle/>
+          <a:p>
+            <a:pPr algn="ctr"/>
+            <a:endParaRPr lang="en-US">
+              <a:solidFill>
+                <a:schemeClr val="tx1"/>
+              </a:solidFill>
+            </a:endParaRPr>
+          </a:p>
+        </p:txBody>
+      </p:sp>
+      <p:sp>
+        <p:nvSpPr>
+          <p:cNvPr id="13" name="TextBox 12">
+            <a:extLst>
+              <a:ext uri="{FF2B5EF4-FFF2-40B4-BE49-F238E27FC236}">
+                <a16:creationId xmlns:a16="http://schemas.microsoft.com/office/drawing/2014/main" id="{CDA58727-7510-7CF6-CA39-045B5917702D}"/>
+              </a:ext>
+            </a:extLst>
+          </p:cNvPr>
+          <p:cNvSpPr txBox="1"/>
+          <p:nvPr/>
+        </p:nvSpPr>
+        <p:spPr>
+          <a:xfrm>
+            <a:off x="3928188" y="2340423"/>
+            <a:ext cx="3247053" cy="1477328"/>
+          </a:xfrm>
+          <a:prstGeom prst="rect">
+            <a:avLst/>
+          </a:prstGeom>
+          <a:noFill/>
+        </p:spPr>
+        <p:txBody>
+          <a:bodyPr wrap="square" rtlCol="0">
+            <a:spAutoFit/>
+          </a:bodyPr>
+          <a:lstStyle/>
+          <a:p>
+            <a:pPr algn="ctr"/>
+            <a:r>
+              <a:rPr lang="en-US" b="1" dirty="0"/>
+              <a:t>Exchange Cookie File between the Browser and server with information by keeping SessionID in HTTP Request header</a:t>
+            </a:r>
+          </a:p>
+        </p:txBody>
+      </p:sp>
+    </p:spTree>
+    <p:extLst>
+      <p:ext uri="{BB962C8B-B14F-4D97-AF65-F5344CB8AC3E}">
+        <p14:creationId xmlns:p14="http://schemas.microsoft.com/office/powerpoint/2010/main" val="3343688979"/>
+      </p:ext>
+    </p:extLst>
+  </p:cSld>
+  <p:clrMapOvr>
+    <a:masterClrMapping/>
+  </p:clrMapOvr>
+</p:sld>
+</file>
+
 <file path=ppt/slides/slide4.xml><?xml version="1.0" encoding="utf-8"?>
 <p:sld xmlns:a="http://schemas.openxmlformats.org/drawingml/2006/main" xmlns:r="http://schemas.openxmlformats.org/officeDocument/2006/relationships" xmlns:p="http://schemas.openxmlformats.org/presentationml/2006/main">
   <p:cSld>

--- a/Training-Images.pptx
+++ b/Training-Images.pptx
@@ -41,6 +41,9 @@
     <p:sldId id="289" r:id="rId35"/>
     <p:sldId id="290" r:id="rId36"/>
     <p:sldId id="291" r:id="rId37"/>
+    <p:sldId id="292" r:id="rId38"/>
+    <p:sldId id="293" r:id="rId39"/>
+    <p:sldId id="294" r:id="rId40"/>
   </p:sldIdLst>
   <p:sldSz cx="12192000" cy="6858000"/>
   <p:notesSz cx="6858000" cy="9144000"/>
@@ -31677,6 +31680,3183 @@
 </p:sld>
 </file>
 
+<file path=ppt/slides/slide37.xml><?xml version="1.0" encoding="utf-8"?>
+<p:sld xmlns:a="http://schemas.openxmlformats.org/drawingml/2006/main" xmlns:r="http://schemas.openxmlformats.org/officeDocument/2006/relationships" xmlns:p="http://schemas.openxmlformats.org/presentationml/2006/main">
+  <p:cSld>
+    <p:spTree>
+      <p:nvGrpSpPr>
+        <p:cNvPr id="1" name=""/>
+        <p:cNvGrpSpPr/>
+        <p:nvPr/>
+      </p:nvGrpSpPr>
+      <p:grpSpPr>
+        <a:xfrm>
+          <a:off x="0" y="0"/>
+          <a:ext cx="0" cy="0"/>
+          <a:chOff x="0" y="0"/>
+          <a:chExt cx="0" cy="0"/>
+        </a:xfrm>
+      </p:grpSpPr>
+      <p:sp>
+        <p:nvSpPr>
+          <p:cNvPr id="2" name="TextBox 1">
+            <a:extLst>
+              <a:ext uri="{FF2B5EF4-FFF2-40B4-BE49-F238E27FC236}">
+                <a16:creationId xmlns:a16="http://schemas.microsoft.com/office/drawing/2014/main" id="{8908C7B4-D527-A04E-77E4-581D28722FF2}"/>
+              </a:ext>
+            </a:extLst>
+          </p:cNvPr>
+          <p:cNvSpPr txBox="1"/>
+          <p:nvPr/>
+        </p:nvSpPr>
+        <p:spPr>
+          <a:xfrm>
+            <a:off x="0" y="0"/>
+            <a:ext cx="12192000" cy="369332"/>
+          </a:xfrm>
+          <a:prstGeom prst="rect">
+            <a:avLst/>
+          </a:prstGeom>
+          <a:noFill/>
+        </p:spPr>
+        <p:txBody>
+          <a:bodyPr wrap="square" rtlCol="0">
+            <a:spAutoFit/>
+          </a:bodyPr>
+          <a:lstStyle/>
+          <a:p>
+            <a:pPr algn="ctr"/>
+            <a:r>
+              <a:rPr lang="en-US" b="1" dirty="0"/>
+              <a:t>How Session State Works</a:t>
+            </a:r>
+          </a:p>
+        </p:txBody>
+      </p:sp>
+      <p:sp>
+        <p:nvSpPr>
+          <p:cNvPr id="3" name="Rectangle 2">
+            <a:extLst>
+              <a:ext uri="{FF2B5EF4-FFF2-40B4-BE49-F238E27FC236}">
+                <a16:creationId xmlns:a16="http://schemas.microsoft.com/office/drawing/2014/main" id="{C4562F51-BCFC-20C7-1AF6-F02ADD34068F}"/>
+              </a:ext>
+            </a:extLst>
+          </p:cNvPr>
+          <p:cNvSpPr/>
+          <p:nvPr/>
+        </p:nvSpPr>
+        <p:spPr>
+          <a:xfrm>
+            <a:off x="7660433" y="746449"/>
+            <a:ext cx="4198775" cy="5915608"/>
+          </a:xfrm>
+          <a:prstGeom prst="rect">
+            <a:avLst/>
+          </a:prstGeom>
+        </p:spPr>
+        <p:style>
+          <a:lnRef idx="1">
+            <a:schemeClr val="accent3"/>
+          </a:lnRef>
+          <a:fillRef idx="2">
+            <a:schemeClr val="accent3"/>
+          </a:fillRef>
+          <a:effectRef idx="1">
+            <a:schemeClr val="accent3"/>
+          </a:effectRef>
+          <a:fontRef idx="minor">
+            <a:schemeClr val="dk1"/>
+          </a:fontRef>
+        </p:style>
+        <p:txBody>
+          <a:bodyPr rtlCol="0" anchor="ctr"/>
+          <a:lstStyle/>
+          <a:p>
+            <a:pPr algn="ctr"/>
+            <a:endParaRPr lang="en-US"/>
+          </a:p>
+        </p:txBody>
+      </p:sp>
+      <p:sp>
+        <p:nvSpPr>
+          <p:cNvPr id="4" name="TextBox 3">
+            <a:extLst>
+              <a:ext uri="{FF2B5EF4-FFF2-40B4-BE49-F238E27FC236}">
+                <a16:creationId xmlns:a16="http://schemas.microsoft.com/office/drawing/2014/main" id="{96077F70-658B-3BA1-FFC0-3F93A1D38DFD}"/>
+              </a:ext>
+            </a:extLst>
+          </p:cNvPr>
+          <p:cNvSpPr txBox="1"/>
+          <p:nvPr/>
+        </p:nvSpPr>
+        <p:spPr>
+          <a:xfrm>
+            <a:off x="7716416" y="811763"/>
+            <a:ext cx="4040155" cy="369332"/>
+          </a:xfrm>
+          <a:prstGeom prst="rect">
+            <a:avLst/>
+          </a:prstGeom>
+          <a:noFill/>
+        </p:spPr>
+        <p:txBody>
+          <a:bodyPr wrap="square" rtlCol="0">
+            <a:spAutoFit/>
+          </a:bodyPr>
+          <a:lstStyle/>
+          <a:p>
+            <a:pPr algn="ctr"/>
+            <a:r>
+              <a:rPr lang="en-US" b="1" dirty="0"/>
+              <a:t>WebServer</a:t>
+            </a:r>
+          </a:p>
+        </p:txBody>
+      </p:sp>
+      <p:sp>
+        <p:nvSpPr>
+          <p:cNvPr id="5" name="Parallelogram 4">
+            <a:extLst>
+              <a:ext uri="{FF2B5EF4-FFF2-40B4-BE49-F238E27FC236}">
+                <a16:creationId xmlns:a16="http://schemas.microsoft.com/office/drawing/2014/main" id="{4D3E5BB6-4813-F3F4-9D3F-59C731FAF227}"/>
+              </a:ext>
+            </a:extLst>
+          </p:cNvPr>
+          <p:cNvSpPr/>
+          <p:nvPr/>
+        </p:nvSpPr>
+        <p:spPr>
+          <a:xfrm>
+            <a:off x="261257" y="401217"/>
+            <a:ext cx="1427584" cy="6382138"/>
+          </a:xfrm>
+          <a:prstGeom prst="parallelogram">
+            <a:avLst/>
+          </a:prstGeom>
+        </p:spPr>
+        <p:style>
+          <a:lnRef idx="2">
+            <a:schemeClr val="accent1">
+              <a:shade val="50000"/>
+            </a:schemeClr>
+          </a:lnRef>
+          <a:fillRef idx="1">
+            <a:schemeClr val="accent1"/>
+          </a:fillRef>
+          <a:effectRef idx="0">
+            <a:schemeClr val="accent1"/>
+          </a:effectRef>
+          <a:fontRef idx="minor">
+            <a:schemeClr val="lt1"/>
+          </a:fontRef>
+        </p:style>
+        <p:txBody>
+          <a:bodyPr rtlCol="0" anchor="ctr"/>
+          <a:lstStyle/>
+          <a:p>
+            <a:pPr algn="ctr"/>
+            <a:endParaRPr lang="en-US"/>
+          </a:p>
+        </p:txBody>
+      </p:sp>
+      <p:sp>
+        <p:nvSpPr>
+          <p:cNvPr id="6" name="Arrow: Right 5">
+            <a:extLst>
+              <a:ext uri="{FF2B5EF4-FFF2-40B4-BE49-F238E27FC236}">
+                <a16:creationId xmlns:a16="http://schemas.microsoft.com/office/drawing/2014/main" id="{A714FA25-0FA1-A05E-FBC4-24E3539A51E7}"/>
+              </a:ext>
+            </a:extLst>
+          </p:cNvPr>
+          <p:cNvSpPr/>
+          <p:nvPr/>
+        </p:nvSpPr>
+        <p:spPr>
+          <a:xfrm>
+            <a:off x="1688841" y="531845"/>
+            <a:ext cx="5924938" cy="905069"/>
+          </a:xfrm>
+          <a:prstGeom prst="rightArrow">
+            <a:avLst/>
+          </a:prstGeom>
+        </p:spPr>
+        <p:style>
+          <a:lnRef idx="2">
+            <a:schemeClr val="accent1">
+              <a:shade val="50000"/>
+            </a:schemeClr>
+          </a:lnRef>
+          <a:fillRef idx="1">
+            <a:schemeClr val="accent1"/>
+          </a:fillRef>
+          <a:effectRef idx="0">
+            <a:schemeClr val="accent1"/>
+          </a:effectRef>
+          <a:fontRef idx="minor">
+            <a:schemeClr val="lt1"/>
+          </a:fontRef>
+        </p:style>
+        <p:txBody>
+          <a:bodyPr rtlCol="0" anchor="ctr"/>
+          <a:lstStyle/>
+          <a:p>
+            <a:pPr algn="ctr"/>
+            <a:r>
+              <a:rPr lang="en-US" b="1" dirty="0"/>
+              <a:t>1. The Fresh HTTP Request</a:t>
+            </a:r>
+          </a:p>
+        </p:txBody>
+      </p:sp>
+      <p:sp>
+        <p:nvSpPr>
+          <p:cNvPr id="7" name="Rectangle 6">
+            <a:extLst>
+              <a:ext uri="{FF2B5EF4-FFF2-40B4-BE49-F238E27FC236}">
+                <a16:creationId xmlns:a16="http://schemas.microsoft.com/office/drawing/2014/main" id="{F537C7D0-B149-6D9D-3211-BBC4E0975AC9}"/>
+              </a:ext>
+            </a:extLst>
+          </p:cNvPr>
+          <p:cNvSpPr/>
+          <p:nvPr/>
+        </p:nvSpPr>
+        <p:spPr>
+          <a:xfrm>
+            <a:off x="7716416" y="1181095"/>
+            <a:ext cx="4040155" cy="377117"/>
+          </a:xfrm>
+          <a:prstGeom prst="rect">
+            <a:avLst/>
+          </a:prstGeom>
+        </p:spPr>
+        <p:style>
+          <a:lnRef idx="2">
+            <a:schemeClr val="accent1">
+              <a:shade val="50000"/>
+            </a:schemeClr>
+          </a:lnRef>
+          <a:fillRef idx="1">
+            <a:schemeClr val="accent1"/>
+          </a:fillRef>
+          <a:effectRef idx="0">
+            <a:schemeClr val="accent1"/>
+          </a:effectRef>
+          <a:fontRef idx="minor">
+            <a:schemeClr val="lt1"/>
+          </a:fontRef>
+        </p:style>
+        <p:txBody>
+          <a:bodyPr rtlCol="0" anchor="ctr"/>
+          <a:lstStyle/>
+          <a:p>
+            <a:pPr algn="ctr"/>
+            <a:r>
+              <a:rPr lang="en-US" sz="1400" b="1" dirty="0"/>
+              <a:t>2. If the request does not Contains SessionID, the it is Fresh Request </a:t>
+            </a:r>
+          </a:p>
+        </p:txBody>
+      </p:sp>
+      <p:sp>
+        <p:nvSpPr>
+          <p:cNvPr id="8" name="Diamond 7">
+            <a:extLst>
+              <a:ext uri="{FF2B5EF4-FFF2-40B4-BE49-F238E27FC236}">
+                <a16:creationId xmlns:a16="http://schemas.microsoft.com/office/drawing/2014/main" id="{BCDB0436-96F3-A845-4A6E-C71FAE143E15}"/>
+              </a:ext>
+            </a:extLst>
+          </p:cNvPr>
+          <p:cNvSpPr/>
+          <p:nvPr/>
+        </p:nvSpPr>
+        <p:spPr>
+          <a:xfrm>
+            <a:off x="9353938" y="1832691"/>
+            <a:ext cx="811764" cy="979715"/>
+          </a:xfrm>
+          <a:prstGeom prst="diamond">
+            <a:avLst/>
+          </a:prstGeom>
+        </p:spPr>
+        <p:style>
+          <a:lnRef idx="2">
+            <a:schemeClr val="accent1">
+              <a:shade val="50000"/>
+            </a:schemeClr>
+          </a:lnRef>
+          <a:fillRef idx="1">
+            <a:schemeClr val="accent1"/>
+          </a:fillRef>
+          <a:effectRef idx="0">
+            <a:schemeClr val="accent1"/>
+          </a:effectRef>
+          <a:fontRef idx="minor">
+            <a:schemeClr val="lt1"/>
+          </a:fontRef>
+        </p:style>
+        <p:txBody>
+          <a:bodyPr rtlCol="0" anchor="ctr"/>
+          <a:lstStyle/>
+          <a:p>
+            <a:pPr algn="ctr"/>
+            <a:endParaRPr lang="en-US"/>
+          </a:p>
+        </p:txBody>
+      </p:sp>
+      <p:cxnSp>
+        <p:nvCxnSpPr>
+          <p:cNvPr id="10" name="Straight Arrow Connector 9">
+            <a:extLst>
+              <a:ext uri="{FF2B5EF4-FFF2-40B4-BE49-F238E27FC236}">
+                <a16:creationId xmlns:a16="http://schemas.microsoft.com/office/drawing/2014/main" id="{151AAFC4-A0DB-013C-474D-1F261511B756}"/>
+              </a:ext>
+            </a:extLst>
+          </p:cNvPr>
+          <p:cNvCxnSpPr>
+            <a:cxnSpLocks/>
+            <a:endCxn id="8" idx="0"/>
+          </p:cNvCxnSpPr>
+          <p:nvPr/>
+        </p:nvCxnSpPr>
+        <p:spPr>
+          <a:xfrm>
+            <a:off x="9736493" y="1558212"/>
+            <a:ext cx="23327" cy="274479"/>
+          </a:xfrm>
+          <a:prstGeom prst="straightConnector1">
+            <a:avLst/>
+          </a:prstGeom>
+          <a:ln>
+            <a:tailEnd type="triangle"/>
+          </a:ln>
+        </p:spPr>
+        <p:style>
+          <a:lnRef idx="1">
+            <a:schemeClr val="accent1"/>
+          </a:lnRef>
+          <a:fillRef idx="0">
+            <a:schemeClr val="accent1"/>
+          </a:fillRef>
+          <a:effectRef idx="0">
+            <a:schemeClr val="accent1"/>
+          </a:effectRef>
+          <a:fontRef idx="minor">
+            <a:schemeClr val="tx1"/>
+          </a:fontRef>
+        </p:style>
+      </p:cxnSp>
+      <p:graphicFrame>
+        <p:nvGraphicFramePr>
+          <p:cNvPr id="13" name="Table 13">
+            <a:extLst>
+              <a:ext uri="{FF2B5EF4-FFF2-40B4-BE49-F238E27FC236}">
+                <a16:creationId xmlns:a16="http://schemas.microsoft.com/office/drawing/2014/main" id="{DEC2FF30-C1ED-0873-C151-6861AE3F1F51}"/>
+              </a:ext>
+            </a:extLst>
+          </p:cNvPr>
+          <p:cNvGraphicFramePr>
+            <a:graphicFrameLocks noGrp="1"/>
+          </p:cNvGraphicFramePr>
+          <p:nvPr>
+            <p:extLst>
+              <p:ext uri="{D42A27DB-BD31-4B8C-83A1-F6EECF244321}">
+                <p14:modId xmlns:p14="http://schemas.microsoft.com/office/powerpoint/2010/main" val="241094402"/>
+              </p:ext>
+            </p:extLst>
+          </p:nvPr>
+        </p:nvGraphicFramePr>
+        <p:xfrm>
+          <a:off x="6604000" y="5920377"/>
+          <a:ext cx="5255208" cy="873760"/>
+        </p:xfrm>
+        <a:graphic>
+          <a:graphicData uri="http://schemas.openxmlformats.org/drawingml/2006/table">
+            <a:tbl>
+              <a:tblPr firstRow="1" bandRow="1">
+                <a:tableStyleId>{5C22544A-7EE6-4342-B048-85BDC9FD1C3A}</a:tableStyleId>
+              </a:tblPr>
+              <a:tblGrid>
+                <a:gridCol w="750744">
+                  <a:extLst>
+                    <a:ext uri="{9D8B030D-6E8A-4147-A177-3AD203B41FA5}">
+                      <a16:colId xmlns:a16="http://schemas.microsoft.com/office/drawing/2014/main" val="1366287519"/>
+                    </a:ext>
+                  </a:extLst>
+                </a:gridCol>
+                <a:gridCol w="750744">
+                  <a:extLst>
+                    <a:ext uri="{9D8B030D-6E8A-4147-A177-3AD203B41FA5}">
+                      <a16:colId xmlns:a16="http://schemas.microsoft.com/office/drawing/2014/main" val="2412298925"/>
+                    </a:ext>
+                  </a:extLst>
+                </a:gridCol>
+                <a:gridCol w="750744">
+                  <a:extLst>
+                    <a:ext uri="{9D8B030D-6E8A-4147-A177-3AD203B41FA5}">
+                      <a16:colId xmlns:a16="http://schemas.microsoft.com/office/drawing/2014/main" val="1943663033"/>
+                    </a:ext>
+                  </a:extLst>
+                </a:gridCol>
+                <a:gridCol w="750744">
+                  <a:extLst>
+                    <a:ext uri="{9D8B030D-6E8A-4147-A177-3AD203B41FA5}">
+                      <a16:colId xmlns:a16="http://schemas.microsoft.com/office/drawing/2014/main" val="3383134541"/>
+                    </a:ext>
+                  </a:extLst>
+                </a:gridCol>
+                <a:gridCol w="750744">
+                  <a:extLst>
+                    <a:ext uri="{9D8B030D-6E8A-4147-A177-3AD203B41FA5}">
+                      <a16:colId xmlns:a16="http://schemas.microsoft.com/office/drawing/2014/main" val="3356208193"/>
+                    </a:ext>
+                  </a:extLst>
+                </a:gridCol>
+                <a:gridCol w="750744">
+                  <a:extLst>
+                    <a:ext uri="{9D8B030D-6E8A-4147-A177-3AD203B41FA5}">
+                      <a16:colId xmlns:a16="http://schemas.microsoft.com/office/drawing/2014/main" val="2804940379"/>
+                    </a:ext>
+                  </a:extLst>
+                </a:gridCol>
+                <a:gridCol w="750744">
+                  <a:extLst>
+                    <a:ext uri="{9D8B030D-6E8A-4147-A177-3AD203B41FA5}">
+                      <a16:colId xmlns:a16="http://schemas.microsoft.com/office/drawing/2014/main" val="2399851874"/>
+                    </a:ext>
+                  </a:extLst>
+                </a:gridCol>
+              </a:tblGrid>
+              <a:tr h="370840">
+                <a:tc>
+                  <a:txBody>
+                    <a:bodyPr/>
+                    <a:lstStyle/>
+                    <a:p>
+                      <a:r>
+                        <a:rPr lang="en-US" sz="900" dirty="0" err="1"/>
+                        <a:t>SessionId</a:t>
+                      </a:r>
+                      <a:endParaRPr lang="en-US" sz="900" dirty="0"/>
+                    </a:p>
+                  </a:txBody>
+                  <a:tcPr/>
+                </a:tc>
+                <a:tc>
+                  <a:txBody>
+                    <a:bodyPr/>
+                    <a:lstStyle/>
+                    <a:p>
+                      <a:r>
+                        <a:rPr lang="en-US" sz="900" dirty="0" err="1"/>
+                        <a:t>IsCookieless</a:t>
+                      </a:r>
+                      <a:endParaRPr lang="en-US" sz="900" dirty="0"/>
+                    </a:p>
+                  </a:txBody>
+                  <a:tcPr/>
+                </a:tc>
+                <a:tc>
+                  <a:txBody>
+                    <a:bodyPr/>
+                    <a:lstStyle/>
+                    <a:p>
+                      <a:r>
+                        <a:rPr lang="en-US" sz="900" dirty="0" err="1"/>
+                        <a:t>IsNewSession</a:t>
+                      </a:r>
+                      <a:endParaRPr lang="en-US" sz="900" dirty="0"/>
+                    </a:p>
+                  </a:txBody>
+                  <a:tcPr/>
+                </a:tc>
+                <a:tc>
+                  <a:txBody>
+                    <a:bodyPr/>
+                    <a:lstStyle/>
+                    <a:p>
+                      <a:r>
+                        <a:rPr lang="en-US" sz="900" dirty="0"/>
+                        <a:t>Current Request Time</a:t>
+                      </a:r>
+                    </a:p>
+                  </a:txBody>
+                  <a:tcPr/>
+                </a:tc>
+                <a:tc>
+                  <a:txBody>
+                    <a:bodyPr/>
+                    <a:lstStyle/>
+                    <a:p>
+                      <a:r>
+                        <a:rPr lang="en-US" sz="900" dirty="0"/>
+                        <a:t>Last Response Time</a:t>
+                      </a:r>
+                    </a:p>
+                  </a:txBody>
+                  <a:tcPr/>
+                </a:tc>
+                <a:tc>
+                  <a:txBody>
+                    <a:bodyPr/>
+                    <a:lstStyle/>
+                    <a:p>
+                      <a:r>
+                        <a:rPr lang="en-US" sz="900" dirty="0"/>
+                        <a:t>Data</a:t>
+                      </a:r>
+                    </a:p>
+                  </a:txBody>
+                  <a:tcPr/>
+                </a:tc>
+                <a:tc>
+                  <a:txBody>
+                    <a:bodyPr/>
+                    <a:lstStyle/>
+                    <a:p>
+                      <a:r>
+                        <a:rPr lang="en-US" sz="900" dirty="0" err="1"/>
+                        <a:t>TimeOut</a:t>
+                      </a:r>
+                      <a:endParaRPr lang="en-US" sz="900" dirty="0"/>
+                    </a:p>
+                  </a:txBody>
+                  <a:tcPr/>
+                </a:tc>
+                <a:extLst>
+                  <a:ext uri="{0D108BD9-81ED-4DB2-BD59-A6C34878D82A}">
+                    <a16:rowId xmlns:a16="http://schemas.microsoft.com/office/drawing/2014/main" val="122392629"/>
+                  </a:ext>
+                </a:extLst>
+              </a:tr>
+              <a:tr h="370840">
+                <a:tc>
+                  <a:txBody>
+                    <a:bodyPr/>
+                    <a:lstStyle/>
+                    <a:p>
+                      <a:r>
+                        <a:rPr lang="en-US" sz="900" dirty="0"/>
+                        <a:t>1</a:t>
+                      </a:r>
+                    </a:p>
+                  </a:txBody>
+                  <a:tcPr/>
+                </a:tc>
+                <a:tc>
+                  <a:txBody>
+                    <a:bodyPr/>
+                    <a:lstStyle/>
+                    <a:p>
+                      <a:r>
+                        <a:rPr lang="en-US" sz="900" dirty="0"/>
+                        <a:t>False</a:t>
+                      </a:r>
+                    </a:p>
+                  </a:txBody>
+                  <a:tcPr/>
+                </a:tc>
+                <a:tc>
+                  <a:txBody>
+                    <a:bodyPr/>
+                    <a:lstStyle/>
+                    <a:p>
+                      <a:r>
+                        <a:rPr lang="en-US" sz="900" dirty="0"/>
+                        <a:t>Yes</a:t>
+                      </a:r>
+                    </a:p>
+                  </a:txBody>
+                  <a:tcPr/>
+                </a:tc>
+                <a:tc>
+                  <a:txBody>
+                    <a:bodyPr/>
+                    <a:lstStyle/>
+                    <a:p>
+                      <a:endParaRPr lang="en-US" sz="900" dirty="0"/>
+                    </a:p>
+                  </a:txBody>
+                  <a:tcPr/>
+                </a:tc>
+                <a:tc>
+                  <a:txBody>
+                    <a:bodyPr/>
+                    <a:lstStyle/>
+                    <a:p>
+                      <a:r>
+                        <a:rPr lang="en-US" sz="900" dirty="0"/>
+                        <a:t>10:00</a:t>
+                      </a:r>
+                    </a:p>
+                  </a:txBody>
+                  <a:tcPr/>
+                </a:tc>
+                <a:tc>
+                  <a:txBody>
+                    <a:bodyPr/>
+                    <a:lstStyle/>
+                    <a:p>
+                      <a:r>
+                        <a:rPr lang="en-US" sz="900" dirty="0"/>
+                        <a:t>BIN</a:t>
+                      </a:r>
+                    </a:p>
+                  </a:txBody>
+                  <a:tcPr/>
+                </a:tc>
+                <a:tc>
+                  <a:txBody>
+                    <a:bodyPr/>
+                    <a:lstStyle/>
+                    <a:p>
+                      <a:r>
+                        <a:rPr lang="en-US" sz="900" dirty="0"/>
+                        <a:t>20 mins</a:t>
+                      </a:r>
+                    </a:p>
+                  </a:txBody>
+                  <a:tcPr/>
+                </a:tc>
+                <a:extLst>
+                  <a:ext uri="{0D108BD9-81ED-4DB2-BD59-A6C34878D82A}">
+                    <a16:rowId xmlns:a16="http://schemas.microsoft.com/office/drawing/2014/main" val="1744433112"/>
+                  </a:ext>
+                </a:extLst>
+              </a:tr>
+            </a:tbl>
+          </a:graphicData>
+        </a:graphic>
+      </p:graphicFrame>
+      <p:sp>
+        <p:nvSpPr>
+          <p:cNvPr id="14" name="TextBox 13">
+            <a:extLst>
+              <a:ext uri="{FF2B5EF4-FFF2-40B4-BE49-F238E27FC236}">
+                <a16:creationId xmlns:a16="http://schemas.microsoft.com/office/drawing/2014/main" id="{BA94572D-569D-5DF3-822C-7ECD86A9D9AB}"/>
+              </a:ext>
+            </a:extLst>
+          </p:cNvPr>
+          <p:cNvSpPr txBox="1"/>
+          <p:nvPr/>
+        </p:nvSpPr>
+        <p:spPr>
+          <a:xfrm>
+            <a:off x="3004457" y="5878286"/>
+            <a:ext cx="2911151" cy="923330"/>
+          </a:xfrm>
+          <a:prstGeom prst="rect">
+            <a:avLst/>
+          </a:prstGeom>
+          <a:noFill/>
+        </p:spPr>
+        <p:txBody>
+          <a:bodyPr wrap="square" rtlCol="0">
+            <a:spAutoFit/>
+          </a:bodyPr>
+          <a:lstStyle/>
+          <a:p>
+            <a:r>
+              <a:rPr lang="en-US" dirty="0"/>
+              <a:t>The </a:t>
+            </a:r>
+            <a:r>
+              <a:rPr lang="en-US" dirty="0" err="1"/>
+              <a:t>WebServer’s</a:t>
+            </a:r>
+            <a:r>
+              <a:rPr lang="en-US" dirty="0"/>
+              <a:t> Own Database to Store Session Info aka </a:t>
+            </a:r>
+            <a:r>
+              <a:rPr lang="en-US" b="1" dirty="0" err="1"/>
+              <a:t>MetaBase</a:t>
+            </a:r>
+            <a:endParaRPr lang="en-US" dirty="0"/>
+          </a:p>
+        </p:txBody>
+      </p:sp>
+      <p:cxnSp>
+        <p:nvCxnSpPr>
+          <p:cNvPr id="16" name="Connector: Elbow 15">
+            <a:extLst>
+              <a:ext uri="{FF2B5EF4-FFF2-40B4-BE49-F238E27FC236}">
+                <a16:creationId xmlns:a16="http://schemas.microsoft.com/office/drawing/2014/main" id="{9B350A87-4C16-D827-5AF6-8AF4F34D376C}"/>
+              </a:ext>
+            </a:extLst>
+          </p:cNvPr>
+          <p:cNvCxnSpPr>
+            <a:stCxn id="14" idx="3"/>
+            <a:endCxn id="13" idx="1"/>
+          </p:cNvCxnSpPr>
+          <p:nvPr/>
+        </p:nvCxnSpPr>
+        <p:spPr>
+          <a:xfrm>
+            <a:off x="5915608" y="6339951"/>
+            <a:ext cx="688392" cy="17306"/>
+          </a:xfrm>
+          <a:prstGeom prst="bentConnector3">
+            <a:avLst/>
+          </a:prstGeom>
+          <a:ln>
+            <a:tailEnd type="triangle"/>
+          </a:ln>
+        </p:spPr>
+        <p:style>
+          <a:lnRef idx="1">
+            <a:schemeClr val="accent1"/>
+          </a:lnRef>
+          <a:fillRef idx="0">
+            <a:schemeClr val="accent1"/>
+          </a:fillRef>
+          <a:effectRef idx="0">
+            <a:schemeClr val="accent1"/>
+          </a:effectRef>
+          <a:fontRef idx="minor">
+            <a:schemeClr val="tx1"/>
+          </a:fontRef>
+        </p:style>
+      </p:cxnSp>
+      <p:sp>
+        <p:nvSpPr>
+          <p:cNvPr id="18" name="TextBox 17">
+            <a:extLst>
+              <a:ext uri="{FF2B5EF4-FFF2-40B4-BE49-F238E27FC236}">
+                <a16:creationId xmlns:a16="http://schemas.microsoft.com/office/drawing/2014/main" id="{7A0BBAFA-9A64-CF62-E332-393A20CBC74B}"/>
+              </a:ext>
+            </a:extLst>
+          </p:cNvPr>
+          <p:cNvSpPr txBox="1"/>
+          <p:nvPr/>
+        </p:nvSpPr>
+        <p:spPr>
+          <a:xfrm>
+            <a:off x="7716416" y="2444620"/>
+            <a:ext cx="1637522" cy="2246769"/>
+          </a:xfrm>
+          <a:prstGeom prst="rect">
+            <a:avLst/>
+          </a:prstGeom>
+          <a:noFill/>
+        </p:spPr>
+        <p:txBody>
+          <a:bodyPr wrap="square" rtlCol="0">
+            <a:spAutoFit/>
+          </a:bodyPr>
+          <a:lstStyle/>
+          <a:p>
+            <a:pPr marL="285750" indent="-285750">
+              <a:buFont typeface="Arial" panose="020B0604020202020204" pitchFamily="34" charset="0"/>
+              <a:buChar char="•"/>
+            </a:pPr>
+            <a:r>
+              <a:rPr lang="en-US" sz="1400" dirty="0"/>
+              <a:t>Generate </a:t>
+            </a:r>
+            <a:r>
+              <a:rPr lang="en-US" sz="1400" dirty="0" err="1"/>
+              <a:t>SessionId</a:t>
+            </a:r>
+            <a:endParaRPr lang="en-US" sz="1400" dirty="0"/>
+          </a:p>
+          <a:p>
+            <a:pPr marL="285750" indent="-285750">
+              <a:buFont typeface="Arial" panose="020B0604020202020204" pitchFamily="34" charset="0"/>
+              <a:buChar char="•"/>
+            </a:pPr>
+            <a:r>
+              <a:rPr lang="en-US" sz="1400" dirty="0"/>
+              <a:t>If </a:t>
+            </a:r>
+            <a:r>
+              <a:rPr lang="en-US" sz="1400" dirty="0" err="1"/>
+              <a:t>IsCookieLess</a:t>
+            </a:r>
+            <a:r>
+              <a:rPr lang="en-US" sz="1400" dirty="0"/>
+              <a:t> is false then Generate Cookie</a:t>
+            </a:r>
+          </a:p>
+          <a:p>
+            <a:pPr marL="285750" indent="-285750">
+              <a:buFont typeface="Arial" panose="020B0604020202020204" pitchFamily="34" charset="0"/>
+              <a:buChar char="•"/>
+            </a:pPr>
+            <a:r>
+              <a:rPr lang="en-US" sz="1400" dirty="0"/>
+              <a:t>Record the Last request Time </a:t>
+            </a:r>
+          </a:p>
+          <a:p>
+            <a:pPr marL="285750" indent="-285750">
+              <a:buFont typeface="Arial" panose="020B0604020202020204" pitchFamily="34" charset="0"/>
+              <a:buChar char="•"/>
+            </a:pPr>
+            <a:r>
+              <a:rPr lang="en-US" sz="1400" dirty="0"/>
+              <a:t>Store Data for </a:t>
+            </a:r>
+            <a:r>
+              <a:rPr lang="en-US" sz="1400" dirty="0" err="1"/>
+              <a:t>Respose</a:t>
+            </a:r>
+            <a:endParaRPr lang="en-US" sz="1400" dirty="0"/>
+          </a:p>
+        </p:txBody>
+      </p:sp>
+      <p:cxnSp>
+        <p:nvCxnSpPr>
+          <p:cNvPr id="20" name="Connector: Elbow 19">
+            <a:extLst>
+              <a:ext uri="{FF2B5EF4-FFF2-40B4-BE49-F238E27FC236}">
+                <a16:creationId xmlns:a16="http://schemas.microsoft.com/office/drawing/2014/main" id="{D45457E5-49B8-C99F-2DCC-347FDC99E18C}"/>
+              </a:ext>
+            </a:extLst>
+          </p:cNvPr>
+          <p:cNvCxnSpPr>
+            <a:stCxn id="8" idx="1"/>
+            <a:endCxn id="18" idx="0"/>
+          </p:cNvCxnSpPr>
+          <p:nvPr/>
+        </p:nvCxnSpPr>
+        <p:spPr>
+          <a:xfrm rot="10800000" flipV="1">
+            <a:off x="8535178" y="2322548"/>
+            <a:ext cx="818761" cy="122071"/>
+          </a:xfrm>
+          <a:prstGeom prst="bentConnector2">
+            <a:avLst/>
+          </a:prstGeom>
+          <a:ln>
+            <a:tailEnd type="triangle"/>
+          </a:ln>
+        </p:spPr>
+        <p:style>
+          <a:lnRef idx="1">
+            <a:schemeClr val="accent1"/>
+          </a:lnRef>
+          <a:fillRef idx="0">
+            <a:schemeClr val="accent1"/>
+          </a:fillRef>
+          <a:effectRef idx="0">
+            <a:schemeClr val="accent1"/>
+          </a:effectRef>
+          <a:fontRef idx="minor">
+            <a:schemeClr val="tx1"/>
+          </a:fontRef>
+        </p:style>
+      </p:cxnSp>
+      <p:cxnSp>
+        <p:nvCxnSpPr>
+          <p:cNvPr id="22" name="Straight Arrow Connector 21">
+            <a:extLst>
+              <a:ext uri="{FF2B5EF4-FFF2-40B4-BE49-F238E27FC236}">
+                <a16:creationId xmlns:a16="http://schemas.microsoft.com/office/drawing/2014/main" id="{B3A26D6E-4257-5C7F-96A8-0740A1EC4764}"/>
+              </a:ext>
+            </a:extLst>
+          </p:cNvPr>
+          <p:cNvCxnSpPr>
+            <a:stCxn id="18" idx="2"/>
+            <a:endCxn id="13" idx="1"/>
+          </p:cNvCxnSpPr>
+          <p:nvPr/>
+        </p:nvCxnSpPr>
+        <p:spPr>
+          <a:xfrm flipH="1">
+            <a:off x="6604000" y="4691389"/>
+            <a:ext cx="1931177" cy="1665868"/>
+          </a:xfrm>
+          <a:prstGeom prst="straightConnector1">
+            <a:avLst/>
+          </a:prstGeom>
+          <a:ln>
+            <a:tailEnd type="triangle"/>
+          </a:ln>
+        </p:spPr>
+        <p:style>
+          <a:lnRef idx="1">
+            <a:schemeClr val="accent1"/>
+          </a:lnRef>
+          <a:fillRef idx="0">
+            <a:schemeClr val="accent1"/>
+          </a:fillRef>
+          <a:effectRef idx="0">
+            <a:schemeClr val="accent1"/>
+          </a:effectRef>
+          <a:fontRef idx="minor">
+            <a:schemeClr val="tx1"/>
+          </a:fontRef>
+        </p:style>
+      </p:cxnSp>
+      <p:sp>
+        <p:nvSpPr>
+          <p:cNvPr id="23" name="Arrow: Left 22">
+            <a:extLst>
+              <a:ext uri="{FF2B5EF4-FFF2-40B4-BE49-F238E27FC236}">
+                <a16:creationId xmlns:a16="http://schemas.microsoft.com/office/drawing/2014/main" id="{224BDB0A-40FD-6AE2-8FF6-D4CAAA643CCC}"/>
+              </a:ext>
+            </a:extLst>
+          </p:cNvPr>
+          <p:cNvSpPr/>
+          <p:nvPr/>
+        </p:nvSpPr>
+        <p:spPr>
+          <a:xfrm>
+            <a:off x="1688841" y="1558212"/>
+            <a:ext cx="5971591" cy="821842"/>
+          </a:xfrm>
+          <a:prstGeom prst="leftArrow">
+            <a:avLst/>
+          </a:prstGeom>
+        </p:spPr>
+        <p:style>
+          <a:lnRef idx="2">
+            <a:schemeClr val="accent1">
+              <a:shade val="50000"/>
+            </a:schemeClr>
+          </a:lnRef>
+          <a:fillRef idx="1">
+            <a:schemeClr val="accent1"/>
+          </a:fillRef>
+          <a:effectRef idx="0">
+            <a:schemeClr val="accent1"/>
+          </a:effectRef>
+          <a:fontRef idx="minor">
+            <a:schemeClr val="lt1"/>
+          </a:fontRef>
+        </p:style>
+        <p:txBody>
+          <a:bodyPr rtlCol="0" anchor="ctr"/>
+          <a:lstStyle/>
+          <a:p>
+            <a:pPr algn="ctr"/>
+            <a:r>
+              <a:rPr lang="en-US" b="1" dirty="0"/>
+              <a:t>4. Response with SessionID and Cookie</a:t>
+            </a:r>
+          </a:p>
+        </p:txBody>
+      </p:sp>
+      <p:sp>
+        <p:nvSpPr>
+          <p:cNvPr id="24" name="Oval 23">
+            <a:extLst>
+              <a:ext uri="{FF2B5EF4-FFF2-40B4-BE49-F238E27FC236}">
+                <a16:creationId xmlns:a16="http://schemas.microsoft.com/office/drawing/2014/main" id="{B6D80588-D506-29AB-A830-505730ABD752}"/>
+              </a:ext>
+            </a:extLst>
+          </p:cNvPr>
+          <p:cNvSpPr/>
+          <p:nvPr/>
+        </p:nvSpPr>
+        <p:spPr>
+          <a:xfrm>
+            <a:off x="8677469" y="1832690"/>
+            <a:ext cx="531845" cy="377117"/>
+          </a:xfrm>
+          <a:prstGeom prst="ellipse">
+            <a:avLst/>
+          </a:prstGeom>
+        </p:spPr>
+        <p:style>
+          <a:lnRef idx="2">
+            <a:schemeClr val="accent1">
+              <a:shade val="50000"/>
+            </a:schemeClr>
+          </a:lnRef>
+          <a:fillRef idx="1">
+            <a:schemeClr val="accent1"/>
+          </a:fillRef>
+          <a:effectRef idx="0">
+            <a:schemeClr val="accent1"/>
+          </a:effectRef>
+          <a:fontRef idx="minor">
+            <a:schemeClr val="lt1"/>
+          </a:fontRef>
+        </p:style>
+        <p:txBody>
+          <a:bodyPr rtlCol="0" anchor="ctr"/>
+          <a:lstStyle/>
+          <a:p>
+            <a:pPr algn="ctr"/>
+            <a:r>
+              <a:rPr lang="en-US" sz="1200" dirty="0"/>
+              <a:t>3A</a:t>
+            </a:r>
+          </a:p>
+        </p:txBody>
+      </p:sp>
+      <p:sp>
+        <p:nvSpPr>
+          <p:cNvPr id="25" name="Flowchart: Card 24">
+            <a:extLst>
+              <a:ext uri="{FF2B5EF4-FFF2-40B4-BE49-F238E27FC236}">
+                <a16:creationId xmlns:a16="http://schemas.microsoft.com/office/drawing/2014/main" id="{72D1B651-FB07-974E-1096-FF7585CEAB76}"/>
+              </a:ext>
+            </a:extLst>
+          </p:cNvPr>
+          <p:cNvSpPr/>
+          <p:nvPr/>
+        </p:nvSpPr>
+        <p:spPr>
+          <a:xfrm>
+            <a:off x="435429" y="5746206"/>
+            <a:ext cx="898849" cy="794553"/>
+          </a:xfrm>
+          <a:prstGeom prst="flowChartPunchedCard">
+            <a:avLst/>
+          </a:prstGeom>
+          <a:solidFill>
+            <a:schemeClr val="accent2"/>
+          </a:solidFill>
+        </p:spPr>
+        <p:style>
+          <a:lnRef idx="2">
+            <a:schemeClr val="accent1">
+              <a:shade val="50000"/>
+            </a:schemeClr>
+          </a:lnRef>
+          <a:fillRef idx="1">
+            <a:schemeClr val="accent1"/>
+          </a:fillRef>
+          <a:effectRef idx="0">
+            <a:schemeClr val="accent1"/>
+          </a:effectRef>
+          <a:fontRef idx="minor">
+            <a:schemeClr val="lt1"/>
+          </a:fontRef>
+        </p:style>
+        <p:txBody>
+          <a:bodyPr rtlCol="0" anchor="ctr"/>
+          <a:lstStyle/>
+          <a:p>
+            <a:pPr algn="ctr"/>
+            <a:r>
+              <a:rPr lang="en-US" sz="1400" b="1" dirty="0"/>
+              <a:t>Cookie with </a:t>
+            </a:r>
+          </a:p>
+          <a:p>
+            <a:pPr algn="ctr"/>
+            <a:r>
+              <a:rPr lang="en-US" sz="1400" b="1" dirty="0"/>
+              <a:t>SessionID</a:t>
+            </a:r>
+          </a:p>
+        </p:txBody>
+      </p:sp>
+      <p:sp>
+        <p:nvSpPr>
+          <p:cNvPr id="26" name="Arrow: Right 25">
+            <a:extLst>
+              <a:ext uri="{FF2B5EF4-FFF2-40B4-BE49-F238E27FC236}">
+                <a16:creationId xmlns:a16="http://schemas.microsoft.com/office/drawing/2014/main" id="{35EC3A3C-ADB3-8AC9-0052-7A8E9321B733}"/>
+              </a:ext>
+            </a:extLst>
+          </p:cNvPr>
+          <p:cNvSpPr/>
+          <p:nvPr/>
+        </p:nvSpPr>
+        <p:spPr>
+          <a:xfrm>
+            <a:off x="1497563" y="2501352"/>
+            <a:ext cx="6116216" cy="905069"/>
+          </a:xfrm>
+          <a:prstGeom prst="rightArrow">
+            <a:avLst/>
+          </a:prstGeom>
+        </p:spPr>
+        <p:style>
+          <a:lnRef idx="2">
+            <a:schemeClr val="accent1">
+              <a:shade val="50000"/>
+            </a:schemeClr>
+          </a:lnRef>
+          <a:fillRef idx="1">
+            <a:schemeClr val="accent1"/>
+          </a:fillRef>
+          <a:effectRef idx="0">
+            <a:schemeClr val="accent1"/>
+          </a:effectRef>
+          <a:fontRef idx="minor">
+            <a:schemeClr val="lt1"/>
+          </a:fontRef>
+        </p:style>
+        <p:txBody>
+          <a:bodyPr rtlCol="0" anchor="ctr"/>
+          <a:lstStyle/>
+          <a:p>
+            <a:pPr algn="ctr"/>
+            <a:r>
+              <a:rPr lang="en-US" b="1" dirty="0"/>
+              <a:t>5. The Request with SessionID From Cookie in HTTP Header</a:t>
+            </a:r>
+          </a:p>
+        </p:txBody>
+      </p:sp>
+      <p:sp>
+        <p:nvSpPr>
+          <p:cNvPr id="27" name="TextBox 26">
+            <a:extLst>
+              <a:ext uri="{FF2B5EF4-FFF2-40B4-BE49-F238E27FC236}">
+                <a16:creationId xmlns:a16="http://schemas.microsoft.com/office/drawing/2014/main" id="{D14A2F96-E4BF-FC72-91CD-9826C1736507}"/>
+              </a:ext>
+            </a:extLst>
+          </p:cNvPr>
+          <p:cNvSpPr txBox="1"/>
+          <p:nvPr/>
+        </p:nvSpPr>
+        <p:spPr>
+          <a:xfrm>
+            <a:off x="7875037" y="1740553"/>
+            <a:ext cx="779104" cy="461665"/>
+          </a:xfrm>
+          <a:prstGeom prst="rect">
+            <a:avLst/>
+          </a:prstGeom>
+          <a:noFill/>
+        </p:spPr>
+        <p:txBody>
+          <a:bodyPr wrap="square" rtlCol="0">
+            <a:spAutoFit/>
+          </a:bodyPr>
+          <a:lstStyle/>
+          <a:p>
+            <a:r>
+              <a:rPr lang="en-US" sz="1200" b="1" dirty="0"/>
+              <a:t>New</a:t>
+            </a:r>
+          </a:p>
+          <a:p>
+            <a:r>
+              <a:rPr lang="en-US" sz="1200" b="1" dirty="0"/>
+              <a:t>Session</a:t>
+            </a:r>
+          </a:p>
+        </p:txBody>
+      </p:sp>
+      <p:sp>
+        <p:nvSpPr>
+          <p:cNvPr id="28" name="Oval 27">
+            <a:extLst>
+              <a:ext uri="{FF2B5EF4-FFF2-40B4-BE49-F238E27FC236}">
+                <a16:creationId xmlns:a16="http://schemas.microsoft.com/office/drawing/2014/main" id="{DF1324F7-EBFE-5729-F57F-DF757E644470}"/>
+              </a:ext>
+            </a:extLst>
+          </p:cNvPr>
+          <p:cNvSpPr/>
+          <p:nvPr/>
+        </p:nvSpPr>
+        <p:spPr>
+          <a:xfrm>
+            <a:off x="10088725" y="1780574"/>
+            <a:ext cx="531845" cy="377117"/>
+          </a:xfrm>
+          <a:prstGeom prst="ellipse">
+            <a:avLst/>
+          </a:prstGeom>
+        </p:spPr>
+        <p:style>
+          <a:lnRef idx="2">
+            <a:schemeClr val="accent1">
+              <a:shade val="50000"/>
+            </a:schemeClr>
+          </a:lnRef>
+          <a:fillRef idx="1">
+            <a:schemeClr val="accent1"/>
+          </a:fillRef>
+          <a:effectRef idx="0">
+            <a:schemeClr val="accent1"/>
+          </a:effectRef>
+          <a:fontRef idx="minor">
+            <a:schemeClr val="lt1"/>
+          </a:fontRef>
+        </p:style>
+        <p:txBody>
+          <a:bodyPr rtlCol="0" anchor="ctr"/>
+          <a:lstStyle/>
+          <a:p>
+            <a:pPr algn="ctr"/>
+            <a:r>
+              <a:rPr lang="en-US" sz="1200" dirty="0"/>
+              <a:t>3B</a:t>
+            </a:r>
+          </a:p>
+        </p:txBody>
+      </p:sp>
+      <p:sp>
+        <p:nvSpPr>
+          <p:cNvPr id="29" name="TextBox 28">
+            <a:extLst>
+              <a:ext uri="{FF2B5EF4-FFF2-40B4-BE49-F238E27FC236}">
+                <a16:creationId xmlns:a16="http://schemas.microsoft.com/office/drawing/2014/main" id="{7DFDD416-F778-5ED3-E52D-09548CB1C97E}"/>
+              </a:ext>
+            </a:extLst>
+          </p:cNvPr>
+          <p:cNvSpPr txBox="1"/>
+          <p:nvPr/>
+        </p:nvSpPr>
+        <p:spPr>
+          <a:xfrm>
+            <a:off x="10825844" y="1748142"/>
+            <a:ext cx="779104" cy="646331"/>
+          </a:xfrm>
+          <a:prstGeom prst="rect">
+            <a:avLst/>
+          </a:prstGeom>
+          <a:noFill/>
+        </p:spPr>
+        <p:txBody>
+          <a:bodyPr wrap="square" rtlCol="0">
+            <a:spAutoFit/>
+          </a:bodyPr>
+          <a:lstStyle/>
+          <a:p>
+            <a:r>
+              <a:rPr lang="en-US" sz="1200" b="1" dirty="0"/>
+              <a:t>Not a New</a:t>
+            </a:r>
+          </a:p>
+          <a:p>
+            <a:r>
+              <a:rPr lang="en-US" sz="1200" b="1" dirty="0"/>
+              <a:t>Session</a:t>
+            </a:r>
+          </a:p>
+        </p:txBody>
+      </p:sp>
+      <p:sp>
+        <p:nvSpPr>
+          <p:cNvPr id="30" name="TextBox 29">
+            <a:extLst>
+              <a:ext uri="{FF2B5EF4-FFF2-40B4-BE49-F238E27FC236}">
+                <a16:creationId xmlns:a16="http://schemas.microsoft.com/office/drawing/2014/main" id="{8787900C-10EB-689A-B967-452460AF14CE}"/>
+              </a:ext>
+            </a:extLst>
+          </p:cNvPr>
+          <p:cNvSpPr txBox="1"/>
+          <p:nvPr/>
+        </p:nvSpPr>
+        <p:spPr>
+          <a:xfrm>
+            <a:off x="10088726" y="2501352"/>
+            <a:ext cx="1667846" cy="3477875"/>
+          </a:xfrm>
+          <a:prstGeom prst="rect">
+            <a:avLst/>
+          </a:prstGeom>
+          <a:noFill/>
+        </p:spPr>
+        <p:txBody>
+          <a:bodyPr wrap="square" rtlCol="0">
+            <a:spAutoFit/>
+          </a:bodyPr>
+          <a:lstStyle/>
+          <a:p>
+            <a:pPr marL="285750" indent="-285750">
+              <a:buFont typeface="Arial" panose="020B0604020202020204" pitchFamily="34" charset="0"/>
+              <a:buChar char="•"/>
+            </a:pPr>
+            <a:r>
+              <a:rPr lang="en-US" sz="1100" dirty="0"/>
+              <a:t>Check the SessionID and Current Request Time for the request</a:t>
+            </a:r>
+          </a:p>
+          <a:p>
+            <a:pPr marL="285750" indent="-285750">
+              <a:buFont typeface="Arial" panose="020B0604020202020204" pitchFamily="34" charset="0"/>
+              <a:buChar char="•"/>
+            </a:pPr>
+            <a:r>
+              <a:rPr lang="en-US" sz="1100" dirty="0"/>
+              <a:t>From the </a:t>
+            </a:r>
+            <a:r>
+              <a:rPr lang="en-US" sz="1100" dirty="0" err="1"/>
+              <a:t>Metabase</a:t>
+            </a:r>
+            <a:r>
+              <a:rPr lang="en-US" sz="1100" dirty="0"/>
+              <a:t> check if the Difference in Current Request Time and Last Response Time is more than Time Out</a:t>
+            </a:r>
+          </a:p>
+          <a:p>
+            <a:pPr marL="285750" indent="-285750">
+              <a:buFont typeface="Arial" panose="020B0604020202020204" pitchFamily="34" charset="0"/>
+              <a:buChar char="•"/>
+            </a:pPr>
+            <a:r>
+              <a:rPr lang="en-US" sz="1100" dirty="0"/>
+              <a:t>If yes then Close the session and </a:t>
+            </a:r>
+            <a:r>
+              <a:rPr lang="en-US" sz="1100" dirty="0" err="1"/>
+              <a:t>LogOut</a:t>
+            </a:r>
+            <a:r>
+              <a:rPr lang="en-US" sz="1100" dirty="0"/>
+              <a:t> else process the request, make other entry in </a:t>
+            </a:r>
+            <a:r>
+              <a:rPr lang="en-US" sz="1100" dirty="0" err="1"/>
+              <a:t>Metabase</a:t>
+            </a:r>
+            <a:r>
+              <a:rPr lang="en-US" sz="1100" dirty="0"/>
+              <a:t> for Same SessionID with new data and new Last Request Time  </a:t>
+            </a:r>
+          </a:p>
+          <a:p>
+            <a:pPr marL="285750" indent="-285750">
+              <a:buFont typeface="Arial" panose="020B0604020202020204" pitchFamily="34" charset="0"/>
+              <a:buChar char="•"/>
+            </a:pPr>
+            <a:r>
+              <a:rPr lang="en-US" sz="1100" dirty="0"/>
+              <a:t>Send Response</a:t>
+            </a:r>
+          </a:p>
+        </p:txBody>
+      </p:sp>
+      <p:sp>
+        <p:nvSpPr>
+          <p:cNvPr id="31" name="Arrow: Left 30">
+            <a:extLst>
+              <a:ext uri="{FF2B5EF4-FFF2-40B4-BE49-F238E27FC236}">
+                <a16:creationId xmlns:a16="http://schemas.microsoft.com/office/drawing/2014/main" id="{8228AF29-0712-E65D-FB77-28AF699EB4C7}"/>
+              </a:ext>
+            </a:extLst>
+          </p:cNvPr>
+          <p:cNvSpPr/>
+          <p:nvPr/>
+        </p:nvSpPr>
+        <p:spPr>
+          <a:xfrm>
+            <a:off x="1478902" y="3629608"/>
+            <a:ext cx="6237513" cy="1036575"/>
+          </a:xfrm>
+          <a:prstGeom prst="leftArrow">
+            <a:avLst/>
+          </a:prstGeom>
+        </p:spPr>
+        <p:style>
+          <a:lnRef idx="2">
+            <a:schemeClr val="accent1">
+              <a:shade val="50000"/>
+            </a:schemeClr>
+          </a:lnRef>
+          <a:fillRef idx="1">
+            <a:schemeClr val="accent1"/>
+          </a:fillRef>
+          <a:effectRef idx="0">
+            <a:schemeClr val="accent1"/>
+          </a:effectRef>
+          <a:fontRef idx="minor">
+            <a:schemeClr val="lt1"/>
+          </a:fontRef>
+        </p:style>
+        <p:txBody>
+          <a:bodyPr rtlCol="0" anchor="ctr"/>
+          <a:lstStyle/>
+          <a:p>
+            <a:pPr algn="ctr"/>
+            <a:r>
+              <a:rPr lang="en-US" b="1" dirty="0"/>
+              <a:t>6. If Not time out the new response else session time out response</a:t>
+            </a:r>
+          </a:p>
+        </p:txBody>
+      </p:sp>
+      <p:cxnSp>
+        <p:nvCxnSpPr>
+          <p:cNvPr id="33" name="Connector: Elbow 32">
+            <a:extLst>
+              <a:ext uri="{FF2B5EF4-FFF2-40B4-BE49-F238E27FC236}">
+                <a16:creationId xmlns:a16="http://schemas.microsoft.com/office/drawing/2014/main" id="{672D443C-3AA6-7F0B-A6F2-E615EF76E0BB}"/>
+              </a:ext>
+            </a:extLst>
+          </p:cNvPr>
+          <p:cNvCxnSpPr>
+            <a:endCxn id="30" idx="0"/>
+          </p:cNvCxnSpPr>
+          <p:nvPr/>
+        </p:nvCxnSpPr>
+        <p:spPr>
+          <a:xfrm>
+            <a:off x="10165702" y="2322548"/>
+            <a:ext cx="756947" cy="178804"/>
+          </a:xfrm>
+          <a:prstGeom prst="bentConnector2">
+            <a:avLst/>
+          </a:prstGeom>
+          <a:ln>
+            <a:tailEnd type="triangle"/>
+          </a:ln>
+        </p:spPr>
+        <p:style>
+          <a:lnRef idx="1">
+            <a:schemeClr val="accent1"/>
+          </a:lnRef>
+          <a:fillRef idx="0">
+            <a:schemeClr val="accent1"/>
+          </a:fillRef>
+          <a:effectRef idx="0">
+            <a:schemeClr val="accent1"/>
+          </a:effectRef>
+          <a:fontRef idx="minor">
+            <a:schemeClr val="tx1"/>
+          </a:fontRef>
+        </p:style>
+      </p:cxnSp>
+    </p:spTree>
+    <p:extLst>
+      <p:ext uri="{BB962C8B-B14F-4D97-AF65-F5344CB8AC3E}">
+        <p14:creationId xmlns:p14="http://schemas.microsoft.com/office/powerpoint/2010/main" val="2318369953"/>
+      </p:ext>
+    </p:extLst>
+  </p:cSld>
+  <p:clrMapOvr>
+    <a:masterClrMapping/>
+  </p:clrMapOvr>
+</p:sld>
+</file>
+
+<file path=ppt/slides/slide38.xml><?xml version="1.0" encoding="utf-8"?>
+<p:sld xmlns:a="http://schemas.openxmlformats.org/drawingml/2006/main" xmlns:r="http://schemas.openxmlformats.org/officeDocument/2006/relationships" xmlns:p="http://schemas.openxmlformats.org/presentationml/2006/main">
+  <p:cSld>
+    <p:spTree>
+      <p:nvGrpSpPr>
+        <p:cNvPr id="1" name=""/>
+        <p:cNvGrpSpPr/>
+        <p:nvPr/>
+      </p:nvGrpSpPr>
+      <p:grpSpPr>
+        <a:xfrm>
+          <a:off x="0" y="0"/>
+          <a:ext cx="0" cy="0"/>
+          <a:chOff x="0" y="0"/>
+          <a:chExt cx="0" cy="0"/>
+        </a:xfrm>
+      </p:grpSpPr>
+      <p:sp>
+        <p:nvSpPr>
+          <p:cNvPr id="2" name="TextBox 1">
+            <a:extLst>
+              <a:ext uri="{FF2B5EF4-FFF2-40B4-BE49-F238E27FC236}">
+                <a16:creationId xmlns:a16="http://schemas.microsoft.com/office/drawing/2014/main" id="{1F7EB1F2-9E2C-E992-C8B2-3188F4D356A8}"/>
+              </a:ext>
+            </a:extLst>
+          </p:cNvPr>
+          <p:cNvSpPr txBox="1"/>
+          <p:nvPr/>
+        </p:nvSpPr>
+        <p:spPr>
+          <a:xfrm>
+            <a:off x="205273" y="121298"/>
+            <a:ext cx="11821886" cy="369332"/>
+          </a:xfrm>
+          <a:prstGeom prst="rect">
+            <a:avLst/>
+          </a:prstGeom>
+          <a:noFill/>
+        </p:spPr>
+        <p:txBody>
+          <a:bodyPr wrap="square" rtlCol="0">
+            <a:spAutoFit/>
+          </a:bodyPr>
+          <a:lstStyle/>
+          <a:p>
+            <a:pPr algn="ctr"/>
+            <a:r>
+              <a:rPr lang="en-US" b="1" dirty="0"/>
+              <a:t>Session Modes to Store The Session Information </a:t>
+            </a:r>
+          </a:p>
+        </p:txBody>
+      </p:sp>
+      <p:sp>
+        <p:nvSpPr>
+          <p:cNvPr id="3" name="Rectangle 2">
+            <a:extLst>
+              <a:ext uri="{FF2B5EF4-FFF2-40B4-BE49-F238E27FC236}">
+                <a16:creationId xmlns:a16="http://schemas.microsoft.com/office/drawing/2014/main" id="{2160BE93-2C91-C748-8954-82B4838BC52D}"/>
+              </a:ext>
+            </a:extLst>
+          </p:cNvPr>
+          <p:cNvSpPr/>
+          <p:nvPr/>
+        </p:nvSpPr>
+        <p:spPr>
+          <a:xfrm>
+            <a:off x="1567544" y="639146"/>
+            <a:ext cx="7389844" cy="6097555"/>
+          </a:xfrm>
+          <a:prstGeom prst="rect">
+            <a:avLst/>
+          </a:prstGeom>
+        </p:spPr>
+        <p:style>
+          <a:lnRef idx="2">
+            <a:schemeClr val="accent4"/>
+          </a:lnRef>
+          <a:fillRef idx="1">
+            <a:schemeClr val="lt1"/>
+          </a:fillRef>
+          <a:effectRef idx="0">
+            <a:schemeClr val="accent4"/>
+          </a:effectRef>
+          <a:fontRef idx="minor">
+            <a:schemeClr val="dk1"/>
+          </a:fontRef>
+        </p:style>
+        <p:txBody>
+          <a:bodyPr rtlCol="0" anchor="ctr"/>
+          <a:lstStyle/>
+          <a:p>
+            <a:pPr algn="ctr"/>
+            <a:endParaRPr lang="en-US"/>
+          </a:p>
+        </p:txBody>
+      </p:sp>
+      <p:sp>
+        <p:nvSpPr>
+          <p:cNvPr id="4" name="TextBox 3">
+            <a:extLst>
+              <a:ext uri="{FF2B5EF4-FFF2-40B4-BE49-F238E27FC236}">
+                <a16:creationId xmlns:a16="http://schemas.microsoft.com/office/drawing/2014/main" id="{61576DBD-9567-EB75-70F6-2DB057AE556F}"/>
+              </a:ext>
+            </a:extLst>
+          </p:cNvPr>
+          <p:cNvSpPr txBox="1"/>
+          <p:nvPr/>
+        </p:nvSpPr>
+        <p:spPr>
+          <a:xfrm>
+            <a:off x="1679510" y="802433"/>
+            <a:ext cx="3676261" cy="369332"/>
+          </a:xfrm>
+          <a:prstGeom prst="rect">
+            <a:avLst/>
+          </a:prstGeom>
+          <a:noFill/>
+        </p:spPr>
+        <p:txBody>
+          <a:bodyPr wrap="square" rtlCol="0">
+            <a:spAutoFit/>
+          </a:bodyPr>
+          <a:lstStyle/>
+          <a:p>
+            <a:pPr algn="ctr"/>
+            <a:r>
+              <a:rPr lang="en-US" b="1" dirty="0"/>
+              <a:t>IIS Web Server</a:t>
+            </a:r>
+          </a:p>
+        </p:txBody>
+      </p:sp>
+      <p:sp>
+        <p:nvSpPr>
+          <p:cNvPr id="5" name="Rectangle: Rounded Corners 4">
+            <a:extLst>
+              <a:ext uri="{FF2B5EF4-FFF2-40B4-BE49-F238E27FC236}">
+                <a16:creationId xmlns:a16="http://schemas.microsoft.com/office/drawing/2014/main" id="{2832DD91-A341-B7B9-5DE3-99B9176B8AAA}"/>
+              </a:ext>
+            </a:extLst>
+          </p:cNvPr>
+          <p:cNvSpPr/>
+          <p:nvPr/>
+        </p:nvSpPr>
+        <p:spPr>
+          <a:xfrm>
+            <a:off x="1679510" y="1922106"/>
+            <a:ext cx="3676261" cy="2369976"/>
+          </a:xfrm>
+          <a:prstGeom prst="roundRect">
+            <a:avLst/>
+          </a:prstGeom>
+        </p:spPr>
+        <p:style>
+          <a:lnRef idx="2">
+            <a:schemeClr val="accent4">
+              <a:shade val="50000"/>
+            </a:schemeClr>
+          </a:lnRef>
+          <a:fillRef idx="1">
+            <a:schemeClr val="accent4"/>
+          </a:fillRef>
+          <a:effectRef idx="0">
+            <a:schemeClr val="accent4"/>
+          </a:effectRef>
+          <a:fontRef idx="minor">
+            <a:schemeClr val="lt1"/>
+          </a:fontRef>
+        </p:style>
+        <p:txBody>
+          <a:bodyPr rtlCol="0" anchor="ctr"/>
+          <a:lstStyle/>
+          <a:p>
+            <a:pPr algn="ctr"/>
+            <a:r>
+              <a:rPr lang="en-US" b="1" dirty="0"/>
+              <a:t>ASP.NET WebForm Application</a:t>
+            </a:r>
+          </a:p>
+        </p:txBody>
+      </p:sp>
+      <p:sp>
+        <p:nvSpPr>
+          <p:cNvPr id="6" name="Rectangle 5">
+            <a:extLst>
+              <a:ext uri="{FF2B5EF4-FFF2-40B4-BE49-F238E27FC236}">
+                <a16:creationId xmlns:a16="http://schemas.microsoft.com/office/drawing/2014/main" id="{03287EF4-72C8-CDA4-AA5C-6B0A64E376A6}"/>
+              </a:ext>
+            </a:extLst>
+          </p:cNvPr>
+          <p:cNvSpPr/>
+          <p:nvPr/>
+        </p:nvSpPr>
+        <p:spPr>
+          <a:xfrm>
+            <a:off x="1679510" y="4553339"/>
+            <a:ext cx="3573625" cy="886408"/>
+          </a:xfrm>
+          <a:prstGeom prst="rect">
+            <a:avLst/>
+          </a:prstGeom>
+        </p:spPr>
+        <p:style>
+          <a:lnRef idx="2">
+            <a:schemeClr val="accent1">
+              <a:shade val="50000"/>
+            </a:schemeClr>
+          </a:lnRef>
+          <a:fillRef idx="1">
+            <a:schemeClr val="accent1"/>
+          </a:fillRef>
+          <a:effectRef idx="0">
+            <a:schemeClr val="accent1"/>
+          </a:effectRef>
+          <a:fontRef idx="minor">
+            <a:schemeClr val="lt1"/>
+          </a:fontRef>
+        </p:style>
+        <p:txBody>
+          <a:bodyPr rtlCol="0" anchor="ctr"/>
+          <a:lstStyle/>
+          <a:p>
+            <a:pPr algn="ctr"/>
+            <a:r>
+              <a:rPr lang="en-US" b="1" dirty="0"/>
+              <a:t>ASP.NET Runtime</a:t>
+            </a:r>
+          </a:p>
+        </p:txBody>
+      </p:sp>
+      <p:graphicFrame>
+        <p:nvGraphicFramePr>
+          <p:cNvPr id="7" name="Table 7">
+            <a:extLst>
+              <a:ext uri="{FF2B5EF4-FFF2-40B4-BE49-F238E27FC236}">
+                <a16:creationId xmlns:a16="http://schemas.microsoft.com/office/drawing/2014/main" id="{5A763EA6-01DE-AE5F-1260-D38B29B1996F}"/>
+              </a:ext>
+            </a:extLst>
+          </p:cNvPr>
+          <p:cNvGraphicFramePr>
+            <a:graphicFrameLocks noGrp="1"/>
+          </p:cNvGraphicFramePr>
+          <p:nvPr>
+            <p:extLst>
+              <p:ext uri="{D42A27DB-BD31-4B8C-83A1-F6EECF244321}">
+                <p14:modId xmlns:p14="http://schemas.microsoft.com/office/powerpoint/2010/main" val="3525615675"/>
+              </p:ext>
+            </p:extLst>
+          </p:nvPr>
+        </p:nvGraphicFramePr>
+        <p:xfrm>
+          <a:off x="5150498" y="5848014"/>
+          <a:ext cx="3452328" cy="741680"/>
+        </p:xfrm>
+        <a:graphic>
+          <a:graphicData uri="http://schemas.openxmlformats.org/drawingml/2006/table">
+            <a:tbl>
+              <a:tblPr firstRow="1" bandRow="1">
+                <a:tableStyleId>{5C22544A-7EE6-4342-B048-85BDC9FD1C3A}</a:tableStyleId>
+              </a:tblPr>
+              <a:tblGrid>
+                <a:gridCol w="863082">
+                  <a:extLst>
+                    <a:ext uri="{9D8B030D-6E8A-4147-A177-3AD203B41FA5}">
+                      <a16:colId xmlns:a16="http://schemas.microsoft.com/office/drawing/2014/main" val="1010847101"/>
+                    </a:ext>
+                  </a:extLst>
+                </a:gridCol>
+                <a:gridCol w="863082">
+                  <a:extLst>
+                    <a:ext uri="{9D8B030D-6E8A-4147-A177-3AD203B41FA5}">
+                      <a16:colId xmlns:a16="http://schemas.microsoft.com/office/drawing/2014/main" val="665105827"/>
+                    </a:ext>
+                  </a:extLst>
+                </a:gridCol>
+                <a:gridCol w="863082">
+                  <a:extLst>
+                    <a:ext uri="{9D8B030D-6E8A-4147-A177-3AD203B41FA5}">
+                      <a16:colId xmlns:a16="http://schemas.microsoft.com/office/drawing/2014/main" val="3683849195"/>
+                    </a:ext>
+                  </a:extLst>
+                </a:gridCol>
+                <a:gridCol w="863082">
+                  <a:extLst>
+                    <a:ext uri="{9D8B030D-6E8A-4147-A177-3AD203B41FA5}">
+                      <a16:colId xmlns:a16="http://schemas.microsoft.com/office/drawing/2014/main" val="1153813017"/>
+                    </a:ext>
+                  </a:extLst>
+                </a:gridCol>
+              </a:tblGrid>
+              <a:tr h="370840">
+                <a:tc>
+                  <a:txBody>
+                    <a:bodyPr/>
+                    <a:lstStyle/>
+                    <a:p>
+                      <a:endParaRPr lang="en-US"/>
+                    </a:p>
+                  </a:txBody>
+                  <a:tcPr/>
+                </a:tc>
+                <a:tc>
+                  <a:txBody>
+                    <a:bodyPr/>
+                    <a:lstStyle/>
+                    <a:p>
+                      <a:endParaRPr lang="en-US"/>
+                    </a:p>
+                  </a:txBody>
+                  <a:tcPr/>
+                </a:tc>
+                <a:tc>
+                  <a:txBody>
+                    <a:bodyPr/>
+                    <a:lstStyle/>
+                    <a:p>
+                      <a:endParaRPr lang="en-US"/>
+                    </a:p>
+                  </a:txBody>
+                  <a:tcPr/>
+                </a:tc>
+                <a:tc>
+                  <a:txBody>
+                    <a:bodyPr/>
+                    <a:lstStyle/>
+                    <a:p>
+                      <a:endParaRPr lang="en-US"/>
+                    </a:p>
+                  </a:txBody>
+                  <a:tcPr/>
+                </a:tc>
+                <a:extLst>
+                  <a:ext uri="{0D108BD9-81ED-4DB2-BD59-A6C34878D82A}">
+                    <a16:rowId xmlns:a16="http://schemas.microsoft.com/office/drawing/2014/main" val="3055279953"/>
+                  </a:ext>
+                </a:extLst>
+              </a:tr>
+              <a:tr h="370840">
+                <a:tc>
+                  <a:txBody>
+                    <a:bodyPr/>
+                    <a:lstStyle/>
+                    <a:p>
+                      <a:endParaRPr lang="en-US"/>
+                    </a:p>
+                  </a:txBody>
+                  <a:tcPr/>
+                </a:tc>
+                <a:tc>
+                  <a:txBody>
+                    <a:bodyPr/>
+                    <a:lstStyle/>
+                    <a:p>
+                      <a:endParaRPr lang="en-US" dirty="0"/>
+                    </a:p>
+                  </a:txBody>
+                  <a:tcPr/>
+                </a:tc>
+                <a:tc>
+                  <a:txBody>
+                    <a:bodyPr/>
+                    <a:lstStyle/>
+                    <a:p>
+                      <a:endParaRPr lang="en-US"/>
+                    </a:p>
+                  </a:txBody>
+                  <a:tcPr/>
+                </a:tc>
+                <a:tc>
+                  <a:txBody>
+                    <a:bodyPr/>
+                    <a:lstStyle/>
+                    <a:p>
+                      <a:endParaRPr lang="en-US" dirty="0"/>
+                    </a:p>
+                  </a:txBody>
+                  <a:tcPr/>
+                </a:tc>
+                <a:extLst>
+                  <a:ext uri="{0D108BD9-81ED-4DB2-BD59-A6C34878D82A}">
+                    <a16:rowId xmlns:a16="http://schemas.microsoft.com/office/drawing/2014/main" val="314389424"/>
+                  </a:ext>
+                </a:extLst>
+              </a:tr>
+            </a:tbl>
+          </a:graphicData>
+        </a:graphic>
+      </p:graphicFrame>
+      <p:sp>
+        <p:nvSpPr>
+          <p:cNvPr id="8" name="TextBox 7">
+            <a:extLst>
+              <a:ext uri="{FF2B5EF4-FFF2-40B4-BE49-F238E27FC236}">
+                <a16:creationId xmlns:a16="http://schemas.microsoft.com/office/drawing/2014/main" id="{D2D5D229-C056-E7FB-8007-FA51D06F8021}"/>
+              </a:ext>
+            </a:extLst>
+          </p:cNvPr>
+          <p:cNvSpPr txBox="1"/>
+          <p:nvPr/>
+        </p:nvSpPr>
+        <p:spPr>
+          <a:xfrm>
+            <a:off x="3023118" y="5962261"/>
+            <a:ext cx="1670180" cy="523220"/>
+          </a:xfrm>
+          <a:prstGeom prst="rect">
+            <a:avLst/>
+          </a:prstGeom>
+          <a:noFill/>
+        </p:spPr>
+        <p:txBody>
+          <a:bodyPr wrap="square" rtlCol="0">
+            <a:spAutoFit/>
+          </a:bodyPr>
+          <a:lstStyle/>
+          <a:p>
+            <a:r>
+              <a:rPr lang="en-US" sz="1400" b="1" dirty="0"/>
+              <a:t>InProc Session Storage (Default)</a:t>
+            </a:r>
+          </a:p>
+        </p:txBody>
+      </p:sp>
+      <p:cxnSp>
+        <p:nvCxnSpPr>
+          <p:cNvPr id="10" name="Connector: Elbow 9">
+            <a:extLst>
+              <a:ext uri="{FF2B5EF4-FFF2-40B4-BE49-F238E27FC236}">
+                <a16:creationId xmlns:a16="http://schemas.microsoft.com/office/drawing/2014/main" id="{62050E6B-1DBE-17DD-3099-7D6A2CA7D1C5}"/>
+              </a:ext>
+            </a:extLst>
+          </p:cNvPr>
+          <p:cNvCxnSpPr>
+            <a:stCxn id="5" idx="3"/>
+            <a:endCxn id="7" idx="0"/>
+          </p:cNvCxnSpPr>
+          <p:nvPr/>
+        </p:nvCxnSpPr>
+        <p:spPr>
+          <a:xfrm>
+            <a:off x="5355771" y="3107094"/>
+            <a:ext cx="1520891" cy="2740920"/>
+          </a:xfrm>
+          <a:prstGeom prst="bentConnector2">
+            <a:avLst/>
+          </a:prstGeom>
+          <a:ln>
+            <a:tailEnd type="triangle"/>
+          </a:ln>
+        </p:spPr>
+        <p:style>
+          <a:lnRef idx="1">
+            <a:schemeClr val="accent1"/>
+          </a:lnRef>
+          <a:fillRef idx="0">
+            <a:schemeClr val="accent1"/>
+          </a:fillRef>
+          <a:effectRef idx="0">
+            <a:schemeClr val="accent1"/>
+          </a:effectRef>
+          <a:fontRef idx="minor">
+            <a:schemeClr val="tx1"/>
+          </a:fontRef>
+        </p:style>
+      </p:cxnSp>
+      <p:cxnSp>
+        <p:nvCxnSpPr>
+          <p:cNvPr id="12" name="Connector: Elbow 11">
+            <a:extLst>
+              <a:ext uri="{FF2B5EF4-FFF2-40B4-BE49-F238E27FC236}">
+                <a16:creationId xmlns:a16="http://schemas.microsoft.com/office/drawing/2014/main" id="{F1DA2A9B-D5DD-F458-E40E-7C907A91873F}"/>
+              </a:ext>
+            </a:extLst>
+          </p:cNvPr>
+          <p:cNvCxnSpPr>
+            <a:endCxn id="5" idx="3"/>
+          </p:cNvCxnSpPr>
+          <p:nvPr/>
+        </p:nvCxnSpPr>
+        <p:spPr>
+          <a:xfrm rot="5400000" flipH="1" flipV="1">
+            <a:off x="3692976" y="4564617"/>
+            <a:ext cx="3120317" cy="205273"/>
+          </a:xfrm>
+          <a:prstGeom prst="bentConnector4">
+            <a:avLst>
+              <a:gd name="adj1" fmla="val 31012"/>
+              <a:gd name="adj2" fmla="val 211364"/>
+            </a:avLst>
+          </a:prstGeom>
+          <a:ln>
+            <a:tailEnd type="triangle"/>
+          </a:ln>
+        </p:spPr>
+        <p:style>
+          <a:lnRef idx="1">
+            <a:schemeClr val="accent1"/>
+          </a:lnRef>
+          <a:fillRef idx="0">
+            <a:schemeClr val="accent1"/>
+          </a:fillRef>
+          <a:effectRef idx="0">
+            <a:schemeClr val="accent1"/>
+          </a:effectRef>
+          <a:fontRef idx="minor">
+            <a:schemeClr val="tx1"/>
+          </a:fontRef>
+        </p:style>
+      </p:cxnSp>
+      <p:sp>
+        <p:nvSpPr>
+          <p:cNvPr id="13" name="TextBox 12">
+            <a:extLst>
+              <a:ext uri="{FF2B5EF4-FFF2-40B4-BE49-F238E27FC236}">
+                <a16:creationId xmlns:a16="http://schemas.microsoft.com/office/drawing/2014/main" id="{7A2489F2-FD48-1841-C6E3-36D5E97E4EB6}"/>
+              </a:ext>
+            </a:extLst>
+          </p:cNvPr>
+          <p:cNvSpPr txBox="1"/>
+          <p:nvPr/>
+        </p:nvSpPr>
+        <p:spPr>
+          <a:xfrm>
+            <a:off x="5766317" y="4292082"/>
+            <a:ext cx="3060441" cy="1200329"/>
+          </a:xfrm>
+          <a:prstGeom prst="rect">
+            <a:avLst/>
+          </a:prstGeom>
+          <a:noFill/>
+        </p:spPr>
+        <p:txBody>
+          <a:bodyPr wrap="square" rtlCol="0">
+            <a:spAutoFit/>
+          </a:bodyPr>
+          <a:lstStyle/>
+          <a:p>
+            <a:r>
+              <a:rPr lang="en-US" b="1" dirty="0"/>
+              <a:t>ASP.NET WebForm App Perform Read/Write Operations with </a:t>
+            </a:r>
+            <a:r>
+              <a:rPr lang="en-US" b="1" dirty="0" err="1"/>
+              <a:t>Metabase</a:t>
+            </a:r>
+            <a:r>
+              <a:rPr lang="en-US" b="1" dirty="0"/>
+              <a:t> (Fastest)</a:t>
+            </a:r>
+          </a:p>
+        </p:txBody>
+      </p:sp>
+      <p:sp>
+        <p:nvSpPr>
+          <p:cNvPr id="14" name="Cube 13">
+            <a:extLst>
+              <a:ext uri="{FF2B5EF4-FFF2-40B4-BE49-F238E27FC236}">
+                <a16:creationId xmlns:a16="http://schemas.microsoft.com/office/drawing/2014/main" id="{23716F77-5F0B-FDDF-C08D-6E72248D91AD}"/>
+              </a:ext>
+            </a:extLst>
+          </p:cNvPr>
+          <p:cNvSpPr/>
+          <p:nvPr/>
+        </p:nvSpPr>
+        <p:spPr>
+          <a:xfrm>
+            <a:off x="9181324" y="455254"/>
+            <a:ext cx="2799183" cy="2687216"/>
+          </a:xfrm>
+          <a:prstGeom prst="cube">
+            <a:avLst>
+              <a:gd name="adj" fmla="val 10764"/>
+            </a:avLst>
+          </a:prstGeom>
+          <a:solidFill>
+            <a:srgbClr val="FFFF00"/>
+          </a:solidFill>
+        </p:spPr>
+        <p:style>
+          <a:lnRef idx="2">
+            <a:schemeClr val="accent1">
+              <a:shade val="50000"/>
+            </a:schemeClr>
+          </a:lnRef>
+          <a:fillRef idx="1">
+            <a:schemeClr val="accent1"/>
+          </a:fillRef>
+          <a:effectRef idx="0">
+            <a:schemeClr val="accent1"/>
+          </a:effectRef>
+          <a:fontRef idx="minor">
+            <a:schemeClr val="lt1"/>
+          </a:fontRef>
+        </p:style>
+        <p:txBody>
+          <a:bodyPr rtlCol="0" anchor="ctr"/>
+          <a:lstStyle/>
+          <a:p>
+            <a:pPr algn="ctr"/>
+            <a:r>
+              <a:rPr lang="en-US" b="1" dirty="0">
+                <a:ln w="22225">
+                  <a:solidFill>
+                    <a:schemeClr val="accent2"/>
+                  </a:solidFill>
+                  <a:prstDash val="solid"/>
+                </a:ln>
+                <a:solidFill>
+                  <a:sysClr val="windowText" lastClr="000000"/>
+                </a:solidFill>
+              </a:rPr>
+              <a:t>ASP.NET State Server</a:t>
+            </a:r>
+          </a:p>
+          <a:p>
+            <a:pPr algn="ctr"/>
+            <a:r>
+              <a:rPr lang="en-US" b="1" dirty="0">
+                <a:ln w="22225">
+                  <a:solidFill>
+                    <a:schemeClr val="accent2"/>
+                  </a:solidFill>
+                  <a:prstDash val="solid"/>
+                </a:ln>
+                <a:solidFill>
+                  <a:sysClr val="windowText" lastClr="000000"/>
+                </a:solidFill>
+              </a:rPr>
+              <a:t>A Separate Process to Store Session Info</a:t>
+            </a:r>
+          </a:p>
+          <a:p>
+            <a:pPr algn="ctr"/>
+            <a:r>
+              <a:rPr lang="en-US" b="1" dirty="0">
+                <a:ln w="22225">
+                  <a:solidFill>
+                    <a:schemeClr val="accent2"/>
+                  </a:solidFill>
+                  <a:prstDash val="solid"/>
+                </a:ln>
+                <a:solidFill>
+                  <a:sysClr val="windowText" lastClr="000000"/>
+                </a:solidFill>
+              </a:rPr>
+              <a:t>Available on Port 42424</a:t>
+            </a:r>
+          </a:p>
+          <a:p>
+            <a:pPr algn="ctr"/>
+            <a:r>
+              <a:rPr lang="en-US" b="1" dirty="0">
+                <a:ln w="22225">
+                  <a:solidFill>
+                    <a:schemeClr val="accent2"/>
+                  </a:solidFill>
+                  <a:prstDash val="solid"/>
+                </a:ln>
+                <a:solidFill>
+                  <a:sysClr val="windowText" lastClr="000000"/>
+                </a:solidFill>
+              </a:rPr>
+              <a:t>Aka </a:t>
+            </a:r>
+            <a:r>
+              <a:rPr lang="en-US" b="1" dirty="0" err="1">
+                <a:ln w="22225">
+                  <a:solidFill>
+                    <a:schemeClr val="accent2"/>
+                  </a:solidFill>
+                  <a:prstDash val="solid"/>
+                </a:ln>
+                <a:solidFill>
+                  <a:sysClr val="windowText" lastClr="000000"/>
+                </a:solidFill>
+              </a:rPr>
+              <a:t>StateServer</a:t>
+            </a:r>
+            <a:endParaRPr lang="en-US" b="1" dirty="0">
+              <a:ln w="22225">
+                <a:solidFill>
+                  <a:schemeClr val="accent2"/>
+                </a:solidFill>
+                <a:prstDash val="solid"/>
+              </a:ln>
+              <a:solidFill>
+                <a:sysClr val="windowText" lastClr="000000"/>
+              </a:solidFill>
+            </a:endParaRPr>
+          </a:p>
+        </p:txBody>
+      </p:sp>
+      <p:cxnSp>
+        <p:nvCxnSpPr>
+          <p:cNvPr id="16" name="Connector: Elbow 15">
+            <a:extLst>
+              <a:ext uri="{FF2B5EF4-FFF2-40B4-BE49-F238E27FC236}">
+                <a16:creationId xmlns:a16="http://schemas.microsoft.com/office/drawing/2014/main" id="{683F5650-A345-FFBD-295C-DC198981456B}"/>
+              </a:ext>
+            </a:extLst>
+          </p:cNvPr>
+          <p:cNvCxnSpPr>
+            <a:stCxn id="5" idx="0"/>
+          </p:cNvCxnSpPr>
+          <p:nvPr/>
+        </p:nvCxnSpPr>
+        <p:spPr>
+          <a:xfrm rot="5400000" flipH="1" flipV="1">
+            <a:off x="6274837" y="-984380"/>
+            <a:ext cx="149290" cy="5663683"/>
+          </a:xfrm>
+          <a:prstGeom prst="bentConnector2">
+            <a:avLst/>
+          </a:prstGeom>
+          <a:ln>
+            <a:tailEnd type="triangle"/>
+          </a:ln>
+        </p:spPr>
+        <p:style>
+          <a:lnRef idx="1">
+            <a:schemeClr val="accent1"/>
+          </a:lnRef>
+          <a:fillRef idx="0">
+            <a:schemeClr val="accent1"/>
+          </a:fillRef>
+          <a:effectRef idx="0">
+            <a:schemeClr val="accent1"/>
+          </a:effectRef>
+          <a:fontRef idx="minor">
+            <a:schemeClr val="tx1"/>
+          </a:fontRef>
+        </p:style>
+      </p:cxnSp>
+      <p:cxnSp>
+        <p:nvCxnSpPr>
+          <p:cNvPr id="18" name="Connector: Elbow 17">
+            <a:extLst>
+              <a:ext uri="{FF2B5EF4-FFF2-40B4-BE49-F238E27FC236}">
+                <a16:creationId xmlns:a16="http://schemas.microsoft.com/office/drawing/2014/main" id="{540A98EA-2BD6-6F4A-508D-543DC9ACF51F}"/>
+              </a:ext>
+            </a:extLst>
+          </p:cNvPr>
+          <p:cNvCxnSpPr>
+            <a:stCxn id="14" idx="3"/>
+            <a:endCxn id="5" idx="0"/>
+          </p:cNvCxnSpPr>
+          <p:nvPr/>
+        </p:nvCxnSpPr>
+        <p:spPr>
+          <a:xfrm rot="5400000" flipH="1">
+            <a:off x="6366784" y="-927036"/>
+            <a:ext cx="1220364" cy="6918649"/>
+          </a:xfrm>
+          <a:prstGeom prst="bentConnector5">
+            <a:avLst>
+              <a:gd name="adj1" fmla="val -18732"/>
+              <a:gd name="adj2" fmla="val 45786"/>
+              <a:gd name="adj3" fmla="val 118732"/>
+            </a:avLst>
+          </a:prstGeom>
+          <a:ln>
+            <a:tailEnd type="triangle"/>
+          </a:ln>
+        </p:spPr>
+        <p:style>
+          <a:lnRef idx="1">
+            <a:schemeClr val="accent1"/>
+          </a:lnRef>
+          <a:fillRef idx="0">
+            <a:schemeClr val="accent1"/>
+          </a:fillRef>
+          <a:effectRef idx="0">
+            <a:schemeClr val="accent1"/>
+          </a:effectRef>
+          <a:fontRef idx="minor">
+            <a:schemeClr val="tx1"/>
+          </a:fontRef>
+        </p:style>
+      </p:cxnSp>
+      <p:sp>
+        <p:nvSpPr>
+          <p:cNvPr id="19" name="TextBox 18">
+            <a:extLst>
+              <a:ext uri="{FF2B5EF4-FFF2-40B4-BE49-F238E27FC236}">
+                <a16:creationId xmlns:a16="http://schemas.microsoft.com/office/drawing/2014/main" id="{75AEDFCB-FA6B-7DEF-AAD5-0A616E999621}"/>
+              </a:ext>
+            </a:extLst>
+          </p:cNvPr>
+          <p:cNvSpPr txBox="1"/>
+          <p:nvPr/>
+        </p:nvSpPr>
+        <p:spPr>
+          <a:xfrm>
+            <a:off x="6727371" y="802433"/>
+            <a:ext cx="2230017" cy="646331"/>
+          </a:xfrm>
+          <a:prstGeom prst="rect">
+            <a:avLst/>
+          </a:prstGeom>
+          <a:noFill/>
+        </p:spPr>
+        <p:txBody>
+          <a:bodyPr wrap="square" rtlCol="0">
+            <a:spAutoFit/>
+          </a:bodyPr>
+          <a:lstStyle/>
+          <a:p>
+            <a:r>
+              <a:rPr lang="en-US" b="1" dirty="0"/>
+              <a:t>Out-Of-Process aka </a:t>
+            </a:r>
+            <a:r>
+              <a:rPr lang="en-US" b="1" dirty="0" err="1"/>
+              <a:t>StateServer</a:t>
+            </a:r>
+            <a:r>
+              <a:rPr lang="en-US" b="1" dirty="0"/>
+              <a:t> (Faster)</a:t>
+            </a:r>
+          </a:p>
+        </p:txBody>
+      </p:sp>
+      <p:sp>
+        <p:nvSpPr>
+          <p:cNvPr id="20" name="Cylinder 19">
+            <a:extLst>
+              <a:ext uri="{FF2B5EF4-FFF2-40B4-BE49-F238E27FC236}">
+                <a16:creationId xmlns:a16="http://schemas.microsoft.com/office/drawing/2014/main" id="{64E2CA14-6C87-A3CE-B8E7-881FEF8DC81A}"/>
+              </a:ext>
+            </a:extLst>
+          </p:cNvPr>
+          <p:cNvSpPr/>
+          <p:nvPr/>
+        </p:nvSpPr>
+        <p:spPr>
+          <a:xfrm>
+            <a:off x="74645" y="4217437"/>
+            <a:ext cx="1474235" cy="1274974"/>
+          </a:xfrm>
+          <a:prstGeom prst="can">
+            <a:avLst/>
+          </a:prstGeom>
+          <a:solidFill>
+            <a:srgbClr val="00B0F0"/>
+          </a:solidFill>
+        </p:spPr>
+        <p:style>
+          <a:lnRef idx="2">
+            <a:schemeClr val="accent1">
+              <a:shade val="50000"/>
+            </a:schemeClr>
+          </a:lnRef>
+          <a:fillRef idx="1">
+            <a:schemeClr val="accent1"/>
+          </a:fillRef>
+          <a:effectRef idx="0">
+            <a:schemeClr val="accent1"/>
+          </a:effectRef>
+          <a:fontRef idx="minor">
+            <a:schemeClr val="lt1"/>
+          </a:fontRef>
+        </p:style>
+        <p:txBody>
+          <a:bodyPr rtlCol="0" anchor="ctr"/>
+          <a:lstStyle/>
+          <a:p>
+            <a:pPr algn="ctr"/>
+            <a:r>
+              <a:rPr lang="en-US" sz="1400" b="1" dirty="0"/>
+              <a:t>Store Session Info in SQL Server</a:t>
+            </a:r>
+          </a:p>
+          <a:p>
+            <a:pPr algn="ctr"/>
+            <a:r>
+              <a:rPr lang="en-US" sz="1400" b="1" dirty="0"/>
+              <a:t>Aka </a:t>
+            </a:r>
+            <a:r>
+              <a:rPr lang="en-US" sz="1400" b="1" dirty="0" err="1"/>
+              <a:t>SQLServer</a:t>
+            </a:r>
+            <a:endParaRPr lang="en-US" sz="1400" b="1" dirty="0"/>
+          </a:p>
+        </p:txBody>
+      </p:sp>
+      <p:cxnSp>
+        <p:nvCxnSpPr>
+          <p:cNvPr id="22" name="Connector: Elbow 21">
+            <a:extLst>
+              <a:ext uri="{FF2B5EF4-FFF2-40B4-BE49-F238E27FC236}">
+                <a16:creationId xmlns:a16="http://schemas.microsoft.com/office/drawing/2014/main" id="{9EAB7592-E557-6827-3FAF-566617F3ADEC}"/>
+              </a:ext>
+            </a:extLst>
+          </p:cNvPr>
+          <p:cNvCxnSpPr>
+            <a:stCxn id="5" idx="1"/>
+            <a:endCxn id="20" idx="1"/>
+          </p:cNvCxnSpPr>
+          <p:nvPr/>
+        </p:nvCxnSpPr>
+        <p:spPr>
+          <a:xfrm rot="10800000" flipV="1">
+            <a:off x="811764" y="3107093"/>
+            <a:ext cx="867747" cy="1110343"/>
+          </a:xfrm>
+          <a:prstGeom prst="bentConnector2">
+            <a:avLst/>
+          </a:prstGeom>
+          <a:ln>
+            <a:tailEnd type="triangle"/>
+          </a:ln>
+        </p:spPr>
+        <p:style>
+          <a:lnRef idx="1">
+            <a:schemeClr val="accent1"/>
+          </a:lnRef>
+          <a:fillRef idx="0">
+            <a:schemeClr val="accent1"/>
+          </a:fillRef>
+          <a:effectRef idx="0">
+            <a:schemeClr val="accent1"/>
+          </a:effectRef>
+          <a:fontRef idx="minor">
+            <a:schemeClr val="tx1"/>
+          </a:fontRef>
+        </p:style>
+      </p:cxnSp>
+      <p:cxnSp>
+        <p:nvCxnSpPr>
+          <p:cNvPr id="24" name="Connector: Elbow 23">
+            <a:extLst>
+              <a:ext uri="{FF2B5EF4-FFF2-40B4-BE49-F238E27FC236}">
+                <a16:creationId xmlns:a16="http://schemas.microsoft.com/office/drawing/2014/main" id="{A0EE4680-0E49-37CE-D2DB-1A7FB89B25DA}"/>
+              </a:ext>
+            </a:extLst>
+          </p:cNvPr>
+          <p:cNvCxnSpPr>
+            <a:stCxn id="20" idx="1"/>
+            <a:endCxn id="5" idx="1"/>
+          </p:cNvCxnSpPr>
+          <p:nvPr/>
+        </p:nvCxnSpPr>
+        <p:spPr>
+          <a:xfrm rot="5400000" flipH="1" flipV="1">
+            <a:off x="690465" y="3228393"/>
+            <a:ext cx="1110343" cy="867747"/>
+          </a:xfrm>
+          <a:prstGeom prst="bentConnector2">
+            <a:avLst/>
+          </a:prstGeom>
+          <a:ln>
+            <a:tailEnd type="triangle"/>
+          </a:ln>
+        </p:spPr>
+        <p:style>
+          <a:lnRef idx="1">
+            <a:schemeClr val="accent1"/>
+          </a:lnRef>
+          <a:fillRef idx="0">
+            <a:schemeClr val="accent1"/>
+          </a:fillRef>
+          <a:effectRef idx="0">
+            <a:schemeClr val="accent1"/>
+          </a:effectRef>
+          <a:fontRef idx="minor">
+            <a:schemeClr val="tx1"/>
+          </a:fontRef>
+        </p:style>
+      </p:cxnSp>
+      <p:sp>
+        <p:nvSpPr>
+          <p:cNvPr id="25" name="TextBox 24">
+            <a:extLst>
+              <a:ext uri="{FF2B5EF4-FFF2-40B4-BE49-F238E27FC236}">
+                <a16:creationId xmlns:a16="http://schemas.microsoft.com/office/drawing/2014/main" id="{85ECE1F0-7C9F-28AA-CF00-6BBAEDDBA6C3}"/>
+              </a:ext>
+            </a:extLst>
+          </p:cNvPr>
+          <p:cNvSpPr txBox="1"/>
+          <p:nvPr/>
+        </p:nvSpPr>
+        <p:spPr>
+          <a:xfrm>
+            <a:off x="74645" y="5682343"/>
+            <a:ext cx="1427582" cy="1015663"/>
+          </a:xfrm>
+          <a:prstGeom prst="rect">
+            <a:avLst/>
+          </a:prstGeom>
+          <a:noFill/>
+        </p:spPr>
+        <p:txBody>
+          <a:bodyPr wrap="square" rtlCol="0">
+            <a:spAutoFit/>
+          </a:bodyPr>
+          <a:lstStyle/>
+          <a:p>
+            <a:r>
+              <a:rPr lang="en-US" sz="1200" dirty="0"/>
+              <a:t>Fast, Recommended if website is hosted across multiple Web Servers</a:t>
+            </a:r>
+          </a:p>
+        </p:txBody>
+      </p:sp>
+    </p:spTree>
+    <p:extLst>
+      <p:ext uri="{BB962C8B-B14F-4D97-AF65-F5344CB8AC3E}">
+        <p14:creationId xmlns:p14="http://schemas.microsoft.com/office/powerpoint/2010/main" val="1821642728"/>
+      </p:ext>
+    </p:extLst>
+  </p:cSld>
+  <p:clrMapOvr>
+    <a:masterClrMapping/>
+  </p:clrMapOvr>
+</p:sld>
+</file>
+
+<file path=ppt/slides/slide39.xml><?xml version="1.0" encoding="utf-8"?>
+<p:sld xmlns:a="http://schemas.openxmlformats.org/drawingml/2006/main" xmlns:r="http://schemas.openxmlformats.org/officeDocument/2006/relationships" xmlns:p="http://schemas.openxmlformats.org/presentationml/2006/main">
+  <p:cSld>
+    <p:spTree>
+      <p:nvGrpSpPr>
+        <p:cNvPr id="1" name=""/>
+        <p:cNvGrpSpPr/>
+        <p:nvPr/>
+      </p:nvGrpSpPr>
+      <p:grpSpPr>
+        <a:xfrm>
+          <a:off x="0" y="0"/>
+          <a:ext cx="0" cy="0"/>
+          <a:chOff x="0" y="0"/>
+          <a:chExt cx="0" cy="0"/>
+        </a:xfrm>
+      </p:grpSpPr>
+      <p:sp>
+        <p:nvSpPr>
+          <p:cNvPr id="2" name="Rectangle 1">
+            <a:extLst>
+              <a:ext uri="{FF2B5EF4-FFF2-40B4-BE49-F238E27FC236}">
+                <a16:creationId xmlns:a16="http://schemas.microsoft.com/office/drawing/2014/main" id="{10F7853F-8EA0-9AE9-9F9E-D6443FD5292F}"/>
+              </a:ext>
+            </a:extLst>
+          </p:cNvPr>
+          <p:cNvSpPr/>
+          <p:nvPr/>
+        </p:nvSpPr>
+        <p:spPr>
+          <a:xfrm>
+            <a:off x="5784980" y="391886"/>
+            <a:ext cx="2155371" cy="1810138"/>
+          </a:xfrm>
+          <a:prstGeom prst="rect">
+            <a:avLst/>
+          </a:prstGeom>
+        </p:spPr>
+        <p:style>
+          <a:lnRef idx="2">
+            <a:schemeClr val="accent1">
+              <a:shade val="50000"/>
+            </a:schemeClr>
+          </a:lnRef>
+          <a:fillRef idx="1">
+            <a:schemeClr val="accent1"/>
+          </a:fillRef>
+          <a:effectRef idx="0">
+            <a:schemeClr val="accent1"/>
+          </a:effectRef>
+          <a:fontRef idx="minor">
+            <a:schemeClr val="lt1"/>
+          </a:fontRef>
+        </p:style>
+        <p:txBody>
+          <a:bodyPr rtlCol="0" anchor="ctr"/>
+          <a:lstStyle/>
+          <a:p>
+            <a:pPr algn="ctr"/>
+            <a:r>
+              <a:rPr lang="en-US" b="1" dirty="0"/>
+              <a:t>WebServer 1</a:t>
+            </a:r>
+          </a:p>
+        </p:txBody>
+      </p:sp>
+      <p:sp>
+        <p:nvSpPr>
+          <p:cNvPr id="3" name="Rectangle 2">
+            <a:extLst>
+              <a:ext uri="{FF2B5EF4-FFF2-40B4-BE49-F238E27FC236}">
+                <a16:creationId xmlns:a16="http://schemas.microsoft.com/office/drawing/2014/main" id="{DCDAE96F-B5AF-EA09-01E0-52300835796A}"/>
+              </a:ext>
+            </a:extLst>
+          </p:cNvPr>
+          <p:cNvSpPr/>
+          <p:nvPr/>
+        </p:nvSpPr>
+        <p:spPr>
+          <a:xfrm>
+            <a:off x="5784977" y="2604797"/>
+            <a:ext cx="2155371" cy="1810138"/>
+          </a:xfrm>
+          <a:prstGeom prst="rect">
+            <a:avLst/>
+          </a:prstGeom>
+        </p:spPr>
+        <p:style>
+          <a:lnRef idx="2">
+            <a:schemeClr val="accent1">
+              <a:shade val="50000"/>
+            </a:schemeClr>
+          </a:lnRef>
+          <a:fillRef idx="1">
+            <a:schemeClr val="accent1"/>
+          </a:fillRef>
+          <a:effectRef idx="0">
+            <a:schemeClr val="accent1"/>
+          </a:effectRef>
+          <a:fontRef idx="minor">
+            <a:schemeClr val="lt1"/>
+          </a:fontRef>
+        </p:style>
+        <p:txBody>
+          <a:bodyPr rtlCol="0" anchor="ctr"/>
+          <a:lstStyle/>
+          <a:p>
+            <a:pPr algn="ctr"/>
+            <a:r>
+              <a:rPr lang="en-US" b="1" dirty="0"/>
+              <a:t>WebServer 2</a:t>
+            </a:r>
+          </a:p>
+        </p:txBody>
+      </p:sp>
+      <p:sp>
+        <p:nvSpPr>
+          <p:cNvPr id="4" name="Rectangle 3">
+            <a:extLst>
+              <a:ext uri="{FF2B5EF4-FFF2-40B4-BE49-F238E27FC236}">
+                <a16:creationId xmlns:a16="http://schemas.microsoft.com/office/drawing/2014/main" id="{C757A59E-40E0-91C6-0F61-FB0947C8EB27}"/>
+              </a:ext>
+            </a:extLst>
+          </p:cNvPr>
+          <p:cNvSpPr/>
+          <p:nvPr/>
+        </p:nvSpPr>
+        <p:spPr>
+          <a:xfrm>
+            <a:off x="5784978" y="4817709"/>
+            <a:ext cx="2155371" cy="1810138"/>
+          </a:xfrm>
+          <a:prstGeom prst="rect">
+            <a:avLst/>
+          </a:prstGeom>
+        </p:spPr>
+        <p:style>
+          <a:lnRef idx="2">
+            <a:schemeClr val="accent1">
+              <a:shade val="50000"/>
+            </a:schemeClr>
+          </a:lnRef>
+          <a:fillRef idx="1">
+            <a:schemeClr val="accent1"/>
+          </a:fillRef>
+          <a:effectRef idx="0">
+            <a:schemeClr val="accent1"/>
+          </a:effectRef>
+          <a:fontRef idx="minor">
+            <a:schemeClr val="lt1"/>
+          </a:fontRef>
+        </p:style>
+        <p:txBody>
+          <a:bodyPr rtlCol="0" anchor="ctr"/>
+          <a:lstStyle/>
+          <a:p>
+            <a:pPr algn="ctr"/>
+            <a:r>
+              <a:rPr lang="en-US" b="1" dirty="0"/>
+              <a:t>WebServer 3</a:t>
+            </a:r>
+          </a:p>
+        </p:txBody>
+      </p:sp>
+      <p:sp>
+        <p:nvSpPr>
+          <p:cNvPr id="5" name="Rectangle: Rounded Corners 4">
+            <a:extLst>
+              <a:ext uri="{FF2B5EF4-FFF2-40B4-BE49-F238E27FC236}">
+                <a16:creationId xmlns:a16="http://schemas.microsoft.com/office/drawing/2014/main" id="{636407CF-E17E-63B3-C1C1-70E5F8566145}"/>
+              </a:ext>
+            </a:extLst>
+          </p:cNvPr>
+          <p:cNvSpPr/>
+          <p:nvPr/>
+        </p:nvSpPr>
+        <p:spPr>
+          <a:xfrm>
+            <a:off x="3088433" y="2604797"/>
+            <a:ext cx="1688840" cy="1733938"/>
+          </a:xfrm>
+          <a:prstGeom prst="roundRect">
+            <a:avLst/>
+          </a:prstGeom>
+        </p:spPr>
+        <p:style>
+          <a:lnRef idx="2">
+            <a:schemeClr val="accent1">
+              <a:shade val="50000"/>
+            </a:schemeClr>
+          </a:lnRef>
+          <a:fillRef idx="1">
+            <a:schemeClr val="accent1"/>
+          </a:fillRef>
+          <a:effectRef idx="0">
+            <a:schemeClr val="accent1"/>
+          </a:effectRef>
+          <a:fontRef idx="minor">
+            <a:schemeClr val="lt1"/>
+          </a:fontRef>
+        </p:style>
+        <p:txBody>
+          <a:bodyPr rtlCol="0" anchor="ctr"/>
+          <a:lstStyle/>
+          <a:p>
+            <a:pPr algn="ctr"/>
+            <a:r>
+              <a:rPr lang="en-US" b="1" dirty="0" err="1"/>
+              <a:t>LoadBalancer</a:t>
+            </a:r>
+            <a:endParaRPr lang="en-US" b="1" dirty="0"/>
+          </a:p>
+        </p:txBody>
+      </p:sp>
+      <p:sp>
+        <p:nvSpPr>
+          <p:cNvPr id="6" name="Arrow: Right 5">
+            <a:extLst>
+              <a:ext uri="{FF2B5EF4-FFF2-40B4-BE49-F238E27FC236}">
+                <a16:creationId xmlns:a16="http://schemas.microsoft.com/office/drawing/2014/main" id="{773FB754-91C9-3F56-D57E-52CA729A74B8}"/>
+              </a:ext>
+            </a:extLst>
+          </p:cNvPr>
+          <p:cNvSpPr/>
+          <p:nvPr/>
+        </p:nvSpPr>
+        <p:spPr>
+          <a:xfrm>
+            <a:off x="839755" y="2967135"/>
+            <a:ext cx="2248678" cy="326571"/>
+          </a:xfrm>
+          <a:prstGeom prst="rightArrow">
+            <a:avLst/>
+          </a:prstGeom>
+        </p:spPr>
+        <p:style>
+          <a:lnRef idx="2">
+            <a:schemeClr val="accent1">
+              <a:shade val="50000"/>
+            </a:schemeClr>
+          </a:lnRef>
+          <a:fillRef idx="1">
+            <a:schemeClr val="accent1"/>
+          </a:fillRef>
+          <a:effectRef idx="0">
+            <a:schemeClr val="accent1"/>
+          </a:effectRef>
+          <a:fontRef idx="minor">
+            <a:schemeClr val="lt1"/>
+          </a:fontRef>
+        </p:style>
+        <p:txBody>
+          <a:bodyPr rtlCol="0" anchor="ctr"/>
+          <a:lstStyle/>
+          <a:p>
+            <a:pPr algn="ctr"/>
+            <a:endParaRPr lang="en-US"/>
+          </a:p>
+        </p:txBody>
+      </p:sp>
+      <p:cxnSp>
+        <p:nvCxnSpPr>
+          <p:cNvPr id="8" name="Connector: Elbow 7">
+            <a:extLst>
+              <a:ext uri="{FF2B5EF4-FFF2-40B4-BE49-F238E27FC236}">
+                <a16:creationId xmlns:a16="http://schemas.microsoft.com/office/drawing/2014/main" id="{D35531AA-0BCA-C448-C876-909479A17CEE}"/>
+              </a:ext>
+            </a:extLst>
+          </p:cNvPr>
+          <p:cNvCxnSpPr>
+            <a:cxnSpLocks/>
+            <a:stCxn id="5" idx="0"/>
+            <a:endCxn id="2" idx="1"/>
+          </p:cNvCxnSpPr>
+          <p:nvPr/>
+        </p:nvCxnSpPr>
+        <p:spPr>
+          <a:xfrm rot="5400000" flipH="1" flipV="1">
+            <a:off x="4204995" y="1024813"/>
+            <a:ext cx="1307842" cy="1852127"/>
+          </a:xfrm>
+          <a:prstGeom prst="bentConnector2">
+            <a:avLst/>
+          </a:prstGeom>
+          <a:ln>
+            <a:tailEnd type="triangle"/>
+          </a:ln>
+        </p:spPr>
+        <p:style>
+          <a:lnRef idx="1">
+            <a:schemeClr val="accent1"/>
+          </a:lnRef>
+          <a:fillRef idx="0">
+            <a:schemeClr val="accent1"/>
+          </a:fillRef>
+          <a:effectRef idx="0">
+            <a:schemeClr val="accent1"/>
+          </a:effectRef>
+          <a:fontRef idx="minor">
+            <a:schemeClr val="tx1"/>
+          </a:fontRef>
+        </p:style>
+      </p:cxnSp>
+      <p:sp>
+        <p:nvSpPr>
+          <p:cNvPr id="9" name="Cylinder 8">
+            <a:extLst>
+              <a:ext uri="{FF2B5EF4-FFF2-40B4-BE49-F238E27FC236}">
+                <a16:creationId xmlns:a16="http://schemas.microsoft.com/office/drawing/2014/main" id="{D696D98F-06FC-D51D-2A15-05324F4BD215}"/>
+              </a:ext>
+            </a:extLst>
+          </p:cNvPr>
+          <p:cNvSpPr/>
+          <p:nvPr/>
+        </p:nvSpPr>
+        <p:spPr>
+          <a:xfrm>
+            <a:off x="9451910" y="2397967"/>
+            <a:ext cx="2519266" cy="2118049"/>
+          </a:xfrm>
+          <a:prstGeom prst="can">
+            <a:avLst/>
+          </a:prstGeom>
+        </p:spPr>
+        <p:style>
+          <a:lnRef idx="2">
+            <a:schemeClr val="accent1">
+              <a:shade val="50000"/>
+            </a:schemeClr>
+          </a:lnRef>
+          <a:fillRef idx="1">
+            <a:schemeClr val="accent1"/>
+          </a:fillRef>
+          <a:effectRef idx="0">
+            <a:schemeClr val="accent1"/>
+          </a:effectRef>
+          <a:fontRef idx="minor">
+            <a:schemeClr val="lt1"/>
+          </a:fontRef>
+        </p:style>
+        <p:txBody>
+          <a:bodyPr rtlCol="0" anchor="ctr"/>
+          <a:lstStyle/>
+          <a:p>
+            <a:pPr algn="ctr"/>
+            <a:r>
+              <a:rPr lang="en-US" dirty="0"/>
+              <a:t>SQL Server </a:t>
+            </a:r>
+            <a:r>
+              <a:rPr lang="en-US"/>
+              <a:t>Session Storage</a:t>
+            </a:r>
+          </a:p>
+        </p:txBody>
+      </p:sp>
+      <p:cxnSp>
+        <p:nvCxnSpPr>
+          <p:cNvPr id="11" name="Connector: Elbow 10">
+            <a:extLst>
+              <a:ext uri="{FF2B5EF4-FFF2-40B4-BE49-F238E27FC236}">
+                <a16:creationId xmlns:a16="http://schemas.microsoft.com/office/drawing/2014/main" id="{AE5D06BE-FF79-DCFF-64DC-532F09075F34}"/>
+              </a:ext>
+            </a:extLst>
+          </p:cNvPr>
+          <p:cNvCxnSpPr>
+            <a:stCxn id="2" idx="3"/>
+            <a:endCxn id="9" idx="1"/>
+          </p:cNvCxnSpPr>
+          <p:nvPr/>
+        </p:nvCxnSpPr>
+        <p:spPr>
+          <a:xfrm>
+            <a:off x="7940351" y="1296955"/>
+            <a:ext cx="2771192" cy="1101012"/>
+          </a:xfrm>
+          <a:prstGeom prst="bentConnector2">
+            <a:avLst/>
+          </a:prstGeom>
+          <a:ln>
+            <a:tailEnd type="triangle"/>
+          </a:ln>
+        </p:spPr>
+        <p:style>
+          <a:lnRef idx="1">
+            <a:schemeClr val="accent1"/>
+          </a:lnRef>
+          <a:fillRef idx="0">
+            <a:schemeClr val="accent1"/>
+          </a:fillRef>
+          <a:effectRef idx="0">
+            <a:schemeClr val="accent1"/>
+          </a:effectRef>
+          <a:fontRef idx="minor">
+            <a:schemeClr val="tx1"/>
+          </a:fontRef>
+        </p:style>
+      </p:cxnSp>
+      <p:sp>
+        <p:nvSpPr>
+          <p:cNvPr id="12" name="Arrow: Left 11">
+            <a:extLst>
+              <a:ext uri="{FF2B5EF4-FFF2-40B4-BE49-F238E27FC236}">
+                <a16:creationId xmlns:a16="http://schemas.microsoft.com/office/drawing/2014/main" id="{4A18223E-4C3E-6DBB-55B7-3674D00B2EE7}"/>
+              </a:ext>
+            </a:extLst>
+          </p:cNvPr>
+          <p:cNvSpPr/>
+          <p:nvPr/>
+        </p:nvSpPr>
+        <p:spPr>
+          <a:xfrm>
+            <a:off x="839755" y="3293706"/>
+            <a:ext cx="2248678" cy="326571"/>
+          </a:xfrm>
+          <a:prstGeom prst="leftArrow">
+            <a:avLst/>
+          </a:prstGeom>
+        </p:spPr>
+        <p:style>
+          <a:lnRef idx="2">
+            <a:schemeClr val="accent1">
+              <a:shade val="50000"/>
+            </a:schemeClr>
+          </a:lnRef>
+          <a:fillRef idx="1">
+            <a:schemeClr val="accent1"/>
+          </a:fillRef>
+          <a:effectRef idx="0">
+            <a:schemeClr val="accent1"/>
+          </a:effectRef>
+          <a:fontRef idx="minor">
+            <a:schemeClr val="lt1"/>
+          </a:fontRef>
+        </p:style>
+        <p:txBody>
+          <a:bodyPr rtlCol="0" anchor="ctr"/>
+          <a:lstStyle/>
+          <a:p>
+            <a:pPr algn="ctr"/>
+            <a:endParaRPr lang="en-US"/>
+          </a:p>
+        </p:txBody>
+      </p:sp>
+      <p:sp>
+        <p:nvSpPr>
+          <p:cNvPr id="15" name="Arrow: Right 14">
+            <a:extLst>
+              <a:ext uri="{FF2B5EF4-FFF2-40B4-BE49-F238E27FC236}">
+                <a16:creationId xmlns:a16="http://schemas.microsoft.com/office/drawing/2014/main" id="{76F9E2DA-24CC-1560-F5E3-7CA3F74675E1}"/>
+              </a:ext>
+            </a:extLst>
+          </p:cNvPr>
+          <p:cNvSpPr/>
+          <p:nvPr/>
+        </p:nvSpPr>
+        <p:spPr>
+          <a:xfrm>
+            <a:off x="839755" y="3718249"/>
+            <a:ext cx="2248678" cy="326571"/>
+          </a:xfrm>
+          <a:prstGeom prst="rightArrow">
+            <a:avLst/>
+          </a:prstGeom>
+        </p:spPr>
+        <p:style>
+          <a:lnRef idx="2">
+            <a:schemeClr val="accent1">
+              <a:shade val="50000"/>
+            </a:schemeClr>
+          </a:lnRef>
+          <a:fillRef idx="1">
+            <a:schemeClr val="accent1"/>
+          </a:fillRef>
+          <a:effectRef idx="0">
+            <a:schemeClr val="accent1"/>
+          </a:effectRef>
+          <a:fontRef idx="minor">
+            <a:schemeClr val="lt1"/>
+          </a:fontRef>
+        </p:style>
+        <p:txBody>
+          <a:bodyPr rtlCol="0" anchor="ctr"/>
+          <a:lstStyle/>
+          <a:p>
+            <a:pPr algn="ctr"/>
+            <a:endParaRPr lang="en-US"/>
+          </a:p>
+        </p:txBody>
+      </p:sp>
+      <p:cxnSp>
+        <p:nvCxnSpPr>
+          <p:cNvPr id="17" name="Connector: Elbow 16">
+            <a:extLst>
+              <a:ext uri="{FF2B5EF4-FFF2-40B4-BE49-F238E27FC236}">
+                <a16:creationId xmlns:a16="http://schemas.microsoft.com/office/drawing/2014/main" id="{94678BA5-600D-BB4E-E5B1-E7B7D9D422B2}"/>
+              </a:ext>
+            </a:extLst>
+          </p:cNvPr>
+          <p:cNvCxnSpPr>
+            <a:stCxn id="5" idx="2"/>
+            <a:endCxn id="4" idx="1"/>
+          </p:cNvCxnSpPr>
+          <p:nvPr/>
+        </p:nvCxnSpPr>
+        <p:spPr>
+          <a:xfrm rot="16200000" flipH="1">
+            <a:off x="4166894" y="4104693"/>
+            <a:ext cx="1384043" cy="1852125"/>
+          </a:xfrm>
+          <a:prstGeom prst="bentConnector2">
+            <a:avLst/>
+          </a:prstGeom>
+          <a:ln>
+            <a:tailEnd type="triangle"/>
+          </a:ln>
+        </p:spPr>
+        <p:style>
+          <a:lnRef idx="1">
+            <a:schemeClr val="accent1"/>
+          </a:lnRef>
+          <a:fillRef idx="0">
+            <a:schemeClr val="accent1"/>
+          </a:fillRef>
+          <a:effectRef idx="0">
+            <a:schemeClr val="accent1"/>
+          </a:effectRef>
+          <a:fontRef idx="minor">
+            <a:schemeClr val="tx1"/>
+          </a:fontRef>
+        </p:style>
+      </p:cxnSp>
+      <p:cxnSp>
+        <p:nvCxnSpPr>
+          <p:cNvPr id="19" name="Connector: Elbow 18">
+            <a:extLst>
+              <a:ext uri="{FF2B5EF4-FFF2-40B4-BE49-F238E27FC236}">
+                <a16:creationId xmlns:a16="http://schemas.microsoft.com/office/drawing/2014/main" id="{E981FA71-B159-63FE-FB9C-7F51662D1D78}"/>
+              </a:ext>
+            </a:extLst>
+          </p:cNvPr>
+          <p:cNvCxnSpPr>
+            <a:stCxn id="4" idx="3"/>
+            <a:endCxn id="9" idx="3"/>
+          </p:cNvCxnSpPr>
+          <p:nvPr/>
+        </p:nvCxnSpPr>
+        <p:spPr>
+          <a:xfrm flipV="1">
+            <a:off x="7940349" y="4516016"/>
+            <a:ext cx="2771194" cy="1206762"/>
+          </a:xfrm>
+          <a:prstGeom prst="bentConnector2">
+            <a:avLst/>
+          </a:prstGeom>
+          <a:ln>
+            <a:tailEnd type="triangle"/>
+          </a:ln>
+        </p:spPr>
+        <p:style>
+          <a:lnRef idx="1">
+            <a:schemeClr val="accent1"/>
+          </a:lnRef>
+          <a:fillRef idx="0">
+            <a:schemeClr val="accent1"/>
+          </a:fillRef>
+          <a:effectRef idx="0">
+            <a:schemeClr val="accent1"/>
+          </a:effectRef>
+          <a:fontRef idx="minor">
+            <a:schemeClr val="tx1"/>
+          </a:fontRef>
+        </p:style>
+      </p:cxnSp>
+      <p:cxnSp>
+        <p:nvCxnSpPr>
+          <p:cNvPr id="21" name="Connector: Elbow 20">
+            <a:extLst>
+              <a:ext uri="{FF2B5EF4-FFF2-40B4-BE49-F238E27FC236}">
+                <a16:creationId xmlns:a16="http://schemas.microsoft.com/office/drawing/2014/main" id="{5B47DEF9-6784-862D-69BE-C3C9B834B314}"/>
+              </a:ext>
+            </a:extLst>
+          </p:cNvPr>
+          <p:cNvCxnSpPr>
+            <a:stCxn id="9" idx="3"/>
+            <a:endCxn id="4" idx="3"/>
+          </p:cNvCxnSpPr>
+          <p:nvPr/>
+        </p:nvCxnSpPr>
+        <p:spPr>
+          <a:xfrm rot="5400000">
+            <a:off x="8722565" y="3733800"/>
+            <a:ext cx="1206762" cy="2771194"/>
+          </a:xfrm>
+          <a:prstGeom prst="bentConnector2">
+            <a:avLst/>
+          </a:prstGeom>
+          <a:ln>
+            <a:tailEnd type="triangle"/>
+          </a:ln>
+        </p:spPr>
+        <p:style>
+          <a:lnRef idx="1">
+            <a:schemeClr val="accent1"/>
+          </a:lnRef>
+          <a:fillRef idx="0">
+            <a:schemeClr val="accent1"/>
+          </a:fillRef>
+          <a:effectRef idx="0">
+            <a:schemeClr val="accent1"/>
+          </a:effectRef>
+          <a:fontRef idx="minor">
+            <a:schemeClr val="tx1"/>
+          </a:fontRef>
+        </p:style>
+      </p:cxnSp>
+      <p:cxnSp>
+        <p:nvCxnSpPr>
+          <p:cNvPr id="23" name="Connector: Elbow 22">
+            <a:extLst>
+              <a:ext uri="{FF2B5EF4-FFF2-40B4-BE49-F238E27FC236}">
+                <a16:creationId xmlns:a16="http://schemas.microsoft.com/office/drawing/2014/main" id="{8D8A25AE-E66C-2B06-E123-6FC391F523F4}"/>
+              </a:ext>
+            </a:extLst>
+          </p:cNvPr>
+          <p:cNvCxnSpPr>
+            <a:stCxn id="4" idx="1"/>
+            <a:endCxn id="5" idx="2"/>
+          </p:cNvCxnSpPr>
+          <p:nvPr/>
+        </p:nvCxnSpPr>
+        <p:spPr>
+          <a:xfrm rot="10800000">
+            <a:off x="3932854" y="4338736"/>
+            <a:ext cx="1852125" cy="1384043"/>
+          </a:xfrm>
+          <a:prstGeom prst="bentConnector2">
+            <a:avLst/>
+          </a:prstGeom>
+          <a:ln>
+            <a:tailEnd type="triangle"/>
+          </a:ln>
+        </p:spPr>
+        <p:style>
+          <a:lnRef idx="1">
+            <a:schemeClr val="accent1"/>
+          </a:lnRef>
+          <a:fillRef idx="0">
+            <a:schemeClr val="accent1"/>
+          </a:fillRef>
+          <a:effectRef idx="0">
+            <a:schemeClr val="accent1"/>
+          </a:effectRef>
+          <a:fontRef idx="minor">
+            <a:schemeClr val="tx1"/>
+          </a:fontRef>
+        </p:style>
+      </p:cxnSp>
+      <p:sp>
+        <p:nvSpPr>
+          <p:cNvPr id="24" name="Arrow: Left 23">
+            <a:extLst>
+              <a:ext uri="{FF2B5EF4-FFF2-40B4-BE49-F238E27FC236}">
+                <a16:creationId xmlns:a16="http://schemas.microsoft.com/office/drawing/2014/main" id="{36A87204-D74E-2CA1-F0A8-68636412DC3F}"/>
+              </a:ext>
+            </a:extLst>
+          </p:cNvPr>
+          <p:cNvSpPr/>
+          <p:nvPr/>
+        </p:nvSpPr>
+        <p:spPr>
+          <a:xfrm>
+            <a:off x="933062" y="4044820"/>
+            <a:ext cx="2248678" cy="370115"/>
+          </a:xfrm>
+          <a:prstGeom prst="leftArrow">
+            <a:avLst/>
+          </a:prstGeom>
+        </p:spPr>
+        <p:style>
+          <a:lnRef idx="2">
+            <a:schemeClr val="accent1">
+              <a:shade val="50000"/>
+            </a:schemeClr>
+          </a:lnRef>
+          <a:fillRef idx="1">
+            <a:schemeClr val="accent1"/>
+          </a:fillRef>
+          <a:effectRef idx="0">
+            <a:schemeClr val="accent1"/>
+          </a:effectRef>
+          <a:fontRef idx="minor">
+            <a:schemeClr val="lt1"/>
+          </a:fontRef>
+        </p:style>
+        <p:txBody>
+          <a:bodyPr rtlCol="0" anchor="ctr"/>
+          <a:lstStyle/>
+          <a:p>
+            <a:pPr algn="ctr"/>
+            <a:endParaRPr lang="en-US"/>
+          </a:p>
+        </p:txBody>
+      </p:sp>
+    </p:spTree>
+    <p:extLst>
+      <p:ext uri="{BB962C8B-B14F-4D97-AF65-F5344CB8AC3E}">
+        <p14:creationId xmlns:p14="http://schemas.microsoft.com/office/powerpoint/2010/main" val="4242937146"/>
+      </p:ext>
+    </p:extLst>
+  </p:cSld>
+  <p:clrMapOvr>
+    <a:masterClrMapping/>
+  </p:clrMapOvr>
+</p:sld>
+</file>
+
 <file path=ppt/slides/slide4.xml><?xml version="1.0" encoding="utf-8"?>
 <p:sld xmlns:a="http://schemas.openxmlformats.org/drawingml/2006/main" xmlns:r="http://schemas.openxmlformats.org/officeDocument/2006/relationships" xmlns:p="http://schemas.openxmlformats.org/presentationml/2006/main">
   <p:cSld>

--- a/Training-Images.pptx
+++ b/Training-Images.pptx
@@ -44,6 +44,10 @@
     <p:sldId id="292" r:id="rId38"/>
     <p:sldId id="293" r:id="rId39"/>
     <p:sldId id="294" r:id="rId40"/>
+    <p:sldId id="295" r:id="rId41"/>
+    <p:sldId id="296" r:id="rId42"/>
+    <p:sldId id="297" r:id="rId43"/>
+    <p:sldId id="298" r:id="rId44"/>
   </p:sldIdLst>
   <p:sldSz cx="12192000" cy="6858000"/>
   <p:notesSz cx="6858000" cy="9144000"/>
@@ -297,7 +301,7 @@
           <a:p>
             <a:fld id="{95E4630E-4E16-4BC6-8D4C-04E2A0254E22}" type="datetimeFigureOut">
               <a:rPr lang="en-US" smtClean="0"/>
-              <a:t>7/25/2022</a:t>
+              <a:t>7/26/2022</a:t>
             </a:fld>
             <a:endParaRPr lang="en-US"/>
           </a:p>
@@ -495,7 +499,7 @@
           <a:p>
             <a:fld id="{95E4630E-4E16-4BC6-8D4C-04E2A0254E22}" type="datetimeFigureOut">
               <a:rPr lang="en-US" smtClean="0"/>
-              <a:t>7/25/2022</a:t>
+              <a:t>7/26/2022</a:t>
             </a:fld>
             <a:endParaRPr lang="en-US"/>
           </a:p>
@@ -703,7 +707,7 @@
           <a:p>
             <a:fld id="{95E4630E-4E16-4BC6-8D4C-04E2A0254E22}" type="datetimeFigureOut">
               <a:rPr lang="en-US" smtClean="0"/>
-              <a:t>7/25/2022</a:t>
+              <a:t>7/26/2022</a:t>
             </a:fld>
             <a:endParaRPr lang="en-US"/>
           </a:p>
@@ -901,7 +905,7 @@
           <a:p>
             <a:fld id="{95E4630E-4E16-4BC6-8D4C-04E2A0254E22}" type="datetimeFigureOut">
               <a:rPr lang="en-US" smtClean="0"/>
-              <a:t>7/25/2022</a:t>
+              <a:t>7/26/2022</a:t>
             </a:fld>
             <a:endParaRPr lang="en-US"/>
           </a:p>
@@ -1176,7 +1180,7 @@
           <a:p>
             <a:fld id="{95E4630E-4E16-4BC6-8D4C-04E2A0254E22}" type="datetimeFigureOut">
               <a:rPr lang="en-US" smtClean="0"/>
-              <a:t>7/25/2022</a:t>
+              <a:t>7/26/2022</a:t>
             </a:fld>
             <a:endParaRPr lang="en-US"/>
           </a:p>
@@ -1441,7 +1445,7 @@
           <a:p>
             <a:fld id="{95E4630E-4E16-4BC6-8D4C-04E2A0254E22}" type="datetimeFigureOut">
               <a:rPr lang="en-US" smtClean="0"/>
-              <a:t>7/25/2022</a:t>
+              <a:t>7/26/2022</a:t>
             </a:fld>
             <a:endParaRPr lang="en-US"/>
           </a:p>
@@ -1853,7 +1857,7 @@
           <a:p>
             <a:fld id="{95E4630E-4E16-4BC6-8D4C-04E2A0254E22}" type="datetimeFigureOut">
               <a:rPr lang="en-US" smtClean="0"/>
-              <a:t>7/25/2022</a:t>
+              <a:t>7/26/2022</a:t>
             </a:fld>
             <a:endParaRPr lang="en-US"/>
           </a:p>
@@ -1994,7 +1998,7 @@
           <a:p>
             <a:fld id="{95E4630E-4E16-4BC6-8D4C-04E2A0254E22}" type="datetimeFigureOut">
               <a:rPr lang="en-US" smtClean="0"/>
-              <a:t>7/25/2022</a:t>
+              <a:t>7/26/2022</a:t>
             </a:fld>
             <a:endParaRPr lang="en-US"/>
           </a:p>
@@ -2107,7 +2111,7 @@
           <a:p>
             <a:fld id="{95E4630E-4E16-4BC6-8D4C-04E2A0254E22}" type="datetimeFigureOut">
               <a:rPr lang="en-US" smtClean="0"/>
-              <a:t>7/25/2022</a:t>
+              <a:t>7/26/2022</a:t>
             </a:fld>
             <a:endParaRPr lang="en-US"/>
           </a:p>
@@ -2418,7 +2422,7 @@
           <a:p>
             <a:fld id="{95E4630E-4E16-4BC6-8D4C-04E2A0254E22}" type="datetimeFigureOut">
               <a:rPr lang="en-US" smtClean="0"/>
-              <a:t>7/25/2022</a:t>
+              <a:t>7/26/2022</a:t>
             </a:fld>
             <a:endParaRPr lang="en-US"/>
           </a:p>
@@ -2706,7 +2710,7 @@
           <a:p>
             <a:fld id="{95E4630E-4E16-4BC6-8D4C-04E2A0254E22}" type="datetimeFigureOut">
               <a:rPr lang="en-US" smtClean="0"/>
-              <a:t>7/25/2022</a:t>
+              <a:t>7/26/2022</a:t>
             </a:fld>
             <a:endParaRPr lang="en-US"/>
           </a:p>
@@ -2947,7 +2951,7 @@
           <a:p>
             <a:fld id="{95E4630E-4E16-4BC6-8D4C-04E2A0254E22}" type="datetimeFigureOut">
               <a:rPr lang="en-US" smtClean="0"/>
-              <a:t>7/25/2022</a:t>
+              <a:t>7/26/2022</a:t>
             </a:fld>
             <a:endParaRPr lang="en-US"/>
           </a:p>
@@ -35738,6 +35742,2593 @@
 </p:sld>
 </file>
 
+<file path=ppt/slides/slide40.xml><?xml version="1.0" encoding="utf-8"?>
+<p:sld xmlns:a="http://schemas.openxmlformats.org/drawingml/2006/main" xmlns:r="http://schemas.openxmlformats.org/officeDocument/2006/relationships" xmlns:p="http://schemas.openxmlformats.org/presentationml/2006/main">
+  <p:cSld>
+    <p:spTree>
+      <p:nvGrpSpPr>
+        <p:cNvPr id="1" name=""/>
+        <p:cNvGrpSpPr/>
+        <p:nvPr/>
+      </p:nvGrpSpPr>
+      <p:grpSpPr>
+        <a:xfrm>
+          <a:off x="0" y="0"/>
+          <a:ext cx="0" cy="0"/>
+          <a:chOff x="0" y="0"/>
+          <a:chExt cx="0" cy="0"/>
+        </a:xfrm>
+      </p:grpSpPr>
+      <p:sp>
+        <p:nvSpPr>
+          <p:cNvPr id="2" name="Rectangle 1">
+            <a:extLst>
+              <a:ext uri="{FF2B5EF4-FFF2-40B4-BE49-F238E27FC236}">
+                <a16:creationId xmlns:a16="http://schemas.microsoft.com/office/drawing/2014/main" id="{8BA4B172-98AE-6279-BA31-FDEFF3A4BA9D}"/>
+              </a:ext>
+            </a:extLst>
+          </p:cNvPr>
+          <p:cNvSpPr/>
+          <p:nvPr/>
+        </p:nvSpPr>
+        <p:spPr>
+          <a:xfrm>
+            <a:off x="2407297" y="373224"/>
+            <a:ext cx="3881535" cy="6242180"/>
+          </a:xfrm>
+          <a:prstGeom prst="rect">
+            <a:avLst/>
+          </a:prstGeom>
+        </p:spPr>
+        <p:style>
+          <a:lnRef idx="2">
+            <a:schemeClr val="accent4"/>
+          </a:lnRef>
+          <a:fillRef idx="1">
+            <a:schemeClr val="lt1"/>
+          </a:fillRef>
+          <a:effectRef idx="0">
+            <a:schemeClr val="accent4"/>
+          </a:effectRef>
+          <a:fontRef idx="minor">
+            <a:schemeClr val="dk1"/>
+          </a:fontRef>
+        </p:style>
+        <p:txBody>
+          <a:bodyPr rtlCol="0" anchor="ctr"/>
+          <a:lstStyle/>
+          <a:p>
+            <a:pPr algn="ctr"/>
+            <a:endParaRPr lang="en-US"/>
+          </a:p>
+        </p:txBody>
+      </p:sp>
+      <p:sp>
+        <p:nvSpPr>
+          <p:cNvPr id="3" name="TextBox 2">
+            <a:extLst>
+              <a:ext uri="{FF2B5EF4-FFF2-40B4-BE49-F238E27FC236}">
+                <a16:creationId xmlns:a16="http://schemas.microsoft.com/office/drawing/2014/main" id="{BD687D15-F034-FB4C-4FBD-52B202DA8EC1}"/>
+              </a:ext>
+            </a:extLst>
+          </p:cNvPr>
+          <p:cNvSpPr txBox="1"/>
+          <p:nvPr/>
+        </p:nvSpPr>
+        <p:spPr>
+          <a:xfrm>
+            <a:off x="2500604" y="615820"/>
+            <a:ext cx="3694923" cy="369332"/>
+          </a:xfrm>
+          <a:prstGeom prst="rect">
+            <a:avLst/>
+          </a:prstGeom>
+          <a:noFill/>
+        </p:spPr>
+        <p:txBody>
+          <a:bodyPr wrap="square" rtlCol="0">
+            <a:spAutoFit/>
+          </a:bodyPr>
+          <a:lstStyle/>
+          <a:p>
+            <a:pPr algn="ctr"/>
+            <a:r>
+              <a:rPr lang="en-US" b="1" dirty="0"/>
+              <a:t>ASP.NET App</a:t>
+            </a:r>
+          </a:p>
+        </p:txBody>
+      </p:sp>
+      <p:sp>
+        <p:nvSpPr>
+          <p:cNvPr id="4" name="Rectangle: Single Corner Snipped 3">
+            <a:extLst>
+              <a:ext uri="{FF2B5EF4-FFF2-40B4-BE49-F238E27FC236}">
+                <a16:creationId xmlns:a16="http://schemas.microsoft.com/office/drawing/2014/main" id="{CA49BBCE-45F3-C2CF-8FDC-480395E2934C}"/>
+              </a:ext>
+            </a:extLst>
+          </p:cNvPr>
+          <p:cNvSpPr/>
+          <p:nvPr/>
+        </p:nvSpPr>
+        <p:spPr>
+          <a:xfrm>
+            <a:off x="2603241" y="1655411"/>
+            <a:ext cx="1623527" cy="1250302"/>
+          </a:xfrm>
+          <a:prstGeom prst="snip1Rect">
+            <a:avLst/>
+          </a:prstGeom>
+        </p:spPr>
+        <p:style>
+          <a:lnRef idx="2">
+            <a:schemeClr val="accent1">
+              <a:shade val="50000"/>
+            </a:schemeClr>
+          </a:lnRef>
+          <a:fillRef idx="1">
+            <a:schemeClr val="accent1"/>
+          </a:fillRef>
+          <a:effectRef idx="0">
+            <a:schemeClr val="accent1"/>
+          </a:effectRef>
+          <a:fontRef idx="minor">
+            <a:schemeClr val="lt1"/>
+          </a:fontRef>
+        </p:style>
+        <p:txBody>
+          <a:bodyPr rtlCol="0" anchor="ctr"/>
+          <a:lstStyle/>
+          <a:p>
+            <a:pPr algn="ctr"/>
+            <a:r>
+              <a:rPr lang="en-US" b="1" dirty="0"/>
+              <a:t>Dept.aspx</a:t>
+            </a:r>
+          </a:p>
+        </p:txBody>
+      </p:sp>
+      <p:sp>
+        <p:nvSpPr>
+          <p:cNvPr id="6" name="Rectangle: Single Corner Snipped 5">
+            <a:extLst>
+              <a:ext uri="{FF2B5EF4-FFF2-40B4-BE49-F238E27FC236}">
+                <a16:creationId xmlns:a16="http://schemas.microsoft.com/office/drawing/2014/main" id="{5965B8FF-272E-8BCB-4212-A66A7D093F79}"/>
+              </a:ext>
+            </a:extLst>
+          </p:cNvPr>
+          <p:cNvSpPr/>
+          <p:nvPr/>
+        </p:nvSpPr>
+        <p:spPr>
+          <a:xfrm>
+            <a:off x="2603241" y="3494314"/>
+            <a:ext cx="1623527" cy="1250302"/>
+          </a:xfrm>
+          <a:prstGeom prst="snip1Rect">
+            <a:avLst/>
+          </a:prstGeom>
+        </p:spPr>
+        <p:style>
+          <a:lnRef idx="2">
+            <a:schemeClr val="accent1">
+              <a:shade val="50000"/>
+            </a:schemeClr>
+          </a:lnRef>
+          <a:fillRef idx="1">
+            <a:schemeClr val="accent1"/>
+          </a:fillRef>
+          <a:effectRef idx="0">
+            <a:schemeClr val="accent1"/>
+          </a:effectRef>
+          <a:fontRef idx="minor">
+            <a:schemeClr val="lt1"/>
+          </a:fontRef>
+        </p:style>
+        <p:txBody>
+          <a:bodyPr rtlCol="0" anchor="ctr"/>
+          <a:lstStyle/>
+          <a:p>
+            <a:pPr algn="ctr"/>
+            <a:r>
+              <a:rPr lang="en-US" b="1" dirty="0"/>
+              <a:t>Emp.aspx</a:t>
+            </a:r>
+          </a:p>
+        </p:txBody>
+      </p:sp>
+      <p:sp>
+        <p:nvSpPr>
+          <p:cNvPr id="5" name="Rectangle: Rounded Corners 4">
+            <a:extLst>
+              <a:ext uri="{FF2B5EF4-FFF2-40B4-BE49-F238E27FC236}">
+                <a16:creationId xmlns:a16="http://schemas.microsoft.com/office/drawing/2014/main" id="{2B8A4950-5930-FAB5-CD5F-E167DE970928}"/>
+              </a:ext>
+            </a:extLst>
+          </p:cNvPr>
+          <p:cNvSpPr/>
+          <p:nvPr/>
+        </p:nvSpPr>
+        <p:spPr>
+          <a:xfrm>
+            <a:off x="6783355" y="1530220"/>
+            <a:ext cx="3806890" cy="3722915"/>
+          </a:xfrm>
+          <a:prstGeom prst="roundRect">
+            <a:avLst/>
+          </a:prstGeom>
+        </p:spPr>
+        <p:style>
+          <a:lnRef idx="1">
+            <a:schemeClr val="accent5"/>
+          </a:lnRef>
+          <a:fillRef idx="2">
+            <a:schemeClr val="accent5"/>
+          </a:fillRef>
+          <a:effectRef idx="1">
+            <a:schemeClr val="accent5"/>
+          </a:effectRef>
+          <a:fontRef idx="minor">
+            <a:schemeClr val="dk1"/>
+          </a:fontRef>
+        </p:style>
+        <p:txBody>
+          <a:bodyPr rtlCol="0" anchor="ctr"/>
+          <a:lstStyle/>
+          <a:p>
+            <a:pPr algn="ctr"/>
+            <a:endParaRPr lang="en-US" b="1" dirty="0"/>
+          </a:p>
+        </p:txBody>
+      </p:sp>
+      <p:sp>
+        <p:nvSpPr>
+          <p:cNvPr id="7" name="TextBox 6">
+            <a:extLst>
+              <a:ext uri="{FF2B5EF4-FFF2-40B4-BE49-F238E27FC236}">
+                <a16:creationId xmlns:a16="http://schemas.microsoft.com/office/drawing/2014/main" id="{73E079F3-B28F-CDFF-7840-453F97143ED9}"/>
+              </a:ext>
+            </a:extLst>
+          </p:cNvPr>
+          <p:cNvSpPr txBox="1"/>
+          <p:nvPr/>
+        </p:nvSpPr>
+        <p:spPr>
+          <a:xfrm>
+            <a:off x="6960637" y="1940767"/>
+            <a:ext cx="2136710" cy="369332"/>
+          </a:xfrm>
+          <a:prstGeom prst="rect">
+            <a:avLst/>
+          </a:prstGeom>
+          <a:noFill/>
+        </p:spPr>
+        <p:txBody>
+          <a:bodyPr wrap="square" rtlCol="0">
+            <a:spAutoFit/>
+          </a:bodyPr>
+          <a:lstStyle/>
+          <a:p>
+            <a:pPr algn="ctr"/>
+            <a:r>
+              <a:rPr lang="en-US" b="1" dirty="0"/>
+              <a:t>Data Access Layer</a:t>
+            </a:r>
+          </a:p>
+        </p:txBody>
+      </p:sp>
+      <p:sp>
+        <p:nvSpPr>
+          <p:cNvPr id="8" name="Rectangle 7">
+            <a:extLst>
+              <a:ext uri="{FF2B5EF4-FFF2-40B4-BE49-F238E27FC236}">
+                <a16:creationId xmlns:a16="http://schemas.microsoft.com/office/drawing/2014/main" id="{91D74823-9E69-C3FC-F5AD-7B9180028840}"/>
+              </a:ext>
+            </a:extLst>
+          </p:cNvPr>
+          <p:cNvSpPr/>
+          <p:nvPr/>
+        </p:nvSpPr>
+        <p:spPr>
+          <a:xfrm>
+            <a:off x="6876662" y="3072104"/>
+            <a:ext cx="2220685" cy="844420"/>
+          </a:xfrm>
+          <a:prstGeom prst="rect">
+            <a:avLst/>
+          </a:prstGeom>
+        </p:spPr>
+        <p:style>
+          <a:lnRef idx="2">
+            <a:schemeClr val="accent1">
+              <a:shade val="50000"/>
+            </a:schemeClr>
+          </a:lnRef>
+          <a:fillRef idx="1">
+            <a:schemeClr val="accent1"/>
+          </a:fillRef>
+          <a:effectRef idx="0">
+            <a:schemeClr val="accent1"/>
+          </a:effectRef>
+          <a:fontRef idx="minor">
+            <a:schemeClr val="lt1"/>
+          </a:fontRef>
+        </p:style>
+        <p:txBody>
+          <a:bodyPr rtlCol="0" anchor="ctr"/>
+          <a:lstStyle/>
+          <a:p>
+            <a:pPr algn="ctr"/>
+            <a:r>
+              <a:rPr lang="en-US" sz="1400" b="1" dirty="0"/>
+              <a:t>DepartmentDataAccess</a:t>
+            </a:r>
+          </a:p>
+        </p:txBody>
+      </p:sp>
+      <p:sp>
+        <p:nvSpPr>
+          <p:cNvPr id="10" name="Rectangle 9">
+            <a:extLst>
+              <a:ext uri="{FF2B5EF4-FFF2-40B4-BE49-F238E27FC236}">
+                <a16:creationId xmlns:a16="http://schemas.microsoft.com/office/drawing/2014/main" id="{52C0AB7F-1AD5-DC6D-3CF3-7CF7F09D8864}"/>
+              </a:ext>
+            </a:extLst>
+          </p:cNvPr>
+          <p:cNvSpPr/>
+          <p:nvPr/>
+        </p:nvSpPr>
+        <p:spPr>
+          <a:xfrm>
+            <a:off x="8108302" y="4079424"/>
+            <a:ext cx="2220685" cy="844420"/>
+          </a:xfrm>
+          <a:prstGeom prst="rect">
+            <a:avLst/>
+          </a:prstGeom>
+        </p:spPr>
+        <p:style>
+          <a:lnRef idx="2">
+            <a:schemeClr val="accent1">
+              <a:shade val="50000"/>
+            </a:schemeClr>
+          </a:lnRef>
+          <a:fillRef idx="1">
+            <a:schemeClr val="accent1"/>
+          </a:fillRef>
+          <a:effectRef idx="0">
+            <a:schemeClr val="accent1"/>
+          </a:effectRef>
+          <a:fontRef idx="minor">
+            <a:schemeClr val="lt1"/>
+          </a:fontRef>
+        </p:style>
+        <p:txBody>
+          <a:bodyPr rtlCol="0" anchor="ctr"/>
+          <a:lstStyle/>
+          <a:p>
+            <a:pPr algn="ctr"/>
+            <a:r>
+              <a:rPr lang="en-US" sz="1400" b="1" dirty="0" err="1"/>
+              <a:t>EmployeeDataAccess</a:t>
+            </a:r>
+            <a:endParaRPr lang="en-US" sz="1400" b="1" dirty="0"/>
+          </a:p>
+        </p:txBody>
+      </p:sp>
+      <p:sp>
+        <p:nvSpPr>
+          <p:cNvPr id="9" name="Rectangle 8">
+            <a:extLst>
+              <a:ext uri="{FF2B5EF4-FFF2-40B4-BE49-F238E27FC236}">
+                <a16:creationId xmlns:a16="http://schemas.microsoft.com/office/drawing/2014/main" id="{EDB61520-F509-C40D-BDBA-27F878EF1FCB}"/>
+              </a:ext>
+            </a:extLst>
+          </p:cNvPr>
+          <p:cNvSpPr/>
+          <p:nvPr/>
+        </p:nvSpPr>
+        <p:spPr>
+          <a:xfrm>
+            <a:off x="8808099" y="2280562"/>
+            <a:ext cx="1670180" cy="498014"/>
+          </a:xfrm>
+          <a:prstGeom prst="rect">
+            <a:avLst/>
+          </a:prstGeom>
+        </p:spPr>
+        <p:style>
+          <a:lnRef idx="2">
+            <a:schemeClr val="accent1">
+              <a:shade val="50000"/>
+            </a:schemeClr>
+          </a:lnRef>
+          <a:fillRef idx="1">
+            <a:schemeClr val="accent1"/>
+          </a:fillRef>
+          <a:effectRef idx="0">
+            <a:schemeClr val="accent1"/>
+          </a:effectRef>
+          <a:fontRef idx="minor">
+            <a:schemeClr val="lt1"/>
+          </a:fontRef>
+        </p:style>
+        <p:txBody>
+          <a:bodyPr rtlCol="0" anchor="ctr"/>
+          <a:lstStyle/>
+          <a:p>
+            <a:pPr algn="ctr"/>
+            <a:r>
+              <a:rPr lang="en-US" b="1" dirty="0" err="1"/>
+              <a:t>IDataAccess</a:t>
+            </a:r>
+            <a:endParaRPr lang="en-US" b="1" dirty="0"/>
+          </a:p>
+        </p:txBody>
+      </p:sp>
+      <p:cxnSp>
+        <p:nvCxnSpPr>
+          <p:cNvPr id="12" name="Connector: Elbow 11">
+            <a:extLst>
+              <a:ext uri="{FF2B5EF4-FFF2-40B4-BE49-F238E27FC236}">
+                <a16:creationId xmlns:a16="http://schemas.microsoft.com/office/drawing/2014/main" id="{B7D1F2AA-F901-1595-6E3C-FA6AC4DF840F}"/>
+              </a:ext>
+            </a:extLst>
+          </p:cNvPr>
+          <p:cNvCxnSpPr>
+            <a:stCxn id="8" idx="0"/>
+          </p:cNvCxnSpPr>
+          <p:nvPr/>
+        </p:nvCxnSpPr>
+        <p:spPr>
+          <a:xfrm rot="5400000" flipH="1" flipV="1">
+            <a:off x="8121132" y="2394469"/>
+            <a:ext cx="543508" cy="811762"/>
+          </a:xfrm>
+          <a:prstGeom prst="bentConnector2">
+            <a:avLst/>
+          </a:prstGeom>
+          <a:ln>
+            <a:tailEnd type="triangle"/>
+          </a:ln>
+        </p:spPr>
+        <p:style>
+          <a:lnRef idx="1">
+            <a:schemeClr val="accent1"/>
+          </a:lnRef>
+          <a:fillRef idx="0">
+            <a:schemeClr val="accent1"/>
+          </a:fillRef>
+          <a:effectRef idx="0">
+            <a:schemeClr val="accent1"/>
+          </a:effectRef>
+          <a:fontRef idx="minor">
+            <a:schemeClr val="tx1"/>
+          </a:fontRef>
+        </p:style>
+      </p:cxnSp>
+      <p:cxnSp>
+        <p:nvCxnSpPr>
+          <p:cNvPr id="14" name="Connector: Elbow 13">
+            <a:extLst>
+              <a:ext uri="{FF2B5EF4-FFF2-40B4-BE49-F238E27FC236}">
+                <a16:creationId xmlns:a16="http://schemas.microsoft.com/office/drawing/2014/main" id="{8A4E90F1-7BDF-2EA5-0170-31B4C338A060}"/>
+              </a:ext>
+            </a:extLst>
+          </p:cNvPr>
+          <p:cNvCxnSpPr>
+            <a:stCxn id="10" idx="0"/>
+            <a:endCxn id="9" idx="2"/>
+          </p:cNvCxnSpPr>
+          <p:nvPr/>
+        </p:nvCxnSpPr>
+        <p:spPr>
+          <a:xfrm rot="5400000" flipH="1" flipV="1">
+            <a:off x="8780493" y="3216728"/>
+            <a:ext cx="1300848" cy="424544"/>
+          </a:xfrm>
+          <a:prstGeom prst="bentConnector3">
+            <a:avLst/>
+          </a:prstGeom>
+          <a:ln>
+            <a:tailEnd type="triangle"/>
+          </a:ln>
+        </p:spPr>
+        <p:style>
+          <a:lnRef idx="1">
+            <a:schemeClr val="accent1"/>
+          </a:lnRef>
+          <a:fillRef idx="0">
+            <a:schemeClr val="accent1"/>
+          </a:fillRef>
+          <a:effectRef idx="0">
+            <a:schemeClr val="accent1"/>
+          </a:effectRef>
+          <a:fontRef idx="minor">
+            <a:schemeClr val="tx1"/>
+          </a:fontRef>
+        </p:style>
+      </p:cxnSp>
+      <p:cxnSp>
+        <p:nvCxnSpPr>
+          <p:cNvPr id="16" name="Connector: Elbow 15">
+            <a:extLst>
+              <a:ext uri="{FF2B5EF4-FFF2-40B4-BE49-F238E27FC236}">
+                <a16:creationId xmlns:a16="http://schemas.microsoft.com/office/drawing/2014/main" id="{61E6F301-8807-9C3C-2AFB-8B27A5F5A476}"/>
+              </a:ext>
+            </a:extLst>
+          </p:cNvPr>
+          <p:cNvCxnSpPr>
+            <a:stCxn id="4" idx="0"/>
+            <a:endCxn id="8" idx="1"/>
+          </p:cNvCxnSpPr>
+          <p:nvPr/>
+        </p:nvCxnSpPr>
+        <p:spPr>
+          <a:xfrm>
+            <a:off x="4226768" y="2280562"/>
+            <a:ext cx="2649894" cy="1213752"/>
+          </a:xfrm>
+          <a:prstGeom prst="bentConnector3">
+            <a:avLst/>
+          </a:prstGeom>
+          <a:ln>
+            <a:tailEnd type="triangle"/>
+          </a:ln>
+        </p:spPr>
+        <p:style>
+          <a:lnRef idx="1">
+            <a:schemeClr val="accent1"/>
+          </a:lnRef>
+          <a:fillRef idx="0">
+            <a:schemeClr val="accent1"/>
+          </a:fillRef>
+          <a:effectRef idx="0">
+            <a:schemeClr val="accent1"/>
+          </a:effectRef>
+          <a:fontRef idx="minor">
+            <a:schemeClr val="tx1"/>
+          </a:fontRef>
+        </p:style>
+      </p:cxnSp>
+      <p:cxnSp>
+        <p:nvCxnSpPr>
+          <p:cNvPr id="18" name="Connector: Elbow 17">
+            <a:extLst>
+              <a:ext uri="{FF2B5EF4-FFF2-40B4-BE49-F238E27FC236}">
+                <a16:creationId xmlns:a16="http://schemas.microsoft.com/office/drawing/2014/main" id="{9DC5E214-D166-7CFA-1678-11097EFAECF0}"/>
+              </a:ext>
+            </a:extLst>
+          </p:cNvPr>
+          <p:cNvCxnSpPr>
+            <a:stCxn id="6" idx="0"/>
+            <a:endCxn id="10" idx="1"/>
+          </p:cNvCxnSpPr>
+          <p:nvPr/>
+        </p:nvCxnSpPr>
+        <p:spPr>
+          <a:xfrm>
+            <a:off x="4226768" y="4119465"/>
+            <a:ext cx="3881534" cy="382169"/>
+          </a:xfrm>
+          <a:prstGeom prst="bentConnector3">
+            <a:avLst/>
+          </a:prstGeom>
+          <a:ln>
+            <a:tailEnd type="triangle"/>
+          </a:ln>
+        </p:spPr>
+        <p:style>
+          <a:lnRef idx="1">
+            <a:schemeClr val="accent1"/>
+          </a:lnRef>
+          <a:fillRef idx="0">
+            <a:schemeClr val="accent1"/>
+          </a:fillRef>
+          <a:effectRef idx="0">
+            <a:schemeClr val="accent1"/>
+          </a:effectRef>
+          <a:fontRef idx="minor">
+            <a:schemeClr val="tx1"/>
+          </a:fontRef>
+        </p:style>
+      </p:cxnSp>
+      <p:sp>
+        <p:nvSpPr>
+          <p:cNvPr id="19" name="Cylinder 18">
+            <a:extLst>
+              <a:ext uri="{FF2B5EF4-FFF2-40B4-BE49-F238E27FC236}">
+                <a16:creationId xmlns:a16="http://schemas.microsoft.com/office/drawing/2014/main" id="{E76A9770-89CE-0427-9A41-D7DF6FF06276}"/>
+              </a:ext>
+            </a:extLst>
+          </p:cNvPr>
+          <p:cNvSpPr/>
+          <p:nvPr/>
+        </p:nvSpPr>
+        <p:spPr>
+          <a:xfrm>
+            <a:off x="10748865" y="2528596"/>
+            <a:ext cx="1329614" cy="1642188"/>
+          </a:xfrm>
+          <a:prstGeom prst="can">
+            <a:avLst/>
+          </a:prstGeom>
+        </p:spPr>
+        <p:style>
+          <a:lnRef idx="2">
+            <a:schemeClr val="accent1">
+              <a:shade val="50000"/>
+            </a:schemeClr>
+          </a:lnRef>
+          <a:fillRef idx="1">
+            <a:schemeClr val="accent1"/>
+          </a:fillRef>
+          <a:effectRef idx="0">
+            <a:schemeClr val="accent1"/>
+          </a:effectRef>
+          <a:fontRef idx="minor">
+            <a:schemeClr val="lt1"/>
+          </a:fontRef>
+        </p:style>
+        <p:txBody>
+          <a:bodyPr rtlCol="0" anchor="ctr"/>
+          <a:lstStyle/>
+          <a:p>
+            <a:pPr algn="ctr"/>
+            <a:r>
+              <a:rPr lang="en-US" b="1" dirty="0"/>
+              <a:t>SQL</a:t>
+            </a:r>
+          </a:p>
+          <a:p>
+            <a:pPr algn="ctr"/>
+            <a:r>
+              <a:rPr lang="en-US" b="1" dirty="0"/>
+              <a:t>DB</a:t>
+            </a:r>
+          </a:p>
+        </p:txBody>
+      </p:sp>
+      <p:cxnSp>
+        <p:nvCxnSpPr>
+          <p:cNvPr id="21" name="Connector: Elbow 20">
+            <a:extLst>
+              <a:ext uri="{FF2B5EF4-FFF2-40B4-BE49-F238E27FC236}">
+                <a16:creationId xmlns:a16="http://schemas.microsoft.com/office/drawing/2014/main" id="{DDA2F830-DACB-6CAE-3F31-018323E74995}"/>
+              </a:ext>
+            </a:extLst>
+          </p:cNvPr>
+          <p:cNvCxnSpPr>
+            <a:stCxn id="8" idx="3"/>
+            <a:endCxn id="19" idx="2"/>
+          </p:cNvCxnSpPr>
+          <p:nvPr/>
+        </p:nvCxnSpPr>
+        <p:spPr>
+          <a:xfrm flipV="1">
+            <a:off x="9097347" y="3349690"/>
+            <a:ext cx="1651518" cy="144624"/>
+          </a:xfrm>
+          <a:prstGeom prst="bentConnector3">
+            <a:avLst/>
+          </a:prstGeom>
+          <a:ln>
+            <a:tailEnd type="triangle"/>
+          </a:ln>
+        </p:spPr>
+        <p:style>
+          <a:lnRef idx="1">
+            <a:schemeClr val="accent1"/>
+          </a:lnRef>
+          <a:fillRef idx="0">
+            <a:schemeClr val="accent1"/>
+          </a:fillRef>
+          <a:effectRef idx="0">
+            <a:schemeClr val="accent1"/>
+          </a:effectRef>
+          <a:fontRef idx="minor">
+            <a:schemeClr val="tx1"/>
+          </a:fontRef>
+        </p:style>
+      </p:cxnSp>
+      <p:cxnSp>
+        <p:nvCxnSpPr>
+          <p:cNvPr id="27" name="Connector: Elbow 26">
+            <a:extLst>
+              <a:ext uri="{FF2B5EF4-FFF2-40B4-BE49-F238E27FC236}">
+                <a16:creationId xmlns:a16="http://schemas.microsoft.com/office/drawing/2014/main" id="{974514CE-27E2-3848-5537-5F220314E55A}"/>
+              </a:ext>
+            </a:extLst>
+          </p:cNvPr>
+          <p:cNvCxnSpPr>
+            <a:stCxn id="10" idx="3"/>
+            <a:endCxn id="19" idx="2"/>
+          </p:cNvCxnSpPr>
+          <p:nvPr/>
+        </p:nvCxnSpPr>
+        <p:spPr>
+          <a:xfrm flipV="1">
+            <a:off x="10328987" y="3349690"/>
+            <a:ext cx="419878" cy="1151944"/>
+          </a:xfrm>
+          <a:prstGeom prst="bentConnector3">
+            <a:avLst/>
+          </a:prstGeom>
+          <a:ln>
+            <a:tailEnd type="triangle"/>
+          </a:ln>
+        </p:spPr>
+        <p:style>
+          <a:lnRef idx="1">
+            <a:schemeClr val="accent1"/>
+          </a:lnRef>
+          <a:fillRef idx="0">
+            <a:schemeClr val="accent1"/>
+          </a:fillRef>
+          <a:effectRef idx="0">
+            <a:schemeClr val="accent1"/>
+          </a:effectRef>
+          <a:fontRef idx="minor">
+            <a:schemeClr val="tx1"/>
+          </a:fontRef>
+        </p:style>
+      </p:cxnSp>
+    </p:spTree>
+    <p:extLst>
+      <p:ext uri="{BB962C8B-B14F-4D97-AF65-F5344CB8AC3E}">
+        <p14:creationId xmlns:p14="http://schemas.microsoft.com/office/powerpoint/2010/main" val="2456804920"/>
+      </p:ext>
+    </p:extLst>
+  </p:cSld>
+  <p:clrMapOvr>
+    <a:masterClrMapping/>
+  </p:clrMapOvr>
+</p:sld>
+</file>
+
+<file path=ppt/slides/slide41.xml><?xml version="1.0" encoding="utf-8"?>
+<p:sld xmlns:a="http://schemas.openxmlformats.org/drawingml/2006/main" xmlns:r="http://schemas.openxmlformats.org/officeDocument/2006/relationships" xmlns:p="http://schemas.openxmlformats.org/presentationml/2006/main">
+  <p:cSld>
+    <p:spTree>
+      <p:nvGrpSpPr>
+        <p:cNvPr id="1" name=""/>
+        <p:cNvGrpSpPr/>
+        <p:nvPr/>
+      </p:nvGrpSpPr>
+      <p:grpSpPr>
+        <a:xfrm>
+          <a:off x="0" y="0"/>
+          <a:ext cx="0" cy="0"/>
+          <a:chOff x="0" y="0"/>
+          <a:chExt cx="0" cy="0"/>
+        </a:xfrm>
+      </p:grpSpPr>
+      <p:sp>
+        <p:nvSpPr>
+          <p:cNvPr id="2" name="Rectangle 1">
+            <a:extLst>
+              <a:ext uri="{FF2B5EF4-FFF2-40B4-BE49-F238E27FC236}">
+                <a16:creationId xmlns:a16="http://schemas.microsoft.com/office/drawing/2014/main" id="{8BA4B172-98AE-6279-BA31-FDEFF3A4BA9D}"/>
+              </a:ext>
+            </a:extLst>
+          </p:cNvPr>
+          <p:cNvSpPr/>
+          <p:nvPr/>
+        </p:nvSpPr>
+        <p:spPr>
+          <a:xfrm>
+            <a:off x="401217" y="373224"/>
+            <a:ext cx="2042627" cy="6242180"/>
+          </a:xfrm>
+          <a:prstGeom prst="rect">
+            <a:avLst/>
+          </a:prstGeom>
+        </p:spPr>
+        <p:style>
+          <a:lnRef idx="2">
+            <a:schemeClr val="accent4"/>
+          </a:lnRef>
+          <a:fillRef idx="1">
+            <a:schemeClr val="lt1"/>
+          </a:fillRef>
+          <a:effectRef idx="0">
+            <a:schemeClr val="accent4"/>
+          </a:effectRef>
+          <a:fontRef idx="minor">
+            <a:schemeClr val="dk1"/>
+          </a:fontRef>
+        </p:style>
+        <p:txBody>
+          <a:bodyPr rtlCol="0" anchor="ctr"/>
+          <a:lstStyle/>
+          <a:p>
+            <a:pPr algn="ctr"/>
+            <a:endParaRPr lang="en-US"/>
+          </a:p>
+        </p:txBody>
+      </p:sp>
+      <p:sp>
+        <p:nvSpPr>
+          <p:cNvPr id="3" name="TextBox 2">
+            <a:extLst>
+              <a:ext uri="{FF2B5EF4-FFF2-40B4-BE49-F238E27FC236}">
+                <a16:creationId xmlns:a16="http://schemas.microsoft.com/office/drawing/2014/main" id="{BD687D15-F034-FB4C-4FBD-52B202DA8EC1}"/>
+              </a:ext>
+            </a:extLst>
+          </p:cNvPr>
+          <p:cNvSpPr txBox="1"/>
+          <p:nvPr/>
+        </p:nvSpPr>
+        <p:spPr>
+          <a:xfrm>
+            <a:off x="597160" y="535166"/>
+            <a:ext cx="2034073" cy="369332"/>
+          </a:xfrm>
+          <a:prstGeom prst="rect">
+            <a:avLst/>
+          </a:prstGeom>
+          <a:noFill/>
+        </p:spPr>
+        <p:txBody>
+          <a:bodyPr wrap="square" rtlCol="0">
+            <a:spAutoFit/>
+          </a:bodyPr>
+          <a:lstStyle/>
+          <a:p>
+            <a:pPr algn="ctr"/>
+            <a:r>
+              <a:rPr lang="en-US" b="1" dirty="0"/>
+              <a:t>ASP.NET App</a:t>
+            </a:r>
+          </a:p>
+        </p:txBody>
+      </p:sp>
+      <p:sp>
+        <p:nvSpPr>
+          <p:cNvPr id="4" name="Rectangle: Single Corner Snipped 3">
+            <a:extLst>
+              <a:ext uri="{FF2B5EF4-FFF2-40B4-BE49-F238E27FC236}">
+                <a16:creationId xmlns:a16="http://schemas.microsoft.com/office/drawing/2014/main" id="{CA49BBCE-45F3-C2CF-8FDC-480395E2934C}"/>
+              </a:ext>
+            </a:extLst>
+          </p:cNvPr>
+          <p:cNvSpPr/>
+          <p:nvPr/>
+        </p:nvSpPr>
+        <p:spPr>
+          <a:xfrm>
+            <a:off x="597160" y="1655411"/>
+            <a:ext cx="1623527" cy="1250302"/>
+          </a:xfrm>
+          <a:prstGeom prst="snip1Rect">
+            <a:avLst/>
+          </a:prstGeom>
+        </p:spPr>
+        <p:style>
+          <a:lnRef idx="2">
+            <a:schemeClr val="accent1">
+              <a:shade val="50000"/>
+            </a:schemeClr>
+          </a:lnRef>
+          <a:fillRef idx="1">
+            <a:schemeClr val="accent1"/>
+          </a:fillRef>
+          <a:effectRef idx="0">
+            <a:schemeClr val="accent1"/>
+          </a:effectRef>
+          <a:fontRef idx="minor">
+            <a:schemeClr val="lt1"/>
+          </a:fontRef>
+        </p:style>
+        <p:txBody>
+          <a:bodyPr rtlCol="0" anchor="ctr"/>
+          <a:lstStyle/>
+          <a:p>
+            <a:pPr algn="ctr"/>
+            <a:r>
+              <a:rPr lang="en-US" b="1" dirty="0"/>
+              <a:t>Dept.aspx</a:t>
+            </a:r>
+          </a:p>
+        </p:txBody>
+      </p:sp>
+      <p:sp>
+        <p:nvSpPr>
+          <p:cNvPr id="6" name="Rectangle: Single Corner Snipped 5">
+            <a:extLst>
+              <a:ext uri="{FF2B5EF4-FFF2-40B4-BE49-F238E27FC236}">
+                <a16:creationId xmlns:a16="http://schemas.microsoft.com/office/drawing/2014/main" id="{5965B8FF-272E-8BCB-4212-A66A7D093F79}"/>
+              </a:ext>
+            </a:extLst>
+          </p:cNvPr>
+          <p:cNvSpPr/>
+          <p:nvPr/>
+        </p:nvSpPr>
+        <p:spPr>
+          <a:xfrm>
+            <a:off x="597160" y="3494314"/>
+            <a:ext cx="1623527" cy="1250302"/>
+          </a:xfrm>
+          <a:prstGeom prst="snip1Rect">
+            <a:avLst/>
+          </a:prstGeom>
+        </p:spPr>
+        <p:style>
+          <a:lnRef idx="2">
+            <a:schemeClr val="accent1">
+              <a:shade val="50000"/>
+            </a:schemeClr>
+          </a:lnRef>
+          <a:fillRef idx="1">
+            <a:schemeClr val="accent1"/>
+          </a:fillRef>
+          <a:effectRef idx="0">
+            <a:schemeClr val="accent1"/>
+          </a:effectRef>
+          <a:fontRef idx="minor">
+            <a:schemeClr val="lt1"/>
+          </a:fontRef>
+        </p:style>
+        <p:txBody>
+          <a:bodyPr rtlCol="0" anchor="ctr"/>
+          <a:lstStyle/>
+          <a:p>
+            <a:pPr algn="ctr"/>
+            <a:r>
+              <a:rPr lang="en-US" b="1" dirty="0"/>
+              <a:t>Emp.aspx</a:t>
+            </a:r>
+          </a:p>
+        </p:txBody>
+      </p:sp>
+      <p:sp>
+        <p:nvSpPr>
+          <p:cNvPr id="5" name="Rectangle: Rounded Corners 4">
+            <a:extLst>
+              <a:ext uri="{FF2B5EF4-FFF2-40B4-BE49-F238E27FC236}">
+                <a16:creationId xmlns:a16="http://schemas.microsoft.com/office/drawing/2014/main" id="{2B8A4950-5930-FAB5-CD5F-E167DE970928}"/>
+              </a:ext>
+            </a:extLst>
+          </p:cNvPr>
+          <p:cNvSpPr/>
+          <p:nvPr/>
+        </p:nvSpPr>
+        <p:spPr>
+          <a:xfrm>
+            <a:off x="7338527" y="1530220"/>
+            <a:ext cx="3251717" cy="3722915"/>
+          </a:xfrm>
+          <a:prstGeom prst="roundRect">
+            <a:avLst/>
+          </a:prstGeom>
+        </p:spPr>
+        <p:style>
+          <a:lnRef idx="1">
+            <a:schemeClr val="accent5"/>
+          </a:lnRef>
+          <a:fillRef idx="2">
+            <a:schemeClr val="accent5"/>
+          </a:fillRef>
+          <a:effectRef idx="1">
+            <a:schemeClr val="accent5"/>
+          </a:effectRef>
+          <a:fontRef idx="minor">
+            <a:schemeClr val="dk1"/>
+          </a:fontRef>
+        </p:style>
+        <p:txBody>
+          <a:bodyPr rtlCol="0" anchor="ctr"/>
+          <a:lstStyle/>
+          <a:p>
+            <a:pPr algn="ctr"/>
+            <a:endParaRPr lang="en-US" b="1" dirty="0"/>
+          </a:p>
+        </p:txBody>
+      </p:sp>
+      <p:sp>
+        <p:nvSpPr>
+          <p:cNvPr id="7" name="TextBox 6">
+            <a:extLst>
+              <a:ext uri="{FF2B5EF4-FFF2-40B4-BE49-F238E27FC236}">
+                <a16:creationId xmlns:a16="http://schemas.microsoft.com/office/drawing/2014/main" id="{73E079F3-B28F-CDFF-7840-453F97143ED9}"/>
+              </a:ext>
+            </a:extLst>
+          </p:cNvPr>
+          <p:cNvSpPr txBox="1"/>
+          <p:nvPr/>
+        </p:nvSpPr>
+        <p:spPr>
+          <a:xfrm>
+            <a:off x="8439541" y="1895674"/>
+            <a:ext cx="2136710" cy="646331"/>
+          </a:xfrm>
+          <a:prstGeom prst="rect">
+            <a:avLst/>
+          </a:prstGeom>
+          <a:noFill/>
+        </p:spPr>
+        <p:txBody>
+          <a:bodyPr wrap="square" rtlCol="0">
+            <a:spAutoFit/>
+          </a:bodyPr>
+          <a:lstStyle/>
+          <a:p>
+            <a:pPr algn="ctr"/>
+            <a:r>
+              <a:rPr lang="en-US" b="1" dirty="0"/>
+              <a:t>SQL Data Access Layer</a:t>
+            </a:r>
+          </a:p>
+        </p:txBody>
+      </p:sp>
+      <p:sp>
+        <p:nvSpPr>
+          <p:cNvPr id="8" name="Rectangle 7">
+            <a:extLst>
+              <a:ext uri="{FF2B5EF4-FFF2-40B4-BE49-F238E27FC236}">
+                <a16:creationId xmlns:a16="http://schemas.microsoft.com/office/drawing/2014/main" id="{91D74823-9E69-C3FC-F5AD-7B9180028840}"/>
+              </a:ext>
+            </a:extLst>
+          </p:cNvPr>
+          <p:cNvSpPr/>
+          <p:nvPr/>
+        </p:nvSpPr>
+        <p:spPr>
+          <a:xfrm>
+            <a:off x="7527471" y="2927480"/>
+            <a:ext cx="2220685" cy="844420"/>
+          </a:xfrm>
+          <a:prstGeom prst="rect">
+            <a:avLst/>
+          </a:prstGeom>
+        </p:spPr>
+        <p:style>
+          <a:lnRef idx="2">
+            <a:schemeClr val="accent1">
+              <a:shade val="50000"/>
+            </a:schemeClr>
+          </a:lnRef>
+          <a:fillRef idx="1">
+            <a:schemeClr val="accent1"/>
+          </a:fillRef>
+          <a:effectRef idx="0">
+            <a:schemeClr val="accent1"/>
+          </a:effectRef>
+          <a:fontRef idx="minor">
+            <a:schemeClr val="lt1"/>
+          </a:fontRef>
+        </p:style>
+        <p:txBody>
+          <a:bodyPr rtlCol="0" anchor="ctr"/>
+          <a:lstStyle/>
+          <a:p>
+            <a:pPr algn="ctr"/>
+            <a:r>
+              <a:rPr lang="en-US" sz="1400" b="1" dirty="0" err="1"/>
+              <a:t>SQLDepartmentDataAccess</a:t>
+            </a:r>
+            <a:endParaRPr lang="en-US" sz="1400" b="1" dirty="0"/>
+          </a:p>
+        </p:txBody>
+      </p:sp>
+      <p:sp>
+        <p:nvSpPr>
+          <p:cNvPr id="10" name="Rectangle 9">
+            <a:extLst>
+              <a:ext uri="{FF2B5EF4-FFF2-40B4-BE49-F238E27FC236}">
+                <a16:creationId xmlns:a16="http://schemas.microsoft.com/office/drawing/2014/main" id="{52C0AB7F-1AD5-DC6D-3CF3-7CF7F09D8864}"/>
+              </a:ext>
+            </a:extLst>
+          </p:cNvPr>
+          <p:cNvSpPr/>
+          <p:nvPr/>
+        </p:nvSpPr>
+        <p:spPr>
+          <a:xfrm>
+            <a:off x="7949688" y="4100612"/>
+            <a:ext cx="2220685" cy="844420"/>
+          </a:xfrm>
+          <a:prstGeom prst="rect">
+            <a:avLst/>
+          </a:prstGeom>
+        </p:spPr>
+        <p:style>
+          <a:lnRef idx="2">
+            <a:schemeClr val="accent1">
+              <a:shade val="50000"/>
+            </a:schemeClr>
+          </a:lnRef>
+          <a:fillRef idx="1">
+            <a:schemeClr val="accent1"/>
+          </a:fillRef>
+          <a:effectRef idx="0">
+            <a:schemeClr val="accent1"/>
+          </a:effectRef>
+          <a:fontRef idx="minor">
+            <a:schemeClr val="lt1"/>
+          </a:fontRef>
+        </p:style>
+        <p:txBody>
+          <a:bodyPr rtlCol="0" anchor="ctr"/>
+          <a:lstStyle/>
+          <a:p>
+            <a:pPr algn="ctr"/>
+            <a:r>
+              <a:rPr lang="en-US" sz="1400" b="1" dirty="0" err="1"/>
+              <a:t>SQLEmployeeDataAccess</a:t>
+            </a:r>
+            <a:endParaRPr lang="en-US" sz="1400" b="1" dirty="0"/>
+          </a:p>
+        </p:txBody>
+      </p:sp>
+      <p:sp>
+        <p:nvSpPr>
+          <p:cNvPr id="9" name="Rectangle 8">
+            <a:extLst>
+              <a:ext uri="{FF2B5EF4-FFF2-40B4-BE49-F238E27FC236}">
+                <a16:creationId xmlns:a16="http://schemas.microsoft.com/office/drawing/2014/main" id="{EDB61520-F509-C40D-BDBA-27F878EF1FCB}"/>
+              </a:ext>
+            </a:extLst>
+          </p:cNvPr>
+          <p:cNvSpPr/>
+          <p:nvPr/>
+        </p:nvSpPr>
+        <p:spPr>
+          <a:xfrm>
+            <a:off x="4525347" y="577926"/>
+            <a:ext cx="4105470" cy="498014"/>
+          </a:xfrm>
+          <a:prstGeom prst="rect">
+            <a:avLst/>
+          </a:prstGeom>
+        </p:spPr>
+        <p:style>
+          <a:lnRef idx="2">
+            <a:schemeClr val="accent1">
+              <a:shade val="50000"/>
+            </a:schemeClr>
+          </a:lnRef>
+          <a:fillRef idx="1">
+            <a:schemeClr val="accent1"/>
+          </a:fillRef>
+          <a:effectRef idx="0">
+            <a:schemeClr val="accent1"/>
+          </a:effectRef>
+          <a:fontRef idx="minor">
+            <a:schemeClr val="lt1"/>
+          </a:fontRef>
+        </p:style>
+        <p:txBody>
+          <a:bodyPr rtlCol="0" anchor="ctr"/>
+          <a:lstStyle/>
+          <a:p>
+            <a:pPr algn="ctr"/>
+            <a:r>
+              <a:rPr lang="en-US" b="1" dirty="0" err="1"/>
+              <a:t>IDataAccess</a:t>
+            </a:r>
+            <a:endParaRPr lang="en-US" b="1" dirty="0"/>
+          </a:p>
+        </p:txBody>
+      </p:sp>
+      <p:cxnSp>
+        <p:nvCxnSpPr>
+          <p:cNvPr id="14" name="Connector: Elbow 13">
+            <a:extLst>
+              <a:ext uri="{FF2B5EF4-FFF2-40B4-BE49-F238E27FC236}">
+                <a16:creationId xmlns:a16="http://schemas.microsoft.com/office/drawing/2014/main" id="{8A4E90F1-7BDF-2EA5-0170-31B4C338A060}"/>
+              </a:ext>
+            </a:extLst>
+          </p:cNvPr>
+          <p:cNvCxnSpPr>
+            <a:cxnSpLocks/>
+            <a:endCxn id="9" idx="3"/>
+          </p:cNvCxnSpPr>
+          <p:nvPr/>
+        </p:nvCxnSpPr>
+        <p:spPr>
+          <a:xfrm rot="16200000" flipV="1">
+            <a:off x="7340476" y="2117275"/>
+            <a:ext cx="3252491" cy="671807"/>
+          </a:xfrm>
+          <a:prstGeom prst="bentConnector2">
+            <a:avLst/>
+          </a:prstGeom>
+          <a:ln>
+            <a:tailEnd type="triangle"/>
+          </a:ln>
+        </p:spPr>
+        <p:style>
+          <a:lnRef idx="1">
+            <a:schemeClr val="accent1"/>
+          </a:lnRef>
+          <a:fillRef idx="0">
+            <a:schemeClr val="accent1"/>
+          </a:fillRef>
+          <a:effectRef idx="0">
+            <a:schemeClr val="accent1"/>
+          </a:effectRef>
+          <a:fontRef idx="minor">
+            <a:schemeClr val="tx1"/>
+          </a:fontRef>
+        </p:style>
+      </p:cxnSp>
+      <p:sp>
+        <p:nvSpPr>
+          <p:cNvPr id="19" name="Cylinder 18">
+            <a:extLst>
+              <a:ext uri="{FF2B5EF4-FFF2-40B4-BE49-F238E27FC236}">
+                <a16:creationId xmlns:a16="http://schemas.microsoft.com/office/drawing/2014/main" id="{E76A9770-89CE-0427-9A41-D7DF6FF06276}"/>
+              </a:ext>
+            </a:extLst>
+          </p:cNvPr>
+          <p:cNvSpPr/>
+          <p:nvPr/>
+        </p:nvSpPr>
+        <p:spPr>
+          <a:xfrm>
+            <a:off x="10748865" y="2528596"/>
+            <a:ext cx="1329614" cy="1642188"/>
+          </a:xfrm>
+          <a:prstGeom prst="can">
+            <a:avLst/>
+          </a:prstGeom>
+        </p:spPr>
+        <p:style>
+          <a:lnRef idx="2">
+            <a:schemeClr val="accent1">
+              <a:shade val="50000"/>
+            </a:schemeClr>
+          </a:lnRef>
+          <a:fillRef idx="1">
+            <a:schemeClr val="accent1"/>
+          </a:fillRef>
+          <a:effectRef idx="0">
+            <a:schemeClr val="accent1"/>
+          </a:effectRef>
+          <a:fontRef idx="minor">
+            <a:schemeClr val="lt1"/>
+          </a:fontRef>
+        </p:style>
+        <p:txBody>
+          <a:bodyPr rtlCol="0" anchor="ctr"/>
+          <a:lstStyle/>
+          <a:p>
+            <a:pPr algn="ctr"/>
+            <a:r>
+              <a:rPr lang="en-US" b="1" dirty="0"/>
+              <a:t>SQL</a:t>
+            </a:r>
+          </a:p>
+          <a:p>
+            <a:pPr algn="ctr"/>
+            <a:r>
+              <a:rPr lang="en-US" b="1" dirty="0"/>
+              <a:t>DB</a:t>
+            </a:r>
+          </a:p>
+        </p:txBody>
+      </p:sp>
+      <p:cxnSp>
+        <p:nvCxnSpPr>
+          <p:cNvPr id="21" name="Connector: Elbow 20">
+            <a:extLst>
+              <a:ext uri="{FF2B5EF4-FFF2-40B4-BE49-F238E27FC236}">
+                <a16:creationId xmlns:a16="http://schemas.microsoft.com/office/drawing/2014/main" id="{DDA2F830-DACB-6CAE-3F31-018323E74995}"/>
+              </a:ext>
+            </a:extLst>
+          </p:cNvPr>
+          <p:cNvCxnSpPr>
+            <a:stCxn id="8" idx="3"/>
+            <a:endCxn id="19" idx="2"/>
+          </p:cNvCxnSpPr>
+          <p:nvPr/>
+        </p:nvCxnSpPr>
+        <p:spPr>
+          <a:xfrm>
+            <a:off x="9748156" y="3349690"/>
+            <a:ext cx="1000709" cy="12700"/>
+          </a:xfrm>
+          <a:prstGeom prst="bentConnector3">
+            <a:avLst/>
+          </a:prstGeom>
+          <a:ln>
+            <a:tailEnd type="triangle"/>
+          </a:ln>
+        </p:spPr>
+        <p:style>
+          <a:lnRef idx="1">
+            <a:schemeClr val="accent1"/>
+          </a:lnRef>
+          <a:fillRef idx="0">
+            <a:schemeClr val="accent1"/>
+          </a:fillRef>
+          <a:effectRef idx="0">
+            <a:schemeClr val="accent1"/>
+          </a:effectRef>
+          <a:fontRef idx="minor">
+            <a:schemeClr val="tx1"/>
+          </a:fontRef>
+        </p:style>
+      </p:cxnSp>
+      <p:cxnSp>
+        <p:nvCxnSpPr>
+          <p:cNvPr id="27" name="Connector: Elbow 26">
+            <a:extLst>
+              <a:ext uri="{FF2B5EF4-FFF2-40B4-BE49-F238E27FC236}">
+                <a16:creationId xmlns:a16="http://schemas.microsoft.com/office/drawing/2014/main" id="{974514CE-27E2-3848-5537-5F220314E55A}"/>
+              </a:ext>
+            </a:extLst>
+          </p:cNvPr>
+          <p:cNvCxnSpPr>
+            <a:stCxn id="10" idx="3"/>
+            <a:endCxn id="19" idx="2"/>
+          </p:cNvCxnSpPr>
+          <p:nvPr/>
+        </p:nvCxnSpPr>
+        <p:spPr>
+          <a:xfrm flipV="1">
+            <a:off x="10170373" y="3349690"/>
+            <a:ext cx="578492" cy="1173132"/>
+          </a:xfrm>
+          <a:prstGeom prst="bentConnector3">
+            <a:avLst/>
+          </a:prstGeom>
+          <a:ln>
+            <a:tailEnd type="triangle"/>
+          </a:ln>
+        </p:spPr>
+        <p:style>
+          <a:lnRef idx="1">
+            <a:schemeClr val="accent1"/>
+          </a:lnRef>
+          <a:fillRef idx="0">
+            <a:schemeClr val="accent1"/>
+          </a:fillRef>
+          <a:effectRef idx="0">
+            <a:schemeClr val="accent1"/>
+          </a:effectRef>
+          <a:fontRef idx="minor">
+            <a:schemeClr val="tx1"/>
+          </a:fontRef>
+        </p:style>
+      </p:cxnSp>
+      <p:sp>
+        <p:nvSpPr>
+          <p:cNvPr id="11" name="TextBox 10">
+            <a:extLst>
+              <a:ext uri="{FF2B5EF4-FFF2-40B4-BE49-F238E27FC236}">
+                <a16:creationId xmlns:a16="http://schemas.microsoft.com/office/drawing/2014/main" id="{91C6EF7E-CB4D-1725-5252-821E9D2F951C}"/>
+              </a:ext>
+            </a:extLst>
+          </p:cNvPr>
+          <p:cNvSpPr txBox="1"/>
+          <p:nvPr/>
+        </p:nvSpPr>
+        <p:spPr>
+          <a:xfrm>
+            <a:off x="6783355" y="0"/>
+            <a:ext cx="5295124" cy="369332"/>
+          </a:xfrm>
+          <a:prstGeom prst="rect">
+            <a:avLst/>
+          </a:prstGeom>
+          <a:noFill/>
+        </p:spPr>
+        <p:txBody>
+          <a:bodyPr wrap="square" rtlCol="0">
+            <a:spAutoFit/>
+          </a:bodyPr>
+          <a:lstStyle/>
+          <a:p>
+            <a:r>
+              <a:rPr lang="en-US" b="1" dirty="0"/>
+              <a:t>Using Dependency Injection</a:t>
+            </a:r>
+          </a:p>
+        </p:txBody>
+      </p:sp>
+      <p:sp>
+        <p:nvSpPr>
+          <p:cNvPr id="28" name="Rectangle: Rounded Corners 27">
+            <a:extLst>
+              <a:ext uri="{FF2B5EF4-FFF2-40B4-BE49-F238E27FC236}">
+                <a16:creationId xmlns:a16="http://schemas.microsoft.com/office/drawing/2014/main" id="{B11B6EB7-2543-E7E1-6BE6-626E45FFFBF9}"/>
+              </a:ext>
+            </a:extLst>
+          </p:cNvPr>
+          <p:cNvSpPr/>
+          <p:nvPr/>
+        </p:nvSpPr>
+        <p:spPr>
+          <a:xfrm>
+            <a:off x="3664593" y="2974133"/>
+            <a:ext cx="3251717" cy="3722915"/>
+          </a:xfrm>
+          <a:prstGeom prst="roundRect">
+            <a:avLst/>
+          </a:prstGeom>
+        </p:spPr>
+        <p:style>
+          <a:lnRef idx="1">
+            <a:schemeClr val="accent5"/>
+          </a:lnRef>
+          <a:fillRef idx="2">
+            <a:schemeClr val="accent5"/>
+          </a:fillRef>
+          <a:effectRef idx="1">
+            <a:schemeClr val="accent5"/>
+          </a:effectRef>
+          <a:fontRef idx="minor">
+            <a:schemeClr val="dk1"/>
+          </a:fontRef>
+        </p:style>
+        <p:txBody>
+          <a:bodyPr rtlCol="0" anchor="ctr"/>
+          <a:lstStyle/>
+          <a:p>
+            <a:pPr algn="ctr"/>
+            <a:endParaRPr lang="en-US" b="1" dirty="0"/>
+          </a:p>
+        </p:txBody>
+      </p:sp>
+      <p:sp>
+        <p:nvSpPr>
+          <p:cNvPr id="29" name="Rectangle 28">
+            <a:extLst>
+              <a:ext uri="{FF2B5EF4-FFF2-40B4-BE49-F238E27FC236}">
+                <a16:creationId xmlns:a16="http://schemas.microsoft.com/office/drawing/2014/main" id="{DE381BEB-A715-EA73-BB16-C6256EF22F47}"/>
+              </a:ext>
+            </a:extLst>
+          </p:cNvPr>
+          <p:cNvSpPr/>
+          <p:nvPr/>
+        </p:nvSpPr>
+        <p:spPr>
+          <a:xfrm>
+            <a:off x="3853537" y="4371393"/>
+            <a:ext cx="2490508" cy="844420"/>
+          </a:xfrm>
+          <a:prstGeom prst="rect">
+            <a:avLst/>
+          </a:prstGeom>
+        </p:spPr>
+        <p:style>
+          <a:lnRef idx="2">
+            <a:schemeClr val="accent1">
+              <a:shade val="50000"/>
+            </a:schemeClr>
+          </a:lnRef>
+          <a:fillRef idx="1">
+            <a:schemeClr val="accent1"/>
+          </a:fillRef>
+          <a:effectRef idx="0">
+            <a:schemeClr val="accent1"/>
+          </a:effectRef>
+          <a:fontRef idx="minor">
+            <a:schemeClr val="lt1"/>
+          </a:fontRef>
+        </p:style>
+        <p:txBody>
+          <a:bodyPr rtlCol="0" anchor="ctr"/>
+          <a:lstStyle/>
+          <a:p>
+            <a:pPr algn="ctr"/>
+            <a:r>
+              <a:rPr lang="en-US" sz="1400" b="1" dirty="0" err="1"/>
+              <a:t>MySQLDepartmentDataAccess</a:t>
+            </a:r>
+            <a:endParaRPr lang="en-US" sz="1400" b="1" dirty="0"/>
+          </a:p>
+        </p:txBody>
+      </p:sp>
+      <p:sp>
+        <p:nvSpPr>
+          <p:cNvPr id="30" name="Rectangle 29">
+            <a:extLst>
+              <a:ext uri="{FF2B5EF4-FFF2-40B4-BE49-F238E27FC236}">
+                <a16:creationId xmlns:a16="http://schemas.microsoft.com/office/drawing/2014/main" id="{397FAB9A-FF51-6F49-F4CF-32551E731174}"/>
+              </a:ext>
+            </a:extLst>
+          </p:cNvPr>
+          <p:cNvSpPr/>
+          <p:nvPr/>
+        </p:nvSpPr>
+        <p:spPr>
+          <a:xfrm>
+            <a:off x="4275754" y="5544525"/>
+            <a:ext cx="2423626" cy="844420"/>
+          </a:xfrm>
+          <a:prstGeom prst="rect">
+            <a:avLst/>
+          </a:prstGeom>
+        </p:spPr>
+        <p:style>
+          <a:lnRef idx="2">
+            <a:schemeClr val="accent1">
+              <a:shade val="50000"/>
+            </a:schemeClr>
+          </a:lnRef>
+          <a:fillRef idx="1">
+            <a:schemeClr val="accent1"/>
+          </a:fillRef>
+          <a:effectRef idx="0">
+            <a:schemeClr val="accent1"/>
+          </a:effectRef>
+          <a:fontRef idx="minor">
+            <a:schemeClr val="lt1"/>
+          </a:fontRef>
+        </p:style>
+        <p:txBody>
+          <a:bodyPr rtlCol="0" anchor="ctr"/>
+          <a:lstStyle/>
+          <a:p>
+            <a:pPr algn="ctr"/>
+            <a:r>
+              <a:rPr lang="en-US" sz="1400" b="1" dirty="0" err="1"/>
+              <a:t>MySQLEmployeeDataAccess</a:t>
+            </a:r>
+            <a:endParaRPr lang="en-US" sz="1400" b="1" dirty="0"/>
+          </a:p>
+        </p:txBody>
+      </p:sp>
+      <p:sp>
+        <p:nvSpPr>
+          <p:cNvPr id="31" name="TextBox 30">
+            <a:extLst>
+              <a:ext uri="{FF2B5EF4-FFF2-40B4-BE49-F238E27FC236}">
+                <a16:creationId xmlns:a16="http://schemas.microsoft.com/office/drawing/2014/main" id="{F74D14D4-DAFF-8E31-D002-E7D36DC398A8}"/>
+              </a:ext>
+            </a:extLst>
+          </p:cNvPr>
+          <p:cNvSpPr txBox="1"/>
+          <p:nvPr/>
+        </p:nvSpPr>
+        <p:spPr>
+          <a:xfrm>
+            <a:off x="4207335" y="3448734"/>
+            <a:ext cx="2136710" cy="646331"/>
+          </a:xfrm>
+          <a:prstGeom prst="rect">
+            <a:avLst/>
+          </a:prstGeom>
+          <a:noFill/>
+        </p:spPr>
+        <p:txBody>
+          <a:bodyPr wrap="square" rtlCol="0">
+            <a:spAutoFit/>
+          </a:bodyPr>
+          <a:lstStyle/>
+          <a:p>
+            <a:pPr algn="ctr"/>
+            <a:r>
+              <a:rPr lang="en-US" b="1" dirty="0"/>
+              <a:t>MySQL Data Access Layer</a:t>
+            </a:r>
+          </a:p>
+        </p:txBody>
+      </p:sp>
+      <p:sp>
+        <p:nvSpPr>
+          <p:cNvPr id="32" name="Cylinder 31">
+            <a:extLst>
+              <a:ext uri="{FF2B5EF4-FFF2-40B4-BE49-F238E27FC236}">
+                <a16:creationId xmlns:a16="http://schemas.microsoft.com/office/drawing/2014/main" id="{357B702C-65B5-9E82-D3A7-71B818F669E7}"/>
+              </a:ext>
+            </a:extLst>
+          </p:cNvPr>
+          <p:cNvSpPr/>
+          <p:nvPr/>
+        </p:nvSpPr>
+        <p:spPr>
+          <a:xfrm>
+            <a:off x="10713881" y="4991878"/>
+            <a:ext cx="1329614" cy="1642188"/>
+          </a:xfrm>
+          <a:prstGeom prst="can">
+            <a:avLst/>
+          </a:prstGeom>
+        </p:spPr>
+        <p:style>
+          <a:lnRef idx="2">
+            <a:schemeClr val="accent1">
+              <a:shade val="50000"/>
+            </a:schemeClr>
+          </a:lnRef>
+          <a:fillRef idx="1">
+            <a:schemeClr val="accent1"/>
+          </a:fillRef>
+          <a:effectRef idx="0">
+            <a:schemeClr val="accent1"/>
+          </a:effectRef>
+          <a:fontRef idx="minor">
+            <a:schemeClr val="lt1"/>
+          </a:fontRef>
+        </p:style>
+        <p:txBody>
+          <a:bodyPr rtlCol="0" anchor="ctr"/>
+          <a:lstStyle/>
+          <a:p>
+            <a:pPr algn="ctr"/>
+            <a:r>
+              <a:rPr lang="en-US" b="1" dirty="0"/>
+              <a:t>MySQL</a:t>
+            </a:r>
+          </a:p>
+          <a:p>
+            <a:pPr algn="ctr"/>
+            <a:r>
+              <a:rPr lang="en-US" b="1" dirty="0"/>
+              <a:t>DB</a:t>
+            </a:r>
+          </a:p>
+        </p:txBody>
+      </p:sp>
+      <p:cxnSp>
+        <p:nvCxnSpPr>
+          <p:cNvPr id="33" name="Connector: Elbow 32">
+            <a:extLst>
+              <a:ext uri="{FF2B5EF4-FFF2-40B4-BE49-F238E27FC236}">
+                <a16:creationId xmlns:a16="http://schemas.microsoft.com/office/drawing/2014/main" id="{30E97A33-E131-A27C-9477-4D09ACD2B0C1}"/>
+              </a:ext>
+            </a:extLst>
+          </p:cNvPr>
+          <p:cNvCxnSpPr>
+            <a:cxnSpLocks/>
+            <a:stCxn id="29" idx="3"/>
+            <a:endCxn id="32" idx="2"/>
+          </p:cNvCxnSpPr>
+          <p:nvPr/>
+        </p:nvCxnSpPr>
+        <p:spPr>
+          <a:xfrm>
+            <a:off x="6344045" y="4793603"/>
+            <a:ext cx="4369836" cy="1019369"/>
+          </a:xfrm>
+          <a:prstGeom prst="bentConnector3">
+            <a:avLst/>
+          </a:prstGeom>
+          <a:ln>
+            <a:tailEnd type="triangle"/>
+          </a:ln>
+        </p:spPr>
+        <p:style>
+          <a:lnRef idx="1">
+            <a:schemeClr val="accent1"/>
+          </a:lnRef>
+          <a:fillRef idx="0">
+            <a:schemeClr val="accent1"/>
+          </a:fillRef>
+          <a:effectRef idx="0">
+            <a:schemeClr val="accent1"/>
+          </a:effectRef>
+          <a:fontRef idx="minor">
+            <a:schemeClr val="tx1"/>
+          </a:fontRef>
+        </p:style>
+      </p:cxnSp>
+      <p:cxnSp>
+        <p:nvCxnSpPr>
+          <p:cNvPr id="35" name="Connector: Elbow 34">
+            <a:extLst>
+              <a:ext uri="{FF2B5EF4-FFF2-40B4-BE49-F238E27FC236}">
+                <a16:creationId xmlns:a16="http://schemas.microsoft.com/office/drawing/2014/main" id="{98F4011A-DCDA-23BC-92FC-9B623222B1A6}"/>
+              </a:ext>
+            </a:extLst>
+          </p:cNvPr>
+          <p:cNvCxnSpPr>
+            <a:cxnSpLocks/>
+            <a:stCxn id="30" idx="3"/>
+            <a:endCxn id="32" idx="2"/>
+          </p:cNvCxnSpPr>
+          <p:nvPr/>
+        </p:nvCxnSpPr>
+        <p:spPr>
+          <a:xfrm flipV="1">
+            <a:off x="6699380" y="5812972"/>
+            <a:ext cx="4014501" cy="153763"/>
+          </a:xfrm>
+          <a:prstGeom prst="bentConnector3">
+            <a:avLst/>
+          </a:prstGeom>
+          <a:ln>
+            <a:tailEnd type="triangle"/>
+          </a:ln>
+        </p:spPr>
+        <p:style>
+          <a:lnRef idx="1">
+            <a:schemeClr val="accent1"/>
+          </a:lnRef>
+          <a:fillRef idx="0">
+            <a:schemeClr val="accent1"/>
+          </a:fillRef>
+          <a:effectRef idx="0">
+            <a:schemeClr val="accent1"/>
+          </a:effectRef>
+          <a:fontRef idx="minor">
+            <a:schemeClr val="tx1"/>
+          </a:fontRef>
+        </p:style>
+      </p:cxnSp>
+      <p:cxnSp>
+        <p:nvCxnSpPr>
+          <p:cNvPr id="42" name="Connector: Elbow 41">
+            <a:extLst>
+              <a:ext uri="{FF2B5EF4-FFF2-40B4-BE49-F238E27FC236}">
+                <a16:creationId xmlns:a16="http://schemas.microsoft.com/office/drawing/2014/main" id="{6285112E-AC70-875F-3D5E-A6860FE89C91}"/>
+              </a:ext>
+            </a:extLst>
+          </p:cNvPr>
+          <p:cNvCxnSpPr>
+            <a:cxnSpLocks/>
+            <a:stCxn id="29" idx="0"/>
+            <a:endCxn id="9" idx="1"/>
+          </p:cNvCxnSpPr>
+          <p:nvPr/>
+        </p:nvCxnSpPr>
+        <p:spPr>
+          <a:xfrm rot="16200000" flipV="1">
+            <a:off x="3039839" y="2312441"/>
+            <a:ext cx="3544460" cy="573444"/>
+          </a:xfrm>
+          <a:prstGeom prst="bentConnector4">
+            <a:avLst>
+              <a:gd name="adj1" fmla="val 46487"/>
+              <a:gd name="adj2" fmla="val 257018"/>
+            </a:avLst>
+          </a:prstGeom>
+          <a:ln>
+            <a:tailEnd type="triangle"/>
+          </a:ln>
+        </p:spPr>
+        <p:style>
+          <a:lnRef idx="1">
+            <a:schemeClr val="accent1"/>
+          </a:lnRef>
+          <a:fillRef idx="0">
+            <a:schemeClr val="accent1"/>
+          </a:fillRef>
+          <a:effectRef idx="0">
+            <a:schemeClr val="accent1"/>
+          </a:effectRef>
+          <a:fontRef idx="minor">
+            <a:schemeClr val="tx1"/>
+          </a:fontRef>
+        </p:style>
+      </p:cxnSp>
+      <p:cxnSp>
+        <p:nvCxnSpPr>
+          <p:cNvPr id="44" name="Connector: Elbow 43">
+            <a:extLst>
+              <a:ext uri="{FF2B5EF4-FFF2-40B4-BE49-F238E27FC236}">
+                <a16:creationId xmlns:a16="http://schemas.microsoft.com/office/drawing/2014/main" id="{29FC6B36-5822-CB3C-659B-1AB6BCE14770}"/>
+              </a:ext>
+            </a:extLst>
+          </p:cNvPr>
+          <p:cNvCxnSpPr>
+            <a:endCxn id="9" idx="1"/>
+          </p:cNvCxnSpPr>
+          <p:nvPr/>
+        </p:nvCxnSpPr>
+        <p:spPr>
+          <a:xfrm rot="5400000" flipH="1" flipV="1">
+            <a:off x="1830649" y="3272038"/>
+            <a:ext cx="5139802" cy="249593"/>
+          </a:xfrm>
+          <a:prstGeom prst="bentConnector2">
+            <a:avLst/>
+          </a:prstGeom>
+          <a:ln>
+            <a:tailEnd type="triangle"/>
+          </a:ln>
+        </p:spPr>
+        <p:style>
+          <a:lnRef idx="1">
+            <a:schemeClr val="accent1"/>
+          </a:lnRef>
+          <a:fillRef idx="0">
+            <a:schemeClr val="accent1"/>
+          </a:fillRef>
+          <a:effectRef idx="0">
+            <a:schemeClr val="accent1"/>
+          </a:effectRef>
+          <a:fontRef idx="minor">
+            <a:schemeClr val="tx1"/>
+          </a:fontRef>
+        </p:style>
+      </p:cxnSp>
+      <p:cxnSp>
+        <p:nvCxnSpPr>
+          <p:cNvPr id="50" name="Connector: Elbow 49">
+            <a:extLst>
+              <a:ext uri="{FF2B5EF4-FFF2-40B4-BE49-F238E27FC236}">
+                <a16:creationId xmlns:a16="http://schemas.microsoft.com/office/drawing/2014/main" id="{92FA053E-9317-D692-EF70-33B4D4EB5913}"/>
+              </a:ext>
+            </a:extLst>
+          </p:cNvPr>
+          <p:cNvCxnSpPr>
+            <a:endCxn id="9" idx="3"/>
+          </p:cNvCxnSpPr>
+          <p:nvPr/>
+        </p:nvCxnSpPr>
+        <p:spPr>
+          <a:xfrm rot="5400000" flipH="1" flipV="1">
+            <a:off x="7591427" y="1866323"/>
+            <a:ext cx="2078780" cy="12700"/>
+          </a:xfrm>
+          <a:prstGeom prst="bentConnector4">
+            <a:avLst>
+              <a:gd name="adj1" fmla="val 44011"/>
+              <a:gd name="adj2" fmla="val -1700000"/>
+            </a:avLst>
+          </a:prstGeom>
+          <a:ln>
+            <a:tailEnd type="triangle"/>
+          </a:ln>
+        </p:spPr>
+        <p:style>
+          <a:lnRef idx="1">
+            <a:schemeClr val="accent1"/>
+          </a:lnRef>
+          <a:fillRef idx="0">
+            <a:schemeClr val="accent1"/>
+          </a:fillRef>
+          <a:effectRef idx="0">
+            <a:schemeClr val="accent1"/>
+          </a:effectRef>
+          <a:fontRef idx="minor">
+            <a:schemeClr val="tx1"/>
+          </a:fontRef>
+        </p:style>
+      </p:cxnSp>
+      <p:cxnSp>
+        <p:nvCxnSpPr>
+          <p:cNvPr id="52" name="Connector: Elbow 51">
+            <a:extLst>
+              <a:ext uri="{FF2B5EF4-FFF2-40B4-BE49-F238E27FC236}">
+                <a16:creationId xmlns:a16="http://schemas.microsoft.com/office/drawing/2014/main" id="{96043368-CF7B-2274-655D-8AD9E748D6ED}"/>
+              </a:ext>
+            </a:extLst>
+          </p:cNvPr>
+          <p:cNvCxnSpPr>
+            <a:stCxn id="9" idx="2"/>
+            <a:endCxn id="4" idx="0"/>
+          </p:cNvCxnSpPr>
+          <p:nvPr/>
+        </p:nvCxnSpPr>
+        <p:spPr>
+          <a:xfrm rot="5400000">
+            <a:off x="3797074" y="-500446"/>
+            <a:ext cx="1204622" cy="4357395"/>
+          </a:xfrm>
+          <a:prstGeom prst="bentConnector2">
+            <a:avLst/>
+          </a:prstGeom>
+          <a:ln>
+            <a:tailEnd type="triangle"/>
+          </a:ln>
+        </p:spPr>
+        <p:style>
+          <a:lnRef idx="1">
+            <a:schemeClr val="accent1"/>
+          </a:lnRef>
+          <a:fillRef idx="0">
+            <a:schemeClr val="accent1"/>
+          </a:fillRef>
+          <a:effectRef idx="0">
+            <a:schemeClr val="accent1"/>
+          </a:effectRef>
+          <a:fontRef idx="minor">
+            <a:schemeClr val="tx1"/>
+          </a:fontRef>
+        </p:style>
+      </p:cxnSp>
+      <p:cxnSp>
+        <p:nvCxnSpPr>
+          <p:cNvPr id="54" name="Connector: Elbow 53">
+            <a:extLst>
+              <a:ext uri="{FF2B5EF4-FFF2-40B4-BE49-F238E27FC236}">
+                <a16:creationId xmlns:a16="http://schemas.microsoft.com/office/drawing/2014/main" id="{6611834C-608B-4F8A-D571-C535624D3B1F}"/>
+              </a:ext>
+            </a:extLst>
+          </p:cNvPr>
+          <p:cNvCxnSpPr>
+            <a:stCxn id="9" idx="2"/>
+          </p:cNvCxnSpPr>
+          <p:nvPr/>
+        </p:nvCxnSpPr>
+        <p:spPr>
+          <a:xfrm rot="5400000">
+            <a:off x="2855138" y="447840"/>
+            <a:ext cx="3094844" cy="4351044"/>
+          </a:xfrm>
+          <a:prstGeom prst="bentConnector2">
+            <a:avLst/>
+          </a:prstGeom>
+          <a:ln>
+            <a:tailEnd type="triangle"/>
+          </a:ln>
+        </p:spPr>
+        <p:style>
+          <a:lnRef idx="1">
+            <a:schemeClr val="accent1"/>
+          </a:lnRef>
+          <a:fillRef idx="0">
+            <a:schemeClr val="accent1"/>
+          </a:fillRef>
+          <a:effectRef idx="0">
+            <a:schemeClr val="accent1"/>
+          </a:effectRef>
+          <a:fontRef idx="minor">
+            <a:schemeClr val="tx1"/>
+          </a:fontRef>
+        </p:style>
+      </p:cxnSp>
+      <p:sp>
+        <p:nvSpPr>
+          <p:cNvPr id="55" name="TextBox 54">
+            <a:extLst>
+              <a:ext uri="{FF2B5EF4-FFF2-40B4-BE49-F238E27FC236}">
+                <a16:creationId xmlns:a16="http://schemas.microsoft.com/office/drawing/2014/main" id="{F2B3E1A2-9D69-9A87-8EDE-FEEFD759C2E8}"/>
+              </a:ext>
+            </a:extLst>
+          </p:cNvPr>
+          <p:cNvSpPr txBox="1"/>
+          <p:nvPr/>
+        </p:nvSpPr>
+        <p:spPr>
+          <a:xfrm>
+            <a:off x="2239418" y="1957229"/>
+            <a:ext cx="1187968" cy="523220"/>
+          </a:xfrm>
+          <a:prstGeom prst="rect">
+            <a:avLst/>
+          </a:prstGeom>
+          <a:noFill/>
+        </p:spPr>
+        <p:txBody>
+          <a:bodyPr wrap="square" rtlCol="0">
+            <a:spAutoFit/>
+          </a:bodyPr>
+          <a:lstStyle/>
+          <a:p>
+            <a:r>
+              <a:rPr lang="en-US" sz="1400" b="1" dirty="0"/>
+              <a:t>Injected the </a:t>
+            </a:r>
+            <a:r>
+              <a:rPr lang="en-US" sz="1400" b="1" dirty="0" err="1"/>
+              <a:t>IDataAccess</a:t>
+            </a:r>
+            <a:endParaRPr lang="en-US" sz="1400" b="1" dirty="0"/>
+          </a:p>
+        </p:txBody>
+      </p:sp>
+      <p:sp>
+        <p:nvSpPr>
+          <p:cNvPr id="57" name="TextBox 56">
+            <a:extLst>
+              <a:ext uri="{FF2B5EF4-FFF2-40B4-BE49-F238E27FC236}">
+                <a16:creationId xmlns:a16="http://schemas.microsoft.com/office/drawing/2014/main" id="{BDA5A30F-0766-0DBE-6F51-E64BDD2A3161}"/>
+              </a:ext>
+            </a:extLst>
+          </p:cNvPr>
+          <p:cNvSpPr txBox="1"/>
+          <p:nvPr/>
+        </p:nvSpPr>
+        <p:spPr>
+          <a:xfrm>
+            <a:off x="2173386" y="3896571"/>
+            <a:ext cx="1187968" cy="523220"/>
+          </a:xfrm>
+          <a:prstGeom prst="rect">
+            <a:avLst/>
+          </a:prstGeom>
+          <a:noFill/>
+        </p:spPr>
+        <p:txBody>
+          <a:bodyPr wrap="square" rtlCol="0">
+            <a:spAutoFit/>
+          </a:bodyPr>
+          <a:lstStyle/>
+          <a:p>
+            <a:r>
+              <a:rPr lang="en-US" sz="1400" b="1" dirty="0"/>
+              <a:t>Injected the </a:t>
+            </a:r>
+            <a:r>
+              <a:rPr lang="en-US" sz="1400" b="1" dirty="0" err="1"/>
+              <a:t>IDataAccess</a:t>
+            </a:r>
+            <a:endParaRPr lang="en-US" sz="1400" b="1" dirty="0"/>
+          </a:p>
+        </p:txBody>
+      </p:sp>
+      <p:sp>
+        <p:nvSpPr>
+          <p:cNvPr id="61" name="Multiplication Sign 60">
+            <a:extLst>
+              <a:ext uri="{FF2B5EF4-FFF2-40B4-BE49-F238E27FC236}">
+                <a16:creationId xmlns:a16="http://schemas.microsoft.com/office/drawing/2014/main" id="{C4D7034C-B932-F57A-829C-E9DEF420DD61}"/>
+              </a:ext>
+            </a:extLst>
+          </p:cNvPr>
+          <p:cNvSpPr/>
+          <p:nvPr/>
+        </p:nvSpPr>
+        <p:spPr>
+          <a:xfrm>
+            <a:off x="6953062" y="1380931"/>
+            <a:ext cx="4162289" cy="4432041"/>
+          </a:xfrm>
+          <a:prstGeom prst="mathMultiply">
+            <a:avLst/>
+          </a:prstGeom>
+          <a:solidFill>
+            <a:schemeClr val="accent2"/>
+          </a:solidFill>
+        </p:spPr>
+        <p:style>
+          <a:lnRef idx="2">
+            <a:schemeClr val="accent1">
+              <a:shade val="50000"/>
+            </a:schemeClr>
+          </a:lnRef>
+          <a:fillRef idx="1">
+            <a:schemeClr val="accent1"/>
+          </a:fillRef>
+          <a:effectRef idx="0">
+            <a:schemeClr val="accent1"/>
+          </a:effectRef>
+          <a:fontRef idx="minor">
+            <a:schemeClr val="lt1"/>
+          </a:fontRef>
+        </p:style>
+        <p:txBody>
+          <a:bodyPr rtlCol="0" anchor="ctr"/>
+          <a:lstStyle/>
+          <a:p>
+            <a:pPr algn="ctr"/>
+            <a:endParaRPr lang="en-US"/>
+          </a:p>
+        </p:txBody>
+      </p:sp>
+    </p:spTree>
+    <p:extLst>
+      <p:ext uri="{BB962C8B-B14F-4D97-AF65-F5344CB8AC3E}">
+        <p14:creationId xmlns:p14="http://schemas.microsoft.com/office/powerpoint/2010/main" val="77221855"/>
+      </p:ext>
+    </p:extLst>
+  </p:cSld>
+  <p:clrMapOvr>
+    <a:masterClrMapping/>
+  </p:clrMapOvr>
+</p:sld>
+</file>
+
+<file path=ppt/slides/slide42.xml><?xml version="1.0" encoding="utf-8"?>
+<p:sld xmlns:a="http://schemas.openxmlformats.org/drawingml/2006/main" xmlns:r="http://schemas.openxmlformats.org/officeDocument/2006/relationships" xmlns:p="http://schemas.openxmlformats.org/presentationml/2006/main">
+  <p:cSld>
+    <p:spTree>
+      <p:nvGrpSpPr>
+        <p:cNvPr id="1" name=""/>
+        <p:cNvGrpSpPr/>
+        <p:nvPr/>
+      </p:nvGrpSpPr>
+      <p:grpSpPr>
+        <a:xfrm>
+          <a:off x="0" y="0"/>
+          <a:ext cx="0" cy="0"/>
+          <a:chOff x="0" y="0"/>
+          <a:chExt cx="0" cy="0"/>
+        </a:xfrm>
+      </p:grpSpPr>
+      <p:sp>
+        <p:nvSpPr>
+          <p:cNvPr id="2" name="TextBox 1">
+            <a:extLst>
+              <a:ext uri="{FF2B5EF4-FFF2-40B4-BE49-F238E27FC236}">
+                <a16:creationId xmlns:a16="http://schemas.microsoft.com/office/drawing/2014/main" id="{7D66ABA8-A266-6CF2-A740-20EAB8A90E77}"/>
+              </a:ext>
+            </a:extLst>
+          </p:cNvPr>
+          <p:cNvSpPr txBox="1"/>
+          <p:nvPr/>
+        </p:nvSpPr>
+        <p:spPr>
+          <a:xfrm>
+            <a:off x="111967" y="121298"/>
+            <a:ext cx="11971176" cy="369332"/>
+          </a:xfrm>
+          <a:prstGeom prst="rect">
+            <a:avLst/>
+          </a:prstGeom>
+          <a:noFill/>
+        </p:spPr>
+        <p:txBody>
+          <a:bodyPr wrap="square" rtlCol="0">
+            <a:spAutoFit/>
+          </a:bodyPr>
+          <a:lstStyle/>
+          <a:p>
+            <a:pPr algn="ctr"/>
+            <a:r>
+              <a:rPr lang="en-US" b="1" dirty="0"/>
+              <a:t>Dependency Injection In Practice</a:t>
+            </a:r>
+          </a:p>
+        </p:txBody>
+      </p:sp>
+      <p:sp>
+        <p:nvSpPr>
+          <p:cNvPr id="3" name="Rectangle 2">
+            <a:extLst>
+              <a:ext uri="{FF2B5EF4-FFF2-40B4-BE49-F238E27FC236}">
+                <a16:creationId xmlns:a16="http://schemas.microsoft.com/office/drawing/2014/main" id="{1B2A8CF3-9A39-9838-7756-22C5470ADB26}"/>
+              </a:ext>
+            </a:extLst>
+          </p:cNvPr>
+          <p:cNvSpPr/>
+          <p:nvPr/>
+        </p:nvSpPr>
+        <p:spPr>
+          <a:xfrm>
+            <a:off x="8733453" y="699796"/>
+            <a:ext cx="3349690" cy="5868955"/>
+          </a:xfrm>
+          <a:prstGeom prst="rect">
+            <a:avLst/>
+          </a:prstGeom>
+        </p:spPr>
+        <p:style>
+          <a:lnRef idx="2">
+            <a:schemeClr val="accent2"/>
+          </a:lnRef>
+          <a:fillRef idx="1">
+            <a:schemeClr val="lt1"/>
+          </a:fillRef>
+          <a:effectRef idx="0">
+            <a:schemeClr val="accent2"/>
+          </a:effectRef>
+          <a:fontRef idx="minor">
+            <a:schemeClr val="dk1"/>
+          </a:fontRef>
+        </p:style>
+        <p:txBody>
+          <a:bodyPr rtlCol="0" anchor="ctr"/>
+          <a:lstStyle/>
+          <a:p>
+            <a:pPr algn="ctr"/>
+            <a:endParaRPr lang="en-US"/>
+          </a:p>
+        </p:txBody>
+      </p:sp>
+      <p:sp>
+        <p:nvSpPr>
+          <p:cNvPr id="4" name="TextBox 3">
+            <a:extLst>
+              <a:ext uri="{FF2B5EF4-FFF2-40B4-BE49-F238E27FC236}">
+                <a16:creationId xmlns:a16="http://schemas.microsoft.com/office/drawing/2014/main" id="{0D8AD42F-18EF-A1EF-AE5F-58D5A7D5787E}"/>
+              </a:ext>
+            </a:extLst>
+          </p:cNvPr>
+          <p:cNvSpPr txBox="1"/>
+          <p:nvPr/>
+        </p:nvSpPr>
+        <p:spPr>
+          <a:xfrm>
+            <a:off x="8733453" y="830424"/>
+            <a:ext cx="3349690" cy="369332"/>
+          </a:xfrm>
+          <a:prstGeom prst="rect">
+            <a:avLst/>
+          </a:prstGeom>
+          <a:noFill/>
+        </p:spPr>
+        <p:txBody>
+          <a:bodyPr wrap="square" rtlCol="0">
+            <a:spAutoFit/>
+          </a:bodyPr>
+          <a:lstStyle/>
+          <a:p>
+            <a:pPr algn="ctr"/>
+            <a:endParaRPr lang="en-US" b="1" dirty="0"/>
+          </a:p>
+        </p:txBody>
+      </p:sp>
+    </p:spTree>
+    <p:extLst>
+      <p:ext uri="{BB962C8B-B14F-4D97-AF65-F5344CB8AC3E}">
+        <p14:creationId xmlns:p14="http://schemas.microsoft.com/office/powerpoint/2010/main" val="4004021711"/>
+      </p:ext>
+    </p:extLst>
+  </p:cSld>
+  <p:clrMapOvr>
+    <a:masterClrMapping/>
+  </p:clrMapOvr>
+</p:sld>
+</file>
+
+<file path=ppt/slides/slide43.xml><?xml version="1.0" encoding="utf-8"?>
+<p:sld xmlns:a="http://schemas.openxmlformats.org/drawingml/2006/main" xmlns:r="http://schemas.openxmlformats.org/officeDocument/2006/relationships" xmlns:p="http://schemas.openxmlformats.org/presentationml/2006/main">
+  <p:cSld>
+    <p:spTree>
+      <p:nvGrpSpPr>
+        <p:cNvPr id="1" name=""/>
+        <p:cNvGrpSpPr/>
+        <p:nvPr/>
+      </p:nvGrpSpPr>
+      <p:grpSpPr>
+        <a:xfrm>
+          <a:off x="0" y="0"/>
+          <a:ext cx="0" cy="0"/>
+          <a:chOff x="0" y="0"/>
+          <a:chExt cx="0" cy="0"/>
+        </a:xfrm>
+      </p:grpSpPr>
+      <p:sp>
+        <p:nvSpPr>
+          <p:cNvPr id="2" name="TextBox 1">
+            <a:extLst>
+              <a:ext uri="{FF2B5EF4-FFF2-40B4-BE49-F238E27FC236}">
+                <a16:creationId xmlns:a16="http://schemas.microsoft.com/office/drawing/2014/main" id="{7D66ABA8-A266-6CF2-A740-20EAB8A90E77}"/>
+              </a:ext>
+            </a:extLst>
+          </p:cNvPr>
+          <p:cNvSpPr txBox="1"/>
+          <p:nvPr/>
+        </p:nvSpPr>
+        <p:spPr>
+          <a:xfrm>
+            <a:off x="111967" y="121298"/>
+            <a:ext cx="11971176" cy="369332"/>
+          </a:xfrm>
+          <a:prstGeom prst="rect">
+            <a:avLst/>
+          </a:prstGeom>
+          <a:noFill/>
+        </p:spPr>
+        <p:txBody>
+          <a:bodyPr wrap="square" rtlCol="0">
+            <a:spAutoFit/>
+          </a:bodyPr>
+          <a:lstStyle/>
+          <a:p>
+            <a:pPr algn="ctr"/>
+            <a:r>
+              <a:rPr lang="en-US" b="1" dirty="0"/>
+              <a:t>Dependency Injection In Practice</a:t>
+            </a:r>
+          </a:p>
+        </p:txBody>
+      </p:sp>
+      <p:sp>
+        <p:nvSpPr>
+          <p:cNvPr id="3" name="Rectangle 2">
+            <a:extLst>
+              <a:ext uri="{FF2B5EF4-FFF2-40B4-BE49-F238E27FC236}">
+                <a16:creationId xmlns:a16="http://schemas.microsoft.com/office/drawing/2014/main" id="{1B2A8CF3-9A39-9838-7756-22C5470ADB26}"/>
+              </a:ext>
+            </a:extLst>
+          </p:cNvPr>
+          <p:cNvSpPr/>
+          <p:nvPr/>
+        </p:nvSpPr>
+        <p:spPr>
+          <a:xfrm>
+            <a:off x="8733453" y="699796"/>
+            <a:ext cx="3349690" cy="5868955"/>
+          </a:xfrm>
+          <a:prstGeom prst="rect">
+            <a:avLst/>
+          </a:prstGeom>
+        </p:spPr>
+        <p:style>
+          <a:lnRef idx="2">
+            <a:schemeClr val="accent2"/>
+          </a:lnRef>
+          <a:fillRef idx="1">
+            <a:schemeClr val="lt1"/>
+          </a:fillRef>
+          <a:effectRef idx="0">
+            <a:schemeClr val="accent2"/>
+          </a:effectRef>
+          <a:fontRef idx="minor">
+            <a:schemeClr val="dk1"/>
+          </a:fontRef>
+        </p:style>
+        <p:txBody>
+          <a:bodyPr rtlCol="0" anchor="ctr"/>
+          <a:lstStyle/>
+          <a:p>
+            <a:pPr algn="ctr"/>
+            <a:endParaRPr lang="en-US"/>
+          </a:p>
+        </p:txBody>
+      </p:sp>
+      <p:sp>
+        <p:nvSpPr>
+          <p:cNvPr id="4" name="TextBox 3">
+            <a:extLst>
+              <a:ext uri="{FF2B5EF4-FFF2-40B4-BE49-F238E27FC236}">
+                <a16:creationId xmlns:a16="http://schemas.microsoft.com/office/drawing/2014/main" id="{0D8AD42F-18EF-A1EF-AE5F-58D5A7D5787E}"/>
+              </a:ext>
+            </a:extLst>
+          </p:cNvPr>
+          <p:cNvSpPr txBox="1"/>
+          <p:nvPr/>
+        </p:nvSpPr>
+        <p:spPr>
+          <a:xfrm>
+            <a:off x="8733453" y="830424"/>
+            <a:ext cx="3349690" cy="369332"/>
+          </a:xfrm>
+          <a:prstGeom prst="rect">
+            <a:avLst/>
+          </a:prstGeom>
+          <a:noFill/>
+        </p:spPr>
+        <p:txBody>
+          <a:bodyPr wrap="square" rtlCol="0">
+            <a:spAutoFit/>
+          </a:bodyPr>
+          <a:lstStyle/>
+          <a:p>
+            <a:pPr algn="ctr"/>
+            <a:r>
+              <a:rPr lang="en-US" b="1" dirty="0" err="1"/>
+              <a:t>Dependenceis</a:t>
+            </a:r>
+            <a:endParaRPr lang="en-US" b="1" dirty="0"/>
+          </a:p>
+        </p:txBody>
+      </p:sp>
+      <p:sp>
+        <p:nvSpPr>
+          <p:cNvPr id="5" name="Rectangle: Rounded Corners 4">
+            <a:extLst>
+              <a:ext uri="{FF2B5EF4-FFF2-40B4-BE49-F238E27FC236}">
+                <a16:creationId xmlns:a16="http://schemas.microsoft.com/office/drawing/2014/main" id="{6288188E-185E-EF04-9167-500623EEF8DB}"/>
+              </a:ext>
+            </a:extLst>
+          </p:cNvPr>
+          <p:cNvSpPr/>
+          <p:nvPr/>
+        </p:nvSpPr>
+        <p:spPr>
+          <a:xfrm>
+            <a:off x="10408299" y="1991292"/>
+            <a:ext cx="1240971" cy="681135"/>
+          </a:xfrm>
+          <a:prstGeom prst="roundRect">
+            <a:avLst/>
+          </a:prstGeom>
+        </p:spPr>
+        <p:style>
+          <a:lnRef idx="2">
+            <a:schemeClr val="accent1">
+              <a:shade val="50000"/>
+            </a:schemeClr>
+          </a:lnRef>
+          <a:fillRef idx="1">
+            <a:schemeClr val="accent1"/>
+          </a:fillRef>
+          <a:effectRef idx="0">
+            <a:schemeClr val="accent1"/>
+          </a:effectRef>
+          <a:fontRef idx="minor">
+            <a:schemeClr val="lt1"/>
+          </a:fontRef>
+        </p:style>
+        <p:txBody>
+          <a:bodyPr rtlCol="0" anchor="ctr"/>
+          <a:lstStyle/>
+          <a:p>
+            <a:pPr algn="ctr"/>
+            <a:endParaRPr lang="en-US"/>
+          </a:p>
+        </p:txBody>
+      </p:sp>
+      <p:sp>
+        <p:nvSpPr>
+          <p:cNvPr id="6" name="Rectangle: Rounded Corners 5">
+            <a:extLst>
+              <a:ext uri="{FF2B5EF4-FFF2-40B4-BE49-F238E27FC236}">
+                <a16:creationId xmlns:a16="http://schemas.microsoft.com/office/drawing/2014/main" id="{BA3514E8-14FD-113A-9C05-14DEEF4E4D88}"/>
+              </a:ext>
+            </a:extLst>
+          </p:cNvPr>
+          <p:cNvSpPr/>
+          <p:nvPr/>
+        </p:nvSpPr>
+        <p:spPr>
+          <a:xfrm>
+            <a:off x="10408299" y="3033993"/>
+            <a:ext cx="1240971" cy="681135"/>
+          </a:xfrm>
+          <a:prstGeom prst="roundRect">
+            <a:avLst/>
+          </a:prstGeom>
+        </p:spPr>
+        <p:style>
+          <a:lnRef idx="2">
+            <a:schemeClr val="accent1">
+              <a:shade val="50000"/>
+            </a:schemeClr>
+          </a:lnRef>
+          <a:fillRef idx="1">
+            <a:schemeClr val="accent1"/>
+          </a:fillRef>
+          <a:effectRef idx="0">
+            <a:schemeClr val="accent1"/>
+          </a:effectRef>
+          <a:fontRef idx="minor">
+            <a:schemeClr val="lt1"/>
+          </a:fontRef>
+        </p:style>
+        <p:txBody>
+          <a:bodyPr rtlCol="0" anchor="ctr"/>
+          <a:lstStyle/>
+          <a:p>
+            <a:pPr algn="ctr"/>
+            <a:endParaRPr lang="en-US"/>
+          </a:p>
+        </p:txBody>
+      </p:sp>
+      <p:sp>
+        <p:nvSpPr>
+          <p:cNvPr id="7" name="Rectangle: Rounded Corners 6">
+            <a:extLst>
+              <a:ext uri="{FF2B5EF4-FFF2-40B4-BE49-F238E27FC236}">
+                <a16:creationId xmlns:a16="http://schemas.microsoft.com/office/drawing/2014/main" id="{2E423C40-7A49-5112-DCE9-4263BED12743}"/>
+              </a:ext>
+            </a:extLst>
+          </p:cNvPr>
+          <p:cNvSpPr/>
+          <p:nvPr/>
+        </p:nvSpPr>
+        <p:spPr>
+          <a:xfrm>
+            <a:off x="10408298" y="4065036"/>
+            <a:ext cx="1240971" cy="681135"/>
+          </a:xfrm>
+          <a:prstGeom prst="roundRect">
+            <a:avLst/>
+          </a:prstGeom>
+        </p:spPr>
+        <p:style>
+          <a:lnRef idx="2">
+            <a:schemeClr val="accent1">
+              <a:shade val="50000"/>
+            </a:schemeClr>
+          </a:lnRef>
+          <a:fillRef idx="1">
+            <a:schemeClr val="accent1"/>
+          </a:fillRef>
+          <a:effectRef idx="0">
+            <a:schemeClr val="accent1"/>
+          </a:effectRef>
+          <a:fontRef idx="minor">
+            <a:schemeClr val="lt1"/>
+          </a:fontRef>
+        </p:style>
+        <p:txBody>
+          <a:bodyPr rtlCol="0" anchor="ctr"/>
+          <a:lstStyle/>
+          <a:p>
+            <a:pPr algn="ctr"/>
+            <a:endParaRPr lang="en-US"/>
+          </a:p>
+        </p:txBody>
+      </p:sp>
+      <p:sp>
+        <p:nvSpPr>
+          <p:cNvPr id="8" name="Rectangle: Rounded Corners 7">
+            <a:extLst>
+              <a:ext uri="{FF2B5EF4-FFF2-40B4-BE49-F238E27FC236}">
+                <a16:creationId xmlns:a16="http://schemas.microsoft.com/office/drawing/2014/main" id="{A7875FAA-8CD3-C673-2192-6463573898AF}"/>
+              </a:ext>
+            </a:extLst>
+          </p:cNvPr>
+          <p:cNvSpPr/>
+          <p:nvPr/>
+        </p:nvSpPr>
+        <p:spPr>
+          <a:xfrm>
+            <a:off x="10408298" y="5096079"/>
+            <a:ext cx="1240971" cy="681135"/>
+          </a:xfrm>
+          <a:prstGeom prst="roundRect">
+            <a:avLst/>
+          </a:prstGeom>
+        </p:spPr>
+        <p:style>
+          <a:lnRef idx="2">
+            <a:schemeClr val="accent1">
+              <a:shade val="50000"/>
+            </a:schemeClr>
+          </a:lnRef>
+          <a:fillRef idx="1">
+            <a:schemeClr val="accent1"/>
+          </a:fillRef>
+          <a:effectRef idx="0">
+            <a:schemeClr val="accent1"/>
+          </a:effectRef>
+          <a:fontRef idx="minor">
+            <a:schemeClr val="lt1"/>
+          </a:fontRef>
+        </p:style>
+        <p:txBody>
+          <a:bodyPr rtlCol="0" anchor="ctr"/>
+          <a:lstStyle/>
+          <a:p>
+            <a:pPr algn="ctr"/>
+            <a:endParaRPr lang="en-US"/>
+          </a:p>
+        </p:txBody>
+      </p:sp>
+      <p:sp>
+        <p:nvSpPr>
+          <p:cNvPr id="9" name="Rectangle: Rounded Corners 8">
+            <a:extLst>
+              <a:ext uri="{FF2B5EF4-FFF2-40B4-BE49-F238E27FC236}">
+                <a16:creationId xmlns:a16="http://schemas.microsoft.com/office/drawing/2014/main" id="{14236E07-0ECE-BFD6-D623-65D48D01A0E2}"/>
+              </a:ext>
+            </a:extLst>
+          </p:cNvPr>
+          <p:cNvSpPr/>
+          <p:nvPr/>
+        </p:nvSpPr>
+        <p:spPr>
+          <a:xfrm>
+            <a:off x="8878076" y="1233185"/>
+            <a:ext cx="3093099" cy="520970"/>
+          </a:xfrm>
+          <a:prstGeom prst="roundRect">
+            <a:avLst/>
+          </a:prstGeom>
+        </p:spPr>
+        <p:style>
+          <a:lnRef idx="2">
+            <a:schemeClr val="accent1">
+              <a:shade val="50000"/>
+            </a:schemeClr>
+          </a:lnRef>
+          <a:fillRef idx="1">
+            <a:schemeClr val="accent1"/>
+          </a:fillRef>
+          <a:effectRef idx="0">
+            <a:schemeClr val="accent1"/>
+          </a:effectRef>
+          <a:fontRef idx="minor">
+            <a:schemeClr val="lt1"/>
+          </a:fontRef>
+        </p:style>
+        <p:txBody>
+          <a:bodyPr rtlCol="0" anchor="ctr"/>
+          <a:lstStyle/>
+          <a:p>
+            <a:pPr algn="ctr"/>
+            <a:r>
+              <a:rPr lang="en-US" b="1"/>
+              <a:t>IService</a:t>
+            </a:r>
+          </a:p>
+        </p:txBody>
+      </p:sp>
+    </p:spTree>
+    <p:extLst>
+      <p:ext uri="{BB962C8B-B14F-4D97-AF65-F5344CB8AC3E}">
+        <p14:creationId xmlns:p14="http://schemas.microsoft.com/office/powerpoint/2010/main" val="312441998"/>
+      </p:ext>
+    </p:extLst>
+  </p:cSld>
+  <p:clrMapOvr>
+    <a:masterClrMapping/>
+  </p:clrMapOvr>
+</p:sld>
+</file>
+
 <file path=ppt/slides/slide5.xml><?xml version="1.0" encoding="utf-8"?>
 <p:sld xmlns:a="http://schemas.openxmlformats.org/drawingml/2006/main" xmlns:r="http://schemas.openxmlformats.org/officeDocument/2006/relationships" xmlns:p="http://schemas.openxmlformats.org/presentationml/2006/main">
   <p:cSld>

--- a/Training-Images.pptx
+++ b/Training-Images.pptx
@@ -46,8 +46,7 @@
     <p:sldId id="294" r:id="rId40"/>
     <p:sldId id="295" r:id="rId41"/>
     <p:sldId id="296" r:id="rId42"/>
-    <p:sldId id="297" r:id="rId43"/>
-    <p:sldId id="298" r:id="rId44"/>
+    <p:sldId id="298" r:id="rId43"/>
   </p:sldIdLst>
   <p:sldSz cx="12192000" cy="6858000"/>
   <p:notesSz cx="6858000" cy="9144000"/>
@@ -37932,154 +37931,10 @@
           <a:lstStyle/>
           <a:p>
             <a:pPr algn="ctr"/>
-            <a:endParaRPr lang="en-US" b="1" dirty="0"/>
-          </a:p>
-        </p:txBody>
-      </p:sp>
-    </p:spTree>
-    <p:extLst>
-      <p:ext uri="{BB962C8B-B14F-4D97-AF65-F5344CB8AC3E}">
-        <p14:creationId xmlns:p14="http://schemas.microsoft.com/office/powerpoint/2010/main" val="4004021711"/>
-      </p:ext>
-    </p:extLst>
-  </p:cSld>
-  <p:clrMapOvr>
-    <a:masterClrMapping/>
-  </p:clrMapOvr>
-</p:sld>
-</file>
-
-<file path=ppt/slides/slide43.xml><?xml version="1.0" encoding="utf-8"?>
-<p:sld xmlns:a="http://schemas.openxmlformats.org/drawingml/2006/main" xmlns:r="http://schemas.openxmlformats.org/officeDocument/2006/relationships" xmlns:p="http://schemas.openxmlformats.org/presentationml/2006/main">
-  <p:cSld>
-    <p:spTree>
-      <p:nvGrpSpPr>
-        <p:cNvPr id="1" name=""/>
-        <p:cNvGrpSpPr/>
-        <p:nvPr/>
-      </p:nvGrpSpPr>
-      <p:grpSpPr>
-        <a:xfrm>
-          <a:off x="0" y="0"/>
-          <a:ext cx="0" cy="0"/>
-          <a:chOff x="0" y="0"/>
-          <a:chExt cx="0" cy="0"/>
-        </a:xfrm>
-      </p:grpSpPr>
-      <p:sp>
-        <p:nvSpPr>
-          <p:cNvPr id="2" name="TextBox 1">
-            <a:extLst>
-              <a:ext uri="{FF2B5EF4-FFF2-40B4-BE49-F238E27FC236}">
-                <a16:creationId xmlns:a16="http://schemas.microsoft.com/office/drawing/2014/main" id="{7D66ABA8-A266-6CF2-A740-20EAB8A90E77}"/>
-              </a:ext>
-            </a:extLst>
-          </p:cNvPr>
-          <p:cNvSpPr txBox="1"/>
-          <p:nvPr/>
-        </p:nvSpPr>
-        <p:spPr>
-          <a:xfrm>
-            <a:off x="111967" y="121298"/>
-            <a:ext cx="11971176" cy="369332"/>
-          </a:xfrm>
-          <a:prstGeom prst="rect">
-            <a:avLst/>
-          </a:prstGeom>
-          <a:noFill/>
-        </p:spPr>
-        <p:txBody>
-          <a:bodyPr wrap="square" rtlCol="0">
-            <a:spAutoFit/>
-          </a:bodyPr>
-          <a:lstStyle/>
-          <a:p>
-            <a:pPr algn="ctr"/>
             <a:r>
               <a:rPr lang="en-US" b="1" dirty="0"/>
-              <a:t>Dependency Injection In Practice</a:t>
-            </a:r>
-          </a:p>
-        </p:txBody>
-      </p:sp>
-      <p:sp>
-        <p:nvSpPr>
-          <p:cNvPr id="3" name="Rectangle 2">
-            <a:extLst>
-              <a:ext uri="{FF2B5EF4-FFF2-40B4-BE49-F238E27FC236}">
-                <a16:creationId xmlns:a16="http://schemas.microsoft.com/office/drawing/2014/main" id="{1B2A8CF3-9A39-9838-7756-22C5470ADB26}"/>
-              </a:ext>
-            </a:extLst>
-          </p:cNvPr>
-          <p:cNvSpPr/>
-          <p:nvPr/>
-        </p:nvSpPr>
-        <p:spPr>
-          <a:xfrm>
-            <a:off x="8733453" y="699796"/>
-            <a:ext cx="3349690" cy="5868955"/>
-          </a:xfrm>
-          <a:prstGeom prst="rect">
-            <a:avLst/>
-          </a:prstGeom>
-        </p:spPr>
-        <p:style>
-          <a:lnRef idx="2">
-            <a:schemeClr val="accent2"/>
-          </a:lnRef>
-          <a:fillRef idx="1">
-            <a:schemeClr val="lt1"/>
-          </a:fillRef>
-          <a:effectRef idx="0">
-            <a:schemeClr val="accent2"/>
-          </a:effectRef>
-          <a:fontRef idx="minor">
-            <a:schemeClr val="dk1"/>
-          </a:fontRef>
-        </p:style>
-        <p:txBody>
-          <a:bodyPr rtlCol="0" anchor="ctr"/>
-          <a:lstStyle/>
-          <a:p>
-            <a:pPr algn="ctr"/>
-            <a:endParaRPr lang="en-US"/>
-          </a:p>
-        </p:txBody>
-      </p:sp>
-      <p:sp>
-        <p:nvSpPr>
-          <p:cNvPr id="4" name="TextBox 3">
-            <a:extLst>
-              <a:ext uri="{FF2B5EF4-FFF2-40B4-BE49-F238E27FC236}">
-                <a16:creationId xmlns:a16="http://schemas.microsoft.com/office/drawing/2014/main" id="{0D8AD42F-18EF-A1EF-AE5F-58D5A7D5787E}"/>
-              </a:ext>
-            </a:extLst>
-          </p:cNvPr>
-          <p:cNvSpPr txBox="1"/>
-          <p:nvPr/>
-        </p:nvSpPr>
-        <p:spPr>
-          <a:xfrm>
-            <a:off x="8733453" y="830424"/>
-            <a:ext cx="3349690" cy="369332"/>
-          </a:xfrm>
-          <a:prstGeom prst="rect">
-            <a:avLst/>
-          </a:prstGeom>
-          <a:noFill/>
-        </p:spPr>
-        <p:txBody>
-          <a:bodyPr wrap="square" rtlCol="0">
-            <a:spAutoFit/>
-          </a:bodyPr>
-          <a:lstStyle/>
-          <a:p>
-            <a:pPr algn="ctr"/>
-            <a:r>
-              <a:rPr lang="en-US" b="1" dirty="0" err="1"/>
-              <a:t>Dependenceis</a:t>
-            </a:r>
-            <a:endParaRPr lang="en-US" b="1" dirty="0"/>
+              <a:t>Dependencies</a:t>
+            </a:r>
           </a:p>
         </p:txBody>
       </p:sp>
@@ -38125,7 +37980,10 @@
           <a:lstStyle/>
           <a:p>
             <a:pPr algn="ctr"/>
-            <a:endParaRPr lang="en-US"/>
+            <a:r>
+              <a:rPr lang="en-US" b="1" dirty="0"/>
+              <a:t>Service1</a:t>
+            </a:r>
           </a:p>
         </p:txBody>
       </p:sp>
@@ -38171,7 +38029,10 @@
           <a:lstStyle/>
           <a:p>
             <a:pPr algn="ctr"/>
-            <a:endParaRPr lang="en-US"/>
+            <a:r>
+              <a:rPr lang="en-US" b="1" dirty="0"/>
+              <a:t>Service2</a:t>
+            </a:r>
           </a:p>
         </p:txBody>
       </p:sp>
@@ -38217,7 +38078,10 @@
           <a:lstStyle/>
           <a:p>
             <a:pPr algn="ctr"/>
-            <a:endParaRPr lang="en-US"/>
+            <a:r>
+              <a:rPr lang="en-US" b="1" dirty="0"/>
+              <a:t>Service3</a:t>
+            </a:r>
           </a:p>
         </p:txBody>
       </p:sp>
@@ -38263,7 +38127,10 @@
           <a:lstStyle/>
           <a:p>
             <a:pPr algn="ctr"/>
-            <a:endParaRPr lang="en-US"/>
+            <a:r>
+              <a:rPr lang="en-US" b="1" dirty="0"/>
+              <a:t>Service4</a:t>
+            </a:r>
           </a:p>
         </p:txBody>
       </p:sp>
@@ -38310,9 +38177,1255 @@
           <a:p>
             <a:pPr algn="ctr"/>
             <a:r>
-              <a:rPr lang="en-US" b="1"/>
+              <a:rPr lang="en-US" b="1" dirty="0"/>
               <a:t>IService</a:t>
             </a:r>
+          </a:p>
+        </p:txBody>
+      </p:sp>
+      <p:sp>
+        <p:nvSpPr>
+          <p:cNvPr id="10" name="Rectangle: Rounded Corners 9">
+            <a:extLst>
+              <a:ext uri="{FF2B5EF4-FFF2-40B4-BE49-F238E27FC236}">
+                <a16:creationId xmlns:a16="http://schemas.microsoft.com/office/drawing/2014/main" id="{408CF81D-1B8C-DAC1-DB58-79BCE7535C8B}"/>
+              </a:ext>
+            </a:extLst>
+          </p:cNvPr>
+          <p:cNvSpPr/>
+          <p:nvPr/>
+        </p:nvSpPr>
+        <p:spPr>
+          <a:xfrm>
+            <a:off x="307910" y="895739"/>
+            <a:ext cx="1296955" cy="5243804"/>
+          </a:xfrm>
+          <a:prstGeom prst="roundRect">
+            <a:avLst/>
+          </a:prstGeom>
+        </p:spPr>
+        <p:style>
+          <a:lnRef idx="2">
+            <a:schemeClr val="accent1">
+              <a:shade val="50000"/>
+            </a:schemeClr>
+          </a:lnRef>
+          <a:fillRef idx="1">
+            <a:schemeClr val="accent1"/>
+          </a:fillRef>
+          <a:effectRef idx="0">
+            <a:schemeClr val="accent1"/>
+          </a:effectRef>
+          <a:fontRef idx="minor">
+            <a:schemeClr val="lt1"/>
+          </a:fontRef>
+        </p:style>
+        <p:txBody>
+          <a:bodyPr rtlCol="0" anchor="ctr"/>
+          <a:lstStyle/>
+          <a:p>
+            <a:pPr algn="ctr"/>
+            <a:r>
+              <a:rPr lang="en-US" b="1" dirty="0"/>
+              <a:t>Client</a:t>
+            </a:r>
+          </a:p>
+          <a:p>
+            <a:pPr algn="ctr"/>
+            <a:r>
+              <a:rPr lang="en-US" b="1" dirty="0"/>
+              <a:t>App</a:t>
+            </a:r>
+          </a:p>
+        </p:txBody>
+      </p:sp>
+      <p:sp>
+        <p:nvSpPr>
+          <p:cNvPr id="11" name="Rectangle: Rounded Corners 10">
+            <a:extLst>
+              <a:ext uri="{FF2B5EF4-FFF2-40B4-BE49-F238E27FC236}">
+                <a16:creationId xmlns:a16="http://schemas.microsoft.com/office/drawing/2014/main" id="{0312C0A3-9639-073C-4DD5-FB9FC721743E}"/>
+              </a:ext>
+            </a:extLst>
+          </p:cNvPr>
+          <p:cNvSpPr/>
+          <p:nvPr/>
+        </p:nvSpPr>
+        <p:spPr>
+          <a:xfrm>
+            <a:off x="2612571" y="4894679"/>
+            <a:ext cx="4590661" cy="1511559"/>
+          </a:xfrm>
+          <a:prstGeom prst="roundRect">
+            <a:avLst/>
+          </a:prstGeom>
+        </p:spPr>
+        <p:style>
+          <a:lnRef idx="1">
+            <a:schemeClr val="accent1"/>
+          </a:lnRef>
+          <a:fillRef idx="2">
+            <a:schemeClr val="accent1"/>
+          </a:fillRef>
+          <a:effectRef idx="1">
+            <a:schemeClr val="accent1"/>
+          </a:effectRef>
+          <a:fontRef idx="minor">
+            <a:schemeClr val="dk1"/>
+          </a:fontRef>
+        </p:style>
+        <p:txBody>
+          <a:bodyPr rtlCol="0" anchor="ctr"/>
+          <a:lstStyle/>
+          <a:p>
+            <a:pPr algn="ctr"/>
+            <a:endParaRPr lang="en-US"/>
+          </a:p>
+        </p:txBody>
+      </p:sp>
+      <p:sp>
+        <p:nvSpPr>
+          <p:cNvPr id="12" name="TextBox 11">
+            <a:extLst>
+              <a:ext uri="{FF2B5EF4-FFF2-40B4-BE49-F238E27FC236}">
+                <a16:creationId xmlns:a16="http://schemas.microsoft.com/office/drawing/2014/main" id="{96BA44E7-EF35-DCFA-3595-121253AFFE31}"/>
+              </a:ext>
+            </a:extLst>
+          </p:cNvPr>
+          <p:cNvSpPr txBox="1"/>
+          <p:nvPr/>
+        </p:nvSpPr>
+        <p:spPr>
+          <a:xfrm>
+            <a:off x="2724539" y="6503437"/>
+            <a:ext cx="4394718" cy="369332"/>
+          </a:xfrm>
+          <a:prstGeom prst="rect">
+            <a:avLst/>
+          </a:prstGeom>
+          <a:noFill/>
+        </p:spPr>
+        <p:txBody>
+          <a:bodyPr wrap="square" rtlCol="0">
+            <a:spAutoFit/>
+          </a:bodyPr>
+          <a:lstStyle/>
+          <a:p>
+            <a:pPr algn="ctr"/>
+            <a:r>
+              <a:rPr lang="en-US" b="1" dirty="0"/>
+              <a:t>Dependency Container</a:t>
+            </a:r>
+          </a:p>
+        </p:txBody>
+      </p:sp>
+      <p:cxnSp>
+        <p:nvCxnSpPr>
+          <p:cNvPr id="16" name="Connector: Elbow 15">
+            <a:extLst>
+              <a:ext uri="{FF2B5EF4-FFF2-40B4-BE49-F238E27FC236}">
+                <a16:creationId xmlns:a16="http://schemas.microsoft.com/office/drawing/2014/main" id="{CA8909F4-70E8-FAFE-C29B-90DFB934E2C4}"/>
+              </a:ext>
+            </a:extLst>
+          </p:cNvPr>
+          <p:cNvCxnSpPr>
+            <a:stCxn id="5" idx="1"/>
+            <a:endCxn id="9" idx="2"/>
+          </p:cNvCxnSpPr>
+          <p:nvPr/>
+        </p:nvCxnSpPr>
+        <p:spPr>
+          <a:xfrm rot="10800000" flipH="1">
+            <a:off x="10408298" y="1754156"/>
+            <a:ext cx="16327" cy="577705"/>
+          </a:xfrm>
+          <a:prstGeom prst="bentConnector4">
+            <a:avLst>
+              <a:gd name="adj1" fmla="val -1400135"/>
+              <a:gd name="adj2" fmla="val 79476"/>
+            </a:avLst>
+          </a:prstGeom>
+          <a:ln>
+            <a:tailEnd type="triangle"/>
+          </a:ln>
+        </p:spPr>
+        <p:style>
+          <a:lnRef idx="1">
+            <a:schemeClr val="accent1"/>
+          </a:lnRef>
+          <a:fillRef idx="0">
+            <a:schemeClr val="accent1"/>
+          </a:fillRef>
+          <a:effectRef idx="0">
+            <a:schemeClr val="accent1"/>
+          </a:effectRef>
+          <a:fontRef idx="minor">
+            <a:schemeClr val="tx1"/>
+          </a:fontRef>
+        </p:style>
+      </p:cxnSp>
+      <p:cxnSp>
+        <p:nvCxnSpPr>
+          <p:cNvPr id="18" name="Connector: Elbow 17">
+            <a:extLst>
+              <a:ext uri="{FF2B5EF4-FFF2-40B4-BE49-F238E27FC236}">
+                <a16:creationId xmlns:a16="http://schemas.microsoft.com/office/drawing/2014/main" id="{B4144A52-054D-BA60-2ED8-89F5F128B3F3}"/>
+              </a:ext>
+            </a:extLst>
+          </p:cNvPr>
+          <p:cNvCxnSpPr>
+            <a:stCxn id="6" idx="1"/>
+          </p:cNvCxnSpPr>
+          <p:nvPr/>
+        </p:nvCxnSpPr>
+        <p:spPr>
+          <a:xfrm rot="10800000">
+            <a:off x="10408297" y="1787585"/>
+            <a:ext cx="2" cy="1586977"/>
+          </a:xfrm>
+          <a:prstGeom prst="bentConnector2">
+            <a:avLst/>
+          </a:prstGeom>
+          <a:ln>
+            <a:tailEnd type="triangle"/>
+          </a:ln>
+        </p:spPr>
+        <p:style>
+          <a:lnRef idx="1">
+            <a:schemeClr val="accent1"/>
+          </a:lnRef>
+          <a:fillRef idx="0">
+            <a:schemeClr val="accent1"/>
+          </a:fillRef>
+          <a:effectRef idx="0">
+            <a:schemeClr val="accent1"/>
+          </a:effectRef>
+          <a:fontRef idx="minor">
+            <a:schemeClr val="tx1"/>
+          </a:fontRef>
+        </p:style>
+      </p:cxnSp>
+      <p:cxnSp>
+        <p:nvCxnSpPr>
+          <p:cNvPr id="20" name="Connector: Elbow 19">
+            <a:extLst>
+              <a:ext uri="{FF2B5EF4-FFF2-40B4-BE49-F238E27FC236}">
+                <a16:creationId xmlns:a16="http://schemas.microsoft.com/office/drawing/2014/main" id="{F794E25A-012C-5835-064A-C333A099113B}"/>
+              </a:ext>
+            </a:extLst>
+          </p:cNvPr>
+          <p:cNvCxnSpPr>
+            <a:stCxn id="7" idx="1"/>
+            <a:endCxn id="9" idx="2"/>
+          </p:cNvCxnSpPr>
+          <p:nvPr/>
+        </p:nvCxnSpPr>
+        <p:spPr>
+          <a:xfrm rot="10800000" flipH="1">
+            <a:off x="10408298" y="1754156"/>
+            <a:ext cx="16328" cy="2651449"/>
+          </a:xfrm>
+          <a:prstGeom prst="bentConnector4">
+            <a:avLst>
+              <a:gd name="adj1" fmla="val -1400049"/>
+              <a:gd name="adj2" fmla="val 56422"/>
+            </a:avLst>
+          </a:prstGeom>
+          <a:ln>
+            <a:tailEnd type="triangle"/>
+          </a:ln>
+        </p:spPr>
+        <p:style>
+          <a:lnRef idx="1">
+            <a:schemeClr val="accent1"/>
+          </a:lnRef>
+          <a:fillRef idx="0">
+            <a:schemeClr val="accent1"/>
+          </a:fillRef>
+          <a:effectRef idx="0">
+            <a:schemeClr val="accent1"/>
+          </a:effectRef>
+          <a:fontRef idx="minor">
+            <a:schemeClr val="tx1"/>
+          </a:fontRef>
+        </p:style>
+      </p:cxnSp>
+      <p:cxnSp>
+        <p:nvCxnSpPr>
+          <p:cNvPr id="24" name="Connector: Elbow 23">
+            <a:extLst>
+              <a:ext uri="{FF2B5EF4-FFF2-40B4-BE49-F238E27FC236}">
+                <a16:creationId xmlns:a16="http://schemas.microsoft.com/office/drawing/2014/main" id="{8561DB97-C271-A475-D9C3-D71A4A1706B1}"/>
+              </a:ext>
+            </a:extLst>
+          </p:cNvPr>
+          <p:cNvCxnSpPr>
+            <a:stCxn id="8" idx="1"/>
+            <a:endCxn id="9" idx="2"/>
+          </p:cNvCxnSpPr>
+          <p:nvPr/>
+        </p:nvCxnSpPr>
+        <p:spPr>
+          <a:xfrm rot="10800000" flipH="1">
+            <a:off x="10408298" y="1754155"/>
+            <a:ext cx="16328" cy="3682492"/>
+          </a:xfrm>
+          <a:prstGeom prst="bentConnector4">
+            <a:avLst>
+              <a:gd name="adj1" fmla="val -1400049"/>
+              <a:gd name="adj2" fmla="val 54624"/>
+            </a:avLst>
+          </a:prstGeom>
+          <a:ln>
+            <a:tailEnd type="triangle"/>
+          </a:ln>
+        </p:spPr>
+        <p:style>
+          <a:lnRef idx="1">
+            <a:schemeClr val="accent1"/>
+          </a:lnRef>
+          <a:fillRef idx="0">
+            <a:schemeClr val="accent1"/>
+          </a:fillRef>
+          <a:effectRef idx="0">
+            <a:schemeClr val="accent1"/>
+          </a:effectRef>
+          <a:fontRef idx="minor">
+            <a:schemeClr val="tx1"/>
+          </a:fontRef>
+        </p:style>
+      </p:cxnSp>
+      <p:sp>
+        <p:nvSpPr>
+          <p:cNvPr id="25" name="Oval 24">
+            <a:extLst>
+              <a:ext uri="{FF2B5EF4-FFF2-40B4-BE49-F238E27FC236}">
+                <a16:creationId xmlns:a16="http://schemas.microsoft.com/office/drawing/2014/main" id="{7440B3A2-C806-2919-BFEC-1C1CD57AC46F}"/>
+              </a:ext>
+            </a:extLst>
+          </p:cNvPr>
+          <p:cNvSpPr/>
+          <p:nvPr/>
+        </p:nvSpPr>
+        <p:spPr>
+          <a:xfrm>
+            <a:off x="2808514" y="5096079"/>
+            <a:ext cx="802433" cy="681135"/>
+          </a:xfrm>
+          <a:prstGeom prst="ellipse">
+            <a:avLst/>
+          </a:prstGeom>
+        </p:spPr>
+        <p:style>
+          <a:lnRef idx="2">
+            <a:schemeClr val="accent1">
+              <a:shade val="50000"/>
+            </a:schemeClr>
+          </a:lnRef>
+          <a:fillRef idx="1">
+            <a:schemeClr val="accent1"/>
+          </a:fillRef>
+          <a:effectRef idx="0">
+            <a:schemeClr val="accent1"/>
+          </a:effectRef>
+          <a:fontRef idx="minor">
+            <a:schemeClr val="lt1"/>
+          </a:fontRef>
+        </p:style>
+        <p:txBody>
+          <a:bodyPr rtlCol="0" anchor="ctr"/>
+          <a:lstStyle/>
+          <a:p>
+            <a:pPr algn="ctr"/>
+            <a:r>
+              <a:rPr lang="en-US" b="1" dirty="0"/>
+              <a:t>S1</a:t>
+            </a:r>
+          </a:p>
+        </p:txBody>
+      </p:sp>
+      <p:sp>
+        <p:nvSpPr>
+          <p:cNvPr id="26" name="Oval 25">
+            <a:extLst>
+              <a:ext uri="{FF2B5EF4-FFF2-40B4-BE49-F238E27FC236}">
+                <a16:creationId xmlns:a16="http://schemas.microsoft.com/office/drawing/2014/main" id="{2D6CF624-91CF-A945-53D7-62104C3D5C60}"/>
+              </a:ext>
+            </a:extLst>
+          </p:cNvPr>
+          <p:cNvSpPr/>
+          <p:nvPr/>
+        </p:nvSpPr>
+        <p:spPr>
+          <a:xfrm>
+            <a:off x="3816220" y="5094925"/>
+            <a:ext cx="802433" cy="681135"/>
+          </a:xfrm>
+          <a:prstGeom prst="ellipse">
+            <a:avLst/>
+          </a:prstGeom>
+        </p:spPr>
+        <p:style>
+          <a:lnRef idx="2">
+            <a:schemeClr val="accent1">
+              <a:shade val="50000"/>
+            </a:schemeClr>
+          </a:lnRef>
+          <a:fillRef idx="1">
+            <a:schemeClr val="accent1"/>
+          </a:fillRef>
+          <a:effectRef idx="0">
+            <a:schemeClr val="accent1"/>
+          </a:effectRef>
+          <a:fontRef idx="minor">
+            <a:schemeClr val="lt1"/>
+          </a:fontRef>
+        </p:style>
+        <p:txBody>
+          <a:bodyPr rtlCol="0" anchor="ctr"/>
+          <a:lstStyle/>
+          <a:p>
+            <a:pPr algn="ctr"/>
+            <a:r>
+              <a:rPr lang="en-US" b="1" dirty="0"/>
+              <a:t>S2</a:t>
+            </a:r>
+          </a:p>
+        </p:txBody>
+      </p:sp>
+      <p:sp>
+        <p:nvSpPr>
+          <p:cNvPr id="27" name="Oval 26">
+            <a:extLst>
+              <a:ext uri="{FF2B5EF4-FFF2-40B4-BE49-F238E27FC236}">
+                <a16:creationId xmlns:a16="http://schemas.microsoft.com/office/drawing/2014/main" id="{68CC34CA-B232-308F-E73F-DCD07AF358B6}"/>
+              </a:ext>
+            </a:extLst>
+          </p:cNvPr>
+          <p:cNvSpPr/>
+          <p:nvPr/>
+        </p:nvSpPr>
+        <p:spPr>
+          <a:xfrm>
+            <a:off x="4823926" y="5094925"/>
+            <a:ext cx="802433" cy="681135"/>
+          </a:xfrm>
+          <a:prstGeom prst="ellipse">
+            <a:avLst/>
+          </a:prstGeom>
+        </p:spPr>
+        <p:style>
+          <a:lnRef idx="2">
+            <a:schemeClr val="accent1">
+              <a:shade val="50000"/>
+            </a:schemeClr>
+          </a:lnRef>
+          <a:fillRef idx="1">
+            <a:schemeClr val="accent1"/>
+          </a:fillRef>
+          <a:effectRef idx="0">
+            <a:schemeClr val="accent1"/>
+          </a:effectRef>
+          <a:fontRef idx="minor">
+            <a:schemeClr val="lt1"/>
+          </a:fontRef>
+        </p:style>
+        <p:txBody>
+          <a:bodyPr rtlCol="0" anchor="ctr"/>
+          <a:lstStyle/>
+          <a:p>
+            <a:pPr algn="ctr"/>
+            <a:r>
+              <a:rPr lang="en-US" b="1" dirty="0"/>
+              <a:t>S3</a:t>
+            </a:r>
+          </a:p>
+        </p:txBody>
+      </p:sp>
+      <p:sp>
+        <p:nvSpPr>
+          <p:cNvPr id="28" name="Oval 27">
+            <a:extLst>
+              <a:ext uri="{FF2B5EF4-FFF2-40B4-BE49-F238E27FC236}">
+                <a16:creationId xmlns:a16="http://schemas.microsoft.com/office/drawing/2014/main" id="{BADD3AC3-7854-8C5B-471C-33C9395902C4}"/>
+              </a:ext>
+            </a:extLst>
+          </p:cNvPr>
+          <p:cNvSpPr/>
+          <p:nvPr/>
+        </p:nvSpPr>
+        <p:spPr>
+          <a:xfrm>
+            <a:off x="5831632" y="5100001"/>
+            <a:ext cx="802433" cy="681135"/>
+          </a:xfrm>
+          <a:prstGeom prst="ellipse">
+            <a:avLst/>
+          </a:prstGeom>
+        </p:spPr>
+        <p:style>
+          <a:lnRef idx="2">
+            <a:schemeClr val="accent1">
+              <a:shade val="50000"/>
+            </a:schemeClr>
+          </a:lnRef>
+          <a:fillRef idx="1">
+            <a:schemeClr val="accent1"/>
+          </a:fillRef>
+          <a:effectRef idx="0">
+            <a:schemeClr val="accent1"/>
+          </a:effectRef>
+          <a:fontRef idx="minor">
+            <a:schemeClr val="lt1"/>
+          </a:fontRef>
+        </p:style>
+        <p:txBody>
+          <a:bodyPr rtlCol="0" anchor="ctr"/>
+          <a:lstStyle/>
+          <a:p>
+            <a:pPr algn="ctr"/>
+            <a:r>
+              <a:rPr lang="en-US" b="1" dirty="0"/>
+              <a:t>S4</a:t>
+            </a:r>
+          </a:p>
+        </p:txBody>
+      </p:sp>
+      <p:cxnSp>
+        <p:nvCxnSpPr>
+          <p:cNvPr id="30" name="Connector: Elbow 29">
+            <a:extLst>
+              <a:ext uri="{FF2B5EF4-FFF2-40B4-BE49-F238E27FC236}">
+                <a16:creationId xmlns:a16="http://schemas.microsoft.com/office/drawing/2014/main" id="{7B7202DC-4C7F-4339-0608-5BF2FF01C052}"/>
+              </a:ext>
+            </a:extLst>
+          </p:cNvPr>
+          <p:cNvCxnSpPr>
+            <a:stCxn id="5" idx="1"/>
+            <a:endCxn id="25" idx="0"/>
+          </p:cNvCxnSpPr>
+          <p:nvPr/>
+        </p:nvCxnSpPr>
+        <p:spPr>
+          <a:xfrm rot="10800000" flipV="1">
+            <a:off x="3209731" y="2331859"/>
+            <a:ext cx="7198568" cy="2764219"/>
+          </a:xfrm>
+          <a:prstGeom prst="bentConnector2">
+            <a:avLst/>
+          </a:prstGeom>
+          <a:ln>
+            <a:tailEnd type="triangle"/>
+          </a:ln>
+        </p:spPr>
+        <p:style>
+          <a:lnRef idx="1">
+            <a:schemeClr val="accent1"/>
+          </a:lnRef>
+          <a:fillRef idx="0">
+            <a:schemeClr val="accent1"/>
+          </a:fillRef>
+          <a:effectRef idx="0">
+            <a:schemeClr val="accent1"/>
+          </a:effectRef>
+          <a:fontRef idx="minor">
+            <a:schemeClr val="tx1"/>
+          </a:fontRef>
+        </p:style>
+      </p:cxnSp>
+      <p:cxnSp>
+        <p:nvCxnSpPr>
+          <p:cNvPr id="32" name="Connector: Elbow 31">
+            <a:extLst>
+              <a:ext uri="{FF2B5EF4-FFF2-40B4-BE49-F238E27FC236}">
+                <a16:creationId xmlns:a16="http://schemas.microsoft.com/office/drawing/2014/main" id="{0F10D1B9-0A8E-5B94-6CD9-E7C38C73E4C1}"/>
+              </a:ext>
+            </a:extLst>
+          </p:cNvPr>
+          <p:cNvCxnSpPr>
+            <a:endCxn id="26" idx="0"/>
+          </p:cNvCxnSpPr>
+          <p:nvPr/>
+        </p:nvCxnSpPr>
+        <p:spPr>
+          <a:xfrm rot="10800000" flipV="1">
+            <a:off x="4217437" y="3368731"/>
+            <a:ext cx="6190860" cy="1726193"/>
+          </a:xfrm>
+          <a:prstGeom prst="bentConnector2">
+            <a:avLst/>
+          </a:prstGeom>
+          <a:ln>
+            <a:tailEnd type="triangle"/>
+          </a:ln>
+        </p:spPr>
+        <p:style>
+          <a:lnRef idx="1">
+            <a:schemeClr val="accent1"/>
+          </a:lnRef>
+          <a:fillRef idx="0">
+            <a:schemeClr val="accent1"/>
+          </a:fillRef>
+          <a:effectRef idx="0">
+            <a:schemeClr val="accent1"/>
+          </a:effectRef>
+          <a:fontRef idx="minor">
+            <a:schemeClr val="tx1"/>
+          </a:fontRef>
+        </p:style>
+      </p:cxnSp>
+      <p:cxnSp>
+        <p:nvCxnSpPr>
+          <p:cNvPr id="34" name="Connector: Elbow 33">
+            <a:extLst>
+              <a:ext uri="{FF2B5EF4-FFF2-40B4-BE49-F238E27FC236}">
+                <a16:creationId xmlns:a16="http://schemas.microsoft.com/office/drawing/2014/main" id="{AB5C5307-F0FB-AED8-F724-20045CB7D709}"/>
+              </a:ext>
+            </a:extLst>
+          </p:cNvPr>
+          <p:cNvCxnSpPr>
+            <a:endCxn id="27" idx="0"/>
+          </p:cNvCxnSpPr>
+          <p:nvPr/>
+        </p:nvCxnSpPr>
+        <p:spPr>
+          <a:xfrm rot="10800000" flipV="1">
+            <a:off x="5225143" y="4403265"/>
+            <a:ext cx="5183154" cy="691660"/>
+          </a:xfrm>
+          <a:prstGeom prst="bentConnector2">
+            <a:avLst/>
+          </a:prstGeom>
+          <a:ln>
+            <a:tailEnd type="triangle"/>
+          </a:ln>
+        </p:spPr>
+        <p:style>
+          <a:lnRef idx="1">
+            <a:schemeClr val="accent1"/>
+          </a:lnRef>
+          <a:fillRef idx="0">
+            <a:schemeClr val="accent1"/>
+          </a:fillRef>
+          <a:effectRef idx="0">
+            <a:schemeClr val="accent1"/>
+          </a:effectRef>
+          <a:fontRef idx="minor">
+            <a:schemeClr val="tx1"/>
+          </a:fontRef>
+        </p:style>
+      </p:cxnSp>
+      <p:cxnSp>
+        <p:nvCxnSpPr>
+          <p:cNvPr id="36" name="Connector: Elbow 35">
+            <a:extLst>
+              <a:ext uri="{FF2B5EF4-FFF2-40B4-BE49-F238E27FC236}">
+                <a16:creationId xmlns:a16="http://schemas.microsoft.com/office/drawing/2014/main" id="{821AA397-8012-775E-55ED-141628E0BE79}"/>
+              </a:ext>
+            </a:extLst>
+          </p:cNvPr>
+          <p:cNvCxnSpPr>
+            <a:endCxn id="28" idx="0"/>
+          </p:cNvCxnSpPr>
+          <p:nvPr/>
+        </p:nvCxnSpPr>
+        <p:spPr>
+          <a:xfrm rot="10800000">
+            <a:off x="6232849" y="5100001"/>
+            <a:ext cx="4159122" cy="342474"/>
+          </a:xfrm>
+          <a:prstGeom prst="bentConnector4">
+            <a:avLst>
+              <a:gd name="adj1" fmla="val 45177"/>
+              <a:gd name="adj2" fmla="val 166750"/>
+            </a:avLst>
+          </a:prstGeom>
+          <a:ln>
+            <a:tailEnd type="triangle"/>
+          </a:ln>
+        </p:spPr>
+        <p:style>
+          <a:lnRef idx="1">
+            <a:schemeClr val="accent1"/>
+          </a:lnRef>
+          <a:fillRef idx="0">
+            <a:schemeClr val="accent1"/>
+          </a:fillRef>
+          <a:effectRef idx="0">
+            <a:schemeClr val="accent1"/>
+          </a:effectRef>
+          <a:fontRef idx="minor">
+            <a:schemeClr val="tx1"/>
+          </a:fontRef>
+        </p:style>
+      </p:cxnSp>
+      <p:cxnSp>
+        <p:nvCxnSpPr>
+          <p:cNvPr id="38" name="Connector: Elbow 37">
+            <a:extLst>
+              <a:ext uri="{FF2B5EF4-FFF2-40B4-BE49-F238E27FC236}">
+                <a16:creationId xmlns:a16="http://schemas.microsoft.com/office/drawing/2014/main" id="{071A7FA0-AFE1-503E-EC22-BE30CA5B9749}"/>
+              </a:ext>
+            </a:extLst>
+          </p:cNvPr>
+          <p:cNvCxnSpPr>
+            <a:stCxn id="9" idx="1"/>
+            <a:endCxn id="10" idx="3"/>
+          </p:cNvCxnSpPr>
+          <p:nvPr/>
+        </p:nvCxnSpPr>
+        <p:spPr>
+          <a:xfrm rot="10800000" flipV="1">
+            <a:off x="1604866" y="1493669"/>
+            <a:ext cx="7273211" cy="2023971"/>
+          </a:xfrm>
+          <a:prstGeom prst="bentConnector3">
+            <a:avLst/>
+          </a:prstGeom>
+          <a:ln w="76200">
+            <a:solidFill>
+              <a:srgbClr val="7030A0"/>
+            </a:solidFill>
+            <a:tailEnd type="triangle"/>
+          </a:ln>
+        </p:spPr>
+        <p:style>
+          <a:lnRef idx="1">
+            <a:schemeClr val="accent1"/>
+          </a:lnRef>
+          <a:fillRef idx="0">
+            <a:schemeClr val="accent1"/>
+          </a:fillRef>
+          <a:effectRef idx="0">
+            <a:schemeClr val="accent1"/>
+          </a:effectRef>
+          <a:fontRef idx="minor">
+            <a:schemeClr val="tx1"/>
+          </a:fontRef>
+        </p:style>
+      </p:cxnSp>
+      <p:sp>
+        <p:nvSpPr>
+          <p:cNvPr id="39" name="TextBox 38">
+            <a:extLst>
+              <a:ext uri="{FF2B5EF4-FFF2-40B4-BE49-F238E27FC236}">
+                <a16:creationId xmlns:a16="http://schemas.microsoft.com/office/drawing/2014/main" id="{14A237E2-470C-D7AE-1C08-A4FFFA026266}"/>
+              </a:ext>
+            </a:extLst>
+          </p:cNvPr>
+          <p:cNvSpPr txBox="1"/>
+          <p:nvPr/>
+        </p:nvSpPr>
+        <p:spPr>
+          <a:xfrm>
+            <a:off x="1763486" y="699796"/>
+            <a:ext cx="3060440" cy="646331"/>
+          </a:xfrm>
+          <a:prstGeom prst="rect">
+            <a:avLst/>
+          </a:prstGeom>
+          <a:noFill/>
+        </p:spPr>
+        <p:txBody>
+          <a:bodyPr wrap="square" rtlCol="0">
+            <a:spAutoFit/>
+          </a:bodyPr>
+          <a:lstStyle/>
+          <a:p>
+            <a:pPr algn="ctr"/>
+            <a:r>
+              <a:rPr lang="en-US" b="1" dirty="0"/>
+              <a:t>Client App Know the Interface aka Schema</a:t>
+            </a:r>
+          </a:p>
+        </p:txBody>
+      </p:sp>
+      <p:sp>
+        <p:nvSpPr>
+          <p:cNvPr id="40" name="TextBox 39">
+            <a:extLst>
+              <a:ext uri="{FF2B5EF4-FFF2-40B4-BE49-F238E27FC236}">
+                <a16:creationId xmlns:a16="http://schemas.microsoft.com/office/drawing/2014/main" id="{E9296600-A5C9-2C4B-37F7-B2D15996EFBF}"/>
+              </a:ext>
+            </a:extLst>
+          </p:cNvPr>
+          <p:cNvSpPr txBox="1"/>
+          <p:nvPr/>
+        </p:nvSpPr>
+        <p:spPr>
+          <a:xfrm>
+            <a:off x="2724539" y="5859624"/>
+            <a:ext cx="4159122" cy="338554"/>
+          </a:xfrm>
+          <a:prstGeom prst="rect">
+            <a:avLst/>
+          </a:prstGeom>
+          <a:noFill/>
+        </p:spPr>
+        <p:txBody>
+          <a:bodyPr wrap="square" rtlCol="0">
+            <a:spAutoFit/>
+          </a:bodyPr>
+          <a:lstStyle/>
+          <a:p>
+            <a:pPr algn="ctr"/>
+            <a:r>
+              <a:rPr lang="en-US" sz="1600" b="1" dirty="0">
+                <a:solidFill>
+                  <a:srgbClr val="FFFF00"/>
+                </a:solidFill>
+              </a:rPr>
+              <a:t>Instances of Actual Services are Registered</a:t>
+            </a:r>
+          </a:p>
+        </p:txBody>
+      </p:sp>
+      <p:cxnSp>
+        <p:nvCxnSpPr>
+          <p:cNvPr id="42" name="Connector: Elbow 41">
+            <a:extLst>
+              <a:ext uri="{FF2B5EF4-FFF2-40B4-BE49-F238E27FC236}">
+                <a16:creationId xmlns:a16="http://schemas.microsoft.com/office/drawing/2014/main" id="{36471FA3-D3B6-241F-A74D-A75504EEAA75}"/>
+              </a:ext>
+            </a:extLst>
+          </p:cNvPr>
+          <p:cNvCxnSpPr>
+            <a:cxnSpLocks/>
+            <a:stCxn id="46" idx="2"/>
+            <a:endCxn id="11" idx="1"/>
+          </p:cNvCxnSpPr>
+          <p:nvPr/>
+        </p:nvCxnSpPr>
+        <p:spPr>
+          <a:xfrm rot="16200000" flipH="1">
+            <a:off x="303627" y="3341515"/>
+            <a:ext cx="2978032" cy="1639855"/>
+          </a:xfrm>
+          <a:prstGeom prst="bentConnector2">
+            <a:avLst/>
+          </a:prstGeom>
+          <a:ln w="76200">
+            <a:solidFill>
+              <a:srgbClr val="FF0000"/>
+            </a:solidFill>
+            <a:tailEnd type="triangle"/>
+          </a:ln>
+        </p:spPr>
+        <p:style>
+          <a:lnRef idx="1">
+            <a:schemeClr val="accent1"/>
+          </a:lnRef>
+          <a:fillRef idx="0">
+            <a:schemeClr val="accent1"/>
+          </a:fillRef>
+          <a:effectRef idx="0">
+            <a:schemeClr val="accent1"/>
+          </a:effectRef>
+          <a:fontRef idx="minor">
+            <a:schemeClr val="tx1"/>
+          </a:fontRef>
+        </p:style>
+      </p:cxnSp>
+      <p:sp>
+        <p:nvSpPr>
+          <p:cNvPr id="43" name="TextBox 42">
+            <a:extLst>
+              <a:ext uri="{FF2B5EF4-FFF2-40B4-BE49-F238E27FC236}">
+                <a16:creationId xmlns:a16="http://schemas.microsoft.com/office/drawing/2014/main" id="{A60978F2-5B4C-D8F8-22F8-D51283C98726}"/>
+              </a:ext>
+            </a:extLst>
+          </p:cNvPr>
+          <p:cNvSpPr txBox="1"/>
+          <p:nvPr/>
+        </p:nvSpPr>
+        <p:spPr>
+          <a:xfrm>
+            <a:off x="394218" y="3713968"/>
+            <a:ext cx="1163994" cy="2031325"/>
+          </a:xfrm>
+          <a:prstGeom prst="rect">
+            <a:avLst/>
+          </a:prstGeom>
+          <a:noFill/>
+        </p:spPr>
+        <p:txBody>
+          <a:bodyPr wrap="square" rtlCol="0">
+            <a:spAutoFit/>
+          </a:bodyPr>
+          <a:lstStyle/>
+          <a:p>
+            <a:r>
+              <a:rPr lang="en-US" b="1" dirty="0">
+                <a:solidFill>
+                  <a:srgbClr val="FFFF00"/>
+                </a:solidFill>
+              </a:rPr>
+              <a:t>Client Query for Instance to Container Using Interface</a:t>
+            </a:r>
+          </a:p>
+        </p:txBody>
+      </p:sp>
+      <p:sp>
+        <p:nvSpPr>
+          <p:cNvPr id="46" name="Rectangle: Rounded Corners 45">
+            <a:extLst>
+              <a:ext uri="{FF2B5EF4-FFF2-40B4-BE49-F238E27FC236}">
+                <a16:creationId xmlns:a16="http://schemas.microsoft.com/office/drawing/2014/main" id="{B28DB761-2DB5-000E-8D01-E482EAB7C00D}"/>
+              </a:ext>
+            </a:extLst>
+          </p:cNvPr>
+          <p:cNvSpPr/>
+          <p:nvPr/>
+        </p:nvSpPr>
+        <p:spPr>
+          <a:xfrm>
+            <a:off x="394218" y="1991292"/>
+            <a:ext cx="1156996" cy="681135"/>
+          </a:xfrm>
+          <a:prstGeom prst="roundRect">
+            <a:avLst/>
+          </a:prstGeom>
+          <a:solidFill>
+            <a:srgbClr val="FFFF00"/>
+          </a:solidFill>
+        </p:spPr>
+        <p:style>
+          <a:lnRef idx="2">
+            <a:schemeClr val="accent1">
+              <a:shade val="50000"/>
+            </a:schemeClr>
+          </a:lnRef>
+          <a:fillRef idx="1">
+            <a:schemeClr val="accent1"/>
+          </a:fillRef>
+          <a:effectRef idx="0">
+            <a:schemeClr val="accent1"/>
+          </a:effectRef>
+          <a:fontRef idx="minor">
+            <a:schemeClr val="lt1"/>
+          </a:fontRef>
+        </p:style>
+        <p:txBody>
+          <a:bodyPr rtlCol="0" anchor="ctr"/>
+          <a:lstStyle/>
+          <a:p>
+            <a:pPr algn="ctr"/>
+            <a:r>
+              <a:rPr lang="en-US" dirty="0">
+                <a:ln w="0"/>
+                <a:solidFill>
+                  <a:schemeClr val="tx1"/>
+                </a:solidFill>
+                <a:effectLst>
+                  <a:outerShdw blurRad="38100" dist="19050" dir="2700000" algn="tl" rotWithShape="0">
+                    <a:schemeClr val="dk1">
+                      <a:alpha val="40000"/>
+                    </a:schemeClr>
+                  </a:outerShdw>
+                </a:effectLst>
+              </a:rPr>
+              <a:t>Page</a:t>
+            </a:r>
+          </a:p>
+        </p:txBody>
+      </p:sp>
+      <p:cxnSp>
+        <p:nvCxnSpPr>
+          <p:cNvPr id="49" name="Connector: Elbow 48">
+            <a:extLst>
+              <a:ext uri="{FF2B5EF4-FFF2-40B4-BE49-F238E27FC236}">
+                <a16:creationId xmlns:a16="http://schemas.microsoft.com/office/drawing/2014/main" id="{29AB6586-0556-A693-527A-BF331996CF95}"/>
+              </a:ext>
+            </a:extLst>
+          </p:cNvPr>
+          <p:cNvCxnSpPr>
+            <a:cxnSpLocks/>
+            <a:stCxn id="25" idx="2"/>
+            <a:endCxn id="46" idx="3"/>
+          </p:cNvCxnSpPr>
+          <p:nvPr/>
+        </p:nvCxnSpPr>
+        <p:spPr>
+          <a:xfrm rot="10800000">
+            <a:off x="1551214" y="2331861"/>
+            <a:ext cx="1257300" cy="3104787"/>
+          </a:xfrm>
+          <a:prstGeom prst="bentConnector3">
+            <a:avLst>
+              <a:gd name="adj1" fmla="val 50000"/>
+            </a:avLst>
+          </a:prstGeom>
+          <a:ln w="76200">
+            <a:solidFill>
+              <a:srgbClr val="C00000"/>
+            </a:solidFill>
+            <a:tailEnd type="triangle"/>
+          </a:ln>
+        </p:spPr>
+        <p:style>
+          <a:lnRef idx="1">
+            <a:schemeClr val="accent1"/>
+          </a:lnRef>
+          <a:fillRef idx="0">
+            <a:schemeClr val="accent1"/>
+          </a:fillRef>
+          <a:effectRef idx="0">
+            <a:schemeClr val="accent1"/>
+          </a:effectRef>
+          <a:fontRef idx="minor">
+            <a:schemeClr val="tx1"/>
+          </a:fontRef>
+        </p:style>
+      </p:cxnSp>
+      <p:sp>
+        <p:nvSpPr>
+          <p:cNvPr id="50" name="TextBox 49">
+            <a:extLst>
+              <a:ext uri="{FF2B5EF4-FFF2-40B4-BE49-F238E27FC236}">
+                <a16:creationId xmlns:a16="http://schemas.microsoft.com/office/drawing/2014/main" id="{CE0F575F-3925-1B04-A43F-A20B4E9EE24F}"/>
+              </a:ext>
+            </a:extLst>
+          </p:cNvPr>
+          <p:cNvSpPr txBox="1"/>
+          <p:nvPr/>
+        </p:nvSpPr>
+        <p:spPr>
+          <a:xfrm>
+            <a:off x="1478619" y="1977495"/>
+            <a:ext cx="2052734" cy="646331"/>
+          </a:xfrm>
+          <a:prstGeom prst="rect">
+            <a:avLst/>
+          </a:prstGeom>
+          <a:noFill/>
+        </p:spPr>
+        <p:txBody>
+          <a:bodyPr wrap="square" rtlCol="0">
+            <a:spAutoFit/>
+          </a:bodyPr>
+          <a:lstStyle/>
+          <a:p>
+            <a:pPr algn="ctr"/>
+            <a:r>
+              <a:rPr lang="en-US" b="1" dirty="0"/>
+              <a:t>The Instance is Injected</a:t>
+            </a:r>
+          </a:p>
+        </p:txBody>
+      </p:sp>
+      <p:sp>
+        <p:nvSpPr>
+          <p:cNvPr id="52" name="Multiplication Sign 51">
+            <a:extLst>
+              <a:ext uri="{FF2B5EF4-FFF2-40B4-BE49-F238E27FC236}">
+                <a16:creationId xmlns:a16="http://schemas.microsoft.com/office/drawing/2014/main" id="{363BBD25-A4FB-2FD1-6903-971511661126}"/>
+              </a:ext>
+            </a:extLst>
+          </p:cNvPr>
+          <p:cNvSpPr/>
+          <p:nvPr/>
+        </p:nvSpPr>
+        <p:spPr>
+          <a:xfrm>
+            <a:off x="10828459" y="2845837"/>
+            <a:ext cx="587544" cy="868131"/>
+          </a:xfrm>
+          <a:prstGeom prst="mathMultiply">
+            <a:avLst/>
+          </a:prstGeom>
+          <a:solidFill>
+            <a:srgbClr val="FF0000"/>
+          </a:solidFill>
+          <a:ln>
+            <a:solidFill>
+              <a:srgbClr val="C00000"/>
+            </a:solidFill>
+          </a:ln>
+        </p:spPr>
+        <p:style>
+          <a:lnRef idx="2">
+            <a:schemeClr val="accent1">
+              <a:shade val="50000"/>
+            </a:schemeClr>
+          </a:lnRef>
+          <a:fillRef idx="1">
+            <a:schemeClr val="accent1"/>
+          </a:fillRef>
+          <a:effectRef idx="0">
+            <a:schemeClr val="accent1"/>
+          </a:effectRef>
+          <a:fontRef idx="minor">
+            <a:schemeClr val="lt1"/>
+          </a:fontRef>
+        </p:style>
+        <p:txBody>
+          <a:bodyPr rtlCol="0" anchor="ctr"/>
+          <a:lstStyle/>
+          <a:p>
+            <a:pPr algn="ctr"/>
+            <a:endParaRPr lang="en-US"/>
+          </a:p>
+        </p:txBody>
+      </p:sp>
+      <p:sp>
+        <p:nvSpPr>
+          <p:cNvPr id="53" name="Multiplication Sign 52">
+            <a:extLst>
+              <a:ext uri="{FF2B5EF4-FFF2-40B4-BE49-F238E27FC236}">
+                <a16:creationId xmlns:a16="http://schemas.microsoft.com/office/drawing/2014/main" id="{764F929A-F8BC-5A49-23AF-E386E47A6E60}"/>
+              </a:ext>
+            </a:extLst>
+          </p:cNvPr>
+          <p:cNvSpPr/>
+          <p:nvPr/>
+        </p:nvSpPr>
+        <p:spPr>
+          <a:xfrm>
+            <a:off x="10710520" y="4977497"/>
+            <a:ext cx="587544" cy="868131"/>
+          </a:xfrm>
+          <a:prstGeom prst="mathMultiply">
+            <a:avLst/>
+          </a:prstGeom>
+          <a:solidFill>
+            <a:srgbClr val="FF0000"/>
+          </a:solidFill>
+          <a:ln>
+            <a:solidFill>
+              <a:srgbClr val="C00000"/>
+            </a:solidFill>
+          </a:ln>
+        </p:spPr>
+        <p:style>
+          <a:lnRef idx="2">
+            <a:schemeClr val="accent1">
+              <a:shade val="50000"/>
+            </a:schemeClr>
+          </a:lnRef>
+          <a:fillRef idx="1">
+            <a:schemeClr val="accent1"/>
+          </a:fillRef>
+          <a:effectRef idx="0">
+            <a:schemeClr val="accent1"/>
+          </a:effectRef>
+          <a:fontRef idx="minor">
+            <a:schemeClr val="lt1"/>
+          </a:fontRef>
+        </p:style>
+        <p:txBody>
+          <a:bodyPr rtlCol="0" anchor="ctr"/>
+          <a:lstStyle/>
+          <a:p>
+            <a:pPr algn="ctr"/>
+            <a:endParaRPr lang="en-US"/>
+          </a:p>
+        </p:txBody>
+      </p:sp>
+      <p:sp>
+        <p:nvSpPr>
+          <p:cNvPr id="54" name="Multiplication Sign 53">
+            <a:extLst>
+              <a:ext uri="{FF2B5EF4-FFF2-40B4-BE49-F238E27FC236}">
+                <a16:creationId xmlns:a16="http://schemas.microsoft.com/office/drawing/2014/main" id="{E178E642-84BF-4759-B15F-99A1155D3B0C}"/>
+              </a:ext>
+            </a:extLst>
+          </p:cNvPr>
+          <p:cNvSpPr/>
+          <p:nvPr/>
+        </p:nvSpPr>
+        <p:spPr>
+          <a:xfrm>
+            <a:off x="4173115" y="5000012"/>
+            <a:ext cx="587544" cy="868131"/>
+          </a:xfrm>
+          <a:prstGeom prst="mathMultiply">
+            <a:avLst/>
+          </a:prstGeom>
+          <a:solidFill>
+            <a:srgbClr val="FF0000"/>
+          </a:solidFill>
+          <a:ln>
+            <a:solidFill>
+              <a:srgbClr val="C00000"/>
+            </a:solidFill>
+          </a:ln>
+        </p:spPr>
+        <p:style>
+          <a:lnRef idx="2">
+            <a:schemeClr val="accent1">
+              <a:shade val="50000"/>
+            </a:schemeClr>
+          </a:lnRef>
+          <a:fillRef idx="1">
+            <a:schemeClr val="accent1"/>
+          </a:fillRef>
+          <a:effectRef idx="0">
+            <a:schemeClr val="accent1"/>
+          </a:effectRef>
+          <a:fontRef idx="minor">
+            <a:schemeClr val="lt1"/>
+          </a:fontRef>
+        </p:style>
+        <p:txBody>
+          <a:bodyPr rtlCol="0" anchor="ctr"/>
+          <a:lstStyle/>
+          <a:p>
+            <a:pPr algn="ctr"/>
+            <a:endParaRPr lang="en-US"/>
+          </a:p>
+        </p:txBody>
+      </p:sp>
+      <p:sp>
+        <p:nvSpPr>
+          <p:cNvPr id="55" name="Multiplication Sign 54">
+            <a:extLst>
+              <a:ext uri="{FF2B5EF4-FFF2-40B4-BE49-F238E27FC236}">
+                <a16:creationId xmlns:a16="http://schemas.microsoft.com/office/drawing/2014/main" id="{88928035-AE77-9AB1-A739-7915681ED8A3}"/>
+              </a:ext>
+            </a:extLst>
+          </p:cNvPr>
+          <p:cNvSpPr/>
+          <p:nvPr/>
+        </p:nvSpPr>
+        <p:spPr>
+          <a:xfrm>
+            <a:off x="6234587" y="5016375"/>
+            <a:ext cx="587544" cy="868131"/>
+          </a:xfrm>
+          <a:prstGeom prst="mathMultiply">
+            <a:avLst/>
+          </a:prstGeom>
+          <a:solidFill>
+            <a:srgbClr val="FF0000"/>
+          </a:solidFill>
+          <a:ln>
+            <a:solidFill>
+              <a:srgbClr val="C00000"/>
+            </a:solidFill>
+          </a:ln>
+        </p:spPr>
+        <p:style>
+          <a:lnRef idx="2">
+            <a:schemeClr val="accent1">
+              <a:shade val="50000"/>
+            </a:schemeClr>
+          </a:lnRef>
+          <a:fillRef idx="1">
+            <a:schemeClr val="accent1"/>
+          </a:fillRef>
+          <a:effectRef idx="0">
+            <a:schemeClr val="accent1"/>
+          </a:effectRef>
+          <a:fontRef idx="minor">
+            <a:schemeClr val="lt1"/>
+          </a:fontRef>
+        </p:style>
+        <p:txBody>
+          <a:bodyPr rtlCol="0" anchor="ctr"/>
+          <a:lstStyle/>
+          <a:p>
+            <a:pPr algn="ctr"/>
+            <a:endParaRPr lang="en-US"/>
           </a:p>
         </p:txBody>
       </p:sp>

--- a/Training-Images.pptx
+++ b/Training-Images.pptx
@@ -47,6 +47,7 @@
     <p:sldId id="295" r:id="rId41"/>
     <p:sldId id="296" r:id="rId42"/>
     <p:sldId id="298" r:id="rId43"/>
+    <p:sldId id="299" r:id="rId44"/>
   </p:sldIdLst>
   <p:sldSz cx="12192000" cy="6858000"/>
   <p:notesSz cx="6858000" cy="9144000"/>
@@ -300,7 +301,7 @@
           <a:p>
             <a:fld id="{95E4630E-4E16-4BC6-8D4C-04E2A0254E22}" type="datetimeFigureOut">
               <a:rPr lang="en-US" smtClean="0"/>
-              <a:t>7/26/2022</a:t>
+              <a:t>8/1/2022</a:t>
             </a:fld>
             <a:endParaRPr lang="en-US"/>
           </a:p>
@@ -498,7 +499,7 @@
           <a:p>
             <a:fld id="{95E4630E-4E16-4BC6-8D4C-04E2A0254E22}" type="datetimeFigureOut">
               <a:rPr lang="en-US" smtClean="0"/>
-              <a:t>7/26/2022</a:t>
+              <a:t>8/1/2022</a:t>
             </a:fld>
             <a:endParaRPr lang="en-US"/>
           </a:p>
@@ -706,7 +707,7 @@
           <a:p>
             <a:fld id="{95E4630E-4E16-4BC6-8D4C-04E2A0254E22}" type="datetimeFigureOut">
               <a:rPr lang="en-US" smtClean="0"/>
-              <a:t>7/26/2022</a:t>
+              <a:t>8/1/2022</a:t>
             </a:fld>
             <a:endParaRPr lang="en-US"/>
           </a:p>
@@ -904,7 +905,7 @@
           <a:p>
             <a:fld id="{95E4630E-4E16-4BC6-8D4C-04E2A0254E22}" type="datetimeFigureOut">
               <a:rPr lang="en-US" smtClean="0"/>
-              <a:t>7/26/2022</a:t>
+              <a:t>8/1/2022</a:t>
             </a:fld>
             <a:endParaRPr lang="en-US"/>
           </a:p>
@@ -1179,7 +1180,7 @@
           <a:p>
             <a:fld id="{95E4630E-4E16-4BC6-8D4C-04E2A0254E22}" type="datetimeFigureOut">
               <a:rPr lang="en-US" smtClean="0"/>
-              <a:t>7/26/2022</a:t>
+              <a:t>8/1/2022</a:t>
             </a:fld>
             <a:endParaRPr lang="en-US"/>
           </a:p>
@@ -1444,7 +1445,7 @@
           <a:p>
             <a:fld id="{95E4630E-4E16-4BC6-8D4C-04E2A0254E22}" type="datetimeFigureOut">
               <a:rPr lang="en-US" smtClean="0"/>
-              <a:t>7/26/2022</a:t>
+              <a:t>8/1/2022</a:t>
             </a:fld>
             <a:endParaRPr lang="en-US"/>
           </a:p>
@@ -1856,7 +1857,7 @@
           <a:p>
             <a:fld id="{95E4630E-4E16-4BC6-8D4C-04E2A0254E22}" type="datetimeFigureOut">
               <a:rPr lang="en-US" smtClean="0"/>
-              <a:t>7/26/2022</a:t>
+              <a:t>8/1/2022</a:t>
             </a:fld>
             <a:endParaRPr lang="en-US"/>
           </a:p>
@@ -1997,7 +1998,7 @@
           <a:p>
             <a:fld id="{95E4630E-4E16-4BC6-8D4C-04E2A0254E22}" type="datetimeFigureOut">
               <a:rPr lang="en-US" smtClean="0"/>
-              <a:t>7/26/2022</a:t>
+              <a:t>8/1/2022</a:t>
             </a:fld>
             <a:endParaRPr lang="en-US"/>
           </a:p>
@@ -2110,7 +2111,7 @@
           <a:p>
             <a:fld id="{95E4630E-4E16-4BC6-8D4C-04E2A0254E22}" type="datetimeFigureOut">
               <a:rPr lang="en-US" smtClean="0"/>
-              <a:t>7/26/2022</a:t>
+              <a:t>8/1/2022</a:t>
             </a:fld>
             <a:endParaRPr lang="en-US"/>
           </a:p>
@@ -2421,7 +2422,7 @@
           <a:p>
             <a:fld id="{95E4630E-4E16-4BC6-8D4C-04E2A0254E22}" type="datetimeFigureOut">
               <a:rPr lang="en-US" smtClean="0"/>
-              <a:t>7/26/2022</a:t>
+              <a:t>8/1/2022</a:t>
             </a:fld>
             <a:endParaRPr lang="en-US"/>
           </a:p>
@@ -2709,7 +2710,7 @@
           <a:p>
             <a:fld id="{95E4630E-4E16-4BC6-8D4C-04E2A0254E22}" type="datetimeFigureOut">
               <a:rPr lang="en-US" smtClean="0"/>
-              <a:t>7/26/2022</a:t>
+              <a:t>8/1/2022</a:t>
             </a:fld>
             <a:endParaRPr lang="en-US"/>
           </a:p>
@@ -2950,7 +2951,7 @@
           <a:p>
             <a:fld id="{95E4630E-4E16-4BC6-8D4C-04E2A0254E22}" type="datetimeFigureOut">
               <a:rPr lang="en-US" smtClean="0"/>
-              <a:t>7/26/2022</a:t>
+              <a:t>8/1/2022</a:t>
             </a:fld>
             <a:endParaRPr lang="en-US"/>
           </a:p>
@@ -39442,6 +39443,696 @@
 </p:sld>
 </file>
 
+<file path=ppt/slides/slide43.xml><?xml version="1.0" encoding="utf-8"?>
+<p:sld xmlns:a="http://schemas.openxmlformats.org/drawingml/2006/main" xmlns:r="http://schemas.openxmlformats.org/officeDocument/2006/relationships" xmlns:p="http://schemas.openxmlformats.org/presentationml/2006/main">
+  <p:cSld>
+    <p:spTree>
+      <p:nvGrpSpPr>
+        <p:cNvPr id="1" name=""/>
+        <p:cNvGrpSpPr/>
+        <p:nvPr/>
+      </p:nvGrpSpPr>
+      <p:grpSpPr>
+        <a:xfrm>
+          <a:off x="0" y="0"/>
+          <a:ext cx="0" cy="0"/>
+          <a:chOff x="0" y="0"/>
+          <a:chExt cx="0" cy="0"/>
+        </a:xfrm>
+      </p:grpSpPr>
+      <p:sp>
+        <p:nvSpPr>
+          <p:cNvPr id="2" name="Rectangle 1">
+            <a:extLst>
+              <a:ext uri="{FF2B5EF4-FFF2-40B4-BE49-F238E27FC236}">
+                <a16:creationId xmlns:a16="http://schemas.microsoft.com/office/drawing/2014/main" id="{05B2C2EB-3E65-818E-1C60-D1977F7DC877}"/>
+              </a:ext>
+            </a:extLst>
+          </p:cNvPr>
+          <p:cNvSpPr/>
+          <p:nvPr/>
+        </p:nvSpPr>
+        <p:spPr>
+          <a:xfrm>
+            <a:off x="329681" y="732453"/>
+            <a:ext cx="11140751" cy="1012371"/>
+          </a:xfrm>
+          <a:prstGeom prst="rect">
+            <a:avLst/>
+          </a:prstGeom>
+        </p:spPr>
+        <p:style>
+          <a:lnRef idx="1">
+            <a:schemeClr val="accent3"/>
+          </a:lnRef>
+          <a:fillRef idx="2">
+            <a:schemeClr val="accent3"/>
+          </a:fillRef>
+          <a:effectRef idx="1">
+            <a:schemeClr val="accent3"/>
+          </a:effectRef>
+          <a:fontRef idx="minor">
+            <a:schemeClr val="dk1"/>
+          </a:fontRef>
+        </p:style>
+        <p:txBody>
+          <a:bodyPr rtlCol="0" anchor="ctr"/>
+          <a:lstStyle/>
+          <a:p>
+            <a:pPr algn="ctr"/>
+            <a:endParaRPr lang="en-US"/>
+          </a:p>
+        </p:txBody>
+      </p:sp>
+      <p:sp>
+        <p:nvSpPr>
+          <p:cNvPr id="3" name="TextBox 2">
+            <a:extLst>
+              <a:ext uri="{FF2B5EF4-FFF2-40B4-BE49-F238E27FC236}">
+                <a16:creationId xmlns:a16="http://schemas.microsoft.com/office/drawing/2014/main" id="{A7515941-527A-556C-5F2C-D325F915DC7F}"/>
+              </a:ext>
+            </a:extLst>
+          </p:cNvPr>
+          <p:cNvSpPr txBox="1"/>
+          <p:nvPr/>
+        </p:nvSpPr>
+        <p:spPr>
+          <a:xfrm>
+            <a:off x="373224" y="83976"/>
+            <a:ext cx="11103429" cy="369332"/>
+          </a:xfrm>
+          <a:prstGeom prst="rect">
+            <a:avLst/>
+          </a:prstGeom>
+          <a:noFill/>
+        </p:spPr>
+        <p:txBody>
+          <a:bodyPr wrap="square" rtlCol="0">
+            <a:spAutoFit/>
+          </a:bodyPr>
+          <a:lstStyle/>
+          <a:p>
+            <a:pPr algn="ctr"/>
+            <a:r>
+              <a:rPr lang="en-IN" b="1" dirty="0"/>
+              <a:t>HTTP Protocol or Http Request Message</a:t>
+            </a:r>
+            <a:endParaRPr lang="en-US" b="1" dirty="0"/>
+          </a:p>
+        </p:txBody>
+      </p:sp>
+      <p:sp>
+        <p:nvSpPr>
+          <p:cNvPr id="4" name="Rectangle 3">
+            <a:extLst>
+              <a:ext uri="{FF2B5EF4-FFF2-40B4-BE49-F238E27FC236}">
+                <a16:creationId xmlns:a16="http://schemas.microsoft.com/office/drawing/2014/main" id="{6F4B0B6A-34D7-CF5D-0EAB-A92AFE9FCC1C}"/>
+              </a:ext>
+            </a:extLst>
+          </p:cNvPr>
+          <p:cNvSpPr/>
+          <p:nvPr/>
+        </p:nvSpPr>
+        <p:spPr>
+          <a:xfrm>
+            <a:off x="3554964" y="732453"/>
+            <a:ext cx="429208" cy="1012371"/>
+          </a:xfrm>
+          <a:prstGeom prst="rect">
+            <a:avLst/>
+          </a:prstGeom>
+        </p:spPr>
+        <p:style>
+          <a:lnRef idx="2">
+            <a:schemeClr val="accent1">
+              <a:shade val="50000"/>
+            </a:schemeClr>
+          </a:lnRef>
+          <a:fillRef idx="1">
+            <a:schemeClr val="accent1"/>
+          </a:fillRef>
+          <a:effectRef idx="0">
+            <a:schemeClr val="accent1"/>
+          </a:effectRef>
+          <a:fontRef idx="minor">
+            <a:schemeClr val="lt1"/>
+          </a:fontRef>
+        </p:style>
+        <p:txBody>
+          <a:bodyPr rtlCol="0" anchor="ctr"/>
+          <a:lstStyle/>
+          <a:p>
+            <a:pPr algn="ctr"/>
+            <a:endParaRPr lang="en-US"/>
+          </a:p>
+        </p:txBody>
+      </p:sp>
+      <p:sp>
+        <p:nvSpPr>
+          <p:cNvPr id="5" name="Rectangle 4">
+            <a:extLst>
+              <a:ext uri="{FF2B5EF4-FFF2-40B4-BE49-F238E27FC236}">
+                <a16:creationId xmlns:a16="http://schemas.microsoft.com/office/drawing/2014/main" id="{98CA9CA0-1CEA-5C57-722B-78B9736B486A}"/>
+              </a:ext>
+            </a:extLst>
+          </p:cNvPr>
+          <p:cNvSpPr/>
+          <p:nvPr/>
+        </p:nvSpPr>
+        <p:spPr>
+          <a:xfrm>
+            <a:off x="8864082" y="732453"/>
+            <a:ext cx="326571" cy="1012371"/>
+          </a:xfrm>
+          <a:prstGeom prst="rect">
+            <a:avLst/>
+          </a:prstGeom>
+        </p:spPr>
+        <p:style>
+          <a:lnRef idx="2">
+            <a:schemeClr val="accent1">
+              <a:shade val="50000"/>
+            </a:schemeClr>
+          </a:lnRef>
+          <a:fillRef idx="1">
+            <a:schemeClr val="accent1"/>
+          </a:fillRef>
+          <a:effectRef idx="0">
+            <a:schemeClr val="accent1"/>
+          </a:effectRef>
+          <a:fontRef idx="minor">
+            <a:schemeClr val="lt1"/>
+          </a:fontRef>
+        </p:style>
+        <p:txBody>
+          <a:bodyPr rtlCol="0" anchor="ctr"/>
+          <a:lstStyle/>
+          <a:p>
+            <a:pPr algn="ctr"/>
+            <a:endParaRPr lang="en-US"/>
+          </a:p>
+        </p:txBody>
+      </p:sp>
+      <p:sp>
+        <p:nvSpPr>
+          <p:cNvPr id="6" name="TextBox 5">
+            <a:extLst>
+              <a:ext uri="{FF2B5EF4-FFF2-40B4-BE49-F238E27FC236}">
+                <a16:creationId xmlns:a16="http://schemas.microsoft.com/office/drawing/2014/main" id="{36E6B92D-A798-DF5B-30BA-0AEBEC14E10E}"/>
+              </a:ext>
+            </a:extLst>
+          </p:cNvPr>
+          <p:cNvSpPr txBox="1"/>
+          <p:nvPr/>
+        </p:nvSpPr>
+        <p:spPr>
+          <a:xfrm>
+            <a:off x="373224" y="839755"/>
+            <a:ext cx="3032449" cy="369332"/>
+          </a:xfrm>
+          <a:prstGeom prst="rect">
+            <a:avLst/>
+          </a:prstGeom>
+          <a:noFill/>
+        </p:spPr>
+        <p:txBody>
+          <a:bodyPr wrap="square" rtlCol="0">
+            <a:spAutoFit/>
+          </a:bodyPr>
+          <a:lstStyle/>
+          <a:p>
+            <a:pPr algn="ctr"/>
+            <a:r>
+              <a:rPr lang="en-IN" b="1" dirty="0"/>
+              <a:t>HTTP Header</a:t>
+            </a:r>
+            <a:endParaRPr lang="en-US" b="1" dirty="0"/>
+          </a:p>
+        </p:txBody>
+      </p:sp>
+      <p:sp>
+        <p:nvSpPr>
+          <p:cNvPr id="7" name="TextBox 6">
+            <a:extLst>
+              <a:ext uri="{FF2B5EF4-FFF2-40B4-BE49-F238E27FC236}">
+                <a16:creationId xmlns:a16="http://schemas.microsoft.com/office/drawing/2014/main" id="{A99BDA58-91E0-C5DF-1250-614F233D9C3E}"/>
+              </a:ext>
+            </a:extLst>
+          </p:cNvPr>
+          <p:cNvSpPr txBox="1"/>
+          <p:nvPr/>
+        </p:nvSpPr>
+        <p:spPr>
+          <a:xfrm>
+            <a:off x="4096139" y="839755"/>
+            <a:ext cx="4590661" cy="923330"/>
+          </a:xfrm>
+          <a:prstGeom prst="rect">
+            <a:avLst/>
+          </a:prstGeom>
+          <a:noFill/>
+        </p:spPr>
+        <p:txBody>
+          <a:bodyPr wrap="square" rtlCol="0">
+            <a:spAutoFit/>
+          </a:bodyPr>
+          <a:lstStyle/>
+          <a:p>
+            <a:r>
+              <a:rPr lang="en-IN" b="1" dirty="0"/>
+              <a:t>Http Body, used in case of POST and Put Request </a:t>
+            </a:r>
+          </a:p>
+          <a:p>
+            <a:r>
+              <a:rPr lang="en-IN" b="1" dirty="0"/>
+              <a:t>JSON Data, Binary Data, etc</a:t>
+            </a:r>
+            <a:endParaRPr lang="en-US" b="1" dirty="0"/>
+          </a:p>
+        </p:txBody>
+      </p:sp>
+      <p:sp>
+        <p:nvSpPr>
+          <p:cNvPr id="8" name="TextBox 7">
+            <a:extLst>
+              <a:ext uri="{FF2B5EF4-FFF2-40B4-BE49-F238E27FC236}">
+                <a16:creationId xmlns:a16="http://schemas.microsoft.com/office/drawing/2014/main" id="{20B5CDBA-4FCB-A332-45E8-6B2079B33929}"/>
+              </a:ext>
+            </a:extLst>
+          </p:cNvPr>
+          <p:cNvSpPr txBox="1"/>
+          <p:nvPr/>
+        </p:nvSpPr>
+        <p:spPr>
+          <a:xfrm>
+            <a:off x="9386596" y="839755"/>
+            <a:ext cx="1950098" cy="369332"/>
+          </a:xfrm>
+          <a:prstGeom prst="rect">
+            <a:avLst/>
+          </a:prstGeom>
+          <a:noFill/>
+        </p:spPr>
+        <p:txBody>
+          <a:bodyPr wrap="square" rtlCol="0">
+            <a:spAutoFit/>
+          </a:bodyPr>
+          <a:lstStyle/>
+          <a:p>
+            <a:r>
+              <a:rPr lang="en-IN" b="1" dirty="0"/>
+              <a:t>Http Error</a:t>
+            </a:r>
+            <a:endParaRPr lang="en-US" b="1" dirty="0"/>
+          </a:p>
+        </p:txBody>
+      </p:sp>
+      <p:sp>
+        <p:nvSpPr>
+          <p:cNvPr id="9" name="Rectangle 8">
+            <a:extLst>
+              <a:ext uri="{FF2B5EF4-FFF2-40B4-BE49-F238E27FC236}">
+                <a16:creationId xmlns:a16="http://schemas.microsoft.com/office/drawing/2014/main" id="{662CEB37-6E10-35A7-9533-8EFBB8A9023A}"/>
+              </a:ext>
+            </a:extLst>
+          </p:cNvPr>
+          <p:cNvSpPr/>
+          <p:nvPr/>
+        </p:nvSpPr>
+        <p:spPr>
+          <a:xfrm>
+            <a:off x="329681" y="3620278"/>
+            <a:ext cx="11140751" cy="1950098"/>
+          </a:xfrm>
+          <a:prstGeom prst="rect">
+            <a:avLst/>
+          </a:prstGeom>
+        </p:spPr>
+        <p:style>
+          <a:lnRef idx="3">
+            <a:schemeClr val="lt1"/>
+          </a:lnRef>
+          <a:fillRef idx="1">
+            <a:schemeClr val="accent4"/>
+          </a:fillRef>
+          <a:effectRef idx="1">
+            <a:schemeClr val="accent4"/>
+          </a:effectRef>
+          <a:fontRef idx="minor">
+            <a:schemeClr val="lt1"/>
+          </a:fontRef>
+        </p:style>
+        <p:txBody>
+          <a:bodyPr rtlCol="0" anchor="ctr"/>
+          <a:lstStyle/>
+          <a:p>
+            <a:pPr algn="ctr"/>
+            <a:endParaRPr lang="en-US"/>
+          </a:p>
+        </p:txBody>
+      </p:sp>
+      <p:cxnSp>
+        <p:nvCxnSpPr>
+          <p:cNvPr id="11" name="Connector: Elbow 10">
+            <a:extLst>
+              <a:ext uri="{FF2B5EF4-FFF2-40B4-BE49-F238E27FC236}">
+                <a16:creationId xmlns:a16="http://schemas.microsoft.com/office/drawing/2014/main" id="{EF8CF173-31DD-74D1-2724-82B9551305B9}"/>
+              </a:ext>
+            </a:extLst>
+          </p:cNvPr>
+          <p:cNvCxnSpPr>
+            <a:endCxn id="9" idx="0"/>
+          </p:cNvCxnSpPr>
+          <p:nvPr/>
+        </p:nvCxnSpPr>
+        <p:spPr>
+          <a:xfrm>
+            <a:off x="1950098" y="1763085"/>
+            <a:ext cx="3949959" cy="1857193"/>
+          </a:xfrm>
+          <a:prstGeom prst="bentConnector2">
+            <a:avLst/>
+          </a:prstGeom>
+          <a:ln>
+            <a:tailEnd type="triangle"/>
+          </a:ln>
+        </p:spPr>
+        <p:style>
+          <a:lnRef idx="1">
+            <a:schemeClr val="accent1"/>
+          </a:lnRef>
+          <a:fillRef idx="0">
+            <a:schemeClr val="accent1"/>
+          </a:fillRef>
+          <a:effectRef idx="0">
+            <a:schemeClr val="accent1"/>
+          </a:effectRef>
+          <a:fontRef idx="minor">
+            <a:schemeClr val="tx1"/>
+          </a:fontRef>
+        </p:style>
+      </p:cxnSp>
+      <p:sp>
+        <p:nvSpPr>
+          <p:cNvPr id="12" name="TextBox 11">
+            <a:extLst>
+              <a:ext uri="{FF2B5EF4-FFF2-40B4-BE49-F238E27FC236}">
+                <a16:creationId xmlns:a16="http://schemas.microsoft.com/office/drawing/2014/main" id="{9B2B8916-0009-26AC-9D46-D91046B6BAC9}"/>
+              </a:ext>
+            </a:extLst>
+          </p:cNvPr>
+          <p:cNvSpPr txBox="1"/>
+          <p:nvPr/>
+        </p:nvSpPr>
+        <p:spPr>
+          <a:xfrm>
+            <a:off x="3984172" y="2425959"/>
+            <a:ext cx="4133461" cy="369332"/>
+          </a:xfrm>
+          <a:prstGeom prst="rect">
+            <a:avLst/>
+          </a:prstGeom>
+          <a:noFill/>
+        </p:spPr>
+        <p:txBody>
+          <a:bodyPr wrap="square" rtlCol="0">
+            <a:spAutoFit/>
+          </a:bodyPr>
+          <a:lstStyle/>
+          <a:p>
+            <a:pPr algn="ctr"/>
+            <a:r>
+              <a:rPr lang="en-IN" b="1" dirty="0"/>
+              <a:t>HTTP Header</a:t>
+            </a:r>
+            <a:endParaRPr lang="en-US" b="1" dirty="0"/>
+          </a:p>
+        </p:txBody>
+      </p:sp>
+      <p:sp>
+        <p:nvSpPr>
+          <p:cNvPr id="13" name="Rectangle 12">
+            <a:extLst>
+              <a:ext uri="{FF2B5EF4-FFF2-40B4-BE49-F238E27FC236}">
+                <a16:creationId xmlns:a16="http://schemas.microsoft.com/office/drawing/2014/main" id="{73C1BC6E-DF15-65CF-9A31-F9653CAF932F}"/>
+              </a:ext>
+            </a:extLst>
+          </p:cNvPr>
+          <p:cNvSpPr/>
+          <p:nvPr/>
+        </p:nvSpPr>
+        <p:spPr>
+          <a:xfrm>
+            <a:off x="2920482" y="3638539"/>
+            <a:ext cx="298579" cy="1931837"/>
+          </a:xfrm>
+          <a:prstGeom prst="rect">
+            <a:avLst/>
+          </a:prstGeom>
+        </p:spPr>
+        <p:style>
+          <a:lnRef idx="2">
+            <a:schemeClr val="accent1">
+              <a:shade val="50000"/>
+            </a:schemeClr>
+          </a:lnRef>
+          <a:fillRef idx="1">
+            <a:schemeClr val="accent1"/>
+          </a:fillRef>
+          <a:effectRef idx="0">
+            <a:schemeClr val="accent1"/>
+          </a:effectRef>
+          <a:fontRef idx="minor">
+            <a:schemeClr val="lt1"/>
+          </a:fontRef>
+        </p:style>
+        <p:txBody>
+          <a:bodyPr rtlCol="0" anchor="ctr"/>
+          <a:lstStyle/>
+          <a:p>
+            <a:pPr algn="ctr"/>
+            <a:endParaRPr lang="en-US"/>
+          </a:p>
+        </p:txBody>
+      </p:sp>
+      <p:sp>
+        <p:nvSpPr>
+          <p:cNvPr id="15" name="TextBox 14">
+            <a:extLst>
+              <a:ext uri="{FF2B5EF4-FFF2-40B4-BE49-F238E27FC236}">
+                <a16:creationId xmlns:a16="http://schemas.microsoft.com/office/drawing/2014/main" id="{9918000C-510C-D45F-9862-86A53E2E9DBB}"/>
+              </a:ext>
+            </a:extLst>
+          </p:cNvPr>
+          <p:cNvSpPr txBox="1"/>
+          <p:nvPr/>
+        </p:nvSpPr>
+        <p:spPr>
+          <a:xfrm>
+            <a:off x="373224" y="3638539"/>
+            <a:ext cx="2341984" cy="1200329"/>
+          </a:xfrm>
+          <a:prstGeom prst="rect">
+            <a:avLst/>
+          </a:prstGeom>
+          <a:noFill/>
+        </p:spPr>
+        <p:txBody>
+          <a:bodyPr wrap="square" rtlCol="0">
+            <a:spAutoFit/>
+          </a:bodyPr>
+          <a:lstStyle/>
+          <a:p>
+            <a:pPr marL="285750" indent="-285750">
+              <a:buFont typeface="Arial" panose="020B0604020202020204" pitchFamily="34" charset="0"/>
+              <a:buChar char="•"/>
+            </a:pPr>
+            <a:r>
+              <a:rPr lang="en-IN" dirty="0"/>
+              <a:t>Target URL</a:t>
+            </a:r>
+          </a:p>
+          <a:p>
+            <a:pPr marL="285750" indent="-285750">
+              <a:buFont typeface="Arial" panose="020B0604020202020204" pitchFamily="34" charset="0"/>
+              <a:buChar char="•"/>
+            </a:pPr>
+            <a:r>
+              <a:rPr lang="en-IN" dirty="0"/>
+              <a:t>Http Request Type</a:t>
+            </a:r>
+          </a:p>
+          <a:p>
+            <a:pPr marL="742950" lvl="1" indent="-285750">
+              <a:buFont typeface="Arial" panose="020B0604020202020204" pitchFamily="34" charset="0"/>
+              <a:buChar char="•"/>
+            </a:pPr>
+            <a:r>
+              <a:rPr lang="en-IN" dirty="0"/>
+              <a:t>Get, Post, Put, and Delete</a:t>
+            </a:r>
+            <a:endParaRPr lang="en-US" dirty="0"/>
+          </a:p>
+        </p:txBody>
+      </p:sp>
+      <p:sp>
+        <p:nvSpPr>
+          <p:cNvPr id="16" name="Rectangle 15">
+            <a:extLst>
+              <a:ext uri="{FF2B5EF4-FFF2-40B4-BE49-F238E27FC236}">
+                <a16:creationId xmlns:a16="http://schemas.microsoft.com/office/drawing/2014/main" id="{D13F812D-7E75-0A12-C172-82658139E856}"/>
+              </a:ext>
+            </a:extLst>
+          </p:cNvPr>
+          <p:cNvSpPr/>
+          <p:nvPr/>
+        </p:nvSpPr>
+        <p:spPr>
+          <a:xfrm>
+            <a:off x="8080310" y="3620278"/>
+            <a:ext cx="298579" cy="1931837"/>
+          </a:xfrm>
+          <a:prstGeom prst="rect">
+            <a:avLst/>
+          </a:prstGeom>
+        </p:spPr>
+        <p:style>
+          <a:lnRef idx="2">
+            <a:schemeClr val="accent1">
+              <a:shade val="50000"/>
+            </a:schemeClr>
+          </a:lnRef>
+          <a:fillRef idx="1">
+            <a:schemeClr val="accent1"/>
+          </a:fillRef>
+          <a:effectRef idx="0">
+            <a:schemeClr val="accent1"/>
+          </a:effectRef>
+          <a:fontRef idx="minor">
+            <a:schemeClr val="lt1"/>
+          </a:fontRef>
+        </p:style>
+        <p:txBody>
+          <a:bodyPr rtlCol="0" anchor="ctr"/>
+          <a:lstStyle/>
+          <a:p>
+            <a:pPr algn="ctr"/>
+            <a:endParaRPr lang="en-US"/>
+          </a:p>
+        </p:txBody>
+      </p:sp>
+      <p:sp>
+        <p:nvSpPr>
+          <p:cNvPr id="17" name="TextBox 16">
+            <a:extLst>
+              <a:ext uri="{FF2B5EF4-FFF2-40B4-BE49-F238E27FC236}">
+                <a16:creationId xmlns:a16="http://schemas.microsoft.com/office/drawing/2014/main" id="{0933AA26-6F08-50ED-5BCB-40B8369F01F8}"/>
+              </a:ext>
+            </a:extLst>
+          </p:cNvPr>
+          <p:cNvSpPr txBox="1"/>
+          <p:nvPr/>
+        </p:nvSpPr>
+        <p:spPr>
+          <a:xfrm>
+            <a:off x="3219061" y="3638539"/>
+            <a:ext cx="4805266" cy="1754326"/>
+          </a:xfrm>
+          <a:prstGeom prst="rect">
+            <a:avLst/>
+          </a:prstGeom>
+          <a:noFill/>
+        </p:spPr>
+        <p:txBody>
+          <a:bodyPr wrap="square" rtlCol="0">
+            <a:spAutoFit/>
+          </a:bodyPr>
+          <a:lstStyle/>
+          <a:p>
+            <a:pPr marL="285750" indent="-285750">
+              <a:buFont typeface="Arial" panose="020B0604020202020204" pitchFamily="34" charset="0"/>
+              <a:buChar char="•"/>
+            </a:pPr>
+            <a:r>
+              <a:rPr lang="en-IN" b="1" dirty="0"/>
+              <a:t>The Data to be posted to the Server using HTTP Request (in case of PUT and POST requests)</a:t>
+            </a:r>
+          </a:p>
+          <a:p>
+            <a:pPr marL="285750" indent="-285750">
+              <a:buFont typeface="Arial" panose="020B0604020202020204" pitchFamily="34" charset="0"/>
+              <a:buChar char="•"/>
+            </a:pPr>
+            <a:r>
+              <a:rPr lang="en-IN" b="1" dirty="0"/>
+              <a:t>Media Formatted e.g. Content-Type, the data format that is posted to the Server e.g. application/json</a:t>
+            </a:r>
+            <a:endParaRPr lang="en-US" b="1" dirty="0"/>
+          </a:p>
+        </p:txBody>
+      </p:sp>
+      <p:sp>
+        <p:nvSpPr>
+          <p:cNvPr id="18" name="TextBox 17">
+            <a:extLst>
+              <a:ext uri="{FF2B5EF4-FFF2-40B4-BE49-F238E27FC236}">
+                <a16:creationId xmlns:a16="http://schemas.microsoft.com/office/drawing/2014/main" id="{037EB3CD-58D0-0A5C-FE62-9AEFE95B7EE1}"/>
+              </a:ext>
+            </a:extLst>
+          </p:cNvPr>
+          <p:cNvSpPr txBox="1"/>
+          <p:nvPr/>
+        </p:nvSpPr>
+        <p:spPr>
+          <a:xfrm>
+            <a:off x="8434873" y="3732245"/>
+            <a:ext cx="3035560" cy="923330"/>
+          </a:xfrm>
+          <a:prstGeom prst="rect">
+            <a:avLst/>
+          </a:prstGeom>
+          <a:noFill/>
+        </p:spPr>
+        <p:txBody>
+          <a:bodyPr wrap="square" rtlCol="0">
+            <a:spAutoFit/>
+          </a:bodyPr>
+          <a:lstStyle/>
+          <a:p>
+            <a:pPr marL="285750" indent="-285750">
+              <a:buFont typeface="Arial" panose="020B0604020202020204" pitchFamily="34" charset="0"/>
+              <a:buChar char="•"/>
+            </a:pPr>
+            <a:r>
+              <a:rPr lang="en-IN" b="1" dirty="0"/>
+              <a:t>Additional Header Values e.g. AUTHORIZATION, Version </a:t>
+            </a:r>
+            <a:r>
+              <a:rPr lang="en-IN" b="1" dirty="0" err="1"/>
+              <a:t>e.t.c</a:t>
+            </a:r>
+            <a:r>
+              <a:rPr lang="en-IN" b="1"/>
+              <a:t>.</a:t>
+            </a:r>
+            <a:endParaRPr lang="en-US" b="1" dirty="0"/>
+          </a:p>
+        </p:txBody>
+      </p:sp>
+    </p:spTree>
+    <p:extLst>
+      <p:ext uri="{BB962C8B-B14F-4D97-AF65-F5344CB8AC3E}">
+        <p14:creationId xmlns:p14="http://schemas.microsoft.com/office/powerpoint/2010/main" val="3186800245"/>
+      </p:ext>
+    </p:extLst>
+  </p:cSld>
+  <p:clrMapOvr>
+    <a:masterClrMapping/>
+  </p:clrMapOvr>
+</p:sld>
+</file>
+
 <file path=ppt/slides/slide5.xml><?xml version="1.0" encoding="utf-8"?>
 <p:sld xmlns:a="http://schemas.openxmlformats.org/drawingml/2006/main" xmlns:r="http://schemas.openxmlformats.org/officeDocument/2006/relationships" xmlns:p="http://schemas.openxmlformats.org/presentationml/2006/main">
   <p:cSld>

--- a/Training-Images.pptx
+++ b/Training-Images.pptx
@@ -48,6 +48,7 @@
     <p:sldId id="296" r:id="rId42"/>
     <p:sldId id="298" r:id="rId43"/>
     <p:sldId id="299" r:id="rId44"/>
+    <p:sldId id="300" r:id="rId45"/>
   </p:sldIdLst>
   <p:sldSz cx="12192000" cy="6858000"/>
   <p:notesSz cx="6858000" cy="9144000"/>
@@ -40133,6 +40134,797 @@
 </p:sld>
 </file>
 
+<file path=ppt/slides/slide44.xml><?xml version="1.0" encoding="utf-8"?>
+<p:sld xmlns:a="http://schemas.openxmlformats.org/drawingml/2006/main" xmlns:r="http://schemas.openxmlformats.org/officeDocument/2006/relationships" xmlns:p="http://schemas.openxmlformats.org/presentationml/2006/main">
+  <p:cSld>
+    <p:spTree>
+      <p:nvGrpSpPr>
+        <p:cNvPr id="1" name=""/>
+        <p:cNvGrpSpPr/>
+        <p:nvPr/>
+      </p:nvGrpSpPr>
+      <p:grpSpPr>
+        <a:xfrm>
+          <a:off x="0" y="0"/>
+          <a:ext cx="0" cy="0"/>
+          <a:chOff x="0" y="0"/>
+          <a:chExt cx="0" cy="0"/>
+        </a:xfrm>
+      </p:grpSpPr>
+      <p:sp>
+        <p:nvSpPr>
+          <p:cNvPr id="2" name="Rectangle 1">
+            <a:extLst>
+              <a:ext uri="{FF2B5EF4-FFF2-40B4-BE49-F238E27FC236}">
+                <a16:creationId xmlns:a16="http://schemas.microsoft.com/office/drawing/2014/main" id="{B5972102-1A37-8A36-0013-490D970870E7}"/>
+              </a:ext>
+            </a:extLst>
+          </p:cNvPr>
+          <p:cNvSpPr/>
+          <p:nvPr/>
+        </p:nvSpPr>
+        <p:spPr>
+          <a:xfrm>
+            <a:off x="550506" y="2043404"/>
+            <a:ext cx="2388637" cy="1772816"/>
+          </a:xfrm>
+          <a:prstGeom prst="rect">
+            <a:avLst/>
+          </a:prstGeom>
+        </p:spPr>
+        <p:style>
+          <a:lnRef idx="2">
+            <a:schemeClr val="accent1">
+              <a:shade val="50000"/>
+            </a:schemeClr>
+          </a:lnRef>
+          <a:fillRef idx="1">
+            <a:schemeClr val="accent1"/>
+          </a:fillRef>
+          <a:effectRef idx="0">
+            <a:schemeClr val="accent1"/>
+          </a:effectRef>
+          <a:fontRef idx="minor">
+            <a:schemeClr val="lt1"/>
+          </a:fontRef>
+        </p:style>
+        <p:txBody>
+          <a:bodyPr rtlCol="0" anchor="ctr"/>
+          <a:lstStyle/>
+          <a:p>
+            <a:pPr algn="ctr"/>
+            <a:r>
+              <a:rPr lang="en-IN" b="1" dirty="0"/>
+              <a:t>ASP.NET WebForm</a:t>
+            </a:r>
+            <a:endParaRPr lang="en-US" b="1" dirty="0"/>
+          </a:p>
+        </p:txBody>
+      </p:sp>
+      <p:sp>
+        <p:nvSpPr>
+          <p:cNvPr id="3" name="Rectangle: Rounded Corners 2">
+            <a:extLst>
+              <a:ext uri="{FF2B5EF4-FFF2-40B4-BE49-F238E27FC236}">
+                <a16:creationId xmlns:a16="http://schemas.microsoft.com/office/drawing/2014/main" id="{D30DB721-6CC2-40B1-B56F-13B27F8A5781}"/>
+              </a:ext>
+            </a:extLst>
+          </p:cNvPr>
+          <p:cNvSpPr/>
+          <p:nvPr/>
+        </p:nvSpPr>
+        <p:spPr>
+          <a:xfrm>
+            <a:off x="4077477" y="1156995"/>
+            <a:ext cx="2146041" cy="3359020"/>
+          </a:xfrm>
+          <a:prstGeom prst="roundRect">
+            <a:avLst/>
+          </a:prstGeom>
+        </p:spPr>
+        <p:style>
+          <a:lnRef idx="3">
+            <a:schemeClr val="lt1"/>
+          </a:lnRef>
+          <a:fillRef idx="1">
+            <a:schemeClr val="accent2"/>
+          </a:fillRef>
+          <a:effectRef idx="1">
+            <a:schemeClr val="accent2"/>
+          </a:effectRef>
+          <a:fontRef idx="minor">
+            <a:schemeClr val="lt1"/>
+          </a:fontRef>
+        </p:style>
+        <p:txBody>
+          <a:bodyPr rtlCol="0" anchor="ctr"/>
+          <a:lstStyle/>
+          <a:p>
+            <a:pPr algn="ctr"/>
+            <a:r>
+              <a:rPr lang="en-IN" b="1" dirty="0"/>
+              <a:t>ASP.NET</a:t>
+            </a:r>
+          </a:p>
+          <a:p>
+            <a:pPr algn="ctr"/>
+            <a:r>
+              <a:rPr lang="en-IN" b="1" dirty="0"/>
+              <a:t>REST </a:t>
+            </a:r>
+          </a:p>
+          <a:p>
+            <a:pPr algn="ctr"/>
+            <a:r>
+              <a:rPr lang="en-IN" b="1" dirty="0"/>
+              <a:t>API</a:t>
+            </a:r>
+            <a:endParaRPr lang="en-US" b="1" dirty="0"/>
+          </a:p>
+        </p:txBody>
+      </p:sp>
+      <p:sp>
+        <p:nvSpPr>
+          <p:cNvPr id="4" name="Rectangle: Rounded Corners 3">
+            <a:extLst>
+              <a:ext uri="{FF2B5EF4-FFF2-40B4-BE49-F238E27FC236}">
+                <a16:creationId xmlns:a16="http://schemas.microsoft.com/office/drawing/2014/main" id="{A3072DAB-1B13-1EBE-0D6C-9E545BE235DA}"/>
+              </a:ext>
+            </a:extLst>
+          </p:cNvPr>
+          <p:cNvSpPr/>
+          <p:nvPr/>
+        </p:nvSpPr>
+        <p:spPr>
+          <a:xfrm>
+            <a:off x="6951306" y="1782147"/>
+            <a:ext cx="2537926" cy="2034073"/>
+          </a:xfrm>
+          <a:prstGeom prst="roundRect">
+            <a:avLst/>
+          </a:prstGeom>
+        </p:spPr>
+        <p:style>
+          <a:lnRef idx="3">
+            <a:schemeClr val="lt1"/>
+          </a:lnRef>
+          <a:fillRef idx="1">
+            <a:schemeClr val="accent4"/>
+          </a:fillRef>
+          <a:effectRef idx="1">
+            <a:schemeClr val="accent4"/>
+          </a:effectRef>
+          <a:fontRef idx="minor">
+            <a:schemeClr val="lt1"/>
+          </a:fontRef>
+        </p:style>
+        <p:txBody>
+          <a:bodyPr rtlCol="0" anchor="ctr"/>
+          <a:lstStyle/>
+          <a:p>
+            <a:pPr algn="ctr"/>
+            <a:r>
+              <a:rPr lang="en-IN" b="1" dirty="0"/>
+              <a:t>Data Access Layer</a:t>
+            </a:r>
+            <a:endParaRPr lang="en-US" b="1" dirty="0"/>
+          </a:p>
+        </p:txBody>
+      </p:sp>
+      <p:sp>
+        <p:nvSpPr>
+          <p:cNvPr id="5" name="Cylinder 4">
+            <a:extLst>
+              <a:ext uri="{FF2B5EF4-FFF2-40B4-BE49-F238E27FC236}">
+                <a16:creationId xmlns:a16="http://schemas.microsoft.com/office/drawing/2014/main" id="{491A5B62-5A2E-3425-F9DF-D2406D2878AE}"/>
+              </a:ext>
+            </a:extLst>
+          </p:cNvPr>
+          <p:cNvSpPr/>
+          <p:nvPr/>
+        </p:nvSpPr>
+        <p:spPr>
+          <a:xfrm>
+            <a:off x="10450286" y="2043404"/>
+            <a:ext cx="1352938" cy="1320281"/>
+          </a:xfrm>
+          <a:prstGeom prst="can">
+            <a:avLst/>
+          </a:prstGeom>
+        </p:spPr>
+        <p:style>
+          <a:lnRef idx="2">
+            <a:schemeClr val="accent1">
+              <a:shade val="50000"/>
+            </a:schemeClr>
+          </a:lnRef>
+          <a:fillRef idx="1">
+            <a:schemeClr val="accent1"/>
+          </a:fillRef>
+          <a:effectRef idx="0">
+            <a:schemeClr val="accent1"/>
+          </a:effectRef>
+          <a:fontRef idx="minor">
+            <a:schemeClr val="lt1"/>
+          </a:fontRef>
+        </p:style>
+        <p:txBody>
+          <a:bodyPr rtlCol="0" anchor="ctr"/>
+          <a:lstStyle/>
+          <a:p>
+            <a:pPr algn="ctr"/>
+            <a:r>
+              <a:rPr lang="en-IN" b="1" dirty="0"/>
+              <a:t>SQL Database</a:t>
+            </a:r>
+            <a:endParaRPr lang="en-US" b="1" dirty="0"/>
+          </a:p>
+        </p:txBody>
+      </p:sp>
+      <p:sp>
+        <p:nvSpPr>
+          <p:cNvPr id="6" name="Rectangle 5">
+            <a:extLst>
+              <a:ext uri="{FF2B5EF4-FFF2-40B4-BE49-F238E27FC236}">
+                <a16:creationId xmlns:a16="http://schemas.microsoft.com/office/drawing/2014/main" id="{0107C0B4-0C39-6A92-B836-BD5A930C2DCA}"/>
+              </a:ext>
+            </a:extLst>
+          </p:cNvPr>
+          <p:cNvSpPr/>
+          <p:nvPr/>
+        </p:nvSpPr>
+        <p:spPr>
+          <a:xfrm>
+            <a:off x="550506" y="5010539"/>
+            <a:ext cx="8938726" cy="625151"/>
+          </a:xfrm>
+          <a:prstGeom prst="rect">
+            <a:avLst/>
+          </a:prstGeom>
+        </p:spPr>
+        <p:style>
+          <a:lnRef idx="0">
+            <a:schemeClr val="accent5"/>
+          </a:lnRef>
+          <a:fillRef idx="3">
+            <a:schemeClr val="accent5"/>
+          </a:fillRef>
+          <a:effectRef idx="3">
+            <a:schemeClr val="accent5"/>
+          </a:effectRef>
+          <a:fontRef idx="minor">
+            <a:schemeClr val="lt1"/>
+          </a:fontRef>
+        </p:style>
+        <p:txBody>
+          <a:bodyPr rtlCol="0" anchor="ctr"/>
+          <a:lstStyle/>
+          <a:p>
+            <a:pPr algn="ctr"/>
+            <a:r>
+              <a:rPr lang="en-IN" b="1" dirty="0"/>
+              <a:t>Entities</a:t>
+            </a:r>
+            <a:endParaRPr lang="en-US" b="1" dirty="0"/>
+          </a:p>
+        </p:txBody>
+      </p:sp>
+      <p:sp>
+        <p:nvSpPr>
+          <p:cNvPr id="7" name="Arrow: Up 6">
+            <a:extLst>
+              <a:ext uri="{FF2B5EF4-FFF2-40B4-BE49-F238E27FC236}">
+                <a16:creationId xmlns:a16="http://schemas.microsoft.com/office/drawing/2014/main" id="{9D751BA1-21B6-375A-203C-480F966E0216}"/>
+              </a:ext>
+            </a:extLst>
+          </p:cNvPr>
+          <p:cNvSpPr/>
+          <p:nvPr/>
+        </p:nvSpPr>
+        <p:spPr>
+          <a:xfrm>
+            <a:off x="8024327" y="3816220"/>
+            <a:ext cx="494522" cy="1194319"/>
+          </a:xfrm>
+          <a:prstGeom prst="upArrow">
+            <a:avLst/>
+          </a:prstGeom>
+        </p:spPr>
+        <p:style>
+          <a:lnRef idx="2">
+            <a:schemeClr val="accent1">
+              <a:shade val="50000"/>
+            </a:schemeClr>
+          </a:lnRef>
+          <a:fillRef idx="1">
+            <a:schemeClr val="accent1"/>
+          </a:fillRef>
+          <a:effectRef idx="0">
+            <a:schemeClr val="accent1"/>
+          </a:effectRef>
+          <a:fontRef idx="minor">
+            <a:schemeClr val="lt1"/>
+          </a:fontRef>
+        </p:style>
+        <p:txBody>
+          <a:bodyPr rtlCol="0" anchor="ctr"/>
+          <a:lstStyle/>
+          <a:p>
+            <a:pPr algn="ctr"/>
+            <a:endParaRPr lang="en-US"/>
+          </a:p>
+        </p:txBody>
+      </p:sp>
+      <p:sp>
+        <p:nvSpPr>
+          <p:cNvPr id="8" name="Arrow: Up 7">
+            <a:extLst>
+              <a:ext uri="{FF2B5EF4-FFF2-40B4-BE49-F238E27FC236}">
+                <a16:creationId xmlns:a16="http://schemas.microsoft.com/office/drawing/2014/main" id="{56BB8E69-3D4A-0A9C-B767-25656DA61BA9}"/>
+              </a:ext>
+            </a:extLst>
+          </p:cNvPr>
+          <p:cNvSpPr/>
+          <p:nvPr/>
+        </p:nvSpPr>
+        <p:spPr>
+          <a:xfrm>
+            <a:off x="5010538" y="4516015"/>
+            <a:ext cx="391885" cy="494524"/>
+          </a:xfrm>
+          <a:prstGeom prst="upArrow">
+            <a:avLst/>
+          </a:prstGeom>
+        </p:spPr>
+        <p:style>
+          <a:lnRef idx="2">
+            <a:schemeClr val="accent1">
+              <a:shade val="50000"/>
+            </a:schemeClr>
+          </a:lnRef>
+          <a:fillRef idx="1">
+            <a:schemeClr val="accent1"/>
+          </a:fillRef>
+          <a:effectRef idx="0">
+            <a:schemeClr val="accent1"/>
+          </a:effectRef>
+          <a:fontRef idx="minor">
+            <a:schemeClr val="lt1"/>
+          </a:fontRef>
+        </p:style>
+        <p:txBody>
+          <a:bodyPr rtlCol="0" anchor="ctr"/>
+          <a:lstStyle/>
+          <a:p>
+            <a:pPr algn="ctr"/>
+            <a:endParaRPr lang="en-US"/>
+          </a:p>
+        </p:txBody>
+      </p:sp>
+      <p:sp>
+        <p:nvSpPr>
+          <p:cNvPr id="9" name="Arrow: Up 8">
+            <a:extLst>
+              <a:ext uri="{FF2B5EF4-FFF2-40B4-BE49-F238E27FC236}">
+                <a16:creationId xmlns:a16="http://schemas.microsoft.com/office/drawing/2014/main" id="{4E01AE78-C37F-1FA3-35A2-805F77D940A7}"/>
+              </a:ext>
+            </a:extLst>
+          </p:cNvPr>
+          <p:cNvSpPr/>
+          <p:nvPr/>
+        </p:nvSpPr>
+        <p:spPr>
+          <a:xfrm>
+            <a:off x="1632857" y="3816220"/>
+            <a:ext cx="643811" cy="1194319"/>
+          </a:xfrm>
+          <a:prstGeom prst="upArrow">
+            <a:avLst/>
+          </a:prstGeom>
+        </p:spPr>
+        <p:style>
+          <a:lnRef idx="2">
+            <a:schemeClr val="accent1">
+              <a:shade val="50000"/>
+            </a:schemeClr>
+          </a:lnRef>
+          <a:fillRef idx="1">
+            <a:schemeClr val="accent1"/>
+          </a:fillRef>
+          <a:effectRef idx="0">
+            <a:schemeClr val="accent1"/>
+          </a:effectRef>
+          <a:fontRef idx="minor">
+            <a:schemeClr val="lt1"/>
+          </a:fontRef>
+        </p:style>
+        <p:txBody>
+          <a:bodyPr rtlCol="0" anchor="ctr"/>
+          <a:lstStyle/>
+          <a:p>
+            <a:pPr algn="ctr"/>
+            <a:endParaRPr lang="en-US"/>
+          </a:p>
+        </p:txBody>
+      </p:sp>
+      <p:sp>
+        <p:nvSpPr>
+          <p:cNvPr id="10" name="Arrow: Right 9">
+            <a:extLst>
+              <a:ext uri="{FF2B5EF4-FFF2-40B4-BE49-F238E27FC236}">
+                <a16:creationId xmlns:a16="http://schemas.microsoft.com/office/drawing/2014/main" id="{A061CDE2-79A1-4E19-1CBD-48FD7D6C2C1A}"/>
+              </a:ext>
+            </a:extLst>
+          </p:cNvPr>
+          <p:cNvSpPr/>
+          <p:nvPr/>
+        </p:nvSpPr>
+        <p:spPr>
+          <a:xfrm>
+            <a:off x="2939143" y="2234681"/>
+            <a:ext cx="1138334" cy="625151"/>
+          </a:xfrm>
+          <a:prstGeom prst="rightArrow">
+            <a:avLst/>
+          </a:prstGeom>
+          <a:solidFill>
+            <a:srgbClr val="002060"/>
+          </a:solidFill>
+          <a:ln>
+            <a:solidFill>
+              <a:srgbClr val="FF0000"/>
+            </a:solidFill>
+          </a:ln>
+        </p:spPr>
+        <p:style>
+          <a:lnRef idx="2">
+            <a:schemeClr val="accent1">
+              <a:shade val="50000"/>
+            </a:schemeClr>
+          </a:lnRef>
+          <a:fillRef idx="1">
+            <a:schemeClr val="accent1"/>
+          </a:fillRef>
+          <a:effectRef idx="0">
+            <a:schemeClr val="accent1"/>
+          </a:effectRef>
+          <a:fontRef idx="minor">
+            <a:schemeClr val="lt1"/>
+          </a:fontRef>
+        </p:style>
+        <p:txBody>
+          <a:bodyPr rtlCol="0" anchor="ctr"/>
+          <a:lstStyle/>
+          <a:p>
+            <a:pPr algn="ctr"/>
+            <a:endParaRPr lang="en-US"/>
+          </a:p>
+        </p:txBody>
+      </p:sp>
+      <p:sp>
+        <p:nvSpPr>
+          <p:cNvPr id="11" name="Arrow: Right 10">
+            <a:extLst>
+              <a:ext uri="{FF2B5EF4-FFF2-40B4-BE49-F238E27FC236}">
+                <a16:creationId xmlns:a16="http://schemas.microsoft.com/office/drawing/2014/main" id="{87BE4F89-C105-3C93-F564-64AA732EA127}"/>
+              </a:ext>
+            </a:extLst>
+          </p:cNvPr>
+          <p:cNvSpPr/>
+          <p:nvPr/>
+        </p:nvSpPr>
+        <p:spPr>
+          <a:xfrm>
+            <a:off x="6223518" y="2234681"/>
+            <a:ext cx="727788" cy="625151"/>
+          </a:xfrm>
+          <a:prstGeom prst="rightArrow">
+            <a:avLst/>
+          </a:prstGeom>
+          <a:solidFill>
+            <a:srgbClr val="002060"/>
+          </a:solidFill>
+          <a:ln>
+            <a:solidFill>
+              <a:srgbClr val="FF0000"/>
+            </a:solidFill>
+          </a:ln>
+        </p:spPr>
+        <p:style>
+          <a:lnRef idx="2">
+            <a:schemeClr val="accent1">
+              <a:shade val="50000"/>
+            </a:schemeClr>
+          </a:lnRef>
+          <a:fillRef idx="1">
+            <a:schemeClr val="accent1"/>
+          </a:fillRef>
+          <a:effectRef idx="0">
+            <a:schemeClr val="accent1"/>
+          </a:effectRef>
+          <a:fontRef idx="minor">
+            <a:schemeClr val="lt1"/>
+          </a:fontRef>
+        </p:style>
+        <p:txBody>
+          <a:bodyPr rtlCol="0" anchor="ctr"/>
+          <a:lstStyle/>
+          <a:p>
+            <a:pPr algn="ctr"/>
+            <a:endParaRPr lang="en-US"/>
+          </a:p>
+        </p:txBody>
+      </p:sp>
+      <p:sp>
+        <p:nvSpPr>
+          <p:cNvPr id="12" name="Arrow: Right 11">
+            <a:extLst>
+              <a:ext uri="{FF2B5EF4-FFF2-40B4-BE49-F238E27FC236}">
+                <a16:creationId xmlns:a16="http://schemas.microsoft.com/office/drawing/2014/main" id="{28AEEC1B-BA67-ED17-4933-D79BA4FE8543}"/>
+              </a:ext>
+            </a:extLst>
+          </p:cNvPr>
+          <p:cNvSpPr/>
+          <p:nvPr/>
+        </p:nvSpPr>
+        <p:spPr>
+          <a:xfrm>
+            <a:off x="9489232" y="2211354"/>
+            <a:ext cx="961054" cy="625151"/>
+          </a:xfrm>
+          <a:prstGeom prst="rightArrow">
+            <a:avLst/>
+          </a:prstGeom>
+          <a:solidFill>
+            <a:srgbClr val="002060"/>
+          </a:solidFill>
+          <a:ln>
+            <a:solidFill>
+              <a:srgbClr val="FF0000"/>
+            </a:solidFill>
+          </a:ln>
+        </p:spPr>
+        <p:style>
+          <a:lnRef idx="2">
+            <a:schemeClr val="accent1">
+              <a:shade val="50000"/>
+            </a:schemeClr>
+          </a:lnRef>
+          <a:fillRef idx="1">
+            <a:schemeClr val="accent1"/>
+          </a:fillRef>
+          <a:effectRef idx="0">
+            <a:schemeClr val="accent1"/>
+          </a:effectRef>
+          <a:fontRef idx="minor">
+            <a:schemeClr val="lt1"/>
+          </a:fontRef>
+        </p:style>
+        <p:txBody>
+          <a:bodyPr rtlCol="0" anchor="ctr"/>
+          <a:lstStyle/>
+          <a:p>
+            <a:pPr algn="ctr"/>
+            <a:endParaRPr lang="en-US"/>
+          </a:p>
+        </p:txBody>
+      </p:sp>
+      <p:sp>
+        <p:nvSpPr>
+          <p:cNvPr id="13" name="Arrow: Left 12">
+            <a:extLst>
+              <a:ext uri="{FF2B5EF4-FFF2-40B4-BE49-F238E27FC236}">
+                <a16:creationId xmlns:a16="http://schemas.microsoft.com/office/drawing/2014/main" id="{D503A16B-9FD4-9CDD-07FE-C96EBF2BD151}"/>
+              </a:ext>
+            </a:extLst>
+          </p:cNvPr>
+          <p:cNvSpPr/>
+          <p:nvPr/>
+        </p:nvSpPr>
+        <p:spPr>
+          <a:xfrm>
+            <a:off x="9489232" y="2836505"/>
+            <a:ext cx="961054" cy="592495"/>
+          </a:xfrm>
+          <a:prstGeom prst="leftArrow">
+            <a:avLst/>
+          </a:prstGeom>
+          <a:solidFill>
+            <a:srgbClr val="002060"/>
+          </a:solidFill>
+          <a:ln>
+            <a:solidFill>
+              <a:srgbClr val="FF0000"/>
+            </a:solidFill>
+          </a:ln>
+        </p:spPr>
+        <p:style>
+          <a:lnRef idx="2">
+            <a:schemeClr val="accent1">
+              <a:shade val="50000"/>
+            </a:schemeClr>
+          </a:lnRef>
+          <a:fillRef idx="1">
+            <a:schemeClr val="accent1"/>
+          </a:fillRef>
+          <a:effectRef idx="0">
+            <a:schemeClr val="accent1"/>
+          </a:effectRef>
+          <a:fontRef idx="minor">
+            <a:schemeClr val="lt1"/>
+          </a:fontRef>
+        </p:style>
+        <p:txBody>
+          <a:bodyPr rtlCol="0" anchor="ctr"/>
+          <a:lstStyle/>
+          <a:p>
+            <a:pPr algn="ctr"/>
+            <a:endParaRPr lang="en-US"/>
+          </a:p>
+        </p:txBody>
+      </p:sp>
+      <p:sp>
+        <p:nvSpPr>
+          <p:cNvPr id="14" name="Arrow: Left 13">
+            <a:extLst>
+              <a:ext uri="{FF2B5EF4-FFF2-40B4-BE49-F238E27FC236}">
+                <a16:creationId xmlns:a16="http://schemas.microsoft.com/office/drawing/2014/main" id="{3632C25B-B657-2207-B58A-A773FE30C84F}"/>
+              </a:ext>
+            </a:extLst>
+          </p:cNvPr>
+          <p:cNvSpPr/>
+          <p:nvPr/>
+        </p:nvSpPr>
+        <p:spPr>
+          <a:xfrm>
+            <a:off x="6201747" y="2869162"/>
+            <a:ext cx="749559" cy="592495"/>
+          </a:xfrm>
+          <a:prstGeom prst="leftArrow">
+            <a:avLst/>
+          </a:prstGeom>
+          <a:solidFill>
+            <a:srgbClr val="002060"/>
+          </a:solidFill>
+          <a:ln>
+            <a:solidFill>
+              <a:srgbClr val="FF0000"/>
+            </a:solidFill>
+          </a:ln>
+        </p:spPr>
+        <p:style>
+          <a:lnRef idx="2">
+            <a:schemeClr val="accent1">
+              <a:shade val="50000"/>
+            </a:schemeClr>
+          </a:lnRef>
+          <a:fillRef idx="1">
+            <a:schemeClr val="accent1"/>
+          </a:fillRef>
+          <a:effectRef idx="0">
+            <a:schemeClr val="accent1"/>
+          </a:effectRef>
+          <a:fontRef idx="minor">
+            <a:schemeClr val="lt1"/>
+          </a:fontRef>
+        </p:style>
+        <p:txBody>
+          <a:bodyPr rtlCol="0" anchor="ctr"/>
+          <a:lstStyle/>
+          <a:p>
+            <a:pPr algn="ctr"/>
+            <a:endParaRPr lang="en-US"/>
+          </a:p>
+        </p:txBody>
+      </p:sp>
+      <p:sp>
+        <p:nvSpPr>
+          <p:cNvPr id="15" name="Arrow: Left 14">
+            <a:extLst>
+              <a:ext uri="{FF2B5EF4-FFF2-40B4-BE49-F238E27FC236}">
+                <a16:creationId xmlns:a16="http://schemas.microsoft.com/office/drawing/2014/main" id="{8BAE5FA6-FA32-D5C3-F719-F4E4A928760F}"/>
+              </a:ext>
+            </a:extLst>
+          </p:cNvPr>
+          <p:cNvSpPr/>
+          <p:nvPr/>
+        </p:nvSpPr>
+        <p:spPr>
+          <a:xfrm>
+            <a:off x="2900266" y="3041778"/>
+            <a:ext cx="1177211" cy="592495"/>
+          </a:xfrm>
+          <a:prstGeom prst="leftArrow">
+            <a:avLst/>
+          </a:prstGeom>
+          <a:solidFill>
+            <a:srgbClr val="002060"/>
+          </a:solidFill>
+          <a:ln>
+            <a:solidFill>
+              <a:srgbClr val="FF0000"/>
+            </a:solidFill>
+          </a:ln>
+        </p:spPr>
+        <p:style>
+          <a:lnRef idx="2">
+            <a:schemeClr val="accent1">
+              <a:shade val="50000"/>
+            </a:schemeClr>
+          </a:lnRef>
+          <a:fillRef idx="1">
+            <a:schemeClr val="accent1"/>
+          </a:fillRef>
+          <a:effectRef idx="0">
+            <a:schemeClr val="accent1"/>
+          </a:effectRef>
+          <a:fontRef idx="minor">
+            <a:schemeClr val="lt1"/>
+          </a:fontRef>
+        </p:style>
+        <p:txBody>
+          <a:bodyPr rtlCol="0" anchor="ctr"/>
+          <a:lstStyle/>
+          <a:p>
+            <a:pPr algn="ctr"/>
+            <a:endParaRPr lang="en-US"/>
+          </a:p>
+        </p:txBody>
+      </p:sp>
+      <p:sp>
+        <p:nvSpPr>
+          <p:cNvPr id="16" name="TextBox 15">
+            <a:extLst>
+              <a:ext uri="{FF2B5EF4-FFF2-40B4-BE49-F238E27FC236}">
+                <a16:creationId xmlns:a16="http://schemas.microsoft.com/office/drawing/2014/main" id="{77C6F4F2-D883-6A6F-92CC-E635B18C9CF6}"/>
+              </a:ext>
+            </a:extLst>
+          </p:cNvPr>
+          <p:cNvSpPr txBox="1"/>
+          <p:nvPr/>
+        </p:nvSpPr>
+        <p:spPr>
+          <a:xfrm>
+            <a:off x="233265" y="130629"/>
+            <a:ext cx="11485984" cy="369332"/>
+          </a:xfrm>
+          <a:prstGeom prst="rect">
+            <a:avLst/>
+          </a:prstGeom>
+          <a:noFill/>
+        </p:spPr>
+        <p:txBody>
+          <a:bodyPr wrap="square" rtlCol="0">
+            <a:spAutoFit/>
+          </a:bodyPr>
+          <a:lstStyle/>
+          <a:p>
+            <a:pPr algn="ctr"/>
+            <a:r>
+              <a:rPr lang="en-IN" b="1" dirty="0"/>
+              <a:t>Managed End-to-End Application using ASP.</a:t>
+            </a:r>
+            <a:r>
+              <a:rPr lang="en-IN" b="1"/>
+              <a:t>NET WebForms and WEB APIs </a:t>
+            </a:r>
+            <a:endParaRPr lang="en-US" b="1" dirty="0"/>
+          </a:p>
+        </p:txBody>
+      </p:sp>
+    </p:spTree>
+    <p:extLst>
+      <p:ext uri="{BB962C8B-B14F-4D97-AF65-F5344CB8AC3E}">
+        <p14:creationId xmlns:p14="http://schemas.microsoft.com/office/powerpoint/2010/main" val="1370382690"/>
+      </p:ext>
+    </p:extLst>
+  </p:cSld>
+  <p:clrMapOvr>
+    <a:masterClrMapping/>
+  </p:clrMapOvr>
+</p:sld>
+</file>
+
 <file path=ppt/slides/slide5.xml><?xml version="1.0" encoding="utf-8"?>
 <p:sld xmlns:a="http://schemas.openxmlformats.org/drawingml/2006/main" xmlns:r="http://schemas.openxmlformats.org/officeDocument/2006/relationships" xmlns:p="http://schemas.openxmlformats.org/presentationml/2006/main">
   <p:cSld>

--- a/Training-Images.pptx
+++ b/Training-Images.pptx
@@ -40375,8 +40375,8 @@
         </p:nvSpPr>
         <p:spPr>
           <a:xfrm>
-            <a:off x="550506" y="5010539"/>
-            <a:ext cx="8938726" cy="625151"/>
+            <a:off x="1156995" y="5010539"/>
+            <a:ext cx="8285583" cy="625151"/>
           </a:xfrm>
           <a:prstGeom prst="rect">
             <a:avLst/>
@@ -40902,11 +40902,7 @@
             <a:pPr algn="ctr"/>
             <a:r>
               <a:rPr lang="en-IN" b="1" dirty="0"/>
-              <a:t>Managed End-to-End Application using ASP.</a:t>
-            </a:r>
-            <a:r>
-              <a:rPr lang="en-IN" b="1"/>
-              <a:t>NET WebForms and WEB APIs </a:t>
+              <a:t>Managed End-to-End Application using ASP.NET WebForms and WEB APIs </a:t>
             </a:r>
             <a:endParaRPr lang="en-US" b="1" dirty="0"/>
           </a:p>

--- a/Training-Images.pptx
+++ b/Training-Images.pptx
@@ -302,7 +302,7 @@
           <a:p>
             <a:fld id="{95E4630E-4E16-4BC6-8D4C-04E2A0254E22}" type="datetimeFigureOut">
               <a:rPr lang="en-US" smtClean="0"/>
-              <a:t>8/1/2022</a:t>
+              <a:t>8/2/2022</a:t>
             </a:fld>
             <a:endParaRPr lang="en-US"/>
           </a:p>
@@ -500,7 +500,7 @@
           <a:p>
             <a:fld id="{95E4630E-4E16-4BC6-8D4C-04E2A0254E22}" type="datetimeFigureOut">
               <a:rPr lang="en-US" smtClean="0"/>
-              <a:t>8/1/2022</a:t>
+              <a:t>8/2/2022</a:t>
             </a:fld>
             <a:endParaRPr lang="en-US"/>
           </a:p>
@@ -708,7 +708,7 @@
           <a:p>
             <a:fld id="{95E4630E-4E16-4BC6-8D4C-04E2A0254E22}" type="datetimeFigureOut">
               <a:rPr lang="en-US" smtClean="0"/>
-              <a:t>8/1/2022</a:t>
+              <a:t>8/2/2022</a:t>
             </a:fld>
             <a:endParaRPr lang="en-US"/>
           </a:p>
@@ -906,7 +906,7 @@
           <a:p>
             <a:fld id="{95E4630E-4E16-4BC6-8D4C-04E2A0254E22}" type="datetimeFigureOut">
               <a:rPr lang="en-US" smtClean="0"/>
-              <a:t>8/1/2022</a:t>
+              <a:t>8/2/2022</a:t>
             </a:fld>
             <a:endParaRPr lang="en-US"/>
           </a:p>
@@ -1181,7 +1181,7 @@
           <a:p>
             <a:fld id="{95E4630E-4E16-4BC6-8D4C-04E2A0254E22}" type="datetimeFigureOut">
               <a:rPr lang="en-US" smtClean="0"/>
-              <a:t>8/1/2022</a:t>
+              <a:t>8/2/2022</a:t>
             </a:fld>
             <a:endParaRPr lang="en-US"/>
           </a:p>
@@ -1446,7 +1446,7 @@
           <a:p>
             <a:fld id="{95E4630E-4E16-4BC6-8D4C-04E2A0254E22}" type="datetimeFigureOut">
               <a:rPr lang="en-US" smtClean="0"/>
-              <a:t>8/1/2022</a:t>
+              <a:t>8/2/2022</a:t>
             </a:fld>
             <a:endParaRPr lang="en-US"/>
           </a:p>
@@ -1858,7 +1858,7 @@
           <a:p>
             <a:fld id="{95E4630E-4E16-4BC6-8D4C-04E2A0254E22}" type="datetimeFigureOut">
               <a:rPr lang="en-US" smtClean="0"/>
-              <a:t>8/1/2022</a:t>
+              <a:t>8/2/2022</a:t>
             </a:fld>
             <a:endParaRPr lang="en-US"/>
           </a:p>
@@ -1999,7 +1999,7 @@
           <a:p>
             <a:fld id="{95E4630E-4E16-4BC6-8D4C-04E2A0254E22}" type="datetimeFigureOut">
               <a:rPr lang="en-US" smtClean="0"/>
-              <a:t>8/1/2022</a:t>
+              <a:t>8/2/2022</a:t>
             </a:fld>
             <a:endParaRPr lang="en-US"/>
           </a:p>
@@ -2112,7 +2112,7 @@
           <a:p>
             <a:fld id="{95E4630E-4E16-4BC6-8D4C-04E2A0254E22}" type="datetimeFigureOut">
               <a:rPr lang="en-US" smtClean="0"/>
-              <a:t>8/1/2022</a:t>
+              <a:t>8/2/2022</a:t>
             </a:fld>
             <a:endParaRPr lang="en-US"/>
           </a:p>
@@ -2423,7 +2423,7 @@
           <a:p>
             <a:fld id="{95E4630E-4E16-4BC6-8D4C-04E2A0254E22}" type="datetimeFigureOut">
               <a:rPr lang="en-US" smtClean="0"/>
-              <a:t>8/1/2022</a:t>
+              <a:t>8/2/2022</a:t>
             </a:fld>
             <a:endParaRPr lang="en-US"/>
           </a:p>
@@ -2711,7 +2711,7 @@
           <a:p>
             <a:fld id="{95E4630E-4E16-4BC6-8D4C-04E2A0254E22}" type="datetimeFigureOut">
               <a:rPr lang="en-US" smtClean="0"/>
-              <a:t>8/1/2022</a:t>
+              <a:t>8/2/2022</a:t>
             </a:fld>
             <a:endParaRPr lang="en-US"/>
           </a:p>
@@ -2952,7 +2952,7 @@
           <a:p>
             <a:fld id="{95E4630E-4E16-4BC6-8D4C-04E2A0254E22}" type="datetimeFigureOut">
               <a:rPr lang="en-US" smtClean="0"/>
-              <a:t>8/1/2022</a:t>
+              <a:t>8/2/2022</a:t>
             </a:fld>
             <a:endParaRPr lang="en-US"/>
           </a:p>
@@ -40197,6 +40197,13 @@
               <a:rPr lang="en-IN" b="1" dirty="0"/>
               <a:t>ASP.NET WebForm</a:t>
             </a:r>
+          </a:p>
+          <a:p>
+            <a:pPr algn="ctr"/>
+            <a:r>
+              <a:rPr lang="en-IN" b="1" dirty="0"/>
+              <a:t>Client</a:t>
+            </a:r>
             <a:endParaRPr lang="en-US" b="1" dirty="0"/>
           </a:p>
         </p:txBody>

--- a/Training-Images.pptx
+++ b/Training-Images.pptx
@@ -49,6 +49,8 @@
     <p:sldId id="298" r:id="rId43"/>
     <p:sldId id="299" r:id="rId44"/>
     <p:sldId id="300" r:id="rId45"/>
+    <p:sldId id="301" r:id="rId46"/>
+    <p:sldId id="302" r:id="rId47"/>
   </p:sldIdLst>
   <p:sldSz cx="12192000" cy="6858000"/>
   <p:notesSz cx="6858000" cy="9144000"/>
@@ -302,7 +304,7 @@
           <a:p>
             <a:fld id="{95E4630E-4E16-4BC6-8D4C-04E2A0254E22}" type="datetimeFigureOut">
               <a:rPr lang="en-US" smtClean="0"/>
-              <a:t>8/2/2022</a:t>
+              <a:t>8/3/2022</a:t>
             </a:fld>
             <a:endParaRPr lang="en-US"/>
           </a:p>
@@ -500,7 +502,7 @@
           <a:p>
             <a:fld id="{95E4630E-4E16-4BC6-8D4C-04E2A0254E22}" type="datetimeFigureOut">
               <a:rPr lang="en-US" smtClean="0"/>
-              <a:t>8/2/2022</a:t>
+              <a:t>8/3/2022</a:t>
             </a:fld>
             <a:endParaRPr lang="en-US"/>
           </a:p>
@@ -708,7 +710,7 @@
           <a:p>
             <a:fld id="{95E4630E-4E16-4BC6-8D4C-04E2A0254E22}" type="datetimeFigureOut">
               <a:rPr lang="en-US" smtClean="0"/>
-              <a:t>8/2/2022</a:t>
+              <a:t>8/3/2022</a:t>
             </a:fld>
             <a:endParaRPr lang="en-US"/>
           </a:p>
@@ -906,7 +908,7 @@
           <a:p>
             <a:fld id="{95E4630E-4E16-4BC6-8D4C-04E2A0254E22}" type="datetimeFigureOut">
               <a:rPr lang="en-US" smtClean="0"/>
-              <a:t>8/2/2022</a:t>
+              <a:t>8/3/2022</a:t>
             </a:fld>
             <a:endParaRPr lang="en-US"/>
           </a:p>
@@ -1181,7 +1183,7 @@
           <a:p>
             <a:fld id="{95E4630E-4E16-4BC6-8D4C-04E2A0254E22}" type="datetimeFigureOut">
               <a:rPr lang="en-US" smtClean="0"/>
-              <a:t>8/2/2022</a:t>
+              <a:t>8/3/2022</a:t>
             </a:fld>
             <a:endParaRPr lang="en-US"/>
           </a:p>
@@ -1446,7 +1448,7 @@
           <a:p>
             <a:fld id="{95E4630E-4E16-4BC6-8D4C-04E2A0254E22}" type="datetimeFigureOut">
               <a:rPr lang="en-US" smtClean="0"/>
-              <a:t>8/2/2022</a:t>
+              <a:t>8/3/2022</a:t>
             </a:fld>
             <a:endParaRPr lang="en-US"/>
           </a:p>
@@ -1858,7 +1860,7 @@
           <a:p>
             <a:fld id="{95E4630E-4E16-4BC6-8D4C-04E2A0254E22}" type="datetimeFigureOut">
               <a:rPr lang="en-US" smtClean="0"/>
-              <a:t>8/2/2022</a:t>
+              <a:t>8/3/2022</a:t>
             </a:fld>
             <a:endParaRPr lang="en-US"/>
           </a:p>
@@ -1999,7 +2001,7 @@
           <a:p>
             <a:fld id="{95E4630E-4E16-4BC6-8D4C-04E2A0254E22}" type="datetimeFigureOut">
               <a:rPr lang="en-US" smtClean="0"/>
-              <a:t>8/2/2022</a:t>
+              <a:t>8/3/2022</a:t>
             </a:fld>
             <a:endParaRPr lang="en-US"/>
           </a:p>
@@ -2112,7 +2114,7 @@
           <a:p>
             <a:fld id="{95E4630E-4E16-4BC6-8D4C-04E2A0254E22}" type="datetimeFigureOut">
               <a:rPr lang="en-US" smtClean="0"/>
-              <a:t>8/2/2022</a:t>
+              <a:t>8/3/2022</a:t>
             </a:fld>
             <a:endParaRPr lang="en-US"/>
           </a:p>
@@ -2423,7 +2425,7 @@
           <a:p>
             <a:fld id="{95E4630E-4E16-4BC6-8D4C-04E2A0254E22}" type="datetimeFigureOut">
               <a:rPr lang="en-US" smtClean="0"/>
-              <a:t>8/2/2022</a:t>
+              <a:t>8/3/2022</a:t>
             </a:fld>
             <a:endParaRPr lang="en-US"/>
           </a:p>
@@ -2711,7 +2713,7 @@
           <a:p>
             <a:fld id="{95E4630E-4E16-4BC6-8D4C-04E2A0254E22}" type="datetimeFigureOut">
               <a:rPr lang="en-US" smtClean="0"/>
-              <a:t>8/2/2022</a:t>
+              <a:t>8/3/2022</a:t>
             </a:fld>
             <a:endParaRPr lang="en-US"/>
           </a:p>
@@ -2952,7 +2954,7 @@
           <a:p>
             <a:fld id="{95E4630E-4E16-4BC6-8D4C-04E2A0254E22}" type="datetimeFigureOut">
               <a:rPr lang="en-US" smtClean="0"/>
-              <a:t>8/2/2022</a:t>
+              <a:t>8/3/2022</a:t>
             </a:fld>
             <a:endParaRPr lang="en-US"/>
           </a:p>
@@ -40928,6 +40930,2614 @@
 </p:sld>
 </file>
 
+<file path=ppt/slides/slide45.xml><?xml version="1.0" encoding="utf-8"?>
+<p:sld xmlns:a="http://schemas.openxmlformats.org/drawingml/2006/main" xmlns:r="http://schemas.openxmlformats.org/officeDocument/2006/relationships" xmlns:p="http://schemas.openxmlformats.org/presentationml/2006/main">
+  <p:cSld>
+    <p:spTree>
+      <p:nvGrpSpPr>
+        <p:cNvPr id="1" name=""/>
+        <p:cNvGrpSpPr/>
+        <p:nvPr/>
+      </p:nvGrpSpPr>
+      <p:grpSpPr>
+        <a:xfrm>
+          <a:off x="0" y="0"/>
+          <a:ext cx="0" cy="0"/>
+          <a:chOff x="0" y="0"/>
+          <a:chExt cx="0" cy="0"/>
+        </a:xfrm>
+      </p:grpSpPr>
+      <p:sp>
+        <p:nvSpPr>
+          <p:cNvPr id="2" name="Rectangle 1">
+            <a:extLst>
+              <a:ext uri="{FF2B5EF4-FFF2-40B4-BE49-F238E27FC236}">
+                <a16:creationId xmlns:a16="http://schemas.microsoft.com/office/drawing/2014/main" id="{598C4EE5-DEAA-51BA-B374-32279C2C8E36}"/>
+              </a:ext>
+            </a:extLst>
+          </p:cNvPr>
+          <p:cNvSpPr/>
+          <p:nvPr/>
+        </p:nvSpPr>
+        <p:spPr>
+          <a:xfrm>
+            <a:off x="5719665" y="83976"/>
+            <a:ext cx="335902" cy="6680718"/>
+          </a:xfrm>
+          <a:prstGeom prst="rect">
+            <a:avLst/>
+          </a:prstGeom>
+        </p:spPr>
+        <p:style>
+          <a:lnRef idx="2">
+            <a:schemeClr val="accent1">
+              <a:shade val="50000"/>
+            </a:schemeClr>
+          </a:lnRef>
+          <a:fillRef idx="1">
+            <a:schemeClr val="accent1"/>
+          </a:fillRef>
+          <a:effectRef idx="0">
+            <a:schemeClr val="accent1"/>
+          </a:effectRef>
+          <a:fontRef idx="minor">
+            <a:schemeClr val="lt1"/>
+          </a:fontRef>
+        </p:style>
+        <p:txBody>
+          <a:bodyPr rtlCol="0" anchor="ctr"/>
+          <a:lstStyle/>
+          <a:p>
+            <a:pPr algn="ctr"/>
+            <a:endParaRPr lang="en-US"/>
+          </a:p>
+        </p:txBody>
+      </p:sp>
+      <p:sp>
+        <p:nvSpPr>
+          <p:cNvPr id="3" name="TextBox 2">
+            <a:extLst>
+              <a:ext uri="{FF2B5EF4-FFF2-40B4-BE49-F238E27FC236}">
+                <a16:creationId xmlns:a16="http://schemas.microsoft.com/office/drawing/2014/main" id="{048E8D92-E0E8-650C-F1C2-76A5C916C52B}"/>
+              </a:ext>
+            </a:extLst>
+          </p:cNvPr>
+          <p:cNvSpPr txBox="1"/>
+          <p:nvPr/>
+        </p:nvSpPr>
+        <p:spPr>
+          <a:xfrm>
+            <a:off x="6316824" y="65314"/>
+            <a:ext cx="5514392" cy="369332"/>
+          </a:xfrm>
+          <a:prstGeom prst="rect">
+            <a:avLst/>
+          </a:prstGeom>
+          <a:noFill/>
+        </p:spPr>
+        <p:txBody>
+          <a:bodyPr wrap="square" rtlCol="0">
+            <a:spAutoFit/>
+          </a:bodyPr>
+          <a:lstStyle/>
+          <a:p>
+            <a:pPr algn="ctr"/>
+            <a:r>
+              <a:rPr lang="en-IN" b="1" dirty="0"/>
+              <a:t>Server Side</a:t>
+            </a:r>
+            <a:endParaRPr lang="en-US" b="1" dirty="0"/>
+          </a:p>
+        </p:txBody>
+      </p:sp>
+      <p:sp>
+        <p:nvSpPr>
+          <p:cNvPr id="4" name="Flowchart: Magnetic Disk 3">
+            <a:extLst>
+              <a:ext uri="{FF2B5EF4-FFF2-40B4-BE49-F238E27FC236}">
+                <a16:creationId xmlns:a16="http://schemas.microsoft.com/office/drawing/2014/main" id="{5665FCC6-CFFE-4BBC-3A18-6E77D27BC1BA}"/>
+              </a:ext>
+            </a:extLst>
+          </p:cNvPr>
+          <p:cNvSpPr/>
+          <p:nvPr/>
+        </p:nvSpPr>
+        <p:spPr>
+          <a:xfrm>
+            <a:off x="11056775" y="2677885"/>
+            <a:ext cx="923730" cy="1268963"/>
+          </a:xfrm>
+          <a:prstGeom prst="flowChartMagneticDisk">
+            <a:avLst/>
+          </a:prstGeom>
+        </p:spPr>
+        <p:style>
+          <a:lnRef idx="2">
+            <a:schemeClr val="accent1">
+              <a:shade val="50000"/>
+            </a:schemeClr>
+          </a:lnRef>
+          <a:fillRef idx="1">
+            <a:schemeClr val="accent1"/>
+          </a:fillRef>
+          <a:effectRef idx="0">
+            <a:schemeClr val="accent1"/>
+          </a:effectRef>
+          <a:fontRef idx="minor">
+            <a:schemeClr val="lt1"/>
+          </a:fontRef>
+        </p:style>
+        <p:txBody>
+          <a:bodyPr rtlCol="0" anchor="ctr"/>
+          <a:lstStyle/>
+          <a:p>
+            <a:pPr algn="ctr"/>
+            <a:r>
+              <a:rPr lang="en-IN" b="1" dirty="0"/>
+              <a:t>Data Store</a:t>
+            </a:r>
+            <a:endParaRPr lang="en-US" b="1" dirty="0"/>
+          </a:p>
+        </p:txBody>
+      </p:sp>
+      <p:sp>
+        <p:nvSpPr>
+          <p:cNvPr id="5" name="Rectangle 4">
+            <a:extLst>
+              <a:ext uri="{FF2B5EF4-FFF2-40B4-BE49-F238E27FC236}">
+                <a16:creationId xmlns:a16="http://schemas.microsoft.com/office/drawing/2014/main" id="{5EF81C0B-7E56-3284-9462-D5FCD44F4F44}"/>
+              </a:ext>
+            </a:extLst>
+          </p:cNvPr>
+          <p:cNvSpPr/>
+          <p:nvPr/>
+        </p:nvSpPr>
+        <p:spPr>
+          <a:xfrm>
+            <a:off x="6223518" y="718457"/>
+            <a:ext cx="4544009" cy="5589036"/>
+          </a:xfrm>
+          <a:prstGeom prst="rect">
+            <a:avLst/>
+          </a:prstGeom>
+        </p:spPr>
+        <p:style>
+          <a:lnRef idx="2">
+            <a:schemeClr val="accent2"/>
+          </a:lnRef>
+          <a:fillRef idx="1">
+            <a:schemeClr val="lt1"/>
+          </a:fillRef>
+          <a:effectRef idx="0">
+            <a:schemeClr val="accent2"/>
+          </a:effectRef>
+          <a:fontRef idx="minor">
+            <a:schemeClr val="dk1"/>
+          </a:fontRef>
+        </p:style>
+        <p:txBody>
+          <a:bodyPr rtlCol="0" anchor="ctr"/>
+          <a:lstStyle/>
+          <a:p>
+            <a:pPr algn="ctr"/>
+            <a:endParaRPr lang="en-US"/>
+          </a:p>
+        </p:txBody>
+      </p:sp>
+      <p:sp>
+        <p:nvSpPr>
+          <p:cNvPr id="6" name="TextBox 5">
+            <a:extLst>
+              <a:ext uri="{FF2B5EF4-FFF2-40B4-BE49-F238E27FC236}">
+                <a16:creationId xmlns:a16="http://schemas.microsoft.com/office/drawing/2014/main" id="{05224D7F-F041-ABB7-D9F0-7A2C392D1A94}"/>
+              </a:ext>
+            </a:extLst>
+          </p:cNvPr>
+          <p:cNvSpPr txBox="1"/>
+          <p:nvPr/>
+        </p:nvSpPr>
+        <p:spPr>
+          <a:xfrm>
+            <a:off x="6494106" y="811763"/>
+            <a:ext cx="4152123" cy="646331"/>
+          </a:xfrm>
+          <a:prstGeom prst="rect">
+            <a:avLst/>
+          </a:prstGeom>
+          <a:noFill/>
+        </p:spPr>
+        <p:txBody>
+          <a:bodyPr wrap="square" rtlCol="0">
+            <a:spAutoFit/>
+          </a:bodyPr>
+          <a:lstStyle/>
+          <a:p>
+            <a:pPr algn="ctr"/>
+            <a:r>
+              <a:rPr lang="en-IN" b="1" dirty="0"/>
+              <a:t>Application Server</a:t>
+            </a:r>
+          </a:p>
+          <a:p>
+            <a:pPr algn="ctr"/>
+            <a:r>
+              <a:rPr lang="en-IN" b="1" dirty="0"/>
+              <a:t>ASP.NET Server-Side</a:t>
+            </a:r>
+            <a:endParaRPr lang="en-US" b="1" dirty="0"/>
+          </a:p>
+        </p:txBody>
+      </p:sp>
+      <p:sp>
+        <p:nvSpPr>
+          <p:cNvPr id="7" name="Rectangle 6">
+            <a:extLst>
+              <a:ext uri="{FF2B5EF4-FFF2-40B4-BE49-F238E27FC236}">
+                <a16:creationId xmlns:a16="http://schemas.microsoft.com/office/drawing/2014/main" id="{A124EB3A-DA70-D0A1-91DD-3ACD117DCBC2}"/>
+              </a:ext>
+            </a:extLst>
+          </p:cNvPr>
+          <p:cNvSpPr/>
+          <p:nvPr/>
+        </p:nvSpPr>
+        <p:spPr>
+          <a:xfrm>
+            <a:off x="9629193" y="1763484"/>
+            <a:ext cx="965718" cy="4282751"/>
+          </a:xfrm>
+          <a:prstGeom prst="rect">
+            <a:avLst/>
+          </a:prstGeom>
+          <a:solidFill>
+            <a:schemeClr val="accent2">
+              <a:lumMod val="60000"/>
+              <a:lumOff val="40000"/>
+            </a:schemeClr>
+          </a:solidFill>
+        </p:spPr>
+        <p:style>
+          <a:lnRef idx="2">
+            <a:schemeClr val="accent1">
+              <a:shade val="50000"/>
+            </a:schemeClr>
+          </a:lnRef>
+          <a:fillRef idx="1">
+            <a:schemeClr val="accent1"/>
+          </a:fillRef>
+          <a:effectRef idx="0">
+            <a:schemeClr val="accent1"/>
+          </a:effectRef>
+          <a:fontRef idx="minor">
+            <a:schemeClr val="lt1"/>
+          </a:fontRef>
+        </p:style>
+        <p:txBody>
+          <a:bodyPr rtlCol="0" anchor="ctr"/>
+          <a:lstStyle/>
+          <a:p>
+            <a:pPr algn="ctr"/>
+            <a:r>
+              <a:rPr lang="en-IN" b="1" dirty="0"/>
+              <a:t>Data</a:t>
+            </a:r>
+          </a:p>
+          <a:p>
+            <a:pPr algn="ctr"/>
+            <a:r>
+              <a:rPr lang="en-IN" b="1" dirty="0"/>
+              <a:t>Access</a:t>
+            </a:r>
+          </a:p>
+          <a:p>
+            <a:pPr algn="ctr"/>
+            <a:r>
+              <a:rPr lang="en-IN" b="1" dirty="0"/>
+              <a:t>Layer</a:t>
+            </a:r>
+            <a:endParaRPr lang="en-US" b="1" dirty="0"/>
+          </a:p>
+        </p:txBody>
+      </p:sp>
+      <p:sp>
+        <p:nvSpPr>
+          <p:cNvPr id="8" name="Arrow: Left-Right 7">
+            <a:extLst>
+              <a:ext uri="{FF2B5EF4-FFF2-40B4-BE49-F238E27FC236}">
+                <a16:creationId xmlns:a16="http://schemas.microsoft.com/office/drawing/2014/main" id="{3242D596-9766-2F92-6760-675C63D7604F}"/>
+              </a:ext>
+            </a:extLst>
+          </p:cNvPr>
+          <p:cNvSpPr/>
+          <p:nvPr/>
+        </p:nvSpPr>
+        <p:spPr>
+          <a:xfrm>
+            <a:off x="10594911" y="3293706"/>
+            <a:ext cx="461864" cy="242596"/>
+          </a:xfrm>
+          <a:prstGeom prst="leftRightArrow">
+            <a:avLst/>
+          </a:prstGeom>
+          <a:solidFill>
+            <a:srgbClr val="FF0000"/>
+          </a:solidFill>
+        </p:spPr>
+        <p:style>
+          <a:lnRef idx="2">
+            <a:schemeClr val="accent1">
+              <a:shade val="50000"/>
+            </a:schemeClr>
+          </a:lnRef>
+          <a:fillRef idx="1">
+            <a:schemeClr val="accent1"/>
+          </a:fillRef>
+          <a:effectRef idx="0">
+            <a:schemeClr val="accent1"/>
+          </a:effectRef>
+          <a:fontRef idx="minor">
+            <a:schemeClr val="lt1"/>
+          </a:fontRef>
+        </p:style>
+        <p:txBody>
+          <a:bodyPr rtlCol="0" anchor="ctr"/>
+          <a:lstStyle/>
+          <a:p>
+            <a:pPr algn="ctr"/>
+            <a:endParaRPr lang="en-US"/>
+          </a:p>
+        </p:txBody>
+      </p:sp>
+      <p:sp>
+        <p:nvSpPr>
+          <p:cNvPr id="9" name="Rectangle 8">
+            <a:extLst>
+              <a:ext uri="{FF2B5EF4-FFF2-40B4-BE49-F238E27FC236}">
+                <a16:creationId xmlns:a16="http://schemas.microsoft.com/office/drawing/2014/main" id="{95895EC2-764D-5C01-8965-8C94A298E07D}"/>
+              </a:ext>
+            </a:extLst>
+          </p:cNvPr>
+          <p:cNvSpPr/>
+          <p:nvPr/>
+        </p:nvSpPr>
+        <p:spPr>
+          <a:xfrm>
+            <a:off x="8266922" y="1786811"/>
+            <a:ext cx="1073023" cy="4259425"/>
+          </a:xfrm>
+          <a:prstGeom prst="rect">
+            <a:avLst/>
+          </a:prstGeom>
+          <a:solidFill>
+            <a:srgbClr val="00B0F0"/>
+          </a:solidFill>
+        </p:spPr>
+        <p:style>
+          <a:lnRef idx="2">
+            <a:schemeClr val="accent1">
+              <a:shade val="50000"/>
+            </a:schemeClr>
+          </a:lnRef>
+          <a:fillRef idx="1">
+            <a:schemeClr val="accent1"/>
+          </a:fillRef>
+          <a:effectRef idx="0">
+            <a:schemeClr val="accent1"/>
+          </a:effectRef>
+          <a:fontRef idx="minor">
+            <a:schemeClr val="lt1"/>
+          </a:fontRef>
+        </p:style>
+        <p:txBody>
+          <a:bodyPr rtlCol="0" anchor="ctr"/>
+          <a:lstStyle/>
+          <a:p>
+            <a:pPr algn="ctr"/>
+            <a:r>
+              <a:rPr lang="en-IN" b="1" dirty="0"/>
+              <a:t>Business</a:t>
+            </a:r>
+          </a:p>
+          <a:p>
+            <a:pPr algn="ctr"/>
+            <a:r>
+              <a:rPr lang="en-IN" b="1" dirty="0"/>
+              <a:t>Layers</a:t>
+            </a:r>
+            <a:endParaRPr lang="en-US" b="1" dirty="0"/>
+          </a:p>
+        </p:txBody>
+      </p:sp>
+      <p:sp>
+        <p:nvSpPr>
+          <p:cNvPr id="10" name="Arrow: Left-Right 9">
+            <a:extLst>
+              <a:ext uri="{FF2B5EF4-FFF2-40B4-BE49-F238E27FC236}">
+                <a16:creationId xmlns:a16="http://schemas.microsoft.com/office/drawing/2014/main" id="{E3B3D767-A52E-6F96-D69D-2496DB1399AC}"/>
+              </a:ext>
+            </a:extLst>
+          </p:cNvPr>
+          <p:cNvSpPr/>
+          <p:nvPr/>
+        </p:nvSpPr>
+        <p:spPr>
+          <a:xfrm>
+            <a:off x="9339945" y="3429000"/>
+            <a:ext cx="331236" cy="209939"/>
+          </a:xfrm>
+          <a:prstGeom prst="leftRightArrow">
+            <a:avLst/>
+          </a:prstGeom>
+          <a:solidFill>
+            <a:srgbClr val="FF0000"/>
+          </a:solidFill>
+        </p:spPr>
+        <p:style>
+          <a:lnRef idx="2">
+            <a:schemeClr val="accent1">
+              <a:shade val="50000"/>
+            </a:schemeClr>
+          </a:lnRef>
+          <a:fillRef idx="1">
+            <a:schemeClr val="accent1"/>
+          </a:fillRef>
+          <a:effectRef idx="0">
+            <a:schemeClr val="accent1"/>
+          </a:effectRef>
+          <a:fontRef idx="minor">
+            <a:schemeClr val="lt1"/>
+          </a:fontRef>
+        </p:style>
+        <p:txBody>
+          <a:bodyPr rtlCol="0" anchor="ctr"/>
+          <a:lstStyle/>
+          <a:p>
+            <a:pPr algn="ctr"/>
+            <a:endParaRPr lang="en-US"/>
+          </a:p>
+        </p:txBody>
+      </p:sp>
+      <p:sp>
+        <p:nvSpPr>
+          <p:cNvPr id="11" name="Parallelogram 10">
+            <a:extLst>
+              <a:ext uri="{FF2B5EF4-FFF2-40B4-BE49-F238E27FC236}">
+                <a16:creationId xmlns:a16="http://schemas.microsoft.com/office/drawing/2014/main" id="{6F5A97B6-8A2B-3A38-A58E-521AB7B11A72}"/>
+              </a:ext>
+            </a:extLst>
+          </p:cNvPr>
+          <p:cNvSpPr/>
+          <p:nvPr/>
+        </p:nvSpPr>
+        <p:spPr>
+          <a:xfrm>
+            <a:off x="6354145" y="1763485"/>
+            <a:ext cx="1632859" cy="1222311"/>
+          </a:xfrm>
+          <a:prstGeom prst="parallelogram">
+            <a:avLst/>
+          </a:prstGeom>
+        </p:spPr>
+        <p:style>
+          <a:lnRef idx="2">
+            <a:schemeClr val="accent1">
+              <a:shade val="50000"/>
+            </a:schemeClr>
+          </a:lnRef>
+          <a:fillRef idx="1">
+            <a:schemeClr val="accent1"/>
+          </a:fillRef>
+          <a:effectRef idx="0">
+            <a:schemeClr val="accent1"/>
+          </a:effectRef>
+          <a:fontRef idx="minor">
+            <a:schemeClr val="lt1"/>
+          </a:fontRef>
+        </p:style>
+        <p:txBody>
+          <a:bodyPr rtlCol="0" anchor="ctr"/>
+          <a:lstStyle/>
+          <a:p>
+            <a:pPr algn="ctr"/>
+            <a:r>
+              <a:rPr lang="en-IN" sz="1600" b="1" dirty="0"/>
+              <a:t>ASP.NET WebForms</a:t>
+            </a:r>
+          </a:p>
+          <a:p>
+            <a:pPr algn="ctr"/>
+            <a:r>
+              <a:rPr lang="en-IN" sz="1600" b="1" dirty="0"/>
+              <a:t>.aspx</a:t>
+            </a:r>
+          </a:p>
+          <a:p>
+            <a:pPr algn="ctr"/>
+            <a:r>
+              <a:rPr lang="en-IN" sz="1600" b="1" dirty="0"/>
+              <a:t>Pages</a:t>
+            </a:r>
+            <a:endParaRPr lang="en-US" sz="1600" b="1" dirty="0"/>
+          </a:p>
+        </p:txBody>
+      </p:sp>
+      <p:sp>
+        <p:nvSpPr>
+          <p:cNvPr id="12" name="Arrow: Left-Right 11">
+            <a:extLst>
+              <a:ext uri="{FF2B5EF4-FFF2-40B4-BE49-F238E27FC236}">
+                <a16:creationId xmlns:a16="http://schemas.microsoft.com/office/drawing/2014/main" id="{F81D7E89-215C-88F9-71BF-DA67889C03FC}"/>
+              </a:ext>
+            </a:extLst>
+          </p:cNvPr>
+          <p:cNvSpPr/>
+          <p:nvPr/>
+        </p:nvSpPr>
+        <p:spPr>
+          <a:xfrm>
+            <a:off x="7772400" y="2453951"/>
+            <a:ext cx="494522" cy="223934"/>
+          </a:xfrm>
+          <a:prstGeom prst="leftRightArrow">
+            <a:avLst/>
+          </a:prstGeom>
+          <a:solidFill>
+            <a:srgbClr val="FF0000"/>
+          </a:solidFill>
+        </p:spPr>
+        <p:style>
+          <a:lnRef idx="2">
+            <a:schemeClr val="accent1">
+              <a:shade val="50000"/>
+            </a:schemeClr>
+          </a:lnRef>
+          <a:fillRef idx="1">
+            <a:schemeClr val="accent1"/>
+          </a:fillRef>
+          <a:effectRef idx="0">
+            <a:schemeClr val="accent1"/>
+          </a:effectRef>
+          <a:fontRef idx="minor">
+            <a:schemeClr val="lt1"/>
+          </a:fontRef>
+        </p:style>
+        <p:txBody>
+          <a:bodyPr rtlCol="0" anchor="ctr"/>
+          <a:lstStyle/>
+          <a:p>
+            <a:pPr algn="ctr"/>
+            <a:endParaRPr lang="en-US"/>
+          </a:p>
+        </p:txBody>
+      </p:sp>
+      <p:sp>
+        <p:nvSpPr>
+          <p:cNvPr id="13" name="Cube 12">
+            <a:extLst>
+              <a:ext uri="{FF2B5EF4-FFF2-40B4-BE49-F238E27FC236}">
+                <a16:creationId xmlns:a16="http://schemas.microsoft.com/office/drawing/2014/main" id="{1F5068C2-A6B8-BAC5-85B4-21E8AE2BEF2D}"/>
+              </a:ext>
+            </a:extLst>
+          </p:cNvPr>
+          <p:cNvSpPr/>
+          <p:nvPr/>
+        </p:nvSpPr>
+        <p:spPr>
+          <a:xfrm>
+            <a:off x="6461447" y="3144416"/>
+            <a:ext cx="1632859" cy="1222311"/>
+          </a:xfrm>
+          <a:prstGeom prst="cube">
+            <a:avLst>
+              <a:gd name="adj" fmla="val 18130"/>
+            </a:avLst>
+          </a:prstGeom>
+          <a:solidFill>
+            <a:srgbClr val="7030A0"/>
+          </a:solidFill>
+        </p:spPr>
+        <p:style>
+          <a:lnRef idx="2">
+            <a:schemeClr val="accent1">
+              <a:shade val="50000"/>
+            </a:schemeClr>
+          </a:lnRef>
+          <a:fillRef idx="1">
+            <a:schemeClr val="accent1"/>
+          </a:fillRef>
+          <a:effectRef idx="0">
+            <a:schemeClr val="accent1"/>
+          </a:effectRef>
+          <a:fontRef idx="minor">
+            <a:schemeClr val="lt1"/>
+          </a:fontRef>
+        </p:style>
+        <p:txBody>
+          <a:bodyPr rtlCol="0" anchor="ctr"/>
+          <a:lstStyle/>
+          <a:p>
+            <a:pPr algn="ctr"/>
+            <a:r>
+              <a:rPr lang="en-IN" b="1" dirty="0"/>
+              <a:t>ASP.NET MVC App</a:t>
+            </a:r>
+            <a:endParaRPr lang="en-US" b="1" dirty="0"/>
+          </a:p>
+        </p:txBody>
+      </p:sp>
+      <p:sp>
+        <p:nvSpPr>
+          <p:cNvPr id="14" name="Arrow: Left-Right 13">
+            <a:extLst>
+              <a:ext uri="{FF2B5EF4-FFF2-40B4-BE49-F238E27FC236}">
+                <a16:creationId xmlns:a16="http://schemas.microsoft.com/office/drawing/2014/main" id="{A8E8BFE3-B2A4-38FB-9DB6-8A4249692FDB}"/>
+              </a:ext>
+            </a:extLst>
+          </p:cNvPr>
+          <p:cNvSpPr/>
+          <p:nvPr/>
+        </p:nvSpPr>
+        <p:spPr>
+          <a:xfrm>
+            <a:off x="7945016" y="3673742"/>
+            <a:ext cx="494522" cy="223934"/>
+          </a:xfrm>
+          <a:prstGeom prst="leftRightArrow">
+            <a:avLst/>
+          </a:prstGeom>
+          <a:solidFill>
+            <a:srgbClr val="FF0000"/>
+          </a:solidFill>
+        </p:spPr>
+        <p:style>
+          <a:lnRef idx="2">
+            <a:schemeClr val="accent1">
+              <a:shade val="50000"/>
+            </a:schemeClr>
+          </a:lnRef>
+          <a:fillRef idx="1">
+            <a:schemeClr val="accent1"/>
+          </a:fillRef>
+          <a:effectRef idx="0">
+            <a:schemeClr val="accent1"/>
+          </a:effectRef>
+          <a:fontRef idx="minor">
+            <a:schemeClr val="lt1"/>
+          </a:fontRef>
+        </p:style>
+        <p:txBody>
+          <a:bodyPr rtlCol="0" anchor="ctr"/>
+          <a:lstStyle/>
+          <a:p>
+            <a:pPr algn="ctr"/>
+            <a:endParaRPr lang="en-US"/>
+          </a:p>
+        </p:txBody>
+      </p:sp>
+      <p:sp>
+        <p:nvSpPr>
+          <p:cNvPr id="15" name="Parallelogram 14">
+            <a:extLst>
+              <a:ext uri="{FF2B5EF4-FFF2-40B4-BE49-F238E27FC236}">
+                <a16:creationId xmlns:a16="http://schemas.microsoft.com/office/drawing/2014/main" id="{240E729C-C529-9AF3-CBD4-FB7AC18FA34A}"/>
+              </a:ext>
+            </a:extLst>
+          </p:cNvPr>
+          <p:cNvSpPr/>
+          <p:nvPr/>
+        </p:nvSpPr>
+        <p:spPr>
+          <a:xfrm>
+            <a:off x="211495" y="979714"/>
+            <a:ext cx="2037183" cy="1474237"/>
+          </a:xfrm>
+          <a:prstGeom prst="parallelogram">
+            <a:avLst/>
+          </a:prstGeom>
+          <a:solidFill>
+            <a:schemeClr val="bg2">
+              <a:lumMod val="90000"/>
+            </a:schemeClr>
+          </a:solidFill>
+        </p:spPr>
+        <p:style>
+          <a:lnRef idx="2">
+            <a:schemeClr val="accent1">
+              <a:shade val="50000"/>
+            </a:schemeClr>
+          </a:lnRef>
+          <a:fillRef idx="1">
+            <a:schemeClr val="accent1"/>
+          </a:fillRef>
+          <a:effectRef idx="0">
+            <a:schemeClr val="accent1"/>
+          </a:effectRef>
+          <a:fontRef idx="minor">
+            <a:schemeClr val="lt1"/>
+          </a:fontRef>
+        </p:style>
+        <p:txBody>
+          <a:bodyPr rtlCol="0" anchor="ctr"/>
+          <a:lstStyle/>
+          <a:p>
+            <a:pPr algn="ctr"/>
+            <a:r>
+              <a:rPr lang="en-IN" dirty="0">
+                <a:ln w="0"/>
+                <a:solidFill>
+                  <a:schemeClr val="tx1"/>
+                </a:solidFill>
+                <a:effectLst>
+                  <a:outerShdw blurRad="38100" dist="19050" dir="2700000" algn="tl" rotWithShape="0">
+                    <a:schemeClr val="dk1">
+                      <a:alpha val="40000"/>
+                    </a:schemeClr>
+                  </a:outerShdw>
+                </a:effectLst>
+              </a:rPr>
+              <a:t>Browser</a:t>
+            </a:r>
+            <a:endParaRPr lang="en-US" dirty="0">
+              <a:ln w="0"/>
+              <a:solidFill>
+                <a:schemeClr val="tx1"/>
+              </a:solidFill>
+              <a:effectLst>
+                <a:outerShdw blurRad="38100" dist="19050" dir="2700000" algn="tl" rotWithShape="0">
+                  <a:schemeClr val="dk1">
+                    <a:alpha val="40000"/>
+                  </a:schemeClr>
+                </a:outerShdw>
+              </a:effectLst>
+            </a:endParaRPr>
+          </a:p>
+        </p:txBody>
+      </p:sp>
+      <p:cxnSp>
+        <p:nvCxnSpPr>
+          <p:cNvPr id="17" name="Connector: Elbow 16">
+            <a:extLst>
+              <a:ext uri="{FF2B5EF4-FFF2-40B4-BE49-F238E27FC236}">
+                <a16:creationId xmlns:a16="http://schemas.microsoft.com/office/drawing/2014/main" id="{44383C4F-2F35-5202-7046-167FB63ABF69}"/>
+              </a:ext>
+            </a:extLst>
+          </p:cNvPr>
+          <p:cNvCxnSpPr>
+            <a:stCxn id="15" idx="2"/>
+            <a:endCxn id="11" idx="5"/>
+          </p:cNvCxnSpPr>
+          <p:nvPr/>
+        </p:nvCxnSpPr>
+        <p:spPr>
+          <a:xfrm>
+            <a:off x="2064398" y="1716833"/>
+            <a:ext cx="4442536" cy="657808"/>
+          </a:xfrm>
+          <a:prstGeom prst="bentConnector3">
+            <a:avLst/>
+          </a:prstGeom>
+          <a:ln w="76200">
+            <a:solidFill>
+              <a:srgbClr val="FF0000"/>
+            </a:solidFill>
+            <a:tailEnd type="triangle"/>
+          </a:ln>
+        </p:spPr>
+        <p:style>
+          <a:lnRef idx="1">
+            <a:schemeClr val="accent1"/>
+          </a:lnRef>
+          <a:fillRef idx="0">
+            <a:schemeClr val="accent1"/>
+          </a:fillRef>
+          <a:effectRef idx="0">
+            <a:schemeClr val="accent1"/>
+          </a:effectRef>
+          <a:fontRef idx="minor">
+            <a:schemeClr val="tx1"/>
+          </a:fontRef>
+        </p:style>
+      </p:cxnSp>
+      <p:cxnSp>
+        <p:nvCxnSpPr>
+          <p:cNvPr id="19" name="Connector: Elbow 18">
+            <a:extLst>
+              <a:ext uri="{FF2B5EF4-FFF2-40B4-BE49-F238E27FC236}">
+                <a16:creationId xmlns:a16="http://schemas.microsoft.com/office/drawing/2014/main" id="{812AC09F-15B7-D674-2857-5AC121B031A9}"/>
+              </a:ext>
+            </a:extLst>
+          </p:cNvPr>
+          <p:cNvCxnSpPr>
+            <a:stCxn id="15" idx="2"/>
+            <a:endCxn id="13" idx="2"/>
+          </p:cNvCxnSpPr>
+          <p:nvPr/>
+        </p:nvCxnSpPr>
+        <p:spPr>
+          <a:xfrm>
+            <a:off x="2064398" y="1716833"/>
+            <a:ext cx="4397049" cy="2149541"/>
+          </a:xfrm>
+          <a:prstGeom prst="bentConnector3">
+            <a:avLst/>
+          </a:prstGeom>
+          <a:ln w="76200">
+            <a:solidFill>
+              <a:srgbClr val="FF0000"/>
+            </a:solidFill>
+            <a:tailEnd type="triangle"/>
+          </a:ln>
+        </p:spPr>
+        <p:style>
+          <a:lnRef idx="1">
+            <a:schemeClr val="accent1"/>
+          </a:lnRef>
+          <a:fillRef idx="0">
+            <a:schemeClr val="accent1"/>
+          </a:fillRef>
+          <a:effectRef idx="0">
+            <a:schemeClr val="accent1"/>
+          </a:effectRef>
+          <a:fontRef idx="minor">
+            <a:schemeClr val="tx1"/>
+          </a:fontRef>
+        </p:style>
+      </p:cxnSp>
+      <p:sp>
+        <p:nvSpPr>
+          <p:cNvPr id="20" name="Rectangle 19">
+            <a:extLst>
+              <a:ext uri="{FF2B5EF4-FFF2-40B4-BE49-F238E27FC236}">
+                <a16:creationId xmlns:a16="http://schemas.microsoft.com/office/drawing/2014/main" id="{4689F80F-C8EF-242C-AEA4-38F71E158481}"/>
+              </a:ext>
+            </a:extLst>
+          </p:cNvPr>
+          <p:cNvSpPr/>
+          <p:nvPr/>
+        </p:nvSpPr>
+        <p:spPr>
+          <a:xfrm>
+            <a:off x="144624" y="4127630"/>
+            <a:ext cx="3606282" cy="2487774"/>
+          </a:xfrm>
+          <a:prstGeom prst="rect">
+            <a:avLst/>
+          </a:prstGeom>
+        </p:spPr>
+        <p:style>
+          <a:lnRef idx="1">
+            <a:schemeClr val="accent4"/>
+          </a:lnRef>
+          <a:fillRef idx="2">
+            <a:schemeClr val="accent4"/>
+          </a:fillRef>
+          <a:effectRef idx="1">
+            <a:schemeClr val="accent4"/>
+          </a:effectRef>
+          <a:fontRef idx="minor">
+            <a:schemeClr val="dk1"/>
+          </a:fontRef>
+        </p:style>
+        <p:txBody>
+          <a:bodyPr rtlCol="0" anchor="ctr"/>
+          <a:lstStyle/>
+          <a:p>
+            <a:pPr algn="ctr"/>
+            <a:endParaRPr lang="en-US"/>
+          </a:p>
+        </p:txBody>
+      </p:sp>
+      <p:sp>
+        <p:nvSpPr>
+          <p:cNvPr id="21" name="TextBox 20">
+            <a:extLst>
+              <a:ext uri="{FF2B5EF4-FFF2-40B4-BE49-F238E27FC236}">
+                <a16:creationId xmlns:a16="http://schemas.microsoft.com/office/drawing/2014/main" id="{3ABDDDC9-7AEA-2DA6-0A80-37C2556004A2}"/>
+              </a:ext>
+            </a:extLst>
+          </p:cNvPr>
+          <p:cNvSpPr txBox="1"/>
+          <p:nvPr/>
+        </p:nvSpPr>
+        <p:spPr>
+          <a:xfrm>
+            <a:off x="211495" y="4236098"/>
+            <a:ext cx="3399452" cy="646331"/>
+          </a:xfrm>
+          <a:prstGeom prst="rect">
+            <a:avLst/>
+          </a:prstGeom>
+          <a:noFill/>
+        </p:spPr>
+        <p:txBody>
+          <a:bodyPr wrap="square" rtlCol="0">
+            <a:spAutoFit/>
+          </a:bodyPr>
+          <a:lstStyle/>
+          <a:p>
+            <a:pPr algn="ctr"/>
+            <a:r>
+              <a:rPr lang="en-IN" sz="1200" b="1" dirty="0"/>
+              <a:t>Front-End App aka </a:t>
+            </a:r>
+          </a:p>
+          <a:p>
+            <a:pPr algn="ctr"/>
+            <a:r>
+              <a:rPr lang="en-IN" sz="1200" b="1" dirty="0"/>
+              <a:t>(JavaScript Based Apps)</a:t>
+            </a:r>
+          </a:p>
+          <a:p>
+            <a:pPr algn="ctr"/>
+            <a:r>
+              <a:rPr lang="en-IN" sz="1200" b="1" dirty="0"/>
+              <a:t>Loaded in Browser</a:t>
+            </a:r>
+            <a:endParaRPr lang="en-US" sz="1200" b="1" dirty="0"/>
+          </a:p>
+        </p:txBody>
+      </p:sp>
+      <p:sp>
+        <p:nvSpPr>
+          <p:cNvPr id="22" name="Rectangle: Rounded Corners 21">
+            <a:extLst>
+              <a:ext uri="{FF2B5EF4-FFF2-40B4-BE49-F238E27FC236}">
+                <a16:creationId xmlns:a16="http://schemas.microsoft.com/office/drawing/2014/main" id="{40C4E6A1-62C3-F4AE-A9B1-D435A18CF823}"/>
+              </a:ext>
+            </a:extLst>
+          </p:cNvPr>
+          <p:cNvSpPr/>
+          <p:nvPr/>
+        </p:nvSpPr>
+        <p:spPr>
+          <a:xfrm>
+            <a:off x="6442788" y="4702629"/>
+            <a:ext cx="1492898" cy="1091681"/>
+          </a:xfrm>
+          <a:prstGeom prst="roundRect">
+            <a:avLst/>
+          </a:prstGeom>
+        </p:spPr>
+        <p:style>
+          <a:lnRef idx="0">
+            <a:schemeClr val="dk1"/>
+          </a:lnRef>
+          <a:fillRef idx="3">
+            <a:schemeClr val="dk1"/>
+          </a:fillRef>
+          <a:effectRef idx="3">
+            <a:schemeClr val="dk1"/>
+          </a:effectRef>
+          <a:fontRef idx="minor">
+            <a:schemeClr val="lt1"/>
+          </a:fontRef>
+        </p:style>
+        <p:txBody>
+          <a:bodyPr rtlCol="0" anchor="ctr"/>
+          <a:lstStyle/>
+          <a:p>
+            <a:pPr algn="ctr"/>
+            <a:r>
+              <a:rPr lang="en-IN" b="1" dirty="0"/>
+              <a:t>WEB / REST</a:t>
+            </a:r>
+          </a:p>
+          <a:p>
+            <a:pPr algn="ctr"/>
+            <a:r>
+              <a:rPr lang="en-IN" b="1" dirty="0"/>
+              <a:t>APIs</a:t>
+            </a:r>
+            <a:endParaRPr lang="en-US" b="1" dirty="0"/>
+          </a:p>
+        </p:txBody>
+      </p:sp>
+      <p:sp>
+        <p:nvSpPr>
+          <p:cNvPr id="23" name="Arrow: Left-Right 22">
+            <a:extLst>
+              <a:ext uri="{FF2B5EF4-FFF2-40B4-BE49-F238E27FC236}">
+                <a16:creationId xmlns:a16="http://schemas.microsoft.com/office/drawing/2014/main" id="{830C7771-D8E5-9705-E76D-8AB4F50FC955}"/>
+              </a:ext>
+            </a:extLst>
+          </p:cNvPr>
+          <p:cNvSpPr/>
+          <p:nvPr/>
+        </p:nvSpPr>
+        <p:spPr>
+          <a:xfrm>
+            <a:off x="7898361" y="5159534"/>
+            <a:ext cx="494522" cy="223934"/>
+          </a:xfrm>
+          <a:prstGeom prst="leftRightArrow">
+            <a:avLst/>
+          </a:prstGeom>
+          <a:solidFill>
+            <a:srgbClr val="FF0000"/>
+          </a:solidFill>
+        </p:spPr>
+        <p:style>
+          <a:lnRef idx="2">
+            <a:schemeClr val="accent1">
+              <a:shade val="50000"/>
+            </a:schemeClr>
+          </a:lnRef>
+          <a:fillRef idx="1">
+            <a:schemeClr val="accent1"/>
+          </a:fillRef>
+          <a:effectRef idx="0">
+            <a:schemeClr val="accent1"/>
+          </a:effectRef>
+          <a:fontRef idx="minor">
+            <a:schemeClr val="lt1"/>
+          </a:fontRef>
+        </p:style>
+        <p:txBody>
+          <a:bodyPr rtlCol="0" anchor="ctr"/>
+          <a:lstStyle/>
+          <a:p>
+            <a:pPr algn="ctr"/>
+            <a:endParaRPr lang="en-US"/>
+          </a:p>
+        </p:txBody>
+      </p:sp>
+      <p:cxnSp>
+        <p:nvCxnSpPr>
+          <p:cNvPr id="25" name="Connector: Elbow 24">
+            <a:extLst>
+              <a:ext uri="{FF2B5EF4-FFF2-40B4-BE49-F238E27FC236}">
+                <a16:creationId xmlns:a16="http://schemas.microsoft.com/office/drawing/2014/main" id="{ABEE3439-2370-AAA2-2B0B-B7892A8F095B}"/>
+              </a:ext>
+            </a:extLst>
+          </p:cNvPr>
+          <p:cNvCxnSpPr>
+            <a:stCxn id="20" idx="3"/>
+            <a:endCxn id="22" idx="1"/>
+          </p:cNvCxnSpPr>
+          <p:nvPr/>
+        </p:nvCxnSpPr>
+        <p:spPr>
+          <a:xfrm flipV="1">
+            <a:off x="3750906" y="5248470"/>
+            <a:ext cx="2691882" cy="123047"/>
+          </a:xfrm>
+          <a:prstGeom prst="bentConnector3">
+            <a:avLst/>
+          </a:prstGeom>
+          <a:ln w="76200">
+            <a:solidFill>
+              <a:srgbClr val="FF0000"/>
+            </a:solidFill>
+            <a:tailEnd type="triangle"/>
+          </a:ln>
+        </p:spPr>
+        <p:style>
+          <a:lnRef idx="1">
+            <a:schemeClr val="accent1"/>
+          </a:lnRef>
+          <a:fillRef idx="0">
+            <a:schemeClr val="accent1"/>
+          </a:fillRef>
+          <a:effectRef idx="0">
+            <a:schemeClr val="accent1"/>
+          </a:effectRef>
+          <a:fontRef idx="minor">
+            <a:schemeClr val="tx1"/>
+          </a:fontRef>
+        </p:style>
+      </p:cxnSp>
+      <p:cxnSp>
+        <p:nvCxnSpPr>
+          <p:cNvPr id="27" name="Connector: Elbow 26">
+            <a:extLst>
+              <a:ext uri="{FF2B5EF4-FFF2-40B4-BE49-F238E27FC236}">
+                <a16:creationId xmlns:a16="http://schemas.microsoft.com/office/drawing/2014/main" id="{3276252E-963D-91D5-A8C7-45C10F9C6AEA}"/>
+              </a:ext>
+            </a:extLst>
+          </p:cNvPr>
+          <p:cNvCxnSpPr>
+            <a:cxnSpLocks/>
+            <a:stCxn id="22" idx="1"/>
+            <a:endCxn id="20" idx="3"/>
+          </p:cNvCxnSpPr>
+          <p:nvPr/>
+        </p:nvCxnSpPr>
+        <p:spPr>
+          <a:xfrm rot="10800000" flipV="1">
+            <a:off x="3750906" y="5248469"/>
+            <a:ext cx="2691882" cy="123047"/>
+          </a:xfrm>
+          <a:prstGeom prst="bentConnector3">
+            <a:avLst/>
+          </a:prstGeom>
+          <a:ln w="76200">
+            <a:solidFill>
+              <a:srgbClr val="FF0000"/>
+            </a:solidFill>
+            <a:tailEnd type="triangle"/>
+          </a:ln>
+        </p:spPr>
+        <p:style>
+          <a:lnRef idx="1">
+            <a:schemeClr val="accent1"/>
+          </a:lnRef>
+          <a:fillRef idx="0">
+            <a:schemeClr val="accent1"/>
+          </a:fillRef>
+          <a:effectRef idx="0">
+            <a:schemeClr val="accent1"/>
+          </a:effectRef>
+          <a:fontRef idx="minor">
+            <a:schemeClr val="tx1"/>
+          </a:fontRef>
+        </p:style>
+      </p:cxnSp>
+      <p:sp>
+        <p:nvSpPr>
+          <p:cNvPr id="30" name="Rectangle: Rounded Corners 29">
+            <a:extLst>
+              <a:ext uri="{FF2B5EF4-FFF2-40B4-BE49-F238E27FC236}">
+                <a16:creationId xmlns:a16="http://schemas.microsoft.com/office/drawing/2014/main" id="{F3505506-B322-604B-EB0E-2BD0B34B6EE5}"/>
+              </a:ext>
+            </a:extLst>
+          </p:cNvPr>
+          <p:cNvSpPr/>
+          <p:nvPr/>
+        </p:nvSpPr>
+        <p:spPr>
+          <a:xfrm>
+            <a:off x="211495" y="5010539"/>
+            <a:ext cx="1001485" cy="718457"/>
+          </a:xfrm>
+          <a:prstGeom prst="roundRect">
+            <a:avLst/>
+          </a:prstGeom>
+        </p:spPr>
+        <p:style>
+          <a:lnRef idx="2">
+            <a:schemeClr val="accent1">
+              <a:shade val="50000"/>
+            </a:schemeClr>
+          </a:lnRef>
+          <a:fillRef idx="1">
+            <a:schemeClr val="accent1"/>
+          </a:fillRef>
+          <a:effectRef idx="0">
+            <a:schemeClr val="accent1"/>
+          </a:effectRef>
+          <a:fontRef idx="minor">
+            <a:schemeClr val="lt1"/>
+          </a:fontRef>
+        </p:style>
+        <p:txBody>
+          <a:bodyPr rtlCol="0" anchor="ctr"/>
+          <a:lstStyle/>
+          <a:p>
+            <a:pPr algn="ctr"/>
+            <a:r>
+              <a:rPr lang="en-IN" b="1" dirty="0"/>
+              <a:t>Create View</a:t>
+            </a:r>
+            <a:endParaRPr lang="en-US" b="1" dirty="0"/>
+          </a:p>
+        </p:txBody>
+      </p:sp>
+      <p:sp>
+        <p:nvSpPr>
+          <p:cNvPr id="31" name="Rectangle: Rounded Corners 30">
+            <a:extLst>
+              <a:ext uri="{FF2B5EF4-FFF2-40B4-BE49-F238E27FC236}">
+                <a16:creationId xmlns:a16="http://schemas.microsoft.com/office/drawing/2014/main" id="{93D0073C-5BAD-AB74-B1EF-223B6F51ADB3}"/>
+              </a:ext>
+            </a:extLst>
+          </p:cNvPr>
+          <p:cNvSpPr/>
+          <p:nvPr/>
+        </p:nvSpPr>
+        <p:spPr>
+          <a:xfrm>
+            <a:off x="1342054" y="5024239"/>
+            <a:ext cx="1001485" cy="718457"/>
+          </a:xfrm>
+          <a:prstGeom prst="roundRect">
+            <a:avLst/>
+          </a:prstGeom>
+        </p:spPr>
+        <p:style>
+          <a:lnRef idx="2">
+            <a:schemeClr val="accent1">
+              <a:shade val="50000"/>
+            </a:schemeClr>
+          </a:lnRef>
+          <a:fillRef idx="1">
+            <a:schemeClr val="accent1"/>
+          </a:fillRef>
+          <a:effectRef idx="0">
+            <a:schemeClr val="accent1"/>
+          </a:effectRef>
+          <a:fontRef idx="minor">
+            <a:schemeClr val="lt1"/>
+          </a:fontRef>
+        </p:style>
+        <p:txBody>
+          <a:bodyPr rtlCol="0" anchor="ctr"/>
+          <a:lstStyle/>
+          <a:p>
+            <a:pPr algn="ctr"/>
+            <a:r>
+              <a:rPr lang="en-IN" b="1" dirty="0"/>
+              <a:t>Edit View</a:t>
+            </a:r>
+            <a:endParaRPr lang="en-US" b="1" dirty="0"/>
+          </a:p>
+        </p:txBody>
+      </p:sp>
+      <p:sp>
+        <p:nvSpPr>
+          <p:cNvPr id="32" name="Rectangle: Rounded Corners 31">
+            <a:extLst>
+              <a:ext uri="{FF2B5EF4-FFF2-40B4-BE49-F238E27FC236}">
+                <a16:creationId xmlns:a16="http://schemas.microsoft.com/office/drawing/2014/main" id="{F3E161EE-9235-0A37-EE1F-940E6982D94B}"/>
+              </a:ext>
+            </a:extLst>
+          </p:cNvPr>
+          <p:cNvSpPr/>
+          <p:nvPr/>
+        </p:nvSpPr>
+        <p:spPr>
+          <a:xfrm>
+            <a:off x="2482722" y="5036087"/>
+            <a:ext cx="1001485" cy="718457"/>
+          </a:xfrm>
+          <a:prstGeom prst="roundRect">
+            <a:avLst/>
+          </a:prstGeom>
+        </p:spPr>
+        <p:style>
+          <a:lnRef idx="2">
+            <a:schemeClr val="accent1">
+              <a:shade val="50000"/>
+            </a:schemeClr>
+          </a:lnRef>
+          <a:fillRef idx="1">
+            <a:schemeClr val="accent1"/>
+          </a:fillRef>
+          <a:effectRef idx="0">
+            <a:schemeClr val="accent1"/>
+          </a:effectRef>
+          <a:fontRef idx="minor">
+            <a:schemeClr val="lt1"/>
+          </a:fontRef>
+        </p:style>
+        <p:txBody>
+          <a:bodyPr rtlCol="0" anchor="ctr"/>
+          <a:lstStyle/>
+          <a:p>
+            <a:pPr algn="ctr"/>
+            <a:r>
+              <a:rPr lang="en-IN" b="1" dirty="0"/>
+              <a:t>Delete View</a:t>
+            </a:r>
+            <a:endParaRPr lang="en-US" b="1" dirty="0"/>
+          </a:p>
+        </p:txBody>
+      </p:sp>
+      <p:sp>
+        <p:nvSpPr>
+          <p:cNvPr id="33" name="Rectangle: Rounded Corners 32">
+            <a:extLst>
+              <a:ext uri="{FF2B5EF4-FFF2-40B4-BE49-F238E27FC236}">
+                <a16:creationId xmlns:a16="http://schemas.microsoft.com/office/drawing/2014/main" id="{D96F3A71-5EE1-595A-CFA0-8B81F259A6BF}"/>
+              </a:ext>
+            </a:extLst>
+          </p:cNvPr>
+          <p:cNvSpPr/>
+          <p:nvPr/>
+        </p:nvSpPr>
+        <p:spPr>
+          <a:xfrm>
+            <a:off x="228601" y="5857104"/>
+            <a:ext cx="3255606" cy="718457"/>
+          </a:xfrm>
+          <a:prstGeom prst="roundRect">
+            <a:avLst/>
+          </a:prstGeom>
+        </p:spPr>
+        <p:style>
+          <a:lnRef idx="2">
+            <a:schemeClr val="accent1">
+              <a:shade val="50000"/>
+            </a:schemeClr>
+          </a:lnRef>
+          <a:fillRef idx="1">
+            <a:schemeClr val="accent1"/>
+          </a:fillRef>
+          <a:effectRef idx="0">
+            <a:schemeClr val="accent1"/>
+          </a:effectRef>
+          <a:fontRef idx="minor">
+            <a:schemeClr val="lt1"/>
+          </a:fontRef>
+        </p:style>
+        <p:txBody>
+          <a:bodyPr rtlCol="0" anchor="ctr"/>
+          <a:lstStyle/>
+          <a:p>
+            <a:pPr algn="ctr"/>
+            <a:r>
+              <a:rPr lang="en-IN" b="1" dirty="0"/>
+              <a:t>Get All View</a:t>
+            </a:r>
+            <a:endParaRPr lang="en-US" b="1" dirty="0"/>
+          </a:p>
+        </p:txBody>
+      </p:sp>
+      <p:cxnSp>
+        <p:nvCxnSpPr>
+          <p:cNvPr id="35" name="Connector: Elbow 34">
+            <a:extLst>
+              <a:ext uri="{FF2B5EF4-FFF2-40B4-BE49-F238E27FC236}">
+                <a16:creationId xmlns:a16="http://schemas.microsoft.com/office/drawing/2014/main" id="{78A2C227-3189-0581-68AD-3CB608734F4F}"/>
+              </a:ext>
+            </a:extLst>
+          </p:cNvPr>
+          <p:cNvCxnSpPr>
+            <a:stCxn id="30" idx="0"/>
+            <a:endCxn id="20" idx="3"/>
+          </p:cNvCxnSpPr>
+          <p:nvPr/>
+        </p:nvCxnSpPr>
+        <p:spPr>
+          <a:xfrm rot="16200000" flipH="1">
+            <a:off x="2051083" y="3671694"/>
+            <a:ext cx="360978" cy="3038668"/>
+          </a:xfrm>
+          <a:prstGeom prst="bentConnector4">
+            <a:avLst>
+              <a:gd name="adj1" fmla="val -307916"/>
+              <a:gd name="adj2" fmla="val 107523"/>
+            </a:avLst>
+          </a:prstGeom>
+          <a:ln w="38100">
+            <a:tailEnd type="triangle"/>
+          </a:ln>
+        </p:spPr>
+        <p:style>
+          <a:lnRef idx="1">
+            <a:schemeClr val="accent1"/>
+          </a:lnRef>
+          <a:fillRef idx="0">
+            <a:schemeClr val="accent1"/>
+          </a:fillRef>
+          <a:effectRef idx="0">
+            <a:schemeClr val="accent1"/>
+          </a:effectRef>
+          <a:fontRef idx="minor">
+            <a:schemeClr val="tx1"/>
+          </a:fontRef>
+        </p:style>
+      </p:cxnSp>
+      <p:cxnSp>
+        <p:nvCxnSpPr>
+          <p:cNvPr id="37" name="Connector: Elbow 36">
+            <a:extLst>
+              <a:ext uri="{FF2B5EF4-FFF2-40B4-BE49-F238E27FC236}">
+                <a16:creationId xmlns:a16="http://schemas.microsoft.com/office/drawing/2014/main" id="{00E49699-E40C-EBA1-47F6-BD755A621979}"/>
+              </a:ext>
+            </a:extLst>
+          </p:cNvPr>
+          <p:cNvCxnSpPr>
+            <a:stCxn id="31" idx="0"/>
+            <a:endCxn id="20" idx="3"/>
+          </p:cNvCxnSpPr>
+          <p:nvPr/>
+        </p:nvCxnSpPr>
+        <p:spPr>
+          <a:xfrm rot="16200000" flipH="1">
+            <a:off x="2623212" y="4243824"/>
+            <a:ext cx="347278" cy="1908109"/>
+          </a:xfrm>
+          <a:prstGeom prst="bentConnector4">
+            <a:avLst>
+              <a:gd name="adj1" fmla="val -324008"/>
+              <a:gd name="adj2" fmla="val 111980"/>
+            </a:avLst>
+          </a:prstGeom>
+          <a:ln w="28575">
+            <a:tailEnd type="triangle"/>
+          </a:ln>
+        </p:spPr>
+        <p:style>
+          <a:lnRef idx="1">
+            <a:schemeClr val="accent1"/>
+          </a:lnRef>
+          <a:fillRef idx="0">
+            <a:schemeClr val="accent1"/>
+          </a:fillRef>
+          <a:effectRef idx="0">
+            <a:schemeClr val="accent1"/>
+          </a:effectRef>
+          <a:fontRef idx="minor">
+            <a:schemeClr val="tx1"/>
+          </a:fontRef>
+        </p:style>
+      </p:cxnSp>
+      <p:cxnSp>
+        <p:nvCxnSpPr>
+          <p:cNvPr id="39" name="Connector: Elbow 38">
+            <a:extLst>
+              <a:ext uri="{FF2B5EF4-FFF2-40B4-BE49-F238E27FC236}">
+                <a16:creationId xmlns:a16="http://schemas.microsoft.com/office/drawing/2014/main" id="{8BC33336-53CF-F07E-74C1-DB00C6DDC6F9}"/>
+              </a:ext>
+            </a:extLst>
+          </p:cNvPr>
+          <p:cNvCxnSpPr>
+            <a:stCxn id="32" idx="0"/>
+            <a:endCxn id="20" idx="3"/>
+          </p:cNvCxnSpPr>
+          <p:nvPr/>
+        </p:nvCxnSpPr>
+        <p:spPr>
+          <a:xfrm rot="16200000" flipH="1">
+            <a:off x="3199470" y="4820082"/>
+            <a:ext cx="335430" cy="767441"/>
+          </a:xfrm>
+          <a:prstGeom prst="bentConnector4">
+            <a:avLst>
+              <a:gd name="adj1" fmla="val -338985"/>
+              <a:gd name="adj2" fmla="val 129787"/>
+            </a:avLst>
+          </a:prstGeom>
+          <a:ln w="28575">
+            <a:tailEnd type="triangle"/>
+          </a:ln>
+        </p:spPr>
+        <p:style>
+          <a:lnRef idx="1">
+            <a:schemeClr val="accent1"/>
+          </a:lnRef>
+          <a:fillRef idx="0">
+            <a:schemeClr val="accent1"/>
+          </a:fillRef>
+          <a:effectRef idx="0">
+            <a:schemeClr val="accent1"/>
+          </a:effectRef>
+          <a:fontRef idx="minor">
+            <a:schemeClr val="tx1"/>
+          </a:fontRef>
+        </p:style>
+      </p:cxnSp>
+      <p:cxnSp>
+        <p:nvCxnSpPr>
+          <p:cNvPr id="43" name="Connector: Elbow 42">
+            <a:extLst>
+              <a:ext uri="{FF2B5EF4-FFF2-40B4-BE49-F238E27FC236}">
+                <a16:creationId xmlns:a16="http://schemas.microsoft.com/office/drawing/2014/main" id="{6AF24C85-B484-1211-8046-E8E1838F81DB}"/>
+              </a:ext>
+            </a:extLst>
+          </p:cNvPr>
+          <p:cNvCxnSpPr>
+            <a:stCxn id="33" idx="3"/>
+            <a:endCxn id="20" idx="3"/>
+          </p:cNvCxnSpPr>
+          <p:nvPr/>
+        </p:nvCxnSpPr>
+        <p:spPr>
+          <a:xfrm flipV="1">
+            <a:off x="3484207" y="5371517"/>
+            <a:ext cx="266699" cy="844816"/>
+          </a:xfrm>
+          <a:prstGeom prst="bentConnector3">
+            <a:avLst>
+              <a:gd name="adj1" fmla="val 185715"/>
+            </a:avLst>
+          </a:prstGeom>
+          <a:ln w="38100">
+            <a:tailEnd type="triangle"/>
+          </a:ln>
+        </p:spPr>
+        <p:style>
+          <a:lnRef idx="1">
+            <a:schemeClr val="accent1"/>
+          </a:lnRef>
+          <a:fillRef idx="0">
+            <a:schemeClr val="accent1"/>
+          </a:fillRef>
+          <a:effectRef idx="0">
+            <a:schemeClr val="accent1"/>
+          </a:effectRef>
+          <a:fontRef idx="minor">
+            <a:schemeClr val="tx1"/>
+          </a:fontRef>
+        </p:style>
+      </p:cxnSp>
+      <p:sp>
+        <p:nvSpPr>
+          <p:cNvPr id="44" name="TextBox 43">
+            <a:extLst>
+              <a:ext uri="{FF2B5EF4-FFF2-40B4-BE49-F238E27FC236}">
+                <a16:creationId xmlns:a16="http://schemas.microsoft.com/office/drawing/2014/main" id="{A11441AD-C6DE-1D8A-5ADD-91C67567DA84}"/>
+              </a:ext>
+            </a:extLst>
+          </p:cNvPr>
+          <p:cNvSpPr txBox="1"/>
+          <p:nvPr/>
+        </p:nvSpPr>
+        <p:spPr>
+          <a:xfrm>
+            <a:off x="3990389" y="5525738"/>
+            <a:ext cx="1549661" cy="954107"/>
+          </a:xfrm>
+          <a:prstGeom prst="rect">
+            <a:avLst/>
+          </a:prstGeom>
+          <a:noFill/>
+        </p:spPr>
+        <p:txBody>
+          <a:bodyPr wrap="square" rtlCol="0">
+            <a:spAutoFit/>
+          </a:bodyPr>
+          <a:lstStyle/>
+          <a:p>
+            <a:pPr algn="ctr"/>
+            <a:r>
+              <a:rPr lang="en-IN" sz="1400" b="1" dirty="0"/>
+              <a:t>JavaScript AJAX Communication for Read/Write Operations</a:t>
+            </a:r>
+            <a:endParaRPr lang="en-US" sz="1400" b="1" dirty="0"/>
+          </a:p>
+        </p:txBody>
+      </p:sp>
+      <p:sp>
+        <p:nvSpPr>
+          <p:cNvPr id="45" name="TextBox 44">
+            <a:extLst>
+              <a:ext uri="{FF2B5EF4-FFF2-40B4-BE49-F238E27FC236}">
+                <a16:creationId xmlns:a16="http://schemas.microsoft.com/office/drawing/2014/main" id="{B5D21D00-C612-3511-3094-0F539FB57CC1}"/>
+              </a:ext>
+            </a:extLst>
+          </p:cNvPr>
+          <p:cNvSpPr txBox="1"/>
+          <p:nvPr/>
+        </p:nvSpPr>
+        <p:spPr>
+          <a:xfrm>
+            <a:off x="98555" y="3415004"/>
+            <a:ext cx="3805720" cy="369332"/>
+          </a:xfrm>
+          <a:prstGeom prst="rect">
+            <a:avLst/>
+          </a:prstGeom>
+          <a:noFill/>
+        </p:spPr>
+        <p:txBody>
+          <a:bodyPr wrap="square" rtlCol="0">
+            <a:spAutoFit/>
+          </a:bodyPr>
+          <a:lstStyle/>
+          <a:p>
+            <a:pPr algn="ctr"/>
+            <a:r>
+              <a:rPr lang="en-IN" dirty="0"/>
+              <a:t>Isolated Front-End Apps</a:t>
+            </a:r>
+            <a:endParaRPr lang="en-US" dirty="0"/>
+          </a:p>
+        </p:txBody>
+      </p:sp>
+      <p:sp>
+        <p:nvSpPr>
+          <p:cNvPr id="46" name="TextBox 45">
+            <a:extLst>
+              <a:ext uri="{FF2B5EF4-FFF2-40B4-BE49-F238E27FC236}">
+                <a16:creationId xmlns:a16="http://schemas.microsoft.com/office/drawing/2014/main" id="{32F02227-2773-A361-F11A-3881AAECDDFF}"/>
+              </a:ext>
+            </a:extLst>
+          </p:cNvPr>
+          <p:cNvSpPr txBox="1"/>
+          <p:nvPr/>
+        </p:nvSpPr>
+        <p:spPr>
+          <a:xfrm>
+            <a:off x="258348" y="269328"/>
+            <a:ext cx="3805720" cy="646331"/>
+          </a:xfrm>
+          <a:prstGeom prst="rect">
+            <a:avLst/>
+          </a:prstGeom>
+          <a:noFill/>
+        </p:spPr>
+        <p:txBody>
+          <a:bodyPr wrap="square" rtlCol="0">
+            <a:spAutoFit/>
+          </a:bodyPr>
+          <a:lstStyle/>
+          <a:p>
+            <a:pPr algn="ctr"/>
+            <a:r>
+              <a:rPr lang="en-IN" dirty="0"/>
+              <a:t>Browser Loades Server-Side Pages rendered in HTML Form</a:t>
+            </a:r>
+            <a:endParaRPr lang="en-US" dirty="0"/>
+          </a:p>
+        </p:txBody>
+      </p:sp>
+    </p:spTree>
+    <p:extLst>
+      <p:ext uri="{BB962C8B-B14F-4D97-AF65-F5344CB8AC3E}">
+        <p14:creationId xmlns:p14="http://schemas.microsoft.com/office/powerpoint/2010/main" val="1315777110"/>
+      </p:ext>
+    </p:extLst>
+  </p:cSld>
+  <p:clrMapOvr>
+    <a:masterClrMapping/>
+  </p:clrMapOvr>
+</p:sld>
+</file>
+
+<file path=ppt/slides/slide46.xml><?xml version="1.0" encoding="utf-8"?>
+<p:sld xmlns:a="http://schemas.openxmlformats.org/drawingml/2006/main" xmlns:r="http://schemas.openxmlformats.org/officeDocument/2006/relationships" xmlns:p="http://schemas.openxmlformats.org/presentationml/2006/main">
+  <p:cSld>
+    <p:spTree>
+      <p:nvGrpSpPr>
+        <p:cNvPr id="1" name=""/>
+        <p:cNvGrpSpPr/>
+        <p:nvPr/>
+      </p:nvGrpSpPr>
+      <p:grpSpPr>
+        <a:xfrm>
+          <a:off x="0" y="0"/>
+          <a:ext cx="0" cy="0"/>
+          <a:chOff x="0" y="0"/>
+          <a:chExt cx="0" cy="0"/>
+        </a:xfrm>
+      </p:grpSpPr>
+      <p:sp>
+        <p:nvSpPr>
+          <p:cNvPr id="2" name="Rectangle: Rounded Corners 1">
+            <a:extLst>
+              <a:ext uri="{FF2B5EF4-FFF2-40B4-BE49-F238E27FC236}">
+                <a16:creationId xmlns:a16="http://schemas.microsoft.com/office/drawing/2014/main" id="{F5F7C00E-3E2A-4EC3-62EE-DC2EFAB39D6A}"/>
+              </a:ext>
+            </a:extLst>
+          </p:cNvPr>
+          <p:cNvSpPr/>
+          <p:nvPr/>
+        </p:nvSpPr>
+        <p:spPr>
+          <a:xfrm>
+            <a:off x="7968344" y="3498979"/>
+            <a:ext cx="3498979" cy="3219061"/>
+          </a:xfrm>
+          <a:prstGeom prst="roundRect">
+            <a:avLst/>
+          </a:prstGeom>
+        </p:spPr>
+        <p:style>
+          <a:lnRef idx="2">
+            <a:schemeClr val="accent6"/>
+          </a:lnRef>
+          <a:fillRef idx="1">
+            <a:schemeClr val="lt1"/>
+          </a:fillRef>
+          <a:effectRef idx="0">
+            <a:schemeClr val="accent6"/>
+          </a:effectRef>
+          <a:fontRef idx="minor">
+            <a:schemeClr val="dk1"/>
+          </a:fontRef>
+        </p:style>
+        <p:txBody>
+          <a:bodyPr rtlCol="0" anchor="ctr"/>
+          <a:lstStyle/>
+          <a:p>
+            <a:pPr algn="ctr"/>
+            <a:endParaRPr lang="en-US"/>
+          </a:p>
+        </p:txBody>
+      </p:sp>
+      <p:sp>
+        <p:nvSpPr>
+          <p:cNvPr id="3" name="TextBox 2">
+            <a:extLst>
+              <a:ext uri="{FF2B5EF4-FFF2-40B4-BE49-F238E27FC236}">
+                <a16:creationId xmlns:a16="http://schemas.microsoft.com/office/drawing/2014/main" id="{627605EE-B768-C92C-490B-99075ABC305F}"/>
+              </a:ext>
+            </a:extLst>
+          </p:cNvPr>
+          <p:cNvSpPr txBox="1"/>
+          <p:nvPr/>
+        </p:nvSpPr>
+        <p:spPr>
+          <a:xfrm>
+            <a:off x="8164287" y="4441371"/>
+            <a:ext cx="3303036" cy="923330"/>
+          </a:xfrm>
+          <a:prstGeom prst="rect">
+            <a:avLst/>
+          </a:prstGeom>
+          <a:noFill/>
+        </p:spPr>
+        <p:txBody>
+          <a:bodyPr wrap="square" rtlCol="0">
+            <a:spAutoFit/>
+          </a:bodyPr>
+          <a:lstStyle/>
+          <a:p>
+            <a:pPr algn="ctr"/>
+            <a:r>
+              <a:rPr lang="en-IN" b="1" dirty="0"/>
+              <a:t>ASP.NET WEB APIs or REST APIs Hosted on the Server</a:t>
+            </a:r>
+          </a:p>
+          <a:p>
+            <a:pPr algn="ctr"/>
+            <a:r>
+              <a:rPr lang="en-IN" b="1" dirty="0"/>
+              <a:t>http://www.myserverside.com</a:t>
+            </a:r>
+            <a:endParaRPr lang="en-US" b="1" dirty="0"/>
+          </a:p>
+        </p:txBody>
+      </p:sp>
+      <p:sp>
+        <p:nvSpPr>
+          <p:cNvPr id="4" name="Rectangle: Rounded Corners 3">
+            <a:extLst>
+              <a:ext uri="{FF2B5EF4-FFF2-40B4-BE49-F238E27FC236}">
+                <a16:creationId xmlns:a16="http://schemas.microsoft.com/office/drawing/2014/main" id="{C0E6AD92-3626-9A2F-7C3E-D813BE0AC453}"/>
+              </a:ext>
+            </a:extLst>
+          </p:cNvPr>
+          <p:cNvSpPr/>
+          <p:nvPr/>
+        </p:nvSpPr>
+        <p:spPr>
+          <a:xfrm>
+            <a:off x="6307495" y="23328"/>
+            <a:ext cx="3508310" cy="2957804"/>
+          </a:xfrm>
+          <a:prstGeom prst="roundRect">
+            <a:avLst/>
+          </a:prstGeom>
+        </p:spPr>
+        <p:style>
+          <a:lnRef idx="2">
+            <a:schemeClr val="dk1"/>
+          </a:lnRef>
+          <a:fillRef idx="1">
+            <a:schemeClr val="lt1"/>
+          </a:fillRef>
+          <a:effectRef idx="0">
+            <a:schemeClr val="dk1"/>
+          </a:effectRef>
+          <a:fontRef idx="minor">
+            <a:schemeClr val="dk1"/>
+          </a:fontRef>
+        </p:style>
+        <p:txBody>
+          <a:bodyPr rtlCol="0" anchor="ctr"/>
+          <a:lstStyle/>
+          <a:p>
+            <a:pPr algn="ctr"/>
+            <a:endParaRPr lang="en-US"/>
+          </a:p>
+        </p:txBody>
+      </p:sp>
+      <p:sp>
+        <p:nvSpPr>
+          <p:cNvPr id="5" name="TextBox 4">
+            <a:extLst>
+              <a:ext uri="{FF2B5EF4-FFF2-40B4-BE49-F238E27FC236}">
+                <a16:creationId xmlns:a16="http://schemas.microsoft.com/office/drawing/2014/main" id="{7050C9FB-7116-221F-16CD-1B0843BAE2A8}"/>
+              </a:ext>
+            </a:extLst>
+          </p:cNvPr>
+          <p:cNvSpPr txBox="1"/>
+          <p:nvPr/>
+        </p:nvSpPr>
+        <p:spPr>
+          <a:xfrm>
+            <a:off x="6466114" y="559837"/>
+            <a:ext cx="3219062" cy="2031325"/>
+          </a:xfrm>
+          <a:prstGeom prst="rect">
+            <a:avLst/>
+          </a:prstGeom>
+          <a:noFill/>
+        </p:spPr>
+        <p:txBody>
+          <a:bodyPr wrap="square" rtlCol="0">
+            <a:spAutoFit/>
+          </a:bodyPr>
+          <a:lstStyle/>
+          <a:p>
+            <a:pPr algn="ctr"/>
+            <a:r>
+              <a:rPr lang="en-IN" b="1" dirty="0"/>
+              <a:t>JavaScript Based Front End App</a:t>
+            </a:r>
+          </a:p>
+          <a:p>
+            <a:pPr algn="ctr"/>
+            <a:r>
+              <a:rPr lang="en-IN" b="1" dirty="0"/>
+              <a:t>Jquery, Angular, React, Vue, etc.</a:t>
+            </a:r>
+          </a:p>
+          <a:p>
+            <a:pPr algn="ctr"/>
+            <a:endParaRPr lang="en-IN" b="1" dirty="0"/>
+          </a:p>
+          <a:p>
+            <a:pPr algn="ctr"/>
+            <a:r>
+              <a:rPr lang="en-IN" b="1" dirty="0"/>
+              <a:t>Contains HTML Pages, JavaScript Source-Code Files, and CSS Files</a:t>
+            </a:r>
+          </a:p>
+          <a:p>
+            <a:pPr algn="ctr"/>
+            <a:r>
+              <a:rPr lang="en-IN" b="1" dirty="0"/>
+              <a:t>http://www.myfrontend.com </a:t>
+            </a:r>
+            <a:endParaRPr lang="en-US" b="1" dirty="0"/>
+          </a:p>
+        </p:txBody>
+      </p:sp>
+      <p:sp>
+        <p:nvSpPr>
+          <p:cNvPr id="6" name="Parallelogram 5">
+            <a:extLst>
+              <a:ext uri="{FF2B5EF4-FFF2-40B4-BE49-F238E27FC236}">
+                <a16:creationId xmlns:a16="http://schemas.microsoft.com/office/drawing/2014/main" id="{CADBC910-085B-50A8-5188-3956076312A6}"/>
+              </a:ext>
+            </a:extLst>
+          </p:cNvPr>
+          <p:cNvSpPr/>
+          <p:nvPr/>
+        </p:nvSpPr>
+        <p:spPr>
+          <a:xfrm>
+            <a:off x="236377" y="1735494"/>
+            <a:ext cx="3906416" cy="3769567"/>
+          </a:xfrm>
+          <a:prstGeom prst="parallelogram">
+            <a:avLst>
+              <a:gd name="adj" fmla="val 10396"/>
+            </a:avLst>
+          </a:prstGeom>
+        </p:spPr>
+        <p:style>
+          <a:lnRef idx="1">
+            <a:schemeClr val="accent3"/>
+          </a:lnRef>
+          <a:fillRef idx="2">
+            <a:schemeClr val="accent3"/>
+          </a:fillRef>
+          <a:effectRef idx="1">
+            <a:schemeClr val="accent3"/>
+          </a:effectRef>
+          <a:fontRef idx="minor">
+            <a:schemeClr val="dk1"/>
+          </a:fontRef>
+        </p:style>
+        <p:txBody>
+          <a:bodyPr rtlCol="0" anchor="ctr"/>
+          <a:lstStyle/>
+          <a:p>
+            <a:pPr algn="ctr"/>
+            <a:endParaRPr lang="en-US"/>
+          </a:p>
+        </p:txBody>
+      </p:sp>
+      <p:sp>
+        <p:nvSpPr>
+          <p:cNvPr id="7" name="TextBox 6">
+            <a:extLst>
+              <a:ext uri="{FF2B5EF4-FFF2-40B4-BE49-F238E27FC236}">
+                <a16:creationId xmlns:a16="http://schemas.microsoft.com/office/drawing/2014/main" id="{AA0FB0C3-8597-D3DB-049D-663174F9E68D}"/>
+              </a:ext>
+            </a:extLst>
+          </p:cNvPr>
+          <p:cNvSpPr txBox="1"/>
+          <p:nvPr/>
+        </p:nvSpPr>
+        <p:spPr>
+          <a:xfrm>
+            <a:off x="643812" y="1035698"/>
+            <a:ext cx="3368351" cy="369332"/>
+          </a:xfrm>
+          <a:prstGeom prst="rect">
+            <a:avLst/>
+          </a:prstGeom>
+          <a:noFill/>
+        </p:spPr>
+        <p:txBody>
+          <a:bodyPr wrap="square" rtlCol="0">
+            <a:spAutoFit/>
+          </a:bodyPr>
+          <a:lstStyle/>
+          <a:p>
+            <a:pPr algn="ctr"/>
+            <a:r>
+              <a:rPr lang="en-IN" b="1" dirty="0"/>
+              <a:t>Browser</a:t>
+            </a:r>
+            <a:endParaRPr lang="en-US" b="1" dirty="0"/>
+          </a:p>
+        </p:txBody>
+      </p:sp>
+      <p:cxnSp>
+        <p:nvCxnSpPr>
+          <p:cNvPr id="9" name="Connector: Elbow 8">
+            <a:extLst>
+              <a:ext uri="{FF2B5EF4-FFF2-40B4-BE49-F238E27FC236}">
+                <a16:creationId xmlns:a16="http://schemas.microsoft.com/office/drawing/2014/main" id="{AE68D799-3647-1565-BBAD-F1183A3B8820}"/>
+              </a:ext>
+            </a:extLst>
+          </p:cNvPr>
+          <p:cNvCxnSpPr>
+            <a:stCxn id="6" idx="2"/>
+            <a:endCxn id="4" idx="1"/>
+          </p:cNvCxnSpPr>
+          <p:nvPr/>
+        </p:nvCxnSpPr>
+        <p:spPr>
+          <a:xfrm flipV="1">
+            <a:off x="3946851" y="1502230"/>
+            <a:ext cx="2360644" cy="2118048"/>
+          </a:xfrm>
+          <a:prstGeom prst="bentConnector3">
+            <a:avLst/>
+          </a:prstGeom>
+          <a:ln w="76200">
+            <a:solidFill>
+              <a:srgbClr val="7030A0"/>
+            </a:solidFill>
+            <a:tailEnd type="triangle"/>
+          </a:ln>
+        </p:spPr>
+        <p:style>
+          <a:lnRef idx="1">
+            <a:schemeClr val="accent1"/>
+          </a:lnRef>
+          <a:fillRef idx="0">
+            <a:schemeClr val="accent1"/>
+          </a:fillRef>
+          <a:effectRef idx="0">
+            <a:schemeClr val="accent1"/>
+          </a:effectRef>
+          <a:fontRef idx="minor">
+            <a:schemeClr val="tx1"/>
+          </a:fontRef>
+        </p:style>
+      </p:cxnSp>
+      <p:sp>
+        <p:nvSpPr>
+          <p:cNvPr id="10" name="TextBox 9">
+            <a:extLst>
+              <a:ext uri="{FF2B5EF4-FFF2-40B4-BE49-F238E27FC236}">
+                <a16:creationId xmlns:a16="http://schemas.microsoft.com/office/drawing/2014/main" id="{0872AB00-0AA5-5414-5DCC-F25C93281776}"/>
+              </a:ext>
+            </a:extLst>
+          </p:cNvPr>
+          <p:cNvSpPr txBox="1"/>
+          <p:nvPr/>
+        </p:nvSpPr>
+        <p:spPr>
+          <a:xfrm>
+            <a:off x="3722914" y="662474"/>
+            <a:ext cx="2373086" cy="646331"/>
+          </a:xfrm>
+          <a:prstGeom prst="rect">
+            <a:avLst/>
+          </a:prstGeom>
+          <a:noFill/>
+        </p:spPr>
+        <p:txBody>
+          <a:bodyPr wrap="square" rtlCol="0">
+            <a:spAutoFit/>
+          </a:bodyPr>
+          <a:lstStyle/>
+          <a:p>
+            <a:pPr algn="ctr"/>
+            <a:r>
+              <a:rPr lang="en-IN" dirty="0"/>
+              <a:t>Http request to Load app in Browser</a:t>
+            </a:r>
+            <a:endParaRPr lang="en-US" dirty="0"/>
+          </a:p>
+        </p:txBody>
+      </p:sp>
+      <p:sp>
+        <p:nvSpPr>
+          <p:cNvPr id="11" name="Rectangle 10">
+            <a:extLst>
+              <a:ext uri="{FF2B5EF4-FFF2-40B4-BE49-F238E27FC236}">
+                <a16:creationId xmlns:a16="http://schemas.microsoft.com/office/drawing/2014/main" id="{4342FBAB-2752-C061-E390-4660DE057AC6}"/>
+              </a:ext>
+            </a:extLst>
+          </p:cNvPr>
+          <p:cNvSpPr/>
+          <p:nvPr/>
+        </p:nvSpPr>
+        <p:spPr>
+          <a:xfrm>
+            <a:off x="715346" y="2547257"/>
+            <a:ext cx="2914262" cy="1894114"/>
+          </a:xfrm>
+          <a:prstGeom prst="rect">
+            <a:avLst/>
+          </a:prstGeom>
+        </p:spPr>
+        <p:style>
+          <a:lnRef idx="1">
+            <a:schemeClr val="dk1"/>
+          </a:lnRef>
+          <a:fillRef idx="2">
+            <a:schemeClr val="dk1"/>
+          </a:fillRef>
+          <a:effectRef idx="1">
+            <a:schemeClr val="dk1"/>
+          </a:effectRef>
+          <a:fontRef idx="minor">
+            <a:schemeClr val="dk1"/>
+          </a:fontRef>
+        </p:style>
+        <p:txBody>
+          <a:bodyPr rtlCol="0" anchor="ctr"/>
+          <a:lstStyle/>
+          <a:p>
+            <a:pPr algn="ctr"/>
+            <a:endParaRPr lang="en-US"/>
+          </a:p>
+        </p:txBody>
+      </p:sp>
+      <p:sp>
+        <p:nvSpPr>
+          <p:cNvPr id="12" name="TextBox 11">
+            <a:extLst>
+              <a:ext uri="{FF2B5EF4-FFF2-40B4-BE49-F238E27FC236}">
+                <a16:creationId xmlns:a16="http://schemas.microsoft.com/office/drawing/2014/main" id="{EF10CBC7-58F7-7FA6-9105-20D783663C90}"/>
+              </a:ext>
+            </a:extLst>
+          </p:cNvPr>
+          <p:cNvSpPr txBox="1"/>
+          <p:nvPr/>
+        </p:nvSpPr>
+        <p:spPr>
+          <a:xfrm>
+            <a:off x="867747" y="2108718"/>
+            <a:ext cx="2631233" cy="369332"/>
+          </a:xfrm>
+          <a:prstGeom prst="rect">
+            <a:avLst/>
+          </a:prstGeom>
+          <a:noFill/>
+        </p:spPr>
+        <p:txBody>
+          <a:bodyPr wrap="square" rtlCol="0">
+            <a:spAutoFit/>
+          </a:bodyPr>
+          <a:lstStyle/>
+          <a:p>
+            <a:pPr algn="ctr"/>
+            <a:r>
+              <a:rPr lang="en-IN" b="1" dirty="0"/>
+              <a:t>HTML Page with JS File</a:t>
+            </a:r>
+            <a:endParaRPr lang="en-US" b="1" dirty="0"/>
+          </a:p>
+        </p:txBody>
+      </p:sp>
+      <p:sp>
+        <p:nvSpPr>
+          <p:cNvPr id="13" name="Rectangle: Rounded Corners 12">
+            <a:extLst>
+              <a:ext uri="{FF2B5EF4-FFF2-40B4-BE49-F238E27FC236}">
+                <a16:creationId xmlns:a16="http://schemas.microsoft.com/office/drawing/2014/main" id="{ADA6A9F2-6D3E-52D6-3CD4-AD1EB6415FB5}"/>
+              </a:ext>
+            </a:extLst>
+          </p:cNvPr>
+          <p:cNvSpPr/>
+          <p:nvPr/>
+        </p:nvSpPr>
+        <p:spPr>
+          <a:xfrm>
+            <a:off x="1138336" y="3862873"/>
+            <a:ext cx="1968758" cy="457200"/>
+          </a:xfrm>
+          <a:prstGeom prst="roundRect">
+            <a:avLst/>
+          </a:prstGeom>
+          <a:scene3d>
+            <a:camera prst="orthographicFront"/>
+            <a:lightRig rig="threePt" dir="t"/>
+          </a:scene3d>
+          <a:sp3d>
+            <a:bevelT prst="angle"/>
+          </a:sp3d>
+        </p:spPr>
+        <p:style>
+          <a:lnRef idx="2">
+            <a:schemeClr val="accent1">
+              <a:shade val="50000"/>
+            </a:schemeClr>
+          </a:lnRef>
+          <a:fillRef idx="1">
+            <a:schemeClr val="accent1"/>
+          </a:fillRef>
+          <a:effectRef idx="0">
+            <a:schemeClr val="accent1"/>
+          </a:effectRef>
+          <a:fontRef idx="minor">
+            <a:schemeClr val="lt1"/>
+          </a:fontRef>
+        </p:style>
+        <p:txBody>
+          <a:bodyPr rtlCol="0" anchor="ctr"/>
+          <a:lstStyle/>
+          <a:p>
+            <a:pPr algn="ctr"/>
+            <a:r>
+              <a:rPr lang="en-IN" b="1" dirty="0"/>
+              <a:t>Button</a:t>
+            </a:r>
+            <a:endParaRPr lang="en-US" b="1" dirty="0"/>
+          </a:p>
+        </p:txBody>
+      </p:sp>
+      <p:cxnSp>
+        <p:nvCxnSpPr>
+          <p:cNvPr id="15" name="Connector: Elbow 14">
+            <a:extLst>
+              <a:ext uri="{FF2B5EF4-FFF2-40B4-BE49-F238E27FC236}">
+                <a16:creationId xmlns:a16="http://schemas.microsoft.com/office/drawing/2014/main" id="{34F20539-A460-B0A4-3754-9A70AF7DC412}"/>
+              </a:ext>
+            </a:extLst>
+          </p:cNvPr>
+          <p:cNvCxnSpPr>
+            <a:cxnSpLocks/>
+            <a:stCxn id="13" idx="3"/>
+            <a:endCxn id="2" idx="1"/>
+          </p:cNvCxnSpPr>
+          <p:nvPr/>
+        </p:nvCxnSpPr>
+        <p:spPr>
+          <a:xfrm>
+            <a:off x="3107094" y="4091473"/>
+            <a:ext cx="4861250" cy="1017037"/>
+          </a:xfrm>
+          <a:prstGeom prst="bentConnector3">
+            <a:avLst/>
+          </a:prstGeom>
+          <a:ln w="57150">
+            <a:solidFill>
+              <a:srgbClr val="FF0000"/>
+            </a:solidFill>
+            <a:tailEnd type="triangle"/>
+          </a:ln>
+        </p:spPr>
+        <p:style>
+          <a:lnRef idx="1">
+            <a:schemeClr val="accent1"/>
+          </a:lnRef>
+          <a:fillRef idx="0">
+            <a:schemeClr val="accent1"/>
+          </a:fillRef>
+          <a:effectRef idx="0">
+            <a:schemeClr val="accent1"/>
+          </a:effectRef>
+          <a:fontRef idx="minor">
+            <a:schemeClr val="tx1"/>
+          </a:fontRef>
+        </p:style>
+      </p:cxnSp>
+      <p:sp>
+        <p:nvSpPr>
+          <p:cNvPr id="16" name="TextBox 15">
+            <a:extLst>
+              <a:ext uri="{FF2B5EF4-FFF2-40B4-BE49-F238E27FC236}">
+                <a16:creationId xmlns:a16="http://schemas.microsoft.com/office/drawing/2014/main" id="{25B89D14-C49D-C1FF-1C91-BE476CFF1BBD}"/>
+              </a:ext>
+            </a:extLst>
+          </p:cNvPr>
+          <p:cNvSpPr txBox="1"/>
+          <p:nvPr/>
+        </p:nvSpPr>
+        <p:spPr>
+          <a:xfrm>
+            <a:off x="4236098" y="5262465"/>
+            <a:ext cx="3312367" cy="646331"/>
+          </a:xfrm>
+          <a:prstGeom prst="rect">
+            <a:avLst/>
+          </a:prstGeom>
+          <a:noFill/>
+        </p:spPr>
+        <p:txBody>
+          <a:bodyPr wrap="square" rtlCol="0">
+            <a:spAutoFit/>
+          </a:bodyPr>
+          <a:lstStyle/>
+          <a:p>
+            <a:pPr algn="ctr"/>
+            <a:r>
+              <a:rPr lang="en-IN" b="1" dirty="0"/>
+              <a:t>AJAX http GET Call To Get the Data</a:t>
+            </a:r>
+            <a:endParaRPr lang="en-US" b="1" dirty="0"/>
+          </a:p>
+        </p:txBody>
+      </p:sp>
+      <p:graphicFrame>
+        <p:nvGraphicFramePr>
+          <p:cNvPr id="17" name="Table 17">
+            <a:extLst>
+              <a:ext uri="{FF2B5EF4-FFF2-40B4-BE49-F238E27FC236}">
+                <a16:creationId xmlns:a16="http://schemas.microsoft.com/office/drawing/2014/main" id="{0A2C1D96-0977-FB27-9C5A-3DC02758D863}"/>
+              </a:ext>
+            </a:extLst>
+          </p:cNvPr>
+          <p:cNvGraphicFramePr>
+            <a:graphicFrameLocks noGrp="1"/>
+          </p:cNvGraphicFramePr>
+          <p:nvPr>
+            <p:extLst>
+              <p:ext uri="{D42A27DB-BD31-4B8C-83A1-F6EECF244321}">
+                <p14:modId xmlns:p14="http://schemas.microsoft.com/office/powerpoint/2010/main" val="1339324213"/>
+              </p:ext>
+            </p:extLst>
+          </p:nvPr>
+        </p:nvGraphicFramePr>
+        <p:xfrm>
+          <a:off x="915958" y="2633721"/>
+          <a:ext cx="2583021" cy="741680"/>
+        </p:xfrm>
+        <a:graphic>
+          <a:graphicData uri="http://schemas.openxmlformats.org/drawingml/2006/table">
+            <a:tbl>
+              <a:tblPr firstRow="1" bandRow="1">
+                <a:tableStyleId>{5C22544A-7EE6-4342-B048-85BDC9FD1C3A}</a:tableStyleId>
+              </a:tblPr>
+              <a:tblGrid>
+                <a:gridCol w="861007">
+                  <a:extLst>
+                    <a:ext uri="{9D8B030D-6E8A-4147-A177-3AD203B41FA5}">
+                      <a16:colId xmlns:a16="http://schemas.microsoft.com/office/drawing/2014/main" val="2552996101"/>
+                    </a:ext>
+                  </a:extLst>
+                </a:gridCol>
+                <a:gridCol w="861007">
+                  <a:extLst>
+                    <a:ext uri="{9D8B030D-6E8A-4147-A177-3AD203B41FA5}">
+                      <a16:colId xmlns:a16="http://schemas.microsoft.com/office/drawing/2014/main" val="3601577660"/>
+                    </a:ext>
+                  </a:extLst>
+                </a:gridCol>
+                <a:gridCol w="861007">
+                  <a:extLst>
+                    <a:ext uri="{9D8B030D-6E8A-4147-A177-3AD203B41FA5}">
+                      <a16:colId xmlns:a16="http://schemas.microsoft.com/office/drawing/2014/main" val="2497440416"/>
+                    </a:ext>
+                  </a:extLst>
+                </a:gridCol>
+              </a:tblGrid>
+              <a:tr h="370840">
+                <a:tc>
+                  <a:txBody>
+                    <a:bodyPr/>
+                    <a:lstStyle/>
+                    <a:p>
+                      <a:endParaRPr lang="en-US"/>
+                    </a:p>
+                  </a:txBody>
+                  <a:tcPr/>
+                </a:tc>
+                <a:tc>
+                  <a:txBody>
+                    <a:bodyPr/>
+                    <a:lstStyle/>
+                    <a:p>
+                      <a:endParaRPr lang="en-US"/>
+                    </a:p>
+                  </a:txBody>
+                  <a:tcPr/>
+                </a:tc>
+                <a:tc>
+                  <a:txBody>
+                    <a:bodyPr/>
+                    <a:lstStyle/>
+                    <a:p>
+                      <a:endParaRPr lang="en-US"/>
+                    </a:p>
+                  </a:txBody>
+                  <a:tcPr/>
+                </a:tc>
+                <a:extLst>
+                  <a:ext uri="{0D108BD9-81ED-4DB2-BD59-A6C34878D82A}">
+                    <a16:rowId xmlns:a16="http://schemas.microsoft.com/office/drawing/2014/main" val="1764522263"/>
+                  </a:ext>
+                </a:extLst>
+              </a:tr>
+              <a:tr h="370840">
+                <a:tc>
+                  <a:txBody>
+                    <a:bodyPr/>
+                    <a:lstStyle/>
+                    <a:p>
+                      <a:endParaRPr lang="en-US"/>
+                    </a:p>
+                  </a:txBody>
+                  <a:tcPr/>
+                </a:tc>
+                <a:tc>
+                  <a:txBody>
+                    <a:bodyPr/>
+                    <a:lstStyle/>
+                    <a:p>
+                      <a:endParaRPr lang="en-US"/>
+                    </a:p>
+                  </a:txBody>
+                  <a:tcPr/>
+                </a:tc>
+                <a:tc>
+                  <a:txBody>
+                    <a:bodyPr/>
+                    <a:lstStyle/>
+                    <a:p>
+                      <a:endParaRPr lang="en-US" dirty="0"/>
+                    </a:p>
+                  </a:txBody>
+                  <a:tcPr/>
+                </a:tc>
+                <a:extLst>
+                  <a:ext uri="{0D108BD9-81ED-4DB2-BD59-A6C34878D82A}">
+                    <a16:rowId xmlns:a16="http://schemas.microsoft.com/office/drawing/2014/main" val="3542380365"/>
+                  </a:ext>
+                </a:extLst>
+              </a:tr>
+            </a:tbl>
+          </a:graphicData>
+        </a:graphic>
+      </p:graphicFrame>
+      <p:sp>
+        <p:nvSpPr>
+          <p:cNvPr id="18" name="Arrow: Curved Down 17">
+            <a:extLst>
+              <a:ext uri="{FF2B5EF4-FFF2-40B4-BE49-F238E27FC236}">
+                <a16:creationId xmlns:a16="http://schemas.microsoft.com/office/drawing/2014/main" id="{DA1774CE-F21C-DC67-49C2-3AB6375F910F}"/>
+              </a:ext>
+            </a:extLst>
+          </p:cNvPr>
+          <p:cNvSpPr/>
+          <p:nvPr/>
+        </p:nvSpPr>
+        <p:spPr>
+          <a:xfrm>
+            <a:off x="8738119" y="5350704"/>
+            <a:ext cx="2155372" cy="531845"/>
+          </a:xfrm>
+          <a:prstGeom prst="curvedDownArrow">
+            <a:avLst/>
+          </a:prstGeom>
+        </p:spPr>
+        <p:style>
+          <a:lnRef idx="2">
+            <a:schemeClr val="accent1">
+              <a:shade val="50000"/>
+            </a:schemeClr>
+          </a:lnRef>
+          <a:fillRef idx="1">
+            <a:schemeClr val="accent1"/>
+          </a:fillRef>
+          <a:effectRef idx="0">
+            <a:schemeClr val="accent1"/>
+          </a:effectRef>
+          <a:fontRef idx="minor">
+            <a:schemeClr val="lt1"/>
+          </a:fontRef>
+        </p:style>
+        <p:txBody>
+          <a:bodyPr rtlCol="0" anchor="ctr"/>
+          <a:lstStyle/>
+          <a:p>
+            <a:pPr algn="ctr"/>
+            <a:endParaRPr lang="en-US">
+              <a:solidFill>
+                <a:schemeClr val="tx1"/>
+              </a:solidFill>
+            </a:endParaRPr>
+          </a:p>
+        </p:txBody>
+      </p:sp>
+      <p:sp>
+        <p:nvSpPr>
+          <p:cNvPr id="19" name="Arrow: Curved Down 18">
+            <a:extLst>
+              <a:ext uri="{FF2B5EF4-FFF2-40B4-BE49-F238E27FC236}">
+                <a16:creationId xmlns:a16="http://schemas.microsoft.com/office/drawing/2014/main" id="{A61F966D-CA3A-4BF0-D43C-5AB9E40E6983}"/>
+              </a:ext>
+            </a:extLst>
+          </p:cNvPr>
+          <p:cNvSpPr/>
+          <p:nvPr/>
+        </p:nvSpPr>
+        <p:spPr>
+          <a:xfrm rot="10800000">
+            <a:off x="8640147" y="6008111"/>
+            <a:ext cx="2155372" cy="531845"/>
+          </a:xfrm>
+          <a:prstGeom prst="curvedDownArrow">
+            <a:avLst/>
+          </a:prstGeom>
+        </p:spPr>
+        <p:style>
+          <a:lnRef idx="2">
+            <a:schemeClr val="accent1">
+              <a:shade val="50000"/>
+            </a:schemeClr>
+          </a:lnRef>
+          <a:fillRef idx="1">
+            <a:schemeClr val="accent1"/>
+          </a:fillRef>
+          <a:effectRef idx="0">
+            <a:schemeClr val="accent1"/>
+          </a:effectRef>
+          <a:fontRef idx="minor">
+            <a:schemeClr val="lt1"/>
+          </a:fontRef>
+        </p:style>
+        <p:txBody>
+          <a:bodyPr rtlCol="0" anchor="ctr"/>
+          <a:lstStyle/>
+          <a:p>
+            <a:pPr algn="ctr"/>
+            <a:endParaRPr lang="en-US">
+              <a:solidFill>
+                <a:schemeClr val="tx1"/>
+              </a:solidFill>
+            </a:endParaRPr>
+          </a:p>
+        </p:txBody>
+      </p:sp>
+      <p:sp>
+        <p:nvSpPr>
+          <p:cNvPr id="21" name="TextBox 20">
+            <a:extLst>
+              <a:ext uri="{FF2B5EF4-FFF2-40B4-BE49-F238E27FC236}">
+                <a16:creationId xmlns:a16="http://schemas.microsoft.com/office/drawing/2014/main" id="{3F7D4ECA-C552-CD5F-15B7-28003FF2F530}"/>
+              </a:ext>
+            </a:extLst>
+          </p:cNvPr>
+          <p:cNvSpPr txBox="1"/>
+          <p:nvPr/>
+        </p:nvSpPr>
+        <p:spPr>
+          <a:xfrm>
+            <a:off x="9004041" y="5775447"/>
+            <a:ext cx="1483567" cy="369332"/>
+          </a:xfrm>
+          <a:prstGeom prst="rect">
+            <a:avLst/>
+          </a:prstGeom>
+          <a:noFill/>
+        </p:spPr>
+        <p:txBody>
+          <a:bodyPr wrap="square" rtlCol="0">
+            <a:spAutoFit/>
+          </a:bodyPr>
+          <a:lstStyle/>
+          <a:p>
+            <a:pPr algn="ctr"/>
+            <a:r>
+              <a:rPr lang="en-IN" b="1" dirty="0"/>
+              <a:t>GET Executed</a:t>
+            </a:r>
+            <a:endParaRPr lang="en-US" b="1" dirty="0"/>
+          </a:p>
+        </p:txBody>
+      </p:sp>
+      <p:cxnSp>
+        <p:nvCxnSpPr>
+          <p:cNvPr id="23" name="Connector: Elbow 22">
+            <a:extLst>
+              <a:ext uri="{FF2B5EF4-FFF2-40B4-BE49-F238E27FC236}">
+                <a16:creationId xmlns:a16="http://schemas.microsoft.com/office/drawing/2014/main" id="{85D37AAB-363C-0981-5EC0-A0697E8E335D}"/>
+              </a:ext>
+            </a:extLst>
+          </p:cNvPr>
+          <p:cNvCxnSpPr>
+            <a:stCxn id="2" idx="1"/>
+            <a:endCxn id="17" idx="3"/>
+          </p:cNvCxnSpPr>
+          <p:nvPr/>
+        </p:nvCxnSpPr>
+        <p:spPr>
+          <a:xfrm rot="10800000">
+            <a:off x="3498980" y="3004562"/>
+            <a:ext cx="4469365" cy="2103949"/>
+          </a:xfrm>
+          <a:prstGeom prst="bentConnector3">
+            <a:avLst/>
+          </a:prstGeom>
+          <a:ln w="76200">
+            <a:solidFill>
+              <a:srgbClr val="FF0000"/>
+            </a:solidFill>
+            <a:tailEnd type="triangle"/>
+          </a:ln>
+        </p:spPr>
+        <p:style>
+          <a:lnRef idx="1">
+            <a:schemeClr val="accent1"/>
+          </a:lnRef>
+          <a:fillRef idx="0">
+            <a:schemeClr val="accent1"/>
+          </a:fillRef>
+          <a:effectRef idx="0">
+            <a:schemeClr val="accent1"/>
+          </a:effectRef>
+          <a:fontRef idx="minor">
+            <a:schemeClr val="tx1"/>
+          </a:fontRef>
+        </p:style>
+      </p:cxnSp>
+      <p:sp>
+        <p:nvSpPr>
+          <p:cNvPr id="24" name="TextBox 23">
+            <a:extLst>
+              <a:ext uri="{FF2B5EF4-FFF2-40B4-BE49-F238E27FC236}">
+                <a16:creationId xmlns:a16="http://schemas.microsoft.com/office/drawing/2014/main" id="{EF2B7196-D36C-DB7C-8F51-7A9C7A8357B5}"/>
+              </a:ext>
+            </a:extLst>
+          </p:cNvPr>
+          <p:cNvSpPr txBox="1"/>
+          <p:nvPr/>
+        </p:nvSpPr>
+        <p:spPr>
+          <a:xfrm>
+            <a:off x="5859623" y="3429000"/>
+            <a:ext cx="1912779" cy="369332"/>
+          </a:xfrm>
+          <a:prstGeom prst="rect">
+            <a:avLst/>
+          </a:prstGeom>
+          <a:noFill/>
+        </p:spPr>
+        <p:txBody>
+          <a:bodyPr wrap="square" rtlCol="0">
+            <a:spAutoFit/>
+          </a:bodyPr>
+          <a:lstStyle/>
+          <a:p>
+            <a:r>
+              <a:rPr lang="en-IN" b="1"/>
+              <a:t>JSON </a:t>
+            </a:r>
+            <a:r>
+              <a:rPr lang="en-IN" b="1" dirty="0"/>
+              <a:t>Response</a:t>
+            </a:r>
+            <a:endParaRPr lang="en-US" b="1" dirty="0"/>
+          </a:p>
+        </p:txBody>
+      </p:sp>
+    </p:spTree>
+    <p:extLst>
+      <p:ext uri="{BB962C8B-B14F-4D97-AF65-F5344CB8AC3E}">
+        <p14:creationId xmlns:p14="http://schemas.microsoft.com/office/powerpoint/2010/main" val="654239302"/>
+      </p:ext>
+    </p:extLst>
+  </p:cSld>
+  <p:clrMapOvr>
+    <a:masterClrMapping/>
+  </p:clrMapOvr>
+</p:sld>
+</file>
+
 <file path=ppt/slides/slide5.xml><?xml version="1.0" encoding="utf-8"?>
 <p:sld xmlns:a="http://schemas.openxmlformats.org/drawingml/2006/main" xmlns:r="http://schemas.openxmlformats.org/officeDocument/2006/relationships" xmlns:p="http://schemas.openxmlformats.org/presentationml/2006/main">
   <p:cSld>

--- a/Training-Images.pptx
+++ b/Training-Images.pptx
@@ -40116,7 +40116,7 @@
               <a:t>e.t.c</a:t>
             </a:r>
             <a:r>
-              <a:rPr lang="en-IN" b="1"/>
+              <a:rPr lang="en-IN" b="1" dirty="0"/>
               <a:t>.</a:t>
             </a:r>
             <a:endParaRPr lang="en-US" b="1" dirty="0"/>
@@ -42695,7 +42695,7 @@
         <p:spPr>
           <a:xfrm>
             <a:off x="6307495" y="23328"/>
-            <a:ext cx="3508310" cy="2957804"/>
+            <a:ext cx="4376056" cy="2803149"/>
           </a:xfrm>
           <a:prstGeom prst="roundRect">
             <a:avLst/>
@@ -42879,6 +42879,7 @@
             </a:extLst>
           </p:cNvPr>
           <p:cNvCxnSpPr>
+            <a:cxnSpLocks/>
             <a:stCxn id="6" idx="2"/>
             <a:endCxn id="4" idx="1"/>
           </p:cNvCxnSpPr>
@@ -42886,8 +42887,8 @@
         </p:nvCxnSpPr>
         <p:spPr>
           <a:xfrm flipV="1">
-            <a:off x="3946851" y="1502230"/>
-            <a:ext cx="2360644" cy="2118048"/>
+            <a:off x="3946851" y="1424903"/>
+            <a:ext cx="2360644" cy="2195375"/>
           </a:xfrm>
           <a:prstGeom prst="bentConnector3">
             <a:avLst/>
@@ -42944,10 +42945,10 @@
           <a:p>
             <a:pPr algn="ctr"/>
             <a:r>
-              <a:rPr lang="en-IN" dirty="0"/>
+              <a:rPr lang="en-IN" b="1" dirty="0"/>
               <a:t>Http request to Load app in Browser</a:t>
             </a:r>
-            <a:endParaRPr lang="en-US" dirty="0"/>
+            <a:endParaRPr lang="en-US" b="1" dirty="0"/>
           </a:p>
         </p:txBody>
       </p:sp>
@@ -43450,17 +43451,18 @@
             </a:extLst>
           </p:cNvPr>
           <p:cNvCxnSpPr>
-            <a:stCxn id="2" idx="1"/>
+            <a:cxnSpLocks/>
+            <a:stCxn id="2" idx="0"/>
             <a:endCxn id="17" idx="3"/>
           </p:cNvCxnSpPr>
           <p:nvPr/>
         </p:nvCxnSpPr>
         <p:spPr>
-          <a:xfrm rot="10800000">
-            <a:off x="3498980" y="3004562"/>
-            <a:ext cx="4469365" cy="2103949"/>
-          </a:xfrm>
-          <a:prstGeom prst="bentConnector3">
+          <a:xfrm rot="16200000" flipV="1">
+            <a:off x="6361198" y="142342"/>
+            <a:ext cx="494418" cy="6218855"/>
+          </a:xfrm>
+          <a:prstGeom prst="bentConnector2">
             <a:avLst/>
           </a:prstGeom>
           <a:ln w="76200">
@@ -43514,12 +43516,216 @@
           <a:lstStyle/>
           <a:p>
             <a:r>
-              <a:rPr lang="en-IN" b="1"/>
-              <a:t>JSON </a:t>
-            </a:r>
-            <a:r>
               <a:rPr lang="en-IN" b="1" dirty="0"/>
-              <a:t>Response</a:t>
+              <a:t>JSON Response</a:t>
+            </a:r>
+            <a:endParaRPr lang="en-US" b="1" dirty="0"/>
+          </a:p>
+        </p:txBody>
+      </p:sp>
+      <p:cxnSp>
+        <p:nvCxnSpPr>
+          <p:cNvPr id="26" name="Connector: Elbow 25">
+            <a:extLst>
+              <a:ext uri="{FF2B5EF4-FFF2-40B4-BE49-F238E27FC236}">
+                <a16:creationId xmlns:a16="http://schemas.microsoft.com/office/drawing/2014/main" id="{EDBFB6F3-12E9-F090-97B2-17A04C6E0E2D}"/>
+              </a:ext>
+            </a:extLst>
+          </p:cNvPr>
+          <p:cNvCxnSpPr>
+            <a:cxnSpLocks/>
+            <a:stCxn id="4" idx="1"/>
+            <a:endCxn id="17" idx="0"/>
+          </p:cNvCxnSpPr>
+          <p:nvPr/>
+        </p:nvCxnSpPr>
+        <p:spPr>
+          <a:xfrm rot="10800000" flipV="1">
+            <a:off x="2207469" y="1424903"/>
+            <a:ext cx="4100027" cy="1208818"/>
+          </a:xfrm>
+          <a:prstGeom prst="bentConnector2">
+            <a:avLst/>
+          </a:prstGeom>
+          <a:ln w="57150">
+            <a:solidFill>
+              <a:srgbClr val="002060"/>
+            </a:solidFill>
+            <a:tailEnd type="triangle"/>
+          </a:ln>
+        </p:spPr>
+        <p:style>
+          <a:lnRef idx="1">
+            <a:schemeClr val="accent1"/>
+          </a:lnRef>
+          <a:fillRef idx="0">
+            <a:schemeClr val="accent1"/>
+          </a:fillRef>
+          <a:effectRef idx="0">
+            <a:schemeClr val="accent1"/>
+          </a:effectRef>
+          <a:fontRef idx="minor">
+            <a:schemeClr val="tx1"/>
+          </a:fontRef>
+        </p:style>
+      </p:cxnSp>
+      <p:sp>
+        <p:nvSpPr>
+          <p:cNvPr id="27" name="TextBox 26">
+            <a:extLst>
+              <a:ext uri="{FF2B5EF4-FFF2-40B4-BE49-F238E27FC236}">
+                <a16:creationId xmlns:a16="http://schemas.microsoft.com/office/drawing/2014/main" id="{74CE77DC-4EE5-2742-A6D8-961905D68304}"/>
+              </a:ext>
+            </a:extLst>
+          </p:cNvPr>
+          <p:cNvSpPr txBox="1"/>
+          <p:nvPr/>
+        </p:nvSpPr>
+        <p:spPr>
+          <a:xfrm>
+            <a:off x="1259638" y="3454776"/>
+            <a:ext cx="1968758" cy="307777"/>
+          </a:xfrm>
+          <a:prstGeom prst="rect">
+            <a:avLst/>
+          </a:prstGeom>
+          <a:noFill/>
+        </p:spPr>
+        <p:txBody>
+          <a:bodyPr wrap="square" rtlCol="0">
+            <a:spAutoFit/>
+          </a:bodyPr>
+          <a:lstStyle/>
+          <a:p>
+            <a:r>
+              <a:rPr lang="en-IN" sz="1400" b="1" dirty="0"/>
+              <a:t>App UI  in Browser</a:t>
+            </a:r>
+            <a:endParaRPr lang="en-US" sz="1400" b="1" dirty="0"/>
+          </a:p>
+        </p:txBody>
+      </p:sp>
+      <p:sp>
+        <p:nvSpPr>
+          <p:cNvPr id="32" name="Multiplication Sign 31">
+            <a:extLst>
+              <a:ext uri="{FF2B5EF4-FFF2-40B4-BE49-F238E27FC236}">
+                <a16:creationId xmlns:a16="http://schemas.microsoft.com/office/drawing/2014/main" id="{AC0B7656-1180-0090-3F42-B87C03E9FD42}"/>
+              </a:ext>
+            </a:extLst>
+          </p:cNvPr>
+          <p:cNvSpPr/>
+          <p:nvPr/>
+        </p:nvSpPr>
+        <p:spPr>
+          <a:xfrm>
+            <a:off x="4893906" y="4166118"/>
+            <a:ext cx="1202094" cy="788437"/>
+          </a:xfrm>
+          <a:prstGeom prst="mathMultiply">
+            <a:avLst/>
+          </a:prstGeom>
+          <a:ln>
+            <a:solidFill>
+              <a:srgbClr val="FFFF00"/>
+            </a:solidFill>
+          </a:ln>
+        </p:spPr>
+        <p:style>
+          <a:lnRef idx="2">
+            <a:schemeClr val="accent1">
+              <a:shade val="50000"/>
+            </a:schemeClr>
+          </a:lnRef>
+          <a:fillRef idx="1">
+            <a:schemeClr val="accent1"/>
+          </a:fillRef>
+          <a:effectRef idx="0">
+            <a:schemeClr val="accent1"/>
+          </a:effectRef>
+          <a:fontRef idx="minor">
+            <a:schemeClr val="lt1"/>
+          </a:fontRef>
+        </p:style>
+        <p:txBody>
+          <a:bodyPr rtlCol="0" anchor="ctr"/>
+          <a:lstStyle/>
+          <a:p>
+            <a:pPr algn="ctr"/>
+            <a:endParaRPr lang="en-US"/>
+          </a:p>
+        </p:txBody>
+      </p:sp>
+      <p:cxnSp>
+        <p:nvCxnSpPr>
+          <p:cNvPr id="34" name="Straight Arrow Connector 33">
+            <a:extLst>
+              <a:ext uri="{FF2B5EF4-FFF2-40B4-BE49-F238E27FC236}">
+                <a16:creationId xmlns:a16="http://schemas.microsoft.com/office/drawing/2014/main" id="{AA516482-997F-55A5-EEC7-AA57FD35C5EB}"/>
+              </a:ext>
+            </a:extLst>
+          </p:cNvPr>
+          <p:cNvCxnSpPr/>
+          <p:nvPr/>
+        </p:nvCxnSpPr>
+        <p:spPr>
+          <a:xfrm flipV="1">
+            <a:off x="3722914" y="4514404"/>
+            <a:ext cx="1492898" cy="1830412"/>
+          </a:xfrm>
+          <a:prstGeom prst="straightConnector1">
+            <a:avLst/>
+          </a:prstGeom>
+          <a:ln>
+            <a:tailEnd type="triangle"/>
+          </a:ln>
+        </p:spPr>
+        <p:style>
+          <a:lnRef idx="1">
+            <a:schemeClr val="accent1"/>
+          </a:lnRef>
+          <a:fillRef idx="0">
+            <a:schemeClr val="accent1"/>
+          </a:fillRef>
+          <a:effectRef idx="0">
+            <a:schemeClr val="accent1"/>
+          </a:effectRef>
+          <a:fontRef idx="minor">
+            <a:schemeClr val="tx1"/>
+          </a:fontRef>
+        </p:style>
+      </p:cxnSp>
+      <p:sp>
+        <p:nvSpPr>
+          <p:cNvPr id="35" name="TextBox 34">
+            <a:extLst>
+              <a:ext uri="{FF2B5EF4-FFF2-40B4-BE49-F238E27FC236}">
+                <a16:creationId xmlns:a16="http://schemas.microsoft.com/office/drawing/2014/main" id="{ED921F34-FF88-BFC4-5B23-C995E4E710FE}"/>
+              </a:ext>
+            </a:extLst>
+          </p:cNvPr>
+          <p:cNvSpPr txBox="1"/>
+          <p:nvPr/>
+        </p:nvSpPr>
+        <p:spPr>
+          <a:xfrm>
+            <a:off x="1663961" y="6274034"/>
+            <a:ext cx="4391608" cy="369332"/>
+          </a:xfrm>
+          <a:prstGeom prst="rect">
+            <a:avLst/>
+          </a:prstGeom>
+          <a:noFill/>
+        </p:spPr>
+        <p:txBody>
+          <a:bodyPr wrap="square" rtlCol="0">
+            <a:spAutoFit/>
+          </a:bodyPr>
+          <a:lstStyle/>
+          <a:p>
+            <a:r>
+              <a:rPr lang="en-IN" b="1" dirty="0"/>
+              <a:t>Cross-Origin-Resource-Sharing (CORS)</a:t>
             </a:r>
             <a:endParaRPr lang="en-US" b="1" dirty="0"/>
           </a:p>

--- a/Training-Images.pptx
+++ b/Training-Images.pptx
@@ -51,6 +51,8 @@
     <p:sldId id="300" r:id="rId45"/>
     <p:sldId id="301" r:id="rId46"/>
     <p:sldId id="302" r:id="rId47"/>
+    <p:sldId id="303" r:id="rId48"/>
+    <p:sldId id="304" r:id="rId49"/>
   </p:sldIdLst>
   <p:sldSz cx="12192000" cy="6858000"/>
   <p:notesSz cx="6858000" cy="9144000"/>
@@ -304,7 +306,7 @@
           <a:p>
             <a:fld id="{95E4630E-4E16-4BC6-8D4C-04E2A0254E22}" type="datetimeFigureOut">
               <a:rPr lang="en-US" smtClean="0"/>
-              <a:t>8/3/2022</a:t>
+              <a:t>8/5/2022</a:t>
             </a:fld>
             <a:endParaRPr lang="en-US"/>
           </a:p>
@@ -502,7 +504,7 @@
           <a:p>
             <a:fld id="{95E4630E-4E16-4BC6-8D4C-04E2A0254E22}" type="datetimeFigureOut">
               <a:rPr lang="en-US" smtClean="0"/>
-              <a:t>8/3/2022</a:t>
+              <a:t>8/5/2022</a:t>
             </a:fld>
             <a:endParaRPr lang="en-US"/>
           </a:p>
@@ -710,7 +712,7 @@
           <a:p>
             <a:fld id="{95E4630E-4E16-4BC6-8D4C-04E2A0254E22}" type="datetimeFigureOut">
               <a:rPr lang="en-US" smtClean="0"/>
-              <a:t>8/3/2022</a:t>
+              <a:t>8/5/2022</a:t>
             </a:fld>
             <a:endParaRPr lang="en-US"/>
           </a:p>
@@ -908,7 +910,7 @@
           <a:p>
             <a:fld id="{95E4630E-4E16-4BC6-8D4C-04E2A0254E22}" type="datetimeFigureOut">
               <a:rPr lang="en-US" smtClean="0"/>
-              <a:t>8/3/2022</a:t>
+              <a:t>8/5/2022</a:t>
             </a:fld>
             <a:endParaRPr lang="en-US"/>
           </a:p>
@@ -1183,7 +1185,7 @@
           <a:p>
             <a:fld id="{95E4630E-4E16-4BC6-8D4C-04E2A0254E22}" type="datetimeFigureOut">
               <a:rPr lang="en-US" smtClean="0"/>
-              <a:t>8/3/2022</a:t>
+              <a:t>8/5/2022</a:t>
             </a:fld>
             <a:endParaRPr lang="en-US"/>
           </a:p>
@@ -1448,7 +1450,7 @@
           <a:p>
             <a:fld id="{95E4630E-4E16-4BC6-8D4C-04E2A0254E22}" type="datetimeFigureOut">
               <a:rPr lang="en-US" smtClean="0"/>
-              <a:t>8/3/2022</a:t>
+              <a:t>8/5/2022</a:t>
             </a:fld>
             <a:endParaRPr lang="en-US"/>
           </a:p>
@@ -1860,7 +1862,7 @@
           <a:p>
             <a:fld id="{95E4630E-4E16-4BC6-8D4C-04E2A0254E22}" type="datetimeFigureOut">
               <a:rPr lang="en-US" smtClean="0"/>
-              <a:t>8/3/2022</a:t>
+              <a:t>8/5/2022</a:t>
             </a:fld>
             <a:endParaRPr lang="en-US"/>
           </a:p>
@@ -2001,7 +2003,7 @@
           <a:p>
             <a:fld id="{95E4630E-4E16-4BC6-8D4C-04E2A0254E22}" type="datetimeFigureOut">
               <a:rPr lang="en-US" smtClean="0"/>
-              <a:t>8/3/2022</a:t>
+              <a:t>8/5/2022</a:t>
             </a:fld>
             <a:endParaRPr lang="en-US"/>
           </a:p>
@@ -2114,7 +2116,7 @@
           <a:p>
             <a:fld id="{95E4630E-4E16-4BC6-8D4C-04E2A0254E22}" type="datetimeFigureOut">
               <a:rPr lang="en-US" smtClean="0"/>
-              <a:t>8/3/2022</a:t>
+              <a:t>8/5/2022</a:t>
             </a:fld>
             <a:endParaRPr lang="en-US"/>
           </a:p>
@@ -2425,7 +2427,7 @@
           <a:p>
             <a:fld id="{95E4630E-4E16-4BC6-8D4C-04E2A0254E22}" type="datetimeFigureOut">
               <a:rPr lang="en-US" smtClean="0"/>
-              <a:t>8/3/2022</a:t>
+              <a:t>8/5/2022</a:t>
             </a:fld>
             <a:endParaRPr lang="en-US"/>
           </a:p>
@@ -2713,7 +2715,7 @@
           <a:p>
             <a:fld id="{95E4630E-4E16-4BC6-8D4C-04E2A0254E22}" type="datetimeFigureOut">
               <a:rPr lang="en-US" smtClean="0"/>
-              <a:t>8/3/2022</a:t>
+              <a:t>8/5/2022</a:t>
             </a:fld>
             <a:endParaRPr lang="en-US"/>
           </a:p>
@@ -2954,7 +2956,7 @@
           <a:p>
             <a:fld id="{95E4630E-4E16-4BC6-8D4C-04E2A0254E22}" type="datetimeFigureOut">
               <a:rPr lang="en-US" smtClean="0"/>
-              <a:t>8/3/2022</a:t>
+              <a:t>8/5/2022</a:t>
             </a:fld>
             <a:endParaRPr lang="en-US"/>
           </a:p>
@@ -43744,6 +43746,1443 @@
 </p:sld>
 </file>
 
+<file path=ppt/slides/slide47.xml><?xml version="1.0" encoding="utf-8"?>
+<p:sld xmlns:a="http://schemas.openxmlformats.org/drawingml/2006/main" xmlns:r="http://schemas.openxmlformats.org/officeDocument/2006/relationships" xmlns:p="http://schemas.openxmlformats.org/presentationml/2006/main">
+  <p:cSld>
+    <p:spTree>
+      <p:nvGrpSpPr>
+        <p:cNvPr id="1" name=""/>
+        <p:cNvGrpSpPr/>
+        <p:nvPr/>
+      </p:nvGrpSpPr>
+      <p:grpSpPr>
+        <a:xfrm>
+          <a:off x="0" y="0"/>
+          <a:ext cx="0" cy="0"/>
+          <a:chOff x="0" y="0"/>
+          <a:chExt cx="0" cy="0"/>
+        </a:xfrm>
+      </p:grpSpPr>
+      <p:sp>
+        <p:nvSpPr>
+          <p:cNvPr id="2" name="Parallelogram 1">
+            <a:extLst>
+              <a:ext uri="{FF2B5EF4-FFF2-40B4-BE49-F238E27FC236}">
+                <a16:creationId xmlns:a16="http://schemas.microsoft.com/office/drawing/2014/main" id="{BFF6D6AA-C9A1-59B3-1254-F8DF79715897}"/>
+              </a:ext>
+            </a:extLst>
+          </p:cNvPr>
+          <p:cNvSpPr/>
+          <p:nvPr/>
+        </p:nvSpPr>
+        <p:spPr>
+          <a:xfrm>
+            <a:off x="158619" y="783771"/>
+            <a:ext cx="1903445" cy="5906277"/>
+          </a:xfrm>
+          <a:prstGeom prst="parallelogram">
+            <a:avLst/>
+          </a:prstGeom>
+        </p:spPr>
+        <p:style>
+          <a:lnRef idx="2">
+            <a:schemeClr val="accent6"/>
+          </a:lnRef>
+          <a:fillRef idx="1">
+            <a:schemeClr val="lt1"/>
+          </a:fillRef>
+          <a:effectRef idx="0">
+            <a:schemeClr val="accent6"/>
+          </a:effectRef>
+          <a:fontRef idx="minor">
+            <a:schemeClr val="dk1"/>
+          </a:fontRef>
+        </p:style>
+        <p:txBody>
+          <a:bodyPr rtlCol="0" anchor="ctr"/>
+          <a:lstStyle/>
+          <a:p>
+            <a:pPr algn="ctr"/>
+            <a:r>
+              <a:rPr lang="en-IN" b="1" dirty="0"/>
+              <a:t>Browser</a:t>
+            </a:r>
+            <a:endParaRPr lang="en-US" b="1" dirty="0"/>
+          </a:p>
+        </p:txBody>
+      </p:sp>
+      <p:sp>
+        <p:nvSpPr>
+          <p:cNvPr id="3" name="Rectangle 2">
+            <a:extLst>
+              <a:ext uri="{FF2B5EF4-FFF2-40B4-BE49-F238E27FC236}">
+                <a16:creationId xmlns:a16="http://schemas.microsoft.com/office/drawing/2014/main" id="{F39AAF84-3940-BCFF-DB88-60A5F3873179}"/>
+              </a:ext>
+            </a:extLst>
+          </p:cNvPr>
+          <p:cNvSpPr/>
+          <p:nvPr/>
+        </p:nvSpPr>
+        <p:spPr>
+          <a:xfrm>
+            <a:off x="9056915" y="503853"/>
+            <a:ext cx="2976466" cy="6018245"/>
+          </a:xfrm>
+          <a:prstGeom prst="rect">
+            <a:avLst/>
+          </a:prstGeom>
+        </p:spPr>
+        <p:style>
+          <a:lnRef idx="1">
+            <a:schemeClr val="accent2"/>
+          </a:lnRef>
+          <a:fillRef idx="2">
+            <a:schemeClr val="accent2"/>
+          </a:fillRef>
+          <a:effectRef idx="1">
+            <a:schemeClr val="accent2"/>
+          </a:effectRef>
+          <a:fontRef idx="minor">
+            <a:schemeClr val="dk1"/>
+          </a:fontRef>
+        </p:style>
+        <p:txBody>
+          <a:bodyPr rtlCol="0" anchor="ctr"/>
+          <a:lstStyle/>
+          <a:p>
+            <a:pPr algn="ctr"/>
+            <a:r>
+              <a:rPr lang="en-IN" b="1" dirty="0"/>
+              <a:t>Web Application Host</a:t>
+            </a:r>
+            <a:endParaRPr lang="en-US" b="1" dirty="0"/>
+          </a:p>
+        </p:txBody>
+      </p:sp>
+      <p:sp>
+        <p:nvSpPr>
+          <p:cNvPr id="4" name="Arrow: Right 3">
+            <a:extLst>
+              <a:ext uri="{FF2B5EF4-FFF2-40B4-BE49-F238E27FC236}">
+                <a16:creationId xmlns:a16="http://schemas.microsoft.com/office/drawing/2014/main" id="{9F9C3369-38D1-1796-8CC5-78E24CDB0CA9}"/>
+              </a:ext>
+            </a:extLst>
+          </p:cNvPr>
+          <p:cNvSpPr/>
+          <p:nvPr/>
+        </p:nvSpPr>
+        <p:spPr>
+          <a:xfrm>
+            <a:off x="2062064" y="877078"/>
+            <a:ext cx="6994851" cy="419877"/>
+          </a:xfrm>
+          <a:prstGeom prst="rightArrow">
+            <a:avLst/>
+          </a:prstGeom>
+        </p:spPr>
+        <p:style>
+          <a:lnRef idx="2">
+            <a:schemeClr val="accent1">
+              <a:shade val="50000"/>
+            </a:schemeClr>
+          </a:lnRef>
+          <a:fillRef idx="1">
+            <a:schemeClr val="accent1"/>
+          </a:fillRef>
+          <a:effectRef idx="0">
+            <a:schemeClr val="accent1"/>
+          </a:effectRef>
+          <a:fontRef idx="minor">
+            <a:schemeClr val="lt1"/>
+          </a:fontRef>
+        </p:style>
+        <p:txBody>
+          <a:bodyPr rtlCol="0" anchor="ctr"/>
+          <a:lstStyle/>
+          <a:p>
+            <a:pPr algn="ctr"/>
+            <a:r>
+              <a:rPr lang="en-IN" b="1" dirty="0"/>
+              <a:t>HTTP Request</a:t>
+            </a:r>
+            <a:endParaRPr lang="en-US" b="1" dirty="0"/>
+          </a:p>
+        </p:txBody>
+      </p:sp>
+      <p:sp>
+        <p:nvSpPr>
+          <p:cNvPr id="5" name="Arrow: Left 4">
+            <a:extLst>
+              <a:ext uri="{FF2B5EF4-FFF2-40B4-BE49-F238E27FC236}">
+                <a16:creationId xmlns:a16="http://schemas.microsoft.com/office/drawing/2014/main" id="{C56FD823-B8F3-14FA-1C48-7305C8BAEDB6}"/>
+              </a:ext>
+            </a:extLst>
+          </p:cNvPr>
+          <p:cNvSpPr/>
+          <p:nvPr/>
+        </p:nvSpPr>
+        <p:spPr>
+          <a:xfrm>
+            <a:off x="2062064" y="5840963"/>
+            <a:ext cx="6994851" cy="419877"/>
+          </a:xfrm>
+          <a:prstGeom prst="leftArrow">
+            <a:avLst/>
+          </a:prstGeom>
+        </p:spPr>
+        <p:style>
+          <a:lnRef idx="2">
+            <a:schemeClr val="accent1">
+              <a:shade val="50000"/>
+            </a:schemeClr>
+          </a:lnRef>
+          <a:fillRef idx="1">
+            <a:schemeClr val="accent1"/>
+          </a:fillRef>
+          <a:effectRef idx="0">
+            <a:schemeClr val="accent1"/>
+          </a:effectRef>
+          <a:fontRef idx="minor">
+            <a:schemeClr val="lt1"/>
+          </a:fontRef>
+        </p:style>
+        <p:txBody>
+          <a:bodyPr rtlCol="0" anchor="ctr"/>
+          <a:lstStyle/>
+          <a:p>
+            <a:pPr algn="ctr"/>
+            <a:r>
+              <a:rPr lang="en-IN" b="1" dirty="0"/>
+              <a:t>HTTP Response</a:t>
+            </a:r>
+            <a:endParaRPr lang="en-US" b="1" dirty="0"/>
+          </a:p>
+        </p:txBody>
+      </p:sp>
+      <p:sp>
+        <p:nvSpPr>
+          <p:cNvPr id="6" name="Rectangle: Rounded Corners 5">
+            <a:extLst>
+              <a:ext uri="{FF2B5EF4-FFF2-40B4-BE49-F238E27FC236}">
+                <a16:creationId xmlns:a16="http://schemas.microsoft.com/office/drawing/2014/main" id="{7EFCCCF9-AFAA-E41B-0ED9-0D0C6E5575BC}"/>
+              </a:ext>
+            </a:extLst>
+          </p:cNvPr>
+          <p:cNvSpPr/>
+          <p:nvPr/>
+        </p:nvSpPr>
+        <p:spPr>
+          <a:xfrm>
+            <a:off x="2556588" y="1390262"/>
+            <a:ext cx="1129004" cy="587828"/>
+          </a:xfrm>
+          <a:prstGeom prst="roundRect">
+            <a:avLst/>
+          </a:prstGeom>
+        </p:spPr>
+        <p:style>
+          <a:lnRef idx="2">
+            <a:schemeClr val="accent1">
+              <a:shade val="50000"/>
+            </a:schemeClr>
+          </a:lnRef>
+          <a:fillRef idx="1">
+            <a:schemeClr val="accent1"/>
+          </a:fillRef>
+          <a:effectRef idx="0">
+            <a:schemeClr val="accent1"/>
+          </a:effectRef>
+          <a:fontRef idx="minor">
+            <a:schemeClr val="lt1"/>
+          </a:fontRef>
+        </p:style>
+        <p:txBody>
+          <a:bodyPr rtlCol="0" anchor="ctr"/>
+          <a:lstStyle/>
+          <a:p>
+            <a:pPr algn="ctr"/>
+            <a:r>
+              <a:rPr lang="en-IN" b="1" dirty="0"/>
+              <a:t>Security</a:t>
+            </a:r>
+            <a:endParaRPr lang="en-US" b="1" dirty="0"/>
+          </a:p>
+        </p:txBody>
+      </p:sp>
+      <p:sp>
+        <p:nvSpPr>
+          <p:cNvPr id="7" name="Rectangle: Rounded Corners 6">
+            <a:extLst>
+              <a:ext uri="{FF2B5EF4-FFF2-40B4-BE49-F238E27FC236}">
+                <a16:creationId xmlns:a16="http://schemas.microsoft.com/office/drawing/2014/main" id="{5937DCCC-B32D-F154-2BCA-CB2B4C7862D9}"/>
+              </a:ext>
+            </a:extLst>
+          </p:cNvPr>
+          <p:cNvSpPr/>
+          <p:nvPr/>
+        </p:nvSpPr>
+        <p:spPr>
+          <a:xfrm>
+            <a:off x="3721361" y="1376266"/>
+            <a:ext cx="1129004" cy="587828"/>
+          </a:xfrm>
+          <a:prstGeom prst="roundRect">
+            <a:avLst/>
+          </a:prstGeom>
+        </p:spPr>
+        <p:style>
+          <a:lnRef idx="2">
+            <a:schemeClr val="accent1">
+              <a:shade val="50000"/>
+            </a:schemeClr>
+          </a:lnRef>
+          <a:fillRef idx="1">
+            <a:schemeClr val="accent1"/>
+          </a:fillRef>
+          <a:effectRef idx="0">
+            <a:schemeClr val="accent1"/>
+          </a:effectRef>
+          <a:fontRef idx="minor">
+            <a:schemeClr val="lt1"/>
+          </a:fontRef>
+        </p:style>
+        <p:txBody>
+          <a:bodyPr rtlCol="0" anchor="ctr"/>
+          <a:lstStyle/>
+          <a:p>
+            <a:pPr algn="ctr"/>
+            <a:r>
+              <a:rPr lang="en-IN" b="1" dirty="0"/>
+              <a:t>Session</a:t>
+            </a:r>
+            <a:endParaRPr lang="en-US" b="1" dirty="0"/>
+          </a:p>
+        </p:txBody>
+      </p:sp>
+      <p:sp>
+        <p:nvSpPr>
+          <p:cNvPr id="8" name="Rectangle: Rounded Corners 7">
+            <a:extLst>
+              <a:ext uri="{FF2B5EF4-FFF2-40B4-BE49-F238E27FC236}">
+                <a16:creationId xmlns:a16="http://schemas.microsoft.com/office/drawing/2014/main" id="{45445AE6-34B6-B96F-B4A5-B9E2415FB804}"/>
+              </a:ext>
+            </a:extLst>
+          </p:cNvPr>
+          <p:cNvSpPr/>
+          <p:nvPr/>
+        </p:nvSpPr>
+        <p:spPr>
+          <a:xfrm>
+            <a:off x="4963887" y="1390262"/>
+            <a:ext cx="1231639" cy="587828"/>
+          </a:xfrm>
+          <a:prstGeom prst="roundRect">
+            <a:avLst/>
+          </a:prstGeom>
+        </p:spPr>
+        <p:style>
+          <a:lnRef idx="2">
+            <a:schemeClr val="accent1">
+              <a:shade val="50000"/>
+            </a:schemeClr>
+          </a:lnRef>
+          <a:fillRef idx="1">
+            <a:schemeClr val="accent1"/>
+          </a:fillRef>
+          <a:effectRef idx="0">
+            <a:schemeClr val="accent1"/>
+          </a:effectRef>
+          <a:fontRef idx="minor">
+            <a:schemeClr val="lt1"/>
+          </a:fontRef>
+        </p:style>
+        <p:txBody>
+          <a:bodyPr rtlCol="0" anchor="ctr"/>
+          <a:lstStyle/>
+          <a:p>
+            <a:pPr algn="ctr"/>
+            <a:r>
+              <a:rPr lang="en-IN" b="1" dirty="0"/>
+              <a:t>Exception</a:t>
+            </a:r>
+            <a:endParaRPr lang="en-US" b="1" dirty="0"/>
+          </a:p>
+        </p:txBody>
+      </p:sp>
+      <p:sp>
+        <p:nvSpPr>
+          <p:cNvPr id="9" name="Rectangle: Rounded Corners 8">
+            <a:extLst>
+              <a:ext uri="{FF2B5EF4-FFF2-40B4-BE49-F238E27FC236}">
+                <a16:creationId xmlns:a16="http://schemas.microsoft.com/office/drawing/2014/main" id="{74E037B1-CA9C-276F-72F7-510F2B6DD07B}"/>
+              </a:ext>
+            </a:extLst>
+          </p:cNvPr>
+          <p:cNvSpPr/>
+          <p:nvPr/>
+        </p:nvSpPr>
+        <p:spPr>
+          <a:xfrm>
+            <a:off x="6287275" y="1390262"/>
+            <a:ext cx="1231639" cy="587828"/>
+          </a:xfrm>
+          <a:prstGeom prst="roundRect">
+            <a:avLst/>
+          </a:prstGeom>
+        </p:spPr>
+        <p:style>
+          <a:lnRef idx="2">
+            <a:schemeClr val="accent1">
+              <a:shade val="50000"/>
+            </a:schemeClr>
+          </a:lnRef>
+          <a:fillRef idx="1">
+            <a:schemeClr val="accent1"/>
+          </a:fillRef>
+          <a:effectRef idx="0">
+            <a:schemeClr val="accent1"/>
+          </a:effectRef>
+          <a:fontRef idx="minor">
+            <a:schemeClr val="lt1"/>
+          </a:fontRef>
+        </p:style>
+        <p:txBody>
+          <a:bodyPr rtlCol="0" anchor="ctr"/>
+          <a:lstStyle/>
+          <a:p>
+            <a:pPr algn="ctr"/>
+            <a:r>
+              <a:rPr lang="en-IN" b="1" dirty="0"/>
+              <a:t>Routing</a:t>
+            </a:r>
+            <a:endParaRPr lang="en-US" b="1" dirty="0"/>
+          </a:p>
+        </p:txBody>
+      </p:sp>
+      <p:sp>
+        <p:nvSpPr>
+          <p:cNvPr id="10" name="Left Brace 9">
+            <a:extLst>
+              <a:ext uri="{FF2B5EF4-FFF2-40B4-BE49-F238E27FC236}">
+                <a16:creationId xmlns:a16="http://schemas.microsoft.com/office/drawing/2014/main" id="{17DBE354-C369-BC96-D89E-8F71B701080A}"/>
+              </a:ext>
+            </a:extLst>
+          </p:cNvPr>
+          <p:cNvSpPr/>
+          <p:nvPr/>
+        </p:nvSpPr>
+        <p:spPr>
+          <a:xfrm rot="16200000">
+            <a:off x="4337178" y="366229"/>
+            <a:ext cx="1418253" cy="4945218"/>
+          </a:xfrm>
+          <a:prstGeom prst="leftBrace">
+            <a:avLst/>
+          </a:prstGeom>
+          <a:ln w="76200"/>
+        </p:spPr>
+        <p:style>
+          <a:lnRef idx="1">
+            <a:schemeClr val="accent1"/>
+          </a:lnRef>
+          <a:fillRef idx="0">
+            <a:schemeClr val="accent1"/>
+          </a:fillRef>
+          <a:effectRef idx="0">
+            <a:schemeClr val="accent1"/>
+          </a:effectRef>
+          <a:fontRef idx="minor">
+            <a:schemeClr val="tx1"/>
+          </a:fontRef>
+        </p:style>
+        <p:txBody>
+          <a:bodyPr rtlCol="0" anchor="ctr"/>
+          <a:lstStyle/>
+          <a:p>
+            <a:pPr algn="ctr"/>
+            <a:endParaRPr lang="en-US"/>
+          </a:p>
+        </p:txBody>
+      </p:sp>
+      <p:sp>
+        <p:nvSpPr>
+          <p:cNvPr id="11" name="TextBox 10">
+            <a:extLst>
+              <a:ext uri="{FF2B5EF4-FFF2-40B4-BE49-F238E27FC236}">
+                <a16:creationId xmlns:a16="http://schemas.microsoft.com/office/drawing/2014/main" id="{C0547001-2BEC-31E8-E223-91152F4ACB6E}"/>
+              </a:ext>
+            </a:extLst>
+          </p:cNvPr>
+          <p:cNvSpPr txBox="1"/>
+          <p:nvPr/>
+        </p:nvSpPr>
+        <p:spPr>
+          <a:xfrm>
+            <a:off x="2435290" y="4030824"/>
+            <a:ext cx="5990253" cy="923330"/>
+          </a:xfrm>
+          <a:prstGeom prst="rect">
+            <a:avLst/>
+          </a:prstGeom>
+          <a:noFill/>
+        </p:spPr>
+        <p:txBody>
+          <a:bodyPr wrap="square" rtlCol="0">
+            <a:spAutoFit/>
+          </a:bodyPr>
+          <a:lstStyle/>
+          <a:p>
+            <a:r>
+              <a:rPr lang="en-IN" b="1" dirty="0"/>
+              <a:t>Various Objects in Channel or Pipeline  that will be used to define the Request Processing. This pipeline is managed by the “</a:t>
+            </a:r>
+            <a:r>
+              <a:rPr lang="en-IN" b="1"/>
+              <a:t>Web Applciation Host”</a:t>
+            </a:r>
+            <a:endParaRPr lang="en-US" b="1" dirty="0"/>
+          </a:p>
+        </p:txBody>
+      </p:sp>
+    </p:spTree>
+    <p:extLst>
+      <p:ext uri="{BB962C8B-B14F-4D97-AF65-F5344CB8AC3E}">
+        <p14:creationId xmlns:p14="http://schemas.microsoft.com/office/powerpoint/2010/main" val="476332850"/>
+      </p:ext>
+    </p:extLst>
+  </p:cSld>
+  <p:clrMapOvr>
+    <a:masterClrMapping/>
+  </p:clrMapOvr>
+</p:sld>
+</file>
+
+<file path=ppt/slides/slide48.xml><?xml version="1.0" encoding="utf-8"?>
+<p:sld xmlns:a="http://schemas.openxmlformats.org/drawingml/2006/main" xmlns:r="http://schemas.openxmlformats.org/officeDocument/2006/relationships" xmlns:p="http://schemas.openxmlformats.org/presentationml/2006/main">
+  <p:cSld>
+    <p:spTree>
+      <p:nvGrpSpPr>
+        <p:cNvPr id="1" name=""/>
+        <p:cNvGrpSpPr/>
+        <p:nvPr/>
+      </p:nvGrpSpPr>
+      <p:grpSpPr>
+        <a:xfrm>
+          <a:off x="0" y="0"/>
+          <a:ext cx="0" cy="0"/>
+          <a:chOff x="0" y="0"/>
+          <a:chExt cx="0" cy="0"/>
+        </a:xfrm>
+      </p:grpSpPr>
+      <p:sp>
+        <p:nvSpPr>
+          <p:cNvPr id="2" name="Rectangle 1">
+            <a:extLst>
+              <a:ext uri="{FF2B5EF4-FFF2-40B4-BE49-F238E27FC236}">
+                <a16:creationId xmlns:a16="http://schemas.microsoft.com/office/drawing/2014/main" id="{0CDF62DE-9A21-943E-79B0-BCD5444C71D6}"/>
+              </a:ext>
+            </a:extLst>
+          </p:cNvPr>
+          <p:cNvSpPr/>
+          <p:nvPr/>
+        </p:nvSpPr>
+        <p:spPr>
+          <a:xfrm>
+            <a:off x="6830009" y="667139"/>
+            <a:ext cx="2705878" cy="5766318"/>
+          </a:xfrm>
+          <a:prstGeom prst="rect">
+            <a:avLst/>
+          </a:prstGeom>
+        </p:spPr>
+        <p:style>
+          <a:lnRef idx="2">
+            <a:schemeClr val="accent4"/>
+          </a:lnRef>
+          <a:fillRef idx="1">
+            <a:schemeClr val="lt1"/>
+          </a:fillRef>
+          <a:effectRef idx="0">
+            <a:schemeClr val="accent4"/>
+          </a:effectRef>
+          <a:fontRef idx="minor">
+            <a:schemeClr val="dk1"/>
+          </a:fontRef>
+        </p:style>
+        <p:txBody>
+          <a:bodyPr rtlCol="0" anchor="ctr"/>
+          <a:lstStyle/>
+          <a:p>
+            <a:pPr algn="ctr"/>
+            <a:endParaRPr lang="en-US"/>
+          </a:p>
+        </p:txBody>
+      </p:sp>
+      <p:sp>
+        <p:nvSpPr>
+          <p:cNvPr id="3" name="TextBox 2">
+            <a:extLst>
+              <a:ext uri="{FF2B5EF4-FFF2-40B4-BE49-F238E27FC236}">
+                <a16:creationId xmlns:a16="http://schemas.microsoft.com/office/drawing/2014/main" id="{6F4AD947-69F4-3610-2DA8-E7A5134D6A11}"/>
+              </a:ext>
+            </a:extLst>
+          </p:cNvPr>
+          <p:cNvSpPr txBox="1"/>
+          <p:nvPr/>
+        </p:nvSpPr>
+        <p:spPr>
+          <a:xfrm>
+            <a:off x="6913984" y="727788"/>
+            <a:ext cx="2435289" cy="369332"/>
+          </a:xfrm>
+          <a:prstGeom prst="rect">
+            <a:avLst/>
+          </a:prstGeom>
+          <a:noFill/>
+        </p:spPr>
+        <p:txBody>
+          <a:bodyPr wrap="square" rtlCol="0">
+            <a:spAutoFit/>
+          </a:bodyPr>
+          <a:lstStyle/>
+          <a:p>
+            <a:pPr algn="ctr"/>
+            <a:r>
+              <a:rPr lang="en-IN" b="1" dirty="0" err="1"/>
+              <a:t>WebHost</a:t>
+            </a:r>
+            <a:endParaRPr lang="en-US" b="1" dirty="0"/>
+          </a:p>
+        </p:txBody>
+      </p:sp>
+      <p:sp>
+        <p:nvSpPr>
+          <p:cNvPr id="4" name="Flowchart: Multidocument 3">
+            <a:extLst>
+              <a:ext uri="{FF2B5EF4-FFF2-40B4-BE49-F238E27FC236}">
+                <a16:creationId xmlns:a16="http://schemas.microsoft.com/office/drawing/2014/main" id="{A5BE752B-D43E-DE88-6DC5-987ABF8A61B7}"/>
+              </a:ext>
+            </a:extLst>
+          </p:cNvPr>
+          <p:cNvSpPr/>
+          <p:nvPr/>
+        </p:nvSpPr>
+        <p:spPr>
+          <a:xfrm>
+            <a:off x="6913984" y="2164702"/>
+            <a:ext cx="1399592" cy="867747"/>
+          </a:xfrm>
+          <a:prstGeom prst="flowChartMultidocument">
+            <a:avLst/>
+          </a:prstGeom>
+        </p:spPr>
+        <p:style>
+          <a:lnRef idx="2">
+            <a:schemeClr val="accent1">
+              <a:shade val="50000"/>
+            </a:schemeClr>
+          </a:lnRef>
+          <a:fillRef idx="1">
+            <a:schemeClr val="accent1"/>
+          </a:fillRef>
+          <a:effectRef idx="0">
+            <a:schemeClr val="accent1"/>
+          </a:effectRef>
+          <a:fontRef idx="minor">
+            <a:schemeClr val="lt1"/>
+          </a:fontRef>
+        </p:style>
+        <p:txBody>
+          <a:bodyPr rtlCol="0" anchor="ctr"/>
+          <a:lstStyle/>
+          <a:p>
+            <a:pPr algn="ctr"/>
+            <a:endParaRPr lang="en-US"/>
+          </a:p>
+        </p:txBody>
+      </p:sp>
+      <p:sp>
+        <p:nvSpPr>
+          <p:cNvPr id="5" name="Flowchart: Multidocument 4">
+            <a:extLst>
+              <a:ext uri="{FF2B5EF4-FFF2-40B4-BE49-F238E27FC236}">
+                <a16:creationId xmlns:a16="http://schemas.microsoft.com/office/drawing/2014/main" id="{86CEC128-17E4-CE8A-BE64-143A5804C50D}"/>
+              </a:ext>
+            </a:extLst>
+          </p:cNvPr>
+          <p:cNvSpPr/>
+          <p:nvPr/>
+        </p:nvSpPr>
+        <p:spPr>
+          <a:xfrm>
+            <a:off x="7795727" y="2352478"/>
+            <a:ext cx="1399592" cy="867747"/>
+          </a:xfrm>
+          <a:prstGeom prst="flowChartMultidocument">
+            <a:avLst/>
+          </a:prstGeom>
+        </p:spPr>
+        <p:style>
+          <a:lnRef idx="2">
+            <a:schemeClr val="accent1">
+              <a:shade val="50000"/>
+            </a:schemeClr>
+          </a:lnRef>
+          <a:fillRef idx="1">
+            <a:schemeClr val="accent1"/>
+          </a:fillRef>
+          <a:effectRef idx="0">
+            <a:schemeClr val="accent1"/>
+          </a:effectRef>
+          <a:fontRef idx="minor">
+            <a:schemeClr val="lt1"/>
+          </a:fontRef>
+        </p:style>
+        <p:txBody>
+          <a:bodyPr rtlCol="0" anchor="ctr"/>
+          <a:lstStyle/>
+          <a:p>
+            <a:pPr algn="ctr"/>
+            <a:endParaRPr lang="en-US"/>
+          </a:p>
+        </p:txBody>
+      </p:sp>
+      <p:sp>
+        <p:nvSpPr>
+          <p:cNvPr id="6" name="Flowchart: Multidocument 5">
+            <a:extLst>
+              <a:ext uri="{FF2B5EF4-FFF2-40B4-BE49-F238E27FC236}">
+                <a16:creationId xmlns:a16="http://schemas.microsoft.com/office/drawing/2014/main" id="{A8A5219D-7674-4294-2056-1C406E1392AB}"/>
+              </a:ext>
+            </a:extLst>
+          </p:cNvPr>
+          <p:cNvSpPr/>
+          <p:nvPr/>
+        </p:nvSpPr>
+        <p:spPr>
+          <a:xfrm>
+            <a:off x="7483152" y="2903375"/>
+            <a:ext cx="1399592" cy="867747"/>
+          </a:xfrm>
+          <a:prstGeom prst="flowChartMultidocument">
+            <a:avLst/>
+          </a:prstGeom>
+        </p:spPr>
+        <p:style>
+          <a:lnRef idx="2">
+            <a:schemeClr val="accent1">
+              <a:shade val="50000"/>
+            </a:schemeClr>
+          </a:lnRef>
+          <a:fillRef idx="1">
+            <a:schemeClr val="accent1"/>
+          </a:fillRef>
+          <a:effectRef idx="0">
+            <a:schemeClr val="accent1"/>
+          </a:effectRef>
+          <a:fontRef idx="minor">
+            <a:schemeClr val="lt1"/>
+          </a:fontRef>
+        </p:style>
+        <p:txBody>
+          <a:bodyPr rtlCol="0" anchor="ctr"/>
+          <a:lstStyle/>
+          <a:p>
+            <a:pPr algn="ctr"/>
+            <a:endParaRPr lang="en-US"/>
+          </a:p>
+        </p:txBody>
+      </p:sp>
+      <p:sp>
+        <p:nvSpPr>
+          <p:cNvPr id="7" name="Cylinder 6">
+            <a:extLst>
+              <a:ext uri="{FF2B5EF4-FFF2-40B4-BE49-F238E27FC236}">
+                <a16:creationId xmlns:a16="http://schemas.microsoft.com/office/drawing/2014/main" id="{B76F8F04-9185-07EC-2648-7C073D304AF7}"/>
+              </a:ext>
+            </a:extLst>
+          </p:cNvPr>
+          <p:cNvSpPr/>
+          <p:nvPr/>
+        </p:nvSpPr>
+        <p:spPr>
+          <a:xfrm>
+            <a:off x="10002414" y="1288788"/>
+            <a:ext cx="1894115" cy="1063690"/>
+          </a:xfrm>
+          <a:prstGeom prst="can">
+            <a:avLst/>
+          </a:prstGeom>
+          <a:solidFill>
+            <a:srgbClr val="00B050"/>
+          </a:solidFill>
+        </p:spPr>
+        <p:style>
+          <a:lnRef idx="2">
+            <a:schemeClr val="accent1">
+              <a:shade val="50000"/>
+            </a:schemeClr>
+          </a:lnRef>
+          <a:fillRef idx="1">
+            <a:schemeClr val="accent1"/>
+          </a:fillRef>
+          <a:effectRef idx="0">
+            <a:schemeClr val="accent1"/>
+          </a:effectRef>
+          <a:fontRef idx="minor">
+            <a:schemeClr val="lt1"/>
+          </a:fontRef>
+        </p:style>
+        <p:txBody>
+          <a:bodyPr rtlCol="0" anchor="ctr"/>
+          <a:lstStyle/>
+          <a:p>
+            <a:pPr algn="ctr"/>
+            <a:r>
+              <a:rPr lang="en-IN" b="1" dirty="0" err="1"/>
+              <a:t>IdentityDB</a:t>
+            </a:r>
+            <a:endParaRPr lang="en-US" b="1" dirty="0"/>
+          </a:p>
+        </p:txBody>
+      </p:sp>
+      <p:sp>
+        <p:nvSpPr>
+          <p:cNvPr id="8" name="Cylinder 7">
+            <a:extLst>
+              <a:ext uri="{FF2B5EF4-FFF2-40B4-BE49-F238E27FC236}">
+                <a16:creationId xmlns:a16="http://schemas.microsoft.com/office/drawing/2014/main" id="{C4CDABCB-23A2-997E-446A-CA2FBBFAD162}"/>
+              </a:ext>
+            </a:extLst>
+          </p:cNvPr>
+          <p:cNvSpPr/>
+          <p:nvPr/>
+        </p:nvSpPr>
+        <p:spPr>
+          <a:xfrm>
+            <a:off x="10002415" y="4180114"/>
+            <a:ext cx="1894115" cy="1063690"/>
+          </a:xfrm>
+          <a:prstGeom prst="can">
+            <a:avLst/>
+          </a:prstGeom>
+          <a:solidFill>
+            <a:srgbClr val="FF0000"/>
+          </a:solidFill>
+        </p:spPr>
+        <p:style>
+          <a:lnRef idx="2">
+            <a:schemeClr val="accent1">
+              <a:shade val="50000"/>
+            </a:schemeClr>
+          </a:lnRef>
+          <a:fillRef idx="1">
+            <a:schemeClr val="accent1"/>
+          </a:fillRef>
+          <a:effectRef idx="0">
+            <a:schemeClr val="accent1"/>
+          </a:effectRef>
+          <a:fontRef idx="minor">
+            <a:schemeClr val="lt1"/>
+          </a:fontRef>
+        </p:style>
+        <p:txBody>
+          <a:bodyPr rtlCol="0" anchor="ctr"/>
+          <a:lstStyle/>
+          <a:p>
+            <a:pPr algn="ctr"/>
+            <a:r>
+              <a:rPr lang="en-IN" b="1" dirty="0" err="1"/>
+              <a:t>ApplicationDB</a:t>
+            </a:r>
+            <a:endParaRPr lang="en-US" b="1" dirty="0"/>
+          </a:p>
+        </p:txBody>
+      </p:sp>
+      <p:sp>
+        <p:nvSpPr>
+          <p:cNvPr id="9" name="Arrow: Right 8">
+            <a:extLst>
+              <a:ext uri="{FF2B5EF4-FFF2-40B4-BE49-F238E27FC236}">
+                <a16:creationId xmlns:a16="http://schemas.microsoft.com/office/drawing/2014/main" id="{78D0B1A5-DF36-8ECE-CC57-F0DA56D4EFB5}"/>
+              </a:ext>
+            </a:extLst>
+          </p:cNvPr>
+          <p:cNvSpPr/>
+          <p:nvPr/>
+        </p:nvSpPr>
+        <p:spPr>
+          <a:xfrm>
+            <a:off x="242596" y="727788"/>
+            <a:ext cx="6559420" cy="923730"/>
+          </a:xfrm>
+          <a:prstGeom prst="rightArrow">
+            <a:avLst/>
+          </a:prstGeom>
+        </p:spPr>
+        <p:style>
+          <a:lnRef idx="2">
+            <a:schemeClr val="accent1">
+              <a:shade val="50000"/>
+            </a:schemeClr>
+          </a:lnRef>
+          <a:fillRef idx="1">
+            <a:schemeClr val="accent1"/>
+          </a:fillRef>
+          <a:effectRef idx="0">
+            <a:schemeClr val="accent1"/>
+          </a:effectRef>
+          <a:fontRef idx="minor">
+            <a:schemeClr val="lt1"/>
+          </a:fontRef>
+        </p:style>
+        <p:txBody>
+          <a:bodyPr rtlCol="0" anchor="ctr"/>
+          <a:lstStyle/>
+          <a:p>
+            <a:pPr algn="ctr"/>
+            <a:r>
+              <a:rPr lang="en-IN" b="1" dirty="0"/>
+              <a:t>1. Request</a:t>
+            </a:r>
+            <a:endParaRPr lang="en-US" b="1" dirty="0"/>
+          </a:p>
+        </p:txBody>
+      </p:sp>
+      <p:sp>
+        <p:nvSpPr>
+          <p:cNvPr id="12" name="Arrow: Curved Down 11">
+            <a:extLst>
+              <a:ext uri="{FF2B5EF4-FFF2-40B4-BE49-F238E27FC236}">
+                <a16:creationId xmlns:a16="http://schemas.microsoft.com/office/drawing/2014/main" id="{91E8C4E3-04FD-790B-F6DB-79A3033D9FDC}"/>
+              </a:ext>
+            </a:extLst>
+          </p:cNvPr>
+          <p:cNvSpPr/>
+          <p:nvPr/>
+        </p:nvSpPr>
+        <p:spPr>
+          <a:xfrm>
+            <a:off x="7002624" y="1335437"/>
+            <a:ext cx="2621903" cy="262039"/>
+          </a:xfrm>
+          <a:prstGeom prst="curvedDownArrow">
+            <a:avLst/>
+          </a:prstGeom>
+        </p:spPr>
+        <p:style>
+          <a:lnRef idx="2">
+            <a:schemeClr val="accent1">
+              <a:shade val="50000"/>
+            </a:schemeClr>
+          </a:lnRef>
+          <a:fillRef idx="1">
+            <a:schemeClr val="accent1"/>
+          </a:fillRef>
+          <a:effectRef idx="0">
+            <a:schemeClr val="accent1"/>
+          </a:effectRef>
+          <a:fontRef idx="minor">
+            <a:schemeClr val="lt1"/>
+          </a:fontRef>
+        </p:style>
+        <p:txBody>
+          <a:bodyPr rtlCol="0" anchor="ctr"/>
+          <a:lstStyle/>
+          <a:p>
+            <a:pPr algn="ctr"/>
+            <a:endParaRPr lang="en-US">
+              <a:solidFill>
+                <a:schemeClr val="tx1"/>
+              </a:solidFill>
+            </a:endParaRPr>
+          </a:p>
+        </p:txBody>
+      </p:sp>
+      <p:sp>
+        <p:nvSpPr>
+          <p:cNvPr id="13" name="Arrow: Curved Down 12">
+            <a:extLst>
+              <a:ext uri="{FF2B5EF4-FFF2-40B4-BE49-F238E27FC236}">
+                <a16:creationId xmlns:a16="http://schemas.microsoft.com/office/drawing/2014/main" id="{A6157FA9-5951-172B-0450-99B59D50B568}"/>
+              </a:ext>
+            </a:extLst>
+          </p:cNvPr>
+          <p:cNvSpPr/>
+          <p:nvPr/>
+        </p:nvSpPr>
+        <p:spPr>
+          <a:xfrm rot="10800000">
+            <a:off x="6941977" y="1674573"/>
+            <a:ext cx="2621903" cy="302353"/>
+          </a:xfrm>
+          <a:prstGeom prst="curvedDownArrow">
+            <a:avLst/>
+          </a:prstGeom>
+        </p:spPr>
+        <p:style>
+          <a:lnRef idx="2">
+            <a:schemeClr val="accent1">
+              <a:shade val="50000"/>
+            </a:schemeClr>
+          </a:lnRef>
+          <a:fillRef idx="1">
+            <a:schemeClr val="accent1"/>
+          </a:fillRef>
+          <a:effectRef idx="0">
+            <a:schemeClr val="accent1"/>
+          </a:effectRef>
+          <a:fontRef idx="minor">
+            <a:schemeClr val="lt1"/>
+          </a:fontRef>
+        </p:style>
+        <p:txBody>
+          <a:bodyPr rtlCol="0" anchor="ctr"/>
+          <a:lstStyle/>
+          <a:p>
+            <a:pPr algn="ctr"/>
+            <a:endParaRPr lang="en-US" dirty="0">
+              <a:solidFill>
+                <a:schemeClr val="tx1"/>
+              </a:solidFill>
+            </a:endParaRPr>
+          </a:p>
+        </p:txBody>
+      </p:sp>
+      <p:sp>
+        <p:nvSpPr>
+          <p:cNvPr id="14" name="TextBox 13">
+            <a:extLst>
+              <a:ext uri="{FF2B5EF4-FFF2-40B4-BE49-F238E27FC236}">
+                <a16:creationId xmlns:a16="http://schemas.microsoft.com/office/drawing/2014/main" id="{75B71868-5843-0470-392F-98B5A425A133}"/>
+              </a:ext>
+            </a:extLst>
+          </p:cNvPr>
+          <p:cNvSpPr txBox="1"/>
+          <p:nvPr/>
+        </p:nvSpPr>
+        <p:spPr>
+          <a:xfrm>
+            <a:off x="7361853" y="1466456"/>
+            <a:ext cx="1707502" cy="369337"/>
+          </a:xfrm>
+          <a:prstGeom prst="rect">
+            <a:avLst/>
+          </a:prstGeom>
+          <a:noFill/>
+        </p:spPr>
+        <p:txBody>
+          <a:bodyPr wrap="square" rtlCol="0">
+            <a:spAutoFit/>
+          </a:bodyPr>
+          <a:lstStyle/>
+          <a:p>
+            <a:r>
+              <a:rPr lang="en-IN" dirty="0"/>
+              <a:t>2. Auth Check</a:t>
+            </a:r>
+            <a:endParaRPr lang="en-US" dirty="0"/>
+          </a:p>
+        </p:txBody>
+      </p:sp>
+      <p:cxnSp>
+        <p:nvCxnSpPr>
+          <p:cNvPr id="16" name="Connector: Elbow 15">
+            <a:extLst>
+              <a:ext uri="{FF2B5EF4-FFF2-40B4-BE49-F238E27FC236}">
+                <a16:creationId xmlns:a16="http://schemas.microsoft.com/office/drawing/2014/main" id="{51143963-96E5-2C9B-03D3-162094DD865C}"/>
+              </a:ext>
+            </a:extLst>
+          </p:cNvPr>
+          <p:cNvCxnSpPr>
+            <a:stCxn id="2" idx="3"/>
+            <a:endCxn id="7" idx="3"/>
+          </p:cNvCxnSpPr>
+          <p:nvPr/>
+        </p:nvCxnSpPr>
+        <p:spPr>
+          <a:xfrm flipV="1">
+            <a:off x="9535887" y="2352478"/>
+            <a:ext cx="1413585" cy="1197820"/>
+          </a:xfrm>
+          <a:prstGeom prst="bentConnector2">
+            <a:avLst/>
+          </a:prstGeom>
+          <a:ln w="76200">
+            <a:tailEnd type="triangle"/>
+          </a:ln>
+        </p:spPr>
+        <p:style>
+          <a:lnRef idx="1">
+            <a:schemeClr val="accent1"/>
+          </a:lnRef>
+          <a:fillRef idx="0">
+            <a:schemeClr val="accent1"/>
+          </a:fillRef>
+          <a:effectRef idx="0">
+            <a:schemeClr val="accent1"/>
+          </a:effectRef>
+          <a:fontRef idx="minor">
+            <a:schemeClr val="tx1"/>
+          </a:fontRef>
+        </p:style>
+      </p:cxnSp>
+      <p:sp>
+        <p:nvSpPr>
+          <p:cNvPr id="17" name="TextBox 16">
+            <a:extLst>
+              <a:ext uri="{FF2B5EF4-FFF2-40B4-BE49-F238E27FC236}">
+                <a16:creationId xmlns:a16="http://schemas.microsoft.com/office/drawing/2014/main" id="{AC5BCA63-1D8E-5EB9-D46F-76382D26CD79}"/>
+              </a:ext>
+            </a:extLst>
+          </p:cNvPr>
+          <p:cNvSpPr txBox="1"/>
+          <p:nvPr/>
+        </p:nvSpPr>
+        <p:spPr>
+          <a:xfrm>
+            <a:off x="9764487" y="2982294"/>
+            <a:ext cx="2299995" cy="338554"/>
+          </a:xfrm>
+          <a:prstGeom prst="rect">
+            <a:avLst/>
+          </a:prstGeom>
+          <a:noFill/>
+        </p:spPr>
+        <p:txBody>
+          <a:bodyPr wrap="square" rtlCol="0">
+            <a:spAutoFit/>
+          </a:bodyPr>
+          <a:lstStyle/>
+          <a:p>
+            <a:r>
+              <a:rPr lang="en-IN" sz="1600" dirty="0"/>
+              <a:t>3. Check for Credentials</a:t>
+            </a:r>
+            <a:endParaRPr lang="en-US" sz="1600" dirty="0"/>
+          </a:p>
+        </p:txBody>
+      </p:sp>
+      <p:cxnSp>
+        <p:nvCxnSpPr>
+          <p:cNvPr id="19" name="Connector: Elbow 18">
+            <a:extLst>
+              <a:ext uri="{FF2B5EF4-FFF2-40B4-BE49-F238E27FC236}">
+                <a16:creationId xmlns:a16="http://schemas.microsoft.com/office/drawing/2014/main" id="{B82F1593-1592-0492-B60E-E97D2B116BA6}"/>
+              </a:ext>
+            </a:extLst>
+          </p:cNvPr>
+          <p:cNvCxnSpPr>
+            <a:stCxn id="7" idx="2"/>
+            <a:endCxn id="2" idx="3"/>
+          </p:cNvCxnSpPr>
+          <p:nvPr/>
+        </p:nvCxnSpPr>
+        <p:spPr>
+          <a:xfrm rot="10800000" flipV="1">
+            <a:off x="9535888" y="1820632"/>
+            <a:ext cx="466527" cy="1729665"/>
+          </a:xfrm>
+          <a:prstGeom prst="bentConnector3">
+            <a:avLst/>
+          </a:prstGeom>
+          <a:ln w="76200">
+            <a:tailEnd type="triangle"/>
+          </a:ln>
+        </p:spPr>
+        <p:style>
+          <a:lnRef idx="1">
+            <a:schemeClr val="accent1"/>
+          </a:lnRef>
+          <a:fillRef idx="0">
+            <a:schemeClr val="accent1"/>
+          </a:fillRef>
+          <a:effectRef idx="0">
+            <a:schemeClr val="accent1"/>
+          </a:effectRef>
+          <a:fontRef idx="minor">
+            <a:schemeClr val="tx1"/>
+          </a:fontRef>
+        </p:style>
+      </p:cxnSp>
+      <p:cxnSp>
+        <p:nvCxnSpPr>
+          <p:cNvPr id="21" name="Straight Arrow Connector 20">
+            <a:extLst>
+              <a:ext uri="{FF2B5EF4-FFF2-40B4-BE49-F238E27FC236}">
+                <a16:creationId xmlns:a16="http://schemas.microsoft.com/office/drawing/2014/main" id="{19BDE646-89FF-1D2C-13E1-59962CC9A7C5}"/>
+              </a:ext>
+            </a:extLst>
+          </p:cNvPr>
+          <p:cNvCxnSpPr/>
+          <p:nvPr/>
+        </p:nvCxnSpPr>
+        <p:spPr>
+          <a:xfrm flipV="1">
+            <a:off x="9764487" y="667139"/>
+            <a:ext cx="209934" cy="2010747"/>
+          </a:xfrm>
+          <a:prstGeom prst="straightConnector1">
+            <a:avLst/>
+          </a:prstGeom>
+          <a:ln>
+            <a:tailEnd type="triangle"/>
+          </a:ln>
+        </p:spPr>
+        <p:style>
+          <a:lnRef idx="1">
+            <a:schemeClr val="accent1"/>
+          </a:lnRef>
+          <a:fillRef idx="0">
+            <a:schemeClr val="accent1"/>
+          </a:fillRef>
+          <a:effectRef idx="0">
+            <a:schemeClr val="accent1"/>
+          </a:effectRef>
+          <a:fontRef idx="minor">
+            <a:schemeClr val="tx1"/>
+          </a:fontRef>
+        </p:style>
+      </p:cxnSp>
+      <p:sp>
+        <p:nvSpPr>
+          <p:cNvPr id="22" name="TextBox 21">
+            <a:extLst>
+              <a:ext uri="{FF2B5EF4-FFF2-40B4-BE49-F238E27FC236}">
+                <a16:creationId xmlns:a16="http://schemas.microsoft.com/office/drawing/2014/main" id="{D5F4E194-40D4-6EC5-4EB7-2D49FB17B321}"/>
+              </a:ext>
+            </a:extLst>
+          </p:cNvPr>
+          <p:cNvSpPr txBox="1"/>
+          <p:nvPr/>
+        </p:nvSpPr>
+        <p:spPr>
+          <a:xfrm>
+            <a:off x="9974421" y="298580"/>
+            <a:ext cx="1996755" cy="369332"/>
+          </a:xfrm>
+          <a:prstGeom prst="rect">
+            <a:avLst/>
+          </a:prstGeom>
+          <a:noFill/>
+        </p:spPr>
+        <p:txBody>
+          <a:bodyPr wrap="square" rtlCol="0">
+            <a:spAutoFit/>
+          </a:bodyPr>
+          <a:lstStyle/>
+          <a:p>
+            <a:r>
+              <a:rPr lang="en-IN" dirty="0"/>
+              <a:t>4. Auth request</a:t>
+            </a:r>
+            <a:endParaRPr lang="en-US" dirty="0"/>
+          </a:p>
+        </p:txBody>
+      </p:sp>
+      <p:sp>
+        <p:nvSpPr>
+          <p:cNvPr id="23" name="Arrow: Curved Down 22">
+            <a:extLst>
+              <a:ext uri="{FF2B5EF4-FFF2-40B4-BE49-F238E27FC236}">
+                <a16:creationId xmlns:a16="http://schemas.microsoft.com/office/drawing/2014/main" id="{A35E54FB-96D1-6728-B3CC-B2ED7CA77CCC}"/>
+              </a:ext>
+            </a:extLst>
+          </p:cNvPr>
+          <p:cNvSpPr/>
+          <p:nvPr/>
+        </p:nvSpPr>
+        <p:spPr>
+          <a:xfrm>
+            <a:off x="6897656" y="3958898"/>
+            <a:ext cx="2621903" cy="262039"/>
+          </a:xfrm>
+          <a:prstGeom prst="curvedDownArrow">
+            <a:avLst/>
+          </a:prstGeom>
+        </p:spPr>
+        <p:style>
+          <a:lnRef idx="2">
+            <a:schemeClr val="accent1">
+              <a:shade val="50000"/>
+            </a:schemeClr>
+          </a:lnRef>
+          <a:fillRef idx="1">
+            <a:schemeClr val="accent1"/>
+          </a:fillRef>
+          <a:effectRef idx="0">
+            <a:schemeClr val="accent1"/>
+          </a:effectRef>
+          <a:fontRef idx="minor">
+            <a:schemeClr val="lt1"/>
+          </a:fontRef>
+        </p:style>
+        <p:txBody>
+          <a:bodyPr rtlCol="0" anchor="ctr"/>
+          <a:lstStyle/>
+          <a:p>
+            <a:pPr algn="ctr"/>
+            <a:endParaRPr lang="en-US">
+              <a:solidFill>
+                <a:schemeClr val="tx1"/>
+              </a:solidFill>
+            </a:endParaRPr>
+          </a:p>
+        </p:txBody>
+      </p:sp>
+      <p:sp>
+        <p:nvSpPr>
+          <p:cNvPr id="24" name="Arrow: Curved Down 23">
+            <a:extLst>
+              <a:ext uri="{FF2B5EF4-FFF2-40B4-BE49-F238E27FC236}">
+                <a16:creationId xmlns:a16="http://schemas.microsoft.com/office/drawing/2014/main" id="{382906F0-C067-9A81-838E-CE8085C50062}"/>
+              </a:ext>
+            </a:extLst>
+          </p:cNvPr>
+          <p:cNvSpPr/>
+          <p:nvPr/>
+        </p:nvSpPr>
+        <p:spPr>
+          <a:xfrm rot="10800000">
+            <a:off x="6837009" y="4298034"/>
+            <a:ext cx="2621903" cy="302353"/>
+          </a:xfrm>
+          <a:prstGeom prst="curvedDownArrow">
+            <a:avLst/>
+          </a:prstGeom>
+        </p:spPr>
+        <p:style>
+          <a:lnRef idx="2">
+            <a:schemeClr val="accent1">
+              <a:shade val="50000"/>
+            </a:schemeClr>
+          </a:lnRef>
+          <a:fillRef idx="1">
+            <a:schemeClr val="accent1"/>
+          </a:fillRef>
+          <a:effectRef idx="0">
+            <a:schemeClr val="accent1"/>
+          </a:effectRef>
+          <a:fontRef idx="minor">
+            <a:schemeClr val="lt1"/>
+          </a:fontRef>
+        </p:style>
+        <p:txBody>
+          <a:bodyPr rtlCol="0" anchor="ctr"/>
+          <a:lstStyle/>
+          <a:p>
+            <a:pPr algn="ctr"/>
+            <a:endParaRPr lang="en-US" dirty="0">
+              <a:solidFill>
+                <a:schemeClr val="tx1"/>
+              </a:solidFill>
+            </a:endParaRPr>
+          </a:p>
+        </p:txBody>
+      </p:sp>
+      <p:sp>
+        <p:nvSpPr>
+          <p:cNvPr id="25" name="TextBox 24">
+            <a:extLst>
+              <a:ext uri="{FF2B5EF4-FFF2-40B4-BE49-F238E27FC236}">
+                <a16:creationId xmlns:a16="http://schemas.microsoft.com/office/drawing/2014/main" id="{E48E3255-FE39-2FF4-7DDE-8725DE56B6E3}"/>
+              </a:ext>
+            </a:extLst>
+          </p:cNvPr>
+          <p:cNvSpPr txBox="1"/>
+          <p:nvPr/>
+        </p:nvSpPr>
+        <p:spPr>
+          <a:xfrm>
+            <a:off x="7256885" y="4089917"/>
+            <a:ext cx="2092388" cy="369332"/>
+          </a:xfrm>
+          <a:prstGeom prst="rect">
+            <a:avLst/>
+          </a:prstGeom>
+          <a:noFill/>
+        </p:spPr>
+        <p:txBody>
+          <a:bodyPr wrap="square" rtlCol="0">
+            <a:spAutoFit/>
+          </a:bodyPr>
+          <a:lstStyle/>
+          <a:p>
+            <a:r>
+              <a:rPr lang="en-IN" dirty="0"/>
+              <a:t>5. Execute Request</a:t>
+            </a:r>
+            <a:endParaRPr lang="en-US" dirty="0"/>
+          </a:p>
+        </p:txBody>
+      </p:sp>
+      <p:sp>
+        <p:nvSpPr>
+          <p:cNvPr id="26" name="Arrow: Left 25">
+            <a:extLst>
+              <a:ext uri="{FF2B5EF4-FFF2-40B4-BE49-F238E27FC236}">
+                <a16:creationId xmlns:a16="http://schemas.microsoft.com/office/drawing/2014/main" id="{DE50E9F8-FB9C-85AB-AB4B-3BD8A4530F09}"/>
+              </a:ext>
+            </a:extLst>
+          </p:cNvPr>
+          <p:cNvSpPr/>
+          <p:nvPr/>
+        </p:nvSpPr>
+        <p:spPr>
+          <a:xfrm>
+            <a:off x="286139" y="3958898"/>
+            <a:ext cx="6492547" cy="753061"/>
+          </a:xfrm>
+          <a:prstGeom prst="leftArrow">
+            <a:avLst/>
+          </a:prstGeom>
+        </p:spPr>
+        <p:style>
+          <a:lnRef idx="2">
+            <a:schemeClr val="accent1">
+              <a:shade val="50000"/>
+            </a:schemeClr>
+          </a:lnRef>
+          <a:fillRef idx="1">
+            <a:schemeClr val="accent1"/>
+          </a:fillRef>
+          <a:effectRef idx="0">
+            <a:schemeClr val="accent1"/>
+          </a:effectRef>
+          <a:fontRef idx="minor">
+            <a:schemeClr val="lt1"/>
+          </a:fontRef>
+        </p:style>
+        <p:txBody>
+          <a:bodyPr rtlCol="0" anchor="ctr"/>
+          <a:lstStyle/>
+          <a:p>
+            <a:pPr algn="ctr"/>
+            <a:r>
+              <a:rPr lang="en-IN" b="1" dirty="0"/>
+              <a:t>6. </a:t>
+            </a:r>
+            <a:r>
+              <a:rPr lang="en-IN" b="1"/>
+              <a:t>Response</a:t>
+            </a:r>
+            <a:endParaRPr lang="en-US" b="1" dirty="0"/>
+          </a:p>
+        </p:txBody>
+      </p:sp>
+    </p:spTree>
+    <p:extLst>
+      <p:ext uri="{BB962C8B-B14F-4D97-AF65-F5344CB8AC3E}">
+        <p14:creationId xmlns:p14="http://schemas.microsoft.com/office/powerpoint/2010/main" val="3703879847"/>
+      </p:ext>
+    </p:extLst>
+  </p:cSld>
+  <p:clrMapOvr>
+    <a:masterClrMapping/>
+  </p:clrMapOvr>
+</p:sld>
+</file>
+
 <file path=ppt/slides/slide5.xml><?xml version="1.0" encoding="utf-8"?>
 <p:sld xmlns:a="http://schemas.openxmlformats.org/drawingml/2006/main" xmlns:r="http://schemas.openxmlformats.org/officeDocument/2006/relationships" xmlns:p="http://schemas.openxmlformats.org/presentationml/2006/main">
   <p:cSld>
